--- a/ProjInf_AI_Driving_Classification.pptx
+++ b/ProjInf_AI_Driving_Classification.pptx
@@ -30840,7 +30840,10 @@
     <p:bg>
       <p:bgPr>
         <a:solidFill>
-          <a:srgbClr val="A37261"/>
+          <a:schemeClr val="accent2">
+            <a:lumMod val="20000"/>
+            <a:lumOff val="80000"/>
+          </a:schemeClr>
         </a:solidFill>
         <a:effectLst/>
       </p:bgPr>
@@ -30877,8 +30880,8 @@
         </p:nvSpPr>
         <p:spPr>
           <a:xfrm>
-            <a:off x="1317614" y="1883121"/>
-            <a:ext cx="8650251" cy="2435381"/>
+            <a:off x="1770874" y="2778745"/>
+            <a:ext cx="8650251" cy="1023020"/>
           </a:xfrm>
         </p:spPr>
         <p:txBody>
@@ -30888,10 +30891,18 @@
           <a:lstStyle/>
           <a:p>
             <a:r>
-              <a:rPr lang="en-US" dirty="0"/>
+              <a:rPr lang="en-US" dirty="0">
+                <a:solidFill>
+                  <a:schemeClr val="tx1"/>
+                </a:solidFill>
+              </a:rPr>
               <a:t>AI Driving Classification</a:t>
             </a:r>
-            <a:endParaRPr lang="pt-PT" dirty="0"/>
+            <a:endParaRPr lang="pt-PT" dirty="0">
+              <a:solidFill>
+                <a:schemeClr val="tx1"/>
+              </a:solidFill>
+            </a:endParaRPr>
           </a:p>
         </p:txBody>
       </p:sp>
@@ -30909,8 +30920,8 @@
         </p:nvSpPr>
         <p:spPr>
           <a:xfrm>
-            <a:off x="1317615" y="5840676"/>
-            <a:ext cx="6097508" cy="1031051"/>
+            <a:off x="1317615" y="4990686"/>
+            <a:ext cx="6097508" cy="415498"/>
           </a:xfrm>
           <a:prstGeom prst="rect">
             <a:avLst/>
@@ -30924,21 +30935,220 @@
           <a:lstStyle/>
           <a:p>
             <a:r>
-              <a:rPr lang="pt-PT" sz="2100" dirty="0"/>
+              <a:rPr lang="pt-PT" sz="2100" b="1" dirty="0"/>
               <a:t>Projeto Informático 2023/2024</a:t>
+            </a:r>
+          </a:p>
+        </p:txBody>
+      </p:sp>
+      <p:pic>
+        <p:nvPicPr>
+          <p:cNvPr id="3" name="Picture 2" descr="A black background with a black square&#10;&#10;Description automatically generated with medium confidence">
+            <a:extLst>
+              <a:ext uri="{FF2B5EF4-FFF2-40B4-BE49-F238E27FC236}">
+                <a16:creationId xmlns:a16="http://schemas.microsoft.com/office/drawing/2014/main" id="{AB1201F4-E000-8E45-A082-AFB04EB3C244}"/>
+              </a:ext>
+            </a:extLst>
+          </p:cNvPr>
+          <p:cNvPicPr>
+            <a:picLocks noChangeAspect="1"/>
+          </p:cNvPicPr>
+          <p:nvPr/>
+        </p:nvPicPr>
+        <p:blipFill>
+          <a:blip r:embed="rId3">
+            <a:extLst>
+              <a:ext uri="{28A0092B-C50C-407E-A947-70E740481C1C}">
+                <a14:useLocalDpi xmlns:a14="http://schemas.microsoft.com/office/drawing/2010/main" val="0"/>
+              </a:ext>
+            </a:extLst>
+          </a:blip>
+          <a:stretch>
+            <a:fillRect/>
+          </a:stretch>
+        </p:blipFill>
+        <p:spPr>
+          <a:xfrm>
+            <a:off x="1067160" y="0"/>
+            <a:ext cx="3299209" cy="1300173"/>
+          </a:xfrm>
+          <a:prstGeom prst="rect">
+            <a:avLst/>
+          </a:prstGeom>
+        </p:spPr>
+      </p:pic>
+      <p:sp>
+        <p:nvSpPr>
+          <p:cNvPr id="5" name="TextBox 4">
+            <a:extLst>
+              <a:ext uri="{FF2B5EF4-FFF2-40B4-BE49-F238E27FC236}">
+                <a16:creationId xmlns:a16="http://schemas.microsoft.com/office/drawing/2014/main" id="{4FB07895-6565-9E52-B183-7DE8FAD4336C}"/>
+              </a:ext>
+            </a:extLst>
+          </p:cNvPr>
+          <p:cNvSpPr txBox="1"/>
+          <p:nvPr/>
+        </p:nvSpPr>
+        <p:spPr>
+          <a:xfrm>
+            <a:off x="6311900" y="5406184"/>
+            <a:ext cx="4560977" cy="923330"/>
+          </a:xfrm>
+          <a:prstGeom prst="rect">
+            <a:avLst/>
+          </a:prstGeom>
+          <a:noFill/>
+        </p:spPr>
+        <p:txBody>
+          <a:bodyPr wrap="square" rtlCol="0">
+            <a:spAutoFit/>
+          </a:bodyPr>
+          <a:lstStyle/>
+          <a:p>
+            <a:r>
+              <a:rPr lang="en-GB" dirty="0" err="1">
+                <a:cs typeface="Arial" panose="020B0604020202020204" pitchFamily="34" charset="0"/>
+              </a:rPr>
+              <a:t>Professora</a:t>
+            </a:r>
+            <a:r>
+              <a:rPr lang="en-GB" dirty="0">
+                <a:cs typeface="Arial" panose="020B0604020202020204" pitchFamily="34" charset="0"/>
+              </a:rPr>
+              <a:t> </a:t>
+            </a:r>
+            <a:r>
+              <a:rPr lang="en-US" dirty="0" err="1"/>
+              <a:t>Anabela</a:t>
+            </a:r>
+            <a:r>
+              <a:rPr lang="en-US" dirty="0"/>
+              <a:t> Moreira Bernardino</a:t>
+            </a:r>
+            <a:endParaRPr lang="en-GB" dirty="0">
+              <a:cs typeface="Arial" panose="020B0604020202020204" pitchFamily="34" charset="0"/>
+            </a:endParaRPr>
+          </a:p>
+          <a:p>
+            <a:r>
+              <a:rPr lang="en-GB" dirty="0">
+                <a:cs typeface="Arial" panose="020B0604020202020204" pitchFamily="34" charset="0"/>
+              </a:rPr>
+              <a:t>Professor </a:t>
+            </a:r>
+            <a:r>
+              <a:rPr lang="en-US" dirty="0" err="1"/>
+              <a:t>Sílvio</a:t>
+            </a:r>
+            <a:r>
+              <a:rPr lang="en-US" dirty="0"/>
+              <a:t> </a:t>
+            </a:r>
+            <a:r>
+              <a:rPr lang="en-US" dirty="0" err="1"/>
+              <a:t>Priem</a:t>
+            </a:r>
+            <a:r>
+              <a:rPr lang="en-US" dirty="0"/>
+              <a:t> Mendes</a:t>
             </a:r>
           </a:p>
           <a:p>
             <a:r>
-              <a:rPr lang="pt-PT" sz="2000" dirty="0"/>
+              <a:rPr lang="en-GB" dirty="0">
+                <a:cs typeface="Arial" panose="020B0604020202020204" pitchFamily="34" charset="0"/>
+              </a:rPr>
+              <a:t>Professor</a:t>
+            </a:r>
+            <a:r>
+              <a:rPr lang="en-US" dirty="0"/>
+              <a:t> Paulo Jorge Gonçalves Loureiro</a:t>
+            </a:r>
+            <a:endParaRPr lang="en-GB" dirty="0">
+              <a:cs typeface="Arial" panose="020B0604020202020204" pitchFamily="34" charset="0"/>
+            </a:endParaRPr>
+          </a:p>
+        </p:txBody>
+      </p:sp>
+      <p:sp>
+        <p:nvSpPr>
+          <p:cNvPr id="7" name="TextBox 6">
+            <a:extLst>
+              <a:ext uri="{FF2B5EF4-FFF2-40B4-BE49-F238E27FC236}">
+                <a16:creationId xmlns:a16="http://schemas.microsoft.com/office/drawing/2014/main" id="{9F15F6E3-AE93-61D8-37F0-7FDA6C9DC034}"/>
+              </a:ext>
+            </a:extLst>
+          </p:cNvPr>
+          <p:cNvSpPr txBox="1"/>
+          <p:nvPr/>
+        </p:nvSpPr>
+        <p:spPr>
+          <a:xfrm>
+            <a:off x="1319123" y="5495142"/>
+            <a:ext cx="3379877" cy="646331"/>
+          </a:xfrm>
+          <a:prstGeom prst="rect">
+            <a:avLst/>
+          </a:prstGeom>
+          <a:noFill/>
+        </p:spPr>
+        <p:txBody>
+          <a:bodyPr wrap="square">
+            <a:spAutoFit/>
+          </a:bodyPr>
+          <a:lstStyle/>
+          <a:p>
+            <a:r>
+              <a:rPr lang="pt-PT" sz="1800" dirty="0"/>
               <a:t>Alberto Pingo | 2202145</a:t>
             </a:r>
           </a:p>
           <a:p>
             <a:r>
-              <a:rPr lang="pt-PT" sz="2000" dirty="0"/>
+              <a:rPr lang="pt-PT" sz="1800" dirty="0"/>
               <a:t>João Castro | 2201781</a:t>
             </a:r>
+          </a:p>
+        </p:txBody>
+      </p:sp>
+      <p:sp>
+        <p:nvSpPr>
+          <p:cNvPr id="9" name="TextBox 8">
+            <a:extLst>
+              <a:ext uri="{FF2B5EF4-FFF2-40B4-BE49-F238E27FC236}">
+                <a16:creationId xmlns:a16="http://schemas.microsoft.com/office/drawing/2014/main" id="{D04E586C-F6D4-3602-C181-2DB3A9C6915C}"/>
+              </a:ext>
+            </a:extLst>
+          </p:cNvPr>
+          <p:cNvSpPr txBox="1"/>
+          <p:nvPr/>
+        </p:nvSpPr>
+        <p:spPr>
+          <a:xfrm>
+            <a:off x="6311900" y="4944519"/>
+            <a:ext cx="2055643" cy="461665"/>
+          </a:xfrm>
+          <a:prstGeom prst="rect">
+            <a:avLst/>
+          </a:prstGeom>
+          <a:noFill/>
+        </p:spPr>
+        <p:txBody>
+          <a:bodyPr wrap="square">
+            <a:spAutoFit/>
+          </a:bodyPr>
+          <a:lstStyle/>
+          <a:p>
+            <a:pPr algn="r"/>
+            <a:r>
+              <a:rPr lang="en-GB" sz="2400" b="1" dirty="0" err="1">
+                <a:cs typeface="Arial" panose="020B0604020202020204" pitchFamily="34" charset="0"/>
+              </a:rPr>
+              <a:t>Orientadores</a:t>
+            </a:r>
+            <a:endParaRPr lang="en-GB" sz="1800" b="1" dirty="0">
+              <a:cs typeface="Arial" panose="020B0604020202020204" pitchFamily="34" charset="0"/>
+            </a:endParaRPr>
           </a:p>
         </p:txBody>
       </p:sp>
@@ -30952,112 +31162,6 @@
   <p:clrMapOvr>
     <a:masterClrMapping/>
   </p:clrMapOvr>
-  <p:timing>
-    <p:tnLst>
-      <p:par>
-        <p:cTn id="1" dur="indefinite" restart="never" nodeType="tmRoot">
-          <p:childTnLst>
-            <p:seq concurrent="1" nextAc="seek">
-              <p:cTn id="2" dur="indefinite" nodeType="mainSeq">
-                <p:childTnLst>
-                  <p:par>
-                    <p:cTn id="3" fill="hold">
-                      <p:stCondLst>
-                        <p:cond delay="indefinite"/>
-                      </p:stCondLst>
-                      <p:childTnLst>
-                        <p:par>
-                          <p:cTn id="4" fill="hold">
-                            <p:stCondLst>
-                              <p:cond delay="0"/>
-                            </p:stCondLst>
-                            <p:childTnLst>
-                              <p:par>
-                                <p:cTn id="5" presetID="1" presetClass="entr" presetSubtype="0" fill="hold" grpId="0" nodeType="clickEffect">
-                                  <p:stCondLst>
-                                    <p:cond delay="0"/>
-                                  </p:stCondLst>
-                                  <p:childTnLst>
-                                    <p:set>
-                                      <p:cBhvr>
-                                        <p:cTn id="6" dur="1" fill="hold">
-                                          <p:stCondLst>
-                                            <p:cond delay="0"/>
-                                          </p:stCondLst>
-                                        </p:cTn>
-                                        <p:tgtEl>
-                                          <p:spTgt spid="2"/>
-                                        </p:tgtEl>
-                                        <p:attrNameLst>
-                                          <p:attrName>style.visibility</p:attrName>
-                                        </p:attrNameLst>
-                                      </p:cBhvr>
-                                      <p:to>
-                                        <p:strVal val="visible"/>
-                                      </p:to>
-                                    </p:set>
-                                  </p:childTnLst>
-                                </p:cTn>
-                              </p:par>
-                              <p:par>
-                                <p:cTn id="7" presetID="1" presetClass="entr" presetSubtype="0" fill="hold" grpId="0" nodeType="withEffect">
-                                  <p:stCondLst>
-                                    <p:cond delay="0"/>
-                                  </p:stCondLst>
-                                  <p:childTnLst>
-                                    <p:set>
-                                      <p:cBhvr>
-                                        <p:cTn id="8" dur="1" fill="hold">
-                                          <p:stCondLst>
-                                            <p:cond delay="0"/>
-                                          </p:stCondLst>
-                                        </p:cTn>
-                                        <p:tgtEl>
-                                          <p:spTgt spid="4"/>
-                                        </p:tgtEl>
-                                        <p:attrNameLst>
-                                          <p:attrName>style.visibility</p:attrName>
-                                        </p:attrNameLst>
-                                      </p:cBhvr>
-                                      <p:to>
-                                        <p:strVal val="visible"/>
-                                      </p:to>
-                                    </p:set>
-                                  </p:childTnLst>
-                                </p:cTn>
-                              </p:par>
-                            </p:childTnLst>
-                          </p:cTn>
-                        </p:par>
-                      </p:childTnLst>
-                    </p:cTn>
-                  </p:par>
-                </p:childTnLst>
-              </p:cTn>
-              <p:prevCondLst>
-                <p:cond evt="onPrev" delay="0">
-                  <p:tgtEl>
-                    <p:sldTgt/>
-                  </p:tgtEl>
-                </p:cond>
-              </p:prevCondLst>
-              <p:nextCondLst>
-                <p:cond evt="onNext" delay="0">
-                  <p:tgtEl>
-                    <p:sldTgt/>
-                  </p:tgtEl>
-                </p:cond>
-              </p:nextCondLst>
-            </p:seq>
-          </p:childTnLst>
-        </p:cTn>
-      </p:par>
-    </p:tnLst>
-    <p:bldLst>
-      <p:bldP spid="2" grpId="0"/>
-      <p:bldP spid="4" grpId="0"/>
-    </p:bldLst>
-  </p:timing>
 </p:sld>
 </file>
 
@@ -31211,6 +31315,34 @@
               <a:t>10</a:t>
             </a:fld>
             <a:endParaRPr lang="en-US" dirty="0"/>
+          </a:p>
+        </p:txBody>
+      </p:sp>
+      <p:sp>
+        <p:nvSpPr>
+          <p:cNvPr id="11" name="Footer Placeholder 10">
+            <a:extLst>
+              <a:ext uri="{FF2B5EF4-FFF2-40B4-BE49-F238E27FC236}">
+                <a16:creationId xmlns:a16="http://schemas.microsoft.com/office/drawing/2014/main" id="{363C7AB5-4DEA-ED07-6656-6298A744AB28}"/>
+              </a:ext>
+            </a:extLst>
+          </p:cNvPr>
+          <p:cNvSpPr>
+            <a:spLocks noGrp="1"/>
+          </p:cNvSpPr>
+          <p:nvPr>
+            <p:ph type="ftr" sz="quarter" idx="17"/>
+          </p:nvPr>
+        </p:nvSpPr>
+        <p:spPr/>
+        <p:txBody>
+          <a:bodyPr/>
+          <a:lstStyle/>
+          <a:p>
+            <a:r>
+              <a:rPr lang="en-US" dirty="0"/>
+              <a:t>Alberto Pingo | João Castro</a:t>
+            </a:r>
           </a:p>
         </p:txBody>
       </p:sp>
@@ -31415,34 +31547,6 @@
           </a:fontRef>
         </p:style>
       </p:cxnSp>
-      <p:sp>
-        <p:nvSpPr>
-          <p:cNvPr id="11" name="Footer Placeholder 10">
-            <a:extLst>
-              <a:ext uri="{FF2B5EF4-FFF2-40B4-BE49-F238E27FC236}">
-                <a16:creationId xmlns:a16="http://schemas.microsoft.com/office/drawing/2014/main" id="{363C7AB5-4DEA-ED07-6656-6298A744AB28}"/>
-              </a:ext>
-            </a:extLst>
-          </p:cNvPr>
-          <p:cNvSpPr>
-            <a:spLocks noGrp="1"/>
-          </p:cNvSpPr>
-          <p:nvPr>
-            <p:ph type="ftr" sz="quarter" idx="17"/>
-          </p:nvPr>
-        </p:nvSpPr>
-        <p:spPr/>
-        <p:txBody>
-          <a:bodyPr/>
-          <a:lstStyle/>
-          <a:p>
-            <a:r>
-              <a:rPr lang="en-US" dirty="0"/>
-              <a:t>Alberto Pingo | João Castro</a:t>
-            </a:r>
-          </a:p>
-        </p:txBody>
-      </p:sp>
     </p:spTree>
     <p:extLst>
       <p:ext uri="{BB962C8B-B14F-4D97-AF65-F5344CB8AC3E}">
@@ -31795,6 +31899,72 @@
       </p:grpSpPr>
       <p:sp>
         <p:nvSpPr>
+          <p:cNvPr id="20" name="Title 1">
+            <a:extLst>
+              <a:ext uri="{FF2B5EF4-FFF2-40B4-BE49-F238E27FC236}">
+                <a16:creationId xmlns:a16="http://schemas.microsoft.com/office/drawing/2014/main" id="{9B9C86B5-C6DC-D88B-BFED-4BD82B3E8591}"/>
+              </a:ext>
+            </a:extLst>
+          </p:cNvPr>
+          <p:cNvSpPr>
+            <a:spLocks noGrp="1"/>
+          </p:cNvSpPr>
+          <p:nvPr>
+            <p:ph type="title"/>
+          </p:nvPr>
+        </p:nvSpPr>
+        <p:spPr>
+          <a:xfrm>
+            <a:off x="1520662" y="136525"/>
+            <a:ext cx="9150675" cy="1427585"/>
+          </a:xfrm>
+        </p:spPr>
+        <p:txBody>
+          <a:bodyPr>
+            <a:normAutofit/>
+          </a:bodyPr>
+          <a:lstStyle/>
+          <a:p>
+            <a:r>
+              <a:rPr lang="pt-PT" sz="4000" dirty="0"/>
+              <a:t>Objetivos da IA na Cibersegurança</a:t>
+            </a:r>
+          </a:p>
+        </p:txBody>
+      </p:sp>
+      <p:graphicFrame>
+        <p:nvGraphicFramePr>
+          <p:cNvPr id="13" name="Content Placeholder 2">
+            <a:extLst>
+              <a:ext uri="{FF2B5EF4-FFF2-40B4-BE49-F238E27FC236}">
+                <a16:creationId xmlns:a16="http://schemas.microsoft.com/office/drawing/2014/main" id="{B8164E2B-8335-4451-FDA6-5A4E1D8EC898}"/>
+              </a:ext>
+            </a:extLst>
+          </p:cNvPr>
+          <p:cNvGraphicFramePr>
+            <a:graphicFrameLocks noGrp="1"/>
+          </p:cNvGraphicFramePr>
+          <p:nvPr>
+            <p:ph sz="quarter" idx="12"/>
+            <p:extLst>
+              <p:ext uri="{D42A27DB-BD31-4B8C-83A1-F6EECF244321}">
+                <p14:modId xmlns:p14="http://schemas.microsoft.com/office/powerpoint/2010/main" val="4000635733"/>
+              </p:ext>
+            </p:extLst>
+          </p:nvPr>
+        </p:nvGraphicFramePr>
+        <p:xfrm>
+          <a:off x="1367132" y="1430760"/>
+          <a:ext cx="9457733" cy="4657886"/>
+        </p:xfrm>
+        <a:graphic>
+          <a:graphicData uri="http://schemas.openxmlformats.org/drawingml/2006/diagram">
+            <dgm:relIds xmlns:dgm="http://schemas.openxmlformats.org/drawingml/2006/diagram" xmlns:r="http://schemas.openxmlformats.org/officeDocument/2006/relationships" r:dm="rId3" r:lo="rId4" r:qs="rId5" r:cs="rId6"/>
+          </a:graphicData>
+        </a:graphic>
+      </p:graphicFrame>
+      <p:sp>
+        <p:nvSpPr>
           <p:cNvPr id="4" name="Slide Number Placeholder 3">
             <a:extLst>
               <a:ext uri="{FF2B5EF4-FFF2-40B4-BE49-F238E27FC236}">
@@ -31809,12 +31979,7 @@
             <p:ph type="sldNum" sz="quarter" idx="15"/>
           </p:nvPr>
         </p:nvSpPr>
-        <p:spPr>
-          <a:xfrm>
-            <a:off x="412136" y="5943601"/>
-            <a:ext cx="968983" cy="651912"/>
-          </a:xfrm>
-        </p:spPr>
+        <p:spPr/>
         <p:txBody>
           <a:bodyPr anchor="ctr">
             <a:normAutofit/>
@@ -31855,12 +32020,7 @@
             <p:ph type="ftr" sz="quarter" idx="17"/>
           </p:nvPr>
         </p:nvSpPr>
-        <p:spPr>
-          <a:xfrm>
-            <a:off x="4038600" y="6356350"/>
-            <a:ext cx="4114800" cy="365125"/>
-          </a:xfrm>
-        </p:spPr>
+        <p:spPr/>
         <p:txBody>
           <a:bodyPr anchor="ctr">
             <a:normAutofit/>
@@ -31875,72 +32035,6 @@
             <a:r>
               <a:rPr lang="en-US" dirty="0"/>
               <a:t>Alberto Pingo | João Castro</a:t>
-            </a:r>
-          </a:p>
-        </p:txBody>
-      </p:sp>
-      <p:graphicFrame>
-        <p:nvGraphicFramePr>
-          <p:cNvPr id="13" name="Content Placeholder 2">
-            <a:extLst>
-              <a:ext uri="{FF2B5EF4-FFF2-40B4-BE49-F238E27FC236}">
-                <a16:creationId xmlns:a16="http://schemas.microsoft.com/office/drawing/2014/main" id="{B8164E2B-8335-4451-FDA6-5A4E1D8EC898}"/>
-              </a:ext>
-            </a:extLst>
-          </p:cNvPr>
-          <p:cNvGraphicFramePr>
-            <a:graphicFrameLocks noGrp="1"/>
-          </p:cNvGraphicFramePr>
-          <p:nvPr>
-            <p:ph sz="quarter" idx="12"/>
-            <p:extLst>
-              <p:ext uri="{D42A27DB-BD31-4B8C-83A1-F6EECF244321}">
-                <p14:modId xmlns:p14="http://schemas.microsoft.com/office/powerpoint/2010/main" val="4000635733"/>
-              </p:ext>
-            </p:extLst>
-          </p:nvPr>
-        </p:nvGraphicFramePr>
-        <p:xfrm>
-          <a:off x="1367132" y="1430760"/>
-          <a:ext cx="9457733" cy="4657886"/>
-        </p:xfrm>
-        <a:graphic>
-          <a:graphicData uri="http://schemas.openxmlformats.org/drawingml/2006/diagram">
-            <dgm:relIds xmlns:dgm="http://schemas.openxmlformats.org/drawingml/2006/diagram" xmlns:r="http://schemas.openxmlformats.org/officeDocument/2006/relationships" r:dm="rId3" r:lo="rId4" r:qs="rId5" r:cs="rId6"/>
-          </a:graphicData>
-        </a:graphic>
-      </p:graphicFrame>
-      <p:sp>
-        <p:nvSpPr>
-          <p:cNvPr id="20" name="Title 1">
-            <a:extLst>
-              <a:ext uri="{FF2B5EF4-FFF2-40B4-BE49-F238E27FC236}">
-                <a16:creationId xmlns:a16="http://schemas.microsoft.com/office/drawing/2014/main" id="{9B9C86B5-C6DC-D88B-BFED-4BD82B3E8591}"/>
-              </a:ext>
-            </a:extLst>
-          </p:cNvPr>
-          <p:cNvSpPr>
-            <a:spLocks noGrp="1"/>
-          </p:cNvSpPr>
-          <p:nvPr>
-            <p:ph type="title"/>
-          </p:nvPr>
-        </p:nvSpPr>
-        <p:spPr>
-          <a:xfrm>
-            <a:off x="1520662" y="136525"/>
-            <a:ext cx="9150675" cy="1427585"/>
-          </a:xfrm>
-        </p:spPr>
-        <p:txBody>
-          <a:bodyPr>
-            <a:normAutofit/>
-          </a:bodyPr>
-          <a:lstStyle/>
-          <a:p>
-            <a:r>
-              <a:rPr lang="pt-PT" sz="4000" dirty="0"/>
-              <a:t>Objetivos da IA na Cibersegurança</a:t>
             </a:r>
           </a:p>
         </p:txBody>
@@ -32266,6 +32360,41 @@
       </p:grpSpPr>
       <p:sp>
         <p:nvSpPr>
+          <p:cNvPr id="20" name="Title 1">
+            <a:extLst>
+              <a:ext uri="{FF2B5EF4-FFF2-40B4-BE49-F238E27FC236}">
+                <a16:creationId xmlns:a16="http://schemas.microsoft.com/office/drawing/2014/main" id="{9B9C86B5-C6DC-D88B-BFED-4BD82B3E8591}"/>
+              </a:ext>
+            </a:extLst>
+          </p:cNvPr>
+          <p:cNvSpPr>
+            <a:spLocks noGrp="1"/>
+          </p:cNvSpPr>
+          <p:nvPr>
+            <p:ph type="title"/>
+          </p:nvPr>
+        </p:nvSpPr>
+        <p:spPr>
+          <a:xfrm>
+            <a:off x="1520662" y="136525"/>
+            <a:ext cx="9150675" cy="1427585"/>
+          </a:xfrm>
+        </p:spPr>
+        <p:txBody>
+          <a:bodyPr>
+            <a:normAutofit/>
+          </a:bodyPr>
+          <a:lstStyle/>
+          <a:p>
+            <a:r>
+              <a:rPr lang="pt-PT" sz="4000" dirty="0"/>
+              <a:t>Objetivos da IA na Cibersegurança</a:t>
+            </a:r>
+          </a:p>
+        </p:txBody>
+      </p:sp>
+      <p:sp>
+        <p:nvSpPr>
           <p:cNvPr id="4" name="Slide Number Placeholder 3">
             <a:extLst>
               <a:ext uri="{FF2B5EF4-FFF2-40B4-BE49-F238E27FC236}">
@@ -32280,12 +32409,7 @@
             <p:ph type="sldNum" sz="quarter" idx="15"/>
           </p:nvPr>
         </p:nvSpPr>
-        <p:spPr>
-          <a:xfrm>
-            <a:off x="412136" y="5943601"/>
-            <a:ext cx="968983" cy="651912"/>
-          </a:xfrm>
-        </p:spPr>
+        <p:spPr/>
         <p:txBody>
           <a:bodyPr anchor="ctr">
             <a:normAutofit/>
@@ -32326,12 +32450,7 @@
             <p:ph type="ftr" sz="quarter" idx="17"/>
           </p:nvPr>
         </p:nvSpPr>
-        <p:spPr>
-          <a:xfrm>
-            <a:off x="4038600" y="6356350"/>
-            <a:ext cx="4114800" cy="365125"/>
-          </a:xfrm>
-        </p:spPr>
+        <p:spPr/>
         <p:txBody>
           <a:bodyPr anchor="ctr">
             <a:normAutofit/>
@@ -32346,41 +32465,6 @@
             <a:r>
               <a:rPr lang="en-US" dirty="0"/>
               <a:t>Alberto Pingo | João Castro</a:t>
-            </a:r>
-          </a:p>
-        </p:txBody>
-      </p:sp>
-      <p:sp>
-        <p:nvSpPr>
-          <p:cNvPr id="20" name="Title 1">
-            <a:extLst>
-              <a:ext uri="{FF2B5EF4-FFF2-40B4-BE49-F238E27FC236}">
-                <a16:creationId xmlns:a16="http://schemas.microsoft.com/office/drawing/2014/main" id="{9B9C86B5-C6DC-D88B-BFED-4BD82B3E8591}"/>
-              </a:ext>
-            </a:extLst>
-          </p:cNvPr>
-          <p:cNvSpPr>
-            <a:spLocks noGrp="1"/>
-          </p:cNvSpPr>
-          <p:nvPr>
-            <p:ph type="title"/>
-          </p:nvPr>
-        </p:nvSpPr>
-        <p:spPr>
-          <a:xfrm>
-            <a:off x="1520662" y="136525"/>
-            <a:ext cx="9150675" cy="1427585"/>
-          </a:xfrm>
-        </p:spPr>
-        <p:txBody>
-          <a:bodyPr>
-            <a:normAutofit/>
-          </a:bodyPr>
-          <a:lstStyle/>
-          <a:p>
-            <a:r>
-              <a:rPr lang="pt-PT" sz="4000" dirty="0"/>
-              <a:t>Objetivos da IA na Cibersegurança</a:t>
             </a:r>
           </a:p>
         </p:txBody>
@@ -32627,12 +32711,7 @@
             <p:ph type="title"/>
           </p:nvPr>
         </p:nvSpPr>
-        <p:spPr>
-          <a:xfrm>
-            <a:off x="1038031" y="1068169"/>
-            <a:ext cx="10115939" cy="2681549"/>
-          </a:xfrm>
-        </p:spPr>
+        <p:spPr/>
         <p:txBody>
           <a:bodyPr>
             <a:normAutofit/>
@@ -32666,12 +32745,7 @@
             <p:ph type="body" sz="quarter" idx="12"/>
           </p:nvPr>
         </p:nvSpPr>
-        <p:spPr>
-          <a:xfrm>
-            <a:off x="1038031" y="4027047"/>
-            <a:ext cx="10115939" cy="1762783"/>
-          </a:xfrm>
-        </p:spPr>
+        <p:spPr/>
         <p:txBody>
           <a:bodyPr>
             <a:normAutofit/>
@@ -32826,12 +32900,7 @@
             <p:ph type="sldNum" sz="quarter" idx="15"/>
           </p:nvPr>
         </p:nvSpPr>
-        <p:spPr>
-          <a:xfrm>
-            <a:off x="412136" y="5943601"/>
-            <a:ext cx="968983" cy="651912"/>
-          </a:xfrm>
-        </p:spPr>
+        <p:spPr/>
         <p:txBody>
           <a:bodyPr anchor="ctr">
             <a:normAutofit/>
@@ -32872,12 +32941,7 @@
             <p:ph type="ftr" sz="quarter" idx="17"/>
           </p:nvPr>
         </p:nvSpPr>
-        <p:spPr>
-          <a:xfrm>
-            <a:off x="4038600" y="6356350"/>
-            <a:ext cx="4114800" cy="365125"/>
-          </a:xfrm>
-        </p:spPr>
+        <p:spPr/>
         <p:txBody>
           <a:bodyPr anchor="ctr">
             <a:normAutofit/>
@@ -33204,12 +33268,7 @@
             <p:ph type="sldNum" sz="quarter" idx="15"/>
           </p:nvPr>
         </p:nvSpPr>
-        <p:spPr>
-          <a:xfrm>
-            <a:off x="412136" y="5943601"/>
-            <a:ext cx="968983" cy="651912"/>
-          </a:xfrm>
-        </p:spPr>
+        <p:spPr/>
         <p:txBody>
           <a:bodyPr anchor="ctr">
             <a:normAutofit/>
@@ -33250,12 +33309,7 @@
             <p:ph type="ftr" sz="quarter" idx="17"/>
           </p:nvPr>
         </p:nvSpPr>
-        <p:spPr>
-          <a:xfrm>
-            <a:off x="4038600" y="6356350"/>
-            <a:ext cx="4114800" cy="365125"/>
-          </a:xfrm>
-        </p:spPr>
+        <p:spPr/>
         <p:txBody>
           <a:bodyPr anchor="ctr">
             <a:normAutofit/>
@@ -33582,12 +33636,7 @@
             <p:ph type="sldNum" sz="quarter" idx="15"/>
           </p:nvPr>
         </p:nvSpPr>
-        <p:spPr>
-          <a:xfrm>
-            <a:off x="412136" y="5943601"/>
-            <a:ext cx="968983" cy="651912"/>
-          </a:xfrm>
-        </p:spPr>
+        <p:spPr/>
         <p:txBody>
           <a:bodyPr anchor="ctr">
             <a:normAutofit/>
@@ -33628,12 +33677,7 @@
             <p:ph type="ftr" sz="quarter" idx="17"/>
           </p:nvPr>
         </p:nvSpPr>
-        <p:spPr>
-          <a:xfrm>
-            <a:off x="4038600" y="6356350"/>
-            <a:ext cx="4114800" cy="365125"/>
-          </a:xfrm>
-        </p:spPr>
+        <p:spPr/>
         <p:txBody>
           <a:bodyPr anchor="ctr">
             <a:normAutofit/>
@@ -34252,12 +34296,7 @@
             <p:ph type="sldNum" sz="quarter" idx="15"/>
           </p:nvPr>
         </p:nvSpPr>
-        <p:spPr>
-          <a:xfrm>
-            <a:off x="412136" y="5943601"/>
-            <a:ext cx="968983" cy="651912"/>
-          </a:xfrm>
-        </p:spPr>
+        <p:spPr/>
         <p:txBody>
           <a:bodyPr/>
           <a:lstStyle/>
@@ -34287,12 +34326,7 @@
             <p:ph type="ftr" sz="quarter" idx="17"/>
           </p:nvPr>
         </p:nvSpPr>
-        <p:spPr>
-          <a:xfrm>
-            <a:off x="4038600" y="6356350"/>
-            <a:ext cx="4114800" cy="365125"/>
-          </a:xfrm>
-        </p:spPr>
+        <p:spPr/>
         <p:txBody>
           <a:bodyPr/>
           <a:lstStyle/>
@@ -34623,12 +34657,7 @@
             <p:ph type="sldNum" sz="quarter" idx="15"/>
           </p:nvPr>
         </p:nvSpPr>
-        <p:spPr>
-          <a:xfrm>
-            <a:off x="412136" y="5943601"/>
-            <a:ext cx="968983" cy="651912"/>
-          </a:xfrm>
-        </p:spPr>
+        <p:spPr/>
         <p:txBody>
           <a:bodyPr/>
           <a:lstStyle/>
@@ -34658,12 +34687,7 @@
             <p:ph type="ftr" sz="quarter" idx="17"/>
           </p:nvPr>
         </p:nvSpPr>
-        <p:spPr>
-          <a:xfrm>
-            <a:off x="4038600" y="6356350"/>
-            <a:ext cx="4114800" cy="365125"/>
-          </a:xfrm>
-        </p:spPr>
+        <p:spPr/>
         <p:txBody>
           <a:bodyPr/>
           <a:lstStyle/>
@@ -34933,12 +34957,7 @@
             <p:ph type="title"/>
           </p:nvPr>
         </p:nvSpPr>
-        <p:spPr>
-          <a:xfrm>
-            <a:off x="1038031" y="1068169"/>
-            <a:ext cx="10115939" cy="2681549"/>
-          </a:xfrm>
-        </p:spPr>
+        <p:spPr/>
         <p:txBody>
           <a:bodyPr>
             <a:normAutofit/>
@@ -34972,12 +34991,7 @@
             <p:ph type="body" sz="quarter" idx="12"/>
           </p:nvPr>
         </p:nvSpPr>
-        <p:spPr>
-          <a:xfrm>
-            <a:off x="1038031" y="4027047"/>
-            <a:ext cx="10115939" cy="1762783"/>
-          </a:xfrm>
-        </p:spPr>
+        <p:spPr/>
         <p:txBody>
           <a:bodyPr>
             <a:normAutofit/>
@@ -35109,8 +35123,8 @@
         </p:nvSpPr>
         <p:spPr>
           <a:xfrm>
-            <a:off x="1455583" y="737115"/>
-            <a:ext cx="4640418" cy="5407091"/>
+            <a:off x="1571823" y="737115"/>
+            <a:ext cx="4524178" cy="5407091"/>
           </a:xfrm>
         </p:spPr>
         <p:txBody>
@@ -35118,9 +35132,13 @@
           <a:lstStyle/>
           <a:p>
             <a:r>
-              <a:rPr lang="pt-PT" dirty="0"/>
-              <a:t>Índice</a:t>
+              <a:rPr lang="en-GB" sz="3600" b="1" dirty="0" err="1">
+                <a:latin typeface="Arial" panose="020B0604020202020204" pitchFamily="34" charset="0"/>
+                <a:cs typeface="Arial" panose="020B0604020202020204" pitchFamily="34" charset="0"/>
+              </a:rPr>
+              <a:t>Sumário</a:t>
             </a:r>
+            <a:endParaRPr lang="pt-PT" dirty="0"/>
           </a:p>
         </p:txBody>
       </p:sp>
@@ -35142,12 +35160,14 @@
         </p:nvSpPr>
         <p:spPr>
           <a:xfrm>
-            <a:off x="5928544" y="737115"/>
-            <a:ext cx="4449712" cy="5407091"/>
+            <a:off x="6170465" y="1894379"/>
+            <a:ext cx="4449712" cy="4226506"/>
           </a:xfrm>
         </p:spPr>
         <p:txBody>
-          <a:bodyPr/>
+          <a:bodyPr>
+            <a:normAutofit fontScale="92500" lnSpcReduction="10000"/>
+          </a:bodyPr>
           <a:lstStyle/>
           <a:p>
             <a:pPr marL="457200" indent="-457200">
@@ -35156,7 +35176,7 @@
             </a:pPr>
             <a:r>
               <a:rPr lang="pt-PT" dirty="0"/>
-              <a:t>Introdução</a:t>
+              <a:t>Introdução, Motivação e Objetivos</a:t>
             </a:r>
           </a:p>
           <a:p>
@@ -35166,7 +35186,7 @@
             </a:pPr>
             <a:r>
               <a:rPr lang="pt-PT" dirty="0"/>
-              <a:t>Objetivos</a:t>
+              <a:t>Estado da Arte </a:t>
             </a:r>
           </a:p>
           <a:p>
@@ -35176,7 +35196,7 @@
             </a:pPr>
             <a:r>
               <a:rPr lang="pt-PT" dirty="0"/>
-              <a:t>O que é?</a:t>
+              <a:t>Soluções Existentes</a:t>
             </a:r>
           </a:p>
           <a:p>
@@ -35186,7 +35206,7 @@
             </a:pPr>
             <a:r>
               <a:rPr lang="pt-PT" dirty="0"/>
-              <a:t>Importância da cibersegurança</a:t>
+              <a:t>Arquitetura</a:t>
             </a:r>
           </a:p>
           <a:p>
@@ -35196,7 +35216,7 @@
             </a:pPr>
             <a:r>
               <a:rPr lang="pt-PT" dirty="0"/>
-              <a:t>Desafios na cibersegurança</a:t>
+              <a:t>Processamento dos Dados</a:t>
             </a:r>
           </a:p>
           <a:p>
@@ -35206,7 +35226,7 @@
             </a:pPr>
             <a:r>
               <a:rPr lang="pt-PT" dirty="0"/>
-              <a:t>Objetivos da IA na cibersegurança</a:t>
+              <a:t>Primeira Abordagem</a:t>
             </a:r>
           </a:p>
           <a:p>
@@ -35216,21 +35236,7 @@
             </a:pPr>
             <a:r>
               <a:rPr lang="pt-PT" dirty="0"/>
-              <a:t>IA em cibersegurança</a:t>
-            </a:r>
-          </a:p>
-          <a:p>
-            <a:pPr lvl="1"/>
-            <a:r>
-              <a:rPr lang="pt-PT" dirty="0"/>
-              <a:t>Na Defesa</a:t>
-            </a:r>
-          </a:p>
-          <a:p>
-            <a:pPr lvl="1"/>
-            <a:r>
-              <a:rPr lang="pt-PT" dirty="0"/>
-              <a:t>No Ataque</a:t>
+              <a:t>Segunda Abordagem </a:t>
             </a:r>
           </a:p>
           <a:p>
@@ -35240,7 +35246,7 @@
             </a:pPr>
             <a:r>
               <a:rPr lang="pt-PT" dirty="0"/>
-              <a:t>Tendências futuras</a:t>
+              <a:t>Resultados </a:t>
             </a:r>
           </a:p>
           <a:p>
@@ -35250,7 +35256,7 @@
             </a:pPr>
             <a:r>
               <a:rPr lang="pt-PT" dirty="0"/>
-              <a:t>Conclusão</a:t>
+              <a:t>Artigo </a:t>
             </a:r>
           </a:p>
           <a:p>
@@ -35259,44 +35265,24 @@
               <a:buAutoNum type="arabicPeriod"/>
             </a:pPr>
             <a:r>
-              <a:rPr lang="pt-PT" dirty="0"/>
-              <a:t>Bibliografia</a:t>
+              <a:rPr lang="pt-PT" dirty="0" err="1"/>
+              <a:t>Conlusões</a:t>
             </a:r>
+            <a:endParaRPr lang="pt-PT" dirty="0"/>
           </a:p>
-        </p:txBody>
-      </p:sp>
-      <p:sp>
-        <p:nvSpPr>
-          <p:cNvPr id="4" name="Slide Number Placeholder 3">
-            <a:extLst>
-              <a:ext uri="{FF2B5EF4-FFF2-40B4-BE49-F238E27FC236}">
-                <a16:creationId xmlns:a16="http://schemas.microsoft.com/office/drawing/2014/main" id="{2CD4601E-33F5-5714-867D-A0B584DA7C11}"/>
-              </a:ext>
-            </a:extLst>
-          </p:cNvPr>
-          <p:cNvSpPr>
-            <a:spLocks noGrp="1"/>
-          </p:cNvSpPr>
-          <p:nvPr>
-            <p:ph type="sldNum" sz="quarter" idx="15"/>
-          </p:nvPr>
-        </p:nvSpPr>
-        <p:spPr>
-          <a:xfrm>
-            <a:off x="412136" y="5943601"/>
-            <a:ext cx="968983" cy="651912"/>
-          </a:xfrm>
-        </p:spPr>
-        <p:txBody>
-          <a:bodyPr/>
-          <a:lstStyle/>
           <a:p>
-            <a:fld id="{18D65601-5AE2-46FC-B138-694DDD2B510D}" type="slidenum">
-              <a:rPr lang="en-US" smtClean="0"/>
-              <a:pPr/>
-              <a:t>2</a:t>
-            </a:fld>
-            <a:endParaRPr lang="en-US" dirty="0"/>
+            <a:pPr marL="457200" indent="-457200">
+              <a:buFont typeface="+mj-lt"/>
+              <a:buAutoNum type="arabicPeriod"/>
+            </a:pPr>
+            <a:endParaRPr lang="pt-PT" dirty="0"/>
+          </a:p>
+          <a:p>
+            <a:pPr marL="457200" indent="-457200">
+              <a:buFont typeface="+mj-lt"/>
+              <a:buAutoNum type="arabicPeriod"/>
+            </a:pPr>
+            <a:endParaRPr lang="pt-PT" dirty="0"/>
           </a:p>
         </p:txBody>
       </p:sp>
@@ -35324,6 +35310,202 @@
             <a:r>
               <a:rPr lang="en-US" dirty="0"/>
               <a:t>Alberto Pingo | João Castro</a:t>
+            </a:r>
+          </a:p>
+        </p:txBody>
+      </p:sp>
+      <p:sp>
+        <p:nvSpPr>
+          <p:cNvPr id="4" name="Slide Number Placeholder 3">
+            <a:extLst>
+              <a:ext uri="{FF2B5EF4-FFF2-40B4-BE49-F238E27FC236}">
+                <a16:creationId xmlns:a16="http://schemas.microsoft.com/office/drawing/2014/main" id="{2CD4601E-33F5-5714-867D-A0B584DA7C11}"/>
+              </a:ext>
+            </a:extLst>
+          </p:cNvPr>
+          <p:cNvSpPr>
+            <a:spLocks noGrp="1"/>
+          </p:cNvSpPr>
+          <p:nvPr>
+            <p:ph type="sldNum" sz="quarter" idx="15"/>
+          </p:nvPr>
+        </p:nvSpPr>
+        <p:spPr/>
+        <p:txBody>
+          <a:bodyPr/>
+          <a:lstStyle/>
+          <a:p>
+            <a:fld id="{18D65601-5AE2-46FC-B138-694DDD2B510D}" type="slidenum">
+              <a:rPr lang="en-US" smtClean="0"/>
+              <a:pPr/>
+              <a:t>2</a:t>
+            </a:fld>
+            <a:endParaRPr lang="en-US" dirty="0"/>
+          </a:p>
+        </p:txBody>
+      </p:sp>
+      <p:pic>
+        <p:nvPicPr>
+          <p:cNvPr id="6" name="Picture 5" descr="A black background with a black square&#10;&#10;Description automatically generated with medium confidence">
+            <a:extLst>
+              <a:ext uri="{FF2B5EF4-FFF2-40B4-BE49-F238E27FC236}">
+                <a16:creationId xmlns:a16="http://schemas.microsoft.com/office/drawing/2014/main" id="{578D61B1-B44A-C9E6-DDEC-C3E4D482C390}"/>
+              </a:ext>
+            </a:extLst>
+          </p:cNvPr>
+          <p:cNvPicPr>
+            <a:picLocks noChangeAspect="1"/>
+          </p:cNvPicPr>
+          <p:nvPr/>
+        </p:nvPicPr>
+        <p:blipFill>
+          <a:blip r:embed="rId3">
+            <a:extLst>
+              <a:ext uri="{28A0092B-C50C-407E-A947-70E740481C1C}">
+                <a14:useLocalDpi xmlns:a14="http://schemas.microsoft.com/office/drawing/2010/main" val="0"/>
+              </a:ext>
+            </a:extLst>
+          </a:blip>
+          <a:stretch>
+            <a:fillRect/>
+          </a:stretch>
+        </p:blipFill>
+        <p:spPr>
+          <a:xfrm>
+            <a:off x="1381119" y="0"/>
+            <a:ext cx="1796008" cy="707782"/>
+          </a:xfrm>
+          <a:prstGeom prst="rect">
+            <a:avLst/>
+          </a:prstGeom>
+        </p:spPr>
+      </p:pic>
+      <p:sp>
+        <p:nvSpPr>
+          <p:cNvPr id="7" name="Footer Placeholder 4">
+            <a:extLst>
+              <a:ext uri="{FF2B5EF4-FFF2-40B4-BE49-F238E27FC236}">
+                <a16:creationId xmlns:a16="http://schemas.microsoft.com/office/drawing/2014/main" id="{625552FE-10ED-8E49-9286-475A5723D0AE}"/>
+              </a:ext>
+            </a:extLst>
+          </p:cNvPr>
+          <p:cNvSpPr txBox="1">
+            <a:spLocks/>
+          </p:cNvSpPr>
+          <p:nvPr/>
+        </p:nvSpPr>
+        <p:spPr>
+          <a:xfrm>
+            <a:off x="4038600" y="6120885"/>
+            <a:ext cx="4114800" cy="365125"/>
+          </a:xfrm>
+          <a:prstGeom prst="rect">
+            <a:avLst/>
+          </a:prstGeom>
+        </p:spPr>
+        <p:txBody>
+          <a:bodyPr vert="horz" lIns="91440" tIns="45720" rIns="91440" bIns="45720" rtlCol="0" anchor="ctr"/>
+          <a:lstStyle>
+            <a:defPPr>
+              <a:defRPr lang="en-US"/>
+            </a:defPPr>
+            <a:lvl1pPr marL="0" algn="ctr" defTabSz="914400" rtl="0" eaLnBrk="1" latinLnBrk="0" hangingPunct="1">
+              <a:defRPr sz="900" b="0" kern="1200" cap="all" spc="150" baseline="0">
+                <a:solidFill>
+                  <a:schemeClr val="bg2">
+                    <a:lumMod val="50000"/>
+                  </a:schemeClr>
+                </a:solidFill>
+                <a:latin typeface="Univers Light" panose="020B0403020202020204" pitchFamily="34" charset="0"/>
+                <a:ea typeface="+mn-ea"/>
+                <a:cs typeface="+mn-cs"/>
+              </a:defRPr>
+            </a:lvl1pPr>
+            <a:lvl2pPr marL="457200" algn="l" defTabSz="914400" rtl="0" eaLnBrk="1" latinLnBrk="0" hangingPunct="1">
+              <a:defRPr sz="1800" kern="1200">
+                <a:solidFill>
+                  <a:schemeClr val="tx1"/>
+                </a:solidFill>
+                <a:latin typeface="+mn-lt"/>
+                <a:ea typeface="+mn-ea"/>
+                <a:cs typeface="+mn-cs"/>
+              </a:defRPr>
+            </a:lvl2pPr>
+            <a:lvl3pPr marL="914400" algn="l" defTabSz="914400" rtl="0" eaLnBrk="1" latinLnBrk="0" hangingPunct="1">
+              <a:defRPr sz="1800" kern="1200">
+                <a:solidFill>
+                  <a:schemeClr val="tx1"/>
+                </a:solidFill>
+                <a:latin typeface="+mn-lt"/>
+                <a:ea typeface="+mn-ea"/>
+                <a:cs typeface="+mn-cs"/>
+              </a:defRPr>
+            </a:lvl3pPr>
+            <a:lvl4pPr marL="1371600" algn="l" defTabSz="914400" rtl="0" eaLnBrk="1" latinLnBrk="0" hangingPunct="1">
+              <a:defRPr sz="1800" kern="1200">
+                <a:solidFill>
+                  <a:schemeClr val="tx1"/>
+                </a:solidFill>
+                <a:latin typeface="+mn-lt"/>
+                <a:ea typeface="+mn-ea"/>
+                <a:cs typeface="+mn-cs"/>
+              </a:defRPr>
+            </a:lvl4pPr>
+            <a:lvl5pPr marL="1828800" algn="l" defTabSz="914400" rtl="0" eaLnBrk="1" latinLnBrk="0" hangingPunct="1">
+              <a:defRPr sz="1800" kern="1200">
+                <a:solidFill>
+                  <a:schemeClr val="tx1"/>
+                </a:solidFill>
+                <a:latin typeface="+mn-lt"/>
+                <a:ea typeface="+mn-ea"/>
+                <a:cs typeface="+mn-cs"/>
+              </a:defRPr>
+            </a:lvl5pPr>
+            <a:lvl6pPr marL="2286000" algn="l" defTabSz="914400" rtl="0" eaLnBrk="1" latinLnBrk="0" hangingPunct="1">
+              <a:defRPr sz="1800" kern="1200">
+                <a:solidFill>
+                  <a:schemeClr val="tx1"/>
+                </a:solidFill>
+                <a:latin typeface="+mn-lt"/>
+                <a:ea typeface="+mn-ea"/>
+                <a:cs typeface="+mn-cs"/>
+              </a:defRPr>
+            </a:lvl6pPr>
+            <a:lvl7pPr marL="2743200" algn="l" defTabSz="914400" rtl="0" eaLnBrk="1" latinLnBrk="0" hangingPunct="1">
+              <a:defRPr sz="1800" kern="1200">
+                <a:solidFill>
+                  <a:schemeClr val="tx1"/>
+                </a:solidFill>
+                <a:latin typeface="+mn-lt"/>
+                <a:ea typeface="+mn-ea"/>
+                <a:cs typeface="+mn-cs"/>
+              </a:defRPr>
+            </a:lvl7pPr>
+            <a:lvl8pPr marL="3200400" algn="l" defTabSz="914400" rtl="0" eaLnBrk="1" latinLnBrk="0" hangingPunct="1">
+              <a:defRPr sz="1800" kern="1200">
+                <a:solidFill>
+                  <a:schemeClr val="tx1"/>
+                </a:solidFill>
+                <a:latin typeface="+mn-lt"/>
+                <a:ea typeface="+mn-ea"/>
+                <a:cs typeface="+mn-cs"/>
+              </a:defRPr>
+            </a:lvl8pPr>
+            <a:lvl9pPr marL="3657600" algn="l" defTabSz="914400" rtl="0" eaLnBrk="1" latinLnBrk="0" hangingPunct="1">
+              <a:defRPr sz="1800" kern="1200">
+                <a:solidFill>
+                  <a:schemeClr val="tx1"/>
+                </a:solidFill>
+                <a:latin typeface="+mn-lt"/>
+                <a:ea typeface="+mn-ea"/>
+                <a:cs typeface="+mn-cs"/>
+              </a:defRPr>
+            </a:lvl9pPr>
+          </a:lstStyle>
+          <a:p>
+            <a:r>
+              <a:rPr lang="en-US" dirty="0"/>
+              <a:t>AI Driving Classification</a:t>
             </a:r>
           </a:p>
         </p:txBody>
@@ -35683,39 +35865,26 @@
                                   </p:childTnLst>
                                 </p:cTn>
                               </p:par>
+                            </p:childTnLst>
+                          </p:cTn>
+                        </p:par>
+                      </p:childTnLst>
+                    </p:cTn>
+                  </p:par>
+                  <p:par>
+                    <p:cTn id="31" fill="hold">
+                      <p:stCondLst>
+                        <p:cond delay="indefinite"/>
+                      </p:stCondLst>
+                      <p:childTnLst>
+                        <p:par>
+                          <p:cTn id="32" fill="hold">
+                            <p:stCondLst>
+                              <p:cond delay="0"/>
+                            </p:stCondLst>
+                            <p:childTnLst>
                               <p:par>
-                                <p:cTn id="31" presetID="1" presetClass="entr" presetSubtype="0" fill="hold" grpId="0" nodeType="withEffect">
-                                  <p:stCondLst>
-                                    <p:cond delay="0"/>
-                                  </p:stCondLst>
-                                  <p:childTnLst>
-                                    <p:set>
-                                      <p:cBhvr>
-                                        <p:cTn id="32" dur="1" fill="hold">
-                                          <p:stCondLst>
-                                            <p:cond delay="0"/>
-                                          </p:stCondLst>
-                                        </p:cTn>
-                                        <p:tgtEl>
-                                          <p:spTgt spid="3">
-                                            <p:txEl>
-                                              <p:pRg st="7" end="7"/>
-                                            </p:txEl>
-                                          </p:spTgt>
-                                        </p:tgtEl>
-                                        <p:attrNameLst>
-                                          <p:attrName>style.visibility</p:attrName>
-                                        </p:attrNameLst>
-                                      </p:cBhvr>
-                                      <p:to>
-                                        <p:strVal val="visible"/>
-                                      </p:to>
-                                    </p:set>
-                                  </p:childTnLst>
-                                </p:cTn>
-                              </p:par>
-                              <p:par>
-                                <p:cTn id="33" presetID="1" presetClass="entr" presetSubtype="0" fill="hold" grpId="0" nodeType="withEffect">
+                                <p:cTn id="33" presetID="1" presetClass="entr" presetSubtype="0" fill="hold" grpId="0" nodeType="clickEffect">
                                   <p:stCondLst>
                                     <p:cond delay="0"/>
                                   </p:stCondLst>
@@ -35730,7 +35899,7 @@
                                         <p:tgtEl>
                                           <p:spTgt spid="3">
                                             <p:txEl>
-                                              <p:pRg st="8" end="8"/>
+                                              <p:pRg st="7" end="7"/>
                                             </p:txEl>
                                           </p:spTgt>
                                         </p:tgtEl>
@@ -35779,7 +35948,7 @@
                                         <p:tgtEl>
                                           <p:spTgt spid="3">
                                             <p:txEl>
-                                              <p:pRg st="9" end="9"/>
+                                              <p:pRg st="8" end="8"/>
                                             </p:txEl>
                                           </p:spTgt>
                                         </p:tgtEl>
@@ -35828,56 +35997,7 @@
                                         <p:tgtEl>
                                           <p:spTgt spid="3">
                                             <p:txEl>
-                                              <p:pRg st="10" end="10"/>
-                                            </p:txEl>
-                                          </p:spTgt>
-                                        </p:tgtEl>
-                                        <p:attrNameLst>
-                                          <p:attrName>style.visibility</p:attrName>
-                                        </p:attrNameLst>
-                                      </p:cBhvr>
-                                      <p:to>
-                                        <p:strVal val="visible"/>
-                                      </p:to>
-                                    </p:set>
-                                  </p:childTnLst>
-                                </p:cTn>
-                              </p:par>
-                            </p:childTnLst>
-                          </p:cTn>
-                        </p:par>
-                      </p:childTnLst>
-                    </p:cTn>
-                  </p:par>
-                  <p:par>
-                    <p:cTn id="43" fill="hold">
-                      <p:stCondLst>
-                        <p:cond delay="indefinite"/>
-                      </p:stCondLst>
-                      <p:childTnLst>
-                        <p:par>
-                          <p:cTn id="44" fill="hold">
-                            <p:stCondLst>
-                              <p:cond delay="0"/>
-                            </p:stCondLst>
-                            <p:childTnLst>
-                              <p:par>
-                                <p:cTn id="45" presetID="1" presetClass="entr" presetSubtype="0" fill="hold" grpId="0" nodeType="clickEffect">
-                                  <p:stCondLst>
-                                    <p:cond delay="0"/>
-                                  </p:stCondLst>
-                                  <p:childTnLst>
-                                    <p:set>
-                                      <p:cBhvr>
-                                        <p:cTn id="46" dur="1" fill="hold">
-                                          <p:stCondLst>
-                                            <p:cond delay="0"/>
-                                          </p:stCondLst>
-                                        </p:cTn>
-                                        <p:tgtEl>
-                                          <p:spTgt spid="3">
-                                            <p:txEl>
-                                              <p:pRg st="11" end="11"/>
+                                              <p:pRg st="9" end="9"/>
                                             </p:txEl>
                                           </p:spTgt>
                                         </p:tgtEl>
@@ -36645,6 +36765,31 @@
       </p:sp>
       <p:sp>
         <p:nvSpPr>
+          <p:cNvPr id="7" name="Text Placeholder 6">
+            <a:extLst>
+              <a:ext uri="{FF2B5EF4-FFF2-40B4-BE49-F238E27FC236}">
+                <a16:creationId xmlns:a16="http://schemas.microsoft.com/office/drawing/2014/main" id="{3BADB663-553A-D1DC-9891-C77670BA894D}"/>
+              </a:ext>
+            </a:extLst>
+          </p:cNvPr>
+          <p:cNvSpPr>
+            <a:spLocks noGrp="1"/>
+          </p:cNvSpPr>
+          <p:nvPr>
+            <p:ph type="body" sz="quarter" idx="12"/>
+          </p:nvPr>
+        </p:nvSpPr>
+        <p:spPr/>
+        <p:txBody>
+          <a:bodyPr/>
+          <a:lstStyle/>
+          <a:p>
+            <a:endParaRPr lang="pt-PT"/>
+          </a:p>
+        </p:txBody>
+      </p:sp>
+      <p:sp>
+        <p:nvSpPr>
           <p:cNvPr id="4" name="Footer Placeholder 3">
             <a:extLst>
               <a:ext uri="{FF2B5EF4-FFF2-40B4-BE49-F238E27FC236}">
@@ -36702,31 +36847,6 @@
               <a:t>22</a:t>
             </a:fld>
             <a:endParaRPr lang="en-US" dirty="0"/>
-          </a:p>
-        </p:txBody>
-      </p:sp>
-      <p:sp>
-        <p:nvSpPr>
-          <p:cNvPr id="7" name="Text Placeholder 6">
-            <a:extLst>
-              <a:ext uri="{FF2B5EF4-FFF2-40B4-BE49-F238E27FC236}">
-                <a16:creationId xmlns:a16="http://schemas.microsoft.com/office/drawing/2014/main" id="{3BADB663-553A-D1DC-9891-C77670BA894D}"/>
-              </a:ext>
-            </a:extLst>
-          </p:cNvPr>
-          <p:cNvSpPr>
-            <a:spLocks noGrp="1"/>
-          </p:cNvSpPr>
-          <p:nvPr>
-            <p:ph type="body" sz="quarter" idx="12"/>
-          </p:nvPr>
-        </p:nvSpPr>
-        <p:spPr/>
-        <p:txBody>
-          <a:bodyPr/>
-          <a:lstStyle/>
-          <a:p>
-            <a:endParaRPr lang="pt-PT"/>
           </a:p>
         </p:txBody>
       </p:sp>
@@ -36811,50 +36931,7 @@
           </a:bodyPr>
           <a:lstStyle/>
           <a:p>
-            <a:r>
-              <a:rPr lang="pt-PT" sz="2200" dirty="0"/>
-              <a:t>Proteção avançada de utilizadores de risco</a:t>
-            </a:r>
-          </a:p>
-          <a:p>
-            <a:r>
-              <a:rPr lang="pt-PT" sz="2200" dirty="0"/>
-              <a:t>IA como Assistente à tomada de decisões</a:t>
-            </a:r>
-            <a:endParaRPr lang="pt-PT" sz="2200" b="1" dirty="0"/>
-          </a:p>
-          <a:p>
-            <a:r>
-              <a:rPr lang="pt-PT" sz="2200" dirty="0"/>
-              <a:t>Defesa Cibernética Proativa</a:t>
-            </a:r>
-          </a:p>
-          <a:p>
-            <a:r>
-              <a:rPr lang="pt-PT" sz="2200" dirty="0"/>
-              <a:t>Automatização Avançada</a:t>
-            </a:r>
-          </a:p>
-          <a:p>
-            <a:endParaRPr lang="pt-PT" sz="2200" dirty="0"/>
-          </a:p>
-          <a:p>
-            <a:r>
-              <a:rPr lang="pt-PT" sz="2200" dirty="0"/>
-              <a:t>Ataques de grande escala potencializados por IA</a:t>
-            </a:r>
-          </a:p>
-          <a:p>
-            <a:r>
-              <a:rPr lang="pt-PT" sz="2200" dirty="0"/>
-              <a:t>Ataques a corpos de conhecimento</a:t>
-            </a:r>
-          </a:p>
-          <a:p>
-            <a:r>
-              <a:rPr lang="pt-PT" sz="2200" dirty="0"/>
-              <a:t>IA contra IA</a:t>
-            </a:r>
+            <a:endParaRPr lang="pt-PT"/>
           </a:p>
         </p:txBody>
       </p:sp>
@@ -37321,6 +37398,34 @@
       </p:grpSpPr>
       <p:sp>
         <p:nvSpPr>
+          <p:cNvPr id="11" name="Title 1">
+            <a:extLst>
+              <a:ext uri="{FF2B5EF4-FFF2-40B4-BE49-F238E27FC236}">
+                <a16:creationId xmlns:a16="http://schemas.microsoft.com/office/drawing/2014/main" id="{F303005D-813A-FA0A-9FD1-99DC494460CD}"/>
+              </a:ext>
+            </a:extLst>
+          </p:cNvPr>
+          <p:cNvSpPr>
+            <a:spLocks noGrp="1"/>
+          </p:cNvSpPr>
+          <p:nvPr>
+            <p:ph type="title"/>
+          </p:nvPr>
+        </p:nvSpPr>
+        <p:spPr/>
+        <p:txBody>
+          <a:bodyPr/>
+          <a:lstStyle/>
+          <a:p>
+            <a:r>
+              <a:rPr lang="pt-PT" dirty="0"/>
+              <a:t>Conclusão</a:t>
+            </a:r>
+          </a:p>
+        </p:txBody>
+      </p:sp>
+      <p:sp>
+        <p:nvSpPr>
           <p:cNvPr id="6" name="Content Placeholder 5">
             <a:extLst>
               <a:ext uri="{FF2B5EF4-FFF2-40B4-BE49-F238E27FC236}">
@@ -37569,39 +37674,6 @@
             <a:r>
               <a:rPr lang="en-US" dirty="0"/>
               <a:t>Alberto Pingo | João Castro</a:t>
-            </a:r>
-          </a:p>
-        </p:txBody>
-      </p:sp>
-      <p:sp>
-        <p:nvSpPr>
-          <p:cNvPr id="11" name="Title 1">
-            <a:extLst>
-              <a:ext uri="{FF2B5EF4-FFF2-40B4-BE49-F238E27FC236}">
-                <a16:creationId xmlns:a16="http://schemas.microsoft.com/office/drawing/2014/main" id="{F303005D-813A-FA0A-9FD1-99DC494460CD}"/>
-              </a:ext>
-            </a:extLst>
-          </p:cNvPr>
-          <p:cNvSpPr>
-            <a:spLocks noGrp="1"/>
-          </p:cNvSpPr>
-          <p:nvPr>
-            <p:ph type="title"/>
-          </p:nvPr>
-        </p:nvSpPr>
-        <p:spPr>
-          <a:xfrm>
-            <a:off x="1468438" y="503238"/>
-            <a:ext cx="9809162" cy="1428750"/>
-          </a:xfrm>
-        </p:spPr>
-        <p:txBody>
-          <a:bodyPr/>
-          <a:lstStyle/>
-          <a:p>
-            <a:r>
-              <a:rPr lang="pt-PT" dirty="0"/>
-              <a:t>Conclusão</a:t>
             </a:r>
           </a:p>
         </p:txBody>
@@ -39082,8 +39154,8 @@
         </p:nvSpPr>
         <p:spPr>
           <a:xfrm>
-            <a:off x="3775791" y="725454"/>
-            <a:ext cx="4640418" cy="5407091"/>
+            <a:off x="1381118" y="725454"/>
+            <a:ext cx="9464681" cy="5407091"/>
           </a:xfrm>
         </p:spPr>
         <p:txBody>
@@ -39093,43 +39165,8 @@
             <a:pPr algn="ctr"/>
             <a:r>
               <a:rPr lang="pt-PT" dirty="0"/>
-              <a:t>Introdução</a:t>
+              <a:t>Introdução, Motivação e Objetivos</a:t>
             </a:r>
-          </a:p>
-        </p:txBody>
-      </p:sp>
-      <p:sp>
-        <p:nvSpPr>
-          <p:cNvPr id="4" name="Slide Number Placeholder 3">
-            <a:extLst>
-              <a:ext uri="{FF2B5EF4-FFF2-40B4-BE49-F238E27FC236}">
-                <a16:creationId xmlns:a16="http://schemas.microsoft.com/office/drawing/2014/main" id="{2CD4601E-33F5-5714-867D-A0B584DA7C11}"/>
-              </a:ext>
-            </a:extLst>
-          </p:cNvPr>
-          <p:cNvSpPr>
-            <a:spLocks noGrp="1"/>
-          </p:cNvSpPr>
-          <p:nvPr>
-            <p:ph type="sldNum" sz="quarter" idx="15"/>
-          </p:nvPr>
-        </p:nvSpPr>
-        <p:spPr>
-          <a:xfrm>
-            <a:off x="412136" y="5943601"/>
-            <a:ext cx="968983" cy="651912"/>
-          </a:xfrm>
-        </p:spPr>
-        <p:txBody>
-          <a:bodyPr/>
-          <a:lstStyle/>
-          <a:p>
-            <a:fld id="{18D65601-5AE2-46FC-B138-694DDD2B510D}" type="slidenum">
-              <a:rPr lang="en-US" smtClean="0"/>
-              <a:pPr/>
-              <a:t>3</a:t>
-            </a:fld>
-            <a:endParaRPr lang="en-US" dirty="0"/>
           </a:p>
         </p:txBody>
       </p:sp>
@@ -39157,6 +39194,202 @@
             <a:r>
               <a:rPr lang="en-US" dirty="0"/>
               <a:t>Alberto Pingo | João Castro</a:t>
+            </a:r>
+          </a:p>
+        </p:txBody>
+      </p:sp>
+      <p:sp>
+        <p:nvSpPr>
+          <p:cNvPr id="4" name="Slide Number Placeholder 3">
+            <a:extLst>
+              <a:ext uri="{FF2B5EF4-FFF2-40B4-BE49-F238E27FC236}">
+                <a16:creationId xmlns:a16="http://schemas.microsoft.com/office/drawing/2014/main" id="{2CD4601E-33F5-5714-867D-A0B584DA7C11}"/>
+              </a:ext>
+            </a:extLst>
+          </p:cNvPr>
+          <p:cNvSpPr>
+            <a:spLocks noGrp="1"/>
+          </p:cNvSpPr>
+          <p:nvPr>
+            <p:ph type="sldNum" sz="quarter" idx="15"/>
+          </p:nvPr>
+        </p:nvSpPr>
+        <p:spPr/>
+        <p:txBody>
+          <a:bodyPr/>
+          <a:lstStyle/>
+          <a:p>
+            <a:fld id="{18D65601-5AE2-46FC-B138-694DDD2B510D}" type="slidenum">
+              <a:rPr lang="en-US" smtClean="0"/>
+              <a:pPr/>
+              <a:t>3</a:t>
+            </a:fld>
+            <a:endParaRPr lang="en-US" dirty="0"/>
+          </a:p>
+        </p:txBody>
+      </p:sp>
+      <p:pic>
+        <p:nvPicPr>
+          <p:cNvPr id="3" name="Picture 2" descr="A black background with a black square&#10;&#10;Description automatically generated with medium confidence">
+            <a:extLst>
+              <a:ext uri="{FF2B5EF4-FFF2-40B4-BE49-F238E27FC236}">
+                <a16:creationId xmlns:a16="http://schemas.microsoft.com/office/drawing/2014/main" id="{930F0E7D-8221-EB07-902A-A8A57EBDDAE8}"/>
+              </a:ext>
+            </a:extLst>
+          </p:cNvPr>
+          <p:cNvPicPr>
+            <a:picLocks noChangeAspect="1"/>
+          </p:cNvPicPr>
+          <p:nvPr/>
+        </p:nvPicPr>
+        <p:blipFill>
+          <a:blip r:embed="rId3">
+            <a:extLst>
+              <a:ext uri="{28A0092B-C50C-407E-A947-70E740481C1C}">
+                <a14:useLocalDpi xmlns:a14="http://schemas.microsoft.com/office/drawing/2010/main" val="0"/>
+              </a:ext>
+            </a:extLst>
+          </a:blip>
+          <a:stretch>
+            <a:fillRect/>
+          </a:stretch>
+        </p:blipFill>
+        <p:spPr>
+          <a:xfrm>
+            <a:off x="1381119" y="0"/>
+            <a:ext cx="1796008" cy="707782"/>
+          </a:xfrm>
+          <a:prstGeom prst="rect">
+            <a:avLst/>
+          </a:prstGeom>
+        </p:spPr>
+      </p:pic>
+      <p:sp>
+        <p:nvSpPr>
+          <p:cNvPr id="8" name="Footer Placeholder 4">
+            <a:extLst>
+              <a:ext uri="{FF2B5EF4-FFF2-40B4-BE49-F238E27FC236}">
+                <a16:creationId xmlns:a16="http://schemas.microsoft.com/office/drawing/2014/main" id="{62D46B16-2E96-C03C-009D-09817CDA6752}"/>
+              </a:ext>
+            </a:extLst>
+          </p:cNvPr>
+          <p:cNvSpPr txBox="1">
+            <a:spLocks/>
+          </p:cNvSpPr>
+          <p:nvPr/>
+        </p:nvSpPr>
+        <p:spPr>
+          <a:xfrm>
+            <a:off x="4038600" y="6120885"/>
+            <a:ext cx="4114800" cy="365125"/>
+          </a:xfrm>
+          <a:prstGeom prst="rect">
+            <a:avLst/>
+          </a:prstGeom>
+        </p:spPr>
+        <p:txBody>
+          <a:bodyPr vert="horz" lIns="91440" tIns="45720" rIns="91440" bIns="45720" rtlCol="0" anchor="ctr"/>
+          <a:lstStyle>
+            <a:defPPr>
+              <a:defRPr lang="en-US"/>
+            </a:defPPr>
+            <a:lvl1pPr marL="0" algn="ctr" defTabSz="914400" rtl="0" eaLnBrk="1" latinLnBrk="0" hangingPunct="1">
+              <a:defRPr sz="900" b="0" kern="1200" cap="all" spc="150" baseline="0">
+                <a:solidFill>
+                  <a:schemeClr val="bg2">
+                    <a:lumMod val="50000"/>
+                  </a:schemeClr>
+                </a:solidFill>
+                <a:latin typeface="Univers Light" panose="020B0403020202020204" pitchFamily="34" charset="0"/>
+                <a:ea typeface="+mn-ea"/>
+                <a:cs typeface="+mn-cs"/>
+              </a:defRPr>
+            </a:lvl1pPr>
+            <a:lvl2pPr marL="457200" algn="l" defTabSz="914400" rtl="0" eaLnBrk="1" latinLnBrk="0" hangingPunct="1">
+              <a:defRPr sz="1800" kern="1200">
+                <a:solidFill>
+                  <a:schemeClr val="tx1"/>
+                </a:solidFill>
+                <a:latin typeface="+mn-lt"/>
+                <a:ea typeface="+mn-ea"/>
+                <a:cs typeface="+mn-cs"/>
+              </a:defRPr>
+            </a:lvl2pPr>
+            <a:lvl3pPr marL="914400" algn="l" defTabSz="914400" rtl="0" eaLnBrk="1" latinLnBrk="0" hangingPunct="1">
+              <a:defRPr sz="1800" kern="1200">
+                <a:solidFill>
+                  <a:schemeClr val="tx1"/>
+                </a:solidFill>
+                <a:latin typeface="+mn-lt"/>
+                <a:ea typeface="+mn-ea"/>
+                <a:cs typeface="+mn-cs"/>
+              </a:defRPr>
+            </a:lvl3pPr>
+            <a:lvl4pPr marL="1371600" algn="l" defTabSz="914400" rtl="0" eaLnBrk="1" latinLnBrk="0" hangingPunct="1">
+              <a:defRPr sz="1800" kern="1200">
+                <a:solidFill>
+                  <a:schemeClr val="tx1"/>
+                </a:solidFill>
+                <a:latin typeface="+mn-lt"/>
+                <a:ea typeface="+mn-ea"/>
+                <a:cs typeface="+mn-cs"/>
+              </a:defRPr>
+            </a:lvl4pPr>
+            <a:lvl5pPr marL="1828800" algn="l" defTabSz="914400" rtl="0" eaLnBrk="1" latinLnBrk="0" hangingPunct="1">
+              <a:defRPr sz="1800" kern="1200">
+                <a:solidFill>
+                  <a:schemeClr val="tx1"/>
+                </a:solidFill>
+                <a:latin typeface="+mn-lt"/>
+                <a:ea typeface="+mn-ea"/>
+                <a:cs typeface="+mn-cs"/>
+              </a:defRPr>
+            </a:lvl5pPr>
+            <a:lvl6pPr marL="2286000" algn="l" defTabSz="914400" rtl="0" eaLnBrk="1" latinLnBrk="0" hangingPunct="1">
+              <a:defRPr sz="1800" kern="1200">
+                <a:solidFill>
+                  <a:schemeClr val="tx1"/>
+                </a:solidFill>
+                <a:latin typeface="+mn-lt"/>
+                <a:ea typeface="+mn-ea"/>
+                <a:cs typeface="+mn-cs"/>
+              </a:defRPr>
+            </a:lvl6pPr>
+            <a:lvl7pPr marL="2743200" algn="l" defTabSz="914400" rtl="0" eaLnBrk="1" latinLnBrk="0" hangingPunct="1">
+              <a:defRPr sz="1800" kern="1200">
+                <a:solidFill>
+                  <a:schemeClr val="tx1"/>
+                </a:solidFill>
+                <a:latin typeface="+mn-lt"/>
+                <a:ea typeface="+mn-ea"/>
+                <a:cs typeface="+mn-cs"/>
+              </a:defRPr>
+            </a:lvl7pPr>
+            <a:lvl8pPr marL="3200400" algn="l" defTabSz="914400" rtl="0" eaLnBrk="1" latinLnBrk="0" hangingPunct="1">
+              <a:defRPr sz="1800" kern="1200">
+                <a:solidFill>
+                  <a:schemeClr val="tx1"/>
+                </a:solidFill>
+                <a:latin typeface="+mn-lt"/>
+                <a:ea typeface="+mn-ea"/>
+                <a:cs typeface="+mn-cs"/>
+              </a:defRPr>
+            </a:lvl8pPr>
+            <a:lvl9pPr marL="3657600" algn="l" defTabSz="914400" rtl="0" eaLnBrk="1" latinLnBrk="0" hangingPunct="1">
+              <a:defRPr sz="1800" kern="1200">
+                <a:solidFill>
+                  <a:schemeClr val="tx1"/>
+                </a:solidFill>
+                <a:latin typeface="+mn-lt"/>
+                <a:ea typeface="+mn-ea"/>
+                <a:cs typeface="+mn-cs"/>
+              </a:defRPr>
+            </a:lvl9pPr>
+          </a:lstStyle>
+          <a:p>
+            <a:r>
+              <a:rPr lang="en-US" dirty="0"/>
+              <a:t>AI Driving Classification</a:t>
             </a:r>
           </a:p>
         </p:txBody>
@@ -39254,12 +39487,7 @@
             <p:ph type="sldNum" sz="quarter" idx="15"/>
           </p:nvPr>
         </p:nvSpPr>
-        <p:spPr>
-          <a:xfrm>
-            <a:off x="412136" y="5943601"/>
-            <a:ext cx="968983" cy="651912"/>
-          </a:xfrm>
-        </p:spPr>
+        <p:spPr/>
         <p:txBody>
           <a:bodyPr anchor="ctr">
             <a:normAutofit/>
@@ -39300,12 +39528,7 @@
             <p:ph type="ftr" sz="quarter" idx="17"/>
           </p:nvPr>
         </p:nvSpPr>
-        <p:spPr>
-          <a:xfrm>
-            <a:off x="4038600" y="6356350"/>
-            <a:ext cx="4114800" cy="365125"/>
-          </a:xfrm>
-        </p:spPr>
+        <p:spPr/>
         <p:txBody>
           <a:bodyPr anchor="ctr">
             <a:normAutofit/>
@@ -39347,6 +39570,136 @@
           </a:graphicData>
         </a:graphic>
       </p:graphicFrame>
+      <p:sp>
+        <p:nvSpPr>
+          <p:cNvPr id="2" name="Footer Placeholder 4">
+            <a:extLst>
+              <a:ext uri="{FF2B5EF4-FFF2-40B4-BE49-F238E27FC236}">
+                <a16:creationId xmlns:a16="http://schemas.microsoft.com/office/drawing/2014/main" id="{52FED9E3-E8B2-931F-F12E-D661F3C823A7}"/>
+              </a:ext>
+            </a:extLst>
+          </p:cNvPr>
+          <p:cNvSpPr txBox="1">
+            <a:spLocks/>
+          </p:cNvSpPr>
+          <p:nvPr/>
+        </p:nvSpPr>
+        <p:spPr>
+          <a:xfrm>
+            <a:off x="4038600" y="6120885"/>
+            <a:ext cx="4114800" cy="365125"/>
+          </a:xfrm>
+          <a:prstGeom prst="rect">
+            <a:avLst/>
+          </a:prstGeom>
+        </p:spPr>
+        <p:txBody>
+          <a:bodyPr vert="horz" lIns="91440" tIns="45720" rIns="91440" bIns="45720" rtlCol="0" anchor="ctr"/>
+          <a:lstStyle>
+            <a:defPPr>
+              <a:defRPr lang="en-US"/>
+            </a:defPPr>
+            <a:lvl1pPr marL="0" algn="ctr" defTabSz="914400" rtl="0" eaLnBrk="1" latinLnBrk="0" hangingPunct="1">
+              <a:defRPr sz="900" b="0" kern="1200" cap="all" spc="150" baseline="0">
+                <a:solidFill>
+                  <a:schemeClr val="bg2">
+                    <a:lumMod val="50000"/>
+                  </a:schemeClr>
+                </a:solidFill>
+                <a:latin typeface="Univers Light" panose="020B0403020202020204" pitchFamily="34" charset="0"/>
+                <a:ea typeface="+mn-ea"/>
+                <a:cs typeface="+mn-cs"/>
+              </a:defRPr>
+            </a:lvl1pPr>
+            <a:lvl2pPr marL="457200" algn="l" defTabSz="914400" rtl="0" eaLnBrk="1" latinLnBrk="0" hangingPunct="1">
+              <a:defRPr sz="1800" kern="1200">
+                <a:solidFill>
+                  <a:schemeClr val="tx1"/>
+                </a:solidFill>
+                <a:latin typeface="+mn-lt"/>
+                <a:ea typeface="+mn-ea"/>
+                <a:cs typeface="+mn-cs"/>
+              </a:defRPr>
+            </a:lvl2pPr>
+            <a:lvl3pPr marL="914400" algn="l" defTabSz="914400" rtl="0" eaLnBrk="1" latinLnBrk="0" hangingPunct="1">
+              <a:defRPr sz="1800" kern="1200">
+                <a:solidFill>
+                  <a:schemeClr val="tx1"/>
+                </a:solidFill>
+                <a:latin typeface="+mn-lt"/>
+                <a:ea typeface="+mn-ea"/>
+                <a:cs typeface="+mn-cs"/>
+              </a:defRPr>
+            </a:lvl3pPr>
+            <a:lvl4pPr marL="1371600" algn="l" defTabSz="914400" rtl="0" eaLnBrk="1" latinLnBrk="0" hangingPunct="1">
+              <a:defRPr sz="1800" kern="1200">
+                <a:solidFill>
+                  <a:schemeClr val="tx1"/>
+                </a:solidFill>
+                <a:latin typeface="+mn-lt"/>
+                <a:ea typeface="+mn-ea"/>
+                <a:cs typeface="+mn-cs"/>
+              </a:defRPr>
+            </a:lvl4pPr>
+            <a:lvl5pPr marL="1828800" algn="l" defTabSz="914400" rtl="0" eaLnBrk="1" latinLnBrk="0" hangingPunct="1">
+              <a:defRPr sz="1800" kern="1200">
+                <a:solidFill>
+                  <a:schemeClr val="tx1"/>
+                </a:solidFill>
+                <a:latin typeface="+mn-lt"/>
+                <a:ea typeface="+mn-ea"/>
+                <a:cs typeface="+mn-cs"/>
+              </a:defRPr>
+            </a:lvl5pPr>
+            <a:lvl6pPr marL="2286000" algn="l" defTabSz="914400" rtl="0" eaLnBrk="1" latinLnBrk="0" hangingPunct="1">
+              <a:defRPr sz="1800" kern="1200">
+                <a:solidFill>
+                  <a:schemeClr val="tx1"/>
+                </a:solidFill>
+                <a:latin typeface="+mn-lt"/>
+                <a:ea typeface="+mn-ea"/>
+                <a:cs typeface="+mn-cs"/>
+              </a:defRPr>
+            </a:lvl6pPr>
+            <a:lvl7pPr marL="2743200" algn="l" defTabSz="914400" rtl="0" eaLnBrk="1" latinLnBrk="0" hangingPunct="1">
+              <a:defRPr sz="1800" kern="1200">
+                <a:solidFill>
+                  <a:schemeClr val="tx1"/>
+                </a:solidFill>
+                <a:latin typeface="+mn-lt"/>
+                <a:ea typeface="+mn-ea"/>
+                <a:cs typeface="+mn-cs"/>
+              </a:defRPr>
+            </a:lvl7pPr>
+            <a:lvl8pPr marL="3200400" algn="l" defTabSz="914400" rtl="0" eaLnBrk="1" latinLnBrk="0" hangingPunct="1">
+              <a:defRPr sz="1800" kern="1200">
+                <a:solidFill>
+                  <a:schemeClr val="tx1"/>
+                </a:solidFill>
+                <a:latin typeface="+mn-lt"/>
+                <a:ea typeface="+mn-ea"/>
+                <a:cs typeface="+mn-cs"/>
+              </a:defRPr>
+            </a:lvl8pPr>
+            <a:lvl9pPr marL="3657600" algn="l" defTabSz="914400" rtl="0" eaLnBrk="1" latinLnBrk="0" hangingPunct="1">
+              <a:defRPr sz="1800" kern="1200">
+                <a:solidFill>
+                  <a:schemeClr val="tx1"/>
+                </a:solidFill>
+                <a:latin typeface="+mn-lt"/>
+                <a:ea typeface="+mn-ea"/>
+                <a:cs typeface="+mn-cs"/>
+              </a:defRPr>
+            </a:lvl9pPr>
+          </a:lstStyle>
+          <a:p>
+            <a:r>
+              <a:rPr lang="en-US" dirty="0"/>
+              <a:t>AI Driving Classification</a:t>
+            </a:r>
+          </a:p>
+        </p:txBody>
+      </p:sp>
     </p:spTree>
     <p:extLst>
       <p:ext uri="{BB962C8B-B14F-4D97-AF65-F5344CB8AC3E}">
@@ -40605,6 +40958,34 @@
       </p:sp>
       <p:sp>
         <p:nvSpPr>
+          <p:cNvPr id="49" name="Footer Placeholder 48">
+            <a:extLst>
+              <a:ext uri="{FF2B5EF4-FFF2-40B4-BE49-F238E27FC236}">
+                <a16:creationId xmlns:a16="http://schemas.microsoft.com/office/drawing/2014/main" id="{137D8514-0330-5D31-6983-08F1A55C48EF}"/>
+              </a:ext>
+            </a:extLst>
+          </p:cNvPr>
+          <p:cNvSpPr>
+            <a:spLocks noGrp="1"/>
+          </p:cNvSpPr>
+          <p:nvPr>
+            <p:ph type="ftr" sz="quarter" idx="17"/>
+          </p:nvPr>
+        </p:nvSpPr>
+        <p:spPr/>
+        <p:txBody>
+          <a:bodyPr/>
+          <a:lstStyle/>
+          <a:p>
+            <a:r>
+              <a:rPr lang="en-US" dirty="0"/>
+              <a:t>Alberto Pingo | João Castro</a:t>
+            </a:r>
+          </a:p>
+        </p:txBody>
+      </p:sp>
+      <p:sp>
+        <p:nvSpPr>
           <p:cNvPr id="7" name="Content Placeholder 2">
             <a:extLst>
               <a:ext uri="{FF2B5EF4-FFF2-40B4-BE49-F238E27FC236}">
@@ -40845,34 +41226,6 @@
             <a:r>
               <a:rPr lang="pt-PT" sz="2200" dirty="0"/>
               <a:t>Permite modelar e entender dados complexos</a:t>
-            </a:r>
-          </a:p>
-        </p:txBody>
-      </p:sp>
-      <p:sp>
-        <p:nvSpPr>
-          <p:cNvPr id="49" name="Footer Placeholder 48">
-            <a:extLst>
-              <a:ext uri="{FF2B5EF4-FFF2-40B4-BE49-F238E27FC236}">
-                <a16:creationId xmlns:a16="http://schemas.microsoft.com/office/drawing/2014/main" id="{137D8514-0330-5D31-6983-08F1A55C48EF}"/>
-              </a:ext>
-            </a:extLst>
-          </p:cNvPr>
-          <p:cNvSpPr>
-            <a:spLocks noGrp="1"/>
-          </p:cNvSpPr>
-          <p:nvPr>
-            <p:ph type="ftr" sz="quarter" idx="17"/>
-          </p:nvPr>
-        </p:nvSpPr>
-        <p:spPr/>
-        <p:txBody>
-          <a:bodyPr/>
-          <a:lstStyle/>
-          <a:p>
-            <a:r>
-              <a:rPr lang="en-US" dirty="0"/>
-              <a:t>Alberto Pingo | João Castro</a:t>
             </a:r>
           </a:p>
         </p:txBody>
@@ -42550,12 +42903,7 @@
             <p:ph type="sldNum" sz="quarter" idx="15"/>
           </p:nvPr>
         </p:nvSpPr>
-        <p:spPr>
-          <a:xfrm>
-            <a:off x="412136" y="5943601"/>
-            <a:ext cx="968983" cy="651912"/>
-          </a:xfrm>
-        </p:spPr>
+        <p:spPr/>
         <p:txBody>
           <a:bodyPr anchor="ctr">
             <a:normAutofit/>
@@ -42596,12 +42944,7 @@
             <p:ph type="ftr" sz="quarter" idx="17"/>
           </p:nvPr>
         </p:nvSpPr>
-        <p:spPr>
-          <a:xfrm>
-            <a:off x="4038600" y="6356350"/>
-            <a:ext cx="4114800" cy="365125"/>
-          </a:xfrm>
-        </p:spPr>
+        <p:spPr/>
         <p:txBody>
           <a:bodyPr anchor="ctr">
             <a:normAutofit/>
@@ -45479,21 +45822,21 @@
 </file>
 
 <file path=customXml/item1.xml><?xml version="1.0" encoding="utf-8"?>
+<p:properties xmlns:p="http://schemas.microsoft.com/office/2006/metadata/properties" xmlns:xsi="http://www.w3.org/2001/XMLSchema-instance" xmlns:pc="http://schemas.microsoft.com/office/infopath/2007/PartnerControls">
+  <documentManagement>
+    <MediaServiceKeyPoints xmlns="49ea7286-31dc-4857-8ba0-9dd5131121ba" xsi:nil="true"/>
+    <_activity xmlns="49ea7286-31dc-4857-8ba0-9dd5131121ba" xsi:nil="true"/>
+  </documentManagement>
+</p:properties>
+</file>
+
+<file path=customXml/item2.xml><?xml version="1.0" encoding="utf-8"?>
 <?mso-contentType ?>
 <FormTemplates xmlns="http://schemas.microsoft.com/sharepoint/v3/contenttype/forms">
   <Display>DocumentLibraryForm</Display>
   <Edit>DocumentLibraryForm</Edit>
   <New>DocumentLibraryForm</New>
 </FormTemplates>
-</file>
-
-<file path=customXml/item2.xml><?xml version="1.0" encoding="utf-8"?>
-<p:properties xmlns:p="http://schemas.microsoft.com/office/2006/metadata/properties" xmlns:xsi="http://www.w3.org/2001/XMLSchema-instance" xmlns:pc="http://schemas.microsoft.com/office/infopath/2007/PartnerControls">
-  <documentManagement>
-    <MediaServiceKeyPoints xmlns="49ea7286-31dc-4857-8ba0-9dd5131121ba" xsi:nil="true"/>
-    <_activity xmlns="49ea7286-31dc-4857-8ba0-9dd5131121ba" xsi:nil="true"/>
-  </documentManagement>
-</p:properties>
 </file>
 
 <file path=customXml/item3.xml><?xml version="1.0" encoding="utf-8"?>
@@ -45732,14 +46075,6 @@
 </file>
 
 <file path=customXml/itemProps1.xml><?xml version="1.0" encoding="utf-8"?>
-<ds:datastoreItem xmlns:ds="http://schemas.openxmlformats.org/officeDocument/2006/customXml" ds:itemID="{A98CD342-50C4-441F-B4A3-7D5ADB057132}">
-  <ds:schemaRefs>
-    <ds:schemaRef ds:uri="http://schemas.microsoft.com/sharepoint/v3/contenttype/forms"/>
-  </ds:schemaRefs>
-</ds:datastoreItem>
-</file>
-
-<file path=customXml/itemProps2.xml><?xml version="1.0" encoding="utf-8"?>
 <ds:datastoreItem xmlns:ds="http://schemas.openxmlformats.org/officeDocument/2006/customXml" ds:itemID="{CBDD27D0-5B6E-4A0E-95B2-BB37F9D88615}">
   <ds:schemaRefs>
     <ds:schemaRef ds:uri="http://purl.org/dc/dcmitype/"/>
@@ -45752,6 +46087,14 @@
     <ds:schemaRef ds:uri="http://schemas.microsoft.com/office/infopath/2007/PartnerControls"/>
     <ds:schemaRef ds:uri="490ae867-905f-461a-953e-c60010c4e0c9"/>
     <ds:schemaRef ds:uri="49ea7286-31dc-4857-8ba0-9dd5131121ba"/>
+  </ds:schemaRefs>
+</ds:datastoreItem>
+</file>
+
+<file path=customXml/itemProps2.xml><?xml version="1.0" encoding="utf-8"?>
+<ds:datastoreItem xmlns:ds="http://schemas.openxmlformats.org/officeDocument/2006/customXml" ds:itemID="{A98CD342-50C4-441F-B4A3-7D5ADB057132}">
+  <ds:schemaRefs>
+    <ds:schemaRef ds:uri="http://schemas.microsoft.com/sharepoint/v3/contenttype/forms"/>
   </ds:schemaRefs>
 </ds:datastoreItem>
 </file>

--- a/ProjInf_AI_Driving_Classification.pptx
+++ b/ProjInf_AI_Driving_Classification.pptx
@@ -20,8 +20,8 @@
     <p:sldId id="369" r:id="rId11"/>
     <p:sldId id="376" r:id="rId12"/>
     <p:sldId id="359" r:id="rId13"/>
-    <p:sldId id="370" r:id="rId14"/>
-    <p:sldId id="371" r:id="rId15"/>
+    <p:sldId id="383" r:id="rId14"/>
+    <p:sldId id="370" r:id="rId15"/>
     <p:sldId id="372" r:id="rId16"/>
     <p:sldId id="373" r:id="rId17"/>
     <p:sldId id="377" r:id="rId18"/>
@@ -15127,7 +15127,7 @@
     </p:spTree>
     <p:extLst>
       <p:ext uri="{BB962C8B-B14F-4D97-AF65-F5344CB8AC3E}">
-        <p14:creationId xmlns:p14="http://schemas.microsoft.com/office/powerpoint/2010/main" val="1207269960"/>
+        <p14:creationId xmlns:p14="http://schemas.microsoft.com/office/powerpoint/2010/main" val="2418448261"/>
       </p:ext>
     </p:extLst>
   </p:cSld>
@@ -17653,7 +17653,7 @@
     </p:spTree>
     <p:extLst>
       <p:ext uri="{BB962C8B-B14F-4D97-AF65-F5344CB8AC3E}">
-        <p14:creationId xmlns:p14="http://schemas.microsoft.com/office/powerpoint/2010/main" val="2418448261"/>
+        <p14:creationId xmlns:p14="http://schemas.microsoft.com/office/powerpoint/2010/main" val="2730757432"/>
       </p:ext>
     </p:extLst>
   </p:cSld>
@@ -24449,6 +24449,585 @@
       </p:sp>
       <p:pic>
         <p:nvPicPr>
+          <p:cNvPr id="43" name="Imagem 6">
+            <a:extLst>
+              <a:ext uri="{FF2B5EF4-FFF2-40B4-BE49-F238E27FC236}">
+                <a16:creationId xmlns:a16="http://schemas.microsoft.com/office/drawing/2014/main" id="{85ABC111-38A1-B6DC-DBB3-2EBB817C3856}"/>
+              </a:ext>
+            </a:extLst>
+          </p:cNvPr>
+          <p:cNvPicPr>
+            <a:picLocks noChangeAspect="1"/>
+          </p:cNvPicPr>
+          <p:nvPr/>
+        </p:nvPicPr>
+        <p:blipFill rotWithShape="1">
+          <a:blip r:embed="rId3" cstate="print">
+            <a:extLst>
+              <a:ext uri="{28A0092B-C50C-407E-A947-70E740481C1C}">
+                <a14:useLocalDpi xmlns:a14="http://schemas.microsoft.com/office/drawing/2010/main" val="0"/>
+              </a:ext>
+            </a:extLst>
+          </a:blip>
+          <a:srcRect l="4906"/>
+          <a:stretch/>
+        </p:blipFill>
+        <p:spPr bwMode="auto">
+          <a:xfrm>
+            <a:off x="2308691" y="819053"/>
+            <a:ext cx="3002945" cy="5356669"/>
+          </a:xfrm>
+          <a:prstGeom prst="rect">
+            <a:avLst/>
+          </a:prstGeom>
+          <a:noFill/>
+          <a:ln>
+            <a:noFill/>
+          </a:ln>
+          <a:extLst>
+            <a:ext uri="{53640926-AAD7-44D8-BBD7-CCE9431645EC}">
+              <a14:shadowObscured xmlns:a14="http://schemas.microsoft.com/office/drawing/2010/main"/>
+            </a:ext>
+          </a:extLst>
+        </p:spPr>
+      </p:pic>
+      <p:pic>
+        <p:nvPicPr>
+          <p:cNvPr id="44" name="Imagem 6">
+            <a:extLst>
+              <a:ext uri="{FF2B5EF4-FFF2-40B4-BE49-F238E27FC236}">
+                <a16:creationId xmlns:a16="http://schemas.microsoft.com/office/drawing/2014/main" id="{A8F40352-B707-EB01-0132-67E39EF661C6}"/>
+              </a:ext>
+            </a:extLst>
+          </p:cNvPr>
+          <p:cNvPicPr>
+            <a:picLocks noChangeAspect="1"/>
+          </p:cNvPicPr>
+          <p:nvPr/>
+        </p:nvPicPr>
+        <p:blipFill>
+          <a:blip r:embed="rId4" cstate="print">
+            <a:extLst>
+              <a:ext uri="{28A0092B-C50C-407E-A947-70E740481C1C}">
+                <a14:useLocalDpi xmlns:a14="http://schemas.microsoft.com/office/drawing/2010/main" val="0"/>
+              </a:ext>
+            </a:extLst>
+          </a:blip>
+          <a:stretch>
+            <a:fillRect/>
+          </a:stretch>
+        </p:blipFill>
+        <p:spPr bwMode="auto">
+          <a:xfrm>
+            <a:off x="7712056" y="819053"/>
+            <a:ext cx="2655532" cy="5251784"/>
+          </a:xfrm>
+          <a:prstGeom prst="rect">
+            <a:avLst/>
+          </a:prstGeom>
+          <a:noFill/>
+          <a:ln>
+            <a:noFill/>
+          </a:ln>
+        </p:spPr>
+      </p:pic>
+      <p:sp>
+        <p:nvSpPr>
+          <p:cNvPr id="10" name="Footer Placeholder 4">
+            <a:extLst>
+              <a:ext uri="{FF2B5EF4-FFF2-40B4-BE49-F238E27FC236}">
+                <a16:creationId xmlns:a16="http://schemas.microsoft.com/office/drawing/2014/main" id="{36E41B72-D302-13CB-8C35-9DE4648CD66E}"/>
+              </a:ext>
+            </a:extLst>
+          </p:cNvPr>
+          <p:cNvSpPr txBox="1">
+            <a:spLocks/>
+          </p:cNvSpPr>
+          <p:nvPr/>
+        </p:nvSpPr>
+        <p:spPr>
+          <a:xfrm>
+            <a:off x="4038600" y="6333565"/>
+            <a:ext cx="4114800" cy="365125"/>
+          </a:xfrm>
+          <a:prstGeom prst="rect">
+            <a:avLst/>
+          </a:prstGeom>
+        </p:spPr>
+        <p:txBody>
+          <a:bodyPr vert="horz" lIns="91440" tIns="45720" rIns="91440" bIns="45720" rtlCol="0" anchor="ctr"/>
+          <a:lstStyle>
+            <a:defPPr>
+              <a:defRPr lang="en-US"/>
+            </a:defPPr>
+            <a:lvl1pPr marL="0" algn="ctr" defTabSz="914400" rtl="0" eaLnBrk="1" latinLnBrk="0" hangingPunct="1">
+              <a:defRPr sz="900" b="0" kern="1200" cap="all" spc="150" baseline="0">
+                <a:solidFill>
+                  <a:schemeClr val="bg2">
+                    <a:lumMod val="50000"/>
+                  </a:schemeClr>
+                </a:solidFill>
+                <a:latin typeface="Univers Light" panose="020B0403020202020204" pitchFamily="34" charset="0"/>
+                <a:ea typeface="+mn-ea"/>
+                <a:cs typeface="+mn-cs"/>
+              </a:defRPr>
+            </a:lvl1pPr>
+            <a:lvl2pPr marL="457200" algn="l" defTabSz="914400" rtl="0" eaLnBrk="1" latinLnBrk="0" hangingPunct="1">
+              <a:defRPr sz="1800" kern="1200">
+                <a:solidFill>
+                  <a:schemeClr val="tx1"/>
+                </a:solidFill>
+                <a:latin typeface="+mn-lt"/>
+                <a:ea typeface="+mn-ea"/>
+                <a:cs typeface="+mn-cs"/>
+              </a:defRPr>
+            </a:lvl2pPr>
+            <a:lvl3pPr marL="914400" algn="l" defTabSz="914400" rtl="0" eaLnBrk="1" latinLnBrk="0" hangingPunct="1">
+              <a:defRPr sz="1800" kern="1200">
+                <a:solidFill>
+                  <a:schemeClr val="tx1"/>
+                </a:solidFill>
+                <a:latin typeface="+mn-lt"/>
+                <a:ea typeface="+mn-ea"/>
+                <a:cs typeface="+mn-cs"/>
+              </a:defRPr>
+            </a:lvl3pPr>
+            <a:lvl4pPr marL="1371600" algn="l" defTabSz="914400" rtl="0" eaLnBrk="1" latinLnBrk="0" hangingPunct="1">
+              <a:defRPr sz="1800" kern="1200">
+                <a:solidFill>
+                  <a:schemeClr val="tx1"/>
+                </a:solidFill>
+                <a:latin typeface="+mn-lt"/>
+                <a:ea typeface="+mn-ea"/>
+                <a:cs typeface="+mn-cs"/>
+              </a:defRPr>
+            </a:lvl4pPr>
+            <a:lvl5pPr marL="1828800" algn="l" defTabSz="914400" rtl="0" eaLnBrk="1" latinLnBrk="0" hangingPunct="1">
+              <a:defRPr sz="1800" kern="1200">
+                <a:solidFill>
+                  <a:schemeClr val="tx1"/>
+                </a:solidFill>
+                <a:latin typeface="+mn-lt"/>
+                <a:ea typeface="+mn-ea"/>
+                <a:cs typeface="+mn-cs"/>
+              </a:defRPr>
+            </a:lvl5pPr>
+            <a:lvl6pPr marL="2286000" algn="l" defTabSz="914400" rtl="0" eaLnBrk="1" latinLnBrk="0" hangingPunct="1">
+              <a:defRPr sz="1800" kern="1200">
+                <a:solidFill>
+                  <a:schemeClr val="tx1"/>
+                </a:solidFill>
+                <a:latin typeface="+mn-lt"/>
+                <a:ea typeface="+mn-ea"/>
+                <a:cs typeface="+mn-cs"/>
+              </a:defRPr>
+            </a:lvl6pPr>
+            <a:lvl7pPr marL="2743200" algn="l" defTabSz="914400" rtl="0" eaLnBrk="1" latinLnBrk="0" hangingPunct="1">
+              <a:defRPr sz="1800" kern="1200">
+                <a:solidFill>
+                  <a:schemeClr val="tx1"/>
+                </a:solidFill>
+                <a:latin typeface="+mn-lt"/>
+                <a:ea typeface="+mn-ea"/>
+                <a:cs typeface="+mn-cs"/>
+              </a:defRPr>
+            </a:lvl7pPr>
+            <a:lvl8pPr marL="3200400" algn="l" defTabSz="914400" rtl="0" eaLnBrk="1" latinLnBrk="0" hangingPunct="1">
+              <a:defRPr sz="1800" kern="1200">
+                <a:solidFill>
+                  <a:schemeClr val="tx1"/>
+                </a:solidFill>
+                <a:latin typeface="+mn-lt"/>
+                <a:ea typeface="+mn-ea"/>
+                <a:cs typeface="+mn-cs"/>
+              </a:defRPr>
+            </a:lvl8pPr>
+            <a:lvl9pPr marL="3657600" algn="l" defTabSz="914400" rtl="0" eaLnBrk="1" latinLnBrk="0" hangingPunct="1">
+              <a:defRPr sz="1800" kern="1200">
+                <a:solidFill>
+                  <a:schemeClr val="tx1"/>
+                </a:solidFill>
+                <a:latin typeface="+mn-lt"/>
+                <a:ea typeface="+mn-ea"/>
+                <a:cs typeface="+mn-cs"/>
+              </a:defRPr>
+            </a:lvl9pPr>
+          </a:lstStyle>
+          <a:p>
+            <a:pPr>
+              <a:lnSpc>
+                <a:spcPct val="150000"/>
+              </a:lnSpc>
+            </a:pPr>
+            <a:r>
+              <a:rPr lang="pt-PT" sz="800" dirty="0"/>
+              <a:t>Ai driving classification</a:t>
+            </a:r>
+          </a:p>
+          <a:p>
+            <a:pPr>
+              <a:lnSpc>
+                <a:spcPct val="150000"/>
+              </a:lnSpc>
+            </a:pPr>
+            <a:r>
+              <a:rPr lang="pt-PT" sz="800" dirty="0"/>
+              <a:t>Alberto pingo | joão castro</a:t>
+            </a:r>
+          </a:p>
+        </p:txBody>
+      </p:sp>
+      <p:pic>
+        <p:nvPicPr>
+          <p:cNvPr id="12" name="Picture 11" descr="A black background with a black square&#10;&#10;Description automatically generated with medium confidence">
+            <a:extLst>
+              <a:ext uri="{FF2B5EF4-FFF2-40B4-BE49-F238E27FC236}">
+                <a16:creationId xmlns:a16="http://schemas.microsoft.com/office/drawing/2014/main" id="{8CB1D191-3CFF-0E6E-F09C-43F3BABB3AB3}"/>
+              </a:ext>
+            </a:extLst>
+          </p:cNvPr>
+          <p:cNvPicPr>
+            <a:picLocks noChangeAspect="1"/>
+          </p:cNvPicPr>
+          <p:nvPr/>
+        </p:nvPicPr>
+        <p:blipFill>
+          <a:blip r:embed="rId5">
+            <a:alphaModFix amt="70000"/>
+            <a:extLst>
+              <a:ext uri="{28A0092B-C50C-407E-A947-70E740481C1C}">
+                <a14:useLocalDpi xmlns:a14="http://schemas.microsoft.com/office/drawing/2010/main" val="0"/>
+              </a:ext>
+            </a:extLst>
+          </a:blip>
+          <a:stretch>
+            <a:fillRect/>
+          </a:stretch>
+        </p:blipFill>
+        <p:spPr>
+          <a:xfrm>
+            <a:off x="10582445" y="5985436"/>
+            <a:ext cx="1441915" cy="568239"/>
+          </a:xfrm>
+          <a:prstGeom prst="rect">
+            <a:avLst/>
+          </a:prstGeom>
+        </p:spPr>
+      </p:pic>
+      <p:sp>
+        <p:nvSpPr>
+          <p:cNvPr id="15" name="Title 1">
+            <a:extLst>
+              <a:ext uri="{FF2B5EF4-FFF2-40B4-BE49-F238E27FC236}">
+                <a16:creationId xmlns:a16="http://schemas.microsoft.com/office/drawing/2014/main" id="{B2287D40-DAD8-09B6-343F-3574AB7E8A8C}"/>
+              </a:ext>
+            </a:extLst>
+          </p:cNvPr>
+          <p:cNvSpPr>
+            <a:spLocks noGrp="1"/>
+          </p:cNvSpPr>
+          <p:nvPr>
+            <p:ph type="title"/>
+          </p:nvPr>
+        </p:nvSpPr>
+        <p:spPr>
+          <a:xfrm>
+            <a:off x="1520662" y="252034"/>
+            <a:ext cx="9753890" cy="409176"/>
+          </a:xfrm>
+        </p:spPr>
+        <p:txBody>
+          <a:bodyPr>
+            <a:normAutofit fontScale="90000"/>
+          </a:bodyPr>
+          <a:lstStyle/>
+          <a:p>
+            <a:r>
+              <a:rPr lang="pt-PT" i="1" dirty="0"/>
+              <a:t>Primeira Abordagem</a:t>
+            </a:r>
+          </a:p>
+        </p:txBody>
+      </p:sp>
+    </p:spTree>
+    <p:extLst>
+      <p:ext uri="{BB962C8B-B14F-4D97-AF65-F5344CB8AC3E}">
+        <p14:creationId xmlns:p14="http://schemas.microsoft.com/office/powerpoint/2010/main" val="1944574932"/>
+      </p:ext>
+    </p:extLst>
+  </p:cSld>
+  <p:clrMapOvr>
+    <a:masterClrMapping/>
+  </p:clrMapOvr>
+  <p:timing>
+    <p:tnLst>
+      <p:par>
+        <p:cTn id="1" dur="indefinite" restart="never" nodeType="tmRoot">
+          <p:childTnLst>
+            <p:seq concurrent="1" nextAc="seek">
+              <p:cTn id="2" dur="indefinite" nodeType="mainSeq">
+                <p:childTnLst>
+                  <p:par>
+                    <p:cTn id="3" fill="hold">
+                      <p:stCondLst>
+                        <p:cond delay="indefinite"/>
+                      </p:stCondLst>
+                      <p:childTnLst>
+                        <p:par>
+                          <p:cTn id="4" fill="hold">
+                            <p:stCondLst>
+                              <p:cond delay="0"/>
+                            </p:stCondLst>
+                            <p:childTnLst>
+                              <p:par>
+                                <p:cTn id="5" presetID="1" presetClass="entr" presetSubtype="0" fill="hold" nodeType="clickEffect">
+                                  <p:stCondLst>
+                                    <p:cond delay="0"/>
+                                  </p:stCondLst>
+                                  <p:childTnLst>
+                                    <p:set>
+                                      <p:cBhvr>
+                                        <p:cTn id="6" dur="1" fill="hold">
+                                          <p:stCondLst>
+                                            <p:cond delay="0"/>
+                                          </p:stCondLst>
+                                        </p:cTn>
+                                        <p:tgtEl>
+                                          <p:spTgt spid="44"/>
+                                        </p:tgtEl>
+                                        <p:attrNameLst>
+                                          <p:attrName>style.visibility</p:attrName>
+                                        </p:attrNameLst>
+                                      </p:cBhvr>
+                                      <p:to>
+                                        <p:strVal val="visible"/>
+                                      </p:to>
+                                    </p:set>
+                                  </p:childTnLst>
+                                </p:cTn>
+                              </p:par>
+                            </p:childTnLst>
+                          </p:cTn>
+                        </p:par>
+                      </p:childTnLst>
+                    </p:cTn>
+                  </p:par>
+                </p:childTnLst>
+              </p:cTn>
+              <p:prevCondLst>
+                <p:cond evt="onPrev" delay="0">
+                  <p:tgtEl>
+                    <p:sldTgt/>
+                  </p:tgtEl>
+                </p:cond>
+              </p:prevCondLst>
+              <p:nextCondLst>
+                <p:cond evt="onNext" delay="0">
+                  <p:tgtEl>
+                    <p:sldTgt/>
+                  </p:tgtEl>
+                </p:cond>
+              </p:nextCondLst>
+            </p:seq>
+          </p:childTnLst>
+        </p:cTn>
+      </p:par>
+    </p:tnLst>
+  </p:timing>
+</p:sld>
+</file>
+
+<file path=ppt/slides/slide11.xml><?xml version="1.0" encoding="utf-8"?>
+<p:sld xmlns:a="http://schemas.openxmlformats.org/drawingml/2006/main" xmlns:r="http://schemas.openxmlformats.org/officeDocument/2006/relationships" xmlns:p="http://schemas.openxmlformats.org/presentationml/2006/main">
+  <p:cSld>
+    <p:bg>
+      <p:bgPr>
+        <a:solidFill>
+          <a:schemeClr val="bg2">
+            <a:alpha val="0"/>
+          </a:schemeClr>
+        </a:solidFill>
+        <a:effectLst/>
+      </p:bgPr>
+    </p:bg>
+    <p:spTree>
+      <p:nvGrpSpPr>
+        <p:cNvPr id="1" name=""/>
+        <p:cNvGrpSpPr/>
+        <p:nvPr/>
+      </p:nvGrpSpPr>
+      <p:grpSpPr>
+        <a:xfrm>
+          <a:off x="0" y="0"/>
+          <a:ext cx="0" cy="0"/>
+          <a:chOff x="0" y="0"/>
+          <a:chExt cx="0" cy="0"/>
+        </a:xfrm>
+      </p:grpSpPr>
+      <p:sp>
+        <p:nvSpPr>
+          <p:cNvPr id="4" name="Slide Number Placeholder 3">
+            <a:extLst>
+              <a:ext uri="{FF2B5EF4-FFF2-40B4-BE49-F238E27FC236}">
+                <a16:creationId xmlns:a16="http://schemas.microsoft.com/office/drawing/2014/main" id="{527C964F-E2D5-D8E7-C513-C47A7E409DF3}"/>
+              </a:ext>
+            </a:extLst>
+          </p:cNvPr>
+          <p:cNvSpPr>
+            <a:spLocks noGrp="1"/>
+          </p:cNvSpPr>
+          <p:nvPr>
+            <p:ph type="sldNum" sz="quarter" idx="15"/>
+          </p:nvPr>
+        </p:nvSpPr>
+        <p:spPr/>
+        <p:txBody>
+          <a:bodyPr/>
+          <a:lstStyle/>
+          <a:p>
+            <a:fld id="{18D65601-5AE2-46FC-B138-694DDD2B510D}" type="slidenum">
+              <a:rPr lang="en-US" smtClean="0"/>
+              <a:pPr/>
+              <a:t>11</a:t>
+            </a:fld>
+            <a:endParaRPr lang="en-US" dirty="0"/>
+          </a:p>
+        </p:txBody>
+      </p:sp>
+      <p:sp>
+        <p:nvSpPr>
+          <p:cNvPr id="29" name="Rectangle 28">
+            <a:extLst>
+              <a:ext uri="{FF2B5EF4-FFF2-40B4-BE49-F238E27FC236}">
+                <a16:creationId xmlns:a16="http://schemas.microsoft.com/office/drawing/2014/main" id="{0A0E7BD1-ECFE-B70B-5C97-C06F01ACA0EF}"/>
+              </a:ext>
+            </a:extLst>
+          </p:cNvPr>
+          <p:cNvSpPr/>
+          <p:nvPr/>
+        </p:nvSpPr>
+        <p:spPr>
+          <a:xfrm>
+            <a:off x="4439142" y="5254032"/>
+            <a:ext cx="1179428" cy="365124"/>
+          </a:xfrm>
+          <a:prstGeom prst="rect">
+            <a:avLst/>
+          </a:prstGeom>
+        </p:spPr>
+        <p:style>
+          <a:lnRef idx="0">
+            <a:schemeClr val="dk1">
+              <a:alpha val="0"/>
+              <a:hueOff val="0"/>
+              <a:satOff val="0"/>
+              <a:lumOff val="0"/>
+              <a:alphaOff val="0"/>
+            </a:schemeClr>
+          </a:lnRef>
+          <a:fillRef idx="0">
+            <a:schemeClr val="lt1">
+              <a:alpha val="0"/>
+              <a:hueOff val="0"/>
+              <a:satOff val="0"/>
+              <a:lumOff val="0"/>
+              <a:alphaOff val="0"/>
+            </a:schemeClr>
+          </a:fillRef>
+          <a:effectRef idx="0">
+            <a:schemeClr val="lt1">
+              <a:alpha val="0"/>
+              <a:hueOff val="0"/>
+              <a:satOff val="0"/>
+              <a:lumOff val="0"/>
+              <a:alphaOff val="0"/>
+            </a:schemeClr>
+          </a:effectRef>
+          <a:fontRef idx="minor">
+            <a:schemeClr val="tx1">
+              <a:hueOff val="0"/>
+              <a:satOff val="0"/>
+              <a:lumOff val="0"/>
+              <a:alphaOff val="0"/>
+            </a:schemeClr>
+          </a:fontRef>
+        </p:style>
+        <p:txBody>
+          <a:bodyPr/>
+          <a:lstStyle/>
+          <a:p>
+            <a:endParaRPr lang="pt-PT"/>
+          </a:p>
+        </p:txBody>
+      </p:sp>
+      <p:sp>
+        <p:nvSpPr>
+          <p:cNvPr id="34" name="Rectangle 33">
+            <a:extLst>
+              <a:ext uri="{FF2B5EF4-FFF2-40B4-BE49-F238E27FC236}">
+                <a16:creationId xmlns:a16="http://schemas.microsoft.com/office/drawing/2014/main" id="{C8BAA013-37F3-B3F3-A350-4A65FB1FB523}"/>
+              </a:ext>
+            </a:extLst>
+          </p:cNvPr>
+          <p:cNvSpPr/>
+          <p:nvPr/>
+        </p:nvSpPr>
+        <p:spPr>
+          <a:xfrm>
+            <a:off x="6323727" y="5336627"/>
+            <a:ext cx="1749678" cy="409175"/>
+          </a:xfrm>
+          <a:prstGeom prst="rect">
+            <a:avLst/>
+          </a:prstGeom>
+        </p:spPr>
+        <p:style>
+          <a:lnRef idx="0">
+            <a:schemeClr val="dk1">
+              <a:alpha val="0"/>
+              <a:hueOff val="0"/>
+              <a:satOff val="0"/>
+              <a:lumOff val="0"/>
+              <a:alphaOff val="0"/>
+            </a:schemeClr>
+          </a:lnRef>
+          <a:fillRef idx="0">
+            <a:schemeClr val="lt1">
+              <a:alpha val="0"/>
+              <a:hueOff val="0"/>
+              <a:satOff val="0"/>
+              <a:lumOff val="0"/>
+              <a:alphaOff val="0"/>
+            </a:schemeClr>
+          </a:fillRef>
+          <a:effectRef idx="0">
+            <a:schemeClr val="lt1">
+              <a:alpha val="0"/>
+              <a:hueOff val="0"/>
+              <a:satOff val="0"/>
+              <a:lumOff val="0"/>
+              <a:alphaOff val="0"/>
+            </a:schemeClr>
+          </a:effectRef>
+          <a:fontRef idx="minor">
+            <a:schemeClr val="tx1">
+              <a:hueOff val="0"/>
+              <a:satOff val="0"/>
+              <a:lumOff val="0"/>
+              <a:alphaOff val="0"/>
+            </a:schemeClr>
+          </a:fontRef>
+        </p:style>
+        <p:txBody>
+          <a:bodyPr/>
+          <a:lstStyle/>
+          <a:p>
+            <a:endParaRPr lang="pt-PT"/>
+          </a:p>
+        </p:txBody>
+      </p:sp>
+      <p:pic>
+        <p:nvPicPr>
           <p:cNvPr id="3" name="Imagem 4">
             <a:extLst>
               <a:ext uri="{FF2B5EF4-FFF2-40B4-BE49-F238E27FC236}">
@@ -24834,456 +25413,6 @@
       </p:par>
     </p:tnLst>
   </p:timing>
-</p:sld>
-</file>
-
-<file path=ppt/slides/slide11.xml><?xml version="1.0" encoding="utf-8"?>
-<p:sld xmlns:a="http://schemas.openxmlformats.org/drawingml/2006/main" xmlns:r="http://schemas.openxmlformats.org/officeDocument/2006/relationships" xmlns:p="http://schemas.openxmlformats.org/presentationml/2006/main">
-  <p:cSld>
-    <p:bg>
-      <p:bgPr>
-        <a:solidFill>
-          <a:schemeClr val="bg2">
-            <a:alpha val="0"/>
-          </a:schemeClr>
-        </a:solidFill>
-        <a:effectLst/>
-      </p:bgPr>
-    </p:bg>
-    <p:spTree>
-      <p:nvGrpSpPr>
-        <p:cNvPr id="1" name=""/>
-        <p:cNvGrpSpPr/>
-        <p:nvPr/>
-      </p:nvGrpSpPr>
-      <p:grpSpPr>
-        <a:xfrm>
-          <a:off x="0" y="0"/>
-          <a:ext cx="0" cy="0"/>
-          <a:chOff x="0" y="0"/>
-          <a:chExt cx="0" cy="0"/>
-        </a:xfrm>
-      </p:grpSpPr>
-      <p:sp>
-        <p:nvSpPr>
-          <p:cNvPr id="4" name="Slide Number Placeholder 3">
-            <a:extLst>
-              <a:ext uri="{FF2B5EF4-FFF2-40B4-BE49-F238E27FC236}">
-                <a16:creationId xmlns:a16="http://schemas.microsoft.com/office/drawing/2014/main" id="{527C964F-E2D5-D8E7-C513-C47A7E409DF3}"/>
-              </a:ext>
-            </a:extLst>
-          </p:cNvPr>
-          <p:cNvSpPr>
-            <a:spLocks noGrp="1"/>
-          </p:cNvSpPr>
-          <p:nvPr>
-            <p:ph type="sldNum" sz="quarter" idx="15"/>
-          </p:nvPr>
-        </p:nvSpPr>
-        <p:spPr/>
-        <p:txBody>
-          <a:bodyPr/>
-          <a:lstStyle/>
-          <a:p>
-            <a:fld id="{18D65601-5AE2-46FC-B138-694DDD2B510D}" type="slidenum">
-              <a:rPr lang="en-US" smtClean="0"/>
-              <a:pPr/>
-              <a:t>11</a:t>
-            </a:fld>
-            <a:endParaRPr lang="en-US" dirty="0"/>
-          </a:p>
-        </p:txBody>
-      </p:sp>
-      <p:sp>
-        <p:nvSpPr>
-          <p:cNvPr id="29" name="Rectangle 28">
-            <a:extLst>
-              <a:ext uri="{FF2B5EF4-FFF2-40B4-BE49-F238E27FC236}">
-                <a16:creationId xmlns:a16="http://schemas.microsoft.com/office/drawing/2014/main" id="{0A0E7BD1-ECFE-B70B-5C97-C06F01ACA0EF}"/>
-              </a:ext>
-            </a:extLst>
-          </p:cNvPr>
-          <p:cNvSpPr/>
-          <p:nvPr/>
-        </p:nvSpPr>
-        <p:spPr>
-          <a:xfrm>
-            <a:off x="4439142" y="5254032"/>
-            <a:ext cx="1179428" cy="365124"/>
-          </a:xfrm>
-          <a:prstGeom prst="rect">
-            <a:avLst/>
-          </a:prstGeom>
-        </p:spPr>
-        <p:style>
-          <a:lnRef idx="0">
-            <a:schemeClr val="dk1">
-              <a:alpha val="0"/>
-              <a:hueOff val="0"/>
-              <a:satOff val="0"/>
-              <a:lumOff val="0"/>
-              <a:alphaOff val="0"/>
-            </a:schemeClr>
-          </a:lnRef>
-          <a:fillRef idx="0">
-            <a:schemeClr val="lt1">
-              <a:alpha val="0"/>
-              <a:hueOff val="0"/>
-              <a:satOff val="0"/>
-              <a:lumOff val="0"/>
-              <a:alphaOff val="0"/>
-            </a:schemeClr>
-          </a:fillRef>
-          <a:effectRef idx="0">
-            <a:schemeClr val="lt1">
-              <a:alpha val="0"/>
-              <a:hueOff val="0"/>
-              <a:satOff val="0"/>
-              <a:lumOff val="0"/>
-              <a:alphaOff val="0"/>
-            </a:schemeClr>
-          </a:effectRef>
-          <a:fontRef idx="minor">
-            <a:schemeClr val="tx1">
-              <a:hueOff val="0"/>
-              <a:satOff val="0"/>
-              <a:lumOff val="0"/>
-              <a:alphaOff val="0"/>
-            </a:schemeClr>
-          </a:fontRef>
-        </p:style>
-        <p:txBody>
-          <a:bodyPr/>
-          <a:lstStyle/>
-          <a:p>
-            <a:endParaRPr lang="pt-PT"/>
-          </a:p>
-        </p:txBody>
-      </p:sp>
-      <p:sp>
-        <p:nvSpPr>
-          <p:cNvPr id="34" name="Rectangle 33">
-            <a:extLst>
-              <a:ext uri="{FF2B5EF4-FFF2-40B4-BE49-F238E27FC236}">
-                <a16:creationId xmlns:a16="http://schemas.microsoft.com/office/drawing/2014/main" id="{C8BAA013-37F3-B3F3-A350-4A65FB1FB523}"/>
-              </a:ext>
-            </a:extLst>
-          </p:cNvPr>
-          <p:cNvSpPr/>
-          <p:nvPr/>
-        </p:nvSpPr>
-        <p:spPr>
-          <a:xfrm>
-            <a:off x="6323727" y="5336627"/>
-            <a:ext cx="1749678" cy="409175"/>
-          </a:xfrm>
-          <a:prstGeom prst="rect">
-            <a:avLst/>
-          </a:prstGeom>
-        </p:spPr>
-        <p:style>
-          <a:lnRef idx="0">
-            <a:schemeClr val="dk1">
-              <a:alpha val="0"/>
-              <a:hueOff val="0"/>
-              <a:satOff val="0"/>
-              <a:lumOff val="0"/>
-              <a:alphaOff val="0"/>
-            </a:schemeClr>
-          </a:lnRef>
-          <a:fillRef idx="0">
-            <a:schemeClr val="lt1">
-              <a:alpha val="0"/>
-              <a:hueOff val="0"/>
-              <a:satOff val="0"/>
-              <a:lumOff val="0"/>
-              <a:alphaOff val="0"/>
-            </a:schemeClr>
-          </a:fillRef>
-          <a:effectRef idx="0">
-            <a:schemeClr val="lt1">
-              <a:alpha val="0"/>
-              <a:hueOff val="0"/>
-              <a:satOff val="0"/>
-              <a:lumOff val="0"/>
-              <a:alphaOff val="0"/>
-            </a:schemeClr>
-          </a:effectRef>
-          <a:fontRef idx="minor">
-            <a:schemeClr val="tx1">
-              <a:hueOff val="0"/>
-              <a:satOff val="0"/>
-              <a:lumOff val="0"/>
-              <a:alphaOff val="0"/>
-            </a:schemeClr>
-          </a:fontRef>
-        </p:style>
-        <p:txBody>
-          <a:bodyPr/>
-          <a:lstStyle/>
-          <a:p>
-            <a:endParaRPr lang="pt-PT"/>
-          </a:p>
-        </p:txBody>
-      </p:sp>
-      <p:pic>
-        <p:nvPicPr>
-          <p:cNvPr id="2" name="Picture 1" descr="A map with orange dots&#10;&#10;Description automatically generated">
-            <a:extLst>
-              <a:ext uri="{FF2B5EF4-FFF2-40B4-BE49-F238E27FC236}">
-                <a16:creationId xmlns:a16="http://schemas.microsoft.com/office/drawing/2014/main" id="{17E65E6A-F352-A66F-7920-4E1022CCF65B}"/>
-              </a:ext>
-            </a:extLst>
-          </p:cNvPr>
-          <p:cNvPicPr>
-            <a:picLocks noChangeAspect="1"/>
-          </p:cNvPicPr>
-          <p:nvPr/>
-        </p:nvPicPr>
-        <p:blipFill>
-          <a:blip r:embed="rId3"/>
-          <a:stretch>
-            <a:fillRect/>
-          </a:stretch>
-        </p:blipFill>
-        <p:spPr>
-          <a:xfrm>
-            <a:off x="1381119" y="1354016"/>
-            <a:ext cx="10220331" cy="4362079"/>
-          </a:xfrm>
-          <a:prstGeom prst="rect">
-            <a:avLst/>
-          </a:prstGeom>
-        </p:spPr>
-      </p:pic>
-      <p:sp>
-        <p:nvSpPr>
-          <p:cNvPr id="9" name="Footer Placeholder 4">
-            <a:extLst>
-              <a:ext uri="{FF2B5EF4-FFF2-40B4-BE49-F238E27FC236}">
-                <a16:creationId xmlns:a16="http://schemas.microsoft.com/office/drawing/2014/main" id="{D18F56AD-1F85-84C1-A669-5D4A40841EDA}"/>
-              </a:ext>
-            </a:extLst>
-          </p:cNvPr>
-          <p:cNvSpPr txBox="1">
-            <a:spLocks/>
-          </p:cNvSpPr>
-          <p:nvPr/>
-        </p:nvSpPr>
-        <p:spPr>
-          <a:xfrm>
-            <a:off x="4038600" y="6333565"/>
-            <a:ext cx="4114800" cy="365125"/>
-          </a:xfrm>
-          <a:prstGeom prst="rect">
-            <a:avLst/>
-          </a:prstGeom>
-        </p:spPr>
-        <p:txBody>
-          <a:bodyPr vert="horz" lIns="91440" tIns="45720" rIns="91440" bIns="45720" rtlCol="0" anchor="ctr"/>
-          <a:lstStyle>
-            <a:defPPr>
-              <a:defRPr lang="en-US"/>
-            </a:defPPr>
-            <a:lvl1pPr marL="0" algn="ctr" defTabSz="914400" rtl="0" eaLnBrk="1" latinLnBrk="0" hangingPunct="1">
-              <a:defRPr sz="900" b="0" kern="1200" cap="all" spc="150" baseline="0">
-                <a:solidFill>
-                  <a:schemeClr val="bg2">
-                    <a:lumMod val="50000"/>
-                  </a:schemeClr>
-                </a:solidFill>
-                <a:latin typeface="Univers Light" panose="020B0403020202020204" pitchFamily="34" charset="0"/>
-                <a:ea typeface="+mn-ea"/>
-                <a:cs typeface="+mn-cs"/>
-              </a:defRPr>
-            </a:lvl1pPr>
-            <a:lvl2pPr marL="457200" algn="l" defTabSz="914400" rtl="0" eaLnBrk="1" latinLnBrk="0" hangingPunct="1">
-              <a:defRPr sz="1800" kern="1200">
-                <a:solidFill>
-                  <a:schemeClr val="tx1"/>
-                </a:solidFill>
-                <a:latin typeface="+mn-lt"/>
-                <a:ea typeface="+mn-ea"/>
-                <a:cs typeface="+mn-cs"/>
-              </a:defRPr>
-            </a:lvl2pPr>
-            <a:lvl3pPr marL="914400" algn="l" defTabSz="914400" rtl="0" eaLnBrk="1" latinLnBrk="0" hangingPunct="1">
-              <a:defRPr sz="1800" kern="1200">
-                <a:solidFill>
-                  <a:schemeClr val="tx1"/>
-                </a:solidFill>
-                <a:latin typeface="+mn-lt"/>
-                <a:ea typeface="+mn-ea"/>
-                <a:cs typeface="+mn-cs"/>
-              </a:defRPr>
-            </a:lvl3pPr>
-            <a:lvl4pPr marL="1371600" algn="l" defTabSz="914400" rtl="0" eaLnBrk="1" latinLnBrk="0" hangingPunct="1">
-              <a:defRPr sz="1800" kern="1200">
-                <a:solidFill>
-                  <a:schemeClr val="tx1"/>
-                </a:solidFill>
-                <a:latin typeface="+mn-lt"/>
-                <a:ea typeface="+mn-ea"/>
-                <a:cs typeface="+mn-cs"/>
-              </a:defRPr>
-            </a:lvl4pPr>
-            <a:lvl5pPr marL="1828800" algn="l" defTabSz="914400" rtl="0" eaLnBrk="1" latinLnBrk="0" hangingPunct="1">
-              <a:defRPr sz="1800" kern="1200">
-                <a:solidFill>
-                  <a:schemeClr val="tx1"/>
-                </a:solidFill>
-                <a:latin typeface="+mn-lt"/>
-                <a:ea typeface="+mn-ea"/>
-                <a:cs typeface="+mn-cs"/>
-              </a:defRPr>
-            </a:lvl5pPr>
-            <a:lvl6pPr marL="2286000" algn="l" defTabSz="914400" rtl="0" eaLnBrk="1" latinLnBrk="0" hangingPunct="1">
-              <a:defRPr sz="1800" kern="1200">
-                <a:solidFill>
-                  <a:schemeClr val="tx1"/>
-                </a:solidFill>
-                <a:latin typeface="+mn-lt"/>
-                <a:ea typeface="+mn-ea"/>
-                <a:cs typeface="+mn-cs"/>
-              </a:defRPr>
-            </a:lvl6pPr>
-            <a:lvl7pPr marL="2743200" algn="l" defTabSz="914400" rtl="0" eaLnBrk="1" latinLnBrk="0" hangingPunct="1">
-              <a:defRPr sz="1800" kern="1200">
-                <a:solidFill>
-                  <a:schemeClr val="tx1"/>
-                </a:solidFill>
-                <a:latin typeface="+mn-lt"/>
-                <a:ea typeface="+mn-ea"/>
-                <a:cs typeface="+mn-cs"/>
-              </a:defRPr>
-            </a:lvl7pPr>
-            <a:lvl8pPr marL="3200400" algn="l" defTabSz="914400" rtl="0" eaLnBrk="1" latinLnBrk="0" hangingPunct="1">
-              <a:defRPr sz="1800" kern="1200">
-                <a:solidFill>
-                  <a:schemeClr val="tx1"/>
-                </a:solidFill>
-                <a:latin typeface="+mn-lt"/>
-                <a:ea typeface="+mn-ea"/>
-                <a:cs typeface="+mn-cs"/>
-              </a:defRPr>
-            </a:lvl8pPr>
-            <a:lvl9pPr marL="3657600" algn="l" defTabSz="914400" rtl="0" eaLnBrk="1" latinLnBrk="0" hangingPunct="1">
-              <a:defRPr sz="1800" kern="1200">
-                <a:solidFill>
-                  <a:schemeClr val="tx1"/>
-                </a:solidFill>
-                <a:latin typeface="+mn-lt"/>
-                <a:ea typeface="+mn-ea"/>
-                <a:cs typeface="+mn-cs"/>
-              </a:defRPr>
-            </a:lvl9pPr>
-          </a:lstStyle>
-          <a:p>
-            <a:pPr>
-              <a:lnSpc>
-                <a:spcPct val="150000"/>
-              </a:lnSpc>
-            </a:pPr>
-            <a:r>
-              <a:rPr lang="pt-PT" sz="800" dirty="0"/>
-              <a:t>Ai driving classification</a:t>
-            </a:r>
-          </a:p>
-          <a:p>
-            <a:pPr>
-              <a:lnSpc>
-                <a:spcPct val="150000"/>
-              </a:lnSpc>
-            </a:pPr>
-            <a:r>
-              <a:rPr lang="pt-PT" sz="800" dirty="0"/>
-              <a:t>Alberto pingo | joão castro</a:t>
-            </a:r>
-          </a:p>
-        </p:txBody>
-      </p:sp>
-      <p:pic>
-        <p:nvPicPr>
-          <p:cNvPr id="10" name="Picture 9" descr="A black background with a black square&#10;&#10;Description automatically generated with medium confidence">
-            <a:extLst>
-              <a:ext uri="{FF2B5EF4-FFF2-40B4-BE49-F238E27FC236}">
-                <a16:creationId xmlns:a16="http://schemas.microsoft.com/office/drawing/2014/main" id="{AD67B030-95A9-1184-7BDA-8CB15D03D392}"/>
-              </a:ext>
-            </a:extLst>
-          </p:cNvPr>
-          <p:cNvPicPr>
-            <a:picLocks noChangeAspect="1"/>
-          </p:cNvPicPr>
-          <p:nvPr/>
-        </p:nvPicPr>
-        <p:blipFill>
-          <a:blip r:embed="rId4">
-            <a:alphaModFix amt="70000"/>
-            <a:extLst>
-              <a:ext uri="{28A0092B-C50C-407E-A947-70E740481C1C}">
-                <a14:useLocalDpi xmlns:a14="http://schemas.microsoft.com/office/drawing/2010/main" val="0"/>
-              </a:ext>
-            </a:extLst>
-          </a:blip>
-          <a:stretch>
-            <a:fillRect/>
-          </a:stretch>
-        </p:blipFill>
-        <p:spPr>
-          <a:xfrm>
-            <a:off x="10582445" y="5985436"/>
-            <a:ext cx="1441915" cy="568239"/>
-          </a:xfrm>
-          <a:prstGeom prst="rect">
-            <a:avLst/>
-          </a:prstGeom>
-        </p:spPr>
-      </p:pic>
-      <p:sp>
-        <p:nvSpPr>
-          <p:cNvPr id="12" name="Title 1">
-            <a:extLst>
-              <a:ext uri="{FF2B5EF4-FFF2-40B4-BE49-F238E27FC236}">
-                <a16:creationId xmlns:a16="http://schemas.microsoft.com/office/drawing/2014/main" id="{435E00F0-2A03-049A-0DB6-36358193C286}"/>
-              </a:ext>
-            </a:extLst>
-          </p:cNvPr>
-          <p:cNvSpPr>
-            <a:spLocks noGrp="1"/>
-          </p:cNvSpPr>
-          <p:nvPr>
-            <p:ph type="title"/>
-          </p:nvPr>
-        </p:nvSpPr>
-        <p:spPr>
-          <a:xfrm>
-            <a:off x="1520662" y="252034"/>
-            <a:ext cx="9753890" cy="409176"/>
-          </a:xfrm>
-        </p:spPr>
-        <p:txBody>
-          <a:bodyPr>
-            <a:normAutofit fontScale="90000"/>
-          </a:bodyPr>
-          <a:lstStyle/>
-          <a:p>
-            <a:r>
-              <a:rPr lang="pt-PT" i="1" dirty="0"/>
-              <a:t>Primeira Abordagem</a:t>
-            </a:r>
-          </a:p>
-        </p:txBody>
-      </p:sp>
-    </p:spTree>
-    <p:extLst>
-      <p:ext uri="{BB962C8B-B14F-4D97-AF65-F5344CB8AC3E}">
-        <p14:creationId xmlns:p14="http://schemas.microsoft.com/office/powerpoint/2010/main" val="3805278845"/>
-      </p:ext>
-    </p:extLst>
-  </p:cSld>
-  <p:clrMapOvr>
-    <a:masterClrMapping/>
-  </p:clrMapOvr>
 </p:sld>
 </file>
 
@@ -45326,7 +45455,7 @@
         </p:nvSpPr>
         <p:spPr>
           <a:xfrm>
-            <a:off x="4439142" y="5254032"/>
+            <a:off x="4636434" y="5042735"/>
             <a:ext cx="1179428" cy="365124"/>
           </a:xfrm>
           <a:prstGeom prst="rect">
@@ -45392,7 +45521,7 @@
         </p:nvSpPr>
         <p:spPr>
           <a:xfrm>
-            <a:off x="6323727" y="5336627"/>
+            <a:off x="5667225" y="5162889"/>
             <a:ext cx="1749678" cy="409175"/>
           </a:xfrm>
           <a:prstGeom prst="rect">
@@ -45444,90 +45573,6 @@
           </a:p>
         </p:txBody>
       </p:sp>
-      <p:pic>
-        <p:nvPicPr>
-          <p:cNvPr id="43" name="Imagem 6">
-            <a:extLst>
-              <a:ext uri="{FF2B5EF4-FFF2-40B4-BE49-F238E27FC236}">
-                <a16:creationId xmlns:a16="http://schemas.microsoft.com/office/drawing/2014/main" id="{85ABC111-38A1-B6DC-DBB3-2EBB817C3856}"/>
-              </a:ext>
-            </a:extLst>
-          </p:cNvPr>
-          <p:cNvPicPr>
-            <a:picLocks noChangeAspect="1"/>
-          </p:cNvPicPr>
-          <p:nvPr/>
-        </p:nvPicPr>
-        <p:blipFill rotWithShape="1">
-          <a:blip r:embed="rId3" cstate="print">
-            <a:extLst>
-              <a:ext uri="{28A0092B-C50C-407E-A947-70E740481C1C}">
-                <a14:useLocalDpi xmlns:a14="http://schemas.microsoft.com/office/drawing/2010/main" val="0"/>
-              </a:ext>
-            </a:extLst>
-          </a:blip>
-          <a:srcRect l="4906"/>
-          <a:stretch/>
-        </p:blipFill>
-        <p:spPr bwMode="auto">
-          <a:xfrm>
-            <a:off x="2308691" y="819053"/>
-            <a:ext cx="3002945" cy="5356669"/>
-          </a:xfrm>
-          <a:prstGeom prst="rect">
-            <a:avLst/>
-          </a:prstGeom>
-          <a:noFill/>
-          <a:ln>
-            <a:noFill/>
-          </a:ln>
-          <a:extLst>
-            <a:ext uri="{53640926-AAD7-44D8-BBD7-CCE9431645EC}">
-              <a14:shadowObscured xmlns:a14="http://schemas.microsoft.com/office/drawing/2010/main"/>
-            </a:ext>
-          </a:extLst>
-        </p:spPr>
-      </p:pic>
-      <p:pic>
-        <p:nvPicPr>
-          <p:cNvPr id="44" name="Imagem 6">
-            <a:extLst>
-              <a:ext uri="{FF2B5EF4-FFF2-40B4-BE49-F238E27FC236}">
-                <a16:creationId xmlns:a16="http://schemas.microsoft.com/office/drawing/2014/main" id="{A8F40352-B707-EB01-0132-67E39EF661C6}"/>
-              </a:ext>
-            </a:extLst>
-          </p:cNvPr>
-          <p:cNvPicPr>
-            <a:picLocks noChangeAspect="1"/>
-          </p:cNvPicPr>
-          <p:nvPr/>
-        </p:nvPicPr>
-        <p:blipFill>
-          <a:blip r:embed="rId4" cstate="print">
-            <a:extLst>
-              <a:ext uri="{28A0092B-C50C-407E-A947-70E740481C1C}">
-                <a14:useLocalDpi xmlns:a14="http://schemas.microsoft.com/office/drawing/2010/main" val="0"/>
-              </a:ext>
-            </a:extLst>
-          </a:blip>
-          <a:stretch>
-            <a:fillRect/>
-          </a:stretch>
-        </p:blipFill>
-        <p:spPr bwMode="auto">
-          <a:xfrm>
-            <a:off x="7712056" y="819053"/>
-            <a:ext cx="2655532" cy="5251784"/>
-          </a:xfrm>
-          <a:prstGeom prst="rect">
-            <a:avLst/>
-          </a:prstGeom>
-          <a:noFill/>
-          <a:ln>
-            <a:noFill/>
-          </a:ln>
-        </p:spPr>
-      </p:pic>
       <p:sp>
         <p:nvSpPr>
           <p:cNvPr id="10" name="Footer Placeholder 4">
@@ -45689,7 +45734,7 @@
           <p:nvPr/>
         </p:nvPicPr>
         <p:blipFill>
-          <a:blip r:embed="rId5">
+          <a:blip r:embed="rId3">
             <a:alphaModFix amt="70000"/>
             <a:extLst>
               <a:ext uri="{28A0092B-C50C-407E-A947-70E740481C1C}">
@@ -45746,6 +45791,790 @@
           </a:p>
         </p:txBody>
       </p:sp>
+      <p:sp>
+        <p:nvSpPr>
+          <p:cNvPr id="18" name="Oval 17">
+            <a:extLst>
+              <a:ext uri="{FF2B5EF4-FFF2-40B4-BE49-F238E27FC236}">
+                <a16:creationId xmlns:a16="http://schemas.microsoft.com/office/drawing/2014/main" id="{E62CF62A-FA45-1A9D-FB24-54011A19EF6D}"/>
+              </a:ext>
+            </a:extLst>
+          </p:cNvPr>
+          <p:cNvSpPr/>
+          <p:nvPr/>
+        </p:nvSpPr>
+        <p:spPr>
+          <a:xfrm>
+            <a:off x="4574646" y="4353286"/>
+            <a:ext cx="890700" cy="890700"/>
+          </a:xfrm>
+          <a:prstGeom prst="ellipse">
+            <a:avLst/>
+          </a:prstGeom>
+        </p:spPr>
+        <p:style>
+          <a:lnRef idx="0">
+            <a:schemeClr val="accent2">
+              <a:hueOff val="0"/>
+              <a:satOff val="0"/>
+              <a:lumOff val="0"/>
+              <a:alphaOff val="0"/>
+            </a:schemeClr>
+          </a:lnRef>
+          <a:fillRef idx="1">
+            <a:schemeClr val="accent2">
+              <a:tint val="40000"/>
+              <a:hueOff val="0"/>
+              <a:satOff val="0"/>
+              <a:lumOff val="0"/>
+              <a:alphaOff val="0"/>
+            </a:schemeClr>
+          </a:fillRef>
+          <a:effectRef idx="0">
+            <a:schemeClr val="accent2">
+              <a:tint val="40000"/>
+              <a:hueOff val="0"/>
+              <a:satOff val="0"/>
+              <a:lumOff val="0"/>
+              <a:alphaOff val="0"/>
+            </a:schemeClr>
+          </a:effectRef>
+          <a:fontRef idx="minor">
+            <a:schemeClr val="dk1">
+              <a:hueOff val="0"/>
+              <a:satOff val="0"/>
+              <a:lumOff val="0"/>
+              <a:alphaOff val="0"/>
+            </a:schemeClr>
+          </a:fontRef>
+        </p:style>
+        <p:txBody>
+          <a:bodyPr/>
+          <a:lstStyle/>
+          <a:p>
+            <a:endParaRPr lang="pt-PT" dirty="0"/>
+          </a:p>
+        </p:txBody>
+      </p:sp>
+      <p:sp>
+        <p:nvSpPr>
+          <p:cNvPr id="19" name="Rectangle 18" descr="Speedometer Low with solid fill">
+            <a:extLst>
+              <a:ext uri="{FF2B5EF4-FFF2-40B4-BE49-F238E27FC236}">
+                <a16:creationId xmlns:a16="http://schemas.microsoft.com/office/drawing/2014/main" id="{E7496CFC-13F0-F7F5-EF68-0FA2E87936A1}"/>
+              </a:ext>
+            </a:extLst>
+          </p:cNvPr>
+          <p:cNvSpPr/>
+          <p:nvPr/>
+        </p:nvSpPr>
+        <p:spPr>
+          <a:xfrm>
+            <a:off x="4771801" y="4520092"/>
+            <a:ext cx="511057" cy="511057"/>
+          </a:xfrm>
+          <a:prstGeom prst="rect">
+            <a:avLst/>
+          </a:prstGeom>
+          <a:blipFill>
+            <a:blip r:embed="rId4">
+              <a:extLst>
+                <a:ext uri="{96DAC541-7B7A-43D3-8B79-37D633B846F1}">
+                  <asvg:svgBlip xmlns:asvg="http://schemas.microsoft.com/office/drawing/2016/SVG/main" r:embed="rId5"/>
+                </a:ext>
+              </a:extLst>
+            </a:blip>
+            <a:stretch>
+              <a:fillRect/>
+            </a:stretch>
+          </a:blipFill>
+          <a:ln>
+            <a:noFill/>
+          </a:ln>
+        </p:spPr>
+        <p:style>
+          <a:lnRef idx="2">
+            <a:scrgbClr r="0" g="0" b="0"/>
+          </a:lnRef>
+          <a:fillRef idx="1">
+            <a:scrgbClr r="0" g="0" b="0"/>
+          </a:fillRef>
+          <a:effectRef idx="0">
+            <a:schemeClr val="accent2">
+              <a:hueOff val="0"/>
+              <a:satOff val="0"/>
+              <a:lumOff val="0"/>
+              <a:alphaOff val="0"/>
+            </a:schemeClr>
+          </a:effectRef>
+          <a:fontRef idx="minor">
+            <a:schemeClr val="lt1"/>
+          </a:fontRef>
+        </p:style>
+        <p:txBody>
+          <a:bodyPr/>
+          <a:lstStyle/>
+          <a:p>
+            <a:endParaRPr lang="pt-PT" dirty="0"/>
+          </a:p>
+        </p:txBody>
+      </p:sp>
+      <p:grpSp>
+        <p:nvGrpSpPr>
+          <p:cNvPr id="20" name="Group 19">
+            <a:extLst>
+              <a:ext uri="{FF2B5EF4-FFF2-40B4-BE49-F238E27FC236}">
+                <a16:creationId xmlns:a16="http://schemas.microsoft.com/office/drawing/2014/main" id="{EDEFF7CB-64DA-CC41-20FD-11CEB9F7F32D}"/>
+              </a:ext>
+            </a:extLst>
+          </p:cNvPr>
+          <p:cNvGrpSpPr/>
+          <p:nvPr/>
+        </p:nvGrpSpPr>
+        <p:grpSpPr>
+          <a:xfrm>
+            <a:off x="4262158" y="5401843"/>
+            <a:ext cx="1577570" cy="583593"/>
+            <a:chOff x="2241990" y="1167802"/>
+            <a:chExt cx="1577570" cy="583593"/>
+          </a:xfrm>
+        </p:grpSpPr>
+        <p:sp>
+          <p:nvSpPr>
+            <p:cNvPr id="21" name="Rectangle 20">
+              <a:extLst>
+                <a:ext uri="{FF2B5EF4-FFF2-40B4-BE49-F238E27FC236}">
+                  <a16:creationId xmlns:a16="http://schemas.microsoft.com/office/drawing/2014/main" id="{BB2910E7-910A-5F29-CF4E-6EABADEF1666}"/>
+                </a:ext>
+              </a:extLst>
+            </p:cNvPr>
+            <p:cNvSpPr/>
+            <p:nvPr/>
+          </p:nvSpPr>
+          <p:spPr>
+            <a:xfrm>
+              <a:off x="2360576" y="1167802"/>
+              <a:ext cx="1458984" cy="583593"/>
+            </a:xfrm>
+            <a:prstGeom prst="rect">
+              <a:avLst/>
+            </a:prstGeom>
+          </p:spPr>
+          <p:style>
+            <a:lnRef idx="0">
+              <a:schemeClr val="dk1">
+                <a:alpha val="0"/>
+                <a:hueOff val="0"/>
+                <a:satOff val="0"/>
+                <a:lumOff val="0"/>
+                <a:alphaOff val="0"/>
+              </a:schemeClr>
+            </a:lnRef>
+            <a:fillRef idx="0">
+              <a:schemeClr val="lt1">
+                <a:alpha val="0"/>
+                <a:hueOff val="0"/>
+                <a:satOff val="0"/>
+                <a:lumOff val="0"/>
+                <a:alphaOff val="0"/>
+              </a:schemeClr>
+            </a:fillRef>
+            <a:effectRef idx="0">
+              <a:schemeClr val="lt1">
+                <a:alpha val="0"/>
+                <a:hueOff val="0"/>
+                <a:satOff val="0"/>
+                <a:lumOff val="0"/>
+                <a:alphaOff val="0"/>
+              </a:schemeClr>
+            </a:effectRef>
+            <a:fontRef idx="minor">
+              <a:schemeClr val="tx1">
+                <a:hueOff val="0"/>
+                <a:satOff val="0"/>
+                <a:lumOff val="0"/>
+                <a:alphaOff val="0"/>
+              </a:schemeClr>
+            </a:fontRef>
+          </p:style>
+          <p:txBody>
+            <a:bodyPr/>
+            <a:lstStyle/>
+            <a:p>
+              <a:endParaRPr lang="pt-PT"/>
+            </a:p>
+          </p:txBody>
+        </p:sp>
+        <p:sp>
+          <p:nvSpPr>
+            <p:cNvPr id="22" name="TextBox 21">
+              <a:extLst>
+                <a:ext uri="{FF2B5EF4-FFF2-40B4-BE49-F238E27FC236}">
+                  <a16:creationId xmlns:a16="http://schemas.microsoft.com/office/drawing/2014/main" id="{F84FBD99-7530-A51F-AAF9-64639614C053}"/>
+                </a:ext>
+              </a:extLst>
+            </p:cNvPr>
+            <p:cNvSpPr txBox="1"/>
+            <p:nvPr/>
+          </p:nvSpPr>
+          <p:spPr>
+            <a:xfrm>
+              <a:off x="2241990" y="1167802"/>
+              <a:ext cx="1577570" cy="583593"/>
+            </a:xfrm>
+            <a:prstGeom prst="rect">
+              <a:avLst/>
+            </a:prstGeom>
+          </p:spPr>
+          <p:style>
+            <a:lnRef idx="0">
+              <a:scrgbClr r="0" g="0" b="0"/>
+            </a:lnRef>
+            <a:fillRef idx="0">
+              <a:scrgbClr r="0" g="0" b="0"/>
+            </a:fillRef>
+            <a:effectRef idx="0">
+              <a:scrgbClr r="0" g="0" b="0"/>
+            </a:effectRef>
+            <a:fontRef idx="minor">
+              <a:schemeClr val="tx1">
+                <a:hueOff val="0"/>
+                <a:satOff val="0"/>
+                <a:lumOff val="0"/>
+                <a:alphaOff val="0"/>
+              </a:schemeClr>
+            </a:fontRef>
+          </p:style>
+          <p:txBody>
+            <a:bodyPr spcFirstLastPara="0" vert="horz" wrap="square" lIns="0" tIns="0" rIns="0" bIns="0" numCol="1" spcCol="1270" anchor="t" anchorCtr="0">
+              <a:noAutofit/>
+            </a:bodyPr>
+            <a:lstStyle/>
+            <a:p>
+              <a:pPr marL="0" lvl="0" indent="0" algn="ctr" defTabSz="533400">
+                <a:lnSpc>
+                  <a:spcPct val="90000"/>
+                </a:lnSpc>
+                <a:spcBef>
+                  <a:spcPct val="0"/>
+                </a:spcBef>
+                <a:spcAft>
+                  <a:spcPct val="35000"/>
+                </a:spcAft>
+                <a:buNone/>
+                <a:defRPr cap="all"/>
+              </a:pPr>
+              <a:r>
+                <a:rPr lang="pt-PT" sz="1400" b="1" i="1" kern="1200" dirty="0" err="1"/>
+                <a:t>nonaggressive</a:t>
+              </a:r>
+              <a:r>
+                <a:rPr lang="pt-PT" sz="1400" b="1" i="1" kern="1200" dirty="0"/>
+                <a:t> </a:t>
+              </a:r>
+              <a:endParaRPr lang="en-US" sz="1400" b="1" i="1" kern="1200" dirty="0"/>
+            </a:p>
+          </p:txBody>
+        </p:sp>
+      </p:grpSp>
+      <p:sp>
+        <p:nvSpPr>
+          <p:cNvPr id="23" name="Oval 22">
+            <a:extLst>
+              <a:ext uri="{FF2B5EF4-FFF2-40B4-BE49-F238E27FC236}">
+                <a16:creationId xmlns:a16="http://schemas.microsoft.com/office/drawing/2014/main" id="{53AA6AE6-AB7A-6915-468D-1AC3FF072C47}"/>
+              </a:ext>
+            </a:extLst>
+          </p:cNvPr>
+          <p:cNvSpPr/>
+          <p:nvPr/>
+        </p:nvSpPr>
+        <p:spPr>
+          <a:xfrm>
+            <a:off x="6526923" y="4353286"/>
+            <a:ext cx="889980" cy="889980"/>
+          </a:xfrm>
+          <a:prstGeom prst="ellipse">
+            <a:avLst/>
+          </a:prstGeom>
+        </p:spPr>
+        <p:style>
+          <a:lnRef idx="0">
+            <a:schemeClr val="accent2">
+              <a:hueOff val="0"/>
+              <a:satOff val="0"/>
+              <a:lumOff val="0"/>
+              <a:alphaOff val="0"/>
+            </a:schemeClr>
+          </a:lnRef>
+          <a:fillRef idx="1">
+            <a:schemeClr val="accent2">
+              <a:tint val="40000"/>
+              <a:hueOff val="0"/>
+              <a:satOff val="0"/>
+              <a:lumOff val="0"/>
+              <a:alphaOff val="0"/>
+            </a:schemeClr>
+          </a:fillRef>
+          <a:effectRef idx="0">
+            <a:schemeClr val="accent2">
+              <a:tint val="40000"/>
+              <a:hueOff val="0"/>
+              <a:satOff val="0"/>
+              <a:lumOff val="0"/>
+              <a:alphaOff val="0"/>
+            </a:schemeClr>
+          </a:effectRef>
+          <a:fontRef idx="minor">
+            <a:schemeClr val="dk1">
+              <a:hueOff val="0"/>
+              <a:satOff val="0"/>
+              <a:lumOff val="0"/>
+              <a:alphaOff val="0"/>
+            </a:schemeClr>
+          </a:fontRef>
+        </p:style>
+        <p:txBody>
+          <a:bodyPr/>
+          <a:lstStyle/>
+          <a:p>
+            <a:endParaRPr lang="pt-PT"/>
+          </a:p>
+        </p:txBody>
+      </p:sp>
+      <p:sp>
+        <p:nvSpPr>
+          <p:cNvPr id="24" name="Rectangle 23" descr="Gauge with solid fill">
+            <a:extLst>
+              <a:ext uri="{FF2B5EF4-FFF2-40B4-BE49-F238E27FC236}">
+                <a16:creationId xmlns:a16="http://schemas.microsoft.com/office/drawing/2014/main" id="{535D008E-12BA-37EE-AE4B-2D196C792B6C}"/>
+              </a:ext>
+            </a:extLst>
+          </p:cNvPr>
+          <p:cNvSpPr/>
+          <p:nvPr/>
+        </p:nvSpPr>
+        <p:spPr>
+          <a:xfrm>
+            <a:off x="6716591" y="4541076"/>
+            <a:ext cx="510644" cy="510644"/>
+          </a:xfrm>
+          <a:prstGeom prst="rect">
+            <a:avLst/>
+          </a:prstGeom>
+          <a:blipFill>
+            <a:blip r:embed="rId6">
+              <a:extLst>
+                <a:ext uri="{96DAC541-7B7A-43D3-8B79-37D633B846F1}">
+                  <asvg:svgBlip xmlns:asvg="http://schemas.microsoft.com/office/drawing/2016/SVG/main" r:embed="rId7"/>
+                </a:ext>
+              </a:extLst>
+            </a:blip>
+            <a:stretch>
+              <a:fillRect/>
+            </a:stretch>
+          </a:blipFill>
+          <a:ln>
+            <a:noFill/>
+          </a:ln>
+        </p:spPr>
+        <p:style>
+          <a:lnRef idx="2">
+            <a:scrgbClr r="0" g="0" b="0"/>
+          </a:lnRef>
+          <a:fillRef idx="1">
+            <a:scrgbClr r="0" g="0" b="0"/>
+          </a:fillRef>
+          <a:effectRef idx="0">
+            <a:schemeClr val="accent2">
+              <a:hueOff val="0"/>
+              <a:satOff val="0"/>
+              <a:lumOff val="0"/>
+              <a:alphaOff val="0"/>
+            </a:schemeClr>
+          </a:effectRef>
+          <a:fontRef idx="minor">
+            <a:schemeClr val="lt1"/>
+          </a:fontRef>
+        </p:style>
+        <p:txBody>
+          <a:bodyPr/>
+          <a:lstStyle/>
+          <a:p>
+            <a:endParaRPr lang="pt-PT"/>
+          </a:p>
+        </p:txBody>
+      </p:sp>
+      <p:grpSp>
+        <p:nvGrpSpPr>
+          <p:cNvPr id="25" name="Group 24">
+            <a:extLst>
+              <a:ext uri="{FF2B5EF4-FFF2-40B4-BE49-F238E27FC236}">
+                <a16:creationId xmlns:a16="http://schemas.microsoft.com/office/drawing/2014/main" id="{C41381D0-4BC1-DFB2-E22C-C219F4E4A2C8}"/>
+              </a:ext>
+            </a:extLst>
+          </p:cNvPr>
+          <p:cNvGrpSpPr/>
+          <p:nvPr/>
+        </p:nvGrpSpPr>
+        <p:grpSpPr>
+          <a:xfrm>
+            <a:off x="6242421" y="5396192"/>
+            <a:ext cx="1458984" cy="583593"/>
+            <a:chOff x="2360576" y="1167802"/>
+            <a:chExt cx="1458984" cy="583593"/>
+          </a:xfrm>
+        </p:grpSpPr>
+        <p:sp>
+          <p:nvSpPr>
+            <p:cNvPr id="26" name="Rectangle 25">
+              <a:extLst>
+                <a:ext uri="{FF2B5EF4-FFF2-40B4-BE49-F238E27FC236}">
+                  <a16:creationId xmlns:a16="http://schemas.microsoft.com/office/drawing/2014/main" id="{0D3958D5-7FEE-A90C-3E84-55AE2A9E3C6A}"/>
+                </a:ext>
+              </a:extLst>
+            </p:cNvPr>
+            <p:cNvSpPr/>
+            <p:nvPr/>
+          </p:nvSpPr>
+          <p:spPr>
+            <a:xfrm>
+              <a:off x="2360576" y="1167802"/>
+              <a:ext cx="1458984" cy="583593"/>
+            </a:xfrm>
+            <a:prstGeom prst="rect">
+              <a:avLst/>
+            </a:prstGeom>
+          </p:spPr>
+          <p:style>
+            <a:lnRef idx="0">
+              <a:schemeClr val="dk1">
+                <a:alpha val="0"/>
+                <a:hueOff val="0"/>
+                <a:satOff val="0"/>
+                <a:lumOff val="0"/>
+                <a:alphaOff val="0"/>
+              </a:schemeClr>
+            </a:lnRef>
+            <a:fillRef idx="0">
+              <a:schemeClr val="lt1">
+                <a:alpha val="0"/>
+                <a:hueOff val="0"/>
+                <a:satOff val="0"/>
+                <a:lumOff val="0"/>
+                <a:alphaOff val="0"/>
+              </a:schemeClr>
+            </a:fillRef>
+            <a:effectRef idx="0">
+              <a:schemeClr val="lt1">
+                <a:alpha val="0"/>
+                <a:hueOff val="0"/>
+                <a:satOff val="0"/>
+                <a:lumOff val="0"/>
+                <a:alphaOff val="0"/>
+              </a:schemeClr>
+            </a:effectRef>
+            <a:fontRef idx="minor">
+              <a:schemeClr val="tx1">
+                <a:hueOff val="0"/>
+                <a:satOff val="0"/>
+                <a:lumOff val="0"/>
+                <a:alphaOff val="0"/>
+              </a:schemeClr>
+            </a:fontRef>
+          </p:style>
+          <p:txBody>
+            <a:bodyPr/>
+            <a:lstStyle/>
+            <a:p>
+              <a:endParaRPr lang="pt-PT"/>
+            </a:p>
+          </p:txBody>
+        </p:sp>
+        <p:sp>
+          <p:nvSpPr>
+            <p:cNvPr id="27" name="TextBox 26">
+              <a:extLst>
+                <a:ext uri="{FF2B5EF4-FFF2-40B4-BE49-F238E27FC236}">
+                  <a16:creationId xmlns:a16="http://schemas.microsoft.com/office/drawing/2014/main" id="{D6FC24B4-586C-DB48-D714-DDE1C8799EE1}"/>
+                </a:ext>
+              </a:extLst>
+            </p:cNvPr>
+            <p:cNvSpPr txBox="1"/>
+            <p:nvPr/>
+          </p:nvSpPr>
+          <p:spPr>
+            <a:xfrm>
+              <a:off x="2360576" y="1167802"/>
+              <a:ext cx="1458984" cy="583593"/>
+            </a:xfrm>
+            <a:prstGeom prst="rect">
+              <a:avLst/>
+            </a:prstGeom>
+          </p:spPr>
+          <p:style>
+            <a:lnRef idx="0">
+              <a:scrgbClr r="0" g="0" b="0"/>
+            </a:lnRef>
+            <a:fillRef idx="0">
+              <a:scrgbClr r="0" g="0" b="0"/>
+            </a:fillRef>
+            <a:effectRef idx="0">
+              <a:scrgbClr r="0" g="0" b="0"/>
+            </a:effectRef>
+            <a:fontRef idx="minor">
+              <a:schemeClr val="tx1">
+                <a:hueOff val="0"/>
+                <a:satOff val="0"/>
+                <a:lumOff val="0"/>
+                <a:alphaOff val="0"/>
+              </a:schemeClr>
+            </a:fontRef>
+          </p:style>
+          <p:txBody>
+            <a:bodyPr spcFirstLastPara="0" vert="horz" wrap="square" lIns="0" tIns="0" rIns="0" bIns="0" numCol="1" spcCol="1270" anchor="t" anchorCtr="0">
+              <a:noAutofit/>
+            </a:bodyPr>
+            <a:lstStyle/>
+            <a:p>
+              <a:pPr marL="0" lvl="0" indent="0" algn="ctr" defTabSz="533400">
+                <a:lnSpc>
+                  <a:spcPct val="100000"/>
+                </a:lnSpc>
+                <a:spcBef>
+                  <a:spcPct val="0"/>
+                </a:spcBef>
+                <a:spcAft>
+                  <a:spcPct val="35000"/>
+                </a:spcAft>
+                <a:buNone/>
+                <a:defRPr cap="all"/>
+              </a:pPr>
+              <a:r>
+                <a:rPr lang="pt-PT" sz="1400" b="1" i="1" kern="1200" dirty="0"/>
+                <a:t>Aggressive</a:t>
+              </a:r>
+              <a:endParaRPr lang="en-US" sz="1400" b="1" i="1" kern="1200" dirty="0"/>
+            </a:p>
+          </p:txBody>
+        </p:sp>
+      </p:grpSp>
+      <p:graphicFrame>
+        <p:nvGraphicFramePr>
+          <p:cNvPr id="35" name="Table 34">
+            <a:extLst>
+              <a:ext uri="{FF2B5EF4-FFF2-40B4-BE49-F238E27FC236}">
+                <a16:creationId xmlns:a16="http://schemas.microsoft.com/office/drawing/2014/main" id="{C021E709-994C-B09E-C00A-1808F78D3C8D}"/>
+              </a:ext>
+            </a:extLst>
+          </p:cNvPr>
+          <p:cNvGraphicFramePr>
+            <a:graphicFrameLocks noGrp="1"/>
+          </p:cNvGraphicFramePr>
+          <p:nvPr>
+            <p:extLst>
+              <p:ext uri="{D42A27DB-BD31-4B8C-83A1-F6EECF244321}">
+                <p14:modId xmlns:p14="http://schemas.microsoft.com/office/powerpoint/2010/main" val="2864060986"/>
+              </p:ext>
+            </p:extLst>
+          </p:nvPr>
+        </p:nvGraphicFramePr>
+        <p:xfrm>
+          <a:off x="1520662" y="1834530"/>
+          <a:ext cx="6759942" cy="1175370"/>
+        </p:xfrm>
+        <a:graphic>
+          <a:graphicData uri="http://schemas.openxmlformats.org/drawingml/2006/table">
+            <a:tbl>
+              <a:tblPr firstRow="1" firstCol="1" bandRow="1">
+                <a:tableStyleId>{C083E6E3-FA7D-4D7B-A595-EF9225AFEA82}</a:tableStyleId>
+              </a:tblPr>
+              <a:tblGrid>
+                <a:gridCol w="1559242">
+                  <a:extLst>
+                    <a:ext uri="{9D8B030D-6E8A-4147-A177-3AD203B41FA5}">
+                      <a16:colId xmlns:a16="http://schemas.microsoft.com/office/drawing/2014/main" val="2592927964"/>
+                    </a:ext>
+                  </a:extLst>
+                </a:gridCol>
+                <a:gridCol w="5200700">
+                  <a:extLst>
+                    <a:ext uri="{9D8B030D-6E8A-4147-A177-3AD203B41FA5}">
+                      <a16:colId xmlns:a16="http://schemas.microsoft.com/office/drawing/2014/main" val="207347917"/>
+                    </a:ext>
+                  </a:extLst>
+                </a:gridCol>
+              </a:tblGrid>
+              <a:tr h="439992">
+                <a:tc>
+                  <a:txBody>
+                    <a:bodyPr/>
+                    <a:lstStyle/>
+                    <a:p>
+                      <a:pPr indent="252095" algn="l">
+                        <a:lnSpc>
+                          <a:spcPct val="150000"/>
+                        </a:lnSpc>
+                        <a:spcAft>
+                          <a:spcPts val="1000"/>
+                        </a:spcAft>
+                      </a:pPr>
+                      <a:r>
+                        <a:rPr lang="pt-PT" sz="1600" dirty="0">
+                          <a:effectLst/>
+                        </a:rPr>
+                        <a:t>Cenário</a:t>
+                      </a:r>
+                      <a:endParaRPr lang="pt-PT" sz="1600" dirty="0">
+                        <a:effectLst/>
+                        <a:latin typeface="Times New Roman" panose="02020603050405020304" pitchFamily="18" charset="0"/>
+                        <a:ea typeface="Calibri" panose="020F0502020204030204" pitchFamily="34" charset="0"/>
+                        <a:cs typeface="Arial" panose="020B0604020202020204" pitchFamily="34" charset="0"/>
+                      </a:endParaRPr>
+                    </a:p>
+                  </a:txBody>
+                  <a:tcPr marL="68580" marR="68580" marT="0" marB="0"/>
+                </a:tc>
+                <a:tc>
+                  <a:txBody>
+                    <a:bodyPr/>
+                    <a:lstStyle/>
+                    <a:p>
+                      <a:pPr indent="252095" algn="l">
+                        <a:lnSpc>
+                          <a:spcPct val="150000"/>
+                        </a:lnSpc>
+                        <a:spcAft>
+                          <a:spcPts val="1000"/>
+                        </a:spcAft>
+                      </a:pPr>
+                      <a:r>
+                        <a:rPr lang="pt-PT" sz="1600" dirty="0">
+                          <a:effectLst/>
+                        </a:rPr>
+                        <a:t>Descrição</a:t>
+                      </a:r>
+                      <a:endParaRPr lang="pt-PT" sz="1600" dirty="0">
+                        <a:effectLst/>
+                        <a:latin typeface="Times New Roman" panose="02020603050405020304" pitchFamily="18" charset="0"/>
+                        <a:ea typeface="Calibri" panose="020F0502020204030204" pitchFamily="34" charset="0"/>
+                        <a:cs typeface="Arial" panose="020B0604020202020204" pitchFamily="34" charset="0"/>
+                      </a:endParaRPr>
+                    </a:p>
+                  </a:txBody>
+                  <a:tcPr marL="68580" marR="68580" marT="0" marB="0"/>
+                </a:tc>
+                <a:extLst>
+                  <a:ext uri="{0D108BD9-81ED-4DB2-BD59-A6C34878D82A}">
+                    <a16:rowId xmlns:a16="http://schemas.microsoft.com/office/drawing/2014/main" val="4237285057"/>
+                  </a:ext>
+                </a:extLst>
+              </a:tr>
+              <a:tr h="735378">
+                <a:tc>
+                  <a:txBody>
+                    <a:bodyPr/>
+                    <a:lstStyle/>
+                    <a:p>
+                      <a:pPr indent="252095" algn="l">
+                        <a:lnSpc>
+                          <a:spcPct val="150000"/>
+                        </a:lnSpc>
+                        <a:spcAft>
+                          <a:spcPts val="1000"/>
+                        </a:spcAft>
+                      </a:pPr>
+                      <a:r>
+                        <a:rPr lang="pt-PT" sz="1600" dirty="0" err="1">
+                          <a:effectLst/>
+                        </a:rPr>
+                        <a:t>Bigger</a:t>
+                      </a:r>
+                      <a:r>
+                        <a:rPr lang="pt-PT" sz="1600" dirty="0">
+                          <a:effectLst/>
+                        </a:rPr>
+                        <a:t> Trips</a:t>
+                      </a:r>
+                      <a:endParaRPr lang="pt-PT" sz="1600" dirty="0">
+                        <a:effectLst/>
+                        <a:latin typeface="Times New Roman" panose="02020603050405020304" pitchFamily="18" charset="0"/>
+                        <a:ea typeface="Calibri" panose="020F0502020204030204" pitchFamily="34" charset="0"/>
+                        <a:cs typeface="Arial" panose="020B0604020202020204" pitchFamily="34" charset="0"/>
+                      </a:endParaRPr>
+                    </a:p>
+                  </a:txBody>
+                  <a:tcPr marL="68580" marR="68580" marT="0" marB="0" anchor="ctr"/>
+                </a:tc>
+                <a:tc>
+                  <a:txBody>
+                    <a:bodyPr/>
+                    <a:lstStyle/>
+                    <a:p>
+                      <a:pPr indent="252095" algn="l">
+                        <a:lnSpc>
+                          <a:spcPct val="150000"/>
+                        </a:lnSpc>
+                        <a:spcAft>
+                          <a:spcPts val="1000"/>
+                        </a:spcAft>
+                      </a:pPr>
+                      <a:r>
+                        <a:rPr lang="pt-PT" sz="1500" dirty="0">
+                          <a:effectLst/>
+                        </a:rPr>
+                        <a:t>O veículo simula a condução ao longo de uma viagem    prolongada.</a:t>
+                      </a:r>
+                      <a:endParaRPr lang="pt-PT" sz="1500" dirty="0">
+                        <a:effectLst/>
+                        <a:latin typeface="Times New Roman" panose="02020603050405020304" pitchFamily="18" charset="0"/>
+                        <a:ea typeface="Calibri" panose="020F0502020204030204" pitchFamily="34" charset="0"/>
+                        <a:cs typeface="Arial" panose="020B0604020202020204" pitchFamily="34" charset="0"/>
+                      </a:endParaRPr>
+                    </a:p>
+                  </a:txBody>
+                  <a:tcPr marL="68580" marR="68580" marT="0" marB="0" anchor="ctr"/>
+                </a:tc>
+                <a:extLst>
+                  <a:ext uri="{0D108BD9-81ED-4DB2-BD59-A6C34878D82A}">
+                    <a16:rowId xmlns:a16="http://schemas.microsoft.com/office/drawing/2014/main" val="664345370"/>
+                  </a:ext>
+                </a:extLst>
+              </a:tr>
+            </a:tbl>
+          </a:graphicData>
+        </a:graphic>
+      </p:graphicFrame>
+      <p:pic>
+        <p:nvPicPr>
+          <p:cNvPr id="37" name="Picture 36" descr="A map of a road with a location pin&#10;&#10;Description automatically generated">
+            <a:extLst>
+              <a:ext uri="{FF2B5EF4-FFF2-40B4-BE49-F238E27FC236}">
+                <a16:creationId xmlns:a16="http://schemas.microsoft.com/office/drawing/2014/main" id="{DD38E281-FD13-90C9-B821-2D5829EB4657}"/>
+              </a:ext>
+            </a:extLst>
+          </p:cNvPr>
+          <p:cNvPicPr>
+            <a:picLocks noChangeAspect="1"/>
+          </p:cNvPicPr>
+          <p:nvPr/>
+        </p:nvPicPr>
+        <p:blipFill>
+          <a:blip r:embed="rId8"/>
+          <a:stretch>
+            <a:fillRect/>
+          </a:stretch>
+        </p:blipFill>
+        <p:spPr>
+          <a:xfrm>
+            <a:off x="8280604" y="1361757"/>
+            <a:ext cx="2924175" cy="2324735"/>
+          </a:xfrm>
+          <a:prstGeom prst="rect">
+            <a:avLst/>
+          </a:prstGeom>
+        </p:spPr>
+      </p:pic>
     </p:spTree>
     <p:extLst>
       <p:ext uri="{BB962C8B-B14F-4D97-AF65-F5344CB8AC3E}">
@@ -45777,7 +46606,7 @@
                             </p:stCondLst>
                             <p:childTnLst>
                               <p:par>
-                                <p:cTn id="5" presetID="1" presetClass="entr" presetSubtype="0" fill="hold" nodeType="clickEffect">
+                                <p:cTn id="5" presetID="1" presetClass="entr" presetSubtype="0" fill="hold" grpId="0" nodeType="clickEffect">
                                   <p:stCondLst>
                                     <p:cond delay="0"/>
                                   </p:stCondLst>
@@ -45790,7 +46619,196 @@
                                           </p:stCondLst>
                                         </p:cTn>
                                         <p:tgtEl>
-                                          <p:spTgt spid="44"/>
+                                          <p:spTgt spid="18"/>
+                                        </p:tgtEl>
+                                        <p:attrNameLst>
+                                          <p:attrName>style.visibility</p:attrName>
+                                        </p:attrNameLst>
+                                      </p:cBhvr>
+                                      <p:to>
+                                        <p:strVal val="visible"/>
+                                      </p:to>
+                                    </p:set>
+                                  </p:childTnLst>
+                                </p:cTn>
+                              </p:par>
+                              <p:par>
+                                <p:cTn id="7" presetID="1" presetClass="entr" presetSubtype="0" fill="hold" grpId="0" nodeType="withEffect">
+                                  <p:stCondLst>
+                                    <p:cond delay="0"/>
+                                  </p:stCondLst>
+                                  <p:childTnLst>
+                                    <p:set>
+                                      <p:cBhvr>
+                                        <p:cTn id="8" dur="1" fill="hold">
+                                          <p:stCondLst>
+                                            <p:cond delay="0"/>
+                                          </p:stCondLst>
+                                        </p:cTn>
+                                        <p:tgtEl>
+                                          <p:spTgt spid="19"/>
+                                        </p:tgtEl>
+                                        <p:attrNameLst>
+                                          <p:attrName>style.visibility</p:attrName>
+                                        </p:attrNameLst>
+                                      </p:cBhvr>
+                                      <p:to>
+                                        <p:strVal val="visible"/>
+                                      </p:to>
+                                    </p:set>
+                                  </p:childTnLst>
+                                </p:cTn>
+                              </p:par>
+                              <p:par>
+                                <p:cTn id="9" presetID="1" presetClass="entr" presetSubtype="0" fill="hold" nodeType="withEffect">
+                                  <p:stCondLst>
+                                    <p:cond delay="0"/>
+                                  </p:stCondLst>
+                                  <p:childTnLst>
+                                    <p:set>
+                                      <p:cBhvr>
+                                        <p:cTn id="10" dur="1" fill="hold">
+                                          <p:stCondLst>
+                                            <p:cond delay="0"/>
+                                          </p:stCondLst>
+                                        </p:cTn>
+                                        <p:tgtEl>
+                                          <p:spTgt spid="20"/>
+                                        </p:tgtEl>
+                                        <p:attrNameLst>
+                                          <p:attrName>style.visibility</p:attrName>
+                                        </p:attrNameLst>
+                                      </p:cBhvr>
+                                      <p:to>
+                                        <p:strVal val="visible"/>
+                                      </p:to>
+                                    </p:set>
+                                  </p:childTnLst>
+                                </p:cTn>
+                              </p:par>
+                            </p:childTnLst>
+                          </p:cTn>
+                        </p:par>
+                        <p:par>
+                          <p:cTn id="11" fill="hold">
+                            <p:stCondLst>
+                              <p:cond delay="0"/>
+                            </p:stCondLst>
+                            <p:childTnLst>
+                              <p:par>
+                                <p:cTn id="12" presetID="1" presetClass="entr" presetSubtype="0" fill="hold" grpId="0" nodeType="afterEffect">
+                                  <p:stCondLst>
+                                    <p:cond delay="500"/>
+                                  </p:stCondLst>
+                                  <p:childTnLst>
+                                    <p:set>
+                                      <p:cBhvr>
+                                        <p:cTn id="13" dur="1" fill="hold">
+                                          <p:stCondLst>
+                                            <p:cond delay="0"/>
+                                          </p:stCondLst>
+                                        </p:cTn>
+                                        <p:tgtEl>
+                                          <p:spTgt spid="23"/>
+                                        </p:tgtEl>
+                                        <p:attrNameLst>
+                                          <p:attrName>style.visibility</p:attrName>
+                                        </p:attrNameLst>
+                                      </p:cBhvr>
+                                      <p:to>
+                                        <p:strVal val="visible"/>
+                                      </p:to>
+                                    </p:set>
+                                  </p:childTnLst>
+                                </p:cTn>
+                              </p:par>
+                              <p:par>
+                                <p:cTn id="14" presetID="1" presetClass="entr" presetSubtype="0" fill="hold" grpId="0" nodeType="withEffect">
+                                  <p:stCondLst>
+                                    <p:cond delay="500"/>
+                                  </p:stCondLst>
+                                  <p:childTnLst>
+                                    <p:set>
+                                      <p:cBhvr>
+                                        <p:cTn id="15" dur="1" fill="hold">
+                                          <p:stCondLst>
+                                            <p:cond delay="0"/>
+                                          </p:stCondLst>
+                                        </p:cTn>
+                                        <p:tgtEl>
+                                          <p:spTgt spid="24"/>
+                                        </p:tgtEl>
+                                        <p:attrNameLst>
+                                          <p:attrName>style.visibility</p:attrName>
+                                        </p:attrNameLst>
+                                      </p:cBhvr>
+                                      <p:to>
+                                        <p:strVal val="visible"/>
+                                      </p:to>
+                                    </p:set>
+                                  </p:childTnLst>
+                                </p:cTn>
+                              </p:par>
+                              <p:par>
+                                <p:cTn id="16" presetID="1" presetClass="entr" presetSubtype="0" fill="hold" nodeType="withEffect">
+                                  <p:stCondLst>
+                                    <p:cond delay="500"/>
+                                  </p:stCondLst>
+                                  <p:childTnLst>
+                                    <p:set>
+                                      <p:cBhvr>
+                                        <p:cTn id="17" dur="1" fill="hold">
+                                          <p:stCondLst>
+                                            <p:cond delay="0"/>
+                                          </p:stCondLst>
+                                        </p:cTn>
+                                        <p:tgtEl>
+                                          <p:spTgt spid="25"/>
+                                        </p:tgtEl>
+                                        <p:attrNameLst>
+                                          <p:attrName>style.visibility</p:attrName>
+                                        </p:attrNameLst>
+                                      </p:cBhvr>
+                                      <p:to>
+                                        <p:strVal val="visible"/>
+                                      </p:to>
+                                    </p:set>
+                                  </p:childTnLst>
+                                </p:cTn>
+                              </p:par>
+                            </p:childTnLst>
+                          </p:cTn>
+                        </p:par>
+                      </p:childTnLst>
+                    </p:cTn>
+                  </p:par>
+                  <p:par>
+                    <p:cTn id="18" fill="hold">
+                      <p:stCondLst>
+                        <p:cond delay="indefinite"/>
+                      </p:stCondLst>
+                      <p:childTnLst>
+                        <p:par>
+                          <p:cTn id="19" fill="hold">
+                            <p:stCondLst>
+                              <p:cond delay="0"/>
+                            </p:stCondLst>
+                            <p:childTnLst>
+                              <p:par>
+                                <p:cTn id="20" presetID="1" presetClass="entr" presetSubtype="0" fill="hold" nodeType="clickEffect">
+                                  <p:stCondLst>
+                                    <p:cond delay="0"/>
+                                  </p:stCondLst>
+                                  <p:childTnLst>
+                                    <p:set>
+                                      <p:cBhvr>
+                                        <p:cTn id="21" dur="1" fill="hold">
+                                          <p:stCondLst>
+                                            <p:cond delay="0"/>
+                                          </p:stCondLst>
+                                        </p:cTn>
+                                        <p:tgtEl>
+                                          <p:spTgt spid="35"/>
                                         </p:tgtEl>
                                         <p:attrNameLst>
                                           <p:attrName>style.visibility</p:attrName>
@@ -45830,6 +46848,12 @@
         </p:cTn>
       </p:par>
     </p:tnLst>
+    <p:bldLst>
+      <p:bldP spid="18" grpId="0" animBg="1"/>
+      <p:bldP spid="19" grpId="0" animBg="1"/>
+      <p:bldP spid="23" grpId="0" animBg="1"/>
+      <p:bldP spid="24" grpId="0" animBg="1"/>
+    </p:bldLst>
   </p:timing>
 </p:sld>
 </file>
@@ -46655,12 +47679,12 @@
 </file>
 
 <file path=customXml/item1.xml><?xml version="1.0" encoding="utf-8"?>
-<?mso-contentType ?>
-<FormTemplates xmlns="http://schemas.microsoft.com/sharepoint/v3/contenttype/forms">
-  <Display>DocumentLibraryForm</Display>
-  <Edit>DocumentLibraryForm</Edit>
-  <New>DocumentLibraryForm</New>
-</FormTemplates>
+<p:properties xmlns:p="http://schemas.microsoft.com/office/2006/metadata/properties" xmlns:xsi="http://www.w3.org/2001/XMLSchema-instance" xmlns:pc="http://schemas.microsoft.com/office/infopath/2007/PartnerControls">
+  <documentManagement>
+    <MediaServiceKeyPoints xmlns="49ea7286-31dc-4857-8ba0-9dd5131121ba" xsi:nil="true"/>
+    <_activity xmlns="49ea7286-31dc-4857-8ba0-9dd5131121ba" xsi:nil="true"/>
+  </documentManagement>
+</p:properties>
 </file>
 
 <file path=customXml/item2.xml><?xml version="1.0" encoding="utf-8"?>
@@ -46899,18 +47923,27 @@
 </file>
 
 <file path=customXml/item3.xml><?xml version="1.0" encoding="utf-8"?>
-<p:properties xmlns:p="http://schemas.microsoft.com/office/2006/metadata/properties" xmlns:xsi="http://www.w3.org/2001/XMLSchema-instance" xmlns:pc="http://schemas.microsoft.com/office/infopath/2007/PartnerControls">
-  <documentManagement>
-    <MediaServiceKeyPoints xmlns="49ea7286-31dc-4857-8ba0-9dd5131121ba" xsi:nil="true"/>
-    <_activity xmlns="49ea7286-31dc-4857-8ba0-9dd5131121ba" xsi:nil="true"/>
-  </documentManagement>
-</p:properties>
+<?mso-contentType ?>
+<FormTemplates xmlns="http://schemas.microsoft.com/sharepoint/v3/contenttype/forms">
+  <Display>DocumentLibraryForm</Display>
+  <Edit>DocumentLibraryForm</Edit>
+  <New>DocumentLibraryForm</New>
+</FormTemplates>
 </file>
 
 <file path=customXml/itemProps1.xml><?xml version="1.0" encoding="utf-8"?>
-<ds:datastoreItem xmlns:ds="http://schemas.openxmlformats.org/officeDocument/2006/customXml" ds:itemID="{A98CD342-50C4-441F-B4A3-7D5ADB057132}">
+<ds:datastoreItem xmlns:ds="http://schemas.openxmlformats.org/officeDocument/2006/customXml" ds:itemID="{CBDD27D0-5B6E-4A0E-95B2-BB37F9D88615}">
   <ds:schemaRefs>
-    <ds:schemaRef ds:uri="http://schemas.microsoft.com/sharepoint/v3/contenttype/forms"/>
+    <ds:schemaRef ds:uri="http://purl.org/dc/dcmitype/"/>
+    <ds:schemaRef ds:uri="http://www.w3.org/XML/1998/namespace"/>
+    <ds:schemaRef ds:uri="http://schemas.openxmlformats.org/package/2006/metadata/core-properties"/>
+    <ds:schemaRef ds:uri="http://schemas.microsoft.com/office/2006/metadata/properties"/>
+    <ds:schemaRef ds:uri="http://purl.org/dc/elements/1.1/"/>
+    <ds:schemaRef ds:uri="http://schemas.microsoft.com/office/2006/documentManagement/types"/>
+    <ds:schemaRef ds:uri="http://purl.org/dc/terms/"/>
+    <ds:schemaRef ds:uri="http://schemas.microsoft.com/office/infopath/2007/PartnerControls"/>
+    <ds:schemaRef ds:uri="490ae867-905f-461a-953e-c60010c4e0c9"/>
+    <ds:schemaRef ds:uri="49ea7286-31dc-4857-8ba0-9dd5131121ba"/>
   </ds:schemaRefs>
 </ds:datastoreItem>
 </file>
@@ -46935,18 +47968,9 @@
 </file>
 
 <file path=customXml/itemProps3.xml><?xml version="1.0" encoding="utf-8"?>
-<ds:datastoreItem xmlns:ds="http://schemas.openxmlformats.org/officeDocument/2006/customXml" ds:itemID="{CBDD27D0-5B6E-4A0E-95B2-BB37F9D88615}">
+<ds:datastoreItem xmlns:ds="http://schemas.openxmlformats.org/officeDocument/2006/customXml" ds:itemID="{A98CD342-50C4-441F-B4A3-7D5ADB057132}">
   <ds:schemaRefs>
-    <ds:schemaRef ds:uri="http://purl.org/dc/dcmitype/"/>
-    <ds:schemaRef ds:uri="http://www.w3.org/XML/1998/namespace"/>
-    <ds:schemaRef ds:uri="http://schemas.openxmlformats.org/package/2006/metadata/core-properties"/>
-    <ds:schemaRef ds:uri="http://schemas.microsoft.com/office/2006/metadata/properties"/>
-    <ds:schemaRef ds:uri="http://purl.org/dc/elements/1.1/"/>
-    <ds:schemaRef ds:uri="http://schemas.microsoft.com/office/2006/documentManagement/types"/>
-    <ds:schemaRef ds:uri="http://purl.org/dc/terms/"/>
-    <ds:schemaRef ds:uri="http://schemas.microsoft.com/office/infopath/2007/PartnerControls"/>
-    <ds:schemaRef ds:uri="490ae867-905f-461a-953e-c60010c4e0c9"/>
-    <ds:schemaRef ds:uri="49ea7286-31dc-4857-8ba0-9dd5131121ba"/>
+    <ds:schemaRef ds:uri="http://schemas.microsoft.com/sharepoint/v3/contenttype/forms"/>
   </ds:schemaRefs>
 </ds:datastoreItem>
 </file>

--- a/ProjInf_AI_Driving_Classification.pptx
+++ b/ProjInf_AI_Driving_Classification.pptx
@@ -3119,7 +3119,7 @@
           <a:p>
             <a:fld id="{4BE6205E-B305-4B90-9534-3C5E99A0275E}" type="datetimeFigureOut">
               <a:rPr lang="en-US" smtClean="0"/>
-              <a:t>9/10/2024</a:t>
+              <a:t>9/11/2024</a:t>
             </a:fld>
             <a:endParaRPr lang="en-US" dirty="0"/>
           </a:p>
@@ -3296,7 +3296,7 @@
           <a:p>
             <a:fld id="{233722F1-E430-42A1-A473-1759336AECCE}" type="datetimeFigureOut">
               <a:rPr lang="en-US" smtClean="0"/>
-              <a:t>9/10/2024</a:t>
+              <a:t>9/11/2024</a:t>
             </a:fld>
             <a:endParaRPr lang="en-US" dirty="0"/>
           </a:p>
@@ -3943,7 +3943,110 @@
           <a:bodyPr/>
           <a:lstStyle/>
           <a:p>
+            <a:r>
+              <a:rPr lang="pt-PT" sz="2800" b="1" dirty="0" err="1"/>
+              <a:t>Accuracy</a:t>
+            </a:r>
+            <a:r>
+              <a:rPr lang="pt-PT" sz="2800" b="1" dirty="0"/>
+              <a:t> (Exatidão):</a:t>
+            </a:r>
+            <a:r>
+              <a:rPr lang="pt-PT" sz="2800" dirty="0"/>
+              <a:t> Mede a proporção de previsões corretas em relação ao total de previsões.</a:t>
+            </a:r>
+            <a:br>
+              <a:rPr lang="pt-PT" sz="2800" dirty="0"/>
+            </a:br>
+            <a:br>
+              <a:rPr lang="pt-PT" sz="2800" dirty="0"/>
+            </a:br>
+            <a:r>
+              <a:rPr lang="pt-PT" b="1" dirty="0" err="1"/>
+              <a:t>Precision</a:t>
+            </a:r>
+            <a:r>
+              <a:rPr lang="pt-PT" b="1" dirty="0"/>
+              <a:t> (Precisão):</a:t>
+            </a:r>
+            <a:r>
+              <a:rPr lang="pt-PT" dirty="0"/>
+              <a:t> Mede a proporção de verdadeiros positivos entre todas as instâncias classificadas como positivas. </a:t>
+            </a:r>
+          </a:p>
+          <a:p>
             <a:endParaRPr lang="pt-PT" dirty="0"/>
+          </a:p>
+          <a:p>
+            <a:r>
+              <a:rPr lang="pt-PT" b="1" dirty="0"/>
+              <a:t>F1 Score:</a:t>
+            </a:r>
+            <a:r>
+              <a:rPr lang="pt-PT" dirty="0"/>
+              <a:t> Média harmônica entre precisão e </a:t>
+            </a:r>
+            <a:r>
+              <a:rPr lang="pt-PT" dirty="0" err="1"/>
+              <a:t>recall</a:t>
+            </a:r>
+            <a:r>
+              <a:rPr lang="pt-PT" dirty="0"/>
+              <a:t>, útil quando há um equilíbrio entre as duas métricas.</a:t>
+            </a:r>
+          </a:p>
+          <a:p>
+            <a:endParaRPr lang="pt-PT" dirty="0"/>
+          </a:p>
+          <a:p>
+            <a:r>
+              <a:rPr lang="pt-PT" b="1" dirty="0" err="1"/>
+              <a:t>Recall</a:t>
+            </a:r>
+            <a:r>
+              <a:rPr lang="pt-PT" b="1" dirty="0"/>
+              <a:t> (Sensibilidade):</a:t>
+            </a:r>
+            <a:r>
+              <a:rPr lang="pt-PT" dirty="0"/>
+              <a:t> Mede a proporção de verdadeiros positivos entre todas as instâncias que são realmente positivas.</a:t>
+            </a:r>
+          </a:p>
+          <a:p>
+            <a:endParaRPr lang="pt-PT" dirty="0"/>
+          </a:p>
+          <a:p>
+            <a:r>
+              <a:rPr lang="en-US" sz="2800" b="1" dirty="0"/>
+              <a:t>Hamming Loss: </a:t>
+            </a:r>
+            <a:r>
+              <a:rPr lang="pt-PT" sz="1800" dirty="0">
+                <a:effectLst/>
+                <a:latin typeface="Times New Roman" panose="02020603050405020304" pitchFamily="18" charset="0"/>
+                <a:ea typeface="Calibri" panose="020F0502020204030204" pitchFamily="34" charset="0"/>
+                <a:cs typeface="Arial" panose="020B0604020202020204" pitchFamily="34" charset="0"/>
+              </a:rPr>
+              <a:t>mede a taxa de predições incorretas, onde cada predição incorreta conta igualmente.</a:t>
+            </a:r>
+            <a:endParaRPr lang="pt-PT" dirty="0"/>
+          </a:p>
+          <a:p>
+            <a:endParaRPr lang="pt-PT" dirty="0"/>
+          </a:p>
+          <a:p>
+            <a:r>
+              <a:rPr lang="pt-PT" b="1" dirty="0" err="1"/>
+              <a:t>Jaccard</a:t>
+            </a:r>
+            <a:r>
+              <a:rPr lang="pt-PT" b="1" dirty="0"/>
+              <a:t> Score:</a:t>
+            </a:r>
+            <a:r>
+              <a:rPr lang="pt-PT" dirty="0"/>
+              <a:t> Mede a similaridade entre os rótulos preditos e os verdadeiros.</a:t>
+            </a:r>
           </a:p>
         </p:txBody>
       </p:sp>
@@ -5287,6 +5390,215 @@
           <a:bodyPr/>
           <a:lstStyle/>
           <a:p>
+            <a:pPr marL="457200" lvl="1" indent="0" algn="just">
+              <a:lnSpc>
+                <a:spcPct val="150000"/>
+              </a:lnSpc>
+              <a:buFont typeface="Courier New" panose="02070309020205020404" pitchFamily="49" charset="0"/>
+              <a:buNone/>
+            </a:pPr>
+            <a:r>
+              <a:rPr lang="pt-PT" sz="1200" b="1" dirty="0">
+                <a:effectLst/>
+                <a:latin typeface="Times New Roman" panose="02020603050405020304" pitchFamily="18" charset="0"/>
+                <a:ea typeface="Calibri" panose="020F0502020204030204" pitchFamily="34" charset="0"/>
+                <a:cs typeface="Arial" panose="020B0604020202020204" pitchFamily="34" charset="0"/>
+              </a:rPr>
+              <a:t>Aplicação ↔ </a:t>
+            </a:r>
+            <a:r>
+              <a:rPr lang="pt-PT" sz="1200" b="1" dirty="0" err="1">
+                <a:effectLst/>
+                <a:latin typeface="Times New Roman" panose="02020603050405020304" pitchFamily="18" charset="0"/>
+                <a:ea typeface="Calibri" panose="020F0502020204030204" pitchFamily="34" charset="0"/>
+                <a:cs typeface="Arial" panose="020B0604020202020204" pitchFamily="34" charset="0"/>
+              </a:rPr>
+              <a:t>Preprocessamento</a:t>
+            </a:r>
+            <a:r>
+              <a:rPr lang="pt-PT" sz="1200" dirty="0">
+                <a:effectLst/>
+                <a:latin typeface="Times New Roman" panose="02020603050405020304" pitchFamily="18" charset="0"/>
+                <a:ea typeface="Calibri" panose="020F0502020204030204" pitchFamily="34" charset="0"/>
+                <a:cs typeface="Arial" panose="020B0604020202020204" pitchFamily="34" charset="0"/>
+              </a:rPr>
+              <a:t>: A aplicação envia os dados captados pelos sensores para a etapa de </a:t>
+            </a:r>
+            <a:r>
+              <a:rPr lang="pt-PT" sz="1200" dirty="0" err="1">
+                <a:effectLst/>
+                <a:latin typeface="Times New Roman" panose="02020603050405020304" pitchFamily="18" charset="0"/>
+                <a:ea typeface="Calibri" panose="020F0502020204030204" pitchFamily="34" charset="0"/>
+                <a:cs typeface="Arial" panose="020B0604020202020204" pitchFamily="34" charset="0"/>
+              </a:rPr>
+              <a:t>preprocessamento</a:t>
+            </a:r>
+            <a:r>
+              <a:rPr lang="pt-PT" sz="1200" dirty="0">
+                <a:effectLst/>
+                <a:latin typeface="Times New Roman" panose="02020603050405020304" pitchFamily="18" charset="0"/>
+                <a:ea typeface="Calibri" panose="020F0502020204030204" pitchFamily="34" charset="0"/>
+                <a:cs typeface="Arial" panose="020B0604020202020204" pitchFamily="34" charset="0"/>
+              </a:rPr>
+              <a:t>, onde são preparados para o modelo.</a:t>
+            </a:r>
+            <a:endParaRPr lang="en-US" sz="1200" dirty="0">
+              <a:effectLst/>
+              <a:latin typeface="Times New Roman" panose="02020603050405020304" pitchFamily="18" charset="0"/>
+              <a:ea typeface="Calibri" panose="020F0502020204030204" pitchFamily="34" charset="0"/>
+              <a:cs typeface="Arial" panose="020B0604020202020204" pitchFamily="34" charset="0"/>
+            </a:endParaRPr>
+          </a:p>
+          <a:p>
+            <a:pPr marL="1166495" indent="252095" algn="just">
+              <a:lnSpc>
+                <a:spcPct val="150000"/>
+              </a:lnSpc>
+            </a:pPr>
+            <a:r>
+              <a:rPr lang="pt-PT" sz="1200" dirty="0">
+                <a:effectLst/>
+                <a:latin typeface="Times New Roman" panose="02020603050405020304" pitchFamily="18" charset="0"/>
+                <a:ea typeface="Calibri" panose="020F0502020204030204" pitchFamily="34" charset="0"/>
+                <a:cs typeface="Arial" panose="020B0604020202020204" pitchFamily="34" charset="0"/>
+              </a:rPr>
+              <a:t> </a:t>
+            </a:r>
+            <a:endParaRPr lang="en-US" sz="1200" dirty="0">
+              <a:effectLst/>
+              <a:latin typeface="Times New Roman" panose="02020603050405020304" pitchFamily="18" charset="0"/>
+              <a:ea typeface="Calibri" panose="020F0502020204030204" pitchFamily="34" charset="0"/>
+              <a:cs typeface="Arial" panose="020B0604020202020204" pitchFamily="34" charset="0"/>
+            </a:endParaRPr>
+          </a:p>
+          <a:p>
+            <a:pPr marL="457200" lvl="1" indent="0" algn="just">
+              <a:lnSpc>
+                <a:spcPct val="150000"/>
+              </a:lnSpc>
+              <a:buFont typeface="Courier New" panose="02070309020205020404" pitchFamily="49" charset="0"/>
+              <a:buNone/>
+            </a:pPr>
+            <a:r>
+              <a:rPr lang="pt-PT" sz="1200" b="1" dirty="0" err="1">
+                <a:effectLst/>
+                <a:latin typeface="Times New Roman" panose="02020603050405020304" pitchFamily="18" charset="0"/>
+                <a:ea typeface="Calibri" panose="020F0502020204030204" pitchFamily="34" charset="0"/>
+                <a:cs typeface="Arial" panose="020B0604020202020204" pitchFamily="34" charset="0"/>
+              </a:rPr>
+              <a:t>Preprocessamento</a:t>
+            </a:r>
+            <a:r>
+              <a:rPr lang="pt-PT" sz="1200" dirty="0">
+                <a:effectLst/>
+                <a:latin typeface="Times New Roman" panose="02020603050405020304" pitchFamily="18" charset="0"/>
+                <a:ea typeface="Calibri" panose="020F0502020204030204" pitchFamily="34" charset="0"/>
+                <a:cs typeface="Arial" panose="020B0604020202020204" pitchFamily="34" charset="0"/>
+              </a:rPr>
+              <a:t> </a:t>
+            </a:r>
+            <a:r>
+              <a:rPr lang="pt-PT" sz="1200" b="1" dirty="0">
+                <a:effectLst/>
+                <a:latin typeface="Times New Roman" panose="02020603050405020304" pitchFamily="18" charset="0"/>
+                <a:ea typeface="Calibri" panose="020F0502020204030204" pitchFamily="34" charset="0"/>
+                <a:cs typeface="Arial" panose="020B0604020202020204" pitchFamily="34" charset="0"/>
+              </a:rPr>
+              <a:t>↔ Modelo</a:t>
+            </a:r>
+            <a:r>
+              <a:rPr lang="pt-PT" sz="1200" dirty="0">
+                <a:effectLst/>
+                <a:latin typeface="Times New Roman" panose="02020603050405020304" pitchFamily="18" charset="0"/>
+                <a:ea typeface="Calibri" panose="020F0502020204030204" pitchFamily="34" charset="0"/>
+                <a:cs typeface="Arial" panose="020B0604020202020204" pitchFamily="34" charset="0"/>
+              </a:rPr>
+              <a:t>: Os dados tratados servirão de alimento para a rede neuronal, onde são processados para gerar previsões.</a:t>
+            </a:r>
+            <a:endParaRPr lang="en-US" sz="1200" dirty="0">
+              <a:effectLst/>
+              <a:latin typeface="Times New Roman" panose="02020603050405020304" pitchFamily="18" charset="0"/>
+              <a:ea typeface="Calibri" panose="020F0502020204030204" pitchFamily="34" charset="0"/>
+              <a:cs typeface="Arial" panose="020B0604020202020204" pitchFamily="34" charset="0"/>
+            </a:endParaRPr>
+          </a:p>
+          <a:p>
+            <a:pPr marL="1166495" indent="252095" algn="just">
+              <a:lnSpc>
+                <a:spcPct val="150000"/>
+              </a:lnSpc>
+            </a:pPr>
+            <a:r>
+              <a:rPr lang="pt-PT" sz="1200" dirty="0">
+                <a:effectLst/>
+                <a:latin typeface="Times New Roman" panose="02020603050405020304" pitchFamily="18" charset="0"/>
+                <a:ea typeface="Calibri" panose="020F0502020204030204" pitchFamily="34" charset="0"/>
+                <a:cs typeface="Arial" panose="020B0604020202020204" pitchFamily="34" charset="0"/>
+              </a:rPr>
+              <a:t> </a:t>
+            </a:r>
+            <a:endParaRPr lang="en-US" sz="1200" dirty="0">
+              <a:effectLst/>
+              <a:latin typeface="Times New Roman" panose="02020603050405020304" pitchFamily="18" charset="0"/>
+              <a:ea typeface="Calibri" panose="020F0502020204030204" pitchFamily="34" charset="0"/>
+              <a:cs typeface="Arial" panose="020B0604020202020204" pitchFamily="34" charset="0"/>
+            </a:endParaRPr>
+          </a:p>
+          <a:p>
+            <a:pPr marL="457200" lvl="1" indent="0" algn="just">
+              <a:lnSpc>
+                <a:spcPct val="150000"/>
+              </a:lnSpc>
+              <a:spcAft>
+                <a:spcPts val="1000"/>
+              </a:spcAft>
+              <a:buFont typeface="Courier New" panose="02070309020205020404" pitchFamily="49" charset="0"/>
+              <a:buNone/>
+            </a:pPr>
+            <a:r>
+              <a:rPr lang="pt-PT" sz="1200" b="1" dirty="0">
+                <a:effectLst/>
+                <a:latin typeface="Times New Roman" panose="02020603050405020304" pitchFamily="18" charset="0"/>
+                <a:ea typeface="Calibri" panose="020F0502020204030204" pitchFamily="34" charset="0"/>
+                <a:cs typeface="Arial" panose="020B0604020202020204" pitchFamily="34" charset="0"/>
+              </a:rPr>
+              <a:t>Modelo</a:t>
+            </a:r>
+            <a:r>
+              <a:rPr lang="pt-PT" sz="1200" dirty="0">
+                <a:effectLst/>
+                <a:latin typeface="Times New Roman" panose="02020603050405020304" pitchFamily="18" charset="0"/>
+                <a:ea typeface="Calibri" panose="020F0502020204030204" pitchFamily="34" charset="0"/>
+                <a:cs typeface="Arial" panose="020B0604020202020204" pitchFamily="34" charset="0"/>
+              </a:rPr>
+              <a:t> </a:t>
+            </a:r>
+            <a:r>
+              <a:rPr lang="pt-PT" sz="1200" b="1" dirty="0">
+                <a:effectLst/>
+                <a:latin typeface="Times New Roman" panose="02020603050405020304" pitchFamily="18" charset="0"/>
+                <a:ea typeface="Calibri" panose="020F0502020204030204" pitchFamily="34" charset="0"/>
+                <a:cs typeface="Arial" panose="020B0604020202020204" pitchFamily="34" charset="0"/>
+              </a:rPr>
+              <a:t>↔ Resultados</a:t>
+            </a:r>
+            <a:r>
+              <a:rPr lang="pt-PT" sz="1200" dirty="0">
+                <a:effectLst/>
+                <a:latin typeface="Times New Roman" panose="02020603050405020304" pitchFamily="18" charset="0"/>
+                <a:ea typeface="Calibri" panose="020F0502020204030204" pitchFamily="34" charset="0"/>
+                <a:cs typeface="Arial" panose="020B0604020202020204" pitchFamily="34" charset="0"/>
+              </a:rPr>
+              <a:t>: Os resultados das análises realizadas pelo modelo são organizados e apresentados de maneira acessível aos utilizadores finais.</a:t>
+            </a:r>
+            <a:endParaRPr lang="en-US" sz="1200" dirty="0">
+              <a:effectLst/>
+              <a:latin typeface="Times New Roman" panose="02020603050405020304" pitchFamily="18" charset="0"/>
+              <a:ea typeface="Calibri" panose="020F0502020204030204" pitchFamily="34" charset="0"/>
+              <a:cs typeface="Arial" panose="020B0604020202020204" pitchFamily="34" charset="0"/>
+            </a:endParaRPr>
+          </a:p>
+          <a:p>
             <a:endParaRPr lang="pt-PT" dirty="0"/>
           </a:p>
         </p:txBody>
@@ -5371,6 +5683,157 @@
           <a:bodyPr/>
           <a:lstStyle/>
           <a:p>
+            <a:r>
+              <a:rPr lang="pt-PT" sz="1800" dirty="0">
+                <a:effectLst/>
+                <a:latin typeface="Times New Roman" panose="02020603050405020304" pitchFamily="18" charset="0"/>
+                <a:ea typeface="Calibri" panose="020F0502020204030204" pitchFamily="34" charset="0"/>
+                <a:cs typeface="Arial" panose="020B0604020202020204" pitchFamily="34" charset="0"/>
+              </a:rPr>
+              <a:t>O </a:t>
+            </a:r>
+            <a:r>
+              <a:rPr lang="pt-PT" sz="1800" b="1" dirty="0">
+                <a:effectLst/>
+                <a:latin typeface="Times New Roman" panose="02020603050405020304" pitchFamily="18" charset="0"/>
+                <a:ea typeface="Calibri" panose="020F0502020204030204" pitchFamily="34" charset="0"/>
+                <a:cs typeface="Arial" panose="020B0604020202020204" pitchFamily="34" charset="0"/>
+              </a:rPr>
+              <a:t>IPL-</a:t>
+            </a:r>
+            <a:r>
+              <a:rPr lang="pt-PT" sz="1800" b="1" dirty="0" err="1">
+                <a:effectLst/>
+                <a:latin typeface="Times New Roman" panose="02020603050405020304" pitchFamily="18" charset="0"/>
+                <a:ea typeface="Calibri" panose="020F0502020204030204" pitchFamily="34" charset="0"/>
+                <a:cs typeface="Arial" panose="020B0604020202020204" pitchFamily="34" charset="0"/>
+              </a:rPr>
+              <a:t>Dataset</a:t>
+            </a:r>
+            <a:r>
+              <a:rPr lang="pt-PT" sz="1800" dirty="0">
+                <a:effectLst/>
+                <a:latin typeface="Times New Roman" panose="02020603050405020304" pitchFamily="18" charset="0"/>
+                <a:ea typeface="Calibri" panose="020F0502020204030204" pitchFamily="34" charset="0"/>
+                <a:cs typeface="Arial" panose="020B0604020202020204" pitchFamily="34" charset="0"/>
+              </a:rPr>
+              <a:t> foi criado através da utilização da Aplicação para Rastreio de Viaturas pelos estudantes que desenvolveram o projeto. Os dados no </a:t>
+            </a:r>
+            <a:r>
+              <a:rPr lang="pt-PT" sz="1800" dirty="0" err="1">
+                <a:effectLst/>
+                <a:latin typeface="Times New Roman" panose="02020603050405020304" pitchFamily="18" charset="0"/>
+                <a:ea typeface="Calibri" panose="020F0502020204030204" pitchFamily="34" charset="0"/>
+                <a:cs typeface="Arial" panose="020B0604020202020204" pitchFamily="34" charset="0"/>
+              </a:rPr>
+              <a:t>dataset</a:t>
+            </a:r>
+            <a:r>
+              <a:rPr lang="pt-PT" sz="1800" dirty="0">
+                <a:effectLst/>
+                <a:latin typeface="Times New Roman" panose="02020603050405020304" pitchFamily="18" charset="0"/>
+                <a:ea typeface="Calibri" panose="020F0502020204030204" pitchFamily="34" charset="0"/>
+                <a:cs typeface="Arial" panose="020B0604020202020204" pitchFamily="34" charset="0"/>
+              </a:rPr>
+              <a:t> IPL-</a:t>
+            </a:r>
+            <a:r>
+              <a:rPr lang="pt-PT" sz="1800" i="1" dirty="0" err="1">
+                <a:effectLst/>
+                <a:latin typeface="Times New Roman" panose="02020603050405020304" pitchFamily="18" charset="0"/>
+                <a:ea typeface="Calibri" panose="020F0502020204030204" pitchFamily="34" charset="0"/>
+                <a:cs typeface="Arial" panose="020B0604020202020204" pitchFamily="34" charset="0"/>
+              </a:rPr>
+              <a:t>Dataset</a:t>
+            </a:r>
+            <a:r>
+              <a:rPr lang="pt-PT" sz="1800" dirty="0">
+                <a:effectLst/>
+                <a:latin typeface="Times New Roman" panose="02020603050405020304" pitchFamily="18" charset="0"/>
+                <a:ea typeface="Calibri" panose="020F0502020204030204" pitchFamily="34" charset="0"/>
+                <a:cs typeface="Arial" panose="020B0604020202020204" pitchFamily="34" charset="0"/>
+              </a:rPr>
+              <a:t> possui informações capturadas por sensores em vários tipos de gravações como viagens completas e curtas gravações de manobras ou cenários comuns de condução.</a:t>
+            </a:r>
+            <a:br>
+              <a:rPr lang="pt-PT" sz="1800" dirty="0">
+                <a:effectLst/>
+                <a:latin typeface="Times New Roman" panose="02020603050405020304" pitchFamily="18" charset="0"/>
+                <a:ea typeface="Calibri" panose="020F0502020204030204" pitchFamily="34" charset="0"/>
+                <a:cs typeface="Arial" panose="020B0604020202020204" pitchFamily="34" charset="0"/>
+              </a:rPr>
+            </a:br>
+            <a:br>
+              <a:rPr lang="pt-PT" sz="1800" dirty="0">
+                <a:effectLst/>
+                <a:latin typeface="Times New Roman" panose="02020603050405020304" pitchFamily="18" charset="0"/>
+                <a:ea typeface="Calibri" panose="020F0502020204030204" pitchFamily="34" charset="0"/>
+                <a:cs typeface="Arial" panose="020B0604020202020204" pitchFamily="34" charset="0"/>
+              </a:rPr>
+            </a:br>
+            <a:r>
+              <a:rPr lang="pt-PT" sz="1800" dirty="0">
+                <a:effectLst/>
+                <a:latin typeface="Times New Roman" panose="02020603050405020304" pitchFamily="18" charset="0"/>
+                <a:ea typeface="Calibri" panose="020F0502020204030204" pitchFamily="34" charset="0"/>
+                <a:cs typeface="Arial" panose="020B0604020202020204" pitchFamily="34" charset="0"/>
+              </a:rPr>
+              <a:t>O </a:t>
+            </a:r>
+            <a:r>
+              <a:rPr lang="pt-PT" sz="1800" b="1" dirty="0">
+                <a:effectLst/>
+                <a:latin typeface="Times New Roman" panose="02020603050405020304" pitchFamily="18" charset="0"/>
+                <a:ea typeface="Calibri" panose="020F0502020204030204" pitchFamily="34" charset="0"/>
+                <a:cs typeface="Arial" panose="020B0604020202020204" pitchFamily="34" charset="0"/>
+              </a:rPr>
+              <a:t>UAH</a:t>
+            </a:r>
+            <a:r>
+              <a:rPr lang="pt-PT" sz="1800" b="1" i="1" dirty="0">
+                <a:effectLst/>
+                <a:latin typeface="Times New Roman" panose="02020603050405020304" pitchFamily="18" charset="0"/>
+                <a:ea typeface="Calibri" panose="020F0502020204030204" pitchFamily="34" charset="0"/>
+                <a:cs typeface="Arial" panose="020B0604020202020204" pitchFamily="34" charset="0"/>
+              </a:rPr>
+              <a:t>-</a:t>
+            </a:r>
+            <a:r>
+              <a:rPr lang="pt-PT" sz="1800" b="1" i="1" dirty="0" err="1">
+                <a:effectLst/>
+                <a:latin typeface="Times New Roman" panose="02020603050405020304" pitchFamily="18" charset="0"/>
+                <a:ea typeface="Calibri" panose="020F0502020204030204" pitchFamily="34" charset="0"/>
+                <a:cs typeface="Arial" panose="020B0604020202020204" pitchFamily="34" charset="0"/>
+              </a:rPr>
+              <a:t>DriveSet</a:t>
+            </a:r>
+            <a:r>
+              <a:rPr lang="pt-PT" sz="1800" dirty="0">
+                <a:effectLst/>
+                <a:latin typeface="Times New Roman" panose="02020603050405020304" pitchFamily="18" charset="0"/>
+                <a:ea typeface="Calibri" panose="020F0502020204030204" pitchFamily="34" charset="0"/>
+                <a:cs typeface="Arial" panose="020B0604020202020204" pitchFamily="34" charset="0"/>
+              </a:rPr>
+              <a:t> é uma coleção pública de dados captados pela </a:t>
+            </a:r>
+            <a:r>
+              <a:rPr lang="pt-PT" sz="1800" i="1" dirty="0" err="1">
+                <a:effectLst/>
+                <a:latin typeface="Times New Roman" panose="02020603050405020304" pitchFamily="18" charset="0"/>
+                <a:ea typeface="Calibri" panose="020F0502020204030204" pitchFamily="34" charset="0"/>
+                <a:cs typeface="Arial" panose="020B0604020202020204" pitchFamily="34" charset="0"/>
+              </a:rPr>
+              <a:t>DriveSafe</a:t>
+            </a:r>
+            <a:r>
+              <a:rPr lang="pt-PT" sz="1800" dirty="0">
+                <a:effectLst/>
+                <a:latin typeface="Times New Roman" panose="02020603050405020304" pitchFamily="18" charset="0"/>
+                <a:ea typeface="Calibri" panose="020F0502020204030204" pitchFamily="34" charset="0"/>
+                <a:cs typeface="Arial" panose="020B0604020202020204" pitchFamily="34" charset="0"/>
+              </a:rPr>
+              <a:t>, uma aplicação de monitorização de condução, que foi utilizada por vários condutores em diferentes ambientes. </a:t>
+            </a:r>
             <a:endParaRPr lang="pt-PT" dirty="0"/>
           </a:p>
         </p:txBody>
@@ -12665,6 +13128,132 @@
           </a:p>
         </p:txBody>
       </p:sp>
+      <p:sp>
+        <p:nvSpPr>
+          <p:cNvPr id="5" name="TextBox 4">
+            <a:extLst>
+              <a:ext uri="{FF2B5EF4-FFF2-40B4-BE49-F238E27FC236}">
+                <a16:creationId xmlns:a16="http://schemas.microsoft.com/office/drawing/2014/main" id="{3EBEAC88-92BD-E2D8-A84B-4CFFE207C46A}"/>
+              </a:ext>
+            </a:extLst>
+          </p:cNvPr>
+          <p:cNvSpPr txBox="1"/>
+          <p:nvPr/>
+        </p:nvSpPr>
+        <p:spPr>
+          <a:xfrm rot="16200000">
+            <a:off x="-673142" y="3121974"/>
+            <a:ext cx="4575338" cy="419025"/>
+          </a:xfrm>
+          <a:prstGeom prst="rect">
+            <a:avLst/>
+          </a:prstGeom>
+          <a:noFill/>
+        </p:spPr>
+        <p:txBody>
+          <a:bodyPr wrap="square">
+            <a:spAutoFit/>
+          </a:bodyPr>
+          <a:lstStyle/>
+          <a:p>
+            <a:pPr lvl="0">
+              <a:lnSpc>
+                <a:spcPct val="150000"/>
+              </a:lnSpc>
+              <a:spcAft>
+                <a:spcPts val="1000"/>
+              </a:spcAft>
+            </a:pPr>
+            <a:r>
+              <a:rPr lang="pt-PT" sz="1600" dirty="0">
+                <a:ea typeface="Calibri" panose="020F0502020204030204" pitchFamily="34" charset="0"/>
+                <a:cs typeface="Arial" panose="020B0604020202020204" pitchFamily="34" charset="0"/>
+              </a:rPr>
+              <a:t>S</a:t>
+            </a:r>
+            <a:r>
+              <a:rPr lang="pt-PT" sz="1600" dirty="0">
+                <a:effectLst/>
+                <a:ea typeface="Calibri" panose="020F0502020204030204" pitchFamily="34" charset="0"/>
+                <a:cs typeface="Arial" panose="020B0604020202020204" pitchFamily="34" charset="0"/>
+              </a:rPr>
+              <a:t>ubcapítulo </a:t>
+            </a:r>
+            <a:r>
+              <a:rPr lang="pt-PT" sz="1600" dirty="0"/>
+              <a:t>Tratamento dos Dados</a:t>
+            </a:r>
+            <a:endParaRPr lang="en-US" sz="1600" dirty="0">
+              <a:effectLst/>
+              <a:ea typeface="Calibri" panose="020F0502020204030204" pitchFamily="34" charset="0"/>
+              <a:cs typeface="Arial" panose="020B0604020202020204" pitchFamily="34" charset="0"/>
+            </a:endParaRPr>
+          </a:p>
+        </p:txBody>
+      </p:sp>
+      <p:sp>
+        <p:nvSpPr>
+          <p:cNvPr id="6" name="TextBox 5">
+            <a:extLst>
+              <a:ext uri="{FF2B5EF4-FFF2-40B4-BE49-F238E27FC236}">
+                <a16:creationId xmlns:a16="http://schemas.microsoft.com/office/drawing/2014/main" id="{2BBFBF38-2223-AD31-B5F3-B8C6D906C9D4}"/>
+              </a:ext>
+            </a:extLst>
+          </p:cNvPr>
+          <p:cNvSpPr txBox="1"/>
+          <p:nvPr/>
+        </p:nvSpPr>
+        <p:spPr>
+          <a:xfrm rot="5400000">
+            <a:off x="9447727" y="3582819"/>
+            <a:ext cx="3653649" cy="419025"/>
+          </a:xfrm>
+          <a:prstGeom prst="rect">
+            <a:avLst/>
+          </a:prstGeom>
+          <a:noFill/>
+        </p:spPr>
+        <p:txBody>
+          <a:bodyPr wrap="square">
+            <a:spAutoFit/>
+          </a:bodyPr>
+          <a:lstStyle/>
+          <a:p>
+            <a:pPr lvl="0">
+              <a:lnSpc>
+                <a:spcPct val="150000"/>
+              </a:lnSpc>
+              <a:spcAft>
+                <a:spcPts val="1000"/>
+              </a:spcAft>
+            </a:pPr>
+            <a:r>
+              <a:rPr lang="pt-PT" sz="1600" dirty="0">
+                <a:ea typeface="Calibri" panose="020F0502020204030204" pitchFamily="34" charset="0"/>
+                <a:cs typeface="Arial" panose="020B0604020202020204" pitchFamily="34" charset="0"/>
+              </a:rPr>
+              <a:t>S</a:t>
+            </a:r>
+            <a:r>
+              <a:rPr lang="pt-PT" sz="1600" dirty="0">
+                <a:effectLst/>
+                <a:ea typeface="Calibri" panose="020F0502020204030204" pitchFamily="34" charset="0"/>
+                <a:cs typeface="Arial" panose="020B0604020202020204" pitchFamily="34" charset="0"/>
+              </a:rPr>
+              <a:t>ubcapítulo </a:t>
+            </a:r>
+            <a:r>
+              <a:rPr lang="pt-PT" sz="1600" dirty="0"/>
+              <a:t>Classificação dos Dados</a:t>
+            </a:r>
+            <a:endParaRPr lang="en-US" sz="1600" dirty="0">
+              <a:effectLst/>
+              <a:ea typeface="Calibri" panose="020F0502020204030204" pitchFamily="34" charset="0"/>
+              <a:cs typeface="Arial" panose="020B0604020202020204" pitchFamily="34" charset="0"/>
+            </a:endParaRPr>
+          </a:p>
+        </p:txBody>
+      </p:sp>
     </p:spTree>
     <p:extLst>
       <p:ext uri="{BB962C8B-B14F-4D97-AF65-F5344CB8AC3E}">
@@ -12710,6 +13299,104 @@
                                         </p:cTn>
                                         <p:tgtEl>
                                           <p:spTgt spid="44"/>
+                                        </p:tgtEl>
+                                        <p:attrNameLst>
+                                          <p:attrName>style.visibility</p:attrName>
+                                        </p:attrNameLst>
+                                      </p:cBhvr>
+                                      <p:to>
+                                        <p:strVal val="visible"/>
+                                      </p:to>
+                                    </p:set>
+                                  </p:childTnLst>
+                                </p:cTn>
+                              </p:par>
+                            </p:childTnLst>
+                          </p:cTn>
+                        </p:par>
+                      </p:childTnLst>
+                    </p:cTn>
+                  </p:par>
+                  <p:par>
+                    <p:cTn id="7" fill="hold">
+                      <p:stCondLst>
+                        <p:cond delay="indefinite"/>
+                      </p:stCondLst>
+                      <p:childTnLst>
+                        <p:par>
+                          <p:cTn id="8" fill="hold">
+                            <p:stCondLst>
+                              <p:cond delay="0"/>
+                            </p:stCondLst>
+                            <p:childTnLst>
+                              <p:par>
+                                <p:cTn id="9" presetID="1" presetClass="entr" presetSubtype="0" fill="hold" nodeType="clickEffect">
+                                  <p:stCondLst>
+                                    <p:cond delay="0"/>
+                                  </p:stCondLst>
+                                  <p:childTnLst>
+                                    <p:set>
+                                      <p:cBhvr>
+                                        <p:cTn id="10" dur="1" fill="hold">
+                                          <p:stCondLst>
+                                            <p:cond delay="0"/>
+                                          </p:stCondLst>
+                                        </p:cTn>
+                                        <p:tgtEl>
+                                          <p:spTgt spid="5">
+                                            <p:txEl>
+                                              <p:pRg st="0" end="0"/>
+                                            </p:txEl>
+                                          </p:spTgt>
+                                        </p:tgtEl>
+                                        <p:attrNameLst>
+                                          <p:attrName>style.visibility</p:attrName>
+                                        </p:attrNameLst>
+                                      </p:cBhvr>
+                                      <p:to>
+                                        <p:strVal val="visible"/>
+                                      </p:to>
+                                    </p:set>
+                                  </p:childTnLst>
+                                </p:cTn>
+                              </p:par>
+                            </p:childTnLst>
+                          </p:cTn>
+                        </p:par>
+                      </p:childTnLst>
+                    </p:cTn>
+                  </p:par>
+                  <p:par>
+                    <p:cTn id="11" fill="hold">
+                      <p:stCondLst>
+                        <p:cond delay="indefinite"/>
+                      </p:stCondLst>
+                      <p:childTnLst>
+                        <p:par>
+                          <p:cTn id="12" fill="hold">
+                            <p:stCondLst>
+                              <p:cond delay="0"/>
+                            </p:stCondLst>
+                            <p:childTnLst>
+                              <p:par>
+                                <p:cTn id="13" presetID="1" presetClass="entr" presetSubtype="0" fill="hold" nodeType="clickEffect">
+                                  <p:stCondLst>
+                                    <p:cond delay="0"/>
+                                  </p:stCondLst>
+                                  <p:childTnLst>
+                                    <p:set>
+                                      <p:cBhvr>
+                                        <p:cTn id="14" dur="1" fill="hold">
+                                          <p:stCondLst>
+                                            <p:cond delay="0"/>
+                                          </p:stCondLst>
+                                        </p:cTn>
+                                        <p:tgtEl>
+                                          <p:spTgt spid="6">
+                                            <p:txEl>
+                                              <p:pRg st="0" end="0"/>
+                                            </p:txEl>
+                                          </p:spTgt>
                                         </p:tgtEl>
                                         <p:attrNameLst>
                                           <p:attrName>style.visibility</p:attrName>
@@ -12970,7 +13657,7 @@
         </p:blipFill>
         <p:spPr bwMode="auto">
           <a:xfrm>
-            <a:off x="7147145" y="1435601"/>
+            <a:off x="7166503" y="1356919"/>
             <a:ext cx="4803065" cy="3937543"/>
           </a:xfrm>
           <a:prstGeom prst="rect">
@@ -13244,6 +13931,132 @@
           </a:p>
         </p:txBody>
       </p:sp>
+      <p:sp>
+        <p:nvSpPr>
+          <p:cNvPr id="2" name="TextBox 1">
+            <a:extLst>
+              <a:ext uri="{FF2B5EF4-FFF2-40B4-BE49-F238E27FC236}">
+                <a16:creationId xmlns:a16="http://schemas.microsoft.com/office/drawing/2014/main" id="{C396B9F4-AFBB-30A2-550C-93CFDF1966EA}"/>
+              </a:ext>
+            </a:extLst>
+          </p:cNvPr>
+          <p:cNvSpPr txBox="1"/>
+          <p:nvPr/>
+        </p:nvSpPr>
+        <p:spPr>
+          <a:xfrm>
+            <a:off x="2054204" y="5323496"/>
+            <a:ext cx="3968792" cy="419025"/>
+          </a:xfrm>
+          <a:prstGeom prst="rect">
+            <a:avLst/>
+          </a:prstGeom>
+          <a:noFill/>
+        </p:spPr>
+        <p:txBody>
+          <a:bodyPr wrap="square">
+            <a:spAutoFit/>
+          </a:bodyPr>
+          <a:lstStyle/>
+          <a:p>
+            <a:pPr lvl="0">
+              <a:lnSpc>
+                <a:spcPct val="150000"/>
+              </a:lnSpc>
+              <a:spcAft>
+                <a:spcPts val="1000"/>
+              </a:spcAft>
+            </a:pPr>
+            <a:r>
+              <a:rPr lang="pt-PT" sz="1600" dirty="0">
+                <a:ea typeface="Calibri" panose="020F0502020204030204" pitchFamily="34" charset="0"/>
+                <a:cs typeface="Arial" panose="020B0604020202020204" pitchFamily="34" charset="0"/>
+              </a:rPr>
+              <a:t>S</a:t>
+            </a:r>
+            <a:r>
+              <a:rPr lang="pt-PT" sz="1600" dirty="0">
+                <a:effectLst/>
+                <a:ea typeface="Calibri" panose="020F0502020204030204" pitchFamily="34" charset="0"/>
+                <a:cs typeface="Arial" panose="020B0604020202020204" pitchFamily="34" charset="0"/>
+              </a:rPr>
+              <a:t>ubcapítulo </a:t>
+            </a:r>
+            <a:r>
+              <a:rPr lang="pt-PT" sz="1600" dirty="0"/>
+              <a:t>Tratamento dos Dados</a:t>
+            </a:r>
+            <a:endParaRPr lang="en-US" sz="1600" dirty="0">
+              <a:effectLst/>
+              <a:ea typeface="Calibri" panose="020F0502020204030204" pitchFamily="34" charset="0"/>
+              <a:cs typeface="Arial" panose="020B0604020202020204" pitchFamily="34" charset="0"/>
+            </a:endParaRPr>
+          </a:p>
+        </p:txBody>
+      </p:sp>
+      <p:sp>
+        <p:nvSpPr>
+          <p:cNvPr id="5" name="TextBox 4">
+            <a:extLst>
+              <a:ext uri="{FF2B5EF4-FFF2-40B4-BE49-F238E27FC236}">
+                <a16:creationId xmlns:a16="http://schemas.microsoft.com/office/drawing/2014/main" id="{C75D6483-D220-3129-5BDF-4145481F17EA}"/>
+              </a:ext>
+            </a:extLst>
+          </p:cNvPr>
+          <p:cNvSpPr txBox="1"/>
+          <p:nvPr/>
+        </p:nvSpPr>
+        <p:spPr>
+          <a:xfrm>
+            <a:off x="7166503" y="5333504"/>
+            <a:ext cx="3968792" cy="419025"/>
+          </a:xfrm>
+          <a:prstGeom prst="rect">
+            <a:avLst/>
+          </a:prstGeom>
+          <a:noFill/>
+        </p:spPr>
+        <p:txBody>
+          <a:bodyPr wrap="square">
+            <a:spAutoFit/>
+          </a:bodyPr>
+          <a:lstStyle/>
+          <a:p>
+            <a:pPr lvl="0">
+              <a:lnSpc>
+                <a:spcPct val="150000"/>
+              </a:lnSpc>
+              <a:spcAft>
+                <a:spcPts val="1000"/>
+              </a:spcAft>
+            </a:pPr>
+            <a:r>
+              <a:rPr lang="pt-PT" sz="1600" dirty="0">
+                <a:ea typeface="Calibri" panose="020F0502020204030204" pitchFamily="34" charset="0"/>
+                <a:cs typeface="Arial" panose="020B0604020202020204" pitchFamily="34" charset="0"/>
+              </a:rPr>
+              <a:t>S</a:t>
+            </a:r>
+            <a:r>
+              <a:rPr lang="pt-PT" sz="1600" dirty="0">
+                <a:effectLst/>
+                <a:ea typeface="Calibri" panose="020F0502020204030204" pitchFamily="34" charset="0"/>
+                <a:cs typeface="Arial" panose="020B0604020202020204" pitchFamily="34" charset="0"/>
+              </a:rPr>
+              <a:t>ubcapítulo </a:t>
+            </a:r>
+            <a:r>
+              <a:rPr lang="pt-PT" sz="1600" dirty="0"/>
+              <a:t>Normalização dos Dados</a:t>
+            </a:r>
+            <a:endParaRPr lang="en-US" sz="1600" dirty="0">
+              <a:effectLst/>
+              <a:ea typeface="Calibri" panose="020F0502020204030204" pitchFamily="34" charset="0"/>
+              <a:cs typeface="Arial" panose="020B0604020202020204" pitchFamily="34" charset="0"/>
+            </a:endParaRPr>
+          </a:p>
+        </p:txBody>
+      </p:sp>
     </p:spTree>
     <p:extLst>
       <p:ext uri="{BB962C8B-B14F-4D97-AF65-F5344CB8AC3E}">
@@ -13289,6 +14102,104 @@
                                         </p:cTn>
                                         <p:tgtEl>
                                           <p:spTgt spid="3"/>
+                                        </p:tgtEl>
+                                        <p:attrNameLst>
+                                          <p:attrName>style.visibility</p:attrName>
+                                        </p:attrNameLst>
+                                      </p:cBhvr>
+                                      <p:to>
+                                        <p:strVal val="visible"/>
+                                      </p:to>
+                                    </p:set>
+                                  </p:childTnLst>
+                                </p:cTn>
+                              </p:par>
+                            </p:childTnLst>
+                          </p:cTn>
+                        </p:par>
+                      </p:childTnLst>
+                    </p:cTn>
+                  </p:par>
+                  <p:par>
+                    <p:cTn id="7" fill="hold">
+                      <p:stCondLst>
+                        <p:cond delay="indefinite"/>
+                      </p:stCondLst>
+                      <p:childTnLst>
+                        <p:par>
+                          <p:cTn id="8" fill="hold">
+                            <p:stCondLst>
+                              <p:cond delay="0"/>
+                            </p:stCondLst>
+                            <p:childTnLst>
+                              <p:par>
+                                <p:cTn id="9" presetID="1" presetClass="entr" presetSubtype="0" fill="hold" nodeType="clickEffect">
+                                  <p:stCondLst>
+                                    <p:cond delay="0"/>
+                                  </p:stCondLst>
+                                  <p:childTnLst>
+                                    <p:set>
+                                      <p:cBhvr>
+                                        <p:cTn id="10" dur="1" fill="hold">
+                                          <p:stCondLst>
+                                            <p:cond delay="0"/>
+                                          </p:stCondLst>
+                                        </p:cTn>
+                                        <p:tgtEl>
+                                          <p:spTgt spid="2">
+                                            <p:txEl>
+                                              <p:pRg st="0" end="0"/>
+                                            </p:txEl>
+                                          </p:spTgt>
+                                        </p:tgtEl>
+                                        <p:attrNameLst>
+                                          <p:attrName>style.visibility</p:attrName>
+                                        </p:attrNameLst>
+                                      </p:cBhvr>
+                                      <p:to>
+                                        <p:strVal val="visible"/>
+                                      </p:to>
+                                    </p:set>
+                                  </p:childTnLst>
+                                </p:cTn>
+                              </p:par>
+                            </p:childTnLst>
+                          </p:cTn>
+                        </p:par>
+                      </p:childTnLst>
+                    </p:cTn>
+                  </p:par>
+                  <p:par>
+                    <p:cTn id="11" fill="hold">
+                      <p:stCondLst>
+                        <p:cond delay="indefinite"/>
+                      </p:stCondLst>
+                      <p:childTnLst>
+                        <p:par>
+                          <p:cTn id="12" fill="hold">
+                            <p:stCondLst>
+                              <p:cond delay="0"/>
+                            </p:stCondLst>
+                            <p:childTnLst>
+                              <p:par>
+                                <p:cTn id="13" presetID="1" presetClass="entr" presetSubtype="0" fill="hold" nodeType="clickEffect">
+                                  <p:stCondLst>
+                                    <p:cond delay="0"/>
+                                  </p:stCondLst>
+                                  <p:childTnLst>
+                                    <p:set>
+                                      <p:cBhvr>
+                                        <p:cTn id="14" dur="1" fill="hold">
+                                          <p:stCondLst>
+                                            <p:cond delay="0"/>
+                                          </p:stCondLst>
+                                        </p:cTn>
+                                        <p:tgtEl>
+                                          <p:spTgt spid="5">
+                                            <p:txEl>
+                                              <p:pRg st="0" end="0"/>
+                                            </p:txEl>
+                                          </p:spTgt>
                                         </p:tgtEl>
                                         <p:attrNameLst>
                                           <p:attrName>style.visibility</p:attrName>
@@ -13779,6 +14690,69 @@
           </a:p>
         </p:txBody>
       </p:sp>
+      <p:sp>
+        <p:nvSpPr>
+          <p:cNvPr id="2" name="TextBox 1">
+            <a:extLst>
+              <a:ext uri="{FF2B5EF4-FFF2-40B4-BE49-F238E27FC236}">
+                <a16:creationId xmlns:a16="http://schemas.microsoft.com/office/drawing/2014/main" id="{D56B86EC-7E39-B3B2-1F01-A13C8245B2D8}"/>
+              </a:ext>
+            </a:extLst>
+          </p:cNvPr>
+          <p:cNvSpPr txBox="1"/>
+          <p:nvPr/>
+        </p:nvSpPr>
+        <p:spPr>
+          <a:xfrm rot="16200000">
+            <a:off x="801304" y="3297555"/>
+            <a:ext cx="4956736" cy="419025"/>
+          </a:xfrm>
+          <a:prstGeom prst="rect">
+            <a:avLst/>
+          </a:prstGeom>
+          <a:noFill/>
+        </p:spPr>
+        <p:txBody>
+          <a:bodyPr wrap="square">
+            <a:spAutoFit/>
+          </a:bodyPr>
+          <a:lstStyle/>
+          <a:p>
+            <a:pPr lvl="0">
+              <a:lnSpc>
+                <a:spcPct val="150000"/>
+              </a:lnSpc>
+              <a:spcAft>
+                <a:spcPts val="1000"/>
+              </a:spcAft>
+            </a:pPr>
+            <a:r>
+              <a:rPr lang="pt-PT" sz="1600" dirty="0">
+                <a:ea typeface="Calibri" panose="020F0502020204030204" pitchFamily="34" charset="0"/>
+                <a:cs typeface="Arial" panose="020B0604020202020204" pitchFamily="34" charset="0"/>
+              </a:rPr>
+              <a:t>S</a:t>
+            </a:r>
+            <a:r>
+              <a:rPr lang="pt-PT" sz="1600" dirty="0">
+                <a:effectLst/>
+                <a:ea typeface="Calibri" panose="020F0502020204030204" pitchFamily="34" charset="0"/>
+                <a:cs typeface="Arial" panose="020B0604020202020204" pitchFamily="34" charset="0"/>
+              </a:rPr>
+              <a:t>ubcapítulo </a:t>
+            </a:r>
+            <a:r>
+              <a:rPr lang="pt-PT" sz="1600" dirty="0"/>
+              <a:t>Separação dos Dados em Treino e Teste</a:t>
+            </a:r>
+            <a:endParaRPr lang="en-US" sz="1600" dirty="0">
+              <a:effectLst/>
+              <a:ea typeface="Calibri" panose="020F0502020204030204" pitchFamily="34" charset="0"/>
+              <a:cs typeface="Arial" panose="020B0604020202020204" pitchFamily="34" charset="0"/>
+            </a:endParaRPr>
+          </a:p>
+        </p:txBody>
+      </p:sp>
     </p:spTree>
     <p:extLst>
       <p:ext uri="{BB962C8B-B14F-4D97-AF65-F5344CB8AC3E}">
@@ -13789,6 +14763,85 @@
   <p:clrMapOvr>
     <a:masterClrMapping/>
   </p:clrMapOvr>
+  <p:timing>
+    <p:tnLst>
+      <p:par>
+        <p:cTn id="1" dur="indefinite" restart="never" nodeType="tmRoot">
+          <p:childTnLst>
+            <p:seq concurrent="1" nextAc="seek">
+              <p:cTn id="2" dur="indefinite" nodeType="mainSeq">
+                <p:childTnLst>
+                  <p:par>
+                    <p:cTn id="3" fill="hold">
+                      <p:stCondLst>
+                        <p:cond delay="indefinite"/>
+                      </p:stCondLst>
+                      <p:childTnLst>
+                        <p:par>
+                          <p:cTn id="4" fill="hold">
+                            <p:stCondLst>
+                              <p:cond delay="0"/>
+                            </p:stCondLst>
+                            <p:childTnLst>
+                              <p:par>
+                                <p:cTn id="5" presetID="1" presetClass="entr" presetSubtype="0" fill="hold" nodeType="clickEffect">
+                                  <p:stCondLst>
+                                    <p:cond delay="0"/>
+                                  </p:stCondLst>
+                                  <p:childTnLst>
+                                    <p:set>
+                                      <p:cBhvr>
+                                        <p:cTn id="6" dur="1" fill="hold">
+                                          <p:stCondLst>
+                                            <p:cond delay="0"/>
+                                          </p:stCondLst>
+                                        </p:cTn>
+                                        <p:tgtEl>
+                                          <p:spTgt spid="2">
+                                            <p:txEl>
+                                              <p:pRg st="0" end="0"/>
+                                            </p:txEl>
+                                          </p:spTgt>
+                                        </p:tgtEl>
+                                        <p:attrNameLst>
+                                          <p:attrName>style.visibility</p:attrName>
+                                        </p:attrNameLst>
+                                      </p:cBhvr>
+                                      <p:to>
+                                        <p:strVal val="visible"/>
+                                      </p:to>
+                                    </p:set>
+                                  </p:childTnLst>
+                                </p:cTn>
+                              </p:par>
+                            </p:childTnLst>
+                          </p:cTn>
+                        </p:par>
+                      </p:childTnLst>
+                    </p:cTn>
+                  </p:par>
+                </p:childTnLst>
+              </p:cTn>
+              <p:prevCondLst>
+                <p:cond evt="onPrev" delay="0">
+                  <p:tgtEl>
+                    <p:sldTgt/>
+                  </p:tgtEl>
+                </p:cond>
+              </p:prevCondLst>
+              <p:nextCondLst>
+                <p:cond evt="onNext" delay="0">
+                  <p:tgtEl>
+                    <p:sldTgt/>
+                  </p:tgtEl>
+                </p:cond>
+              </p:nextCondLst>
+            </p:seq>
+          </p:childTnLst>
+        </p:cTn>
+      </p:par>
+    </p:tnLst>
+  </p:timing>
 </p:sld>
 </file>
 
@@ -14530,6 +15583,219 @@
               <a:rPr lang="pt-PT" i="1" dirty="0"/>
               <a:t>Primeira Abordagem - Modelos</a:t>
             </a:r>
+          </a:p>
+        </p:txBody>
+      </p:sp>
+      <p:sp>
+        <p:nvSpPr>
+          <p:cNvPr id="3" name="TextBox 2">
+            <a:extLst>
+              <a:ext uri="{FF2B5EF4-FFF2-40B4-BE49-F238E27FC236}">
+                <a16:creationId xmlns:a16="http://schemas.microsoft.com/office/drawing/2014/main" id="{CAEBF7AD-BC82-EA61-A2B4-B61E33F82E61}"/>
+              </a:ext>
+            </a:extLst>
+          </p:cNvPr>
+          <p:cNvSpPr txBox="1"/>
+          <p:nvPr/>
+        </p:nvSpPr>
+        <p:spPr>
+          <a:xfrm rot="16200000">
+            <a:off x="-974732" y="3146383"/>
+            <a:ext cx="4575338" cy="419025"/>
+          </a:xfrm>
+          <a:prstGeom prst="rect">
+            <a:avLst/>
+          </a:prstGeom>
+          <a:noFill/>
+        </p:spPr>
+        <p:txBody>
+          <a:bodyPr wrap="square">
+            <a:spAutoFit/>
+          </a:bodyPr>
+          <a:lstStyle/>
+          <a:p>
+            <a:pPr lvl="0">
+              <a:lnSpc>
+                <a:spcPct val="150000"/>
+              </a:lnSpc>
+              <a:spcAft>
+                <a:spcPts val="1000"/>
+              </a:spcAft>
+            </a:pPr>
+            <a:r>
+              <a:rPr lang="pt-PT" sz="1600" dirty="0">
+                <a:ea typeface="Calibri" panose="020F0502020204030204" pitchFamily="34" charset="0"/>
+                <a:cs typeface="Arial" panose="020B0604020202020204" pitchFamily="34" charset="0"/>
+              </a:rPr>
+              <a:t>S</a:t>
+            </a:r>
+            <a:r>
+              <a:rPr lang="pt-PT" sz="1600" dirty="0">
+                <a:effectLst/>
+                <a:ea typeface="Calibri" panose="020F0502020204030204" pitchFamily="34" charset="0"/>
+                <a:cs typeface="Arial" panose="020B0604020202020204" pitchFamily="34" charset="0"/>
+              </a:rPr>
+              <a:t>ubcapítulo </a:t>
+            </a:r>
+            <a:r>
+              <a:rPr lang="pt-PT" sz="1600" dirty="0"/>
+              <a:t>Modelos – </a:t>
+            </a:r>
+            <a:r>
+              <a:rPr lang="pt-PT" sz="1600" dirty="0" err="1"/>
+              <a:t>Stacked</a:t>
+            </a:r>
+            <a:r>
+              <a:rPr lang="pt-PT" sz="1600" dirty="0"/>
+              <a:t> LSTM</a:t>
+            </a:r>
+            <a:endParaRPr lang="en-US" sz="1600" dirty="0">
+              <a:effectLst/>
+              <a:ea typeface="Calibri" panose="020F0502020204030204" pitchFamily="34" charset="0"/>
+              <a:cs typeface="Arial" panose="020B0604020202020204" pitchFamily="34" charset="0"/>
+            </a:endParaRPr>
+          </a:p>
+        </p:txBody>
+      </p:sp>
+      <p:sp>
+        <p:nvSpPr>
+          <p:cNvPr id="7" name="TextBox 6">
+            <a:extLst>
+              <a:ext uri="{FF2B5EF4-FFF2-40B4-BE49-F238E27FC236}">
+                <a16:creationId xmlns:a16="http://schemas.microsoft.com/office/drawing/2014/main" id="{FA2860F8-A50A-FD9A-7F3C-0A53B0D534D4}"/>
+              </a:ext>
+            </a:extLst>
+          </p:cNvPr>
+          <p:cNvSpPr txBox="1"/>
+          <p:nvPr/>
+        </p:nvSpPr>
+        <p:spPr>
+          <a:xfrm rot="16200000">
+            <a:off x="2898788" y="3113810"/>
+            <a:ext cx="4575338" cy="419025"/>
+          </a:xfrm>
+          <a:prstGeom prst="rect">
+            <a:avLst/>
+          </a:prstGeom>
+          <a:noFill/>
+        </p:spPr>
+        <p:txBody>
+          <a:bodyPr wrap="square">
+            <a:spAutoFit/>
+          </a:bodyPr>
+          <a:lstStyle/>
+          <a:p>
+            <a:pPr lvl="0">
+              <a:lnSpc>
+                <a:spcPct val="150000"/>
+              </a:lnSpc>
+              <a:spcAft>
+                <a:spcPts val="1000"/>
+              </a:spcAft>
+            </a:pPr>
+            <a:r>
+              <a:rPr lang="pt-PT" sz="1600" dirty="0">
+                <a:ea typeface="Calibri" panose="020F0502020204030204" pitchFamily="34" charset="0"/>
+                <a:cs typeface="Arial" panose="020B0604020202020204" pitchFamily="34" charset="0"/>
+              </a:rPr>
+              <a:t>S</a:t>
+            </a:r>
+            <a:r>
+              <a:rPr lang="pt-PT" sz="1600" dirty="0">
+                <a:effectLst/>
+                <a:ea typeface="Calibri" panose="020F0502020204030204" pitchFamily="34" charset="0"/>
+                <a:cs typeface="Arial" panose="020B0604020202020204" pitchFamily="34" charset="0"/>
+              </a:rPr>
+              <a:t>ubcapítulo </a:t>
+            </a:r>
+            <a:r>
+              <a:rPr lang="pt-PT" sz="1600" dirty="0"/>
+              <a:t>Modelos – </a:t>
+            </a:r>
+            <a:r>
+              <a:rPr lang="pt-PT" sz="1600" dirty="0" err="1"/>
+              <a:t>Bidirectional</a:t>
+            </a:r>
+            <a:r>
+              <a:rPr lang="pt-PT" sz="1600" dirty="0"/>
+              <a:t> LSTM</a:t>
+            </a:r>
+            <a:endParaRPr lang="en-US" sz="1600" dirty="0">
+              <a:effectLst/>
+              <a:ea typeface="Calibri" panose="020F0502020204030204" pitchFamily="34" charset="0"/>
+              <a:cs typeface="Arial" panose="020B0604020202020204" pitchFamily="34" charset="0"/>
+            </a:endParaRPr>
+          </a:p>
+        </p:txBody>
+      </p:sp>
+      <p:sp>
+        <p:nvSpPr>
+          <p:cNvPr id="8" name="TextBox 7">
+            <a:extLst>
+              <a:ext uri="{FF2B5EF4-FFF2-40B4-BE49-F238E27FC236}">
+                <a16:creationId xmlns:a16="http://schemas.microsoft.com/office/drawing/2014/main" id="{3EAC486F-3A1E-1CA9-2701-0E1CED8DEF35}"/>
+              </a:ext>
+            </a:extLst>
+          </p:cNvPr>
+          <p:cNvSpPr txBox="1"/>
+          <p:nvPr/>
+        </p:nvSpPr>
+        <p:spPr>
+          <a:xfrm rot="16200000">
+            <a:off x="5728529" y="3115830"/>
+            <a:ext cx="4575338" cy="419025"/>
+          </a:xfrm>
+          <a:prstGeom prst="rect">
+            <a:avLst/>
+          </a:prstGeom>
+          <a:noFill/>
+        </p:spPr>
+        <p:txBody>
+          <a:bodyPr wrap="square">
+            <a:spAutoFit/>
+          </a:bodyPr>
+          <a:lstStyle/>
+          <a:p>
+            <a:pPr lvl="0">
+              <a:lnSpc>
+                <a:spcPct val="150000"/>
+              </a:lnSpc>
+              <a:spcAft>
+                <a:spcPts val="1000"/>
+              </a:spcAft>
+            </a:pPr>
+            <a:r>
+              <a:rPr lang="pt-PT" sz="1600" dirty="0">
+                <a:ea typeface="Calibri" panose="020F0502020204030204" pitchFamily="34" charset="0"/>
+                <a:cs typeface="Arial" panose="020B0604020202020204" pitchFamily="34" charset="0"/>
+              </a:rPr>
+              <a:t>S</a:t>
+            </a:r>
+            <a:r>
+              <a:rPr lang="pt-PT" sz="1600" dirty="0">
+                <a:effectLst/>
+                <a:ea typeface="Calibri" panose="020F0502020204030204" pitchFamily="34" charset="0"/>
+                <a:cs typeface="Arial" panose="020B0604020202020204" pitchFamily="34" charset="0"/>
+              </a:rPr>
+              <a:t>ubcapítulo </a:t>
+            </a:r>
+            <a:r>
+              <a:rPr lang="pt-PT" sz="1600" dirty="0"/>
+              <a:t>Modelos – </a:t>
+            </a:r>
+            <a:r>
+              <a:rPr lang="pt-PT" sz="1600" dirty="0" err="1"/>
+              <a:t>Convolutional</a:t>
+            </a:r>
+            <a:r>
+              <a:rPr lang="pt-PT" sz="1600" dirty="0"/>
+              <a:t> LSTM</a:t>
+            </a:r>
+            <a:endParaRPr lang="en-US" sz="1600" dirty="0">
+              <a:effectLst/>
+              <a:ea typeface="Calibri" panose="020F0502020204030204" pitchFamily="34" charset="0"/>
+              <a:cs typeface="Arial" panose="020B0604020202020204" pitchFamily="34" charset="0"/>
+            </a:endParaRPr>
           </a:p>
         </p:txBody>
       </p:sp>
@@ -14803,6 +16069,153 @@
                                         </p:cTn>
                                         <p:tgtEl>
                                           <p:spTgt spid="6"/>
+                                        </p:tgtEl>
+                                        <p:attrNameLst>
+                                          <p:attrName>style.visibility</p:attrName>
+                                        </p:attrNameLst>
+                                      </p:cBhvr>
+                                      <p:to>
+                                        <p:strVal val="visible"/>
+                                      </p:to>
+                                    </p:set>
+                                  </p:childTnLst>
+                                </p:cTn>
+                              </p:par>
+                            </p:childTnLst>
+                          </p:cTn>
+                        </p:par>
+                      </p:childTnLst>
+                    </p:cTn>
+                  </p:par>
+                  <p:par>
+                    <p:cTn id="27" fill="hold">
+                      <p:stCondLst>
+                        <p:cond delay="indefinite"/>
+                      </p:stCondLst>
+                      <p:childTnLst>
+                        <p:par>
+                          <p:cTn id="28" fill="hold">
+                            <p:stCondLst>
+                              <p:cond delay="0"/>
+                            </p:stCondLst>
+                            <p:childTnLst>
+                              <p:par>
+                                <p:cTn id="29" presetID="1" presetClass="entr" presetSubtype="0" fill="hold" nodeType="clickEffect">
+                                  <p:stCondLst>
+                                    <p:cond delay="0"/>
+                                  </p:stCondLst>
+                                  <p:childTnLst>
+                                    <p:set>
+                                      <p:cBhvr>
+                                        <p:cTn id="30" dur="1" fill="hold">
+                                          <p:stCondLst>
+                                            <p:cond delay="0"/>
+                                          </p:stCondLst>
+                                        </p:cTn>
+                                        <p:tgtEl>
+                                          <p:spTgt spid="3">
+                                            <p:txEl>
+                                              <p:pRg st="0" end="0"/>
+                                            </p:txEl>
+                                          </p:spTgt>
+                                        </p:tgtEl>
+                                        <p:attrNameLst>
+                                          <p:attrName>style.visibility</p:attrName>
+                                        </p:attrNameLst>
+                                      </p:cBhvr>
+                                      <p:to>
+                                        <p:strVal val="visible"/>
+                                      </p:to>
+                                    </p:set>
+                                  </p:childTnLst>
+                                </p:cTn>
+                              </p:par>
+                            </p:childTnLst>
+                          </p:cTn>
+                        </p:par>
+                      </p:childTnLst>
+                    </p:cTn>
+                  </p:par>
+                  <p:par>
+                    <p:cTn id="31" fill="hold">
+                      <p:stCondLst>
+                        <p:cond delay="indefinite"/>
+                      </p:stCondLst>
+                      <p:childTnLst>
+                        <p:par>
+                          <p:cTn id="32" fill="hold">
+                            <p:stCondLst>
+                              <p:cond delay="0"/>
+                            </p:stCondLst>
+                            <p:childTnLst>
+                              <p:par>
+                                <p:cTn id="33" presetID="1" presetClass="entr" presetSubtype="0" fill="hold" nodeType="clickEffect">
+                                  <p:stCondLst>
+                                    <p:cond delay="0"/>
+                                  </p:stCondLst>
+                                  <p:childTnLst>
+                                    <p:set>
+                                      <p:cBhvr>
+                                        <p:cTn id="34" dur="1" fill="hold">
+                                          <p:stCondLst>
+                                            <p:cond delay="0"/>
+                                          </p:stCondLst>
+                                        </p:cTn>
+                                        <p:tgtEl>
+                                          <p:spTgt spid="7">
+                                            <p:txEl>
+                                              <p:pRg st="0" end="0"/>
+                                            </p:txEl>
+                                          </p:spTgt>
+                                        </p:tgtEl>
+                                        <p:attrNameLst>
+                                          <p:attrName>style.visibility</p:attrName>
+                                        </p:attrNameLst>
+                                      </p:cBhvr>
+                                      <p:to>
+                                        <p:strVal val="visible"/>
+                                      </p:to>
+                                    </p:set>
+                                  </p:childTnLst>
+                                </p:cTn>
+                              </p:par>
+                            </p:childTnLst>
+                          </p:cTn>
+                        </p:par>
+                      </p:childTnLst>
+                    </p:cTn>
+                  </p:par>
+                  <p:par>
+                    <p:cTn id="35" fill="hold">
+                      <p:stCondLst>
+                        <p:cond delay="indefinite"/>
+                      </p:stCondLst>
+                      <p:childTnLst>
+                        <p:par>
+                          <p:cTn id="36" fill="hold">
+                            <p:stCondLst>
+                              <p:cond delay="0"/>
+                            </p:stCondLst>
+                            <p:childTnLst>
+                              <p:par>
+                                <p:cTn id="37" presetID="1" presetClass="entr" presetSubtype="0" fill="hold" nodeType="clickEffect">
+                                  <p:stCondLst>
+                                    <p:cond delay="0"/>
+                                  </p:stCondLst>
+                                  <p:childTnLst>
+                                    <p:set>
+                                      <p:cBhvr>
+                                        <p:cTn id="38" dur="1" fill="hold">
+                                          <p:stCondLst>
+                                            <p:cond delay="0"/>
+                                          </p:stCondLst>
+                                        </p:cTn>
+                                        <p:tgtEl>
+                                          <p:spTgt spid="8">
+                                            <p:txEl>
+                                              <p:pRg st="0" end="0"/>
+                                            </p:txEl>
+                                          </p:spTgt>
                                         </p:tgtEl>
                                         <p:attrNameLst>
                                           <p:attrName>style.visibility</p:attrName>
@@ -32397,21 +33810,21 @@
 </file>
 
 <file path=customXml/item2.xml><?xml version="1.0" encoding="utf-8"?>
+<?mso-contentType ?>
+<FormTemplates xmlns="http://schemas.microsoft.com/sharepoint/v3/contenttype/forms">
+  <Display>DocumentLibraryForm</Display>
+  <Edit>DocumentLibraryForm</Edit>
+  <New>DocumentLibraryForm</New>
+</FormTemplates>
+</file>
+
+<file path=customXml/item3.xml><?xml version="1.0" encoding="utf-8"?>
 <p:properties xmlns:p="http://schemas.microsoft.com/office/2006/metadata/properties" xmlns:xsi="http://www.w3.org/2001/XMLSchema-instance" xmlns:pc="http://schemas.microsoft.com/office/infopath/2007/PartnerControls">
   <documentManagement>
     <MediaServiceKeyPoints xmlns="49ea7286-31dc-4857-8ba0-9dd5131121ba" xsi:nil="true"/>
     <_activity xmlns="49ea7286-31dc-4857-8ba0-9dd5131121ba" xsi:nil="true"/>
   </documentManagement>
 </p:properties>
-</file>
-
-<file path=customXml/item3.xml><?xml version="1.0" encoding="utf-8"?>
-<?mso-contentType ?>
-<FormTemplates xmlns="http://schemas.microsoft.com/sharepoint/v3/contenttype/forms">
-  <Display>DocumentLibraryForm</Display>
-  <Edit>DocumentLibraryForm</Edit>
-  <New>DocumentLibraryForm</New>
-</FormTemplates>
 </file>
 
 <file path=customXml/itemProps1.xml><?xml version="1.0" encoding="utf-8"?>
@@ -32434,6 +33847,14 @@
 </file>
 
 <file path=customXml/itemProps2.xml><?xml version="1.0" encoding="utf-8"?>
+<ds:datastoreItem xmlns:ds="http://schemas.openxmlformats.org/officeDocument/2006/customXml" ds:itemID="{A98CD342-50C4-441F-B4A3-7D5ADB057132}">
+  <ds:schemaRefs>
+    <ds:schemaRef ds:uri="http://schemas.microsoft.com/sharepoint/v3/contenttype/forms"/>
+  </ds:schemaRefs>
+</ds:datastoreItem>
+</file>
+
+<file path=customXml/itemProps3.xml><?xml version="1.0" encoding="utf-8"?>
 <ds:datastoreItem xmlns:ds="http://schemas.openxmlformats.org/officeDocument/2006/customXml" ds:itemID="{CBDD27D0-5B6E-4A0E-95B2-BB37F9D88615}">
   <ds:schemaRefs>
     <ds:schemaRef ds:uri="http://purl.org/dc/dcmitype/"/>
@@ -32450,14 +33871,6 @@
 </ds:datastoreItem>
 </file>
 
-<file path=customXml/itemProps3.xml><?xml version="1.0" encoding="utf-8"?>
-<ds:datastoreItem xmlns:ds="http://schemas.openxmlformats.org/officeDocument/2006/customXml" ds:itemID="{A98CD342-50C4-441F-B4A3-7D5ADB057132}">
-  <ds:schemaRefs>
-    <ds:schemaRef ds:uri="http://schemas.microsoft.com/sharepoint/v3/contenttype/forms"/>
-  </ds:schemaRefs>
-</ds:datastoreItem>
-</file>
-
 <file path=docMetadata/LabelInfo.xml><?xml version="1.0" encoding="utf-8"?>
 <clbl:labelList xmlns:clbl="http://schemas.microsoft.com/office/2020/mipLabelMetadata"/>
 </file>
--- a/ProjInf_AI_Driving_Classification.pptx
+++ b/ProjInf_AI_Driving_Classification.pptx
@@ -5,10 +5,10 @@
     <p:sldMasterId id="2147483648" r:id="rId4"/>
   </p:sldMasterIdLst>
   <p:notesMasterIdLst>
-    <p:notesMasterId r:id="rId34"/>
+    <p:notesMasterId r:id="rId35"/>
   </p:notesMasterIdLst>
   <p:handoutMasterIdLst>
-    <p:handoutMasterId r:id="rId35"/>
+    <p:handoutMasterId r:id="rId36"/>
   </p:handoutMasterIdLst>
   <p:sldIdLst>
     <p:sldId id="322" r:id="rId5"/>
@@ -27,19 +27,20 @@
     <p:sldId id="373" r:id="rId18"/>
     <p:sldId id="387" r:id="rId19"/>
     <p:sldId id="388" r:id="rId20"/>
-    <p:sldId id="384" r:id="rId21"/>
-    <p:sldId id="385" r:id="rId22"/>
-    <p:sldId id="377" r:id="rId23"/>
-    <p:sldId id="374" r:id="rId24"/>
-    <p:sldId id="375" r:id="rId25"/>
-    <p:sldId id="378" r:id="rId26"/>
-    <p:sldId id="381" r:id="rId27"/>
-    <p:sldId id="380" r:id="rId28"/>
-    <p:sldId id="382" r:id="rId29"/>
-    <p:sldId id="368" r:id="rId30"/>
-    <p:sldId id="366" r:id="rId31"/>
-    <p:sldId id="364" r:id="rId32"/>
-    <p:sldId id="379" r:id="rId33"/>
+    <p:sldId id="389" r:id="rId21"/>
+    <p:sldId id="384" r:id="rId22"/>
+    <p:sldId id="385" r:id="rId23"/>
+    <p:sldId id="377" r:id="rId24"/>
+    <p:sldId id="374" r:id="rId25"/>
+    <p:sldId id="375" r:id="rId26"/>
+    <p:sldId id="378" r:id="rId27"/>
+    <p:sldId id="381" r:id="rId28"/>
+    <p:sldId id="380" r:id="rId29"/>
+    <p:sldId id="382" r:id="rId30"/>
+    <p:sldId id="368" r:id="rId31"/>
+    <p:sldId id="366" r:id="rId32"/>
+    <p:sldId id="364" r:id="rId33"/>
+    <p:sldId id="379" r:id="rId34"/>
   </p:sldIdLst>
   <p:sldSz cx="12192000" cy="6858000"/>
   <p:notesSz cx="10234613" cy="7104063"/>
@@ -4198,110 +4199,7 @@
           <a:bodyPr/>
           <a:lstStyle/>
           <a:p>
-            <a:r>
-              <a:rPr lang="pt-PT" sz="2800" b="1" dirty="0" err="1"/>
-              <a:t>Accuracy</a:t>
-            </a:r>
-            <a:r>
-              <a:rPr lang="pt-PT" sz="2800" b="1" dirty="0"/>
-              <a:t> (Exatidão):</a:t>
-            </a:r>
-            <a:r>
-              <a:rPr lang="pt-PT" sz="2800" dirty="0"/>
-              <a:t> Mede a proporção de previsões corretas em relação ao total de previsões.</a:t>
-            </a:r>
-            <a:br>
-              <a:rPr lang="pt-PT" sz="2800" dirty="0"/>
-            </a:br>
-            <a:br>
-              <a:rPr lang="pt-PT" sz="2800" dirty="0"/>
-            </a:br>
-            <a:r>
-              <a:rPr lang="pt-PT" b="1" dirty="0" err="1"/>
-              <a:t>Precision</a:t>
-            </a:r>
-            <a:r>
-              <a:rPr lang="pt-PT" b="1" dirty="0"/>
-              <a:t> (Precisão):</a:t>
-            </a:r>
-            <a:r>
-              <a:rPr lang="pt-PT" dirty="0"/>
-              <a:t> Mede a proporção de verdadeiros positivos entre todas as instâncias classificadas como positivas. </a:t>
-            </a:r>
-          </a:p>
-          <a:p>
             <a:endParaRPr lang="pt-PT" dirty="0"/>
-          </a:p>
-          <a:p>
-            <a:r>
-              <a:rPr lang="pt-PT" b="1" dirty="0"/>
-              <a:t>F1 Score:</a:t>
-            </a:r>
-            <a:r>
-              <a:rPr lang="pt-PT" dirty="0"/>
-              <a:t> Média harmônica entre precisão e </a:t>
-            </a:r>
-            <a:r>
-              <a:rPr lang="pt-PT" dirty="0" err="1"/>
-              <a:t>recall</a:t>
-            </a:r>
-            <a:r>
-              <a:rPr lang="pt-PT" dirty="0"/>
-              <a:t>, útil quando há um equilíbrio entre as duas métricas.</a:t>
-            </a:r>
-          </a:p>
-          <a:p>
-            <a:endParaRPr lang="pt-PT" dirty="0"/>
-          </a:p>
-          <a:p>
-            <a:r>
-              <a:rPr lang="pt-PT" b="1" dirty="0" err="1"/>
-              <a:t>Recall</a:t>
-            </a:r>
-            <a:r>
-              <a:rPr lang="pt-PT" b="1" dirty="0"/>
-              <a:t> (Sensibilidade):</a:t>
-            </a:r>
-            <a:r>
-              <a:rPr lang="pt-PT" dirty="0"/>
-              <a:t> Mede a proporção de verdadeiros positivos entre todas as instâncias que são realmente positivas.</a:t>
-            </a:r>
-          </a:p>
-          <a:p>
-            <a:endParaRPr lang="pt-PT" dirty="0"/>
-          </a:p>
-          <a:p>
-            <a:r>
-              <a:rPr lang="en-US" sz="2800" b="1" dirty="0"/>
-              <a:t>Hamming Loss: </a:t>
-            </a:r>
-            <a:r>
-              <a:rPr lang="pt-PT" sz="1800" dirty="0">
-                <a:effectLst/>
-                <a:latin typeface="Times New Roman" panose="02020603050405020304" pitchFamily="18" charset="0"/>
-                <a:ea typeface="Calibri" panose="020F0502020204030204" pitchFamily="34" charset="0"/>
-                <a:cs typeface="Arial" panose="020B0604020202020204" pitchFamily="34" charset="0"/>
-              </a:rPr>
-              <a:t>mede a taxa de predições incorretas, onde cada predição incorreta conta igualmente.</a:t>
-            </a:r>
-            <a:endParaRPr lang="pt-PT" dirty="0"/>
-          </a:p>
-          <a:p>
-            <a:endParaRPr lang="pt-PT" dirty="0"/>
-          </a:p>
-          <a:p>
-            <a:r>
-              <a:rPr lang="pt-PT" b="1" dirty="0" err="1"/>
-              <a:t>Jaccard</a:t>
-            </a:r>
-            <a:r>
-              <a:rPr lang="pt-PT" b="1" dirty="0"/>
-              <a:t> Score:</a:t>
-            </a:r>
-            <a:r>
-              <a:rPr lang="pt-PT" dirty="0"/>
-              <a:t> Mede a similaridade entre os rótulos preditos e os verdadeiros.</a:t>
-            </a:r>
           </a:p>
         </p:txBody>
       </p:sp>
@@ -4331,7 +4229,7 @@
     </p:spTree>
     <p:extLst>
       <p:ext uri="{BB962C8B-B14F-4D97-AF65-F5344CB8AC3E}">
-        <p14:creationId xmlns:p14="http://schemas.microsoft.com/office/powerpoint/2010/main" val="2871996551"/>
+        <p14:creationId xmlns:p14="http://schemas.microsoft.com/office/powerpoint/2010/main" val="2192743149"/>
       </p:ext>
     </p:extLst>
   </p:cSld>
@@ -4385,7 +4283,110 @@
           <a:bodyPr/>
           <a:lstStyle/>
           <a:p>
+            <a:r>
+              <a:rPr lang="pt-PT" sz="2800" b="1" dirty="0" err="1"/>
+              <a:t>Accuracy</a:t>
+            </a:r>
+            <a:r>
+              <a:rPr lang="pt-PT" sz="2800" b="1" dirty="0"/>
+              <a:t> (Exatidão):</a:t>
+            </a:r>
+            <a:r>
+              <a:rPr lang="pt-PT" sz="2800" dirty="0"/>
+              <a:t> Mede a proporção de previsões corretas em relação ao total de previsões.</a:t>
+            </a:r>
+            <a:br>
+              <a:rPr lang="pt-PT" sz="2800" dirty="0"/>
+            </a:br>
+            <a:br>
+              <a:rPr lang="pt-PT" sz="2800" dirty="0"/>
+            </a:br>
+            <a:r>
+              <a:rPr lang="pt-PT" b="1" dirty="0" err="1"/>
+              <a:t>Precision</a:t>
+            </a:r>
+            <a:r>
+              <a:rPr lang="pt-PT" b="1" dirty="0"/>
+              <a:t> (Precisão):</a:t>
+            </a:r>
+            <a:r>
+              <a:rPr lang="pt-PT" dirty="0"/>
+              <a:t> Mede a proporção de verdadeiros positivos entre todas as instâncias classificadas como positivas. </a:t>
+            </a:r>
+          </a:p>
+          <a:p>
             <a:endParaRPr lang="pt-PT" dirty="0"/>
+          </a:p>
+          <a:p>
+            <a:r>
+              <a:rPr lang="pt-PT" b="1" dirty="0"/>
+              <a:t>F1 Score:</a:t>
+            </a:r>
+            <a:r>
+              <a:rPr lang="pt-PT" dirty="0"/>
+              <a:t> Média harmônica entre precisão e </a:t>
+            </a:r>
+            <a:r>
+              <a:rPr lang="pt-PT" dirty="0" err="1"/>
+              <a:t>recall</a:t>
+            </a:r>
+            <a:r>
+              <a:rPr lang="pt-PT" dirty="0"/>
+              <a:t>, útil quando há um equilíbrio entre as duas métricas.</a:t>
+            </a:r>
+          </a:p>
+          <a:p>
+            <a:endParaRPr lang="pt-PT" dirty="0"/>
+          </a:p>
+          <a:p>
+            <a:r>
+              <a:rPr lang="pt-PT" b="1" dirty="0" err="1"/>
+              <a:t>Recall</a:t>
+            </a:r>
+            <a:r>
+              <a:rPr lang="pt-PT" b="1" dirty="0"/>
+              <a:t> (Sensibilidade):</a:t>
+            </a:r>
+            <a:r>
+              <a:rPr lang="pt-PT" dirty="0"/>
+              <a:t> Mede a proporção de verdadeiros positivos entre todas as instâncias que são realmente positivas.</a:t>
+            </a:r>
+          </a:p>
+          <a:p>
+            <a:endParaRPr lang="pt-PT" dirty="0"/>
+          </a:p>
+          <a:p>
+            <a:r>
+              <a:rPr lang="en-US" sz="2800" b="1" dirty="0"/>
+              <a:t>Hamming Loss: </a:t>
+            </a:r>
+            <a:r>
+              <a:rPr lang="pt-PT" sz="1800" dirty="0">
+                <a:effectLst/>
+                <a:latin typeface="Times New Roman" panose="02020603050405020304" pitchFamily="18" charset="0"/>
+                <a:ea typeface="Calibri" panose="020F0502020204030204" pitchFamily="34" charset="0"/>
+                <a:cs typeface="Arial" panose="020B0604020202020204" pitchFamily="34" charset="0"/>
+              </a:rPr>
+              <a:t>mede a taxa de predições incorretas, onde cada predição incorreta conta igualmente.</a:t>
+            </a:r>
+            <a:endParaRPr lang="pt-PT" dirty="0"/>
+          </a:p>
+          <a:p>
+            <a:endParaRPr lang="pt-PT" dirty="0"/>
+          </a:p>
+          <a:p>
+            <a:r>
+              <a:rPr lang="pt-PT" b="1" dirty="0" err="1"/>
+              <a:t>Jaccard</a:t>
+            </a:r>
+            <a:r>
+              <a:rPr lang="pt-PT" b="1" dirty="0"/>
+              <a:t> Score:</a:t>
+            </a:r>
+            <a:r>
+              <a:rPr lang="pt-PT" dirty="0"/>
+              <a:t> Mede a similaridade entre os rótulos preditos e os verdadeiros.</a:t>
+            </a:r>
           </a:p>
         </p:txBody>
       </p:sp>
@@ -4415,7 +4416,7 @@
     </p:spTree>
     <p:extLst>
       <p:ext uri="{BB962C8B-B14F-4D97-AF65-F5344CB8AC3E}">
-        <p14:creationId xmlns:p14="http://schemas.microsoft.com/office/powerpoint/2010/main" val="2757855334"/>
+        <p14:creationId xmlns:p14="http://schemas.microsoft.com/office/powerpoint/2010/main" val="2871996551"/>
       </p:ext>
     </p:extLst>
   </p:cSld>
@@ -4490,7 +4491,7 @@
           <a:p>
             <a:fld id="{C37D7554-D10C-4E29-B8E6-BB7111FA614F}" type="slidenum">
               <a:rPr lang="en-US" smtClean="0"/>
-              <a:t>20</a:t>
+              <a:t>19</a:t>
             </a:fld>
             <a:endParaRPr lang="en-US" dirty="0"/>
           </a:p>
@@ -4499,7 +4500,7 @@
     </p:spTree>
     <p:extLst>
       <p:ext uri="{BB962C8B-B14F-4D97-AF65-F5344CB8AC3E}">
-        <p14:creationId xmlns:p14="http://schemas.microsoft.com/office/powerpoint/2010/main" val="675078099"/>
+        <p14:creationId xmlns:p14="http://schemas.microsoft.com/office/powerpoint/2010/main" val="2757855334"/>
       </p:ext>
     </p:extLst>
   </p:cSld>
@@ -4583,7 +4584,7 @@
     </p:spTree>
     <p:extLst>
       <p:ext uri="{BB962C8B-B14F-4D97-AF65-F5344CB8AC3E}">
-        <p14:creationId xmlns:p14="http://schemas.microsoft.com/office/powerpoint/2010/main" val="4062580475"/>
+        <p14:creationId xmlns:p14="http://schemas.microsoft.com/office/powerpoint/2010/main" val="675078099"/>
       </p:ext>
     </p:extLst>
   </p:cSld>
@@ -4751,7 +4752,7 @@
     </p:spTree>
     <p:extLst>
       <p:ext uri="{BB962C8B-B14F-4D97-AF65-F5344CB8AC3E}">
-        <p14:creationId xmlns:p14="http://schemas.microsoft.com/office/powerpoint/2010/main" val="1151261032"/>
+        <p14:creationId xmlns:p14="http://schemas.microsoft.com/office/powerpoint/2010/main" val="4062580475"/>
       </p:ext>
     </p:extLst>
   </p:cSld>
@@ -4835,7 +4836,7 @@
     </p:spTree>
     <p:extLst>
       <p:ext uri="{BB962C8B-B14F-4D97-AF65-F5344CB8AC3E}">
-        <p14:creationId xmlns:p14="http://schemas.microsoft.com/office/powerpoint/2010/main" val="3529110111"/>
+        <p14:creationId xmlns:p14="http://schemas.microsoft.com/office/powerpoint/2010/main" val="1151261032"/>
       </p:ext>
     </p:extLst>
   </p:cSld>
@@ -4919,7 +4920,7 @@
     </p:spTree>
     <p:extLst>
       <p:ext uri="{BB962C8B-B14F-4D97-AF65-F5344CB8AC3E}">
-        <p14:creationId xmlns:p14="http://schemas.microsoft.com/office/powerpoint/2010/main" val="991919543"/>
+        <p14:creationId xmlns:p14="http://schemas.microsoft.com/office/powerpoint/2010/main" val="3529110111"/>
       </p:ext>
     </p:extLst>
   </p:cSld>
@@ -5003,7 +5004,7 @@
     </p:spTree>
     <p:extLst>
       <p:ext uri="{BB962C8B-B14F-4D97-AF65-F5344CB8AC3E}">
-        <p14:creationId xmlns:p14="http://schemas.microsoft.com/office/powerpoint/2010/main" val="12357622"/>
+        <p14:creationId xmlns:p14="http://schemas.microsoft.com/office/powerpoint/2010/main" val="991919543"/>
       </p:ext>
     </p:extLst>
   </p:cSld>
@@ -5087,7 +5088,7 @@
     </p:spTree>
     <p:extLst>
       <p:ext uri="{BB962C8B-B14F-4D97-AF65-F5344CB8AC3E}">
-        <p14:creationId xmlns:p14="http://schemas.microsoft.com/office/powerpoint/2010/main" val="4042850870"/>
+        <p14:creationId xmlns:p14="http://schemas.microsoft.com/office/powerpoint/2010/main" val="12357622"/>
       </p:ext>
     </p:extLst>
   </p:cSld>
@@ -5171,7 +5172,7 @@
     </p:spTree>
     <p:extLst>
       <p:ext uri="{BB962C8B-B14F-4D97-AF65-F5344CB8AC3E}">
-        <p14:creationId xmlns:p14="http://schemas.microsoft.com/office/powerpoint/2010/main" val="1791866160"/>
+        <p14:creationId xmlns:p14="http://schemas.microsoft.com/office/powerpoint/2010/main" val="4042850870"/>
       </p:ext>
     </p:extLst>
   </p:cSld>
@@ -5255,7 +5256,7 @@
     </p:spTree>
     <p:extLst>
       <p:ext uri="{BB962C8B-B14F-4D97-AF65-F5344CB8AC3E}">
-        <p14:creationId xmlns:p14="http://schemas.microsoft.com/office/powerpoint/2010/main" val="4039535867"/>
+        <p14:creationId xmlns:p14="http://schemas.microsoft.com/office/powerpoint/2010/main" val="1791866160"/>
       </p:ext>
     </p:extLst>
   </p:cSld>
@@ -5309,7 +5310,7 @@
           <a:bodyPr/>
           <a:lstStyle/>
           <a:p>
-            <a:endParaRPr lang="pt-PT"/>
+            <a:endParaRPr lang="pt-PT" dirty="0"/>
           </a:p>
         </p:txBody>
       </p:sp>
@@ -5331,6 +5332,90 @@
             <a:fld id="{C37D7554-D10C-4E29-B8E6-BB7111FA614F}" type="slidenum">
               <a:rPr lang="en-US" smtClean="0"/>
               <a:t>29</a:t>
+            </a:fld>
+            <a:endParaRPr lang="en-US" dirty="0"/>
+          </a:p>
+        </p:txBody>
+      </p:sp>
+    </p:spTree>
+    <p:extLst>
+      <p:ext uri="{BB962C8B-B14F-4D97-AF65-F5344CB8AC3E}">
+        <p14:creationId xmlns:p14="http://schemas.microsoft.com/office/powerpoint/2010/main" val="4039535867"/>
+      </p:ext>
+    </p:extLst>
+  </p:cSld>
+  <p:clrMapOvr>
+    <a:masterClrMapping/>
+  </p:clrMapOvr>
+</p:notes>
+</file>
+
+<file path=ppt/notesSlides/notesSlide28.xml><?xml version="1.0" encoding="utf-8"?>
+<p:notes xmlns:a="http://schemas.openxmlformats.org/drawingml/2006/main" xmlns:r="http://schemas.openxmlformats.org/officeDocument/2006/relationships" xmlns:p="http://schemas.openxmlformats.org/presentationml/2006/main">
+  <p:cSld>
+    <p:spTree>
+      <p:nvGrpSpPr>
+        <p:cNvPr id="1" name=""/>
+        <p:cNvGrpSpPr/>
+        <p:nvPr/>
+      </p:nvGrpSpPr>
+      <p:grpSpPr>
+        <a:xfrm>
+          <a:off x="0" y="0"/>
+          <a:ext cx="0" cy="0"/>
+          <a:chOff x="0" y="0"/>
+          <a:chExt cx="0" cy="0"/>
+        </a:xfrm>
+      </p:grpSpPr>
+      <p:sp>
+        <p:nvSpPr>
+          <p:cNvPr id="2" name="Slide Image Placeholder 1"/>
+          <p:cNvSpPr>
+            <a:spLocks noGrp="1" noRot="1" noChangeAspect="1"/>
+          </p:cNvSpPr>
+          <p:nvPr>
+            <p:ph type="sldImg"/>
+          </p:nvPr>
+        </p:nvSpPr>
+        <p:spPr/>
+      </p:sp>
+      <p:sp>
+        <p:nvSpPr>
+          <p:cNvPr id="3" name="Notes Placeholder 2"/>
+          <p:cNvSpPr>
+            <a:spLocks noGrp="1"/>
+          </p:cNvSpPr>
+          <p:nvPr>
+            <p:ph type="body" idx="1"/>
+          </p:nvPr>
+        </p:nvSpPr>
+        <p:spPr/>
+        <p:txBody>
+          <a:bodyPr/>
+          <a:lstStyle/>
+          <a:p>
+            <a:endParaRPr lang="pt-PT"/>
+          </a:p>
+        </p:txBody>
+      </p:sp>
+      <p:sp>
+        <p:nvSpPr>
+          <p:cNvPr id="4" name="Slide Number Placeholder 3"/>
+          <p:cNvSpPr>
+            <a:spLocks noGrp="1"/>
+          </p:cNvSpPr>
+          <p:nvPr>
+            <p:ph type="sldNum" sz="quarter" idx="5"/>
+          </p:nvPr>
+        </p:nvSpPr>
+        <p:spPr/>
+        <p:txBody>
+          <a:bodyPr/>
+          <a:lstStyle/>
+          <a:p>
+            <a:fld id="{C37D7554-D10C-4E29-B8E6-BB7111FA614F}" type="slidenum">
+              <a:rPr lang="en-US" smtClean="0"/>
+              <a:t>30</a:t>
             </a:fld>
             <a:endParaRPr lang="en-US" dirty="0"/>
           </a:p>
@@ -12235,7 +12320,8 @@
       <p:bgPr>
         <a:solidFill>
           <a:schemeClr val="accent2">
-            <a:lumMod val="50000"/>
+            <a:lumMod val="20000"/>
+            <a:lumOff val="80000"/>
             <a:alpha val="80000"/>
           </a:schemeClr>
         </a:solidFill>
@@ -12285,10 +12371,18 @@
           <a:lstStyle/>
           <a:p>
             <a:r>
-              <a:rPr lang="en-US" dirty="0"/>
+              <a:rPr lang="en-US" dirty="0">
+                <a:solidFill>
+                  <a:schemeClr val="tx1"/>
+                </a:solidFill>
+              </a:rPr>
               <a:t>AI Driving Classification</a:t>
             </a:r>
-            <a:endParaRPr lang="pt-PT" dirty="0"/>
+            <a:endParaRPr lang="pt-PT" dirty="0">
+              <a:solidFill>
+                <a:schemeClr val="tx1"/>
+              </a:solidFill>
+            </a:endParaRPr>
           </a:p>
         </p:txBody>
       </p:sp>
@@ -12321,26 +12415,14 @@
           <a:lstStyle/>
           <a:p>
             <a:r>
-              <a:rPr lang="pt-PT" sz="2100" b="1" dirty="0">
-                <a:solidFill>
-                  <a:schemeClr val="bg1"/>
-                </a:solidFill>
-              </a:rPr>
+              <a:rPr lang="pt-PT" sz="2100" b="1" dirty="0"/>
               <a:t>Projeto Informático </a:t>
             </a:r>
             <a:r>
-              <a:rPr lang="pt-PT" sz="2000" b="1" dirty="0">
-                <a:solidFill>
-                  <a:schemeClr val="bg1"/>
-                </a:solidFill>
-              </a:rPr>
+              <a:rPr lang="pt-PT" sz="2000" b="1" dirty="0"/>
               <a:t>2023/2024</a:t>
             </a:r>
-            <a:endParaRPr lang="pt-PT" sz="2100" b="1" dirty="0">
-              <a:solidFill>
-                <a:schemeClr val="bg1"/>
-              </a:solidFill>
-            </a:endParaRPr>
+            <a:endParaRPr lang="pt-PT" sz="2100" b="1" dirty="0"/>
           </a:p>
         </p:txBody>
       </p:sp>
@@ -12544,9 +12626,6 @@
           <a:p>
             <a:r>
               <a:rPr lang="pt-PT" sz="2100" b="1" dirty="0">
-                <a:solidFill>
-                  <a:schemeClr val="bg1"/>
-                </a:solidFill>
                 <a:cs typeface="Arial" panose="020B0604020202020204" pitchFamily="34" charset="0"/>
               </a:rPr>
               <a:t>Orientadores</a:t>
@@ -12941,11 +13020,11 @@
           <a:lstStyle/>
           <a:p>
             <a:fld id="{18D65601-5AE2-46FC-B138-694DDD2B510D}" type="slidenum">
-              <a:rPr lang="en-US" smtClean="0"/>
+              <a:rPr lang="en-US" sz="1800" smtClean="0"/>
               <a:pPr/>
               <a:t>10</a:t>
             </a:fld>
-            <a:endParaRPr lang="en-US" dirty="0"/>
+            <a:endParaRPr lang="en-US" sz="1800" dirty="0"/>
           </a:p>
         </p:txBody>
       </p:sp>
@@ -14316,7 +14395,7 @@
           <a:lstStyle/>
           <a:p>
             <a:fld id="{18D65601-5AE2-46FC-B138-694DDD2B510D}" type="slidenum">
-              <a:rPr lang="en-US" smtClean="0"/>
+              <a:rPr lang="en-US" sz="1800" smtClean="0"/>
               <a:pPr/>
               <a:t>11</a:t>
             </a:fld>
@@ -15119,11 +15198,11 @@
           <a:lstStyle/>
           <a:p>
             <a:fld id="{18D65601-5AE2-46FC-B138-694DDD2B510D}" type="slidenum">
-              <a:rPr lang="en-US" smtClean="0"/>
+              <a:rPr lang="en-US" sz="1800" smtClean="0"/>
               <a:pPr/>
               <a:t>12</a:t>
             </a:fld>
-            <a:endParaRPr lang="en-US" dirty="0"/>
+            <a:endParaRPr lang="en-US" sz="1800" dirty="0"/>
           </a:p>
         </p:txBody>
       </p:sp>
@@ -15922,7 +16001,7 @@
           <a:lstStyle/>
           <a:p>
             <a:fld id="{18D65601-5AE2-46FC-B138-694DDD2B510D}" type="slidenum">
-              <a:rPr lang="en-US" smtClean="0"/>
+              <a:rPr lang="en-US" sz="1800" smtClean="0"/>
               <a:pPr/>
               <a:t>13</a:t>
             </a:fld>
@@ -16524,11 +16603,11 @@
           <a:lstStyle/>
           <a:p>
             <a:fld id="{18D65601-5AE2-46FC-B138-694DDD2B510D}" type="slidenum">
-              <a:rPr lang="en-US" smtClean="0"/>
+              <a:rPr lang="en-US" sz="1800" smtClean="0"/>
               <a:pPr/>
               <a:t>14</a:t>
             </a:fld>
-            <a:endParaRPr lang="en-US" dirty="0"/>
+            <a:endParaRPr lang="en-US" sz="1800" dirty="0"/>
           </a:p>
         </p:txBody>
       </p:sp>
@@ -18646,11 +18725,11 @@
           <a:lstStyle/>
           <a:p>
             <a:fld id="{18D65601-5AE2-46FC-B138-694DDD2B510D}" type="slidenum">
-              <a:rPr lang="en-US" smtClean="0"/>
+              <a:rPr lang="en-US" sz="1800" smtClean="0"/>
               <a:pPr/>
               <a:t>15</a:t>
             </a:fld>
-            <a:endParaRPr lang="en-US" dirty="0"/>
+            <a:endParaRPr lang="en-US" sz="1800" dirty="0"/>
           </a:p>
         </p:txBody>
       </p:sp>
@@ -21389,11 +21468,11 @@
           <a:lstStyle/>
           <a:p>
             <a:fld id="{18D65601-5AE2-46FC-B138-694DDD2B510D}" type="slidenum">
-              <a:rPr lang="en-US" smtClean="0"/>
+              <a:rPr lang="en-US" sz="1800" smtClean="0"/>
               <a:pPr/>
               <a:t>16</a:t>
             </a:fld>
-            <a:endParaRPr lang="en-US" dirty="0"/>
+            <a:endParaRPr lang="en-US" sz="1800" dirty="0"/>
           </a:p>
         </p:txBody>
       </p:sp>
@@ -23867,6 +23946,426 @@
       </p:grpSpPr>
       <p:sp>
         <p:nvSpPr>
+          <p:cNvPr id="4" name="Slide Number Placeholder 3">
+            <a:extLst>
+              <a:ext uri="{FF2B5EF4-FFF2-40B4-BE49-F238E27FC236}">
+                <a16:creationId xmlns:a16="http://schemas.microsoft.com/office/drawing/2014/main" id="{527C964F-E2D5-D8E7-C513-C47A7E409DF3}"/>
+              </a:ext>
+            </a:extLst>
+          </p:cNvPr>
+          <p:cNvSpPr>
+            <a:spLocks noGrp="1"/>
+          </p:cNvSpPr>
+          <p:nvPr>
+            <p:ph type="sldNum" sz="quarter" idx="15"/>
+          </p:nvPr>
+        </p:nvSpPr>
+        <p:spPr/>
+        <p:txBody>
+          <a:bodyPr/>
+          <a:lstStyle/>
+          <a:p>
+            <a:fld id="{18D65601-5AE2-46FC-B138-694DDD2B510D}" type="slidenum">
+              <a:rPr lang="en-US" sz="1800" smtClean="0"/>
+              <a:pPr/>
+              <a:t>17</a:t>
+            </a:fld>
+            <a:endParaRPr lang="en-US" sz="1800" dirty="0"/>
+          </a:p>
+        </p:txBody>
+      </p:sp>
+      <p:sp>
+        <p:nvSpPr>
+          <p:cNvPr id="29" name="Rectangle 28">
+            <a:extLst>
+              <a:ext uri="{FF2B5EF4-FFF2-40B4-BE49-F238E27FC236}">
+                <a16:creationId xmlns:a16="http://schemas.microsoft.com/office/drawing/2014/main" id="{0A0E7BD1-ECFE-B70B-5C97-C06F01ACA0EF}"/>
+              </a:ext>
+            </a:extLst>
+          </p:cNvPr>
+          <p:cNvSpPr/>
+          <p:nvPr/>
+        </p:nvSpPr>
+        <p:spPr>
+          <a:xfrm>
+            <a:off x="4439142" y="5254032"/>
+            <a:ext cx="1179428" cy="365124"/>
+          </a:xfrm>
+          <a:prstGeom prst="rect">
+            <a:avLst/>
+          </a:prstGeom>
+        </p:spPr>
+        <p:style>
+          <a:lnRef idx="0">
+            <a:schemeClr val="dk1">
+              <a:alpha val="0"/>
+              <a:hueOff val="0"/>
+              <a:satOff val="0"/>
+              <a:lumOff val="0"/>
+              <a:alphaOff val="0"/>
+            </a:schemeClr>
+          </a:lnRef>
+          <a:fillRef idx="0">
+            <a:schemeClr val="lt1">
+              <a:alpha val="0"/>
+              <a:hueOff val="0"/>
+              <a:satOff val="0"/>
+              <a:lumOff val="0"/>
+              <a:alphaOff val="0"/>
+            </a:schemeClr>
+          </a:fillRef>
+          <a:effectRef idx="0">
+            <a:schemeClr val="lt1">
+              <a:alpha val="0"/>
+              <a:hueOff val="0"/>
+              <a:satOff val="0"/>
+              <a:lumOff val="0"/>
+              <a:alphaOff val="0"/>
+            </a:schemeClr>
+          </a:effectRef>
+          <a:fontRef idx="minor">
+            <a:schemeClr val="tx1">
+              <a:hueOff val="0"/>
+              <a:satOff val="0"/>
+              <a:lumOff val="0"/>
+              <a:alphaOff val="0"/>
+            </a:schemeClr>
+          </a:fontRef>
+        </p:style>
+        <p:txBody>
+          <a:bodyPr/>
+          <a:lstStyle/>
+          <a:p>
+            <a:endParaRPr lang="pt-PT"/>
+          </a:p>
+        </p:txBody>
+      </p:sp>
+      <p:sp>
+        <p:nvSpPr>
+          <p:cNvPr id="34" name="Rectangle 33">
+            <a:extLst>
+              <a:ext uri="{FF2B5EF4-FFF2-40B4-BE49-F238E27FC236}">
+                <a16:creationId xmlns:a16="http://schemas.microsoft.com/office/drawing/2014/main" id="{C8BAA013-37F3-B3F3-A350-4A65FB1FB523}"/>
+              </a:ext>
+            </a:extLst>
+          </p:cNvPr>
+          <p:cNvSpPr/>
+          <p:nvPr/>
+        </p:nvSpPr>
+        <p:spPr>
+          <a:xfrm>
+            <a:off x="6323727" y="5336627"/>
+            <a:ext cx="1749678" cy="409175"/>
+          </a:xfrm>
+          <a:prstGeom prst="rect">
+            <a:avLst/>
+          </a:prstGeom>
+        </p:spPr>
+        <p:style>
+          <a:lnRef idx="0">
+            <a:schemeClr val="dk1">
+              <a:alpha val="0"/>
+              <a:hueOff val="0"/>
+              <a:satOff val="0"/>
+              <a:lumOff val="0"/>
+              <a:alphaOff val="0"/>
+            </a:schemeClr>
+          </a:lnRef>
+          <a:fillRef idx="0">
+            <a:schemeClr val="lt1">
+              <a:alpha val="0"/>
+              <a:hueOff val="0"/>
+              <a:satOff val="0"/>
+              <a:lumOff val="0"/>
+              <a:alphaOff val="0"/>
+            </a:schemeClr>
+          </a:fillRef>
+          <a:effectRef idx="0">
+            <a:schemeClr val="lt1">
+              <a:alpha val="0"/>
+              <a:hueOff val="0"/>
+              <a:satOff val="0"/>
+              <a:lumOff val="0"/>
+              <a:alphaOff val="0"/>
+            </a:schemeClr>
+          </a:effectRef>
+          <a:fontRef idx="minor">
+            <a:schemeClr val="tx1">
+              <a:hueOff val="0"/>
+              <a:satOff val="0"/>
+              <a:lumOff val="0"/>
+              <a:alphaOff val="0"/>
+            </a:schemeClr>
+          </a:fontRef>
+        </p:style>
+        <p:txBody>
+          <a:bodyPr/>
+          <a:lstStyle/>
+          <a:p>
+            <a:endParaRPr lang="pt-PT"/>
+          </a:p>
+        </p:txBody>
+      </p:sp>
+      <p:sp>
+        <p:nvSpPr>
+          <p:cNvPr id="17" name="Footer Placeholder 4">
+            <a:extLst>
+              <a:ext uri="{FF2B5EF4-FFF2-40B4-BE49-F238E27FC236}">
+                <a16:creationId xmlns:a16="http://schemas.microsoft.com/office/drawing/2014/main" id="{BDD0BE9C-4B2A-13F2-1846-CE9D671D0CA0}"/>
+              </a:ext>
+            </a:extLst>
+          </p:cNvPr>
+          <p:cNvSpPr txBox="1">
+            <a:spLocks/>
+          </p:cNvSpPr>
+          <p:nvPr/>
+        </p:nvSpPr>
+        <p:spPr>
+          <a:xfrm>
+            <a:off x="4038600" y="6333565"/>
+            <a:ext cx="4114800" cy="365125"/>
+          </a:xfrm>
+          <a:prstGeom prst="rect">
+            <a:avLst/>
+          </a:prstGeom>
+        </p:spPr>
+        <p:txBody>
+          <a:bodyPr vert="horz" lIns="91440" tIns="45720" rIns="91440" bIns="45720" rtlCol="0" anchor="ctr"/>
+          <a:lstStyle>
+            <a:defPPr>
+              <a:defRPr lang="en-US"/>
+            </a:defPPr>
+            <a:lvl1pPr marL="0" algn="ctr" defTabSz="914400" rtl="0" eaLnBrk="1" latinLnBrk="0" hangingPunct="1">
+              <a:defRPr sz="900" b="0" kern="1200" cap="all" spc="150" baseline="0">
+                <a:solidFill>
+                  <a:schemeClr val="bg2">
+                    <a:lumMod val="50000"/>
+                  </a:schemeClr>
+                </a:solidFill>
+                <a:latin typeface="Univers Light" panose="020B0403020202020204" pitchFamily="34" charset="0"/>
+                <a:ea typeface="+mn-ea"/>
+                <a:cs typeface="+mn-cs"/>
+              </a:defRPr>
+            </a:lvl1pPr>
+            <a:lvl2pPr marL="457200" algn="l" defTabSz="914400" rtl="0" eaLnBrk="1" latinLnBrk="0" hangingPunct="1">
+              <a:defRPr sz="1800" kern="1200">
+                <a:solidFill>
+                  <a:schemeClr val="tx1"/>
+                </a:solidFill>
+                <a:latin typeface="+mn-lt"/>
+                <a:ea typeface="+mn-ea"/>
+                <a:cs typeface="+mn-cs"/>
+              </a:defRPr>
+            </a:lvl2pPr>
+            <a:lvl3pPr marL="914400" algn="l" defTabSz="914400" rtl="0" eaLnBrk="1" latinLnBrk="0" hangingPunct="1">
+              <a:defRPr sz="1800" kern="1200">
+                <a:solidFill>
+                  <a:schemeClr val="tx1"/>
+                </a:solidFill>
+                <a:latin typeface="+mn-lt"/>
+                <a:ea typeface="+mn-ea"/>
+                <a:cs typeface="+mn-cs"/>
+              </a:defRPr>
+            </a:lvl3pPr>
+            <a:lvl4pPr marL="1371600" algn="l" defTabSz="914400" rtl="0" eaLnBrk="1" latinLnBrk="0" hangingPunct="1">
+              <a:defRPr sz="1800" kern="1200">
+                <a:solidFill>
+                  <a:schemeClr val="tx1"/>
+                </a:solidFill>
+                <a:latin typeface="+mn-lt"/>
+                <a:ea typeface="+mn-ea"/>
+                <a:cs typeface="+mn-cs"/>
+              </a:defRPr>
+            </a:lvl4pPr>
+            <a:lvl5pPr marL="1828800" algn="l" defTabSz="914400" rtl="0" eaLnBrk="1" latinLnBrk="0" hangingPunct="1">
+              <a:defRPr sz="1800" kern="1200">
+                <a:solidFill>
+                  <a:schemeClr val="tx1"/>
+                </a:solidFill>
+                <a:latin typeface="+mn-lt"/>
+                <a:ea typeface="+mn-ea"/>
+                <a:cs typeface="+mn-cs"/>
+              </a:defRPr>
+            </a:lvl5pPr>
+            <a:lvl6pPr marL="2286000" algn="l" defTabSz="914400" rtl="0" eaLnBrk="1" latinLnBrk="0" hangingPunct="1">
+              <a:defRPr sz="1800" kern="1200">
+                <a:solidFill>
+                  <a:schemeClr val="tx1"/>
+                </a:solidFill>
+                <a:latin typeface="+mn-lt"/>
+                <a:ea typeface="+mn-ea"/>
+                <a:cs typeface="+mn-cs"/>
+              </a:defRPr>
+            </a:lvl6pPr>
+            <a:lvl7pPr marL="2743200" algn="l" defTabSz="914400" rtl="0" eaLnBrk="1" latinLnBrk="0" hangingPunct="1">
+              <a:defRPr sz="1800" kern="1200">
+                <a:solidFill>
+                  <a:schemeClr val="tx1"/>
+                </a:solidFill>
+                <a:latin typeface="+mn-lt"/>
+                <a:ea typeface="+mn-ea"/>
+                <a:cs typeface="+mn-cs"/>
+              </a:defRPr>
+            </a:lvl7pPr>
+            <a:lvl8pPr marL="3200400" algn="l" defTabSz="914400" rtl="0" eaLnBrk="1" latinLnBrk="0" hangingPunct="1">
+              <a:defRPr sz="1800" kern="1200">
+                <a:solidFill>
+                  <a:schemeClr val="tx1"/>
+                </a:solidFill>
+                <a:latin typeface="+mn-lt"/>
+                <a:ea typeface="+mn-ea"/>
+                <a:cs typeface="+mn-cs"/>
+              </a:defRPr>
+            </a:lvl8pPr>
+            <a:lvl9pPr marL="3657600" algn="l" defTabSz="914400" rtl="0" eaLnBrk="1" latinLnBrk="0" hangingPunct="1">
+              <a:defRPr sz="1800" kern="1200">
+                <a:solidFill>
+                  <a:schemeClr val="tx1"/>
+                </a:solidFill>
+                <a:latin typeface="+mn-lt"/>
+                <a:ea typeface="+mn-ea"/>
+                <a:cs typeface="+mn-cs"/>
+              </a:defRPr>
+            </a:lvl9pPr>
+          </a:lstStyle>
+          <a:p>
+            <a:pPr>
+              <a:lnSpc>
+                <a:spcPct val="150000"/>
+              </a:lnSpc>
+            </a:pPr>
+            <a:r>
+              <a:rPr lang="pt-PT" sz="800" dirty="0"/>
+              <a:t>Ai driving classification</a:t>
+            </a:r>
+          </a:p>
+          <a:p>
+            <a:pPr>
+              <a:lnSpc>
+                <a:spcPct val="150000"/>
+              </a:lnSpc>
+            </a:pPr>
+            <a:r>
+              <a:rPr lang="pt-PT" sz="800" dirty="0"/>
+              <a:t>Alberto pingo | joão castro</a:t>
+            </a:r>
+          </a:p>
+        </p:txBody>
+      </p:sp>
+      <p:pic>
+        <p:nvPicPr>
+          <p:cNvPr id="18" name="Picture 17" descr="A black background with a black square&#10;&#10;Description automatically generated with medium confidence">
+            <a:extLst>
+              <a:ext uri="{FF2B5EF4-FFF2-40B4-BE49-F238E27FC236}">
+                <a16:creationId xmlns:a16="http://schemas.microsoft.com/office/drawing/2014/main" id="{9000687D-F161-331F-3576-06E7699C83C4}"/>
+              </a:ext>
+            </a:extLst>
+          </p:cNvPr>
+          <p:cNvPicPr>
+            <a:picLocks noChangeAspect="1"/>
+          </p:cNvPicPr>
+          <p:nvPr/>
+        </p:nvPicPr>
+        <p:blipFill>
+          <a:blip r:embed="rId3">
+            <a:alphaModFix amt="70000"/>
+            <a:extLst>
+              <a:ext uri="{28A0092B-C50C-407E-A947-70E740481C1C}">
+                <a14:useLocalDpi xmlns:a14="http://schemas.microsoft.com/office/drawing/2010/main" val="0"/>
+              </a:ext>
+            </a:extLst>
+          </a:blip>
+          <a:stretch>
+            <a:fillRect/>
+          </a:stretch>
+        </p:blipFill>
+        <p:spPr>
+          <a:xfrm>
+            <a:off x="10582445" y="5985436"/>
+            <a:ext cx="1441915" cy="568239"/>
+          </a:xfrm>
+          <a:prstGeom prst="rect">
+            <a:avLst/>
+          </a:prstGeom>
+        </p:spPr>
+      </p:pic>
+      <p:sp>
+        <p:nvSpPr>
+          <p:cNvPr id="19" name="Title 1">
+            <a:extLst>
+              <a:ext uri="{FF2B5EF4-FFF2-40B4-BE49-F238E27FC236}">
+                <a16:creationId xmlns:a16="http://schemas.microsoft.com/office/drawing/2014/main" id="{8721D4AC-03C6-A7C0-8BDB-732E2AAA7D0A}"/>
+              </a:ext>
+            </a:extLst>
+          </p:cNvPr>
+          <p:cNvSpPr>
+            <a:spLocks noGrp="1"/>
+          </p:cNvSpPr>
+          <p:nvPr>
+            <p:ph type="title"/>
+          </p:nvPr>
+        </p:nvSpPr>
+        <p:spPr>
+          <a:xfrm>
+            <a:off x="1520662" y="252034"/>
+            <a:ext cx="9753890" cy="409176"/>
+          </a:xfrm>
+        </p:spPr>
+        <p:txBody>
+          <a:bodyPr>
+            <a:normAutofit fontScale="90000"/>
+          </a:bodyPr>
+          <a:lstStyle/>
+          <a:p>
+            <a:r>
+              <a:rPr lang="pt-PT" i="1" dirty="0"/>
+              <a:t>Primeira Abordagem – Treino</a:t>
+            </a:r>
+          </a:p>
+        </p:txBody>
+      </p:sp>
+    </p:spTree>
+    <p:extLst>
+      <p:ext uri="{BB962C8B-B14F-4D97-AF65-F5344CB8AC3E}">
+        <p14:creationId xmlns:p14="http://schemas.microsoft.com/office/powerpoint/2010/main" val="4079352010"/>
+      </p:ext>
+    </p:extLst>
+  </p:cSld>
+  <p:clrMapOvr>
+    <a:masterClrMapping/>
+  </p:clrMapOvr>
+</p:sld>
+</file>
+
+<file path=ppt/slides/slide18.xml><?xml version="1.0" encoding="utf-8"?>
+<p:sld xmlns:a="http://schemas.openxmlformats.org/drawingml/2006/main" xmlns:r="http://schemas.openxmlformats.org/officeDocument/2006/relationships" xmlns:p="http://schemas.openxmlformats.org/presentationml/2006/main">
+  <p:cSld>
+    <p:bg>
+      <p:bgPr>
+        <a:solidFill>
+          <a:schemeClr val="bg2">
+            <a:alpha val="0"/>
+          </a:schemeClr>
+        </a:solidFill>
+        <a:effectLst/>
+      </p:bgPr>
+    </p:bg>
+    <p:spTree>
+      <p:nvGrpSpPr>
+        <p:cNvPr id="1" name=""/>
+        <p:cNvGrpSpPr/>
+        <p:nvPr/>
+      </p:nvGrpSpPr>
+      <p:grpSpPr>
+        <a:xfrm>
+          <a:off x="0" y="0"/>
+          <a:ext cx="0" cy="0"/>
+          <a:chOff x="0" y="0"/>
+          <a:chExt cx="0" cy="0"/>
+        </a:xfrm>
+      </p:grpSpPr>
+      <p:sp>
+        <p:nvSpPr>
           <p:cNvPr id="2" name="Title 1">
             <a:extLst>
               <a:ext uri="{FF2B5EF4-FFF2-40B4-BE49-F238E27FC236}">
@@ -23922,11 +24421,11 @@
           <a:lstStyle/>
           <a:p>
             <a:fld id="{18D65601-5AE2-46FC-B138-694DDD2B510D}" type="slidenum">
-              <a:rPr lang="en-US" smtClean="0"/>
+              <a:rPr lang="en-US" sz="1800" smtClean="0"/>
               <a:pPr/>
-              <a:t>17</a:t>
+              <a:t>18</a:t>
             </a:fld>
-            <a:endParaRPr lang="en-US" dirty="0"/>
+            <a:endParaRPr lang="en-US" sz="1800" dirty="0"/>
           </a:p>
         </p:txBody>
       </p:sp>
@@ -25231,7 +25730,7 @@
 </p:sld>
 </file>
 
-<file path=ppt/slides/slide18.xml><?xml version="1.0" encoding="utf-8"?>
+<file path=ppt/slides/slide19.xml><?xml version="1.0" encoding="utf-8"?>
 <p:sld xmlns:a="http://schemas.openxmlformats.org/drawingml/2006/main" xmlns:r="http://schemas.openxmlformats.org/officeDocument/2006/relationships" xmlns:p="http://schemas.openxmlformats.org/presentationml/2006/main">
   <p:cSld>
     <p:bg>
@@ -25315,11 +25814,11 @@
           <a:lstStyle/>
           <a:p>
             <a:fld id="{18D65601-5AE2-46FC-B138-694DDD2B510D}" type="slidenum">
-              <a:rPr lang="en-US" smtClean="0"/>
+              <a:rPr lang="en-US" sz="1800" smtClean="0"/>
               <a:pPr/>
-              <a:t>18</a:t>
+              <a:t>19</a:t>
             </a:fld>
-            <a:endParaRPr lang="en-US" dirty="0"/>
+            <a:endParaRPr lang="en-US" sz="1800" dirty="0"/>
           </a:p>
         </p:txBody>
       </p:sp>
@@ -26292,418 +26791,6 @@
 </p:sld>
 </file>
 
-<file path=ppt/slides/slide19.xml><?xml version="1.0" encoding="utf-8"?>
-<p:sld xmlns:a="http://schemas.openxmlformats.org/drawingml/2006/main" xmlns:r="http://schemas.openxmlformats.org/officeDocument/2006/relationships" xmlns:p="http://schemas.openxmlformats.org/presentationml/2006/main">
-  <p:cSld>
-    <p:bg>
-      <p:bgPr>
-        <a:solidFill>
-          <a:schemeClr val="accent2">
-            <a:lumMod val="50000"/>
-            <a:alpha val="80000"/>
-          </a:schemeClr>
-        </a:solidFill>
-        <a:effectLst/>
-      </p:bgPr>
-    </p:bg>
-    <p:spTree>
-      <p:nvGrpSpPr>
-        <p:cNvPr id="1" name=""/>
-        <p:cNvGrpSpPr/>
-        <p:nvPr/>
-      </p:nvGrpSpPr>
-      <p:grpSpPr>
-        <a:xfrm>
-          <a:off x="0" y="0"/>
-          <a:ext cx="0" cy="0"/>
-          <a:chOff x="0" y="0"/>
-          <a:chExt cx="0" cy="0"/>
-        </a:xfrm>
-      </p:grpSpPr>
-      <p:sp>
-        <p:nvSpPr>
-          <p:cNvPr id="2" name="Title 1">
-            <a:extLst>
-              <a:ext uri="{FF2B5EF4-FFF2-40B4-BE49-F238E27FC236}">
-                <a16:creationId xmlns:a16="http://schemas.microsoft.com/office/drawing/2014/main" id="{B7B3278D-D93F-70CF-96C2-FA1D44CDDB2B}"/>
-              </a:ext>
-            </a:extLst>
-          </p:cNvPr>
-          <p:cNvSpPr>
-            <a:spLocks noGrp="1"/>
-          </p:cNvSpPr>
-          <p:nvPr>
-            <p:ph type="title"/>
-          </p:nvPr>
-        </p:nvSpPr>
-        <p:spPr/>
-        <p:txBody>
-          <a:bodyPr/>
-          <a:lstStyle/>
-          <a:p>
-            <a:r>
-              <a:rPr lang="pt-PT" dirty="0"/>
-              <a:t>Segunda abordagem</a:t>
-            </a:r>
-          </a:p>
-        </p:txBody>
-      </p:sp>
-      <p:sp>
-        <p:nvSpPr>
-          <p:cNvPr id="3" name="Text Placeholder 2">
-            <a:extLst>
-              <a:ext uri="{FF2B5EF4-FFF2-40B4-BE49-F238E27FC236}">
-                <a16:creationId xmlns:a16="http://schemas.microsoft.com/office/drawing/2014/main" id="{2776E32E-F959-3CAC-8458-FACB315801D6}"/>
-              </a:ext>
-            </a:extLst>
-          </p:cNvPr>
-          <p:cNvSpPr>
-            <a:spLocks noGrp="1"/>
-          </p:cNvSpPr>
-          <p:nvPr>
-            <p:ph type="body" sz="quarter" idx="12"/>
-          </p:nvPr>
-        </p:nvSpPr>
-        <p:spPr/>
-        <p:txBody>
-          <a:bodyPr/>
-          <a:lstStyle/>
-          <a:p>
-            <a:r>
-              <a:rPr lang="pt-PT" dirty="0"/>
-              <a:t>Classificação </a:t>
-            </a:r>
-            <a:r>
-              <a:rPr lang="pt-PT" dirty="0" err="1"/>
-              <a:t>multiclasse</a:t>
-            </a:r>
-            <a:r>
-              <a:rPr lang="pt-PT" dirty="0"/>
-              <a:t> de cenários pré-gravados</a:t>
-            </a:r>
-          </a:p>
-        </p:txBody>
-      </p:sp>
-      <p:sp>
-        <p:nvSpPr>
-          <p:cNvPr id="5" name="Slide Number Placeholder 4">
-            <a:extLst>
-              <a:ext uri="{FF2B5EF4-FFF2-40B4-BE49-F238E27FC236}">
-                <a16:creationId xmlns:a16="http://schemas.microsoft.com/office/drawing/2014/main" id="{0D2AD625-992D-C2DF-730D-31EA25299D03}"/>
-              </a:ext>
-            </a:extLst>
-          </p:cNvPr>
-          <p:cNvSpPr>
-            <a:spLocks noGrp="1"/>
-          </p:cNvSpPr>
-          <p:nvPr>
-            <p:ph type="sldNum" sz="quarter" idx="15"/>
-          </p:nvPr>
-        </p:nvSpPr>
-        <p:spPr/>
-        <p:txBody>
-          <a:bodyPr/>
-          <a:lstStyle/>
-          <a:p>
-            <a:fld id="{18D65601-5AE2-46FC-B138-694DDD2B510D}" type="slidenum">
-              <a:rPr lang="en-US" smtClean="0"/>
-              <a:pPr/>
-              <a:t>19</a:t>
-            </a:fld>
-            <a:endParaRPr lang="en-US" dirty="0"/>
-          </a:p>
-        </p:txBody>
-      </p:sp>
-      <p:pic>
-        <p:nvPicPr>
-          <p:cNvPr id="8" name="Picture 7" descr="A black background with a black square&#10;&#10;Description automatically generated with medium confidence">
-            <a:extLst>
-              <a:ext uri="{FF2B5EF4-FFF2-40B4-BE49-F238E27FC236}">
-                <a16:creationId xmlns:a16="http://schemas.microsoft.com/office/drawing/2014/main" id="{A80BF0C3-D1EC-40BC-9068-7C3425174FC0}"/>
-              </a:ext>
-            </a:extLst>
-          </p:cNvPr>
-          <p:cNvPicPr>
-            <a:picLocks noChangeAspect="1"/>
-          </p:cNvPicPr>
-          <p:nvPr/>
-        </p:nvPicPr>
-        <p:blipFill>
-          <a:blip r:embed="rId2">
-            <a:alphaModFix amt="50000"/>
-            <a:extLst>
-              <a:ext uri="{28A0092B-C50C-407E-A947-70E740481C1C}">
-                <a14:useLocalDpi xmlns:a14="http://schemas.microsoft.com/office/drawing/2010/main" val="0"/>
-              </a:ext>
-            </a:extLst>
-          </a:blip>
-          <a:stretch>
-            <a:fillRect/>
-          </a:stretch>
-        </p:blipFill>
-        <p:spPr>
-          <a:xfrm>
-            <a:off x="10582445" y="5985436"/>
-            <a:ext cx="1441915" cy="568239"/>
-          </a:xfrm>
-          <a:prstGeom prst="rect">
-            <a:avLst/>
-          </a:prstGeom>
-        </p:spPr>
-      </p:pic>
-      <p:sp>
-        <p:nvSpPr>
-          <p:cNvPr id="10" name="Footer Placeholder 4">
-            <a:extLst>
-              <a:ext uri="{FF2B5EF4-FFF2-40B4-BE49-F238E27FC236}">
-                <a16:creationId xmlns:a16="http://schemas.microsoft.com/office/drawing/2014/main" id="{75C0CCB1-F6A1-2E1A-8DDE-89F4C7EE6ADC}"/>
-              </a:ext>
-            </a:extLst>
-          </p:cNvPr>
-          <p:cNvSpPr txBox="1">
-            <a:spLocks/>
-          </p:cNvSpPr>
-          <p:nvPr/>
-        </p:nvSpPr>
-        <p:spPr>
-          <a:xfrm>
-            <a:off x="4038600" y="6086992"/>
-            <a:ext cx="4114800" cy="365125"/>
-          </a:xfrm>
-          <a:prstGeom prst="rect">
-            <a:avLst/>
-          </a:prstGeom>
-        </p:spPr>
-        <p:txBody>
-          <a:bodyPr vert="horz" lIns="91440" tIns="45720" rIns="91440" bIns="45720" rtlCol="0" anchor="ctr"/>
-          <a:lstStyle>
-            <a:defPPr>
-              <a:defRPr lang="en-US"/>
-            </a:defPPr>
-            <a:lvl1pPr marL="0" algn="ctr" defTabSz="914400" rtl="0" eaLnBrk="1" latinLnBrk="0" hangingPunct="1">
-              <a:defRPr sz="900" b="0" kern="1200" cap="all" spc="150" baseline="0">
-                <a:solidFill>
-                  <a:schemeClr val="bg2">
-                    <a:lumMod val="50000"/>
-                  </a:schemeClr>
-                </a:solidFill>
-                <a:latin typeface="Univers Light" panose="020B0403020202020204" pitchFamily="34" charset="0"/>
-                <a:ea typeface="+mn-ea"/>
-                <a:cs typeface="+mn-cs"/>
-              </a:defRPr>
-            </a:lvl1pPr>
-            <a:lvl2pPr marL="457200" algn="l" defTabSz="914400" rtl="0" eaLnBrk="1" latinLnBrk="0" hangingPunct="1">
-              <a:defRPr sz="1800" kern="1200">
-                <a:solidFill>
-                  <a:schemeClr val="tx1"/>
-                </a:solidFill>
-                <a:latin typeface="+mn-lt"/>
-                <a:ea typeface="+mn-ea"/>
-                <a:cs typeface="+mn-cs"/>
-              </a:defRPr>
-            </a:lvl2pPr>
-            <a:lvl3pPr marL="914400" algn="l" defTabSz="914400" rtl="0" eaLnBrk="1" latinLnBrk="0" hangingPunct="1">
-              <a:defRPr sz="1800" kern="1200">
-                <a:solidFill>
-                  <a:schemeClr val="tx1"/>
-                </a:solidFill>
-                <a:latin typeface="+mn-lt"/>
-                <a:ea typeface="+mn-ea"/>
-                <a:cs typeface="+mn-cs"/>
-              </a:defRPr>
-            </a:lvl3pPr>
-            <a:lvl4pPr marL="1371600" algn="l" defTabSz="914400" rtl="0" eaLnBrk="1" latinLnBrk="0" hangingPunct="1">
-              <a:defRPr sz="1800" kern="1200">
-                <a:solidFill>
-                  <a:schemeClr val="tx1"/>
-                </a:solidFill>
-                <a:latin typeface="+mn-lt"/>
-                <a:ea typeface="+mn-ea"/>
-                <a:cs typeface="+mn-cs"/>
-              </a:defRPr>
-            </a:lvl4pPr>
-            <a:lvl5pPr marL="1828800" algn="l" defTabSz="914400" rtl="0" eaLnBrk="1" latinLnBrk="0" hangingPunct="1">
-              <a:defRPr sz="1800" kern="1200">
-                <a:solidFill>
-                  <a:schemeClr val="tx1"/>
-                </a:solidFill>
-                <a:latin typeface="+mn-lt"/>
-                <a:ea typeface="+mn-ea"/>
-                <a:cs typeface="+mn-cs"/>
-              </a:defRPr>
-            </a:lvl5pPr>
-            <a:lvl6pPr marL="2286000" algn="l" defTabSz="914400" rtl="0" eaLnBrk="1" latinLnBrk="0" hangingPunct="1">
-              <a:defRPr sz="1800" kern="1200">
-                <a:solidFill>
-                  <a:schemeClr val="tx1"/>
-                </a:solidFill>
-                <a:latin typeface="+mn-lt"/>
-                <a:ea typeface="+mn-ea"/>
-                <a:cs typeface="+mn-cs"/>
-              </a:defRPr>
-            </a:lvl6pPr>
-            <a:lvl7pPr marL="2743200" algn="l" defTabSz="914400" rtl="0" eaLnBrk="1" latinLnBrk="0" hangingPunct="1">
-              <a:defRPr sz="1800" kern="1200">
-                <a:solidFill>
-                  <a:schemeClr val="tx1"/>
-                </a:solidFill>
-                <a:latin typeface="+mn-lt"/>
-                <a:ea typeface="+mn-ea"/>
-                <a:cs typeface="+mn-cs"/>
-              </a:defRPr>
-            </a:lvl7pPr>
-            <a:lvl8pPr marL="3200400" algn="l" defTabSz="914400" rtl="0" eaLnBrk="1" latinLnBrk="0" hangingPunct="1">
-              <a:defRPr sz="1800" kern="1200">
-                <a:solidFill>
-                  <a:schemeClr val="tx1"/>
-                </a:solidFill>
-                <a:latin typeface="+mn-lt"/>
-                <a:ea typeface="+mn-ea"/>
-                <a:cs typeface="+mn-cs"/>
-              </a:defRPr>
-            </a:lvl8pPr>
-            <a:lvl9pPr marL="3657600" algn="l" defTabSz="914400" rtl="0" eaLnBrk="1" latinLnBrk="0" hangingPunct="1">
-              <a:defRPr sz="1800" kern="1200">
-                <a:solidFill>
-                  <a:schemeClr val="tx1"/>
-                </a:solidFill>
-                <a:latin typeface="+mn-lt"/>
-                <a:ea typeface="+mn-ea"/>
-                <a:cs typeface="+mn-cs"/>
-              </a:defRPr>
-            </a:lvl9pPr>
-          </a:lstStyle>
-          <a:p>
-            <a:pPr>
-              <a:lnSpc>
-                <a:spcPct val="150000"/>
-              </a:lnSpc>
-            </a:pPr>
-            <a:r>
-              <a:rPr lang="pt-PT" sz="800" dirty="0">
-                <a:solidFill>
-                  <a:schemeClr val="bg1">
-                    <a:lumMod val="95000"/>
-                  </a:schemeClr>
-                </a:solidFill>
-              </a:rPr>
-              <a:t>Ai driving classification</a:t>
-            </a:r>
-          </a:p>
-          <a:p>
-            <a:pPr>
-              <a:lnSpc>
-                <a:spcPct val="150000"/>
-              </a:lnSpc>
-            </a:pPr>
-            <a:r>
-              <a:rPr lang="pt-PT" sz="800" dirty="0">
-                <a:solidFill>
-                  <a:schemeClr val="bg1">
-                    <a:lumMod val="95000"/>
-                  </a:schemeClr>
-                </a:solidFill>
-              </a:rPr>
-              <a:t>Alberto pingo | joão castro</a:t>
-            </a:r>
-          </a:p>
-        </p:txBody>
-      </p:sp>
-    </p:spTree>
-    <p:extLst>
-      <p:ext uri="{BB962C8B-B14F-4D97-AF65-F5344CB8AC3E}">
-        <p14:creationId xmlns:p14="http://schemas.microsoft.com/office/powerpoint/2010/main" val="2450866279"/>
-      </p:ext>
-    </p:extLst>
-  </p:cSld>
-  <p:clrMapOvr>
-    <a:masterClrMapping/>
-  </p:clrMapOvr>
-  <p:timing>
-    <p:tnLst>
-      <p:par>
-        <p:cTn id="1" dur="indefinite" restart="never" nodeType="tmRoot">
-          <p:childTnLst>
-            <p:seq concurrent="1" nextAc="seek">
-              <p:cTn id="2" dur="indefinite" nodeType="mainSeq">
-                <p:childTnLst>
-                  <p:par>
-                    <p:cTn id="3" fill="hold">
-                      <p:stCondLst>
-                        <p:cond delay="indefinite"/>
-                      </p:stCondLst>
-                      <p:childTnLst>
-                        <p:par>
-                          <p:cTn id="4" fill="hold">
-                            <p:stCondLst>
-                              <p:cond delay="0"/>
-                            </p:stCondLst>
-                            <p:childTnLst>
-                              <p:par>
-                                <p:cTn id="5" presetID="1" presetClass="entr" presetSubtype="0" fill="hold" grpId="0" nodeType="clickEffect">
-                                  <p:stCondLst>
-                                    <p:cond delay="0"/>
-                                  </p:stCondLst>
-                                  <p:childTnLst>
-                                    <p:set>
-                                      <p:cBhvr>
-                                        <p:cTn id="6" dur="1" fill="hold">
-                                          <p:stCondLst>
-                                            <p:cond delay="0"/>
-                                          </p:stCondLst>
-                                        </p:cTn>
-                                        <p:tgtEl>
-                                          <p:spTgt spid="3">
-                                            <p:txEl>
-                                              <p:pRg st="0" end="0"/>
-                                            </p:txEl>
-                                          </p:spTgt>
-                                        </p:tgtEl>
-                                        <p:attrNameLst>
-                                          <p:attrName>style.visibility</p:attrName>
-                                        </p:attrNameLst>
-                                      </p:cBhvr>
-                                      <p:to>
-                                        <p:strVal val="visible"/>
-                                      </p:to>
-                                    </p:set>
-                                  </p:childTnLst>
-                                </p:cTn>
-                              </p:par>
-                            </p:childTnLst>
-                          </p:cTn>
-                        </p:par>
-                      </p:childTnLst>
-                    </p:cTn>
-                  </p:par>
-                </p:childTnLst>
-              </p:cTn>
-              <p:prevCondLst>
-                <p:cond evt="onPrev" delay="0">
-                  <p:tgtEl>
-                    <p:sldTgt/>
-                  </p:tgtEl>
-                </p:cond>
-              </p:prevCondLst>
-              <p:nextCondLst>
-                <p:cond evt="onNext" delay="0">
-                  <p:tgtEl>
-                    <p:sldTgt/>
-                  </p:tgtEl>
-                </p:cond>
-              </p:nextCondLst>
-            </p:seq>
-          </p:childTnLst>
-        </p:cTn>
-      </p:par>
-    </p:tnLst>
-    <p:bldLst>
-      <p:bldP spid="3" grpId="0" build="p"/>
-    </p:bldLst>
-  </p:timing>
-</p:sld>
-</file>
-
 <file path=ppt/slides/slide2.xml><?xml version="1.0" encoding="utf-8"?>
 <p:sld xmlns:a="http://schemas.openxmlformats.org/drawingml/2006/main" xmlns:r="http://schemas.openxmlformats.org/officeDocument/2006/relationships" xmlns:p="http://schemas.openxmlformats.org/presentationml/2006/main">
   <p:cSld>
@@ -26791,7 +26878,7 @@
         </p:spPr>
         <p:txBody>
           <a:bodyPr>
-            <a:normAutofit/>
+            <a:noAutofit/>
           </a:bodyPr>
           <a:lstStyle/>
           <a:p>
@@ -26800,7 +26887,7 @@
               <a:buAutoNum type="arabicPeriod"/>
             </a:pPr>
             <a:r>
-              <a:rPr lang="pt-PT" dirty="0"/>
+              <a:rPr lang="pt-PT" sz="2400" dirty="0"/>
               <a:t>Introdução, Motivação e Objetivos</a:t>
             </a:r>
           </a:p>
@@ -26810,7 +26897,7 @@
               <a:buAutoNum type="arabicPeriod"/>
             </a:pPr>
             <a:r>
-              <a:rPr lang="pt-PT" dirty="0"/>
+              <a:rPr lang="pt-PT" sz="2400" dirty="0"/>
               <a:t>Soluções Existentes</a:t>
             </a:r>
           </a:p>
@@ -26820,7 +26907,7 @@
               <a:buAutoNum type="arabicPeriod"/>
             </a:pPr>
             <a:r>
-              <a:rPr lang="pt-PT" dirty="0"/>
+              <a:rPr lang="pt-PT" sz="2400" dirty="0"/>
               <a:t>Arquitetura</a:t>
             </a:r>
           </a:p>
@@ -26830,7 +26917,7 @@
               <a:buAutoNum type="arabicPeriod"/>
             </a:pPr>
             <a:r>
-              <a:rPr lang="pt-PT" dirty="0"/>
+              <a:rPr lang="pt-PT" sz="2400" dirty="0"/>
               <a:t>Primeira Abordagem</a:t>
             </a:r>
           </a:p>
@@ -26840,7 +26927,7 @@
               <a:buAutoNum type="arabicPeriod"/>
             </a:pPr>
             <a:r>
-              <a:rPr lang="pt-PT" dirty="0"/>
+              <a:rPr lang="pt-PT" sz="2400" dirty="0"/>
               <a:t>Segunda Abordagem </a:t>
             </a:r>
           </a:p>
@@ -26850,7 +26937,7 @@
               <a:buAutoNum type="arabicPeriod"/>
             </a:pPr>
             <a:r>
-              <a:rPr lang="pt-PT" dirty="0"/>
+              <a:rPr lang="pt-PT" sz="2400" dirty="0"/>
               <a:t>Resultados Obtidos</a:t>
             </a:r>
           </a:p>
@@ -26860,7 +26947,7 @@
               <a:buAutoNum type="arabicPeriod"/>
             </a:pPr>
             <a:r>
-              <a:rPr lang="pt-PT" dirty="0"/>
+              <a:rPr lang="pt-PT" sz="2400" dirty="0"/>
               <a:t>Artigo </a:t>
             </a:r>
           </a:p>
@@ -26870,7 +26957,7 @@
               <a:buAutoNum type="arabicPeriod"/>
             </a:pPr>
             <a:r>
-              <a:rPr lang="pt-PT" dirty="0"/>
+              <a:rPr lang="pt-PT" sz="2400" dirty="0"/>
               <a:t>Desafios e Dificuldades</a:t>
             </a:r>
           </a:p>
@@ -26880,7 +26967,7 @@
               <a:buAutoNum type="arabicPeriod"/>
             </a:pPr>
             <a:r>
-              <a:rPr lang="pt-PT" dirty="0"/>
+              <a:rPr lang="pt-PT" sz="2400" dirty="0"/>
               <a:t>Conclusões</a:t>
             </a:r>
           </a:p>
@@ -26889,14 +26976,14 @@
               <a:buFont typeface="+mj-lt"/>
               <a:buAutoNum type="arabicPeriod"/>
             </a:pPr>
-            <a:endParaRPr lang="pt-PT" dirty="0"/>
+            <a:endParaRPr lang="pt-PT" sz="2400" dirty="0"/>
           </a:p>
           <a:p>
             <a:pPr marL="457200" indent="-457200">
               <a:buFont typeface="+mj-lt"/>
               <a:buAutoNum type="arabicPeriod"/>
             </a:pPr>
-            <a:endParaRPr lang="pt-PT" dirty="0"/>
+            <a:endParaRPr lang="pt-PT" sz="2400" dirty="0"/>
           </a:p>
         </p:txBody>
       </p:sp>
@@ -26922,11 +27009,11 @@
           <a:lstStyle/>
           <a:p>
             <a:fld id="{18D65601-5AE2-46FC-B138-694DDD2B510D}" type="slidenum">
-              <a:rPr lang="en-US" smtClean="0"/>
+              <a:rPr lang="en-US" sz="1800" smtClean="0"/>
               <a:pPr/>
               <a:t>2</a:t>
             </a:fld>
-            <a:endParaRPr lang="en-US" dirty="0"/>
+            <a:endParaRPr lang="en-US" sz="1800" dirty="0"/>
           </a:p>
         </p:txBody>
       </p:sp>
@@ -27603,6 +27690,418 @@
 <file path=ppt/slides/slide20.xml><?xml version="1.0" encoding="utf-8"?>
 <p:sld xmlns:a="http://schemas.openxmlformats.org/drawingml/2006/main" xmlns:r="http://schemas.openxmlformats.org/officeDocument/2006/relationships" xmlns:p="http://schemas.openxmlformats.org/presentationml/2006/main">
   <p:cSld>
+    <p:bg>
+      <p:bgPr>
+        <a:solidFill>
+          <a:schemeClr val="accent2">
+            <a:lumMod val="50000"/>
+            <a:alpha val="80000"/>
+          </a:schemeClr>
+        </a:solidFill>
+        <a:effectLst/>
+      </p:bgPr>
+    </p:bg>
+    <p:spTree>
+      <p:nvGrpSpPr>
+        <p:cNvPr id="1" name=""/>
+        <p:cNvGrpSpPr/>
+        <p:nvPr/>
+      </p:nvGrpSpPr>
+      <p:grpSpPr>
+        <a:xfrm>
+          <a:off x="0" y="0"/>
+          <a:ext cx="0" cy="0"/>
+          <a:chOff x="0" y="0"/>
+          <a:chExt cx="0" cy="0"/>
+        </a:xfrm>
+      </p:grpSpPr>
+      <p:sp>
+        <p:nvSpPr>
+          <p:cNvPr id="2" name="Title 1">
+            <a:extLst>
+              <a:ext uri="{FF2B5EF4-FFF2-40B4-BE49-F238E27FC236}">
+                <a16:creationId xmlns:a16="http://schemas.microsoft.com/office/drawing/2014/main" id="{B7B3278D-D93F-70CF-96C2-FA1D44CDDB2B}"/>
+              </a:ext>
+            </a:extLst>
+          </p:cNvPr>
+          <p:cNvSpPr>
+            <a:spLocks noGrp="1"/>
+          </p:cNvSpPr>
+          <p:nvPr>
+            <p:ph type="title"/>
+          </p:nvPr>
+        </p:nvSpPr>
+        <p:spPr/>
+        <p:txBody>
+          <a:bodyPr/>
+          <a:lstStyle/>
+          <a:p>
+            <a:r>
+              <a:rPr lang="pt-PT" dirty="0"/>
+              <a:t>Segunda abordagem</a:t>
+            </a:r>
+          </a:p>
+        </p:txBody>
+      </p:sp>
+      <p:sp>
+        <p:nvSpPr>
+          <p:cNvPr id="3" name="Text Placeholder 2">
+            <a:extLst>
+              <a:ext uri="{FF2B5EF4-FFF2-40B4-BE49-F238E27FC236}">
+                <a16:creationId xmlns:a16="http://schemas.microsoft.com/office/drawing/2014/main" id="{2776E32E-F959-3CAC-8458-FACB315801D6}"/>
+              </a:ext>
+            </a:extLst>
+          </p:cNvPr>
+          <p:cNvSpPr>
+            <a:spLocks noGrp="1"/>
+          </p:cNvSpPr>
+          <p:nvPr>
+            <p:ph type="body" sz="quarter" idx="12"/>
+          </p:nvPr>
+        </p:nvSpPr>
+        <p:spPr/>
+        <p:txBody>
+          <a:bodyPr/>
+          <a:lstStyle/>
+          <a:p>
+            <a:r>
+              <a:rPr lang="pt-PT" dirty="0"/>
+              <a:t>Classificação </a:t>
+            </a:r>
+            <a:r>
+              <a:rPr lang="pt-PT" dirty="0" err="1"/>
+              <a:t>multiclasse</a:t>
+            </a:r>
+            <a:r>
+              <a:rPr lang="pt-PT" dirty="0"/>
+              <a:t> de cenários pré-gravados</a:t>
+            </a:r>
+          </a:p>
+        </p:txBody>
+      </p:sp>
+      <p:sp>
+        <p:nvSpPr>
+          <p:cNvPr id="5" name="Slide Number Placeholder 4">
+            <a:extLst>
+              <a:ext uri="{FF2B5EF4-FFF2-40B4-BE49-F238E27FC236}">
+                <a16:creationId xmlns:a16="http://schemas.microsoft.com/office/drawing/2014/main" id="{0D2AD625-992D-C2DF-730D-31EA25299D03}"/>
+              </a:ext>
+            </a:extLst>
+          </p:cNvPr>
+          <p:cNvSpPr>
+            <a:spLocks noGrp="1"/>
+          </p:cNvSpPr>
+          <p:nvPr>
+            <p:ph type="sldNum" sz="quarter" idx="15"/>
+          </p:nvPr>
+        </p:nvSpPr>
+        <p:spPr/>
+        <p:txBody>
+          <a:bodyPr/>
+          <a:lstStyle/>
+          <a:p>
+            <a:fld id="{18D65601-5AE2-46FC-B138-694DDD2B510D}" type="slidenum">
+              <a:rPr lang="en-US" sz="1800" smtClean="0"/>
+              <a:pPr/>
+              <a:t>20</a:t>
+            </a:fld>
+            <a:endParaRPr lang="en-US" sz="1800" dirty="0"/>
+          </a:p>
+        </p:txBody>
+      </p:sp>
+      <p:pic>
+        <p:nvPicPr>
+          <p:cNvPr id="8" name="Picture 7" descr="A black background with a black square&#10;&#10;Description automatically generated with medium confidence">
+            <a:extLst>
+              <a:ext uri="{FF2B5EF4-FFF2-40B4-BE49-F238E27FC236}">
+                <a16:creationId xmlns:a16="http://schemas.microsoft.com/office/drawing/2014/main" id="{A80BF0C3-D1EC-40BC-9068-7C3425174FC0}"/>
+              </a:ext>
+            </a:extLst>
+          </p:cNvPr>
+          <p:cNvPicPr>
+            <a:picLocks noChangeAspect="1"/>
+          </p:cNvPicPr>
+          <p:nvPr/>
+        </p:nvPicPr>
+        <p:blipFill>
+          <a:blip r:embed="rId2">
+            <a:alphaModFix amt="50000"/>
+            <a:extLst>
+              <a:ext uri="{28A0092B-C50C-407E-A947-70E740481C1C}">
+                <a14:useLocalDpi xmlns:a14="http://schemas.microsoft.com/office/drawing/2010/main" val="0"/>
+              </a:ext>
+            </a:extLst>
+          </a:blip>
+          <a:stretch>
+            <a:fillRect/>
+          </a:stretch>
+        </p:blipFill>
+        <p:spPr>
+          <a:xfrm>
+            <a:off x="10582445" y="5985436"/>
+            <a:ext cx="1441915" cy="568239"/>
+          </a:xfrm>
+          <a:prstGeom prst="rect">
+            <a:avLst/>
+          </a:prstGeom>
+        </p:spPr>
+      </p:pic>
+      <p:sp>
+        <p:nvSpPr>
+          <p:cNvPr id="10" name="Footer Placeholder 4">
+            <a:extLst>
+              <a:ext uri="{FF2B5EF4-FFF2-40B4-BE49-F238E27FC236}">
+                <a16:creationId xmlns:a16="http://schemas.microsoft.com/office/drawing/2014/main" id="{75C0CCB1-F6A1-2E1A-8DDE-89F4C7EE6ADC}"/>
+              </a:ext>
+            </a:extLst>
+          </p:cNvPr>
+          <p:cNvSpPr txBox="1">
+            <a:spLocks/>
+          </p:cNvSpPr>
+          <p:nvPr/>
+        </p:nvSpPr>
+        <p:spPr>
+          <a:xfrm>
+            <a:off x="4038600" y="6086992"/>
+            <a:ext cx="4114800" cy="365125"/>
+          </a:xfrm>
+          <a:prstGeom prst="rect">
+            <a:avLst/>
+          </a:prstGeom>
+        </p:spPr>
+        <p:txBody>
+          <a:bodyPr vert="horz" lIns="91440" tIns="45720" rIns="91440" bIns="45720" rtlCol="0" anchor="ctr"/>
+          <a:lstStyle>
+            <a:defPPr>
+              <a:defRPr lang="en-US"/>
+            </a:defPPr>
+            <a:lvl1pPr marL="0" algn="ctr" defTabSz="914400" rtl="0" eaLnBrk="1" latinLnBrk="0" hangingPunct="1">
+              <a:defRPr sz="900" b="0" kern="1200" cap="all" spc="150" baseline="0">
+                <a:solidFill>
+                  <a:schemeClr val="bg2">
+                    <a:lumMod val="50000"/>
+                  </a:schemeClr>
+                </a:solidFill>
+                <a:latin typeface="Univers Light" panose="020B0403020202020204" pitchFamily="34" charset="0"/>
+                <a:ea typeface="+mn-ea"/>
+                <a:cs typeface="+mn-cs"/>
+              </a:defRPr>
+            </a:lvl1pPr>
+            <a:lvl2pPr marL="457200" algn="l" defTabSz="914400" rtl="0" eaLnBrk="1" latinLnBrk="0" hangingPunct="1">
+              <a:defRPr sz="1800" kern="1200">
+                <a:solidFill>
+                  <a:schemeClr val="tx1"/>
+                </a:solidFill>
+                <a:latin typeface="+mn-lt"/>
+                <a:ea typeface="+mn-ea"/>
+                <a:cs typeface="+mn-cs"/>
+              </a:defRPr>
+            </a:lvl2pPr>
+            <a:lvl3pPr marL="914400" algn="l" defTabSz="914400" rtl="0" eaLnBrk="1" latinLnBrk="0" hangingPunct="1">
+              <a:defRPr sz="1800" kern="1200">
+                <a:solidFill>
+                  <a:schemeClr val="tx1"/>
+                </a:solidFill>
+                <a:latin typeface="+mn-lt"/>
+                <a:ea typeface="+mn-ea"/>
+                <a:cs typeface="+mn-cs"/>
+              </a:defRPr>
+            </a:lvl3pPr>
+            <a:lvl4pPr marL="1371600" algn="l" defTabSz="914400" rtl="0" eaLnBrk="1" latinLnBrk="0" hangingPunct="1">
+              <a:defRPr sz="1800" kern="1200">
+                <a:solidFill>
+                  <a:schemeClr val="tx1"/>
+                </a:solidFill>
+                <a:latin typeface="+mn-lt"/>
+                <a:ea typeface="+mn-ea"/>
+                <a:cs typeface="+mn-cs"/>
+              </a:defRPr>
+            </a:lvl4pPr>
+            <a:lvl5pPr marL="1828800" algn="l" defTabSz="914400" rtl="0" eaLnBrk="1" latinLnBrk="0" hangingPunct="1">
+              <a:defRPr sz="1800" kern="1200">
+                <a:solidFill>
+                  <a:schemeClr val="tx1"/>
+                </a:solidFill>
+                <a:latin typeface="+mn-lt"/>
+                <a:ea typeface="+mn-ea"/>
+                <a:cs typeface="+mn-cs"/>
+              </a:defRPr>
+            </a:lvl5pPr>
+            <a:lvl6pPr marL="2286000" algn="l" defTabSz="914400" rtl="0" eaLnBrk="1" latinLnBrk="0" hangingPunct="1">
+              <a:defRPr sz="1800" kern="1200">
+                <a:solidFill>
+                  <a:schemeClr val="tx1"/>
+                </a:solidFill>
+                <a:latin typeface="+mn-lt"/>
+                <a:ea typeface="+mn-ea"/>
+                <a:cs typeface="+mn-cs"/>
+              </a:defRPr>
+            </a:lvl6pPr>
+            <a:lvl7pPr marL="2743200" algn="l" defTabSz="914400" rtl="0" eaLnBrk="1" latinLnBrk="0" hangingPunct="1">
+              <a:defRPr sz="1800" kern="1200">
+                <a:solidFill>
+                  <a:schemeClr val="tx1"/>
+                </a:solidFill>
+                <a:latin typeface="+mn-lt"/>
+                <a:ea typeface="+mn-ea"/>
+                <a:cs typeface="+mn-cs"/>
+              </a:defRPr>
+            </a:lvl7pPr>
+            <a:lvl8pPr marL="3200400" algn="l" defTabSz="914400" rtl="0" eaLnBrk="1" latinLnBrk="0" hangingPunct="1">
+              <a:defRPr sz="1800" kern="1200">
+                <a:solidFill>
+                  <a:schemeClr val="tx1"/>
+                </a:solidFill>
+                <a:latin typeface="+mn-lt"/>
+                <a:ea typeface="+mn-ea"/>
+                <a:cs typeface="+mn-cs"/>
+              </a:defRPr>
+            </a:lvl8pPr>
+            <a:lvl9pPr marL="3657600" algn="l" defTabSz="914400" rtl="0" eaLnBrk="1" latinLnBrk="0" hangingPunct="1">
+              <a:defRPr sz="1800" kern="1200">
+                <a:solidFill>
+                  <a:schemeClr val="tx1"/>
+                </a:solidFill>
+                <a:latin typeface="+mn-lt"/>
+                <a:ea typeface="+mn-ea"/>
+                <a:cs typeface="+mn-cs"/>
+              </a:defRPr>
+            </a:lvl9pPr>
+          </a:lstStyle>
+          <a:p>
+            <a:pPr>
+              <a:lnSpc>
+                <a:spcPct val="150000"/>
+              </a:lnSpc>
+            </a:pPr>
+            <a:r>
+              <a:rPr lang="pt-PT" sz="800" dirty="0">
+                <a:solidFill>
+                  <a:schemeClr val="bg1">
+                    <a:lumMod val="95000"/>
+                  </a:schemeClr>
+                </a:solidFill>
+              </a:rPr>
+              <a:t>Ai driving classification</a:t>
+            </a:r>
+          </a:p>
+          <a:p>
+            <a:pPr>
+              <a:lnSpc>
+                <a:spcPct val="150000"/>
+              </a:lnSpc>
+            </a:pPr>
+            <a:r>
+              <a:rPr lang="pt-PT" sz="800" dirty="0">
+                <a:solidFill>
+                  <a:schemeClr val="bg1">
+                    <a:lumMod val="95000"/>
+                  </a:schemeClr>
+                </a:solidFill>
+              </a:rPr>
+              <a:t>Alberto pingo | joão castro</a:t>
+            </a:r>
+          </a:p>
+        </p:txBody>
+      </p:sp>
+    </p:spTree>
+    <p:extLst>
+      <p:ext uri="{BB962C8B-B14F-4D97-AF65-F5344CB8AC3E}">
+        <p14:creationId xmlns:p14="http://schemas.microsoft.com/office/powerpoint/2010/main" val="2450866279"/>
+      </p:ext>
+    </p:extLst>
+  </p:cSld>
+  <p:clrMapOvr>
+    <a:masterClrMapping/>
+  </p:clrMapOvr>
+  <p:timing>
+    <p:tnLst>
+      <p:par>
+        <p:cTn id="1" dur="indefinite" restart="never" nodeType="tmRoot">
+          <p:childTnLst>
+            <p:seq concurrent="1" nextAc="seek">
+              <p:cTn id="2" dur="indefinite" nodeType="mainSeq">
+                <p:childTnLst>
+                  <p:par>
+                    <p:cTn id="3" fill="hold">
+                      <p:stCondLst>
+                        <p:cond delay="indefinite"/>
+                      </p:stCondLst>
+                      <p:childTnLst>
+                        <p:par>
+                          <p:cTn id="4" fill="hold">
+                            <p:stCondLst>
+                              <p:cond delay="0"/>
+                            </p:stCondLst>
+                            <p:childTnLst>
+                              <p:par>
+                                <p:cTn id="5" presetID="1" presetClass="entr" presetSubtype="0" fill="hold" grpId="0" nodeType="clickEffect">
+                                  <p:stCondLst>
+                                    <p:cond delay="0"/>
+                                  </p:stCondLst>
+                                  <p:childTnLst>
+                                    <p:set>
+                                      <p:cBhvr>
+                                        <p:cTn id="6" dur="1" fill="hold">
+                                          <p:stCondLst>
+                                            <p:cond delay="0"/>
+                                          </p:stCondLst>
+                                        </p:cTn>
+                                        <p:tgtEl>
+                                          <p:spTgt spid="3">
+                                            <p:txEl>
+                                              <p:pRg st="0" end="0"/>
+                                            </p:txEl>
+                                          </p:spTgt>
+                                        </p:tgtEl>
+                                        <p:attrNameLst>
+                                          <p:attrName>style.visibility</p:attrName>
+                                        </p:attrNameLst>
+                                      </p:cBhvr>
+                                      <p:to>
+                                        <p:strVal val="visible"/>
+                                      </p:to>
+                                    </p:set>
+                                  </p:childTnLst>
+                                </p:cTn>
+                              </p:par>
+                            </p:childTnLst>
+                          </p:cTn>
+                        </p:par>
+                      </p:childTnLst>
+                    </p:cTn>
+                  </p:par>
+                </p:childTnLst>
+              </p:cTn>
+              <p:prevCondLst>
+                <p:cond evt="onPrev" delay="0">
+                  <p:tgtEl>
+                    <p:sldTgt/>
+                  </p:tgtEl>
+                </p:cond>
+              </p:prevCondLst>
+              <p:nextCondLst>
+                <p:cond evt="onNext" delay="0">
+                  <p:tgtEl>
+                    <p:sldTgt/>
+                  </p:tgtEl>
+                </p:cond>
+              </p:nextCondLst>
+            </p:seq>
+          </p:childTnLst>
+        </p:cTn>
+      </p:par>
+    </p:tnLst>
+    <p:bldLst>
+      <p:bldP spid="3" grpId="0" build="p"/>
+    </p:bldLst>
+  </p:timing>
+</p:sld>
+</file>
+
+<file path=ppt/slides/slide21.xml><?xml version="1.0" encoding="utf-8"?>
+<p:sld xmlns:a="http://schemas.openxmlformats.org/drawingml/2006/main" xmlns:r="http://schemas.openxmlformats.org/officeDocument/2006/relationships" xmlns:p="http://schemas.openxmlformats.org/presentationml/2006/main">
+  <p:cSld>
     <p:spTree>
       <p:nvGrpSpPr>
         <p:cNvPr id="1" name=""/>
@@ -27690,11 +28189,11 @@
           <a:lstStyle/>
           <a:p>
             <a:fld id="{18D65601-5AE2-46FC-B138-694DDD2B510D}" type="slidenum">
-              <a:rPr lang="en-US" smtClean="0"/>
+              <a:rPr lang="en-US" sz="1800" smtClean="0"/>
               <a:pPr/>
-              <a:t>20</a:t>
+              <a:t>21</a:t>
             </a:fld>
-            <a:endParaRPr lang="en-US" dirty="0"/>
+            <a:endParaRPr lang="en-US" sz="1800" dirty="0"/>
           </a:p>
         </p:txBody>
       </p:sp>
@@ -29503,7 +30002,7 @@
 </p:sld>
 </file>
 
-<file path=ppt/slides/slide21.xml><?xml version="1.0" encoding="utf-8"?>
+<file path=ppt/slides/slide22.xml><?xml version="1.0" encoding="utf-8"?>
 <p:sld xmlns:a="http://schemas.openxmlformats.org/drawingml/2006/main" xmlns:r="http://schemas.openxmlformats.org/officeDocument/2006/relationships" xmlns:p="http://schemas.openxmlformats.org/presentationml/2006/main">
   <p:cSld>
     <p:spTree>
@@ -29542,11 +30041,11 @@
           <a:lstStyle/>
           <a:p>
             <a:fld id="{18D65601-5AE2-46FC-B138-694DDD2B510D}" type="slidenum">
-              <a:rPr lang="en-US" smtClean="0"/>
+              <a:rPr lang="en-US" sz="1800" smtClean="0"/>
               <a:pPr/>
-              <a:t>21</a:t>
+              <a:t>22</a:t>
             </a:fld>
-            <a:endParaRPr lang="en-US" dirty="0"/>
+            <a:endParaRPr lang="en-US" sz="1800" dirty="0"/>
           </a:p>
         </p:txBody>
       </p:sp>
@@ -29885,7 +30384,7 @@
 </p:sld>
 </file>
 
-<file path=ppt/slides/slide22.xml><?xml version="1.0" encoding="utf-8"?>
+<file path=ppt/slides/slide23.xml><?xml version="1.0" encoding="utf-8"?>
 <p:sld xmlns:a="http://schemas.openxmlformats.org/drawingml/2006/main" xmlns:r="http://schemas.openxmlformats.org/officeDocument/2006/relationships" xmlns:p="http://schemas.openxmlformats.org/presentationml/2006/main">
   <p:cSld>
     <p:spTree>
@@ -29924,11 +30423,11 @@
           <a:lstStyle/>
           <a:p>
             <a:fld id="{18D65601-5AE2-46FC-B138-694DDD2B510D}" type="slidenum">
-              <a:rPr lang="en-US" smtClean="0"/>
+              <a:rPr lang="en-US" sz="1800" smtClean="0"/>
               <a:pPr/>
-              <a:t>22</a:t>
+              <a:t>23</a:t>
             </a:fld>
-            <a:endParaRPr lang="en-US" dirty="0"/>
+            <a:endParaRPr lang="en-US" sz="1800" dirty="0"/>
           </a:p>
         </p:txBody>
       </p:sp>
@@ -30192,7 +30691,7 @@
 </p:sld>
 </file>
 
-<file path=ppt/slides/slide23.xml><?xml version="1.0" encoding="utf-8"?>
+<file path=ppt/slides/slide24.xml><?xml version="1.0" encoding="utf-8"?>
 <p:sld xmlns:a="http://schemas.openxmlformats.org/drawingml/2006/main" xmlns:r="http://schemas.openxmlformats.org/officeDocument/2006/relationships" xmlns:p="http://schemas.openxmlformats.org/presentationml/2006/main">
   <p:cSld>
     <p:spTree>
@@ -30231,11 +30730,11 @@
           <a:lstStyle/>
           <a:p>
             <a:fld id="{18D65601-5AE2-46FC-B138-694DDD2B510D}" type="slidenum">
-              <a:rPr lang="en-US" smtClean="0"/>
+              <a:rPr lang="en-US" sz="1800" smtClean="0"/>
               <a:pPr/>
-              <a:t>23</a:t>
+              <a:t>24</a:t>
             </a:fld>
-            <a:endParaRPr lang="en-US" dirty="0"/>
+            <a:endParaRPr lang="en-US" sz="1800" dirty="0"/>
           </a:p>
         </p:txBody>
       </p:sp>
@@ -30846,7 +31345,7 @@
 </p:sld>
 </file>
 
-<file path=ppt/slides/slide24.xml><?xml version="1.0" encoding="utf-8"?>
+<file path=ppt/slides/slide25.xml><?xml version="1.0" encoding="utf-8"?>
 <p:sld xmlns:a="http://schemas.openxmlformats.org/drawingml/2006/main" xmlns:r="http://schemas.openxmlformats.org/officeDocument/2006/relationships" xmlns:p="http://schemas.openxmlformats.org/presentationml/2006/main">
   <p:cSld>
     <p:spTree>
@@ -30885,11 +31384,11 @@
           <a:lstStyle/>
           <a:p>
             <a:fld id="{18D65601-5AE2-46FC-B138-694DDD2B510D}" type="slidenum">
-              <a:rPr lang="en-US" smtClean="0"/>
+              <a:rPr lang="en-US" sz="1800" smtClean="0"/>
               <a:pPr/>
-              <a:t>24</a:t>
+              <a:t>25</a:t>
             </a:fld>
-            <a:endParaRPr lang="en-US" dirty="0"/>
+            <a:endParaRPr lang="en-US" sz="1800" dirty="0"/>
           </a:p>
         </p:txBody>
       </p:sp>
@@ -31938,7 +32437,7 @@
 </p:sld>
 </file>
 
-<file path=ppt/slides/slide25.xml><?xml version="1.0" encoding="utf-8"?>
+<file path=ppt/slides/slide26.xml><?xml version="1.0" encoding="utf-8"?>
 <p:sld xmlns:a="http://schemas.openxmlformats.org/drawingml/2006/main" xmlns:r="http://schemas.openxmlformats.org/officeDocument/2006/relationships" xmlns:p="http://schemas.openxmlformats.org/presentationml/2006/main">
   <p:cSld>
     <p:spTree>
@@ -31977,11 +32476,11 @@
           <a:lstStyle/>
           <a:p>
             <a:fld id="{18D65601-5AE2-46FC-B138-694DDD2B510D}" type="slidenum">
-              <a:rPr lang="en-US" smtClean="0"/>
+              <a:rPr lang="en-US" sz="1800" smtClean="0"/>
               <a:pPr/>
-              <a:t>25</a:t>
+              <a:t>26</a:t>
             </a:fld>
-            <a:endParaRPr lang="en-US" dirty="0"/>
+            <a:endParaRPr lang="en-US" sz="1800" dirty="0"/>
           </a:p>
         </p:txBody>
       </p:sp>
@@ -32742,7 +33241,7 @@
 </p:sld>
 </file>
 
-<file path=ppt/slides/slide26.xml><?xml version="1.0" encoding="utf-8"?>
+<file path=ppt/slides/slide27.xml><?xml version="1.0" encoding="utf-8"?>
 <p:sld xmlns:a="http://schemas.openxmlformats.org/drawingml/2006/main" xmlns:r="http://schemas.openxmlformats.org/officeDocument/2006/relationships" xmlns:p="http://schemas.openxmlformats.org/presentationml/2006/main">
   <p:cSld>
     <p:bg>
@@ -32791,11 +33290,11 @@
           <a:lstStyle/>
           <a:p>
             <a:fld id="{18D65601-5AE2-46FC-B138-694DDD2B510D}" type="slidenum">
-              <a:rPr lang="en-US" smtClean="0"/>
+              <a:rPr lang="en-US" sz="1800" smtClean="0"/>
               <a:pPr/>
-              <a:t>26</a:t>
+              <a:t>27</a:t>
             </a:fld>
-            <a:endParaRPr lang="en-US" dirty="0"/>
+            <a:endParaRPr lang="en-US" sz="1800" dirty="0"/>
           </a:p>
         </p:txBody>
       </p:sp>
@@ -33162,7 +33661,7 @@
 </p:sld>
 </file>
 
-<file path=ppt/slides/slide27.xml><?xml version="1.0" encoding="utf-8"?>
+<file path=ppt/slides/slide28.xml><?xml version="1.0" encoding="utf-8"?>
 <p:sld xmlns:a="http://schemas.openxmlformats.org/drawingml/2006/main" xmlns:r="http://schemas.openxmlformats.org/officeDocument/2006/relationships" xmlns:p="http://schemas.openxmlformats.org/presentationml/2006/main">
   <p:cSld>
     <p:bg>
@@ -33211,11 +33710,11 @@
           <a:lstStyle/>
           <a:p>
             <a:fld id="{18D65601-5AE2-46FC-B138-694DDD2B510D}" type="slidenum">
-              <a:rPr lang="en-US" smtClean="0"/>
+              <a:rPr lang="en-US" sz="1800" smtClean="0"/>
               <a:pPr/>
-              <a:t>27</a:t>
+              <a:t>28</a:t>
             </a:fld>
-            <a:endParaRPr lang="en-US" dirty="0"/>
+            <a:endParaRPr lang="en-US" sz="1800" dirty="0"/>
           </a:p>
         </p:txBody>
       </p:sp>
@@ -33834,7 +34333,7 @@
 </p:sld>
 </file>
 
-<file path=ppt/slides/slide28.xml><?xml version="1.0" encoding="utf-8"?>
+<file path=ppt/slides/slide29.xml><?xml version="1.0" encoding="utf-8"?>
 <p:sld xmlns:a="http://schemas.openxmlformats.org/drawingml/2006/main" xmlns:r="http://schemas.openxmlformats.org/officeDocument/2006/relationships" xmlns:p="http://schemas.openxmlformats.org/presentationml/2006/main">
   <p:cSld>
     <p:bg>
@@ -33883,11 +34382,11 @@
           <a:lstStyle/>
           <a:p>
             <a:fld id="{18D65601-5AE2-46FC-B138-694DDD2B510D}" type="slidenum">
-              <a:rPr lang="en-US" smtClean="0"/>
+              <a:rPr lang="en-US" sz="1800" smtClean="0"/>
               <a:pPr/>
-              <a:t>28</a:t>
+              <a:t>29</a:t>
             </a:fld>
-            <a:endParaRPr lang="en-US" dirty="0"/>
+            <a:endParaRPr lang="en-US" sz="1800" dirty="0"/>
           </a:p>
         </p:txBody>
       </p:sp>
@@ -34174,7 +34673,7 @@
         <p:spPr>
           <a:xfrm>
             <a:off x="1520662" y="2602549"/>
-            <a:ext cx="4324356" cy="2504788"/>
+            <a:ext cx="4324356" cy="3350917"/>
           </a:xfrm>
           <a:prstGeom prst="rect">
             <a:avLst/>
@@ -34204,23 +34703,8 @@
                 <a:ea typeface="Calibri" panose="020F0502020204030204" pitchFamily="34" charset="0"/>
                 <a:cs typeface="Arial" panose="020B0604020202020204" pitchFamily="34" charset="0"/>
               </a:rPr>
-              <a:t>Expansão do </a:t>
-            </a:r>
-            <a:r>
-              <a:rPr lang="pt-PT" sz="1800" dirty="0" err="1">
-                <a:effectLst/>
-                <a:latin typeface="+mj-lt"/>
-                <a:ea typeface="Calibri" panose="020F0502020204030204" pitchFamily="34" charset="0"/>
-                <a:cs typeface="Arial" panose="020B0604020202020204" pitchFamily="34" charset="0"/>
-              </a:rPr>
-              <a:t>dataset</a:t>
-            </a:r>
-            <a:endParaRPr lang="pt-PT" sz="1800" dirty="0">
-              <a:effectLst/>
-              <a:latin typeface="+mj-lt"/>
-              <a:ea typeface="Calibri" panose="020F0502020204030204" pitchFamily="34" charset="0"/>
-              <a:cs typeface="Arial" panose="020B0604020202020204" pitchFamily="34" charset="0"/>
-            </a:endParaRPr>
+              <a:t>Criação de Modelos LSTM </a:t>
+            </a:r>
           </a:p>
           <a:p>
             <a:pPr marL="342900" indent="-342900">
@@ -34240,7 +34724,25 @@
                 <a:ea typeface="Calibri" panose="020F0502020204030204" pitchFamily="34" charset="0"/>
                 <a:cs typeface="Arial" panose="020B0604020202020204" pitchFamily="34" charset="0"/>
               </a:rPr>
-              <a:t>Integração com Tecnologias de Veículos Autónomos</a:t>
+              <a:t>Treino dos Modelos Com o Dados </a:t>
+            </a:r>
+            <a:r>
+              <a:rPr lang="pt-PT" sz="1800" dirty="0" err="1">
+                <a:effectLst/>
+                <a:latin typeface="+mj-lt"/>
+                <a:ea typeface="Calibri" panose="020F0502020204030204" pitchFamily="34" charset="0"/>
+                <a:cs typeface="Arial" panose="020B0604020202020204" pitchFamily="34" charset="0"/>
+              </a:rPr>
+              <a:t>PreProcessados</a:t>
+            </a:r>
+            <a:r>
+              <a:rPr lang="pt-PT" sz="1800" dirty="0">
+                <a:effectLst/>
+                <a:latin typeface="+mj-lt"/>
+                <a:ea typeface="Calibri" panose="020F0502020204030204" pitchFamily="34" charset="0"/>
+                <a:cs typeface="Arial" panose="020B0604020202020204" pitchFamily="34" charset="0"/>
+              </a:rPr>
+              <a:t> </a:t>
             </a:r>
             <a:endParaRPr lang="en-US" sz="1800" dirty="0">
               <a:effectLst/>
@@ -34248,6 +34750,35 @@
               <a:ea typeface="Calibri" panose="020F0502020204030204" pitchFamily="34" charset="0"/>
               <a:cs typeface="Arial" panose="020B0604020202020204" pitchFamily="34" charset="0"/>
             </a:endParaRPr>
+          </a:p>
+          <a:p>
+            <a:pPr marL="342900" indent="-342900">
+              <a:lnSpc>
+                <a:spcPct val="150000"/>
+              </a:lnSpc>
+              <a:spcAft>
+                <a:spcPts val="1000"/>
+              </a:spcAft>
+              <a:buFont typeface="Symbol" panose="05050102010706020507" pitchFamily="18" charset="2"/>
+              <a:buChar char=""/>
+            </a:pPr>
+            <a:r>
+              <a:rPr lang="pt-PT" dirty="0">
+                <a:latin typeface="+mj-lt"/>
+                <a:ea typeface="Calibri" panose="020F0502020204030204" pitchFamily="34" charset="0"/>
+                <a:cs typeface="Arial" panose="020B0604020202020204" pitchFamily="34" charset="0"/>
+              </a:rPr>
+              <a:t>C</a:t>
+            </a:r>
+            <a:r>
+              <a:rPr lang="pt-PT" sz="1800" dirty="0">
+                <a:effectLst/>
+                <a:latin typeface="+mj-lt"/>
+                <a:ea typeface="Calibri" panose="020F0502020204030204" pitchFamily="34" charset="0"/>
+                <a:cs typeface="Arial" panose="020B0604020202020204" pitchFamily="34" charset="0"/>
+              </a:rPr>
+              <a:t>lassificar o comportamento do condutor com elevado grau de precisão</a:t>
+            </a:r>
           </a:p>
           <a:p>
             <a:pPr marL="342900" indent="-342900" algn="just">
@@ -34267,34 +34798,7 @@
                 <a:ea typeface="Calibri" panose="020F0502020204030204" pitchFamily="34" charset="0"/>
                 <a:cs typeface="Arial" panose="020B0604020202020204" pitchFamily="34" charset="0"/>
               </a:rPr>
-              <a:t>Estudos de Impacto e Usabilidade</a:t>
-            </a:r>
-            <a:endParaRPr lang="en-US" sz="1800" dirty="0">
-              <a:effectLst/>
-              <a:latin typeface="+mj-lt"/>
-              <a:ea typeface="Calibri" panose="020F0502020204030204" pitchFamily="34" charset="0"/>
-              <a:cs typeface="Arial" panose="020B0604020202020204" pitchFamily="34" charset="0"/>
-            </a:endParaRPr>
-          </a:p>
-          <a:p>
-            <a:pPr marL="342900" lvl="0" indent="-342900" algn="just">
-              <a:lnSpc>
-                <a:spcPct val="150000"/>
-              </a:lnSpc>
-              <a:spcAft>
-                <a:spcPts val="1000"/>
-              </a:spcAft>
-              <a:buFont typeface="Symbol" panose="05050102010706020507" pitchFamily="18" charset="2"/>
-              <a:buChar char=""/>
-            </a:pPr>
-            <a:r>
-              <a:rPr lang="pt-PT" sz="1800" dirty="0">
-                <a:effectLst/>
-                <a:latin typeface="+mj-lt"/>
-                <a:ea typeface="Calibri" panose="020F0502020204030204" pitchFamily="34" charset="0"/>
-                <a:cs typeface="Arial" panose="020B0604020202020204" pitchFamily="34" charset="0"/>
-              </a:rPr>
-              <a:t> Aprimoramento dos Modelos de IA</a:t>
+              <a:t> Relatórios e Análises</a:t>
             </a:r>
             <a:endParaRPr lang="en-US" sz="1800" dirty="0">
               <a:effectLst/>
@@ -34536,7 +35040,294 @@
 </p:sld>
 </file>
 
-<file path=ppt/slides/slide29.xml><?xml version="1.0" encoding="utf-8"?>
+<file path=ppt/slides/slide3.xml><?xml version="1.0" encoding="utf-8"?>
+<p:sld xmlns:a="http://schemas.openxmlformats.org/drawingml/2006/main" xmlns:r="http://schemas.openxmlformats.org/officeDocument/2006/relationships" xmlns:p="http://schemas.openxmlformats.org/presentationml/2006/main">
+  <p:cSld>
+    <p:bg>
+      <p:bgPr>
+        <a:solidFill>
+          <a:schemeClr val="bg2">
+            <a:alpha val="0"/>
+          </a:schemeClr>
+        </a:solidFill>
+        <a:effectLst/>
+      </p:bgPr>
+    </p:bg>
+    <p:spTree>
+      <p:nvGrpSpPr>
+        <p:cNvPr id="1" name=""/>
+        <p:cNvGrpSpPr/>
+        <p:nvPr/>
+      </p:nvGrpSpPr>
+      <p:grpSpPr>
+        <a:xfrm>
+          <a:off x="0" y="0"/>
+          <a:ext cx="0" cy="0"/>
+          <a:chOff x="0" y="0"/>
+          <a:chExt cx="0" cy="0"/>
+        </a:xfrm>
+      </p:grpSpPr>
+      <p:sp>
+        <p:nvSpPr>
+          <p:cNvPr id="2" name="Title 1">
+            <a:extLst>
+              <a:ext uri="{FF2B5EF4-FFF2-40B4-BE49-F238E27FC236}">
+                <a16:creationId xmlns:a16="http://schemas.microsoft.com/office/drawing/2014/main" id="{2CD97761-0B88-A5E8-0B78-C39173D05F4D}"/>
+              </a:ext>
+            </a:extLst>
+          </p:cNvPr>
+          <p:cNvSpPr>
+            <a:spLocks noGrp="1"/>
+          </p:cNvSpPr>
+          <p:nvPr>
+            <p:ph type="title"/>
+          </p:nvPr>
+        </p:nvSpPr>
+        <p:spPr>
+          <a:xfrm>
+            <a:off x="1381118" y="725454"/>
+            <a:ext cx="9464681" cy="5407091"/>
+          </a:xfrm>
+        </p:spPr>
+        <p:txBody>
+          <a:bodyPr/>
+          <a:lstStyle/>
+          <a:p>
+            <a:pPr algn="ctr"/>
+            <a:r>
+              <a:rPr lang="pt-PT" dirty="0"/>
+              <a:t>Introdução, Motivação e Objetivos</a:t>
+            </a:r>
+          </a:p>
+        </p:txBody>
+      </p:sp>
+      <p:sp>
+        <p:nvSpPr>
+          <p:cNvPr id="4" name="Slide Number Placeholder 3">
+            <a:extLst>
+              <a:ext uri="{FF2B5EF4-FFF2-40B4-BE49-F238E27FC236}">
+                <a16:creationId xmlns:a16="http://schemas.microsoft.com/office/drawing/2014/main" id="{2CD4601E-33F5-5714-867D-A0B584DA7C11}"/>
+              </a:ext>
+            </a:extLst>
+          </p:cNvPr>
+          <p:cNvSpPr>
+            <a:spLocks noGrp="1"/>
+          </p:cNvSpPr>
+          <p:nvPr>
+            <p:ph type="sldNum" sz="quarter" idx="15"/>
+          </p:nvPr>
+        </p:nvSpPr>
+        <p:spPr/>
+        <p:txBody>
+          <a:bodyPr/>
+          <a:lstStyle/>
+          <a:p>
+            <a:fld id="{18D65601-5AE2-46FC-B138-694DDD2B510D}" type="slidenum">
+              <a:rPr lang="en-US" sz="1800" smtClean="0"/>
+              <a:pPr/>
+              <a:t>3</a:t>
+            </a:fld>
+            <a:endParaRPr lang="en-US" sz="1800" dirty="0"/>
+          </a:p>
+        </p:txBody>
+      </p:sp>
+      <p:pic>
+        <p:nvPicPr>
+          <p:cNvPr id="6" name="Picture 5" descr="A black background with a black square&#10;&#10;Description automatically generated with medium confidence">
+            <a:extLst>
+              <a:ext uri="{FF2B5EF4-FFF2-40B4-BE49-F238E27FC236}">
+                <a16:creationId xmlns:a16="http://schemas.microsoft.com/office/drawing/2014/main" id="{779FC2B3-C721-C342-061C-7454BADF9459}"/>
+              </a:ext>
+            </a:extLst>
+          </p:cNvPr>
+          <p:cNvPicPr>
+            <a:picLocks noChangeAspect="1"/>
+          </p:cNvPicPr>
+          <p:nvPr/>
+        </p:nvPicPr>
+        <p:blipFill>
+          <a:blip r:embed="rId3">
+            <a:alphaModFix amt="70000"/>
+            <a:extLst>
+              <a:ext uri="{28A0092B-C50C-407E-A947-70E740481C1C}">
+                <a14:useLocalDpi xmlns:a14="http://schemas.microsoft.com/office/drawing/2010/main" val="0"/>
+              </a:ext>
+            </a:extLst>
+          </a:blip>
+          <a:stretch>
+            <a:fillRect/>
+          </a:stretch>
+        </p:blipFill>
+        <p:spPr>
+          <a:xfrm>
+            <a:off x="10582445" y="5985436"/>
+            <a:ext cx="1441915" cy="568239"/>
+          </a:xfrm>
+          <a:prstGeom prst="rect">
+            <a:avLst/>
+          </a:prstGeom>
+        </p:spPr>
+      </p:pic>
+      <p:sp>
+        <p:nvSpPr>
+          <p:cNvPr id="44" name="Footer Placeholder 4">
+            <a:extLst>
+              <a:ext uri="{FF2B5EF4-FFF2-40B4-BE49-F238E27FC236}">
+                <a16:creationId xmlns:a16="http://schemas.microsoft.com/office/drawing/2014/main" id="{006595C8-F761-288A-AFC8-AF781970C9B0}"/>
+              </a:ext>
+            </a:extLst>
+          </p:cNvPr>
+          <p:cNvSpPr txBox="1">
+            <a:spLocks/>
+          </p:cNvSpPr>
+          <p:nvPr/>
+        </p:nvSpPr>
+        <p:spPr>
+          <a:xfrm>
+            <a:off x="4038600" y="6333565"/>
+            <a:ext cx="4114800" cy="365125"/>
+          </a:xfrm>
+          <a:prstGeom prst="rect">
+            <a:avLst/>
+          </a:prstGeom>
+        </p:spPr>
+        <p:txBody>
+          <a:bodyPr vert="horz" lIns="91440" tIns="45720" rIns="91440" bIns="45720" rtlCol="0" anchor="ctr"/>
+          <a:lstStyle>
+            <a:defPPr>
+              <a:defRPr lang="en-US"/>
+            </a:defPPr>
+            <a:lvl1pPr marL="0" algn="ctr" defTabSz="914400" rtl="0" eaLnBrk="1" latinLnBrk="0" hangingPunct="1">
+              <a:defRPr sz="900" b="0" kern="1200" cap="all" spc="150" baseline="0">
+                <a:solidFill>
+                  <a:schemeClr val="bg2">
+                    <a:lumMod val="50000"/>
+                  </a:schemeClr>
+                </a:solidFill>
+                <a:latin typeface="Univers Light" panose="020B0403020202020204" pitchFamily="34" charset="0"/>
+                <a:ea typeface="+mn-ea"/>
+                <a:cs typeface="+mn-cs"/>
+              </a:defRPr>
+            </a:lvl1pPr>
+            <a:lvl2pPr marL="457200" algn="l" defTabSz="914400" rtl="0" eaLnBrk="1" latinLnBrk="0" hangingPunct="1">
+              <a:defRPr sz="1800" kern="1200">
+                <a:solidFill>
+                  <a:schemeClr val="tx1"/>
+                </a:solidFill>
+                <a:latin typeface="+mn-lt"/>
+                <a:ea typeface="+mn-ea"/>
+                <a:cs typeface="+mn-cs"/>
+              </a:defRPr>
+            </a:lvl2pPr>
+            <a:lvl3pPr marL="914400" algn="l" defTabSz="914400" rtl="0" eaLnBrk="1" latinLnBrk="0" hangingPunct="1">
+              <a:defRPr sz="1800" kern="1200">
+                <a:solidFill>
+                  <a:schemeClr val="tx1"/>
+                </a:solidFill>
+                <a:latin typeface="+mn-lt"/>
+                <a:ea typeface="+mn-ea"/>
+                <a:cs typeface="+mn-cs"/>
+              </a:defRPr>
+            </a:lvl3pPr>
+            <a:lvl4pPr marL="1371600" algn="l" defTabSz="914400" rtl="0" eaLnBrk="1" latinLnBrk="0" hangingPunct="1">
+              <a:defRPr sz="1800" kern="1200">
+                <a:solidFill>
+                  <a:schemeClr val="tx1"/>
+                </a:solidFill>
+                <a:latin typeface="+mn-lt"/>
+                <a:ea typeface="+mn-ea"/>
+                <a:cs typeface="+mn-cs"/>
+              </a:defRPr>
+            </a:lvl4pPr>
+            <a:lvl5pPr marL="1828800" algn="l" defTabSz="914400" rtl="0" eaLnBrk="1" latinLnBrk="0" hangingPunct="1">
+              <a:defRPr sz="1800" kern="1200">
+                <a:solidFill>
+                  <a:schemeClr val="tx1"/>
+                </a:solidFill>
+                <a:latin typeface="+mn-lt"/>
+                <a:ea typeface="+mn-ea"/>
+                <a:cs typeface="+mn-cs"/>
+              </a:defRPr>
+            </a:lvl5pPr>
+            <a:lvl6pPr marL="2286000" algn="l" defTabSz="914400" rtl="0" eaLnBrk="1" latinLnBrk="0" hangingPunct="1">
+              <a:defRPr sz="1800" kern="1200">
+                <a:solidFill>
+                  <a:schemeClr val="tx1"/>
+                </a:solidFill>
+                <a:latin typeface="+mn-lt"/>
+                <a:ea typeface="+mn-ea"/>
+                <a:cs typeface="+mn-cs"/>
+              </a:defRPr>
+            </a:lvl6pPr>
+            <a:lvl7pPr marL="2743200" algn="l" defTabSz="914400" rtl="0" eaLnBrk="1" latinLnBrk="0" hangingPunct="1">
+              <a:defRPr sz="1800" kern="1200">
+                <a:solidFill>
+                  <a:schemeClr val="tx1"/>
+                </a:solidFill>
+                <a:latin typeface="+mn-lt"/>
+                <a:ea typeface="+mn-ea"/>
+                <a:cs typeface="+mn-cs"/>
+              </a:defRPr>
+            </a:lvl7pPr>
+            <a:lvl8pPr marL="3200400" algn="l" defTabSz="914400" rtl="0" eaLnBrk="1" latinLnBrk="0" hangingPunct="1">
+              <a:defRPr sz="1800" kern="1200">
+                <a:solidFill>
+                  <a:schemeClr val="tx1"/>
+                </a:solidFill>
+                <a:latin typeface="+mn-lt"/>
+                <a:ea typeface="+mn-ea"/>
+                <a:cs typeface="+mn-cs"/>
+              </a:defRPr>
+            </a:lvl8pPr>
+            <a:lvl9pPr marL="3657600" algn="l" defTabSz="914400" rtl="0" eaLnBrk="1" latinLnBrk="0" hangingPunct="1">
+              <a:defRPr sz="1800" kern="1200">
+                <a:solidFill>
+                  <a:schemeClr val="tx1"/>
+                </a:solidFill>
+                <a:latin typeface="+mn-lt"/>
+                <a:ea typeface="+mn-ea"/>
+                <a:cs typeface="+mn-cs"/>
+              </a:defRPr>
+            </a:lvl9pPr>
+          </a:lstStyle>
+          <a:p>
+            <a:pPr>
+              <a:lnSpc>
+                <a:spcPct val="150000"/>
+              </a:lnSpc>
+            </a:pPr>
+            <a:r>
+              <a:rPr lang="pt-PT" sz="800" dirty="0"/>
+              <a:t>Ai driving classification</a:t>
+            </a:r>
+          </a:p>
+          <a:p>
+            <a:pPr>
+              <a:lnSpc>
+                <a:spcPct val="150000"/>
+              </a:lnSpc>
+            </a:pPr>
+            <a:r>
+              <a:rPr lang="pt-PT" sz="800" dirty="0"/>
+              <a:t>Alberto pingo | joão castro</a:t>
+            </a:r>
+          </a:p>
+        </p:txBody>
+      </p:sp>
+    </p:spTree>
+    <p:extLst>
+      <p:ext uri="{BB962C8B-B14F-4D97-AF65-F5344CB8AC3E}">
+        <p14:creationId xmlns:p14="http://schemas.microsoft.com/office/powerpoint/2010/main" val="544185471"/>
+      </p:ext>
+    </p:extLst>
+  </p:cSld>
+  <p:clrMapOvr>
+    <a:masterClrMapping/>
+  </p:clrMapOvr>
+</p:sld>
+</file>
+
+<file path=ppt/slides/slide30.xml><?xml version="1.0" encoding="utf-8"?>
 <p:sld xmlns:a="http://schemas.openxmlformats.org/drawingml/2006/main" xmlns:r="http://schemas.openxmlformats.org/officeDocument/2006/relationships" xmlns:p="http://schemas.openxmlformats.org/presentationml/2006/main">
   <p:cSld>
     <p:bg>
@@ -34633,11 +35424,7 @@
               </a:spcAft>
             </a:pPr>
             <a:r>
-              <a:rPr lang="pt-PT" sz="1600" dirty="0">
-                <a:solidFill>
-                  <a:schemeClr val="tx1"/>
-                </a:solidFill>
-              </a:rPr>
+              <a:rPr lang="pt-PT" sz="1600" dirty="0"/>
               <a:t>Alberto Pingo | 2202145</a:t>
             </a:r>
           </a:p>
@@ -34648,11 +35435,7 @@
               </a:spcAft>
             </a:pPr>
             <a:r>
-              <a:rPr lang="pt-PT" sz="1600" dirty="0">
-                <a:solidFill>
-                  <a:schemeClr val="tx1"/>
-                </a:solidFill>
-              </a:rPr>
+              <a:rPr lang="pt-PT" sz="1600" dirty="0"/>
               <a:t>João Castro | 2201781</a:t>
             </a:r>
           </a:p>
@@ -34921,11 +35704,7 @@
               </a:spcAft>
             </a:pPr>
             <a:r>
-              <a:rPr lang="pt-PT" sz="1600" dirty="0">
-                <a:solidFill>
-                  <a:schemeClr val="tx1"/>
-                </a:solidFill>
-              </a:rPr>
+              <a:rPr lang="pt-PT" sz="1600" dirty="0"/>
               <a:t>Professora Anabela Moreira Bernardino</a:t>
             </a:r>
           </a:p>
@@ -34936,27 +35715,15 @@
               </a:spcAft>
             </a:pPr>
             <a:r>
-              <a:rPr lang="pt-PT" sz="1600" dirty="0">
-                <a:solidFill>
-                  <a:schemeClr val="tx1"/>
-                </a:solidFill>
-              </a:rPr>
+              <a:rPr lang="pt-PT" sz="1600" dirty="0"/>
               <a:t>Professor Sílvio </a:t>
             </a:r>
             <a:r>
-              <a:rPr lang="pt-PT" sz="1600" dirty="0" err="1">
-                <a:solidFill>
-                  <a:schemeClr val="tx1"/>
-                </a:solidFill>
-              </a:rPr>
+              <a:rPr lang="pt-PT" sz="1600" dirty="0" err="1"/>
               <a:t>Priem</a:t>
             </a:r>
             <a:r>
-              <a:rPr lang="pt-PT" sz="1600" dirty="0">
-                <a:solidFill>
-                  <a:schemeClr val="tx1"/>
-                </a:solidFill>
-              </a:rPr>
+              <a:rPr lang="pt-PT" sz="1600" dirty="0"/>
               <a:t> Mendes</a:t>
             </a:r>
           </a:p>
@@ -34967,11 +35734,7 @@
               </a:spcAft>
             </a:pPr>
             <a:r>
-              <a:rPr lang="pt-PT" sz="1600" dirty="0">
-                <a:solidFill>
-                  <a:schemeClr val="tx1"/>
-                </a:solidFill>
-              </a:rPr>
+              <a:rPr lang="pt-PT" sz="1600" dirty="0"/>
               <a:t>Professor Paulo Jorge Gonçalves Loureiro</a:t>
             </a:r>
           </a:p>
@@ -35007,11 +35770,17 @@
           <a:p>
             <a:r>
               <a:rPr lang="pt-PT" b="1" dirty="0">
+                <a:solidFill>
+                  <a:schemeClr val="bg1"/>
+                </a:solidFill>
                 <a:cs typeface="Arial" panose="020B0604020202020204" pitchFamily="34" charset="0"/>
               </a:rPr>
               <a:t>Orientadores</a:t>
             </a:r>
             <a:endParaRPr lang="pt-PT" sz="1600" b="1" dirty="0">
+              <a:solidFill>
+                <a:schemeClr val="bg1"/>
+              </a:solidFill>
               <a:cs typeface="Arial" panose="020B0604020202020204" pitchFamily="34" charset="0"/>
             </a:endParaRPr>
           </a:p>
@@ -35046,14 +35815,26 @@
           <a:lstStyle/>
           <a:p>
             <a:r>
-              <a:rPr lang="pt-PT" b="1" dirty="0"/>
+              <a:rPr lang="pt-PT" b="1" dirty="0">
+                <a:solidFill>
+                  <a:schemeClr val="bg1"/>
+                </a:solidFill>
+              </a:rPr>
               <a:t>Projeto Informático </a:t>
             </a:r>
             <a:r>
-              <a:rPr lang="pt-PT" sz="1600" b="1" dirty="0"/>
+              <a:rPr lang="pt-PT" sz="1600" b="1" dirty="0">
+                <a:solidFill>
+                  <a:schemeClr val="bg1"/>
+                </a:solidFill>
+              </a:rPr>
               <a:t>2023/2024</a:t>
             </a:r>
-            <a:endParaRPr lang="pt-PT" b="1" dirty="0"/>
+            <a:endParaRPr lang="pt-PT" b="1" dirty="0">
+              <a:solidFill>
+                <a:schemeClr val="bg1"/>
+              </a:solidFill>
+            </a:endParaRPr>
           </a:p>
         </p:txBody>
       </p:sp>
@@ -35421,293 +36202,6 @@
 </p:sld>
 </file>
 
-<file path=ppt/slides/slide3.xml><?xml version="1.0" encoding="utf-8"?>
-<p:sld xmlns:a="http://schemas.openxmlformats.org/drawingml/2006/main" xmlns:r="http://schemas.openxmlformats.org/officeDocument/2006/relationships" xmlns:p="http://schemas.openxmlformats.org/presentationml/2006/main">
-  <p:cSld>
-    <p:bg>
-      <p:bgPr>
-        <a:solidFill>
-          <a:schemeClr val="bg2">
-            <a:alpha val="0"/>
-          </a:schemeClr>
-        </a:solidFill>
-        <a:effectLst/>
-      </p:bgPr>
-    </p:bg>
-    <p:spTree>
-      <p:nvGrpSpPr>
-        <p:cNvPr id="1" name=""/>
-        <p:cNvGrpSpPr/>
-        <p:nvPr/>
-      </p:nvGrpSpPr>
-      <p:grpSpPr>
-        <a:xfrm>
-          <a:off x="0" y="0"/>
-          <a:ext cx="0" cy="0"/>
-          <a:chOff x="0" y="0"/>
-          <a:chExt cx="0" cy="0"/>
-        </a:xfrm>
-      </p:grpSpPr>
-      <p:sp>
-        <p:nvSpPr>
-          <p:cNvPr id="2" name="Title 1">
-            <a:extLst>
-              <a:ext uri="{FF2B5EF4-FFF2-40B4-BE49-F238E27FC236}">
-                <a16:creationId xmlns:a16="http://schemas.microsoft.com/office/drawing/2014/main" id="{2CD97761-0B88-A5E8-0B78-C39173D05F4D}"/>
-              </a:ext>
-            </a:extLst>
-          </p:cNvPr>
-          <p:cNvSpPr>
-            <a:spLocks noGrp="1"/>
-          </p:cNvSpPr>
-          <p:nvPr>
-            <p:ph type="title"/>
-          </p:nvPr>
-        </p:nvSpPr>
-        <p:spPr>
-          <a:xfrm>
-            <a:off x="1381118" y="725454"/>
-            <a:ext cx="9464681" cy="5407091"/>
-          </a:xfrm>
-        </p:spPr>
-        <p:txBody>
-          <a:bodyPr/>
-          <a:lstStyle/>
-          <a:p>
-            <a:pPr algn="ctr"/>
-            <a:r>
-              <a:rPr lang="pt-PT" dirty="0"/>
-              <a:t>Introdução, Motivação e Objetivos</a:t>
-            </a:r>
-          </a:p>
-        </p:txBody>
-      </p:sp>
-      <p:sp>
-        <p:nvSpPr>
-          <p:cNvPr id="4" name="Slide Number Placeholder 3">
-            <a:extLst>
-              <a:ext uri="{FF2B5EF4-FFF2-40B4-BE49-F238E27FC236}">
-                <a16:creationId xmlns:a16="http://schemas.microsoft.com/office/drawing/2014/main" id="{2CD4601E-33F5-5714-867D-A0B584DA7C11}"/>
-              </a:ext>
-            </a:extLst>
-          </p:cNvPr>
-          <p:cNvSpPr>
-            <a:spLocks noGrp="1"/>
-          </p:cNvSpPr>
-          <p:nvPr>
-            <p:ph type="sldNum" sz="quarter" idx="15"/>
-          </p:nvPr>
-        </p:nvSpPr>
-        <p:spPr/>
-        <p:txBody>
-          <a:bodyPr/>
-          <a:lstStyle/>
-          <a:p>
-            <a:fld id="{18D65601-5AE2-46FC-B138-694DDD2B510D}" type="slidenum">
-              <a:rPr lang="en-US" smtClean="0"/>
-              <a:pPr/>
-              <a:t>3</a:t>
-            </a:fld>
-            <a:endParaRPr lang="en-US" dirty="0"/>
-          </a:p>
-        </p:txBody>
-      </p:sp>
-      <p:pic>
-        <p:nvPicPr>
-          <p:cNvPr id="6" name="Picture 5" descr="A black background with a black square&#10;&#10;Description automatically generated with medium confidence">
-            <a:extLst>
-              <a:ext uri="{FF2B5EF4-FFF2-40B4-BE49-F238E27FC236}">
-                <a16:creationId xmlns:a16="http://schemas.microsoft.com/office/drawing/2014/main" id="{779FC2B3-C721-C342-061C-7454BADF9459}"/>
-              </a:ext>
-            </a:extLst>
-          </p:cNvPr>
-          <p:cNvPicPr>
-            <a:picLocks noChangeAspect="1"/>
-          </p:cNvPicPr>
-          <p:nvPr/>
-        </p:nvPicPr>
-        <p:blipFill>
-          <a:blip r:embed="rId3">
-            <a:alphaModFix amt="70000"/>
-            <a:extLst>
-              <a:ext uri="{28A0092B-C50C-407E-A947-70E740481C1C}">
-                <a14:useLocalDpi xmlns:a14="http://schemas.microsoft.com/office/drawing/2010/main" val="0"/>
-              </a:ext>
-            </a:extLst>
-          </a:blip>
-          <a:stretch>
-            <a:fillRect/>
-          </a:stretch>
-        </p:blipFill>
-        <p:spPr>
-          <a:xfrm>
-            <a:off x="10582445" y="5985436"/>
-            <a:ext cx="1441915" cy="568239"/>
-          </a:xfrm>
-          <a:prstGeom prst="rect">
-            <a:avLst/>
-          </a:prstGeom>
-        </p:spPr>
-      </p:pic>
-      <p:sp>
-        <p:nvSpPr>
-          <p:cNvPr id="44" name="Footer Placeholder 4">
-            <a:extLst>
-              <a:ext uri="{FF2B5EF4-FFF2-40B4-BE49-F238E27FC236}">
-                <a16:creationId xmlns:a16="http://schemas.microsoft.com/office/drawing/2014/main" id="{006595C8-F761-288A-AFC8-AF781970C9B0}"/>
-              </a:ext>
-            </a:extLst>
-          </p:cNvPr>
-          <p:cNvSpPr txBox="1">
-            <a:spLocks/>
-          </p:cNvSpPr>
-          <p:nvPr/>
-        </p:nvSpPr>
-        <p:spPr>
-          <a:xfrm>
-            <a:off x="4038600" y="6333565"/>
-            <a:ext cx="4114800" cy="365125"/>
-          </a:xfrm>
-          <a:prstGeom prst="rect">
-            <a:avLst/>
-          </a:prstGeom>
-        </p:spPr>
-        <p:txBody>
-          <a:bodyPr vert="horz" lIns="91440" tIns="45720" rIns="91440" bIns="45720" rtlCol="0" anchor="ctr"/>
-          <a:lstStyle>
-            <a:defPPr>
-              <a:defRPr lang="en-US"/>
-            </a:defPPr>
-            <a:lvl1pPr marL="0" algn="ctr" defTabSz="914400" rtl="0" eaLnBrk="1" latinLnBrk="0" hangingPunct="1">
-              <a:defRPr sz="900" b="0" kern="1200" cap="all" spc="150" baseline="0">
-                <a:solidFill>
-                  <a:schemeClr val="bg2">
-                    <a:lumMod val="50000"/>
-                  </a:schemeClr>
-                </a:solidFill>
-                <a:latin typeface="Univers Light" panose="020B0403020202020204" pitchFamily="34" charset="0"/>
-                <a:ea typeface="+mn-ea"/>
-                <a:cs typeface="+mn-cs"/>
-              </a:defRPr>
-            </a:lvl1pPr>
-            <a:lvl2pPr marL="457200" algn="l" defTabSz="914400" rtl="0" eaLnBrk="1" latinLnBrk="0" hangingPunct="1">
-              <a:defRPr sz="1800" kern="1200">
-                <a:solidFill>
-                  <a:schemeClr val="tx1"/>
-                </a:solidFill>
-                <a:latin typeface="+mn-lt"/>
-                <a:ea typeface="+mn-ea"/>
-                <a:cs typeface="+mn-cs"/>
-              </a:defRPr>
-            </a:lvl2pPr>
-            <a:lvl3pPr marL="914400" algn="l" defTabSz="914400" rtl="0" eaLnBrk="1" latinLnBrk="0" hangingPunct="1">
-              <a:defRPr sz="1800" kern="1200">
-                <a:solidFill>
-                  <a:schemeClr val="tx1"/>
-                </a:solidFill>
-                <a:latin typeface="+mn-lt"/>
-                <a:ea typeface="+mn-ea"/>
-                <a:cs typeface="+mn-cs"/>
-              </a:defRPr>
-            </a:lvl3pPr>
-            <a:lvl4pPr marL="1371600" algn="l" defTabSz="914400" rtl="0" eaLnBrk="1" latinLnBrk="0" hangingPunct="1">
-              <a:defRPr sz="1800" kern="1200">
-                <a:solidFill>
-                  <a:schemeClr val="tx1"/>
-                </a:solidFill>
-                <a:latin typeface="+mn-lt"/>
-                <a:ea typeface="+mn-ea"/>
-                <a:cs typeface="+mn-cs"/>
-              </a:defRPr>
-            </a:lvl4pPr>
-            <a:lvl5pPr marL="1828800" algn="l" defTabSz="914400" rtl="0" eaLnBrk="1" latinLnBrk="0" hangingPunct="1">
-              <a:defRPr sz="1800" kern="1200">
-                <a:solidFill>
-                  <a:schemeClr val="tx1"/>
-                </a:solidFill>
-                <a:latin typeface="+mn-lt"/>
-                <a:ea typeface="+mn-ea"/>
-                <a:cs typeface="+mn-cs"/>
-              </a:defRPr>
-            </a:lvl5pPr>
-            <a:lvl6pPr marL="2286000" algn="l" defTabSz="914400" rtl="0" eaLnBrk="1" latinLnBrk="0" hangingPunct="1">
-              <a:defRPr sz="1800" kern="1200">
-                <a:solidFill>
-                  <a:schemeClr val="tx1"/>
-                </a:solidFill>
-                <a:latin typeface="+mn-lt"/>
-                <a:ea typeface="+mn-ea"/>
-                <a:cs typeface="+mn-cs"/>
-              </a:defRPr>
-            </a:lvl6pPr>
-            <a:lvl7pPr marL="2743200" algn="l" defTabSz="914400" rtl="0" eaLnBrk="1" latinLnBrk="0" hangingPunct="1">
-              <a:defRPr sz="1800" kern="1200">
-                <a:solidFill>
-                  <a:schemeClr val="tx1"/>
-                </a:solidFill>
-                <a:latin typeface="+mn-lt"/>
-                <a:ea typeface="+mn-ea"/>
-                <a:cs typeface="+mn-cs"/>
-              </a:defRPr>
-            </a:lvl7pPr>
-            <a:lvl8pPr marL="3200400" algn="l" defTabSz="914400" rtl="0" eaLnBrk="1" latinLnBrk="0" hangingPunct="1">
-              <a:defRPr sz="1800" kern="1200">
-                <a:solidFill>
-                  <a:schemeClr val="tx1"/>
-                </a:solidFill>
-                <a:latin typeface="+mn-lt"/>
-                <a:ea typeface="+mn-ea"/>
-                <a:cs typeface="+mn-cs"/>
-              </a:defRPr>
-            </a:lvl8pPr>
-            <a:lvl9pPr marL="3657600" algn="l" defTabSz="914400" rtl="0" eaLnBrk="1" latinLnBrk="0" hangingPunct="1">
-              <a:defRPr sz="1800" kern="1200">
-                <a:solidFill>
-                  <a:schemeClr val="tx1"/>
-                </a:solidFill>
-                <a:latin typeface="+mn-lt"/>
-                <a:ea typeface="+mn-ea"/>
-                <a:cs typeface="+mn-cs"/>
-              </a:defRPr>
-            </a:lvl9pPr>
-          </a:lstStyle>
-          <a:p>
-            <a:pPr>
-              <a:lnSpc>
-                <a:spcPct val="150000"/>
-              </a:lnSpc>
-            </a:pPr>
-            <a:r>
-              <a:rPr lang="pt-PT" sz="800" dirty="0"/>
-              <a:t>Ai driving classification</a:t>
-            </a:r>
-          </a:p>
-          <a:p>
-            <a:pPr>
-              <a:lnSpc>
-                <a:spcPct val="150000"/>
-              </a:lnSpc>
-            </a:pPr>
-            <a:r>
-              <a:rPr lang="pt-PT" sz="800" dirty="0"/>
-              <a:t>Alberto pingo | joão castro</a:t>
-            </a:r>
-          </a:p>
-        </p:txBody>
-      </p:sp>
-    </p:spTree>
-    <p:extLst>
-      <p:ext uri="{BB962C8B-B14F-4D97-AF65-F5344CB8AC3E}">
-        <p14:creationId xmlns:p14="http://schemas.microsoft.com/office/powerpoint/2010/main" val="544185471"/>
-      </p:ext>
-    </p:extLst>
-  </p:cSld>
-  <p:clrMapOvr>
-    <a:masterClrMapping/>
-  </p:clrMapOvr>
-</p:sld>
-</file>
-
 <file path=ppt/slides/slide4.xml><?xml version="1.0" encoding="utf-8"?>
 <p:sld xmlns:a="http://schemas.openxmlformats.org/drawingml/2006/main" xmlns:r="http://schemas.openxmlformats.org/officeDocument/2006/relationships" xmlns:p="http://schemas.openxmlformats.org/presentationml/2006/main">
   <p:cSld>
@@ -35766,7 +36260,7 @@
               </a:spcAft>
             </a:pPr>
             <a:fld id="{18D65601-5AE2-46FC-B138-694DDD2B510D}" type="slidenum">
-              <a:rPr lang="en-US" smtClean="0"/>
+              <a:rPr lang="en-US" sz="1800" smtClean="0"/>
               <a:pPr>
                 <a:spcAft>
                   <a:spcPts val="600"/>
@@ -35774,7 +36268,7 @@
               </a:pPr>
               <a:t>4</a:t>
             </a:fld>
-            <a:endParaRPr lang="en-US"/>
+            <a:endParaRPr lang="en-US" sz="1800" dirty="0"/>
           </a:p>
         </p:txBody>
       </p:sp>
@@ -36456,11 +36950,11 @@
           <a:lstStyle/>
           <a:p>
             <a:fld id="{18D65601-5AE2-46FC-B138-694DDD2B510D}" type="slidenum">
-              <a:rPr lang="en-US" smtClean="0"/>
+              <a:rPr lang="en-US" sz="1800" smtClean="0"/>
               <a:pPr/>
               <a:t>5</a:t>
             </a:fld>
-            <a:endParaRPr lang="en-US" dirty="0"/>
+            <a:endParaRPr lang="en-US" sz="1800" dirty="0"/>
           </a:p>
         </p:txBody>
       </p:sp>
@@ -37064,11 +37558,11 @@
           <a:lstStyle/>
           <a:p>
             <a:fld id="{18D65601-5AE2-46FC-B138-694DDD2B510D}" type="slidenum">
-              <a:rPr lang="en-US" smtClean="0"/>
+              <a:rPr lang="en-US" sz="1800" smtClean="0"/>
               <a:pPr/>
               <a:t>6</a:t>
             </a:fld>
-            <a:endParaRPr lang="en-US" dirty="0"/>
+            <a:endParaRPr lang="en-US" sz="1800" dirty="0"/>
           </a:p>
         </p:txBody>
       </p:sp>
@@ -37640,11 +38134,11 @@
           <a:lstStyle/>
           <a:p>
             <a:fld id="{18D65601-5AE2-46FC-B138-694DDD2B510D}" type="slidenum">
-              <a:rPr lang="en-US" smtClean="0"/>
+              <a:rPr lang="en-US" sz="1800" smtClean="0"/>
               <a:pPr/>
               <a:t>7</a:t>
             </a:fld>
-            <a:endParaRPr lang="en-US" dirty="0"/>
+            <a:endParaRPr lang="en-US" sz="1800" dirty="0"/>
           </a:p>
         </p:txBody>
       </p:sp>
@@ -37676,8 +38170,8 @@
         </p:blipFill>
         <p:spPr bwMode="auto">
           <a:xfrm>
-            <a:off x="4130040" y="1257064"/>
-            <a:ext cx="5292570" cy="4343872"/>
+            <a:off x="3810164" y="751460"/>
+            <a:ext cx="6524625" cy="5355080"/>
           </a:xfrm>
           <a:prstGeom prst="rect">
             <a:avLst/>
@@ -38044,11 +38538,11 @@
           <a:lstStyle/>
           <a:p>
             <a:fld id="{18D65601-5AE2-46FC-B138-694DDD2B510D}" type="slidenum">
-              <a:rPr lang="en-US" smtClean="0"/>
+              <a:rPr lang="en-US" sz="1800" smtClean="0"/>
               <a:pPr/>
               <a:t>8</a:t>
             </a:fld>
-            <a:endParaRPr lang="en-US" dirty="0"/>
+            <a:endParaRPr lang="en-US" sz="1800" dirty="0"/>
           </a:p>
         </p:txBody>
       </p:sp>
@@ -39045,8 +39539,7 @@
     <p:bg>
       <p:bgPr>
         <a:solidFill>
-          <a:schemeClr val="accent6">
-            <a:lumMod val="50000"/>
+          <a:schemeClr val="accent5">
             <a:alpha val="75000"/>
           </a:schemeClr>
         </a:solidFill>
@@ -39089,7 +39582,11 @@
           <a:lstStyle/>
           <a:p>
             <a:r>
-              <a:rPr lang="pt-PT" dirty="0"/>
+              <a:rPr lang="pt-PT" dirty="0">
+                <a:solidFill>
+                  <a:schemeClr val="tx1"/>
+                </a:solidFill>
+              </a:rPr>
               <a:t>Primeira abordagem</a:t>
             </a:r>
           </a:p>
@@ -39117,7 +39614,11 @@
           <a:lstStyle/>
           <a:p>
             <a:r>
-              <a:rPr lang="pt-PT" dirty="0"/>
+              <a:rPr lang="pt-PT" dirty="0">
+                <a:solidFill>
+                  <a:schemeClr val="tx1"/>
+                </a:solidFill>
+              </a:rPr>
               <a:t>Classificação binária de viagens completas</a:t>
             </a:r>
           </a:p>
@@ -39145,7 +39646,7 @@
           <a:lstStyle/>
           <a:p>
             <a:fld id="{18D65601-5AE2-46FC-B138-694DDD2B510D}" type="slidenum">
-              <a:rPr lang="en-US" smtClean="0"/>
+              <a:rPr lang="en-US" sz="1800" smtClean="0"/>
               <a:pPr/>
               <a:t>9</a:t>
             </a:fld>
@@ -39284,12 +39785,26 @@
             <a:r>
               <a:rPr lang="pt-PT" sz="800" dirty="0">
                 <a:solidFill>
-                  <a:schemeClr val="bg1">
-                    <a:lumMod val="95000"/>
-                  </a:schemeClr>
-                </a:solidFill>
-              </a:rPr>
-              <a:t>Ai driving classification</a:t>
+                  <a:schemeClr val="tx1"/>
+                </a:solidFill>
+              </a:rPr>
+              <a:t>Ai </a:t>
+            </a:r>
+            <a:r>
+              <a:rPr lang="pt-PT" sz="800" dirty="0" err="1">
+                <a:solidFill>
+                  <a:schemeClr val="tx1"/>
+                </a:solidFill>
+              </a:rPr>
+              <a:t>driving</a:t>
+            </a:r>
+            <a:r>
+              <a:rPr lang="pt-PT" sz="800" dirty="0">
+                <a:solidFill>
+                  <a:schemeClr val="tx1"/>
+                </a:solidFill>
+              </a:rPr>
+              <a:t> classification</a:t>
             </a:r>
           </a:p>
           <a:p>
@@ -39301,9 +39816,7 @@
             <a:r>
               <a:rPr lang="pt-PT" sz="800" dirty="0">
                 <a:solidFill>
-                  <a:schemeClr val="bg1">
-                    <a:lumMod val="95000"/>
-                  </a:schemeClr>
+                  <a:schemeClr val="tx1"/>
                 </a:solidFill>
               </a:rPr>
               <a:t>Alberto pingo | joão castro</a:t>
@@ -39313,10 +39826,10 @@
       </p:sp>
       <p:pic>
         <p:nvPicPr>
-          <p:cNvPr id="8" name="Picture 7" descr="A black background with a black square&#10;&#10;Description automatically generated with medium confidence">
+          <p:cNvPr id="6" name="Picture 5" descr="A black background with a black square&#10;&#10;Description automatically generated with medium confidence">
             <a:extLst>
               <a:ext uri="{FF2B5EF4-FFF2-40B4-BE49-F238E27FC236}">
-                <a16:creationId xmlns:a16="http://schemas.microsoft.com/office/drawing/2014/main" id="{DA6E6A48-D439-23E6-BE3F-F9F83A823191}"/>
+                <a16:creationId xmlns:a16="http://schemas.microsoft.com/office/drawing/2014/main" id="{01FF9019-57B9-E5D5-55E9-074DCF6336C8}"/>
               </a:ext>
             </a:extLst>
           </p:cNvPr>
@@ -39327,7 +39840,7 @@
         </p:nvPicPr>
         <p:blipFill>
           <a:blip r:embed="rId2">
-            <a:alphaModFix amt="50000"/>
+            <a:alphaModFix amt="70000"/>
             <a:extLst>
               <a:ext uri="{28A0092B-C50C-407E-A947-70E740481C1C}">
                 <a14:useLocalDpi xmlns:a14="http://schemas.microsoft.com/office/drawing/2010/main" val="0"/>

--- a/ProjInf_AI_Driving_Classification.pptx
+++ b/ProjInf_AI_Driving_Classification.pptx
@@ -24324,6 +24324,36 @@
           </a:p>
         </p:txBody>
       </p:sp>
+      <p:pic>
+        <p:nvPicPr>
+          <p:cNvPr id="3" name="Picture 2">
+            <a:extLst>
+              <a:ext uri="{FF2B5EF4-FFF2-40B4-BE49-F238E27FC236}">
+                <a16:creationId xmlns:a16="http://schemas.microsoft.com/office/drawing/2014/main" id="{CF32E8C5-B80A-F921-E952-6C482071E517}"/>
+              </a:ext>
+            </a:extLst>
+          </p:cNvPr>
+          <p:cNvPicPr>
+            <a:picLocks noChangeAspect="1"/>
+          </p:cNvPicPr>
+          <p:nvPr/>
+        </p:nvPicPr>
+        <p:blipFill>
+          <a:blip r:embed="rId4"/>
+          <a:stretch>
+            <a:fillRect/>
+          </a:stretch>
+        </p:blipFill>
+        <p:spPr>
+          <a:xfrm>
+            <a:off x="2024062" y="823912"/>
+            <a:ext cx="8143875" cy="5210175"/>
+          </a:xfrm>
+          <a:prstGeom prst="rect">
+            <a:avLst/>
+          </a:prstGeom>
+        </p:spPr>
+      </p:pic>
     </p:spTree>
     <p:extLst>
       <p:ext uri="{BB962C8B-B14F-4D97-AF65-F5344CB8AC3E}">
@@ -27695,7 +27725,6 @@
         <a:solidFill>
           <a:schemeClr val="accent2">
             <a:lumMod val="50000"/>
-            <a:alpha val="80000"/>
           </a:schemeClr>
         </a:solidFill>
         <a:effectLst/>
@@ -27715,6 +27744,53 @@
           <a:chExt cx="0" cy="0"/>
         </a:xfrm>
       </p:grpSpPr>
+      <p:pic>
+        <p:nvPicPr>
+          <p:cNvPr id="1026" name="Picture 2" descr="Bases de Dados | Bibliotecas do Politécnico de Leiria">
+            <a:extLst>
+              <a:ext uri="{FF2B5EF4-FFF2-40B4-BE49-F238E27FC236}">
+                <a16:creationId xmlns:a16="http://schemas.microsoft.com/office/drawing/2014/main" id="{B1B01E8C-9137-D620-51C1-D8D375F18039}"/>
+              </a:ext>
+            </a:extLst>
+          </p:cNvPr>
+          <p:cNvPicPr>
+            <a:picLocks noChangeAspect="1" noChangeArrowheads="1"/>
+          </p:cNvPicPr>
+          <p:nvPr/>
+        </p:nvPicPr>
+        <p:blipFill>
+          <a:blip r:embed="rId2">
+            <a:extLst>
+              <a:ext uri="{28A0092B-C50C-407E-A947-70E740481C1C}">
+                <a14:useLocalDpi xmlns:a14="http://schemas.microsoft.com/office/drawing/2010/main" val="0"/>
+              </a:ext>
+            </a:extLst>
+          </a:blip>
+          <a:srcRect/>
+          <a:stretch>
+            <a:fillRect/>
+          </a:stretch>
+        </p:blipFill>
+        <p:spPr bwMode="auto">
+          <a:xfrm>
+            <a:off x="10701930" y="5968657"/>
+            <a:ext cx="1443668" cy="626856"/>
+          </a:xfrm>
+          <a:prstGeom prst="rect">
+            <a:avLst/>
+          </a:prstGeom>
+          <a:noFill/>
+          <a:extLst>
+            <a:ext uri="{909E8E84-426E-40DD-AFC4-6F175D3DCCD1}">
+              <a14:hiddenFill xmlns:a14="http://schemas.microsoft.com/office/drawing/2010/main">
+                <a:solidFill>
+                  <a:srgbClr val="FFFFFF"/>
+                </a:solidFill>
+              </a14:hiddenFill>
+            </a:ext>
+          </a:extLst>
+        </p:spPr>
+      </p:pic>
       <p:sp>
         <p:nvSpPr>
           <p:cNvPr id="2" name="Title 1">
@@ -27809,43 +27885,6 @@
           </a:p>
         </p:txBody>
       </p:sp>
-      <p:pic>
-        <p:nvPicPr>
-          <p:cNvPr id="8" name="Picture 7" descr="A black background with a black square&#10;&#10;Description automatically generated with medium confidence">
-            <a:extLst>
-              <a:ext uri="{FF2B5EF4-FFF2-40B4-BE49-F238E27FC236}">
-                <a16:creationId xmlns:a16="http://schemas.microsoft.com/office/drawing/2014/main" id="{A80BF0C3-D1EC-40BC-9068-7C3425174FC0}"/>
-              </a:ext>
-            </a:extLst>
-          </p:cNvPr>
-          <p:cNvPicPr>
-            <a:picLocks noChangeAspect="1"/>
-          </p:cNvPicPr>
-          <p:nvPr/>
-        </p:nvPicPr>
-        <p:blipFill>
-          <a:blip r:embed="rId2">
-            <a:alphaModFix amt="50000"/>
-            <a:extLst>
-              <a:ext uri="{28A0092B-C50C-407E-A947-70E740481C1C}">
-                <a14:useLocalDpi xmlns:a14="http://schemas.microsoft.com/office/drawing/2010/main" val="0"/>
-              </a:ext>
-            </a:extLst>
-          </a:blip>
-          <a:stretch>
-            <a:fillRect/>
-          </a:stretch>
-        </p:blipFill>
-        <p:spPr>
-          <a:xfrm>
-            <a:off x="10582445" y="5985436"/>
-            <a:ext cx="1441915" cy="568239"/>
-          </a:xfrm>
-          <a:prstGeom prst="rect">
-            <a:avLst/>
-          </a:prstGeom>
-        </p:spPr>
-      </p:pic>
       <p:sp>
         <p:nvSpPr>
           <p:cNvPr id="10" name="Footer Placeholder 4">
@@ -31625,7 +31664,7 @@
           <p:nvPr>
             <p:extLst>
               <p:ext uri="{D42A27DB-BD31-4B8C-83A1-F6EECF244321}">
-                <p14:modId xmlns:p14="http://schemas.microsoft.com/office/powerpoint/2010/main" val="807070136"/>
+                <p14:modId xmlns:p14="http://schemas.microsoft.com/office/powerpoint/2010/main" val="3423924575"/>
               </p:ext>
             </p:extLst>
           </p:nvPr>
@@ -32166,16 +32205,10 @@
                         </a:spcAft>
                       </a:pPr>
                       <a:r>
-                        <a:rPr lang="pt-PT" sz="2000" dirty="0">
-                          <a:effectLst/>
-                        </a:rPr>
-                        <a:t>F1 </a:t>
-                      </a:r>
-                      <a:r>
                         <a:rPr lang="pt-PT" sz="2000" i="1" dirty="0">
                           <a:effectLst/>
                         </a:rPr>
-                        <a:t>Score</a:t>
+                        <a:t>F1 Score</a:t>
                       </a:r>
                       <a:endParaRPr lang="pt-PT" sz="2000" i="1" dirty="0">
                         <a:effectLst/>
@@ -32266,12 +32299,12 @@
                         </a:spcAft>
                       </a:pPr>
                       <a:r>
-                        <a:rPr lang="pt-PT" sz="2000">
+                        <a:rPr lang="pt-PT" sz="2000" i="1" dirty="0">
                           <a:effectLst/>
                         </a:rPr>
                         <a:t>MPCE</a:t>
                       </a:r>
-                      <a:endParaRPr lang="pt-PT" sz="2000">
+                      <a:endParaRPr lang="pt-PT" sz="2000" i="1" dirty="0">
                         <a:effectLst/>
                         <a:latin typeface="Times New Roman" panose="02020603050405020304" pitchFamily="18" charset="0"/>
                         <a:ea typeface="Calibri" panose="020F0502020204030204" pitchFamily="34" charset="0"/>
@@ -33971,7 +34004,7 @@
         <p:spPr>
           <a:xfrm>
             <a:off x="1520662" y="2689835"/>
-            <a:ext cx="4324356" cy="2504788"/>
+            <a:ext cx="4324356" cy="2104422"/>
           </a:xfrm>
           <a:prstGeom prst="rect">
             <a:avLst/>
@@ -33995,22 +34028,20 @@
               <a:buChar char=""/>
             </a:pPr>
             <a:r>
-              <a:rPr lang="pt-PT" sz="1800" dirty="0">
-                <a:effectLst/>
+              <a:rPr lang="pt-PT" dirty="0" err="1">
                 <a:latin typeface="+mj-lt"/>
                 <a:ea typeface="Calibri" panose="020F0502020204030204" pitchFamily="34" charset="0"/>
                 <a:cs typeface="Arial" panose="020B0604020202020204" pitchFamily="34" charset="0"/>
               </a:rPr>
-              <a:t>Expansão do </a:t>
-            </a:r>
-            <a:r>
-              <a:rPr lang="pt-PT" sz="1800" dirty="0" err="1">
-                <a:effectLst/>
+              <a:t>Preprocessamento</a:t>
+            </a:r>
+            <a:r>
+              <a:rPr lang="pt-PT" dirty="0">
                 <a:latin typeface="+mj-lt"/>
                 <a:ea typeface="Calibri" panose="020F0502020204030204" pitchFamily="34" charset="0"/>
                 <a:cs typeface="Arial" panose="020B0604020202020204" pitchFamily="34" charset="0"/>
               </a:rPr>
-              <a:t>dataset</a:t>
+              <a:t> do Dados</a:t>
             </a:r>
             <a:endParaRPr lang="pt-PT" sz="1800" dirty="0">
               <a:effectLst/>
@@ -34031,13 +34062,49 @@
               <a:buChar char=""/>
             </a:pPr>
             <a:r>
-              <a:rPr lang="pt-PT" sz="1800" dirty="0">
+              <a:rPr lang="en-US" sz="1800" dirty="0" err="1">
                 <a:effectLst/>
                 <a:latin typeface="+mj-lt"/>
                 <a:ea typeface="Calibri" panose="020F0502020204030204" pitchFamily="34" charset="0"/>
                 <a:cs typeface="Arial" panose="020B0604020202020204" pitchFamily="34" charset="0"/>
               </a:rPr>
-              <a:t>Integração com Tecnologias de Veículos Autónomos</a:t>
+              <a:t>Arquiterurar</a:t>
+            </a:r>
+            <a:r>
+              <a:rPr lang="en-US" sz="1800" dirty="0">
+                <a:effectLst/>
+                <a:latin typeface="+mj-lt"/>
+                <a:ea typeface="Calibri" panose="020F0502020204030204" pitchFamily="34" charset="0"/>
+                <a:cs typeface="Arial" panose="020B0604020202020204" pitchFamily="34" charset="0"/>
+              </a:rPr>
+              <a:t> </a:t>
+            </a:r>
+            <a:r>
+              <a:rPr lang="en-US" sz="1800" dirty="0" err="1">
+                <a:effectLst/>
+                <a:latin typeface="+mj-lt"/>
+                <a:ea typeface="Calibri" panose="020F0502020204030204" pitchFamily="34" charset="0"/>
+                <a:cs typeface="Arial" panose="020B0604020202020204" pitchFamily="34" charset="0"/>
+              </a:rPr>
+              <a:t>os</a:t>
+            </a:r>
+            <a:r>
+              <a:rPr lang="en-US" sz="1800" dirty="0">
+                <a:effectLst/>
+                <a:latin typeface="+mj-lt"/>
+                <a:ea typeface="Calibri" panose="020F0502020204030204" pitchFamily="34" charset="0"/>
+                <a:cs typeface="Arial" panose="020B0604020202020204" pitchFamily="34" charset="0"/>
+              </a:rPr>
+              <a:t> </a:t>
+            </a:r>
+            <a:r>
+              <a:rPr lang="en-US" sz="1800" dirty="0" err="1">
+                <a:effectLst/>
+                <a:latin typeface="+mj-lt"/>
+                <a:ea typeface="Calibri" panose="020F0502020204030204" pitchFamily="34" charset="0"/>
+                <a:cs typeface="Arial" panose="020B0604020202020204" pitchFamily="34" charset="0"/>
+              </a:rPr>
+              <a:t>Modelos</a:t>
             </a:r>
             <a:endParaRPr lang="en-US" sz="1800" dirty="0">
               <a:effectLst/>
@@ -39539,7 +39606,8 @@
     <p:bg>
       <p:bgPr>
         <a:solidFill>
-          <a:schemeClr val="accent5">
+          <a:schemeClr val="accent6">
+            <a:lumMod val="50000"/>
             <a:alpha val="75000"/>
           </a:schemeClr>
         </a:solidFill>
@@ -39582,11 +39650,7 @@
           <a:lstStyle/>
           <a:p>
             <a:r>
-              <a:rPr lang="pt-PT" dirty="0">
-                <a:solidFill>
-                  <a:schemeClr val="tx1"/>
-                </a:solidFill>
-              </a:rPr>
+              <a:rPr lang="pt-PT" dirty="0"/>
               <a:t>Primeira abordagem</a:t>
             </a:r>
           </a:p>
@@ -39614,11 +39678,7 @@
           <a:lstStyle/>
           <a:p>
             <a:r>
-              <a:rPr lang="pt-PT" dirty="0">
-                <a:solidFill>
-                  <a:schemeClr val="tx1"/>
-                </a:solidFill>
-              </a:rPr>
+              <a:rPr lang="pt-PT" dirty="0"/>
               <a:t>Classificação binária de viagens completas</a:t>
             </a:r>
           </a:p>
@@ -39785,7 +39845,7 @@
             <a:r>
               <a:rPr lang="pt-PT" sz="800" dirty="0">
                 <a:solidFill>
-                  <a:schemeClr val="tx1"/>
+                  <a:schemeClr val="bg1"/>
                 </a:solidFill>
               </a:rPr>
               <a:t>Ai </a:t>
@@ -39793,7 +39853,7 @@
             <a:r>
               <a:rPr lang="pt-PT" sz="800" dirty="0" err="1">
                 <a:solidFill>
-                  <a:schemeClr val="tx1"/>
+                  <a:schemeClr val="bg1"/>
                 </a:solidFill>
               </a:rPr>
               <a:t>driving</a:t>
@@ -39801,7 +39861,7 @@
             <a:r>
               <a:rPr lang="pt-PT" sz="800" dirty="0">
                 <a:solidFill>
-                  <a:schemeClr val="tx1"/>
+                  <a:schemeClr val="bg1"/>
                 </a:solidFill>
               </a:rPr>
               <a:t> classification</a:t>
@@ -39816,7 +39876,7 @@
             <a:r>
               <a:rPr lang="pt-PT" sz="800" dirty="0">
                 <a:solidFill>
-                  <a:schemeClr val="tx1"/>
+                  <a:schemeClr val="bg1"/>
                 </a:solidFill>
               </a:rPr>
               <a:t>Alberto pingo | joão castro</a:t>
@@ -39826,39 +39886,49 @@
       </p:sp>
       <p:pic>
         <p:nvPicPr>
-          <p:cNvPr id="6" name="Picture 5" descr="A black background with a black square&#10;&#10;Description automatically generated with medium confidence">
+          <p:cNvPr id="4" name="Picture 2" descr="Bases de Dados | Bibliotecas do Politécnico de Leiria">
             <a:extLst>
               <a:ext uri="{FF2B5EF4-FFF2-40B4-BE49-F238E27FC236}">
-                <a16:creationId xmlns:a16="http://schemas.microsoft.com/office/drawing/2014/main" id="{01FF9019-57B9-E5D5-55E9-074DCF6336C8}"/>
+                <a16:creationId xmlns:a16="http://schemas.microsoft.com/office/drawing/2014/main" id="{9E0A6FE1-8829-53DA-8A81-424A534FC95F}"/>
               </a:ext>
             </a:extLst>
           </p:cNvPr>
           <p:cNvPicPr>
-            <a:picLocks noChangeAspect="1"/>
+            <a:picLocks noChangeAspect="1" noChangeArrowheads="1"/>
           </p:cNvPicPr>
           <p:nvPr/>
         </p:nvPicPr>
         <p:blipFill>
           <a:blip r:embed="rId2">
-            <a:alphaModFix amt="70000"/>
             <a:extLst>
               <a:ext uri="{28A0092B-C50C-407E-A947-70E740481C1C}">
                 <a14:useLocalDpi xmlns:a14="http://schemas.microsoft.com/office/drawing/2010/main" val="0"/>
               </a:ext>
             </a:extLst>
           </a:blip>
+          <a:srcRect/>
           <a:stretch>
             <a:fillRect/>
           </a:stretch>
         </p:blipFill>
-        <p:spPr>
+        <p:spPr bwMode="auto">
           <a:xfrm>
-            <a:off x="10582445" y="5985436"/>
-            <a:ext cx="1441915" cy="568239"/>
+            <a:off x="10701930" y="5968657"/>
+            <a:ext cx="1443668" cy="626856"/>
           </a:xfrm>
           <a:prstGeom prst="rect">
             <a:avLst/>
           </a:prstGeom>
+          <a:noFill/>
+          <a:extLst>
+            <a:ext uri="{909E8E84-426E-40DD-AFC4-6F175D3DCCD1}">
+              <a14:hiddenFill xmlns:a14="http://schemas.microsoft.com/office/drawing/2010/main">
+                <a:solidFill>
+                  <a:srgbClr val="FFFFFF"/>
+                </a:solidFill>
+              </a14:hiddenFill>
+            </a:ext>
+          </a:extLst>
         </p:spPr>
       </p:pic>
     </p:spTree>
@@ -40863,6 +40933,24 @@
 </file>
 
 <file path=customXml/item1.xml><?xml version="1.0" encoding="utf-8"?>
+<?mso-contentType ?>
+<FormTemplates xmlns="http://schemas.microsoft.com/sharepoint/v3/contenttype/forms">
+  <Display>DocumentLibraryForm</Display>
+  <Edit>DocumentLibraryForm</Edit>
+  <New>DocumentLibraryForm</New>
+</FormTemplates>
+</file>
+
+<file path=customXml/item2.xml><?xml version="1.0" encoding="utf-8"?>
+<p:properties xmlns:p="http://schemas.microsoft.com/office/2006/metadata/properties" xmlns:xsi="http://www.w3.org/2001/XMLSchema-instance" xmlns:pc="http://schemas.microsoft.com/office/infopath/2007/PartnerControls">
+  <documentManagement>
+    <MediaServiceKeyPoints xmlns="49ea7286-31dc-4857-8ba0-9dd5131121ba" xsi:nil="true"/>
+    <_activity xmlns="49ea7286-31dc-4857-8ba0-9dd5131121ba" xsi:nil="true"/>
+  </documentManagement>
+</p:properties>
+</file>
+
+<file path=customXml/item3.xml><?xml version="1.0" encoding="utf-8"?>
 <ct:contentTypeSchema xmlns:ct="http://schemas.microsoft.com/office/2006/metadata/contentType" xmlns:ma="http://schemas.microsoft.com/office/2006/metadata/properties/metaAttributes" ct:_="" ma:_="" ma:contentTypeName="Document" ma:contentTypeID="0x010100A73A92E9BB0D154D881191BAEDDE609C" ma:contentTypeVersion="15" ma:contentTypeDescription="Create a new document." ma:contentTypeScope="" ma:versionID="efb1cbc0b36a0d4d469bd0290935f8df">
   <xsd:schema xmlns:xsd="http://www.w3.org/2001/XMLSchema" xmlns:xs="http://www.w3.org/2001/XMLSchema" xmlns:p="http://schemas.microsoft.com/office/2006/metadata/properties" xmlns:ns3="49ea7286-31dc-4857-8ba0-9dd5131121ba" xmlns:ns4="490ae867-905f-461a-953e-c60010c4e0c9" targetNamespace="http://schemas.microsoft.com/office/2006/metadata/properties" ma:root="true" ma:fieldsID="f3e6108c9adebc81ed2cd74cc74f8ca6" ns3:_="" ns4:_="">
     <xsd:import namespace="49ea7286-31dc-4857-8ba0-9dd5131121ba"/>
@@ -41097,39 +41185,10 @@
 </ct:contentTypeSchema>
 </file>
 
-<file path=customXml/item2.xml><?xml version="1.0" encoding="utf-8"?>
-<p:properties xmlns:p="http://schemas.microsoft.com/office/2006/metadata/properties" xmlns:xsi="http://www.w3.org/2001/XMLSchema-instance" xmlns:pc="http://schemas.microsoft.com/office/infopath/2007/PartnerControls">
-  <documentManagement>
-    <MediaServiceKeyPoints xmlns="49ea7286-31dc-4857-8ba0-9dd5131121ba" xsi:nil="true"/>
-    <_activity xmlns="49ea7286-31dc-4857-8ba0-9dd5131121ba" xsi:nil="true"/>
-  </documentManagement>
-</p:properties>
-</file>
-
-<file path=customXml/item3.xml><?xml version="1.0" encoding="utf-8"?>
-<?mso-contentType ?>
-<FormTemplates xmlns="http://schemas.microsoft.com/sharepoint/v3/contenttype/forms">
-  <Display>DocumentLibraryForm</Display>
-  <Edit>DocumentLibraryForm</Edit>
-  <New>DocumentLibraryForm</New>
-</FormTemplates>
-</file>
-
 <file path=customXml/itemProps1.xml><?xml version="1.0" encoding="utf-8"?>
-<ds:datastoreItem xmlns:ds="http://schemas.openxmlformats.org/officeDocument/2006/customXml" ds:itemID="{2772B1AE-A3BA-4700-8DCD-4A25B8D329B2}">
+<ds:datastoreItem xmlns:ds="http://schemas.openxmlformats.org/officeDocument/2006/customXml" ds:itemID="{A98CD342-50C4-441F-B4A3-7D5ADB057132}">
   <ds:schemaRefs>
-    <ds:schemaRef ds:uri="http://schemas.microsoft.com/office/2006/metadata/contentType"/>
-    <ds:schemaRef ds:uri="http://schemas.microsoft.com/office/2006/metadata/properties/metaAttributes"/>
-    <ds:schemaRef ds:uri="http://www.w3.org/2001/XMLSchema"/>
-    <ds:schemaRef ds:uri="http://schemas.microsoft.com/office/2006/metadata/properties"/>
-    <ds:schemaRef ds:uri="49ea7286-31dc-4857-8ba0-9dd5131121ba"/>
-    <ds:schemaRef ds:uri="490ae867-905f-461a-953e-c60010c4e0c9"/>
-    <ds:schemaRef ds:uri="http://schemas.microsoft.com/office/2006/documentManagement/types"/>
-    <ds:schemaRef ds:uri="http://schemas.microsoft.com/office/infopath/2007/PartnerControls"/>
-    <ds:schemaRef ds:uri="http://schemas.openxmlformats.org/package/2006/metadata/core-properties"/>
-    <ds:schemaRef ds:uri="http://purl.org/dc/elements/1.1/"/>
-    <ds:schemaRef ds:uri="http://purl.org/dc/terms/"/>
-    <ds:schemaRef ds:uri="http://schemas.microsoft.com/internal/obd"/>
+    <ds:schemaRef ds:uri="http://schemas.microsoft.com/sharepoint/v3/contenttype/forms"/>
   </ds:schemaRefs>
 </ds:datastoreItem>
 </file>
@@ -41152,9 +41211,20 @@
 </file>
 
 <file path=customXml/itemProps3.xml><?xml version="1.0" encoding="utf-8"?>
-<ds:datastoreItem xmlns:ds="http://schemas.openxmlformats.org/officeDocument/2006/customXml" ds:itemID="{A98CD342-50C4-441F-B4A3-7D5ADB057132}">
+<ds:datastoreItem xmlns:ds="http://schemas.openxmlformats.org/officeDocument/2006/customXml" ds:itemID="{2772B1AE-A3BA-4700-8DCD-4A25B8D329B2}">
   <ds:schemaRefs>
-    <ds:schemaRef ds:uri="http://schemas.microsoft.com/sharepoint/v3/contenttype/forms"/>
+    <ds:schemaRef ds:uri="http://schemas.microsoft.com/office/2006/metadata/contentType"/>
+    <ds:schemaRef ds:uri="http://schemas.microsoft.com/office/2006/metadata/properties/metaAttributes"/>
+    <ds:schemaRef ds:uri="http://www.w3.org/2001/XMLSchema"/>
+    <ds:schemaRef ds:uri="http://schemas.microsoft.com/office/2006/metadata/properties"/>
+    <ds:schemaRef ds:uri="49ea7286-31dc-4857-8ba0-9dd5131121ba"/>
+    <ds:schemaRef ds:uri="490ae867-905f-461a-953e-c60010c4e0c9"/>
+    <ds:schemaRef ds:uri="http://schemas.microsoft.com/office/2006/documentManagement/types"/>
+    <ds:schemaRef ds:uri="http://schemas.microsoft.com/office/infopath/2007/PartnerControls"/>
+    <ds:schemaRef ds:uri="http://schemas.openxmlformats.org/package/2006/metadata/core-properties"/>
+    <ds:schemaRef ds:uri="http://purl.org/dc/elements/1.1/"/>
+    <ds:schemaRef ds:uri="http://purl.org/dc/terms/"/>
+    <ds:schemaRef ds:uri="http://schemas.microsoft.com/internal/obd"/>
   </ds:schemaRefs>
 </ds:datastoreItem>
 </file>

--- a/ProjInf_AI_Driving_Classification.pptx
+++ b/ProjInf_AI_Driving_Classification.pptx
@@ -30995,66 +30995,6 @@
           </a:p>
         </p:txBody>
       </p:sp>
-      <p:pic>
-        <p:nvPicPr>
-          <p:cNvPr id="17" name="Picture 16">
-            <a:extLst>
-              <a:ext uri="{FF2B5EF4-FFF2-40B4-BE49-F238E27FC236}">
-                <a16:creationId xmlns:a16="http://schemas.microsoft.com/office/drawing/2014/main" id="{CF3D054E-BF66-4A80-4A95-477E6815565E}"/>
-              </a:ext>
-            </a:extLst>
-          </p:cNvPr>
-          <p:cNvPicPr>
-            <a:picLocks noChangeAspect="1"/>
-          </p:cNvPicPr>
-          <p:nvPr/>
-        </p:nvPicPr>
-        <p:blipFill>
-          <a:blip r:embed="rId4"/>
-          <a:stretch>
-            <a:fillRect/>
-          </a:stretch>
-        </p:blipFill>
-        <p:spPr>
-          <a:xfrm>
-            <a:off x="1520662" y="1883870"/>
-            <a:ext cx="9753890" cy="1020815"/>
-          </a:xfrm>
-          <a:prstGeom prst="rect">
-            <a:avLst/>
-          </a:prstGeom>
-        </p:spPr>
-      </p:pic>
-      <p:pic>
-        <p:nvPicPr>
-          <p:cNvPr id="19" name="Picture 18">
-            <a:extLst>
-              <a:ext uri="{FF2B5EF4-FFF2-40B4-BE49-F238E27FC236}">
-                <a16:creationId xmlns:a16="http://schemas.microsoft.com/office/drawing/2014/main" id="{90D7B7A8-01FE-F619-B2E5-3AD3BE2EAE06}"/>
-              </a:ext>
-            </a:extLst>
-          </p:cNvPr>
-          <p:cNvPicPr>
-            <a:picLocks noChangeAspect="1"/>
-          </p:cNvPicPr>
-          <p:nvPr/>
-        </p:nvPicPr>
-        <p:blipFill>
-          <a:blip r:embed="rId5"/>
-          <a:stretch>
-            <a:fillRect/>
-          </a:stretch>
-        </p:blipFill>
-        <p:spPr>
-          <a:xfrm>
-            <a:off x="1520662" y="4028558"/>
-            <a:ext cx="9753890" cy="1016560"/>
-          </a:xfrm>
-          <a:prstGeom prst="rect">
-            <a:avLst/>
-          </a:prstGeom>
-        </p:spPr>
-      </p:pic>
       <p:sp>
         <p:nvSpPr>
           <p:cNvPr id="20" name="Title 6">
@@ -31071,7 +31011,7 @@
         </p:nvSpPr>
         <p:spPr>
           <a:xfrm>
-            <a:off x="4926050" y="1371874"/>
+            <a:off x="4996386" y="1439082"/>
             <a:ext cx="2199226" cy="504310"/>
           </a:xfrm>
           <a:prstGeom prst="rect">
@@ -31140,7 +31080,7 @@
         </p:nvSpPr>
         <p:spPr>
           <a:xfrm>
-            <a:off x="4945737" y="3529331"/>
+            <a:off x="4945736" y="3490716"/>
             <a:ext cx="2300525" cy="504310"/>
           </a:xfrm>
           <a:prstGeom prst="rect">
@@ -31193,6 +31133,66 @@
           </a:p>
         </p:txBody>
       </p:sp>
+      <p:pic>
+        <p:nvPicPr>
+          <p:cNvPr id="9" name="Picture 8">
+            <a:extLst>
+              <a:ext uri="{FF2B5EF4-FFF2-40B4-BE49-F238E27FC236}">
+                <a16:creationId xmlns:a16="http://schemas.microsoft.com/office/drawing/2014/main" id="{E510E2E7-6354-2A2A-B9ED-121B0B0F7267}"/>
+              </a:ext>
+            </a:extLst>
+          </p:cNvPr>
+          <p:cNvPicPr>
+            <a:picLocks noChangeAspect="1"/>
+          </p:cNvPicPr>
+          <p:nvPr/>
+        </p:nvPicPr>
+        <p:blipFill>
+          <a:blip r:embed="rId4"/>
+          <a:stretch>
+            <a:fillRect/>
+          </a:stretch>
+        </p:blipFill>
+        <p:spPr>
+          <a:xfrm>
+            <a:off x="1582719" y="2208534"/>
+            <a:ext cx="9629775" cy="542925"/>
+          </a:xfrm>
+          <a:prstGeom prst="rect">
+            <a:avLst/>
+          </a:prstGeom>
+        </p:spPr>
+      </p:pic>
+      <p:pic>
+        <p:nvPicPr>
+          <p:cNvPr id="11" name="Picture 10">
+            <a:extLst>
+              <a:ext uri="{FF2B5EF4-FFF2-40B4-BE49-F238E27FC236}">
+                <a16:creationId xmlns:a16="http://schemas.microsoft.com/office/drawing/2014/main" id="{DD88CE3C-461F-14D6-6D52-6651759EF868}"/>
+              </a:ext>
+            </a:extLst>
+          </p:cNvPr>
+          <p:cNvPicPr>
+            <a:picLocks noChangeAspect="1"/>
+          </p:cNvPicPr>
+          <p:nvPr/>
+        </p:nvPicPr>
+        <p:blipFill>
+          <a:blip r:embed="rId5"/>
+          <a:stretch>
+            <a:fillRect/>
+          </a:stretch>
+        </p:blipFill>
+        <p:spPr>
+          <a:xfrm>
+            <a:off x="1115993" y="4298783"/>
+            <a:ext cx="10563225" cy="400050"/>
+          </a:xfrm>
+          <a:prstGeom prst="rect">
+            <a:avLst/>
+          </a:prstGeom>
+        </p:spPr>
+      </p:pic>
     </p:spTree>
     <p:extLst>
       <p:ext uri="{BB962C8B-B14F-4D97-AF65-F5344CB8AC3E}">
@@ -31250,33 +31250,6 @@
                                   </p:childTnLst>
                                 </p:cTn>
                               </p:par>
-                              <p:par>
-                                <p:cTn id="7" presetID="1" presetClass="entr" presetSubtype="0" fill="hold" nodeType="withEffect">
-                                  <p:stCondLst>
-                                    <p:cond delay="0"/>
-                                  </p:stCondLst>
-                                  <p:childTnLst>
-                                    <p:set>
-                                      <p:cBhvr>
-                                        <p:cTn id="8" dur="1" fill="hold">
-                                          <p:stCondLst>
-                                            <p:cond delay="0"/>
-                                          </p:stCondLst>
-                                        </p:cTn>
-                                        <p:tgtEl>
-                                          <p:spTgt spid="17"/>
-                                        </p:tgtEl>
-                                        <p:attrNameLst>
-                                          <p:attrName>style.visibility</p:attrName>
-                                        </p:attrNameLst>
-                                      </p:cBhvr>
-                                      <p:to>
-                                        <p:strVal val="visible"/>
-                                      </p:to>
-                                    </p:set>
-                                  </p:childTnLst>
-                                </p:cTn>
-                              </p:par>
                             </p:childTnLst>
                           </p:cTn>
                         </p:par>
@@ -31284,59 +31257,32 @@
                     </p:cTn>
                   </p:par>
                   <p:par>
-                    <p:cTn id="9" fill="hold">
+                    <p:cTn id="7" fill="hold">
                       <p:stCondLst>
                         <p:cond delay="indefinite"/>
                       </p:stCondLst>
                       <p:childTnLst>
                         <p:par>
-                          <p:cTn id="10" fill="hold">
+                          <p:cTn id="8" fill="hold">
                             <p:stCondLst>
                               <p:cond delay="0"/>
                             </p:stCondLst>
                             <p:childTnLst>
                               <p:par>
-                                <p:cTn id="11" presetID="1" presetClass="entr" presetSubtype="0" fill="hold" grpId="0" nodeType="clickEffect">
+                                <p:cTn id="9" presetID="1" presetClass="entr" presetSubtype="0" fill="hold" grpId="0" nodeType="clickEffect">
                                   <p:stCondLst>
                                     <p:cond delay="0"/>
                                   </p:stCondLst>
                                   <p:childTnLst>
                                     <p:set>
                                       <p:cBhvr>
-                                        <p:cTn id="12" dur="1" fill="hold">
+                                        <p:cTn id="10" dur="1" fill="hold">
                                           <p:stCondLst>
                                             <p:cond delay="0"/>
                                           </p:stCondLst>
                                         </p:cTn>
                                         <p:tgtEl>
                                           <p:spTgt spid="21"/>
-                                        </p:tgtEl>
-                                        <p:attrNameLst>
-                                          <p:attrName>style.visibility</p:attrName>
-                                        </p:attrNameLst>
-                                      </p:cBhvr>
-                                      <p:to>
-                                        <p:strVal val="visible"/>
-                                      </p:to>
-                                    </p:set>
-                                  </p:childTnLst>
-                                </p:cTn>
-                              </p:par>
-                              <p:par>
-                                <p:cTn id="13" presetID="1" presetClass="entr" presetSubtype="0" fill="hold" nodeType="withEffect">
-                                  <p:stCondLst>
-                                    <p:cond delay="0"/>
-                                  </p:stCondLst>
-                                  <p:childTnLst>
-                                    <p:set>
-                                      <p:cBhvr>
-                                        <p:cTn id="14" dur="1" fill="hold">
-                                          <p:stCondLst>
-                                            <p:cond delay="0"/>
-                                          </p:stCondLst>
-                                        </p:cTn>
-                                        <p:tgtEl>
-                                          <p:spTgt spid="19"/>
                                         </p:tgtEl>
                                         <p:attrNameLst>
                                           <p:attrName>style.visibility</p:attrName>
@@ -40942,15 +40888,6 @@
 </file>
 
 <file path=customXml/item2.xml><?xml version="1.0" encoding="utf-8"?>
-<p:properties xmlns:p="http://schemas.microsoft.com/office/2006/metadata/properties" xmlns:xsi="http://www.w3.org/2001/XMLSchema-instance" xmlns:pc="http://schemas.microsoft.com/office/infopath/2007/PartnerControls">
-  <documentManagement>
-    <MediaServiceKeyPoints xmlns="49ea7286-31dc-4857-8ba0-9dd5131121ba" xsi:nil="true"/>
-    <_activity xmlns="49ea7286-31dc-4857-8ba0-9dd5131121ba" xsi:nil="true"/>
-  </documentManagement>
-</p:properties>
-</file>
-
-<file path=customXml/item3.xml><?xml version="1.0" encoding="utf-8"?>
 <ct:contentTypeSchema xmlns:ct="http://schemas.microsoft.com/office/2006/metadata/contentType" xmlns:ma="http://schemas.microsoft.com/office/2006/metadata/properties/metaAttributes" ct:_="" ma:_="" ma:contentTypeName="Document" ma:contentTypeID="0x010100A73A92E9BB0D154D881191BAEDDE609C" ma:contentTypeVersion="15" ma:contentTypeDescription="Create a new document." ma:contentTypeScope="" ma:versionID="efb1cbc0b36a0d4d469bd0290935f8df">
   <xsd:schema xmlns:xsd="http://www.w3.org/2001/XMLSchema" xmlns:xs="http://www.w3.org/2001/XMLSchema" xmlns:p="http://schemas.microsoft.com/office/2006/metadata/properties" xmlns:ns3="49ea7286-31dc-4857-8ba0-9dd5131121ba" xmlns:ns4="490ae867-905f-461a-953e-c60010c4e0c9" targetNamespace="http://schemas.microsoft.com/office/2006/metadata/properties" ma:root="true" ma:fieldsID="f3e6108c9adebc81ed2cd74cc74f8ca6" ns3:_="" ns4:_="">
     <xsd:import namespace="49ea7286-31dc-4857-8ba0-9dd5131121ba"/>
@@ -41185,6 +41122,15 @@
 </ct:contentTypeSchema>
 </file>
 
+<file path=customXml/item3.xml><?xml version="1.0" encoding="utf-8"?>
+<p:properties xmlns:p="http://schemas.microsoft.com/office/2006/metadata/properties" xmlns:xsi="http://www.w3.org/2001/XMLSchema-instance" xmlns:pc="http://schemas.microsoft.com/office/infopath/2007/PartnerControls">
+  <documentManagement>
+    <MediaServiceKeyPoints xmlns="49ea7286-31dc-4857-8ba0-9dd5131121ba" xsi:nil="true"/>
+    <_activity xmlns="49ea7286-31dc-4857-8ba0-9dd5131121ba" xsi:nil="true"/>
+  </documentManagement>
+</p:properties>
+</file>
+
 <file path=customXml/itemProps1.xml><?xml version="1.0" encoding="utf-8"?>
 <ds:datastoreItem xmlns:ds="http://schemas.openxmlformats.org/officeDocument/2006/customXml" ds:itemID="{A98CD342-50C4-441F-B4A3-7D5ADB057132}">
   <ds:schemaRefs>
@@ -41194,23 +41140,6 @@
 </file>
 
 <file path=customXml/itemProps2.xml><?xml version="1.0" encoding="utf-8"?>
-<ds:datastoreItem xmlns:ds="http://schemas.openxmlformats.org/officeDocument/2006/customXml" ds:itemID="{CBDD27D0-5B6E-4A0E-95B2-BB37F9D88615}">
-  <ds:schemaRefs>
-    <ds:schemaRef ds:uri="http://purl.org/dc/dcmitype/"/>
-    <ds:schemaRef ds:uri="http://www.w3.org/XML/1998/namespace"/>
-    <ds:schemaRef ds:uri="http://schemas.openxmlformats.org/package/2006/metadata/core-properties"/>
-    <ds:schemaRef ds:uri="http://schemas.microsoft.com/office/2006/metadata/properties"/>
-    <ds:schemaRef ds:uri="http://purl.org/dc/elements/1.1/"/>
-    <ds:schemaRef ds:uri="http://schemas.microsoft.com/office/2006/documentManagement/types"/>
-    <ds:schemaRef ds:uri="http://purl.org/dc/terms/"/>
-    <ds:schemaRef ds:uri="http://schemas.microsoft.com/office/infopath/2007/PartnerControls"/>
-    <ds:schemaRef ds:uri="490ae867-905f-461a-953e-c60010c4e0c9"/>
-    <ds:schemaRef ds:uri="49ea7286-31dc-4857-8ba0-9dd5131121ba"/>
-  </ds:schemaRefs>
-</ds:datastoreItem>
-</file>
-
-<file path=customXml/itemProps3.xml><?xml version="1.0" encoding="utf-8"?>
 <ds:datastoreItem xmlns:ds="http://schemas.openxmlformats.org/officeDocument/2006/customXml" ds:itemID="{2772B1AE-A3BA-4700-8DCD-4A25B8D329B2}">
   <ds:schemaRefs>
     <ds:schemaRef ds:uri="http://schemas.microsoft.com/office/2006/metadata/contentType"/>
@@ -41229,6 +41158,23 @@
 </ds:datastoreItem>
 </file>
 
+<file path=customXml/itemProps3.xml><?xml version="1.0" encoding="utf-8"?>
+<ds:datastoreItem xmlns:ds="http://schemas.openxmlformats.org/officeDocument/2006/customXml" ds:itemID="{CBDD27D0-5B6E-4A0E-95B2-BB37F9D88615}">
+  <ds:schemaRefs>
+    <ds:schemaRef ds:uri="http://purl.org/dc/dcmitype/"/>
+    <ds:schemaRef ds:uri="http://www.w3.org/XML/1998/namespace"/>
+    <ds:schemaRef ds:uri="http://schemas.openxmlformats.org/package/2006/metadata/core-properties"/>
+    <ds:schemaRef ds:uri="http://schemas.microsoft.com/office/2006/metadata/properties"/>
+    <ds:schemaRef ds:uri="http://purl.org/dc/elements/1.1/"/>
+    <ds:schemaRef ds:uri="http://schemas.microsoft.com/office/2006/documentManagement/types"/>
+    <ds:schemaRef ds:uri="http://purl.org/dc/terms/"/>
+    <ds:schemaRef ds:uri="http://schemas.microsoft.com/office/infopath/2007/PartnerControls"/>
+    <ds:schemaRef ds:uri="490ae867-905f-461a-953e-c60010c4e0c9"/>
+    <ds:schemaRef ds:uri="49ea7286-31dc-4857-8ba0-9dd5131121ba"/>
+  </ds:schemaRefs>
+</ds:datastoreItem>
+</file>
+
 <file path=docMetadata/LabelInfo.xml><?xml version="1.0" encoding="utf-8"?>
 <clbl:labelList xmlns:clbl="http://schemas.microsoft.com/office/2020/mipLabelMetadata"/>
 </file>
--- a/ProjInf_AI_Driving_Classification.pptx
+++ b/ProjInf_AI_Driving_Classification.pptx
@@ -31135,62 +31135,114 @@
       </p:sp>
       <p:pic>
         <p:nvPicPr>
-          <p:cNvPr id="9" name="Picture 8">
+          <p:cNvPr id="1026" name="Picture 2">
             <a:extLst>
               <a:ext uri="{FF2B5EF4-FFF2-40B4-BE49-F238E27FC236}">
-                <a16:creationId xmlns:a16="http://schemas.microsoft.com/office/drawing/2014/main" id="{E510E2E7-6354-2A2A-B9ED-121B0B0F7267}"/>
+                <a16:creationId xmlns:a16="http://schemas.microsoft.com/office/drawing/2014/main" id="{B76DF296-6181-76BE-8D21-EFCE701AEF8B}"/>
               </a:ext>
             </a:extLst>
           </p:cNvPr>
           <p:cNvPicPr>
-            <a:picLocks noChangeAspect="1"/>
+            <a:picLocks noChangeAspect="1" noChangeArrowheads="1"/>
           </p:cNvPicPr>
           <p:nvPr/>
         </p:nvPicPr>
         <p:blipFill>
-          <a:blip r:embed="rId4"/>
+          <a:blip r:embed="rId4">
+            <a:extLst>
+              <a:ext uri="{BEBA8EAE-BF5A-486C-A8C5-ECC9F3942E4B}">
+                <a14:imgProps xmlns:a14="http://schemas.microsoft.com/office/drawing/2010/main">
+                  <a14:imgLayer r:embed="rId5">
+                    <a14:imgEffect>
+                      <a14:sharpenSoften amount="18000"/>
+                    </a14:imgEffect>
+                  </a14:imgLayer>
+                </a14:imgProps>
+              </a:ext>
+              <a:ext uri="{28A0092B-C50C-407E-A947-70E740481C1C}">
+                <a14:useLocalDpi xmlns:a14="http://schemas.microsoft.com/office/drawing/2010/main" val="0"/>
+              </a:ext>
+            </a:extLst>
+          </a:blip>
+          <a:srcRect/>
           <a:stretch>
             <a:fillRect/>
           </a:stretch>
         </p:blipFill>
-        <p:spPr>
+        <p:spPr bwMode="auto">
           <a:xfrm>
-            <a:off x="1582719" y="2208534"/>
-            <a:ext cx="9629775" cy="542925"/>
+            <a:off x="1281110" y="3995026"/>
+            <a:ext cx="10563225" cy="542925"/>
           </a:xfrm>
           <a:prstGeom prst="rect">
             <a:avLst/>
           </a:prstGeom>
+          <a:noFill/>
+          <a:extLst>
+            <a:ext uri="{909E8E84-426E-40DD-AFC4-6F175D3DCCD1}">
+              <a14:hiddenFill xmlns:a14="http://schemas.microsoft.com/office/drawing/2010/main">
+                <a:solidFill>
+                  <a:srgbClr val="FFFFFF"/>
+                </a:solidFill>
+              </a14:hiddenFill>
+            </a:ext>
+          </a:extLst>
         </p:spPr>
       </p:pic>
       <p:pic>
         <p:nvPicPr>
-          <p:cNvPr id="11" name="Picture 10">
+          <p:cNvPr id="1028" name="Picture 4">
             <a:extLst>
               <a:ext uri="{FF2B5EF4-FFF2-40B4-BE49-F238E27FC236}">
-                <a16:creationId xmlns:a16="http://schemas.microsoft.com/office/drawing/2014/main" id="{DD88CE3C-461F-14D6-6D52-6651759EF868}"/>
+                <a16:creationId xmlns:a16="http://schemas.microsoft.com/office/drawing/2014/main" id="{498A1669-5768-33DD-6AF4-98C9E18B99AF}"/>
               </a:ext>
             </a:extLst>
           </p:cNvPr>
           <p:cNvPicPr>
-            <a:picLocks noChangeAspect="1"/>
+            <a:picLocks noChangeAspect="1" noChangeArrowheads="1"/>
           </p:cNvPicPr>
           <p:nvPr/>
         </p:nvPicPr>
         <p:blipFill>
-          <a:blip r:embed="rId5"/>
+          <a:blip r:embed="rId6">
+            <a:extLst>
+              <a:ext uri="{BEBA8EAE-BF5A-486C-A8C5-ECC9F3942E4B}">
+                <a14:imgProps xmlns:a14="http://schemas.microsoft.com/office/drawing/2010/main">
+                  <a14:imgLayer r:embed="rId7">
+                    <a14:imgEffect>
+                      <a14:sharpenSoften amount="15000"/>
+                    </a14:imgEffect>
+                  </a14:imgLayer>
+                </a14:imgProps>
+              </a:ext>
+              <a:ext uri="{28A0092B-C50C-407E-A947-70E740481C1C}">
+                <a14:useLocalDpi xmlns:a14="http://schemas.microsoft.com/office/drawing/2010/main" val="0"/>
+              </a:ext>
+            </a:extLst>
+          </a:blip>
+          <a:srcRect/>
           <a:stretch>
             <a:fillRect/>
           </a:stretch>
         </p:blipFill>
-        <p:spPr>
+        <p:spPr bwMode="auto">
           <a:xfrm>
-            <a:off x="1115993" y="4298783"/>
-            <a:ext cx="10563225" cy="400050"/>
+            <a:off x="1281110" y="1949606"/>
+            <a:ext cx="9629775" cy="604369"/>
           </a:xfrm>
           <a:prstGeom prst="rect">
             <a:avLst/>
           </a:prstGeom>
+          <a:noFill/>
+          <a:extLst>
+            <a:ext uri="{909E8E84-426E-40DD-AFC4-6F175D3DCCD1}">
+              <a14:hiddenFill xmlns:a14="http://schemas.microsoft.com/office/drawing/2010/main">
+                <a:solidFill>
+                  <a:srgbClr val="FFFFFF"/>
+                </a:solidFill>
+              </a14:hiddenFill>
+            </a:ext>
+          </a:extLst>
         </p:spPr>
       </p:pic>
     </p:spTree>
@@ -31250,6 +31302,33 @@
                                   </p:childTnLst>
                                 </p:cTn>
                               </p:par>
+                              <p:par>
+                                <p:cTn id="7" presetID="1" presetClass="entr" presetSubtype="0" fill="hold" nodeType="withEffect">
+                                  <p:stCondLst>
+                                    <p:cond delay="0"/>
+                                  </p:stCondLst>
+                                  <p:childTnLst>
+                                    <p:set>
+                                      <p:cBhvr>
+                                        <p:cTn id="8" dur="1" fill="hold">
+                                          <p:stCondLst>
+                                            <p:cond delay="0"/>
+                                          </p:stCondLst>
+                                        </p:cTn>
+                                        <p:tgtEl>
+                                          <p:spTgt spid="1028"/>
+                                        </p:tgtEl>
+                                        <p:attrNameLst>
+                                          <p:attrName>style.visibility</p:attrName>
+                                        </p:attrNameLst>
+                                      </p:cBhvr>
+                                      <p:to>
+                                        <p:strVal val="visible"/>
+                                      </p:to>
+                                    </p:set>
+                                  </p:childTnLst>
+                                </p:cTn>
+                              </p:par>
                             </p:childTnLst>
                           </p:cTn>
                         </p:par>
@@ -31257,32 +31336,59 @@
                     </p:cTn>
                   </p:par>
                   <p:par>
-                    <p:cTn id="7" fill="hold">
+                    <p:cTn id="9" fill="hold">
                       <p:stCondLst>
                         <p:cond delay="indefinite"/>
                       </p:stCondLst>
                       <p:childTnLst>
                         <p:par>
-                          <p:cTn id="8" fill="hold">
+                          <p:cTn id="10" fill="hold">
                             <p:stCondLst>
                               <p:cond delay="0"/>
                             </p:stCondLst>
                             <p:childTnLst>
                               <p:par>
-                                <p:cTn id="9" presetID="1" presetClass="entr" presetSubtype="0" fill="hold" grpId="0" nodeType="clickEffect">
+                                <p:cTn id="11" presetID="1" presetClass="entr" presetSubtype="0" fill="hold" grpId="0" nodeType="clickEffect">
                                   <p:stCondLst>
                                     <p:cond delay="0"/>
                                   </p:stCondLst>
                                   <p:childTnLst>
                                     <p:set>
                                       <p:cBhvr>
-                                        <p:cTn id="10" dur="1" fill="hold">
+                                        <p:cTn id="12" dur="1" fill="hold">
                                           <p:stCondLst>
                                             <p:cond delay="0"/>
                                           </p:stCondLst>
                                         </p:cTn>
                                         <p:tgtEl>
                                           <p:spTgt spid="21"/>
+                                        </p:tgtEl>
+                                        <p:attrNameLst>
+                                          <p:attrName>style.visibility</p:attrName>
+                                        </p:attrNameLst>
+                                      </p:cBhvr>
+                                      <p:to>
+                                        <p:strVal val="visible"/>
+                                      </p:to>
+                                    </p:set>
+                                  </p:childTnLst>
+                                </p:cTn>
+                              </p:par>
+                              <p:par>
+                                <p:cTn id="13" presetID="1" presetClass="entr" presetSubtype="0" fill="hold" nodeType="withEffect">
+                                  <p:stCondLst>
+                                    <p:cond delay="0"/>
+                                  </p:stCondLst>
+                                  <p:childTnLst>
+                                    <p:set>
+                                      <p:cBhvr>
+                                        <p:cTn id="14" dur="1" fill="hold">
+                                          <p:stCondLst>
+                                            <p:cond delay="0"/>
+                                          </p:stCondLst>
+                                        </p:cTn>
+                                        <p:tgtEl>
+                                          <p:spTgt spid="1026"/>
                                         </p:tgtEl>
                                         <p:attrNameLst>
                                           <p:attrName>style.visibility</p:attrName>
@@ -40879,15 +40985,6 @@
 </file>
 
 <file path=customXml/item1.xml><?xml version="1.0" encoding="utf-8"?>
-<?mso-contentType ?>
-<FormTemplates xmlns="http://schemas.microsoft.com/sharepoint/v3/contenttype/forms">
-  <Display>DocumentLibraryForm</Display>
-  <Edit>DocumentLibraryForm</Edit>
-  <New>DocumentLibraryForm</New>
-</FormTemplates>
-</file>
-
-<file path=customXml/item2.xml><?xml version="1.0" encoding="utf-8"?>
 <ct:contentTypeSchema xmlns:ct="http://schemas.microsoft.com/office/2006/metadata/contentType" xmlns:ma="http://schemas.microsoft.com/office/2006/metadata/properties/metaAttributes" ct:_="" ma:_="" ma:contentTypeName="Document" ma:contentTypeID="0x010100A73A92E9BB0D154D881191BAEDDE609C" ma:contentTypeVersion="15" ma:contentTypeDescription="Create a new document." ma:contentTypeScope="" ma:versionID="efb1cbc0b36a0d4d469bd0290935f8df">
   <xsd:schema xmlns:xsd="http://www.w3.org/2001/XMLSchema" xmlns:xs="http://www.w3.org/2001/XMLSchema" xmlns:p="http://schemas.microsoft.com/office/2006/metadata/properties" xmlns:ns3="49ea7286-31dc-4857-8ba0-9dd5131121ba" xmlns:ns4="490ae867-905f-461a-953e-c60010c4e0c9" targetNamespace="http://schemas.microsoft.com/office/2006/metadata/properties" ma:root="true" ma:fieldsID="f3e6108c9adebc81ed2cd74cc74f8ca6" ns3:_="" ns4:_="">
     <xsd:import namespace="49ea7286-31dc-4857-8ba0-9dd5131121ba"/>
@@ -41122,6 +41219,15 @@
 </ct:contentTypeSchema>
 </file>
 
+<file path=customXml/item2.xml><?xml version="1.0" encoding="utf-8"?>
+<?mso-contentType ?>
+<FormTemplates xmlns="http://schemas.microsoft.com/sharepoint/v3/contenttype/forms">
+  <Display>DocumentLibraryForm</Display>
+  <Edit>DocumentLibraryForm</Edit>
+  <New>DocumentLibraryForm</New>
+</FormTemplates>
+</file>
+
 <file path=customXml/item3.xml><?xml version="1.0" encoding="utf-8"?>
 <p:properties xmlns:p="http://schemas.microsoft.com/office/2006/metadata/properties" xmlns:xsi="http://www.w3.org/2001/XMLSchema-instance" xmlns:pc="http://schemas.microsoft.com/office/infopath/2007/PartnerControls">
   <documentManagement>
@@ -41132,14 +41238,6 @@
 </file>
 
 <file path=customXml/itemProps1.xml><?xml version="1.0" encoding="utf-8"?>
-<ds:datastoreItem xmlns:ds="http://schemas.openxmlformats.org/officeDocument/2006/customXml" ds:itemID="{A98CD342-50C4-441F-B4A3-7D5ADB057132}">
-  <ds:schemaRefs>
-    <ds:schemaRef ds:uri="http://schemas.microsoft.com/sharepoint/v3/contenttype/forms"/>
-  </ds:schemaRefs>
-</ds:datastoreItem>
-</file>
-
-<file path=customXml/itemProps2.xml><?xml version="1.0" encoding="utf-8"?>
 <ds:datastoreItem xmlns:ds="http://schemas.openxmlformats.org/officeDocument/2006/customXml" ds:itemID="{2772B1AE-A3BA-4700-8DCD-4A25B8D329B2}">
   <ds:schemaRefs>
     <ds:schemaRef ds:uri="http://schemas.microsoft.com/office/2006/metadata/contentType"/>
@@ -41154,6 +41252,14 @@
     <ds:schemaRef ds:uri="http://purl.org/dc/elements/1.1/"/>
     <ds:schemaRef ds:uri="http://purl.org/dc/terms/"/>
     <ds:schemaRef ds:uri="http://schemas.microsoft.com/internal/obd"/>
+  </ds:schemaRefs>
+</ds:datastoreItem>
+</file>
+
+<file path=customXml/itemProps2.xml><?xml version="1.0" encoding="utf-8"?>
+<ds:datastoreItem xmlns:ds="http://schemas.openxmlformats.org/officeDocument/2006/customXml" ds:itemID="{A98CD342-50C4-441F-B4A3-7D5ADB057132}">
+  <ds:schemaRefs>
+    <ds:schemaRef ds:uri="http://schemas.microsoft.com/sharepoint/v3/contenttype/forms"/>
   </ds:schemaRefs>
 </ds:datastoreItem>
 </file>

--- a/ProjInf_AI_Driving_Classification.pptx
+++ b/ProjInf_AI_Driving_Classification.pptx
@@ -5,10 +5,10 @@
     <p:sldMasterId id="2147483648" r:id="rId4"/>
   </p:sldMasterIdLst>
   <p:notesMasterIdLst>
-    <p:notesMasterId r:id="rId33"/>
+    <p:notesMasterId r:id="rId31"/>
   </p:notesMasterIdLst>
   <p:handoutMasterIdLst>
-    <p:handoutMasterId r:id="rId34"/>
+    <p:handoutMasterId r:id="rId32"/>
   </p:handoutMasterIdLst>
   <p:sldIdLst>
     <p:sldId id="322" r:id="rId5"/>
@@ -22,23 +22,21 @@
     <p:sldId id="376" r:id="rId13"/>
     <p:sldId id="359" r:id="rId14"/>
     <p:sldId id="383" r:id="rId15"/>
-    <p:sldId id="370" r:id="rId16"/>
-    <p:sldId id="372" r:id="rId17"/>
-    <p:sldId id="390" r:id="rId18"/>
-    <p:sldId id="389" r:id="rId19"/>
-    <p:sldId id="384" r:id="rId20"/>
-    <p:sldId id="385" r:id="rId21"/>
-    <p:sldId id="377" r:id="rId22"/>
-    <p:sldId id="374" r:id="rId23"/>
-    <p:sldId id="375" r:id="rId24"/>
-    <p:sldId id="378" r:id="rId25"/>
-    <p:sldId id="381" r:id="rId26"/>
-    <p:sldId id="380" r:id="rId27"/>
-    <p:sldId id="382" r:id="rId28"/>
-    <p:sldId id="368" r:id="rId29"/>
-    <p:sldId id="366" r:id="rId30"/>
-    <p:sldId id="364" r:id="rId31"/>
-    <p:sldId id="379" r:id="rId32"/>
+    <p:sldId id="390" r:id="rId16"/>
+    <p:sldId id="389" r:id="rId17"/>
+    <p:sldId id="384" r:id="rId18"/>
+    <p:sldId id="385" r:id="rId19"/>
+    <p:sldId id="377" r:id="rId20"/>
+    <p:sldId id="374" r:id="rId21"/>
+    <p:sldId id="375" r:id="rId22"/>
+    <p:sldId id="378" r:id="rId23"/>
+    <p:sldId id="381" r:id="rId24"/>
+    <p:sldId id="380" r:id="rId25"/>
+    <p:sldId id="382" r:id="rId26"/>
+    <p:sldId id="368" r:id="rId27"/>
+    <p:sldId id="366" r:id="rId28"/>
+    <p:sldId id="364" r:id="rId29"/>
+    <p:sldId id="379" r:id="rId30"/>
   </p:sldIdLst>
   <p:sldSz cx="12192000" cy="6858000"/>
   <p:notesSz cx="10234613" cy="7104063"/>
@@ -3807,7 +3805,7 @@
     </p:spTree>
     <p:extLst>
       <p:ext uri="{BB962C8B-B14F-4D97-AF65-F5344CB8AC3E}">
-        <p14:creationId xmlns:p14="http://schemas.microsoft.com/office/powerpoint/2010/main" val="2418448261"/>
+        <p14:creationId xmlns:p14="http://schemas.microsoft.com/office/powerpoint/2010/main" val="3702960415"/>
       </p:ext>
     </p:extLst>
   </p:cSld>
@@ -3891,7 +3889,7 @@
     </p:spTree>
     <p:extLst>
       <p:ext uri="{BB962C8B-B14F-4D97-AF65-F5344CB8AC3E}">
-        <p14:creationId xmlns:p14="http://schemas.microsoft.com/office/powerpoint/2010/main" val="3743273699"/>
+        <p14:creationId xmlns:p14="http://schemas.microsoft.com/office/powerpoint/2010/main" val="2192743149"/>
       </p:ext>
     </p:extLst>
   </p:cSld>
@@ -3945,7 +3943,110 @@
           <a:bodyPr/>
           <a:lstStyle/>
           <a:p>
+            <a:r>
+              <a:rPr lang="pt-PT" sz="2800" b="1" dirty="0" err="1"/>
+              <a:t>Accuracy</a:t>
+            </a:r>
+            <a:r>
+              <a:rPr lang="pt-PT" sz="2800" b="1" dirty="0"/>
+              <a:t> (Exatidão):</a:t>
+            </a:r>
+            <a:r>
+              <a:rPr lang="pt-PT" sz="2800" dirty="0"/>
+              <a:t> Mede a proporção de previsões corretas em relação ao total de previsões.</a:t>
+            </a:r>
+            <a:br>
+              <a:rPr lang="pt-PT" sz="2800" dirty="0"/>
+            </a:br>
+            <a:br>
+              <a:rPr lang="pt-PT" sz="2800" dirty="0"/>
+            </a:br>
+            <a:r>
+              <a:rPr lang="pt-PT" b="1" dirty="0" err="1"/>
+              <a:t>Precision</a:t>
+            </a:r>
+            <a:r>
+              <a:rPr lang="pt-PT" b="1" dirty="0"/>
+              <a:t> (Precisão):</a:t>
+            </a:r>
+            <a:r>
+              <a:rPr lang="pt-PT" dirty="0"/>
+              <a:t> Mede a proporção de verdadeiros positivos entre todas as instâncias classificadas como positivas. </a:t>
+            </a:r>
+          </a:p>
+          <a:p>
             <a:endParaRPr lang="pt-PT" dirty="0"/>
+          </a:p>
+          <a:p>
+            <a:r>
+              <a:rPr lang="pt-PT" b="1" dirty="0"/>
+              <a:t>F1 Score:</a:t>
+            </a:r>
+            <a:r>
+              <a:rPr lang="pt-PT" dirty="0"/>
+              <a:t> Média harmônica entre precisão e </a:t>
+            </a:r>
+            <a:r>
+              <a:rPr lang="pt-PT" dirty="0" err="1"/>
+              <a:t>recall</a:t>
+            </a:r>
+            <a:r>
+              <a:rPr lang="pt-PT" dirty="0"/>
+              <a:t>, útil quando há um equilíbrio entre as duas métricas.</a:t>
+            </a:r>
+          </a:p>
+          <a:p>
+            <a:endParaRPr lang="pt-PT" dirty="0"/>
+          </a:p>
+          <a:p>
+            <a:r>
+              <a:rPr lang="pt-PT" b="1" dirty="0" err="1"/>
+              <a:t>Recall</a:t>
+            </a:r>
+            <a:r>
+              <a:rPr lang="pt-PT" b="1" dirty="0"/>
+              <a:t> (Sensibilidade):</a:t>
+            </a:r>
+            <a:r>
+              <a:rPr lang="pt-PT" dirty="0"/>
+              <a:t> Mede a proporção de verdadeiros positivos entre todas as instâncias que são realmente positivas.</a:t>
+            </a:r>
+          </a:p>
+          <a:p>
+            <a:endParaRPr lang="pt-PT" dirty="0"/>
+          </a:p>
+          <a:p>
+            <a:r>
+              <a:rPr lang="en-US" sz="2800" b="1" dirty="0"/>
+              <a:t>Hamming Loss: </a:t>
+            </a:r>
+            <a:r>
+              <a:rPr lang="pt-PT" sz="1800" dirty="0">
+                <a:effectLst/>
+                <a:latin typeface="Times New Roman" panose="02020603050405020304" pitchFamily="18" charset="0"/>
+                <a:ea typeface="Calibri" panose="020F0502020204030204" pitchFamily="34" charset="0"/>
+                <a:cs typeface="Arial" panose="020B0604020202020204" pitchFamily="34" charset="0"/>
+              </a:rPr>
+              <a:t>mede a taxa de predições incorretas, onde cada predição incorreta conta igualmente.</a:t>
+            </a:r>
+            <a:endParaRPr lang="pt-PT" dirty="0"/>
+          </a:p>
+          <a:p>
+            <a:endParaRPr lang="pt-PT" dirty="0"/>
+          </a:p>
+          <a:p>
+            <a:r>
+              <a:rPr lang="pt-PT" b="1" dirty="0" err="1"/>
+              <a:t>Jaccard</a:t>
+            </a:r>
+            <a:r>
+              <a:rPr lang="pt-PT" b="1" dirty="0"/>
+              <a:t> Score:</a:t>
+            </a:r>
+            <a:r>
+              <a:rPr lang="pt-PT" dirty="0"/>
+              <a:t> Mede a similaridade entre os rótulos preditos e os verdadeiros.</a:t>
+            </a:r>
           </a:p>
         </p:txBody>
       </p:sp>
@@ -3975,7 +4076,7 @@
     </p:spTree>
     <p:extLst>
       <p:ext uri="{BB962C8B-B14F-4D97-AF65-F5344CB8AC3E}">
-        <p14:creationId xmlns:p14="http://schemas.microsoft.com/office/powerpoint/2010/main" val="3702960415"/>
+        <p14:creationId xmlns:p14="http://schemas.microsoft.com/office/powerpoint/2010/main" val="2871996551"/>
       </p:ext>
     </p:extLst>
   </p:cSld>
@@ -4059,7 +4160,7 @@
     </p:spTree>
     <p:extLst>
       <p:ext uri="{BB962C8B-B14F-4D97-AF65-F5344CB8AC3E}">
-        <p14:creationId xmlns:p14="http://schemas.microsoft.com/office/powerpoint/2010/main" val="2192743149"/>
+        <p14:creationId xmlns:p14="http://schemas.microsoft.com/office/powerpoint/2010/main" val="2757855334"/>
       </p:ext>
     </p:extLst>
   </p:cSld>
@@ -4113,110 +4214,7 @@
           <a:bodyPr/>
           <a:lstStyle/>
           <a:p>
-            <a:r>
-              <a:rPr lang="pt-PT" sz="2800" b="1" dirty="0" err="1"/>
-              <a:t>Accuracy</a:t>
-            </a:r>
-            <a:r>
-              <a:rPr lang="pt-PT" sz="2800" b="1" dirty="0"/>
-              <a:t> (Exatidão):</a:t>
-            </a:r>
-            <a:r>
-              <a:rPr lang="pt-PT" sz="2800" dirty="0"/>
-              <a:t> Mede a proporção de previsões corretas em relação ao total de previsões.</a:t>
-            </a:r>
-            <a:br>
-              <a:rPr lang="pt-PT" sz="2800" dirty="0"/>
-            </a:br>
-            <a:br>
-              <a:rPr lang="pt-PT" sz="2800" dirty="0"/>
-            </a:br>
-            <a:r>
-              <a:rPr lang="pt-PT" b="1" dirty="0" err="1"/>
-              <a:t>Precision</a:t>
-            </a:r>
-            <a:r>
-              <a:rPr lang="pt-PT" b="1" dirty="0"/>
-              <a:t> (Precisão):</a:t>
-            </a:r>
-            <a:r>
-              <a:rPr lang="pt-PT" dirty="0"/>
-              <a:t> Mede a proporção de verdadeiros positivos entre todas as instâncias classificadas como positivas. </a:t>
-            </a:r>
-          </a:p>
-          <a:p>
             <a:endParaRPr lang="pt-PT" dirty="0"/>
-          </a:p>
-          <a:p>
-            <a:r>
-              <a:rPr lang="pt-PT" b="1" dirty="0"/>
-              <a:t>F1 Score:</a:t>
-            </a:r>
-            <a:r>
-              <a:rPr lang="pt-PT" dirty="0"/>
-              <a:t> Média harmônica entre precisão e </a:t>
-            </a:r>
-            <a:r>
-              <a:rPr lang="pt-PT" dirty="0" err="1"/>
-              <a:t>recall</a:t>
-            </a:r>
-            <a:r>
-              <a:rPr lang="pt-PT" dirty="0"/>
-              <a:t>, útil quando há um equilíbrio entre as duas métricas.</a:t>
-            </a:r>
-          </a:p>
-          <a:p>
-            <a:endParaRPr lang="pt-PT" dirty="0"/>
-          </a:p>
-          <a:p>
-            <a:r>
-              <a:rPr lang="pt-PT" b="1" dirty="0" err="1"/>
-              <a:t>Recall</a:t>
-            </a:r>
-            <a:r>
-              <a:rPr lang="pt-PT" b="1" dirty="0"/>
-              <a:t> (Sensibilidade):</a:t>
-            </a:r>
-            <a:r>
-              <a:rPr lang="pt-PT" dirty="0"/>
-              <a:t> Mede a proporção de verdadeiros positivos entre todas as instâncias que são realmente positivas.</a:t>
-            </a:r>
-          </a:p>
-          <a:p>
-            <a:endParaRPr lang="pt-PT" dirty="0"/>
-          </a:p>
-          <a:p>
-            <a:r>
-              <a:rPr lang="en-US" sz="2800" b="1" dirty="0"/>
-              <a:t>Hamming Loss: </a:t>
-            </a:r>
-            <a:r>
-              <a:rPr lang="pt-PT" sz="1800" dirty="0">
-                <a:effectLst/>
-                <a:latin typeface="Times New Roman" panose="02020603050405020304" pitchFamily="18" charset="0"/>
-                <a:ea typeface="Calibri" panose="020F0502020204030204" pitchFamily="34" charset="0"/>
-                <a:cs typeface="Arial" panose="020B0604020202020204" pitchFamily="34" charset="0"/>
-              </a:rPr>
-              <a:t>mede a taxa de predições incorretas, onde cada predição incorreta conta igualmente.</a:t>
-            </a:r>
-            <a:endParaRPr lang="pt-PT" dirty="0"/>
-          </a:p>
-          <a:p>
-            <a:endParaRPr lang="pt-PT" dirty="0"/>
-          </a:p>
-          <a:p>
-            <a:r>
-              <a:rPr lang="pt-PT" b="1" dirty="0" err="1"/>
-              <a:t>Jaccard</a:t>
-            </a:r>
-            <a:r>
-              <a:rPr lang="pt-PT" b="1" dirty="0"/>
-              <a:t> Score:</a:t>
-            </a:r>
-            <a:r>
-              <a:rPr lang="pt-PT" dirty="0"/>
-              <a:t> Mede a similaridade entre os rótulos preditos e os verdadeiros.</a:t>
-            </a:r>
           </a:p>
         </p:txBody>
       </p:sp>
@@ -4246,7 +4244,7 @@
     </p:spTree>
     <p:extLst>
       <p:ext uri="{BB962C8B-B14F-4D97-AF65-F5344CB8AC3E}">
-        <p14:creationId xmlns:p14="http://schemas.microsoft.com/office/powerpoint/2010/main" val="2871996551"/>
+        <p14:creationId xmlns:p14="http://schemas.microsoft.com/office/powerpoint/2010/main" val="1886646475"/>
       </p:ext>
     </p:extLst>
   </p:cSld>
@@ -4330,7 +4328,7 @@
     </p:spTree>
     <p:extLst>
       <p:ext uri="{BB962C8B-B14F-4D97-AF65-F5344CB8AC3E}">
-        <p14:creationId xmlns:p14="http://schemas.microsoft.com/office/powerpoint/2010/main" val="2757855334"/>
+        <p14:creationId xmlns:p14="http://schemas.microsoft.com/office/powerpoint/2010/main" val="675078099"/>
       </p:ext>
     </p:extLst>
   </p:cSld>
@@ -4405,7 +4403,7 @@
           <a:p>
             <a:fld id="{C37D7554-D10C-4E29-B8E6-BB7111FA614F}" type="slidenum">
               <a:rPr lang="en-US" smtClean="0"/>
-              <a:t>19</a:t>
+              <a:t>18</a:t>
             </a:fld>
             <a:endParaRPr lang="en-US" dirty="0"/>
           </a:p>
@@ -4414,7 +4412,7 @@
     </p:spTree>
     <p:extLst>
       <p:ext uri="{BB962C8B-B14F-4D97-AF65-F5344CB8AC3E}">
-        <p14:creationId xmlns:p14="http://schemas.microsoft.com/office/powerpoint/2010/main" val="675078099"/>
+        <p14:creationId xmlns:p14="http://schemas.microsoft.com/office/powerpoint/2010/main" val="4062580475"/>
       </p:ext>
     </p:extLst>
   </p:cSld>
@@ -4489,7 +4487,7 @@
           <a:p>
             <a:fld id="{C37D7554-D10C-4E29-B8E6-BB7111FA614F}" type="slidenum">
               <a:rPr lang="en-US" smtClean="0"/>
-              <a:t>20</a:t>
+              <a:t>19</a:t>
             </a:fld>
             <a:endParaRPr lang="en-US" dirty="0"/>
           </a:p>
@@ -4498,7 +4496,7 @@
     </p:spTree>
     <p:extLst>
       <p:ext uri="{BB962C8B-B14F-4D97-AF65-F5344CB8AC3E}">
-        <p14:creationId xmlns:p14="http://schemas.microsoft.com/office/powerpoint/2010/main" val="4062580475"/>
+        <p14:creationId xmlns:p14="http://schemas.microsoft.com/office/powerpoint/2010/main" val="1151261032"/>
       </p:ext>
     </p:extLst>
   </p:cSld>
@@ -4573,7 +4571,7 @@
           <a:p>
             <a:fld id="{C37D7554-D10C-4E29-B8E6-BB7111FA614F}" type="slidenum">
               <a:rPr lang="en-US" smtClean="0"/>
-              <a:t>21</a:t>
+              <a:t>20</a:t>
             </a:fld>
             <a:endParaRPr lang="en-US" dirty="0"/>
           </a:p>
@@ -4582,7 +4580,7 @@
     </p:spTree>
     <p:extLst>
       <p:ext uri="{BB962C8B-B14F-4D97-AF65-F5344CB8AC3E}">
-        <p14:creationId xmlns:p14="http://schemas.microsoft.com/office/powerpoint/2010/main" val="1151261032"/>
+        <p14:creationId xmlns:p14="http://schemas.microsoft.com/office/powerpoint/2010/main" val="3529110111"/>
       </p:ext>
     </p:extLst>
   </p:cSld>
@@ -4741,7 +4739,7 @@
           <a:p>
             <a:fld id="{C37D7554-D10C-4E29-B8E6-BB7111FA614F}" type="slidenum">
               <a:rPr lang="en-US" smtClean="0"/>
-              <a:t>22</a:t>
+              <a:t>21</a:t>
             </a:fld>
             <a:endParaRPr lang="en-US" dirty="0"/>
           </a:p>
@@ -4750,7 +4748,7 @@
     </p:spTree>
     <p:extLst>
       <p:ext uri="{BB962C8B-B14F-4D97-AF65-F5344CB8AC3E}">
-        <p14:creationId xmlns:p14="http://schemas.microsoft.com/office/powerpoint/2010/main" val="3529110111"/>
+        <p14:creationId xmlns:p14="http://schemas.microsoft.com/office/powerpoint/2010/main" val="991919543"/>
       </p:ext>
     </p:extLst>
   </p:cSld>
@@ -4825,7 +4823,7 @@
           <a:p>
             <a:fld id="{C37D7554-D10C-4E29-B8E6-BB7111FA614F}" type="slidenum">
               <a:rPr lang="en-US" smtClean="0"/>
-              <a:t>23</a:t>
+              <a:t>22</a:t>
             </a:fld>
             <a:endParaRPr lang="en-US" dirty="0"/>
           </a:p>
@@ -4834,7 +4832,7 @@
     </p:spTree>
     <p:extLst>
       <p:ext uri="{BB962C8B-B14F-4D97-AF65-F5344CB8AC3E}">
-        <p14:creationId xmlns:p14="http://schemas.microsoft.com/office/powerpoint/2010/main" val="991919543"/>
+        <p14:creationId xmlns:p14="http://schemas.microsoft.com/office/powerpoint/2010/main" val="12357622"/>
       </p:ext>
     </p:extLst>
   </p:cSld>
@@ -4909,7 +4907,7 @@
           <a:p>
             <a:fld id="{C37D7554-D10C-4E29-B8E6-BB7111FA614F}" type="slidenum">
               <a:rPr lang="en-US" smtClean="0"/>
-              <a:t>24</a:t>
+              <a:t>23</a:t>
             </a:fld>
             <a:endParaRPr lang="en-US" dirty="0"/>
           </a:p>
@@ -4918,7 +4916,7 @@
     </p:spTree>
     <p:extLst>
       <p:ext uri="{BB962C8B-B14F-4D97-AF65-F5344CB8AC3E}">
-        <p14:creationId xmlns:p14="http://schemas.microsoft.com/office/powerpoint/2010/main" val="12357622"/>
+        <p14:creationId xmlns:p14="http://schemas.microsoft.com/office/powerpoint/2010/main" val="4042850870"/>
       </p:ext>
     </p:extLst>
   </p:cSld>
@@ -4993,7 +4991,7 @@
           <a:p>
             <a:fld id="{C37D7554-D10C-4E29-B8E6-BB7111FA614F}" type="slidenum">
               <a:rPr lang="en-US" smtClean="0"/>
-              <a:t>25</a:t>
+              <a:t>24</a:t>
             </a:fld>
             <a:endParaRPr lang="en-US" dirty="0"/>
           </a:p>
@@ -5002,7 +5000,7 @@
     </p:spTree>
     <p:extLst>
       <p:ext uri="{BB962C8B-B14F-4D97-AF65-F5344CB8AC3E}">
-        <p14:creationId xmlns:p14="http://schemas.microsoft.com/office/powerpoint/2010/main" val="4042850870"/>
+        <p14:creationId xmlns:p14="http://schemas.microsoft.com/office/powerpoint/2010/main" val="1791866160"/>
       </p:ext>
     </p:extLst>
   </p:cSld>
@@ -5077,7 +5075,7 @@
           <a:p>
             <a:fld id="{C37D7554-D10C-4E29-B8E6-BB7111FA614F}" type="slidenum">
               <a:rPr lang="en-US" smtClean="0"/>
-              <a:t>26</a:t>
+              <a:t>25</a:t>
             </a:fld>
             <a:endParaRPr lang="en-US" dirty="0"/>
           </a:p>
@@ -5086,7 +5084,7 @@
     </p:spTree>
     <p:extLst>
       <p:ext uri="{BB962C8B-B14F-4D97-AF65-F5344CB8AC3E}">
-        <p14:creationId xmlns:p14="http://schemas.microsoft.com/office/powerpoint/2010/main" val="1791866160"/>
+        <p14:creationId xmlns:p14="http://schemas.microsoft.com/office/powerpoint/2010/main" val="4039535867"/>
       </p:ext>
     </p:extLst>
   </p:cSld>
@@ -5140,7 +5138,7 @@
           <a:bodyPr/>
           <a:lstStyle/>
           <a:p>
-            <a:endParaRPr lang="pt-PT" dirty="0"/>
+            <a:endParaRPr lang="pt-PT"/>
           </a:p>
         </p:txBody>
       </p:sp>
@@ -5161,91 +5159,7 @@
           <a:p>
             <a:fld id="{C37D7554-D10C-4E29-B8E6-BB7111FA614F}" type="slidenum">
               <a:rPr lang="en-US" smtClean="0"/>
-              <a:t>27</a:t>
-            </a:fld>
-            <a:endParaRPr lang="en-US" dirty="0"/>
-          </a:p>
-        </p:txBody>
-      </p:sp>
-    </p:spTree>
-    <p:extLst>
-      <p:ext uri="{BB962C8B-B14F-4D97-AF65-F5344CB8AC3E}">
-        <p14:creationId xmlns:p14="http://schemas.microsoft.com/office/powerpoint/2010/main" val="4039535867"/>
-      </p:ext>
-    </p:extLst>
-  </p:cSld>
-  <p:clrMapOvr>
-    <a:masterClrMapping/>
-  </p:clrMapOvr>
-</p:notes>
-</file>
-
-<file path=ppt/notesSlides/notesSlide26.xml><?xml version="1.0" encoding="utf-8"?>
-<p:notes xmlns:a="http://schemas.openxmlformats.org/drawingml/2006/main" xmlns:r="http://schemas.openxmlformats.org/officeDocument/2006/relationships" xmlns:p="http://schemas.openxmlformats.org/presentationml/2006/main">
-  <p:cSld>
-    <p:spTree>
-      <p:nvGrpSpPr>
-        <p:cNvPr id="1" name=""/>
-        <p:cNvGrpSpPr/>
-        <p:nvPr/>
-      </p:nvGrpSpPr>
-      <p:grpSpPr>
-        <a:xfrm>
-          <a:off x="0" y="0"/>
-          <a:ext cx="0" cy="0"/>
-          <a:chOff x="0" y="0"/>
-          <a:chExt cx="0" cy="0"/>
-        </a:xfrm>
-      </p:grpSpPr>
-      <p:sp>
-        <p:nvSpPr>
-          <p:cNvPr id="2" name="Slide Image Placeholder 1"/>
-          <p:cNvSpPr>
-            <a:spLocks noGrp="1" noRot="1" noChangeAspect="1"/>
-          </p:cNvSpPr>
-          <p:nvPr>
-            <p:ph type="sldImg"/>
-          </p:nvPr>
-        </p:nvSpPr>
-        <p:spPr/>
-      </p:sp>
-      <p:sp>
-        <p:nvSpPr>
-          <p:cNvPr id="3" name="Notes Placeholder 2"/>
-          <p:cNvSpPr>
-            <a:spLocks noGrp="1"/>
-          </p:cNvSpPr>
-          <p:nvPr>
-            <p:ph type="body" idx="1"/>
-          </p:nvPr>
-        </p:nvSpPr>
-        <p:spPr/>
-        <p:txBody>
-          <a:bodyPr/>
-          <a:lstStyle/>
-          <a:p>
-            <a:endParaRPr lang="pt-PT"/>
-          </a:p>
-        </p:txBody>
-      </p:sp>
-      <p:sp>
-        <p:nvSpPr>
-          <p:cNvPr id="4" name="Slide Number Placeholder 3"/>
-          <p:cNvSpPr>
-            <a:spLocks noGrp="1"/>
-          </p:cNvSpPr>
-          <p:nvPr>
-            <p:ph type="sldNum" sz="quarter" idx="5"/>
-          </p:nvPr>
-        </p:nvSpPr>
-        <p:spPr/>
-        <p:txBody>
-          <a:bodyPr/>
-          <a:lstStyle/>
-          <a:p>
-            <a:fld id="{C37D7554-D10C-4E29-B8E6-BB7111FA614F}" type="slidenum">
-              <a:rPr lang="en-US" smtClean="0"/>
-              <a:t>28</a:t>
+              <a:t>26</a:t>
             </a:fld>
             <a:endParaRPr lang="en-US" dirty="0"/>
           </a:p>
@@ -14941,6 +14855,41 @@
       </p:grpSpPr>
       <p:sp>
         <p:nvSpPr>
+          <p:cNvPr id="2" name="Title 1">
+            <a:extLst>
+              <a:ext uri="{FF2B5EF4-FFF2-40B4-BE49-F238E27FC236}">
+                <a16:creationId xmlns:a16="http://schemas.microsoft.com/office/drawing/2014/main" id="{4662EDDE-6B1A-D0AC-F9F2-C67719C36532}"/>
+              </a:ext>
+            </a:extLst>
+          </p:cNvPr>
+          <p:cNvSpPr>
+            <a:spLocks noGrp="1"/>
+          </p:cNvSpPr>
+          <p:nvPr>
+            <p:ph type="title"/>
+          </p:nvPr>
+        </p:nvSpPr>
+        <p:spPr>
+          <a:xfrm>
+            <a:off x="1520662" y="252034"/>
+            <a:ext cx="9753890" cy="409176"/>
+          </a:xfrm>
+        </p:spPr>
+        <p:txBody>
+          <a:bodyPr>
+            <a:normAutofit fontScale="90000"/>
+          </a:bodyPr>
+          <a:lstStyle/>
+          <a:p>
+            <a:r>
+              <a:rPr lang="pt-PT" i="1" dirty="0"/>
+              <a:t>Segunda Abordagem - Modelos</a:t>
+            </a:r>
+          </a:p>
+        </p:txBody>
+      </p:sp>
+      <p:sp>
+        <p:nvSpPr>
           <p:cNvPr id="4" name="Slide Number Placeholder 3">
             <a:extLst>
               <a:ext uri="{FF2B5EF4-FFF2-40B4-BE49-F238E27FC236}">
@@ -14971,226 +14920,10 @@
       </p:sp>
       <p:sp>
         <p:nvSpPr>
-          <p:cNvPr id="29" name="Rectangle 28">
+          <p:cNvPr id="6" name="Footer Placeholder 4">
             <a:extLst>
               <a:ext uri="{FF2B5EF4-FFF2-40B4-BE49-F238E27FC236}">
-                <a16:creationId xmlns:a16="http://schemas.microsoft.com/office/drawing/2014/main" id="{0A0E7BD1-ECFE-B70B-5C97-C06F01ACA0EF}"/>
-              </a:ext>
-            </a:extLst>
-          </p:cNvPr>
-          <p:cNvSpPr/>
-          <p:nvPr/>
-        </p:nvSpPr>
-        <p:spPr>
-          <a:xfrm>
-            <a:off x="4439142" y="5254032"/>
-            <a:ext cx="1179428" cy="365124"/>
-          </a:xfrm>
-          <a:prstGeom prst="rect">
-            <a:avLst/>
-          </a:prstGeom>
-        </p:spPr>
-        <p:style>
-          <a:lnRef idx="0">
-            <a:schemeClr val="dk1">
-              <a:alpha val="0"/>
-              <a:hueOff val="0"/>
-              <a:satOff val="0"/>
-              <a:lumOff val="0"/>
-              <a:alphaOff val="0"/>
-            </a:schemeClr>
-          </a:lnRef>
-          <a:fillRef idx="0">
-            <a:schemeClr val="lt1">
-              <a:alpha val="0"/>
-              <a:hueOff val="0"/>
-              <a:satOff val="0"/>
-              <a:lumOff val="0"/>
-              <a:alphaOff val="0"/>
-            </a:schemeClr>
-          </a:fillRef>
-          <a:effectRef idx="0">
-            <a:schemeClr val="lt1">
-              <a:alpha val="0"/>
-              <a:hueOff val="0"/>
-              <a:satOff val="0"/>
-              <a:lumOff val="0"/>
-              <a:alphaOff val="0"/>
-            </a:schemeClr>
-          </a:effectRef>
-          <a:fontRef idx="minor">
-            <a:schemeClr val="tx1">
-              <a:hueOff val="0"/>
-              <a:satOff val="0"/>
-              <a:lumOff val="0"/>
-              <a:alphaOff val="0"/>
-            </a:schemeClr>
-          </a:fontRef>
-        </p:style>
-        <p:txBody>
-          <a:bodyPr/>
-          <a:lstStyle/>
-          <a:p>
-            <a:endParaRPr lang="pt-PT"/>
-          </a:p>
-        </p:txBody>
-      </p:sp>
-      <p:sp>
-        <p:nvSpPr>
-          <p:cNvPr id="34" name="Rectangle 33">
-            <a:extLst>
-              <a:ext uri="{FF2B5EF4-FFF2-40B4-BE49-F238E27FC236}">
-                <a16:creationId xmlns:a16="http://schemas.microsoft.com/office/drawing/2014/main" id="{C8BAA013-37F3-B3F3-A350-4A65FB1FB523}"/>
-              </a:ext>
-            </a:extLst>
-          </p:cNvPr>
-          <p:cNvSpPr/>
-          <p:nvPr/>
-        </p:nvSpPr>
-        <p:spPr>
-          <a:xfrm>
-            <a:off x="6323727" y="5336627"/>
-            <a:ext cx="1749678" cy="409175"/>
-          </a:xfrm>
-          <a:prstGeom prst="rect">
-            <a:avLst/>
-          </a:prstGeom>
-        </p:spPr>
-        <p:style>
-          <a:lnRef idx="0">
-            <a:schemeClr val="dk1">
-              <a:alpha val="0"/>
-              <a:hueOff val="0"/>
-              <a:satOff val="0"/>
-              <a:lumOff val="0"/>
-              <a:alphaOff val="0"/>
-            </a:schemeClr>
-          </a:lnRef>
-          <a:fillRef idx="0">
-            <a:schemeClr val="lt1">
-              <a:alpha val="0"/>
-              <a:hueOff val="0"/>
-              <a:satOff val="0"/>
-              <a:lumOff val="0"/>
-              <a:alphaOff val="0"/>
-            </a:schemeClr>
-          </a:fillRef>
-          <a:effectRef idx="0">
-            <a:schemeClr val="lt1">
-              <a:alpha val="0"/>
-              <a:hueOff val="0"/>
-              <a:satOff val="0"/>
-              <a:lumOff val="0"/>
-              <a:alphaOff val="0"/>
-            </a:schemeClr>
-          </a:effectRef>
-          <a:fontRef idx="minor">
-            <a:schemeClr val="tx1">
-              <a:hueOff val="0"/>
-              <a:satOff val="0"/>
-              <a:lumOff val="0"/>
-              <a:alphaOff val="0"/>
-            </a:schemeClr>
-          </a:fontRef>
-        </p:style>
-        <p:txBody>
-          <a:bodyPr/>
-          <a:lstStyle/>
-          <a:p>
-            <a:endParaRPr lang="pt-PT"/>
-          </a:p>
-        </p:txBody>
-      </p:sp>
-      <p:pic>
-        <p:nvPicPr>
-          <p:cNvPr id="3" name="Imagem 4">
-            <a:extLst>
-              <a:ext uri="{FF2B5EF4-FFF2-40B4-BE49-F238E27FC236}">
-                <a16:creationId xmlns:a16="http://schemas.microsoft.com/office/drawing/2014/main" id="{27516C0D-FAD6-6CB7-B84C-4F0FD15B475D}"/>
-              </a:ext>
-            </a:extLst>
-          </p:cNvPr>
-          <p:cNvPicPr>
-            <a:picLocks noChangeAspect="1"/>
-          </p:cNvPicPr>
-          <p:nvPr/>
-        </p:nvPicPr>
-        <p:blipFill>
-          <a:blip r:embed="rId3" cstate="print">
-            <a:extLst>
-              <a:ext uri="{28A0092B-C50C-407E-A947-70E740481C1C}">
-                <a14:useLocalDpi xmlns:a14="http://schemas.microsoft.com/office/drawing/2010/main" val="0"/>
-              </a:ext>
-            </a:extLst>
-          </a:blip>
-          <a:stretch>
-            <a:fillRect/>
-          </a:stretch>
-        </p:blipFill>
-        <p:spPr bwMode="auto">
-          <a:xfrm>
-            <a:off x="7166503" y="1356919"/>
-            <a:ext cx="4803065" cy="3937543"/>
-          </a:xfrm>
-          <a:prstGeom prst="rect">
-            <a:avLst/>
-          </a:prstGeom>
-          <a:noFill/>
-          <a:ln>
-            <a:noFill/>
-          </a:ln>
-        </p:spPr>
-      </p:pic>
-      <p:pic>
-        <p:nvPicPr>
-          <p:cNvPr id="6" name="Imagem 4">
-            <a:extLst>
-              <a:ext uri="{FF2B5EF4-FFF2-40B4-BE49-F238E27FC236}">
-                <a16:creationId xmlns:a16="http://schemas.microsoft.com/office/drawing/2014/main" id="{FBDE749D-C763-48AA-A88D-E69150E8909D}"/>
-              </a:ext>
-            </a:extLst>
-          </p:cNvPr>
-          <p:cNvPicPr>
-            <a:picLocks noChangeAspect="1"/>
-          </p:cNvPicPr>
-          <p:nvPr/>
-        </p:nvPicPr>
-        <p:blipFill rotWithShape="1">
-          <a:blip r:embed="rId4" cstate="print">
-            <a:extLst>
-              <a:ext uri="{28A0092B-C50C-407E-A947-70E740481C1C}">
-                <a14:useLocalDpi xmlns:a14="http://schemas.microsoft.com/office/drawing/2010/main" val="0"/>
-              </a:ext>
-            </a:extLst>
-          </a:blip>
-          <a:srcRect r="7732"/>
-          <a:stretch/>
-        </p:blipFill>
-        <p:spPr bwMode="auto">
-          <a:xfrm>
-            <a:off x="1104894" y="1435601"/>
-            <a:ext cx="5620011" cy="3780181"/>
-          </a:xfrm>
-          <a:prstGeom prst="rect">
-            <a:avLst/>
-          </a:prstGeom>
-          <a:noFill/>
-          <a:ln>
-            <a:noFill/>
-          </a:ln>
-          <a:extLst>
-            <a:ext uri="{53640926-AAD7-44D8-BBD7-CCE9431645EC}">
-              <a14:shadowObscured xmlns:a14="http://schemas.microsoft.com/office/drawing/2010/main"/>
-            </a:ext>
-          </a:extLst>
-        </p:spPr>
-      </p:pic>
-      <p:sp>
-        <p:nvSpPr>
-          <p:cNvPr id="9" name="Footer Placeholder 4">
-            <a:extLst>
-              <a:ext uri="{FF2B5EF4-FFF2-40B4-BE49-F238E27FC236}">
-                <a16:creationId xmlns:a16="http://schemas.microsoft.com/office/drawing/2014/main" id="{880F7EC8-66C7-7CAD-9FBF-C16DC68F3788}"/>
+                <a16:creationId xmlns:a16="http://schemas.microsoft.com/office/drawing/2014/main" id="{0D821BC6-79CF-66F1-F00C-E2213C505826}"/>
               </a:ext>
             </a:extLst>
           </p:cNvPr>
@@ -15333,10 +15066,10 @@
       </p:sp>
       <p:pic>
         <p:nvPicPr>
-          <p:cNvPr id="10" name="Picture 9" descr="A black background with a black square&#10;&#10;Description automatically generated with medium confidence">
+          <p:cNvPr id="7" name="Picture 6" descr="A black background with a black square&#10;&#10;Description automatically generated with medium confidence">
             <a:extLst>
               <a:ext uri="{FF2B5EF4-FFF2-40B4-BE49-F238E27FC236}">
-                <a16:creationId xmlns:a16="http://schemas.microsoft.com/office/drawing/2014/main" id="{0651DCE8-9EFE-AC38-893D-85F3B3E7B16B}"/>
+                <a16:creationId xmlns:a16="http://schemas.microsoft.com/office/drawing/2014/main" id="{05200A96-EEA7-9B7D-506A-BF4FE113C176}"/>
               </a:ext>
             </a:extLst>
           </p:cNvPr>
@@ -15346,7 +15079,7 @@
           <p:nvPr/>
         </p:nvPicPr>
         <p:blipFill>
-          <a:blip r:embed="rId5">
+          <a:blip r:embed="rId4">
             <a:alphaModFix amt="70000"/>
             <a:extLst>
               <a:ext uri="{28A0092B-C50C-407E-A947-70E740481C1C}">
@@ -15370,174 +15103,361 @@
       </p:pic>
       <p:sp>
         <p:nvSpPr>
-          <p:cNvPr id="12" name="Title 1">
+          <p:cNvPr id="20" name="Title 6">
             <a:extLst>
               <a:ext uri="{FF2B5EF4-FFF2-40B4-BE49-F238E27FC236}">
-                <a16:creationId xmlns:a16="http://schemas.microsoft.com/office/drawing/2014/main" id="{344E6B39-A30D-EE68-9337-D0E563ADE73A}"/>
+                <a16:creationId xmlns:a16="http://schemas.microsoft.com/office/drawing/2014/main" id="{8BDB5905-9F2D-572E-E649-FDAECE165AEC}"/>
               </a:ext>
             </a:extLst>
           </p:cNvPr>
-          <p:cNvSpPr>
-            <a:spLocks noGrp="1"/>
+          <p:cNvSpPr txBox="1">
+            <a:spLocks/>
           </p:cNvSpPr>
-          <p:nvPr>
-            <p:ph type="title"/>
-          </p:nvPr>
+          <p:nvPr/>
         </p:nvSpPr>
         <p:spPr>
           <a:xfrm>
-            <a:off x="1520662" y="252034"/>
-            <a:ext cx="9753890" cy="409176"/>
+            <a:off x="4911551" y="951402"/>
+            <a:ext cx="2199226" cy="504310"/>
           </a:xfrm>
+          <a:prstGeom prst="rect">
+            <a:avLst/>
+          </a:prstGeom>
         </p:spPr>
         <p:txBody>
-          <a:bodyPr>
-            <a:normAutofit fontScale="90000"/>
+          <a:bodyPr vert="horz" lIns="0" tIns="45720" rIns="91440" bIns="45720" rtlCol="0" anchor="ctr">
+            <a:noAutofit/>
           </a:bodyPr>
-          <a:lstStyle/>
-          <a:p>
-            <a:r>
-              <a:rPr lang="pt-PT" i="1" dirty="0"/>
-              <a:t>Primeira Abordagem - Processamento de dados</a:t>
-            </a:r>
+          <a:lstStyle>
+            <a:lvl1pPr algn="l" defTabSz="914400" rtl="0" eaLnBrk="1" latinLnBrk="0" hangingPunct="1">
+              <a:lnSpc>
+                <a:spcPct val="90000"/>
+              </a:lnSpc>
+              <a:spcBef>
+                <a:spcPct val="0"/>
+              </a:spcBef>
+              <a:buNone/>
+              <a:defRPr sz="3600" kern="1200">
+                <a:solidFill>
+                  <a:schemeClr val="tx1"/>
+                </a:solidFill>
+                <a:latin typeface="+mj-lt"/>
+                <a:ea typeface="+mj-ea"/>
+                <a:cs typeface="+mj-cs"/>
+              </a:defRPr>
+            </a:lvl1pPr>
+          </a:lstStyle>
+          <a:p>
+            <a:pPr algn="ctr"/>
+            <a:r>
+              <a:rPr lang="pt-PT" sz="2000" b="1" i="1" dirty="0">
+                <a:latin typeface="Univers Light (Body)"/>
+                <a:cs typeface="Arial" panose="020B0604020202020204" pitchFamily="34" charset="0"/>
+              </a:rPr>
+              <a:t>Stacked</a:t>
+            </a:r>
+            <a:r>
+              <a:rPr lang="pt-PT" sz="2000" b="1" dirty="0">
+                <a:latin typeface="Univers Light (Body)"/>
+                <a:cs typeface="Arial" panose="020B0604020202020204" pitchFamily="34" charset="0"/>
+              </a:rPr>
+              <a:t> LSTM</a:t>
+            </a:r>
+            <a:endParaRPr lang="en-US" sz="2000" b="1" dirty="0">
+              <a:latin typeface="Univers Light (Body)"/>
+              <a:cs typeface="Arial" panose="020B0604020202020204" pitchFamily="34" charset="0"/>
+            </a:endParaRPr>
           </a:p>
         </p:txBody>
       </p:sp>
       <p:sp>
         <p:nvSpPr>
-          <p:cNvPr id="2" name="TextBox 1">
+          <p:cNvPr id="21" name="Title 6">
             <a:extLst>
               <a:ext uri="{FF2B5EF4-FFF2-40B4-BE49-F238E27FC236}">
-                <a16:creationId xmlns:a16="http://schemas.microsoft.com/office/drawing/2014/main" id="{C396B9F4-AFBB-30A2-550C-93CFDF1966EA}"/>
+                <a16:creationId xmlns:a16="http://schemas.microsoft.com/office/drawing/2014/main" id="{1B4F5E7C-34E7-1671-724A-74276CC3CA7F}"/>
               </a:ext>
             </a:extLst>
           </p:cNvPr>
-          <p:cNvSpPr txBox="1"/>
+          <p:cNvSpPr txBox="1">
+            <a:spLocks/>
+          </p:cNvSpPr>
           <p:nvPr/>
         </p:nvSpPr>
         <p:spPr>
           <a:xfrm>
-            <a:off x="2054204" y="5323496"/>
-            <a:ext cx="3968792" cy="419025"/>
+            <a:off x="4860902" y="2528659"/>
+            <a:ext cx="2300525" cy="504310"/>
+          </a:xfrm>
+          <a:prstGeom prst="rect">
+            <a:avLst/>
+          </a:prstGeom>
+        </p:spPr>
+        <p:txBody>
+          <a:bodyPr vert="horz" lIns="0" tIns="45720" rIns="91440" bIns="45720" rtlCol="0" anchor="ctr">
+            <a:noAutofit/>
+          </a:bodyPr>
+          <a:lstStyle>
+            <a:lvl1pPr algn="l" defTabSz="914400" rtl="0" eaLnBrk="1" latinLnBrk="0" hangingPunct="1">
+              <a:lnSpc>
+                <a:spcPct val="90000"/>
+              </a:lnSpc>
+              <a:spcBef>
+                <a:spcPct val="0"/>
+              </a:spcBef>
+              <a:buNone/>
+              <a:defRPr sz="3600" kern="1200">
+                <a:solidFill>
+                  <a:schemeClr val="tx1"/>
+                </a:solidFill>
+                <a:latin typeface="+mj-lt"/>
+                <a:ea typeface="+mj-ea"/>
+                <a:cs typeface="+mj-cs"/>
+              </a:defRPr>
+            </a:lvl1pPr>
+          </a:lstStyle>
+          <a:p>
+            <a:pPr algn="ctr"/>
+            <a:r>
+              <a:rPr lang="pt-PT" sz="2000" b="1" i="1" dirty="0">
+                <a:latin typeface="Univers Light (Body)"/>
+                <a:cs typeface="Arial" panose="020B0604020202020204" pitchFamily="34" charset="0"/>
+              </a:rPr>
+              <a:t>Bidirectional</a:t>
+            </a:r>
+            <a:r>
+              <a:rPr lang="pt-PT" sz="2000" b="1" dirty="0">
+                <a:latin typeface="Univers Light (Body)"/>
+                <a:cs typeface="Arial" panose="020B0604020202020204" pitchFamily="34" charset="0"/>
+              </a:rPr>
+              <a:t> LSTM</a:t>
+            </a:r>
+            <a:endParaRPr lang="en-US" sz="2000" b="1" dirty="0">
+              <a:latin typeface="Univers Light (Body)"/>
+              <a:cs typeface="Arial" panose="020B0604020202020204" pitchFamily="34" charset="0"/>
+            </a:endParaRPr>
+          </a:p>
+        </p:txBody>
+      </p:sp>
+      <p:sp>
+        <p:nvSpPr>
+          <p:cNvPr id="3" name="Title 6">
+            <a:extLst>
+              <a:ext uri="{FF2B5EF4-FFF2-40B4-BE49-F238E27FC236}">
+                <a16:creationId xmlns:a16="http://schemas.microsoft.com/office/drawing/2014/main" id="{BDBB827D-151D-C617-CB53-80A84732A942}"/>
+              </a:ext>
+            </a:extLst>
+          </p:cNvPr>
+          <p:cNvSpPr txBox="1">
+            <a:spLocks/>
+          </p:cNvSpPr>
+          <p:nvPr/>
+        </p:nvSpPr>
+        <p:spPr>
+          <a:xfrm>
+            <a:off x="4789170" y="4191693"/>
+            <a:ext cx="2443988" cy="504310"/>
+          </a:xfrm>
+          <a:prstGeom prst="rect">
+            <a:avLst/>
+          </a:prstGeom>
+        </p:spPr>
+        <p:txBody>
+          <a:bodyPr vert="horz" lIns="0" tIns="45720" rIns="91440" bIns="45720" rtlCol="0" anchor="ctr">
+            <a:noAutofit/>
+          </a:bodyPr>
+          <a:lstStyle>
+            <a:lvl1pPr algn="l" defTabSz="914400" rtl="0" eaLnBrk="1" latinLnBrk="0" hangingPunct="1">
+              <a:lnSpc>
+                <a:spcPct val="90000"/>
+              </a:lnSpc>
+              <a:spcBef>
+                <a:spcPct val="0"/>
+              </a:spcBef>
+              <a:buNone/>
+              <a:defRPr sz="3600" kern="1200">
+                <a:solidFill>
+                  <a:schemeClr val="tx1"/>
+                </a:solidFill>
+                <a:latin typeface="+mj-lt"/>
+                <a:ea typeface="+mj-ea"/>
+                <a:cs typeface="+mj-cs"/>
+              </a:defRPr>
+            </a:lvl1pPr>
+          </a:lstStyle>
+          <a:p>
+            <a:pPr algn="ctr"/>
+            <a:r>
+              <a:rPr lang="pt-PT" sz="2000" b="1" i="1" dirty="0" err="1">
+                <a:latin typeface="Univers Light (Body)"/>
+                <a:cs typeface="Arial" panose="020B0604020202020204" pitchFamily="34" charset="0"/>
+              </a:rPr>
+              <a:t>Convolutional</a:t>
+            </a:r>
+            <a:r>
+              <a:rPr lang="pt-PT" sz="2000" b="1" dirty="0">
+                <a:latin typeface="Univers Light (Body)"/>
+                <a:cs typeface="Arial" panose="020B0604020202020204" pitchFamily="34" charset="0"/>
+              </a:rPr>
+              <a:t> LSTM</a:t>
+            </a:r>
+            <a:endParaRPr lang="en-US" sz="2000" b="1" dirty="0">
+              <a:latin typeface="Univers Light (Body)"/>
+              <a:cs typeface="Arial" panose="020B0604020202020204" pitchFamily="34" charset="0"/>
+            </a:endParaRPr>
+          </a:p>
+        </p:txBody>
+      </p:sp>
+      <p:pic>
+        <p:nvPicPr>
+          <p:cNvPr id="1026" name="Picture 2">
+            <a:extLst>
+              <a:ext uri="{FF2B5EF4-FFF2-40B4-BE49-F238E27FC236}">
+                <a16:creationId xmlns:a16="http://schemas.microsoft.com/office/drawing/2014/main" id="{9DA4DDC9-35FD-A9D0-285D-10A82BAE2B6C}"/>
+              </a:ext>
+            </a:extLst>
+          </p:cNvPr>
+          <p:cNvPicPr>
+            <a:picLocks noChangeAspect="1" noChangeArrowheads="1"/>
+          </p:cNvPicPr>
+          <p:nvPr/>
+        </p:nvPicPr>
+        <p:blipFill>
+          <a:blip r:embed="rId5">
+            <a:extLst>
+              <a:ext uri="{28A0092B-C50C-407E-A947-70E740481C1C}">
+                <a14:useLocalDpi xmlns:a14="http://schemas.microsoft.com/office/drawing/2010/main" val="0"/>
+              </a:ext>
+            </a:extLst>
+          </a:blip>
+          <a:srcRect/>
+          <a:stretch>
+            <a:fillRect/>
+          </a:stretch>
+        </p:blipFill>
+        <p:spPr bwMode="auto">
+          <a:xfrm>
+            <a:off x="1520662" y="1432303"/>
+            <a:ext cx="7247953" cy="687989"/>
           </a:xfrm>
           <a:prstGeom prst="rect">
             <a:avLst/>
           </a:prstGeom>
           <a:noFill/>
+          <a:extLst>
+            <a:ext uri="{909E8E84-426E-40DD-AFC4-6F175D3DCCD1}">
+              <a14:hiddenFill xmlns:a14="http://schemas.microsoft.com/office/drawing/2010/main">
+                <a:solidFill>
+                  <a:srgbClr val="FFFFFF"/>
+                </a:solidFill>
+              </a14:hiddenFill>
+            </a:ext>
+          </a:extLst>
         </p:spPr>
-        <p:txBody>
-          <a:bodyPr wrap="square">
-            <a:spAutoFit/>
-          </a:bodyPr>
-          <a:lstStyle/>
-          <a:p>
-            <a:pPr lvl="0">
-              <a:lnSpc>
-                <a:spcPct val="150000"/>
-              </a:lnSpc>
-              <a:spcAft>
-                <a:spcPts val="1000"/>
-              </a:spcAft>
-            </a:pPr>
-            <a:r>
-              <a:rPr lang="pt-PT" sz="1600" dirty="0">
-                <a:ea typeface="Calibri" panose="020F0502020204030204" pitchFamily="34" charset="0"/>
-                <a:cs typeface="Arial" panose="020B0604020202020204" pitchFamily="34" charset="0"/>
-              </a:rPr>
-              <a:t>S</a:t>
-            </a:r>
-            <a:r>
-              <a:rPr lang="pt-PT" sz="1600" dirty="0">
-                <a:effectLst/>
-                <a:ea typeface="Calibri" panose="020F0502020204030204" pitchFamily="34" charset="0"/>
-                <a:cs typeface="Arial" panose="020B0604020202020204" pitchFamily="34" charset="0"/>
-              </a:rPr>
-              <a:t>ubcapítulo </a:t>
-            </a:r>
-            <a:r>
-              <a:rPr lang="pt-PT" sz="1600" dirty="0"/>
-              <a:t>Tratamento dos Dados</a:t>
-            </a:r>
-            <a:endParaRPr lang="en-US" sz="1600" dirty="0">
-              <a:effectLst/>
-              <a:ea typeface="Calibri" panose="020F0502020204030204" pitchFamily="34" charset="0"/>
-              <a:cs typeface="Arial" panose="020B0604020202020204" pitchFamily="34" charset="0"/>
-            </a:endParaRPr>
-          </a:p>
-        </p:txBody>
-      </p:sp>
-      <p:sp>
-        <p:nvSpPr>
-          <p:cNvPr id="5" name="TextBox 4">
+      </p:pic>
+      <p:pic>
+        <p:nvPicPr>
+          <p:cNvPr id="1028" name="Picture 4">
             <a:extLst>
               <a:ext uri="{FF2B5EF4-FFF2-40B4-BE49-F238E27FC236}">
-                <a16:creationId xmlns:a16="http://schemas.microsoft.com/office/drawing/2014/main" id="{C75D6483-D220-3129-5BDF-4145481F17EA}"/>
+                <a16:creationId xmlns:a16="http://schemas.microsoft.com/office/drawing/2014/main" id="{4728236C-6D9A-2DAB-7FED-B5596AE5F3EF}"/>
               </a:ext>
             </a:extLst>
           </p:cNvPr>
-          <p:cNvSpPr txBox="1"/>
+          <p:cNvPicPr>
+            <a:picLocks noChangeAspect="1" noChangeArrowheads="1"/>
+          </p:cNvPicPr>
           <p:nvPr/>
-        </p:nvSpPr>
-        <p:spPr>
+        </p:nvPicPr>
+        <p:blipFill>
+          <a:blip r:embed="rId6">
+            <a:extLst>
+              <a:ext uri="{28A0092B-C50C-407E-A947-70E740481C1C}">
+                <a14:useLocalDpi xmlns:a14="http://schemas.microsoft.com/office/drawing/2010/main" val="0"/>
+              </a:ext>
+            </a:extLst>
+          </a:blip>
+          <a:srcRect/>
+          <a:stretch>
+            <a:fillRect/>
+          </a:stretch>
+        </p:blipFill>
+        <p:spPr bwMode="auto">
           <a:xfrm>
-            <a:off x="7166503" y="5333504"/>
-            <a:ext cx="3968792" cy="419025"/>
+            <a:off x="1520662" y="2977841"/>
+            <a:ext cx="10012460" cy="690964"/>
           </a:xfrm>
           <a:prstGeom prst="rect">
             <a:avLst/>
           </a:prstGeom>
           <a:noFill/>
+          <a:extLst>
+            <a:ext uri="{909E8E84-426E-40DD-AFC4-6F175D3DCCD1}">
+              <a14:hiddenFill xmlns:a14="http://schemas.microsoft.com/office/drawing/2010/main">
+                <a:solidFill>
+                  <a:srgbClr val="FFFFFF"/>
+                </a:solidFill>
+              </a14:hiddenFill>
+            </a:ext>
+          </a:extLst>
         </p:spPr>
-        <p:txBody>
-          <a:bodyPr wrap="square">
-            <a:spAutoFit/>
-          </a:bodyPr>
-          <a:lstStyle/>
-          <a:p>
-            <a:pPr lvl="0">
-              <a:lnSpc>
-                <a:spcPct val="150000"/>
-              </a:lnSpc>
-              <a:spcAft>
-                <a:spcPts val="1000"/>
-              </a:spcAft>
-            </a:pPr>
-            <a:r>
-              <a:rPr lang="pt-PT" sz="1600" dirty="0">
-                <a:ea typeface="Calibri" panose="020F0502020204030204" pitchFamily="34" charset="0"/>
-                <a:cs typeface="Arial" panose="020B0604020202020204" pitchFamily="34" charset="0"/>
-              </a:rPr>
-              <a:t>S</a:t>
-            </a:r>
-            <a:r>
-              <a:rPr lang="pt-PT" sz="1600" dirty="0">
-                <a:effectLst/>
-                <a:ea typeface="Calibri" panose="020F0502020204030204" pitchFamily="34" charset="0"/>
-                <a:cs typeface="Arial" panose="020B0604020202020204" pitchFamily="34" charset="0"/>
-              </a:rPr>
-              <a:t>ubcapítulo </a:t>
-            </a:r>
-            <a:r>
-              <a:rPr lang="pt-PT" sz="1600" dirty="0"/>
-              <a:t>Normalização dos Dados</a:t>
-            </a:r>
-            <a:endParaRPr lang="en-US" sz="1600" dirty="0">
-              <a:effectLst/>
-              <a:ea typeface="Calibri" panose="020F0502020204030204" pitchFamily="34" charset="0"/>
-              <a:cs typeface="Arial" panose="020B0604020202020204" pitchFamily="34" charset="0"/>
-            </a:endParaRPr>
-          </a:p>
-        </p:txBody>
-      </p:sp>
+      </p:pic>
+      <p:pic>
+        <p:nvPicPr>
+          <p:cNvPr id="1030" name="Picture 6">
+            <a:extLst>
+              <a:ext uri="{FF2B5EF4-FFF2-40B4-BE49-F238E27FC236}">
+                <a16:creationId xmlns:a16="http://schemas.microsoft.com/office/drawing/2014/main" id="{850EF877-54FB-6FE9-B296-D9A48E263992}"/>
+              </a:ext>
+            </a:extLst>
+          </p:cNvPr>
+          <p:cNvPicPr>
+            <a:picLocks noChangeAspect="1" noChangeArrowheads="1"/>
+          </p:cNvPicPr>
+          <p:nvPr/>
+        </p:nvPicPr>
+        <p:blipFill>
+          <a:blip r:embed="rId7">
+            <a:extLst>
+              <a:ext uri="{28A0092B-C50C-407E-A947-70E740481C1C}">
+                <a14:useLocalDpi xmlns:a14="http://schemas.microsoft.com/office/drawing/2010/main" val="0"/>
+              </a:ext>
+            </a:extLst>
+          </a:blip>
+          <a:srcRect/>
+          <a:stretch>
+            <a:fillRect/>
+          </a:stretch>
+        </p:blipFill>
+        <p:spPr bwMode="auto">
+          <a:xfrm>
+            <a:off x="1526808" y="4641266"/>
+            <a:ext cx="9055637" cy="690964"/>
+          </a:xfrm>
+          <a:prstGeom prst="rect">
+            <a:avLst/>
+          </a:prstGeom>
+          <a:noFill/>
+          <a:extLst>
+            <a:ext uri="{909E8E84-426E-40DD-AFC4-6F175D3DCCD1}">
+              <a14:hiddenFill xmlns:a14="http://schemas.microsoft.com/office/drawing/2010/main">
+                <a:solidFill>
+                  <a:srgbClr val="FFFFFF"/>
+                </a:solidFill>
+              </a14:hiddenFill>
+            </a:ext>
+          </a:extLst>
+        </p:spPr>
+      </p:pic>
     </p:spTree>
     <p:extLst>
       <p:ext uri="{BB962C8B-B14F-4D97-AF65-F5344CB8AC3E}">
-        <p14:creationId xmlns:p14="http://schemas.microsoft.com/office/powerpoint/2010/main" val="1901058549"/>
+        <p14:creationId xmlns:p14="http://schemas.microsoft.com/office/powerpoint/2010/main" val="1543243506"/>
       </p:ext>
     </p:extLst>
   </p:cSld>
   <p:clrMapOvr>
-    <a:masterClrMapping/>
+    <a:overrideClrMapping bg1="lt1" tx1="dk1" bg2="lt2" tx2="dk2" accent1="accent1" accent2="accent2" accent3="accent3" accent4="accent4" accent5="accent5" accent6="accent6" hlink="hlink" folHlink="folHlink"/>
   </p:clrMapOvr>
   <p:timing>
     <p:tnLst>
@@ -15560,7 +15480,7 @@
                             </p:stCondLst>
                             <p:childTnLst>
                               <p:par>
-                                <p:cTn id="5" presetID="1" presetClass="entr" presetSubtype="0" fill="hold" nodeType="clickEffect">
+                                <p:cTn id="5" presetID="1" presetClass="entr" presetSubtype="0" fill="hold" grpId="0" nodeType="clickEffect">
                                   <p:stCondLst>
                                     <p:cond delay="0"/>
                                   </p:stCondLst>
@@ -15573,7 +15493,34 @@
                                           </p:stCondLst>
                                         </p:cTn>
                                         <p:tgtEl>
-                                          <p:spTgt spid="3"/>
+                                          <p:spTgt spid="20"/>
+                                        </p:tgtEl>
+                                        <p:attrNameLst>
+                                          <p:attrName>style.visibility</p:attrName>
+                                        </p:attrNameLst>
+                                      </p:cBhvr>
+                                      <p:to>
+                                        <p:strVal val="visible"/>
+                                      </p:to>
+                                    </p:set>
+                                  </p:childTnLst>
+                                </p:cTn>
+                              </p:par>
+                              <p:par>
+                                <p:cTn id="7" presetID="1" presetClass="entr" presetSubtype="0" fill="hold" nodeType="withEffect">
+                                  <p:stCondLst>
+                                    <p:cond delay="0"/>
+                                  </p:stCondLst>
+                                  <p:childTnLst>
+                                    <p:set>
+                                      <p:cBhvr>
+                                        <p:cTn id="8" dur="1" fill="hold">
+                                          <p:stCondLst>
+                                            <p:cond delay="0"/>
+                                          </p:stCondLst>
+                                        </p:cTn>
+                                        <p:tgtEl>
+                                          <p:spTgt spid="1026"/>
                                         </p:tgtEl>
                                         <p:attrNameLst>
                                           <p:attrName>style.visibility</p:attrName>
@@ -15593,36 +15540,59 @@
                     </p:cTn>
                   </p:par>
                   <p:par>
-                    <p:cTn id="7" fill="hold">
+                    <p:cTn id="9" fill="hold">
                       <p:stCondLst>
                         <p:cond delay="indefinite"/>
                       </p:stCondLst>
                       <p:childTnLst>
                         <p:par>
-                          <p:cTn id="8" fill="hold">
+                          <p:cTn id="10" fill="hold">
                             <p:stCondLst>
                               <p:cond delay="0"/>
                             </p:stCondLst>
                             <p:childTnLst>
                               <p:par>
-                                <p:cTn id="9" presetID="1" presetClass="entr" presetSubtype="0" fill="hold" nodeType="clickEffect">
+                                <p:cTn id="11" presetID="1" presetClass="entr" presetSubtype="0" fill="hold" grpId="0" nodeType="clickEffect">
                                   <p:stCondLst>
                                     <p:cond delay="0"/>
                                   </p:stCondLst>
                                   <p:childTnLst>
                                     <p:set>
                                       <p:cBhvr>
-                                        <p:cTn id="10" dur="1" fill="hold">
+                                        <p:cTn id="12" dur="1" fill="hold">
                                           <p:stCondLst>
                                             <p:cond delay="0"/>
                                           </p:stCondLst>
                                         </p:cTn>
                                         <p:tgtEl>
-                                          <p:spTgt spid="2">
-                                            <p:txEl>
-                                              <p:pRg st="0" end="0"/>
-                                            </p:txEl>
-                                          </p:spTgt>
+                                          <p:spTgt spid="21"/>
+                                        </p:tgtEl>
+                                        <p:attrNameLst>
+                                          <p:attrName>style.visibility</p:attrName>
+                                        </p:attrNameLst>
+                                      </p:cBhvr>
+                                      <p:to>
+                                        <p:strVal val="visible"/>
+                                      </p:to>
+                                    </p:set>
+                                  </p:childTnLst>
+                                </p:cTn>
+                              </p:par>
+                              <p:par>
+                                <p:cTn id="13" presetID="1" presetClass="entr" presetSubtype="0" fill="hold" nodeType="withEffect">
+                                  <p:stCondLst>
+                                    <p:cond delay="0"/>
+                                  </p:stCondLst>
+                                  <p:childTnLst>
+                                    <p:set>
+                                      <p:cBhvr>
+                                        <p:cTn id="14" dur="1" fill="hold">
+                                          <p:stCondLst>
+                                            <p:cond delay="0"/>
+                                          </p:stCondLst>
+                                        </p:cTn>
+                                        <p:tgtEl>
+                                          <p:spTgt spid="1028"/>
                                         </p:tgtEl>
                                         <p:attrNameLst>
                                           <p:attrName>style.visibility</p:attrName>
@@ -15642,36 +15612,59 @@
                     </p:cTn>
                   </p:par>
                   <p:par>
-                    <p:cTn id="11" fill="hold">
+                    <p:cTn id="15" fill="hold">
                       <p:stCondLst>
                         <p:cond delay="indefinite"/>
                       </p:stCondLst>
                       <p:childTnLst>
                         <p:par>
-                          <p:cTn id="12" fill="hold">
+                          <p:cTn id="16" fill="hold">
                             <p:stCondLst>
                               <p:cond delay="0"/>
                             </p:stCondLst>
                             <p:childTnLst>
                               <p:par>
-                                <p:cTn id="13" presetID="1" presetClass="entr" presetSubtype="0" fill="hold" nodeType="clickEffect">
+                                <p:cTn id="17" presetID="1" presetClass="entr" presetSubtype="0" fill="hold" grpId="0" nodeType="clickEffect">
                                   <p:stCondLst>
                                     <p:cond delay="0"/>
                                   </p:stCondLst>
                                   <p:childTnLst>
                                     <p:set>
                                       <p:cBhvr>
-                                        <p:cTn id="14" dur="1" fill="hold">
+                                        <p:cTn id="18" dur="1" fill="hold">
                                           <p:stCondLst>
                                             <p:cond delay="0"/>
                                           </p:stCondLst>
                                         </p:cTn>
                                         <p:tgtEl>
-                                          <p:spTgt spid="5">
-                                            <p:txEl>
-                                              <p:pRg st="0" end="0"/>
-                                            </p:txEl>
-                                          </p:spTgt>
+                                          <p:spTgt spid="3"/>
+                                        </p:tgtEl>
+                                        <p:attrNameLst>
+                                          <p:attrName>style.visibility</p:attrName>
+                                        </p:attrNameLst>
+                                      </p:cBhvr>
+                                      <p:to>
+                                        <p:strVal val="visible"/>
+                                      </p:to>
+                                    </p:set>
+                                  </p:childTnLst>
+                                </p:cTn>
+                              </p:par>
+                              <p:par>
+                                <p:cTn id="19" presetID="1" presetClass="entr" presetSubtype="0" fill="hold" nodeType="withEffect">
+                                  <p:stCondLst>
+                                    <p:cond delay="0"/>
+                                  </p:stCondLst>
+                                  <p:childTnLst>
+                                    <p:set>
+                                      <p:cBhvr>
+                                        <p:cTn id="20" dur="1" fill="hold">
+                                          <p:stCondLst>
+                                            <p:cond delay="0"/>
+                                          </p:stCondLst>
+                                        </p:cTn>
+                                        <p:tgtEl>
+                                          <p:spTgt spid="1030"/>
                                         </p:tgtEl>
                                         <p:attrNameLst>
                                           <p:attrName>style.visibility</p:attrName>
@@ -15711,6 +15704,11 @@
         </p:cTn>
       </p:par>
     </p:tnLst>
+    <p:bldLst>
+      <p:bldP spid="20" grpId="0"/>
+      <p:bldP spid="21" grpId="0"/>
+      <p:bldP spid="3" grpId="0"/>
+    </p:bldLst>
   </p:timing>
 </p:sld>
 </file>
@@ -15768,7 +15766,7 @@
               <a:pPr/>
               <a:t>13</a:t>
             </a:fld>
-            <a:endParaRPr lang="en-US" dirty="0"/>
+            <a:endParaRPr lang="en-US" sz="1800" dirty="0"/>
           </a:p>
         </p:txBody>
       </p:sp>
@@ -15904,52 +15902,12 @@
           </a:p>
         </p:txBody>
       </p:sp>
-      <p:pic>
-        <p:nvPicPr>
-          <p:cNvPr id="3" name="Imagem 1">
-            <a:extLst>
-              <a:ext uri="{FF2B5EF4-FFF2-40B4-BE49-F238E27FC236}">
-                <a16:creationId xmlns:a16="http://schemas.microsoft.com/office/drawing/2014/main" id="{C1588246-D659-F52E-7676-8CEF18C8D91A}"/>
-              </a:ext>
-            </a:extLst>
-          </p:cNvPr>
-          <p:cNvPicPr>
-            <a:picLocks noChangeAspect="1"/>
-          </p:cNvPicPr>
-          <p:nvPr/>
-        </p:nvPicPr>
-        <p:blipFill>
-          <a:blip r:embed="rId3" cstate="print">
-            <a:extLst>
-              <a:ext uri="{28A0092B-C50C-407E-A947-70E740481C1C}">
-                <a14:useLocalDpi xmlns:a14="http://schemas.microsoft.com/office/drawing/2010/main" val="0"/>
-              </a:ext>
-            </a:extLst>
-          </a:blip>
-          <a:stretch>
-            <a:fillRect/>
-          </a:stretch>
-        </p:blipFill>
-        <p:spPr bwMode="auto">
-          <a:xfrm>
-            <a:off x="4697333" y="899196"/>
-            <a:ext cx="3252788" cy="5059607"/>
-          </a:xfrm>
-          <a:prstGeom prst="rect">
-            <a:avLst/>
-          </a:prstGeom>
-          <a:noFill/>
-          <a:ln>
-            <a:noFill/>
-          </a:ln>
-        </p:spPr>
-      </p:pic>
       <p:sp>
         <p:nvSpPr>
-          <p:cNvPr id="8" name="Footer Placeholder 4">
+          <p:cNvPr id="17" name="Footer Placeholder 4">
             <a:extLst>
               <a:ext uri="{FF2B5EF4-FFF2-40B4-BE49-F238E27FC236}">
-                <a16:creationId xmlns:a16="http://schemas.microsoft.com/office/drawing/2014/main" id="{6128C8D4-E738-58F1-72A6-5973C3FF7BE7}"/>
+                <a16:creationId xmlns:a16="http://schemas.microsoft.com/office/drawing/2014/main" id="{BDD0BE9C-4B2A-13F2-1846-CE9D671D0CA0}"/>
               </a:ext>
             </a:extLst>
           </p:cNvPr>
@@ -16092,1455 +16050,6 @@
       </p:sp>
       <p:pic>
         <p:nvPicPr>
-          <p:cNvPr id="9" name="Picture 8" descr="A black background with a black square&#10;&#10;Description automatically generated with medium confidence">
-            <a:extLst>
-              <a:ext uri="{FF2B5EF4-FFF2-40B4-BE49-F238E27FC236}">
-                <a16:creationId xmlns:a16="http://schemas.microsoft.com/office/drawing/2014/main" id="{ACC70987-A646-CD97-01CE-F7380652F558}"/>
-              </a:ext>
-            </a:extLst>
-          </p:cNvPr>
-          <p:cNvPicPr>
-            <a:picLocks noChangeAspect="1"/>
-          </p:cNvPicPr>
-          <p:nvPr/>
-        </p:nvPicPr>
-        <p:blipFill>
-          <a:blip r:embed="rId4">
-            <a:alphaModFix amt="70000"/>
-            <a:extLst>
-              <a:ext uri="{28A0092B-C50C-407E-A947-70E740481C1C}">
-                <a14:useLocalDpi xmlns:a14="http://schemas.microsoft.com/office/drawing/2010/main" val="0"/>
-              </a:ext>
-            </a:extLst>
-          </a:blip>
-          <a:stretch>
-            <a:fillRect/>
-          </a:stretch>
-        </p:blipFill>
-        <p:spPr>
-          <a:xfrm>
-            <a:off x="10582445" y="5985436"/>
-            <a:ext cx="1441915" cy="568239"/>
-          </a:xfrm>
-          <a:prstGeom prst="rect">
-            <a:avLst/>
-          </a:prstGeom>
-        </p:spPr>
-      </p:pic>
-      <p:sp>
-        <p:nvSpPr>
-          <p:cNvPr id="10" name="Title 1">
-            <a:extLst>
-              <a:ext uri="{FF2B5EF4-FFF2-40B4-BE49-F238E27FC236}">
-                <a16:creationId xmlns:a16="http://schemas.microsoft.com/office/drawing/2014/main" id="{CB61EF24-9E37-6C2A-630E-711BC6CA3B21}"/>
-              </a:ext>
-            </a:extLst>
-          </p:cNvPr>
-          <p:cNvSpPr>
-            <a:spLocks noGrp="1"/>
-          </p:cNvSpPr>
-          <p:nvPr>
-            <p:ph type="title"/>
-          </p:nvPr>
-        </p:nvSpPr>
-        <p:spPr>
-          <a:xfrm>
-            <a:off x="1520662" y="252034"/>
-            <a:ext cx="9753890" cy="409176"/>
-          </a:xfrm>
-        </p:spPr>
-        <p:txBody>
-          <a:bodyPr>
-            <a:normAutofit fontScale="90000"/>
-          </a:bodyPr>
-          <a:lstStyle/>
-          <a:p>
-            <a:r>
-              <a:rPr lang="pt-PT" i="1" dirty="0"/>
-              <a:t>Primeira Abordagem - Processamento de dados</a:t>
-            </a:r>
-          </a:p>
-        </p:txBody>
-      </p:sp>
-      <p:sp>
-        <p:nvSpPr>
-          <p:cNvPr id="2" name="TextBox 1">
-            <a:extLst>
-              <a:ext uri="{FF2B5EF4-FFF2-40B4-BE49-F238E27FC236}">
-                <a16:creationId xmlns:a16="http://schemas.microsoft.com/office/drawing/2014/main" id="{D56B86EC-7E39-B3B2-1F01-A13C8245B2D8}"/>
-              </a:ext>
-            </a:extLst>
-          </p:cNvPr>
-          <p:cNvSpPr txBox="1"/>
-          <p:nvPr/>
-        </p:nvSpPr>
-        <p:spPr>
-          <a:xfrm rot="16200000">
-            <a:off x="801304" y="3297555"/>
-            <a:ext cx="4956736" cy="419025"/>
-          </a:xfrm>
-          <a:prstGeom prst="rect">
-            <a:avLst/>
-          </a:prstGeom>
-          <a:noFill/>
-        </p:spPr>
-        <p:txBody>
-          <a:bodyPr wrap="square">
-            <a:spAutoFit/>
-          </a:bodyPr>
-          <a:lstStyle/>
-          <a:p>
-            <a:pPr lvl="0">
-              <a:lnSpc>
-                <a:spcPct val="150000"/>
-              </a:lnSpc>
-              <a:spcAft>
-                <a:spcPts val="1000"/>
-              </a:spcAft>
-            </a:pPr>
-            <a:r>
-              <a:rPr lang="pt-PT" sz="1600" dirty="0">
-                <a:ea typeface="Calibri" panose="020F0502020204030204" pitchFamily="34" charset="0"/>
-                <a:cs typeface="Arial" panose="020B0604020202020204" pitchFamily="34" charset="0"/>
-              </a:rPr>
-              <a:t>S</a:t>
-            </a:r>
-            <a:r>
-              <a:rPr lang="pt-PT" sz="1600" dirty="0">
-                <a:effectLst/>
-                <a:ea typeface="Calibri" panose="020F0502020204030204" pitchFamily="34" charset="0"/>
-                <a:cs typeface="Arial" panose="020B0604020202020204" pitchFamily="34" charset="0"/>
-              </a:rPr>
-              <a:t>ubcapítulo </a:t>
-            </a:r>
-            <a:r>
-              <a:rPr lang="pt-PT" sz="1600" dirty="0"/>
-              <a:t>Separação dos Dados em Treino e Teste</a:t>
-            </a:r>
-            <a:endParaRPr lang="en-US" sz="1600" dirty="0">
-              <a:effectLst/>
-              <a:ea typeface="Calibri" panose="020F0502020204030204" pitchFamily="34" charset="0"/>
-              <a:cs typeface="Arial" panose="020B0604020202020204" pitchFamily="34" charset="0"/>
-            </a:endParaRPr>
-          </a:p>
-        </p:txBody>
-      </p:sp>
-    </p:spTree>
-    <p:extLst>
-      <p:ext uri="{BB962C8B-B14F-4D97-AF65-F5344CB8AC3E}">
-        <p14:creationId xmlns:p14="http://schemas.microsoft.com/office/powerpoint/2010/main" val="1595800731"/>
-      </p:ext>
-    </p:extLst>
-  </p:cSld>
-  <p:clrMapOvr>
-    <a:masterClrMapping/>
-  </p:clrMapOvr>
-  <p:timing>
-    <p:tnLst>
-      <p:par>
-        <p:cTn id="1" dur="indefinite" restart="never" nodeType="tmRoot">
-          <p:childTnLst>
-            <p:seq concurrent="1" nextAc="seek">
-              <p:cTn id="2" dur="indefinite" nodeType="mainSeq">
-                <p:childTnLst>
-                  <p:par>
-                    <p:cTn id="3" fill="hold">
-                      <p:stCondLst>
-                        <p:cond delay="indefinite"/>
-                      </p:stCondLst>
-                      <p:childTnLst>
-                        <p:par>
-                          <p:cTn id="4" fill="hold">
-                            <p:stCondLst>
-                              <p:cond delay="0"/>
-                            </p:stCondLst>
-                            <p:childTnLst>
-                              <p:par>
-                                <p:cTn id="5" presetID="1" presetClass="entr" presetSubtype="0" fill="hold" nodeType="clickEffect">
-                                  <p:stCondLst>
-                                    <p:cond delay="0"/>
-                                  </p:stCondLst>
-                                  <p:childTnLst>
-                                    <p:set>
-                                      <p:cBhvr>
-                                        <p:cTn id="6" dur="1" fill="hold">
-                                          <p:stCondLst>
-                                            <p:cond delay="0"/>
-                                          </p:stCondLst>
-                                        </p:cTn>
-                                        <p:tgtEl>
-                                          <p:spTgt spid="2">
-                                            <p:txEl>
-                                              <p:pRg st="0" end="0"/>
-                                            </p:txEl>
-                                          </p:spTgt>
-                                        </p:tgtEl>
-                                        <p:attrNameLst>
-                                          <p:attrName>style.visibility</p:attrName>
-                                        </p:attrNameLst>
-                                      </p:cBhvr>
-                                      <p:to>
-                                        <p:strVal val="visible"/>
-                                      </p:to>
-                                    </p:set>
-                                  </p:childTnLst>
-                                </p:cTn>
-                              </p:par>
-                            </p:childTnLst>
-                          </p:cTn>
-                        </p:par>
-                      </p:childTnLst>
-                    </p:cTn>
-                  </p:par>
-                </p:childTnLst>
-              </p:cTn>
-              <p:prevCondLst>
-                <p:cond evt="onPrev" delay="0">
-                  <p:tgtEl>
-                    <p:sldTgt/>
-                  </p:tgtEl>
-                </p:cond>
-              </p:prevCondLst>
-              <p:nextCondLst>
-                <p:cond evt="onNext" delay="0">
-                  <p:tgtEl>
-                    <p:sldTgt/>
-                  </p:tgtEl>
-                </p:cond>
-              </p:nextCondLst>
-            </p:seq>
-          </p:childTnLst>
-        </p:cTn>
-      </p:par>
-    </p:tnLst>
-  </p:timing>
-</p:sld>
-</file>
-
-<file path=ppt/slides/slide14.xml><?xml version="1.0" encoding="utf-8"?>
-<p:sld xmlns:a="http://schemas.openxmlformats.org/drawingml/2006/main" xmlns:r="http://schemas.openxmlformats.org/officeDocument/2006/relationships" xmlns:p="http://schemas.openxmlformats.org/presentationml/2006/main">
-  <p:cSld>
-    <p:bg>
-      <p:bgPr>
-        <a:solidFill>
-          <a:schemeClr val="bg2">
-            <a:alpha val="0"/>
-          </a:schemeClr>
-        </a:solidFill>
-        <a:effectLst/>
-      </p:bgPr>
-    </p:bg>
-    <p:spTree>
-      <p:nvGrpSpPr>
-        <p:cNvPr id="1" name=""/>
-        <p:cNvGrpSpPr/>
-        <p:nvPr/>
-      </p:nvGrpSpPr>
-      <p:grpSpPr>
-        <a:xfrm>
-          <a:off x="0" y="0"/>
-          <a:ext cx="0" cy="0"/>
-          <a:chOff x="0" y="0"/>
-          <a:chExt cx="0" cy="0"/>
-        </a:xfrm>
-      </p:grpSpPr>
-      <p:sp>
-        <p:nvSpPr>
-          <p:cNvPr id="2" name="Title 1">
-            <a:extLst>
-              <a:ext uri="{FF2B5EF4-FFF2-40B4-BE49-F238E27FC236}">
-                <a16:creationId xmlns:a16="http://schemas.microsoft.com/office/drawing/2014/main" id="{4662EDDE-6B1A-D0AC-F9F2-C67719C36532}"/>
-              </a:ext>
-            </a:extLst>
-          </p:cNvPr>
-          <p:cNvSpPr>
-            <a:spLocks noGrp="1"/>
-          </p:cNvSpPr>
-          <p:nvPr>
-            <p:ph type="title"/>
-          </p:nvPr>
-        </p:nvSpPr>
-        <p:spPr>
-          <a:xfrm>
-            <a:off x="1520662" y="252034"/>
-            <a:ext cx="9753890" cy="409176"/>
-          </a:xfrm>
-        </p:spPr>
-        <p:txBody>
-          <a:bodyPr>
-            <a:normAutofit fontScale="90000"/>
-          </a:bodyPr>
-          <a:lstStyle/>
-          <a:p>
-            <a:r>
-              <a:rPr lang="pt-PT" i="1" dirty="0"/>
-              <a:t>Segunda Abordagem - Modelos</a:t>
-            </a:r>
-          </a:p>
-        </p:txBody>
-      </p:sp>
-      <p:sp>
-        <p:nvSpPr>
-          <p:cNvPr id="4" name="Slide Number Placeholder 3">
-            <a:extLst>
-              <a:ext uri="{FF2B5EF4-FFF2-40B4-BE49-F238E27FC236}">
-                <a16:creationId xmlns:a16="http://schemas.microsoft.com/office/drawing/2014/main" id="{527C964F-E2D5-D8E7-C513-C47A7E409DF3}"/>
-              </a:ext>
-            </a:extLst>
-          </p:cNvPr>
-          <p:cNvSpPr>
-            <a:spLocks noGrp="1"/>
-          </p:cNvSpPr>
-          <p:nvPr>
-            <p:ph type="sldNum" sz="quarter" idx="15"/>
-          </p:nvPr>
-        </p:nvSpPr>
-        <p:spPr/>
-        <p:txBody>
-          <a:bodyPr/>
-          <a:lstStyle/>
-          <a:p>
-            <a:fld id="{18D65601-5AE2-46FC-B138-694DDD2B510D}" type="slidenum">
-              <a:rPr lang="en-US" sz="1800" smtClean="0"/>
-              <a:pPr/>
-              <a:t>14</a:t>
-            </a:fld>
-            <a:endParaRPr lang="en-US" sz="1800" dirty="0"/>
-          </a:p>
-        </p:txBody>
-      </p:sp>
-      <p:sp>
-        <p:nvSpPr>
-          <p:cNvPr id="6" name="Footer Placeholder 4">
-            <a:extLst>
-              <a:ext uri="{FF2B5EF4-FFF2-40B4-BE49-F238E27FC236}">
-                <a16:creationId xmlns:a16="http://schemas.microsoft.com/office/drawing/2014/main" id="{0D821BC6-79CF-66F1-F00C-E2213C505826}"/>
-              </a:ext>
-            </a:extLst>
-          </p:cNvPr>
-          <p:cNvSpPr txBox="1">
-            <a:spLocks/>
-          </p:cNvSpPr>
-          <p:nvPr/>
-        </p:nvSpPr>
-        <p:spPr>
-          <a:xfrm>
-            <a:off x="4038600" y="6333565"/>
-            <a:ext cx="4114800" cy="365125"/>
-          </a:xfrm>
-          <a:prstGeom prst="rect">
-            <a:avLst/>
-          </a:prstGeom>
-        </p:spPr>
-        <p:txBody>
-          <a:bodyPr vert="horz" lIns="91440" tIns="45720" rIns="91440" bIns="45720" rtlCol="0" anchor="ctr"/>
-          <a:lstStyle>
-            <a:defPPr>
-              <a:defRPr lang="en-US"/>
-            </a:defPPr>
-            <a:lvl1pPr marL="0" algn="ctr" defTabSz="914400" rtl="0" eaLnBrk="1" latinLnBrk="0" hangingPunct="1">
-              <a:defRPr sz="900" b="0" kern="1200" cap="all" spc="150" baseline="0">
-                <a:solidFill>
-                  <a:schemeClr val="bg2">
-                    <a:lumMod val="50000"/>
-                  </a:schemeClr>
-                </a:solidFill>
-                <a:latin typeface="Univers Light" panose="020B0403020202020204" pitchFamily="34" charset="0"/>
-                <a:ea typeface="+mn-ea"/>
-                <a:cs typeface="+mn-cs"/>
-              </a:defRPr>
-            </a:lvl1pPr>
-            <a:lvl2pPr marL="457200" algn="l" defTabSz="914400" rtl="0" eaLnBrk="1" latinLnBrk="0" hangingPunct="1">
-              <a:defRPr sz="1800" kern="1200">
-                <a:solidFill>
-                  <a:schemeClr val="tx1"/>
-                </a:solidFill>
-                <a:latin typeface="+mn-lt"/>
-                <a:ea typeface="+mn-ea"/>
-                <a:cs typeface="+mn-cs"/>
-              </a:defRPr>
-            </a:lvl2pPr>
-            <a:lvl3pPr marL="914400" algn="l" defTabSz="914400" rtl="0" eaLnBrk="1" latinLnBrk="0" hangingPunct="1">
-              <a:defRPr sz="1800" kern="1200">
-                <a:solidFill>
-                  <a:schemeClr val="tx1"/>
-                </a:solidFill>
-                <a:latin typeface="+mn-lt"/>
-                <a:ea typeface="+mn-ea"/>
-                <a:cs typeface="+mn-cs"/>
-              </a:defRPr>
-            </a:lvl3pPr>
-            <a:lvl4pPr marL="1371600" algn="l" defTabSz="914400" rtl="0" eaLnBrk="1" latinLnBrk="0" hangingPunct="1">
-              <a:defRPr sz="1800" kern="1200">
-                <a:solidFill>
-                  <a:schemeClr val="tx1"/>
-                </a:solidFill>
-                <a:latin typeface="+mn-lt"/>
-                <a:ea typeface="+mn-ea"/>
-                <a:cs typeface="+mn-cs"/>
-              </a:defRPr>
-            </a:lvl4pPr>
-            <a:lvl5pPr marL="1828800" algn="l" defTabSz="914400" rtl="0" eaLnBrk="1" latinLnBrk="0" hangingPunct="1">
-              <a:defRPr sz="1800" kern="1200">
-                <a:solidFill>
-                  <a:schemeClr val="tx1"/>
-                </a:solidFill>
-                <a:latin typeface="+mn-lt"/>
-                <a:ea typeface="+mn-ea"/>
-                <a:cs typeface="+mn-cs"/>
-              </a:defRPr>
-            </a:lvl5pPr>
-            <a:lvl6pPr marL="2286000" algn="l" defTabSz="914400" rtl="0" eaLnBrk="1" latinLnBrk="0" hangingPunct="1">
-              <a:defRPr sz="1800" kern="1200">
-                <a:solidFill>
-                  <a:schemeClr val="tx1"/>
-                </a:solidFill>
-                <a:latin typeface="+mn-lt"/>
-                <a:ea typeface="+mn-ea"/>
-                <a:cs typeface="+mn-cs"/>
-              </a:defRPr>
-            </a:lvl6pPr>
-            <a:lvl7pPr marL="2743200" algn="l" defTabSz="914400" rtl="0" eaLnBrk="1" latinLnBrk="0" hangingPunct="1">
-              <a:defRPr sz="1800" kern="1200">
-                <a:solidFill>
-                  <a:schemeClr val="tx1"/>
-                </a:solidFill>
-                <a:latin typeface="+mn-lt"/>
-                <a:ea typeface="+mn-ea"/>
-                <a:cs typeface="+mn-cs"/>
-              </a:defRPr>
-            </a:lvl7pPr>
-            <a:lvl8pPr marL="3200400" algn="l" defTabSz="914400" rtl="0" eaLnBrk="1" latinLnBrk="0" hangingPunct="1">
-              <a:defRPr sz="1800" kern="1200">
-                <a:solidFill>
-                  <a:schemeClr val="tx1"/>
-                </a:solidFill>
-                <a:latin typeface="+mn-lt"/>
-                <a:ea typeface="+mn-ea"/>
-                <a:cs typeface="+mn-cs"/>
-              </a:defRPr>
-            </a:lvl8pPr>
-            <a:lvl9pPr marL="3657600" algn="l" defTabSz="914400" rtl="0" eaLnBrk="1" latinLnBrk="0" hangingPunct="1">
-              <a:defRPr sz="1800" kern="1200">
-                <a:solidFill>
-                  <a:schemeClr val="tx1"/>
-                </a:solidFill>
-                <a:latin typeface="+mn-lt"/>
-                <a:ea typeface="+mn-ea"/>
-                <a:cs typeface="+mn-cs"/>
-              </a:defRPr>
-            </a:lvl9pPr>
-          </a:lstStyle>
-          <a:p>
-            <a:pPr>
-              <a:lnSpc>
-                <a:spcPct val="150000"/>
-              </a:lnSpc>
-            </a:pPr>
-            <a:r>
-              <a:rPr lang="pt-PT" sz="800" dirty="0"/>
-              <a:t>Ai driving classification</a:t>
-            </a:r>
-          </a:p>
-          <a:p>
-            <a:pPr>
-              <a:lnSpc>
-                <a:spcPct val="150000"/>
-              </a:lnSpc>
-            </a:pPr>
-            <a:r>
-              <a:rPr lang="pt-PT" sz="800" dirty="0"/>
-              <a:t>Alberto pingo | joão castro</a:t>
-            </a:r>
-          </a:p>
-        </p:txBody>
-      </p:sp>
-      <p:pic>
-        <p:nvPicPr>
-          <p:cNvPr id="7" name="Picture 6" descr="A black background with a black square&#10;&#10;Description automatically generated with medium confidence">
-            <a:extLst>
-              <a:ext uri="{FF2B5EF4-FFF2-40B4-BE49-F238E27FC236}">
-                <a16:creationId xmlns:a16="http://schemas.microsoft.com/office/drawing/2014/main" id="{05200A96-EEA7-9B7D-506A-BF4FE113C176}"/>
-              </a:ext>
-            </a:extLst>
-          </p:cNvPr>
-          <p:cNvPicPr>
-            <a:picLocks noChangeAspect="1"/>
-          </p:cNvPicPr>
-          <p:nvPr/>
-        </p:nvPicPr>
-        <p:blipFill>
-          <a:blip r:embed="rId4">
-            <a:alphaModFix amt="70000"/>
-            <a:extLst>
-              <a:ext uri="{28A0092B-C50C-407E-A947-70E740481C1C}">
-                <a14:useLocalDpi xmlns:a14="http://schemas.microsoft.com/office/drawing/2010/main" val="0"/>
-              </a:ext>
-            </a:extLst>
-          </a:blip>
-          <a:stretch>
-            <a:fillRect/>
-          </a:stretch>
-        </p:blipFill>
-        <p:spPr>
-          <a:xfrm>
-            <a:off x="10582445" y="5985436"/>
-            <a:ext cx="1441915" cy="568239"/>
-          </a:xfrm>
-          <a:prstGeom prst="rect">
-            <a:avLst/>
-          </a:prstGeom>
-        </p:spPr>
-      </p:pic>
-      <p:sp>
-        <p:nvSpPr>
-          <p:cNvPr id="20" name="Title 6">
-            <a:extLst>
-              <a:ext uri="{FF2B5EF4-FFF2-40B4-BE49-F238E27FC236}">
-                <a16:creationId xmlns:a16="http://schemas.microsoft.com/office/drawing/2014/main" id="{8BDB5905-9F2D-572E-E649-FDAECE165AEC}"/>
-              </a:ext>
-            </a:extLst>
-          </p:cNvPr>
-          <p:cNvSpPr txBox="1">
-            <a:spLocks/>
-          </p:cNvSpPr>
-          <p:nvPr/>
-        </p:nvSpPr>
-        <p:spPr>
-          <a:xfrm>
-            <a:off x="4911551" y="951402"/>
-            <a:ext cx="2199226" cy="504310"/>
-          </a:xfrm>
-          <a:prstGeom prst="rect">
-            <a:avLst/>
-          </a:prstGeom>
-        </p:spPr>
-        <p:txBody>
-          <a:bodyPr vert="horz" lIns="0" tIns="45720" rIns="91440" bIns="45720" rtlCol="0" anchor="ctr">
-            <a:noAutofit/>
-          </a:bodyPr>
-          <a:lstStyle>
-            <a:lvl1pPr algn="l" defTabSz="914400" rtl="0" eaLnBrk="1" latinLnBrk="0" hangingPunct="1">
-              <a:lnSpc>
-                <a:spcPct val="90000"/>
-              </a:lnSpc>
-              <a:spcBef>
-                <a:spcPct val="0"/>
-              </a:spcBef>
-              <a:buNone/>
-              <a:defRPr sz="3600" kern="1200">
-                <a:solidFill>
-                  <a:schemeClr val="tx1"/>
-                </a:solidFill>
-                <a:latin typeface="+mj-lt"/>
-                <a:ea typeface="+mj-ea"/>
-                <a:cs typeface="+mj-cs"/>
-              </a:defRPr>
-            </a:lvl1pPr>
-          </a:lstStyle>
-          <a:p>
-            <a:pPr algn="ctr"/>
-            <a:r>
-              <a:rPr lang="pt-PT" sz="2000" b="1" i="1" dirty="0">
-                <a:latin typeface="Univers Light (Body)"/>
-                <a:cs typeface="Arial" panose="020B0604020202020204" pitchFamily="34" charset="0"/>
-              </a:rPr>
-              <a:t>Stacked</a:t>
-            </a:r>
-            <a:r>
-              <a:rPr lang="pt-PT" sz="2000" b="1" dirty="0">
-                <a:latin typeface="Univers Light (Body)"/>
-                <a:cs typeface="Arial" panose="020B0604020202020204" pitchFamily="34" charset="0"/>
-              </a:rPr>
-              <a:t> LSTM</a:t>
-            </a:r>
-            <a:endParaRPr lang="en-US" sz="2000" b="1" dirty="0">
-              <a:latin typeface="Univers Light (Body)"/>
-              <a:cs typeface="Arial" panose="020B0604020202020204" pitchFamily="34" charset="0"/>
-            </a:endParaRPr>
-          </a:p>
-        </p:txBody>
-      </p:sp>
-      <p:sp>
-        <p:nvSpPr>
-          <p:cNvPr id="21" name="Title 6">
-            <a:extLst>
-              <a:ext uri="{FF2B5EF4-FFF2-40B4-BE49-F238E27FC236}">
-                <a16:creationId xmlns:a16="http://schemas.microsoft.com/office/drawing/2014/main" id="{1B4F5E7C-34E7-1671-724A-74276CC3CA7F}"/>
-              </a:ext>
-            </a:extLst>
-          </p:cNvPr>
-          <p:cNvSpPr txBox="1">
-            <a:spLocks/>
-          </p:cNvSpPr>
-          <p:nvPr/>
-        </p:nvSpPr>
-        <p:spPr>
-          <a:xfrm>
-            <a:off x="4860902" y="2528659"/>
-            <a:ext cx="2300525" cy="504310"/>
-          </a:xfrm>
-          <a:prstGeom prst="rect">
-            <a:avLst/>
-          </a:prstGeom>
-        </p:spPr>
-        <p:txBody>
-          <a:bodyPr vert="horz" lIns="0" tIns="45720" rIns="91440" bIns="45720" rtlCol="0" anchor="ctr">
-            <a:noAutofit/>
-          </a:bodyPr>
-          <a:lstStyle>
-            <a:lvl1pPr algn="l" defTabSz="914400" rtl="0" eaLnBrk="1" latinLnBrk="0" hangingPunct="1">
-              <a:lnSpc>
-                <a:spcPct val="90000"/>
-              </a:lnSpc>
-              <a:spcBef>
-                <a:spcPct val="0"/>
-              </a:spcBef>
-              <a:buNone/>
-              <a:defRPr sz="3600" kern="1200">
-                <a:solidFill>
-                  <a:schemeClr val="tx1"/>
-                </a:solidFill>
-                <a:latin typeface="+mj-lt"/>
-                <a:ea typeface="+mj-ea"/>
-                <a:cs typeface="+mj-cs"/>
-              </a:defRPr>
-            </a:lvl1pPr>
-          </a:lstStyle>
-          <a:p>
-            <a:pPr algn="ctr"/>
-            <a:r>
-              <a:rPr lang="pt-PT" sz="2000" b="1" i="1" dirty="0">
-                <a:latin typeface="Univers Light (Body)"/>
-                <a:cs typeface="Arial" panose="020B0604020202020204" pitchFamily="34" charset="0"/>
-              </a:rPr>
-              <a:t>Bidirectional</a:t>
-            </a:r>
-            <a:r>
-              <a:rPr lang="pt-PT" sz="2000" b="1" dirty="0">
-                <a:latin typeface="Univers Light (Body)"/>
-                <a:cs typeface="Arial" panose="020B0604020202020204" pitchFamily="34" charset="0"/>
-              </a:rPr>
-              <a:t> LSTM</a:t>
-            </a:r>
-            <a:endParaRPr lang="en-US" sz="2000" b="1" dirty="0">
-              <a:latin typeface="Univers Light (Body)"/>
-              <a:cs typeface="Arial" panose="020B0604020202020204" pitchFamily="34" charset="0"/>
-            </a:endParaRPr>
-          </a:p>
-        </p:txBody>
-      </p:sp>
-      <p:pic>
-        <p:nvPicPr>
-          <p:cNvPr id="2050" name="Picture 2">
-            <a:extLst>
-              <a:ext uri="{FF2B5EF4-FFF2-40B4-BE49-F238E27FC236}">
-                <a16:creationId xmlns:a16="http://schemas.microsoft.com/office/drawing/2014/main" id="{70B48A8A-EB05-4694-5AA4-73A5F45D20FB}"/>
-              </a:ext>
-            </a:extLst>
-          </p:cNvPr>
-          <p:cNvPicPr>
-            <a:picLocks noChangeAspect="1" noChangeArrowheads="1"/>
-          </p:cNvPicPr>
-          <p:nvPr/>
-        </p:nvPicPr>
-        <p:blipFill>
-          <a:blip r:embed="rId5">
-            <a:extLst>
-              <a:ext uri="{28A0092B-C50C-407E-A947-70E740481C1C}">
-                <a14:useLocalDpi xmlns:a14="http://schemas.microsoft.com/office/drawing/2010/main" val="0"/>
-              </a:ext>
-            </a:extLst>
-          </a:blip>
-          <a:srcRect/>
-          <a:stretch>
-            <a:fillRect/>
-          </a:stretch>
-        </p:blipFill>
-        <p:spPr bwMode="auto">
-          <a:xfrm>
-            <a:off x="1520662" y="1443682"/>
-            <a:ext cx="7318029" cy="693688"/>
-          </a:xfrm>
-          <a:prstGeom prst="rect">
-            <a:avLst/>
-          </a:prstGeom>
-          <a:noFill/>
-          <a:extLst>
-            <a:ext uri="{909E8E84-426E-40DD-AFC4-6F175D3DCCD1}">
-              <a14:hiddenFill xmlns:a14="http://schemas.microsoft.com/office/drawing/2010/main">
-                <a:solidFill>
-                  <a:srgbClr val="FFFFFF"/>
-                </a:solidFill>
-              </a14:hiddenFill>
-            </a:ext>
-          </a:extLst>
-        </p:spPr>
-      </p:pic>
-      <p:pic>
-        <p:nvPicPr>
-          <p:cNvPr id="2052" name="Picture 4">
-            <a:extLst>
-              <a:ext uri="{FF2B5EF4-FFF2-40B4-BE49-F238E27FC236}">
-                <a16:creationId xmlns:a16="http://schemas.microsoft.com/office/drawing/2014/main" id="{9821DBB2-3015-3F2A-4E71-1868743AF818}"/>
-              </a:ext>
-            </a:extLst>
-          </p:cNvPr>
-          <p:cNvPicPr>
-            <a:picLocks noChangeAspect="1" noChangeArrowheads="1"/>
-          </p:cNvPicPr>
-          <p:nvPr/>
-        </p:nvPicPr>
-        <p:blipFill>
-          <a:blip r:embed="rId6">
-            <a:extLst>
-              <a:ext uri="{28A0092B-C50C-407E-A947-70E740481C1C}">
-                <a14:useLocalDpi xmlns:a14="http://schemas.microsoft.com/office/drawing/2010/main" val="0"/>
-              </a:ext>
-            </a:extLst>
-          </a:blip>
-          <a:srcRect/>
-          <a:stretch>
-            <a:fillRect/>
-          </a:stretch>
-        </p:blipFill>
-        <p:spPr bwMode="auto">
-          <a:xfrm>
-            <a:off x="1520662" y="3011633"/>
-            <a:ext cx="10012460" cy="690964"/>
-          </a:xfrm>
-          <a:prstGeom prst="rect">
-            <a:avLst/>
-          </a:prstGeom>
-          <a:noFill/>
-          <a:extLst>
-            <a:ext uri="{909E8E84-426E-40DD-AFC4-6F175D3DCCD1}">
-              <a14:hiddenFill xmlns:a14="http://schemas.microsoft.com/office/drawing/2010/main">
-                <a:solidFill>
-                  <a:srgbClr val="FFFFFF"/>
-                </a:solidFill>
-              </a14:hiddenFill>
-            </a:ext>
-          </a:extLst>
-        </p:spPr>
-      </p:pic>
-      <p:sp>
-        <p:nvSpPr>
-          <p:cNvPr id="3" name="Title 6">
-            <a:extLst>
-              <a:ext uri="{FF2B5EF4-FFF2-40B4-BE49-F238E27FC236}">
-                <a16:creationId xmlns:a16="http://schemas.microsoft.com/office/drawing/2014/main" id="{BDBB827D-151D-C617-CB53-80A84732A942}"/>
-              </a:ext>
-            </a:extLst>
-          </p:cNvPr>
-          <p:cNvSpPr txBox="1">
-            <a:spLocks/>
-          </p:cNvSpPr>
-          <p:nvPr/>
-        </p:nvSpPr>
-        <p:spPr>
-          <a:xfrm>
-            <a:off x="4789170" y="4191693"/>
-            <a:ext cx="2443988" cy="504310"/>
-          </a:xfrm>
-          <a:prstGeom prst="rect">
-            <a:avLst/>
-          </a:prstGeom>
-        </p:spPr>
-        <p:txBody>
-          <a:bodyPr vert="horz" lIns="0" tIns="45720" rIns="91440" bIns="45720" rtlCol="0" anchor="ctr">
-            <a:noAutofit/>
-          </a:bodyPr>
-          <a:lstStyle>
-            <a:lvl1pPr algn="l" defTabSz="914400" rtl="0" eaLnBrk="1" latinLnBrk="0" hangingPunct="1">
-              <a:lnSpc>
-                <a:spcPct val="90000"/>
-              </a:lnSpc>
-              <a:spcBef>
-                <a:spcPct val="0"/>
-              </a:spcBef>
-              <a:buNone/>
-              <a:defRPr sz="3600" kern="1200">
-                <a:solidFill>
-                  <a:schemeClr val="tx1"/>
-                </a:solidFill>
-                <a:latin typeface="+mj-lt"/>
-                <a:ea typeface="+mj-ea"/>
-                <a:cs typeface="+mj-cs"/>
-              </a:defRPr>
-            </a:lvl1pPr>
-          </a:lstStyle>
-          <a:p>
-            <a:pPr algn="ctr"/>
-            <a:r>
-              <a:rPr lang="pt-PT" sz="2000" b="1" i="1" dirty="0" err="1">
-                <a:latin typeface="Univers Light (Body)"/>
-                <a:cs typeface="Arial" panose="020B0604020202020204" pitchFamily="34" charset="0"/>
-              </a:rPr>
-              <a:t>Convolutional</a:t>
-            </a:r>
-            <a:r>
-              <a:rPr lang="pt-PT" sz="2000" b="1" dirty="0">
-                <a:latin typeface="Univers Light (Body)"/>
-                <a:cs typeface="Arial" panose="020B0604020202020204" pitchFamily="34" charset="0"/>
-              </a:rPr>
-              <a:t> LSTM</a:t>
-            </a:r>
-            <a:endParaRPr lang="en-US" sz="2000" b="1" dirty="0">
-              <a:latin typeface="Univers Light (Body)"/>
-              <a:cs typeface="Arial" panose="020B0604020202020204" pitchFamily="34" charset="0"/>
-            </a:endParaRPr>
-          </a:p>
-        </p:txBody>
-      </p:sp>
-      <p:pic>
-        <p:nvPicPr>
-          <p:cNvPr id="2054" name="Picture 6">
-            <a:extLst>
-              <a:ext uri="{FF2B5EF4-FFF2-40B4-BE49-F238E27FC236}">
-                <a16:creationId xmlns:a16="http://schemas.microsoft.com/office/drawing/2014/main" id="{4C29020B-F9C8-C09A-282D-E50D7CB8DDD4}"/>
-              </a:ext>
-            </a:extLst>
-          </p:cNvPr>
-          <p:cNvPicPr>
-            <a:picLocks noChangeAspect="1" noChangeArrowheads="1"/>
-          </p:cNvPicPr>
-          <p:nvPr/>
-        </p:nvPicPr>
-        <p:blipFill>
-          <a:blip r:embed="rId7">
-            <a:extLst>
-              <a:ext uri="{28A0092B-C50C-407E-A947-70E740481C1C}">
-                <a14:useLocalDpi xmlns:a14="http://schemas.microsoft.com/office/drawing/2010/main" val="0"/>
-              </a:ext>
-            </a:extLst>
-          </a:blip>
-          <a:srcRect/>
-          <a:stretch>
-            <a:fillRect/>
-          </a:stretch>
-        </p:blipFill>
-        <p:spPr bwMode="auto">
-          <a:xfrm>
-            <a:off x="1522690" y="4708013"/>
-            <a:ext cx="9146618" cy="696715"/>
-          </a:xfrm>
-          <a:prstGeom prst="rect">
-            <a:avLst/>
-          </a:prstGeom>
-          <a:noFill/>
-          <a:extLst>
-            <a:ext uri="{909E8E84-426E-40DD-AFC4-6F175D3DCCD1}">
-              <a14:hiddenFill xmlns:a14="http://schemas.microsoft.com/office/drawing/2010/main">
-                <a:solidFill>
-                  <a:srgbClr val="FFFFFF"/>
-                </a:solidFill>
-              </a14:hiddenFill>
-            </a:ext>
-          </a:extLst>
-        </p:spPr>
-      </p:pic>
-    </p:spTree>
-    <p:extLst>
-      <p:ext uri="{BB962C8B-B14F-4D97-AF65-F5344CB8AC3E}">
-        <p14:creationId xmlns:p14="http://schemas.microsoft.com/office/powerpoint/2010/main" val="1543243506"/>
-      </p:ext>
-    </p:extLst>
-  </p:cSld>
-  <p:clrMapOvr>
-    <a:overrideClrMapping bg1="lt1" tx1="dk1" bg2="lt2" tx2="dk2" accent1="accent1" accent2="accent2" accent3="accent3" accent4="accent4" accent5="accent5" accent6="accent6" hlink="hlink" folHlink="folHlink"/>
-  </p:clrMapOvr>
-  <p:timing>
-    <p:tnLst>
-      <p:par>
-        <p:cTn id="1" dur="indefinite" restart="never" nodeType="tmRoot">
-          <p:childTnLst>
-            <p:seq concurrent="1" nextAc="seek">
-              <p:cTn id="2" dur="indefinite" nodeType="mainSeq">
-                <p:childTnLst>
-                  <p:par>
-                    <p:cTn id="3" fill="hold">
-                      <p:stCondLst>
-                        <p:cond delay="indefinite"/>
-                      </p:stCondLst>
-                      <p:childTnLst>
-                        <p:par>
-                          <p:cTn id="4" fill="hold">
-                            <p:stCondLst>
-                              <p:cond delay="0"/>
-                            </p:stCondLst>
-                            <p:childTnLst>
-                              <p:par>
-                                <p:cTn id="5" presetID="1" presetClass="entr" presetSubtype="0" fill="hold" grpId="0" nodeType="clickEffect">
-                                  <p:stCondLst>
-                                    <p:cond delay="0"/>
-                                  </p:stCondLst>
-                                  <p:childTnLst>
-                                    <p:set>
-                                      <p:cBhvr>
-                                        <p:cTn id="6" dur="1" fill="hold">
-                                          <p:stCondLst>
-                                            <p:cond delay="0"/>
-                                          </p:stCondLst>
-                                        </p:cTn>
-                                        <p:tgtEl>
-                                          <p:spTgt spid="20"/>
-                                        </p:tgtEl>
-                                        <p:attrNameLst>
-                                          <p:attrName>style.visibility</p:attrName>
-                                        </p:attrNameLst>
-                                      </p:cBhvr>
-                                      <p:to>
-                                        <p:strVal val="visible"/>
-                                      </p:to>
-                                    </p:set>
-                                  </p:childTnLst>
-                                </p:cTn>
-                              </p:par>
-                              <p:par>
-                                <p:cTn id="7" presetID="1" presetClass="entr" presetSubtype="0" fill="hold" nodeType="withEffect">
-                                  <p:stCondLst>
-                                    <p:cond delay="0"/>
-                                  </p:stCondLst>
-                                  <p:childTnLst>
-                                    <p:set>
-                                      <p:cBhvr>
-                                        <p:cTn id="8" dur="1" fill="hold">
-                                          <p:stCondLst>
-                                            <p:cond delay="0"/>
-                                          </p:stCondLst>
-                                        </p:cTn>
-                                        <p:tgtEl>
-                                          <p:spTgt spid="2050"/>
-                                        </p:tgtEl>
-                                        <p:attrNameLst>
-                                          <p:attrName>style.visibility</p:attrName>
-                                        </p:attrNameLst>
-                                      </p:cBhvr>
-                                      <p:to>
-                                        <p:strVal val="visible"/>
-                                      </p:to>
-                                    </p:set>
-                                  </p:childTnLst>
-                                </p:cTn>
-                              </p:par>
-                            </p:childTnLst>
-                          </p:cTn>
-                        </p:par>
-                      </p:childTnLst>
-                    </p:cTn>
-                  </p:par>
-                  <p:par>
-                    <p:cTn id="9" fill="hold">
-                      <p:stCondLst>
-                        <p:cond delay="indefinite"/>
-                      </p:stCondLst>
-                      <p:childTnLst>
-                        <p:par>
-                          <p:cTn id="10" fill="hold">
-                            <p:stCondLst>
-                              <p:cond delay="0"/>
-                            </p:stCondLst>
-                            <p:childTnLst>
-                              <p:par>
-                                <p:cTn id="11" presetID="1" presetClass="entr" presetSubtype="0" fill="hold" grpId="0" nodeType="clickEffect">
-                                  <p:stCondLst>
-                                    <p:cond delay="0"/>
-                                  </p:stCondLst>
-                                  <p:childTnLst>
-                                    <p:set>
-                                      <p:cBhvr>
-                                        <p:cTn id="12" dur="1" fill="hold">
-                                          <p:stCondLst>
-                                            <p:cond delay="0"/>
-                                          </p:stCondLst>
-                                        </p:cTn>
-                                        <p:tgtEl>
-                                          <p:spTgt spid="21"/>
-                                        </p:tgtEl>
-                                        <p:attrNameLst>
-                                          <p:attrName>style.visibility</p:attrName>
-                                        </p:attrNameLst>
-                                      </p:cBhvr>
-                                      <p:to>
-                                        <p:strVal val="visible"/>
-                                      </p:to>
-                                    </p:set>
-                                  </p:childTnLst>
-                                </p:cTn>
-                              </p:par>
-                              <p:par>
-                                <p:cTn id="13" presetID="1" presetClass="entr" presetSubtype="0" fill="hold" nodeType="withEffect">
-                                  <p:stCondLst>
-                                    <p:cond delay="0"/>
-                                  </p:stCondLst>
-                                  <p:childTnLst>
-                                    <p:set>
-                                      <p:cBhvr>
-                                        <p:cTn id="14" dur="1" fill="hold">
-                                          <p:stCondLst>
-                                            <p:cond delay="0"/>
-                                          </p:stCondLst>
-                                        </p:cTn>
-                                        <p:tgtEl>
-                                          <p:spTgt spid="2052"/>
-                                        </p:tgtEl>
-                                        <p:attrNameLst>
-                                          <p:attrName>style.visibility</p:attrName>
-                                        </p:attrNameLst>
-                                      </p:cBhvr>
-                                      <p:to>
-                                        <p:strVal val="visible"/>
-                                      </p:to>
-                                    </p:set>
-                                  </p:childTnLst>
-                                </p:cTn>
-                              </p:par>
-                            </p:childTnLst>
-                          </p:cTn>
-                        </p:par>
-                      </p:childTnLst>
-                    </p:cTn>
-                  </p:par>
-                  <p:par>
-                    <p:cTn id="15" fill="hold">
-                      <p:stCondLst>
-                        <p:cond delay="indefinite"/>
-                      </p:stCondLst>
-                      <p:childTnLst>
-                        <p:par>
-                          <p:cTn id="16" fill="hold">
-                            <p:stCondLst>
-                              <p:cond delay="0"/>
-                            </p:stCondLst>
-                            <p:childTnLst>
-                              <p:par>
-                                <p:cTn id="17" presetID="1" presetClass="entr" presetSubtype="0" fill="hold" grpId="0" nodeType="clickEffect">
-                                  <p:stCondLst>
-                                    <p:cond delay="0"/>
-                                  </p:stCondLst>
-                                  <p:childTnLst>
-                                    <p:set>
-                                      <p:cBhvr>
-                                        <p:cTn id="18" dur="1" fill="hold">
-                                          <p:stCondLst>
-                                            <p:cond delay="0"/>
-                                          </p:stCondLst>
-                                        </p:cTn>
-                                        <p:tgtEl>
-                                          <p:spTgt spid="3"/>
-                                        </p:tgtEl>
-                                        <p:attrNameLst>
-                                          <p:attrName>style.visibility</p:attrName>
-                                        </p:attrNameLst>
-                                      </p:cBhvr>
-                                      <p:to>
-                                        <p:strVal val="visible"/>
-                                      </p:to>
-                                    </p:set>
-                                  </p:childTnLst>
-                                </p:cTn>
-                              </p:par>
-                              <p:par>
-                                <p:cTn id="19" presetID="1" presetClass="entr" presetSubtype="0" fill="hold" nodeType="withEffect">
-                                  <p:stCondLst>
-                                    <p:cond delay="0"/>
-                                  </p:stCondLst>
-                                  <p:childTnLst>
-                                    <p:set>
-                                      <p:cBhvr>
-                                        <p:cTn id="20" dur="1" fill="hold">
-                                          <p:stCondLst>
-                                            <p:cond delay="0"/>
-                                          </p:stCondLst>
-                                        </p:cTn>
-                                        <p:tgtEl>
-                                          <p:spTgt spid="2054"/>
-                                        </p:tgtEl>
-                                        <p:attrNameLst>
-                                          <p:attrName>style.visibility</p:attrName>
-                                        </p:attrNameLst>
-                                      </p:cBhvr>
-                                      <p:to>
-                                        <p:strVal val="visible"/>
-                                      </p:to>
-                                    </p:set>
-                                  </p:childTnLst>
-                                </p:cTn>
-                              </p:par>
-                            </p:childTnLst>
-                          </p:cTn>
-                        </p:par>
-                      </p:childTnLst>
-                    </p:cTn>
-                  </p:par>
-                </p:childTnLst>
-              </p:cTn>
-              <p:prevCondLst>
-                <p:cond evt="onPrev" delay="0">
-                  <p:tgtEl>
-                    <p:sldTgt/>
-                  </p:tgtEl>
-                </p:cond>
-              </p:prevCondLst>
-              <p:nextCondLst>
-                <p:cond evt="onNext" delay="0">
-                  <p:tgtEl>
-                    <p:sldTgt/>
-                  </p:tgtEl>
-                </p:cond>
-              </p:nextCondLst>
-            </p:seq>
-          </p:childTnLst>
-        </p:cTn>
-      </p:par>
-    </p:tnLst>
-    <p:bldLst>
-      <p:bldP spid="20" grpId="0"/>
-      <p:bldP spid="21" grpId="0"/>
-      <p:bldP spid="3" grpId="0"/>
-    </p:bldLst>
-  </p:timing>
-</p:sld>
-</file>
-
-<file path=ppt/slides/slide15.xml><?xml version="1.0" encoding="utf-8"?>
-<p:sld xmlns:a="http://schemas.openxmlformats.org/drawingml/2006/main" xmlns:r="http://schemas.openxmlformats.org/officeDocument/2006/relationships" xmlns:p="http://schemas.openxmlformats.org/presentationml/2006/main">
-  <p:cSld>
-    <p:bg>
-      <p:bgPr>
-        <a:solidFill>
-          <a:schemeClr val="bg2">
-            <a:alpha val="0"/>
-          </a:schemeClr>
-        </a:solidFill>
-        <a:effectLst/>
-      </p:bgPr>
-    </p:bg>
-    <p:spTree>
-      <p:nvGrpSpPr>
-        <p:cNvPr id="1" name=""/>
-        <p:cNvGrpSpPr/>
-        <p:nvPr/>
-      </p:nvGrpSpPr>
-      <p:grpSpPr>
-        <a:xfrm>
-          <a:off x="0" y="0"/>
-          <a:ext cx="0" cy="0"/>
-          <a:chOff x="0" y="0"/>
-          <a:chExt cx="0" cy="0"/>
-        </a:xfrm>
-      </p:grpSpPr>
-      <p:sp>
-        <p:nvSpPr>
-          <p:cNvPr id="4" name="Slide Number Placeholder 3">
-            <a:extLst>
-              <a:ext uri="{FF2B5EF4-FFF2-40B4-BE49-F238E27FC236}">
-                <a16:creationId xmlns:a16="http://schemas.microsoft.com/office/drawing/2014/main" id="{527C964F-E2D5-D8E7-C513-C47A7E409DF3}"/>
-              </a:ext>
-            </a:extLst>
-          </p:cNvPr>
-          <p:cNvSpPr>
-            <a:spLocks noGrp="1"/>
-          </p:cNvSpPr>
-          <p:nvPr>
-            <p:ph type="sldNum" sz="quarter" idx="15"/>
-          </p:nvPr>
-        </p:nvSpPr>
-        <p:spPr/>
-        <p:txBody>
-          <a:bodyPr/>
-          <a:lstStyle/>
-          <a:p>
-            <a:fld id="{18D65601-5AE2-46FC-B138-694DDD2B510D}" type="slidenum">
-              <a:rPr lang="en-US" sz="1800" smtClean="0"/>
-              <a:pPr/>
-              <a:t>15</a:t>
-            </a:fld>
-            <a:endParaRPr lang="en-US" sz="1800" dirty="0"/>
-          </a:p>
-        </p:txBody>
-      </p:sp>
-      <p:sp>
-        <p:nvSpPr>
-          <p:cNvPr id="29" name="Rectangle 28">
-            <a:extLst>
-              <a:ext uri="{FF2B5EF4-FFF2-40B4-BE49-F238E27FC236}">
-                <a16:creationId xmlns:a16="http://schemas.microsoft.com/office/drawing/2014/main" id="{0A0E7BD1-ECFE-B70B-5C97-C06F01ACA0EF}"/>
-              </a:ext>
-            </a:extLst>
-          </p:cNvPr>
-          <p:cNvSpPr/>
-          <p:nvPr/>
-        </p:nvSpPr>
-        <p:spPr>
-          <a:xfrm>
-            <a:off x="4439142" y="5254032"/>
-            <a:ext cx="1179428" cy="365124"/>
-          </a:xfrm>
-          <a:prstGeom prst="rect">
-            <a:avLst/>
-          </a:prstGeom>
-        </p:spPr>
-        <p:style>
-          <a:lnRef idx="0">
-            <a:schemeClr val="dk1">
-              <a:alpha val="0"/>
-              <a:hueOff val="0"/>
-              <a:satOff val="0"/>
-              <a:lumOff val="0"/>
-              <a:alphaOff val="0"/>
-            </a:schemeClr>
-          </a:lnRef>
-          <a:fillRef idx="0">
-            <a:schemeClr val="lt1">
-              <a:alpha val="0"/>
-              <a:hueOff val="0"/>
-              <a:satOff val="0"/>
-              <a:lumOff val="0"/>
-              <a:alphaOff val="0"/>
-            </a:schemeClr>
-          </a:fillRef>
-          <a:effectRef idx="0">
-            <a:schemeClr val="lt1">
-              <a:alpha val="0"/>
-              <a:hueOff val="0"/>
-              <a:satOff val="0"/>
-              <a:lumOff val="0"/>
-              <a:alphaOff val="0"/>
-            </a:schemeClr>
-          </a:effectRef>
-          <a:fontRef idx="minor">
-            <a:schemeClr val="tx1">
-              <a:hueOff val="0"/>
-              <a:satOff val="0"/>
-              <a:lumOff val="0"/>
-              <a:alphaOff val="0"/>
-            </a:schemeClr>
-          </a:fontRef>
-        </p:style>
-        <p:txBody>
-          <a:bodyPr/>
-          <a:lstStyle/>
-          <a:p>
-            <a:endParaRPr lang="pt-PT"/>
-          </a:p>
-        </p:txBody>
-      </p:sp>
-      <p:sp>
-        <p:nvSpPr>
-          <p:cNvPr id="34" name="Rectangle 33">
-            <a:extLst>
-              <a:ext uri="{FF2B5EF4-FFF2-40B4-BE49-F238E27FC236}">
-                <a16:creationId xmlns:a16="http://schemas.microsoft.com/office/drawing/2014/main" id="{C8BAA013-37F3-B3F3-A350-4A65FB1FB523}"/>
-              </a:ext>
-            </a:extLst>
-          </p:cNvPr>
-          <p:cNvSpPr/>
-          <p:nvPr/>
-        </p:nvSpPr>
-        <p:spPr>
-          <a:xfrm>
-            <a:off x="6323727" y="5336627"/>
-            <a:ext cx="1749678" cy="409175"/>
-          </a:xfrm>
-          <a:prstGeom prst="rect">
-            <a:avLst/>
-          </a:prstGeom>
-        </p:spPr>
-        <p:style>
-          <a:lnRef idx="0">
-            <a:schemeClr val="dk1">
-              <a:alpha val="0"/>
-              <a:hueOff val="0"/>
-              <a:satOff val="0"/>
-              <a:lumOff val="0"/>
-              <a:alphaOff val="0"/>
-            </a:schemeClr>
-          </a:lnRef>
-          <a:fillRef idx="0">
-            <a:schemeClr val="lt1">
-              <a:alpha val="0"/>
-              <a:hueOff val="0"/>
-              <a:satOff val="0"/>
-              <a:lumOff val="0"/>
-              <a:alphaOff val="0"/>
-            </a:schemeClr>
-          </a:fillRef>
-          <a:effectRef idx="0">
-            <a:schemeClr val="lt1">
-              <a:alpha val="0"/>
-              <a:hueOff val="0"/>
-              <a:satOff val="0"/>
-              <a:lumOff val="0"/>
-              <a:alphaOff val="0"/>
-            </a:schemeClr>
-          </a:effectRef>
-          <a:fontRef idx="minor">
-            <a:schemeClr val="tx1">
-              <a:hueOff val="0"/>
-              <a:satOff val="0"/>
-              <a:lumOff val="0"/>
-              <a:alphaOff val="0"/>
-            </a:schemeClr>
-          </a:fontRef>
-        </p:style>
-        <p:txBody>
-          <a:bodyPr/>
-          <a:lstStyle/>
-          <a:p>
-            <a:endParaRPr lang="pt-PT"/>
-          </a:p>
-        </p:txBody>
-      </p:sp>
-      <p:sp>
-        <p:nvSpPr>
-          <p:cNvPr id="17" name="Footer Placeholder 4">
-            <a:extLst>
-              <a:ext uri="{FF2B5EF4-FFF2-40B4-BE49-F238E27FC236}">
-                <a16:creationId xmlns:a16="http://schemas.microsoft.com/office/drawing/2014/main" id="{BDD0BE9C-4B2A-13F2-1846-CE9D671D0CA0}"/>
-              </a:ext>
-            </a:extLst>
-          </p:cNvPr>
-          <p:cNvSpPr txBox="1">
-            <a:spLocks/>
-          </p:cNvSpPr>
-          <p:nvPr/>
-        </p:nvSpPr>
-        <p:spPr>
-          <a:xfrm>
-            <a:off x="4038600" y="6333565"/>
-            <a:ext cx="4114800" cy="365125"/>
-          </a:xfrm>
-          <a:prstGeom prst="rect">
-            <a:avLst/>
-          </a:prstGeom>
-        </p:spPr>
-        <p:txBody>
-          <a:bodyPr vert="horz" lIns="91440" tIns="45720" rIns="91440" bIns="45720" rtlCol="0" anchor="ctr"/>
-          <a:lstStyle>
-            <a:defPPr>
-              <a:defRPr lang="en-US"/>
-            </a:defPPr>
-            <a:lvl1pPr marL="0" algn="ctr" defTabSz="914400" rtl="0" eaLnBrk="1" latinLnBrk="0" hangingPunct="1">
-              <a:defRPr sz="900" b="0" kern="1200" cap="all" spc="150" baseline="0">
-                <a:solidFill>
-                  <a:schemeClr val="bg2">
-                    <a:lumMod val="50000"/>
-                  </a:schemeClr>
-                </a:solidFill>
-                <a:latin typeface="Univers Light" panose="020B0403020202020204" pitchFamily="34" charset="0"/>
-                <a:ea typeface="+mn-ea"/>
-                <a:cs typeface="+mn-cs"/>
-              </a:defRPr>
-            </a:lvl1pPr>
-            <a:lvl2pPr marL="457200" algn="l" defTabSz="914400" rtl="0" eaLnBrk="1" latinLnBrk="0" hangingPunct="1">
-              <a:defRPr sz="1800" kern="1200">
-                <a:solidFill>
-                  <a:schemeClr val="tx1"/>
-                </a:solidFill>
-                <a:latin typeface="+mn-lt"/>
-                <a:ea typeface="+mn-ea"/>
-                <a:cs typeface="+mn-cs"/>
-              </a:defRPr>
-            </a:lvl2pPr>
-            <a:lvl3pPr marL="914400" algn="l" defTabSz="914400" rtl="0" eaLnBrk="1" latinLnBrk="0" hangingPunct="1">
-              <a:defRPr sz="1800" kern="1200">
-                <a:solidFill>
-                  <a:schemeClr val="tx1"/>
-                </a:solidFill>
-                <a:latin typeface="+mn-lt"/>
-                <a:ea typeface="+mn-ea"/>
-                <a:cs typeface="+mn-cs"/>
-              </a:defRPr>
-            </a:lvl3pPr>
-            <a:lvl4pPr marL="1371600" algn="l" defTabSz="914400" rtl="0" eaLnBrk="1" latinLnBrk="0" hangingPunct="1">
-              <a:defRPr sz="1800" kern="1200">
-                <a:solidFill>
-                  <a:schemeClr val="tx1"/>
-                </a:solidFill>
-                <a:latin typeface="+mn-lt"/>
-                <a:ea typeface="+mn-ea"/>
-                <a:cs typeface="+mn-cs"/>
-              </a:defRPr>
-            </a:lvl4pPr>
-            <a:lvl5pPr marL="1828800" algn="l" defTabSz="914400" rtl="0" eaLnBrk="1" latinLnBrk="0" hangingPunct="1">
-              <a:defRPr sz="1800" kern="1200">
-                <a:solidFill>
-                  <a:schemeClr val="tx1"/>
-                </a:solidFill>
-                <a:latin typeface="+mn-lt"/>
-                <a:ea typeface="+mn-ea"/>
-                <a:cs typeface="+mn-cs"/>
-              </a:defRPr>
-            </a:lvl5pPr>
-            <a:lvl6pPr marL="2286000" algn="l" defTabSz="914400" rtl="0" eaLnBrk="1" latinLnBrk="0" hangingPunct="1">
-              <a:defRPr sz="1800" kern="1200">
-                <a:solidFill>
-                  <a:schemeClr val="tx1"/>
-                </a:solidFill>
-                <a:latin typeface="+mn-lt"/>
-                <a:ea typeface="+mn-ea"/>
-                <a:cs typeface="+mn-cs"/>
-              </a:defRPr>
-            </a:lvl6pPr>
-            <a:lvl7pPr marL="2743200" algn="l" defTabSz="914400" rtl="0" eaLnBrk="1" latinLnBrk="0" hangingPunct="1">
-              <a:defRPr sz="1800" kern="1200">
-                <a:solidFill>
-                  <a:schemeClr val="tx1"/>
-                </a:solidFill>
-                <a:latin typeface="+mn-lt"/>
-                <a:ea typeface="+mn-ea"/>
-                <a:cs typeface="+mn-cs"/>
-              </a:defRPr>
-            </a:lvl7pPr>
-            <a:lvl8pPr marL="3200400" algn="l" defTabSz="914400" rtl="0" eaLnBrk="1" latinLnBrk="0" hangingPunct="1">
-              <a:defRPr sz="1800" kern="1200">
-                <a:solidFill>
-                  <a:schemeClr val="tx1"/>
-                </a:solidFill>
-                <a:latin typeface="+mn-lt"/>
-                <a:ea typeface="+mn-ea"/>
-                <a:cs typeface="+mn-cs"/>
-              </a:defRPr>
-            </a:lvl8pPr>
-            <a:lvl9pPr marL="3657600" algn="l" defTabSz="914400" rtl="0" eaLnBrk="1" latinLnBrk="0" hangingPunct="1">
-              <a:defRPr sz="1800" kern="1200">
-                <a:solidFill>
-                  <a:schemeClr val="tx1"/>
-                </a:solidFill>
-                <a:latin typeface="+mn-lt"/>
-                <a:ea typeface="+mn-ea"/>
-                <a:cs typeface="+mn-cs"/>
-              </a:defRPr>
-            </a:lvl9pPr>
-          </a:lstStyle>
-          <a:p>
-            <a:pPr>
-              <a:lnSpc>
-                <a:spcPct val="150000"/>
-              </a:lnSpc>
-            </a:pPr>
-            <a:r>
-              <a:rPr lang="pt-PT" sz="800" dirty="0"/>
-              <a:t>Ai driving classification</a:t>
-            </a:r>
-          </a:p>
-          <a:p>
-            <a:pPr>
-              <a:lnSpc>
-                <a:spcPct val="150000"/>
-              </a:lnSpc>
-            </a:pPr>
-            <a:r>
-              <a:rPr lang="pt-PT" sz="800" dirty="0"/>
-              <a:t>Alberto pingo | joão castro</a:t>
-            </a:r>
-          </a:p>
-        </p:txBody>
-      </p:sp>
-      <p:pic>
-        <p:nvPicPr>
           <p:cNvPr id="18" name="Picture 17" descr="A black background with a black square&#10;&#10;Description automatically generated with medium confidence">
             <a:extLst>
               <a:ext uri="{FF2B5EF4-FFF2-40B4-BE49-F238E27FC236}">
@@ -17654,7 +16163,7 @@
 </p:sld>
 </file>
 
-<file path=ppt/slides/slide16.xml><?xml version="1.0" encoding="utf-8"?>
+<file path=ppt/slides/slide14.xml><?xml version="1.0" encoding="utf-8"?>
 <p:sld xmlns:a="http://schemas.openxmlformats.org/drawingml/2006/main" xmlns:r="http://schemas.openxmlformats.org/officeDocument/2006/relationships" xmlns:p="http://schemas.openxmlformats.org/presentationml/2006/main">
   <p:cSld>
     <p:bg>
@@ -17740,7 +16249,7 @@
             <a:fld id="{18D65601-5AE2-46FC-B138-694DDD2B510D}" type="slidenum">
               <a:rPr lang="en-US" sz="1800" smtClean="0"/>
               <a:pPr/>
-              <a:t>16</a:t>
+              <a:t>14</a:t>
             </a:fld>
             <a:endParaRPr lang="en-US" sz="1800" dirty="0"/>
           </a:p>
@@ -19047,7 +17556,7 @@
 </p:sld>
 </file>
 
-<file path=ppt/slides/slide17.xml><?xml version="1.0" encoding="utf-8"?>
+<file path=ppt/slides/slide15.xml><?xml version="1.0" encoding="utf-8"?>
 <p:sld xmlns:a="http://schemas.openxmlformats.org/drawingml/2006/main" xmlns:r="http://schemas.openxmlformats.org/officeDocument/2006/relationships" xmlns:p="http://schemas.openxmlformats.org/presentationml/2006/main">
   <p:cSld>
     <p:bg>
@@ -19133,7 +17642,7 @@
             <a:fld id="{18D65601-5AE2-46FC-B138-694DDD2B510D}" type="slidenum">
               <a:rPr lang="en-US" sz="1800" smtClean="0"/>
               <a:pPr/>
-              <a:t>17</a:t>
+              <a:t>15</a:t>
             </a:fld>
             <a:endParaRPr lang="en-US" sz="1800" dirty="0"/>
           </a:p>
@@ -20108,7 +18617,7 @@
 </p:sld>
 </file>
 
-<file path=ppt/slides/slide18.xml><?xml version="1.0" encoding="utf-8"?>
+<file path=ppt/slides/slide16.xml><?xml version="1.0" encoding="utf-8"?>
 <p:sld xmlns:a="http://schemas.openxmlformats.org/drawingml/2006/main" xmlns:r="http://schemas.openxmlformats.org/officeDocument/2006/relationships" xmlns:p="http://schemas.openxmlformats.org/presentationml/2006/main">
   <p:cSld>
     <p:bg>
@@ -20150,7 +18659,7 @@
           <p:nvPr/>
         </p:nvPicPr>
         <p:blipFill>
-          <a:blip r:embed="rId2">
+          <a:blip r:embed="rId3">
             <a:extLst>
               <a:ext uri="{28A0092B-C50C-407E-A947-70E740481C1C}">
                 <a14:useLocalDpi xmlns:a14="http://schemas.microsoft.com/office/drawing/2010/main" val="0"/>
@@ -20270,7 +18779,7 @@
             <a:fld id="{18D65601-5AE2-46FC-B138-694DDD2B510D}" type="slidenum">
               <a:rPr lang="en-US" sz="1800" smtClean="0"/>
               <a:pPr/>
-              <a:t>18</a:t>
+              <a:t>16</a:t>
             </a:fld>
             <a:endParaRPr lang="en-US" sz="1800" dirty="0"/>
           </a:p>
@@ -20529,7 +19038,7 @@
 </p:sld>
 </file>
 
-<file path=ppt/slides/slide19.xml><?xml version="1.0" encoding="utf-8"?>
+<file path=ppt/slides/slide17.xml><?xml version="1.0" encoding="utf-8"?>
 <p:sld xmlns:a="http://schemas.openxmlformats.org/drawingml/2006/main" xmlns:r="http://schemas.openxmlformats.org/officeDocument/2006/relationships" xmlns:p="http://schemas.openxmlformats.org/presentationml/2006/main">
   <p:cSld>
     <p:spTree>
@@ -20621,7 +19130,7 @@
             <a:fld id="{18D65601-5AE2-46FC-B138-694DDD2B510D}" type="slidenum">
               <a:rPr lang="en-US" sz="1800" smtClean="0"/>
               <a:pPr/>
-              <a:t>19</a:t>
+              <a:t>17</a:t>
             </a:fld>
             <a:endParaRPr lang="en-US" sz="1800" dirty="0"/>
           </a:p>
@@ -22429,6 +20938,620 @@
       <p:bldP spid="44" grpId="0"/>
     </p:bldLst>
   </p:timing>
+</p:sld>
+</file>
+
+<file path=ppt/slides/slide18.xml><?xml version="1.0" encoding="utf-8"?>
+<p:sld xmlns:a="http://schemas.openxmlformats.org/drawingml/2006/main" xmlns:r="http://schemas.openxmlformats.org/officeDocument/2006/relationships" xmlns:p="http://schemas.openxmlformats.org/presentationml/2006/main">
+  <p:cSld>
+    <p:spTree>
+      <p:nvGrpSpPr>
+        <p:cNvPr id="1" name=""/>
+        <p:cNvGrpSpPr/>
+        <p:nvPr/>
+      </p:nvGrpSpPr>
+      <p:grpSpPr>
+        <a:xfrm>
+          <a:off x="0" y="0"/>
+          <a:ext cx="0" cy="0"/>
+          <a:chOff x="0" y="0"/>
+          <a:chExt cx="0" cy="0"/>
+        </a:xfrm>
+      </p:grpSpPr>
+      <p:sp>
+        <p:nvSpPr>
+          <p:cNvPr id="4" name="Slide Number Placeholder 3">
+            <a:extLst>
+              <a:ext uri="{FF2B5EF4-FFF2-40B4-BE49-F238E27FC236}">
+                <a16:creationId xmlns:a16="http://schemas.microsoft.com/office/drawing/2014/main" id="{527C964F-E2D5-D8E7-C513-C47A7E409DF3}"/>
+              </a:ext>
+            </a:extLst>
+          </p:cNvPr>
+          <p:cNvSpPr>
+            <a:spLocks noGrp="1"/>
+          </p:cNvSpPr>
+          <p:nvPr>
+            <p:ph type="sldNum" sz="quarter" idx="15"/>
+          </p:nvPr>
+        </p:nvSpPr>
+        <p:spPr/>
+        <p:txBody>
+          <a:bodyPr/>
+          <a:lstStyle/>
+          <a:p>
+            <a:fld id="{18D65601-5AE2-46FC-B138-694DDD2B510D}" type="slidenum">
+              <a:rPr lang="en-US" sz="1800" smtClean="0"/>
+              <a:pPr/>
+              <a:t>18</a:t>
+            </a:fld>
+            <a:endParaRPr lang="en-US" sz="1800" dirty="0"/>
+          </a:p>
+        </p:txBody>
+      </p:sp>
+      <p:sp>
+        <p:nvSpPr>
+          <p:cNvPr id="6" name="Footer Placeholder 4">
+            <a:extLst>
+              <a:ext uri="{FF2B5EF4-FFF2-40B4-BE49-F238E27FC236}">
+                <a16:creationId xmlns:a16="http://schemas.microsoft.com/office/drawing/2014/main" id="{0D821BC6-79CF-66F1-F00C-E2213C505826}"/>
+              </a:ext>
+            </a:extLst>
+          </p:cNvPr>
+          <p:cNvSpPr txBox="1">
+            <a:spLocks/>
+          </p:cNvSpPr>
+          <p:nvPr/>
+        </p:nvSpPr>
+        <p:spPr>
+          <a:xfrm>
+            <a:off x="4038600" y="6333565"/>
+            <a:ext cx="4114800" cy="365125"/>
+          </a:xfrm>
+          <a:prstGeom prst="rect">
+            <a:avLst/>
+          </a:prstGeom>
+        </p:spPr>
+        <p:txBody>
+          <a:bodyPr vert="horz" lIns="91440" tIns="45720" rIns="91440" bIns="45720" rtlCol="0" anchor="ctr"/>
+          <a:lstStyle>
+            <a:defPPr>
+              <a:defRPr lang="en-US"/>
+            </a:defPPr>
+            <a:lvl1pPr marL="0" algn="ctr" defTabSz="914400" rtl="0" eaLnBrk="1" latinLnBrk="0" hangingPunct="1">
+              <a:defRPr sz="900" b="0" kern="1200" cap="all" spc="150" baseline="0">
+                <a:solidFill>
+                  <a:schemeClr val="bg2">
+                    <a:lumMod val="50000"/>
+                  </a:schemeClr>
+                </a:solidFill>
+                <a:latin typeface="Univers Light" panose="020B0403020202020204" pitchFamily="34" charset="0"/>
+                <a:ea typeface="+mn-ea"/>
+                <a:cs typeface="+mn-cs"/>
+              </a:defRPr>
+            </a:lvl1pPr>
+            <a:lvl2pPr marL="457200" algn="l" defTabSz="914400" rtl="0" eaLnBrk="1" latinLnBrk="0" hangingPunct="1">
+              <a:defRPr sz="1800" kern="1200">
+                <a:solidFill>
+                  <a:schemeClr val="tx1"/>
+                </a:solidFill>
+                <a:latin typeface="+mn-lt"/>
+                <a:ea typeface="+mn-ea"/>
+                <a:cs typeface="+mn-cs"/>
+              </a:defRPr>
+            </a:lvl2pPr>
+            <a:lvl3pPr marL="914400" algn="l" defTabSz="914400" rtl="0" eaLnBrk="1" latinLnBrk="0" hangingPunct="1">
+              <a:defRPr sz="1800" kern="1200">
+                <a:solidFill>
+                  <a:schemeClr val="tx1"/>
+                </a:solidFill>
+                <a:latin typeface="+mn-lt"/>
+                <a:ea typeface="+mn-ea"/>
+                <a:cs typeface="+mn-cs"/>
+              </a:defRPr>
+            </a:lvl3pPr>
+            <a:lvl4pPr marL="1371600" algn="l" defTabSz="914400" rtl="0" eaLnBrk="1" latinLnBrk="0" hangingPunct="1">
+              <a:defRPr sz="1800" kern="1200">
+                <a:solidFill>
+                  <a:schemeClr val="tx1"/>
+                </a:solidFill>
+                <a:latin typeface="+mn-lt"/>
+                <a:ea typeface="+mn-ea"/>
+                <a:cs typeface="+mn-cs"/>
+              </a:defRPr>
+            </a:lvl4pPr>
+            <a:lvl5pPr marL="1828800" algn="l" defTabSz="914400" rtl="0" eaLnBrk="1" latinLnBrk="0" hangingPunct="1">
+              <a:defRPr sz="1800" kern="1200">
+                <a:solidFill>
+                  <a:schemeClr val="tx1"/>
+                </a:solidFill>
+                <a:latin typeface="+mn-lt"/>
+                <a:ea typeface="+mn-ea"/>
+                <a:cs typeface="+mn-cs"/>
+              </a:defRPr>
+            </a:lvl5pPr>
+            <a:lvl6pPr marL="2286000" algn="l" defTabSz="914400" rtl="0" eaLnBrk="1" latinLnBrk="0" hangingPunct="1">
+              <a:defRPr sz="1800" kern="1200">
+                <a:solidFill>
+                  <a:schemeClr val="tx1"/>
+                </a:solidFill>
+                <a:latin typeface="+mn-lt"/>
+                <a:ea typeface="+mn-ea"/>
+                <a:cs typeface="+mn-cs"/>
+              </a:defRPr>
+            </a:lvl6pPr>
+            <a:lvl7pPr marL="2743200" algn="l" defTabSz="914400" rtl="0" eaLnBrk="1" latinLnBrk="0" hangingPunct="1">
+              <a:defRPr sz="1800" kern="1200">
+                <a:solidFill>
+                  <a:schemeClr val="tx1"/>
+                </a:solidFill>
+                <a:latin typeface="+mn-lt"/>
+                <a:ea typeface="+mn-ea"/>
+                <a:cs typeface="+mn-cs"/>
+              </a:defRPr>
+            </a:lvl7pPr>
+            <a:lvl8pPr marL="3200400" algn="l" defTabSz="914400" rtl="0" eaLnBrk="1" latinLnBrk="0" hangingPunct="1">
+              <a:defRPr sz="1800" kern="1200">
+                <a:solidFill>
+                  <a:schemeClr val="tx1"/>
+                </a:solidFill>
+                <a:latin typeface="+mn-lt"/>
+                <a:ea typeface="+mn-ea"/>
+                <a:cs typeface="+mn-cs"/>
+              </a:defRPr>
+            </a:lvl8pPr>
+            <a:lvl9pPr marL="3657600" algn="l" defTabSz="914400" rtl="0" eaLnBrk="1" latinLnBrk="0" hangingPunct="1">
+              <a:defRPr sz="1800" kern="1200">
+                <a:solidFill>
+                  <a:schemeClr val="tx1"/>
+                </a:solidFill>
+                <a:latin typeface="+mn-lt"/>
+                <a:ea typeface="+mn-ea"/>
+                <a:cs typeface="+mn-cs"/>
+              </a:defRPr>
+            </a:lvl9pPr>
+          </a:lstStyle>
+          <a:p>
+            <a:pPr>
+              <a:lnSpc>
+                <a:spcPct val="150000"/>
+              </a:lnSpc>
+            </a:pPr>
+            <a:r>
+              <a:rPr lang="pt-PT" sz="800" dirty="0"/>
+              <a:t>Ai driving classification</a:t>
+            </a:r>
+          </a:p>
+          <a:p>
+            <a:pPr>
+              <a:lnSpc>
+                <a:spcPct val="150000"/>
+              </a:lnSpc>
+            </a:pPr>
+            <a:r>
+              <a:rPr lang="pt-PT" sz="800" dirty="0"/>
+              <a:t>Alberto pingo | joão castro</a:t>
+            </a:r>
+          </a:p>
+        </p:txBody>
+      </p:sp>
+      <p:pic>
+        <p:nvPicPr>
+          <p:cNvPr id="7" name="Picture 6" descr="A black background with a black square&#10;&#10;Description automatically generated with medium confidence">
+            <a:extLst>
+              <a:ext uri="{FF2B5EF4-FFF2-40B4-BE49-F238E27FC236}">
+                <a16:creationId xmlns:a16="http://schemas.microsoft.com/office/drawing/2014/main" id="{05200A96-EEA7-9B7D-506A-BF4FE113C176}"/>
+              </a:ext>
+            </a:extLst>
+          </p:cNvPr>
+          <p:cNvPicPr>
+            <a:picLocks noChangeAspect="1"/>
+          </p:cNvPicPr>
+          <p:nvPr/>
+        </p:nvPicPr>
+        <p:blipFill>
+          <a:blip r:embed="rId3">
+            <a:alphaModFix amt="70000"/>
+            <a:extLst>
+              <a:ext uri="{28A0092B-C50C-407E-A947-70E740481C1C}">
+                <a14:useLocalDpi xmlns:a14="http://schemas.microsoft.com/office/drawing/2010/main" val="0"/>
+              </a:ext>
+            </a:extLst>
+          </a:blip>
+          <a:stretch>
+            <a:fillRect/>
+          </a:stretch>
+        </p:blipFill>
+        <p:spPr>
+          <a:xfrm>
+            <a:off x="10582445" y="5985436"/>
+            <a:ext cx="1441915" cy="568239"/>
+          </a:xfrm>
+          <a:prstGeom prst="rect">
+            <a:avLst/>
+          </a:prstGeom>
+        </p:spPr>
+      </p:pic>
+      <p:sp>
+        <p:nvSpPr>
+          <p:cNvPr id="2" name="Title 1">
+            <a:extLst>
+              <a:ext uri="{FF2B5EF4-FFF2-40B4-BE49-F238E27FC236}">
+                <a16:creationId xmlns:a16="http://schemas.microsoft.com/office/drawing/2014/main" id="{4662EDDE-6B1A-D0AC-F9F2-C67719C36532}"/>
+              </a:ext>
+            </a:extLst>
+          </p:cNvPr>
+          <p:cNvSpPr>
+            <a:spLocks noGrp="1"/>
+          </p:cNvSpPr>
+          <p:nvPr>
+            <p:ph type="title"/>
+          </p:nvPr>
+        </p:nvSpPr>
+        <p:spPr>
+          <a:xfrm>
+            <a:off x="1520662" y="252034"/>
+            <a:ext cx="9753890" cy="409176"/>
+          </a:xfrm>
+        </p:spPr>
+        <p:txBody>
+          <a:bodyPr>
+            <a:normAutofit fontScale="90000"/>
+          </a:bodyPr>
+          <a:lstStyle/>
+          <a:p>
+            <a:r>
+              <a:rPr lang="pt-PT" i="1" dirty="0"/>
+              <a:t>Segunda Abordagem - Processamento de dados</a:t>
+            </a:r>
+          </a:p>
+        </p:txBody>
+      </p:sp>
+      <p:pic>
+        <p:nvPicPr>
+          <p:cNvPr id="9" name="Picture 8" descr="A diagram of a company&#10;&#10;Description automatically generated">
+            <a:extLst>
+              <a:ext uri="{FF2B5EF4-FFF2-40B4-BE49-F238E27FC236}">
+                <a16:creationId xmlns:a16="http://schemas.microsoft.com/office/drawing/2014/main" id="{53C25548-7C2E-E6F3-AD76-D6C5CF10F480}"/>
+              </a:ext>
+            </a:extLst>
+          </p:cNvPr>
+          <p:cNvPicPr>
+            <a:picLocks noChangeAspect="1"/>
+          </p:cNvPicPr>
+          <p:nvPr/>
+        </p:nvPicPr>
+        <p:blipFill>
+          <a:blip r:embed="rId4"/>
+          <a:srcRect t="-32" b="49487"/>
+          <a:stretch/>
+        </p:blipFill>
+        <p:spPr>
+          <a:xfrm>
+            <a:off x="3606826" y="1019346"/>
+            <a:ext cx="4978348" cy="4819308"/>
+          </a:xfrm>
+          <a:prstGeom prst="rect">
+            <a:avLst/>
+          </a:prstGeom>
+        </p:spPr>
+      </p:pic>
+    </p:spTree>
+    <p:extLst>
+      <p:ext uri="{BB962C8B-B14F-4D97-AF65-F5344CB8AC3E}">
+        <p14:creationId xmlns:p14="http://schemas.microsoft.com/office/powerpoint/2010/main" val="725260203"/>
+      </p:ext>
+    </p:extLst>
+  </p:cSld>
+  <p:clrMapOvr>
+    <a:masterClrMapping/>
+  </p:clrMapOvr>
+</p:sld>
+</file>
+
+<file path=ppt/slides/slide19.xml><?xml version="1.0" encoding="utf-8"?>
+<p:sld xmlns:a="http://schemas.openxmlformats.org/drawingml/2006/main" xmlns:r="http://schemas.openxmlformats.org/officeDocument/2006/relationships" xmlns:p="http://schemas.openxmlformats.org/presentationml/2006/main">
+  <p:cSld>
+    <p:spTree>
+      <p:nvGrpSpPr>
+        <p:cNvPr id="1" name=""/>
+        <p:cNvGrpSpPr/>
+        <p:nvPr/>
+      </p:nvGrpSpPr>
+      <p:grpSpPr>
+        <a:xfrm>
+          <a:off x="0" y="0"/>
+          <a:ext cx="0" cy="0"/>
+          <a:chOff x="0" y="0"/>
+          <a:chExt cx="0" cy="0"/>
+        </a:xfrm>
+      </p:grpSpPr>
+      <p:sp>
+        <p:nvSpPr>
+          <p:cNvPr id="4" name="Slide Number Placeholder 3">
+            <a:extLst>
+              <a:ext uri="{FF2B5EF4-FFF2-40B4-BE49-F238E27FC236}">
+                <a16:creationId xmlns:a16="http://schemas.microsoft.com/office/drawing/2014/main" id="{527C964F-E2D5-D8E7-C513-C47A7E409DF3}"/>
+              </a:ext>
+            </a:extLst>
+          </p:cNvPr>
+          <p:cNvSpPr>
+            <a:spLocks noGrp="1"/>
+          </p:cNvSpPr>
+          <p:nvPr>
+            <p:ph type="sldNum" sz="quarter" idx="15"/>
+          </p:nvPr>
+        </p:nvSpPr>
+        <p:spPr/>
+        <p:txBody>
+          <a:bodyPr/>
+          <a:lstStyle/>
+          <a:p>
+            <a:fld id="{18D65601-5AE2-46FC-B138-694DDD2B510D}" type="slidenum">
+              <a:rPr lang="en-US" sz="1800" smtClean="0"/>
+              <a:pPr/>
+              <a:t>19</a:t>
+            </a:fld>
+            <a:endParaRPr lang="en-US" sz="1800" dirty="0"/>
+          </a:p>
+        </p:txBody>
+      </p:sp>
+      <p:sp>
+        <p:nvSpPr>
+          <p:cNvPr id="6" name="Footer Placeholder 4">
+            <a:extLst>
+              <a:ext uri="{FF2B5EF4-FFF2-40B4-BE49-F238E27FC236}">
+                <a16:creationId xmlns:a16="http://schemas.microsoft.com/office/drawing/2014/main" id="{0D821BC6-79CF-66F1-F00C-E2213C505826}"/>
+              </a:ext>
+            </a:extLst>
+          </p:cNvPr>
+          <p:cNvSpPr txBox="1">
+            <a:spLocks/>
+          </p:cNvSpPr>
+          <p:nvPr/>
+        </p:nvSpPr>
+        <p:spPr>
+          <a:xfrm>
+            <a:off x="4038600" y="6333565"/>
+            <a:ext cx="4114800" cy="365125"/>
+          </a:xfrm>
+          <a:prstGeom prst="rect">
+            <a:avLst/>
+          </a:prstGeom>
+        </p:spPr>
+        <p:txBody>
+          <a:bodyPr vert="horz" lIns="91440" tIns="45720" rIns="91440" bIns="45720" rtlCol="0" anchor="ctr"/>
+          <a:lstStyle>
+            <a:defPPr>
+              <a:defRPr lang="en-US"/>
+            </a:defPPr>
+            <a:lvl1pPr marL="0" algn="ctr" defTabSz="914400" rtl="0" eaLnBrk="1" latinLnBrk="0" hangingPunct="1">
+              <a:defRPr sz="900" b="0" kern="1200" cap="all" spc="150" baseline="0">
+                <a:solidFill>
+                  <a:schemeClr val="bg2">
+                    <a:lumMod val="50000"/>
+                  </a:schemeClr>
+                </a:solidFill>
+                <a:latin typeface="Univers Light" panose="020B0403020202020204" pitchFamily="34" charset="0"/>
+                <a:ea typeface="+mn-ea"/>
+                <a:cs typeface="+mn-cs"/>
+              </a:defRPr>
+            </a:lvl1pPr>
+            <a:lvl2pPr marL="457200" algn="l" defTabSz="914400" rtl="0" eaLnBrk="1" latinLnBrk="0" hangingPunct="1">
+              <a:defRPr sz="1800" kern="1200">
+                <a:solidFill>
+                  <a:schemeClr val="tx1"/>
+                </a:solidFill>
+                <a:latin typeface="+mn-lt"/>
+                <a:ea typeface="+mn-ea"/>
+                <a:cs typeface="+mn-cs"/>
+              </a:defRPr>
+            </a:lvl2pPr>
+            <a:lvl3pPr marL="914400" algn="l" defTabSz="914400" rtl="0" eaLnBrk="1" latinLnBrk="0" hangingPunct="1">
+              <a:defRPr sz="1800" kern="1200">
+                <a:solidFill>
+                  <a:schemeClr val="tx1"/>
+                </a:solidFill>
+                <a:latin typeface="+mn-lt"/>
+                <a:ea typeface="+mn-ea"/>
+                <a:cs typeface="+mn-cs"/>
+              </a:defRPr>
+            </a:lvl3pPr>
+            <a:lvl4pPr marL="1371600" algn="l" defTabSz="914400" rtl="0" eaLnBrk="1" latinLnBrk="0" hangingPunct="1">
+              <a:defRPr sz="1800" kern="1200">
+                <a:solidFill>
+                  <a:schemeClr val="tx1"/>
+                </a:solidFill>
+                <a:latin typeface="+mn-lt"/>
+                <a:ea typeface="+mn-ea"/>
+                <a:cs typeface="+mn-cs"/>
+              </a:defRPr>
+            </a:lvl4pPr>
+            <a:lvl5pPr marL="1828800" algn="l" defTabSz="914400" rtl="0" eaLnBrk="1" latinLnBrk="0" hangingPunct="1">
+              <a:defRPr sz="1800" kern="1200">
+                <a:solidFill>
+                  <a:schemeClr val="tx1"/>
+                </a:solidFill>
+                <a:latin typeface="+mn-lt"/>
+                <a:ea typeface="+mn-ea"/>
+                <a:cs typeface="+mn-cs"/>
+              </a:defRPr>
+            </a:lvl5pPr>
+            <a:lvl6pPr marL="2286000" algn="l" defTabSz="914400" rtl="0" eaLnBrk="1" latinLnBrk="0" hangingPunct="1">
+              <a:defRPr sz="1800" kern="1200">
+                <a:solidFill>
+                  <a:schemeClr val="tx1"/>
+                </a:solidFill>
+                <a:latin typeface="+mn-lt"/>
+                <a:ea typeface="+mn-ea"/>
+                <a:cs typeface="+mn-cs"/>
+              </a:defRPr>
+            </a:lvl6pPr>
+            <a:lvl7pPr marL="2743200" algn="l" defTabSz="914400" rtl="0" eaLnBrk="1" latinLnBrk="0" hangingPunct="1">
+              <a:defRPr sz="1800" kern="1200">
+                <a:solidFill>
+                  <a:schemeClr val="tx1"/>
+                </a:solidFill>
+                <a:latin typeface="+mn-lt"/>
+                <a:ea typeface="+mn-ea"/>
+                <a:cs typeface="+mn-cs"/>
+              </a:defRPr>
+            </a:lvl7pPr>
+            <a:lvl8pPr marL="3200400" algn="l" defTabSz="914400" rtl="0" eaLnBrk="1" latinLnBrk="0" hangingPunct="1">
+              <a:defRPr sz="1800" kern="1200">
+                <a:solidFill>
+                  <a:schemeClr val="tx1"/>
+                </a:solidFill>
+                <a:latin typeface="+mn-lt"/>
+                <a:ea typeface="+mn-ea"/>
+                <a:cs typeface="+mn-cs"/>
+              </a:defRPr>
+            </a:lvl8pPr>
+            <a:lvl9pPr marL="3657600" algn="l" defTabSz="914400" rtl="0" eaLnBrk="1" latinLnBrk="0" hangingPunct="1">
+              <a:defRPr sz="1800" kern="1200">
+                <a:solidFill>
+                  <a:schemeClr val="tx1"/>
+                </a:solidFill>
+                <a:latin typeface="+mn-lt"/>
+                <a:ea typeface="+mn-ea"/>
+                <a:cs typeface="+mn-cs"/>
+              </a:defRPr>
+            </a:lvl9pPr>
+          </a:lstStyle>
+          <a:p>
+            <a:pPr>
+              <a:lnSpc>
+                <a:spcPct val="150000"/>
+              </a:lnSpc>
+            </a:pPr>
+            <a:r>
+              <a:rPr lang="pt-PT" sz="800" dirty="0"/>
+              <a:t>Ai driving classification</a:t>
+            </a:r>
+          </a:p>
+          <a:p>
+            <a:pPr>
+              <a:lnSpc>
+                <a:spcPct val="150000"/>
+              </a:lnSpc>
+            </a:pPr>
+            <a:r>
+              <a:rPr lang="pt-PT" sz="800" dirty="0"/>
+              <a:t>Alberto pingo | joão castro</a:t>
+            </a:r>
+          </a:p>
+        </p:txBody>
+      </p:sp>
+      <p:pic>
+        <p:nvPicPr>
+          <p:cNvPr id="7" name="Picture 6" descr="A black background with a black square&#10;&#10;Description automatically generated with medium confidence">
+            <a:extLst>
+              <a:ext uri="{FF2B5EF4-FFF2-40B4-BE49-F238E27FC236}">
+                <a16:creationId xmlns:a16="http://schemas.microsoft.com/office/drawing/2014/main" id="{05200A96-EEA7-9B7D-506A-BF4FE113C176}"/>
+              </a:ext>
+            </a:extLst>
+          </p:cNvPr>
+          <p:cNvPicPr>
+            <a:picLocks noChangeAspect="1"/>
+          </p:cNvPicPr>
+          <p:nvPr/>
+        </p:nvPicPr>
+        <p:blipFill>
+          <a:blip r:embed="rId3">
+            <a:alphaModFix amt="70000"/>
+            <a:extLst>
+              <a:ext uri="{28A0092B-C50C-407E-A947-70E740481C1C}">
+                <a14:useLocalDpi xmlns:a14="http://schemas.microsoft.com/office/drawing/2010/main" val="0"/>
+              </a:ext>
+            </a:extLst>
+          </a:blip>
+          <a:stretch>
+            <a:fillRect/>
+          </a:stretch>
+        </p:blipFill>
+        <p:spPr>
+          <a:xfrm>
+            <a:off x="10582445" y="5985436"/>
+            <a:ext cx="1441915" cy="568239"/>
+          </a:xfrm>
+          <a:prstGeom prst="rect">
+            <a:avLst/>
+          </a:prstGeom>
+        </p:spPr>
+      </p:pic>
+      <p:sp>
+        <p:nvSpPr>
+          <p:cNvPr id="2" name="Title 1">
+            <a:extLst>
+              <a:ext uri="{FF2B5EF4-FFF2-40B4-BE49-F238E27FC236}">
+                <a16:creationId xmlns:a16="http://schemas.microsoft.com/office/drawing/2014/main" id="{4662EDDE-6B1A-D0AC-F9F2-C67719C36532}"/>
+              </a:ext>
+            </a:extLst>
+          </p:cNvPr>
+          <p:cNvSpPr>
+            <a:spLocks noGrp="1"/>
+          </p:cNvSpPr>
+          <p:nvPr>
+            <p:ph type="title"/>
+          </p:nvPr>
+        </p:nvSpPr>
+        <p:spPr>
+          <a:xfrm>
+            <a:off x="1520662" y="252034"/>
+            <a:ext cx="9753890" cy="409176"/>
+          </a:xfrm>
+        </p:spPr>
+        <p:txBody>
+          <a:bodyPr>
+            <a:normAutofit fontScale="90000"/>
+          </a:bodyPr>
+          <a:lstStyle/>
+          <a:p>
+            <a:r>
+              <a:rPr lang="pt-PT" i="1" dirty="0"/>
+              <a:t>Segunda Abordagem - Processamento de dados</a:t>
+            </a:r>
+          </a:p>
+        </p:txBody>
+      </p:sp>
+      <p:pic>
+        <p:nvPicPr>
+          <p:cNvPr id="12" name="Picture 11" descr="A diagram of a company&#10;&#10;Description automatically generated">
+            <a:extLst>
+              <a:ext uri="{FF2B5EF4-FFF2-40B4-BE49-F238E27FC236}">
+                <a16:creationId xmlns:a16="http://schemas.microsoft.com/office/drawing/2014/main" id="{B7EA3BDE-D73D-4709-FEC7-62AC412636BA}"/>
+              </a:ext>
+            </a:extLst>
+          </p:cNvPr>
+          <p:cNvPicPr>
+            <a:picLocks noChangeAspect="1"/>
+          </p:cNvPicPr>
+          <p:nvPr/>
+        </p:nvPicPr>
+        <p:blipFill>
+          <a:blip r:embed="rId4"/>
+          <a:srcRect t="50422"/>
+          <a:stretch/>
+        </p:blipFill>
+        <p:spPr>
+          <a:xfrm>
+            <a:off x="3561063" y="1022116"/>
+            <a:ext cx="5069874" cy="4813768"/>
+          </a:xfrm>
+          <a:prstGeom prst="rect">
+            <a:avLst/>
+          </a:prstGeom>
+        </p:spPr>
+      </p:pic>
+    </p:spTree>
+    <p:extLst>
+      <p:ext uri="{BB962C8B-B14F-4D97-AF65-F5344CB8AC3E}">
+        <p14:creationId xmlns:p14="http://schemas.microsoft.com/office/powerpoint/2010/main" val="868537791"/>
+      </p:ext>
+    </p:extLst>
+  </p:cSld>
+  <p:clrMapOvr>
+    <a:masterClrMapping/>
+  </p:clrMapOvr>
 </p:sld>
 </file>
 
@@ -23588,620 +22711,6 @@
           <a:p>
             <a:r>
               <a:rPr lang="pt-PT" i="1" dirty="0"/>
-              <a:t>Segunda Abordagem - Processamento de dados</a:t>
-            </a:r>
-          </a:p>
-        </p:txBody>
-      </p:sp>
-      <p:pic>
-        <p:nvPicPr>
-          <p:cNvPr id="9" name="Picture 8" descr="A diagram of a company&#10;&#10;Description automatically generated">
-            <a:extLst>
-              <a:ext uri="{FF2B5EF4-FFF2-40B4-BE49-F238E27FC236}">
-                <a16:creationId xmlns:a16="http://schemas.microsoft.com/office/drawing/2014/main" id="{53C25548-7C2E-E6F3-AD76-D6C5CF10F480}"/>
-              </a:ext>
-            </a:extLst>
-          </p:cNvPr>
-          <p:cNvPicPr>
-            <a:picLocks noChangeAspect="1"/>
-          </p:cNvPicPr>
-          <p:nvPr/>
-        </p:nvPicPr>
-        <p:blipFill>
-          <a:blip r:embed="rId4"/>
-          <a:srcRect t="-32" b="49487"/>
-          <a:stretch/>
-        </p:blipFill>
-        <p:spPr>
-          <a:xfrm>
-            <a:off x="3606826" y="1019346"/>
-            <a:ext cx="4978348" cy="4819308"/>
-          </a:xfrm>
-          <a:prstGeom prst="rect">
-            <a:avLst/>
-          </a:prstGeom>
-        </p:spPr>
-      </p:pic>
-    </p:spTree>
-    <p:extLst>
-      <p:ext uri="{BB962C8B-B14F-4D97-AF65-F5344CB8AC3E}">
-        <p14:creationId xmlns:p14="http://schemas.microsoft.com/office/powerpoint/2010/main" val="725260203"/>
-      </p:ext>
-    </p:extLst>
-  </p:cSld>
-  <p:clrMapOvr>
-    <a:masterClrMapping/>
-  </p:clrMapOvr>
-</p:sld>
-</file>
-
-<file path=ppt/slides/slide21.xml><?xml version="1.0" encoding="utf-8"?>
-<p:sld xmlns:a="http://schemas.openxmlformats.org/drawingml/2006/main" xmlns:r="http://schemas.openxmlformats.org/officeDocument/2006/relationships" xmlns:p="http://schemas.openxmlformats.org/presentationml/2006/main">
-  <p:cSld>
-    <p:spTree>
-      <p:nvGrpSpPr>
-        <p:cNvPr id="1" name=""/>
-        <p:cNvGrpSpPr/>
-        <p:nvPr/>
-      </p:nvGrpSpPr>
-      <p:grpSpPr>
-        <a:xfrm>
-          <a:off x="0" y="0"/>
-          <a:ext cx="0" cy="0"/>
-          <a:chOff x="0" y="0"/>
-          <a:chExt cx="0" cy="0"/>
-        </a:xfrm>
-      </p:grpSpPr>
-      <p:sp>
-        <p:nvSpPr>
-          <p:cNvPr id="4" name="Slide Number Placeholder 3">
-            <a:extLst>
-              <a:ext uri="{FF2B5EF4-FFF2-40B4-BE49-F238E27FC236}">
-                <a16:creationId xmlns:a16="http://schemas.microsoft.com/office/drawing/2014/main" id="{527C964F-E2D5-D8E7-C513-C47A7E409DF3}"/>
-              </a:ext>
-            </a:extLst>
-          </p:cNvPr>
-          <p:cNvSpPr>
-            <a:spLocks noGrp="1"/>
-          </p:cNvSpPr>
-          <p:nvPr>
-            <p:ph type="sldNum" sz="quarter" idx="15"/>
-          </p:nvPr>
-        </p:nvSpPr>
-        <p:spPr/>
-        <p:txBody>
-          <a:bodyPr/>
-          <a:lstStyle/>
-          <a:p>
-            <a:fld id="{18D65601-5AE2-46FC-B138-694DDD2B510D}" type="slidenum">
-              <a:rPr lang="en-US" sz="1800" smtClean="0"/>
-              <a:pPr/>
-              <a:t>21</a:t>
-            </a:fld>
-            <a:endParaRPr lang="en-US" sz="1800" dirty="0"/>
-          </a:p>
-        </p:txBody>
-      </p:sp>
-      <p:sp>
-        <p:nvSpPr>
-          <p:cNvPr id="6" name="Footer Placeholder 4">
-            <a:extLst>
-              <a:ext uri="{FF2B5EF4-FFF2-40B4-BE49-F238E27FC236}">
-                <a16:creationId xmlns:a16="http://schemas.microsoft.com/office/drawing/2014/main" id="{0D821BC6-79CF-66F1-F00C-E2213C505826}"/>
-              </a:ext>
-            </a:extLst>
-          </p:cNvPr>
-          <p:cNvSpPr txBox="1">
-            <a:spLocks/>
-          </p:cNvSpPr>
-          <p:nvPr/>
-        </p:nvSpPr>
-        <p:spPr>
-          <a:xfrm>
-            <a:off x="4038600" y="6333565"/>
-            <a:ext cx="4114800" cy="365125"/>
-          </a:xfrm>
-          <a:prstGeom prst="rect">
-            <a:avLst/>
-          </a:prstGeom>
-        </p:spPr>
-        <p:txBody>
-          <a:bodyPr vert="horz" lIns="91440" tIns="45720" rIns="91440" bIns="45720" rtlCol="0" anchor="ctr"/>
-          <a:lstStyle>
-            <a:defPPr>
-              <a:defRPr lang="en-US"/>
-            </a:defPPr>
-            <a:lvl1pPr marL="0" algn="ctr" defTabSz="914400" rtl="0" eaLnBrk="1" latinLnBrk="0" hangingPunct="1">
-              <a:defRPr sz="900" b="0" kern="1200" cap="all" spc="150" baseline="0">
-                <a:solidFill>
-                  <a:schemeClr val="bg2">
-                    <a:lumMod val="50000"/>
-                  </a:schemeClr>
-                </a:solidFill>
-                <a:latin typeface="Univers Light" panose="020B0403020202020204" pitchFamily="34" charset="0"/>
-                <a:ea typeface="+mn-ea"/>
-                <a:cs typeface="+mn-cs"/>
-              </a:defRPr>
-            </a:lvl1pPr>
-            <a:lvl2pPr marL="457200" algn="l" defTabSz="914400" rtl="0" eaLnBrk="1" latinLnBrk="0" hangingPunct="1">
-              <a:defRPr sz="1800" kern="1200">
-                <a:solidFill>
-                  <a:schemeClr val="tx1"/>
-                </a:solidFill>
-                <a:latin typeface="+mn-lt"/>
-                <a:ea typeface="+mn-ea"/>
-                <a:cs typeface="+mn-cs"/>
-              </a:defRPr>
-            </a:lvl2pPr>
-            <a:lvl3pPr marL="914400" algn="l" defTabSz="914400" rtl="0" eaLnBrk="1" latinLnBrk="0" hangingPunct="1">
-              <a:defRPr sz="1800" kern="1200">
-                <a:solidFill>
-                  <a:schemeClr val="tx1"/>
-                </a:solidFill>
-                <a:latin typeface="+mn-lt"/>
-                <a:ea typeface="+mn-ea"/>
-                <a:cs typeface="+mn-cs"/>
-              </a:defRPr>
-            </a:lvl3pPr>
-            <a:lvl4pPr marL="1371600" algn="l" defTabSz="914400" rtl="0" eaLnBrk="1" latinLnBrk="0" hangingPunct="1">
-              <a:defRPr sz="1800" kern="1200">
-                <a:solidFill>
-                  <a:schemeClr val="tx1"/>
-                </a:solidFill>
-                <a:latin typeface="+mn-lt"/>
-                <a:ea typeface="+mn-ea"/>
-                <a:cs typeface="+mn-cs"/>
-              </a:defRPr>
-            </a:lvl4pPr>
-            <a:lvl5pPr marL="1828800" algn="l" defTabSz="914400" rtl="0" eaLnBrk="1" latinLnBrk="0" hangingPunct="1">
-              <a:defRPr sz="1800" kern="1200">
-                <a:solidFill>
-                  <a:schemeClr val="tx1"/>
-                </a:solidFill>
-                <a:latin typeface="+mn-lt"/>
-                <a:ea typeface="+mn-ea"/>
-                <a:cs typeface="+mn-cs"/>
-              </a:defRPr>
-            </a:lvl5pPr>
-            <a:lvl6pPr marL="2286000" algn="l" defTabSz="914400" rtl="0" eaLnBrk="1" latinLnBrk="0" hangingPunct="1">
-              <a:defRPr sz="1800" kern="1200">
-                <a:solidFill>
-                  <a:schemeClr val="tx1"/>
-                </a:solidFill>
-                <a:latin typeface="+mn-lt"/>
-                <a:ea typeface="+mn-ea"/>
-                <a:cs typeface="+mn-cs"/>
-              </a:defRPr>
-            </a:lvl6pPr>
-            <a:lvl7pPr marL="2743200" algn="l" defTabSz="914400" rtl="0" eaLnBrk="1" latinLnBrk="0" hangingPunct="1">
-              <a:defRPr sz="1800" kern="1200">
-                <a:solidFill>
-                  <a:schemeClr val="tx1"/>
-                </a:solidFill>
-                <a:latin typeface="+mn-lt"/>
-                <a:ea typeface="+mn-ea"/>
-                <a:cs typeface="+mn-cs"/>
-              </a:defRPr>
-            </a:lvl7pPr>
-            <a:lvl8pPr marL="3200400" algn="l" defTabSz="914400" rtl="0" eaLnBrk="1" latinLnBrk="0" hangingPunct="1">
-              <a:defRPr sz="1800" kern="1200">
-                <a:solidFill>
-                  <a:schemeClr val="tx1"/>
-                </a:solidFill>
-                <a:latin typeface="+mn-lt"/>
-                <a:ea typeface="+mn-ea"/>
-                <a:cs typeface="+mn-cs"/>
-              </a:defRPr>
-            </a:lvl8pPr>
-            <a:lvl9pPr marL="3657600" algn="l" defTabSz="914400" rtl="0" eaLnBrk="1" latinLnBrk="0" hangingPunct="1">
-              <a:defRPr sz="1800" kern="1200">
-                <a:solidFill>
-                  <a:schemeClr val="tx1"/>
-                </a:solidFill>
-                <a:latin typeface="+mn-lt"/>
-                <a:ea typeface="+mn-ea"/>
-                <a:cs typeface="+mn-cs"/>
-              </a:defRPr>
-            </a:lvl9pPr>
-          </a:lstStyle>
-          <a:p>
-            <a:pPr>
-              <a:lnSpc>
-                <a:spcPct val="150000"/>
-              </a:lnSpc>
-            </a:pPr>
-            <a:r>
-              <a:rPr lang="pt-PT" sz="800" dirty="0"/>
-              <a:t>Ai driving classification</a:t>
-            </a:r>
-          </a:p>
-          <a:p>
-            <a:pPr>
-              <a:lnSpc>
-                <a:spcPct val="150000"/>
-              </a:lnSpc>
-            </a:pPr>
-            <a:r>
-              <a:rPr lang="pt-PT" sz="800" dirty="0"/>
-              <a:t>Alberto pingo | joão castro</a:t>
-            </a:r>
-          </a:p>
-        </p:txBody>
-      </p:sp>
-      <p:pic>
-        <p:nvPicPr>
-          <p:cNvPr id="7" name="Picture 6" descr="A black background with a black square&#10;&#10;Description automatically generated with medium confidence">
-            <a:extLst>
-              <a:ext uri="{FF2B5EF4-FFF2-40B4-BE49-F238E27FC236}">
-                <a16:creationId xmlns:a16="http://schemas.microsoft.com/office/drawing/2014/main" id="{05200A96-EEA7-9B7D-506A-BF4FE113C176}"/>
-              </a:ext>
-            </a:extLst>
-          </p:cNvPr>
-          <p:cNvPicPr>
-            <a:picLocks noChangeAspect="1"/>
-          </p:cNvPicPr>
-          <p:nvPr/>
-        </p:nvPicPr>
-        <p:blipFill>
-          <a:blip r:embed="rId3">
-            <a:alphaModFix amt="70000"/>
-            <a:extLst>
-              <a:ext uri="{28A0092B-C50C-407E-A947-70E740481C1C}">
-                <a14:useLocalDpi xmlns:a14="http://schemas.microsoft.com/office/drawing/2010/main" val="0"/>
-              </a:ext>
-            </a:extLst>
-          </a:blip>
-          <a:stretch>
-            <a:fillRect/>
-          </a:stretch>
-        </p:blipFill>
-        <p:spPr>
-          <a:xfrm>
-            <a:off x="10582445" y="5985436"/>
-            <a:ext cx="1441915" cy="568239"/>
-          </a:xfrm>
-          <a:prstGeom prst="rect">
-            <a:avLst/>
-          </a:prstGeom>
-        </p:spPr>
-      </p:pic>
-      <p:sp>
-        <p:nvSpPr>
-          <p:cNvPr id="2" name="Title 1">
-            <a:extLst>
-              <a:ext uri="{FF2B5EF4-FFF2-40B4-BE49-F238E27FC236}">
-                <a16:creationId xmlns:a16="http://schemas.microsoft.com/office/drawing/2014/main" id="{4662EDDE-6B1A-D0AC-F9F2-C67719C36532}"/>
-              </a:ext>
-            </a:extLst>
-          </p:cNvPr>
-          <p:cNvSpPr>
-            <a:spLocks noGrp="1"/>
-          </p:cNvSpPr>
-          <p:nvPr>
-            <p:ph type="title"/>
-          </p:nvPr>
-        </p:nvSpPr>
-        <p:spPr>
-          <a:xfrm>
-            <a:off x="1520662" y="252034"/>
-            <a:ext cx="9753890" cy="409176"/>
-          </a:xfrm>
-        </p:spPr>
-        <p:txBody>
-          <a:bodyPr>
-            <a:normAutofit fontScale="90000"/>
-          </a:bodyPr>
-          <a:lstStyle/>
-          <a:p>
-            <a:r>
-              <a:rPr lang="pt-PT" i="1" dirty="0"/>
-              <a:t>Segunda Abordagem - Processamento de dados</a:t>
-            </a:r>
-          </a:p>
-        </p:txBody>
-      </p:sp>
-      <p:pic>
-        <p:nvPicPr>
-          <p:cNvPr id="12" name="Picture 11" descr="A diagram of a company&#10;&#10;Description automatically generated">
-            <a:extLst>
-              <a:ext uri="{FF2B5EF4-FFF2-40B4-BE49-F238E27FC236}">
-                <a16:creationId xmlns:a16="http://schemas.microsoft.com/office/drawing/2014/main" id="{B7EA3BDE-D73D-4709-FEC7-62AC412636BA}"/>
-              </a:ext>
-            </a:extLst>
-          </p:cNvPr>
-          <p:cNvPicPr>
-            <a:picLocks noChangeAspect="1"/>
-          </p:cNvPicPr>
-          <p:nvPr/>
-        </p:nvPicPr>
-        <p:blipFill>
-          <a:blip r:embed="rId4"/>
-          <a:srcRect t="50422"/>
-          <a:stretch/>
-        </p:blipFill>
-        <p:spPr>
-          <a:xfrm>
-            <a:off x="3561063" y="1022116"/>
-            <a:ext cx="5069874" cy="4813768"/>
-          </a:xfrm>
-          <a:prstGeom prst="rect">
-            <a:avLst/>
-          </a:prstGeom>
-        </p:spPr>
-      </p:pic>
-    </p:spTree>
-    <p:extLst>
-      <p:ext uri="{BB962C8B-B14F-4D97-AF65-F5344CB8AC3E}">
-        <p14:creationId xmlns:p14="http://schemas.microsoft.com/office/powerpoint/2010/main" val="868537791"/>
-      </p:ext>
-    </p:extLst>
-  </p:cSld>
-  <p:clrMapOvr>
-    <a:masterClrMapping/>
-  </p:clrMapOvr>
-</p:sld>
-</file>
-
-<file path=ppt/slides/slide22.xml><?xml version="1.0" encoding="utf-8"?>
-<p:sld xmlns:a="http://schemas.openxmlformats.org/drawingml/2006/main" xmlns:r="http://schemas.openxmlformats.org/officeDocument/2006/relationships" xmlns:p="http://schemas.openxmlformats.org/presentationml/2006/main">
-  <p:cSld>
-    <p:spTree>
-      <p:nvGrpSpPr>
-        <p:cNvPr id="1" name=""/>
-        <p:cNvGrpSpPr/>
-        <p:nvPr/>
-      </p:nvGrpSpPr>
-      <p:grpSpPr>
-        <a:xfrm>
-          <a:off x="0" y="0"/>
-          <a:ext cx="0" cy="0"/>
-          <a:chOff x="0" y="0"/>
-          <a:chExt cx="0" cy="0"/>
-        </a:xfrm>
-      </p:grpSpPr>
-      <p:sp>
-        <p:nvSpPr>
-          <p:cNvPr id="4" name="Slide Number Placeholder 3">
-            <a:extLst>
-              <a:ext uri="{FF2B5EF4-FFF2-40B4-BE49-F238E27FC236}">
-                <a16:creationId xmlns:a16="http://schemas.microsoft.com/office/drawing/2014/main" id="{527C964F-E2D5-D8E7-C513-C47A7E409DF3}"/>
-              </a:ext>
-            </a:extLst>
-          </p:cNvPr>
-          <p:cNvSpPr>
-            <a:spLocks noGrp="1"/>
-          </p:cNvSpPr>
-          <p:nvPr>
-            <p:ph type="sldNum" sz="quarter" idx="15"/>
-          </p:nvPr>
-        </p:nvSpPr>
-        <p:spPr/>
-        <p:txBody>
-          <a:bodyPr/>
-          <a:lstStyle/>
-          <a:p>
-            <a:fld id="{18D65601-5AE2-46FC-B138-694DDD2B510D}" type="slidenum">
-              <a:rPr lang="en-US" sz="1800" smtClean="0"/>
-              <a:pPr/>
-              <a:t>22</a:t>
-            </a:fld>
-            <a:endParaRPr lang="en-US" sz="1800" dirty="0"/>
-          </a:p>
-        </p:txBody>
-      </p:sp>
-      <p:sp>
-        <p:nvSpPr>
-          <p:cNvPr id="6" name="Footer Placeholder 4">
-            <a:extLst>
-              <a:ext uri="{FF2B5EF4-FFF2-40B4-BE49-F238E27FC236}">
-                <a16:creationId xmlns:a16="http://schemas.microsoft.com/office/drawing/2014/main" id="{0D821BC6-79CF-66F1-F00C-E2213C505826}"/>
-              </a:ext>
-            </a:extLst>
-          </p:cNvPr>
-          <p:cNvSpPr txBox="1">
-            <a:spLocks/>
-          </p:cNvSpPr>
-          <p:nvPr/>
-        </p:nvSpPr>
-        <p:spPr>
-          <a:xfrm>
-            <a:off x="4038600" y="6333565"/>
-            <a:ext cx="4114800" cy="365125"/>
-          </a:xfrm>
-          <a:prstGeom prst="rect">
-            <a:avLst/>
-          </a:prstGeom>
-        </p:spPr>
-        <p:txBody>
-          <a:bodyPr vert="horz" lIns="91440" tIns="45720" rIns="91440" bIns="45720" rtlCol="0" anchor="ctr"/>
-          <a:lstStyle>
-            <a:defPPr>
-              <a:defRPr lang="en-US"/>
-            </a:defPPr>
-            <a:lvl1pPr marL="0" algn="ctr" defTabSz="914400" rtl="0" eaLnBrk="1" latinLnBrk="0" hangingPunct="1">
-              <a:defRPr sz="900" b="0" kern="1200" cap="all" spc="150" baseline="0">
-                <a:solidFill>
-                  <a:schemeClr val="bg2">
-                    <a:lumMod val="50000"/>
-                  </a:schemeClr>
-                </a:solidFill>
-                <a:latin typeface="Univers Light" panose="020B0403020202020204" pitchFamily="34" charset="0"/>
-                <a:ea typeface="+mn-ea"/>
-                <a:cs typeface="+mn-cs"/>
-              </a:defRPr>
-            </a:lvl1pPr>
-            <a:lvl2pPr marL="457200" algn="l" defTabSz="914400" rtl="0" eaLnBrk="1" latinLnBrk="0" hangingPunct="1">
-              <a:defRPr sz="1800" kern="1200">
-                <a:solidFill>
-                  <a:schemeClr val="tx1"/>
-                </a:solidFill>
-                <a:latin typeface="+mn-lt"/>
-                <a:ea typeface="+mn-ea"/>
-                <a:cs typeface="+mn-cs"/>
-              </a:defRPr>
-            </a:lvl2pPr>
-            <a:lvl3pPr marL="914400" algn="l" defTabSz="914400" rtl="0" eaLnBrk="1" latinLnBrk="0" hangingPunct="1">
-              <a:defRPr sz="1800" kern="1200">
-                <a:solidFill>
-                  <a:schemeClr val="tx1"/>
-                </a:solidFill>
-                <a:latin typeface="+mn-lt"/>
-                <a:ea typeface="+mn-ea"/>
-                <a:cs typeface="+mn-cs"/>
-              </a:defRPr>
-            </a:lvl3pPr>
-            <a:lvl4pPr marL="1371600" algn="l" defTabSz="914400" rtl="0" eaLnBrk="1" latinLnBrk="0" hangingPunct="1">
-              <a:defRPr sz="1800" kern="1200">
-                <a:solidFill>
-                  <a:schemeClr val="tx1"/>
-                </a:solidFill>
-                <a:latin typeface="+mn-lt"/>
-                <a:ea typeface="+mn-ea"/>
-                <a:cs typeface="+mn-cs"/>
-              </a:defRPr>
-            </a:lvl4pPr>
-            <a:lvl5pPr marL="1828800" algn="l" defTabSz="914400" rtl="0" eaLnBrk="1" latinLnBrk="0" hangingPunct="1">
-              <a:defRPr sz="1800" kern="1200">
-                <a:solidFill>
-                  <a:schemeClr val="tx1"/>
-                </a:solidFill>
-                <a:latin typeface="+mn-lt"/>
-                <a:ea typeface="+mn-ea"/>
-                <a:cs typeface="+mn-cs"/>
-              </a:defRPr>
-            </a:lvl5pPr>
-            <a:lvl6pPr marL="2286000" algn="l" defTabSz="914400" rtl="0" eaLnBrk="1" latinLnBrk="0" hangingPunct="1">
-              <a:defRPr sz="1800" kern="1200">
-                <a:solidFill>
-                  <a:schemeClr val="tx1"/>
-                </a:solidFill>
-                <a:latin typeface="+mn-lt"/>
-                <a:ea typeface="+mn-ea"/>
-                <a:cs typeface="+mn-cs"/>
-              </a:defRPr>
-            </a:lvl6pPr>
-            <a:lvl7pPr marL="2743200" algn="l" defTabSz="914400" rtl="0" eaLnBrk="1" latinLnBrk="0" hangingPunct="1">
-              <a:defRPr sz="1800" kern="1200">
-                <a:solidFill>
-                  <a:schemeClr val="tx1"/>
-                </a:solidFill>
-                <a:latin typeface="+mn-lt"/>
-                <a:ea typeface="+mn-ea"/>
-                <a:cs typeface="+mn-cs"/>
-              </a:defRPr>
-            </a:lvl7pPr>
-            <a:lvl8pPr marL="3200400" algn="l" defTabSz="914400" rtl="0" eaLnBrk="1" latinLnBrk="0" hangingPunct="1">
-              <a:defRPr sz="1800" kern="1200">
-                <a:solidFill>
-                  <a:schemeClr val="tx1"/>
-                </a:solidFill>
-                <a:latin typeface="+mn-lt"/>
-                <a:ea typeface="+mn-ea"/>
-                <a:cs typeface="+mn-cs"/>
-              </a:defRPr>
-            </a:lvl8pPr>
-            <a:lvl9pPr marL="3657600" algn="l" defTabSz="914400" rtl="0" eaLnBrk="1" latinLnBrk="0" hangingPunct="1">
-              <a:defRPr sz="1800" kern="1200">
-                <a:solidFill>
-                  <a:schemeClr val="tx1"/>
-                </a:solidFill>
-                <a:latin typeface="+mn-lt"/>
-                <a:ea typeface="+mn-ea"/>
-                <a:cs typeface="+mn-cs"/>
-              </a:defRPr>
-            </a:lvl9pPr>
-          </a:lstStyle>
-          <a:p>
-            <a:pPr>
-              <a:lnSpc>
-                <a:spcPct val="150000"/>
-              </a:lnSpc>
-            </a:pPr>
-            <a:r>
-              <a:rPr lang="pt-PT" sz="800" dirty="0"/>
-              <a:t>Ai driving classification</a:t>
-            </a:r>
-          </a:p>
-          <a:p>
-            <a:pPr>
-              <a:lnSpc>
-                <a:spcPct val="150000"/>
-              </a:lnSpc>
-            </a:pPr>
-            <a:r>
-              <a:rPr lang="pt-PT" sz="800" dirty="0"/>
-              <a:t>Alberto pingo | joão castro</a:t>
-            </a:r>
-          </a:p>
-        </p:txBody>
-      </p:sp>
-      <p:pic>
-        <p:nvPicPr>
-          <p:cNvPr id="7" name="Picture 6" descr="A black background with a black square&#10;&#10;Description automatically generated with medium confidence">
-            <a:extLst>
-              <a:ext uri="{FF2B5EF4-FFF2-40B4-BE49-F238E27FC236}">
-                <a16:creationId xmlns:a16="http://schemas.microsoft.com/office/drawing/2014/main" id="{05200A96-EEA7-9B7D-506A-BF4FE113C176}"/>
-              </a:ext>
-            </a:extLst>
-          </p:cNvPr>
-          <p:cNvPicPr>
-            <a:picLocks noChangeAspect="1"/>
-          </p:cNvPicPr>
-          <p:nvPr/>
-        </p:nvPicPr>
-        <p:blipFill>
-          <a:blip r:embed="rId3">
-            <a:alphaModFix amt="70000"/>
-            <a:extLst>
-              <a:ext uri="{28A0092B-C50C-407E-A947-70E740481C1C}">
-                <a14:useLocalDpi xmlns:a14="http://schemas.microsoft.com/office/drawing/2010/main" val="0"/>
-              </a:ext>
-            </a:extLst>
-          </a:blip>
-          <a:stretch>
-            <a:fillRect/>
-          </a:stretch>
-        </p:blipFill>
-        <p:spPr>
-          <a:xfrm>
-            <a:off x="10582445" y="5985436"/>
-            <a:ext cx="1441915" cy="568239"/>
-          </a:xfrm>
-          <a:prstGeom prst="rect">
-            <a:avLst/>
-          </a:prstGeom>
-        </p:spPr>
-      </p:pic>
-      <p:sp>
-        <p:nvSpPr>
-          <p:cNvPr id="2" name="Title 1">
-            <a:extLst>
-              <a:ext uri="{FF2B5EF4-FFF2-40B4-BE49-F238E27FC236}">
-                <a16:creationId xmlns:a16="http://schemas.microsoft.com/office/drawing/2014/main" id="{4662EDDE-6B1A-D0AC-F9F2-C67719C36532}"/>
-              </a:ext>
-            </a:extLst>
-          </p:cNvPr>
-          <p:cNvSpPr>
-            <a:spLocks noGrp="1"/>
-          </p:cNvSpPr>
-          <p:nvPr>
-            <p:ph type="title"/>
-          </p:nvPr>
-        </p:nvSpPr>
-        <p:spPr>
-          <a:xfrm>
-            <a:off x="1520662" y="252034"/>
-            <a:ext cx="9753890" cy="409176"/>
-          </a:xfrm>
-        </p:spPr>
-        <p:txBody>
-          <a:bodyPr>
-            <a:normAutofit fontScale="90000"/>
-          </a:bodyPr>
-          <a:lstStyle/>
-          <a:p>
-            <a:r>
-              <a:rPr lang="pt-PT" i="1" dirty="0"/>
               <a:t>Segunda Abordagem - Modelos</a:t>
             </a:r>
           </a:p>
@@ -24347,10 +22856,10 @@
       </p:sp>
       <p:pic>
         <p:nvPicPr>
-          <p:cNvPr id="5" name="Picture 4">
+          <p:cNvPr id="2050" name="Picture 2">
             <a:extLst>
               <a:ext uri="{FF2B5EF4-FFF2-40B4-BE49-F238E27FC236}">
-                <a16:creationId xmlns:a16="http://schemas.microsoft.com/office/drawing/2014/main" id="{C7D11E07-E252-22A1-F58C-ED9A0E8E5F5E}"/>
+                <a16:creationId xmlns:a16="http://schemas.microsoft.com/office/drawing/2014/main" id="{8B119022-07AE-4478-5878-DFDD559703C6}"/>
               </a:ext>
             </a:extLst>
           </p:cNvPr>
@@ -24374,8 +22883,8 @@
         </p:blipFill>
         <p:spPr bwMode="auto">
           <a:xfrm>
-            <a:off x="1520662" y="4055659"/>
-            <a:ext cx="10286625" cy="728636"/>
+            <a:off x="1520662" y="3955391"/>
+            <a:ext cx="10303284" cy="729816"/>
           </a:xfrm>
           <a:prstGeom prst="rect">
             <a:avLst/>
@@ -24394,10 +22903,10 @@
       </p:pic>
       <p:pic>
         <p:nvPicPr>
-          <p:cNvPr id="1030" name="Picture 6">
+          <p:cNvPr id="2052" name="Picture 4">
             <a:extLst>
               <a:ext uri="{FF2B5EF4-FFF2-40B4-BE49-F238E27FC236}">
-                <a16:creationId xmlns:a16="http://schemas.microsoft.com/office/drawing/2014/main" id="{28ECD432-B27C-19A0-3315-C46A5FA3B9FD}"/>
+                <a16:creationId xmlns:a16="http://schemas.microsoft.com/office/drawing/2014/main" id="{8D917F07-BC73-9C97-CD23-6998089949EF}"/>
               </a:ext>
             </a:extLst>
           </p:cNvPr>
@@ -24421,8 +22930,8 @@
         </p:blipFill>
         <p:spPr bwMode="auto">
           <a:xfrm>
-            <a:off x="1520663" y="1948668"/>
-            <a:ext cx="8623081" cy="729817"/>
+            <a:off x="1520662" y="1942214"/>
+            <a:ext cx="8624365" cy="732173"/>
           </a:xfrm>
           <a:prstGeom prst="rect">
             <a:avLst/>
@@ -24510,7 +23019,7 @@
                                           </p:stCondLst>
                                         </p:cTn>
                                         <p:tgtEl>
-                                          <p:spTgt spid="1030"/>
+                                          <p:spTgt spid="2052"/>
                                         </p:tgtEl>
                                         <p:attrNameLst>
                                           <p:attrName>style.visibility</p:attrName>
@@ -24582,7 +23091,7 @@
                                           </p:stCondLst>
                                         </p:cTn>
                                         <p:tgtEl>
-                                          <p:spTgt spid="5"/>
+                                          <p:spTgt spid="2050"/>
                                         </p:tgtEl>
                                         <p:attrNameLst>
                                           <p:attrName>style.visibility</p:attrName>
@@ -24630,7 +23139,7 @@
 </p:sld>
 </file>
 
-<file path=ppt/slides/slide23.xml><?xml version="1.0" encoding="utf-8"?>
+<file path=ppt/slides/slide21.xml><?xml version="1.0" encoding="utf-8"?>
 <p:sld xmlns:a="http://schemas.openxmlformats.org/drawingml/2006/main" xmlns:r="http://schemas.openxmlformats.org/officeDocument/2006/relationships" xmlns:p="http://schemas.openxmlformats.org/presentationml/2006/main">
   <p:cSld>
     <p:spTree>
@@ -24671,7 +23180,7 @@
             <a:fld id="{18D65601-5AE2-46FC-B138-694DDD2B510D}" type="slidenum">
               <a:rPr lang="en-US" sz="1800" smtClean="0"/>
               <a:pPr/>
-              <a:t>23</a:t>
+              <a:t>21</a:t>
             </a:fld>
             <a:endParaRPr lang="en-US" sz="1800" dirty="0"/>
           </a:p>
@@ -25641,7 +24150,7 @@
 </p:sld>
 </file>
 
-<file path=ppt/slides/slide24.xml><?xml version="1.0" encoding="utf-8"?>
+<file path=ppt/slides/slide22.xml><?xml version="1.0" encoding="utf-8"?>
 <p:sld xmlns:a="http://schemas.openxmlformats.org/drawingml/2006/main" xmlns:r="http://schemas.openxmlformats.org/officeDocument/2006/relationships" xmlns:p="http://schemas.openxmlformats.org/presentationml/2006/main">
   <p:cSld>
     <p:spTree>
@@ -25682,7 +24191,7 @@
             <a:fld id="{18D65601-5AE2-46FC-B138-694DDD2B510D}" type="slidenum">
               <a:rPr lang="en-US" sz="1800" smtClean="0"/>
               <a:pPr/>
-              <a:t>24</a:t>
+              <a:t>22</a:t>
             </a:fld>
             <a:endParaRPr lang="en-US" sz="1800" dirty="0"/>
           </a:p>
@@ -26445,7 +24954,7 @@
 </p:sld>
 </file>
 
-<file path=ppt/slides/slide25.xml><?xml version="1.0" encoding="utf-8"?>
+<file path=ppt/slides/slide23.xml><?xml version="1.0" encoding="utf-8"?>
 <p:sld xmlns:a="http://schemas.openxmlformats.org/drawingml/2006/main" xmlns:r="http://schemas.openxmlformats.org/officeDocument/2006/relationships" xmlns:p="http://schemas.openxmlformats.org/presentationml/2006/main">
   <p:cSld>
     <p:bg>
@@ -26496,7 +25005,7 @@
             <a:fld id="{18D65601-5AE2-46FC-B138-694DDD2B510D}" type="slidenum">
               <a:rPr lang="en-US" sz="1800" smtClean="0"/>
               <a:pPr/>
-              <a:t>25</a:t>
+              <a:t>23</a:t>
             </a:fld>
             <a:endParaRPr lang="en-US" sz="1800" dirty="0"/>
           </a:p>
@@ -26865,7 +25374,7 @@
 </p:sld>
 </file>
 
-<file path=ppt/slides/slide26.xml><?xml version="1.0" encoding="utf-8"?>
+<file path=ppt/slides/slide24.xml><?xml version="1.0" encoding="utf-8"?>
 <p:sld xmlns:a="http://schemas.openxmlformats.org/drawingml/2006/main" xmlns:r="http://schemas.openxmlformats.org/officeDocument/2006/relationships" xmlns:p="http://schemas.openxmlformats.org/presentationml/2006/main">
   <p:cSld>
     <p:bg>
@@ -26916,7 +25425,7 @@
             <a:fld id="{18D65601-5AE2-46FC-B138-694DDD2B510D}" type="slidenum">
               <a:rPr lang="en-US" sz="1800" smtClean="0"/>
               <a:pPr/>
-              <a:t>26</a:t>
+              <a:t>24</a:t>
             </a:fld>
             <a:endParaRPr lang="en-US" sz="1800" dirty="0"/>
           </a:p>
@@ -27453,7 +25962,7 @@
 </p:sld>
 </file>
 
-<file path=ppt/slides/slide27.xml><?xml version="1.0" encoding="utf-8"?>
+<file path=ppt/slides/slide25.xml><?xml version="1.0" encoding="utf-8"?>
 <p:sld xmlns:a="http://schemas.openxmlformats.org/drawingml/2006/main" xmlns:r="http://schemas.openxmlformats.org/officeDocument/2006/relationships" xmlns:p="http://schemas.openxmlformats.org/presentationml/2006/main">
   <p:cSld>
     <p:bg>
@@ -27504,7 +26013,7 @@
             <a:fld id="{18D65601-5AE2-46FC-B138-694DDD2B510D}" type="slidenum">
               <a:rPr lang="en-US" sz="1800" smtClean="0"/>
               <a:pPr/>
-              <a:t>27</a:t>
+              <a:t>25</a:t>
             </a:fld>
             <a:endParaRPr lang="en-US" sz="1800" dirty="0"/>
           </a:p>
@@ -28148,7 +26657,7 @@
 </p:sld>
 </file>
 
-<file path=ppt/slides/slide28.xml><?xml version="1.0" encoding="utf-8"?>
+<file path=ppt/slides/slide26.xml><?xml version="1.0" encoding="utf-8"?>
 <p:sld xmlns:a="http://schemas.openxmlformats.org/drawingml/2006/main" xmlns:r="http://schemas.openxmlformats.org/officeDocument/2006/relationships" xmlns:p="http://schemas.openxmlformats.org/presentationml/2006/main">
   <p:cSld>
     <p:bg>
@@ -34017,15 +32526,6 @@
 </file>
 
 <file path=customXml/item1.xml><?xml version="1.0" encoding="utf-8"?>
-<?mso-contentType ?>
-<FormTemplates xmlns="http://schemas.microsoft.com/sharepoint/v3/contenttype/forms">
-  <Display>DocumentLibraryForm</Display>
-  <Edit>DocumentLibraryForm</Edit>
-  <New>DocumentLibraryForm</New>
-</FormTemplates>
-</file>
-
-<file path=customXml/item2.xml><?xml version="1.0" encoding="utf-8"?>
 <ct:contentTypeSchema xmlns:ct="http://schemas.microsoft.com/office/2006/metadata/contentType" xmlns:ma="http://schemas.microsoft.com/office/2006/metadata/properties/metaAttributes" ct:_="" ma:_="" ma:contentTypeName="Document" ma:contentTypeID="0x010100A73A92E9BB0D154D881191BAEDDE609C" ma:contentTypeVersion="15" ma:contentTypeDescription="Create a new document." ma:contentTypeScope="" ma:versionID="efb1cbc0b36a0d4d469bd0290935f8df">
   <xsd:schema xmlns:xsd="http://www.w3.org/2001/XMLSchema" xmlns:xs="http://www.w3.org/2001/XMLSchema" xmlns:p="http://schemas.microsoft.com/office/2006/metadata/properties" xmlns:ns3="49ea7286-31dc-4857-8ba0-9dd5131121ba" xmlns:ns4="490ae867-905f-461a-953e-c60010c4e0c9" targetNamespace="http://schemas.microsoft.com/office/2006/metadata/properties" ma:root="true" ma:fieldsID="f3e6108c9adebc81ed2cd74cc74f8ca6" ns3:_="" ns4:_="">
     <xsd:import namespace="49ea7286-31dc-4857-8ba0-9dd5131121ba"/>
@@ -34260,6 +32760,15 @@
 </ct:contentTypeSchema>
 </file>
 
+<file path=customXml/item2.xml><?xml version="1.0" encoding="utf-8"?>
+<?mso-contentType ?>
+<FormTemplates xmlns="http://schemas.microsoft.com/sharepoint/v3/contenttype/forms">
+  <Display>DocumentLibraryForm</Display>
+  <Edit>DocumentLibraryForm</Edit>
+  <New>DocumentLibraryForm</New>
+</FormTemplates>
+</file>
+
 <file path=customXml/item3.xml><?xml version="1.0" encoding="utf-8"?>
 <p:properties xmlns:p="http://schemas.microsoft.com/office/2006/metadata/properties" xmlns:xsi="http://www.w3.org/2001/XMLSchema-instance" xmlns:pc="http://schemas.microsoft.com/office/infopath/2007/PartnerControls">
   <documentManagement>
@@ -34270,14 +32779,6 @@
 </file>
 
 <file path=customXml/itemProps1.xml><?xml version="1.0" encoding="utf-8"?>
-<ds:datastoreItem xmlns:ds="http://schemas.openxmlformats.org/officeDocument/2006/customXml" ds:itemID="{A98CD342-50C4-441F-B4A3-7D5ADB057132}">
-  <ds:schemaRefs>
-    <ds:schemaRef ds:uri="http://schemas.microsoft.com/sharepoint/v3/contenttype/forms"/>
-  </ds:schemaRefs>
-</ds:datastoreItem>
-</file>
-
-<file path=customXml/itemProps2.xml><?xml version="1.0" encoding="utf-8"?>
 <ds:datastoreItem xmlns:ds="http://schemas.openxmlformats.org/officeDocument/2006/customXml" ds:itemID="{2772B1AE-A3BA-4700-8DCD-4A25B8D329B2}">
   <ds:schemaRefs>
     <ds:schemaRef ds:uri="http://schemas.microsoft.com/office/2006/metadata/contentType"/>
@@ -34292,6 +32793,14 @@
     <ds:schemaRef ds:uri="http://purl.org/dc/elements/1.1/"/>
     <ds:schemaRef ds:uri="http://purl.org/dc/terms/"/>
     <ds:schemaRef ds:uri="http://schemas.microsoft.com/internal/obd"/>
+  </ds:schemaRefs>
+</ds:datastoreItem>
+</file>
+
+<file path=customXml/itemProps2.xml><?xml version="1.0" encoding="utf-8"?>
+<ds:datastoreItem xmlns:ds="http://schemas.openxmlformats.org/officeDocument/2006/customXml" ds:itemID="{A98CD342-50C4-441F-B4A3-7D5ADB057132}">
+  <ds:schemaRefs>
+    <ds:schemaRef ds:uri="http://schemas.microsoft.com/sharepoint/v3/contenttype/forms"/>
   </ds:schemaRefs>
 </ds:datastoreItem>
 </file>

--- a/ProjInf_AI_Driving_Classification.pptx
+++ b/ProjInf_AI_Driving_Classification.pptx
@@ -5,10 +5,10 @@
     <p:sldMasterId id="2147483648" r:id="rId4"/>
   </p:sldMasterIdLst>
   <p:notesMasterIdLst>
-    <p:notesMasterId r:id="rId31"/>
+    <p:notesMasterId r:id="rId35"/>
   </p:notesMasterIdLst>
   <p:handoutMasterIdLst>
-    <p:handoutMasterId r:id="rId32"/>
+    <p:handoutMasterId r:id="rId36"/>
   </p:handoutMasterIdLst>
   <p:sldIdLst>
     <p:sldId id="322" r:id="rId5"/>
@@ -22,21 +22,25 @@
     <p:sldId id="376" r:id="rId13"/>
     <p:sldId id="359" r:id="rId14"/>
     <p:sldId id="383" r:id="rId15"/>
-    <p:sldId id="390" r:id="rId16"/>
-    <p:sldId id="389" r:id="rId17"/>
-    <p:sldId id="384" r:id="rId18"/>
-    <p:sldId id="385" r:id="rId19"/>
-    <p:sldId id="377" r:id="rId20"/>
-    <p:sldId id="374" r:id="rId21"/>
-    <p:sldId id="375" r:id="rId22"/>
-    <p:sldId id="378" r:id="rId23"/>
-    <p:sldId id="381" r:id="rId24"/>
-    <p:sldId id="380" r:id="rId25"/>
-    <p:sldId id="382" r:id="rId26"/>
-    <p:sldId id="368" r:id="rId27"/>
-    <p:sldId id="366" r:id="rId28"/>
-    <p:sldId id="364" r:id="rId29"/>
-    <p:sldId id="379" r:id="rId30"/>
+    <p:sldId id="392" r:id="rId16"/>
+    <p:sldId id="391" r:id="rId17"/>
+    <p:sldId id="393" r:id="rId18"/>
+    <p:sldId id="394" r:id="rId19"/>
+    <p:sldId id="390" r:id="rId20"/>
+    <p:sldId id="389" r:id="rId21"/>
+    <p:sldId id="384" r:id="rId22"/>
+    <p:sldId id="385" r:id="rId23"/>
+    <p:sldId id="377" r:id="rId24"/>
+    <p:sldId id="374" r:id="rId25"/>
+    <p:sldId id="375" r:id="rId26"/>
+    <p:sldId id="378" r:id="rId27"/>
+    <p:sldId id="381" r:id="rId28"/>
+    <p:sldId id="380" r:id="rId29"/>
+    <p:sldId id="382" r:id="rId30"/>
+    <p:sldId id="368" r:id="rId31"/>
+    <p:sldId id="366" r:id="rId32"/>
+    <p:sldId id="364" r:id="rId33"/>
+    <p:sldId id="379" r:id="rId34"/>
   </p:sldIdLst>
   <p:sldSz cx="12192000" cy="6858000"/>
   <p:notesSz cx="10234613" cy="7104063"/>
@@ -3805,7 +3809,7 @@
     </p:spTree>
     <p:extLst>
       <p:ext uri="{BB962C8B-B14F-4D97-AF65-F5344CB8AC3E}">
-        <p14:creationId xmlns:p14="http://schemas.microsoft.com/office/powerpoint/2010/main" val="3702960415"/>
+        <p14:creationId xmlns:p14="http://schemas.microsoft.com/office/powerpoint/2010/main" val="598701514"/>
       </p:ext>
     </p:extLst>
   </p:cSld>
@@ -3889,7 +3893,7 @@
     </p:spTree>
     <p:extLst>
       <p:ext uri="{BB962C8B-B14F-4D97-AF65-F5344CB8AC3E}">
-        <p14:creationId xmlns:p14="http://schemas.microsoft.com/office/powerpoint/2010/main" val="2192743149"/>
+        <p14:creationId xmlns:p14="http://schemas.microsoft.com/office/powerpoint/2010/main" val="4233048068"/>
       </p:ext>
     </p:extLst>
   </p:cSld>
@@ -3943,110 +3947,7 @@
           <a:bodyPr/>
           <a:lstStyle/>
           <a:p>
-            <a:r>
-              <a:rPr lang="pt-PT" sz="2800" b="1" dirty="0" err="1"/>
-              <a:t>Accuracy</a:t>
-            </a:r>
-            <a:r>
-              <a:rPr lang="pt-PT" sz="2800" b="1" dirty="0"/>
-              <a:t> (Exatidão):</a:t>
-            </a:r>
-            <a:r>
-              <a:rPr lang="pt-PT" sz="2800" dirty="0"/>
-              <a:t> Mede a proporção de previsões corretas em relação ao total de previsões.</a:t>
-            </a:r>
-            <a:br>
-              <a:rPr lang="pt-PT" sz="2800" dirty="0"/>
-            </a:br>
-            <a:br>
-              <a:rPr lang="pt-PT" sz="2800" dirty="0"/>
-            </a:br>
-            <a:r>
-              <a:rPr lang="pt-PT" b="1" dirty="0" err="1"/>
-              <a:t>Precision</a:t>
-            </a:r>
-            <a:r>
-              <a:rPr lang="pt-PT" b="1" dirty="0"/>
-              <a:t> (Precisão):</a:t>
-            </a:r>
-            <a:r>
-              <a:rPr lang="pt-PT" dirty="0"/>
-              <a:t> Mede a proporção de verdadeiros positivos entre todas as instâncias classificadas como positivas. </a:t>
-            </a:r>
-          </a:p>
-          <a:p>
             <a:endParaRPr lang="pt-PT" dirty="0"/>
-          </a:p>
-          <a:p>
-            <a:r>
-              <a:rPr lang="pt-PT" b="1" dirty="0"/>
-              <a:t>F1 Score:</a:t>
-            </a:r>
-            <a:r>
-              <a:rPr lang="pt-PT" dirty="0"/>
-              <a:t> Média harmônica entre precisão e </a:t>
-            </a:r>
-            <a:r>
-              <a:rPr lang="pt-PT" dirty="0" err="1"/>
-              <a:t>recall</a:t>
-            </a:r>
-            <a:r>
-              <a:rPr lang="pt-PT" dirty="0"/>
-              <a:t>, útil quando há um equilíbrio entre as duas métricas.</a:t>
-            </a:r>
-          </a:p>
-          <a:p>
-            <a:endParaRPr lang="pt-PT" dirty="0"/>
-          </a:p>
-          <a:p>
-            <a:r>
-              <a:rPr lang="pt-PT" b="1" dirty="0" err="1"/>
-              <a:t>Recall</a:t>
-            </a:r>
-            <a:r>
-              <a:rPr lang="pt-PT" b="1" dirty="0"/>
-              <a:t> (Sensibilidade):</a:t>
-            </a:r>
-            <a:r>
-              <a:rPr lang="pt-PT" dirty="0"/>
-              <a:t> Mede a proporção de verdadeiros positivos entre todas as instâncias que são realmente positivas.</a:t>
-            </a:r>
-          </a:p>
-          <a:p>
-            <a:endParaRPr lang="pt-PT" dirty="0"/>
-          </a:p>
-          <a:p>
-            <a:r>
-              <a:rPr lang="en-US" sz="2800" b="1" dirty="0"/>
-              <a:t>Hamming Loss: </a:t>
-            </a:r>
-            <a:r>
-              <a:rPr lang="pt-PT" sz="1800" dirty="0">
-                <a:effectLst/>
-                <a:latin typeface="Times New Roman" panose="02020603050405020304" pitchFamily="18" charset="0"/>
-                <a:ea typeface="Calibri" panose="020F0502020204030204" pitchFamily="34" charset="0"/>
-                <a:cs typeface="Arial" panose="020B0604020202020204" pitchFamily="34" charset="0"/>
-              </a:rPr>
-              <a:t>mede a taxa de predições incorretas, onde cada predição incorreta conta igualmente.</a:t>
-            </a:r>
-            <a:endParaRPr lang="pt-PT" dirty="0"/>
-          </a:p>
-          <a:p>
-            <a:endParaRPr lang="pt-PT" dirty="0"/>
-          </a:p>
-          <a:p>
-            <a:r>
-              <a:rPr lang="pt-PT" b="1" dirty="0" err="1"/>
-              <a:t>Jaccard</a:t>
-            </a:r>
-            <a:r>
-              <a:rPr lang="pt-PT" b="1" dirty="0"/>
-              <a:t> Score:</a:t>
-            </a:r>
-            <a:r>
-              <a:rPr lang="pt-PT" dirty="0"/>
-              <a:t> Mede a similaridade entre os rótulos preditos e os verdadeiros.</a:t>
-            </a:r>
           </a:p>
         </p:txBody>
       </p:sp>
@@ -4076,7 +3977,7 @@
     </p:spTree>
     <p:extLst>
       <p:ext uri="{BB962C8B-B14F-4D97-AF65-F5344CB8AC3E}">
-        <p14:creationId xmlns:p14="http://schemas.microsoft.com/office/powerpoint/2010/main" val="2871996551"/>
+        <p14:creationId xmlns:p14="http://schemas.microsoft.com/office/powerpoint/2010/main" val="3505362154"/>
       </p:ext>
     </p:extLst>
   </p:cSld>
@@ -4160,7 +4061,7 @@
     </p:spTree>
     <p:extLst>
       <p:ext uri="{BB962C8B-B14F-4D97-AF65-F5344CB8AC3E}">
-        <p14:creationId xmlns:p14="http://schemas.microsoft.com/office/powerpoint/2010/main" val="2757855334"/>
+        <p14:creationId xmlns:p14="http://schemas.microsoft.com/office/powerpoint/2010/main" val="1338960727"/>
       </p:ext>
     </p:extLst>
   </p:cSld>
@@ -4244,7 +4145,7 @@
     </p:spTree>
     <p:extLst>
       <p:ext uri="{BB962C8B-B14F-4D97-AF65-F5344CB8AC3E}">
-        <p14:creationId xmlns:p14="http://schemas.microsoft.com/office/powerpoint/2010/main" val="1886646475"/>
+        <p14:creationId xmlns:p14="http://schemas.microsoft.com/office/powerpoint/2010/main" val="3702960415"/>
       </p:ext>
     </p:extLst>
   </p:cSld>
@@ -4328,7 +4229,7 @@
     </p:spTree>
     <p:extLst>
       <p:ext uri="{BB962C8B-B14F-4D97-AF65-F5344CB8AC3E}">
-        <p14:creationId xmlns:p14="http://schemas.microsoft.com/office/powerpoint/2010/main" val="675078099"/>
+        <p14:creationId xmlns:p14="http://schemas.microsoft.com/office/powerpoint/2010/main" val="2192743149"/>
       </p:ext>
     </p:extLst>
   </p:cSld>
@@ -4382,7 +4283,110 @@
           <a:bodyPr/>
           <a:lstStyle/>
           <a:p>
+            <a:r>
+              <a:rPr lang="pt-PT" sz="2800" b="1" dirty="0" err="1"/>
+              <a:t>Accuracy</a:t>
+            </a:r>
+            <a:r>
+              <a:rPr lang="pt-PT" sz="2800" b="1" dirty="0"/>
+              <a:t> (Exatidão):</a:t>
+            </a:r>
+            <a:r>
+              <a:rPr lang="pt-PT" sz="2800" dirty="0"/>
+              <a:t> Mede a proporção de previsões corretas em relação ao total de previsões.</a:t>
+            </a:r>
+            <a:br>
+              <a:rPr lang="pt-PT" sz="2800" dirty="0"/>
+            </a:br>
+            <a:br>
+              <a:rPr lang="pt-PT" sz="2800" dirty="0"/>
+            </a:br>
+            <a:r>
+              <a:rPr lang="pt-PT" b="1" dirty="0" err="1"/>
+              <a:t>Precision</a:t>
+            </a:r>
+            <a:r>
+              <a:rPr lang="pt-PT" b="1" dirty="0"/>
+              <a:t> (Precisão):</a:t>
+            </a:r>
+            <a:r>
+              <a:rPr lang="pt-PT" dirty="0"/>
+              <a:t> Mede a proporção de verdadeiros positivos entre todas as instâncias classificadas como positivas. </a:t>
+            </a:r>
+          </a:p>
+          <a:p>
             <a:endParaRPr lang="pt-PT" dirty="0"/>
+          </a:p>
+          <a:p>
+            <a:r>
+              <a:rPr lang="pt-PT" b="1" dirty="0"/>
+              <a:t>F1 Score:</a:t>
+            </a:r>
+            <a:r>
+              <a:rPr lang="pt-PT" dirty="0"/>
+              <a:t> Média harmônica entre precisão e </a:t>
+            </a:r>
+            <a:r>
+              <a:rPr lang="pt-PT" dirty="0" err="1"/>
+              <a:t>recall</a:t>
+            </a:r>
+            <a:r>
+              <a:rPr lang="pt-PT" dirty="0"/>
+              <a:t>, útil quando há um equilíbrio entre as duas métricas.</a:t>
+            </a:r>
+          </a:p>
+          <a:p>
+            <a:endParaRPr lang="pt-PT" dirty="0"/>
+          </a:p>
+          <a:p>
+            <a:r>
+              <a:rPr lang="pt-PT" b="1" dirty="0" err="1"/>
+              <a:t>Recall</a:t>
+            </a:r>
+            <a:r>
+              <a:rPr lang="pt-PT" b="1" dirty="0"/>
+              <a:t> (Sensibilidade):</a:t>
+            </a:r>
+            <a:r>
+              <a:rPr lang="pt-PT" dirty="0"/>
+              <a:t> Mede a proporção de verdadeiros positivos entre todas as instâncias que são realmente positivas.</a:t>
+            </a:r>
+          </a:p>
+          <a:p>
+            <a:endParaRPr lang="pt-PT" dirty="0"/>
+          </a:p>
+          <a:p>
+            <a:r>
+              <a:rPr lang="en-US" sz="2800" b="1" dirty="0"/>
+              <a:t>Hamming Loss: </a:t>
+            </a:r>
+            <a:r>
+              <a:rPr lang="pt-PT" sz="1800" dirty="0">
+                <a:effectLst/>
+                <a:latin typeface="Times New Roman" panose="02020603050405020304" pitchFamily="18" charset="0"/>
+                <a:ea typeface="Calibri" panose="020F0502020204030204" pitchFamily="34" charset="0"/>
+                <a:cs typeface="Arial" panose="020B0604020202020204" pitchFamily="34" charset="0"/>
+              </a:rPr>
+              <a:t>mede a taxa de predições incorretas, onde cada predição incorreta conta igualmente.</a:t>
+            </a:r>
+            <a:endParaRPr lang="pt-PT" dirty="0"/>
+          </a:p>
+          <a:p>
+            <a:endParaRPr lang="pt-PT" dirty="0"/>
+          </a:p>
+          <a:p>
+            <a:r>
+              <a:rPr lang="pt-PT" b="1" dirty="0" err="1"/>
+              <a:t>Jaccard</a:t>
+            </a:r>
+            <a:r>
+              <a:rPr lang="pt-PT" b="1" dirty="0"/>
+              <a:t> Score:</a:t>
+            </a:r>
+            <a:r>
+              <a:rPr lang="pt-PT" dirty="0"/>
+              <a:t> Mede a similaridade entre os rótulos preditos e os verdadeiros.</a:t>
+            </a:r>
           </a:p>
         </p:txBody>
       </p:sp>
@@ -4412,7 +4416,7 @@
     </p:spTree>
     <p:extLst>
       <p:ext uri="{BB962C8B-B14F-4D97-AF65-F5344CB8AC3E}">
-        <p14:creationId xmlns:p14="http://schemas.microsoft.com/office/powerpoint/2010/main" val="4062580475"/>
+        <p14:creationId xmlns:p14="http://schemas.microsoft.com/office/powerpoint/2010/main" val="2871996551"/>
       </p:ext>
     </p:extLst>
   </p:cSld>
@@ -4496,7 +4500,7 @@
     </p:spTree>
     <p:extLst>
       <p:ext uri="{BB962C8B-B14F-4D97-AF65-F5344CB8AC3E}">
-        <p14:creationId xmlns:p14="http://schemas.microsoft.com/office/powerpoint/2010/main" val="1151261032"/>
+        <p14:creationId xmlns:p14="http://schemas.microsoft.com/office/powerpoint/2010/main" val="2757855334"/>
       </p:ext>
     </p:extLst>
   </p:cSld>
@@ -4580,7 +4584,7 @@
     </p:spTree>
     <p:extLst>
       <p:ext uri="{BB962C8B-B14F-4D97-AF65-F5344CB8AC3E}">
-        <p14:creationId xmlns:p14="http://schemas.microsoft.com/office/powerpoint/2010/main" val="3529110111"/>
+        <p14:creationId xmlns:p14="http://schemas.microsoft.com/office/powerpoint/2010/main" val="1886646475"/>
       </p:ext>
     </p:extLst>
   </p:cSld>
@@ -4748,7 +4752,7 @@
     </p:spTree>
     <p:extLst>
       <p:ext uri="{BB962C8B-B14F-4D97-AF65-F5344CB8AC3E}">
-        <p14:creationId xmlns:p14="http://schemas.microsoft.com/office/powerpoint/2010/main" val="991919543"/>
+        <p14:creationId xmlns:p14="http://schemas.microsoft.com/office/powerpoint/2010/main" val="675078099"/>
       </p:ext>
     </p:extLst>
   </p:cSld>
@@ -4832,7 +4836,7 @@
     </p:spTree>
     <p:extLst>
       <p:ext uri="{BB962C8B-B14F-4D97-AF65-F5344CB8AC3E}">
-        <p14:creationId xmlns:p14="http://schemas.microsoft.com/office/powerpoint/2010/main" val="12357622"/>
+        <p14:creationId xmlns:p14="http://schemas.microsoft.com/office/powerpoint/2010/main" val="4062580475"/>
       </p:ext>
     </p:extLst>
   </p:cSld>
@@ -4916,7 +4920,7 @@
     </p:spTree>
     <p:extLst>
       <p:ext uri="{BB962C8B-B14F-4D97-AF65-F5344CB8AC3E}">
-        <p14:creationId xmlns:p14="http://schemas.microsoft.com/office/powerpoint/2010/main" val="4042850870"/>
+        <p14:creationId xmlns:p14="http://schemas.microsoft.com/office/powerpoint/2010/main" val="1151261032"/>
       </p:ext>
     </p:extLst>
   </p:cSld>
@@ -5000,7 +5004,7 @@
     </p:spTree>
     <p:extLst>
       <p:ext uri="{BB962C8B-B14F-4D97-AF65-F5344CB8AC3E}">
-        <p14:creationId xmlns:p14="http://schemas.microsoft.com/office/powerpoint/2010/main" val="1791866160"/>
+        <p14:creationId xmlns:p14="http://schemas.microsoft.com/office/powerpoint/2010/main" val="3529110111"/>
       </p:ext>
     </p:extLst>
   </p:cSld>
@@ -5084,7 +5088,7 @@
     </p:spTree>
     <p:extLst>
       <p:ext uri="{BB962C8B-B14F-4D97-AF65-F5344CB8AC3E}">
-        <p14:creationId xmlns:p14="http://schemas.microsoft.com/office/powerpoint/2010/main" val="4039535867"/>
+        <p14:creationId xmlns:p14="http://schemas.microsoft.com/office/powerpoint/2010/main" val="991919543"/>
       </p:ext>
     </p:extLst>
   </p:cSld>
@@ -5138,7 +5142,7 @@
           <a:bodyPr/>
           <a:lstStyle/>
           <a:p>
-            <a:endParaRPr lang="pt-PT"/>
+            <a:endParaRPr lang="pt-PT" dirty="0"/>
           </a:p>
         </p:txBody>
       </p:sp>
@@ -5160,6 +5164,342 @@
             <a:fld id="{C37D7554-D10C-4E29-B8E6-BB7111FA614F}" type="slidenum">
               <a:rPr lang="en-US" smtClean="0"/>
               <a:t>26</a:t>
+            </a:fld>
+            <a:endParaRPr lang="en-US" dirty="0"/>
+          </a:p>
+        </p:txBody>
+      </p:sp>
+    </p:spTree>
+    <p:extLst>
+      <p:ext uri="{BB962C8B-B14F-4D97-AF65-F5344CB8AC3E}">
+        <p14:creationId xmlns:p14="http://schemas.microsoft.com/office/powerpoint/2010/main" val="12357622"/>
+      </p:ext>
+    </p:extLst>
+  </p:cSld>
+  <p:clrMapOvr>
+    <a:masterClrMapping/>
+  </p:clrMapOvr>
+</p:notes>
+</file>
+
+<file path=ppt/notesSlides/notesSlide26.xml><?xml version="1.0" encoding="utf-8"?>
+<p:notes xmlns:a="http://schemas.openxmlformats.org/drawingml/2006/main" xmlns:r="http://schemas.openxmlformats.org/officeDocument/2006/relationships" xmlns:p="http://schemas.openxmlformats.org/presentationml/2006/main">
+  <p:cSld>
+    <p:spTree>
+      <p:nvGrpSpPr>
+        <p:cNvPr id="1" name=""/>
+        <p:cNvGrpSpPr/>
+        <p:nvPr/>
+      </p:nvGrpSpPr>
+      <p:grpSpPr>
+        <a:xfrm>
+          <a:off x="0" y="0"/>
+          <a:ext cx="0" cy="0"/>
+          <a:chOff x="0" y="0"/>
+          <a:chExt cx="0" cy="0"/>
+        </a:xfrm>
+      </p:grpSpPr>
+      <p:sp>
+        <p:nvSpPr>
+          <p:cNvPr id="2" name="Slide Image Placeholder 1"/>
+          <p:cNvSpPr>
+            <a:spLocks noGrp="1" noRot="1" noChangeAspect="1"/>
+          </p:cNvSpPr>
+          <p:nvPr>
+            <p:ph type="sldImg"/>
+          </p:nvPr>
+        </p:nvSpPr>
+        <p:spPr/>
+      </p:sp>
+      <p:sp>
+        <p:nvSpPr>
+          <p:cNvPr id="3" name="Notes Placeholder 2"/>
+          <p:cNvSpPr>
+            <a:spLocks noGrp="1"/>
+          </p:cNvSpPr>
+          <p:nvPr>
+            <p:ph type="body" idx="1"/>
+          </p:nvPr>
+        </p:nvSpPr>
+        <p:spPr/>
+        <p:txBody>
+          <a:bodyPr/>
+          <a:lstStyle/>
+          <a:p>
+            <a:endParaRPr lang="pt-PT" dirty="0"/>
+          </a:p>
+        </p:txBody>
+      </p:sp>
+      <p:sp>
+        <p:nvSpPr>
+          <p:cNvPr id="4" name="Slide Number Placeholder 3"/>
+          <p:cNvSpPr>
+            <a:spLocks noGrp="1"/>
+          </p:cNvSpPr>
+          <p:nvPr>
+            <p:ph type="sldNum" sz="quarter" idx="5"/>
+          </p:nvPr>
+        </p:nvSpPr>
+        <p:spPr/>
+        <p:txBody>
+          <a:bodyPr/>
+          <a:lstStyle/>
+          <a:p>
+            <a:fld id="{C37D7554-D10C-4E29-B8E6-BB7111FA614F}" type="slidenum">
+              <a:rPr lang="en-US" smtClean="0"/>
+              <a:t>27</a:t>
+            </a:fld>
+            <a:endParaRPr lang="en-US" dirty="0"/>
+          </a:p>
+        </p:txBody>
+      </p:sp>
+    </p:spTree>
+    <p:extLst>
+      <p:ext uri="{BB962C8B-B14F-4D97-AF65-F5344CB8AC3E}">
+        <p14:creationId xmlns:p14="http://schemas.microsoft.com/office/powerpoint/2010/main" val="4042850870"/>
+      </p:ext>
+    </p:extLst>
+  </p:cSld>
+  <p:clrMapOvr>
+    <a:masterClrMapping/>
+  </p:clrMapOvr>
+</p:notes>
+</file>
+
+<file path=ppt/notesSlides/notesSlide27.xml><?xml version="1.0" encoding="utf-8"?>
+<p:notes xmlns:a="http://schemas.openxmlformats.org/drawingml/2006/main" xmlns:r="http://schemas.openxmlformats.org/officeDocument/2006/relationships" xmlns:p="http://schemas.openxmlformats.org/presentationml/2006/main">
+  <p:cSld>
+    <p:spTree>
+      <p:nvGrpSpPr>
+        <p:cNvPr id="1" name=""/>
+        <p:cNvGrpSpPr/>
+        <p:nvPr/>
+      </p:nvGrpSpPr>
+      <p:grpSpPr>
+        <a:xfrm>
+          <a:off x="0" y="0"/>
+          <a:ext cx="0" cy="0"/>
+          <a:chOff x="0" y="0"/>
+          <a:chExt cx="0" cy="0"/>
+        </a:xfrm>
+      </p:grpSpPr>
+      <p:sp>
+        <p:nvSpPr>
+          <p:cNvPr id="2" name="Slide Image Placeholder 1"/>
+          <p:cNvSpPr>
+            <a:spLocks noGrp="1" noRot="1" noChangeAspect="1"/>
+          </p:cNvSpPr>
+          <p:nvPr>
+            <p:ph type="sldImg"/>
+          </p:nvPr>
+        </p:nvSpPr>
+        <p:spPr/>
+      </p:sp>
+      <p:sp>
+        <p:nvSpPr>
+          <p:cNvPr id="3" name="Notes Placeholder 2"/>
+          <p:cNvSpPr>
+            <a:spLocks noGrp="1"/>
+          </p:cNvSpPr>
+          <p:nvPr>
+            <p:ph type="body" idx="1"/>
+          </p:nvPr>
+        </p:nvSpPr>
+        <p:spPr/>
+        <p:txBody>
+          <a:bodyPr/>
+          <a:lstStyle/>
+          <a:p>
+            <a:endParaRPr lang="pt-PT" dirty="0"/>
+          </a:p>
+        </p:txBody>
+      </p:sp>
+      <p:sp>
+        <p:nvSpPr>
+          <p:cNvPr id="4" name="Slide Number Placeholder 3"/>
+          <p:cNvSpPr>
+            <a:spLocks noGrp="1"/>
+          </p:cNvSpPr>
+          <p:nvPr>
+            <p:ph type="sldNum" sz="quarter" idx="5"/>
+          </p:nvPr>
+        </p:nvSpPr>
+        <p:spPr/>
+        <p:txBody>
+          <a:bodyPr/>
+          <a:lstStyle/>
+          <a:p>
+            <a:fld id="{C37D7554-D10C-4E29-B8E6-BB7111FA614F}" type="slidenum">
+              <a:rPr lang="en-US" smtClean="0"/>
+              <a:t>28</a:t>
+            </a:fld>
+            <a:endParaRPr lang="en-US" dirty="0"/>
+          </a:p>
+        </p:txBody>
+      </p:sp>
+    </p:spTree>
+    <p:extLst>
+      <p:ext uri="{BB962C8B-B14F-4D97-AF65-F5344CB8AC3E}">
+        <p14:creationId xmlns:p14="http://schemas.microsoft.com/office/powerpoint/2010/main" val="1791866160"/>
+      </p:ext>
+    </p:extLst>
+  </p:cSld>
+  <p:clrMapOvr>
+    <a:masterClrMapping/>
+  </p:clrMapOvr>
+</p:notes>
+</file>
+
+<file path=ppt/notesSlides/notesSlide28.xml><?xml version="1.0" encoding="utf-8"?>
+<p:notes xmlns:a="http://schemas.openxmlformats.org/drawingml/2006/main" xmlns:r="http://schemas.openxmlformats.org/officeDocument/2006/relationships" xmlns:p="http://schemas.openxmlformats.org/presentationml/2006/main">
+  <p:cSld>
+    <p:spTree>
+      <p:nvGrpSpPr>
+        <p:cNvPr id="1" name=""/>
+        <p:cNvGrpSpPr/>
+        <p:nvPr/>
+      </p:nvGrpSpPr>
+      <p:grpSpPr>
+        <a:xfrm>
+          <a:off x="0" y="0"/>
+          <a:ext cx="0" cy="0"/>
+          <a:chOff x="0" y="0"/>
+          <a:chExt cx="0" cy="0"/>
+        </a:xfrm>
+      </p:grpSpPr>
+      <p:sp>
+        <p:nvSpPr>
+          <p:cNvPr id="2" name="Slide Image Placeholder 1"/>
+          <p:cNvSpPr>
+            <a:spLocks noGrp="1" noRot="1" noChangeAspect="1"/>
+          </p:cNvSpPr>
+          <p:nvPr>
+            <p:ph type="sldImg"/>
+          </p:nvPr>
+        </p:nvSpPr>
+        <p:spPr/>
+      </p:sp>
+      <p:sp>
+        <p:nvSpPr>
+          <p:cNvPr id="3" name="Notes Placeholder 2"/>
+          <p:cNvSpPr>
+            <a:spLocks noGrp="1"/>
+          </p:cNvSpPr>
+          <p:nvPr>
+            <p:ph type="body" idx="1"/>
+          </p:nvPr>
+        </p:nvSpPr>
+        <p:spPr/>
+        <p:txBody>
+          <a:bodyPr/>
+          <a:lstStyle/>
+          <a:p>
+            <a:endParaRPr lang="pt-PT" dirty="0"/>
+          </a:p>
+        </p:txBody>
+      </p:sp>
+      <p:sp>
+        <p:nvSpPr>
+          <p:cNvPr id="4" name="Slide Number Placeholder 3"/>
+          <p:cNvSpPr>
+            <a:spLocks noGrp="1"/>
+          </p:cNvSpPr>
+          <p:nvPr>
+            <p:ph type="sldNum" sz="quarter" idx="5"/>
+          </p:nvPr>
+        </p:nvSpPr>
+        <p:spPr/>
+        <p:txBody>
+          <a:bodyPr/>
+          <a:lstStyle/>
+          <a:p>
+            <a:fld id="{C37D7554-D10C-4E29-B8E6-BB7111FA614F}" type="slidenum">
+              <a:rPr lang="en-US" smtClean="0"/>
+              <a:t>29</a:t>
+            </a:fld>
+            <a:endParaRPr lang="en-US" dirty="0"/>
+          </a:p>
+        </p:txBody>
+      </p:sp>
+    </p:spTree>
+    <p:extLst>
+      <p:ext uri="{BB962C8B-B14F-4D97-AF65-F5344CB8AC3E}">
+        <p14:creationId xmlns:p14="http://schemas.microsoft.com/office/powerpoint/2010/main" val="4039535867"/>
+      </p:ext>
+    </p:extLst>
+  </p:cSld>
+  <p:clrMapOvr>
+    <a:masterClrMapping/>
+  </p:clrMapOvr>
+</p:notes>
+</file>
+
+<file path=ppt/notesSlides/notesSlide29.xml><?xml version="1.0" encoding="utf-8"?>
+<p:notes xmlns:a="http://schemas.openxmlformats.org/drawingml/2006/main" xmlns:r="http://schemas.openxmlformats.org/officeDocument/2006/relationships" xmlns:p="http://schemas.openxmlformats.org/presentationml/2006/main">
+  <p:cSld>
+    <p:spTree>
+      <p:nvGrpSpPr>
+        <p:cNvPr id="1" name=""/>
+        <p:cNvGrpSpPr/>
+        <p:nvPr/>
+      </p:nvGrpSpPr>
+      <p:grpSpPr>
+        <a:xfrm>
+          <a:off x="0" y="0"/>
+          <a:ext cx="0" cy="0"/>
+          <a:chOff x="0" y="0"/>
+          <a:chExt cx="0" cy="0"/>
+        </a:xfrm>
+      </p:grpSpPr>
+      <p:sp>
+        <p:nvSpPr>
+          <p:cNvPr id="2" name="Slide Image Placeholder 1"/>
+          <p:cNvSpPr>
+            <a:spLocks noGrp="1" noRot="1" noChangeAspect="1"/>
+          </p:cNvSpPr>
+          <p:nvPr>
+            <p:ph type="sldImg"/>
+          </p:nvPr>
+        </p:nvSpPr>
+        <p:spPr/>
+      </p:sp>
+      <p:sp>
+        <p:nvSpPr>
+          <p:cNvPr id="3" name="Notes Placeholder 2"/>
+          <p:cNvSpPr>
+            <a:spLocks noGrp="1"/>
+          </p:cNvSpPr>
+          <p:nvPr>
+            <p:ph type="body" idx="1"/>
+          </p:nvPr>
+        </p:nvSpPr>
+        <p:spPr/>
+        <p:txBody>
+          <a:bodyPr/>
+          <a:lstStyle/>
+          <a:p>
+            <a:endParaRPr lang="pt-PT"/>
+          </a:p>
+        </p:txBody>
+      </p:sp>
+      <p:sp>
+        <p:nvSpPr>
+          <p:cNvPr id="4" name="Slide Number Placeholder 3"/>
+          <p:cNvSpPr>
+            <a:spLocks noGrp="1"/>
+          </p:cNvSpPr>
+          <p:nvPr>
+            <p:ph type="sldNum" sz="quarter" idx="5"/>
+          </p:nvPr>
+        </p:nvSpPr>
+        <p:spPr/>
+        <p:txBody>
+          <a:bodyPr/>
+          <a:lstStyle/>
+          <a:p>
+            <a:fld id="{C37D7554-D10C-4E29-B8E6-BB7111FA614F}" type="slidenum">
+              <a:rPr lang="en-US" smtClean="0"/>
+              <a:t>30</a:t>
             </a:fld>
             <a:endParaRPr lang="en-US" dirty="0"/>
           </a:p>
@@ -14281,54 +14621,10 @@
       </p:sp>
       <p:pic>
         <p:nvPicPr>
-          <p:cNvPr id="43" name="Imagem 6">
+          <p:cNvPr id="12" name="Picture 11" descr="A black background with a black square&#10;&#10;Description automatically generated with medium confidence">
             <a:extLst>
               <a:ext uri="{FF2B5EF4-FFF2-40B4-BE49-F238E27FC236}">
-                <a16:creationId xmlns:a16="http://schemas.microsoft.com/office/drawing/2014/main" id="{85ABC111-38A1-B6DC-DBB3-2EBB817C3856}"/>
-              </a:ext>
-            </a:extLst>
-          </p:cNvPr>
-          <p:cNvPicPr>
-            <a:picLocks noChangeAspect="1"/>
-          </p:cNvPicPr>
-          <p:nvPr/>
-        </p:nvPicPr>
-        <p:blipFill rotWithShape="1">
-          <a:blip r:embed="rId3" cstate="print">
-            <a:extLst>
-              <a:ext uri="{28A0092B-C50C-407E-A947-70E740481C1C}">
-                <a14:useLocalDpi xmlns:a14="http://schemas.microsoft.com/office/drawing/2010/main" val="0"/>
-              </a:ext>
-            </a:extLst>
-          </a:blip>
-          <a:srcRect l="4906"/>
-          <a:stretch/>
-        </p:blipFill>
-        <p:spPr bwMode="auto">
-          <a:xfrm>
-            <a:off x="2308691" y="819053"/>
-            <a:ext cx="3002945" cy="5356669"/>
-          </a:xfrm>
-          <a:prstGeom prst="rect">
-            <a:avLst/>
-          </a:prstGeom>
-          <a:noFill/>
-          <a:ln>
-            <a:noFill/>
-          </a:ln>
-          <a:extLst>
-            <a:ext uri="{53640926-AAD7-44D8-BBD7-CCE9431645EC}">
-              <a14:shadowObscured xmlns:a14="http://schemas.microsoft.com/office/drawing/2010/main"/>
-            </a:ext>
-          </a:extLst>
-        </p:spPr>
-      </p:pic>
-      <p:pic>
-        <p:nvPicPr>
-          <p:cNvPr id="44" name="Imagem 6">
-            <a:extLst>
-              <a:ext uri="{FF2B5EF4-FFF2-40B4-BE49-F238E27FC236}">
-                <a16:creationId xmlns:a16="http://schemas.microsoft.com/office/drawing/2014/main" id="{A8F40352-B707-EB01-0132-67E39EF661C6}"/>
+                <a16:creationId xmlns:a16="http://schemas.microsoft.com/office/drawing/2014/main" id="{8CB1D191-3CFF-0E6E-F09C-43F3BABB3AB3}"/>
               </a:ext>
             </a:extLst>
           </p:cNvPr>
@@ -14338,7 +14634,8 @@
           <p:nvPr/>
         </p:nvPicPr>
         <p:blipFill>
-          <a:blip r:embed="rId4" cstate="print">
+          <a:blip r:embed="rId3">
+            <a:alphaModFix amt="70000"/>
             <a:extLst>
               <a:ext uri="{28A0092B-C50C-407E-A947-70E740481C1C}">
                 <a14:useLocalDpi xmlns:a14="http://schemas.microsoft.com/office/drawing/2010/main" val="0"/>
@@ -14349,26 +14646,87 @@
             <a:fillRect/>
           </a:stretch>
         </p:blipFill>
-        <p:spPr bwMode="auto">
+        <p:spPr>
           <a:xfrm>
-            <a:off x="7712056" y="819053"/>
-            <a:ext cx="2655532" cy="5251784"/>
+            <a:off x="10582445" y="5985436"/>
+            <a:ext cx="1441915" cy="568239"/>
           </a:xfrm>
           <a:prstGeom prst="rect">
             <a:avLst/>
           </a:prstGeom>
-          <a:noFill/>
-          <a:ln>
-            <a:noFill/>
-          </a:ln>
         </p:spPr>
       </p:pic>
       <p:sp>
         <p:nvSpPr>
-          <p:cNvPr id="10" name="Footer Placeholder 4">
+          <p:cNvPr id="15" name="Title 1">
             <a:extLst>
               <a:ext uri="{FF2B5EF4-FFF2-40B4-BE49-F238E27FC236}">
-                <a16:creationId xmlns:a16="http://schemas.microsoft.com/office/drawing/2014/main" id="{36E41B72-D302-13CB-8C35-9DE4648CD66E}"/>
+                <a16:creationId xmlns:a16="http://schemas.microsoft.com/office/drawing/2014/main" id="{B2287D40-DAD8-09B6-343F-3574AB7E8A8C}"/>
+              </a:ext>
+            </a:extLst>
+          </p:cNvPr>
+          <p:cNvSpPr>
+            <a:spLocks noGrp="1"/>
+          </p:cNvSpPr>
+          <p:nvPr>
+            <p:ph type="title"/>
+          </p:nvPr>
+        </p:nvSpPr>
+        <p:spPr>
+          <a:xfrm>
+            <a:off x="1520662" y="252034"/>
+            <a:ext cx="9753890" cy="409176"/>
+          </a:xfrm>
+        </p:spPr>
+        <p:txBody>
+          <a:bodyPr>
+            <a:normAutofit fontScale="90000"/>
+          </a:bodyPr>
+          <a:lstStyle/>
+          <a:p>
+            <a:r>
+              <a:rPr lang="pt-PT" i="1" dirty="0"/>
+              <a:t>Primeira Abordagem - Processamento de dados</a:t>
+            </a:r>
+          </a:p>
+        </p:txBody>
+      </p:sp>
+      <p:pic>
+        <p:nvPicPr>
+          <p:cNvPr id="8" name="Picture 7" descr="A diagram of a system&#10;&#10;Description automatically generated">
+            <a:extLst>
+              <a:ext uri="{FF2B5EF4-FFF2-40B4-BE49-F238E27FC236}">
+                <a16:creationId xmlns:a16="http://schemas.microsoft.com/office/drawing/2014/main" id="{6414C40F-4196-79E9-E8AF-C7F323FB4E1D}"/>
+              </a:ext>
+            </a:extLst>
+          </p:cNvPr>
+          <p:cNvPicPr>
+            <a:picLocks noChangeAspect="1"/>
+          </p:cNvPicPr>
+          <p:nvPr/>
+        </p:nvPicPr>
+        <p:blipFill>
+          <a:blip r:embed="rId4"/>
+          <a:stretch>
+            <a:fillRect/>
+          </a:stretch>
+        </p:blipFill>
+        <p:spPr>
+          <a:xfrm>
+            <a:off x="3252717" y="729001"/>
+            <a:ext cx="5686565" cy="5168352"/>
+          </a:xfrm>
+          <a:prstGeom prst="rect">
+            <a:avLst/>
+          </a:prstGeom>
+        </p:spPr>
+      </p:pic>
+      <p:sp>
+        <p:nvSpPr>
+          <p:cNvPr id="9" name="Footer Placeholder 4">
+            <a:extLst>
+              <a:ext uri="{FF2B5EF4-FFF2-40B4-BE49-F238E27FC236}">
+                <a16:creationId xmlns:a16="http://schemas.microsoft.com/office/drawing/2014/main" id="{4EB659DD-8328-3AC8-6A2D-FE6D20F0577C}"/>
               </a:ext>
             </a:extLst>
           </p:cNvPr>
@@ -14509,204 +14867,6 @@
           </a:p>
         </p:txBody>
       </p:sp>
-      <p:pic>
-        <p:nvPicPr>
-          <p:cNvPr id="12" name="Picture 11" descr="A black background with a black square&#10;&#10;Description automatically generated with medium confidence">
-            <a:extLst>
-              <a:ext uri="{FF2B5EF4-FFF2-40B4-BE49-F238E27FC236}">
-                <a16:creationId xmlns:a16="http://schemas.microsoft.com/office/drawing/2014/main" id="{8CB1D191-3CFF-0E6E-F09C-43F3BABB3AB3}"/>
-              </a:ext>
-            </a:extLst>
-          </p:cNvPr>
-          <p:cNvPicPr>
-            <a:picLocks noChangeAspect="1"/>
-          </p:cNvPicPr>
-          <p:nvPr/>
-        </p:nvPicPr>
-        <p:blipFill>
-          <a:blip r:embed="rId5">
-            <a:alphaModFix amt="70000"/>
-            <a:extLst>
-              <a:ext uri="{28A0092B-C50C-407E-A947-70E740481C1C}">
-                <a14:useLocalDpi xmlns:a14="http://schemas.microsoft.com/office/drawing/2010/main" val="0"/>
-              </a:ext>
-            </a:extLst>
-          </a:blip>
-          <a:stretch>
-            <a:fillRect/>
-          </a:stretch>
-        </p:blipFill>
-        <p:spPr>
-          <a:xfrm>
-            <a:off x="10582445" y="5985436"/>
-            <a:ext cx="1441915" cy="568239"/>
-          </a:xfrm>
-          <a:prstGeom prst="rect">
-            <a:avLst/>
-          </a:prstGeom>
-        </p:spPr>
-      </p:pic>
-      <p:sp>
-        <p:nvSpPr>
-          <p:cNvPr id="15" name="Title 1">
-            <a:extLst>
-              <a:ext uri="{FF2B5EF4-FFF2-40B4-BE49-F238E27FC236}">
-                <a16:creationId xmlns:a16="http://schemas.microsoft.com/office/drawing/2014/main" id="{B2287D40-DAD8-09B6-343F-3574AB7E8A8C}"/>
-              </a:ext>
-            </a:extLst>
-          </p:cNvPr>
-          <p:cNvSpPr>
-            <a:spLocks noGrp="1"/>
-          </p:cNvSpPr>
-          <p:nvPr>
-            <p:ph type="title"/>
-          </p:nvPr>
-        </p:nvSpPr>
-        <p:spPr>
-          <a:xfrm>
-            <a:off x="1520662" y="252034"/>
-            <a:ext cx="9753890" cy="409176"/>
-          </a:xfrm>
-        </p:spPr>
-        <p:txBody>
-          <a:bodyPr>
-            <a:normAutofit fontScale="90000"/>
-          </a:bodyPr>
-          <a:lstStyle/>
-          <a:p>
-            <a:r>
-              <a:rPr lang="pt-PT" i="1" dirty="0"/>
-              <a:t>Primeira Abordagem - Processamento de dados</a:t>
-            </a:r>
-          </a:p>
-        </p:txBody>
-      </p:sp>
-      <p:sp>
-        <p:nvSpPr>
-          <p:cNvPr id="5" name="TextBox 4">
-            <a:extLst>
-              <a:ext uri="{FF2B5EF4-FFF2-40B4-BE49-F238E27FC236}">
-                <a16:creationId xmlns:a16="http://schemas.microsoft.com/office/drawing/2014/main" id="{3EBEAC88-92BD-E2D8-A84B-4CFFE207C46A}"/>
-              </a:ext>
-            </a:extLst>
-          </p:cNvPr>
-          <p:cNvSpPr txBox="1"/>
-          <p:nvPr/>
-        </p:nvSpPr>
-        <p:spPr>
-          <a:xfrm rot="16200000">
-            <a:off x="-61193" y="3733922"/>
-            <a:ext cx="3351441" cy="419025"/>
-          </a:xfrm>
-          <a:prstGeom prst="rect">
-            <a:avLst/>
-          </a:prstGeom>
-          <a:noFill/>
-        </p:spPr>
-        <p:txBody>
-          <a:bodyPr wrap="square">
-            <a:spAutoFit/>
-          </a:bodyPr>
-          <a:lstStyle/>
-          <a:p>
-            <a:pPr lvl="0">
-              <a:lnSpc>
-                <a:spcPct val="150000"/>
-              </a:lnSpc>
-              <a:spcAft>
-                <a:spcPts val="1000"/>
-              </a:spcAft>
-            </a:pPr>
-            <a:r>
-              <a:rPr lang="pt-PT" sz="1600" dirty="0">
-                <a:ea typeface="Calibri" panose="020F0502020204030204" pitchFamily="34" charset="0"/>
-                <a:cs typeface="Arial" panose="020B0604020202020204" pitchFamily="34" charset="0"/>
-              </a:rPr>
-              <a:t>S</a:t>
-            </a:r>
-            <a:r>
-              <a:rPr lang="pt-PT" sz="1600" dirty="0">
-                <a:effectLst/>
-                <a:ea typeface="Calibri" panose="020F0502020204030204" pitchFamily="34" charset="0"/>
-                <a:cs typeface="Arial" panose="020B0604020202020204" pitchFamily="34" charset="0"/>
-              </a:rPr>
-              <a:t>ubcapítulo </a:t>
-            </a:r>
-            <a:r>
-              <a:rPr lang="pt-PT" sz="1600" dirty="0"/>
-              <a:t>Tratamento dos Dados</a:t>
-            </a:r>
-            <a:endParaRPr lang="en-US" sz="1600" dirty="0">
-              <a:effectLst/>
-              <a:ea typeface="Calibri" panose="020F0502020204030204" pitchFamily="34" charset="0"/>
-              <a:cs typeface="Arial" panose="020B0604020202020204" pitchFamily="34" charset="0"/>
-            </a:endParaRPr>
-          </a:p>
-        </p:txBody>
-      </p:sp>
-      <p:sp>
-        <p:nvSpPr>
-          <p:cNvPr id="6" name="TextBox 5">
-            <a:extLst>
-              <a:ext uri="{FF2B5EF4-FFF2-40B4-BE49-F238E27FC236}">
-                <a16:creationId xmlns:a16="http://schemas.microsoft.com/office/drawing/2014/main" id="{2BBFBF38-2223-AD31-B5F3-B8C6D906C9D4}"/>
-              </a:ext>
-            </a:extLst>
-          </p:cNvPr>
-          <p:cNvSpPr txBox="1"/>
-          <p:nvPr/>
-        </p:nvSpPr>
-        <p:spPr>
-          <a:xfrm rot="5400000">
-            <a:off x="9447727" y="3582819"/>
-            <a:ext cx="3653649" cy="419025"/>
-          </a:xfrm>
-          <a:prstGeom prst="rect">
-            <a:avLst/>
-          </a:prstGeom>
-          <a:noFill/>
-        </p:spPr>
-        <p:txBody>
-          <a:bodyPr wrap="square">
-            <a:spAutoFit/>
-          </a:bodyPr>
-          <a:lstStyle/>
-          <a:p>
-            <a:pPr lvl="0">
-              <a:lnSpc>
-                <a:spcPct val="150000"/>
-              </a:lnSpc>
-              <a:spcAft>
-                <a:spcPts val="1000"/>
-              </a:spcAft>
-            </a:pPr>
-            <a:r>
-              <a:rPr lang="pt-PT" sz="1600" dirty="0">
-                <a:ea typeface="Calibri" panose="020F0502020204030204" pitchFamily="34" charset="0"/>
-                <a:cs typeface="Arial" panose="020B0604020202020204" pitchFamily="34" charset="0"/>
-              </a:rPr>
-              <a:t>S</a:t>
-            </a:r>
-            <a:r>
-              <a:rPr lang="pt-PT" sz="1600" dirty="0">
-                <a:effectLst/>
-                <a:ea typeface="Calibri" panose="020F0502020204030204" pitchFamily="34" charset="0"/>
-                <a:cs typeface="Arial" panose="020B0604020202020204" pitchFamily="34" charset="0"/>
-              </a:rPr>
-              <a:t>ubcapítulo </a:t>
-            </a:r>
-            <a:r>
-              <a:rPr lang="pt-PT" sz="1600" dirty="0"/>
-              <a:t>Classificação dos Dados</a:t>
-            </a:r>
-            <a:endParaRPr lang="en-US" sz="1600" dirty="0">
-              <a:effectLst/>
-              <a:ea typeface="Calibri" panose="020F0502020204030204" pitchFamily="34" charset="0"/>
-              <a:cs typeface="Arial" panose="020B0604020202020204" pitchFamily="34" charset="0"/>
-            </a:endParaRPr>
-          </a:p>
-        </p:txBody>
-      </p:sp>
     </p:spTree>
     <p:extLst>
       <p:ext uri="{BB962C8B-B14F-4D97-AF65-F5344CB8AC3E}">
@@ -14717,112 +14877,6 @@
   <p:clrMapOvr>
     <a:masterClrMapping/>
   </p:clrMapOvr>
-  <p:timing>
-    <p:tnLst>
-      <p:par>
-        <p:cTn id="1" dur="indefinite" restart="never" nodeType="tmRoot">
-          <p:childTnLst>
-            <p:seq concurrent="1" nextAc="seek">
-              <p:cTn id="2" dur="indefinite" nodeType="mainSeq">
-                <p:childTnLst>
-                  <p:par>
-                    <p:cTn id="3" fill="hold">
-                      <p:stCondLst>
-                        <p:cond delay="indefinite"/>
-                      </p:stCondLst>
-                      <p:childTnLst>
-                        <p:par>
-                          <p:cTn id="4" fill="hold">
-                            <p:stCondLst>
-                              <p:cond delay="0"/>
-                            </p:stCondLst>
-                            <p:childTnLst>
-                              <p:par>
-                                <p:cTn id="5" presetID="1" presetClass="entr" presetSubtype="0" fill="hold" nodeType="clickEffect">
-                                  <p:stCondLst>
-                                    <p:cond delay="0"/>
-                                  </p:stCondLst>
-                                  <p:childTnLst>
-                                    <p:set>
-                                      <p:cBhvr>
-                                        <p:cTn id="6" dur="1" fill="hold">
-                                          <p:stCondLst>
-                                            <p:cond delay="0"/>
-                                          </p:stCondLst>
-                                        </p:cTn>
-                                        <p:tgtEl>
-                                          <p:spTgt spid="44"/>
-                                        </p:tgtEl>
-                                        <p:attrNameLst>
-                                          <p:attrName>style.visibility</p:attrName>
-                                        </p:attrNameLst>
-                                      </p:cBhvr>
-                                      <p:to>
-                                        <p:strVal val="visible"/>
-                                      </p:to>
-                                    </p:set>
-                                  </p:childTnLst>
-                                </p:cTn>
-                              </p:par>
-                              <p:par>
-                                <p:cTn id="7" presetID="1" presetClass="entr" presetSubtype="0" fill="hold" nodeType="withEffect">
-                                  <p:stCondLst>
-                                    <p:cond delay="0"/>
-                                  </p:stCondLst>
-                                  <p:childTnLst>
-                                    <p:set>
-                                      <p:cBhvr>
-                                        <p:cTn id="8" dur="1" fill="hold">
-                                          <p:stCondLst>
-                                            <p:cond delay="0"/>
-                                          </p:stCondLst>
-                                        </p:cTn>
-                                        <p:tgtEl>
-                                          <p:spTgt spid="6">
-                                            <p:txEl>
-                                              <p:pRg st="0" end="0"/>
-                                            </p:txEl>
-                                          </p:spTgt>
-                                        </p:tgtEl>
-                                        <p:attrNameLst>
-                                          <p:attrName>style.visibility</p:attrName>
-                                        </p:attrNameLst>
-                                      </p:cBhvr>
-                                      <p:to>
-                                        <p:strVal val="visible"/>
-                                      </p:to>
-                                    </p:set>
-                                  </p:childTnLst>
-                                </p:cTn>
-                              </p:par>
-                            </p:childTnLst>
-                          </p:cTn>
-                        </p:par>
-                      </p:childTnLst>
-                    </p:cTn>
-                  </p:par>
-                </p:childTnLst>
-              </p:cTn>
-              <p:prevCondLst>
-                <p:cond evt="onPrev" delay="0">
-                  <p:tgtEl>
-                    <p:sldTgt/>
-                  </p:tgtEl>
-                </p:cond>
-              </p:prevCondLst>
-              <p:nextCondLst>
-                <p:cond evt="onNext" delay="0">
-                  <p:tgtEl>
-                    <p:sldTgt/>
-                  </p:tgtEl>
-                </p:cond>
-              </p:nextCondLst>
-            </p:seq>
-          </p:childTnLst>
-        </p:cTn>
-      </p:par>
-    </p:tnLst>
-  </p:timing>
 </p:sld>
 </file>
 
@@ -14855,10 +14909,355 @@
       </p:grpSpPr>
       <p:sp>
         <p:nvSpPr>
-          <p:cNvPr id="2" name="Title 1">
+          <p:cNvPr id="4" name="Slide Number Placeholder 3">
             <a:extLst>
               <a:ext uri="{FF2B5EF4-FFF2-40B4-BE49-F238E27FC236}">
-                <a16:creationId xmlns:a16="http://schemas.microsoft.com/office/drawing/2014/main" id="{4662EDDE-6B1A-D0AC-F9F2-C67719C36532}"/>
+                <a16:creationId xmlns:a16="http://schemas.microsoft.com/office/drawing/2014/main" id="{527C964F-E2D5-D8E7-C513-C47A7E409DF3}"/>
+              </a:ext>
+            </a:extLst>
+          </p:cNvPr>
+          <p:cNvSpPr>
+            <a:spLocks noGrp="1"/>
+          </p:cNvSpPr>
+          <p:nvPr>
+            <p:ph type="sldNum" sz="quarter" idx="15"/>
+          </p:nvPr>
+        </p:nvSpPr>
+        <p:spPr/>
+        <p:txBody>
+          <a:bodyPr/>
+          <a:lstStyle/>
+          <a:p>
+            <a:fld id="{18D65601-5AE2-46FC-B138-694DDD2B510D}" type="slidenum">
+              <a:rPr lang="en-US" sz="1800" smtClean="0"/>
+              <a:pPr/>
+              <a:t>12</a:t>
+            </a:fld>
+            <a:endParaRPr lang="en-US" dirty="0"/>
+          </a:p>
+        </p:txBody>
+      </p:sp>
+      <p:sp>
+        <p:nvSpPr>
+          <p:cNvPr id="29" name="Rectangle 28">
+            <a:extLst>
+              <a:ext uri="{FF2B5EF4-FFF2-40B4-BE49-F238E27FC236}">
+                <a16:creationId xmlns:a16="http://schemas.microsoft.com/office/drawing/2014/main" id="{0A0E7BD1-ECFE-B70B-5C97-C06F01ACA0EF}"/>
+              </a:ext>
+            </a:extLst>
+          </p:cNvPr>
+          <p:cNvSpPr/>
+          <p:nvPr/>
+        </p:nvSpPr>
+        <p:spPr>
+          <a:xfrm>
+            <a:off x="4439142" y="5254032"/>
+            <a:ext cx="1179428" cy="365124"/>
+          </a:xfrm>
+          <a:prstGeom prst="rect">
+            <a:avLst/>
+          </a:prstGeom>
+        </p:spPr>
+        <p:style>
+          <a:lnRef idx="0">
+            <a:schemeClr val="dk1">
+              <a:alpha val="0"/>
+              <a:hueOff val="0"/>
+              <a:satOff val="0"/>
+              <a:lumOff val="0"/>
+              <a:alphaOff val="0"/>
+            </a:schemeClr>
+          </a:lnRef>
+          <a:fillRef idx="0">
+            <a:schemeClr val="lt1">
+              <a:alpha val="0"/>
+              <a:hueOff val="0"/>
+              <a:satOff val="0"/>
+              <a:lumOff val="0"/>
+              <a:alphaOff val="0"/>
+            </a:schemeClr>
+          </a:fillRef>
+          <a:effectRef idx="0">
+            <a:schemeClr val="lt1">
+              <a:alpha val="0"/>
+              <a:hueOff val="0"/>
+              <a:satOff val="0"/>
+              <a:lumOff val="0"/>
+              <a:alphaOff val="0"/>
+            </a:schemeClr>
+          </a:effectRef>
+          <a:fontRef idx="minor">
+            <a:schemeClr val="tx1">
+              <a:hueOff val="0"/>
+              <a:satOff val="0"/>
+              <a:lumOff val="0"/>
+              <a:alphaOff val="0"/>
+            </a:schemeClr>
+          </a:fontRef>
+        </p:style>
+        <p:txBody>
+          <a:bodyPr/>
+          <a:lstStyle/>
+          <a:p>
+            <a:endParaRPr lang="pt-PT"/>
+          </a:p>
+        </p:txBody>
+      </p:sp>
+      <p:sp>
+        <p:nvSpPr>
+          <p:cNvPr id="34" name="Rectangle 33">
+            <a:extLst>
+              <a:ext uri="{FF2B5EF4-FFF2-40B4-BE49-F238E27FC236}">
+                <a16:creationId xmlns:a16="http://schemas.microsoft.com/office/drawing/2014/main" id="{C8BAA013-37F3-B3F3-A350-4A65FB1FB523}"/>
+              </a:ext>
+            </a:extLst>
+          </p:cNvPr>
+          <p:cNvSpPr/>
+          <p:nvPr/>
+        </p:nvSpPr>
+        <p:spPr>
+          <a:xfrm>
+            <a:off x="6323727" y="5336627"/>
+            <a:ext cx="1749678" cy="409175"/>
+          </a:xfrm>
+          <a:prstGeom prst="rect">
+            <a:avLst/>
+          </a:prstGeom>
+        </p:spPr>
+        <p:style>
+          <a:lnRef idx="0">
+            <a:schemeClr val="dk1">
+              <a:alpha val="0"/>
+              <a:hueOff val="0"/>
+              <a:satOff val="0"/>
+              <a:lumOff val="0"/>
+              <a:alphaOff val="0"/>
+            </a:schemeClr>
+          </a:lnRef>
+          <a:fillRef idx="0">
+            <a:schemeClr val="lt1">
+              <a:alpha val="0"/>
+              <a:hueOff val="0"/>
+              <a:satOff val="0"/>
+              <a:lumOff val="0"/>
+              <a:alphaOff val="0"/>
+            </a:schemeClr>
+          </a:fillRef>
+          <a:effectRef idx="0">
+            <a:schemeClr val="lt1">
+              <a:alpha val="0"/>
+              <a:hueOff val="0"/>
+              <a:satOff val="0"/>
+              <a:lumOff val="0"/>
+              <a:alphaOff val="0"/>
+            </a:schemeClr>
+          </a:effectRef>
+          <a:fontRef idx="minor">
+            <a:schemeClr val="tx1">
+              <a:hueOff val="0"/>
+              <a:satOff val="0"/>
+              <a:lumOff val="0"/>
+              <a:alphaOff val="0"/>
+            </a:schemeClr>
+          </a:fontRef>
+        </p:style>
+        <p:txBody>
+          <a:bodyPr/>
+          <a:lstStyle/>
+          <a:p>
+            <a:endParaRPr lang="pt-PT"/>
+          </a:p>
+        </p:txBody>
+      </p:sp>
+      <p:sp>
+        <p:nvSpPr>
+          <p:cNvPr id="10" name="Footer Placeholder 4">
+            <a:extLst>
+              <a:ext uri="{FF2B5EF4-FFF2-40B4-BE49-F238E27FC236}">
+                <a16:creationId xmlns:a16="http://schemas.microsoft.com/office/drawing/2014/main" id="{36E41B72-D302-13CB-8C35-9DE4648CD66E}"/>
+              </a:ext>
+            </a:extLst>
+          </p:cNvPr>
+          <p:cNvSpPr txBox="1">
+            <a:spLocks/>
+          </p:cNvSpPr>
+          <p:nvPr/>
+        </p:nvSpPr>
+        <p:spPr>
+          <a:xfrm>
+            <a:off x="4038600" y="6333565"/>
+            <a:ext cx="4114800" cy="365125"/>
+          </a:xfrm>
+          <a:prstGeom prst="rect">
+            <a:avLst/>
+          </a:prstGeom>
+        </p:spPr>
+        <p:txBody>
+          <a:bodyPr vert="horz" lIns="91440" tIns="45720" rIns="91440" bIns="45720" rtlCol="0" anchor="ctr"/>
+          <a:lstStyle>
+            <a:defPPr>
+              <a:defRPr lang="en-US"/>
+            </a:defPPr>
+            <a:lvl1pPr marL="0" algn="ctr" defTabSz="914400" rtl="0" eaLnBrk="1" latinLnBrk="0" hangingPunct="1">
+              <a:defRPr sz="900" b="0" kern="1200" cap="all" spc="150" baseline="0">
+                <a:solidFill>
+                  <a:schemeClr val="bg2">
+                    <a:lumMod val="50000"/>
+                  </a:schemeClr>
+                </a:solidFill>
+                <a:latin typeface="Univers Light" panose="020B0403020202020204" pitchFamily="34" charset="0"/>
+                <a:ea typeface="+mn-ea"/>
+                <a:cs typeface="+mn-cs"/>
+              </a:defRPr>
+            </a:lvl1pPr>
+            <a:lvl2pPr marL="457200" algn="l" defTabSz="914400" rtl="0" eaLnBrk="1" latinLnBrk="0" hangingPunct="1">
+              <a:defRPr sz="1800" kern="1200">
+                <a:solidFill>
+                  <a:schemeClr val="tx1"/>
+                </a:solidFill>
+                <a:latin typeface="+mn-lt"/>
+                <a:ea typeface="+mn-ea"/>
+                <a:cs typeface="+mn-cs"/>
+              </a:defRPr>
+            </a:lvl2pPr>
+            <a:lvl3pPr marL="914400" algn="l" defTabSz="914400" rtl="0" eaLnBrk="1" latinLnBrk="0" hangingPunct="1">
+              <a:defRPr sz="1800" kern="1200">
+                <a:solidFill>
+                  <a:schemeClr val="tx1"/>
+                </a:solidFill>
+                <a:latin typeface="+mn-lt"/>
+                <a:ea typeface="+mn-ea"/>
+                <a:cs typeface="+mn-cs"/>
+              </a:defRPr>
+            </a:lvl3pPr>
+            <a:lvl4pPr marL="1371600" algn="l" defTabSz="914400" rtl="0" eaLnBrk="1" latinLnBrk="0" hangingPunct="1">
+              <a:defRPr sz="1800" kern="1200">
+                <a:solidFill>
+                  <a:schemeClr val="tx1"/>
+                </a:solidFill>
+                <a:latin typeface="+mn-lt"/>
+                <a:ea typeface="+mn-ea"/>
+                <a:cs typeface="+mn-cs"/>
+              </a:defRPr>
+            </a:lvl4pPr>
+            <a:lvl5pPr marL="1828800" algn="l" defTabSz="914400" rtl="0" eaLnBrk="1" latinLnBrk="0" hangingPunct="1">
+              <a:defRPr sz="1800" kern="1200">
+                <a:solidFill>
+                  <a:schemeClr val="tx1"/>
+                </a:solidFill>
+                <a:latin typeface="+mn-lt"/>
+                <a:ea typeface="+mn-ea"/>
+                <a:cs typeface="+mn-cs"/>
+              </a:defRPr>
+            </a:lvl5pPr>
+            <a:lvl6pPr marL="2286000" algn="l" defTabSz="914400" rtl="0" eaLnBrk="1" latinLnBrk="0" hangingPunct="1">
+              <a:defRPr sz="1800" kern="1200">
+                <a:solidFill>
+                  <a:schemeClr val="tx1"/>
+                </a:solidFill>
+                <a:latin typeface="+mn-lt"/>
+                <a:ea typeface="+mn-ea"/>
+                <a:cs typeface="+mn-cs"/>
+              </a:defRPr>
+            </a:lvl6pPr>
+            <a:lvl7pPr marL="2743200" algn="l" defTabSz="914400" rtl="0" eaLnBrk="1" latinLnBrk="0" hangingPunct="1">
+              <a:defRPr sz="1800" kern="1200">
+                <a:solidFill>
+                  <a:schemeClr val="tx1"/>
+                </a:solidFill>
+                <a:latin typeface="+mn-lt"/>
+                <a:ea typeface="+mn-ea"/>
+                <a:cs typeface="+mn-cs"/>
+              </a:defRPr>
+            </a:lvl7pPr>
+            <a:lvl8pPr marL="3200400" algn="l" defTabSz="914400" rtl="0" eaLnBrk="1" latinLnBrk="0" hangingPunct="1">
+              <a:defRPr sz="1800" kern="1200">
+                <a:solidFill>
+                  <a:schemeClr val="tx1"/>
+                </a:solidFill>
+                <a:latin typeface="+mn-lt"/>
+                <a:ea typeface="+mn-ea"/>
+                <a:cs typeface="+mn-cs"/>
+              </a:defRPr>
+            </a:lvl8pPr>
+            <a:lvl9pPr marL="3657600" algn="l" defTabSz="914400" rtl="0" eaLnBrk="1" latinLnBrk="0" hangingPunct="1">
+              <a:defRPr sz="1800" kern="1200">
+                <a:solidFill>
+                  <a:schemeClr val="tx1"/>
+                </a:solidFill>
+                <a:latin typeface="+mn-lt"/>
+                <a:ea typeface="+mn-ea"/>
+                <a:cs typeface="+mn-cs"/>
+              </a:defRPr>
+            </a:lvl9pPr>
+          </a:lstStyle>
+          <a:p>
+            <a:pPr>
+              <a:lnSpc>
+                <a:spcPct val="150000"/>
+              </a:lnSpc>
+            </a:pPr>
+            <a:r>
+              <a:rPr lang="pt-PT" sz="800" dirty="0"/>
+              <a:t>Ai driving classification</a:t>
+            </a:r>
+          </a:p>
+          <a:p>
+            <a:pPr>
+              <a:lnSpc>
+                <a:spcPct val="150000"/>
+              </a:lnSpc>
+            </a:pPr>
+            <a:r>
+              <a:rPr lang="pt-PT" sz="800" dirty="0"/>
+              <a:t>Alberto pingo | joão castro</a:t>
+            </a:r>
+          </a:p>
+        </p:txBody>
+      </p:sp>
+      <p:pic>
+        <p:nvPicPr>
+          <p:cNvPr id="12" name="Picture 11" descr="A black background with a black square&#10;&#10;Description automatically generated with medium confidence">
+            <a:extLst>
+              <a:ext uri="{FF2B5EF4-FFF2-40B4-BE49-F238E27FC236}">
+                <a16:creationId xmlns:a16="http://schemas.microsoft.com/office/drawing/2014/main" id="{8CB1D191-3CFF-0E6E-F09C-43F3BABB3AB3}"/>
+              </a:ext>
+            </a:extLst>
+          </p:cNvPr>
+          <p:cNvPicPr>
+            <a:picLocks noChangeAspect="1"/>
+          </p:cNvPicPr>
+          <p:nvPr/>
+        </p:nvPicPr>
+        <p:blipFill>
+          <a:blip r:embed="rId3">
+            <a:alphaModFix amt="70000"/>
+            <a:extLst>
+              <a:ext uri="{28A0092B-C50C-407E-A947-70E740481C1C}">
+                <a14:useLocalDpi xmlns:a14="http://schemas.microsoft.com/office/drawing/2010/main" val="0"/>
+              </a:ext>
+            </a:extLst>
+          </a:blip>
+          <a:stretch>
+            <a:fillRect/>
+          </a:stretch>
+        </p:blipFill>
+        <p:spPr>
+          <a:xfrm>
+            <a:off x="10582445" y="5985436"/>
+            <a:ext cx="1441915" cy="568239"/>
+          </a:xfrm>
+          <a:prstGeom prst="rect">
+            <a:avLst/>
+          </a:prstGeom>
+        </p:spPr>
+      </p:pic>
+      <p:sp>
+        <p:nvSpPr>
+          <p:cNvPr id="15" name="Title 1">
+            <a:extLst>
+              <a:ext uri="{FF2B5EF4-FFF2-40B4-BE49-F238E27FC236}">
+                <a16:creationId xmlns:a16="http://schemas.microsoft.com/office/drawing/2014/main" id="{B2287D40-DAD8-09B6-343F-3574AB7E8A8C}"/>
               </a:ext>
             </a:extLst>
           </p:cNvPr>
@@ -14883,11 +15282,81 @@
           <a:p>
             <a:r>
               <a:rPr lang="pt-PT" i="1" dirty="0"/>
-              <a:t>Segunda Abordagem - Modelos</a:t>
+              <a:t>Primeira Abordagem - Processamento de dados</a:t>
             </a:r>
           </a:p>
         </p:txBody>
       </p:sp>
+      <p:pic>
+        <p:nvPicPr>
+          <p:cNvPr id="3" name="Picture 2" descr="A diagram of a positive and negative values&#10;&#10;Description automatically generated">
+            <a:extLst>
+              <a:ext uri="{FF2B5EF4-FFF2-40B4-BE49-F238E27FC236}">
+                <a16:creationId xmlns:a16="http://schemas.microsoft.com/office/drawing/2014/main" id="{E90D7E33-3051-40D3-AE22-BAF591886019}"/>
+              </a:ext>
+            </a:extLst>
+          </p:cNvPr>
+          <p:cNvPicPr>
+            <a:picLocks noChangeAspect="1"/>
+          </p:cNvPicPr>
+          <p:nvPr/>
+        </p:nvPicPr>
+        <p:blipFill>
+          <a:blip r:embed="rId4"/>
+          <a:stretch>
+            <a:fillRect/>
+          </a:stretch>
+        </p:blipFill>
+        <p:spPr>
+          <a:xfrm>
+            <a:off x="3494529" y="1112198"/>
+            <a:ext cx="5202941" cy="5015971"/>
+          </a:xfrm>
+          <a:prstGeom prst="rect">
+            <a:avLst/>
+          </a:prstGeom>
+        </p:spPr>
+      </p:pic>
+    </p:spTree>
+    <p:extLst>
+      <p:ext uri="{BB962C8B-B14F-4D97-AF65-F5344CB8AC3E}">
+        <p14:creationId xmlns:p14="http://schemas.microsoft.com/office/powerpoint/2010/main" val="3334443544"/>
+      </p:ext>
+    </p:extLst>
+  </p:cSld>
+  <p:clrMapOvr>
+    <a:masterClrMapping/>
+  </p:clrMapOvr>
+</p:sld>
+</file>
+
+<file path=ppt/slides/slide13.xml><?xml version="1.0" encoding="utf-8"?>
+<p:sld xmlns:a="http://schemas.openxmlformats.org/drawingml/2006/main" xmlns:r="http://schemas.openxmlformats.org/officeDocument/2006/relationships" xmlns:p="http://schemas.openxmlformats.org/presentationml/2006/main">
+  <p:cSld>
+    <p:bg>
+      <p:bgPr>
+        <a:solidFill>
+          <a:schemeClr val="bg2">
+            <a:alpha val="0"/>
+          </a:schemeClr>
+        </a:solidFill>
+        <a:effectLst/>
+      </p:bgPr>
+    </p:bg>
+    <p:spTree>
+      <p:nvGrpSpPr>
+        <p:cNvPr id="1" name=""/>
+        <p:cNvGrpSpPr/>
+        <p:nvPr/>
+      </p:nvGrpSpPr>
+      <p:grpSpPr>
+        <a:xfrm>
+          <a:off x="0" y="0"/>
+          <a:ext cx="0" cy="0"/>
+          <a:chOff x="0" y="0"/>
+          <a:chExt cx="0" cy="0"/>
+        </a:xfrm>
+      </p:grpSpPr>
       <p:sp>
         <p:nvSpPr>
           <p:cNvPr id="4" name="Slide Number Placeholder 3">
@@ -14912,7 +15381,1392 @@
             <a:fld id="{18D65601-5AE2-46FC-B138-694DDD2B510D}" type="slidenum">
               <a:rPr lang="en-US" sz="1800" smtClean="0"/>
               <a:pPr/>
-              <a:t>12</a:t>
+              <a:t>13</a:t>
+            </a:fld>
+            <a:endParaRPr lang="en-US" dirty="0"/>
+          </a:p>
+        </p:txBody>
+      </p:sp>
+      <p:sp>
+        <p:nvSpPr>
+          <p:cNvPr id="29" name="Rectangle 28">
+            <a:extLst>
+              <a:ext uri="{FF2B5EF4-FFF2-40B4-BE49-F238E27FC236}">
+                <a16:creationId xmlns:a16="http://schemas.microsoft.com/office/drawing/2014/main" id="{0A0E7BD1-ECFE-B70B-5C97-C06F01ACA0EF}"/>
+              </a:ext>
+            </a:extLst>
+          </p:cNvPr>
+          <p:cNvSpPr/>
+          <p:nvPr/>
+        </p:nvSpPr>
+        <p:spPr>
+          <a:xfrm>
+            <a:off x="4439142" y="5254032"/>
+            <a:ext cx="1179428" cy="365124"/>
+          </a:xfrm>
+          <a:prstGeom prst="rect">
+            <a:avLst/>
+          </a:prstGeom>
+        </p:spPr>
+        <p:style>
+          <a:lnRef idx="0">
+            <a:schemeClr val="dk1">
+              <a:alpha val="0"/>
+              <a:hueOff val="0"/>
+              <a:satOff val="0"/>
+              <a:lumOff val="0"/>
+              <a:alphaOff val="0"/>
+            </a:schemeClr>
+          </a:lnRef>
+          <a:fillRef idx="0">
+            <a:schemeClr val="lt1">
+              <a:alpha val="0"/>
+              <a:hueOff val="0"/>
+              <a:satOff val="0"/>
+              <a:lumOff val="0"/>
+              <a:alphaOff val="0"/>
+            </a:schemeClr>
+          </a:fillRef>
+          <a:effectRef idx="0">
+            <a:schemeClr val="lt1">
+              <a:alpha val="0"/>
+              <a:hueOff val="0"/>
+              <a:satOff val="0"/>
+              <a:lumOff val="0"/>
+              <a:alphaOff val="0"/>
+            </a:schemeClr>
+          </a:effectRef>
+          <a:fontRef idx="minor">
+            <a:schemeClr val="tx1">
+              <a:hueOff val="0"/>
+              <a:satOff val="0"/>
+              <a:lumOff val="0"/>
+              <a:alphaOff val="0"/>
+            </a:schemeClr>
+          </a:fontRef>
+        </p:style>
+        <p:txBody>
+          <a:bodyPr/>
+          <a:lstStyle/>
+          <a:p>
+            <a:endParaRPr lang="pt-PT"/>
+          </a:p>
+        </p:txBody>
+      </p:sp>
+      <p:sp>
+        <p:nvSpPr>
+          <p:cNvPr id="34" name="Rectangle 33">
+            <a:extLst>
+              <a:ext uri="{FF2B5EF4-FFF2-40B4-BE49-F238E27FC236}">
+                <a16:creationId xmlns:a16="http://schemas.microsoft.com/office/drawing/2014/main" id="{C8BAA013-37F3-B3F3-A350-4A65FB1FB523}"/>
+              </a:ext>
+            </a:extLst>
+          </p:cNvPr>
+          <p:cNvSpPr/>
+          <p:nvPr/>
+        </p:nvSpPr>
+        <p:spPr>
+          <a:xfrm>
+            <a:off x="6323727" y="5336627"/>
+            <a:ext cx="1749678" cy="409175"/>
+          </a:xfrm>
+          <a:prstGeom prst="rect">
+            <a:avLst/>
+          </a:prstGeom>
+        </p:spPr>
+        <p:style>
+          <a:lnRef idx="0">
+            <a:schemeClr val="dk1">
+              <a:alpha val="0"/>
+              <a:hueOff val="0"/>
+              <a:satOff val="0"/>
+              <a:lumOff val="0"/>
+              <a:alphaOff val="0"/>
+            </a:schemeClr>
+          </a:lnRef>
+          <a:fillRef idx="0">
+            <a:schemeClr val="lt1">
+              <a:alpha val="0"/>
+              <a:hueOff val="0"/>
+              <a:satOff val="0"/>
+              <a:lumOff val="0"/>
+              <a:alphaOff val="0"/>
+            </a:schemeClr>
+          </a:fillRef>
+          <a:effectRef idx="0">
+            <a:schemeClr val="lt1">
+              <a:alpha val="0"/>
+              <a:hueOff val="0"/>
+              <a:satOff val="0"/>
+              <a:lumOff val="0"/>
+              <a:alphaOff val="0"/>
+            </a:schemeClr>
+          </a:effectRef>
+          <a:fontRef idx="minor">
+            <a:schemeClr val="tx1">
+              <a:hueOff val="0"/>
+              <a:satOff val="0"/>
+              <a:lumOff val="0"/>
+              <a:alphaOff val="0"/>
+            </a:schemeClr>
+          </a:fontRef>
+        </p:style>
+        <p:txBody>
+          <a:bodyPr/>
+          <a:lstStyle/>
+          <a:p>
+            <a:endParaRPr lang="pt-PT"/>
+          </a:p>
+        </p:txBody>
+      </p:sp>
+      <p:sp>
+        <p:nvSpPr>
+          <p:cNvPr id="10" name="Footer Placeholder 4">
+            <a:extLst>
+              <a:ext uri="{FF2B5EF4-FFF2-40B4-BE49-F238E27FC236}">
+                <a16:creationId xmlns:a16="http://schemas.microsoft.com/office/drawing/2014/main" id="{36E41B72-D302-13CB-8C35-9DE4648CD66E}"/>
+              </a:ext>
+            </a:extLst>
+          </p:cNvPr>
+          <p:cNvSpPr txBox="1">
+            <a:spLocks/>
+          </p:cNvSpPr>
+          <p:nvPr/>
+        </p:nvSpPr>
+        <p:spPr>
+          <a:xfrm>
+            <a:off x="4038600" y="6333565"/>
+            <a:ext cx="4114800" cy="365125"/>
+          </a:xfrm>
+          <a:prstGeom prst="rect">
+            <a:avLst/>
+          </a:prstGeom>
+        </p:spPr>
+        <p:txBody>
+          <a:bodyPr vert="horz" lIns="91440" tIns="45720" rIns="91440" bIns="45720" rtlCol="0" anchor="ctr"/>
+          <a:lstStyle>
+            <a:defPPr>
+              <a:defRPr lang="en-US"/>
+            </a:defPPr>
+            <a:lvl1pPr marL="0" algn="ctr" defTabSz="914400" rtl="0" eaLnBrk="1" latinLnBrk="0" hangingPunct="1">
+              <a:defRPr sz="900" b="0" kern="1200" cap="all" spc="150" baseline="0">
+                <a:solidFill>
+                  <a:schemeClr val="bg2">
+                    <a:lumMod val="50000"/>
+                  </a:schemeClr>
+                </a:solidFill>
+                <a:latin typeface="Univers Light" panose="020B0403020202020204" pitchFamily="34" charset="0"/>
+                <a:ea typeface="+mn-ea"/>
+                <a:cs typeface="+mn-cs"/>
+              </a:defRPr>
+            </a:lvl1pPr>
+            <a:lvl2pPr marL="457200" algn="l" defTabSz="914400" rtl="0" eaLnBrk="1" latinLnBrk="0" hangingPunct="1">
+              <a:defRPr sz="1800" kern="1200">
+                <a:solidFill>
+                  <a:schemeClr val="tx1"/>
+                </a:solidFill>
+                <a:latin typeface="+mn-lt"/>
+                <a:ea typeface="+mn-ea"/>
+                <a:cs typeface="+mn-cs"/>
+              </a:defRPr>
+            </a:lvl2pPr>
+            <a:lvl3pPr marL="914400" algn="l" defTabSz="914400" rtl="0" eaLnBrk="1" latinLnBrk="0" hangingPunct="1">
+              <a:defRPr sz="1800" kern="1200">
+                <a:solidFill>
+                  <a:schemeClr val="tx1"/>
+                </a:solidFill>
+                <a:latin typeface="+mn-lt"/>
+                <a:ea typeface="+mn-ea"/>
+                <a:cs typeface="+mn-cs"/>
+              </a:defRPr>
+            </a:lvl3pPr>
+            <a:lvl4pPr marL="1371600" algn="l" defTabSz="914400" rtl="0" eaLnBrk="1" latinLnBrk="0" hangingPunct="1">
+              <a:defRPr sz="1800" kern="1200">
+                <a:solidFill>
+                  <a:schemeClr val="tx1"/>
+                </a:solidFill>
+                <a:latin typeface="+mn-lt"/>
+                <a:ea typeface="+mn-ea"/>
+                <a:cs typeface="+mn-cs"/>
+              </a:defRPr>
+            </a:lvl4pPr>
+            <a:lvl5pPr marL="1828800" algn="l" defTabSz="914400" rtl="0" eaLnBrk="1" latinLnBrk="0" hangingPunct="1">
+              <a:defRPr sz="1800" kern="1200">
+                <a:solidFill>
+                  <a:schemeClr val="tx1"/>
+                </a:solidFill>
+                <a:latin typeface="+mn-lt"/>
+                <a:ea typeface="+mn-ea"/>
+                <a:cs typeface="+mn-cs"/>
+              </a:defRPr>
+            </a:lvl5pPr>
+            <a:lvl6pPr marL="2286000" algn="l" defTabSz="914400" rtl="0" eaLnBrk="1" latinLnBrk="0" hangingPunct="1">
+              <a:defRPr sz="1800" kern="1200">
+                <a:solidFill>
+                  <a:schemeClr val="tx1"/>
+                </a:solidFill>
+                <a:latin typeface="+mn-lt"/>
+                <a:ea typeface="+mn-ea"/>
+                <a:cs typeface="+mn-cs"/>
+              </a:defRPr>
+            </a:lvl6pPr>
+            <a:lvl7pPr marL="2743200" algn="l" defTabSz="914400" rtl="0" eaLnBrk="1" latinLnBrk="0" hangingPunct="1">
+              <a:defRPr sz="1800" kern="1200">
+                <a:solidFill>
+                  <a:schemeClr val="tx1"/>
+                </a:solidFill>
+                <a:latin typeface="+mn-lt"/>
+                <a:ea typeface="+mn-ea"/>
+                <a:cs typeface="+mn-cs"/>
+              </a:defRPr>
+            </a:lvl7pPr>
+            <a:lvl8pPr marL="3200400" algn="l" defTabSz="914400" rtl="0" eaLnBrk="1" latinLnBrk="0" hangingPunct="1">
+              <a:defRPr sz="1800" kern="1200">
+                <a:solidFill>
+                  <a:schemeClr val="tx1"/>
+                </a:solidFill>
+                <a:latin typeface="+mn-lt"/>
+                <a:ea typeface="+mn-ea"/>
+                <a:cs typeface="+mn-cs"/>
+              </a:defRPr>
+            </a:lvl8pPr>
+            <a:lvl9pPr marL="3657600" algn="l" defTabSz="914400" rtl="0" eaLnBrk="1" latinLnBrk="0" hangingPunct="1">
+              <a:defRPr sz="1800" kern="1200">
+                <a:solidFill>
+                  <a:schemeClr val="tx1"/>
+                </a:solidFill>
+                <a:latin typeface="+mn-lt"/>
+                <a:ea typeface="+mn-ea"/>
+                <a:cs typeface="+mn-cs"/>
+              </a:defRPr>
+            </a:lvl9pPr>
+          </a:lstStyle>
+          <a:p>
+            <a:pPr>
+              <a:lnSpc>
+                <a:spcPct val="150000"/>
+              </a:lnSpc>
+            </a:pPr>
+            <a:r>
+              <a:rPr lang="pt-PT" sz="800" dirty="0"/>
+              <a:t>Ai driving classification</a:t>
+            </a:r>
+          </a:p>
+          <a:p>
+            <a:pPr>
+              <a:lnSpc>
+                <a:spcPct val="150000"/>
+              </a:lnSpc>
+            </a:pPr>
+            <a:r>
+              <a:rPr lang="pt-PT" sz="800" dirty="0"/>
+              <a:t>Alberto pingo | joão castro</a:t>
+            </a:r>
+          </a:p>
+        </p:txBody>
+      </p:sp>
+      <p:pic>
+        <p:nvPicPr>
+          <p:cNvPr id="12" name="Picture 11" descr="A black background with a black square&#10;&#10;Description automatically generated with medium confidence">
+            <a:extLst>
+              <a:ext uri="{FF2B5EF4-FFF2-40B4-BE49-F238E27FC236}">
+                <a16:creationId xmlns:a16="http://schemas.microsoft.com/office/drawing/2014/main" id="{8CB1D191-3CFF-0E6E-F09C-43F3BABB3AB3}"/>
+              </a:ext>
+            </a:extLst>
+          </p:cNvPr>
+          <p:cNvPicPr>
+            <a:picLocks noChangeAspect="1"/>
+          </p:cNvPicPr>
+          <p:nvPr/>
+        </p:nvPicPr>
+        <p:blipFill>
+          <a:blip r:embed="rId3">
+            <a:alphaModFix amt="70000"/>
+            <a:extLst>
+              <a:ext uri="{28A0092B-C50C-407E-A947-70E740481C1C}">
+                <a14:useLocalDpi xmlns:a14="http://schemas.microsoft.com/office/drawing/2010/main" val="0"/>
+              </a:ext>
+            </a:extLst>
+          </a:blip>
+          <a:stretch>
+            <a:fillRect/>
+          </a:stretch>
+        </p:blipFill>
+        <p:spPr>
+          <a:xfrm>
+            <a:off x="10582445" y="5985436"/>
+            <a:ext cx="1441915" cy="568239"/>
+          </a:xfrm>
+          <a:prstGeom prst="rect">
+            <a:avLst/>
+          </a:prstGeom>
+        </p:spPr>
+      </p:pic>
+      <p:sp>
+        <p:nvSpPr>
+          <p:cNvPr id="15" name="Title 1">
+            <a:extLst>
+              <a:ext uri="{FF2B5EF4-FFF2-40B4-BE49-F238E27FC236}">
+                <a16:creationId xmlns:a16="http://schemas.microsoft.com/office/drawing/2014/main" id="{B2287D40-DAD8-09B6-343F-3574AB7E8A8C}"/>
+              </a:ext>
+            </a:extLst>
+          </p:cNvPr>
+          <p:cNvSpPr>
+            <a:spLocks noGrp="1"/>
+          </p:cNvSpPr>
+          <p:nvPr>
+            <p:ph type="title"/>
+          </p:nvPr>
+        </p:nvSpPr>
+        <p:spPr>
+          <a:xfrm>
+            <a:off x="1520662" y="252034"/>
+            <a:ext cx="9753890" cy="409176"/>
+          </a:xfrm>
+        </p:spPr>
+        <p:txBody>
+          <a:bodyPr>
+            <a:normAutofit fontScale="90000"/>
+          </a:bodyPr>
+          <a:lstStyle/>
+          <a:p>
+            <a:r>
+              <a:rPr lang="pt-PT" i="1" dirty="0"/>
+              <a:t>Primeira Abordagem - Processamento de dados</a:t>
+            </a:r>
+          </a:p>
+        </p:txBody>
+      </p:sp>
+      <p:pic>
+        <p:nvPicPr>
+          <p:cNvPr id="3" name="Picture 2" descr="A diagram of a function&#10;&#10;Description automatically generated">
+            <a:extLst>
+              <a:ext uri="{FF2B5EF4-FFF2-40B4-BE49-F238E27FC236}">
+                <a16:creationId xmlns:a16="http://schemas.microsoft.com/office/drawing/2014/main" id="{84363E43-60CC-DCD1-6A6C-AF0CC85DD549}"/>
+              </a:ext>
+            </a:extLst>
+          </p:cNvPr>
+          <p:cNvPicPr>
+            <a:picLocks noChangeAspect="1"/>
+          </p:cNvPicPr>
+          <p:nvPr/>
+        </p:nvPicPr>
+        <p:blipFill>
+          <a:blip r:embed="rId4"/>
+          <a:stretch>
+            <a:fillRect/>
+          </a:stretch>
+        </p:blipFill>
+        <p:spPr>
+          <a:xfrm>
+            <a:off x="3858400" y="793005"/>
+            <a:ext cx="4930653" cy="5150596"/>
+          </a:xfrm>
+          <a:prstGeom prst="rect">
+            <a:avLst/>
+          </a:prstGeom>
+        </p:spPr>
+      </p:pic>
+    </p:spTree>
+    <p:extLst>
+      <p:ext uri="{BB962C8B-B14F-4D97-AF65-F5344CB8AC3E}">
+        <p14:creationId xmlns:p14="http://schemas.microsoft.com/office/powerpoint/2010/main" val="3314885105"/>
+      </p:ext>
+    </p:extLst>
+  </p:cSld>
+  <p:clrMapOvr>
+    <a:masterClrMapping/>
+  </p:clrMapOvr>
+</p:sld>
+</file>
+
+<file path=ppt/slides/slide14.xml><?xml version="1.0" encoding="utf-8"?>
+<p:sld xmlns:a="http://schemas.openxmlformats.org/drawingml/2006/main" xmlns:r="http://schemas.openxmlformats.org/officeDocument/2006/relationships" xmlns:p="http://schemas.openxmlformats.org/presentationml/2006/main">
+  <p:cSld>
+    <p:bg>
+      <p:bgPr>
+        <a:solidFill>
+          <a:schemeClr val="bg2">
+            <a:alpha val="0"/>
+          </a:schemeClr>
+        </a:solidFill>
+        <a:effectLst/>
+      </p:bgPr>
+    </p:bg>
+    <p:spTree>
+      <p:nvGrpSpPr>
+        <p:cNvPr id="1" name=""/>
+        <p:cNvGrpSpPr/>
+        <p:nvPr/>
+      </p:nvGrpSpPr>
+      <p:grpSpPr>
+        <a:xfrm>
+          <a:off x="0" y="0"/>
+          <a:ext cx="0" cy="0"/>
+          <a:chOff x="0" y="0"/>
+          <a:chExt cx="0" cy="0"/>
+        </a:xfrm>
+      </p:grpSpPr>
+      <p:sp>
+        <p:nvSpPr>
+          <p:cNvPr id="4" name="Slide Number Placeholder 3">
+            <a:extLst>
+              <a:ext uri="{FF2B5EF4-FFF2-40B4-BE49-F238E27FC236}">
+                <a16:creationId xmlns:a16="http://schemas.microsoft.com/office/drawing/2014/main" id="{527C964F-E2D5-D8E7-C513-C47A7E409DF3}"/>
+              </a:ext>
+            </a:extLst>
+          </p:cNvPr>
+          <p:cNvSpPr>
+            <a:spLocks noGrp="1"/>
+          </p:cNvSpPr>
+          <p:nvPr>
+            <p:ph type="sldNum" sz="quarter" idx="15"/>
+          </p:nvPr>
+        </p:nvSpPr>
+        <p:spPr/>
+        <p:txBody>
+          <a:bodyPr/>
+          <a:lstStyle/>
+          <a:p>
+            <a:fld id="{18D65601-5AE2-46FC-B138-694DDD2B510D}" type="slidenum">
+              <a:rPr lang="en-US" sz="1800" smtClean="0"/>
+              <a:pPr/>
+              <a:t>14</a:t>
+            </a:fld>
+            <a:endParaRPr lang="en-US" dirty="0"/>
+          </a:p>
+        </p:txBody>
+      </p:sp>
+      <p:sp>
+        <p:nvSpPr>
+          <p:cNvPr id="29" name="Rectangle 28">
+            <a:extLst>
+              <a:ext uri="{FF2B5EF4-FFF2-40B4-BE49-F238E27FC236}">
+                <a16:creationId xmlns:a16="http://schemas.microsoft.com/office/drawing/2014/main" id="{0A0E7BD1-ECFE-B70B-5C97-C06F01ACA0EF}"/>
+              </a:ext>
+            </a:extLst>
+          </p:cNvPr>
+          <p:cNvSpPr/>
+          <p:nvPr/>
+        </p:nvSpPr>
+        <p:spPr>
+          <a:xfrm>
+            <a:off x="4439142" y="5254032"/>
+            <a:ext cx="1179428" cy="365124"/>
+          </a:xfrm>
+          <a:prstGeom prst="rect">
+            <a:avLst/>
+          </a:prstGeom>
+        </p:spPr>
+        <p:style>
+          <a:lnRef idx="0">
+            <a:schemeClr val="dk1">
+              <a:alpha val="0"/>
+              <a:hueOff val="0"/>
+              <a:satOff val="0"/>
+              <a:lumOff val="0"/>
+              <a:alphaOff val="0"/>
+            </a:schemeClr>
+          </a:lnRef>
+          <a:fillRef idx="0">
+            <a:schemeClr val="lt1">
+              <a:alpha val="0"/>
+              <a:hueOff val="0"/>
+              <a:satOff val="0"/>
+              <a:lumOff val="0"/>
+              <a:alphaOff val="0"/>
+            </a:schemeClr>
+          </a:fillRef>
+          <a:effectRef idx="0">
+            <a:schemeClr val="lt1">
+              <a:alpha val="0"/>
+              <a:hueOff val="0"/>
+              <a:satOff val="0"/>
+              <a:lumOff val="0"/>
+              <a:alphaOff val="0"/>
+            </a:schemeClr>
+          </a:effectRef>
+          <a:fontRef idx="minor">
+            <a:schemeClr val="tx1">
+              <a:hueOff val="0"/>
+              <a:satOff val="0"/>
+              <a:lumOff val="0"/>
+              <a:alphaOff val="0"/>
+            </a:schemeClr>
+          </a:fontRef>
+        </p:style>
+        <p:txBody>
+          <a:bodyPr/>
+          <a:lstStyle/>
+          <a:p>
+            <a:endParaRPr lang="pt-PT"/>
+          </a:p>
+        </p:txBody>
+      </p:sp>
+      <p:sp>
+        <p:nvSpPr>
+          <p:cNvPr id="34" name="Rectangle 33">
+            <a:extLst>
+              <a:ext uri="{FF2B5EF4-FFF2-40B4-BE49-F238E27FC236}">
+                <a16:creationId xmlns:a16="http://schemas.microsoft.com/office/drawing/2014/main" id="{C8BAA013-37F3-B3F3-A350-4A65FB1FB523}"/>
+              </a:ext>
+            </a:extLst>
+          </p:cNvPr>
+          <p:cNvSpPr/>
+          <p:nvPr/>
+        </p:nvSpPr>
+        <p:spPr>
+          <a:xfrm>
+            <a:off x="6323727" y="5336627"/>
+            <a:ext cx="1749678" cy="409175"/>
+          </a:xfrm>
+          <a:prstGeom prst="rect">
+            <a:avLst/>
+          </a:prstGeom>
+        </p:spPr>
+        <p:style>
+          <a:lnRef idx="0">
+            <a:schemeClr val="dk1">
+              <a:alpha val="0"/>
+              <a:hueOff val="0"/>
+              <a:satOff val="0"/>
+              <a:lumOff val="0"/>
+              <a:alphaOff val="0"/>
+            </a:schemeClr>
+          </a:lnRef>
+          <a:fillRef idx="0">
+            <a:schemeClr val="lt1">
+              <a:alpha val="0"/>
+              <a:hueOff val="0"/>
+              <a:satOff val="0"/>
+              <a:lumOff val="0"/>
+              <a:alphaOff val="0"/>
+            </a:schemeClr>
+          </a:fillRef>
+          <a:effectRef idx="0">
+            <a:schemeClr val="lt1">
+              <a:alpha val="0"/>
+              <a:hueOff val="0"/>
+              <a:satOff val="0"/>
+              <a:lumOff val="0"/>
+              <a:alphaOff val="0"/>
+            </a:schemeClr>
+          </a:effectRef>
+          <a:fontRef idx="minor">
+            <a:schemeClr val="tx1">
+              <a:hueOff val="0"/>
+              <a:satOff val="0"/>
+              <a:lumOff val="0"/>
+              <a:alphaOff val="0"/>
+            </a:schemeClr>
+          </a:fontRef>
+        </p:style>
+        <p:txBody>
+          <a:bodyPr/>
+          <a:lstStyle/>
+          <a:p>
+            <a:endParaRPr lang="pt-PT"/>
+          </a:p>
+        </p:txBody>
+      </p:sp>
+      <p:sp>
+        <p:nvSpPr>
+          <p:cNvPr id="10" name="Footer Placeholder 4">
+            <a:extLst>
+              <a:ext uri="{FF2B5EF4-FFF2-40B4-BE49-F238E27FC236}">
+                <a16:creationId xmlns:a16="http://schemas.microsoft.com/office/drawing/2014/main" id="{36E41B72-D302-13CB-8C35-9DE4648CD66E}"/>
+              </a:ext>
+            </a:extLst>
+          </p:cNvPr>
+          <p:cNvSpPr txBox="1">
+            <a:spLocks/>
+          </p:cNvSpPr>
+          <p:nvPr/>
+        </p:nvSpPr>
+        <p:spPr>
+          <a:xfrm>
+            <a:off x="4038600" y="6333565"/>
+            <a:ext cx="4114800" cy="365125"/>
+          </a:xfrm>
+          <a:prstGeom prst="rect">
+            <a:avLst/>
+          </a:prstGeom>
+        </p:spPr>
+        <p:txBody>
+          <a:bodyPr vert="horz" lIns="91440" tIns="45720" rIns="91440" bIns="45720" rtlCol="0" anchor="ctr"/>
+          <a:lstStyle>
+            <a:defPPr>
+              <a:defRPr lang="en-US"/>
+            </a:defPPr>
+            <a:lvl1pPr marL="0" algn="ctr" defTabSz="914400" rtl="0" eaLnBrk="1" latinLnBrk="0" hangingPunct="1">
+              <a:defRPr sz="900" b="0" kern="1200" cap="all" spc="150" baseline="0">
+                <a:solidFill>
+                  <a:schemeClr val="bg2">
+                    <a:lumMod val="50000"/>
+                  </a:schemeClr>
+                </a:solidFill>
+                <a:latin typeface="Univers Light" panose="020B0403020202020204" pitchFamily="34" charset="0"/>
+                <a:ea typeface="+mn-ea"/>
+                <a:cs typeface="+mn-cs"/>
+              </a:defRPr>
+            </a:lvl1pPr>
+            <a:lvl2pPr marL="457200" algn="l" defTabSz="914400" rtl="0" eaLnBrk="1" latinLnBrk="0" hangingPunct="1">
+              <a:defRPr sz="1800" kern="1200">
+                <a:solidFill>
+                  <a:schemeClr val="tx1"/>
+                </a:solidFill>
+                <a:latin typeface="+mn-lt"/>
+                <a:ea typeface="+mn-ea"/>
+                <a:cs typeface="+mn-cs"/>
+              </a:defRPr>
+            </a:lvl2pPr>
+            <a:lvl3pPr marL="914400" algn="l" defTabSz="914400" rtl="0" eaLnBrk="1" latinLnBrk="0" hangingPunct="1">
+              <a:defRPr sz="1800" kern="1200">
+                <a:solidFill>
+                  <a:schemeClr val="tx1"/>
+                </a:solidFill>
+                <a:latin typeface="+mn-lt"/>
+                <a:ea typeface="+mn-ea"/>
+                <a:cs typeface="+mn-cs"/>
+              </a:defRPr>
+            </a:lvl3pPr>
+            <a:lvl4pPr marL="1371600" algn="l" defTabSz="914400" rtl="0" eaLnBrk="1" latinLnBrk="0" hangingPunct="1">
+              <a:defRPr sz="1800" kern="1200">
+                <a:solidFill>
+                  <a:schemeClr val="tx1"/>
+                </a:solidFill>
+                <a:latin typeface="+mn-lt"/>
+                <a:ea typeface="+mn-ea"/>
+                <a:cs typeface="+mn-cs"/>
+              </a:defRPr>
+            </a:lvl4pPr>
+            <a:lvl5pPr marL="1828800" algn="l" defTabSz="914400" rtl="0" eaLnBrk="1" latinLnBrk="0" hangingPunct="1">
+              <a:defRPr sz="1800" kern="1200">
+                <a:solidFill>
+                  <a:schemeClr val="tx1"/>
+                </a:solidFill>
+                <a:latin typeface="+mn-lt"/>
+                <a:ea typeface="+mn-ea"/>
+                <a:cs typeface="+mn-cs"/>
+              </a:defRPr>
+            </a:lvl5pPr>
+            <a:lvl6pPr marL="2286000" algn="l" defTabSz="914400" rtl="0" eaLnBrk="1" latinLnBrk="0" hangingPunct="1">
+              <a:defRPr sz="1800" kern="1200">
+                <a:solidFill>
+                  <a:schemeClr val="tx1"/>
+                </a:solidFill>
+                <a:latin typeface="+mn-lt"/>
+                <a:ea typeface="+mn-ea"/>
+                <a:cs typeface="+mn-cs"/>
+              </a:defRPr>
+            </a:lvl6pPr>
+            <a:lvl7pPr marL="2743200" algn="l" defTabSz="914400" rtl="0" eaLnBrk="1" latinLnBrk="0" hangingPunct="1">
+              <a:defRPr sz="1800" kern="1200">
+                <a:solidFill>
+                  <a:schemeClr val="tx1"/>
+                </a:solidFill>
+                <a:latin typeface="+mn-lt"/>
+                <a:ea typeface="+mn-ea"/>
+                <a:cs typeface="+mn-cs"/>
+              </a:defRPr>
+            </a:lvl7pPr>
+            <a:lvl8pPr marL="3200400" algn="l" defTabSz="914400" rtl="0" eaLnBrk="1" latinLnBrk="0" hangingPunct="1">
+              <a:defRPr sz="1800" kern="1200">
+                <a:solidFill>
+                  <a:schemeClr val="tx1"/>
+                </a:solidFill>
+                <a:latin typeface="+mn-lt"/>
+                <a:ea typeface="+mn-ea"/>
+                <a:cs typeface="+mn-cs"/>
+              </a:defRPr>
+            </a:lvl8pPr>
+            <a:lvl9pPr marL="3657600" algn="l" defTabSz="914400" rtl="0" eaLnBrk="1" latinLnBrk="0" hangingPunct="1">
+              <a:defRPr sz="1800" kern="1200">
+                <a:solidFill>
+                  <a:schemeClr val="tx1"/>
+                </a:solidFill>
+                <a:latin typeface="+mn-lt"/>
+                <a:ea typeface="+mn-ea"/>
+                <a:cs typeface="+mn-cs"/>
+              </a:defRPr>
+            </a:lvl9pPr>
+          </a:lstStyle>
+          <a:p>
+            <a:pPr>
+              <a:lnSpc>
+                <a:spcPct val="150000"/>
+              </a:lnSpc>
+            </a:pPr>
+            <a:r>
+              <a:rPr lang="pt-PT" sz="800" dirty="0"/>
+              <a:t>Ai driving classification</a:t>
+            </a:r>
+          </a:p>
+          <a:p>
+            <a:pPr>
+              <a:lnSpc>
+                <a:spcPct val="150000"/>
+              </a:lnSpc>
+            </a:pPr>
+            <a:r>
+              <a:rPr lang="pt-PT" sz="800" dirty="0"/>
+              <a:t>Alberto pingo | joão castro</a:t>
+            </a:r>
+          </a:p>
+        </p:txBody>
+      </p:sp>
+      <p:pic>
+        <p:nvPicPr>
+          <p:cNvPr id="12" name="Picture 11" descr="A black background with a black square&#10;&#10;Description automatically generated with medium confidence">
+            <a:extLst>
+              <a:ext uri="{FF2B5EF4-FFF2-40B4-BE49-F238E27FC236}">
+                <a16:creationId xmlns:a16="http://schemas.microsoft.com/office/drawing/2014/main" id="{8CB1D191-3CFF-0E6E-F09C-43F3BABB3AB3}"/>
+              </a:ext>
+            </a:extLst>
+          </p:cNvPr>
+          <p:cNvPicPr>
+            <a:picLocks noChangeAspect="1"/>
+          </p:cNvPicPr>
+          <p:nvPr/>
+        </p:nvPicPr>
+        <p:blipFill>
+          <a:blip r:embed="rId3">
+            <a:alphaModFix amt="70000"/>
+            <a:extLst>
+              <a:ext uri="{28A0092B-C50C-407E-A947-70E740481C1C}">
+                <a14:useLocalDpi xmlns:a14="http://schemas.microsoft.com/office/drawing/2010/main" val="0"/>
+              </a:ext>
+            </a:extLst>
+          </a:blip>
+          <a:stretch>
+            <a:fillRect/>
+          </a:stretch>
+        </p:blipFill>
+        <p:spPr>
+          <a:xfrm>
+            <a:off x="10582445" y="5985436"/>
+            <a:ext cx="1441915" cy="568239"/>
+          </a:xfrm>
+          <a:prstGeom prst="rect">
+            <a:avLst/>
+          </a:prstGeom>
+        </p:spPr>
+      </p:pic>
+      <p:sp>
+        <p:nvSpPr>
+          <p:cNvPr id="15" name="Title 1">
+            <a:extLst>
+              <a:ext uri="{FF2B5EF4-FFF2-40B4-BE49-F238E27FC236}">
+                <a16:creationId xmlns:a16="http://schemas.microsoft.com/office/drawing/2014/main" id="{B2287D40-DAD8-09B6-343F-3574AB7E8A8C}"/>
+              </a:ext>
+            </a:extLst>
+          </p:cNvPr>
+          <p:cNvSpPr>
+            <a:spLocks noGrp="1"/>
+          </p:cNvSpPr>
+          <p:nvPr>
+            <p:ph type="title"/>
+          </p:nvPr>
+        </p:nvSpPr>
+        <p:spPr>
+          <a:xfrm>
+            <a:off x="1520662" y="252034"/>
+            <a:ext cx="9753890" cy="409176"/>
+          </a:xfrm>
+        </p:spPr>
+        <p:txBody>
+          <a:bodyPr>
+            <a:normAutofit fontScale="90000"/>
+          </a:bodyPr>
+          <a:lstStyle/>
+          <a:p>
+            <a:r>
+              <a:rPr lang="pt-PT" i="1" dirty="0"/>
+              <a:t>Primeira Abordagem - Processamento de dados</a:t>
+            </a:r>
+          </a:p>
+        </p:txBody>
+      </p:sp>
+      <p:pic>
+        <p:nvPicPr>
+          <p:cNvPr id="3" name="Picture 2" descr="A diagram of a function&#10;&#10;Description automatically generated">
+            <a:extLst>
+              <a:ext uri="{FF2B5EF4-FFF2-40B4-BE49-F238E27FC236}">
+                <a16:creationId xmlns:a16="http://schemas.microsoft.com/office/drawing/2014/main" id="{84363E43-60CC-DCD1-6A6C-AF0CC85DD549}"/>
+              </a:ext>
+            </a:extLst>
+          </p:cNvPr>
+          <p:cNvPicPr>
+            <a:picLocks noChangeAspect="1"/>
+          </p:cNvPicPr>
+          <p:nvPr/>
+        </p:nvPicPr>
+        <p:blipFill>
+          <a:blip r:embed="rId4"/>
+          <a:stretch>
+            <a:fillRect/>
+          </a:stretch>
+        </p:blipFill>
+        <p:spPr>
+          <a:xfrm>
+            <a:off x="3858400" y="793005"/>
+            <a:ext cx="4930653" cy="5150596"/>
+          </a:xfrm>
+          <a:prstGeom prst="rect">
+            <a:avLst/>
+          </a:prstGeom>
+        </p:spPr>
+      </p:pic>
+    </p:spTree>
+    <p:extLst>
+      <p:ext uri="{BB962C8B-B14F-4D97-AF65-F5344CB8AC3E}">
+        <p14:creationId xmlns:p14="http://schemas.microsoft.com/office/powerpoint/2010/main" val="1244009836"/>
+      </p:ext>
+    </p:extLst>
+  </p:cSld>
+  <p:clrMapOvr>
+    <a:masterClrMapping/>
+  </p:clrMapOvr>
+</p:sld>
+</file>
+
+<file path=ppt/slides/slide15.xml><?xml version="1.0" encoding="utf-8"?>
+<p:sld xmlns:a="http://schemas.openxmlformats.org/drawingml/2006/main" xmlns:r="http://schemas.openxmlformats.org/officeDocument/2006/relationships" xmlns:p="http://schemas.openxmlformats.org/presentationml/2006/main">
+  <p:cSld>
+    <p:bg>
+      <p:bgPr>
+        <a:solidFill>
+          <a:schemeClr val="bg2">
+            <a:alpha val="0"/>
+          </a:schemeClr>
+        </a:solidFill>
+        <a:effectLst/>
+      </p:bgPr>
+    </p:bg>
+    <p:spTree>
+      <p:nvGrpSpPr>
+        <p:cNvPr id="1" name=""/>
+        <p:cNvGrpSpPr/>
+        <p:nvPr/>
+      </p:nvGrpSpPr>
+      <p:grpSpPr>
+        <a:xfrm>
+          <a:off x="0" y="0"/>
+          <a:ext cx="0" cy="0"/>
+          <a:chOff x="0" y="0"/>
+          <a:chExt cx="0" cy="0"/>
+        </a:xfrm>
+      </p:grpSpPr>
+      <p:sp>
+        <p:nvSpPr>
+          <p:cNvPr id="4" name="Slide Number Placeholder 3">
+            <a:extLst>
+              <a:ext uri="{FF2B5EF4-FFF2-40B4-BE49-F238E27FC236}">
+                <a16:creationId xmlns:a16="http://schemas.microsoft.com/office/drawing/2014/main" id="{527C964F-E2D5-D8E7-C513-C47A7E409DF3}"/>
+              </a:ext>
+            </a:extLst>
+          </p:cNvPr>
+          <p:cNvSpPr>
+            <a:spLocks noGrp="1"/>
+          </p:cNvSpPr>
+          <p:nvPr>
+            <p:ph type="sldNum" sz="quarter" idx="15"/>
+          </p:nvPr>
+        </p:nvSpPr>
+        <p:spPr/>
+        <p:txBody>
+          <a:bodyPr/>
+          <a:lstStyle/>
+          <a:p>
+            <a:fld id="{18D65601-5AE2-46FC-B138-694DDD2B510D}" type="slidenum">
+              <a:rPr lang="en-US" sz="1800" smtClean="0"/>
+              <a:pPr/>
+              <a:t>15</a:t>
+            </a:fld>
+            <a:endParaRPr lang="en-US" dirty="0"/>
+          </a:p>
+        </p:txBody>
+      </p:sp>
+      <p:sp>
+        <p:nvSpPr>
+          <p:cNvPr id="29" name="Rectangle 28">
+            <a:extLst>
+              <a:ext uri="{FF2B5EF4-FFF2-40B4-BE49-F238E27FC236}">
+                <a16:creationId xmlns:a16="http://schemas.microsoft.com/office/drawing/2014/main" id="{0A0E7BD1-ECFE-B70B-5C97-C06F01ACA0EF}"/>
+              </a:ext>
+            </a:extLst>
+          </p:cNvPr>
+          <p:cNvSpPr/>
+          <p:nvPr/>
+        </p:nvSpPr>
+        <p:spPr>
+          <a:xfrm>
+            <a:off x="4439142" y="5254032"/>
+            <a:ext cx="1179428" cy="365124"/>
+          </a:xfrm>
+          <a:prstGeom prst="rect">
+            <a:avLst/>
+          </a:prstGeom>
+        </p:spPr>
+        <p:style>
+          <a:lnRef idx="0">
+            <a:schemeClr val="dk1">
+              <a:alpha val="0"/>
+              <a:hueOff val="0"/>
+              <a:satOff val="0"/>
+              <a:lumOff val="0"/>
+              <a:alphaOff val="0"/>
+            </a:schemeClr>
+          </a:lnRef>
+          <a:fillRef idx="0">
+            <a:schemeClr val="lt1">
+              <a:alpha val="0"/>
+              <a:hueOff val="0"/>
+              <a:satOff val="0"/>
+              <a:lumOff val="0"/>
+              <a:alphaOff val="0"/>
+            </a:schemeClr>
+          </a:fillRef>
+          <a:effectRef idx="0">
+            <a:schemeClr val="lt1">
+              <a:alpha val="0"/>
+              <a:hueOff val="0"/>
+              <a:satOff val="0"/>
+              <a:lumOff val="0"/>
+              <a:alphaOff val="0"/>
+            </a:schemeClr>
+          </a:effectRef>
+          <a:fontRef idx="minor">
+            <a:schemeClr val="tx1">
+              <a:hueOff val="0"/>
+              <a:satOff val="0"/>
+              <a:lumOff val="0"/>
+              <a:alphaOff val="0"/>
+            </a:schemeClr>
+          </a:fontRef>
+        </p:style>
+        <p:txBody>
+          <a:bodyPr/>
+          <a:lstStyle/>
+          <a:p>
+            <a:endParaRPr lang="pt-PT"/>
+          </a:p>
+        </p:txBody>
+      </p:sp>
+      <p:sp>
+        <p:nvSpPr>
+          <p:cNvPr id="34" name="Rectangle 33">
+            <a:extLst>
+              <a:ext uri="{FF2B5EF4-FFF2-40B4-BE49-F238E27FC236}">
+                <a16:creationId xmlns:a16="http://schemas.microsoft.com/office/drawing/2014/main" id="{C8BAA013-37F3-B3F3-A350-4A65FB1FB523}"/>
+              </a:ext>
+            </a:extLst>
+          </p:cNvPr>
+          <p:cNvSpPr/>
+          <p:nvPr/>
+        </p:nvSpPr>
+        <p:spPr>
+          <a:xfrm>
+            <a:off x="6323727" y="5336627"/>
+            <a:ext cx="1749678" cy="409175"/>
+          </a:xfrm>
+          <a:prstGeom prst="rect">
+            <a:avLst/>
+          </a:prstGeom>
+        </p:spPr>
+        <p:style>
+          <a:lnRef idx="0">
+            <a:schemeClr val="dk1">
+              <a:alpha val="0"/>
+              <a:hueOff val="0"/>
+              <a:satOff val="0"/>
+              <a:lumOff val="0"/>
+              <a:alphaOff val="0"/>
+            </a:schemeClr>
+          </a:lnRef>
+          <a:fillRef idx="0">
+            <a:schemeClr val="lt1">
+              <a:alpha val="0"/>
+              <a:hueOff val="0"/>
+              <a:satOff val="0"/>
+              <a:lumOff val="0"/>
+              <a:alphaOff val="0"/>
+            </a:schemeClr>
+          </a:fillRef>
+          <a:effectRef idx="0">
+            <a:schemeClr val="lt1">
+              <a:alpha val="0"/>
+              <a:hueOff val="0"/>
+              <a:satOff val="0"/>
+              <a:lumOff val="0"/>
+              <a:alphaOff val="0"/>
+            </a:schemeClr>
+          </a:effectRef>
+          <a:fontRef idx="minor">
+            <a:schemeClr val="tx1">
+              <a:hueOff val="0"/>
+              <a:satOff val="0"/>
+              <a:lumOff val="0"/>
+              <a:alphaOff val="0"/>
+            </a:schemeClr>
+          </a:fontRef>
+        </p:style>
+        <p:txBody>
+          <a:bodyPr/>
+          <a:lstStyle/>
+          <a:p>
+            <a:endParaRPr lang="pt-PT"/>
+          </a:p>
+        </p:txBody>
+      </p:sp>
+      <p:sp>
+        <p:nvSpPr>
+          <p:cNvPr id="10" name="Footer Placeholder 4">
+            <a:extLst>
+              <a:ext uri="{FF2B5EF4-FFF2-40B4-BE49-F238E27FC236}">
+                <a16:creationId xmlns:a16="http://schemas.microsoft.com/office/drawing/2014/main" id="{36E41B72-D302-13CB-8C35-9DE4648CD66E}"/>
+              </a:ext>
+            </a:extLst>
+          </p:cNvPr>
+          <p:cNvSpPr txBox="1">
+            <a:spLocks/>
+          </p:cNvSpPr>
+          <p:nvPr/>
+        </p:nvSpPr>
+        <p:spPr>
+          <a:xfrm>
+            <a:off x="4038600" y="6333565"/>
+            <a:ext cx="4114800" cy="365125"/>
+          </a:xfrm>
+          <a:prstGeom prst="rect">
+            <a:avLst/>
+          </a:prstGeom>
+        </p:spPr>
+        <p:txBody>
+          <a:bodyPr vert="horz" lIns="91440" tIns="45720" rIns="91440" bIns="45720" rtlCol="0" anchor="ctr"/>
+          <a:lstStyle>
+            <a:defPPr>
+              <a:defRPr lang="en-US"/>
+            </a:defPPr>
+            <a:lvl1pPr marL="0" algn="ctr" defTabSz="914400" rtl="0" eaLnBrk="1" latinLnBrk="0" hangingPunct="1">
+              <a:defRPr sz="900" b="0" kern="1200" cap="all" spc="150" baseline="0">
+                <a:solidFill>
+                  <a:schemeClr val="bg2">
+                    <a:lumMod val="50000"/>
+                  </a:schemeClr>
+                </a:solidFill>
+                <a:latin typeface="Univers Light" panose="020B0403020202020204" pitchFamily="34" charset="0"/>
+                <a:ea typeface="+mn-ea"/>
+                <a:cs typeface="+mn-cs"/>
+              </a:defRPr>
+            </a:lvl1pPr>
+            <a:lvl2pPr marL="457200" algn="l" defTabSz="914400" rtl="0" eaLnBrk="1" latinLnBrk="0" hangingPunct="1">
+              <a:defRPr sz="1800" kern="1200">
+                <a:solidFill>
+                  <a:schemeClr val="tx1"/>
+                </a:solidFill>
+                <a:latin typeface="+mn-lt"/>
+                <a:ea typeface="+mn-ea"/>
+                <a:cs typeface="+mn-cs"/>
+              </a:defRPr>
+            </a:lvl2pPr>
+            <a:lvl3pPr marL="914400" algn="l" defTabSz="914400" rtl="0" eaLnBrk="1" latinLnBrk="0" hangingPunct="1">
+              <a:defRPr sz="1800" kern="1200">
+                <a:solidFill>
+                  <a:schemeClr val="tx1"/>
+                </a:solidFill>
+                <a:latin typeface="+mn-lt"/>
+                <a:ea typeface="+mn-ea"/>
+                <a:cs typeface="+mn-cs"/>
+              </a:defRPr>
+            </a:lvl3pPr>
+            <a:lvl4pPr marL="1371600" algn="l" defTabSz="914400" rtl="0" eaLnBrk="1" latinLnBrk="0" hangingPunct="1">
+              <a:defRPr sz="1800" kern="1200">
+                <a:solidFill>
+                  <a:schemeClr val="tx1"/>
+                </a:solidFill>
+                <a:latin typeface="+mn-lt"/>
+                <a:ea typeface="+mn-ea"/>
+                <a:cs typeface="+mn-cs"/>
+              </a:defRPr>
+            </a:lvl4pPr>
+            <a:lvl5pPr marL="1828800" algn="l" defTabSz="914400" rtl="0" eaLnBrk="1" latinLnBrk="0" hangingPunct="1">
+              <a:defRPr sz="1800" kern="1200">
+                <a:solidFill>
+                  <a:schemeClr val="tx1"/>
+                </a:solidFill>
+                <a:latin typeface="+mn-lt"/>
+                <a:ea typeface="+mn-ea"/>
+                <a:cs typeface="+mn-cs"/>
+              </a:defRPr>
+            </a:lvl5pPr>
+            <a:lvl6pPr marL="2286000" algn="l" defTabSz="914400" rtl="0" eaLnBrk="1" latinLnBrk="0" hangingPunct="1">
+              <a:defRPr sz="1800" kern="1200">
+                <a:solidFill>
+                  <a:schemeClr val="tx1"/>
+                </a:solidFill>
+                <a:latin typeface="+mn-lt"/>
+                <a:ea typeface="+mn-ea"/>
+                <a:cs typeface="+mn-cs"/>
+              </a:defRPr>
+            </a:lvl6pPr>
+            <a:lvl7pPr marL="2743200" algn="l" defTabSz="914400" rtl="0" eaLnBrk="1" latinLnBrk="0" hangingPunct="1">
+              <a:defRPr sz="1800" kern="1200">
+                <a:solidFill>
+                  <a:schemeClr val="tx1"/>
+                </a:solidFill>
+                <a:latin typeface="+mn-lt"/>
+                <a:ea typeface="+mn-ea"/>
+                <a:cs typeface="+mn-cs"/>
+              </a:defRPr>
+            </a:lvl7pPr>
+            <a:lvl8pPr marL="3200400" algn="l" defTabSz="914400" rtl="0" eaLnBrk="1" latinLnBrk="0" hangingPunct="1">
+              <a:defRPr sz="1800" kern="1200">
+                <a:solidFill>
+                  <a:schemeClr val="tx1"/>
+                </a:solidFill>
+                <a:latin typeface="+mn-lt"/>
+                <a:ea typeface="+mn-ea"/>
+                <a:cs typeface="+mn-cs"/>
+              </a:defRPr>
+            </a:lvl8pPr>
+            <a:lvl9pPr marL="3657600" algn="l" defTabSz="914400" rtl="0" eaLnBrk="1" latinLnBrk="0" hangingPunct="1">
+              <a:defRPr sz="1800" kern="1200">
+                <a:solidFill>
+                  <a:schemeClr val="tx1"/>
+                </a:solidFill>
+                <a:latin typeface="+mn-lt"/>
+                <a:ea typeface="+mn-ea"/>
+                <a:cs typeface="+mn-cs"/>
+              </a:defRPr>
+            </a:lvl9pPr>
+          </a:lstStyle>
+          <a:p>
+            <a:pPr>
+              <a:lnSpc>
+                <a:spcPct val="150000"/>
+              </a:lnSpc>
+            </a:pPr>
+            <a:r>
+              <a:rPr lang="pt-PT" sz="800" dirty="0"/>
+              <a:t>Ai driving classification</a:t>
+            </a:r>
+          </a:p>
+          <a:p>
+            <a:pPr>
+              <a:lnSpc>
+                <a:spcPct val="150000"/>
+              </a:lnSpc>
+            </a:pPr>
+            <a:r>
+              <a:rPr lang="pt-PT" sz="800" dirty="0"/>
+              <a:t>Alberto pingo | joão castro</a:t>
+            </a:r>
+          </a:p>
+        </p:txBody>
+      </p:sp>
+      <p:pic>
+        <p:nvPicPr>
+          <p:cNvPr id="12" name="Picture 11" descr="A black background with a black square&#10;&#10;Description automatically generated with medium confidence">
+            <a:extLst>
+              <a:ext uri="{FF2B5EF4-FFF2-40B4-BE49-F238E27FC236}">
+                <a16:creationId xmlns:a16="http://schemas.microsoft.com/office/drawing/2014/main" id="{8CB1D191-3CFF-0E6E-F09C-43F3BABB3AB3}"/>
+              </a:ext>
+            </a:extLst>
+          </p:cNvPr>
+          <p:cNvPicPr>
+            <a:picLocks noChangeAspect="1"/>
+          </p:cNvPicPr>
+          <p:nvPr/>
+        </p:nvPicPr>
+        <p:blipFill>
+          <a:blip r:embed="rId3">
+            <a:alphaModFix amt="70000"/>
+            <a:extLst>
+              <a:ext uri="{28A0092B-C50C-407E-A947-70E740481C1C}">
+                <a14:useLocalDpi xmlns:a14="http://schemas.microsoft.com/office/drawing/2010/main" val="0"/>
+              </a:ext>
+            </a:extLst>
+          </a:blip>
+          <a:stretch>
+            <a:fillRect/>
+          </a:stretch>
+        </p:blipFill>
+        <p:spPr>
+          <a:xfrm>
+            <a:off x="10582445" y="5985436"/>
+            <a:ext cx="1441915" cy="568239"/>
+          </a:xfrm>
+          <a:prstGeom prst="rect">
+            <a:avLst/>
+          </a:prstGeom>
+        </p:spPr>
+      </p:pic>
+      <p:sp>
+        <p:nvSpPr>
+          <p:cNvPr id="15" name="Title 1">
+            <a:extLst>
+              <a:ext uri="{FF2B5EF4-FFF2-40B4-BE49-F238E27FC236}">
+                <a16:creationId xmlns:a16="http://schemas.microsoft.com/office/drawing/2014/main" id="{B2287D40-DAD8-09B6-343F-3574AB7E8A8C}"/>
+              </a:ext>
+            </a:extLst>
+          </p:cNvPr>
+          <p:cNvSpPr>
+            <a:spLocks noGrp="1"/>
+          </p:cNvSpPr>
+          <p:nvPr>
+            <p:ph type="title"/>
+          </p:nvPr>
+        </p:nvSpPr>
+        <p:spPr>
+          <a:xfrm>
+            <a:off x="1520662" y="252034"/>
+            <a:ext cx="9753890" cy="409176"/>
+          </a:xfrm>
+        </p:spPr>
+        <p:txBody>
+          <a:bodyPr>
+            <a:normAutofit fontScale="90000"/>
+          </a:bodyPr>
+          <a:lstStyle/>
+          <a:p>
+            <a:r>
+              <a:rPr lang="pt-PT" i="1" dirty="0"/>
+              <a:t>Primeira Abordagem - Processamento de dados</a:t>
+            </a:r>
+          </a:p>
+        </p:txBody>
+      </p:sp>
+      <p:pic>
+        <p:nvPicPr>
+          <p:cNvPr id="5" name="Picture 4" descr="A diagram of a data flow&#10;&#10;Description automatically generated">
+            <a:extLst>
+              <a:ext uri="{FF2B5EF4-FFF2-40B4-BE49-F238E27FC236}">
+                <a16:creationId xmlns:a16="http://schemas.microsoft.com/office/drawing/2014/main" id="{CC4E704C-C1B1-D234-B8D9-07717D5A33A6}"/>
+              </a:ext>
+            </a:extLst>
+          </p:cNvPr>
+          <p:cNvPicPr>
+            <a:picLocks noChangeAspect="1"/>
+          </p:cNvPicPr>
+          <p:nvPr/>
+        </p:nvPicPr>
+        <p:blipFill>
+          <a:blip r:embed="rId4"/>
+          <a:stretch>
+            <a:fillRect/>
+          </a:stretch>
+        </p:blipFill>
+        <p:spPr>
+          <a:xfrm>
+            <a:off x="3377689" y="1007110"/>
+            <a:ext cx="5436621" cy="4843780"/>
+          </a:xfrm>
+          <a:prstGeom prst="rect">
+            <a:avLst/>
+          </a:prstGeom>
+        </p:spPr>
+      </p:pic>
+    </p:spTree>
+    <p:extLst>
+      <p:ext uri="{BB962C8B-B14F-4D97-AF65-F5344CB8AC3E}">
+        <p14:creationId xmlns:p14="http://schemas.microsoft.com/office/powerpoint/2010/main" val="3763919025"/>
+      </p:ext>
+    </p:extLst>
+  </p:cSld>
+  <p:clrMapOvr>
+    <a:masterClrMapping/>
+  </p:clrMapOvr>
+</p:sld>
+</file>
+
+<file path=ppt/slides/slide16.xml><?xml version="1.0" encoding="utf-8"?>
+<p:sld xmlns:a="http://schemas.openxmlformats.org/drawingml/2006/main" xmlns:r="http://schemas.openxmlformats.org/officeDocument/2006/relationships" xmlns:p="http://schemas.openxmlformats.org/presentationml/2006/main">
+  <p:cSld>
+    <p:bg>
+      <p:bgPr>
+        <a:solidFill>
+          <a:schemeClr val="bg2">
+            <a:alpha val="0"/>
+          </a:schemeClr>
+        </a:solidFill>
+        <a:effectLst/>
+      </p:bgPr>
+    </p:bg>
+    <p:spTree>
+      <p:nvGrpSpPr>
+        <p:cNvPr id="1" name=""/>
+        <p:cNvGrpSpPr/>
+        <p:nvPr/>
+      </p:nvGrpSpPr>
+      <p:grpSpPr>
+        <a:xfrm>
+          <a:off x="0" y="0"/>
+          <a:ext cx="0" cy="0"/>
+          <a:chOff x="0" y="0"/>
+          <a:chExt cx="0" cy="0"/>
+        </a:xfrm>
+      </p:grpSpPr>
+      <p:sp>
+        <p:nvSpPr>
+          <p:cNvPr id="2" name="Title 1">
+            <a:extLst>
+              <a:ext uri="{FF2B5EF4-FFF2-40B4-BE49-F238E27FC236}">
+                <a16:creationId xmlns:a16="http://schemas.microsoft.com/office/drawing/2014/main" id="{4662EDDE-6B1A-D0AC-F9F2-C67719C36532}"/>
+              </a:ext>
+            </a:extLst>
+          </p:cNvPr>
+          <p:cNvSpPr>
+            <a:spLocks noGrp="1"/>
+          </p:cNvSpPr>
+          <p:nvPr>
+            <p:ph type="title"/>
+          </p:nvPr>
+        </p:nvSpPr>
+        <p:spPr>
+          <a:xfrm>
+            <a:off x="1520662" y="252034"/>
+            <a:ext cx="9753890" cy="409176"/>
+          </a:xfrm>
+        </p:spPr>
+        <p:txBody>
+          <a:bodyPr>
+            <a:normAutofit fontScale="90000"/>
+          </a:bodyPr>
+          <a:lstStyle/>
+          <a:p>
+            <a:r>
+              <a:rPr lang="pt-PT" i="1" dirty="0"/>
+              <a:t>Segunda Abordagem - Modelos</a:t>
+            </a:r>
+          </a:p>
+        </p:txBody>
+      </p:sp>
+      <p:sp>
+        <p:nvSpPr>
+          <p:cNvPr id="4" name="Slide Number Placeholder 3">
+            <a:extLst>
+              <a:ext uri="{FF2B5EF4-FFF2-40B4-BE49-F238E27FC236}">
+                <a16:creationId xmlns:a16="http://schemas.microsoft.com/office/drawing/2014/main" id="{527C964F-E2D5-D8E7-C513-C47A7E409DF3}"/>
+              </a:ext>
+            </a:extLst>
+          </p:cNvPr>
+          <p:cNvSpPr>
+            <a:spLocks noGrp="1"/>
+          </p:cNvSpPr>
+          <p:nvPr>
+            <p:ph type="sldNum" sz="quarter" idx="15"/>
+          </p:nvPr>
+        </p:nvSpPr>
+        <p:spPr/>
+        <p:txBody>
+          <a:bodyPr/>
+          <a:lstStyle/>
+          <a:p>
+            <a:fld id="{18D65601-5AE2-46FC-B138-694DDD2B510D}" type="slidenum">
+              <a:rPr lang="en-US" sz="1800" smtClean="0"/>
+              <a:pPr/>
+              <a:t>16</a:t>
             </a:fld>
             <a:endParaRPr lang="en-US" sz="1800" dirty="0"/>
           </a:p>
@@ -15713,7 +17567,7 @@
 </p:sld>
 </file>
 
-<file path=ppt/slides/slide13.xml><?xml version="1.0" encoding="utf-8"?>
+<file path=ppt/slides/slide17.xml><?xml version="1.0" encoding="utf-8"?>
 <p:sld xmlns:a="http://schemas.openxmlformats.org/drawingml/2006/main" xmlns:r="http://schemas.openxmlformats.org/officeDocument/2006/relationships" xmlns:p="http://schemas.openxmlformats.org/presentationml/2006/main">
   <p:cSld>
     <p:bg>
@@ -15764,7 +17618,7 @@
             <a:fld id="{18D65601-5AE2-46FC-B138-694DDD2B510D}" type="slidenum">
               <a:rPr lang="en-US" sz="1800" smtClean="0"/>
               <a:pPr/>
-              <a:t>13</a:t>
+              <a:t>17</a:t>
             </a:fld>
             <a:endParaRPr lang="en-US" sz="1800" dirty="0"/>
           </a:p>
@@ -16163,7 +18017,7 @@
 </p:sld>
 </file>
 
-<file path=ppt/slides/slide14.xml><?xml version="1.0" encoding="utf-8"?>
+<file path=ppt/slides/slide18.xml><?xml version="1.0" encoding="utf-8"?>
 <p:sld xmlns:a="http://schemas.openxmlformats.org/drawingml/2006/main" xmlns:r="http://schemas.openxmlformats.org/officeDocument/2006/relationships" xmlns:p="http://schemas.openxmlformats.org/presentationml/2006/main">
   <p:cSld>
     <p:bg>
@@ -16249,7 +18103,7 @@
             <a:fld id="{18D65601-5AE2-46FC-B138-694DDD2B510D}" type="slidenum">
               <a:rPr lang="en-US" sz="1800" smtClean="0"/>
               <a:pPr/>
-              <a:t>14</a:t>
+              <a:t>18</a:t>
             </a:fld>
             <a:endParaRPr lang="en-US" sz="1800" dirty="0"/>
           </a:p>
@@ -17556,7 +19410,7 @@
 </p:sld>
 </file>
 
-<file path=ppt/slides/slide15.xml><?xml version="1.0" encoding="utf-8"?>
+<file path=ppt/slides/slide19.xml><?xml version="1.0" encoding="utf-8"?>
 <p:sld xmlns:a="http://schemas.openxmlformats.org/drawingml/2006/main" xmlns:r="http://schemas.openxmlformats.org/officeDocument/2006/relationships" xmlns:p="http://schemas.openxmlformats.org/presentationml/2006/main">
   <p:cSld>
     <p:bg>
@@ -17642,7 +19496,7 @@
             <a:fld id="{18D65601-5AE2-46FC-B138-694DDD2B510D}" type="slidenum">
               <a:rPr lang="en-US" sz="1800" smtClean="0"/>
               <a:pPr/>
-              <a:t>15</a:t>
+              <a:t>19</a:t>
             </a:fld>
             <a:endParaRPr lang="en-US" sz="1800" dirty="0"/>
           </a:p>
@@ -18614,2944 +20468,6 @@
       <p:bldP spid="25" grpId="0"/>
     </p:bldLst>
   </p:timing>
-</p:sld>
-</file>
-
-<file path=ppt/slides/slide16.xml><?xml version="1.0" encoding="utf-8"?>
-<p:sld xmlns:a="http://schemas.openxmlformats.org/drawingml/2006/main" xmlns:r="http://schemas.openxmlformats.org/officeDocument/2006/relationships" xmlns:p="http://schemas.openxmlformats.org/presentationml/2006/main">
-  <p:cSld>
-    <p:bg>
-      <p:bgPr>
-        <a:solidFill>
-          <a:schemeClr val="accent2">
-            <a:lumMod val="50000"/>
-          </a:schemeClr>
-        </a:solidFill>
-        <a:effectLst/>
-      </p:bgPr>
-    </p:bg>
-    <p:spTree>
-      <p:nvGrpSpPr>
-        <p:cNvPr id="1" name=""/>
-        <p:cNvGrpSpPr/>
-        <p:nvPr/>
-      </p:nvGrpSpPr>
-      <p:grpSpPr>
-        <a:xfrm>
-          <a:off x="0" y="0"/>
-          <a:ext cx="0" cy="0"/>
-          <a:chOff x="0" y="0"/>
-          <a:chExt cx="0" cy="0"/>
-        </a:xfrm>
-      </p:grpSpPr>
-      <p:pic>
-        <p:nvPicPr>
-          <p:cNvPr id="1026" name="Picture 2" descr="Bases de Dados | Bibliotecas do Politécnico de Leiria">
-            <a:extLst>
-              <a:ext uri="{FF2B5EF4-FFF2-40B4-BE49-F238E27FC236}">
-                <a16:creationId xmlns:a16="http://schemas.microsoft.com/office/drawing/2014/main" id="{B1B01E8C-9137-D620-51C1-D8D375F18039}"/>
-              </a:ext>
-            </a:extLst>
-          </p:cNvPr>
-          <p:cNvPicPr>
-            <a:picLocks noChangeAspect="1" noChangeArrowheads="1"/>
-          </p:cNvPicPr>
-          <p:nvPr/>
-        </p:nvPicPr>
-        <p:blipFill>
-          <a:blip r:embed="rId3">
-            <a:extLst>
-              <a:ext uri="{28A0092B-C50C-407E-A947-70E740481C1C}">
-                <a14:useLocalDpi xmlns:a14="http://schemas.microsoft.com/office/drawing/2010/main" val="0"/>
-              </a:ext>
-            </a:extLst>
-          </a:blip>
-          <a:srcRect/>
-          <a:stretch>
-            <a:fillRect/>
-          </a:stretch>
-        </p:blipFill>
-        <p:spPr bwMode="auto">
-          <a:xfrm>
-            <a:off x="10701930" y="5968657"/>
-            <a:ext cx="1443668" cy="626856"/>
-          </a:xfrm>
-          <a:prstGeom prst="rect">
-            <a:avLst/>
-          </a:prstGeom>
-          <a:noFill/>
-          <a:extLst>
-            <a:ext uri="{909E8E84-426E-40DD-AFC4-6F175D3DCCD1}">
-              <a14:hiddenFill xmlns:a14="http://schemas.microsoft.com/office/drawing/2010/main">
-                <a:solidFill>
-                  <a:srgbClr val="FFFFFF"/>
-                </a:solidFill>
-              </a14:hiddenFill>
-            </a:ext>
-          </a:extLst>
-        </p:spPr>
-      </p:pic>
-      <p:sp>
-        <p:nvSpPr>
-          <p:cNvPr id="2" name="Title 1">
-            <a:extLst>
-              <a:ext uri="{FF2B5EF4-FFF2-40B4-BE49-F238E27FC236}">
-                <a16:creationId xmlns:a16="http://schemas.microsoft.com/office/drawing/2014/main" id="{B7B3278D-D93F-70CF-96C2-FA1D44CDDB2B}"/>
-              </a:ext>
-            </a:extLst>
-          </p:cNvPr>
-          <p:cNvSpPr>
-            <a:spLocks noGrp="1"/>
-          </p:cNvSpPr>
-          <p:nvPr>
-            <p:ph type="title"/>
-          </p:nvPr>
-        </p:nvSpPr>
-        <p:spPr/>
-        <p:txBody>
-          <a:bodyPr/>
-          <a:lstStyle/>
-          <a:p>
-            <a:r>
-              <a:rPr lang="pt-PT" dirty="0"/>
-              <a:t>Segunda abordagem</a:t>
-            </a:r>
-          </a:p>
-        </p:txBody>
-      </p:sp>
-      <p:sp>
-        <p:nvSpPr>
-          <p:cNvPr id="3" name="Text Placeholder 2">
-            <a:extLst>
-              <a:ext uri="{FF2B5EF4-FFF2-40B4-BE49-F238E27FC236}">
-                <a16:creationId xmlns:a16="http://schemas.microsoft.com/office/drawing/2014/main" id="{2776E32E-F959-3CAC-8458-FACB315801D6}"/>
-              </a:ext>
-            </a:extLst>
-          </p:cNvPr>
-          <p:cNvSpPr>
-            <a:spLocks noGrp="1"/>
-          </p:cNvSpPr>
-          <p:nvPr>
-            <p:ph type="body" sz="quarter" idx="12"/>
-          </p:nvPr>
-        </p:nvSpPr>
-        <p:spPr/>
-        <p:txBody>
-          <a:bodyPr/>
-          <a:lstStyle/>
-          <a:p>
-            <a:r>
-              <a:rPr lang="pt-PT" dirty="0"/>
-              <a:t>Classificação </a:t>
-            </a:r>
-            <a:r>
-              <a:rPr lang="pt-PT" dirty="0" err="1"/>
-              <a:t>multiclasse</a:t>
-            </a:r>
-            <a:r>
-              <a:rPr lang="pt-PT" dirty="0"/>
-              <a:t> de cenários pré-gravados</a:t>
-            </a:r>
-          </a:p>
-        </p:txBody>
-      </p:sp>
-      <p:sp>
-        <p:nvSpPr>
-          <p:cNvPr id="5" name="Slide Number Placeholder 4">
-            <a:extLst>
-              <a:ext uri="{FF2B5EF4-FFF2-40B4-BE49-F238E27FC236}">
-                <a16:creationId xmlns:a16="http://schemas.microsoft.com/office/drawing/2014/main" id="{0D2AD625-992D-C2DF-730D-31EA25299D03}"/>
-              </a:ext>
-            </a:extLst>
-          </p:cNvPr>
-          <p:cNvSpPr>
-            <a:spLocks noGrp="1"/>
-          </p:cNvSpPr>
-          <p:nvPr>
-            <p:ph type="sldNum" sz="quarter" idx="15"/>
-          </p:nvPr>
-        </p:nvSpPr>
-        <p:spPr/>
-        <p:txBody>
-          <a:bodyPr/>
-          <a:lstStyle/>
-          <a:p>
-            <a:fld id="{18D65601-5AE2-46FC-B138-694DDD2B510D}" type="slidenum">
-              <a:rPr lang="en-US" sz="1800" smtClean="0"/>
-              <a:pPr/>
-              <a:t>16</a:t>
-            </a:fld>
-            <a:endParaRPr lang="en-US" sz="1800" dirty="0"/>
-          </a:p>
-        </p:txBody>
-      </p:sp>
-      <p:sp>
-        <p:nvSpPr>
-          <p:cNvPr id="10" name="Footer Placeholder 4">
-            <a:extLst>
-              <a:ext uri="{FF2B5EF4-FFF2-40B4-BE49-F238E27FC236}">
-                <a16:creationId xmlns:a16="http://schemas.microsoft.com/office/drawing/2014/main" id="{75C0CCB1-F6A1-2E1A-8DDE-89F4C7EE6ADC}"/>
-              </a:ext>
-            </a:extLst>
-          </p:cNvPr>
-          <p:cNvSpPr txBox="1">
-            <a:spLocks/>
-          </p:cNvSpPr>
-          <p:nvPr/>
-        </p:nvSpPr>
-        <p:spPr>
-          <a:xfrm>
-            <a:off x="4038600" y="6086992"/>
-            <a:ext cx="4114800" cy="365125"/>
-          </a:xfrm>
-          <a:prstGeom prst="rect">
-            <a:avLst/>
-          </a:prstGeom>
-        </p:spPr>
-        <p:txBody>
-          <a:bodyPr vert="horz" lIns="91440" tIns="45720" rIns="91440" bIns="45720" rtlCol="0" anchor="ctr"/>
-          <a:lstStyle>
-            <a:defPPr>
-              <a:defRPr lang="en-US"/>
-            </a:defPPr>
-            <a:lvl1pPr marL="0" algn="ctr" defTabSz="914400" rtl="0" eaLnBrk="1" latinLnBrk="0" hangingPunct="1">
-              <a:defRPr sz="900" b="0" kern="1200" cap="all" spc="150" baseline="0">
-                <a:solidFill>
-                  <a:schemeClr val="bg2">
-                    <a:lumMod val="50000"/>
-                  </a:schemeClr>
-                </a:solidFill>
-                <a:latin typeface="Univers Light" panose="020B0403020202020204" pitchFamily="34" charset="0"/>
-                <a:ea typeface="+mn-ea"/>
-                <a:cs typeface="+mn-cs"/>
-              </a:defRPr>
-            </a:lvl1pPr>
-            <a:lvl2pPr marL="457200" algn="l" defTabSz="914400" rtl="0" eaLnBrk="1" latinLnBrk="0" hangingPunct="1">
-              <a:defRPr sz="1800" kern="1200">
-                <a:solidFill>
-                  <a:schemeClr val="tx1"/>
-                </a:solidFill>
-                <a:latin typeface="+mn-lt"/>
-                <a:ea typeface="+mn-ea"/>
-                <a:cs typeface="+mn-cs"/>
-              </a:defRPr>
-            </a:lvl2pPr>
-            <a:lvl3pPr marL="914400" algn="l" defTabSz="914400" rtl="0" eaLnBrk="1" latinLnBrk="0" hangingPunct="1">
-              <a:defRPr sz="1800" kern="1200">
-                <a:solidFill>
-                  <a:schemeClr val="tx1"/>
-                </a:solidFill>
-                <a:latin typeface="+mn-lt"/>
-                <a:ea typeface="+mn-ea"/>
-                <a:cs typeface="+mn-cs"/>
-              </a:defRPr>
-            </a:lvl3pPr>
-            <a:lvl4pPr marL="1371600" algn="l" defTabSz="914400" rtl="0" eaLnBrk="1" latinLnBrk="0" hangingPunct="1">
-              <a:defRPr sz="1800" kern="1200">
-                <a:solidFill>
-                  <a:schemeClr val="tx1"/>
-                </a:solidFill>
-                <a:latin typeface="+mn-lt"/>
-                <a:ea typeface="+mn-ea"/>
-                <a:cs typeface="+mn-cs"/>
-              </a:defRPr>
-            </a:lvl4pPr>
-            <a:lvl5pPr marL="1828800" algn="l" defTabSz="914400" rtl="0" eaLnBrk="1" latinLnBrk="0" hangingPunct="1">
-              <a:defRPr sz="1800" kern="1200">
-                <a:solidFill>
-                  <a:schemeClr val="tx1"/>
-                </a:solidFill>
-                <a:latin typeface="+mn-lt"/>
-                <a:ea typeface="+mn-ea"/>
-                <a:cs typeface="+mn-cs"/>
-              </a:defRPr>
-            </a:lvl5pPr>
-            <a:lvl6pPr marL="2286000" algn="l" defTabSz="914400" rtl="0" eaLnBrk="1" latinLnBrk="0" hangingPunct="1">
-              <a:defRPr sz="1800" kern="1200">
-                <a:solidFill>
-                  <a:schemeClr val="tx1"/>
-                </a:solidFill>
-                <a:latin typeface="+mn-lt"/>
-                <a:ea typeface="+mn-ea"/>
-                <a:cs typeface="+mn-cs"/>
-              </a:defRPr>
-            </a:lvl6pPr>
-            <a:lvl7pPr marL="2743200" algn="l" defTabSz="914400" rtl="0" eaLnBrk="1" latinLnBrk="0" hangingPunct="1">
-              <a:defRPr sz="1800" kern="1200">
-                <a:solidFill>
-                  <a:schemeClr val="tx1"/>
-                </a:solidFill>
-                <a:latin typeface="+mn-lt"/>
-                <a:ea typeface="+mn-ea"/>
-                <a:cs typeface="+mn-cs"/>
-              </a:defRPr>
-            </a:lvl7pPr>
-            <a:lvl8pPr marL="3200400" algn="l" defTabSz="914400" rtl="0" eaLnBrk="1" latinLnBrk="0" hangingPunct="1">
-              <a:defRPr sz="1800" kern="1200">
-                <a:solidFill>
-                  <a:schemeClr val="tx1"/>
-                </a:solidFill>
-                <a:latin typeface="+mn-lt"/>
-                <a:ea typeface="+mn-ea"/>
-                <a:cs typeface="+mn-cs"/>
-              </a:defRPr>
-            </a:lvl8pPr>
-            <a:lvl9pPr marL="3657600" algn="l" defTabSz="914400" rtl="0" eaLnBrk="1" latinLnBrk="0" hangingPunct="1">
-              <a:defRPr sz="1800" kern="1200">
-                <a:solidFill>
-                  <a:schemeClr val="tx1"/>
-                </a:solidFill>
-                <a:latin typeface="+mn-lt"/>
-                <a:ea typeface="+mn-ea"/>
-                <a:cs typeface="+mn-cs"/>
-              </a:defRPr>
-            </a:lvl9pPr>
-          </a:lstStyle>
-          <a:p>
-            <a:pPr>
-              <a:lnSpc>
-                <a:spcPct val="150000"/>
-              </a:lnSpc>
-            </a:pPr>
-            <a:r>
-              <a:rPr lang="pt-PT" sz="800" dirty="0">
-                <a:solidFill>
-                  <a:schemeClr val="bg1">
-                    <a:lumMod val="95000"/>
-                  </a:schemeClr>
-                </a:solidFill>
-              </a:rPr>
-              <a:t>Ai driving classification</a:t>
-            </a:r>
-          </a:p>
-          <a:p>
-            <a:pPr>
-              <a:lnSpc>
-                <a:spcPct val="150000"/>
-              </a:lnSpc>
-            </a:pPr>
-            <a:r>
-              <a:rPr lang="pt-PT" sz="800" dirty="0">
-                <a:solidFill>
-                  <a:schemeClr val="bg1">
-                    <a:lumMod val="95000"/>
-                  </a:schemeClr>
-                </a:solidFill>
-              </a:rPr>
-              <a:t>Alberto pingo | joão castro</a:t>
-            </a:r>
-          </a:p>
-        </p:txBody>
-      </p:sp>
-    </p:spTree>
-    <p:extLst>
-      <p:ext uri="{BB962C8B-B14F-4D97-AF65-F5344CB8AC3E}">
-        <p14:creationId xmlns:p14="http://schemas.microsoft.com/office/powerpoint/2010/main" val="2450866279"/>
-      </p:ext>
-    </p:extLst>
-  </p:cSld>
-  <p:clrMapOvr>
-    <a:masterClrMapping/>
-  </p:clrMapOvr>
-  <p:timing>
-    <p:tnLst>
-      <p:par>
-        <p:cTn id="1" dur="indefinite" restart="never" nodeType="tmRoot">
-          <p:childTnLst>
-            <p:seq concurrent="1" nextAc="seek">
-              <p:cTn id="2" dur="indefinite" nodeType="mainSeq">
-                <p:childTnLst>
-                  <p:par>
-                    <p:cTn id="3" fill="hold">
-                      <p:stCondLst>
-                        <p:cond delay="indefinite"/>
-                      </p:stCondLst>
-                      <p:childTnLst>
-                        <p:par>
-                          <p:cTn id="4" fill="hold">
-                            <p:stCondLst>
-                              <p:cond delay="0"/>
-                            </p:stCondLst>
-                            <p:childTnLst>
-                              <p:par>
-                                <p:cTn id="5" presetID="1" presetClass="entr" presetSubtype="0" fill="hold" grpId="0" nodeType="clickEffect">
-                                  <p:stCondLst>
-                                    <p:cond delay="0"/>
-                                  </p:stCondLst>
-                                  <p:childTnLst>
-                                    <p:set>
-                                      <p:cBhvr>
-                                        <p:cTn id="6" dur="1" fill="hold">
-                                          <p:stCondLst>
-                                            <p:cond delay="0"/>
-                                          </p:stCondLst>
-                                        </p:cTn>
-                                        <p:tgtEl>
-                                          <p:spTgt spid="3">
-                                            <p:txEl>
-                                              <p:pRg st="0" end="0"/>
-                                            </p:txEl>
-                                          </p:spTgt>
-                                        </p:tgtEl>
-                                        <p:attrNameLst>
-                                          <p:attrName>style.visibility</p:attrName>
-                                        </p:attrNameLst>
-                                      </p:cBhvr>
-                                      <p:to>
-                                        <p:strVal val="visible"/>
-                                      </p:to>
-                                    </p:set>
-                                  </p:childTnLst>
-                                </p:cTn>
-                              </p:par>
-                            </p:childTnLst>
-                          </p:cTn>
-                        </p:par>
-                      </p:childTnLst>
-                    </p:cTn>
-                  </p:par>
-                </p:childTnLst>
-              </p:cTn>
-              <p:prevCondLst>
-                <p:cond evt="onPrev" delay="0">
-                  <p:tgtEl>
-                    <p:sldTgt/>
-                  </p:tgtEl>
-                </p:cond>
-              </p:prevCondLst>
-              <p:nextCondLst>
-                <p:cond evt="onNext" delay="0">
-                  <p:tgtEl>
-                    <p:sldTgt/>
-                  </p:tgtEl>
-                </p:cond>
-              </p:nextCondLst>
-            </p:seq>
-          </p:childTnLst>
-        </p:cTn>
-      </p:par>
-    </p:tnLst>
-    <p:bldLst>
-      <p:bldP spid="3" grpId="0" build="p"/>
-    </p:bldLst>
-  </p:timing>
-</p:sld>
-</file>
-
-<file path=ppt/slides/slide17.xml><?xml version="1.0" encoding="utf-8"?>
-<p:sld xmlns:a="http://schemas.openxmlformats.org/drawingml/2006/main" xmlns:r="http://schemas.openxmlformats.org/officeDocument/2006/relationships" xmlns:p="http://schemas.openxmlformats.org/presentationml/2006/main">
-  <p:cSld>
-    <p:spTree>
-      <p:nvGrpSpPr>
-        <p:cNvPr id="1" name=""/>
-        <p:cNvGrpSpPr/>
-        <p:nvPr/>
-      </p:nvGrpSpPr>
-      <p:grpSpPr>
-        <a:xfrm>
-          <a:off x="0" y="0"/>
-          <a:ext cx="0" cy="0"/>
-          <a:chOff x="0" y="0"/>
-          <a:chExt cx="0" cy="0"/>
-        </a:xfrm>
-      </p:grpSpPr>
-      <p:sp>
-        <p:nvSpPr>
-          <p:cNvPr id="10" name="Oval 9">
-            <a:extLst>
-              <a:ext uri="{FF2B5EF4-FFF2-40B4-BE49-F238E27FC236}">
-                <a16:creationId xmlns:a16="http://schemas.microsoft.com/office/drawing/2014/main" id="{B28DC094-683C-1C7D-D45D-0ECECA59B3ED}"/>
-              </a:ext>
-            </a:extLst>
-          </p:cNvPr>
-          <p:cNvSpPr/>
-          <p:nvPr/>
-        </p:nvSpPr>
-        <p:spPr>
-          <a:xfrm>
-            <a:off x="4488318" y="4255740"/>
-            <a:ext cx="890700" cy="890700"/>
-          </a:xfrm>
-          <a:prstGeom prst="ellipse">
-            <a:avLst/>
-          </a:prstGeom>
-          <a:solidFill>
-            <a:schemeClr val="accent2">
-              <a:alpha val="50000"/>
-            </a:schemeClr>
-          </a:solidFill>
-          <a:ln>
-            <a:noFill/>
-          </a:ln>
-        </p:spPr>
-        <p:style>
-          <a:lnRef idx="0">
-            <a:scrgbClr r="0" g="0" b="0"/>
-          </a:lnRef>
-          <a:fillRef idx="0">
-            <a:scrgbClr r="0" g="0" b="0"/>
-          </a:fillRef>
-          <a:effectRef idx="0">
-            <a:scrgbClr r="0" g="0" b="0"/>
-          </a:effectRef>
-          <a:fontRef idx="minor">
-            <a:schemeClr val="lt1"/>
-          </a:fontRef>
-        </p:style>
-        <p:txBody>
-          <a:bodyPr/>
-          <a:lstStyle/>
-          <a:p>
-            <a:endParaRPr lang="pt-PT" dirty="0"/>
-          </a:p>
-        </p:txBody>
-      </p:sp>
-      <p:sp>
-        <p:nvSpPr>
-          <p:cNvPr id="4" name="Slide Number Placeholder 3">
-            <a:extLst>
-              <a:ext uri="{FF2B5EF4-FFF2-40B4-BE49-F238E27FC236}">
-                <a16:creationId xmlns:a16="http://schemas.microsoft.com/office/drawing/2014/main" id="{527C964F-E2D5-D8E7-C513-C47A7E409DF3}"/>
-              </a:ext>
-            </a:extLst>
-          </p:cNvPr>
-          <p:cNvSpPr>
-            <a:spLocks noGrp="1"/>
-          </p:cNvSpPr>
-          <p:nvPr>
-            <p:ph type="sldNum" sz="quarter" idx="15"/>
-          </p:nvPr>
-        </p:nvSpPr>
-        <p:spPr/>
-        <p:txBody>
-          <a:bodyPr/>
-          <a:lstStyle/>
-          <a:p>
-            <a:fld id="{18D65601-5AE2-46FC-B138-694DDD2B510D}" type="slidenum">
-              <a:rPr lang="en-US" sz="1800" smtClean="0"/>
-              <a:pPr/>
-              <a:t>17</a:t>
-            </a:fld>
-            <a:endParaRPr lang="en-US" sz="1800" dirty="0"/>
-          </a:p>
-        </p:txBody>
-      </p:sp>
-      <p:sp>
-        <p:nvSpPr>
-          <p:cNvPr id="6" name="Footer Placeholder 4">
-            <a:extLst>
-              <a:ext uri="{FF2B5EF4-FFF2-40B4-BE49-F238E27FC236}">
-                <a16:creationId xmlns:a16="http://schemas.microsoft.com/office/drawing/2014/main" id="{0D821BC6-79CF-66F1-F00C-E2213C505826}"/>
-              </a:ext>
-            </a:extLst>
-          </p:cNvPr>
-          <p:cNvSpPr txBox="1">
-            <a:spLocks/>
-          </p:cNvSpPr>
-          <p:nvPr/>
-        </p:nvSpPr>
-        <p:spPr>
-          <a:xfrm>
-            <a:off x="4038600" y="6333565"/>
-            <a:ext cx="4114800" cy="365125"/>
-          </a:xfrm>
-          <a:prstGeom prst="rect">
-            <a:avLst/>
-          </a:prstGeom>
-        </p:spPr>
-        <p:txBody>
-          <a:bodyPr vert="horz" lIns="91440" tIns="45720" rIns="91440" bIns="45720" rtlCol="0" anchor="ctr"/>
-          <a:lstStyle>
-            <a:defPPr>
-              <a:defRPr lang="en-US"/>
-            </a:defPPr>
-            <a:lvl1pPr marL="0" algn="ctr" defTabSz="914400" rtl="0" eaLnBrk="1" latinLnBrk="0" hangingPunct="1">
-              <a:defRPr sz="900" b="0" kern="1200" cap="all" spc="150" baseline="0">
-                <a:solidFill>
-                  <a:schemeClr val="bg2">
-                    <a:lumMod val="50000"/>
-                  </a:schemeClr>
-                </a:solidFill>
-                <a:latin typeface="Univers Light" panose="020B0403020202020204" pitchFamily="34" charset="0"/>
-                <a:ea typeface="+mn-ea"/>
-                <a:cs typeface="+mn-cs"/>
-              </a:defRPr>
-            </a:lvl1pPr>
-            <a:lvl2pPr marL="457200" algn="l" defTabSz="914400" rtl="0" eaLnBrk="1" latinLnBrk="0" hangingPunct="1">
-              <a:defRPr sz="1800" kern="1200">
-                <a:solidFill>
-                  <a:schemeClr val="tx1"/>
-                </a:solidFill>
-                <a:latin typeface="+mn-lt"/>
-                <a:ea typeface="+mn-ea"/>
-                <a:cs typeface="+mn-cs"/>
-              </a:defRPr>
-            </a:lvl2pPr>
-            <a:lvl3pPr marL="914400" algn="l" defTabSz="914400" rtl="0" eaLnBrk="1" latinLnBrk="0" hangingPunct="1">
-              <a:defRPr sz="1800" kern="1200">
-                <a:solidFill>
-                  <a:schemeClr val="tx1"/>
-                </a:solidFill>
-                <a:latin typeface="+mn-lt"/>
-                <a:ea typeface="+mn-ea"/>
-                <a:cs typeface="+mn-cs"/>
-              </a:defRPr>
-            </a:lvl3pPr>
-            <a:lvl4pPr marL="1371600" algn="l" defTabSz="914400" rtl="0" eaLnBrk="1" latinLnBrk="0" hangingPunct="1">
-              <a:defRPr sz="1800" kern="1200">
-                <a:solidFill>
-                  <a:schemeClr val="tx1"/>
-                </a:solidFill>
-                <a:latin typeface="+mn-lt"/>
-                <a:ea typeface="+mn-ea"/>
-                <a:cs typeface="+mn-cs"/>
-              </a:defRPr>
-            </a:lvl4pPr>
-            <a:lvl5pPr marL="1828800" algn="l" defTabSz="914400" rtl="0" eaLnBrk="1" latinLnBrk="0" hangingPunct="1">
-              <a:defRPr sz="1800" kern="1200">
-                <a:solidFill>
-                  <a:schemeClr val="tx1"/>
-                </a:solidFill>
-                <a:latin typeface="+mn-lt"/>
-                <a:ea typeface="+mn-ea"/>
-                <a:cs typeface="+mn-cs"/>
-              </a:defRPr>
-            </a:lvl5pPr>
-            <a:lvl6pPr marL="2286000" algn="l" defTabSz="914400" rtl="0" eaLnBrk="1" latinLnBrk="0" hangingPunct="1">
-              <a:defRPr sz="1800" kern="1200">
-                <a:solidFill>
-                  <a:schemeClr val="tx1"/>
-                </a:solidFill>
-                <a:latin typeface="+mn-lt"/>
-                <a:ea typeface="+mn-ea"/>
-                <a:cs typeface="+mn-cs"/>
-              </a:defRPr>
-            </a:lvl6pPr>
-            <a:lvl7pPr marL="2743200" algn="l" defTabSz="914400" rtl="0" eaLnBrk="1" latinLnBrk="0" hangingPunct="1">
-              <a:defRPr sz="1800" kern="1200">
-                <a:solidFill>
-                  <a:schemeClr val="tx1"/>
-                </a:solidFill>
-                <a:latin typeface="+mn-lt"/>
-                <a:ea typeface="+mn-ea"/>
-                <a:cs typeface="+mn-cs"/>
-              </a:defRPr>
-            </a:lvl7pPr>
-            <a:lvl8pPr marL="3200400" algn="l" defTabSz="914400" rtl="0" eaLnBrk="1" latinLnBrk="0" hangingPunct="1">
-              <a:defRPr sz="1800" kern="1200">
-                <a:solidFill>
-                  <a:schemeClr val="tx1"/>
-                </a:solidFill>
-                <a:latin typeface="+mn-lt"/>
-                <a:ea typeface="+mn-ea"/>
-                <a:cs typeface="+mn-cs"/>
-              </a:defRPr>
-            </a:lvl8pPr>
-            <a:lvl9pPr marL="3657600" algn="l" defTabSz="914400" rtl="0" eaLnBrk="1" latinLnBrk="0" hangingPunct="1">
-              <a:defRPr sz="1800" kern="1200">
-                <a:solidFill>
-                  <a:schemeClr val="tx1"/>
-                </a:solidFill>
-                <a:latin typeface="+mn-lt"/>
-                <a:ea typeface="+mn-ea"/>
-                <a:cs typeface="+mn-cs"/>
-              </a:defRPr>
-            </a:lvl9pPr>
-          </a:lstStyle>
-          <a:p>
-            <a:pPr>
-              <a:lnSpc>
-                <a:spcPct val="150000"/>
-              </a:lnSpc>
-            </a:pPr>
-            <a:r>
-              <a:rPr lang="pt-PT" sz="800" dirty="0"/>
-              <a:t>Ai driving classification</a:t>
-            </a:r>
-          </a:p>
-          <a:p>
-            <a:pPr>
-              <a:lnSpc>
-                <a:spcPct val="150000"/>
-              </a:lnSpc>
-            </a:pPr>
-            <a:r>
-              <a:rPr lang="pt-PT" sz="800" dirty="0"/>
-              <a:t>Alberto pingo | joão castro</a:t>
-            </a:r>
-          </a:p>
-        </p:txBody>
-      </p:sp>
-      <p:pic>
-        <p:nvPicPr>
-          <p:cNvPr id="7" name="Picture 6" descr="A black background with a black square&#10;&#10;Description automatically generated with medium confidence">
-            <a:extLst>
-              <a:ext uri="{FF2B5EF4-FFF2-40B4-BE49-F238E27FC236}">
-                <a16:creationId xmlns:a16="http://schemas.microsoft.com/office/drawing/2014/main" id="{05200A96-EEA7-9B7D-506A-BF4FE113C176}"/>
-              </a:ext>
-            </a:extLst>
-          </p:cNvPr>
-          <p:cNvPicPr>
-            <a:picLocks noChangeAspect="1"/>
-          </p:cNvPicPr>
-          <p:nvPr/>
-        </p:nvPicPr>
-        <p:blipFill>
-          <a:blip r:embed="rId3">
-            <a:alphaModFix amt="70000"/>
-            <a:extLst>
-              <a:ext uri="{28A0092B-C50C-407E-A947-70E740481C1C}">
-                <a14:useLocalDpi xmlns:a14="http://schemas.microsoft.com/office/drawing/2010/main" val="0"/>
-              </a:ext>
-            </a:extLst>
-          </a:blip>
-          <a:stretch>
-            <a:fillRect/>
-          </a:stretch>
-        </p:blipFill>
-        <p:spPr>
-          <a:xfrm>
-            <a:off x="10582445" y="5985436"/>
-            <a:ext cx="1441915" cy="568239"/>
-          </a:xfrm>
-          <a:prstGeom prst="rect">
-            <a:avLst/>
-          </a:prstGeom>
-        </p:spPr>
-      </p:pic>
-      <p:sp>
-        <p:nvSpPr>
-          <p:cNvPr id="8" name="Title 1">
-            <a:extLst>
-              <a:ext uri="{FF2B5EF4-FFF2-40B4-BE49-F238E27FC236}">
-                <a16:creationId xmlns:a16="http://schemas.microsoft.com/office/drawing/2014/main" id="{A2B34F62-B728-4FBE-076F-B2DC8C76A309}"/>
-              </a:ext>
-            </a:extLst>
-          </p:cNvPr>
-          <p:cNvSpPr>
-            <a:spLocks noGrp="1"/>
-          </p:cNvSpPr>
-          <p:nvPr>
-            <p:ph type="title"/>
-          </p:nvPr>
-        </p:nvSpPr>
-        <p:spPr>
-          <a:xfrm>
-            <a:off x="1520662" y="252034"/>
-            <a:ext cx="9753890" cy="409176"/>
-          </a:xfrm>
-        </p:spPr>
-        <p:txBody>
-          <a:bodyPr>
-            <a:normAutofit fontScale="90000"/>
-          </a:bodyPr>
-          <a:lstStyle/>
-          <a:p>
-            <a:r>
-              <a:rPr lang="pt-PT" i="1" dirty="0"/>
-              <a:t>Segunda Abordagem – Cenários de condução</a:t>
-            </a:r>
-          </a:p>
-        </p:txBody>
-      </p:sp>
-      <p:graphicFrame>
-        <p:nvGraphicFramePr>
-          <p:cNvPr id="9" name="Table 8">
-            <a:extLst>
-              <a:ext uri="{FF2B5EF4-FFF2-40B4-BE49-F238E27FC236}">
-                <a16:creationId xmlns:a16="http://schemas.microsoft.com/office/drawing/2014/main" id="{FC5B1135-27E2-BC82-2631-08F3CA815D19}"/>
-              </a:ext>
-            </a:extLst>
-          </p:cNvPr>
-          <p:cNvGraphicFramePr>
-            <a:graphicFrameLocks noGrp="1"/>
-          </p:cNvGraphicFramePr>
-          <p:nvPr>
-            <p:extLst>
-              <p:ext uri="{D42A27DB-BD31-4B8C-83A1-F6EECF244321}">
-                <p14:modId xmlns:p14="http://schemas.microsoft.com/office/powerpoint/2010/main" val="1892719808"/>
-              </p:ext>
-            </p:extLst>
-          </p:nvPr>
-        </p:nvGraphicFramePr>
-        <p:xfrm>
-          <a:off x="1484231" y="1341745"/>
-          <a:ext cx="6759943" cy="2264267"/>
-        </p:xfrm>
-        <a:graphic>
-          <a:graphicData uri="http://schemas.openxmlformats.org/drawingml/2006/table">
-            <a:tbl>
-              <a:tblPr firstRow="1" firstCol="1" bandRow="1">
-                <a:tableStyleId>{C083E6E3-FA7D-4D7B-A595-EF9225AFEA82}</a:tableStyleId>
-              </a:tblPr>
-              <a:tblGrid>
-                <a:gridCol w="1688737">
-                  <a:extLst>
-                    <a:ext uri="{9D8B030D-6E8A-4147-A177-3AD203B41FA5}">
-                      <a16:colId xmlns:a16="http://schemas.microsoft.com/office/drawing/2014/main" val="2592927964"/>
-                    </a:ext>
-                  </a:extLst>
-                </a:gridCol>
-                <a:gridCol w="5071206">
-                  <a:extLst>
-                    <a:ext uri="{9D8B030D-6E8A-4147-A177-3AD203B41FA5}">
-                      <a16:colId xmlns:a16="http://schemas.microsoft.com/office/drawing/2014/main" val="207347917"/>
-                    </a:ext>
-                  </a:extLst>
-                </a:gridCol>
-              </a:tblGrid>
-              <a:tr h="404851">
-                <a:tc>
-                  <a:txBody>
-                    <a:bodyPr/>
-                    <a:lstStyle/>
-                    <a:p>
-                      <a:pPr indent="252095" algn="l">
-                        <a:lnSpc>
-                          <a:spcPct val="150000"/>
-                        </a:lnSpc>
-                        <a:spcAft>
-                          <a:spcPts val="1000"/>
-                        </a:spcAft>
-                      </a:pPr>
-                      <a:r>
-                        <a:rPr lang="pt-PT" sz="1600" dirty="0">
-                          <a:effectLst/>
-                        </a:rPr>
-                        <a:t>Cenário</a:t>
-                      </a:r>
-                      <a:endParaRPr lang="pt-PT" sz="1600" dirty="0">
-                        <a:effectLst/>
-                        <a:latin typeface="Times New Roman" panose="02020603050405020304" pitchFamily="18" charset="0"/>
-                        <a:ea typeface="Calibri" panose="020F0502020204030204" pitchFamily="34" charset="0"/>
-                        <a:cs typeface="Arial" panose="020B0604020202020204" pitchFamily="34" charset="0"/>
-                      </a:endParaRPr>
-                    </a:p>
-                  </a:txBody>
-                  <a:tcPr marL="68580" marR="68580" marT="0" marB="0"/>
-                </a:tc>
-                <a:tc>
-                  <a:txBody>
-                    <a:bodyPr/>
-                    <a:lstStyle/>
-                    <a:p>
-                      <a:pPr indent="252095" algn="l">
-                        <a:lnSpc>
-                          <a:spcPct val="150000"/>
-                        </a:lnSpc>
-                        <a:spcAft>
-                          <a:spcPts val="1000"/>
-                        </a:spcAft>
-                      </a:pPr>
-                      <a:r>
-                        <a:rPr lang="pt-PT" sz="1600" dirty="0">
-                          <a:effectLst/>
-                        </a:rPr>
-                        <a:t>Descrição</a:t>
-                      </a:r>
-                      <a:endParaRPr lang="pt-PT" sz="1600" dirty="0">
-                        <a:effectLst/>
-                        <a:latin typeface="Times New Roman" panose="02020603050405020304" pitchFamily="18" charset="0"/>
-                        <a:ea typeface="Calibri" panose="020F0502020204030204" pitchFamily="34" charset="0"/>
-                        <a:cs typeface="Arial" panose="020B0604020202020204" pitchFamily="34" charset="0"/>
-                      </a:endParaRPr>
-                    </a:p>
-                  </a:txBody>
-                  <a:tcPr marL="68580" marR="68580" marT="0" marB="0"/>
-                </a:tc>
-                <a:extLst>
-                  <a:ext uri="{0D108BD9-81ED-4DB2-BD59-A6C34878D82A}">
-                    <a16:rowId xmlns:a16="http://schemas.microsoft.com/office/drawing/2014/main" val="4237285057"/>
-                  </a:ext>
-                </a:extLst>
-              </a:tr>
-              <a:tr h="676646">
-                <a:tc>
-                  <a:txBody>
-                    <a:bodyPr/>
-                    <a:lstStyle/>
-                    <a:p>
-                      <a:pPr indent="252095" algn="l">
-                        <a:lnSpc>
-                          <a:spcPct val="150000"/>
-                        </a:lnSpc>
-                        <a:spcAft>
-                          <a:spcPts val="1000"/>
-                        </a:spcAft>
-                      </a:pPr>
-                      <a:r>
-                        <a:rPr lang="pt-PT" sz="1600" dirty="0" err="1">
-                          <a:effectLst/>
-                        </a:rPr>
-                        <a:t>Acceleration</a:t>
-                      </a:r>
-                      <a:endParaRPr lang="pt-PT" sz="1600" dirty="0">
-                        <a:effectLst/>
-                        <a:latin typeface="Times New Roman" panose="02020603050405020304" pitchFamily="18" charset="0"/>
-                        <a:ea typeface="Calibri" panose="020F0502020204030204" pitchFamily="34" charset="0"/>
-                        <a:cs typeface="Arial" panose="020B0604020202020204" pitchFamily="34" charset="0"/>
-                      </a:endParaRPr>
-                    </a:p>
-                  </a:txBody>
-                  <a:tcPr marL="68580" marR="68580" marT="0" marB="0"/>
-                </a:tc>
-                <a:tc>
-                  <a:txBody>
-                    <a:bodyPr/>
-                    <a:lstStyle/>
-                    <a:p>
-                      <a:pPr indent="252095" algn="l">
-                        <a:lnSpc>
-                          <a:spcPct val="150000"/>
-                        </a:lnSpc>
-                        <a:spcAft>
-                          <a:spcPts val="1000"/>
-                        </a:spcAft>
-                      </a:pPr>
-                      <a:r>
-                        <a:rPr lang="pt-PT" sz="1500" dirty="0">
-                          <a:effectLst/>
-                        </a:rPr>
-                        <a:t>O veículo parte do estado de repouso e acelera até atingir uma velocidade específica</a:t>
-                      </a:r>
-                      <a:endParaRPr lang="pt-PT" sz="1500" dirty="0">
-                        <a:effectLst/>
-                        <a:latin typeface="Times New Roman" panose="02020603050405020304" pitchFamily="18" charset="0"/>
-                        <a:ea typeface="Calibri" panose="020F0502020204030204" pitchFamily="34" charset="0"/>
-                        <a:cs typeface="Arial" panose="020B0604020202020204" pitchFamily="34" charset="0"/>
-                      </a:endParaRPr>
-                    </a:p>
-                  </a:txBody>
-                  <a:tcPr marL="68580" marR="68580" marT="0" marB="0" anchor="ctr"/>
-                </a:tc>
-                <a:extLst>
-                  <a:ext uri="{0D108BD9-81ED-4DB2-BD59-A6C34878D82A}">
-                    <a16:rowId xmlns:a16="http://schemas.microsoft.com/office/drawing/2014/main" val="664345370"/>
-                  </a:ext>
-                </a:extLst>
-              </a:tr>
-              <a:tr h="676646">
-                <a:tc>
-                  <a:txBody>
-                    <a:bodyPr/>
-                    <a:lstStyle/>
-                    <a:p>
-                      <a:pPr indent="252095" algn="l">
-                        <a:lnSpc>
-                          <a:spcPct val="150000"/>
-                        </a:lnSpc>
-                        <a:spcAft>
-                          <a:spcPts val="1000"/>
-                        </a:spcAft>
-                      </a:pPr>
-                      <a:r>
-                        <a:rPr lang="pt-PT" sz="1600" dirty="0" err="1">
-                          <a:effectLst/>
-                        </a:rPr>
-                        <a:t>Brake</a:t>
-                      </a:r>
-                      <a:endParaRPr lang="pt-PT" sz="1600" dirty="0">
-                        <a:effectLst/>
-                        <a:latin typeface="Times New Roman" panose="02020603050405020304" pitchFamily="18" charset="0"/>
-                        <a:ea typeface="Calibri" panose="020F0502020204030204" pitchFamily="34" charset="0"/>
-                        <a:cs typeface="Arial" panose="020B0604020202020204" pitchFamily="34" charset="0"/>
-                      </a:endParaRPr>
-                    </a:p>
-                  </a:txBody>
-                  <a:tcPr marL="68580" marR="68580" marT="0" marB="0"/>
-                </a:tc>
-                <a:tc>
-                  <a:txBody>
-                    <a:bodyPr/>
-                    <a:lstStyle/>
-                    <a:p>
-                      <a:pPr indent="252095" algn="l">
-                        <a:lnSpc>
-                          <a:spcPct val="150000"/>
-                        </a:lnSpc>
-                        <a:spcAft>
-                          <a:spcPts val="1000"/>
-                        </a:spcAft>
-                      </a:pPr>
-                      <a:r>
-                        <a:rPr lang="pt-PT" sz="1500" dirty="0">
-                          <a:effectLst/>
-                        </a:rPr>
-                        <a:t>O veículo reduz a velocidade até parar, usando o pedal de travão</a:t>
-                      </a:r>
-                      <a:endParaRPr lang="pt-PT" sz="1500" dirty="0">
-                        <a:effectLst/>
-                        <a:latin typeface="Times New Roman" panose="02020603050405020304" pitchFamily="18" charset="0"/>
-                        <a:ea typeface="Calibri" panose="020F0502020204030204" pitchFamily="34" charset="0"/>
-                        <a:cs typeface="Arial" panose="020B0604020202020204" pitchFamily="34" charset="0"/>
-                      </a:endParaRPr>
-                    </a:p>
-                  </a:txBody>
-                  <a:tcPr marL="68580" marR="68580" marT="0" marB="0" anchor="ctr"/>
-                </a:tc>
-                <a:extLst>
-                  <a:ext uri="{0D108BD9-81ED-4DB2-BD59-A6C34878D82A}">
-                    <a16:rowId xmlns:a16="http://schemas.microsoft.com/office/drawing/2014/main" val="2789623289"/>
-                  </a:ext>
-                </a:extLst>
-              </a:tr>
-              <a:tr h="506124">
-                <a:tc>
-                  <a:txBody>
-                    <a:bodyPr/>
-                    <a:lstStyle/>
-                    <a:p>
-                      <a:pPr indent="252095" algn="l">
-                        <a:lnSpc>
-                          <a:spcPct val="150000"/>
-                        </a:lnSpc>
-                        <a:spcAft>
-                          <a:spcPts val="1000"/>
-                        </a:spcAft>
-                      </a:pPr>
-                      <a:r>
-                        <a:rPr lang="pt-PT" sz="1600" dirty="0" err="1">
-                          <a:effectLst/>
-                        </a:rPr>
-                        <a:t>Intersection</a:t>
-                      </a:r>
-                      <a:endParaRPr lang="pt-PT" sz="1600" dirty="0">
-                        <a:effectLst/>
-                        <a:latin typeface="Times New Roman" panose="02020603050405020304" pitchFamily="18" charset="0"/>
-                        <a:ea typeface="Calibri" panose="020F0502020204030204" pitchFamily="34" charset="0"/>
-                        <a:cs typeface="Arial" panose="020B0604020202020204" pitchFamily="34" charset="0"/>
-                      </a:endParaRPr>
-                    </a:p>
-                  </a:txBody>
-                  <a:tcPr marL="68580" marR="68580" marT="0" marB="0"/>
-                </a:tc>
-                <a:tc>
-                  <a:txBody>
-                    <a:bodyPr/>
-                    <a:lstStyle/>
-                    <a:p>
-                      <a:pPr indent="252095" algn="l">
-                        <a:lnSpc>
-                          <a:spcPct val="150000"/>
-                        </a:lnSpc>
-                        <a:spcAft>
-                          <a:spcPts val="1000"/>
-                        </a:spcAft>
-                      </a:pPr>
-                      <a:r>
-                        <a:rPr lang="pt-PT" sz="1500" dirty="0">
-                          <a:effectLst/>
-                        </a:rPr>
-                        <a:t>O veículo simula o comportamento numa interseção</a:t>
-                      </a:r>
-                      <a:endParaRPr lang="pt-PT" sz="1500" dirty="0">
-                        <a:effectLst/>
-                        <a:latin typeface="Times New Roman" panose="02020603050405020304" pitchFamily="18" charset="0"/>
-                        <a:ea typeface="Calibri" panose="020F0502020204030204" pitchFamily="34" charset="0"/>
-                        <a:cs typeface="Arial" panose="020B0604020202020204" pitchFamily="34" charset="0"/>
-                      </a:endParaRPr>
-                    </a:p>
-                  </a:txBody>
-                  <a:tcPr marL="68580" marR="68580" marT="0" marB="0" anchor="ctr"/>
-                </a:tc>
-                <a:extLst>
-                  <a:ext uri="{0D108BD9-81ED-4DB2-BD59-A6C34878D82A}">
-                    <a16:rowId xmlns:a16="http://schemas.microsoft.com/office/drawing/2014/main" val="60705779"/>
-                  </a:ext>
-                </a:extLst>
-              </a:tr>
-            </a:tbl>
-          </a:graphicData>
-        </a:graphic>
-      </p:graphicFrame>
-      <p:sp>
-        <p:nvSpPr>
-          <p:cNvPr id="11" name="Rectangle 10" descr="Speedometer Low with solid fill">
-            <a:extLst>
-              <a:ext uri="{FF2B5EF4-FFF2-40B4-BE49-F238E27FC236}">
-                <a16:creationId xmlns:a16="http://schemas.microsoft.com/office/drawing/2014/main" id="{72AACB8D-35A2-0E77-AD7F-785B01285845}"/>
-              </a:ext>
-            </a:extLst>
-          </p:cNvPr>
-          <p:cNvSpPr/>
-          <p:nvPr/>
-        </p:nvSpPr>
-        <p:spPr>
-          <a:xfrm>
-            <a:off x="4678139" y="4428917"/>
-            <a:ext cx="511057" cy="511057"/>
-          </a:xfrm>
-          <a:prstGeom prst="rect">
-            <a:avLst/>
-          </a:prstGeom>
-          <a:blipFill>
-            <a:blip r:embed="rId4">
-              <a:extLst>
-                <a:ext uri="{96DAC541-7B7A-43D3-8B79-37D633B846F1}">
-                  <asvg:svgBlip xmlns:asvg="http://schemas.microsoft.com/office/drawing/2016/SVG/main" r:embed="rId5"/>
-                </a:ext>
-              </a:extLst>
-            </a:blip>
-            <a:stretch>
-              <a:fillRect/>
-            </a:stretch>
-          </a:blipFill>
-          <a:ln>
-            <a:noFill/>
-          </a:ln>
-        </p:spPr>
-        <p:style>
-          <a:lnRef idx="2">
-            <a:scrgbClr r="0" g="0" b="0"/>
-          </a:lnRef>
-          <a:fillRef idx="1">
-            <a:scrgbClr r="0" g="0" b="0"/>
-          </a:fillRef>
-          <a:effectRef idx="0">
-            <a:schemeClr val="accent2">
-              <a:hueOff val="0"/>
-              <a:satOff val="0"/>
-              <a:lumOff val="0"/>
-              <a:alphaOff val="0"/>
-            </a:schemeClr>
-          </a:effectRef>
-          <a:fontRef idx="minor">
-            <a:schemeClr val="lt1"/>
-          </a:fontRef>
-        </p:style>
-        <p:txBody>
-          <a:bodyPr/>
-          <a:lstStyle/>
-          <a:p>
-            <a:endParaRPr lang="pt-PT" dirty="0"/>
-          </a:p>
-        </p:txBody>
-      </p:sp>
-      <p:grpSp>
-        <p:nvGrpSpPr>
-          <p:cNvPr id="12" name="Group 11">
-            <a:extLst>
-              <a:ext uri="{FF2B5EF4-FFF2-40B4-BE49-F238E27FC236}">
-                <a16:creationId xmlns:a16="http://schemas.microsoft.com/office/drawing/2014/main" id="{E2041E84-0AB7-58C4-50B9-E2C27C020858}"/>
-              </a:ext>
-            </a:extLst>
-          </p:cNvPr>
-          <p:cNvGrpSpPr/>
-          <p:nvPr/>
-        </p:nvGrpSpPr>
-        <p:grpSpPr>
-          <a:xfrm>
-            <a:off x="4190786" y="5305017"/>
-            <a:ext cx="1458984" cy="583593"/>
-            <a:chOff x="2360576" y="1167802"/>
-            <a:chExt cx="1458984" cy="583593"/>
-          </a:xfrm>
-        </p:grpSpPr>
-        <p:sp>
-          <p:nvSpPr>
-            <p:cNvPr id="14" name="Rectangle 13">
-              <a:extLst>
-                <a:ext uri="{FF2B5EF4-FFF2-40B4-BE49-F238E27FC236}">
-                  <a16:creationId xmlns:a16="http://schemas.microsoft.com/office/drawing/2014/main" id="{9223DB31-3B63-5CA4-BA71-BF3CA65DB39D}"/>
-                </a:ext>
-              </a:extLst>
-            </p:cNvPr>
-            <p:cNvSpPr/>
-            <p:nvPr/>
-          </p:nvSpPr>
-          <p:spPr>
-            <a:xfrm>
-              <a:off x="2360576" y="1167802"/>
-              <a:ext cx="1458984" cy="583593"/>
-            </a:xfrm>
-            <a:prstGeom prst="rect">
-              <a:avLst/>
-            </a:prstGeom>
-          </p:spPr>
-          <p:style>
-            <a:lnRef idx="0">
-              <a:schemeClr val="dk1">
-                <a:alpha val="0"/>
-                <a:hueOff val="0"/>
-                <a:satOff val="0"/>
-                <a:lumOff val="0"/>
-                <a:alphaOff val="0"/>
-              </a:schemeClr>
-            </a:lnRef>
-            <a:fillRef idx="0">
-              <a:schemeClr val="lt1">
-                <a:alpha val="0"/>
-                <a:hueOff val="0"/>
-                <a:satOff val="0"/>
-                <a:lumOff val="0"/>
-                <a:alphaOff val="0"/>
-              </a:schemeClr>
-            </a:fillRef>
-            <a:effectRef idx="0">
-              <a:schemeClr val="lt1">
-                <a:alpha val="0"/>
-                <a:hueOff val="0"/>
-                <a:satOff val="0"/>
-                <a:lumOff val="0"/>
-                <a:alphaOff val="0"/>
-              </a:schemeClr>
-            </a:effectRef>
-            <a:fontRef idx="minor">
-              <a:schemeClr val="tx1">
-                <a:hueOff val="0"/>
-                <a:satOff val="0"/>
-                <a:lumOff val="0"/>
-                <a:alphaOff val="0"/>
-              </a:schemeClr>
-            </a:fontRef>
-          </p:style>
-          <p:txBody>
-            <a:bodyPr/>
-            <a:lstStyle/>
-            <a:p>
-              <a:endParaRPr lang="pt-PT"/>
-            </a:p>
-          </p:txBody>
-        </p:sp>
-        <p:sp>
-          <p:nvSpPr>
-            <p:cNvPr id="15" name="TextBox 14">
-              <a:extLst>
-                <a:ext uri="{FF2B5EF4-FFF2-40B4-BE49-F238E27FC236}">
-                  <a16:creationId xmlns:a16="http://schemas.microsoft.com/office/drawing/2014/main" id="{FFF1DFF4-54C9-AFD0-C9A6-910BF89E092D}"/>
-                </a:ext>
-              </a:extLst>
-            </p:cNvPr>
-            <p:cNvSpPr txBox="1"/>
-            <p:nvPr/>
-          </p:nvSpPr>
-          <p:spPr>
-            <a:xfrm>
-              <a:off x="2360576" y="1167802"/>
-              <a:ext cx="1458984" cy="583593"/>
-            </a:xfrm>
-            <a:prstGeom prst="rect">
-              <a:avLst/>
-            </a:prstGeom>
-          </p:spPr>
-          <p:style>
-            <a:lnRef idx="0">
-              <a:scrgbClr r="0" g="0" b="0"/>
-            </a:lnRef>
-            <a:fillRef idx="0">
-              <a:scrgbClr r="0" g="0" b="0"/>
-            </a:fillRef>
-            <a:effectRef idx="0">
-              <a:scrgbClr r="0" g="0" b="0"/>
-            </a:effectRef>
-            <a:fontRef idx="minor">
-              <a:schemeClr val="tx1">
-                <a:hueOff val="0"/>
-                <a:satOff val="0"/>
-                <a:lumOff val="0"/>
-                <a:alphaOff val="0"/>
-              </a:schemeClr>
-            </a:fontRef>
-          </p:style>
-          <p:txBody>
-            <a:bodyPr spcFirstLastPara="0" vert="horz" wrap="square" lIns="0" tIns="0" rIns="0" bIns="0" numCol="1" spcCol="1270" anchor="t" anchorCtr="0">
-              <a:noAutofit/>
-            </a:bodyPr>
-            <a:lstStyle/>
-            <a:p>
-              <a:pPr marL="0" lvl="0" indent="0" algn="ctr" defTabSz="533400">
-                <a:lnSpc>
-                  <a:spcPct val="90000"/>
-                </a:lnSpc>
-                <a:spcBef>
-                  <a:spcPct val="0"/>
-                </a:spcBef>
-                <a:spcAft>
-                  <a:spcPct val="35000"/>
-                </a:spcAft>
-                <a:buNone/>
-                <a:defRPr cap="all"/>
-              </a:pPr>
-              <a:r>
-                <a:rPr lang="pt-PT" sz="1400" b="1" i="1" kern="1200" dirty="0"/>
-                <a:t>Slow</a:t>
-              </a:r>
-              <a:endParaRPr lang="en-US" sz="1400" b="1" i="1" kern="1200" dirty="0"/>
-            </a:p>
-          </p:txBody>
-        </p:sp>
-      </p:grpSp>
-      <p:sp>
-        <p:nvSpPr>
-          <p:cNvPr id="16" name="Oval 15">
-            <a:extLst>
-              <a:ext uri="{FF2B5EF4-FFF2-40B4-BE49-F238E27FC236}">
-                <a16:creationId xmlns:a16="http://schemas.microsoft.com/office/drawing/2014/main" id="{3E29F7A4-CE93-75E0-4DF7-9C4ABEF2ADEC}"/>
-              </a:ext>
-            </a:extLst>
-          </p:cNvPr>
-          <p:cNvSpPr/>
-          <p:nvPr/>
-        </p:nvSpPr>
-        <p:spPr>
-          <a:xfrm>
-            <a:off x="6851940" y="4224552"/>
-            <a:ext cx="889980" cy="889980"/>
-          </a:xfrm>
-          <a:prstGeom prst="ellipse">
-            <a:avLst/>
-          </a:prstGeom>
-          <a:solidFill>
-            <a:schemeClr val="accent2">
-              <a:alpha val="50000"/>
-            </a:schemeClr>
-          </a:solidFill>
-          <a:ln>
-            <a:noFill/>
-          </a:ln>
-        </p:spPr>
-        <p:style>
-          <a:lnRef idx="0">
-            <a:scrgbClr r="0" g="0" b="0"/>
-          </a:lnRef>
-          <a:fillRef idx="0">
-            <a:scrgbClr r="0" g="0" b="0"/>
-          </a:fillRef>
-          <a:effectRef idx="0">
-            <a:scrgbClr r="0" g="0" b="0"/>
-          </a:effectRef>
-          <a:fontRef idx="minor">
-            <a:schemeClr val="lt1"/>
-          </a:fontRef>
-        </p:style>
-        <p:txBody>
-          <a:bodyPr/>
-          <a:lstStyle/>
-          <a:p>
-            <a:endParaRPr lang="pt-PT"/>
-          </a:p>
-        </p:txBody>
-      </p:sp>
-      <p:sp>
-        <p:nvSpPr>
-          <p:cNvPr id="17" name="Rectangle 16" descr="Gauge with solid fill">
-            <a:extLst>
-              <a:ext uri="{FF2B5EF4-FFF2-40B4-BE49-F238E27FC236}">
-                <a16:creationId xmlns:a16="http://schemas.microsoft.com/office/drawing/2014/main" id="{FC714D8E-F2DF-FE54-C1BA-D6AD0F6D64A5}"/>
-              </a:ext>
-            </a:extLst>
-          </p:cNvPr>
-          <p:cNvSpPr/>
-          <p:nvPr/>
-        </p:nvSpPr>
-        <p:spPr>
-          <a:xfrm>
-            <a:off x="7041608" y="4412342"/>
-            <a:ext cx="510644" cy="510644"/>
-          </a:xfrm>
-          <a:prstGeom prst="rect">
-            <a:avLst/>
-          </a:prstGeom>
-          <a:blipFill>
-            <a:blip r:embed="rId6">
-              <a:extLst>
-                <a:ext uri="{96DAC541-7B7A-43D3-8B79-37D633B846F1}">
-                  <asvg:svgBlip xmlns:asvg="http://schemas.microsoft.com/office/drawing/2016/SVG/main" r:embed="rId7"/>
-                </a:ext>
-              </a:extLst>
-            </a:blip>
-            <a:stretch>
-              <a:fillRect/>
-            </a:stretch>
-          </a:blipFill>
-          <a:ln>
-            <a:noFill/>
-          </a:ln>
-        </p:spPr>
-        <p:style>
-          <a:lnRef idx="2">
-            <a:scrgbClr r="0" g="0" b="0"/>
-          </a:lnRef>
-          <a:fillRef idx="1">
-            <a:scrgbClr r="0" g="0" b="0"/>
-          </a:fillRef>
-          <a:effectRef idx="0">
-            <a:schemeClr val="accent2">
-              <a:hueOff val="0"/>
-              <a:satOff val="0"/>
-              <a:lumOff val="0"/>
-              <a:alphaOff val="0"/>
-            </a:schemeClr>
-          </a:effectRef>
-          <a:fontRef idx="minor">
-            <a:schemeClr val="lt1"/>
-          </a:fontRef>
-        </p:style>
-        <p:txBody>
-          <a:bodyPr/>
-          <a:lstStyle/>
-          <a:p>
-            <a:endParaRPr lang="pt-PT"/>
-          </a:p>
-        </p:txBody>
-      </p:sp>
-      <p:grpSp>
-        <p:nvGrpSpPr>
-          <p:cNvPr id="18" name="Group 17">
-            <a:extLst>
-              <a:ext uri="{FF2B5EF4-FFF2-40B4-BE49-F238E27FC236}">
-                <a16:creationId xmlns:a16="http://schemas.microsoft.com/office/drawing/2014/main" id="{6AFC5A36-11CD-2AF2-FBBE-9AC4518B0874}"/>
-              </a:ext>
-            </a:extLst>
-          </p:cNvPr>
-          <p:cNvGrpSpPr/>
-          <p:nvPr/>
-        </p:nvGrpSpPr>
-        <p:grpSpPr>
-          <a:xfrm>
-            <a:off x="6567438" y="5267458"/>
-            <a:ext cx="1458984" cy="583593"/>
-            <a:chOff x="2360576" y="1167802"/>
-            <a:chExt cx="1458984" cy="583593"/>
-          </a:xfrm>
-        </p:grpSpPr>
-        <p:sp>
-          <p:nvSpPr>
-            <p:cNvPr id="19" name="Rectangle 18">
-              <a:extLst>
-                <a:ext uri="{FF2B5EF4-FFF2-40B4-BE49-F238E27FC236}">
-                  <a16:creationId xmlns:a16="http://schemas.microsoft.com/office/drawing/2014/main" id="{A1E03247-7596-BA9B-98D2-03A3DCF85AFA}"/>
-                </a:ext>
-              </a:extLst>
-            </p:cNvPr>
-            <p:cNvSpPr/>
-            <p:nvPr/>
-          </p:nvSpPr>
-          <p:spPr>
-            <a:xfrm>
-              <a:off x="2360576" y="1167802"/>
-              <a:ext cx="1458984" cy="583593"/>
-            </a:xfrm>
-            <a:prstGeom prst="rect">
-              <a:avLst/>
-            </a:prstGeom>
-          </p:spPr>
-          <p:style>
-            <a:lnRef idx="0">
-              <a:schemeClr val="dk1">
-                <a:alpha val="0"/>
-                <a:hueOff val="0"/>
-                <a:satOff val="0"/>
-                <a:lumOff val="0"/>
-                <a:alphaOff val="0"/>
-              </a:schemeClr>
-            </a:lnRef>
-            <a:fillRef idx="0">
-              <a:schemeClr val="lt1">
-                <a:alpha val="0"/>
-                <a:hueOff val="0"/>
-                <a:satOff val="0"/>
-                <a:lumOff val="0"/>
-                <a:alphaOff val="0"/>
-              </a:schemeClr>
-            </a:fillRef>
-            <a:effectRef idx="0">
-              <a:schemeClr val="lt1">
-                <a:alpha val="0"/>
-                <a:hueOff val="0"/>
-                <a:satOff val="0"/>
-                <a:lumOff val="0"/>
-                <a:alphaOff val="0"/>
-              </a:schemeClr>
-            </a:effectRef>
-            <a:fontRef idx="minor">
-              <a:schemeClr val="tx1">
-                <a:hueOff val="0"/>
-                <a:satOff val="0"/>
-                <a:lumOff val="0"/>
-                <a:alphaOff val="0"/>
-              </a:schemeClr>
-            </a:fontRef>
-          </p:style>
-          <p:txBody>
-            <a:bodyPr/>
-            <a:lstStyle/>
-            <a:p>
-              <a:endParaRPr lang="pt-PT"/>
-            </a:p>
-          </p:txBody>
-        </p:sp>
-        <p:sp>
-          <p:nvSpPr>
-            <p:cNvPr id="20" name="TextBox 19">
-              <a:extLst>
-                <a:ext uri="{FF2B5EF4-FFF2-40B4-BE49-F238E27FC236}">
-                  <a16:creationId xmlns:a16="http://schemas.microsoft.com/office/drawing/2014/main" id="{3DE479A7-F07F-2F7F-9F01-1529E531161E}"/>
-                </a:ext>
-              </a:extLst>
-            </p:cNvPr>
-            <p:cNvSpPr txBox="1"/>
-            <p:nvPr/>
-          </p:nvSpPr>
-          <p:spPr>
-            <a:xfrm>
-              <a:off x="2360576" y="1167802"/>
-              <a:ext cx="1458984" cy="583593"/>
-            </a:xfrm>
-            <a:prstGeom prst="rect">
-              <a:avLst/>
-            </a:prstGeom>
-          </p:spPr>
-          <p:style>
-            <a:lnRef idx="0">
-              <a:scrgbClr r="0" g="0" b="0"/>
-            </a:lnRef>
-            <a:fillRef idx="0">
-              <a:scrgbClr r="0" g="0" b="0"/>
-            </a:fillRef>
-            <a:effectRef idx="0">
-              <a:scrgbClr r="0" g="0" b="0"/>
-            </a:effectRef>
-            <a:fontRef idx="minor">
-              <a:schemeClr val="tx1">
-                <a:hueOff val="0"/>
-                <a:satOff val="0"/>
-                <a:lumOff val="0"/>
-                <a:alphaOff val="0"/>
-              </a:schemeClr>
-            </a:fontRef>
-          </p:style>
-          <p:txBody>
-            <a:bodyPr spcFirstLastPara="0" vert="horz" wrap="square" lIns="0" tIns="0" rIns="0" bIns="0" numCol="1" spcCol="1270" anchor="t" anchorCtr="0">
-              <a:noAutofit/>
-            </a:bodyPr>
-            <a:lstStyle/>
-            <a:p>
-              <a:pPr marL="0" lvl="0" indent="0" algn="ctr" defTabSz="533400">
-                <a:lnSpc>
-                  <a:spcPct val="100000"/>
-                </a:lnSpc>
-                <a:spcBef>
-                  <a:spcPct val="0"/>
-                </a:spcBef>
-                <a:spcAft>
-                  <a:spcPct val="35000"/>
-                </a:spcAft>
-                <a:buNone/>
-                <a:defRPr cap="all"/>
-              </a:pPr>
-              <a:r>
-                <a:rPr lang="pt-PT" sz="1400" b="1" i="1" kern="1200" dirty="0"/>
-                <a:t>Aggressive</a:t>
-              </a:r>
-              <a:endParaRPr lang="en-US" sz="1400" b="1" i="1" kern="1200" dirty="0"/>
-            </a:p>
-          </p:txBody>
-        </p:sp>
-      </p:grpSp>
-      <p:sp>
-        <p:nvSpPr>
-          <p:cNvPr id="21" name="Oval 20">
-            <a:extLst>
-              <a:ext uri="{FF2B5EF4-FFF2-40B4-BE49-F238E27FC236}">
-                <a16:creationId xmlns:a16="http://schemas.microsoft.com/office/drawing/2014/main" id="{62EBFD24-D78F-604E-F437-32B0ECFE6919}"/>
-              </a:ext>
-            </a:extLst>
-          </p:cNvPr>
-          <p:cNvSpPr/>
-          <p:nvPr/>
-        </p:nvSpPr>
-        <p:spPr>
-          <a:xfrm>
-            <a:off x="5650650" y="4489728"/>
-            <a:ext cx="890700" cy="890700"/>
-          </a:xfrm>
-          <a:prstGeom prst="ellipse">
-            <a:avLst/>
-          </a:prstGeom>
-          <a:solidFill>
-            <a:schemeClr val="accent2">
-              <a:alpha val="50000"/>
-            </a:schemeClr>
-          </a:solidFill>
-          <a:ln>
-            <a:noFill/>
-          </a:ln>
-        </p:spPr>
-        <p:style>
-          <a:lnRef idx="0">
-            <a:scrgbClr r="0" g="0" b="0"/>
-          </a:lnRef>
-          <a:fillRef idx="0">
-            <a:scrgbClr r="0" g="0" b="0"/>
-          </a:fillRef>
-          <a:effectRef idx="0">
-            <a:scrgbClr r="0" g="0" b="0"/>
-          </a:effectRef>
-          <a:fontRef idx="minor">
-            <a:schemeClr val="lt1"/>
-          </a:fontRef>
-        </p:style>
-        <p:txBody>
-          <a:bodyPr/>
-          <a:lstStyle/>
-          <a:p>
-            <a:endParaRPr lang="pt-PT" dirty="0"/>
-          </a:p>
-        </p:txBody>
-      </p:sp>
-      <p:sp>
-        <p:nvSpPr>
-          <p:cNvPr id="22" name="Rectangle 21" descr="Speedometer Middle outline">
-            <a:extLst>
-              <a:ext uri="{FF2B5EF4-FFF2-40B4-BE49-F238E27FC236}">
-                <a16:creationId xmlns:a16="http://schemas.microsoft.com/office/drawing/2014/main" id="{20875913-F2F1-152A-994E-4BF052FA6D8C}"/>
-              </a:ext>
-            </a:extLst>
-          </p:cNvPr>
-          <p:cNvSpPr/>
-          <p:nvPr/>
-        </p:nvSpPr>
-        <p:spPr>
-          <a:xfrm>
-            <a:off x="5833956" y="4674823"/>
-            <a:ext cx="511057" cy="511057"/>
-          </a:xfrm>
-          <a:prstGeom prst="rect">
-            <a:avLst/>
-          </a:prstGeom>
-          <a:blipFill>
-            <a:blip r:embed="rId8">
-              <a:extLst>
-                <a:ext uri="{96DAC541-7B7A-43D3-8B79-37D633B846F1}">
-                  <asvg:svgBlip xmlns:asvg="http://schemas.microsoft.com/office/drawing/2016/SVG/main" r:embed="rId9"/>
-                </a:ext>
-              </a:extLst>
-            </a:blip>
-            <a:stretch>
-              <a:fillRect/>
-            </a:stretch>
-          </a:blipFill>
-          <a:ln>
-            <a:noFill/>
-          </a:ln>
-        </p:spPr>
-        <p:style>
-          <a:lnRef idx="2">
-            <a:scrgbClr r="0" g="0" b="0"/>
-          </a:lnRef>
-          <a:fillRef idx="1">
-            <a:scrgbClr r="0" g="0" b="0"/>
-          </a:fillRef>
-          <a:effectRef idx="0">
-            <a:schemeClr val="accent2">
-              <a:hueOff val="0"/>
-              <a:satOff val="0"/>
-              <a:lumOff val="0"/>
-              <a:alphaOff val="0"/>
-            </a:schemeClr>
-          </a:effectRef>
-          <a:fontRef idx="minor">
-            <a:schemeClr val="lt1"/>
-          </a:fontRef>
-        </p:style>
-        <p:txBody>
-          <a:bodyPr/>
-          <a:lstStyle/>
-          <a:p>
-            <a:endParaRPr lang="pt-PT"/>
-          </a:p>
-        </p:txBody>
-      </p:sp>
-      <p:grpSp>
-        <p:nvGrpSpPr>
-          <p:cNvPr id="23" name="Group 22">
-            <a:extLst>
-              <a:ext uri="{FF2B5EF4-FFF2-40B4-BE49-F238E27FC236}">
-                <a16:creationId xmlns:a16="http://schemas.microsoft.com/office/drawing/2014/main" id="{1FE01E6D-A39A-A1C7-6F31-2B6021F6D216}"/>
-              </a:ext>
-            </a:extLst>
-          </p:cNvPr>
-          <p:cNvGrpSpPr/>
-          <p:nvPr/>
-        </p:nvGrpSpPr>
-        <p:grpSpPr>
-          <a:xfrm>
-            <a:off x="5489768" y="5518478"/>
-            <a:ext cx="1212463" cy="324542"/>
-            <a:chOff x="1290068" y="2752245"/>
-            <a:chExt cx="3637736" cy="981524"/>
-          </a:xfrm>
-        </p:grpSpPr>
-        <p:sp>
-          <p:nvSpPr>
-            <p:cNvPr id="24" name="Rectangle 23">
-              <a:extLst>
-                <a:ext uri="{FF2B5EF4-FFF2-40B4-BE49-F238E27FC236}">
-                  <a16:creationId xmlns:a16="http://schemas.microsoft.com/office/drawing/2014/main" id="{F8F72355-EFA4-7B3B-49A1-D2569174A9D4}"/>
-                </a:ext>
-              </a:extLst>
-            </p:cNvPr>
-            <p:cNvSpPr/>
-            <p:nvPr/>
-          </p:nvSpPr>
-          <p:spPr>
-            <a:xfrm>
-              <a:off x="1290068" y="3013769"/>
-              <a:ext cx="3600000" cy="720000"/>
-            </a:xfrm>
-            <a:prstGeom prst="rect">
-              <a:avLst/>
-            </a:prstGeom>
-          </p:spPr>
-          <p:style>
-            <a:lnRef idx="0">
-              <a:schemeClr val="dk1">
-                <a:alpha val="0"/>
-                <a:hueOff val="0"/>
-                <a:satOff val="0"/>
-                <a:lumOff val="0"/>
-                <a:alphaOff val="0"/>
-              </a:schemeClr>
-            </a:lnRef>
-            <a:fillRef idx="0">
-              <a:schemeClr val="lt1">
-                <a:alpha val="0"/>
-                <a:hueOff val="0"/>
-                <a:satOff val="0"/>
-                <a:lumOff val="0"/>
-                <a:alphaOff val="0"/>
-              </a:schemeClr>
-            </a:fillRef>
-            <a:effectRef idx="0">
-              <a:schemeClr val="lt1">
-                <a:alpha val="0"/>
-                <a:hueOff val="0"/>
-                <a:satOff val="0"/>
-                <a:lumOff val="0"/>
-                <a:alphaOff val="0"/>
-              </a:schemeClr>
-            </a:effectRef>
-            <a:fontRef idx="minor">
-              <a:schemeClr val="tx1">
-                <a:hueOff val="0"/>
-                <a:satOff val="0"/>
-                <a:lumOff val="0"/>
-                <a:alphaOff val="0"/>
-              </a:schemeClr>
-            </a:fontRef>
-          </p:style>
-          <p:txBody>
-            <a:bodyPr/>
-            <a:lstStyle/>
-            <a:p>
-              <a:endParaRPr lang="pt-PT"/>
-            </a:p>
-          </p:txBody>
-        </p:sp>
-        <p:sp>
-          <p:nvSpPr>
-            <p:cNvPr id="25" name="TextBox 24">
-              <a:extLst>
-                <a:ext uri="{FF2B5EF4-FFF2-40B4-BE49-F238E27FC236}">
-                  <a16:creationId xmlns:a16="http://schemas.microsoft.com/office/drawing/2014/main" id="{B18A976B-2376-5A17-4F21-58D2BFEDA8D2}"/>
-                </a:ext>
-              </a:extLst>
-            </p:cNvPr>
-            <p:cNvSpPr txBox="1"/>
-            <p:nvPr/>
-          </p:nvSpPr>
-          <p:spPr>
-            <a:xfrm>
-              <a:off x="1327804" y="2752245"/>
-              <a:ext cx="3600000" cy="720000"/>
-            </a:xfrm>
-            <a:prstGeom prst="rect">
-              <a:avLst/>
-            </a:prstGeom>
-          </p:spPr>
-          <p:style>
-            <a:lnRef idx="0">
-              <a:scrgbClr r="0" g="0" b="0"/>
-            </a:lnRef>
-            <a:fillRef idx="0">
-              <a:scrgbClr r="0" g="0" b="0"/>
-            </a:fillRef>
-            <a:effectRef idx="0">
-              <a:scrgbClr r="0" g="0" b="0"/>
-            </a:effectRef>
-            <a:fontRef idx="minor">
-              <a:schemeClr val="tx1">
-                <a:hueOff val="0"/>
-                <a:satOff val="0"/>
-                <a:lumOff val="0"/>
-                <a:alphaOff val="0"/>
-              </a:schemeClr>
-            </a:fontRef>
-          </p:style>
-          <p:txBody>
-            <a:bodyPr spcFirstLastPara="0" vert="horz" wrap="square" lIns="0" tIns="0" rIns="0" bIns="0" numCol="1" spcCol="1270" anchor="t" anchorCtr="0">
-              <a:noAutofit/>
-            </a:bodyPr>
-            <a:lstStyle/>
-            <a:p>
-              <a:pPr marL="0" lvl="0" indent="0" algn="ctr" defTabSz="977900">
-                <a:lnSpc>
-                  <a:spcPct val="100000"/>
-                </a:lnSpc>
-                <a:spcBef>
-                  <a:spcPct val="0"/>
-                </a:spcBef>
-                <a:spcAft>
-                  <a:spcPct val="35000"/>
-                </a:spcAft>
-                <a:buNone/>
-                <a:defRPr cap="all"/>
-              </a:pPr>
-              <a:r>
-                <a:rPr lang="en-US" sz="1400" b="1" i="1" kern="1200" dirty="0"/>
-                <a:t>Normal</a:t>
-              </a:r>
-            </a:p>
-          </p:txBody>
-        </p:sp>
-      </p:grpSp>
-      <p:pic>
-        <p:nvPicPr>
-          <p:cNvPr id="42" name="Picture 41" descr="An aerial view of a road&#10;&#10;Description automatically generated">
-            <a:extLst>
-              <a:ext uri="{FF2B5EF4-FFF2-40B4-BE49-F238E27FC236}">
-                <a16:creationId xmlns:a16="http://schemas.microsoft.com/office/drawing/2014/main" id="{E140ADF6-DD5A-198B-7F9D-B2C2666C36C5}"/>
-              </a:ext>
-            </a:extLst>
-          </p:cNvPr>
-          <p:cNvPicPr>
-            <a:picLocks noChangeAspect="1"/>
-          </p:cNvPicPr>
-          <p:nvPr/>
-        </p:nvPicPr>
-        <p:blipFill>
-          <a:blip r:embed="rId10" cstate="print">
-            <a:extLst>
-              <a:ext uri="{28A0092B-C50C-407E-A947-70E740481C1C}">
-                <a14:useLocalDpi xmlns:a14="http://schemas.microsoft.com/office/drawing/2010/main" val="0"/>
-              </a:ext>
-            </a:extLst>
-          </a:blip>
-          <a:srcRect/>
-          <a:stretch>
-            <a:fillRect/>
-          </a:stretch>
-        </p:blipFill>
-        <p:spPr bwMode="auto">
-          <a:xfrm>
-            <a:off x="8231205" y="1335792"/>
-            <a:ext cx="3037668" cy="2278251"/>
-          </a:xfrm>
-          <a:prstGeom prst="rect">
-            <a:avLst/>
-          </a:prstGeom>
-          <a:noFill/>
-          <a:ln>
-            <a:noFill/>
-          </a:ln>
-        </p:spPr>
-      </p:pic>
-      <p:sp>
-        <p:nvSpPr>
-          <p:cNvPr id="44" name="TextBox 43">
-            <a:extLst>
-              <a:ext uri="{FF2B5EF4-FFF2-40B4-BE49-F238E27FC236}">
-                <a16:creationId xmlns:a16="http://schemas.microsoft.com/office/drawing/2014/main" id="{DB1B4EB5-C10E-080A-95A7-899B85F0BFE0}"/>
-              </a:ext>
-            </a:extLst>
-          </p:cNvPr>
-          <p:cNvSpPr txBox="1"/>
-          <p:nvPr/>
-        </p:nvSpPr>
-        <p:spPr>
-          <a:xfrm>
-            <a:off x="8250156" y="3614044"/>
-            <a:ext cx="3023480" cy="246221"/>
-          </a:xfrm>
-          <a:prstGeom prst="rect">
-            <a:avLst/>
-          </a:prstGeom>
-          <a:noFill/>
-        </p:spPr>
-        <p:txBody>
-          <a:bodyPr wrap="square" rtlCol="0">
-            <a:spAutoFit/>
-          </a:bodyPr>
-          <a:lstStyle/>
-          <a:p>
-            <a:pPr algn="ctr"/>
-            <a:r>
-              <a:rPr lang="pt-PT" sz="1000" dirty="0"/>
-              <a:t>Cenário de condução - Interseção</a:t>
-            </a:r>
-          </a:p>
-        </p:txBody>
-      </p:sp>
-    </p:spTree>
-    <p:extLst>
-      <p:ext uri="{BB962C8B-B14F-4D97-AF65-F5344CB8AC3E}">
-        <p14:creationId xmlns:p14="http://schemas.microsoft.com/office/powerpoint/2010/main" val="2053448630"/>
-      </p:ext>
-    </p:extLst>
-  </p:cSld>
-  <p:clrMapOvr>
-    <a:masterClrMapping/>
-  </p:clrMapOvr>
-  <p:timing>
-    <p:tnLst>
-      <p:par>
-        <p:cTn id="1" dur="indefinite" restart="never" nodeType="tmRoot">
-          <p:childTnLst>
-            <p:seq concurrent="1" nextAc="seek">
-              <p:cTn id="2" dur="indefinite" nodeType="mainSeq">
-                <p:childTnLst>
-                  <p:par>
-                    <p:cTn id="3" fill="hold">
-                      <p:stCondLst>
-                        <p:cond delay="indefinite"/>
-                      </p:stCondLst>
-                      <p:childTnLst>
-                        <p:par>
-                          <p:cTn id="4" fill="hold">
-                            <p:stCondLst>
-                              <p:cond delay="0"/>
-                            </p:stCondLst>
-                            <p:childTnLst>
-                              <p:par>
-                                <p:cTn id="5" presetID="1" presetClass="entr" presetSubtype="0" fill="hold" nodeType="clickEffect">
-                                  <p:stCondLst>
-                                    <p:cond delay="0"/>
-                                  </p:stCondLst>
-                                  <p:childTnLst>
-                                    <p:set>
-                                      <p:cBhvr>
-                                        <p:cTn id="6" dur="1" fill="hold">
-                                          <p:stCondLst>
-                                            <p:cond delay="0"/>
-                                          </p:stCondLst>
-                                        </p:cTn>
-                                        <p:tgtEl>
-                                          <p:spTgt spid="9"/>
-                                        </p:tgtEl>
-                                        <p:attrNameLst>
-                                          <p:attrName>style.visibility</p:attrName>
-                                        </p:attrNameLst>
-                                      </p:cBhvr>
-                                      <p:to>
-                                        <p:strVal val="visible"/>
-                                      </p:to>
-                                    </p:set>
-                                  </p:childTnLst>
-                                </p:cTn>
-                              </p:par>
-                            </p:childTnLst>
-                          </p:cTn>
-                        </p:par>
-                      </p:childTnLst>
-                    </p:cTn>
-                  </p:par>
-                  <p:par>
-                    <p:cTn id="7" fill="hold">
-                      <p:stCondLst>
-                        <p:cond delay="indefinite"/>
-                      </p:stCondLst>
-                      <p:childTnLst>
-                        <p:par>
-                          <p:cTn id="8" fill="hold">
-                            <p:stCondLst>
-                              <p:cond delay="0"/>
-                            </p:stCondLst>
-                            <p:childTnLst>
-                              <p:par>
-                                <p:cTn id="9" presetID="1" presetClass="entr" presetSubtype="0" fill="hold" grpId="0" nodeType="clickEffect">
-                                  <p:stCondLst>
-                                    <p:cond delay="0"/>
-                                  </p:stCondLst>
-                                  <p:childTnLst>
-                                    <p:set>
-                                      <p:cBhvr>
-                                        <p:cTn id="10" dur="1" fill="hold">
-                                          <p:stCondLst>
-                                            <p:cond delay="0"/>
-                                          </p:stCondLst>
-                                        </p:cTn>
-                                        <p:tgtEl>
-                                          <p:spTgt spid="44"/>
-                                        </p:tgtEl>
-                                        <p:attrNameLst>
-                                          <p:attrName>style.visibility</p:attrName>
-                                        </p:attrNameLst>
-                                      </p:cBhvr>
-                                      <p:to>
-                                        <p:strVal val="visible"/>
-                                      </p:to>
-                                    </p:set>
-                                  </p:childTnLst>
-                                </p:cTn>
-                              </p:par>
-                              <p:par>
-                                <p:cTn id="11" presetID="1" presetClass="entr" presetSubtype="0" fill="hold" nodeType="withEffect">
-                                  <p:stCondLst>
-                                    <p:cond delay="0"/>
-                                  </p:stCondLst>
-                                  <p:childTnLst>
-                                    <p:set>
-                                      <p:cBhvr>
-                                        <p:cTn id="12" dur="1" fill="hold">
-                                          <p:stCondLst>
-                                            <p:cond delay="0"/>
-                                          </p:stCondLst>
-                                        </p:cTn>
-                                        <p:tgtEl>
-                                          <p:spTgt spid="42"/>
-                                        </p:tgtEl>
-                                        <p:attrNameLst>
-                                          <p:attrName>style.visibility</p:attrName>
-                                        </p:attrNameLst>
-                                      </p:cBhvr>
-                                      <p:to>
-                                        <p:strVal val="visible"/>
-                                      </p:to>
-                                    </p:set>
-                                  </p:childTnLst>
-                                </p:cTn>
-                              </p:par>
-                            </p:childTnLst>
-                          </p:cTn>
-                        </p:par>
-                      </p:childTnLst>
-                    </p:cTn>
-                  </p:par>
-                  <p:par>
-                    <p:cTn id="13" fill="hold">
-                      <p:stCondLst>
-                        <p:cond delay="indefinite"/>
-                      </p:stCondLst>
-                      <p:childTnLst>
-                        <p:par>
-                          <p:cTn id="14" fill="hold">
-                            <p:stCondLst>
-                              <p:cond delay="0"/>
-                            </p:stCondLst>
-                            <p:childTnLst>
-                              <p:par>
-                                <p:cTn id="15" presetID="1" presetClass="entr" presetSubtype="0" fill="hold" grpId="0" nodeType="clickEffect">
-                                  <p:stCondLst>
-                                    <p:cond delay="0"/>
-                                  </p:stCondLst>
-                                  <p:childTnLst>
-                                    <p:set>
-                                      <p:cBhvr>
-                                        <p:cTn id="16" dur="1" fill="hold">
-                                          <p:stCondLst>
-                                            <p:cond delay="0"/>
-                                          </p:stCondLst>
-                                        </p:cTn>
-                                        <p:tgtEl>
-                                          <p:spTgt spid="10"/>
-                                        </p:tgtEl>
-                                        <p:attrNameLst>
-                                          <p:attrName>style.visibility</p:attrName>
-                                        </p:attrNameLst>
-                                      </p:cBhvr>
-                                      <p:to>
-                                        <p:strVal val="visible"/>
-                                      </p:to>
-                                    </p:set>
-                                  </p:childTnLst>
-                                </p:cTn>
-                              </p:par>
-                              <p:par>
-                                <p:cTn id="17" presetID="1" presetClass="entr" presetSubtype="0" fill="hold" grpId="0" nodeType="withEffect">
-                                  <p:stCondLst>
-                                    <p:cond delay="0"/>
-                                  </p:stCondLst>
-                                  <p:childTnLst>
-                                    <p:set>
-                                      <p:cBhvr>
-                                        <p:cTn id="18" dur="1" fill="hold">
-                                          <p:stCondLst>
-                                            <p:cond delay="0"/>
-                                          </p:stCondLst>
-                                        </p:cTn>
-                                        <p:tgtEl>
-                                          <p:spTgt spid="11"/>
-                                        </p:tgtEl>
-                                        <p:attrNameLst>
-                                          <p:attrName>style.visibility</p:attrName>
-                                        </p:attrNameLst>
-                                      </p:cBhvr>
-                                      <p:to>
-                                        <p:strVal val="visible"/>
-                                      </p:to>
-                                    </p:set>
-                                  </p:childTnLst>
-                                </p:cTn>
-                              </p:par>
-                              <p:par>
-                                <p:cTn id="19" presetID="1" presetClass="entr" presetSubtype="0" fill="hold" nodeType="withEffect">
-                                  <p:stCondLst>
-                                    <p:cond delay="0"/>
-                                  </p:stCondLst>
-                                  <p:childTnLst>
-                                    <p:set>
-                                      <p:cBhvr>
-                                        <p:cTn id="20" dur="1" fill="hold">
-                                          <p:stCondLst>
-                                            <p:cond delay="0"/>
-                                          </p:stCondLst>
-                                        </p:cTn>
-                                        <p:tgtEl>
-                                          <p:spTgt spid="12"/>
-                                        </p:tgtEl>
-                                        <p:attrNameLst>
-                                          <p:attrName>style.visibility</p:attrName>
-                                        </p:attrNameLst>
-                                      </p:cBhvr>
-                                      <p:to>
-                                        <p:strVal val="visible"/>
-                                      </p:to>
-                                    </p:set>
-                                  </p:childTnLst>
-                                </p:cTn>
-                              </p:par>
-                            </p:childTnLst>
-                          </p:cTn>
-                        </p:par>
-                        <p:par>
-                          <p:cTn id="21" fill="hold">
-                            <p:stCondLst>
-                              <p:cond delay="0"/>
-                            </p:stCondLst>
-                            <p:childTnLst>
-                              <p:par>
-                                <p:cTn id="22" presetID="1" presetClass="entr" presetSubtype="0" fill="hold" grpId="0" nodeType="afterEffect">
-                                  <p:stCondLst>
-                                    <p:cond delay="500"/>
-                                  </p:stCondLst>
-                                  <p:childTnLst>
-                                    <p:set>
-                                      <p:cBhvr>
-                                        <p:cTn id="23" dur="1" fill="hold">
-                                          <p:stCondLst>
-                                            <p:cond delay="0"/>
-                                          </p:stCondLst>
-                                        </p:cTn>
-                                        <p:tgtEl>
-                                          <p:spTgt spid="21"/>
-                                        </p:tgtEl>
-                                        <p:attrNameLst>
-                                          <p:attrName>style.visibility</p:attrName>
-                                        </p:attrNameLst>
-                                      </p:cBhvr>
-                                      <p:to>
-                                        <p:strVal val="visible"/>
-                                      </p:to>
-                                    </p:set>
-                                  </p:childTnLst>
-                                </p:cTn>
-                              </p:par>
-                              <p:par>
-                                <p:cTn id="24" presetID="1" presetClass="entr" presetSubtype="0" fill="hold" grpId="0" nodeType="withEffect">
-                                  <p:stCondLst>
-                                    <p:cond delay="500"/>
-                                  </p:stCondLst>
-                                  <p:childTnLst>
-                                    <p:set>
-                                      <p:cBhvr>
-                                        <p:cTn id="25" dur="1" fill="hold">
-                                          <p:stCondLst>
-                                            <p:cond delay="0"/>
-                                          </p:stCondLst>
-                                        </p:cTn>
-                                        <p:tgtEl>
-                                          <p:spTgt spid="22"/>
-                                        </p:tgtEl>
-                                        <p:attrNameLst>
-                                          <p:attrName>style.visibility</p:attrName>
-                                        </p:attrNameLst>
-                                      </p:cBhvr>
-                                      <p:to>
-                                        <p:strVal val="visible"/>
-                                      </p:to>
-                                    </p:set>
-                                  </p:childTnLst>
-                                </p:cTn>
-                              </p:par>
-                              <p:par>
-                                <p:cTn id="26" presetID="1" presetClass="entr" presetSubtype="0" fill="hold" nodeType="withEffect">
-                                  <p:stCondLst>
-                                    <p:cond delay="500"/>
-                                  </p:stCondLst>
-                                  <p:childTnLst>
-                                    <p:set>
-                                      <p:cBhvr>
-                                        <p:cTn id="27" dur="1" fill="hold">
-                                          <p:stCondLst>
-                                            <p:cond delay="0"/>
-                                          </p:stCondLst>
-                                        </p:cTn>
-                                        <p:tgtEl>
-                                          <p:spTgt spid="23"/>
-                                        </p:tgtEl>
-                                        <p:attrNameLst>
-                                          <p:attrName>style.visibility</p:attrName>
-                                        </p:attrNameLst>
-                                      </p:cBhvr>
-                                      <p:to>
-                                        <p:strVal val="visible"/>
-                                      </p:to>
-                                    </p:set>
-                                  </p:childTnLst>
-                                </p:cTn>
-                              </p:par>
-                            </p:childTnLst>
-                          </p:cTn>
-                        </p:par>
-                        <p:par>
-                          <p:cTn id="28" fill="hold">
-                            <p:stCondLst>
-                              <p:cond delay="500"/>
-                            </p:stCondLst>
-                            <p:childTnLst>
-                              <p:par>
-                                <p:cTn id="29" presetID="1" presetClass="entr" presetSubtype="0" fill="hold" grpId="0" nodeType="afterEffect">
-                                  <p:stCondLst>
-                                    <p:cond delay="500"/>
-                                  </p:stCondLst>
-                                  <p:childTnLst>
-                                    <p:set>
-                                      <p:cBhvr>
-                                        <p:cTn id="30" dur="1" fill="hold">
-                                          <p:stCondLst>
-                                            <p:cond delay="0"/>
-                                          </p:stCondLst>
-                                        </p:cTn>
-                                        <p:tgtEl>
-                                          <p:spTgt spid="16"/>
-                                        </p:tgtEl>
-                                        <p:attrNameLst>
-                                          <p:attrName>style.visibility</p:attrName>
-                                        </p:attrNameLst>
-                                      </p:cBhvr>
-                                      <p:to>
-                                        <p:strVal val="visible"/>
-                                      </p:to>
-                                    </p:set>
-                                  </p:childTnLst>
-                                </p:cTn>
-                              </p:par>
-                              <p:par>
-                                <p:cTn id="31" presetID="1" presetClass="entr" presetSubtype="0" fill="hold" grpId="0" nodeType="withEffect">
-                                  <p:stCondLst>
-                                    <p:cond delay="500"/>
-                                  </p:stCondLst>
-                                  <p:childTnLst>
-                                    <p:set>
-                                      <p:cBhvr>
-                                        <p:cTn id="32" dur="1" fill="hold">
-                                          <p:stCondLst>
-                                            <p:cond delay="0"/>
-                                          </p:stCondLst>
-                                        </p:cTn>
-                                        <p:tgtEl>
-                                          <p:spTgt spid="17"/>
-                                        </p:tgtEl>
-                                        <p:attrNameLst>
-                                          <p:attrName>style.visibility</p:attrName>
-                                        </p:attrNameLst>
-                                      </p:cBhvr>
-                                      <p:to>
-                                        <p:strVal val="visible"/>
-                                      </p:to>
-                                    </p:set>
-                                  </p:childTnLst>
-                                </p:cTn>
-                              </p:par>
-                              <p:par>
-                                <p:cTn id="33" presetID="1" presetClass="entr" presetSubtype="0" fill="hold" nodeType="withEffect">
-                                  <p:stCondLst>
-                                    <p:cond delay="500"/>
-                                  </p:stCondLst>
-                                  <p:childTnLst>
-                                    <p:set>
-                                      <p:cBhvr>
-                                        <p:cTn id="34" dur="1" fill="hold">
-                                          <p:stCondLst>
-                                            <p:cond delay="0"/>
-                                          </p:stCondLst>
-                                        </p:cTn>
-                                        <p:tgtEl>
-                                          <p:spTgt spid="18"/>
-                                        </p:tgtEl>
-                                        <p:attrNameLst>
-                                          <p:attrName>style.visibility</p:attrName>
-                                        </p:attrNameLst>
-                                      </p:cBhvr>
-                                      <p:to>
-                                        <p:strVal val="visible"/>
-                                      </p:to>
-                                    </p:set>
-                                  </p:childTnLst>
-                                </p:cTn>
-                              </p:par>
-                            </p:childTnLst>
-                          </p:cTn>
-                        </p:par>
-                      </p:childTnLst>
-                    </p:cTn>
-                  </p:par>
-                </p:childTnLst>
-              </p:cTn>
-              <p:prevCondLst>
-                <p:cond evt="onPrev" delay="0">
-                  <p:tgtEl>
-                    <p:sldTgt/>
-                  </p:tgtEl>
-                </p:cond>
-              </p:prevCondLst>
-              <p:nextCondLst>
-                <p:cond evt="onNext" delay="0">
-                  <p:tgtEl>
-                    <p:sldTgt/>
-                  </p:tgtEl>
-                </p:cond>
-              </p:nextCondLst>
-            </p:seq>
-          </p:childTnLst>
-        </p:cTn>
-      </p:par>
-    </p:tnLst>
-    <p:bldLst>
-      <p:bldP spid="10" grpId="0" animBg="1"/>
-      <p:bldP spid="11" grpId="0" animBg="1"/>
-      <p:bldP spid="16" grpId="0" animBg="1"/>
-      <p:bldP spid="17" grpId="0" animBg="1"/>
-      <p:bldP spid="21" grpId="0" animBg="1"/>
-      <p:bldP spid="22" grpId="0" animBg="1"/>
-      <p:bldP spid="44" grpId="0"/>
-    </p:bldLst>
-  </p:timing>
-</p:sld>
-</file>
-
-<file path=ppt/slides/slide18.xml><?xml version="1.0" encoding="utf-8"?>
-<p:sld xmlns:a="http://schemas.openxmlformats.org/drawingml/2006/main" xmlns:r="http://schemas.openxmlformats.org/officeDocument/2006/relationships" xmlns:p="http://schemas.openxmlformats.org/presentationml/2006/main">
-  <p:cSld>
-    <p:spTree>
-      <p:nvGrpSpPr>
-        <p:cNvPr id="1" name=""/>
-        <p:cNvGrpSpPr/>
-        <p:nvPr/>
-      </p:nvGrpSpPr>
-      <p:grpSpPr>
-        <a:xfrm>
-          <a:off x="0" y="0"/>
-          <a:ext cx="0" cy="0"/>
-          <a:chOff x="0" y="0"/>
-          <a:chExt cx="0" cy="0"/>
-        </a:xfrm>
-      </p:grpSpPr>
-      <p:sp>
-        <p:nvSpPr>
-          <p:cNvPr id="4" name="Slide Number Placeholder 3">
-            <a:extLst>
-              <a:ext uri="{FF2B5EF4-FFF2-40B4-BE49-F238E27FC236}">
-                <a16:creationId xmlns:a16="http://schemas.microsoft.com/office/drawing/2014/main" id="{527C964F-E2D5-D8E7-C513-C47A7E409DF3}"/>
-              </a:ext>
-            </a:extLst>
-          </p:cNvPr>
-          <p:cNvSpPr>
-            <a:spLocks noGrp="1"/>
-          </p:cNvSpPr>
-          <p:nvPr>
-            <p:ph type="sldNum" sz="quarter" idx="15"/>
-          </p:nvPr>
-        </p:nvSpPr>
-        <p:spPr/>
-        <p:txBody>
-          <a:bodyPr/>
-          <a:lstStyle/>
-          <a:p>
-            <a:fld id="{18D65601-5AE2-46FC-B138-694DDD2B510D}" type="slidenum">
-              <a:rPr lang="en-US" sz="1800" smtClean="0"/>
-              <a:pPr/>
-              <a:t>18</a:t>
-            </a:fld>
-            <a:endParaRPr lang="en-US" sz="1800" dirty="0"/>
-          </a:p>
-        </p:txBody>
-      </p:sp>
-      <p:sp>
-        <p:nvSpPr>
-          <p:cNvPr id="6" name="Footer Placeholder 4">
-            <a:extLst>
-              <a:ext uri="{FF2B5EF4-FFF2-40B4-BE49-F238E27FC236}">
-                <a16:creationId xmlns:a16="http://schemas.microsoft.com/office/drawing/2014/main" id="{0D821BC6-79CF-66F1-F00C-E2213C505826}"/>
-              </a:ext>
-            </a:extLst>
-          </p:cNvPr>
-          <p:cNvSpPr txBox="1">
-            <a:spLocks/>
-          </p:cNvSpPr>
-          <p:nvPr/>
-        </p:nvSpPr>
-        <p:spPr>
-          <a:xfrm>
-            <a:off x="4038600" y="6333565"/>
-            <a:ext cx="4114800" cy="365125"/>
-          </a:xfrm>
-          <a:prstGeom prst="rect">
-            <a:avLst/>
-          </a:prstGeom>
-        </p:spPr>
-        <p:txBody>
-          <a:bodyPr vert="horz" lIns="91440" tIns="45720" rIns="91440" bIns="45720" rtlCol="0" anchor="ctr"/>
-          <a:lstStyle>
-            <a:defPPr>
-              <a:defRPr lang="en-US"/>
-            </a:defPPr>
-            <a:lvl1pPr marL="0" algn="ctr" defTabSz="914400" rtl="0" eaLnBrk="1" latinLnBrk="0" hangingPunct="1">
-              <a:defRPr sz="900" b="0" kern="1200" cap="all" spc="150" baseline="0">
-                <a:solidFill>
-                  <a:schemeClr val="bg2">
-                    <a:lumMod val="50000"/>
-                  </a:schemeClr>
-                </a:solidFill>
-                <a:latin typeface="Univers Light" panose="020B0403020202020204" pitchFamily="34" charset="0"/>
-                <a:ea typeface="+mn-ea"/>
-                <a:cs typeface="+mn-cs"/>
-              </a:defRPr>
-            </a:lvl1pPr>
-            <a:lvl2pPr marL="457200" algn="l" defTabSz="914400" rtl="0" eaLnBrk="1" latinLnBrk="0" hangingPunct="1">
-              <a:defRPr sz="1800" kern="1200">
-                <a:solidFill>
-                  <a:schemeClr val="tx1"/>
-                </a:solidFill>
-                <a:latin typeface="+mn-lt"/>
-                <a:ea typeface="+mn-ea"/>
-                <a:cs typeface="+mn-cs"/>
-              </a:defRPr>
-            </a:lvl2pPr>
-            <a:lvl3pPr marL="914400" algn="l" defTabSz="914400" rtl="0" eaLnBrk="1" latinLnBrk="0" hangingPunct="1">
-              <a:defRPr sz="1800" kern="1200">
-                <a:solidFill>
-                  <a:schemeClr val="tx1"/>
-                </a:solidFill>
-                <a:latin typeface="+mn-lt"/>
-                <a:ea typeface="+mn-ea"/>
-                <a:cs typeface="+mn-cs"/>
-              </a:defRPr>
-            </a:lvl3pPr>
-            <a:lvl4pPr marL="1371600" algn="l" defTabSz="914400" rtl="0" eaLnBrk="1" latinLnBrk="0" hangingPunct="1">
-              <a:defRPr sz="1800" kern="1200">
-                <a:solidFill>
-                  <a:schemeClr val="tx1"/>
-                </a:solidFill>
-                <a:latin typeface="+mn-lt"/>
-                <a:ea typeface="+mn-ea"/>
-                <a:cs typeface="+mn-cs"/>
-              </a:defRPr>
-            </a:lvl4pPr>
-            <a:lvl5pPr marL="1828800" algn="l" defTabSz="914400" rtl="0" eaLnBrk="1" latinLnBrk="0" hangingPunct="1">
-              <a:defRPr sz="1800" kern="1200">
-                <a:solidFill>
-                  <a:schemeClr val="tx1"/>
-                </a:solidFill>
-                <a:latin typeface="+mn-lt"/>
-                <a:ea typeface="+mn-ea"/>
-                <a:cs typeface="+mn-cs"/>
-              </a:defRPr>
-            </a:lvl5pPr>
-            <a:lvl6pPr marL="2286000" algn="l" defTabSz="914400" rtl="0" eaLnBrk="1" latinLnBrk="0" hangingPunct="1">
-              <a:defRPr sz="1800" kern="1200">
-                <a:solidFill>
-                  <a:schemeClr val="tx1"/>
-                </a:solidFill>
-                <a:latin typeface="+mn-lt"/>
-                <a:ea typeface="+mn-ea"/>
-                <a:cs typeface="+mn-cs"/>
-              </a:defRPr>
-            </a:lvl6pPr>
-            <a:lvl7pPr marL="2743200" algn="l" defTabSz="914400" rtl="0" eaLnBrk="1" latinLnBrk="0" hangingPunct="1">
-              <a:defRPr sz="1800" kern="1200">
-                <a:solidFill>
-                  <a:schemeClr val="tx1"/>
-                </a:solidFill>
-                <a:latin typeface="+mn-lt"/>
-                <a:ea typeface="+mn-ea"/>
-                <a:cs typeface="+mn-cs"/>
-              </a:defRPr>
-            </a:lvl7pPr>
-            <a:lvl8pPr marL="3200400" algn="l" defTabSz="914400" rtl="0" eaLnBrk="1" latinLnBrk="0" hangingPunct="1">
-              <a:defRPr sz="1800" kern="1200">
-                <a:solidFill>
-                  <a:schemeClr val="tx1"/>
-                </a:solidFill>
-                <a:latin typeface="+mn-lt"/>
-                <a:ea typeface="+mn-ea"/>
-                <a:cs typeface="+mn-cs"/>
-              </a:defRPr>
-            </a:lvl8pPr>
-            <a:lvl9pPr marL="3657600" algn="l" defTabSz="914400" rtl="0" eaLnBrk="1" latinLnBrk="0" hangingPunct="1">
-              <a:defRPr sz="1800" kern="1200">
-                <a:solidFill>
-                  <a:schemeClr val="tx1"/>
-                </a:solidFill>
-                <a:latin typeface="+mn-lt"/>
-                <a:ea typeface="+mn-ea"/>
-                <a:cs typeface="+mn-cs"/>
-              </a:defRPr>
-            </a:lvl9pPr>
-          </a:lstStyle>
-          <a:p>
-            <a:pPr>
-              <a:lnSpc>
-                <a:spcPct val="150000"/>
-              </a:lnSpc>
-            </a:pPr>
-            <a:r>
-              <a:rPr lang="pt-PT" sz="800" dirty="0"/>
-              <a:t>Ai driving classification</a:t>
-            </a:r>
-          </a:p>
-          <a:p>
-            <a:pPr>
-              <a:lnSpc>
-                <a:spcPct val="150000"/>
-              </a:lnSpc>
-            </a:pPr>
-            <a:r>
-              <a:rPr lang="pt-PT" sz="800" dirty="0"/>
-              <a:t>Alberto pingo | joão castro</a:t>
-            </a:r>
-          </a:p>
-        </p:txBody>
-      </p:sp>
-      <p:pic>
-        <p:nvPicPr>
-          <p:cNvPr id="7" name="Picture 6" descr="A black background with a black square&#10;&#10;Description automatically generated with medium confidence">
-            <a:extLst>
-              <a:ext uri="{FF2B5EF4-FFF2-40B4-BE49-F238E27FC236}">
-                <a16:creationId xmlns:a16="http://schemas.microsoft.com/office/drawing/2014/main" id="{05200A96-EEA7-9B7D-506A-BF4FE113C176}"/>
-              </a:ext>
-            </a:extLst>
-          </p:cNvPr>
-          <p:cNvPicPr>
-            <a:picLocks noChangeAspect="1"/>
-          </p:cNvPicPr>
-          <p:nvPr/>
-        </p:nvPicPr>
-        <p:blipFill>
-          <a:blip r:embed="rId3">
-            <a:alphaModFix amt="70000"/>
-            <a:extLst>
-              <a:ext uri="{28A0092B-C50C-407E-A947-70E740481C1C}">
-                <a14:useLocalDpi xmlns:a14="http://schemas.microsoft.com/office/drawing/2010/main" val="0"/>
-              </a:ext>
-            </a:extLst>
-          </a:blip>
-          <a:stretch>
-            <a:fillRect/>
-          </a:stretch>
-        </p:blipFill>
-        <p:spPr>
-          <a:xfrm>
-            <a:off x="10582445" y="5985436"/>
-            <a:ext cx="1441915" cy="568239"/>
-          </a:xfrm>
-          <a:prstGeom prst="rect">
-            <a:avLst/>
-          </a:prstGeom>
-        </p:spPr>
-      </p:pic>
-      <p:sp>
-        <p:nvSpPr>
-          <p:cNvPr id="2" name="Title 1">
-            <a:extLst>
-              <a:ext uri="{FF2B5EF4-FFF2-40B4-BE49-F238E27FC236}">
-                <a16:creationId xmlns:a16="http://schemas.microsoft.com/office/drawing/2014/main" id="{4662EDDE-6B1A-D0AC-F9F2-C67719C36532}"/>
-              </a:ext>
-            </a:extLst>
-          </p:cNvPr>
-          <p:cNvSpPr>
-            <a:spLocks noGrp="1"/>
-          </p:cNvSpPr>
-          <p:nvPr>
-            <p:ph type="title"/>
-          </p:nvPr>
-        </p:nvSpPr>
-        <p:spPr>
-          <a:xfrm>
-            <a:off x="1520662" y="252034"/>
-            <a:ext cx="9753890" cy="409176"/>
-          </a:xfrm>
-        </p:spPr>
-        <p:txBody>
-          <a:bodyPr>
-            <a:normAutofit fontScale="90000"/>
-          </a:bodyPr>
-          <a:lstStyle/>
-          <a:p>
-            <a:r>
-              <a:rPr lang="pt-PT" i="1" dirty="0"/>
-              <a:t>Segunda Abordagem - Processamento de dados</a:t>
-            </a:r>
-          </a:p>
-        </p:txBody>
-      </p:sp>
-      <p:pic>
-        <p:nvPicPr>
-          <p:cNvPr id="9" name="Picture 8" descr="A diagram of a company&#10;&#10;Description automatically generated">
-            <a:extLst>
-              <a:ext uri="{FF2B5EF4-FFF2-40B4-BE49-F238E27FC236}">
-                <a16:creationId xmlns:a16="http://schemas.microsoft.com/office/drawing/2014/main" id="{53C25548-7C2E-E6F3-AD76-D6C5CF10F480}"/>
-              </a:ext>
-            </a:extLst>
-          </p:cNvPr>
-          <p:cNvPicPr>
-            <a:picLocks noChangeAspect="1"/>
-          </p:cNvPicPr>
-          <p:nvPr/>
-        </p:nvPicPr>
-        <p:blipFill>
-          <a:blip r:embed="rId4"/>
-          <a:srcRect t="-32" b="49487"/>
-          <a:stretch/>
-        </p:blipFill>
-        <p:spPr>
-          <a:xfrm>
-            <a:off x="3606826" y="1019346"/>
-            <a:ext cx="4978348" cy="4819308"/>
-          </a:xfrm>
-          <a:prstGeom prst="rect">
-            <a:avLst/>
-          </a:prstGeom>
-        </p:spPr>
-      </p:pic>
-    </p:spTree>
-    <p:extLst>
-      <p:ext uri="{BB962C8B-B14F-4D97-AF65-F5344CB8AC3E}">
-        <p14:creationId xmlns:p14="http://schemas.microsoft.com/office/powerpoint/2010/main" val="725260203"/>
-      </p:ext>
-    </p:extLst>
-  </p:cSld>
-  <p:clrMapOvr>
-    <a:masterClrMapping/>
-  </p:clrMapOvr>
-</p:sld>
-</file>
-
-<file path=ppt/slides/slide19.xml><?xml version="1.0" encoding="utf-8"?>
-<p:sld xmlns:a="http://schemas.openxmlformats.org/drawingml/2006/main" xmlns:r="http://schemas.openxmlformats.org/officeDocument/2006/relationships" xmlns:p="http://schemas.openxmlformats.org/presentationml/2006/main">
-  <p:cSld>
-    <p:spTree>
-      <p:nvGrpSpPr>
-        <p:cNvPr id="1" name=""/>
-        <p:cNvGrpSpPr/>
-        <p:nvPr/>
-      </p:nvGrpSpPr>
-      <p:grpSpPr>
-        <a:xfrm>
-          <a:off x="0" y="0"/>
-          <a:ext cx="0" cy="0"/>
-          <a:chOff x="0" y="0"/>
-          <a:chExt cx="0" cy="0"/>
-        </a:xfrm>
-      </p:grpSpPr>
-      <p:sp>
-        <p:nvSpPr>
-          <p:cNvPr id="4" name="Slide Number Placeholder 3">
-            <a:extLst>
-              <a:ext uri="{FF2B5EF4-FFF2-40B4-BE49-F238E27FC236}">
-                <a16:creationId xmlns:a16="http://schemas.microsoft.com/office/drawing/2014/main" id="{527C964F-E2D5-D8E7-C513-C47A7E409DF3}"/>
-              </a:ext>
-            </a:extLst>
-          </p:cNvPr>
-          <p:cNvSpPr>
-            <a:spLocks noGrp="1"/>
-          </p:cNvSpPr>
-          <p:nvPr>
-            <p:ph type="sldNum" sz="quarter" idx="15"/>
-          </p:nvPr>
-        </p:nvSpPr>
-        <p:spPr/>
-        <p:txBody>
-          <a:bodyPr/>
-          <a:lstStyle/>
-          <a:p>
-            <a:fld id="{18D65601-5AE2-46FC-B138-694DDD2B510D}" type="slidenum">
-              <a:rPr lang="en-US" sz="1800" smtClean="0"/>
-              <a:pPr/>
-              <a:t>19</a:t>
-            </a:fld>
-            <a:endParaRPr lang="en-US" sz="1800" dirty="0"/>
-          </a:p>
-        </p:txBody>
-      </p:sp>
-      <p:sp>
-        <p:nvSpPr>
-          <p:cNvPr id="6" name="Footer Placeholder 4">
-            <a:extLst>
-              <a:ext uri="{FF2B5EF4-FFF2-40B4-BE49-F238E27FC236}">
-                <a16:creationId xmlns:a16="http://schemas.microsoft.com/office/drawing/2014/main" id="{0D821BC6-79CF-66F1-F00C-E2213C505826}"/>
-              </a:ext>
-            </a:extLst>
-          </p:cNvPr>
-          <p:cNvSpPr txBox="1">
-            <a:spLocks/>
-          </p:cNvSpPr>
-          <p:nvPr/>
-        </p:nvSpPr>
-        <p:spPr>
-          <a:xfrm>
-            <a:off x="4038600" y="6333565"/>
-            <a:ext cx="4114800" cy="365125"/>
-          </a:xfrm>
-          <a:prstGeom prst="rect">
-            <a:avLst/>
-          </a:prstGeom>
-        </p:spPr>
-        <p:txBody>
-          <a:bodyPr vert="horz" lIns="91440" tIns="45720" rIns="91440" bIns="45720" rtlCol="0" anchor="ctr"/>
-          <a:lstStyle>
-            <a:defPPr>
-              <a:defRPr lang="en-US"/>
-            </a:defPPr>
-            <a:lvl1pPr marL="0" algn="ctr" defTabSz="914400" rtl="0" eaLnBrk="1" latinLnBrk="0" hangingPunct="1">
-              <a:defRPr sz="900" b="0" kern="1200" cap="all" spc="150" baseline="0">
-                <a:solidFill>
-                  <a:schemeClr val="bg2">
-                    <a:lumMod val="50000"/>
-                  </a:schemeClr>
-                </a:solidFill>
-                <a:latin typeface="Univers Light" panose="020B0403020202020204" pitchFamily="34" charset="0"/>
-                <a:ea typeface="+mn-ea"/>
-                <a:cs typeface="+mn-cs"/>
-              </a:defRPr>
-            </a:lvl1pPr>
-            <a:lvl2pPr marL="457200" algn="l" defTabSz="914400" rtl="0" eaLnBrk="1" latinLnBrk="0" hangingPunct="1">
-              <a:defRPr sz="1800" kern="1200">
-                <a:solidFill>
-                  <a:schemeClr val="tx1"/>
-                </a:solidFill>
-                <a:latin typeface="+mn-lt"/>
-                <a:ea typeface="+mn-ea"/>
-                <a:cs typeface="+mn-cs"/>
-              </a:defRPr>
-            </a:lvl2pPr>
-            <a:lvl3pPr marL="914400" algn="l" defTabSz="914400" rtl="0" eaLnBrk="1" latinLnBrk="0" hangingPunct="1">
-              <a:defRPr sz="1800" kern="1200">
-                <a:solidFill>
-                  <a:schemeClr val="tx1"/>
-                </a:solidFill>
-                <a:latin typeface="+mn-lt"/>
-                <a:ea typeface="+mn-ea"/>
-                <a:cs typeface="+mn-cs"/>
-              </a:defRPr>
-            </a:lvl3pPr>
-            <a:lvl4pPr marL="1371600" algn="l" defTabSz="914400" rtl="0" eaLnBrk="1" latinLnBrk="0" hangingPunct="1">
-              <a:defRPr sz="1800" kern="1200">
-                <a:solidFill>
-                  <a:schemeClr val="tx1"/>
-                </a:solidFill>
-                <a:latin typeface="+mn-lt"/>
-                <a:ea typeface="+mn-ea"/>
-                <a:cs typeface="+mn-cs"/>
-              </a:defRPr>
-            </a:lvl4pPr>
-            <a:lvl5pPr marL="1828800" algn="l" defTabSz="914400" rtl="0" eaLnBrk="1" latinLnBrk="0" hangingPunct="1">
-              <a:defRPr sz="1800" kern="1200">
-                <a:solidFill>
-                  <a:schemeClr val="tx1"/>
-                </a:solidFill>
-                <a:latin typeface="+mn-lt"/>
-                <a:ea typeface="+mn-ea"/>
-                <a:cs typeface="+mn-cs"/>
-              </a:defRPr>
-            </a:lvl5pPr>
-            <a:lvl6pPr marL="2286000" algn="l" defTabSz="914400" rtl="0" eaLnBrk="1" latinLnBrk="0" hangingPunct="1">
-              <a:defRPr sz="1800" kern="1200">
-                <a:solidFill>
-                  <a:schemeClr val="tx1"/>
-                </a:solidFill>
-                <a:latin typeface="+mn-lt"/>
-                <a:ea typeface="+mn-ea"/>
-                <a:cs typeface="+mn-cs"/>
-              </a:defRPr>
-            </a:lvl6pPr>
-            <a:lvl7pPr marL="2743200" algn="l" defTabSz="914400" rtl="0" eaLnBrk="1" latinLnBrk="0" hangingPunct="1">
-              <a:defRPr sz="1800" kern="1200">
-                <a:solidFill>
-                  <a:schemeClr val="tx1"/>
-                </a:solidFill>
-                <a:latin typeface="+mn-lt"/>
-                <a:ea typeface="+mn-ea"/>
-                <a:cs typeface="+mn-cs"/>
-              </a:defRPr>
-            </a:lvl7pPr>
-            <a:lvl8pPr marL="3200400" algn="l" defTabSz="914400" rtl="0" eaLnBrk="1" latinLnBrk="0" hangingPunct="1">
-              <a:defRPr sz="1800" kern="1200">
-                <a:solidFill>
-                  <a:schemeClr val="tx1"/>
-                </a:solidFill>
-                <a:latin typeface="+mn-lt"/>
-                <a:ea typeface="+mn-ea"/>
-                <a:cs typeface="+mn-cs"/>
-              </a:defRPr>
-            </a:lvl8pPr>
-            <a:lvl9pPr marL="3657600" algn="l" defTabSz="914400" rtl="0" eaLnBrk="1" latinLnBrk="0" hangingPunct="1">
-              <a:defRPr sz="1800" kern="1200">
-                <a:solidFill>
-                  <a:schemeClr val="tx1"/>
-                </a:solidFill>
-                <a:latin typeface="+mn-lt"/>
-                <a:ea typeface="+mn-ea"/>
-                <a:cs typeface="+mn-cs"/>
-              </a:defRPr>
-            </a:lvl9pPr>
-          </a:lstStyle>
-          <a:p>
-            <a:pPr>
-              <a:lnSpc>
-                <a:spcPct val="150000"/>
-              </a:lnSpc>
-            </a:pPr>
-            <a:r>
-              <a:rPr lang="pt-PT" sz="800" dirty="0"/>
-              <a:t>Ai driving classification</a:t>
-            </a:r>
-          </a:p>
-          <a:p>
-            <a:pPr>
-              <a:lnSpc>
-                <a:spcPct val="150000"/>
-              </a:lnSpc>
-            </a:pPr>
-            <a:r>
-              <a:rPr lang="pt-PT" sz="800" dirty="0"/>
-              <a:t>Alberto pingo | joão castro</a:t>
-            </a:r>
-          </a:p>
-        </p:txBody>
-      </p:sp>
-      <p:pic>
-        <p:nvPicPr>
-          <p:cNvPr id="7" name="Picture 6" descr="A black background with a black square&#10;&#10;Description automatically generated with medium confidence">
-            <a:extLst>
-              <a:ext uri="{FF2B5EF4-FFF2-40B4-BE49-F238E27FC236}">
-                <a16:creationId xmlns:a16="http://schemas.microsoft.com/office/drawing/2014/main" id="{05200A96-EEA7-9B7D-506A-BF4FE113C176}"/>
-              </a:ext>
-            </a:extLst>
-          </p:cNvPr>
-          <p:cNvPicPr>
-            <a:picLocks noChangeAspect="1"/>
-          </p:cNvPicPr>
-          <p:nvPr/>
-        </p:nvPicPr>
-        <p:blipFill>
-          <a:blip r:embed="rId3">
-            <a:alphaModFix amt="70000"/>
-            <a:extLst>
-              <a:ext uri="{28A0092B-C50C-407E-A947-70E740481C1C}">
-                <a14:useLocalDpi xmlns:a14="http://schemas.microsoft.com/office/drawing/2010/main" val="0"/>
-              </a:ext>
-            </a:extLst>
-          </a:blip>
-          <a:stretch>
-            <a:fillRect/>
-          </a:stretch>
-        </p:blipFill>
-        <p:spPr>
-          <a:xfrm>
-            <a:off x="10582445" y="5985436"/>
-            <a:ext cx="1441915" cy="568239"/>
-          </a:xfrm>
-          <a:prstGeom prst="rect">
-            <a:avLst/>
-          </a:prstGeom>
-        </p:spPr>
-      </p:pic>
-      <p:sp>
-        <p:nvSpPr>
-          <p:cNvPr id="2" name="Title 1">
-            <a:extLst>
-              <a:ext uri="{FF2B5EF4-FFF2-40B4-BE49-F238E27FC236}">
-                <a16:creationId xmlns:a16="http://schemas.microsoft.com/office/drawing/2014/main" id="{4662EDDE-6B1A-D0AC-F9F2-C67719C36532}"/>
-              </a:ext>
-            </a:extLst>
-          </p:cNvPr>
-          <p:cNvSpPr>
-            <a:spLocks noGrp="1"/>
-          </p:cNvSpPr>
-          <p:nvPr>
-            <p:ph type="title"/>
-          </p:nvPr>
-        </p:nvSpPr>
-        <p:spPr>
-          <a:xfrm>
-            <a:off x="1520662" y="252034"/>
-            <a:ext cx="9753890" cy="409176"/>
-          </a:xfrm>
-        </p:spPr>
-        <p:txBody>
-          <a:bodyPr>
-            <a:normAutofit fontScale="90000"/>
-          </a:bodyPr>
-          <a:lstStyle/>
-          <a:p>
-            <a:r>
-              <a:rPr lang="pt-PT" i="1" dirty="0"/>
-              <a:t>Segunda Abordagem - Processamento de dados</a:t>
-            </a:r>
-          </a:p>
-        </p:txBody>
-      </p:sp>
-      <p:pic>
-        <p:nvPicPr>
-          <p:cNvPr id="12" name="Picture 11" descr="A diagram of a company&#10;&#10;Description automatically generated">
-            <a:extLst>
-              <a:ext uri="{FF2B5EF4-FFF2-40B4-BE49-F238E27FC236}">
-                <a16:creationId xmlns:a16="http://schemas.microsoft.com/office/drawing/2014/main" id="{B7EA3BDE-D73D-4709-FEC7-62AC412636BA}"/>
-              </a:ext>
-            </a:extLst>
-          </p:cNvPr>
-          <p:cNvPicPr>
-            <a:picLocks noChangeAspect="1"/>
-          </p:cNvPicPr>
-          <p:nvPr/>
-        </p:nvPicPr>
-        <p:blipFill>
-          <a:blip r:embed="rId4"/>
-          <a:srcRect t="50422"/>
-          <a:stretch/>
-        </p:blipFill>
-        <p:spPr>
-          <a:xfrm>
-            <a:off x="3561063" y="1022116"/>
-            <a:ext cx="5069874" cy="4813768"/>
-          </a:xfrm>
-          <a:prstGeom prst="rect">
-            <a:avLst/>
-          </a:prstGeom>
-        </p:spPr>
-      </p:pic>
-    </p:spTree>
-    <p:extLst>
-      <p:ext uri="{BB962C8B-B14F-4D97-AF65-F5344CB8AC3E}">
-        <p14:creationId xmlns:p14="http://schemas.microsoft.com/office/powerpoint/2010/main" val="868537791"/>
-      </p:ext>
-    </p:extLst>
-  </p:cSld>
-  <p:clrMapOvr>
-    <a:masterClrMapping/>
-  </p:clrMapOvr>
 </p:sld>
 </file>
 
@@ -22454,6 +21370,2330 @@
 <file path=ppt/slides/slide20.xml><?xml version="1.0" encoding="utf-8"?>
 <p:sld xmlns:a="http://schemas.openxmlformats.org/drawingml/2006/main" xmlns:r="http://schemas.openxmlformats.org/officeDocument/2006/relationships" xmlns:p="http://schemas.openxmlformats.org/presentationml/2006/main">
   <p:cSld>
+    <p:bg>
+      <p:bgPr>
+        <a:solidFill>
+          <a:schemeClr val="accent2">
+            <a:lumMod val="50000"/>
+          </a:schemeClr>
+        </a:solidFill>
+        <a:effectLst/>
+      </p:bgPr>
+    </p:bg>
+    <p:spTree>
+      <p:nvGrpSpPr>
+        <p:cNvPr id="1" name=""/>
+        <p:cNvGrpSpPr/>
+        <p:nvPr/>
+      </p:nvGrpSpPr>
+      <p:grpSpPr>
+        <a:xfrm>
+          <a:off x="0" y="0"/>
+          <a:ext cx="0" cy="0"/>
+          <a:chOff x="0" y="0"/>
+          <a:chExt cx="0" cy="0"/>
+        </a:xfrm>
+      </p:grpSpPr>
+      <p:pic>
+        <p:nvPicPr>
+          <p:cNvPr id="1026" name="Picture 2" descr="Bases de Dados | Bibliotecas do Politécnico de Leiria">
+            <a:extLst>
+              <a:ext uri="{FF2B5EF4-FFF2-40B4-BE49-F238E27FC236}">
+                <a16:creationId xmlns:a16="http://schemas.microsoft.com/office/drawing/2014/main" id="{B1B01E8C-9137-D620-51C1-D8D375F18039}"/>
+              </a:ext>
+            </a:extLst>
+          </p:cNvPr>
+          <p:cNvPicPr>
+            <a:picLocks noChangeAspect="1" noChangeArrowheads="1"/>
+          </p:cNvPicPr>
+          <p:nvPr/>
+        </p:nvPicPr>
+        <p:blipFill>
+          <a:blip r:embed="rId3">
+            <a:extLst>
+              <a:ext uri="{28A0092B-C50C-407E-A947-70E740481C1C}">
+                <a14:useLocalDpi xmlns:a14="http://schemas.microsoft.com/office/drawing/2010/main" val="0"/>
+              </a:ext>
+            </a:extLst>
+          </a:blip>
+          <a:srcRect/>
+          <a:stretch>
+            <a:fillRect/>
+          </a:stretch>
+        </p:blipFill>
+        <p:spPr bwMode="auto">
+          <a:xfrm>
+            <a:off x="10701930" y="5968657"/>
+            <a:ext cx="1443668" cy="626856"/>
+          </a:xfrm>
+          <a:prstGeom prst="rect">
+            <a:avLst/>
+          </a:prstGeom>
+          <a:noFill/>
+          <a:extLst>
+            <a:ext uri="{909E8E84-426E-40DD-AFC4-6F175D3DCCD1}">
+              <a14:hiddenFill xmlns:a14="http://schemas.microsoft.com/office/drawing/2010/main">
+                <a:solidFill>
+                  <a:srgbClr val="FFFFFF"/>
+                </a:solidFill>
+              </a14:hiddenFill>
+            </a:ext>
+          </a:extLst>
+        </p:spPr>
+      </p:pic>
+      <p:sp>
+        <p:nvSpPr>
+          <p:cNvPr id="2" name="Title 1">
+            <a:extLst>
+              <a:ext uri="{FF2B5EF4-FFF2-40B4-BE49-F238E27FC236}">
+                <a16:creationId xmlns:a16="http://schemas.microsoft.com/office/drawing/2014/main" id="{B7B3278D-D93F-70CF-96C2-FA1D44CDDB2B}"/>
+              </a:ext>
+            </a:extLst>
+          </p:cNvPr>
+          <p:cNvSpPr>
+            <a:spLocks noGrp="1"/>
+          </p:cNvSpPr>
+          <p:nvPr>
+            <p:ph type="title"/>
+          </p:nvPr>
+        </p:nvSpPr>
+        <p:spPr/>
+        <p:txBody>
+          <a:bodyPr/>
+          <a:lstStyle/>
+          <a:p>
+            <a:r>
+              <a:rPr lang="pt-PT" dirty="0"/>
+              <a:t>Segunda abordagem</a:t>
+            </a:r>
+          </a:p>
+        </p:txBody>
+      </p:sp>
+      <p:sp>
+        <p:nvSpPr>
+          <p:cNvPr id="3" name="Text Placeholder 2">
+            <a:extLst>
+              <a:ext uri="{FF2B5EF4-FFF2-40B4-BE49-F238E27FC236}">
+                <a16:creationId xmlns:a16="http://schemas.microsoft.com/office/drawing/2014/main" id="{2776E32E-F959-3CAC-8458-FACB315801D6}"/>
+              </a:ext>
+            </a:extLst>
+          </p:cNvPr>
+          <p:cNvSpPr>
+            <a:spLocks noGrp="1"/>
+          </p:cNvSpPr>
+          <p:nvPr>
+            <p:ph type="body" sz="quarter" idx="12"/>
+          </p:nvPr>
+        </p:nvSpPr>
+        <p:spPr/>
+        <p:txBody>
+          <a:bodyPr/>
+          <a:lstStyle/>
+          <a:p>
+            <a:r>
+              <a:rPr lang="pt-PT" dirty="0"/>
+              <a:t>Classificação </a:t>
+            </a:r>
+            <a:r>
+              <a:rPr lang="pt-PT" dirty="0" err="1"/>
+              <a:t>multiclasse</a:t>
+            </a:r>
+            <a:r>
+              <a:rPr lang="pt-PT" dirty="0"/>
+              <a:t> de cenários pré-gravados</a:t>
+            </a:r>
+          </a:p>
+        </p:txBody>
+      </p:sp>
+      <p:sp>
+        <p:nvSpPr>
+          <p:cNvPr id="5" name="Slide Number Placeholder 4">
+            <a:extLst>
+              <a:ext uri="{FF2B5EF4-FFF2-40B4-BE49-F238E27FC236}">
+                <a16:creationId xmlns:a16="http://schemas.microsoft.com/office/drawing/2014/main" id="{0D2AD625-992D-C2DF-730D-31EA25299D03}"/>
+              </a:ext>
+            </a:extLst>
+          </p:cNvPr>
+          <p:cNvSpPr>
+            <a:spLocks noGrp="1"/>
+          </p:cNvSpPr>
+          <p:nvPr>
+            <p:ph type="sldNum" sz="quarter" idx="15"/>
+          </p:nvPr>
+        </p:nvSpPr>
+        <p:spPr/>
+        <p:txBody>
+          <a:bodyPr/>
+          <a:lstStyle/>
+          <a:p>
+            <a:fld id="{18D65601-5AE2-46FC-B138-694DDD2B510D}" type="slidenum">
+              <a:rPr lang="en-US" sz="1800" smtClean="0"/>
+              <a:pPr/>
+              <a:t>20</a:t>
+            </a:fld>
+            <a:endParaRPr lang="en-US" sz="1800" dirty="0"/>
+          </a:p>
+        </p:txBody>
+      </p:sp>
+      <p:sp>
+        <p:nvSpPr>
+          <p:cNvPr id="10" name="Footer Placeholder 4">
+            <a:extLst>
+              <a:ext uri="{FF2B5EF4-FFF2-40B4-BE49-F238E27FC236}">
+                <a16:creationId xmlns:a16="http://schemas.microsoft.com/office/drawing/2014/main" id="{75C0CCB1-F6A1-2E1A-8DDE-89F4C7EE6ADC}"/>
+              </a:ext>
+            </a:extLst>
+          </p:cNvPr>
+          <p:cNvSpPr txBox="1">
+            <a:spLocks/>
+          </p:cNvSpPr>
+          <p:nvPr/>
+        </p:nvSpPr>
+        <p:spPr>
+          <a:xfrm>
+            <a:off x="4038600" y="6086992"/>
+            <a:ext cx="4114800" cy="365125"/>
+          </a:xfrm>
+          <a:prstGeom prst="rect">
+            <a:avLst/>
+          </a:prstGeom>
+        </p:spPr>
+        <p:txBody>
+          <a:bodyPr vert="horz" lIns="91440" tIns="45720" rIns="91440" bIns="45720" rtlCol="0" anchor="ctr"/>
+          <a:lstStyle>
+            <a:defPPr>
+              <a:defRPr lang="en-US"/>
+            </a:defPPr>
+            <a:lvl1pPr marL="0" algn="ctr" defTabSz="914400" rtl="0" eaLnBrk="1" latinLnBrk="0" hangingPunct="1">
+              <a:defRPr sz="900" b="0" kern="1200" cap="all" spc="150" baseline="0">
+                <a:solidFill>
+                  <a:schemeClr val="bg2">
+                    <a:lumMod val="50000"/>
+                  </a:schemeClr>
+                </a:solidFill>
+                <a:latin typeface="Univers Light" panose="020B0403020202020204" pitchFamily="34" charset="0"/>
+                <a:ea typeface="+mn-ea"/>
+                <a:cs typeface="+mn-cs"/>
+              </a:defRPr>
+            </a:lvl1pPr>
+            <a:lvl2pPr marL="457200" algn="l" defTabSz="914400" rtl="0" eaLnBrk="1" latinLnBrk="0" hangingPunct="1">
+              <a:defRPr sz="1800" kern="1200">
+                <a:solidFill>
+                  <a:schemeClr val="tx1"/>
+                </a:solidFill>
+                <a:latin typeface="+mn-lt"/>
+                <a:ea typeface="+mn-ea"/>
+                <a:cs typeface="+mn-cs"/>
+              </a:defRPr>
+            </a:lvl2pPr>
+            <a:lvl3pPr marL="914400" algn="l" defTabSz="914400" rtl="0" eaLnBrk="1" latinLnBrk="0" hangingPunct="1">
+              <a:defRPr sz="1800" kern="1200">
+                <a:solidFill>
+                  <a:schemeClr val="tx1"/>
+                </a:solidFill>
+                <a:latin typeface="+mn-lt"/>
+                <a:ea typeface="+mn-ea"/>
+                <a:cs typeface="+mn-cs"/>
+              </a:defRPr>
+            </a:lvl3pPr>
+            <a:lvl4pPr marL="1371600" algn="l" defTabSz="914400" rtl="0" eaLnBrk="1" latinLnBrk="0" hangingPunct="1">
+              <a:defRPr sz="1800" kern="1200">
+                <a:solidFill>
+                  <a:schemeClr val="tx1"/>
+                </a:solidFill>
+                <a:latin typeface="+mn-lt"/>
+                <a:ea typeface="+mn-ea"/>
+                <a:cs typeface="+mn-cs"/>
+              </a:defRPr>
+            </a:lvl4pPr>
+            <a:lvl5pPr marL="1828800" algn="l" defTabSz="914400" rtl="0" eaLnBrk="1" latinLnBrk="0" hangingPunct="1">
+              <a:defRPr sz="1800" kern="1200">
+                <a:solidFill>
+                  <a:schemeClr val="tx1"/>
+                </a:solidFill>
+                <a:latin typeface="+mn-lt"/>
+                <a:ea typeface="+mn-ea"/>
+                <a:cs typeface="+mn-cs"/>
+              </a:defRPr>
+            </a:lvl5pPr>
+            <a:lvl6pPr marL="2286000" algn="l" defTabSz="914400" rtl="0" eaLnBrk="1" latinLnBrk="0" hangingPunct="1">
+              <a:defRPr sz="1800" kern="1200">
+                <a:solidFill>
+                  <a:schemeClr val="tx1"/>
+                </a:solidFill>
+                <a:latin typeface="+mn-lt"/>
+                <a:ea typeface="+mn-ea"/>
+                <a:cs typeface="+mn-cs"/>
+              </a:defRPr>
+            </a:lvl6pPr>
+            <a:lvl7pPr marL="2743200" algn="l" defTabSz="914400" rtl="0" eaLnBrk="1" latinLnBrk="0" hangingPunct="1">
+              <a:defRPr sz="1800" kern="1200">
+                <a:solidFill>
+                  <a:schemeClr val="tx1"/>
+                </a:solidFill>
+                <a:latin typeface="+mn-lt"/>
+                <a:ea typeface="+mn-ea"/>
+                <a:cs typeface="+mn-cs"/>
+              </a:defRPr>
+            </a:lvl7pPr>
+            <a:lvl8pPr marL="3200400" algn="l" defTabSz="914400" rtl="0" eaLnBrk="1" latinLnBrk="0" hangingPunct="1">
+              <a:defRPr sz="1800" kern="1200">
+                <a:solidFill>
+                  <a:schemeClr val="tx1"/>
+                </a:solidFill>
+                <a:latin typeface="+mn-lt"/>
+                <a:ea typeface="+mn-ea"/>
+                <a:cs typeface="+mn-cs"/>
+              </a:defRPr>
+            </a:lvl8pPr>
+            <a:lvl9pPr marL="3657600" algn="l" defTabSz="914400" rtl="0" eaLnBrk="1" latinLnBrk="0" hangingPunct="1">
+              <a:defRPr sz="1800" kern="1200">
+                <a:solidFill>
+                  <a:schemeClr val="tx1"/>
+                </a:solidFill>
+                <a:latin typeface="+mn-lt"/>
+                <a:ea typeface="+mn-ea"/>
+                <a:cs typeface="+mn-cs"/>
+              </a:defRPr>
+            </a:lvl9pPr>
+          </a:lstStyle>
+          <a:p>
+            <a:pPr>
+              <a:lnSpc>
+                <a:spcPct val="150000"/>
+              </a:lnSpc>
+            </a:pPr>
+            <a:r>
+              <a:rPr lang="pt-PT" sz="800" dirty="0">
+                <a:solidFill>
+                  <a:schemeClr val="bg1">
+                    <a:lumMod val="95000"/>
+                  </a:schemeClr>
+                </a:solidFill>
+              </a:rPr>
+              <a:t>Ai driving classification</a:t>
+            </a:r>
+          </a:p>
+          <a:p>
+            <a:pPr>
+              <a:lnSpc>
+                <a:spcPct val="150000"/>
+              </a:lnSpc>
+            </a:pPr>
+            <a:r>
+              <a:rPr lang="pt-PT" sz="800" dirty="0">
+                <a:solidFill>
+                  <a:schemeClr val="bg1">
+                    <a:lumMod val="95000"/>
+                  </a:schemeClr>
+                </a:solidFill>
+              </a:rPr>
+              <a:t>Alberto pingo | joão castro</a:t>
+            </a:r>
+          </a:p>
+        </p:txBody>
+      </p:sp>
+    </p:spTree>
+    <p:extLst>
+      <p:ext uri="{BB962C8B-B14F-4D97-AF65-F5344CB8AC3E}">
+        <p14:creationId xmlns:p14="http://schemas.microsoft.com/office/powerpoint/2010/main" val="2450866279"/>
+      </p:ext>
+    </p:extLst>
+  </p:cSld>
+  <p:clrMapOvr>
+    <a:masterClrMapping/>
+  </p:clrMapOvr>
+  <p:timing>
+    <p:tnLst>
+      <p:par>
+        <p:cTn id="1" dur="indefinite" restart="never" nodeType="tmRoot">
+          <p:childTnLst>
+            <p:seq concurrent="1" nextAc="seek">
+              <p:cTn id="2" dur="indefinite" nodeType="mainSeq">
+                <p:childTnLst>
+                  <p:par>
+                    <p:cTn id="3" fill="hold">
+                      <p:stCondLst>
+                        <p:cond delay="indefinite"/>
+                      </p:stCondLst>
+                      <p:childTnLst>
+                        <p:par>
+                          <p:cTn id="4" fill="hold">
+                            <p:stCondLst>
+                              <p:cond delay="0"/>
+                            </p:stCondLst>
+                            <p:childTnLst>
+                              <p:par>
+                                <p:cTn id="5" presetID="1" presetClass="entr" presetSubtype="0" fill="hold" grpId="0" nodeType="clickEffect">
+                                  <p:stCondLst>
+                                    <p:cond delay="0"/>
+                                  </p:stCondLst>
+                                  <p:childTnLst>
+                                    <p:set>
+                                      <p:cBhvr>
+                                        <p:cTn id="6" dur="1" fill="hold">
+                                          <p:stCondLst>
+                                            <p:cond delay="0"/>
+                                          </p:stCondLst>
+                                        </p:cTn>
+                                        <p:tgtEl>
+                                          <p:spTgt spid="3">
+                                            <p:txEl>
+                                              <p:pRg st="0" end="0"/>
+                                            </p:txEl>
+                                          </p:spTgt>
+                                        </p:tgtEl>
+                                        <p:attrNameLst>
+                                          <p:attrName>style.visibility</p:attrName>
+                                        </p:attrNameLst>
+                                      </p:cBhvr>
+                                      <p:to>
+                                        <p:strVal val="visible"/>
+                                      </p:to>
+                                    </p:set>
+                                  </p:childTnLst>
+                                </p:cTn>
+                              </p:par>
+                            </p:childTnLst>
+                          </p:cTn>
+                        </p:par>
+                      </p:childTnLst>
+                    </p:cTn>
+                  </p:par>
+                </p:childTnLst>
+              </p:cTn>
+              <p:prevCondLst>
+                <p:cond evt="onPrev" delay="0">
+                  <p:tgtEl>
+                    <p:sldTgt/>
+                  </p:tgtEl>
+                </p:cond>
+              </p:prevCondLst>
+              <p:nextCondLst>
+                <p:cond evt="onNext" delay="0">
+                  <p:tgtEl>
+                    <p:sldTgt/>
+                  </p:tgtEl>
+                </p:cond>
+              </p:nextCondLst>
+            </p:seq>
+          </p:childTnLst>
+        </p:cTn>
+      </p:par>
+    </p:tnLst>
+    <p:bldLst>
+      <p:bldP spid="3" grpId="0" build="p"/>
+    </p:bldLst>
+  </p:timing>
+</p:sld>
+</file>
+
+<file path=ppt/slides/slide21.xml><?xml version="1.0" encoding="utf-8"?>
+<p:sld xmlns:a="http://schemas.openxmlformats.org/drawingml/2006/main" xmlns:r="http://schemas.openxmlformats.org/officeDocument/2006/relationships" xmlns:p="http://schemas.openxmlformats.org/presentationml/2006/main">
+  <p:cSld>
+    <p:spTree>
+      <p:nvGrpSpPr>
+        <p:cNvPr id="1" name=""/>
+        <p:cNvGrpSpPr/>
+        <p:nvPr/>
+      </p:nvGrpSpPr>
+      <p:grpSpPr>
+        <a:xfrm>
+          <a:off x="0" y="0"/>
+          <a:ext cx="0" cy="0"/>
+          <a:chOff x="0" y="0"/>
+          <a:chExt cx="0" cy="0"/>
+        </a:xfrm>
+      </p:grpSpPr>
+      <p:sp>
+        <p:nvSpPr>
+          <p:cNvPr id="10" name="Oval 9">
+            <a:extLst>
+              <a:ext uri="{FF2B5EF4-FFF2-40B4-BE49-F238E27FC236}">
+                <a16:creationId xmlns:a16="http://schemas.microsoft.com/office/drawing/2014/main" id="{B28DC094-683C-1C7D-D45D-0ECECA59B3ED}"/>
+              </a:ext>
+            </a:extLst>
+          </p:cNvPr>
+          <p:cNvSpPr/>
+          <p:nvPr/>
+        </p:nvSpPr>
+        <p:spPr>
+          <a:xfrm>
+            <a:off x="4488318" y="4255740"/>
+            <a:ext cx="890700" cy="890700"/>
+          </a:xfrm>
+          <a:prstGeom prst="ellipse">
+            <a:avLst/>
+          </a:prstGeom>
+          <a:solidFill>
+            <a:schemeClr val="accent2">
+              <a:alpha val="50000"/>
+            </a:schemeClr>
+          </a:solidFill>
+          <a:ln>
+            <a:noFill/>
+          </a:ln>
+        </p:spPr>
+        <p:style>
+          <a:lnRef idx="0">
+            <a:scrgbClr r="0" g="0" b="0"/>
+          </a:lnRef>
+          <a:fillRef idx="0">
+            <a:scrgbClr r="0" g="0" b="0"/>
+          </a:fillRef>
+          <a:effectRef idx="0">
+            <a:scrgbClr r="0" g="0" b="0"/>
+          </a:effectRef>
+          <a:fontRef idx="minor">
+            <a:schemeClr val="lt1"/>
+          </a:fontRef>
+        </p:style>
+        <p:txBody>
+          <a:bodyPr/>
+          <a:lstStyle/>
+          <a:p>
+            <a:endParaRPr lang="pt-PT" dirty="0"/>
+          </a:p>
+        </p:txBody>
+      </p:sp>
+      <p:sp>
+        <p:nvSpPr>
+          <p:cNvPr id="4" name="Slide Number Placeholder 3">
+            <a:extLst>
+              <a:ext uri="{FF2B5EF4-FFF2-40B4-BE49-F238E27FC236}">
+                <a16:creationId xmlns:a16="http://schemas.microsoft.com/office/drawing/2014/main" id="{527C964F-E2D5-D8E7-C513-C47A7E409DF3}"/>
+              </a:ext>
+            </a:extLst>
+          </p:cNvPr>
+          <p:cNvSpPr>
+            <a:spLocks noGrp="1"/>
+          </p:cNvSpPr>
+          <p:nvPr>
+            <p:ph type="sldNum" sz="quarter" idx="15"/>
+          </p:nvPr>
+        </p:nvSpPr>
+        <p:spPr/>
+        <p:txBody>
+          <a:bodyPr/>
+          <a:lstStyle/>
+          <a:p>
+            <a:fld id="{18D65601-5AE2-46FC-B138-694DDD2B510D}" type="slidenum">
+              <a:rPr lang="en-US" sz="1800" smtClean="0"/>
+              <a:pPr/>
+              <a:t>21</a:t>
+            </a:fld>
+            <a:endParaRPr lang="en-US" sz="1800" dirty="0"/>
+          </a:p>
+        </p:txBody>
+      </p:sp>
+      <p:sp>
+        <p:nvSpPr>
+          <p:cNvPr id="6" name="Footer Placeholder 4">
+            <a:extLst>
+              <a:ext uri="{FF2B5EF4-FFF2-40B4-BE49-F238E27FC236}">
+                <a16:creationId xmlns:a16="http://schemas.microsoft.com/office/drawing/2014/main" id="{0D821BC6-79CF-66F1-F00C-E2213C505826}"/>
+              </a:ext>
+            </a:extLst>
+          </p:cNvPr>
+          <p:cNvSpPr txBox="1">
+            <a:spLocks/>
+          </p:cNvSpPr>
+          <p:nvPr/>
+        </p:nvSpPr>
+        <p:spPr>
+          <a:xfrm>
+            <a:off x="4038600" y="6333565"/>
+            <a:ext cx="4114800" cy="365125"/>
+          </a:xfrm>
+          <a:prstGeom prst="rect">
+            <a:avLst/>
+          </a:prstGeom>
+        </p:spPr>
+        <p:txBody>
+          <a:bodyPr vert="horz" lIns="91440" tIns="45720" rIns="91440" bIns="45720" rtlCol="0" anchor="ctr"/>
+          <a:lstStyle>
+            <a:defPPr>
+              <a:defRPr lang="en-US"/>
+            </a:defPPr>
+            <a:lvl1pPr marL="0" algn="ctr" defTabSz="914400" rtl="0" eaLnBrk="1" latinLnBrk="0" hangingPunct="1">
+              <a:defRPr sz="900" b="0" kern="1200" cap="all" spc="150" baseline="0">
+                <a:solidFill>
+                  <a:schemeClr val="bg2">
+                    <a:lumMod val="50000"/>
+                  </a:schemeClr>
+                </a:solidFill>
+                <a:latin typeface="Univers Light" panose="020B0403020202020204" pitchFamily="34" charset="0"/>
+                <a:ea typeface="+mn-ea"/>
+                <a:cs typeface="+mn-cs"/>
+              </a:defRPr>
+            </a:lvl1pPr>
+            <a:lvl2pPr marL="457200" algn="l" defTabSz="914400" rtl="0" eaLnBrk="1" latinLnBrk="0" hangingPunct="1">
+              <a:defRPr sz="1800" kern="1200">
+                <a:solidFill>
+                  <a:schemeClr val="tx1"/>
+                </a:solidFill>
+                <a:latin typeface="+mn-lt"/>
+                <a:ea typeface="+mn-ea"/>
+                <a:cs typeface="+mn-cs"/>
+              </a:defRPr>
+            </a:lvl2pPr>
+            <a:lvl3pPr marL="914400" algn="l" defTabSz="914400" rtl="0" eaLnBrk="1" latinLnBrk="0" hangingPunct="1">
+              <a:defRPr sz="1800" kern="1200">
+                <a:solidFill>
+                  <a:schemeClr val="tx1"/>
+                </a:solidFill>
+                <a:latin typeface="+mn-lt"/>
+                <a:ea typeface="+mn-ea"/>
+                <a:cs typeface="+mn-cs"/>
+              </a:defRPr>
+            </a:lvl3pPr>
+            <a:lvl4pPr marL="1371600" algn="l" defTabSz="914400" rtl="0" eaLnBrk="1" latinLnBrk="0" hangingPunct="1">
+              <a:defRPr sz="1800" kern="1200">
+                <a:solidFill>
+                  <a:schemeClr val="tx1"/>
+                </a:solidFill>
+                <a:latin typeface="+mn-lt"/>
+                <a:ea typeface="+mn-ea"/>
+                <a:cs typeface="+mn-cs"/>
+              </a:defRPr>
+            </a:lvl4pPr>
+            <a:lvl5pPr marL="1828800" algn="l" defTabSz="914400" rtl="0" eaLnBrk="1" latinLnBrk="0" hangingPunct="1">
+              <a:defRPr sz="1800" kern="1200">
+                <a:solidFill>
+                  <a:schemeClr val="tx1"/>
+                </a:solidFill>
+                <a:latin typeface="+mn-lt"/>
+                <a:ea typeface="+mn-ea"/>
+                <a:cs typeface="+mn-cs"/>
+              </a:defRPr>
+            </a:lvl5pPr>
+            <a:lvl6pPr marL="2286000" algn="l" defTabSz="914400" rtl="0" eaLnBrk="1" latinLnBrk="0" hangingPunct="1">
+              <a:defRPr sz="1800" kern="1200">
+                <a:solidFill>
+                  <a:schemeClr val="tx1"/>
+                </a:solidFill>
+                <a:latin typeface="+mn-lt"/>
+                <a:ea typeface="+mn-ea"/>
+                <a:cs typeface="+mn-cs"/>
+              </a:defRPr>
+            </a:lvl6pPr>
+            <a:lvl7pPr marL="2743200" algn="l" defTabSz="914400" rtl="0" eaLnBrk="1" latinLnBrk="0" hangingPunct="1">
+              <a:defRPr sz="1800" kern="1200">
+                <a:solidFill>
+                  <a:schemeClr val="tx1"/>
+                </a:solidFill>
+                <a:latin typeface="+mn-lt"/>
+                <a:ea typeface="+mn-ea"/>
+                <a:cs typeface="+mn-cs"/>
+              </a:defRPr>
+            </a:lvl7pPr>
+            <a:lvl8pPr marL="3200400" algn="l" defTabSz="914400" rtl="0" eaLnBrk="1" latinLnBrk="0" hangingPunct="1">
+              <a:defRPr sz="1800" kern="1200">
+                <a:solidFill>
+                  <a:schemeClr val="tx1"/>
+                </a:solidFill>
+                <a:latin typeface="+mn-lt"/>
+                <a:ea typeface="+mn-ea"/>
+                <a:cs typeface="+mn-cs"/>
+              </a:defRPr>
+            </a:lvl8pPr>
+            <a:lvl9pPr marL="3657600" algn="l" defTabSz="914400" rtl="0" eaLnBrk="1" latinLnBrk="0" hangingPunct="1">
+              <a:defRPr sz="1800" kern="1200">
+                <a:solidFill>
+                  <a:schemeClr val="tx1"/>
+                </a:solidFill>
+                <a:latin typeface="+mn-lt"/>
+                <a:ea typeface="+mn-ea"/>
+                <a:cs typeface="+mn-cs"/>
+              </a:defRPr>
+            </a:lvl9pPr>
+          </a:lstStyle>
+          <a:p>
+            <a:pPr>
+              <a:lnSpc>
+                <a:spcPct val="150000"/>
+              </a:lnSpc>
+            </a:pPr>
+            <a:r>
+              <a:rPr lang="pt-PT" sz="800" dirty="0"/>
+              <a:t>Ai driving classification</a:t>
+            </a:r>
+          </a:p>
+          <a:p>
+            <a:pPr>
+              <a:lnSpc>
+                <a:spcPct val="150000"/>
+              </a:lnSpc>
+            </a:pPr>
+            <a:r>
+              <a:rPr lang="pt-PT" sz="800" dirty="0"/>
+              <a:t>Alberto pingo | joão castro</a:t>
+            </a:r>
+          </a:p>
+        </p:txBody>
+      </p:sp>
+      <p:pic>
+        <p:nvPicPr>
+          <p:cNvPr id="7" name="Picture 6" descr="A black background with a black square&#10;&#10;Description automatically generated with medium confidence">
+            <a:extLst>
+              <a:ext uri="{FF2B5EF4-FFF2-40B4-BE49-F238E27FC236}">
+                <a16:creationId xmlns:a16="http://schemas.microsoft.com/office/drawing/2014/main" id="{05200A96-EEA7-9B7D-506A-BF4FE113C176}"/>
+              </a:ext>
+            </a:extLst>
+          </p:cNvPr>
+          <p:cNvPicPr>
+            <a:picLocks noChangeAspect="1"/>
+          </p:cNvPicPr>
+          <p:nvPr/>
+        </p:nvPicPr>
+        <p:blipFill>
+          <a:blip r:embed="rId3">
+            <a:alphaModFix amt="70000"/>
+            <a:extLst>
+              <a:ext uri="{28A0092B-C50C-407E-A947-70E740481C1C}">
+                <a14:useLocalDpi xmlns:a14="http://schemas.microsoft.com/office/drawing/2010/main" val="0"/>
+              </a:ext>
+            </a:extLst>
+          </a:blip>
+          <a:stretch>
+            <a:fillRect/>
+          </a:stretch>
+        </p:blipFill>
+        <p:spPr>
+          <a:xfrm>
+            <a:off x="10582445" y="5985436"/>
+            <a:ext cx="1441915" cy="568239"/>
+          </a:xfrm>
+          <a:prstGeom prst="rect">
+            <a:avLst/>
+          </a:prstGeom>
+        </p:spPr>
+      </p:pic>
+      <p:sp>
+        <p:nvSpPr>
+          <p:cNvPr id="8" name="Title 1">
+            <a:extLst>
+              <a:ext uri="{FF2B5EF4-FFF2-40B4-BE49-F238E27FC236}">
+                <a16:creationId xmlns:a16="http://schemas.microsoft.com/office/drawing/2014/main" id="{A2B34F62-B728-4FBE-076F-B2DC8C76A309}"/>
+              </a:ext>
+            </a:extLst>
+          </p:cNvPr>
+          <p:cNvSpPr>
+            <a:spLocks noGrp="1"/>
+          </p:cNvSpPr>
+          <p:nvPr>
+            <p:ph type="title"/>
+          </p:nvPr>
+        </p:nvSpPr>
+        <p:spPr>
+          <a:xfrm>
+            <a:off x="1520662" y="252034"/>
+            <a:ext cx="9753890" cy="409176"/>
+          </a:xfrm>
+        </p:spPr>
+        <p:txBody>
+          <a:bodyPr>
+            <a:normAutofit fontScale="90000"/>
+          </a:bodyPr>
+          <a:lstStyle/>
+          <a:p>
+            <a:r>
+              <a:rPr lang="pt-PT" i="1" dirty="0"/>
+              <a:t>Segunda Abordagem – Cenários de condução</a:t>
+            </a:r>
+          </a:p>
+        </p:txBody>
+      </p:sp>
+      <p:graphicFrame>
+        <p:nvGraphicFramePr>
+          <p:cNvPr id="9" name="Table 8">
+            <a:extLst>
+              <a:ext uri="{FF2B5EF4-FFF2-40B4-BE49-F238E27FC236}">
+                <a16:creationId xmlns:a16="http://schemas.microsoft.com/office/drawing/2014/main" id="{FC5B1135-27E2-BC82-2631-08F3CA815D19}"/>
+              </a:ext>
+            </a:extLst>
+          </p:cNvPr>
+          <p:cNvGraphicFramePr>
+            <a:graphicFrameLocks noGrp="1"/>
+          </p:cNvGraphicFramePr>
+          <p:nvPr>
+            <p:extLst>
+              <p:ext uri="{D42A27DB-BD31-4B8C-83A1-F6EECF244321}">
+                <p14:modId xmlns:p14="http://schemas.microsoft.com/office/powerpoint/2010/main" val="1892719808"/>
+              </p:ext>
+            </p:extLst>
+          </p:nvPr>
+        </p:nvGraphicFramePr>
+        <p:xfrm>
+          <a:off x="1484231" y="1341745"/>
+          <a:ext cx="6759943" cy="2264267"/>
+        </p:xfrm>
+        <a:graphic>
+          <a:graphicData uri="http://schemas.openxmlformats.org/drawingml/2006/table">
+            <a:tbl>
+              <a:tblPr firstRow="1" firstCol="1" bandRow="1">
+                <a:tableStyleId>{C083E6E3-FA7D-4D7B-A595-EF9225AFEA82}</a:tableStyleId>
+              </a:tblPr>
+              <a:tblGrid>
+                <a:gridCol w="1688737">
+                  <a:extLst>
+                    <a:ext uri="{9D8B030D-6E8A-4147-A177-3AD203B41FA5}">
+                      <a16:colId xmlns:a16="http://schemas.microsoft.com/office/drawing/2014/main" val="2592927964"/>
+                    </a:ext>
+                  </a:extLst>
+                </a:gridCol>
+                <a:gridCol w="5071206">
+                  <a:extLst>
+                    <a:ext uri="{9D8B030D-6E8A-4147-A177-3AD203B41FA5}">
+                      <a16:colId xmlns:a16="http://schemas.microsoft.com/office/drawing/2014/main" val="207347917"/>
+                    </a:ext>
+                  </a:extLst>
+                </a:gridCol>
+              </a:tblGrid>
+              <a:tr h="404851">
+                <a:tc>
+                  <a:txBody>
+                    <a:bodyPr/>
+                    <a:lstStyle/>
+                    <a:p>
+                      <a:pPr indent="252095" algn="l">
+                        <a:lnSpc>
+                          <a:spcPct val="150000"/>
+                        </a:lnSpc>
+                        <a:spcAft>
+                          <a:spcPts val="1000"/>
+                        </a:spcAft>
+                      </a:pPr>
+                      <a:r>
+                        <a:rPr lang="pt-PT" sz="1600" dirty="0">
+                          <a:effectLst/>
+                        </a:rPr>
+                        <a:t>Cenário</a:t>
+                      </a:r>
+                      <a:endParaRPr lang="pt-PT" sz="1600" dirty="0">
+                        <a:effectLst/>
+                        <a:latin typeface="Times New Roman" panose="02020603050405020304" pitchFamily="18" charset="0"/>
+                        <a:ea typeface="Calibri" panose="020F0502020204030204" pitchFamily="34" charset="0"/>
+                        <a:cs typeface="Arial" panose="020B0604020202020204" pitchFamily="34" charset="0"/>
+                      </a:endParaRPr>
+                    </a:p>
+                  </a:txBody>
+                  <a:tcPr marL="68580" marR="68580" marT="0" marB="0"/>
+                </a:tc>
+                <a:tc>
+                  <a:txBody>
+                    <a:bodyPr/>
+                    <a:lstStyle/>
+                    <a:p>
+                      <a:pPr indent="252095" algn="l">
+                        <a:lnSpc>
+                          <a:spcPct val="150000"/>
+                        </a:lnSpc>
+                        <a:spcAft>
+                          <a:spcPts val="1000"/>
+                        </a:spcAft>
+                      </a:pPr>
+                      <a:r>
+                        <a:rPr lang="pt-PT" sz="1600" dirty="0">
+                          <a:effectLst/>
+                        </a:rPr>
+                        <a:t>Descrição</a:t>
+                      </a:r>
+                      <a:endParaRPr lang="pt-PT" sz="1600" dirty="0">
+                        <a:effectLst/>
+                        <a:latin typeface="Times New Roman" panose="02020603050405020304" pitchFamily="18" charset="0"/>
+                        <a:ea typeface="Calibri" panose="020F0502020204030204" pitchFamily="34" charset="0"/>
+                        <a:cs typeface="Arial" panose="020B0604020202020204" pitchFamily="34" charset="0"/>
+                      </a:endParaRPr>
+                    </a:p>
+                  </a:txBody>
+                  <a:tcPr marL="68580" marR="68580" marT="0" marB="0"/>
+                </a:tc>
+                <a:extLst>
+                  <a:ext uri="{0D108BD9-81ED-4DB2-BD59-A6C34878D82A}">
+                    <a16:rowId xmlns:a16="http://schemas.microsoft.com/office/drawing/2014/main" val="4237285057"/>
+                  </a:ext>
+                </a:extLst>
+              </a:tr>
+              <a:tr h="676646">
+                <a:tc>
+                  <a:txBody>
+                    <a:bodyPr/>
+                    <a:lstStyle/>
+                    <a:p>
+                      <a:pPr indent="252095" algn="l">
+                        <a:lnSpc>
+                          <a:spcPct val="150000"/>
+                        </a:lnSpc>
+                        <a:spcAft>
+                          <a:spcPts val="1000"/>
+                        </a:spcAft>
+                      </a:pPr>
+                      <a:r>
+                        <a:rPr lang="pt-PT" sz="1600" dirty="0" err="1">
+                          <a:effectLst/>
+                        </a:rPr>
+                        <a:t>Acceleration</a:t>
+                      </a:r>
+                      <a:endParaRPr lang="pt-PT" sz="1600" dirty="0">
+                        <a:effectLst/>
+                        <a:latin typeface="Times New Roman" panose="02020603050405020304" pitchFamily="18" charset="0"/>
+                        <a:ea typeface="Calibri" panose="020F0502020204030204" pitchFamily="34" charset="0"/>
+                        <a:cs typeface="Arial" panose="020B0604020202020204" pitchFamily="34" charset="0"/>
+                      </a:endParaRPr>
+                    </a:p>
+                  </a:txBody>
+                  <a:tcPr marL="68580" marR="68580" marT="0" marB="0"/>
+                </a:tc>
+                <a:tc>
+                  <a:txBody>
+                    <a:bodyPr/>
+                    <a:lstStyle/>
+                    <a:p>
+                      <a:pPr indent="252095" algn="l">
+                        <a:lnSpc>
+                          <a:spcPct val="150000"/>
+                        </a:lnSpc>
+                        <a:spcAft>
+                          <a:spcPts val="1000"/>
+                        </a:spcAft>
+                      </a:pPr>
+                      <a:r>
+                        <a:rPr lang="pt-PT" sz="1500" dirty="0">
+                          <a:effectLst/>
+                        </a:rPr>
+                        <a:t>O veículo parte do estado de repouso e acelera até atingir uma velocidade específica</a:t>
+                      </a:r>
+                      <a:endParaRPr lang="pt-PT" sz="1500" dirty="0">
+                        <a:effectLst/>
+                        <a:latin typeface="Times New Roman" panose="02020603050405020304" pitchFamily="18" charset="0"/>
+                        <a:ea typeface="Calibri" panose="020F0502020204030204" pitchFamily="34" charset="0"/>
+                        <a:cs typeface="Arial" panose="020B0604020202020204" pitchFamily="34" charset="0"/>
+                      </a:endParaRPr>
+                    </a:p>
+                  </a:txBody>
+                  <a:tcPr marL="68580" marR="68580" marT="0" marB="0" anchor="ctr"/>
+                </a:tc>
+                <a:extLst>
+                  <a:ext uri="{0D108BD9-81ED-4DB2-BD59-A6C34878D82A}">
+                    <a16:rowId xmlns:a16="http://schemas.microsoft.com/office/drawing/2014/main" val="664345370"/>
+                  </a:ext>
+                </a:extLst>
+              </a:tr>
+              <a:tr h="676646">
+                <a:tc>
+                  <a:txBody>
+                    <a:bodyPr/>
+                    <a:lstStyle/>
+                    <a:p>
+                      <a:pPr indent="252095" algn="l">
+                        <a:lnSpc>
+                          <a:spcPct val="150000"/>
+                        </a:lnSpc>
+                        <a:spcAft>
+                          <a:spcPts val="1000"/>
+                        </a:spcAft>
+                      </a:pPr>
+                      <a:r>
+                        <a:rPr lang="pt-PT" sz="1600" dirty="0" err="1">
+                          <a:effectLst/>
+                        </a:rPr>
+                        <a:t>Brake</a:t>
+                      </a:r>
+                      <a:endParaRPr lang="pt-PT" sz="1600" dirty="0">
+                        <a:effectLst/>
+                        <a:latin typeface="Times New Roman" panose="02020603050405020304" pitchFamily="18" charset="0"/>
+                        <a:ea typeface="Calibri" panose="020F0502020204030204" pitchFamily="34" charset="0"/>
+                        <a:cs typeface="Arial" panose="020B0604020202020204" pitchFamily="34" charset="0"/>
+                      </a:endParaRPr>
+                    </a:p>
+                  </a:txBody>
+                  <a:tcPr marL="68580" marR="68580" marT="0" marB="0"/>
+                </a:tc>
+                <a:tc>
+                  <a:txBody>
+                    <a:bodyPr/>
+                    <a:lstStyle/>
+                    <a:p>
+                      <a:pPr indent="252095" algn="l">
+                        <a:lnSpc>
+                          <a:spcPct val="150000"/>
+                        </a:lnSpc>
+                        <a:spcAft>
+                          <a:spcPts val="1000"/>
+                        </a:spcAft>
+                      </a:pPr>
+                      <a:r>
+                        <a:rPr lang="pt-PT" sz="1500" dirty="0">
+                          <a:effectLst/>
+                        </a:rPr>
+                        <a:t>O veículo reduz a velocidade até parar, usando o pedal de travão</a:t>
+                      </a:r>
+                      <a:endParaRPr lang="pt-PT" sz="1500" dirty="0">
+                        <a:effectLst/>
+                        <a:latin typeface="Times New Roman" panose="02020603050405020304" pitchFamily="18" charset="0"/>
+                        <a:ea typeface="Calibri" panose="020F0502020204030204" pitchFamily="34" charset="0"/>
+                        <a:cs typeface="Arial" panose="020B0604020202020204" pitchFamily="34" charset="0"/>
+                      </a:endParaRPr>
+                    </a:p>
+                  </a:txBody>
+                  <a:tcPr marL="68580" marR="68580" marT="0" marB="0" anchor="ctr"/>
+                </a:tc>
+                <a:extLst>
+                  <a:ext uri="{0D108BD9-81ED-4DB2-BD59-A6C34878D82A}">
+                    <a16:rowId xmlns:a16="http://schemas.microsoft.com/office/drawing/2014/main" val="2789623289"/>
+                  </a:ext>
+                </a:extLst>
+              </a:tr>
+              <a:tr h="506124">
+                <a:tc>
+                  <a:txBody>
+                    <a:bodyPr/>
+                    <a:lstStyle/>
+                    <a:p>
+                      <a:pPr indent="252095" algn="l">
+                        <a:lnSpc>
+                          <a:spcPct val="150000"/>
+                        </a:lnSpc>
+                        <a:spcAft>
+                          <a:spcPts val="1000"/>
+                        </a:spcAft>
+                      </a:pPr>
+                      <a:r>
+                        <a:rPr lang="pt-PT" sz="1600" dirty="0" err="1">
+                          <a:effectLst/>
+                        </a:rPr>
+                        <a:t>Intersection</a:t>
+                      </a:r>
+                      <a:endParaRPr lang="pt-PT" sz="1600" dirty="0">
+                        <a:effectLst/>
+                        <a:latin typeface="Times New Roman" panose="02020603050405020304" pitchFamily="18" charset="0"/>
+                        <a:ea typeface="Calibri" panose="020F0502020204030204" pitchFamily="34" charset="0"/>
+                        <a:cs typeface="Arial" panose="020B0604020202020204" pitchFamily="34" charset="0"/>
+                      </a:endParaRPr>
+                    </a:p>
+                  </a:txBody>
+                  <a:tcPr marL="68580" marR="68580" marT="0" marB="0"/>
+                </a:tc>
+                <a:tc>
+                  <a:txBody>
+                    <a:bodyPr/>
+                    <a:lstStyle/>
+                    <a:p>
+                      <a:pPr indent="252095" algn="l">
+                        <a:lnSpc>
+                          <a:spcPct val="150000"/>
+                        </a:lnSpc>
+                        <a:spcAft>
+                          <a:spcPts val="1000"/>
+                        </a:spcAft>
+                      </a:pPr>
+                      <a:r>
+                        <a:rPr lang="pt-PT" sz="1500" dirty="0">
+                          <a:effectLst/>
+                        </a:rPr>
+                        <a:t>O veículo simula o comportamento numa interseção</a:t>
+                      </a:r>
+                      <a:endParaRPr lang="pt-PT" sz="1500" dirty="0">
+                        <a:effectLst/>
+                        <a:latin typeface="Times New Roman" panose="02020603050405020304" pitchFamily="18" charset="0"/>
+                        <a:ea typeface="Calibri" panose="020F0502020204030204" pitchFamily="34" charset="0"/>
+                        <a:cs typeface="Arial" panose="020B0604020202020204" pitchFamily="34" charset="0"/>
+                      </a:endParaRPr>
+                    </a:p>
+                  </a:txBody>
+                  <a:tcPr marL="68580" marR="68580" marT="0" marB="0" anchor="ctr"/>
+                </a:tc>
+                <a:extLst>
+                  <a:ext uri="{0D108BD9-81ED-4DB2-BD59-A6C34878D82A}">
+                    <a16:rowId xmlns:a16="http://schemas.microsoft.com/office/drawing/2014/main" val="60705779"/>
+                  </a:ext>
+                </a:extLst>
+              </a:tr>
+            </a:tbl>
+          </a:graphicData>
+        </a:graphic>
+      </p:graphicFrame>
+      <p:sp>
+        <p:nvSpPr>
+          <p:cNvPr id="11" name="Rectangle 10" descr="Speedometer Low with solid fill">
+            <a:extLst>
+              <a:ext uri="{FF2B5EF4-FFF2-40B4-BE49-F238E27FC236}">
+                <a16:creationId xmlns:a16="http://schemas.microsoft.com/office/drawing/2014/main" id="{72AACB8D-35A2-0E77-AD7F-785B01285845}"/>
+              </a:ext>
+            </a:extLst>
+          </p:cNvPr>
+          <p:cNvSpPr/>
+          <p:nvPr/>
+        </p:nvSpPr>
+        <p:spPr>
+          <a:xfrm>
+            <a:off x="4678139" y="4428917"/>
+            <a:ext cx="511057" cy="511057"/>
+          </a:xfrm>
+          <a:prstGeom prst="rect">
+            <a:avLst/>
+          </a:prstGeom>
+          <a:blipFill>
+            <a:blip r:embed="rId4">
+              <a:extLst>
+                <a:ext uri="{96DAC541-7B7A-43D3-8B79-37D633B846F1}">
+                  <asvg:svgBlip xmlns:asvg="http://schemas.microsoft.com/office/drawing/2016/SVG/main" r:embed="rId5"/>
+                </a:ext>
+              </a:extLst>
+            </a:blip>
+            <a:stretch>
+              <a:fillRect/>
+            </a:stretch>
+          </a:blipFill>
+          <a:ln>
+            <a:noFill/>
+          </a:ln>
+        </p:spPr>
+        <p:style>
+          <a:lnRef idx="2">
+            <a:scrgbClr r="0" g="0" b="0"/>
+          </a:lnRef>
+          <a:fillRef idx="1">
+            <a:scrgbClr r="0" g="0" b="0"/>
+          </a:fillRef>
+          <a:effectRef idx="0">
+            <a:schemeClr val="accent2">
+              <a:hueOff val="0"/>
+              <a:satOff val="0"/>
+              <a:lumOff val="0"/>
+              <a:alphaOff val="0"/>
+            </a:schemeClr>
+          </a:effectRef>
+          <a:fontRef idx="minor">
+            <a:schemeClr val="lt1"/>
+          </a:fontRef>
+        </p:style>
+        <p:txBody>
+          <a:bodyPr/>
+          <a:lstStyle/>
+          <a:p>
+            <a:endParaRPr lang="pt-PT" dirty="0"/>
+          </a:p>
+        </p:txBody>
+      </p:sp>
+      <p:grpSp>
+        <p:nvGrpSpPr>
+          <p:cNvPr id="12" name="Group 11">
+            <a:extLst>
+              <a:ext uri="{FF2B5EF4-FFF2-40B4-BE49-F238E27FC236}">
+                <a16:creationId xmlns:a16="http://schemas.microsoft.com/office/drawing/2014/main" id="{E2041E84-0AB7-58C4-50B9-E2C27C020858}"/>
+              </a:ext>
+            </a:extLst>
+          </p:cNvPr>
+          <p:cNvGrpSpPr/>
+          <p:nvPr/>
+        </p:nvGrpSpPr>
+        <p:grpSpPr>
+          <a:xfrm>
+            <a:off x="4190786" y="5305017"/>
+            <a:ext cx="1458984" cy="583593"/>
+            <a:chOff x="2360576" y="1167802"/>
+            <a:chExt cx="1458984" cy="583593"/>
+          </a:xfrm>
+        </p:grpSpPr>
+        <p:sp>
+          <p:nvSpPr>
+            <p:cNvPr id="14" name="Rectangle 13">
+              <a:extLst>
+                <a:ext uri="{FF2B5EF4-FFF2-40B4-BE49-F238E27FC236}">
+                  <a16:creationId xmlns:a16="http://schemas.microsoft.com/office/drawing/2014/main" id="{9223DB31-3B63-5CA4-BA71-BF3CA65DB39D}"/>
+                </a:ext>
+              </a:extLst>
+            </p:cNvPr>
+            <p:cNvSpPr/>
+            <p:nvPr/>
+          </p:nvSpPr>
+          <p:spPr>
+            <a:xfrm>
+              <a:off x="2360576" y="1167802"/>
+              <a:ext cx="1458984" cy="583593"/>
+            </a:xfrm>
+            <a:prstGeom prst="rect">
+              <a:avLst/>
+            </a:prstGeom>
+          </p:spPr>
+          <p:style>
+            <a:lnRef idx="0">
+              <a:schemeClr val="dk1">
+                <a:alpha val="0"/>
+                <a:hueOff val="0"/>
+                <a:satOff val="0"/>
+                <a:lumOff val="0"/>
+                <a:alphaOff val="0"/>
+              </a:schemeClr>
+            </a:lnRef>
+            <a:fillRef idx="0">
+              <a:schemeClr val="lt1">
+                <a:alpha val="0"/>
+                <a:hueOff val="0"/>
+                <a:satOff val="0"/>
+                <a:lumOff val="0"/>
+                <a:alphaOff val="0"/>
+              </a:schemeClr>
+            </a:fillRef>
+            <a:effectRef idx="0">
+              <a:schemeClr val="lt1">
+                <a:alpha val="0"/>
+                <a:hueOff val="0"/>
+                <a:satOff val="0"/>
+                <a:lumOff val="0"/>
+                <a:alphaOff val="0"/>
+              </a:schemeClr>
+            </a:effectRef>
+            <a:fontRef idx="minor">
+              <a:schemeClr val="tx1">
+                <a:hueOff val="0"/>
+                <a:satOff val="0"/>
+                <a:lumOff val="0"/>
+                <a:alphaOff val="0"/>
+              </a:schemeClr>
+            </a:fontRef>
+          </p:style>
+          <p:txBody>
+            <a:bodyPr/>
+            <a:lstStyle/>
+            <a:p>
+              <a:endParaRPr lang="pt-PT"/>
+            </a:p>
+          </p:txBody>
+        </p:sp>
+        <p:sp>
+          <p:nvSpPr>
+            <p:cNvPr id="15" name="TextBox 14">
+              <a:extLst>
+                <a:ext uri="{FF2B5EF4-FFF2-40B4-BE49-F238E27FC236}">
+                  <a16:creationId xmlns:a16="http://schemas.microsoft.com/office/drawing/2014/main" id="{FFF1DFF4-54C9-AFD0-C9A6-910BF89E092D}"/>
+                </a:ext>
+              </a:extLst>
+            </p:cNvPr>
+            <p:cNvSpPr txBox="1"/>
+            <p:nvPr/>
+          </p:nvSpPr>
+          <p:spPr>
+            <a:xfrm>
+              <a:off x="2360576" y="1167802"/>
+              <a:ext cx="1458984" cy="583593"/>
+            </a:xfrm>
+            <a:prstGeom prst="rect">
+              <a:avLst/>
+            </a:prstGeom>
+          </p:spPr>
+          <p:style>
+            <a:lnRef idx="0">
+              <a:scrgbClr r="0" g="0" b="0"/>
+            </a:lnRef>
+            <a:fillRef idx="0">
+              <a:scrgbClr r="0" g="0" b="0"/>
+            </a:fillRef>
+            <a:effectRef idx="0">
+              <a:scrgbClr r="0" g="0" b="0"/>
+            </a:effectRef>
+            <a:fontRef idx="minor">
+              <a:schemeClr val="tx1">
+                <a:hueOff val="0"/>
+                <a:satOff val="0"/>
+                <a:lumOff val="0"/>
+                <a:alphaOff val="0"/>
+              </a:schemeClr>
+            </a:fontRef>
+          </p:style>
+          <p:txBody>
+            <a:bodyPr spcFirstLastPara="0" vert="horz" wrap="square" lIns="0" tIns="0" rIns="0" bIns="0" numCol="1" spcCol="1270" anchor="t" anchorCtr="0">
+              <a:noAutofit/>
+            </a:bodyPr>
+            <a:lstStyle/>
+            <a:p>
+              <a:pPr marL="0" lvl="0" indent="0" algn="ctr" defTabSz="533400">
+                <a:lnSpc>
+                  <a:spcPct val="90000"/>
+                </a:lnSpc>
+                <a:spcBef>
+                  <a:spcPct val="0"/>
+                </a:spcBef>
+                <a:spcAft>
+                  <a:spcPct val="35000"/>
+                </a:spcAft>
+                <a:buNone/>
+                <a:defRPr cap="all"/>
+              </a:pPr>
+              <a:r>
+                <a:rPr lang="pt-PT" sz="1400" b="1" i="1" kern="1200" dirty="0"/>
+                <a:t>Slow</a:t>
+              </a:r>
+              <a:endParaRPr lang="en-US" sz="1400" b="1" i="1" kern="1200" dirty="0"/>
+            </a:p>
+          </p:txBody>
+        </p:sp>
+      </p:grpSp>
+      <p:sp>
+        <p:nvSpPr>
+          <p:cNvPr id="16" name="Oval 15">
+            <a:extLst>
+              <a:ext uri="{FF2B5EF4-FFF2-40B4-BE49-F238E27FC236}">
+                <a16:creationId xmlns:a16="http://schemas.microsoft.com/office/drawing/2014/main" id="{3E29F7A4-CE93-75E0-4DF7-9C4ABEF2ADEC}"/>
+              </a:ext>
+            </a:extLst>
+          </p:cNvPr>
+          <p:cNvSpPr/>
+          <p:nvPr/>
+        </p:nvSpPr>
+        <p:spPr>
+          <a:xfrm>
+            <a:off x="6851940" y="4224552"/>
+            <a:ext cx="889980" cy="889980"/>
+          </a:xfrm>
+          <a:prstGeom prst="ellipse">
+            <a:avLst/>
+          </a:prstGeom>
+          <a:solidFill>
+            <a:schemeClr val="accent2">
+              <a:alpha val="50000"/>
+            </a:schemeClr>
+          </a:solidFill>
+          <a:ln>
+            <a:noFill/>
+          </a:ln>
+        </p:spPr>
+        <p:style>
+          <a:lnRef idx="0">
+            <a:scrgbClr r="0" g="0" b="0"/>
+          </a:lnRef>
+          <a:fillRef idx="0">
+            <a:scrgbClr r="0" g="0" b="0"/>
+          </a:fillRef>
+          <a:effectRef idx="0">
+            <a:scrgbClr r="0" g="0" b="0"/>
+          </a:effectRef>
+          <a:fontRef idx="minor">
+            <a:schemeClr val="lt1"/>
+          </a:fontRef>
+        </p:style>
+        <p:txBody>
+          <a:bodyPr/>
+          <a:lstStyle/>
+          <a:p>
+            <a:endParaRPr lang="pt-PT"/>
+          </a:p>
+        </p:txBody>
+      </p:sp>
+      <p:sp>
+        <p:nvSpPr>
+          <p:cNvPr id="17" name="Rectangle 16" descr="Gauge with solid fill">
+            <a:extLst>
+              <a:ext uri="{FF2B5EF4-FFF2-40B4-BE49-F238E27FC236}">
+                <a16:creationId xmlns:a16="http://schemas.microsoft.com/office/drawing/2014/main" id="{FC714D8E-F2DF-FE54-C1BA-D6AD0F6D64A5}"/>
+              </a:ext>
+            </a:extLst>
+          </p:cNvPr>
+          <p:cNvSpPr/>
+          <p:nvPr/>
+        </p:nvSpPr>
+        <p:spPr>
+          <a:xfrm>
+            <a:off x="7041608" y="4412342"/>
+            <a:ext cx="510644" cy="510644"/>
+          </a:xfrm>
+          <a:prstGeom prst="rect">
+            <a:avLst/>
+          </a:prstGeom>
+          <a:blipFill>
+            <a:blip r:embed="rId6">
+              <a:extLst>
+                <a:ext uri="{96DAC541-7B7A-43D3-8B79-37D633B846F1}">
+                  <asvg:svgBlip xmlns:asvg="http://schemas.microsoft.com/office/drawing/2016/SVG/main" r:embed="rId7"/>
+                </a:ext>
+              </a:extLst>
+            </a:blip>
+            <a:stretch>
+              <a:fillRect/>
+            </a:stretch>
+          </a:blipFill>
+          <a:ln>
+            <a:noFill/>
+          </a:ln>
+        </p:spPr>
+        <p:style>
+          <a:lnRef idx="2">
+            <a:scrgbClr r="0" g="0" b="0"/>
+          </a:lnRef>
+          <a:fillRef idx="1">
+            <a:scrgbClr r="0" g="0" b="0"/>
+          </a:fillRef>
+          <a:effectRef idx="0">
+            <a:schemeClr val="accent2">
+              <a:hueOff val="0"/>
+              <a:satOff val="0"/>
+              <a:lumOff val="0"/>
+              <a:alphaOff val="0"/>
+            </a:schemeClr>
+          </a:effectRef>
+          <a:fontRef idx="minor">
+            <a:schemeClr val="lt1"/>
+          </a:fontRef>
+        </p:style>
+        <p:txBody>
+          <a:bodyPr/>
+          <a:lstStyle/>
+          <a:p>
+            <a:endParaRPr lang="pt-PT"/>
+          </a:p>
+        </p:txBody>
+      </p:sp>
+      <p:grpSp>
+        <p:nvGrpSpPr>
+          <p:cNvPr id="18" name="Group 17">
+            <a:extLst>
+              <a:ext uri="{FF2B5EF4-FFF2-40B4-BE49-F238E27FC236}">
+                <a16:creationId xmlns:a16="http://schemas.microsoft.com/office/drawing/2014/main" id="{6AFC5A36-11CD-2AF2-FBBE-9AC4518B0874}"/>
+              </a:ext>
+            </a:extLst>
+          </p:cNvPr>
+          <p:cNvGrpSpPr/>
+          <p:nvPr/>
+        </p:nvGrpSpPr>
+        <p:grpSpPr>
+          <a:xfrm>
+            <a:off x="6567438" y="5267458"/>
+            <a:ext cx="1458984" cy="583593"/>
+            <a:chOff x="2360576" y="1167802"/>
+            <a:chExt cx="1458984" cy="583593"/>
+          </a:xfrm>
+        </p:grpSpPr>
+        <p:sp>
+          <p:nvSpPr>
+            <p:cNvPr id="19" name="Rectangle 18">
+              <a:extLst>
+                <a:ext uri="{FF2B5EF4-FFF2-40B4-BE49-F238E27FC236}">
+                  <a16:creationId xmlns:a16="http://schemas.microsoft.com/office/drawing/2014/main" id="{A1E03247-7596-BA9B-98D2-03A3DCF85AFA}"/>
+                </a:ext>
+              </a:extLst>
+            </p:cNvPr>
+            <p:cNvSpPr/>
+            <p:nvPr/>
+          </p:nvSpPr>
+          <p:spPr>
+            <a:xfrm>
+              <a:off x="2360576" y="1167802"/>
+              <a:ext cx="1458984" cy="583593"/>
+            </a:xfrm>
+            <a:prstGeom prst="rect">
+              <a:avLst/>
+            </a:prstGeom>
+          </p:spPr>
+          <p:style>
+            <a:lnRef idx="0">
+              <a:schemeClr val="dk1">
+                <a:alpha val="0"/>
+                <a:hueOff val="0"/>
+                <a:satOff val="0"/>
+                <a:lumOff val="0"/>
+                <a:alphaOff val="0"/>
+              </a:schemeClr>
+            </a:lnRef>
+            <a:fillRef idx="0">
+              <a:schemeClr val="lt1">
+                <a:alpha val="0"/>
+                <a:hueOff val="0"/>
+                <a:satOff val="0"/>
+                <a:lumOff val="0"/>
+                <a:alphaOff val="0"/>
+              </a:schemeClr>
+            </a:fillRef>
+            <a:effectRef idx="0">
+              <a:schemeClr val="lt1">
+                <a:alpha val="0"/>
+                <a:hueOff val="0"/>
+                <a:satOff val="0"/>
+                <a:lumOff val="0"/>
+                <a:alphaOff val="0"/>
+              </a:schemeClr>
+            </a:effectRef>
+            <a:fontRef idx="minor">
+              <a:schemeClr val="tx1">
+                <a:hueOff val="0"/>
+                <a:satOff val="0"/>
+                <a:lumOff val="0"/>
+                <a:alphaOff val="0"/>
+              </a:schemeClr>
+            </a:fontRef>
+          </p:style>
+          <p:txBody>
+            <a:bodyPr/>
+            <a:lstStyle/>
+            <a:p>
+              <a:endParaRPr lang="pt-PT"/>
+            </a:p>
+          </p:txBody>
+        </p:sp>
+        <p:sp>
+          <p:nvSpPr>
+            <p:cNvPr id="20" name="TextBox 19">
+              <a:extLst>
+                <a:ext uri="{FF2B5EF4-FFF2-40B4-BE49-F238E27FC236}">
+                  <a16:creationId xmlns:a16="http://schemas.microsoft.com/office/drawing/2014/main" id="{3DE479A7-F07F-2F7F-9F01-1529E531161E}"/>
+                </a:ext>
+              </a:extLst>
+            </p:cNvPr>
+            <p:cNvSpPr txBox="1"/>
+            <p:nvPr/>
+          </p:nvSpPr>
+          <p:spPr>
+            <a:xfrm>
+              <a:off x="2360576" y="1167802"/>
+              <a:ext cx="1458984" cy="583593"/>
+            </a:xfrm>
+            <a:prstGeom prst="rect">
+              <a:avLst/>
+            </a:prstGeom>
+          </p:spPr>
+          <p:style>
+            <a:lnRef idx="0">
+              <a:scrgbClr r="0" g="0" b="0"/>
+            </a:lnRef>
+            <a:fillRef idx="0">
+              <a:scrgbClr r="0" g="0" b="0"/>
+            </a:fillRef>
+            <a:effectRef idx="0">
+              <a:scrgbClr r="0" g="0" b="0"/>
+            </a:effectRef>
+            <a:fontRef idx="minor">
+              <a:schemeClr val="tx1">
+                <a:hueOff val="0"/>
+                <a:satOff val="0"/>
+                <a:lumOff val="0"/>
+                <a:alphaOff val="0"/>
+              </a:schemeClr>
+            </a:fontRef>
+          </p:style>
+          <p:txBody>
+            <a:bodyPr spcFirstLastPara="0" vert="horz" wrap="square" lIns="0" tIns="0" rIns="0" bIns="0" numCol="1" spcCol="1270" anchor="t" anchorCtr="0">
+              <a:noAutofit/>
+            </a:bodyPr>
+            <a:lstStyle/>
+            <a:p>
+              <a:pPr marL="0" lvl="0" indent="0" algn="ctr" defTabSz="533400">
+                <a:lnSpc>
+                  <a:spcPct val="100000"/>
+                </a:lnSpc>
+                <a:spcBef>
+                  <a:spcPct val="0"/>
+                </a:spcBef>
+                <a:spcAft>
+                  <a:spcPct val="35000"/>
+                </a:spcAft>
+                <a:buNone/>
+                <a:defRPr cap="all"/>
+              </a:pPr>
+              <a:r>
+                <a:rPr lang="pt-PT" sz="1400" b="1" i="1" kern="1200" dirty="0"/>
+                <a:t>Aggressive</a:t>
+              </a:r>
+              <a:endParaRPr lang="en-US" sz="1400" b="1" i="1" kern="1200" dirty="0"/>
+            </a:p>
+          </p:txBody>
+        </p:sp>
+      </p:grpSp>
+      <p:sp>
+        <p:nvSpPr>
+          <p:cNvPr id="21" name="Oval 20">
+            <a:extLst>
+              <a:ext uri="{FF2B5EF4-FFF2-40B4-BE49-F238E27FC236}">
+                <a16:creationId xmlns:a16="http://schemas.microsoft.com/office/drawing/2014/main" id="{62EBFD24-D78F-604E-F437-32B0ECFE6919}"/>
+              </a:ext>
+            </a:extLst>
+          </p:cNvPr>
+          <p:cNvSpPr/>
+          <p:nvPr/>
+        </p:nvSpPr>
+        <p:spPr>
+          <a:xfrm>
+            <a:off x="5650650" y="4489728"/>
+            <a:ext cx="890700" cy="890700"/>
+          </a:xfrm>
+          <a:prstGeom prst="ellipse">
+            <a:avLst/>
+          </a:prstGeom>
+          <a:solidFill>
+            <a:schemeClr val="accent2">
+              <a:alpha val="50000"/>
+            </a:schemeClr>
+          </a:solidFill>
+          <a:ln>
+            <a:noFill/>
+          </a:ln>
+        </p:spPr>
+        <p:style>
+          <a:lnRef idx="0">
+            <a:scrgbClr r="0" g="0" b="0"/>
+          </a:lnRef>
+          <a:fillRef idx="0">
+            <a:scrgbClr r="0" g="0" b="0"/>
+          </a:fillRef>
+          <a:effectRef idx="0">
+            <a:scrgbClr r="0" g="0" b="0"/>
+          </a:effectRef>
+          <a:fontRef idx="minor">
+            <a:schemeClr val="lt1"/>
+          </a:fontRef>
+        </p:style>
+        <p:txBody>
+          <a:bodyPr/>
+          <a:lstStyle/>
+          <a:p>
+            <a:endParaRPr lang="pt-PT" dirty="0"/>
+          </a:p>
+        </p:txBody>
+      </p:sp>
+      <p:sp>
+        <p:nvSpPr>
+          <p:cNvPr id="22" name="Rectangle 21" descr="Speedometer Middle outline">
+            <a:extLst>
+              <a:ext uri="{FF2B5EF4-FFF2-40B4-BE49-F238E27FC236}">
+                <a16:creationId xmlns:a16="http://schemas.microsoft.com/office/drawing/2014/main" id="{20875913-F2F1-152A-994E-4BF052FA6D8C}"/>
+              </a:ext>
+            </a:extLst>
+          </p:cNvPr>
+          <p:cNvSpPr/>
+          <p:nvPr/>
+        </p:nvSpPr>
+        <p:spPr>
+          <a:xfrm>
+            <a:off x="5833956" y="4674823"/>
+            <a:ext cx="511057" cy="511057"/>
+          </a:xfrm>
+          <a:prstGeom prst="rect">
+            <a:avLst/>
+          </a:prstGeom>
+          <a:blipFill>
+            <a:blip r:embed="rId8">
+              <a:extLst>
+                <a:ext uri="{96DAC541-7B7A-43D3-8B79-37D633B846F1}">
+                  <asvg:svgBlip xmlns:asvg="http://schemas.microsoft.com/office/drawing/2016/SVG/main" r:embed="rId9"/>
+                </a:ext>
+              </a:extLst>
+            </a:blip>
+            <a:stretch>
+              <a:fillRect/>
+            </a:stretch>
+          </a:blipFill>
+          <a:ln>
+            <a:noFill/>
+          </a:ln>
+        </p:spPr>
+        <p:style>
+          <a:lnRef idx="2">
+            <a:scrgbClr r="0" g="0" b="0"/>
+          </a:lnRef>
+          <a:fillRef idx="1">
+            <a:scrgbClr r="0" g="0" b="0"/>
+          </a:fillRef>
+          <a:effectRef idx="0">
+            <a:schemeClr val="accent2">
+              <a:hueOff val="0"/>
+              <a:satOff val="0"/>
+              <a:lumOff val="0"/>
+              <a:alphaOff val="0"/>
+            </a:schemeClr>
+          </a:effectRef>
+          <a:fontRef idx="minor">
+            <a:schemeClr val="lt1"/>
+          </a:fontRef>
+        </p:style>
+        <p:txBody>
+          <a:bodyPr/>
+          <a:lstStyle/>
+          <a:p>
+            <a:endParaRPr lang="pt-PT"/>
+          </a:p>
+        </p:txBody>
+      </p:sp>
+      <p:grpSp>
+        <p:nvGrpSpPr>
+          <p:cNvPr id="23" name="Group 22">
+            <a:extLst>
+              <a:ext uri="{FF2B5EF4-FFF2-40B4-BE49-F238E27FC236}">
+                <a16:creationId xmlns:a16="http://schemas.microsoft.com/office/drawing/2014/main" id="{1FE01E6D-A39A-A1C7-6F31-2B6021F6D216}"/>
+              </a:ext>
+            </a:extLst>
+          </p:cNvPr>
+          <p:cNvGrpSpPr/>
+          <p:nvPr/>
+        </p:nvGrpSpPr>
+        <p:grpSpPr>
+          <a:xfrm>
+            <a:off x="5489768" y="5518478"/>
+            <a:ext cx="1212463" cy="324542"/>
+            <a:chOff x="1290068" y="2752245"/>
+            <a:chExt cx="3637736" cy="981524"/>
+          </a:xfrm>
+        </p:grpSpPr>
+        <p:sp>
+          <p:nvSpPr>
+            <p:cNvPr id="24" name="Rectangle 23">
+              <a:extLst>
+                <a:ext uri="{FF2B5EF4-FFF2-40B4-BE49-F238E27FC236}">
+                  <a16:creationId xmlns:a16="http://schemas.microsoft.com/office/drawing/2014/main" id="{F8F72355-EFA4-7B3B-49A1-D2569174A9D4}"/>
+                </a:ext>
+              </a:extLst>
+            </p:cNvPr>
+            <p:cNvSpPr/>
+            <p:nvPr/>
+          </p:nvSpPr>
+          <p:spPr>
+            <a:xfrm>
+              <a:off x="1290068" y="3013769"/>
+              <a:ext cx="3600000" cy="720000"/>
+            </a:xfrm>
+            <a:prstGeom prst="rect">
+              <a:avLst/>
+            </a:prstGeom>
+          </p:spPr>
+          <p:style>
+            <a:lnRef idx="0">
+              <a:schemeClr val="dk1">
+                <a:alpha val="0"/>
+                <a:hueOff val="0"/>
+                <a:satOff val="0"/>
+                <a:lumOff val="0"/>
+                <a:alphaOff val="0"/>
+              </a:schemeClr>
+            </a:lnRef>
+            <a:fillRef idx="0">
+              <a:schemeClr val="lt1">
+                <a:alpha val="0"/>
+                <a:hueOff val="0"/>
+                <a:satOff val="0"/>
+                <a:lumOff val="0"/>
+                <a:alphaOff val="0"/>
+              </a:schemeClr>
+            </a:fillRef>
+            <a:effectRef idx="0">
+              <a:schemeClr val="lt1">
+                <a:alpha val="0"/>
+                <a:hueOff val="0"/>
+                <a:satOff val="0"/>
+                <a:lumOff val="0"/>
+                <a:alphaOff val="0"/>
+              </a:schemeClr>
+            </a:effectRef>
+            <a:fontRef idx="minor">
+              <a:schemeClr val="tx1">
+                <a:hueOff val="0"/>
+                <a:satOff val="0"/>
+                <a:lumOff val="0"/>
+                <a:alphaOff val="0"/>
+              </a:schemeClr>
+            </a:fontRef>
+          </p:style>
+          <p:txBody>
+            <a:bodyPr/>
+            <a:lstStyle/>
+            <a:p>
+              <a:endParaRPr lang="pt-PT"/>
+            </a:p>
+          </p:txBody>
+        </p:sp>
+        <p:sp>
+          <p:nvSpPr>
+            <p:cNvPr id="25" name="TextBox 24">
+              <a:extLst>
+                <a:ext uri="{FF2B5EF4-FFF2-40B4-BE49-F238E27FC236}">
+                  <a16:creationId xmlns:a16="http://schemas.microsoft.com/office/drawing/2014/main" id="{B18A976B-2376-5A17-4F21-58D2BFEDA8D2}"/>
+                </a:ext>
+              </a:extLst>
+            </p:cNvPr>
+            <p:cNvSpPr txBox="1"/>
+            <p:nvPr/>
+          </p:nvSpPr>
+          <p:spPr>
+            <a:xfrm>
+              <a:off x="1327804" y="2752245"/>
+              <a:ext cx="3600000" cy="720000"/>
+            </a:xfrm>
+            <a:prstGeom prst="rect">
+              <a:avLst/>
+            </a:prstGeom>
+          </p:spPr>
+          <p:style>
+            <a:lnRef idx="0">
+              <a:scrgbClr r="0" g="0" b="0"/>
+            </a:lnRef>
+            <a:fillRef idx="0">
+              <a:scrgbClr r="0" g="0" b="0"/>
+            </a:fillRef>
+            <a:effectRef idx="0">
+              <a:scrgbClr r="0" g="0" b="0"/>
+            </a:effectRef>
+            <a:fontRef idx="minor">
+              <a:schemeClr val="tx1">
+                <a:hueOff val="0"/>
+                <a:satOff val="0"/>
+                <a:lumOff val="0"/>
+                <a:alphaOff val="0"/>
+              </a:schemeClr>
+            </a:fontRef>
+          </p:style>
+          <p:txBody>
+            <a:bodyPr spcFirstLastPara="0" vert="horz" wrap="square" lIns="0" tIns="0" rIns="0" bIns="0" numCol="1" spcCol="1270" anchor="t" anchorCtr="0">
+              <a:noAutofit/>
+            </a:bodyPr>
+            <a:lstStyle/>
+            <a:p>
+              <a:pPr marL="0" lvl="0" indent="0" algn="ctr" defTabSz="977900">
+                <a:lnSpc>
+                  <a:spcPct val="100000"/>
+                </a:lnSpc>
+                <a:spcBef>
+                  <a:spcPct val="0"/>
+                </a:spcBef>
+                <a:spcAft>
+                  <a:spcPct val="35000"/>
+                </a:spcAft>
+                <a:buNone/>
+                <a:defRPr cap="all"/>
+              </a:pPr>
+              <a:r>
+                <a:rPr lang="en-US" sz="1400" b="1" i="1" kern="1200" dirty="0"/>
+                <a:t>Normal</a:t>
+              </a:r>
+            </a:p>
+          </p:txBody>
+        </p:sp>
+      </p:grpSp>
+      <p:pic>
+        <p:nvPicPr>
+          <p:cNvPr id="42" name="Picture 41" descr="An aerial view of a road&#10;&#10;Description automatically generated">
+            <a:extLst>
+              <a:ext uri="{FF2B5EF4-FFF2-40B4-BE49-F238E27FC236}">
+                <a16:creationId xmlns:a16="http://schemas.microsoft.com/office/drawing/2014/main" id="{E140ADF6-DD5A-198B-7F9D-B2C2666C36C5}"/>
+              </a:ext>
+            </a:extLst>
+          </p:cNvPr>
+          <p:cNvPicPr>
+            <a:picLocks noChangeAspect="1"/>
+          </p:cNvPicPr>
+          <p:nvPr/>
+        </p:nvPicPr>
+        <p:blipFill>
+          <a:blip r:embed="rId10" cstate="print">
+            <a:extLst>
+              <a:ext uri="{28A0092B-C50C-407E-A947-70E740481C1C}">
+                <a14:useLocalDpi xmlns:a14="http://schemas.microsoft.com/office/drawing/2010/main" val="0"/>
+              </a:ext>
+            </a:extLst>
+          </a:blip>
+          <a:srcRect/>
+          <a:stretch>
+            <a:fillRect/>
+          </a:stretch>
+        </p:blipFill>
+        <p:spPr bwMode="auto">
+          <a:xfrm>
+            <a:off x="8231205" y="1335792"/>
+            <a:ext cx="3037668" cy="2278251"/>
+          </a:xfrm>
+          <a:prstGeom prst="rect">
+            <a:avLst/>
+          </a:prstGeom>
+          <a:noFill/>
+          <a:ln>
+            <a:noFill/>
+          </a:ln>
+        </p:spPr>
+      </p:pic>
+      <p:sp>
+        <p:nvSpPr>
+          <p:cNvPr id="44" name="TextBox 43">
+            <a:extLst>
+              <a:ext uri="{FF2B5EF4-FFF2-40B4-BE49-F238E27FC236}">
+                <a16:creationId xmlns:a16="http://schemas.microsoft.com/office/drawing/2014/main" id="{DB1B4EB5-C10E-080A-95A7-899B85F0BFE0}"/>
+              </a:ext>
+            </a:extLst>
+          </p:cNvPr>
+          <p:cNvSpPr txBox="1"/>
+          <p:nvPr/>
+        </p:nvSpPr>
+        <p:spPr>
+          <a:xfrm>
+            <a:off x="8250156" y="3614044"/>
+            <a:ext cx="3023480" cy="246221"/>
+          </a:xfrm>
+          <a:prstGeom prst="rect">
+            <a:avLst/>
+          </a:prstGeom>
+          <a:noFill/>
+        </p:spPr>
+        <p:txBody>
+          <a:bodyPr wrap="square" rtlCol="0">
+            <a:spAutoFit/>
+          </a:bodyPr>
+          <a:lstStyle/>
+          <a:p>
+            <a:pPr algn="ctr"/>
+            <a:r>
+              <a:rPr lang="pt-PT" sz="1000" dirty="0"/>
+              <a:t>Cenário de condução - Interseção</a:t>
+            </a:r>
+          </a:p>
+        </p:txBody>
+      </p:sp>
+    </p:spTree>
+    <p:extLst>
+      <p:ext uri="{BB962C8B-B14F-4D97-AF65-F5344CB8AC3E}">
+        <p14:creationId xmlns:p14="http://schemas.microsoft.com/office/powerpoint/2010/main" val="2053448630"/>
+      </p:ext>
+    </p:extLst>
+  </p:cSld>
+  <p:clrMapOvr>
+    <a:masterClrMapping/>
+  </p:clrMapOvr>
+  <p:timing>
+    <p:tnLst>
+      <p:par>
+        <p:cTn id="1" dur="indefinite" restart="never" nodeType="tmRoot">
+          <p:childTnLst>
+            <p:seq concurrent="1" nextAc="seek">
+              <p:cTn id="2" dur="indefinite" nodeType="mainSeq">
+                <p:childTnLst>
+                  <p:par>
+                    <p:cTn id="3" fill="hold">
+                      <p:stCondLst>
+                        <p:cond delay="indefinite"/>
+                      </p:stCondLst>
+                      <p:childTnLst>
+                        <p:par>
+                          <p:cTn id="4" fill="hold">
+                            <p:stCondLst>
+                              <p:cond delay="0"/>
+                            </p:stCondLst>
+                            <p:childTnLst>
+                              <p:par>
+                                <p:cTn id="5" presetID="1" presetClass="entr" presetSubtype="0" fill="hold" nodeType="clickEffect">
+                                  <p:stCondLst>
+                                    <p:cond delay="0"/>
+                                  </p:stCondLst>
+                                  <p:childTnLst>
+                                    <p:set>
+                                      <p:cBhvr>
+                                        <p:cTn id="6" dur="1" fill="hold">
+                                          <p:stCondLst>
+                                            <p:cond delay="0"/>
+                                          </p:stCondLst>
+                                        </p:cTn>
+                                        <p:tgtEl>
+                                          <p:spTgt spid="9"/>
+                                        </p:tgtEl>
+                                        <p:attrNameLst>
+                                          <p:attrName>style.visibility</p:attrName>
+                                        </p:attrNameLst>
+                                      </p:cBhvr>
+                                      <p:to>
+                                        <p:strVal val="visible"/>
+                                      </p:to>
+                                    </p:set>
+                                  </p:childTnLst>
+                                </p:cTn>
+                              </p:par>
+                            </p:childTnLst>
+                          </p:cTn>
+                        </p:par>
+                      </p:childTnLst>
+                    </p:cTn>
+                  </p:par>
+                  <p:par>
+                    <p:cTn id="7" fill="hold">
+                      <p:stCondLst>
+                        <p:cond delay="indefinite"/>
+                      </p:stCondLst>
+                      <p:childTnLst>
+                        <p:par>
+                          <p:cTn id="8" fill="hold">
+                            <p:stCondLst>
+                              <p:cond delay="0"/>
+                            </p:stCondLst>
+                            <p:childTnLst>
+                              <p:par>
+                                <p:cTn id="9" presetID="1" presetClass="entr" presetSubtype="0" fill="hold" grpId="0" nodeType="clickEffect">
+                                  <p:stCondLst>
+                                    <p:cond delay="0"/>
+                                  </p:stCondLst>
+                                  <p:childTnLst>
+                                    <p:set>
+                                      <p:cBhvr>
+                                        <p:cTn id="10" dur="1" fill="hold">
+                                          <p:stCondLst>
+                                            <p:cond delay="0"/>
+                                          </p:stCondLst>
+                                        </p:cTn>
+                                        <p:tgtEl>
+                                          <p:spTgt spid="44"/>
+                                        </p:tgtEl>
+                                        <p:attrNameLst>
+                                          <p:attrName>style.visibility</p:attrName>
+                                        </p:attrNameLst>
+                                      </p:cBhvr>
+                                      <p:to>
+                                        <p:strVal val="visible"/>
+                                      </p:to>
+                                    </p:set>
+                                  </p:childTnLst>
+                                </p:cTn>
+                              </p:par>
+                              <p:par>
+                                <p:cTn id="11" presetID="1" presetClass="entr" presetSubtype="0" fill="hold" nodeType="withEffect">
+                                  <p:stCondLst>
+                                    <p:cond delay="0"/>
+                                  </p:stCondLst>
+                                  <p:childTnLst>
+                                    <p:set>
+                                      <p:cBhvr>
+                                        <p:cTn id="12" dur="1" fill="hold">
+                                          <p:stCondLst>
+                                            <p:cond delay="0"/>
+                                          </p:stCondLst>
+                                        </p:cTn>
+                                        <p:tgtEl>
+                                          <p:spTgt spid="42"/>
+                                        </p:tgtEl>
+                                        <p:attrNameLst>
+                                          <p:attrName>style.visibility</p:attrName>
+                                        </p:attrNameLst>
+                                      </p:cBhvr>
+                                      <p:to>
+                                        <p:strVal val="visible"/>
+                                      </p:to>
+                                    </p:set>
+                                  </p:childTnLst>
+                                </p:cTn>
+                              </p:par>
+                            </p:childTnLst>
+                          </p:cTn>
+                        </p:par>
+                      </p:childTnLst>
+                    </p:cTn>
+                  </p:par>
+                  <p:par>
+                    <p:cTn id="13" fill="hold">
+                      <p:stCondLst>
+                        <p:cond delay="indefinite"/>
+                      </p:stCondLst>
+                      <p:childTnLst>
+                        <p:par>
+                          <p:cTn id="14" fill="hold">
+                            <p:stCondLst>
+                              <p:cond delay="0"/>
+                            </p:stCondLst>
+                            <p:childTnLst>
+                              <p:par>
+                                <p:cTn id="15" presetID="1" presetClass="entr" presetSubtype="0" fill="hold" grpId="0" nodeType="clickEffect">
+                                  <p:stCondLst>
+                                    <p:cond delay="0"/>
+                                  </p:stCondLst>
+                                  <p:childTnLst>
+                                    <p:set>
+                                      <p:cBhvr>
+                                        <p:cTn id="16" dur="1" fill="hold">
+                                          <p:stCondLst>
+                                            <p:cond delay="0"/>
+                                          </p:stCondLst>
+                                        </p:cTn>
+                                        <p:tgtEl>
+                                          <p:spTgt spid="10"/>
+                                        </p:tgtEl>
+                                        <p:attrNameLst>
+                                          <p:attrName>style.visibility</p:attrName>
+                                        </p:attrNameLst>
+                                      </p:cBhvr>
+                                      <p:to>
+                                        <p:strVal val="visible"/>
+                                      </p:to>
+                                    </p:set>
+                                  </p:childTnLst>
+                                </p:cTn>
+                              </p:par>
+                              <p:par>
+                                <p:cTn id="17" presetID="1" presetClass="entr" presetSubtype="0" fill="hold" grpId="0" nodeType="withEffect">
+                                  <p:stCondLst>
+                                    <p:cond delay="0"/>
+                                  </p:stCondLst>
+                                  <p:childTnLst>
+                                    <p:set>
+                                      <p:cBhvr>
+                                        <p:cTn id="18" dur="1" fill="hold">
+                                          <p:stCondLst>
+                                            <p:cond delay="0"/>
+                                          </p:stCondLst>
+                                        </p:cTn>
+                                        <p:tgtEl>
+                                          <p:spTgt spid="11"/>
+                                        </p:tgtEl>
+                                        <p:attrNameLst>
+                                          <p:attrName>style.visibility</p:attrName>
+                                        </p:attrNameLst>
+                                      </p:cBhvr>
+                                      <p:to>
+                                        <p:strVal val="visible"/>
+                                      </p:to>
+                                    </p:set>
+                                  </p:childTnLst>
+                                </p:cTn>
+                              </p:par>
+                              <p:par>
+                                <p:cTn id="19" presetID="1" presetClass="entr" presetSubtype="0" fill="hold" nodeType="withEffect">
+                                  <p:stCondLst>
+                                    <p:cond delay="0"/>
+                                  </p:stCondLst>
+                                  <p:childTnLst>
+                                    <p:set>
+                                      <p:cBhvr>
+                                        <p:cTn id="20" dur="1" fill="hold">
+                                          <p:stCondLst>
+                                            <p:cond delay="0"/>
+                                          </p:stCondLst>
+                                        </p:cTn>
+                                        <p:tgtEl>
+                                          <p:spTgt spid="12"/>
+                                        </p:tgtEl>
+                                        <p:attrNameLst>
+                                          <p:attrName>style.visibility</p:attrName>
+                                        </p:attrNameLst>
+                                      </p:cBhvr>
+                                      <p:to>
+                                        <p:strVal val="visible"/>
+                                      </p:to>
+                                    </p:set>
+                                  </p:childTnLst>
+                                </p:cTn>
+                              </p:par>
+                            </p:childTnLst>
+                          </p:cTn>
+                        </p:par>
+                        <p:par>
+                          <p:cTn id="21" fill="hold">
+                            <p:stCondLst>
+                              <p:cond delay="0"/>
+                            </p:stCondLst>
+                            <p:childTnLst>
+                              <p:par>
+                                <p:cTn id="22" presetID="1" presetClass="entr" presetSubtype="0" fill="hold" grpId="0" nodeType="afterEffect">
+                                  <p:stCondLst>
+                                    <p:cond delay="500"/>
+                                  </p:stCondLst>
+                                  <p:childTnLst>
+                                    <p:set>
+                                      <p:cBhvr>
+                                        <p:cTn id="23" dur="1" fill="hold">
+                                          <p:stCondLst>
+                                            <p:cond delay="0"/>
+                                          </p:stCondLst>
+                                        </p:cTn>
+                                        <p:tgtEl>
+                                          <p:spTgt spid="21"/>
+                                        </p:tgtEl>
+                                        <p:attrNameLst>
+                                          <p:attrName>style.visibility</p:attrName>
+                                        </p:attrNameLst>
+                                      </p:cBhvr>
+                                      <p:to>
+                                        <p:strVal val="visible"/>
+                                      </p:to>
+                                    </p:set>
+                                  </p:childTnLst>
+                                </p:cTn>
+                              </p:par>
+                              <p:par>
+                                <p:cTn id="24" presetID="1" presetClass="entr" presetSubtype="0" fill="hold" grpId="0" nodeType="withEffect">
+                                  <p:stCondLst>
+                                    <p:cond delay="500"/>
+                                  </p:stCondLst>
+                                  <p:childTnLst>
+                                    <p:set>
+                                      <p:cBhvr>
+                                        <p:cTn id="25" dur="1" fill="hold">
+                                          <p:stCondLst>
+                                            <p:cond delay="0"/>
+                                          </p:stCondLst>
+                                        </p:cTn>
+                                        <p:tgtEl>
+                                          <p:spTgt spid="22"/>
+                                        </p:tgtEl>
+                                        <p:attrNameLst>
+                                          <p:attrName>style.visibility</p:attrName>
+                                        </p:attrNameLst>
+                                      </p:cBhvr>
+                                      <p:to>
+                                        <p:strVal val="visible"/>
+                                      </p:to>
+                                    </p:set>
+                                  </p:childTnLst>
+                                </p:cTn>
+                              </p:par>
+                              <p:par>
+                                <p:cTn id="26" presetID="1" presetClass="entr" presetSubtype="0" fill="hold" nodeType="withEffect">
+                                  <p:stCondLst>
+                                    <p:cond delay="500"/>
+                                  </p:stCondLst>
+                                  <p:childTnLst>
+                                    <p:set>
+                                      <p:cBhvr>
+                                        <p:cTn id="27" dur="1" fill="hold">
+                                          <p:stCondLst>
+                                            <p:cond delay="0"/>
+                                          </p:stCondLst>
+                                        </p:cTn>
+                                        <p:tgtEl>
+                                          <p:spTgt spid="23"/>
+                                        </p:tgtEl>
+                                        <p:attrNameLst>
+                                          <p:attrName>style.visibility</p:attrName>
+                                        </p:attrNameLst>
+                                      </p:cBhvr>
+                                      <p:to>
+                                        <p:strVal val="visible"/>
+                                      </p:to>
+                                    </p:set>
+                                  </p:childTnLst>
+                                </p:cTn>
+                              </p:par>
+                            </p:childTnLst>
+                          </p:cTn>
+                        </p:par>
+                        <p:par>
+                          <p:cTn id="28" fill="hold">
+                            <p:stCondLst>
+                              <p:cond delay="500"/>
+                            </p:stCondLst>
+                            <p:childTnLst>
+                              <p:par>
+                                <p:cTn id="29" presetID="1" presetClass="entr" presetSubtype="0" fill="hold" grpId="0" nodeType="afterEffect">
+                                  <p:stCondLst>
+                                    <p:cond delay="500"/>
+                                  </p:stCondLst>
+                                  <p:childTnLst>
+                                    <p:set>
+                                      <p:cBhvr>
+                                        <p:cTn id="30" dur="1" fill="hold">
+                                          <p:stCondLst>
+                                            <p:cond delay="0"/>
+                                          </p:stCondLst>
+                                        </p:cTn>
+                                        <p:tgtEl>
+                                          <p:spTgt spid="16"/>
+                                        </p:tgtEl>
+                                        <p:attrNameLst>
+                                          <p:attrName>style.visibility</p:attrName>
+                                        </p:attrNameLst>
+                                      </p:cBhvr>
+                                      <p:to>
+                                        <p:strVal val="visible"/>
+                                      </p:to>
+                                    </p:set>
+                                  </p:childTnLst>
+                                </p:cTn>
+                              </p:par>
+                              <p:par>
+                                <p:cTn id="31" presetID="1" presetClass="entr" presetSubtype="0" fill="hold" grpId="0" nodeType="withEffect">
+                                  <p:stCondLst>
+                                    <p:cond delay="500"/>
+                                  </p:stCondLst>
+                                  <p:childTnLst>
+                                    <p:set>
+                                      <p:cBhvr>
+                                        <p:cTn id="32" dur="1" fill="hold">
+                                          <p:stCondLst>
+                                            <p:cond delay="0"/>
+                                          </p:stCondLst>
+                                        </p:cTn>
+                                        <p:tgtEl>
+                                          <p:spTgt spid="17"/>
+                                        </p:tgtEl>
+                                        <p:attrNameLst>
+                                          <p:attrName>style.visibility</p:attrName>
+                                        </p:attrNameLst>
+                                      </p:cBhvr>
+                                      <p:to>
+                                        <p:strVal val="visible"/>
+                                      </p:to>
+                                    </p:set>
+                                  </p:childTnLst>
+                                </p:cTn>
+                              </p:par>
+                              <p:par>
+                                <p:cTn id="33" presetID="1" presetClass="entr" presetSubtype="0" fill="hold" nodeType="withEffect">
+                                  <p:stCondLst>
+                                    <p:cond delay="500"/>
+                                  </p:stCondLst>
+                                  <p:childTnLst>
+                                    <p:set>
+                                      <p:cBhvr>
+                                        <p:cTn id="34" dur="1" fill="hold">
+                                          <p:stCondLst>
+                                            <p:cond delay="0"/>
+                                          </p:stCondLst>
+                                        </p:cTn>
+                                        <p:tgtEl>
+                                          <p:spTgt spid="18"/>
+                                        </p:tgtEl>
+                                        <p:attrNameLst>
+                                          <p:attrName>style.visibility</p:attrName>
+                                        </p:attrNameLst>
+                                      </p:cBhvr>
+                                      <p:to>
+                                        <p:strVal val="visible"/>
+                                      </p:to>
+                                    </p:set>
+                                  </p:childTnLst>
+                                </p:cTn>
+                              </p:par>
+                            </p:childTnLst>
+                          </p:cTn>
+                        </p:par>
+                      </p:childTnLst>
+                    </p:cTn>
+                  </p:par>
+                </p:childTnLst>
+              </p:cTn>
+              <p:prevCondLst>
+                <p:cond evt="onPrev" delay="0">
+                  <p:tgtEl>
+                    <p:sldTgt/>
+                  </p:tgtEl>
+                </p:cond>
+              </p:prevCondLst>
+              <p:nextCondLst>
+                <p:cond evt="onNext" delay="0">
+                  <p:tgtEl>
+                    <p:sldTgt/>
+                  </p:tgtEl>
+                </p:cond>
+              </p:nextCondLst>
+            </p:seq>
+          </p:childTnLst>
+        </p:cTn>
+      </p:par>
+    </p:tnLst>
+    <p:bldLst>
+      <p:bldP spid="10" grpId="0" animBg="1"/>
+      <p:bldP spid="11" grpId="0" animBg="1"/>
+      <p:bldP spid="16" grpId="0" animBg="1"/>
+      <p:bldP spid="17" grpId="0" animBg="1"/>
+      <p:bldP spid="21" grpId="0" animBg="1"/>
+      <p:bldP spid="22" grpId="0" animBg="1"/>
+      <p:bldP spid="44" grpId="0"/>
+    </p:bldLst>
+  </p:timing>
+</p:sld>
+</file>
+
+<file path=ppt/slides/slide22.xml><?xml version="1.0" encoding="utf-8"?>
+<p:sld xmlns:a="http://schemas.openxmlformats.org/drawingml/2006/main" xmlns:r="http://schemas.openxmlformats.org/officeDocument/2006/relationships" xmlns:p="http://schemas.openxmlformats.org/presentationml/2006/main">
+  <p:cSld>
     <p:spTree>
       <p:nvGrpSpPr>
         <p:cNvPr id="1" name=""/>
@@ -22492,7 +23732,621 @@
             <a:fld id="{18D65601-5AE2-46FC-B138-694DDD2B510D}" type="slidenum">
               <a:rPr lang="en-US" sz="1800" smtClean="0"/>
               <a:pPr/>
-              <a:t>20</a:t>
+              <a:t>22</a:t>
+            </a:fld>
+            <a:endParaRPr lang="en-US" sz="1800" dirty="0"/>
+          </a:p>
+        </p:txBody>
+      </p:sp>
+      <p:sp>
+        <p:nvSpPr>
+          <p:cNvPr id="6" name="Footer Placeholder 4">
+            <a:extLst>
+              <a:ext uri="{FF2B5EF4-FFF2-40B4-BE49-F238E27FC236}">
+                <a16:creationId xmlns:a16="http://schemas.microsoft.com/office/drawing/2014/main" id="{0D821BC6-79CF-66F1-F00C-E2213C505826}"/>
+              </a:ext>
+            </a:extLst>
+          </p:cNvPr>
+          <p:cNvSpPr txBox="1">
+            <a:spLocks/>
+          </p:cNvSpPr>
+          <p:nvPr/>
+        </p:nvSpPr>
+        <p:spPr>
+          <a:xfrm>
+            <a:off x="4038600" y="6333565"/>
+            <a:ext cx="4114800" cy="365125"/>
+          </a:xfrm>
+          <a:prstGeom prst="rect">
+            <a:avLst/>
+          </a:prstGeom>
+        </p:spPr>
+        <p:txBody>
+          <a:bodyPr vert="horz" lIns="91440" tIns="45720" rIns="91440" bIns="45720" rtlCol="0" anchor="ctr"/>
+          <a:lstStyle>
+            <a:defPPr>
+              <a:defRPr lang="en-US"/>
+            </a:defPPr>
+            <a:lvl1pPr marL="0" algn="ctr" defTabSz="914400" rtl="0" eaLnBrk="1" latinLnBrk="0" hangingPunct="1">
+              <a:defRPr sz="900" b="0" kern="1200" cap="all" spc="150" baseline="0">
+                <a:solidFill>
+                  <a:schemeClr val="bg2">
+                    <a:lumMod val="50000"/>
+                  </a:schemeClr>
+                </a:solidFill>
+                <a:latin typeface="Univers Light" panose="020B0403020202020204" pitchFamily="34" charset="0"/>
+                <a:ea typeface="+mn-ea"/>
+                <a:cs typeface="+mn-cs"/>
+              </a:defRPr>
+            </a:lvl1pPr>
+            <a:lvl2pPr marL="457200" algn="l" defTabSz="914400" rtl="0" eaLnBrk="1" latinLnBrk="0" hangingPunct="1">
+              <a:defRPr sz="1800" kern="1200">
+                <a:solidFill>
+                  <a:schemeClr val="tx1"/>
+                </a:solidFill>
+                <a:latin typeface="+mn-lt"/>
+                <a:ea typeface="+mn-ea"/>
+                <a:cs typeface="+mn-cs"/>
+              </a:defRPr>
+            </a:lvl2pPr>
+            <a:lvl3pPr marL="914400" algn="l" defTabSz="914400" rtl="0" eaLnBrk="1" latinLnBrk="0" hangingPunct="1">
+              <a:defRPr sz="1800" kern="1200">
+                <a:solidFill>
+                  <a:schemeClr val="tx1"/>
+                </a:solidFill>
+                <a:latin typeface="+mn-lt"/>
+                <a:ea typeface="+mn-ea"/>
+                <a:cs typeface="+mn-cs"/>
+              </a:defRPr>
+            </a:lvl3pPr>
+            <a:lvl4pPr marL="1371600" algn="l" defTabSz="914400" rtl="0" eaLnBrk="1" latinLnBrk="0" hangingPunct="1">
+              <a:defRPr sz="1800" kern="1200">
+                <a:solidFill>
+                  <a:schemeClr val="tx1"/>
+                </a:solidFill>
+                <a:latin typeface="+mn-lt"/>
+                <a:ea typeface="+mn-ea"/>
+                <a:cs typeface="+mn-cs"/>
+              </a:defRPr>
+            </a:lvl4pPr>
+            <a:lvl5pPr marL="1828800" algn="l" defTabSz="914400" rtl="0" eaLnBrk="1" latinLnBrk="0" hangingPunct="1">
+              <a:defRPr sz="1800" kern="1200">
+                <a:solidFill>
+                  <a:schemeClr val="tx1"/>
+                </a:solidFill>
+                <a:latin typeface="+mn-lt"/>
+                <a:ea typeface="+mn-ea"/>
+                <a:cs typeface="+mn-cs"/>
+              </a:defRPr>
+            </a:lvl5pPr>
+            <a:lvl6pPr marL="2286000" algn="l" defTabSz="914400" rtl="0" eaLnBrk="1" latinLnBrk="0" hangingPunct="1">
+              <a:defRPr sz="1800" kern="1200">
+                <a:solidFill>
+                  <a:schemeClr val="tx1"/>
+                </a:solidFill>
+                <a:latin typeface="+mn-lt"/>
+                <a:ea typeface="+mn-ea"/>
+                <a:cs typeface="+mn-cs"/>
+              </a:defRPr>
+            </a:lvl6pPr>
+            <a:lvl7pPr marL="2743200" algn="l" defTabSz="914400" rtl="0" eaLnBrk="1" latinLnBrk="0" hangingPunct="1">
+              <a:defRPr sz="1800" kern="1200">
+                <a:solidFill>
+                  <a:schemeClr val="tx1"/>
+                </a:solidFill>
+                <a:latin typeface="+mn-lt"/>
+                <a:ea typeface="+mn-ea"/>
+                <a:cs typeface="+mn-cs"/>
+              </a:defRPr>
+            </a:lvl7pPr>
+            <a:lvl8pPr marL="3200400" algn="l" defTabSz="914400" rtl="0" eaLnBrk="1" latinLnBrk="0" hangingPunct="1">
+              <a:defRPr sz="1800" kern="1200">
+                <a:solidFill>
+                  <a:schemeClr val="tx1"/>
+                </a:solidFill>
+                <a:latin typeface="+mn-lt"/>
+                <a:ea typeface="+mn-ea"/>
+                <a:cs typeface="+mn-cs"/>
+              </a:defRPr>
+            </a:lvl8pPr>
+            <a:lvl9pPr marL="3657600" algn="l" defTabSz="914400" rtl="0" eaLnBrk="1" latinLnBrk="0" hangingPunct="1">
+              <a:defRPr sz="1800" kern="1200">
+                <a:solidFill>
+                  <a:schemeClr val="tx1"/>
+                </a:solidFill>
+                <a:latin typeface="+mn-lt"/>
+                <a:ea typeface="+mn-ea"/>
+                <a:cs typeface="+mn-cs"/>
+              </a:defRPr>
+            </a:lvl9pPr>
+          </a:lstStyle>
+          <a:p>
+            <a:pPr>
+              <a:lnSpc>
+                <a:spcPct val="150000"/>
+              </a:lnSpc>
+            </a:pPr>
+            <a:r>
+              <a:rPr lang="pt-PT" sz="800" dirty="0"/>
+              <a:t>Ai driving classification</a:t>
+            </a:r>
+          </a:p>
+          <a:p>
+            <a:pPr>
+              <a:lnSpc>
+                <a:spcPct val="150000"/>
+              </a:lnSpc>
+            </a:pPr>
+            <a:r>
+              <a:rPr lang="pt-PT" sz="800" dirty="0"/>
+              <a:t>Alberto pingo | joão castro</a:t>
+            </a:r>
+          </a:p>
+        </p:txBody>
+      </p:sp>
+      <p:pic>
+        <p:nvPicPr>
+          <p:cNvPr id="7" name="Picture 6" descr="A black background with a black square&#10;&#10;Description automatically generated with medium confidence">
+            <a:extLst>
+              <a:ext uri="{FF2B5EF4-FFF2-40B4-BE49-F238E27FC236}">
+                <a16:creationId xmlns:a16="http://schemas.microsoft.com/office/drawing/2014/main" id="{05200A96-EEA7-9B7D-506A-BF4FE113C176}"/>
+              </a:ext>
+            </a:extLst>
+          </p:cNvPr>
+          <p:cNvPicPr>
+            <a:picLocks noChangeAspect="1"/>
+          </p:cNvPicPr>
+          <p:nvPr/>
+        </p:nvPicPr>
+        <p:blipFill>
+          <a:blip r:embed="rId3">
+            <a:alphaModFix amt="70000"/>
+            <a:extLst>
+              <a:ext uri="{28A0092B-C50C-407E-A947-70E740481C1C}">
+                <a14:useLocalDpi xmlns:a14="http://schemas.microsoft.com/office/drawing/2010/main" val="0"/>
+              </a:ext>
+            </a:extLst>
+          </a:blip>
+          <a:stretch>
+            <a:fillRect/>
+          </a:stretch>
+        </p:blipFill>
+        <p:spPr>
+          <a:xfrm>
+            <a:off x="10582445" y="5985436"/>
+            <a:ext cx="1441915" cy="568239"/>
+          </a:xfrm>
+          <a:prstGeom prst="rect">
+            <a:avLst/>
+          </a:prstGeom>
+        </p:spPr>
+      </p:pic>
+      <p:sp>
+        <p:nvSpPr>
+          <p:cNvPr id="2" name="Title 1">
+            <a:extLst>
+              <a:ext uri="{FF2B5EF4-FFF2-40B4-BE49-F238E27FC236}">
+                <a16:creationId xmlns:a16="http://schemas.microsoft.com/office/drawing/2014/main" id="{4662EDDE-6B1A-D0AC-F9F2-C67719C36532}"/>
+              </a:ext>
+            </a:extLst>
+          </p:cNvPr>
+          <p:cNvSpPr>
+            <a:spLocks noGrp="1"/>
+          </p:cNvSpPr>
+          <p:nvPr>
+            <p:ph type="title"/>
+          </p:nvPr>
+        </p:nvSpPr>
+        <p:spPr>
+          <a:xfrm>
+            <a:off x="1520662" y="252034"/>
+            <a:ext cx="9753890" cy="409176"/>
+          </a:xfrm>
+        </p:spPr>
+        <p:txBody>
+          <a:bodyPr>
+            <a:normAutofit fontScale="90000"/>
+          </a:bodyPr>
+          <a:lstStyle/>
+          <a:p>
+            <a:r>
+              <a:rPr lang="pt-PT" i="1" dirty="0"/>
+              <a:t>Segunda Abordagem - Processamento de dados</a:t>
+            </a:r>
+          </a:p>
+        </p:txBody>
+      </p:sp>
+      <p:pic>
+        <p:nvPicPr>
+          <p:cNvPr id="9" name="Picture 8" descr="A diagram of a company&#10;&#10;Description automatically generated">
+            <a:extLst>
+              <a:ext uri="{FF2B5EF4-FFF2-40B4-BE49-F238E27FC236}">
+                <a16:creationId xmlns:a16="http://schemas.microsoft.com/office/drawing/2014/main" id="{53C25548-7C2E-E6F3-AD76-D6C5CF10F480}"/>
+              </a:ext>
+            </a:extLst>
+          </p:cNvPr>
+          <p:cNvPicPr>
+            <a:picLocks noChangeAspect="1"/>
+          </p:cNvPicPr>
+          <p:nvPr/>
+        </p:nvPicPr>
+        <p:blipFill>
+          <a:blip r:embed="rId4"/>
+          <a:srcRect t="-32" b="49487"/>
+          <a:stretch/>
+        </p:blipFill>
+        <p:spPr>
+          <a:xfrm>
+            <a:off x="3606826" y="1019346"/>
+            <a:ext cx="4978348" cy="4819308"/>
+          </a:xfrm>
+          <a:prstGeom prst="rect">
+            <a:avLst/>
+          </a:prstGeom>
+        </p:spPr>
+      </p:pic>
+    </p:spTree>
+    <p:extLst>
+      <p:ext uri="{BB962C8B-B14F-4D97-AF65-F5344CB8AC3E}">
+        <p14:creationId xmlns:p14="http://schemas.microsoft.com/office/powerpoint/2010/main" val="725260203"/>
+      </p:ext>
+    </p:extLst>
+  </p:cSld>
+  <p:clrMapOvr>
+    <a:masterClrMapping/>
+  </p:clrMapOvr>
+</p:sld>
+</file>
+
+<file path=ppt/slides/slide23.xml><?xml version="1.0" encoding="utf-8"?>
+<p:sld xmlns:a="http://schemas.openxmlformats.org/drawingml/2006/main" xmlns:r="http://schemas.openxmlformats.org/officeDocument/2006/relationships" xmlns:p="http://schemas.openxmlformats.org/presentationml/2006/main">
+  <p:cSld>
+    <p:spTree>
+      <p:nvGrpSpPr>
+        <p:cNvPr id="1" name=""/>
+        <p:cNvGrpSpPr/>
+        <p:nvPr/>
+      </p:nvGrpSpPr>
+      <p:grpSpPr>
+        <a:xfrm>
+          <a:off x="0" y="0"/>
+          <a:ext cx="0" cy="0"/>
+          <a:chOff x="0" y="0"/>
+          <a:chExt cx="0" cy="0"/>
+        </a:xfrm>
+      </p:grpSpPr>
+      <p:sp>
+        <p:nvSpPr>
+          <p:cNvPr id="4" name="Slide Number Placeholder 3">
+            <a:extLst>
+              <a:ext uri="{FF2B5EF4-FFF2-40B4-BE49-F238E27FC236}">
+                <a16:creationId xmlns:a16="http://schemas.microsoft.com/office/drawing/2014/main" id="{527C964F-E2D5-D8E7-C513-C47A7E409DF3}"/>
+              </a:ext>
+            </a:extLst>
+          </p:cNvPr>
+          <p:cNvSpPr>
+            <a:spLocks noGrp="1"/>
+          </p:cNvSpPr>
+          <p:nvPr>
+            <p:ph type="sldNum" sz="quarter" idx="15"/>
+          </p:nvPr>
+        </p:nvSpPr>
+        <p:spPr/>
+        <p:txBody>
+          <a:bodyPr/>
+          <a:lstStyle/>
+          <a:p>
+            <a:fld id="{18D65601-5AE2-46FC-B138-694DDD2B510D}" type="slidenum">
+              <a:rPr lang="en-US" sz="1800" smtClean="0"/>
+              <a:pPr/>
+              <a:t>23</a:t>
+            </a:fld>
+            <a:endParaRPr lang="en-US" sz="1800" dirty="0"/>
+          </a:p>
+        </p:txBody>
+      </p:sp>
+      <p:sp>
+        <p:nvSpPr>
+          <p:cNvPr id="6" name="Footer Placeholder 4">
+            <a:extLst>
+              <a:ext uri="{FF2B5EF4-FFF2-40B4-BE49-F238E27FC236}">
+                <a16:creationId xmlns:a16="http://schemas.microsoft.com/office/drawing/2014/main" id="{0D821BC6-79CF-66F1-F00C-E2213C505826}"/>
+              </a:ext>
+            </a:extLst>
+          </p:cNvPr>
+          <p:cNvSpPr txBox="1">
+            <a:spLocks/>
+          </p:cNvSpPr>
+          <p:nvPr/>
+        </p:nvSpPr>
+        <p:spPr>
+          <a:xfrm>
+            <a:off x="4038600" y="6333565"/>
+            <a:ext cx="4114800" cy="365125"/>
+          </a:xfrm>
+          <a:prstGeom prst="rect">
+            <a:avLst/>
+          </a:prstGeom>
+        </p:spPr>
+        <p:txBody>
+          <a:bodyPr vert="horz" lIns="91440" tIns="45720" rIns="91440" bIns="45720" rtlCol="0" anchor="ctr"/>
+          <a:lstStyle>
+            <a:defPPr>
+              <a:defRPr lang="en-US"/>
+            </a:defPPr>
+            <a:lvl1pPr marL="0" algn="ctr" defTabSz="914400" rtl="0" eaLnBrk="1" latinLnBrk="0" hangingPunct="1">
+              <a:defRPr sz="900" b="0" kern="1200" cap="all" spc="150" baseline="0">
+                <a:solidFill>
+                  <a:schemeClr val="bg2">
+                    <a:lumMod val="50000"/>
+                  </a:schemeClr>
+                </a:solidFill>
+                <a:latin typeface="Univers Light" panose="020B0403020202020204" pitchFamily="34" charset="0"/>
+                <a:ea typeface="+mn-ea"/>
+                <a:cs typeface="+mn-cs"/>
+              </a:defRPr>
+            </a:lvl1pPr>
+            <a:lvl2pPr marL="457200" algn="l" defTabSz="914400" rtl="0" eaLnBrk="1" latinLnBrk="0" hangingPunct="1">
+              <a:defRPr sz="1800" kern="1200">
+                <a:solidFill>
+                  <a:schemeClr val="tx1"/>
+                </a:solidFill>
+                <a:latin typeface="+mn-lt"/>
+                <a:ea typeface="+mn-ea"/>
+                <a:cs typeface="+mn-cs"/>
+              </a:defRPr>
+            </a:lvl2pPr>
+            <a:lvl3pPr marL="914400" algn="l" defTabSz="914400" rtl="0" eaLnBrk="1" latinLnBrk="0" hangingPunct="1">
+              <a:defRPr sz="1800" kern="1200">
+                <a:solidFill>
+                  <a:schemeClr val="tx1"/>
+                </a:solidFill>
+                <a:latin typeface="+mn-lt"/>
+                <a:ea typeface="+mn-ea"/>
+                <a:cs typeface="+mn-cs"/>
+              </a:defRPr>
+            </a:lvl3pPr>
+            <a:lvl4pPr marL="1371600" algn="l" defTabSz="914400" rtl="0" eaLnBrk="1" latinLnBrk="0" hangingPunct="1">
+              <a:defRPr sz="1800" kern="1200">
+                <a:solidFill>
+                  <a:schemeClr val="tx1"/>
+                </a:solidFill>
+                <a:latin typeface="+mn-lt"/>
+                <a:ea typeface="+mn-ea"/>
+                <a:cs typeface="+mn-cs"/>
+              </a:defRPr>
+            </a:lvl4pPr>
+            <a:lvl5pPr marL="1828800" algn="l" defTabSz="914400" rtl="0" eaLnBrk="1" latinLnBrk="0" hangingPunct="1">
+              <a:defRPr sz="1800" kern="1200">
+                <a:solidFill>
+                  <a:schemeClr val="tx1"/>
+                </a:solidFill>
+                <a:latin typeface="+mn-lt"/>
+                <a:ea typeface="+mn-ea"/>
+                <a:cs typeface="+mn-cs"/>
+              </a:defRPr>
+            </a:lvl5pPr>
+            <a:lvl6pPr marL="2286000" algn="l" defTabSz="914400" rtl="0" eaLnBrk="1" latinLnBrk="0" hangingPunct="1">
+              <a:defRPr sz="1800" kern="1200">
+                <a:solidFill>
+                  <a:schemeClr val="tx1"/>
+                </a:solidFill>
+                <a:latin typeface="+mn-lt"/>
+                <a:ea typeface="+mn-ea"/>
+                <a:cs typeface="+mn-cs"/>
+              </a:defRPr>
+            </a:lvl6pPr>
+            <a:lvl7pPr marL="2743200" algn="l" defTabSz="914400" rtl="0" eaLnBrk="1" latinLnBrk="0" hangingPunct="1">
+              <a:defRPr sz="1800" kern="1200">
+                <a:solidFill>
+                  <a:schemeClr val="tx1"/>
+                </a:solidFill>
+                <a:latin typeface="+mn-lt"/>
+                <a:ea typeface="+mn-ea"/>
+                <a:cs typeface="+mn-cs"/>
+              </a:defRPr>
+            </a:lvl7pPr>
+            <a:lvl8pPr marL="3200400" algn="l" defTabSz="914400" rtl="0" eaLnBrk="1" latinLnBrk="0" hangingPunct="1">
+              <a:defRPr sz="1800" kern="1200">
+                <a:solidFill>
+                  <a:schemeClr val="tx1"/>
+                </a:solidFill>
+                <a:latin typeface="+mn-lt"/>
+                <a:ea typeface="+mn-ea"/>
+                <a:cs typeface="+mn-cs"/>
+              </a:defRPr>
+            </a:lvl8pPr>
+            <a:lvl9pPr marL="3657600" algn="l" defTabSz="914400" rtl="0" eaLnBrk="1" latinLnBrk="0" hangingPunct="1">
+              <a:defRPr sz="1800" kern="1200">
+                <a:solidFill>
+                  <a:schemeClr val="tx1"/>
+                </a:solidFill>
+                <a:latin typeface="+mn-lt"/>
+                <a:ea typeface="+mn-ea"/>
+                <a:cs typeface="+mn-cs"/>
+              </a:defRPr>
+            </a:lvl9pPr>
+          </a:lstStyle>
+          <a:p>
+            <a:pPr>
+              <a:lnSpc>
+                <a:spcPct val="150000"/>
+              </a:lnSpc>
+            </a:pPr>
+            <a:r>
+              <a:rPr lang="pt-PT" sz="800" dirty="0"/>
+              <a:t>Ai driving classification</a:t>
+            </a:r>
+          </a:p>
+          <a:p>
+            <a:pPr>
+              <a:lnSpc>
+                <a:spcPct val="150000"/>
+              </a:lnSpc>
+            </a:pPr>
+            <a:r>
+              <a:rPr lang="pt-PT" sz="800" dirty="0"/>
+              <a:t>Alberto pingo | joão castro</a:t>
+            </a:r>
+          </a:p>
+        </p:txBody>
+      </p:sp>
+      <p:pic>
+        <p:nvPicPr>
+          <p:cNvPr id="7" name="Picture 6" descr="A black background with a black square&#10;&#10;Description automatically generated with medium confidence">
+            <a:extLst>
+              <a:ext uri="{FF2B5EF4-FFF2-40B4-BE49-F238E27FC236}">
+                <a16:creationId xmlns:a16="http://schemas.microsoft.com/office/drawing/2014/main" id="{05200A96-EEA7-9B7D-506A-BF4FE113C176}"/>
+              </a:ext>
+            </a:extLst>
+          </p:cNvPr>
+          <p:cNvPicPr>
+            <a:picLocks noChangeAspect="1"/>
+          </p:cNvPicPr>
+          <p:nvPr/>
+        </p:nvPicPr>
+        <p:blipFill>
+          <a:blip r:embed="rId3">
+            <a:alphaModFix amt="70000"/>
+            <a:extLst>
+              <a:ext uri="{28A0092B-C50C-407E-A947-70E740481C1C}">
+                <a14:useLocalDpi xmlns:a14="http://schemas.microsoft.com/office/drawing/2010/main" val="0"/>
+              </a:ext>
+            </a:extLst>
+          </a:blip>
+          <a:stretch>
+            <a:fillRect/>
+          </a:stretch>
+        </p:blipFill>
+        <p:spPr>
+          <a:xfrm>
+            <a:off x="10582445" y="5985436"/>
+            <a:ext cx="1441915" cy="568239"/>
+          </a:xfrm>
+          <a:prstGeom prst="rect">
+            <a:avLst/>
+          </a:prstGeom>
+        </p:spPr>
+      </p:pic>
+      <p:sp>
+        <p:nvSpPr>
+          <p:cNvPr id="2" name="Title 1">
+            <a:extLst>
+              <a:ext uri="{FF2B5EF4-FFF2-40B4-BE49-F238E27FC236}">
+                <a16:creationId xmlns:a16="http://schemas.microsoft.com/office/drawing/2014/main" id="{4662EDDE-6B1A-D0AC-F9F2-C67719C36532}"/>
+              </a:ext>
+            </a:extLst>
+          </p:cNvPr>
+          <p:cNvSpPr>
+            <a:spLocks noGrp="1"/>
+          </p:cNvSpPr>
+          <p:nvPr>
+            <p:ph type="title"/>
+          </p:nvPr>
+        </p:nvSpPr>
+        <p:spPr>
+          <a:xfrm>
+            <a:off x="1520662" y="252034"/>
+            <a:ext cx="9753890" cy="409176"/>
+          </a:xfrm>
+        </p:spPr>
+        <p:txBody>
+          <a:bodyPr>
+            <a:normAutofit fontScale="90000"/>
+          </a:bodyPr>
+          <a:lstStyle/>
+          <a:p>
+            <a:r>
+              <a:rPr lang="pt-PT" i="1" dirty="0"/>
+              <a:t>Segunda Abordagem - Processamento de dados</a:t>
+            </a:r>
+          </a:p>
+        </p:txBody>
+      </p:sp>
+      <p:pic>
+        <p:nvPicPr>
+          <p:cNvPr id="12" name="Picture 11" descr="A diagram of a company&#10;&#10;Description automatically generated">
+            <a:extLst>
+              <a:ext uri="{FF2B5EF4-FFF2-40B4-BE49-F238E27FC236}">
+                <a16:creationId xmlns:a16="http://schemas.microsoft.com/office/drawing/2014/main" id="{B7EA3BDE-D73D-4709-FEC7-62AC412636BA}"/>
+              </a:ext>
+            </a:extLst>
+          </p:cNvPr>
+          <p:cNvPicPr>
+            <a:picLocks noChangeAspect="1"/>
+          </p:cNvPicPr>
+          <p:nvPr/>
+        </p:nvPicPr>
+        <p:blipFill>
+          <a:blip r:embed="rId4"/>
+          <a:srcRect t="50422"/>
+          <a:stretch/>
+        </p:blipFill>
+        <p:spPr>
+          <a:xfrm>
+            <a:off x="3561063" y="1022116"/>
+            <a:ext cx="5069874" cy="4813768"/>
+          </a:xfrm>
+          <a:prstGeom prst="rect">
+            <a:avLst/>
+          </a:prstGeom>
+        </p:spPr>
+      </p:pic>
+    </p:spTree>
+    <p:extLst>
+      <p:ext uri="{BB962C8B-B14F-4D97-AF65-F5344CB8AC3E}">
+        <p14:creationId xmlns:p14="http://schemas.microsoft.com/office/powerpoint/2010/main" val="868537791"/>
+      </p:ext>
+    </p:extLst>
+  </p:cSld>
+  <p:clrMapOvr>
+    <a:masterClrMapping/>
+  </p:clrMapOvr>
+</p:sld>
+</file>
+
+<file path=ppt/slides/slide24.xml><?xml version="1.0" encoding="utf-8"?>
+<p:sld xmlns:a="http://schemas.openxmlformats.org/drawingml/2006/main" xmlns:r="http://schemas.openxmlformats.org/officeDocument/2006/relationships" xmlns:p="http://schemas.openxmlformats.org/presentationml/2006/main">
+  <p:cSld>
+    <p:spTree>
+      <p:nvGrpSpPr>
+        <p:cNvPr id="1" name=""/>
+        <p:cNvGrpSpPr/>
+        <p:nvPr/>
+      </p:nvGrpSpPr>
+      <p:grpSpPr>
+        <a:xfrm>
+          <a:off x="0" y="0"/>
+          <a:ext cx="0" cy="0"/>
+          <a:chOff x="0" y="0"/>
+          <a:chExt cx="0" cy="0"/>
+        </a:xfrm>
+      </p:grpSpPr>
+      <p:sp>
+        <p:nvSpPr>
+          <p:cNvPr id="4" name="Slide Number Placeholder 3">
+            <a:extLst>
+              <a:ext uri="{FF2B5EF4-FFF2-40B4-BE49-F238E27FC236}">
+                <a16:creationId xmlns:a16="http://schemas.microsoft.com/office/drawing/2014/main" id="{527C964F-E2D5-D8E7-C513-C47A7E409DF3}"/>
+              </a:ext>
+            </a:extLst>
+          </p:cNvPr>
+          <p:cNvSpPr>
+            <a:spLocks noGrp="1"/>
+          </p:cNvSpPr>
+          <p:nvPr>
+            <p:ph type="sldNum" sz="quarter" idx="15"/>
+          </p:nvPr>
+        </p:nvSpPr>
+        <p:spPr/>
+        <p:txBody>
+          <a:bodyPr/>
+          <a:lstStyle/>
+          <a:p>
+            <a:fld id="{18D65601-5AE2-46FC-B138-694DDD2B510D}" type="slidenum">
+              <a:rPr lang="en-US" sz="1800" smtClean="0"/>
+              <a:pPr/>
+              <a:t>24</a:t>
             </a:fld>
             <a:endParaRPr lang="en-US" sz="1800" dirty="0"/>
           </a:p>
@@ -23139,7 +24993,7 @@
 </p:sld>
 </file>
 
-<file path=ppt/slides/slide21.xml><?xml version="1.0" encoding="utf-8"?>
+<file path=ppt/slides/slide25.xml><?xml version="1.0" encoding="utf-8"?>
 <p:sld xmlns:a="http://schemas.openxmlformats.org/drawingml/2006/main" xmlns:r="http://schemas.openxmlformats.org/officeDocument/2006/relationships" xmlns:p="http://schemas.openxmlformats.org/presentationml/2006/main">
   <p:cSld>
     <p:spTree>
@@ -23180,7 +25034,7 @@
             <a:fld id="{18D65601-5AE2-46FC-B138-694DDD2B510D}" type="slidenum">
               <a:rPr lang="en-US" sz="1800" smtClean="0"/>
               <a:pPr/>
-              <a:t>21</a:t>
+              <a:t>25</a:t>
             </a:fld>
             <a:endParaRPr lang="en-US" sz="1800" dirty="0"/>
           </a:p>
@@ -24150,7 +26004,7 @@
 </p:sld>
 </file>
 
-<file path=ppt/slides/slide22.xml><?xml version="1.0" encoding="utf-8"?>
+<file path=ppt/slides/slide26.xml><?xml version="1.0" encoding="utf-8"?>
 <p:sld xmlns:a="http://schemas.openxmlformats.org/drawingml/2006/main" xmlns:r="http://schemas.openxmlformats.org/officeDocument/2006/relationships" xmlns:p="http://schemas.openxmlformats.org/presentationml/2006/main">
   <p:cSld>
     <p:spTree>
@@ -24191,7 +26045,7 @@
             <a:fld id="{18D65601-5AE2-46FC-B138-694DDD2B510D}" type="slidenum">
               <a:rPr lang="en-US" sz="1800" smtClean="0"/>
               <a:pPr/>
-              <a:t>22</a:t>
+              <a:t>26</a:t>
             </a:fld>
             <a:endParaRPr lang="en-US" sz="1800" dirty="0"/>
           </a:p>
@@ -24954,7 +26808,7 @@
 </p:sld>
 </file>
 
-<file path=ppt/slides/slide23.xml><?xml version="1.0" encoding="utf-8"?>
+<file path=ppt/slides/slide27.xml><?xml version="1.0" encoding="utf-8"?>
 <p:sld xmlns:a="http://schemas.openxmlformats.org/drawingml/2006/main" xmlns:r="http://schemas.openxmlformats.org/officeDocument/2006/relationships" xmlns:p="http://schemas.openxmlformats.org/presentationml/2006/main">
   <p:cSld>
     <p:bg>
@@ -25005,7 +26859,7 @@
             <a:fld id="{18D65601-5AE2-46FC-B138-694DDD2B510D}" type="slidenum">
               <a:rPr lang="en-US" sz="1800" smtClean="0"/>
               <a:pPr/>
-              <a:t>23</a:t>
+              <a:t>27</a:t>
             </a:fld>
             <a:endParaRPr lang="en-US" sz="1800" dirty="0"/>
           </a:p>
@@ -25374,7 +27228,7 @@
 </p:sld>
 </file>
 
-<file path=ppt/slides/slide24.xml><?xml version="1.0" encoding="utf-8"?>
+<file path=ppt/slides/slide28.xml><?xml version="1.0" encoding="utf-8"?>
 <p:sld xmlns:a="http://schemas.openxmlformats.org/drawingml/2006/main" xmlns:r="http://schemas.openxmlformats.org/officeDocument/2006/relationships" xmlns:p="http://schemas.openxmlformats.org/presentationml/2006/main">
   <p:cSld>
     <p:bg>
@@ -25425,7 +27279,7 @@
             <a:fld id="{18D65601-5AE2-46FC-B138-694DDD2B510D}" type="slidenum">
               <a:rPr lang="en-US" sz="1800" smtClean="0"/>
               <a:pPr/>
-              <a:t>24</a:t>
+              <a:t>28</a:t>
             </a:fld>
             <a:endParaRPr lang="en-US" sz="1800" dirty="0"/>
           </a:p>
@@ -25962,7 +27816,7 @@
 </p:sld>
 </file>
 
-<file path=ppt/slides/slide25.xml><?xml version="1.0" encoding="utf-8"?>
+<file path=ppt/slides/slide29.xml><?xml version="1.0" encoding="utf-8"?>
 <p:sld xmlns:a="http://schemas.openxmlformats.org/drawingml/2006/main" xmlns:r="http://schemas.openxmlformats.org/officeDocument/2006/relationships" xmlns:p="http://schemas.openxmlformats.org/presentationml/2006/main">
   <p:cSld>
     <p:bg>
@@ -26013,7 +27867,7 @@
             <a:fld id="{18D65601-5AE2-46FC-B138-694DDD2B510D}" type="slidenum">
               <a:rPr lang="en-US" sz="1800" smtClean="0"/>
               <a:pPr/>
-              <a:t>25</a:t>
+              <a:t>29</a:t>
             </a:fld>
             <a:endParaRPr lang="en-US" sz="1800" dirty="0"/>
           </a:p>
@@ -26657,7 +28511,294 @@
 </p:sld>
 </file>
 
-<file path=ppt/slides/slide26.xml><?xml version="1.0" encoding="utf-8"?>
+<file path=ppt/slides/slide3.xml><?xml version="1.0" encoding="utf-8"?>
+<p:sld xmlns:a="http://schemas.openxmlformats.org/drawingml/2006/main" xmlns:r="http://schemas.openxmlformats.org/officeDocument/2006/relationships" xmlns:p="http://schemas.openxmlformats.org/presentationml/2006/main">
+  <p:cSld>
+    <p:bg>
+      <p:bgPr>
+        <a:solidFill>
+          <a:schemeClr val="bg2">
+            <a:alpha val="0"/>
+          </a:schemeClr>
+        </a:solidFill>
+        <a:effectLst/>
+      </p:bgPr>
+    </p:bg>
+    <p:spTree>
+      <p:nvGrpSpPr>
+        <p:cNvPr id="1" name=""/>
+        <p:cNvGrpSpPr/>
+        <p:nvPr/>
+      </p:nvGrpSpPr>
+      <p:grpSpPr>
+        <a:xfrm>
+          <a:off x="0" y="0"/>
+          <a:ext cx="0" cy="0"/>
+          <a:chOff x="0" y="0"/>
+          <a:chExt cx="0" cy="0"/>
+        </a:xfrm>
+      </p:grpSpPr>
+      <p:sp>
+        <p:nvSpPr>
+          <p:cNvPr id="2" name="Title 1">
+            <a:extLst>
+              <a:ext uri="{FF2B5EF4-FFF2-40B4-BE49-F238E27FC236}">
+                <a16:creationId xmlns:a16="http://schemas.microsoft.com/office/drawing/2014/main" id="{2CD97761-0B88-A5E8-0B78-C39173D05F4D}"/>
+              </a:ext>
+            </a:extLst>
+          </p:cNvPr>
+          <p:cNvSpPr>
+            <a:spLocks noGrp="1"/>
+          </p:cNvSpPr>
+          <p:nvPr>
+            <p:ph type="title"/>
+          </p:nvPr>
+        </p:nvSpPr>
+        <p:spPr>
+          <a:xfrm>
+            <a:off x="1381118" y="725454"/>
+            <a:ext cx="9464681" cy="5407091"/>
+          </a:xfrm>
+        </p:spPr>
+        <p:txBody>
+          <a:bodyPr/>
+          <a:lstStyle/>
+          <a:p>
+            <a:pPr algn="ctr"/>
+            <a:r>
+              <a:rPr lang="pt-PT" dirty="0"/>
+              <a:t>Introdução, Motivação e Objetivos</a:t>
+            </a:r>
+          </a:p>
+        </p:txBody>
+      </p:sp>
+      <p:sp>
+        <p:nvSpPr>
+          <p:cNvPr id="4" name="Slide Number Placeholder 3">
+            <a:extLst>
+              <a:ext uri="{FF2B5EF4-FFF2-40B4-BE49-F238E27FC236}">
+                <a16:creationId xmlns:a16="http://schemas.microsoft.com/office/drawing/2014/main" id="{2CD4601E-33F5-5714-867D-A0B584DA7C11}"/>
+              </a:ext>
+            </a:extLst>
+          </p:cNvPr>
+          <p:cNvSpPr>
+            <a:spLocks noGrp="1"/>
+          </p:cNvSpPr>
+          <p:nvPr>
+            <p:ph type="sldNum" sz="quarter" idx="15"/>
+          </p:nvPr>
+        </p:nvSpPr>
+        <p:spPr/>
+        <p:txBody>
+          <a:bodyPr/>
+          <a:lstStyle/>
+          <a:p>
+            <a:fld id="{18D65601-5AE2-46FC-B138-694DDD2B510D}" type="slidenum">
+              <a:rPr lang="en-US" sz="1800" smtClean="0"/>
+              <a:pPr/>
+              <a:t>3</a:t>
+            </a:fld>
+            <a:endParaRPr lang="en-US" sz="1800" dirty="0"/>
+          </a:p>
+        </p:txBody>
+      </p:sp>
+      <p:pic>
+        <p:nvPicPr>
+          <p:cNvPr id="6" name="Picture 5" descr="A black background with a black square&#10;&#10;Description automatically generated with medium confidence">
+            <a:extLst>
+              <a:ext uri="{FF2B5EF4-FFF2-40B4-BE49-F238E27FC236}">
+                <a16:creationId xmlns:a16="http://schemas.microsoft.com/office/drawing/2014/main" id="{779FC2B3-C721-C342-061C-7454BADF9459}"/>
+              </a:ext>
+            </a:extLst>
+          </p:cNvPr>
+          <p:cNvPicPr>
+            <a:picLocks noChangeAspect="1"/>
+          </p:cNvPicPr>
+          <p:nvPr/>
+        </p:nvPicPr>
+        <p:blipFill>
+          <a:blip r:embed="rId3">
+            <a:alphaModFix amt="70000"/>
+            <a:extLst>
+              <a:ext uri="{28A0092B-C50C-407E-A947-70E740481C1C}">
+                <a14:useLocalDpi xmlns:a14="http://schemas.microsoft.com/office/drawing/2010/main" val="0"/>
+              </a:ext>
+            </a:extLst>
+          </a:blip>
+          <a:stretch>
+            <a:fillRect/>
+          </a:stretch>
+        </p:blipFill>
+        <p:spPr>
+          <a:xfrm>
+            <a:off x="10582445" y="5985436"/>
+            <a:ext cx="1441915" cy="568239"/>
+          </a:xfrm>
+          <a:prstGeom prst="rect">
+            <a:avLst/>
+          </a:prstGeom>
+        </p:spPr>
+      </p:pic>
+      <p:sp>
+        <p:nvSpPr>
+          <p:cNvPr id="44" name="Footer Placeholder 4">
+            <a:extLst>
+              <a:ext uri="{FF2B5EF4-FFF2-40B4-BE49-F238E27FC236}">
+                <a16:creationId xmlns:a16="http://schemas.microsoft.com/office/drawing/2014/main" id="{006595C8-F761-288A-AFC8-AF781970C9B0}"/>
+              </a:ext>
+            </a:extLst>
+          </p:cNvPr>
+          <p:cNvSpPr txBox="1">
+            <a:spLocks/>
+          </p:cNvSpPr>
+          <p:nvPr/>
+        </p:nvSpPr>
+        <p:spPr>
+          <a:xfrm>
+            <a:off x="4038600" y="6333565"/>
+            <a:ext cx="4114800" cy="365125"/>
+          </a:xfrm>
+          <a:prstGeom prst="rect">
+            <a:avLst/>
+          </a:prstGeom>
+        </p:spPr>
+        <p:txBody>
+          <a:bodyPr vert="horz" lIns="91440" tIns="45720" rIns="91440" bIns="45720" rtlCol="0" anchor="ctr"/>
+          <a:lstStyle>
+            <a:defPPr>
+              <a:defRPr lang="en-US"/>
+            </a:defPPr>
+            <a:lvl1pPr marL="0" algn="ctr" defTabSz="914400" rtl="0" eaLnBrk="1" latinLnBrk="0" hangingPunct="1">
+              <a:defRPr sz="900" b="0" kern="1200" cap="all" spc="150" baseline="0">
+                <a:solidFill>
+                  <a:schemeClr val="bg2">
+                    <a:lumMod val="50000"/>
+                  </a:schemeClr>
+                </a:solidFill>
+                <a:latin typeface="Univers Light" panose="020B0403020202020204" pitchFamily="34" charset="0"/>
+                <a:ea typeface="+mn-ea"/>
+                <a:cs typeface="+mn-cs"/>
+              </a:defRPr>
+            </a:lvl1pPr>
+            <a:lvl2pPr marL="457200" algn="l" defTabSz="914400" rtl="0" eaLnBrk="1" latinLnBrk="0" hangingPunct="1">
+              <a:defRPr sz="1800" kern="1200">
+                <a:solidFill>
+                  <a:schemeClr val="tx1"/>
+                </a:solidFill>
+                <a:latin typeface="+mn-lt"/>
+                <a:ea typeface="+mn-ea"/>
+                <a:cs typeface="+mn-cs"/>
+              </a:defRPr>
+            </a:lvl2pPr>
+            <a:lvl3pPr marL="914400" algn="l" defTabSz="914400" rtl="0" eaLnBrk="1" latinLnBrk="0" hangingPunct="1">
+              <a:defRPr sz="1800" kern="1200">
+                <a:solidFill>
+                  <a:schemeClr val="tx1"/>
+                </a:solidFill>
+                <a:latin typeface="+mn-lt"/>
+                <a:ea typeface="+mn-ea"/>
+                <a:cs typeface="+mn-cs"/>
+              </a:defRPr>
+            </a:lvl3pPr>
+            <a:lvl4pPr marL="1371600" algn="l" defTabSz="914400" rtl="0" eaLnBrk="1" latinLnBrk="0" hangingPunct="1">
+              <a:defRPr sz="1800" kern="1200">
+                <a:solidFill>
+                  <a:schemeClr val="tx1"/>
+                </a:solidFill>
+                <a:latin typeface="+mn-lt"/>
+                <a:ea typeface="+mn-ea"/>
+                <a:cs typeface="+mn-cs"/>
+              </a:defRPr>
+            </a:lvl4pPr>
+            <a:lvl5pPr marL="1828800" algn="l" defTabSz="914400" rtl="0" eaLnBrk="1" latinLnBrk="0" hangingPunct="1">
+              <a:defRPr sz="1800" kern="1200">
+                <a:solidFill>
+                  <a:schemeClr val="tx1"/>
+                </a:solidFill>
+                <a:latin typeface="+mn-lt"/>
+                <a:ea typeface="+mn-ea"/>
+                <a:cs typeface="+mn-cs"/>
+              </a:defRPr>
+            </a:lvl5pPr>
+            <a:lvl6pPr marL="2286000" algn="l" defTabSz="914400" rtl="0" eaLnBrk="1" latinLnBrk="0" hangingPunct="1">
+              <a:defRPr sz="1800" kern="1200">
+                <a:solidFill>
+                  <a:schemeClr val="tx1"/>
+                </a:solidFill>
+                <a:latin typeface="+mn-lt"/>
+                <a:ea typeface="+mn-ea"/>
+                <a:cs typeface="+mn-cs"/>
+              </a:defRPr>
+            </a:lvl6pPr>
+            <a:lvl7pPr marL="2743200" algn="l" defTabSz="914400" rtl="0" eaLnBrk="1" latinLnBrk="0" hangingPunct="1">
+              <a:defRPr sz="1800" kern="1200">
+                <a:solidFill>
+                  <a:schemeClr val="tx1"/>
+                </a:solidFill>
+                <a:latin typeface="+mn-lt"/>
+                <a:ea typeface="+mn-ea"/>
+                <a:cs typeface="+mn-cs"/>
+              </a:defRPr>
+            </a:lvl7pPr>
+            <a:lvl8pPr marL="3200400" algn="l" defTabSz="914400" rtl="0" eaLnBrk="1" latinLnBrk="0" hangingPunct="1">
+              <a:defRPr sz="1800" kern="1200">
+                <a:solidFill>
+                  <a:schemeClr val="tx1"/>
+                </a:solidFill>
+                <a:latin typeface="+mn-lt"/>
+                <a:ea typeface="+mn-ea"/>
+                <a:cs typeface="+mn-cs"/>
+              </a:defRPr>
+            </a:lvl8pPr>
+            <a:lvl9pPr marL="3657600" algn="l" defTabSz="914400" rtl="0" eaLnBrk="1" latinLnBrk="0" hangingPunct="1">
+              <a:defRPr sz="1800" kern="1200">
+                <a:solidFill>
+                  <a:schemeClr val="tx1"/>
+                </a:solidFill>
+                <a:latin typeface="+mn-lt"/>
+                <a:ea typeface="+mn-ea"/>
+                <a:cs typeface="+mn-cs"/>
+              </a:defRPr>
+            </a:lvl9pPr>
+          </a:lstStyle>
+          <a:p>
+            <a:pPr>
+              <a:lnSpc>
+                <a:spcPct val="150000"/>
+              </a:lnSpc>
+            </a:pPr>
+            <a:r>
+              <a:rPr lang="pt-PT" sz="800" dirty="0"/>
+              <a:t>Ai driving classification</a:t>
+            </a:r>
+          </a:p>
+          <a:p>
+            <a:pPr>
+              <a:lnSpc>
+                <a:spcPct val="150000"/>
+              </a:lnSpc>
+            </a:pPr>
+            <a:r>
+              <a:rPr lang="pt-PT" sz="800" dirty="0"/>
+              <a:t>Alberto pingo | joão castro</a:t>
+            </a:r>
+          </a:p>
+        </p:txBody>
+      </p:sp>
+    </p:spTree>
+    <p:extLst>
+      <p:ext uri="{BB962C8B-B14F-4D97-AF65-F5344CB8AC3E}">
+        <p14:creationId xmlns:p14="http://schemas.microsoft.com/office/powerpoint/2010/main" val="544185471"/>
+      </p:ext>
+    </p:extLst>
+  </p:cSld>
+  <p:clrMapOvr>
+    <a:masterClrMapping/>
+  </p:clrMapOvr>
+</p:sld>
+</file>
+
+<file path=ppt/slides/slide30.xml><?xml version="1.0" encoding="utf-8"?>
 <p:sld xmlns:a="http://schemas.openxmlformats.org/drawingml/2006/main" xmlns:r="http://schemas.openxmlformats.org/officeDocument/2006/relationships" xmlns:p="http://schemas.openxmlformats.org/presentationml/2006/main">
   <p:cSld>
     <p:bg>
@@ -27529,293 +29670,6 @@
       <p:bldP spid="10" grpId="0"/>
     </p:bldLst>
   </p:timing>
-</p:sld>
-</file>
-
-<file path=ppt/slides/slide3.xml><?xml version="1.0" encoding="utf-8"?>
-<p:sld xmlns:a="http://schemas.openxmlformats.org/drawingml/2006/main" xmlns:r="http://schemas.openxmlformats.org/officeDocument/2006/relationships" xmlns:p="http://schemas.openxmlformats.org/presentationml/2006/main">
-  <p:cSld>
-    <p:bg>
-      <p:bgPr>
-        <a:solidFill>
-          <a:schemeClr val="bg2">
-            <a:alpha val="0"/>
-          </a:schemeClr>
-        </a:solidFill>
-        <a:effectLst/>
-      </p:bgPr>
-    </p:bg>
-    <p:spTree>
-      <p:nvGrpSpPr>
-        <p:cNvPr id="1" name=""/>
-        <p:cNvGrpSpPr/>
-        <p:nvPr/>
-      </p:nvGrpSpPr>
-      <p:grpSpPr>
-        <a:xfrm>
-          <a:off x="0" y="0"/>
-          <a:ext cx="0" cy="0"/>
-          <a:chOff x="0" y="0"/>
-          <a:chExt cx="0" cy="0"/>
-        </a:xfrm>
-      </p:grpSpPr>
-      <p:sp>
-        <p:nvSpPr>
-          <p:cNvPr id="2" name="Title 1">
-            <a:extLst>
-              <a:ext uri="{FF2B5EF4-FFF2-40B4-BE49-F238E27FC236}">
-                <a16:creationId xmlns:a16="http://schemas.microsoft.com/office/drawing/2014/main" id="{2CD97761-0B88-A5E8-0B78-C39173D05F4D}"/>
-              </a:ext>
-            </a:extLst>
-          </p:cNvPr>
-          <p:cNvSpPr>
-            <a:spLocks noGrp="1"/>
-          </p:cNvSpPr>
-          <p:nvPr>
-            <p:ph type="title"/>
-          </p:nvPr>
-        </p:nvSpPr>
-        <p:spPr>
-          <a:xfrm>
-            <a:off x="1381118" y="725454"/>
-            <a:ext cx="9464681" cy="5407091"/>
-          </a:xfrm>
-        </p:spPr>
-        <p:txBody>
-          <a:bodyPr/>
-          <a:lstStyle/>
-          <a:p>
-            <a:pPr algn="ctr"/>
-            <a:r>
-              <a:rPr lang="pt-PT" dirty="0"/>
-              <a:t>Introdução, Motivação e Objetivos</a:t>
-            </a:r>
-          </a:p>
-        </p:txBody>
-      </p:sp>
-      <p:sp>
-        <p:nvSpPr>
-          <p:cNvPr id="4" name="Slide Number Placeholder 3">
-            <a:extLst>
-              <a:ext uri="{FF2B5EF4-FFF2-40B4-BE49-F238E27FC236}">
-                <a16:creationId xmlns:a16="http://schemas.microsoft.com/office/drawing/2014/main" id="{2CD4601E-33F5-5714-867D-A0B584DA7C11}"/>
-              </a:ext>
-            </a:extLst>
-          </p:cNvPr>
-          <p:cNvSpPr>
-            <a:spLocks noGrp="1"/>
-          </p:cNvSpPr>
-          <p:nvPr>
-            <p:ph type="sldNum" sz="quarter" idx="15"/>
-          </p:nvPr>
-        </p:nvSpPr>
-        <p:spPr/>
-        <p:txBody>
-          <a:bodyPr/>
-          <a:lstStyle/>
-          <a:p>
-            <a:fld id="{18D65601-5AE2-46FC-B138-694DDD2B510D}" type="slidenum">
-              <a:rPr lang="en-US" sz="1800" smtClean="0"/>
-              <a:pPr/>
-              <a:t>3</a:t>
-            </a:fld>
-            <a:endParaRPr lang="en-US" sz="1800" dirty="0"/>
-          </a:p>
-        </p:txBody>
-      </p:sp>
-      <p:pic>
-        <p:nvPicPr>
-          <p:cNvPr id="6" name="Picture 5" descr="A black background with a black square&#10;&#10;Description automatically generated with medium confidence">
-            <a:extLst>
-              <a:ext uri="{FF2B5EF4-FFF2-40B4-BE49-F238E27FC236}">
-                <a16:creationId xmlns:a16="http://schemas.microsoft.com/office/drawing/2014/main" id="{779FC2B3-C721-C342-061C-7454BADF9459}"/>
-              </a:ext>
-            </a:extLst>
-          </p:cNvPr>
-          <p:cNvPicPr>
-            <a:picLocks noChangeAspect="1"/>
-          </p:cNvPicPr>
-          <p:nvPr/>
-        </p:nvPicPr>
-        <p:blipFill>
-          <a:blip r:embed="rId3">
-            <a:alphaModFix amt="70000"/>
-            <a:extLst>
-              <a:ext uri="{28A0092B-C50C-407E-A947-70E740481C1C}">
-                <a14:useLocalDpi xmlns:a14="http://schemas.microsoft.com/office/drawing/2010/main" val="0"/>
-              </a:ext>
-            </a:extLst>
-          </a:blip>
-          <a:stretch>
-            <a:fillRect/>
-          </a:stretch>
-        </p:blipFill>
-        <p:spPr>
-          <a:xfrm>
-            <a:off x="10582445" y="5985436"/>
-            <a:ext cx="1441915" cy="568239"/>
-          </a:xfrm>
-          <a:prstGeom prst="rect">
-            <a:avLst/>
-          </a:prstGeom>
-        </p:spPr>
-      </p:pic>
-      <p:sp>
-        <p:nvSpPr>
-          <p:cNvPr id="44" name="Footer Placeholder 4">
-            <a:extLst>
-              <a:ext uri="{FF2B5EF4-FFF2-40B4-BE49-F238E27FC236}">
-                <a16:creationId xmlns:a16="http://schemas.microsoft.com/office/drawing/2014/main" id="{006595C8-F761-288A-AFC8-AF781970C9B0}"/>
-              </a:ext>
-            </a:extLst>
-          </p:cNvPr>
-          <p:cNvSpPr txBox="1">
-            <a:spLocks/>
-          </p:cNvSpPr>
-          <p:nvPr/>
-        </p:nvSpPr>
-        <p:spPr>
-          <a:xfrm>
-            <a:off x="4038600" y="6333565"/>
-            <a:ext cx="4114800" cy="365125"/>
-          </a:xfrm>
-          <a:prstGeom prst="rect">
-            <a:avLst/>
-          </a:prstGeom>
-        </p:spPr>
-        <p:txBody>
-          <a:bodyPr vert="horz" lIns="91440" tIns="45720" rIns="91440" bIns="45720" rtlCol="0" anchor="ctr"/>
-          <a:lstStyle>
-            <a:defPPr>
-              <a:defRPr lang="en-US"/>
-            </a:defPPr>
-            <a:lvl1pPr marL="0" algn="ctr" defTabSz="914400" rtl="0" eaLnBrk="1" latinLnBrk="0" hangingPunct="1">
-              <a:defRPr sz="900" b="0" kern="1200" cap="all" spc="150" baseline="0">
-                <a:solidFill>
-                  <a:schemeClr val="bg2">
-                    <a:lumMod val="50000"/>
-                  </a:schemeClr>
-                </a:solidFill>
-                <a:latin typeface="Univers Light" panose="020B0403020202020204" pitchFamily="34" charset="0"/>
-                <a:ea typeface="+mn-ea"/>
-                <a:cs typeface="+mn-cs"/>
-              </a:defRPr>
-            </a:lvl1pPr>
-            <a:lvl2pPr marL="457200" algn="l" defTabSz="914400" rtl="0" eaLnBrk="1" latinLnBrk="0" hangingPunct="1">
-              <a:defRPr sz="1800" kern="1200">
-                <a:solidFill>
-                  <a:schemeClr val="tx1"/>
-                </a:solidFill>
-                <a:latin typeface="+mn-lt"/>
-                <a:ea typeface="+mn-ea"/>
-                <a:cs typeface="+mn-cs"/>
-              </a:defRPr>
-            </a:lvl2pPr>
-            <a:lvl3pPr marL="914400" algn="l" defTabSz="914400" rtl="0" eaLnBrk="1" latinLnBrk="0" hangingPunct="1">
-              <a:defRPr sz="1800" kern="1200">
-                <a:solidFill>
-                  <a:schemeClr val="tx1"/>
-                </a:solidFill>
-                <a:latin typeface="+mn-lt"/>
-                <a:ea typeface="+mn-ea"/>
-                <a:cs typeface="+mn-cs"/>
-              </a:defRPr>
-            </a:lvl3pPr>
-            <a:lvl4pPr marL="1371600" algn="l" defTabSz="914400" rtl="0" eaLnBrk="1" latinLnBrk="0" hangingPunct="1">
-              <a:defRPr sz="1800" kern="1200">
-                <a:solidFill>
-                  <a:schemeClr val="tx1"/>
-                </a:solidFill>
-                <a:latin typeface="+mn-lt"/>
-                <a:ea typeface="+mn-ea"/>
-                <a:cs typeface="+mn-cs"/>
-              </a:defRPr>
-            </a:lvl4pPr>
-            <a:lvl5pPr marL="1828800" algn="l" defTabSz="914400" rtl="0" eaLnBrk="1" latinLnBrk="0" hangingPunct="1">
-              <a:defRPr sz="1800" kern="1200">
-                <a:solidFill>
-                  <a:schemeClr val="tx1"/>
-                </a:solidFill>
-                <a:latin typeface="+mn-lt"/>
-                <a:ea typeface="+mn-ea"/>
-                <a:cs typeface="+mn-cs"/>
-              </a:defRPr>
-            </a:lvl5pPr>
-            <a:lvl6pPr marL="2286000" algn="l" defTabSz="914400" rtl="0" eaLnBrk="1" latinLnBrk="0" hangingPunct="1">
-              <a:defRPr sz="1800" kern="1200">
-                <a:solidFill>
-                  <a:schemeClr val="tx1"/>
-                </a:solidFill>
-                <a:latin typeface="+mn-lt"/>
-                <a:ea typeface="+mn-ea"/>
-                <a:cs typeface="+mn-cs"/>
-              </a:defRPr>
-            </a:lvl6pPr>
-            <a:lvl7pPr marL="2743200" algn="l" defTabSz="914400" rtl="0" eaLnBrk="1" latinLnBrk="0" hangingPunct="1">
-              <a:defRPr sz="1800" kern="1200">
-                <a:solidFill>
-                  <a:schemeClr val="tx1"/>
-                </a:solidFill>
-                <a:latin typeface="+mn-lt"/>
-                <a:ea typeface="+mn-ea"/>
-                <a:cs typeface="+mn-cs"/>
-              </a:defRPr>
-            </a:lvl7pPr>
-            <a:lvl8pPr marL="3200400" algn="l" defTabSz="914400" rtl="0" eaLnBrk="1" latinLnBrk="0" hangingPunct="1">
-              <a:defRPr sz="1800" kern="1200">
-                <a:solidFill>
-                  <a:schemeClr val="tx1"/>
-                </a:solidFill>
-                <a:latin typeface="+mn-lt"/>
-                <a:ea typeface="+mn-ea"/>
-                <a:cs typeface="+mn-cs"/>
-              </a:defRPr>
-            </a:lvl8pPr>
-            <a:lvl9pPr marL="3657600" algn="l" defTabSz="914400" rtl="0" eaLnBrk="1" latinLnBrk="0" hangingPunct="1">
-              <a:defRPr sz="1800" kern="1200">
-                <a:solidFill>
-                  <a:schemeClr val="tx1"/>
-                </a:solidFill>
-                <a:latin typeface="+mn-lt"/>
-                <a:ea typeface="+mn-ea"/>
-                <a:cs typeface="+mn-cs"/>
-              </a:defRPr>
-            </a:lvl9pPr>
-          </a:lstStyle>
-          <a:p>
-            <a:pPr>
-              <a:lnSpc>
-                <a:spcPct val="150000"/>
-              </a:lnSpc>
-            </a:pPr>
-            <a:r>
-              <a:rPr lang="pt-PT" sz="800" dirty="0"/>
-              <a:t>Ai driving classification</a:t>
-            </a:r>
-          </a:p>
-          <a:p>
-            <a:pPr>
-              <a:lnSpc>
-                <a:spcPct val="150000"/>
-              </a:lnSpc>
-            </a:pPr>
-            <a:r>
-              <a:rPr lang="pt-PT" sz="800" dirty="0"/>
-              <a:t>Alberto pingo | joão castro</a:t>
-            </a:r>
-          </a:p>
-        </p:txBody>
-      </p:sp>
-    </p:spTree>
-    <p:extLst>
-      <p:ext uri="{BB962C8B-B14F-4D97-AF65-F5344CB8AC3E}">
-        <p14:creationId xmlns:p14="http://schemas.microsoft.com/office/powerpoint/2010/main" val="544185471"/>
-      </p:ext>
-    </p:extLst>
-  </p:cSld>
-  <p:clrMapOvr>
-    <a:masterClrMapping/>
-  </p:clrMapOvr>
 </p:sld>
 </file>
 
@@ -32761,21 +34615,21 @@
 </file>
 
 <file path=customXml/item2.xml><?xml version="1.0" encoding="utf-8"?>
+<p:properties xmlns:p="http://schemas.microsoft.com/office/2006/metadata/properties" xmlns:xsi="http://www.w3.org/2001/XMLSchema-instance" xmlns:pc="http://schemas.microsoft.com/office/infopath/2007/PartnerControls">
+  <documentManagement>
+    <MediaServiceKeyPoints xmlns="49ea7286-31dc-4857-8ba0-9dd5131121ba" xsi:nil="true"/>
+    <_activity xmlns="49ea7286-31dc-4857-8ba0-9dd5131121ba" xsi:nil="true"/>
+  </documentManagement>
+</p:properties>
+</file>
+
+<file path=customXml/item3.xml><?xml version="1.0" encoding="utf-8"?>
 <?mso-contentType ?>
 <FormTemplates xmlns="http://schemas.microsoft.com/sharepoint/v3/contenttype/forms">
   <Display>DocumentLibraryForm</Display>
   <Edit>DocumentLibraryForm</Edit>
   <New>DocumentLibraryForm</New>
 </FormTemplates>
-</file>
-
-<file path=customXml/item3.xml><?xml version="1.0" encoding="utf-8"?>
-<p:properties xmlns:p="http://schemas.microsoft.com/office/2006/metadata/properties" xmlns:xsi="http://www.w3.org/2001/XMLSchema-instance" xmlns:pc="http://schemas.microsoft.com/office/infopath/2007/PartnerControls">
-  <documentManagement>
-    <MediaServiceKeyPoints xmlns="49ea7286-31dc-4857-8ba0-9dd5131121ba" xsi:nil="true"/>
-    <_activity xmlns="49ea7286-31dc-4857-8ba0-9dd5131121ba" xsi:nil="true"/>
-  </documentManagement>
-</p:properties>
 </file>
 
 <file path=customXml/itemProps1.xml><?xml version="1.0" encoding="utf-8"?>
@@ -32798,14 +34652,6 @@
 </file>
 
 <file path=customXml/itemProps2.xml><?xml version="1.0" encoding="utf-8"?>
-<ds:datastoreItem xmlns:ds="http://schemas.openxmlformats.org/officeDocument/2006/customXml" ds:itemID="{A98CD342-50C4-441F-B4A3-7D5ADB057132}">
-  <ds:schemaRefs>
-    <ds:schemaRef ds:uri="http://schemas.microsoft.com/sharepoint/v3/contenttype/forms"/>
-  </ds:schemaRefs>
-</ds:datastoreItem>
-</file>
-
-<file path=customXml/itemProps3.xml><?xml version="1.0" encoding="utf-8"?>
 <ds:datastoreItem xmlns:ds="http://schemas.openxmlformats.org/officeDocument/2006/customXml" ds:itemID="{CBDD27D0-5B6E-4A0E-95B2-BB37F9D88615}">
   <ds:schemaRefs>
     <ds:schemaRef ds:uri="http://purl.org/dc/dcmitype/"/>
@@ -32822,6 +34668,14 @@
 </ds:datastoreItem>
 </file>
 
+<file path=customXml/itemProps3.xml><?xml version="1.0" encoding="utf-8"?>
+<ds:datastoreItem xmlns:ds="http://schemas.openxmlformats.org/officeDocument/2006/customXml" ds:itemID="{A98CD342-50C4-441F-B4A3-7D5ADB057132}">
+  <ds:schemaRefs>
+    <ds:schemaRef ds:uri="http://schemas.microsoft.com/sharepoint/v3/contenttype/forms"/>
+  </ds:schemaRefs>
+</ds:datastoreItem>
+</file>
+
 <file path=docMetadata/LabelInfo.xml><?xml version="1.0" encoding="utf-8"?>
 <clbl:labelList xmlns:clbl="http://schemas.microsoft.com/office/2020/mipLabelMetadata"/>
 </file>
--- a/ProjInf_AI_Driving_Classification.pptx
+++ b/ProjInf_AI_Driving_Classification.pptx
@@ -5,10 +5,10 @@
     <p:sldMasterId id="2147483648" r:id="rId4"/>
   </p:sldMasterIdLst>
   <p:notesMasterIdLst>
-    <p:notesMasterId r:id="rId35"/>
+    <p:notesMasterId r:id="rId37"/>
   </p:notesMasterIdLst>
   <p:handoutMasterIdLst>
-    <p:handoutMasterId r:id="rId36"/>
+    <p:handoutMasterId r:id="rId38"/>
   </p:handoutMasterIdLst>
   <p:sldIdLst>
     <p:sldId id="322" r:id="rId5"/>
@@ -24,23 +24,25 @@
     <p:sldId id="383" r:id="rId15"/>
     <p:sldId id="392" r:id="rId16"/>
     <p:sldId id="391" r:id="rId17"/>
-    <p:sldId id="393" r:id="rId18"/>
-    <p:sldId id="394" r:id="rId19"/>
-    <p:sldId id="390" r:id="rId20"/>
-    <p:sldId id="389" r:id="rId21"/>
-    <p:sldId id="384" r:id="rId22"/>
-    <p:sldId id="385" r:id="rId23"/>
-    <p:sldId id="377" r:id="rId24"/>
-    <p:sldId id="374" r:id="rId25"/>
-    <p:sldId id="375" r:id="rId26"/>
-    <p:sldId id="378" r:id="rId27"/>
-    <p:sldId id="381" r:id="rId28"/>
-    <p:sldId id="380" r:id="rId29"/>
-    <p:sldId id="382" r:id="rId30"/>
-    <p:sldId id="368" r:id="rId31"/>
-    <p:sldId id="366" r:id="rId32"/>
-    <p:sldId id="364" r:id="rId33"/>
-    <p:sldId id="379" r:id="rId34"/>
+    <p:sldId id="394" r:id="rId18"/>
+    <p:sldId id="390" r:id="rId19"/>
+    <p:sldId id="389" r:id="rId20"/>
+    <p:sldId id="384" r:id="rId21"/>
+    <p:sldId id="397" r:id="rId22"/>
+    <p:sldId id="395" r:id="rId23"/>
+    <p:sldId id="396" r:id="rId24"/>
+    <p:sldId id="385" r:id="rId25"/>
+    <p:sldId id="377" r:id="rId26"/>
+    <p:sldId id="374" r:id="rId27"/>
+    <p:sldId id="375" r:id="rId28"/>
+    <p:sldId id="378" r:id="rId29"/>
+    <p:sldId id="381" r:id="rId30"/>
+    <p:sldId id="380" r:id="rId31"/>
+    <p:sldId id="382" r:id="rId32"/>
+    <p:sldId id="368" r:id="rId33"/>
+    <p:sldId id="366" r:id="rId34"/>
+    <p:sldId id="364" r:id="rId35"/>
+    <p:sldId id="379" r:id="rId36"/>
   </p:sldIdLst>
   <p:sldSz cx="12192000" cy="6858000"/>
   <p:notesSz cx="10234613" cy="7104063"/>
@@ -3977,7 +3979,7 @@
     </p:spTree>
     <p:extLst>
       <p:ext uri="{BB962C8B-B14F-4D97-AF65-F5344CB8AC3E}">
-        <p14:creationId xmlns:p14="http://schemas.microsoft.com/office/powerpoint/2010/main" val="3505362154"/>
+        <p14:creationId xmlns:p14="http://schemas.microsoft.com/office/powerpoint/2010/main" val="1338960727"/>
       </p:ext>
     </p:extLst>
   </p:cSld>
@@ -4061,7 +4063,7 @@
     </p:spTree>
     <p:extLst>
       <p:ext uri="{BB962C8B-B14F-4D97-AF65-F5344CB8AC3E}">
-        <p14:creationId xmlns:p14="http://schemas.microsoft.com/office/powerpoint/2010/main" val="1338960727"/>
+        <p14:creationId xmlns:p14="http://schemas.microsoft.com/office/powerpoint/2010/main" val="3702960415"/>
       </p:ext>
     </p:extLst>
   </p:cSld>
@@ -4145,7 +4147,7 @@
     </p:spTree>
     <p:extLst>
       <p:ext uri="{BB962C8B-B14F-4D97-AF65-F5344CB8AC3E}">
-        <p14:creationId xmlns:p14="http://schemas.microsoft.com/office/powerpoint/2010/main" val="3702960415"/>
+        <p14:creationId xmlns:p14="http://schemas.microsoft.com/office/powerpoint/2010/main" val="2192743149"/>
       </p:ext>
     </p:extLst>
   </p:cSld>
@@ -4199,7 +4201,110 @@
           <a:bodyPr/>
           <a:lstStyle/>
           <a:p>
+            <a:r>
+              <a:rPr lang="pt-PT" sz="2800" b="1" dirty="0" err="1"/>
+              <a:t>Accuracy</a:t>
+            </a:r>
+            <a:r>
+              <a:rPr lang="pt-PT" sz="2800" b="1" dirty="0"/>
+              <a:t> (Exatidão):</a:t>
+            </a:r>
+            <a:r>
+              <a:rPr lang="pt-PT" sz="2800" dirty="0"/>
+              <a:t> Mede a proporção de previsões corretas em relação ao total de previsões.</a:t>
+            </a:r>
+            <a:br>
+              <a:rPr lang="pt-PT" sz="2800" dirty="0"/>
+            </a:br>
+            <a:br>
+              <a:rPr lang="pt-PT" sz="2800" dirty="0"/>
+            </a:br>
+            <a:r>
+              <a:rPr lang="pt-PT" b="1" dirty="0" err="1"/>
+              <a:t>Precision</a:t>
+            </a:r>
+            <a:r>
+              <a:rPr lang="pt-PT" b="1" dirty="0"/>
+              <a:t> (Precisão):</a:t>
+            </a:r>
+            <a:r>
+              <a:rPr lang="pt-PT" dirty="0"/>
+              <a:t> Mede a proporção de verdadeiros positivos entre todas as instâncias classificadas como positivas. </a:t>
+            </a:r>
+          </a:p>
+          <a:p>
             <a:endParaRPr lang="pt-PT" dirty="0"/>
+          </a:p>
+          <a:p>
+            <a:r>
+              <a:rPr lang="pt-PT" b="1" dirty="0"/>
+              <a:t>F1 Score:</a:t>
+            </a:r>
+            <a:r>
+              <a:rPr lang="pt-PT" dirty="0"/>
+              <a:t> Média harmônica entre precisão e </a:t>
+            </a:r>
+            <a:r>
+              <a:rPr lang="pt-PT" dirty="0" err="1"/>
+              <a:t>recall</a:t>
+            </a:r>
+            <a:r>
+              <a:rPr lang="pt-PT" dirty="0"/>
+              <a:t>, útil quando há um equilíbrio entre as duas métricas.</a:t>
+            </a:r>
+          </a:p>
+          <a:p>
+            <a:endParaRPr lang="pt-PT" dirty="0"/>
+          </a:p>
+          <a:p>
+            <a:r>
+              <a:rPr lang="pt-PT" b="1" dirty="0" err="1"/>
+              <a:t>Recall</a:t>
+            </a:r>
+            <a:r>
+              <a:rPr lang="pt-PT" b="1" dirty="0"/>
+              <a:t> (Sensibilidade):</a:t>
+            </a:r>
+            <a:r>
+              <a:rPr lang="pt-PT" dirty="0"/>
+              <a:t> Mede a proporção de verdadeiros positivos entre todas as instâncias que são realmente positivas.</a:t>
+            </a:r>
+          </a:p>
+          <a:p>
+            <a:endParaRPr lang="pt-PT" dirty="0"/>
+          </a:p>
+          <a:p>
+            <a:r>
+              <a:rPr lang="en-US" sz="2800" b="1" dirty="0"/>
+              <a:t>Hamming Loss: </a:t>
+            </a:r>
+            <a:r>
+              <a:rPr lang="pt-PT" sz="1800" dirty="0">
+                <a:effectLst/>
+                <a:latin typeface="Times New Roman" panose="02020603050405020304" pitchFamily="18" charset="0"/>
+                <a:ea typeface="Calibri" panose="020F0502020204030204" pitchFamily="34" charset="0"/>
+                <a:cs typeface="Arial" panose="020B0604020202020204" pitchFamily="34" charset="0"/>
+              </a:rPr>
+              <a:t>mede a taxa de predições incorretas, onde cada predição incorreta conta igualmente.</a:t>
+            </a:r>
+            <a:endParaRPr lang="pt-PT" dirty="0"/>
+          </a:p>
+          <a:p>
+            <a:endParaRPr lang="pt-PT" dirty="0"/>
+          </a:p>
+          <a:p>
+            <a:r>
+              <a:rPr lang="pt-PT" b="1" dirty="0" err="1"/>
+              <a:t>Jaccard</a:t>
+            </a:r>
+            <a:r>
+              <a:rPr lang="pt-PT" b="1" dirty="0"/>
+              <a:t> Score:</a:t>
+            </a:r>
+            <a:r>
+              <a:rPr lang="pt-PT" dirty="0"/>
+              <a:t> Mede a similaridade entre os rótulos preditos e os verdadeiros.</a:t>
+            </a:r>
           </a:p>
         </p:txBody>
       </p:sp>
@@ -4229,7 +4334,7 @@
     </p:spTree>
     <p:extLst>
       <p:ext uri="{BB962C8B-B14F-4D97-AF65-F5344CB8AC3E}">
-        <p14:creationId xmlns:p14="http://schemas.microsoft.com/office/powerpoint/2010/main" val="2192743149"/>
+        <p14:creationId xmlns:p14="http://schemas.microsoft.com/office/powerpoint/2010/main" val="2871996551"/>
       </p:ext>
     </p:extLst>
   </p:cSld>
@@ -4283,110 +4388,7 @@
           <a:bodyPr/>
           <a:lstStyle/>
           <a:p>
-            <a:r>
-              <a:rPr lang="pt-PT" sz="2800" b="1" dirty="0" err="1"/>
-              <a:t>Accuracy</a:t>
-            </a:r>
-            <a:r>
-              <a:rPr lang="pt-PT" sz="2800" b="1" dirty="0"/>
-              <a:t> (Exatidão):</a:t>
-            </a:r>
-            <a:r>
-              <a:rPr lang="pt-PT" sz="2800" dirty="0"/>
-              <a:t> Mede a proporção de previsões corretas em relação ao total de previsões.</a:t>
-            </a:r>
-            <a:br>
-              <a:rPr lang="pt-PT" sz="2800" dirty="0"/>
-            </a:br>
-            <a:br>
-              <a:rPr lang="pt-PT" sz="2800" dirty="0"/>
-            </a:br>
-            <a:r>
-              <a:rPr lang="pt-PT" b="1" dirty="0" err="1"/>
-              <a:t>Precision</a:t>
-            </a:r>
-            <a:r>
-              <a:rPr lang="pt-PT" b="1" dirty="0"/>
-              <a:t> (Precisão):</a:t>
-            </a:r>
-            <a:r>
-              <a:rPr lang="pt-PT" dirty="0"/>
-              <a:t> Mede a proporção de verdadeiros positivos entre todas as instâncias classificadas como positivas. </a:t>
-            </a:r>
-          </a:p>
-          <a:p>
             <a:endParaRPr lang="pt-PT" dirty="0"/>
-          </a:p>
-          <a:p>
-            <a:r>
-              <a:rPr lang="pt-PT" b="1" dirty="0"/>
-              <a:t>F1 Score:</a:t>
-            </a:r>
-            <a:r>
-              <a:rPr lang="pt-PT" dirty="0"/>
-              <a:t> Média harmônica entre precisão e </a:t>
-            </a:r>
-            <a:r>
-              <a:rPr lang="pt-PT" dirty="0" err="1"/>
-              <a:t>recall</a:t>
-            </a:r>
-            <a:r>
-              <a:rPr lang="pt-PT" dirty="0"/>
-              <a:t>, útil quando há um equilíbrio entre as duas métricas.</a:t>
-            </a:r>
-          </a:p>
-          <a:p>
-            <a:endParaRPr lang="pt-PT" dirty="0"/>
-          </a:p>
-          <a:p>
-            <a:r>
-              <a:rPr lang="pt-PT" b="1" dirty="0" err="1"/>
-              <a:t>Recall</a:t>
-            </a:r>
-            <a:r>
-              <a:rPr lang="pt-PT" b="1" dirty="0"/>
-              <a:t> (Sensibilidade):</a:t>
-            </a:r>
-            <a:r>
-              <a:rPr lang="pt-PT" dirty="0"/>
-              <a:t> Mede a proporção de verdadeiros positivos entre todas as instâncias que são realmente positivas.</a:t>
-            </a:r>
-          </a:p>
-          <a:p>
-            <a:endParaRPr lang="pt-PT" dirty="0"/>
-          </a:p>
-          <a:p>
-            <a:r>
-              <a:rPr lang="en-US" sz="2800" b="1" dirty="0"/>
-              <a:t>Hamming Loss: </a:t>
-            </a:r>
-            <a:r>
-              <a:rPr lang="pt-PT" sz="1800" dirty="0">
-                <a:effectLst/>
-                <a:latin typeface="Times New Roman" panose="02020603050405020304" pitchFamily="18" charset="0"/>
-                <a:ea typeface="Calibri" panose="020F0502020204030204" pitchFamily="34" charset="0"/>
-                <a:cs typeface="Arial" panose="020B0604020202020204" pitchFamily="34" charset="0"/>
-              </a:rPr>
-              <a:t>mede a taxa de predições incorretas, onde cada predição incorreta conta igualmente.</a:t>
-            </a:r>
-            <a:endParaRPr lang="pt-PT" dirty="0"/>
-          </a:p>
-          <a:p>
-            <a:endParaRPr lang="pt-PT" dirty="0"/>
-          </a:p>
-          <a:p>
-            <a:r>
-              <a:rPr lang="pt-PT" b="1" dirty="0" err="1"/>
-              <a:t>Jaccard</a:t>
-            </a:r>
-            <a:r>
-              <a:rPr lang="pt-PT" b="1" dirty="0"/>
-              <a:t> Score:</a:t>
-            </a:r>
-            <a:r>
-              <a:rPr lang="pt-PT" dirty="0"/>
-              <a:t> Mede a similaridade entre os rótulos preditos e os verdadeiros.</a:t>
-            </a:r>
           </a:p>
         </p:txBody>
       </p:sp>
@@ -4416,7 +4418,7 @@
     </p:spTree>
     <p:extLst>
       <p:ext uri="{BB962C8B-B14F-4D97-AF65-F5344CB8AC3E}">
-        <p14:creationId xmlns:p14="http://schemas.microsoft.com/office/powerpoint/2010/main" val="2871996551"/>
+        <p14:creationId xmlns:p14="http://schemas.microsoft.com/office/powerpoint/2010/main" val="2595416271"/>
       </p:ext>
     </p:extLst>
   </p:cSld>
@@ -4500,7 +4502,7 @@
     </p:spTree>
     <p:extLst>
       <p:ext uri="{BB962C8B-B14F-4D97-AF65-F5344CB8AC3E}">
-        <p14:creationId xmlns:p14="http://schemas.microsoft.com/office/powerpoint/2010/main" val="2757855334"/>
+        <p14:creationId xmlns:p14="http://schemas.microsoft.com/office/powerpoint/2010/main" val="1941415723"/>
       </p:ext>
     </p:extLst>
   </p:cSld>
@@ -4584,7 +4586,7 @@
     </p:spTree>
     <p:extLst>
       <p:ext uri="{BB962C8B-B14F-4D97-AF65-F5344CB8AC3E}">
-        <p14:creationId xmlns:p14="http://schemas.microsoft.com/office/powerpoint/2010/main" val="1886646475"/>
+        <p14:creationId xmlns:p14="http://schemas.microsoft.com/office/powerpoint/2010/main" val="3799116809"/>
       </p:ext>
     </p:extLst>
   </p:cSld>
@@ -4752,7 +4754,7 @@
     </p:spTree>
     <p:extLst>
       <p:ext uri="{BB962C8B-B14F-4D97-AF65-F5344CB8AC3E}">
-        <p14:creationId xmlns:p14="http://schemas.microsoft.com/office/powerpoint/2010/main" val="675078099"/>
+        <p14:creationId xmlns:p14="http://schemas.microsoft.com/office/powerpoint/2010/main" val="2757855334"/>
       </p:ext>
     </p:extLst>
   </p:cSld>
@@ -4836,7 +4838,7 @@
     </p:spTree>
     <p:extLst>
       <p:ext uri="{BB962C8B-B14F-4D97-AF65-F5344CB8AC3E}">
-        <p14:creationId xmlns:p14="http://schemas.microsoft.com/office/powerpoint/2010/main" val="4062580475"/>
+        <p14:creationId xmlns:p14="http://schemas.microsoft.com/office/powerpoint/2010/main" val="1886646475"/>
       </p:ext>
     </p:extLst>
   </p:cSld>
@@ -4920,7 +4922,7 @@
     </p:spTree>
     <p:extLst>
       <p:ext uri="{BB962C8B-B14F-4D97-AF65-F5344CB8AC3E}">
-        <p14:creationId xmlns:p14="http://schemas.microsoft.com/office/powerpoint/2010/main" val="1151261032"/>
+        <p14:creationId xmlns:p14="http://schemas.microsoft.com/office/powerpoint/2010/main" val="675078099"/>
       </p:ext>
     </p:extLst>
   </p:cSld>
@@ -5004,7 +5006,7 @@
     </p:spTree>
     <p:extLst>
       <p:ext uri="{BB962C8B-B14F-4D97-AF65-F5344CB8AC3E}">
-        <p14:creationId xmlns:p14="http://schemas.microsoft.com/office/powerpoint/2010/main" val="3529110111"/>
+        <p14:creationId xmlns:p14="http://schemas.microsoft.com/office/powerpoint/2010/main" val="4062580475"/>
       </p:ext>
     </p:extLst>
   </p:cSld>
@@ -5088,7 +5090,7 @@
     </p:spTree>
     <p:extLst>
       <p:ext uri="{BB962C8B-B14F-4D97-AF65-F5344CB8AC3E}">
-        <p14:creationId xmlns:p14="http://schemas.microsoft.com/office/powerpoint/2010/main" val="991919543"/>
+        <p14:creationId xmlns:p14="http://schemas.microsoft.com/office/powerpoint/2010/main" val="1151261032"/>
       </p:ext>
     </p:extLst>
   </p:cSld>
@@ -5172,7 +5174,7 @@
     </p:spTree>
     <p:extLst>
       <p:ext uri="{BB962C8B-B14F-4D97-AF65-F5344CB8AC3E}">
-        <p14:creationId xmlns:p14="http://schemas.microsoft.com/office/powerpoint/2010/main" val="12357622"/>
+        <p14:creationId xmlns:p14="http://schemas.microsoft.com/office/powerpoint/2010/main" val="3529110111"/>
       </p:ext>
     </p:extLst>
   </p:cSld>
@@ -5256,7 +5258,7 @@
     </p:spTree>
     <p:extLst>
       <p:ext uri="{BB962C8B-B14F-4D97-AF65-F5344CB8AC3E}">
-        <p14:creationId xmlns:p14="http://schemas.microsoft.com/office/powerpoint/2010/main" val="4042850870"/>
+        <p14:creationId xmlns:p14="http://schemas.microsoft.com/office/powerpoint/2010/main" val="991919543"/>
       </p:ext>
     </p:extLst>
   </p:cSld>
@@ -5340,7 +5342,7 @@
     </p:spTree>
     <p:extLst>
       <p:ext uri="{BB962C8B-B14F-4D97-AF65-F5344CB8AC3E}">
-        <p14:creationId xmlns:p14="http://schemas.microsoft.com/office/powerpoint/2010/main" val="1791866160"/>
+        <p14:creationId xmlns:p14="http://schemas.microsoft.com/office/powerpoint/2010/main" val="12357622"/>
       </p:ext>
     </p:extLst>
   </p:cSld>
@@ -5424,7 +5426,7 @@
     </p:spTree>
     <p:extLst>
       <p:ext uri="{BB962C8B-B14F-4D97-AF65-F5344CB8AC3E}">
-        <p14:creationId xmlns:p14="http://schemas.microsoft.com/office/powerpoint/2010/main" val="4039535867"/>
+        <p14:creationId xmlns:p14="http://schemas.microsoft.com/office/powerpoint/2010/main" val="4042850870"/>
       </p:ext>
     </p:extLst>
   </p:cSld>
@@ -5478,7 +5480,7 @@
           <a:bodyPr/>
           <a:lstStyle/>
           <a:p>
-            <a:endParaRPr lang="pt-PT"/>
+            <a:endParaRPr lang="pt-PT" dirty="0"/>
           </a:p>
         </p:txBody>
       </p:sp>
@@ -5508,7 +5510,7 @@
     </p:spTree>
     <p:extLst>
       <p:ext uri="{BB962C8B-B14F-4D97-AF65-F5344CB8AC3E}">
-        <p14:creationId xmlns:p14="http://schemas.microsoft.com/office/powerpoint/2010/main" val="640539683"/>
+        <p14:creationId xmlns:p14="http://schemas.microsoft.com/office/powerpoint/2010/main" val="1791866160"/>
       </p:ext>
     </p:extLst>
   </p:cSld>
@@ -5593,6 +5595,174 @@
     <p:extLst>
       <p:ext uri="{BB962C8B-B14F-4D97-AF65-F5344CB8AC3E}">
         <p14:creationId xmlns:p14="http://schemas.microsoft.com/office/powerpoint/2010/main" val="2269057469"/>
+      </p:ext>
+    </p:extLst>
+  </p:cSld>
+  <p:clrMapOvr>
+    <a:masterClrMapping/>
+  </p:clrMapOvr>
+</p:notes>
+</file>
+
+<file path=ppt/notesSlides/notesSlide30.xml><?xml version="1.0" encoding="utf-8"?>
+<p:notes xmlns:a="http://schemas.openxmlformats.org/drawingml/2006/main" xmlns:r="http://schemas.openxmlformats.org/officeDocument/2006/relationships" xmlns:p="http://schemas.openxmlformats.org/presentationml/2006/main">
+  <p:cSld>
+    <p:spTree>
+      <p:nvGrpSpPr>
+        <p:cNvPr id="1" name=""/>
+        <p:cNvGrpSpPr/>
+        <p:nvPr/>
+      </p:nvGrpSpPr>
+      <p:grpSpPr>
+        <a:xfrm>
+          <a:off x="0" y="0"/>
+          <a:ext cx="0" cy="0"/>
+          <a:chOff x="0" y="0"/>
+          <a:chExt cx="0" cy="0"/>
+        </a:xfrm>
+      </p:grpSpPr>
+      <p:sp>
+        <p:nvSpPr>
+          <p:cNvPr id="2" name="Slide Image Placeholder 1"/>
+          <p:cNvSpPr>
+            <a:spLocks noGrp="1" noRot="1" noChangeAspect="1"/>
+          </p:cNvSpPr>
+          <p:nvPr>
+            <p:ph type="sldImg"/>
+          </p:nvPr>
+        </p:nvSpPr>
+        <p:spPr/>
+      </p:sp>
+      <p:sp>
+        <p:nvSpPr>
+          <p:cNvPr id="3" name="Notes Placeholder 2"/>
+          <p:cNvSpPr>
+            <a:spLocks noGrp="1"/>
+          </p:cNvSpPr>
+          <p:nvPr>
+            <p:ph type="body" idx="1"/>
+          </p:nvPr>
+        </p:nvSpPr>
+        <p:spPr/>
+        <p:txBody>
+          <a:bodyPr/>
+          <a:lstStyle/>
+          <a:p>
+            <a:endParaRPr lang="pt-PT" dirty="0"/>
+          </a:p>
+        </p:txBody>
+      </p:sp>
+      <p:sp>
+        <p:nvSpPr>
+          <p:cNvPr id="4" name="Slide Number Placeholder 3"/>
+          <p:cNvSpPr>
+            <a:spLocks noGrp="1"/>
+          </p:cNvSpPr>
+          <p:nvPr>
+            <p:ph type="sldNum" sz="quarter" idx="5"/>
+          </p:nvPr>
+        </p:nvSpPr>
+        <p:spPr/>
+        <p:txBody>
+          <a:bodyPr/>
+          <a:lstStyle/>
+          <a:p>
+            <a:fld id="{C37D7554-D10C-4E29-B8E6-BB7111FA614F}" type="slidenum">
+              <a:rPr lang="en-US" smtClean="0"/>
+              <a:t>31</a:t>
+            </a:fld>
+            <a:endParaRPr lang="en-US" dirty="0"/>
+          </a:p>
+        </p:txBody>
+      </p:sp>
+    </p:spTree>
+    <p:extLst>
+      <p:ext uri="{BB962C8B-B14F-4D97-AF65-F5344CB8AC3E}">
+        <p14:creationId xmlns:p14="http://schemas.microsoft.com/office/powerpoint/2010/main" val="4039535867"/>
+      </p:ext>
+    </p:extLst>
+  </p:cSld>
+  <p:clrMapOvr>
+    <a:masterClrMapping/>
+  </p:clrMapOvr>
+</p:notes>
+</file>
+
+<file path=ppt/notesSlides/notesSlide31.xml><?xml version="1.0" encoding="utf-8"?>
+<p:notes xmlns:a="http://schemas.openxmlformats.org/drawingml/2006/main" xmlns:r="http://schemas.openxmlformats.org/officeDocument/2006/relationships" xmlns:p="http://schemas.openxmlformats.org/presentationml/2006/main">
+  <p:cSld>
+    <p:spTree>
+      <p:nvGrpSpPr>
+        <p:cNvPr id="1" name=""/>
+        <p:cNvGrpSpPr/>
+        <p:nvPr/>
+      </p:nvGrpSpPr>
+      <p:grpSpPr>
+        <a:xfrm>
+          <a:off x="0" y="0"/>
+          <a:ext cx="0" cy="0"/>
+          <a:chOff x="0" y="0"/>
+          <a:chExt cx="0" cy="0"/>
+        </a:xfrm>
+      </p:grpSpPr>
+      <p:sp>
+        <p:nvSpPr>
+          <p:cNvPr id="2" name="Slide Image Placeholder 1"/>
+          <p:cNvSpPr>
+            <a:spLocks noGrp="1" noRot="1" noChangeAspect="1"/>
+          </p:cNvSpPr>
+          <p:nvPr>
+            <p:ph type="sldImg"/>
+          </p:nvPr>
+        </p:nvSpPr>
+        <p:spPr/>
+      </p:sp>
+      <p:sp>
+        <p:nvSpPr>
+          <p:cNvPr id="3" name="Notes Placeholder 2"/>
+          <p:cNvSpPr>
+            <a:spLocks noGrp="1"/>
+          </p:cNvSpPr>
+          <p:nvPr>
+            <p:ph type="body" idx="1"/>
+          </p:nvPr>
+        </p:nvSpPr>
+        <p:spPr/>
+        <p:txBody>
+          <a:bodyPr/>
+          <a:lstStyle/>
+          <a:p>
+            <a:endParaRPr lang="pt-PT"/>
+          </a:p>
+        </p:txBody>
+      </p:sp>
+      <p:sp>
+        <p:nvSpPr>
+          <p:cNvPr id="4" name="Slide Number Placeholder 3"/>
+          <p:cNvSpPr>
+            <a:spLocks noGrp="1"/>
+          </p:cNvSpPr>
+          <p:nvPr>
+            <p:ph type="sldNum" sz="quarter" idx="5"/>
+          </p:nvPr>
+        </p:nvSpPr>
+        <p:spPr/>
+        <p:txBody>
+          <a:bodyPr/>
+          <a:lstStyle/>
+          <a:p>
+            <a:fld id="{C37D7554-D10C-4E29-B8E6-BB7111FA614F}" type="slidenum">
+              <a:rPr lang="en-US" smtClean="0"/>
+              <a:t>32</a:t>
+            </a:fld>
+            <a:endParaRPr lang="en-US" dirty="0"/>
+          </a:p>
+        </p:txBody>
+      </p:sp>
+    </p:spTree>
+    <p:extLst>
+      <p:ext uri="{BB962C8B-B14F-4D97-AF65-F5344CB8AC3E}">
+        <p14:creationId xmlns:p14="http://schemas.microsoft.com/office/powerpoint/2010/main" val="640539683"/>
       </p:ext>
     </p:extLst>
   </p:cSld>
@@ -16189,10 +16359,10 @@
       </p:sp>
       <p:pic>
         <p:nvPicPr>
-          <p:cNvPr id="3" name="Picture 2" descr="A diagram of a function&#10;&#10;Description automatically generated">
+          <p:cNvPr id="5" name="Picture 4" descr="A diagram of a data flow&#10;&#10;Description automatically generated">
             <a:extLst>
               <a:ext uri="{FF2B5EF4-FFF2-40B4-BE49-F238E27FC236}">
-                <a16:creationId xmlns:a16="http://schemas.microsoft.com/office/drawing/2014/main" id="{84363E43-60CC-DCD1-6A6C-AF0CC85DD549}"/>
+                <a16:creationId xmlns:a16="http://schemas.microsoft.com/office/drawing/2014/main" id="{CC4E704C-C1B1-D234-B8D9-07717D5A33A6}"/>
               </a:ext>
             </a:extLst>
           </p:cNvPr>
@@ -16209,8 +16379,8 @@
         </p:blipFill>
         <p:spPr>
           <a:xfrm>
-            <a:off x="3858400" y="793005"/>
-            <a:ext cx="4930653" cy="5150596"/>
+            <a:off x="3377689" y="1007110"/>
+            <a:ext cx="5436621" cy="4843780"/>
           </a:xfrm>
           <a:prstGeom prst="rect">
             <a:avLst/>
@@ -16220,7 +16390,7 @@
     </p:spTree>
     <p:extLst>
       <p:ext uri="{BB962C8B-B14F-4D97-AF65-F5344CB8AC3E}">
-        <p14:creationId xmlns:p14="http://schemas.microsoft.com/office/powerpoint/2010/main" val="1244009836"/>
+        <p14:creationId xmlns:p14="http://schemas.microsoft.com/office/powerpoint/2010/main" val="3763919025"/>
       </p:ext>
     </p:extLst>
   </p:cSld>
@@ -16259,6 +16429,41 @@
       </p:grpSpPr>
       <p:sp>
         <p:nvSpPr>
+          <p:cNvPr id="2" name="Title 1">
+            <a:extLst>
+              <a:ext uri="{FF2B5EF4-FFF2-40B4-BE49-F238E27FC236}">
+                <a16:creationId xmlns:a16="http://schemas.microsoft.com/office/drawing/2014/main" id="{4662EDDE-6B1A-D0AC-F9F2-C67719C36532}"/>
+              </a:ext>
+            </a:extLst>
+          </p:cNvPr>
+          <p:cNvSpPr>
+            <a:spLocks noGrp="1"/>
+          </p:cNvSpPr>
+          <p:nvPr>
+            <p:ph type="title"/>
+          </p:nvPr>
+        </p:nvSpPr>
+        <p:spPr>
+          <a:xfrm>
+            <a:off x="1520662" y="252034"/>
+            <a:ext cx="9753890" cy="409176"/>
+          </a:xfrm>
+        </p:spPr>
+        <p:txBody>
+          <a:bodyPr>
+            <a:normAutofit fontScale="90000"/>
+          </a:bodyPr>
+          <a:lstStyle/>
+          <a:p>
+            <a:r>
+              <a:rPr lang="pt-PT" i="1" dirty="0"/>
+              <a:t>Segunda Abordagem - Modelos</a:t>
+            </a:r>
+          </a:p>
+        </p:txBody>
+      </p:sp>
+      <p:sp>
+        <p:nvSpPr>
           <p:cNvPr id="4" name="Slide Number Placeholder 3">
             <a:extLst>
               <a:ext uri="{FF2B5EF4-FFF2-40B4-BE49-F238E27FC236}">
@@ -16283,148 +16488,16 @@
               <a:pPr/>
               <a:t>15</a:t>
             </a:fld>
-            <a:endParaRPr lang="en-US" dirty="0"/>
+            <a:endParaRPr lang="en-US" sz="1800" dirty="0"/>
           </a:p>
         </p:txBody>
       </p:sp>
       <p:sp>
         <p:nvSpPr>
-          <p:cNvPr id="29" name="Rectangle 28">
+          <p:cNvPr id="6" name="Footer Placeholder 4">
             <a:extLst>
               <a:ext uri="{FF2B5EF4-FFF2-40B4-BE49-F238E27FC236}">
-                <a16:creationId xmlns:a16="http://schemas.microsoft.com/office/drawing/2014/main" id="{0A0E7BD1-ECFE-B70B-5C97-C06F01ACA0EF}"/>
-              </a:ext>
-            </a:extLst>
-          </p:cNvPr>
-          <p:cNvSpPr/>
-          <p:nvPr/>
-        </p:nvSpPr>
-        <p:spPr>
-          <a:xfrm>
-            <a:off x="4439142" y="5254032"/>
-            <a:ext cx="1179428" cy="365124"/>
-          </a:xfrm>
-          <a:prstGeom prst="rect">
-            <a:avLst/>
-          </a:prstGeom>
-        </p:spPr>
-        <p:style>
-          <a:lnRef idx="0">
-            <a:schemeClr val="dk1">
-              <a:alpha val="0"/>
-              <a:hueOff val="0"/>
-              <a:satOff val="0"/>
-              <a:lumOff val="0"/>
-              <a:alphaOff val="0"/>
-            </a:schemeClr>
-          </a:lnRef>
-          <a:fillRef idx="0">
-            <a:schemeClr val="lt1">
-              <a:alpha val="0"/>
-              <a:hueOff val="0"/>
-              <a:satOff val="0"/>
-              <a:lumOff val="0"/>
-              <a:alphaOff val="0"/>
-            </a:schemeClr>
-          </a:fillRef>
-          <a:effectRef idx="0">
-            <a:schemeClr val="lt1">
-              <a:alpha val="0"/>
-              <a:hueOff val="0"/>
-              <a:satOff val="0"/>
-              <a:lumOff val="0"/>
-              <a:alphaOff val="0"/>
-            </a:schemeClr>
-          </a:effectRef>
-          <a:fontRef idx="minor">
-            <a:schemeClr val="tx1">
-              <a:hueOff val="0"/>
-              <a:satOff val="0"/>
-              <a:lumOff val="0"/>
-              <a:alphaOff val="0"/>
-            </a:schemeClr>
-          </a:fontRef>
-        </p:style>
-        <p:txBody>
-          <a:bodyPr/>
-          <a:lstStyle/>
-          <a:p>
-            <a:endParaRPr lang="pt-PT"/>
-          </a:p>
-        </p:txBody>
-      </p:sp>
-      <p:sp>
-        <p:nvSpPr>
-          <p:cNvPr id="34" name="Rectangle 33">
-            <a:extLst>
-              <a:ext uri="{FF2B5EF4-FFF2-40B4-BE49-F238E27FC236}">
-                <a16:creationId xmlns:a16="http://schemas.microsoft.com/office/drawing/2014/main" id="{C8BAA013-37F3-B3F3-A350-4A65FB1FB523}"/>
-              </a:ext>
-            </a:extLst>
-          </p:cNvPr>
-          <p:cNvSpPr/>
-          <p:nvPr/>
-        </p:nvSpPr>
-        <p:spPr>
-          <a:xfrm>
-            <a:off x="6323727" y="5336627"/>
-            <a:ext cx="1749678" cy="409175"/>
-          </a:xfrm>
-          <a:prstGeom prst="rect">
-            <a:avLst/>
-          </a:prstGeom>
-        </p:spPr>
-        <p:style>
-          <a:lnRef idx="0">
-            <a:schemeClr val="dk1">
-              <a:alpha val="0"/>
-              <a:hueOff val="0"/>
-              <a:satOff val="0"/>
-              <a:lumOff val="0"/>
-              <a:alphaOff val="0"/>
-            </a:schemeClr>
-          </a:lnRef>
-          <a:fillRef idx="0">
-            <a:schemeClr val="lt1">
-              <a:alpha val="0"/>
-              <a:hueOff val="0"/>
-              <a:satOff val="0"/>
-              <a:lumOff val="0"/>
-              <a:alphaOff val="0"/>
-            </a:schemeClr>
-          </a:fillRef>
-          <a:effectRef idx="0">
-            <a:schemeClr val="lt1">
-              <a:alpha val="0"/>
-              <a:hueOff val="0"/>
-              <a:satOff val="0"/>
-              <a:lumOff val="0"/>
-              <a:alphaOff val="0"/>
-            </a:schemeClr>
-          </a:effectRef>
-          <a:fontRef idx="minor">
-            <a:schemeClr val="tx1">
-              <a:hueOff val="0"/>
-              <a:satOff val="0"/>
-              <a:lumOff val="0"/>
-              <a:alphaOff val="0"/>
-            </a:schemeClr>
-          </a:fontRef>
-        </p:style>
-        <p:txBody>
-          <a:bodyPr/>
-          <a:lstStyle/>
-          <a:p>
-            <a:endParaRPr lang="pt-PT"/>
-          </a:p>
-        </p:txBody>
-      </p:sp>
-      <p:sp>
-        <p:nvSpPr>
-          <p:cNvPr id="10" name="Footer Placeholder 4">
-            <a:extLst>
-              <a:ext uri="{FF2B5EF4-FFF2-40B4-BE49-F238E27FC236}">
-                <a16:creationId xmlns:a16="http://schemas.microsoft.com/office/drawing/2014/main" id="{36E41B72-D302-13CB-8C35-9DE4648CD66E}"/>
+                <a16:creationId xmlns:a16="http://schemas.microsoft.com/office/drawing/2014/main" id="{0D821BC6-79CF-66F1-F00C-E2213C505826}"/>
               </a:ext>
             </a:extLst>
           </p:cNvPr>
@@ -16567,359 +16640,6 @@
       </p:sp>
       <p:pic>
         <p:nvPicPr>
-          <p:cNvPr id="12" name="Picture 11" descr="A black background with a black square&#10;&#10;Description automatically generated with medium confidence">
-            <a:extLst>
-              <a:ext uri="{FF2B5EF4-FFF2-40B4-BE49-F238E27FC236}">
-                <a16:creationId xmlns:a16="http://schemas.microsoft.com/office/drawing/2014/main" id="{8CB1D191-3CFF-0E6E-F09C-43F3BABB3AB3}"/>
-              </a:ext>
-            </a:extLst>
-          </p:cNvPr>
-          <p:cNvPicPr>
-            <a:picLocks noChangeAspect="1"/>
-          </p:cNvPicPr>
-          <p:nvPr/>
-        </p:nvPicPr>
-        <p:blipFill>
-          <a:blip r:embed="rId3">
-            <a:alphaModFix amt="70000"/>
-            <a:extLst>
-              <a:ext uri="{28A0092B-C50C-407E-A947-70E740481C1C}">
-                <a14:useLocalDpi xmlns:a14="http://schemas.microsoft.com/office/drawing/2010/main" val="0"/>
-              </a:ext>
-            </a:extLst>
-          </a:blip>
-          <a:stretch>
-            <a:fillRect/>
-          </a:stretch>
-        </p:blipFill>
-        <p:spPr>
-          <a:xfrm>
-            <a:off x="10582445" y="5985436"/>
-            <a:ext cx="1441915" cy="568239"/>
-          </a:xfrm>
-          <a:prstGeom prst="rect">
-            <a:avLst/>
-          </a:prstGeom>
-        </p:spPr>
-      </p:pic>
-      <p:sp>
-        <p:nvSpPr>
-          <p:cNvPr id="15" name="Title 1">
-            <a:extLst>
-              <a:ext uri="{FF2B5EF4-FFF2-40B4-BE49-F238E27FC236}">
-                <a16:creationId xmlns:a16="http://schemas.microsoft.com/office/drawing/2014/main" id="{B2287D40-DAD8-09B6-343F-3574AB7E8A8C}"/>
-              </a:ext>
-            </a:extLst>
-          </p:cNvPr>
-          <p:cNvSpPr>
-            <a:spLocks noGrp="1"/>
-          </p:cNvSpPr>
-          <p:nvPr>
-            <p:ph type="title"/>
-          </p:nvPr>
-        </p:nvSpPr>
-        <p:spPr>
-          <a:xfrm>
-            <a:off x="1520662" y="252034"/>
-            <a:ext cx="9753890" cy="409176"/>
-          </a:xfrm>
-        </p:spPr>
-        <p:txBody>
-          <a:bodyPr>
-            <a:normAutofit fontScale="90000"/>
-          </a:bodyPr>
-          <a:lstStyle/>
-          <a:p>
-            <a:r>
-              <a:rPr lang="pt-PT" i="1" dirty="0"/>
-              <a:t>Primeira Abordagem - Processamento de dados</a:t>
-            </a:r>
-          </a:p>
-        </p:txBody>
-      </p:sp>
-      <p:pic>
-        <p:nvPicPr>
-          <p:cNvPr id="5" name="Picture 4" descr="A diagram of a data flow&#10;&#10;Description automatically generated">
-            <a:extLst>
-              <a:ext uri="{FF2B5EF4-FFF2-40B4-BE49-F238E27FC236}">
-                <a16:creationId xmlns:a16="http://schemas.microsoft.com/office/drawing/2014/main" id="{CC4E704C-C1B1-D234-B8D9-07717D5A33A6}"/>
-              </a:ext>
-            </a:extLst>
-          </p:cNvPr>
-          <p:cNvPicPr>
-            <a:picLocks noChangeAspect="1"/>
-          </p:cNvPicPr>
-          <p:nvPr/>
-        </p:nvPicPr>
-        <p:blipFill>
-          <a:blip r:embed="rId4"/>
-          <a:stretch>
-            <a:fillRect/>
-          </a:stretch>
-        </p:blipFill>
-        <p:spPr>
-          <a:xfrm>
-            <a:off x="3377689" y="1007110"/>
-            <a:ext cx="5436621" cy="4843780"/>
-          </a:xfrm>
-          <a:prstGeom prst="rect">
-            <a:avLst/>
-          </a:prstGeom>
-        </p:spPr>
-      </p:pic>
-    </p:spTree>
-    <p:extLst>
-      <p:ext uri="{BB962C8B-B14F-4D97-AF65-F5344CB8AC3E}">
-        <p14:creationId xmlns:p14="http://schemas.microsoft.com/office/powerpoint/2010/main" val="3763919025"/>
-      </p:ext>
-    </p:extLst>
-  </p:cSld>
-  <p:clrMapOvr>
-    <a:masterClrMapping/>
-  </p:clrMapOvr>
-</p:sld>
-</file>
-
-<file path=ppt/slides/slide16.xml><?xml version="1.0" encoding="utf-8"?>
-<p:sld xmlns:a="http://schemas.openxmlformats.org/drawingml/2006/main" xmlns:r="http://schemas.openxmlformats.org/officeDocument/2006/relationships" xmlns:p="http://schemas.openxmlformats.org/presentationml/2006/main">
-  <p:cSld>
-    <p:bg>
-      <p:bgPr>
-        <a:solidFill>
-          <a:schemeClr val="bg2">
-            <a:alpha val="0"/>
-          </a:schemeClr>
-        </a:solidFill>
-        <a:effectLst/>
-      </p:bgPr>
-    </p:bg>
-    <p:spTree>
-      <p:nvGrpSpPr>
-        <p:cNvPr id="1" name=""/>
-        <p:cNvGrpSpPr/>
-        <p:nvPr/>
-      </p:nvGrpSpPr>
-      <p:grpSpPr>
-        <a:xfrm>
-          <a:off x="0" y="0"/>
-          <a:ext cx="0" cy="0"/>
-          <a:chOff x="0" y="0"/>
-          <a:chExt cx="0" cy="0"/>
-        </a:xfrm>
-      </p:grpSpPr>
-      <p:sp>
-        <p:nvSpPr>
-          <p:cNvPr id="2" name="Title 1">
-            <a:extLst>
-              <a:ext uri="{FF2B5EF4-FFF2-40B4-BE49-F238E27FC236}">
-                <a16:creationId xmlns:a16="http://schemas.microsoft.com/office/drawing/2014/main" id="{4662EDDE-6B1A-D0AC-F9F2-C67719C36532}"/>
-              </a:ext>
-            </a:extLst>
-          </p:cNvPr>
-          <p:cNvSpPr>
-            <a:spLocks noGrp="1"/>
-          </p:cNvSpPr>
-          <p:nvPr>
-            <p:ph type="title"/>
-          </p:nvPr>
-        </p:nvSpPr>
-        <p:spPr>
-          <a:xfrm>
-            <a:off x="1520662" y="252034"/>
-            <a:ext cx="9753890" cy="409176"/>
-          </a:xfrm>
-        </p:spPr>
-        <p:txBody>
-          <a:bodyPr>
-            <a:normAutofit fontScale="90000"/>
-          </a:bodyPr>
-          <a:lstStyle/>
-          <a:p>
-            <a:r>
-              <a:rPr lang="pt-PT" i="1" dirty="0"/>
-              <a:t>Segunda Abordagem - Modelos</a:t>
-            </a:r>
-          </a:p>
-        </p:txBody>
-      </p:sp>
-      <p:sp>
-        <p:nvSpPr>
-          <p:cNvPr id="4" name="Slide Number Placeholder 3">
-            <a:extLst>
-              <a:ext uri="{FF2B5EF4-FFF2-40B4-BE49-F238E27FC236}">
-                <a16:creationId xmlns:a16="http://schemas.microsoft.com/office/drawing/2014/main" id="{527C964F-E2D5-D8E7-C513-C47A7E409DF3}"/>
-              </a:ext>
-            </a:extLst>
-          </p:cNvPr>
-          <p:cNvSpPr>
-            <a:spLocks noGrp="1"/>
-          </p:cNvSpPr>
-          <p:nvPr>
-            <p:ph type="sldNum" sz="quarter" idx="15"/>
-          </p:nvPr>
-        </p:nvSpPr>
-        <p:spPr/>
-        <p:txBody>
-          <a:bodyPr/>
-          <a:lstStyle/>
-          <a:p>
-            <a:fld id="{18D65601-5AE2-46FC-B138-694DDD2B510D}" type="slidenum">
-              <a:rPr lang="en-US" sz="1800" smtClean="0"/>
-              <a:pPr/>
-              <a:t>16</a:t>
-            </a:fld>
-            <a:endParaRPr lang="en-US" sz="1800" dirty="0"/>
-          </a:p>
-        </p:txBody>
-      </p:sp>
-      <p:sp>
-        <p:nvSpPr>
-          <p:cNvPr id="6" name="Footer Placeholder 4">
-            <a:extLst>
-              <a:ext uri="{FF2B5EF4-FFF2-40B4-BE49-F238E27FC236}">
-                <a16:creationId xmlns:a16="http://schemas.microsoft.com/office/drawing/2014/main" id="{0D821BC6-79CF-66F1-F00C-E2213C505826}"/>
-              </a:ext>
-            </a:extLst>
-          </p:cNvPr>
-          <p:cNvSpPr txBox="1">
-            <a:spLocks/>
-          </p:cNvSpPr>
-          <p:nvPr/>
-        </p:nvSpPr>
-        <p:spPr>
-          <a:xfrm>
-            <a:off x="4038600" y="6333565"/>
-            <a:ext cx="4114800" cy="365125"/>
-          </a:xfrm>
-          <a:prstGeom prst="rect">
-            <a:avLst/>
-          </a:prstGeom>
-        </p:spPr>
-        <p:txBody>
-          <a:bodyPr vert="horz" lIns="91440" tIns="45720" rIns="91440" bIns="45720" rtlCol="0" anchor="ctr"/>
-          <a:lstStyle>
-            <a:defPPr>
-              <a:defRPr lang="en-US"/>
-            </a:defPPr>
-            <a:lvl1pPr marL="0" algn="ctr" defTabSz="914400" rtl="0" eaLnBrk="1" latinLnBrk="0" hangingPunct="1">
-              <a:defRPr sz="900" b="0" kern="1200" cap="all" spc="150" baseline="0">
-                <a:solidFill>
-                  <a:schemeClr val="bg2">
-                    <a:lumMod val="50000"/>
-                  </a:schemeClr>
-                </a:solidFill>
-                <a:latin typeface="Univers Light" panose="020B0403020202020204" pitchFamily="34" charset="0"/>
-                <a:ea typeface="+mn-ea"/>
-                <a:cs typeface="+mn-cs"/>
-              </a:defRPr>
-            </a:lvl1pPr>
-            <a:lvl2pPr marL="457200" algn="l" defTabSz="914400" rtl="0" eaLnBrk="1" latinLnBrk="0" hangingPunct="1">
-              <a:defRPr sz="1800" kern="1200">
-                <a:solidFill>
-                  <a:schemeClr val="tx1"/>
-                </a:solidFill>
-                <a:latin typeface="+mn-lt"/>
-                <a:ea typeface="+mn-ea"/>
-                <a:cs typeface="+mn-cs"/>
-              </a:defRPr>
-            </a:lvl2pPr>
-            <a:lvl3pPr marL="914400" algn="l" defTabSz="914400" rtl="0" eaLnBrk="1" latinLnBrk="0" hangingPunct="1">
-              <a:defRPr sz="1800" kern="1200">
-                <a:solidFill>
-                  <a:schemeClr val="tx1"/>
-                </a:solidFill>
-                <a:latin typeface="+mn-lt"/>
-                <a:ea typeface="+mn-ea"/>
-                <a:cs typeface="+mn-cs"/>
-              </a:defRPr>
-            </a:lvl3pPr>
-            <a:lvl4pPr marL="1371600" algn="l" defTabSz="914400" rtl="0" eaLnBrk="1" latinLnBrk="0" hangingPunct="1">
-              <a:defRPr sz="1800" kern="1200">
-                <a:solidFill>
-                  <a:schemeClr val="tx1"/>
-                </a:solidFill>
-                <a:latin typeface="+mn-lt"/>
-                <a:ea typeface="+mn-ea"/>
-                <a:cs typeface="+mn-cs"/>
-              </a:defRPr>
-            </a:lvl4pPr>
-            <a:lvl5pPr marL="1828800" algn="l" defTabSz="914400" rtl="0" eaLnBrk="1" latinLnBrk="0" hangingPunct="1">
-              <a:defRPr sz="1800" kern="1200">
-                <a:solidFill>
-                  <a:schemeClr val="tx1"/>
-                </a:solidFill>
-                <a:latin typeface="+mn-lt"/>
-                <a:ea typeface="+mn-ea"/>
-                <a:cs typeface="+mn-cs"/>
-              </a:defRPr>
-            </a:lvl5pPr>
-            <a:lvl6pPr marL="2286000" algn="l" defTabSz="914400" rtl="0" eaLnBrk="1" latinLnBrk="0" hangingPunct="1">
-              <a:defRPr sz="1800" kern="1200">
-                <a:solidFill>
-                  <a:schemeClr val="tx1"/>
-                </a:solidFill>
-                <a:latin typeface="+mn-lt"/>
-                <a:ea typeface="+mn-ea"/>
-                <a:cs typeface="+mn-cs"/>
-              </a:defRPr>
-            </a:lvl6pPr>
-            <a:lvl7pPr marL="2743200" algn="l" defTabSz="914400" rtl="0" eaLnBrk="1" latinLnBrk="0" hangingPunct="1">
-              <a:defRPr sz="1800" kern="1200">
-                <a:solidFill>
-                  <a:schemeClr val="tx1"/>
-                </a:solidFill>
-                <a:latin typeface="+mn-lt"/>
-                <a:ea typeface="+mn-ea"/>
-                <a:cs typeface="+mn-cs"/>
-              </a:defRPr>
-            </a:lvl7pPr>
-            <a:lvl8pPr marL="3200400" algn="l" defTabSz="914400" rtl="0" eaLnBrk="1" latinLnBrk="0" hangingPunct="1">
-              <a:defRPr sz="1800" kern="1200">
-                <a:solidFill>
-                  <a:schemeClr val="tx1"/>
-                </a:solidFill>
-                <a:latin typeface="+mn-lt"/>
-                <a:ea typeface="+mn-ea"/>
-                <a:cs typeface="+mn-cs"/>
-              </a:defRPr>
-            </a:lvl8pPr>
-            <a:lvl9pPr marL="3657600" algn="l" defTabSz="914400" rtl="0" eaLnBrk="1" latinLnBrk="0" hangingPunct="1">
-              <a:defRPr sz="1800" kern="1200">
-                <a:solidFill>
-                  <a:schemeClr val="tx1"/>
-                </a:solidFill>
-                <a:latin typeface="+mn-lt"/>
-                <a:ea typeface="+mn-ea"/>
-                <a:cs typeface="+mn-cs"/>
-              </a:defRPr>
-            </a:lvl9pPr>
-          </a:lstStyle>
-          <a:p>
-            <a:pPr>
-              <a:lnSpc>
-                <a:spcPct val="150000"/>
-              </a:lnSpc>
-            </a:pPr>
-            <a:r>
-              <a:rPr lang="pt-PT" sz="800" dirty="0"/>
-              <a:t>Ai driving classification</a:t>
-            </a:r>
-          </a:p>
-          <a:p>
-            <a:pPr>
-              <a:lnSpc>
-                <a:spcPct val="150000"/>
-              </a:lnSpc>
-            </a:pPr>
-            <a:r>
-              <a:rPr lang="pt-PT" sz="800" dirty="0"/>
-              <a:t>Alberto pingo | joão castro</a:t>
-            </a:r>
-          </a:p>
-        </p:txBody>
-      </p:sp>
-      <p:pic>
-        <p:nvPicPr>
           <p:cNvPr id="7" name="Picture 6" descr="A black background with a black square&#10;&#10;Description automatically generated with medium confidence">
             <a:extLst>
               <a:ext uri="{FF2B5EF4-FFF2-40B4-BE49-F238E27FC236}">
@@ -17303,6 +17023,138 @@
           </a:extLst>
         </p:spPr>
       </p:pic>
+      <p:sp>
+        <p:nvSpPr>
+          <p:cNvPr id="5" name="TextBox 4">
+            <a:extLst>
+              <a:ext uri="{FF2B5EF4-FFF2-40B4-BE49-F238E27FC236}">
+                <a16:creationId xmlns:a16="http://schemas.microsoft.com/office/drawing/2014/main" id="{61D74D41-B1BC-EEE8-E651-9CFC329A4FA8}"/>
+              </a:ext>
+            </a:extLst>
+          </p:cNvPr>
+          <p:cNvSpPr txBox="1"/>
+          <p:nvPr/>
+        </p:nvSpPr>
+        <p:spPr>
+          <a:xfrm>
+            <a:off x="1520662" y="2120292"/>
+            <a:ext cx="8624365" cy="246221"/>
+          </a:xfrm>
+          <a:prstGeom prst="rect">
+            <a:avLst/>
+          </a:prstGeom>
+          <a:noFill/>
+        </p:spPr>
+        <p:txBody>
+          <a:bodyPr wrap="square" rtlCol="0">
+            <a:spAutoFit/>
+          </a:bodyPr>
+          <a:lstStyle/>
+          <a:p>
+            <a:pPr algn="ctr"/>
+            <a:r>
+              <a:rPr lang="pt-PT" sz="1000" dirty="0"/>
+              <a:t>Arquitetura </a:t>
+            </a:r>
+            <a:r>
+              <a:rPr lang="pt-PT" sz="1000" i="1" dirty="0"/>
+              <a:t>Stacked</a:t>
+            </a:r>
+            <a:r>
+              <a:rPr lang="pt-PT" sz="1000" dirty="0"/>
+              <a:t> LSTM da primeira abordagem.</a:t>
+            </a:r>
+          </a:p>
+        </p:txBody>
+      </p:sp>
+      <p:sp>
+        <p:nvSpPr>
+          <p:cNvPr id="8" name="TextBox 7">
+            <a:extLst>
+              <a:ext uri="{FF2B5EF4-FFF2-40B4-BE49-F238E27FC236}">
+                <a16:creationId xmlns:a16="http://schemas.microsoft.com/office/drawing/2014/main" id="{FE872AD1-9580-CFA3-4B61-9CBA9CB49384}"/>
+              </a:ext>
+            </a:extLst>
+          </p:cNvPr>
+          <p:cNvSpPr txBox="1"/>
+          <p:nvPr/>
+        </p:nvSpPr>
+        <p:spPr>
+          <a:xfrm>
+            <a:off x="1520662" y="3649232"/>
+            <a:ext cx="8624365" cy="246221"/>
+          </a:xfrm>
+          <a:prstGeom prst="rect">
+            <a:avLst/>
+          </a:prstGeom>
+          <a:noFill/>
+        </p:spPr>
+        <p:txBody>
+          <a:bodyPr wrap="square" rtlCol="0">
+            <a:spAutoFit/>
+          </a:bodyPr>
+          <a:lstStyle/>
+          <a:p>
+            <a:pPr algn="ctr"/>
+            <a:r>
+              <a:rPr lang="pt-PT" sz="1000" dirty="0"/>
+              <a:t>Arquitetura </a:t>
+            </a:r>
+            <a:r>
+              <a:rPr lang="pt-PT" sz="1000" i="1" dirty="0"/>
+              <a:t>Bidirectional</a:t>
+            </a:r>
+            <a:r>
+              <a:rPr lang="pt-PT" sz="1000" dirty="0"/>
+              <a:t> LSTM da primeira abordagem.</a:t>
+            </a:r>
+          </a:p>
+        </p:txBody>
+      </p:sp>
+      <p:sp>
+        <p:nvSpPr>
+          <p:cNvPr id="9" name="TextBox 8">
+            <a:extLst>
+              <a:ext uri="{FF2B5EF4-FFF2-40B4-BE49-F238E27FC236}">
+                <a16:creationId xmlns:a16="http://schemas.microsoft.com/office/drawing/2014/main" id="{FCD16828-40BE-30B9-000B-E590EC3998F9}"/>
+              </a:ext>
+            </a:extLst>
+          </p:cNvPr>
+          <p:cNvSpPr txBox="1"/>
+          <p:nvPr/>
+        </p:nvSpPr>
+        <p:spPr>
+          <a:xfrm>
+            <a:off x="1381119" y="5350796"/>
+            <a:ext cx="8624365" cy="246221"/>
+          </a:xfrm>
+          <a:prstGeom prst="rect">
+            <a:avLst/>
+          </a:prstGeom>
+          <a:noFill/>
+        </p:spPr>
+        <p:txBody>
+          <a:bodyPr wrap="square" rtlCol="0">
+            <a:spAutoFit/>
+          </a:bodyPr>
+          <a:lstStyle/>
+          <a:p>
+            <a:pPr algn="ctr"/>
+            <a:r>
+              <a:rPr lang="pt-PT" sz="1000" dirty="0"/>
+              <a:t>Arquitetura </a:t>
+            </a:r>
+            <a:r>
+              <a:rPr lang="pt-PT" sz="1000" i="1" dirty="0" err="1"/>
+              <a:t>Convolucional</a:t>
+            </a:r>
+            <a:r>
+              <a:rPr lang="pt-PT" sz="1000" dirty="0"/>
+              <a:t> LSTM da primeira abordagem.</a:t>
+            </a:r>
+          </a:p>
+        </p:txBody>
+      </p:sp>
     </p:spTree>
     <p:extLst>
       <p:ext uri="{BB962C8B-B14F-4D97-AF65-F5344CB8AC3E}">
@@ -17531,6 +17383,87 @@
                                   </p:childTnLst>
                                 </p:cTn>
                               </p:par>
+                              <p:par>
+                                <p:cTn id="21" presetID="1" presetClass="entr" presetSubtype="0" fill="hold" grpId="0" nodeType="withEffect">
+                                  <p:stCondLst>
+                                    <p:cond delay="0"/>
+                                  </p:stCondLst>
+                                  <p:childTnLst>
+                                    <p:set>
+                                      <p:cBhvr>
+                                        <p:cTn id="22" dur="1" fill="hold">
+                                          <p:stCondLst>
+                                            <p:cond delay="0"/>
+                                          </p:stCondLst>
+                                        </p:cTn>
+                                        <p:tgtEl>
+                                          <p:spTgt spid="5"/>
+                                        </p:tgtEl>
+                                        <p:attrNameLst>
+                                          <p:attrName>style.visibility</p:attrName>
+                                        </p:attrNameLst>
+                                      </p:cBhvr>
+                                      <p:to>
+                                        <p:strVal val="visible"/>
+                                      </p:to>
+                                    </p:set>
+                                  </p:childTnLst>
+                                </p:cTn>
+                              </p:par>
+                              <p:par>
+                                <p:cTn id="23" presetID="1" presetClass="entr" presetSubtype="0" fill="hold" grpId="0" nodeType="withEffect">
+                                  <p:stCondLst>
+                                    <p:cond delay="0"/>
+                                  </p:stCondLst>
+                                  <p:childTnLst>
+                                    <p:set>
+                                      <p:cBhvr>
+                                        <p:cTn id="24" dur="1" fill="hold">
+                                          <p:stCondLst>
+                                            <p:cond delay="0"/>
+                                          </p:stCondLst>
+                                        </p:cTn>
+                                        <p:tgtEl>
+                                          <p:spTgt spid="8"/>
+                                        </p:tgtEl>
+                                        <p:attrNameLst>
+                                          <p:attrName>style.visibility</p:attrName>
+                                        </p:attrNameLst>
+                                      </p:cBhvr>
+                                      <p:to>
+                                        <p:strVal val="visible"/>
+                                      </p:to>
+                                    </p:set>
+                                  </p:childTnLst>
+                                </p:cTn>
+                              </p:par>
+                              <p:par>
+                                <p:cTn id="25" presetID="1" presetClass="entr" presetSubtype="0" fill="hold" grpId="0" nodeType="withEffect">
+                                  <p:stCondLst>
+                                    <p:cond delay="0"/>
+                                  </p:stCondLst>
+                                  <p:childTnLst>
+                                    <p:set>
+                                      <p:cBhvr>
+                                        <p:cTn id="26" dur="1" fill="hold">
+                                          <p:stCondLst>
+                                            <p:cond delay="0"/>
+                                          </p:stCondLst>
+                                        </p:cTn>
+                                        <p:tgtEl>
+                                          <p:spTgt spid="9"/>
+                                        </p:tgtEl>
+                                        <p:attrNameLst>
+                                          <p:attrName>style.visibility</p:attrName>
+                                        </p:attrNameLst>
+                                      </p:cBhvr>
+                                      <p:to>
+                                        <p:strVal val="visible"/>
+                                      </p:to>
+                                    </p:set>
+                                  </p:childTnLst>
+                                </p:cTn>
+                              </p:par>
                             </p:childTnLst>
                           </p:cTn>
                         </p:par>
@@ -17562,12 +17495,15 @@
       <p:bldP spid="20" grpId="0"/>
       <p:bldP spid="21" grpId="0"/>
       <p:bldP spid="3" grpId="0"/>
+      <p:bldP spid="5" grpId="0"/>
+      <p:bldP spid="8" grpId="0"/>
+      <p:bldP spid="9" grpId="0"/>
     </p:bldLst>
   </p:timing>
 </p:sld>
 </file>
 
-<file path=ppt/slides/slide17.xml><?xml version="1.0" encoding="utf-8"?>
+<file path=ppt/slides/slide16.xml><?xml version="1.0" encoding="utf-8"?>
 <p:sld xmlns:a="http://schemas.openxmlformats.org/drawingml/2006/main" xmlns:r="http://schemas.openxmlformats.org/officeDocument/2006/relationships" xmlns:p="http://schemas.openxmlformats.org/presentationml/2006/main">
   <p:cSld>
     <p:bg>
@@ -17618,7 +17554,7 @@
             <a:fld id="{18D65601-5AE2-46FC-B138-694DDD2B510D}" type="slidenum">
               <a:rPr lang="en-US" sz="1800" smtClean="0"/>
               <a:pPr/>
-              <a:t>17</a:t>
+              <a:t>16</a:t>
             </a:fld>
             <a:endParaRPr lang="en-US" sz="1800" dirty="0"/>
           </a:p>
@@ -18017,7 +17953,7 @@
 </p:sld>
 </file>
 
-<file path=ppt/slides/slide18.xml><?xml version="1.0" encoding="utf-8"?>
+<file path=ppt/slides/slide17.xml><?xml version="1.0" encoding="utf-8"?>
 <p:sld xmlns:a="http://schemas.openxmlformats.org/drawingml/2006/main" xmlns:r="http://schemas.openxmlformats.org/officeDocument/2006/relationships" xmlns:p="http://schemas.openxmlformats.org/presentationml/2006/main">
   <p:cSld>
     <p:bg>
@@ -18103,7 +18039,7 @@
             <a:fld id="{18D65601-5AE2-46FC-B138-694DDD2B510D}" type="slidenum">
               <a:rPr lang="en-US" sz="1800" smtClean="0"/>
               <a:pPr/>
-              <a:t>18</a:t>
+              <a:t>17</a:t>
             </a:fld>
             <a:endParaRPr lang="en-US" sz="1800" dirty="0"/>
           </a:p>
@@ -19397,6 +19333,42 @@
           </a:graphicData>
         </a:graphic>
       </p:graphicFrame>
+      <p:sp>
+        <p:nvSpPr>
+          <p:cNvPr id="3" name="TextBox 2">
+            <a:extLst>
+              <a:ext uri="{FF2B5EF4-FFF2-40B4-BE49-F238E27FC236}">
+                <a16:creationId xmlns:a16="http://schemas.microsoft.com/office/drawing/2014/main" id="{4FBAE615-CA14-139A-EAF7-DAC27EC9C559}"/>
+              </a:ext>
+            </a:extLst>
+          </p:cNvPr>
+          <p:cNvSpPr txBox="1"/>
+          <p:nvPr/>
+        </p:nvSpPr>
+        <p:spPr>
+          <a:xfrm>
+            <a:off x="2806040" y="5054987"/>
+            <a:ext cx="6579917" cy="246221"/>
+          </a:xfrm>
+          <a:prstGeom prst="rect">
+            <a:avLst/>
+          </a:prstGeom>
+          <a:noFill/>
+        </p:spPr>
+        <p:txBody>
+          <a:bodyPr wrap="square" rtlCol="0">
+            <a:spAutoFit/>
+          </a:bodyPr>
+          <a:lstStyle/>
+          <a:p>
+            <a:pPr algn="ctr"/>
+            <a:r>
+              <a:rPr lang="pt-PT" sz="1000" dirty="0"/>
+              <a:t>Comparação Geral de resultados da primeira abordagem.</a:t>
+            </a:r>
+          </a:p>
+        </p:txBody>
+      </p:sp>
     </p:spTree>
     <p:extLst>
       <p:ext uri="{BB962C8B-B14F-4D97-AF65-F5344CB8AC3E}">
@@ -19410,19 +19382,9 @@
 </p:sld>
 </file>
 
-<file path=ppt/slides/slide19.xml><?xml version="1.0" encoding="utf-8"?>
+<file path=ppt/slides/slide18.xml><?xml version="1.0" encoding="utf-8"?>
 <p:sld xmlns:a="http://schemas.openxmlformats.org/drawingml/2006/main" xmlns:r="http://schemas.openxmlformats.org/officeDocument/2006/relationships" xmlns:p="http://schemas.openxmlformats.org/presentationml/2006/main">
   <p:cSld>
-    <p:bg>
-      <p:bgPr>
-        <a:solidFill>
-          <a:schemeClr val="bg2">
-            <a:alpha val="0"/>
-          </a:schemeClr>
-        </a:solidFill>
-        <a:effectLst/>
-      </p:bgPr>
-    </p:bg>
     <p:spTree>
       <p:nvGrpSpPr>
         <p:cNvPr id="1" name=""/>
@@ -19496,7 +19458,7 @@
             <a:fld id="{18D65601-5AE2-46FC-B138-694DDD2B510D}" type="slidenum">
               <a:rPr lang="en-US" sz="1800" smtClean="0"/>
               <a:pPr/>
-              <a:t>19</a:t>
+              <a:t>18</a:t>
             </a:fld>
             <a:endParaRPr lang="en-US" sz="1800" dirty="0"/>
           </a:p>
@@ -19663,7 +19625,7 @@
           <p:nvPr/>
         </p:nvPicPr>
         <p:blipFill>
-          <a:blip r:embed="rId4">
+          <a:blip r:embed="rId3">
             <a:alphaModFix amt="70000"/>
             <a:extLst>
               <a:ext uri="{28A0092B-C50C-407E-A947-70E740481C1C}">
@@ -19687,10 +19649,10 @@
       </p:pic>
       <p:sp>
         <p:nvSpPr>
-          <p:cNvPr id="9" name="Title 6">
+          <p:cNvPr id="25" name="Title 6">
             <a:extLst>
               <a:ext uri="{FF2B5EF4-FFF2-40B4-BE49-F238E27FC236}">
-                <a16:creationId xmlns:a16="http://schemas.microsoft.com/office/drawing/2014/main" id="{A1D1F6E0-1A6C-232E-B6AD-263DD8949166}"/>
+                <a16:creationId xmlns:a16="http://schemas.microsoft.com/office/drawing/2014/main" id="{C5E63A83-65CD-01EE-3C55-D453F19C5A97}"/>
               </a:ext>
             </a:extLst>
           </p:cNvPr>
@@ -19701,8 +19663,8 @@
         </p:nvSpPr>
         <p:spPr>
           <a:xfrm>
-            <a:off x="1743455" y="776531"/>
-            <a:ext cx="2199226" cy="504310"/>
+            <a:off x="4882392" y="1248624"/>
+            <a:ext cx="2427215" cy="504310"/>
           </a:xfrm>
           <a:prstGeom prst="rect">
             <a:avLst/>
@@ -19754,81 +19716,42 @@
           </a:p>
         </p:txBody>
       </p:sp>
-      <p:sp>
-        <p:nvSpPr>
-          <p:cNvPr id="10" name="Title 6">
+      <p:pic>
+        <p:nvPicPr>
+          <p:cNvPr id="8" name="Picture 7">
             <a:extLst>
               <a:ext uri="{FF2B5EF4-FFF2-40B4-BE49-F238E27FC236}">
-                <a16:creationId xmlns:a16="http://schemas.microsoft.com/office/drawing/2014/main" id="{B4BC2F03-7C1E-41FC-467C-30C492E35838}"/>
+                <a16:creationId xmlns:a16="http://schemas.microsoft.com/office/drawing/2014/main" id="{A1BEDB79-0D68-0ED3-15F9-4D86E05592D7}"/>
               </a:ext>
             </a:extLst>
           </p:cNvPr>
-          <p:cNvSpPr txBox="1">
-            <a:spLocks/>
-          </p:cNvSpPr>
+          <p:cNvPicPr>
+            <a:picLocks noChangeAspect="1"/>
+          </p:cNvPicPr>
           <p:nvPr/>
-        </p:nvSpPr>
+        </p:nvPicPr>
+        <p:blipFill>
+          <a:blip r:embed="rId4"/>
+          <a:stretch>
+            <a:fillRect/>
+          </a:stretch>
+        </p:blipFill>
         <p:spPr>
           <a:xfrm>
-            <a:off x="4945739" y="776531"/>
-            <a:ext cx="2300525" cy="504310"/>
+            <a:off x="6651414" y="1955064"/>
+            <a:ext cx="3744770" cy="2947872"/>
           </a:xfrm>
           <a:prstGeom prst="rect">
             <a:avLst/>
           </a:prstGeom>
         </p:spPr>
-        <p:txBody>
-          <a:bodyPr vert="horz" lIns="0" tIns="45720" rIns="91440" bIns="45720" rtlCol="0" anchor="ctr">
-            <a:noAutofit/>
-          </a:bodyPr>
-          <a:lstStyle>
-            <a:lvl1pPr algn="l" defTabSz="914400" rtl="0" eaLnBrk="1" latinLnBrk="0" hangingPunct="1">
-              <a:lnSpc>
-                <a:spcPct val="90000"/>
-              </a:lnSpc>
-              <a:spcBef>
-                <a:spcPct val="0"/>
-              </a:spcBef>
-              <a:buNone/>
-              <a:defRPr sz="3600" kern="1200">
-                <a:solidFill>
-                  <a:schemeClr val="tx1"/>
-                </a:solidFill>
-                <a:latin typeface="+mj-lt"/>
-                <a:ea typeface="+mj-ea"/>
-                <a:cs typeface="+mj-cs"/>
-              </a:defRPr>
-            </a:lvl1pPr>
-          </a:lstStyle>
-          <a:p>
-            <a:pPr algn="ctr"/>
-            <a:r>
-              <a:rPr lang="pt-PT" sz="2000" b="1" i="1" dirty="0">
-                <a:latin typeface="Univers Light (Body)"/>
-                <a:cs typeface="Arial" panose="020B0604020202020204" pitchFamily="34" charset="0"/>
-              </a:rPr>
-              <a:t>Bidirectional</a:t>
-            </a:r>
-            <a:r>
-              <a:rPr lang="pt-PT" sz="2000" b="1" dirty="0">
-                <a:latin typeface="Univers Light (Body)"/>
-                <a:cs typeface="Arial" panose="020B0604020202020204" pitchFamily="34" charset="0"/>
-              </a:rPr>
-              <a:t> LSTM</a:t>
-            </a:r>
-            <a:endParaRPr lang="en-US" sz="2000" b="1" dirty="0">
-              <a:latin typeface="Univers Light (Body)"/>
-              <a:cs typeface="Arial" panose="020B0604020202020204" pitchFamily="34" charset="0"/>
-            </a:endParaRPr>
-          </a:p>
-        </p:txBody>
-      </p:sp>
+      </p:pic>
       <p:pic>
         <p:nvPicPr>
-          <p:cNvPr id="13" name="Picture 12" descr="A green squares with white text&#10;&#10;Description automatically generated">
+          <p:cNvPr id="9" name="Picture 8" descr="A green and white chart&#10;&#10;Description automatically generated">
             <a:extLst>
               <a:ext uri="{FF2B5EF4-FFF2-40B4-BE49-F238E27FC236}">
-                <a16:creationId xmlns:a16="http://schemas.microsoft.com/office/drawing/2014/main" id="{7D1DE065-CA9C-7CEF-662E-35D4D04E2DCD}"/>
+                <a16:creationId xmlns:a16="http://schemas.microsoft.com/office/drawing/2014/main" id="{0F010C92-838B-19F9-B46D-51655A4A9FBE}"/>
               </a:ext>
             </a:extLst>
           </p:cNvPr>
@@ -19845,128 +19768,8 @@
         </p:blipFill>
         <p:spPr>
           <a:xfrm>
-            <a:off x="4598318" y="1280841"/>
-            <a:ext cx="2995363" cy="2075439"/>
-          </a:xfrm>
-          <a:prstGeom prst="rect">
-            <a:avLst/>
-          </a:prstGeom>
-        </p:spPr>
-      </p:pic>
-      <p:pic>
-        <p:nvPicPr>
-          <p:cNvPr id="14" name="Picture 13" descr="A green and white chart&#10;&#10;Description automatically generated">
-            <a:extLst>
-              <a:ext uri="{FF2B5EF4-FFF2-40B4-BE49-F238E27FC236}">
-                <a16:creationId xmlns:a16="http://schemas.microsoft.com/office/drawing/2014/main" id="{37CA9CB9-74D5-6DD0-D0C0-9D91B1B31620}"/>
-              </a:ext>
-            </a:extLst>
-          </p:cNvPr>
-          <p:cNvPicPr>
-            <a:picLocks noChangeAspect="1"/>
-          </p:cNvPicPr>
-          <p:nvPr/>
-        </p:nvPicPr>
-        <p:blipFill>
-          <a:blip r:embed="rId6"/>
-          <a:stretch>
-            <a:fillRect/>
-          </a:stretch>
-        </p:blipFill>
-        <p:spPr>
-          <a:xfrm>
-            <a:off x="1345387" y="1280841"/>
-            <a:ext cx="2995363" cy="2148159"/>
-          </a:xfrm>
-          <a:prstGeom prst="rect">
-            <a:avLst/>
-          </a:prstGeom>
-        </p:spPr>
-      </p:pic>
-      <p:pic>
-        <p:nvPicPr>
-          <p:cNvPr id="16" name="Picture 15">
-            <a:extLst>
-              <a:ext uri="{FF2B5EF4-FFF2-40B4-BE49-F238E27FC236}">
-                <a16:creationId xmlns:a16="http://schemas.microsoft.com/office/drawing/2014/main" id="{A4090867-FC13-7AA9-63F7-0F30513A3E49}"/>
-              </a:ext>
-            </a:extLst>
-          </p:cNvPr>
-          <p:cNvPicPr>
-            <a:picLocks noChangeAspect="1"/>
-          </p:cNvPicPr>
-          <p:nvPr/>
-        </p:nvPicPr>
-        <p:blipFill>
-          <a:blip r:embed="rId7"/>
-          <a:stretch>
-            <a:fillRect/>
-          </a:stretch>
-        </p:blipFill>
-        <p:spPr>
-          <a:xfrm>
-            <a:off x="4598318" y="3654926"/>
-            <a:ext cx="2995363" cy="2357941"/>
-          </a:xfrm>
-          <a:prstGeom prst="rect">
-            <a:avLst/>
-          </a:prstGeom>
-        </p:spPr>
-      </p:pic>
-      <p:pic>
-        <p:nvPicPr>
-          <p:cNvPr id="18" name="Picture 17">
-            <a:extLst>
-              <a:ext uri="{FF2B5EF4-FFF2-40B4-BE49-F238E27FC236}">
-                <a16:creationId xmlns:a16="http://schemas.microsoft.com/office/drawing/2014/main" id="{516BB4F1-737F-1701-E8BF-D144A5DF8629}"/>
-              </a:ext>
-            </a:extLst>
-          </p:cNvPr>
-          <p:cNvPicPr>
-            <a:picLocks noChangeAspect="1"/>
-          </p:cNvPicPr>
-          <p:nvPr/>
-        </p:nvPicPr>
-        <p:blipFill>
-          <a:blip r:embed="rId8"/>
-          <a:stretch>
-            <a:fillRect/>
-          </a:stretch>
-        </p:blipFill>
-        <p:spPr>
-          <a:xfrm>
-            <a:off x="1350638" y="3654926"/>
-            <a:ext cx="2995363" cy="2357941"/>
-          </a:xfrm>
-          <a:prstGeom prst="rect">
-            <a:avLst/>
-          </a:prstGeom>
-        </p:spPr>
-      </p:pic>
-      <p:pic>
-        <p:nvPicPr>
-          <p:cNvPr id="24" name="Picture 23">
-            <a:extLst>
-              <a:ext uri="{FF2B5EF4-FFF2-40B4-BE49-F238E27FC236}">
-                <a16:creationId xmlns:a16="http://schemas.microsoft.com/office/drawing/2014/main" id="{098464E5-0BF0-EEB8-22B6-285BD33E50A3}"/>
-              </a:ext>
-            </a:extLst>
-          </p:cNvPr>
-          <p:cNvPicPr>
-            <a:picLocks noChangeAspect="1"/>
-          </p:cNvPicPr>
-          <p:nvPr/>
-        </p:nvPicPr>
-        <p:blipFill>
-          <a:blip r:embed="rId9"/>
-          <a:stretch>
-            <a:fillRect/>
-          </a:stretch>
-        </p:blipFill>
-        <p:spPr>
-          <a:xfrm>
-            <a:off x="7851249" y="1280841"/>
-            <a:ext cx="2990112" cy="2192377"/>
+            <a:off x="1520662" y="1955064"/>
+            <a:ext cx="4114800" cy="2950976"/>
           </a:xfrm>
           <a:prstGeom prst="rect">
             <a:avLst/>
@@ -19975,112 +19778,85 @@
       </p:pic>
       <p:sp>
         <p:nvSpPr>
-          <p:cNvPr id="25" name="Title 6">
+          <p:cNvPr id="10" name="TextBox 9">
             <a:extLst>
               <a:ext uri="{FF2B5EF4-FFF2-40B4-BE49-F238E27FC236}">
-                <a16:creationId xmlns:a16="http://schemas.microsoft.com/office/drawing/2014/main" id="{C5E63A83-65CD-01EE-3C55-D453F19C5A97}"/>
+                <a16:creationId xmlns:a16="http://schemas.microsoft.com/office/drawing/2014/main" id="{AB59D2D8-6639-D553-8843-DD37388E1402}"/>
               </a:ext>
             </a:extLst>
           </p:cNvPr>
-          <p:cNvSpPr txBox="1">
-            <a:spLocks/>
-          </p:cNvSpPr>
+          <p:cNvSpPr txBox="1"/>
           <p:nvPr/>
         </p:nvSpPr>
         <p:spPr>
           <a:xfrm>
-            <a:off x="8196042" y="776531"/>
-            <a:ext cx="2300525" cy="504310"/>
+            <a:off x="1520662" y="4902936"/>
+            <a:ext cx="4114799" cy="246221"/>
           </a:xfrm>
           <a:prstGeom prst="rect">
             <a:avLst/>
           </a:prstGeom>
+          <a:noFill/>
         </p:spPr>
         <p:txBody>
-          <a:bodyPr vert="horz" lIns="0" tIns="45720" rIns="91440" bIns="45720" rtlCol="0" anchor="ctr">
-            <a:noAutofit/>
+          <a:bodyPr wrap="square" rtlCol="0">
+            <a:spAutoFit/>
           </a:bodyPr>
-          <a:lstStyle>
-            <a:lvl1pPr algn="l" defTabSz="914400" rtl="0" eaLnBrk="1" latinLnBrk="0" hangingPunct="1">
-              <a:lnSpc>
-                <a:spcPct val="90000"/>
-              </a:lnSpc>
-              <a:spcBef>
-                <a:spcPct val="0"/>
-              </a:spcBef>
-              <a:buNone/>
-              <a:defRPr sz="3600" kern="1200">
-                <a:solidFill>
-                  <a:schemeClr val="tx1"/>
-                </a:solidFill>
-                <a:latin typeface="+mj-lt"/>
-                <a:ea typeface="+mj-ea"/>
-                <a:cs typeface="+mj-cs"/>
-              </a:defRPr>
-            </a:lvl1pPr>
-          </a:lstStyle>
+          <a:lstStyle/>
           <a:p>
             <a:pPr algn="ctr"/>
             <a:r>
-              <a:rPr lang="pt-PT" sz="2000" b="1" i="1" dirty="0" err="1">
-                <a:latin typeface="Univers Light (Body)"/>
-                <a:cs typeface="Arial" panose="020B0604020202020204" pitchFamily="34" charset="0"/>
-              </a:rPr>
-              <a:t>Conv</a:t>
-            </a:r>
-            <a:r>
-              <a:rPr lang="pt-PT" sz="2000" b="1" dirty="0">
-                <a:latin typeface="Univers Light (Body)"/>
-                <a:cs typeface="Arial" panose="020B0604020202020204" pitchFamily="34" charset="0"/>
-              </a:rPr>
-              <a:t> LSTM</a:t>
-            </a:r>
-            <a:endParaRPr lang="en-US" sz="2000" b="1" dirty="0">
-              <a:latin typeface="Univers Light (Body)"/>
-              <a:cs typeface="Arial" panose="020B0604020202020204" pitchFamily="34" charset="0"/>
-            </a:endParaRPr>
+              <a:rPr lang="pt-PT" sz="1000" dirty="0"/>
+              <a:t>Matriz de Confusão Agregada- Stacked LSTM (1A).</a:t>
+            </a:r>
           </a:p>
         </p:txBody>
       </p:sp>
-      <p:pic>
-        <p:nvPicPr>
-          <p:cNvPr id="27" name="Picture 26">
+      <p:sp>
+        <p:nvSpPr>
+          <p:cNvPr id="11" name="TextBox 10">
             <a:extLst>
               <a:ext uri="{FF2B5EF4-FFF2-40B4-BE49-F238E27FC236}">
-                <a16:creationId xmlns:a16="http://schemas.microsoft.com/office/drawing/2014/main" id="{2267C447-47EA-C79C-468C-D8A47DEA8D72}"/>
+                <a16:creationId xmlns:a16="http://schemas.microsoft.com/office/drawing/2014/main" id="{32FFFE6C-538B-AC5A-3CEB-E4A74F537E77}"/>
               </a:ext>
             </a:extLst>
           </p:cNvPr>
-          <p:cNvPicPr>
-            <a:picLocks noChangeAspect="1"/>
-          </p:cNvPicPr>
+          <p:cNvSpPr txBox="1"/>
           <p:nvPr/>
-        </p:nvPicPr>
-        <p:blipFill>
-          <a:blip r:embed="rId10"/>
-          <a:stretch>
-            <a:fillRect/>
-          </a:stretch>
-        </p:blipFill>
+        </p:nvSpPr>
         <p:spPr>
           <a:xfrm>
-            <a:off x="7845997" y="3654925"/>
-            <a:ext cx="2995364" cy="2357942"/>
+            <a:off x="6651414" y="4902935"/>
+            <a:ext cx="3744770" cy="246221"/>
           </a:xfrm>
           <a:prstGeom prst="rect">
             <a:avLst/>
           </a:prstGeom>
+          <a:noFill/>
         </p:spPr>
-      </p:pic>
+        <p:txBody>
+          <a:bodyPr wrap="square" rtlCol="0">
+            <a:spAutoFit/>
+          </a:bodyPr>
+          <a:lstStyle/>
+          <a:p>
+            <a:pPr algn="ctr"/>
+            <a:r>
+              <a:rPr lang="pt-PT" sz="1000" dirty="0"/>
+              <a:t>Curvas ROC - Stacked LSTM (1A).</a:t>
+            </a:r>
+          </a:p>
+        </p:txBody>
+      </p:sp>
     </p:spTree>
     <p:extLst>
       <p:ext uri="{BB962C8B-B14F-4D97-AF65-F5344CB8AC3E}">
-        <p14:creationId xmlns:p14="http://schemas.microsoft.com/office/powerpoint/2010/main" val="693936738"/>
+        <p14:creationId xmlns:p14="http://schemas.microsoft.com/office/powerpoint/2010/main" val="1867708511"/>
       </p:ext>
     </p:extLst>
   </p:cSld>
   <p:clrMapOvr>
-    <a:overrideClrMapping bg1="lt1" tx1="dk1" bg2="lt2" tx2="dk2" accent1="accent1" accent2="accent2" accent3="accent3" accent4="accent4" accent5="accent5" accent6="accent6" hlink="hlink" folHlink="folHlink"/>
+    <a:masterClrMapping/>
   </p:clrMapOvr>
   <p:timing>
     <p:tnLst>
@@ -20116,7 +19892,7 @@
                                           </p:stCondLst>
                                         </p:cTn>
                                         <p:tgtEl>
-                                          <p:spTgt spid="9"/>
+                                          <p:spTgt spid="25"/>
                                         </p:tgtEl>
                                         <p:attrNameLst>
                                           <p:attrName>style.visibility</p:attrName>
@@ -20143,7 +19919,34 @@
                                           </p:stCondLst>
                                         </p:cTn>
                                         <p:tgtEl>
-                                          <p:spTgt spid="14"/>
+                                          <p:spTgt spid="9"/>
+                                        </p:tgtEl>
+                                        <p:attrNameLst>
+                                          <p:attrName>style.visibility</p:attrName>
+                                        </p:attrNameLst>
+                                      </p:cBhvr>
+                                      <p:to>
+                                        <p:strVal val="visible"/>
+                                      </p:to>
+                                    </p:set>
+                                  </p:childTnLst>
+                                </p:cTn>
+                              </p:par>
+                              <p:par>
+                                <p:cTn id="9" presetID="1" presetClass="entr" presetSubtype="0" fill="hold" grpId="0" nodeType="withEffect">
+                                  <p:stCondLst>
+                                    <p:cond delay="0"/>
+                                  </p:stCondLst>
+                                  <p:childTnLst>
+                                    <p:set>
+                                      <p:cBhvr>
+                                        <p:cTn id="10" dur="1" fill="hold">
+                                          <p:stCondLst>
+                                            <p:cond delay="0"/>
+                                          </p:stCondLst>
+                                        </p:cTn>
+                                        <p:tgtEl>
+                                          <p:spTgt spid="10"/>
                                         </p:tgtEl>
                                         <p:attrNameLst>
                                           <p:attrName>style.visibility</p:attrName>
@@ -20163,77 +19966,32 @@
                     </p:cTn>
                   </p:par>
                   <p:par>
-                    <p:cTn id="9" fill="hold">
+                    <p:cTn id="11" fill="hold">
                       <p:stCondLst>
                         <p:cond delay="indefinite"/>
                       </p:stCondLst>
                       <p:childTnLst>
                         <p:par>
-                          <p:cTn id="10" fill="hold">
+                          <p:cTn id="12" fill="hold">
                             <p:stCondLst>
                               <p:cond delay="0"/>
                             </p:stCondLst>
                             <p:childTnLst>
                               <p:par>
-                                <p:cTn id="11" presetID="1" presetClass="entr" presetSubtype="0" fill="hold" nodeType="clickEffect">
+                                <p:cTn id="13" presetID="1" presetClass="entr" presetSubtype="0" fill="hold" nodeType="clickEffect">
                                   <p:stCondLst>
                                     <p:cond delay="0"/>
                                   </p:stCondLst>
                                   <p:childTnLst>
                                     <p:set>
                                       <p:cBhvr>
-                                        <p:cTn id="12" dur="1" fill="hold">
+                                        <p:cTn id="14" dur="1" fill="hold">
                                           <p:stCondLst>
                                             <p:cond delay="0"/>
                                           </p:stCondLst>
                                         </p:cTn>
                                         <p:tgtEl>
-                                          <p:spTgt spid="18"/>
-                                        </p:tgtEl>
-                                        <p:attrNameLst>
-                                          <p:attrName>style.visibility</p:attrName>
-                                        </p:attrNameLst>
-                                      </p:cBhvr>
-                                      <p:to>
-                                        <p:strVal val="visible"/>
-                                      </p:to>
-                                    </p:set>
-                                  </p:childTnLst>
-                                </p:cTn>
-                              </p:par>
-                            </p:childTnLst>
-                          </p:cTn>
-                        </p:par>
-                      </p:childTnLst>
-                    </p:cTn>
-                  </p:par>
-                  <p:par>
-                    <p:cTn id="13" fill="hold">
-                      <p:stCondLst>
-                        <p:cond delay="indefinite"/>
-                      </p:stCondLst>
-                      <p:childTnLst>
-                        <p:par>
-                          <p:cTn id="14" fill="hold">
-                            <p:stCondLst>
-                              <p:cond delay="0"/>
-                            </p:stCondLst>
-                            <p:childTnLst>
-                              <p:par>
-                                <p:cTn id="15" presetID="1" presetClass="entr" presetSubtype="0" fill="hold" grpId="0" nodeType="clickEffect">
-                                  <p:stCondLst>
-                                    <p:cond delay="0"/>
-                                  </p:stCondLst>
-                                  <p:childTnLst>
-                                    <p:set>
-                                      <p:cBhvr>
-                                        <p:cTn id="16" dur="1" fill="hold">
-                                          <p:stCondLst>
-                                            <p:cond delay="0"/>
-                                          </p:stCondLst>
-                                        </p:cTn>
-                                        <p:tgtEl>
-                                          <p:spTgt spid="10"/>
+                                          <p:spTgt spid="8"/>
                                         </p:tgtEl>
                                         <p:attrNameLst>
                                           <p:attrName>style.visibility</p:attrName>
@@ -20247,182 +20005,20 @@
                                 </p:cTn>
                               </p:par>
                               <p:par>
-                                <p:cTn id="17" presetID="1" presetClass="entr" presetSubtype="0" fill="hold" nodeType="withEffect">
+                                <p:cTn id="15" presetID="1" presetClass="entr" presetSubtype="0" fill="hold" grpId="0" nodeType="withEffect">
                                   <p:stCondLst>
                                     <p:cond delay="0"/>
                                   </p:stCondLst>
                                   <p:childTnLst>
                                     <p:set>
                                       <p:cBhvr>
-                                        <p:cTn id="18" dur="1" fill="hold">
+                                        <p:cTn id="16" dur="1" fill="hold">
                                           <p:stCondLst>
                                             <p:cond delay="0"/>
                                           </p:stCondLst>
                                         </p:cTn>
                                         <p:tgtEl>
-                                          <p:spTgt spid="13"/>
-                                        </p:tgtEl>
-                                        <p:attrNameLst>
-                                          <p:attrName>style.visibility</p:attrName>
-                                        </p:attrNameLst>
-                                      </p:cBhvr>
-                                      <p:to>
-                                        <p:strVal val="visible"/>
-                                      </p:to>
-                                    </p:set>
-                                  </p:childTnLst>
-                                </p:cTn>
-                              </p:par>
-                            </p:childTnLst>
-                          </p:cTn>
-                        </p:par>
-                      </p:childTnLst>
-                    </p:cTn>
-                  </p:par>
-                  <p:par>
-                    <p:cTn id="19" fill="hold">
-                      <p:stCondLst>
-                        <p:cond delay="indefinite"/>
-                      </p:stCondLst>
-                      <p:childTnLst>
-                        <p:par>
-                          <p:cTn id="20" fill="hold">
-                            <p:stCondLst>
-                              <p:cond delay="0"/>
-                            </p:stCondLst>
-                            <p:childTnLst>
-                              <p:par>
-                                <p:cTn id="21" presetID="1" presetClass="entr" presetSubtype="0" fill="hold" nodeType="clickEffect">
-                                  <p:stCondLst>
-                                    <p:cond delay="0"/>
-                                  </p:stCondLst>
-                                  <p:childTnLst>
-                                    <p:set>
-                                      <p:cBhvr>
-                                        <p:cTn id="22" dur="1" fill="hold">
-                                          <p:stCondLst>
-                                            <p:cond delay="0"/>
-                                          </p:stCondLst>
-                                        </p:cTn>
-                                        <p:tgtEl>
-                                          <p:spTgt spid="16"/>
-                                        </p:tgtEl>
-                                        <p:attrNameLst>
-                                          <p:attrName>style.visibility</p:attrName>
-                                        </p:attrNameLst>
-                                      </p:cBhvr>
-                                      <p:to>
-                                        <p:strVal val="visible"/>
-                                      </p:to>
-                                    </p:set>
-                                  </p:childTnLst>
-                                </p:cTn>
-                              </p:par>
-                            </p:childTnLst>
-                          </p:cTn>
-                        </p:par>
-                      </p:childTnLst>
-                    </p:cTn>
-                  </p:par>
-                  <p:par>
-                    <p:cTn id="23" fill="hold">
-                      <p:stCondLst>
-                        <p:cond delay="indefinite"/>
-                      </p:stCondLst>
-                      <p:childTnLst>
-                        <p:par>
-                          <p:cTn id="24" fill="hold">
-                            <p:stCondLst>
-                              <p:cond delay="0"/>
-                            </p:stCondLst>
-                            <p:childTnLst>
-                              <p:par>
-                                <p:cTn id="25" presetID="1" presetClass="entr" presetSubtype="0" fill="hold" grpId="0" nodeType="clickEffect">
-                                  <p:stCondLst>
-                                    <p:cond delay="0"/>
-                                  </p:stCondLst>
-                                  <p:childTnLst>
-                                    <p:set>
-                                      <p:cBhvr>
-                                        <p:cTn id="26" dur="1" fill="hold">
-                                          <p:stCondLst>
-                                            <p:cond delay="0"/>
-                                          </p:stCondLst>
-                                        </p:cTn>
-                                        <p:tgtEl>
-                                          <p:spTgt spid="25"/>
-                                        </p:tgtEl>
-                                        <p:attrNameLst>
-                                          <p:attrName>style.visibility</p:attrName>
-                                        </p:attrNameLst>
-                                      </p:cBhvr>
-                                      <p:to>
-                                        <p:strVal val="visible"/>
-                                      </p:to>
-                                    </p:set>
-                                  </p:childTnLst>
-                                </p:cTn>
-                              </p:par>
-                              <p:par>
-                                <p:cTn id="27" presetID="1" presetClass="entr" presetSubtype="0" fill="hold" nodeType="withEffect">
-                                  <p:stCondLst>
-                                    <p:cond delay="0"/>
-                                  </p:stCondLst>
-                                  <p:childTnLst>
-                                    <p:set>
-                                      <p:cBhvr>
-                                        <p:cTn id="28" dur="1" fill="hold">
-                                          <p:stCondLst>
-                                            <p:cond delay="0"/>
-                                          </p:stCondLst>
-                                        </p:cTn>
-                                        <p:tgtEl>
-                                          <p:spTgt spid="24"/>
-                                        </p:tgtEl>
-                                        <p:attrNameLst>
-                                          <p:attrName>style.visibility</p:attrName>
-                                        </p:attrNameLst>
-                                      </p:cBhvr>
-                                      <p:to>
-                                        <p:strVal val="visible"/>
-                                      </p:to>
-                                    </p:set>
-                                  </p:childTnLst>
-                                </p:cTn>
-                              </p:par>
-                            </p:childTnLst>
-                          </p:cTn>
-                        </p:par>
-                      </p:childTnLst>
-                    </p:cTn>
-                  </p:par>
-                  <p:par>
-                    <p:cTn id="29" fill="hold">
-                      <p:stCondLst>
-                        <p:cond delay="indefinite"/>
-                      </p:stCondLst>
-                      <p:childTnLst>
-                        <p:par>
-                          <p:cTn id="30" fill="hold">
-                            <p:stCondLst>
-                              <p:cond delay="0"/>
-                            </p:stCondLst>
-                            <p:childTnLst>
-                              <p:par>
-                                <p:cTn id="31" presetID="1" presetClass="entr" presetSubtype="0" fill="hold" nodeType="clickEffect">
-                                  <p:stCondLst>
-                                    <p:cond delay="0"/>
-                                  </p:stCondLst>
-                                  <p:childTnLst>
-                                    <p:set>
-                                      <p:cBhvr>
-                                        <p:cTn id="32" dur="1" fill="hold">
-                                          <p:stCondLst>
-                                            <p:cond delay="0"/>
-                                          </p:stCondLst>
-                                        </p:cTn>
-                                        <p:tgtEl>
-                                          <p:spTgt spid="27"/>
+                                          <p:spTgt spid="11"/>
                                         </p:tgtEl>
                                         <p:attrNameLst>
                                           <p:attrName>style.visibility</p:attrName>
@@ -20463,9 +20059,694 @@
       </p:par>
     </p:tnLst>
     <p:bldLst>
-      <p:bldP spid="9" grpId="0"/>
+      <p:bldP spid="25" grpId="0"/>
       <p:bldP spid="10" grpId="0"/>
+      <p:bldP spid="11" grpId="0"/>
+    </p:bldLst>
+  </p:timing>
+</p:sld>
+</file>
+
+<file path=ppt/slides/slide19.xml><?xml version="1.0" encoding="utf-8"?>
+<p:sld xmlns:a="http://schemas.openxmlformats.org/drawingml/2006/main" xmlns:r="http://schemas.openxmlformats.org/officeDocument/2006/relationships" xmlns:p="http://schemas.openxmlformats.org/presentationml/2006/main">
+  <p:cSld>
+    <p:spTree>
+      <p:nvGrpSpPr>
+        <p:cNvPr id="1" name=""/>
+        <p:cNvGrpSpPr/>
+        <p:nvPr/>
+      </p:nvGrpSpPr>
+      <p:grpSpPr>
+        <a:xfrm>
+          <a:off x="0" y="0"/>
+          <a:ext cx="0" cy="0"/>
+          <a:chOff x="0" y="0"/>
+          <a:chExt cx="0" cy="0"/>
+        </a:xfrm>
+      </p:grpSpPr>
+      <p:pic>
+        <p:nvPicPr>
+          <p:cNvPr id="5" name="Picture 4">
+            <a:extLst>
+              <a:ext uri="{FF2B5EF4-FFF2-40B4-BE49-F238E27FC236}">
+                <a16:creationId xmlns:a16="http://schemas.microsoft.com/office/drawing/2014/main" id="{D144E259-2958-3D61-5DC9-4984B4268748}"/>
+              </a:ext>
+            </a:extLst>
+          </p:cNvPr>
+          <p:cNvPicPr>
+            <a:picLocks noChangeAspect="1"/>
+          </p:cNvPicPr>
+          <p:nvPr/>
+        </p:nvPicPr>
+        <p:blipFill>
+          <a:blip r:embed="rId3"/>
+          <a:stretch>
+            <a:fillRect/>
+          </a:stretch>
+        </p:blipFill>
+        <p:spPr>
+          <a:xfrm>
+            <a:off x="6659302" y="1955064"/>
+            <a:ext cx="3736881" cy="2941662"/>
+          </a:xfrm>
+          <a:prstGeom prst="rect">
+            <a:avLst/>
+          </a:prstGeom>
+        </p:spPr>
+      </p:pic>
+      <p:sp>
+        <p:nvSpPr>
+          <p:cNvPr id="2" name="Title 1">
+            <a:extLst>
+              <a:ext uri="{FF2B5EF4-FFF2-40B4-BE49-F238E27FC236}">
+                <a16:creationId xmlns:a16="http://schemas.microsoft.com/office/drawing/2014/main" id="{4662EDDE-6B1A-D0AC-F9F2-C67719C36532}"/>
+              </a:ext>
+            </a:extLst>
+          </p:cNvPr>
+          <p:cNvSpPr>
+            <a:spLocks noGrp="1"/>
+          </p:cNvSpPr>
+          <p:nvPr>
+            <p:ph type="title"/>
+          </p:nvPr>
+        </p:nvSpPr>
+        <p:spPr>
+          <a:xfrm>
+            <a:off x="1520662" y="252034"/>
+            <a:ext cx="9753890" cy="409176"/>
+          </a:xfrm>
+        </p:spPr>
+        <p:txBody>
+          <a:bodyPr>
+            <a:normAutofit fontScale="90000"/>
+          </a:bodyPr>
+          <a:lstStyle/>
+          <a:p>
+            <a:r>
+              <a:rPr lang="pt-PT" i="1" dirty="0"/>
+              <a:t>Primeira Abordagem - Resultados por classe</a:t>
+            </a:r>
+          </a:p>
+        </p:txBody>
+      </p:sp>
+      <p:sp>
+        <p:nvSpPr>
+          <p:cNvPr id="4" name="Slide Number Placeholder 3">
+            <a:extLst>
+              <a:ext uri="{FF2B5EF4-FFF2-40B4-BE49-F238E27FC236}">
+                <a16:creationId xmlns:a16="http://schemas.microsoft.com/office/drawing/2014/main" id="{527C964F-E2D5-D8E7-C513-C47A7E409DF3}"/>
+              </a:ext>
+            </a:extLst>
+          </p:cNvPr>
+          <p:cNvSpPr>
+            <a:spLocks noGrp="1"/>
+          </p:cNvSpPr>
+          <p:nvPr>
+            <p:ph type="sldNum" sz="quarter" idx="15"/>
+          </p:nvPr>
+        </p:nvSpPr>
+        <p:spPr/>
+        <p:txBody>
+          <a:bodyPr/>
+          <a:lstStyle/>
+          <a:p>
+            <a:fld id="{18D65601-5AE2-46FC-B138-694DDD2B510D}" type="slidenum">
+              <a:rPr lang="en-US" sz="1800" smtClean="0"/>
+              <a:pPr/>
+              <a:t>19</a:t>
+            </a:fld>
+            <a:endParaRPr lang="en-US" sz="1800" dirty="0"/>
+          </a:p>
+        </p:txBody>
+      </p:sp>
+      <p:sp>
+        <p:nvSpPr>
+          <p:cNvPr id="6" name="Footer Placeholder 4">
+            <a:extLst>
+              <a:ext uri="{FF2B5EF4-FFF2-40B4-BE49-F238E27FC236}">
+                <a16:creationId xmlns:a16="http://schemas.microsoft.com/office/drawing/2014/main" id="{0D821BC6-79CF-66F1-F00C-E2213C505826}"/>
+              </a:ext>
+            </a:extLst>
+          </p:cNvPr>
+          <p:cNvSpPr txBox="1">
+            <a:spLocks/>
+          </p:cNvSpPr>
+          <p:nvPr/>
+        </p:nvSpPr>
+        <p:spPr>
+          <a:xfrm>
+            <a:off x="4038600" y="6333565"/>
+            <a:ext cx="4114800" cy="365125"/>
+          </a:xfrm>
+          <a:prstGeom prst="rect">
+            <a:avLst/>
+          </a:prstGeom>
+        </p:spPr>
+        <p:txBody>
+          <a:bodyPr vert="horz" lIns="91440" tIns="45720" rIns="91440" bIns="45720" rtlCol="0" anchor="ctr"/>
+          <a:lstStyle>
+            <a:defPPr>
+              <a:defRPr lang="en-US"/>
+            </a:defPPr>
+            <a:lvl1pPr marL="0" algn="ctr" defTabSz="914400" rtl="0" eaLnBrk="1" latinLnBrk="0" hangingPunct="1">
+              <a:defRPr sz="900" b="0" kern="1200" cap="all" spc="150" baseline="0">
+                <a:solidFill>
+                  <a:schemeClr val="bg2">
+                    <a:lumMod val="50000"/>
+                  </a:schemeClr>
+                </a:solidFill>
+                <a:latin typeface="Univers Light" panose="020B0403020202020204" pitchFamily="34" charset="0"/>
+                <a:ea typeface="+mn-ea"/>
+                <a:cs typeface="+mn-cs"/>
+              </a:defRPr>
+            </a:lvl1pPr>
+            <a:lvl2pPr marL="457200" algn="l" defTabSz="914400" rtl="0" eaLnBrk="1" latinLnBrk="0" hangingPunct="1">
+              <a:defRPr sz="1800" kern="1200">
+                <a:solidFill>
+                  <a:schemeClr val="tx1"/>
+                </a:solidFill>
+                <a:latin typeface="+mn-lt"/>
+                <a:ea typeface="+mn-ea"/>
+                <a:cs typeface="+mn-cs"/>
+              </a:defRPr>
+            </a:lvl2pPr>
+            <a:lvl3pPr marL="914400" algn="l" defTabSz="914400" rtl="0" eaLnBrk="1" latinLnBrk="0" hangingPunct="1">
+              <a:defRPr sz="1800" kern="1200">
+                <a:solidFill>
+                  <a:schemeClr val="tx1"/>
+                </a:solidFill>
+                <a:latin typeface="+mn-lt"/>
+                <a:ea typeface="+mn-ea"/>
+                <a:cs typeface="+mn-cs"/>
+              </a:defRPr>
+            </a:lvl3pPr>
+            <a:lvl4pPr marL="1371600" algn="l" defTabSz="914400" rtl="0" eaLnBrk="1" latinLnBrk="0" hangingPunct="1">
+              <a:defRPr sz="1800" kern="1200">
+                <a:solidFill>
+                  <a:schemeClr val="tx1"/>
+                </a:solidFill>
+                <a:latin typeface="+mn-lt"/>
+                <a:ea typeface="+mn-ea"/>
+                <a:cs typeface="+mn-cs"/>
+              </a:defRPr>
+            </a:lvl4pPr>
+            <a:lvl5pPr marL="1828800" algn="l" defTabSz="914400" rtl="0" eaLnBrk="1" latinLnBrk="0" hangingPunct="1">
+              <a:defRPr sz="1800" kern="1200">
+                <a:solidFill>
+                  <a:schemeClr val="tx1"/>
+                </a:solidFill>
+                <a:latin typeface="+mn-lt"/>
+                <a:ea typeface="+mn-ea"/>
+                <a:cs typeface="+mn-cs"/>
+              </a:defRPr>
+            </a:lvl5pPr>
+            <a:lvl6pPr marL="2286000" algn="l" defTabSz="914400" rtl="0" eaLnBrk="1" latinLnBrk="0" hangingPunct="1">
+              <a:defRPr sz="1800" kern="1200">
+                <a:solidFill>
+                  <a:schemeClr val="tx1"/>
+                </a:solidFill>
+                <a:latin typeface="+mn-lt"/>
+                <a:ea typeface="+mn-ea"/>
+                <a:cs typeface="+mn-cs"/>
+              </a:defRPr>
+            </a:lvl6pPr>
+            <a:lvl7pPr marL="2743200" algn="l" defTabSz="914400" rtl="0" eaLnBrk="1" latinLnBrk="0" hangingPunct="1">
+              <a:defRPr sz="1800" kern="1200">
+                <a:solidFill>
+                  <a:schemeClr val="tx1"/>
+                </a:solidFill>
+                <a:latin typeface="+mn-lt"/>
+                <a:ea typeface="+mn-ea"/>
+                <a:cs typeface="+mn-cs"/>
+              </a:defRPr>
+            </a:lvl7pPr>
+            <a:lvl8pPr marL="3200400" algn="l" defTabSz="914400" rtl="0" eaLnBrk="1" latinLnBrk="0" hangingPunct="1">
+              <a:defRPr sz="1800" kern="1200">
+                <a:solidFill>
+                  <a:schemeClr val="tx1"/>
+                </a:solidFill>
+                <a:latin typeface="+mn-lt"/>
+                <a:ea typeface="+mn-ea"/>
+                <a:cs typeface="+mn-cs"/>
+              </a:defRPr>
+            </a:lvl8pPr>
+            <a:lvl9pPr marL="3657600" algn="l" defTabSz="914400" rtl="0" eaLnBrk="1" latinLnBrk="0" hangingPunct="1">
+              <a:defRPr sz="1800" kern="1200">
+                <a:solidFill>
+                  <a:schemeClr val="tx1"/>
+                </a:solidFill>
+                <a:latin typeface="+mn-lt"/>
+                <a:ea typeface="+mn-ea"/>
+                <a:cs typeface="+mn-cs"/>
+              </a:defRPr>
+            </a:lvl9pPr>
+          </a:lstStyle>
+          <a:p>
+            <a:pPr>
+              <a:lnSpc>
+                <a:spcPct val="150000"/>
+              </a:lnSpc>
+            </a:pPr>
+            <a:r>
+              <a:rPr lang="pt-PT" sz="800" dirty="0"/>
+              <a:t>Ai driving classification</a:t>
+            </a:r>
+          </a:p>
+          <a:p>
+            <a:pPr>
+              <a:lnSpc>
+                <a:spcPct val="150000"/>
+              </a:lnSpc>
+            </a:pPr>
+            <a:r>
+              <a:rPr lang="pt-PT" sz="800" dirty="0"/>
+              <a:t>Alberto pingo | joão castro</a:t>
+            </a:r>
+          </a:p>
+        </p:txBody>
+      </p:sp>
+      <p:pic>
+        <p:nvPicPr>
+          <p:cNvPr id="7" name="Picture 6" descr="A black background with a black square&#10;&#10;Description automatically generated with medium confidence">
+            <a:extLst>
+              <a:ext uri="{FF2B5EF4-FFF2-40B4-BE49-F238E27FC236}">
+                <a16:creationId xmlns:a16="http://schemas.microsoft.com/office/drawing/2014/main" id="{05200A96-EEA7-9B7D-506A-BF4FE113C176}"/>
+              </a:ext>
+            </a:extLst>
+          </p:cNvPr>
+          <p:cNvPicPr>
+            <a:picLocks noChangeAspect="1"/>
+          </p:cNvPicPr>
+          <p:nvPr/>
+        </p:nvPicPr>
+        <p:blipFill>
+          <a:blip r:embed="rId4">
+            <a:alphaModFix amt="70000"/>
+            <a:extLst>
+              <a:ext uri="{28A0092B-C50C-407E-A947-70E740481C1C}">
+                <a14:useLocalDpi xmlns:a14="http://schemas.microsoft.com/office/drawing/2010/main" val="0"/>
+              </a:ext>
+            </a:extLst>
+          </a:blip>
+          <a:stretch>
+            <a:fillRect/>
+          </a:stretch>
+        </p:blipFill>
+        <p:spPr>
+          <a:xfrm>
+            <a:off x="10582445" y="5985436"/>
+            <a:ext cx="1441915" cy="568239"/>
+          </a:xfrm>
+          <a:prstGeom prst="rect">
+            <a:avLst/>
+          </a:prstGeom>
+        </p:spPr>
+      </p:pic>
+      <p:sp>
+        <p:nvSpPr>
+          <p:cNvPr id="25" name="Title 6">
+            <a:extLst>
+              <a:ext uri="{FF2B5EF4-FFF2-40B4-BE49-F238E27FC236}">
+                <a16:creationId xmlns:a16="http://schemas.microsoft.com/office/drawing/2014/main" id="{C5E63A83-65CD-01EE-3C55-D453F19C5A97}"/>
+              </a:ext>
+            </a:extLst>
+          </p:cNvPr>
+          <p:cNvSpPr txBox="1">
+            <a:spLocks/>
+          </p:cNvSpPr>
+          <p:nvPr/>
+        </p:nvSpPr>
+        <p:spPr>
+          <a:xfrm>
+            <a:off x="4882392" y="1248624"/>
+            <a:ext cx="2427215" cy="504310"/>
+          </a:xfrm>
+          <a:prstGeom prst="rect">
+            <a:avLst/>
+          </a:prstGeom>
+        </p:spPr>
+        <p:txBody>
+          <a:bodyPr vert="horz" lIns="0" tIns="45720" rIns="91440" bIns="45720" rtlCol="0" anchor="ctr">
+            <a:noAutofit/>
+          </a:bodyPr>
+          <a:lstStyle>
+            <a:lvl1pPr algn="l" defTabSz="914400" rtl="0" eaLnBrk="1" latinLnBrk="0" hangingPunct="1">
+              <a:lnSpc>
+                <a:spcPct val="90000"/>
+              </a:lnSpc>
+              <a:spcBef>
+                <a:spcPct val="0"/>
+              </a:spcBef>
+              <a:buNone/>
+              <a:defRPr sz="3600" kern="1200">
+                <a:solidFill>
+                  <a:schemeClr val="tx1"/>
+                </a:solidFill>
+                <a:latin typeface="+mj-lt"/>
+                <a:ea typeface="+mj-ea"/>
+                <a:cs typeface="+mj-cs"/>
+              </a:defRPr>
+            </a:lvl1pPr>
+          </a:lstStyle>
+          <a:p>
+            <a:pPr algn="ctr"/>
+            <a:r>
+              <a:rPr lang="pt-PT" sz="2000" b="1" i="1" dirty="0">
+                <a:latin typeface="Univers Light (Body)"/>
+                <a:cs typeface="Arial" panose="020B0604020202020204" pitchFamily="34" charset="0"/>
+              </a:rPr>
+              <a:t>Bidirectional</a:t>
+            </a:r>
+            <a:r>
+              <a:rPr lang="pt-PT" sz="2000" b="1" dirty="0">
+                <a:latin typeface="Univers Light (Body)"/>
+                <a:cs typeface="Arial" panose="020B0604020202020204" pitchFamily="34" charset="0"/>
+              </a:rPr>
+              <a:t> LSTM</a:t>
+            </a:r>
+            <a:endParaRPr lang="en-US" sz="2000" b="1" dirty="0">
+              <a:latin typeface="Univers Light (Body)"/>
+              <a:cs typeface="Arial" panose="020B0604020202020204" pitchFamily="34" charset="0"/>
+            </a:endParaRPr>
+          </a:p>
+        </p:txBody>
+      </p:sp>
+      <p:pic>
+        <p:nvPicPr>
+          <p:cNvPr id="3" name="Picture 2" descr="A green squares with white text&#10;&#10;Description automatically generated">
+            <a:extLst>
+              <a:ext uri="{FF2B5EF4-FFF2-40B4-BE49-F238E27FC236}">
+                <a16:creationId xmlns:a16="http://schemas.microsoft.com/office/drawing/2014/main" id="{746C9326-5E57-EB60-C45E-018BC3AB8826}"/>
+              </a:ext>
+            </a:extLst>
+          </p:cNvPr>
+          <p:cNvPicPr>
+            <a:picLocks noChangeAspect="1"/>
+          </p:cNvPicPr>
+          <p:nvPr/>
+        </p:nvPicPr>
+        <p:blipFill>
+          <a:blip r:embed="rId5"/>
+          <a:stretch>
+            <a:fillRect/>
+          </a:stretch>
+        </p:blipFill>
+        <p:spPr>
+          <a:xfrm>
+            <a:off x="1520662" y="1955064"/>
+            <a:ext cx="4254496" cy="2947872"/>
+          </a:xfrm>
+          <a:prstGeom prst="rect">
+            <a:avLst/>
+          </a:prstGeom>
+        </p:spPr>
+      </p:pic>
+      <p:sp>
+        <p:nvSpPr>
+          <p:cNvPr id="8" name="TextBox 7">
+            <a:extLst>
+              <a:ext uri="{FF2B5EF4-FFF2-40B4-BE49-F238E27FC236}">
+                <a16:creationId xmlns:a16="http://schemas.microsoft.com/office/drawing/2014/main" id="{2EC133DB-ED9A-C27E-D422-931E3905FACF}"/>
+              </a:ext>
+            </a:extLst>
+          </p:cNvPr>
+          <p:cNvSpPr txBox="1"/>
+          <p:nvPr/>
+        </p:nvSpPr>
+        <p:spPr>
+          <a:xfrm>
+            <a:off x="1520662" y="4902936"/>
+            <a:ext cx="4254496" cy="246221"/>
+          </a:xfrm>
+          <a:prstGeom prst="rect">
+            <a:avLst/>
+          </a:prstGeom>
+          <a:noFill/>
+        </p:spPr>
+        <p:txBody>
+          <a:bodyPr wrap="square" rtlCol="0">
+            <a:spAutoFit/>
+          </a:bodyPr>
+          <a:lstStyle/>
+          <a:p>
+            <a:pPr algn="ctr"/>
+            <a:r>
+              <a:rPr lang="pt-PT" sz="1000" dirty="0"/>
+              <a:t>Matriz de Confusão Agregada- Bidirectional LSTM (1A).</a:t>
+            </a:r>
+          </a:p>
+        </p:txBody>
+      </p:sp>
+      <p:sp>
+        <p:nvSpPr>
+          <p:cNvPr id="11" name="TextBox 10">
+            <a:extLst>
+              <a:ext uri="{FF2B5EF4-FFF2-40B4-BE49-F238E27FC236}">
+                <a16:creationId xmlns:a16="http://schemas.microsoft.com/office/drawing/2014/main" id="{BC628573-53B1-67D4-E1C4-B1D28F951EBD}"/>
+              </a:ext>
+            </a:extLst>
+          </p:cNvPr>
+          <p:cNvSpPr txBox="1"/>
+          <p:nvPr/>
+        </p:nvSpPr>
+        <p:spPr>
+          <a:xfrm>
+            <a:off x="6659302" y="4902935"/>
+            <a:ext cx="3736881" cy="246221"/>
+          </a:xfrm>
+          <a:prstGeom prst="rect">
+            <a:avLst/>
+          </a:prstGeom>
+          <a:noFill/>
+        </p:spPr>
+        <p:txBody>
+          <a:bodyPr wrap="square" rtlCol="0">
+            <a:spAutoFit/>
+          </a:bodyPr>
+          <a:lstStyle/>
+          <a:p>
+            <a:pPr algn="ctr"/>
+            <a:r>
+              <a:rPr lang="pt-PT" sz="1000" dirty="0"/>
+              <a:t>Curvas ROC - Bidirectional LSTM (1A).</a:t>
+            </a:r>
+          </a:p>
+        </p:txBody>
+      </p:sp>
+    </p:spTree>
+    <p:extLst>
+      <p:ext uri="{BB962C8B-B14F-4D97-AF65-F5344CB8AC3E}">
+        <p14:creationId xmlns:p14="http://schemas.microsoft.com/office/powerpoint/2010/main" val="1628099069"/>
+      </p:ext>
+    </p:extLst>
+  </p:cSld>
+  <p:clrMapOvr>
+    <a:masterClrMapping/>
+  </p:clrMapOvr>
+  <p:timing>
+    <p:tnLst>
+      <p:par>
+        <p:cTn id="1" dur="indefinite" restart="never" nodeType="tmRoot">
+          <p:childTnLst>
+            <p:seq concurrent="1" nextAc="seek">
+              <p:cTn id="2" dur="indefinite" nodeType="mainSeq">
+                <p:childTnLst>
+                  <p:par>
+                    <p:cTn id="3" fill="hold">
+                      <p:stCondLst>
+                        <p:cond delay="indefinite"/>
+                      </p:stCondLst>
+                      <p:childTnLst>
+                        <p:par>
+                          <p:cTn id="4" fill="hold">
+                            <p:stCondLst>
+                              <p:cond delay="0"/>
+                            </p:stCondLst>
+                            <p:childTnLst>
+                              <p:par>
+                                <p:cTn id="5" presetID="1" presetClass="entr" presetSubtype="0" fill="hold" grpId="0" nodeType="clickEffect">
+                                  <p:stCondLst>
+                                    <p:cond delay="0"/>
+                                  </p:stCondLst>
+                                  <p:childTnLst>
+                                    <p:set>
+                                      <p:cBhvr>
+                                        <p:cTn id="6" dur="1" fill="hold">
+                                          <p:stCondLst>
+                                            <p:cond delay="0"/>
+                                          </p:stCondLst>
+                                        </p:cTn>
+                                        <p:tgtEl>
+                                          <p:spTgt spid="25"/>
+                                        </p:tgtEl>
+                                        <p:attrNameLst>
+                                          <p:attrName>style.visibility</p:attrName>
+                                        </p:attrNameLst>
+                                      </p:cBhvr>
+                                      <p:to>
+                                        <p:strVal val="visible"/>
+                                      </p:to>
+                                    </p:set>
+                                  </p:childTnLst>
+                                </p:cTn>
+                              </p:par>
+                              <p:par>
+                                <p:cTn id="7" presetID="1" presetClass="entr" presetSubtype="0" fill="hold" nodeType="withEffect">
+                                  <p:stCondLst>
+                                    <p:cond delay="0"/>
+                                  </p:stCondLst>
+                                  <p:childTnLst>
+                                    <p:set>
+                                      <p:cBhvr>
+                                        <p:cTn id="8" dur="1" fill="hold">
+                                          <p:stCondLst>
+                                            <p:cond delay="0"/>
+                                          </p:stCondLst>
+                                        </p:cTn>
+                                        <p:tgtEl>
+                                          <p:spTgt spid="3"/>
+                                        </p:tgtEl>
+                                        <p:attrNameLst>
+                                          <p:attrName>style.visibility</p:attrName>
+                                        </p:attrNameLst>
+                                      </p:cBhvr>
+                                      <p:to>
+                                        <p:strVal val="visible"/>
+                                      </p:to>
+                                    </p:set>
+                                  </p:childTnLst>
+                                </p:cTn>
+                              </p:par>
+                              <p:par>
+                                <p:cTn id="9" presetID="1" presetClass="entr" presetSubtype="0" fill="hold" grpId="0" nodeType="withEffect">
+                                  <p:stCondLst>
+                                    <p:cond delay="0"/>
+                                  </p:stCondLst>
+                                  <p:childTnLst>
+                                    <p:set>
+                                      <p:cBhvr>
+                                        <p:cTn id="10" dur="1" fill="hold">
+                                          <p:stCondLst>
+                                            <p:cond delay="0"/>
+                                          </p:stCondLst>
+                                        </p:cTn>
+                                        <p:tgtEl>
+                                          <p:spTgt spid="8"/>
+                                        </p:tgtEl>
+                                        <p:attrNameLst>
+                                          <p:attrName>style.visibility</p:attrName>
+                                        </p:attrNameLst>
+                                      </p:cBhvr>
+                                      <p:to>
+                                        <p:strVal val="visible"/>
+                                      </p:to>
+                                    </p:set>
+                                  </p:childTnLst>
+                                </p:cTn>
+                              </p:par>
+                            </p:childTnLst>
+                          </p:cTn>
+                        </p:par>
+                      </p:childTnLst>
+                    </p:cTn>
+                  </p:par>
+                  <p:par>
+                    <p:cTn id="11" fill="hold">
+                      <p:stCondLst>
+                        <p:cond delay="indefinite"/>
+                      </p:stCondLst>
+                      <p:childTnLst>
+                        <p:par>
+                          <p:cTn id="12" fill="hold">
+                            <p:stCondLst>
+                              <p:cond delay="0"/>
+                            </p:stCondLst>
+                            <p:childTnLst>
+                              <p:par>
+                                <p:cTn id="13" presetID="1" presetClass="entr" presetSubtype="0" fill="hold" nodeType="clickEffect">
+                                  <p:stCondLst>
+                                    <p:cond delay="0"/>
+                                  </p:stCondLst>
+                                  <p:childTnLst>
+                                    <p:set>
+                                      <p:cBhvr>
+                                        <p:cTn id="14" dur="1" fill="hold">
+                                          <p:stCondLst>
+                                            <p:cond delay="0"/>
+                                          </p:stCondLst>
+                                        </p:cTn>
+                                        <p:tgtEl>
+                                          <p:spTgt spid="5"/>
+                                        </p:tgtEl>
+                                        <p:attrNameLst>
+                                          <p:attrName>style.visibility</p:attrName>
+                                        </p:attrNameLst>
+                                      </p:cBhvr>
+                                      <p:to>
+                                        <p:strVal val="visible"/>
+                                      </p:to>
+                                    </p:set>
+                                  </p:childTnLst>
+                                </p:cTn>
+                              </p:par>
+                              <p:par>
+                                <p:cTn id="15" presetID="1" presetClass="entr" presetSubtype="0" fill="hold" grpId="0" nodeType="withEffect">
+                                  <p:stCondLst>
+                                    <p:cond delay="0"/>
+                                  </p:stCondLst>
+                                  <p:childTnLst>
+                                    <p:set>
+                                      <p:cBhvr>
+                                        <p:cTn id="16" dur="1" fill="hold">
+                                          <p:stCondLst>
+                                            <p:cond delay="0"/>
+                                          </p:stCondLst>
+                                        </p:cTn>
+                                        <p:tgtEl>
+                                          <p:spTgt spid="11"/>
+                                        </p:tgtEl>
+                                        <p:attrNameLst>
+                                          <p:attrName>style.visibility</p:attrName>
+                                        </p:attrNameLst>
+                                      </p:cBhvr>
+                                      <p:to>
+                                        <p:strVal val="visible"/>
+                                      </p:to>
+                                    </p:set>
+                                  </p:childTnLst>
+                                </p:cTn>
+                              </p:par>
+                            </p:childTnLst>
+                          </p:cTn>
+                        </p:par>
+                      </p:childTnLst>
+                    </p:cTn>
+                  </p:par>
+                </p:childTnLst>
+              </p:cTn>
+              <p:prevCondLst>
+                <p:cond evt="onPrev" delay="0">
+                  <p:tgtEl>
+                    <p:sldTgt/>
+                  </p:tgtEl>
+                </p:cond>
+              </p:prevCondLst>
+              <p:nextCondLst>
+                <p:cond evt="onNext" delay="0">
+                  <p:tgtEl>
+                    <p:sldTgt/>
+                  </p:tgtEl>
+                </p:cond>
+              </p:nextCondLst>
+            </p:seq>
+          </p:childTnLst>
+        </p:cTn>
+      </p:par>
+    </p:tnLst>
+    <p:bldLst>
       <p:bldP spid="25" grpId="0"/>
+      <p:bldP spid="8" grpId="0"/>
+      <p:bldP spid="11" grpId="0"/>
     </p:bldLst>
   </p:timing>
 </p:sld>
@@ -21370,6 +21651,1768 @@
 <file path=ppt/slides/slide20.xml><?xml version="1.0" encoding="utf-8"?>
 <p:sld xmlns:a="http://schemas.openxmlformats.org/drawingml/2006/main" xmlns:r="http://schemas.openxmlformats.org/officeDocument/2006/relationships" xmlns:p="http://schemas.openxmlformats.org/presentationml/2006/main">
   <p:cSld>
+    <p:spTree>
+      <p:nvGrpSpPr>
+        <p:cNvPr id="1" name=""/>
+        <p:cNvGrpSpPr/>
+        <p:nvPr/>
+      </p:nvGrpSpPr>
+      <p:grpSpPr>
+        <a:xfrm>
+          <a:off x="0" y="0"/>
+          <a:ext cx="0" cy="0"/>
+          <a:chOff x="0" y="0"/>
+          <a:chExt cx="0" cy="0"/>
+        </a:xfrm>
+      </p:grpSpPr>
+      <p:sp>
+        <p:nvSpPr>
+          <p:cNvPr id="2" name="Title 1">
+            <a:extLst>
+              <a:ext uri="{FF2B5EF4-FFF2-40B4-BE49-F238E27FC236}">
+                <a16:creationId xmlns:a16="http://schemas.microsoft.com/office/drawing/2014/main" id="{4662EDDE-6B1A-D0AC-F9F2-C67719C36532}"/>
+              </a:ext>
+            </a:extLst>
+          </p:cNvPr>
+          <p:cNvSpPr>
+            <a:spLocks noGrp="1"/>
+          </p:cNvSpPr>
+          <p:nvPr>
+            <p:ph type="title"/>
+          </p:nvPr>
+        </p:nvSpPr>
+        <p:spPr>
+          <a:xfrm>
+            <a:off x="1520662" y="252034"/>
+            <a:ext cx="9753890" cy="409176"/>
+          </a:xfrm>
+        </p:spPr>
+        <p:txBody>
+          <a:bodyPr>
+            <a:normAutofit fontScale="90000"/>
+          </a:bodyPr>
+          <a:lstStyle/>
+          <a:p>
+            <a:r>
+              <a:rPr lang="pt-PT" i="1" dirty="0"/>
+              <a:t>Primeira Abordagem - Resultados por classe</a:t>
+            </a:r>
+          </a:p>
+        </p:txBody>
+      </p:sp>
+      <p:sp>
+        <p:nvSpPr>
+          <p:cNvPr id="4" name="Slide Number Placeholder 3">
+            <a:extLst>
+              <a:ext uri="{FF2B5EF4-FFF2-40B4-BE49-F238E27FC236}">
+                <a16:creationId xmlns:a16="http://schemas.microsoft.com/office/drawing/2014/main" id="{527C964F-E2D5-D8E7-C513-C47A7E409DF3}"/>
+              </a:ext>
+            </a:extLst>
+          </p:cNvPr>
+          <p:cNvSpPr>
+            <a:spLocks noGrp="1"/>
+          </p:cNvSpPr>
+          <p:nvPr>
+            <p:ph type="sldNum" sz="quarter" idx="15"/>
+          </p:nvPr>
+        </p:nvSpPr>
+        <p:spPr/>
+        <p:txBody>
+          <a:bodyPr/>
+          <a:lstStyle/>
+          <a:p>
+            <a:fld id="{18D65601-5AE2-46FC-B138-694DDD2B510D}" type="slidenum">
+              <a:rPr lang="en-US" sz="1800" smtClean="0"/>
+              <a:pPr/>
+              <a:t>20</a:t>
+            </a:fld>
+            <a:endParaRPr lang="en-US" sz="1800" dirty="0"/>
+          </a:p>
+        </p:txBody>
+      </p:sp>
+      <p:sp>
+        <p:nvSpPr>
+          <p:cNvPr id="6" name="Footer Placeholder 4">
+            <a:extLst>
+              <a:ext uri="{FF2B5EF4-FFF2-40B4-BE49-F238E27FC236}">
+                <a16:creationId xmlns:a16="http://schemas.microsoft.com/office/drawing/2014/main" id="{0D821BC6-79CF-66F1-F00C-E2213C505826}"/>
+              </a:ext>
+            </a:extLst>
+          </p:cNvPr>
+          <p:cNvSpPr txBox="1">
+            <a:spLocks/>
+          </p:cNvSpPr>
+          <p:nvPr/>
+        </p:nvSpPr>
+        <p:spPr>
+          <a:xfrm>
+            <a:off x="4038600" y="6333565"/>
+            <a:ext cx="4114800" cy="365125"/>
+          </a:xfrm>
+          <a:prstGeom prst="rect">
+            <a:avLst/>
+          </a:prstGeom>
+        </p:spPr>
+        <p:txBody>
+          <a:bodyPr vert="horz" lIns="91440" tIns="45720" rIns="91440" bIns="45720" rtlCol="0" anchor="ctr"/>
+          <a:lstStyle>
+            <a:defPPr>
+              <a:defRPr lang="en-US"/>
+            </a:defPPr>
+            <a:lvl1pPr marL="0" algn="ctr" defTabSz="914400" rtl="0" eaLnBrk="1" latinLnBrk="0" hangingPunct="1">
+              <a:defRPr sz="900" b="0" kern="1200" cap="all" spc="150" baseline="0">
+                <a:solidFill>
+                  <a:schemeClr val="bg2">
+                    <a:lumMod val="50000"/>
+                  </a:schemeClr>
+                </a:solidFill>
+                <a:latin typeface="Univers Light" panose="020B0403020202020204" pitchFamily="34" charset="0"/>
+                <a:ea typeface="+mn-ea"/>
+                <a:cs typeface="+mn-cs"/>
+              </a:defRPr>
+            </a:lvl1pPr>
+            <a:lvl2pPr marL="457200" algn="l" defTabSz="914400" rtl="0" eaLnBrk="1" latinLnBrk="0" hangingPunct="1">
+              <a:defRPr sz="1800" kern="1200">
+                <a:solidFill>
+                  <a:schemeClr val="tx1"/>
+                </a:solidFill>
+                <a:latin typeface="+mn-lt"/>
+                <a:ea typeface="+mn-ea"/>
+                <a:cs typeface="+mn-cs"/>
+              </a:defRPr>
+            </a:lvl2pPr>
+            <a:lvl3pPr marL="914400" algn="l" defTabSz="914400" rtl="0" eaLnBrk="1" latinLnBrk="0" hangingPunct="1">
+              <a:defRPr sz="1800" kern="1200">
+                <a:solidFill>
+                  <a:schemeClr val="tx1"/>
+                </a:solidFill>
+                <a:latin typeface="+mn-lt"/>
+                <a:ea typeface="+mn-ea"/>
+                <a:cs typeface="+mn-cs"/>
+              </a:defRPr>
+            </a:lvl3pPr>
+            <a:lvl4pPr marL="1371600" algn="l" defTabSz="914400" rtl="0" eaLnBrk="1" latinLnBrk="0" hangingPunct="1">
+              <a:defRPr sz="1800" kern="1200">
+                <a:solidFill>
+                  <a:schemeClr val="tx1"/>
+                </a:solidFill>
+                <a:latin typeface="+mn-lt"/>
+                <a:ea typeface="+mn-ea"/>
+                <a:cs typeface="+mn-cs"/>
+              </a:defRPr>
+            </a:lvl4pPr>
+            <a:lvl5pPr marL="1828800" algn="l" defTabSz="914400" rtl="0" eaLnBrk="1" latinLnBrk="0" hangingPunct="1">
+              <a:defRPr sz="1800" kern="1200">
+                <a:solidFill>
+                  <a:schemeClr val="tx1"/>
+                </a:solidFill>
+                <a:latin typeface="+mn-lt"/>
+                <a:ea typeface="+mn-ea"/>
+                <a:cs typeface="+mn-cs"/>
+              </a:defRPr>
+            </a:lvl5pPr>
+            <a:lvl6pPr marL="2286000" algn="l" defTabSz="914400" rtl="0" eaLnBrk="1" latinLnBrk="0" hangingPunct="1">
+              <a:defRPr sz="1800" kern="1200">
+                <a:solidFill>
+                  <a:schemeClr val="tx1"/>
+                </a:solidFill>
+                <a:latin typeface="+mn-lt"/>
+                <a:ea typeface="+mn-ea"/>
+                <a:cs typeface="+mn-cs"/>
+              </a:defRPr>
+            </a:lvl6pPr>
+            <a:lvl7pPr marL="2743200" algn="l" defTabSz="914400" rtl="0" eaLnBrk="1" latinLnBrk="0" hangingPunct="1">
+              <a:defRPr sz="1800" kern="1200">
+                <a:solidFill>
+                  <a:schemeClr val="tx1"/>
+                </a:solidFill>
+                <a:latin typeface="+mn-lt"/>
+                <a:ea typeface="+mn-ea"/>
+                <a:cs typeface="+mn-cs"/>
+              </a:defRPr>
+            </a:lvl7pPr>
+            <a:lvl8pPr marL="3200400" algn="l" defTabSz="914400" rtl="0" eaLnBrk="1" latinLnBrk="0" hangingPunct="1">
+              <a:defRPr sz="1800" kern="1200">
+                <a:solidFill>
+                  <a:schemeClr val="tx1"/>
+                </a:solidFill>
+                <a:latin typeface="+mn-lt"/>
+                <a:ea typeface="+mn-ea"/>
+                <a:cs typeface="+mn-cs"/>
+              </a:defRPr>
+            </a:lvl8pPr>
+            <a:lvl9pPr marL="3657600" algn="l" defTabSz="914400" rtl="0" eaLnBrk="1" latinLnBrk="0" hangingPunct="1">
+              <a:defRPr sz="1800" kern="1200">
+                <a:solidFill>
+                  <a:schemeClr val="tx1"/>
+                </a:solidFill>
+                <a:latin typeface="+mn-lt"/>
+                <a:ea typeface="+mn-ea"/>
+                <a:cs typeface="+mn-cs"/>
+              </a:defRPr>
+            </a:lvl9pPr>
+          </a:lstStyle>
+          <a:p>
+            <a:pPr>
+              <a:lnSpc>
+                <a:spcPct val="150000"/>
+              </a:lnSpc>
+            </a:pPr>
+            <a:r>
+              <a:rPr lang="pt-PT" sz="800" dirty="0"/>
+              <a:t>Ai driving classification</a:t>
+            </a:r>
+          </a:p>
+          <a:p>
+            <a:pPr>
+              <a:lnSpc>
+                <a:spcPct val="150000"/>
+              </a:lnSpc>
+            </a:pPr>
+            <a:r>
+              <a:rPr lang="pt-PT" sz="800" dirty="0"/>
+              <a:t>Alberto pingo | joão castro</a:t>
+            </a:r>
+          </a:p>
+        </p:txBody>
+      </p:sp>
+      <p:pic>
+        <p:nvPicPr>
+          <p:cNvPr id="7" name="Picture 6" descr="A black background with a black square&#10;&#10;Description automatically generated with medium confidence">
+            <a:extLst>
+              <a:ext uri="{FF2B5EF4-FFF2-40B4-BE49-F238E27FC236}">
+                <a16:creationId xmlns:a16="http://schemas.microsoft.com/office/drawing/2014/main" id="{05200A96-EEA7-9B7D-506A-BF4FE113C176}"/>
+              </a:ext>
+            </a:extLst>
+          </p:cNvPr>
+          <p:cNvPicPr>
+            <a:picLocks noChangeAspect="1"/>
+          </p:cNvPicPr>
+          <p:nvPr/>
+        </p:nvPicPr>
+        <p:blipFill>
+          <a:blip r:embed="rId3">
+            <a:alphaModFix amt="70000"/>
+            <a:extLst>
+              <a:ext uri="{28A0092B-C50C-407E-A947-70E740481C1C}">
+                <a14:useLocalDpi xmlns:a14="http://schemas.microsoft.com/office/drawing/2010/main" val="0"/>
+              </a:ext>
+            </a:extLst>
+          </a:blip>
+          <a:stretch>
+            <a:fillRect/>
+          </a:stretch>
+        </p:blipFill>
+        <p:spPr>
+          <a:xfrm>
+            <a:off x="10582445" y="5985436"/>
+            <a:ext cx="1441915" cy="568239"/>
+          </a:xfrm>
+          <a:prstGeom prst="rect">
+            <a:avLst/>
+          </a:prstGeom>
+        </p:spPr>
+      </p:pic>
+      <p:pic>
+        <p:nvPicPr>
+          <p:cNvPr id="24" name="Picture 23">
+            <a:extLst>
+              <a:ext uri="{FF2B5EF4-FFF2-40B4-BE49-F238E27FC236}">
+                <a16:creationId xmlns:a16="http://schemas.microsoft.com/office/drawing/2014/main" id="{098464E5-0BF0-EEB8-22B6-285BD33E50A3}"/>
+              </a:ext>
+            </a:extLst>
+          </p:cNvPr>
+          <p:cNvPicPr>
+            <a:picLocks noChangeAspect="1"/>
+          </p:cNvPicPr>
+          <p:nvPr/>
+        </p:nvPicPr>
+        <p:blipFill>
+          <a:blip r:embed="rId4"/>
+          <a:stretch>
+            <a:fillRect/>
+          </a:stretch>
+        </p:blipFill>
+        <p:spPr>
+          <a:xfrm>
+            <a:off x="1520662" y="1958169"/>
+            <a:ext cx="4012038" cy="2941662"/>
+          </a:xfrm>
+          <a:prstGeom prst="rect">
+            <a:avLst/>
+          </a:prstGeom>
+        </p:spPr>
+      </p:pic>
+      <p:pic>
+        <p:nvPicPr>
+          <p:cNvPr id="27" name="Picture 26">
+            <a:extLst>
+              <a:ext uri="{FF2B5EF4-FFF2-40B4-BE49-F238E27FC236}">
+                <a16:creationId xmlns:a16="http://schemas.microsoft.com/office/drawing/2014/main" id="{2267C447-47EA-C79C-468C-D8A47DEA8D72}"/>
+              </a:ext>
+            </a:extLst>
+          </p:cNvPr>
+          <p:cNvPicPr>
+            <a:picLocks noChangeAspect="1"/>
+          </p:cNvPicPr>
+          <p:nvPr/>
+        </p:nvPicPr>
+        <p:blipFill>
+          <a:blip r:embed="rId5"/>
+          <a:stretch>
+            <a:fillRect/>
+          </a:stretch>
+        </p:blipFill>
+        <p:spPr>
+          <a:xfrm>
+            <a:off x="6659302" y="1958169"/>
+            <a:ext cx="3736881" cy="2941662"/>
+          </a:xfrm>
+          <a:prstGeom prst="rect">
+            <a:avLst/>
+          </a:prstGeom>
+        </p:spPr>
+      </p:pic>
+      <p:sp>
+        <p:nvSpPr>
+          <p:cNvPr id="3" name="Title 6">
+            <a:extLst>
+              <a:ext uri="{FF2B5EF4-FFF2-40B4-BE49-F238E27FC236}">
+                <a16:creationId xmlns:a16="http://schemas.microsoft.com/office/drawing/2014/main" id="{AA5708BC-0588-4BBF-F6F7-1AE083BC5E66}"/>
+              </a:ext>
+            </a:extLst>
+          </p:cNvPr>
+          <p:cNvSpPr txBox="1">
+            <a:spLocks/>
+          </p:cNvSpPr>
+          <p:nvPr/>
+        </p:nvSpPr>
+        <p:spPr>
+          <a:xfrm>
+            <a:off x="4882392" y="1248624"/>
+            <a:ext cx="2427215" cy="504310"/>
+          </a:xfrm>
+          <a:prstGeom prst="rect">
+            <a:avLst/>
+          </a:prstGeom>
+        </p:spPr>
+        <p:txBody>
+          <a:bodyPr vert="horz" lIns="0" tIns="45720" rIns="91440" bIns="45720" rtlCol="0" anchor="ctr">
+            <a:noAutofit/>
+          </a:bodyPr>
+          <a:lstStyle>
+            <a:lvl1pPr algn="l" defTabSz="914400" rtl="0" eaLnBrk="1" latinLnBrk="0" hangingPunct="1">
+              <a:lnSpc>
+                <a:spcPct val="90000"/>
+              </a:lnSpc>
+              <a:spcBef>
+                <a:spcPct val="0"/>
+              </a:spcBef>
+              <a:buNone/>
+              <a:defRPr sz="3600" kern="1200">
+                <a:solidFill>
+                  <a:schemeClr val="tx1"/>
+                </a:solidFill>
+                <a:latin typeface="+mj-lt"/>
+                <a:ea typeface="+mj-ea"/>
+                <a:cs typeface="+mj-cs"/>
+              </a:defRPr>
+            </a:lvl1pPr>
+          </a:lstStyle>
+          <a:p>
+            <a:pPr algn="ctr"/>
+            <a:r>
+              <a:rPr lang="pt-PT" sz="2000" b="1" i="1" dirty="0" err="1">
+                <a:latin typeface="Univers Light (Body)"/>
+                <a:cs typeface="Arial" panose="020B0604020202020204" pitchFamily="34" charset="0"/>
+              </a:rPr>
+              <a:t>Convolucional</a:t>
+            </a:r>
+            <a:r>
+              <a:rPr lang="pt-PT" sz="2000" b="1" dirty="0">
+                <a:latin typeface="Univers Light (Body)"/>
+                <a:cs typeface="Arial" panose="020B0604020202020204" pitchFamily="34" charset="0"/>
+              </a:rPr>
+              <a:t> LSTM</a:t>
+            </a:r>
+            <a:endParaRPr lang="en-US" sz="2000" b="1" dirty="0">
+              <a:latin typeface="Univers Light (Body)"/>
+              <a:cs typeface="Arial" panose="020B0604020202020204" pitchFamily="34" charset="0"/>
+            </a:endParaRPr>
+          </a:p>
+        </p:txBody>
+      </p:sp>
+      <p:sp>
+        <p:nvSpPr>
+          <p:cNvPr id="5" name="TextBox 4">
+            <a:extLst>
+              <a:ext uri="{FF2B5EF4-FFF2-40B4-BE49-F238E27FC236}">
+                <a16:creationId xmlns:a16="http://schemas.microsoft.com/office/drawing/2014/main" id="{A746AF9A-9228-7570-1C44-21DFE1E0B025}"/>
+              </a:ext>
+            </a:extLst>
+          </p:cNvPr>
+          <p:cNvSpPr txBox="1"/>
+          <p:nvPr/>
+        </p:nvSpPr>
+        <p:spPr>
+          <a:xfrm>
+            <a:off x="1520663" y="4902936"/>
+            <a:ext cx="4012038" cy="246221"/>
+          </a:xfrm>
+          <a:prstGeom prst="rect">
+            <a:avLst/>
+          </a:prstGeom>
+          <a:noFill/>
+        </p:spPr>
+        <p:txBody>
+          <a:bodyPr wrap="square" rtlCol="0">
+            <a:spAutoFit/>
+          </a:bodyPr>
+          <a:lstStyle/>
+          <a:p>
+            <a:pPr algn="ctr"/>
+            <a:r>
+              <a:rPr lang="pt-PT" sz="1000" dirty="0"/>
+              <a:t>Matriz de Confusão Agregada- </a:t>
+            </a:r>
+            <a:r>
+              <a:rPr lang="pt-PT" sz="1000" dirty="0" err="1"/>
+              <a:t>Convolucional</a:t>
+            </a:r>
+            <a:r>
+              <a:rPr lang="pt-PT" sz="1000" dirty="0"/>
+              <a:t> LSTM (1A).</a:t>
+            </a:r>
+          </a:p>
+        </p:txBody>
+      </p:sp>
+      <p:sp>
+        <p:nvSpPr>
+          <p:cNvPr id="8" name="TextBox 7">
+            <a:extLst>
+              <a:ext uri="{FF2B5EF4-FFF2-40B4-BE49-F238E27FC236}">
+                <a16:creationId xmlns:a16="http://schemas.microsoft.com/office/drawing/2014/main" id="{216CA30F-FCFE-6944-2710-D3CCADBEED0F}"/>
+              </a:ext>
+            </a:extLst>
+          </p:cNvPr>
+          <p:cNvSpPr txBox="1"/>
+          <p:nvPr/>
+        </p:nvSpPr>
+        <p:spPr>
+          <a:xfrm>
+            <a:off x="6659300" y="4902935"/>
+            <a:ext cx="3736881" cy="246221"/>
+          </a:xfrm>
+          <a:prstGeom prst="rect">
+            <a:avLst/>
+          </a:prstGeom>
+          <a:noFill/>
+        </p:spPr>
+        <p:txBody>
+          <a:bodyPr wrap="square" rtlCol="0">
+            <a:spAutoFit/>
+          </a:bodyPr>
+          <a:lstStyle/>
+          <a:p>
+            <a:pPr algn="ctr"/>
+            <a:r>
+              <a:rPr lang="pt-PT" sz="1000" dirty="0"/>
+              <a:t>Curvas ROC - </a:t>
+            </a:r>
+            <a:r>
+              <a:rPr lang="pt-PT" sz="1000" dirty="0" err="1"/>
+              <a:t>Convolucional</a:t>
+            </a:r>
+            <a:r>
+              <a:rPr lang="pt-PT" sz="1000" dirty="0"/>
+              <a:t> LSTM (1A).</a:t>
+            </a:r>
+          </a:p>
+        </p:txBody>
+      </p:sp>
+    </p:spTree>
+    <p:extLst>
+      <p:ext uri="{BB962C8B-B14F-4D97-AF65-F5344CB8AC3E}">
+        <p14:creationId xmlns:p14="http://schemas.microsoft.com/office/powerpoint/2010/main" val="3947637016"/>
+      </p:ext>
+    </p:extLst>
+  </p:cSld>
+  <p:clrMapOvr>
+    <a:masterClrMapping/>
+  </p:clrMapOvr>
+  <p:timing>
+    <p:tnLst>
+      <p:par>
+        <p:cTn id="1" dur="indefinite" restart="never" nodeType="tmRoot">
+          <p:childTnLst>
+            <p:seq concurrent="1" nextAc="seek">
+              <p:cTn id="2" dur="indefinite" nodeType="mainSeq">
+                <p:childTnLst>
+                  <p:par>
+                    <p:cTn id="3" fill="hold">
+                      <p:stCondLst>
+                        <p:cond delay="indefinite"/>
+                      </p:stCondLst>
+                      <p:childTnLst>
+                        <p:par>
+                          <p:cTn id="4" fill="hold">
+                            <p:stCondLst>
+                              <p:cond delay="0"/>
+                            </p:stCondLst>
+                            <p:childTnLst>
+                              <p:par>
+                                <p:cTn id="5" presetID="1" presetClass="entr" presetSubtype="0" fill="hold" grpId="0" nodeType="clickEffect">
+                                  <p:stCondLst>
+                                    <p:cond delay="0"/>
+                                  </p:stCondLst>
+                                  <p:childTnLst>
+                                    <p:set>
+                                      <p:cBhvr>
+                                        <p:cTn id="6" dur="1" fill="hold">
+                                          <p:stCondLst>
+                                            <p:cond delay="0"/>
+                                          </p:stCondLst>
+                                        </p:cTn>
+                                        <p:tgtEl>
+                                          <p:spTgt spid="3"/>
+                                        </p:tgtEl>
+                                        <p:attrNameLst>
+                                          <p:attrName>style.visibility</p:attrName>
+                                        </p:attrNameLst>
+                                      </p:cBhvr>
+                                      <p:to>
+                                        <p:strVal val="visible"/>
+                                      </p:to>
+                                    </p:set>
+                                  </p:childTnLst>
+                                </p:cTn>
+                              </p:par>
+                              <p:par>
+                                <p:cTn id="7" presetID="1" presetClass="entr" presetSubtype="0" fill="hold" nodeType="withEffect">
+                                  <p:stCondLst>
+                                    <p:cond delay="0"/>
+                                  </p:stCondLst>
+                                  <p:childTnLst>
+                                    <p:set>
+                                      <p:cBhvr>
+                                        <p:cTn id="8" dur="1" fill="hold">
+                                          <p:stCondLst>
+                                            <p:cond delay="0"/>
+                                          </p:stCondLst>
+                                        </p:cTn>
+                                        <p:tgtEl>
+                                          <p:spTgt spid="24"/>
+                                        </p:tgtEl>
+                                        <p:attrNameLst>
+                                          <p:attrName>style.visibility</p:attrName>
+                                        </p:attrNameLst>
+                                      </p:cBhvr>
+                                      <p:to>
+                                        <p:strVal val="visible"/>
+                                      </p:to>
+                                    </p:set>
+                                  </p:childTnLst>
+                                </p:cTn>
+                              </p:par>
+                              <p:par>
+                                <p:cTn id="9" presetID="1" presetClass="entr" presetSubtype="0" fill="hold" grpId="0" nodeType="withEffect">
+                                  <p:stCondLst>
+                                    <p:cond delay="0"/>
+                                  </p:stCondLst>
+                                  <p:childTnLst>
+                                    <p:set>
+                                      <p:cBhvr>
+                                        <p:cTn id="10" dur="1" fill="hold">
+                                          <p:stCondLst>
+                                            <p:cond delay="0"/>
+                                          </p:stCondLst>
+                                        </p:cTn>
+                                        <p:tgtEl>
+                                          <p:spTgt spid="5"/>
+                                        </p:tgtEl>
+                                        <p:attrNameLst>
+                                          <p:attrName>style.visibility</p:attrName>
+                                        </p:attrNameLst>
+                                      </p:cBhvr>
+                                      <p:to>
+                                        <p:strVal val="visible"/>
+                                      </p:to>
+                                    </p:set>
+                                  </p:childTnLst>
+                                </p:cTn>
+                              </p:par>
+                            </p:childTnLst>
+                          </p:cTn>
+                        </p:par>
+                      </p:childTnLst>
+                    </p:cTn>
+                  </p:par>
+                  <p:par>
+                    <p:cTn id="11" fill="hold">
+                      <p:stCondLst>
+                        <p:cond delay="indefinite"/>
+                      </p:stCondLst>
+                      <p:childTnLst>
+                        <p:par>
+                          <p:cTn id="12" fill="hold">
+                            <p:stCondLst>
+                              <p:cond delay="0"/>
+                            </p:stCondLst>
+                            <p:childTnLst>
+                              <p:par>
+                                <p:cTn id="13" presetID="1" presetClass="entr" presetSubtype="0" fill="hold" nodeType="clickEffect">
+                                  <p:stCondLst>
+                                    <p:cond delay="0"/>
+                                  </p:stCondLst>
+                                  <p:childTnLst>
+                                    <p:set>
+                                      <p:cBhvr>
+                                        <p:cTn id="14" dur="1" fill="hold">
+                                          <p:stCondLst>
+                                            <p:cond delay="0"/>
+                                          </p:stCondLst>
+                                        </p:cTn>
+                                        <p:tgtEl>
+                                          <p:spTgt spid="27"/>
+                                        </p:tgtEl>
+                                        <p:attrNameLst>
+                                          <p:attrName>style.visibility</p:attrName>
+                                        </p:attrNameLst>
+                                      </p:cBhvr>
+                                      <p:to>
+                                        <p:strVal val="visible"/>
+                                      </p:to>
+                                    </p:set>
+                                  </p:childTnLst>
+                                </p:cTn>
+                              </p:par>
+                              <p:par>
+                                <p:cTn id="15" presetID="1" presetClass="entr" presetSubtype="0" fill="hold" grpId="0" nodeType="withEffect">
+                                  <p:stCondLst>
+                                    <p:cond delay="0"/>
+                                  </p:stCondLst>
+                                  <p:childTnLst>
+                                    <p:set>
+                                      <p:cBhvr>
+                                        <p:cTn id="16" dur="1" fill="hold">
+                                          <p:stCondLst>
+                                            <p:cond delay="0"/>
+                                          </p:stCondLst>
+                                        </p:cTn>
+                                        <p:tgtEl>
+                                          <p:spTgt spid="8"/>
+                                        </p:tgtEl>
+                                        <p:attrNameLst>
+                                          <p:attrName>style.visibility</p:attrName>
+                                        </p:attrNameLst>
+                                      </p:cBhvr>
+                                      <p:to>
+                                        <p:strVal val="visible"/>
+                                      </p:to>
+                                    </p:set>
+                                  </p:childTnLst>
+                                </p:cTn>
+                              </p:par>
+                            </p:childTnLst>
+                          </p:cTn>
+                        </p:par>
+                      </p:childTnLst>
+                    </p:cTn>
+                  </p:par>
+                </p:childTnLst>
+              </p:cTn>
+              <p:prevCondLst>
+                <p:cond evt="onPrev" delay="0">
+                  <p:tgtEl>
+                    <p:sldTgt/>
+                  </p:tgtEl>
+                </p:cond>
+              </p:prevCondLst>
+              <p:nextCondLst>
+                <p:cond evt="onNext" delay="0">
+                  <p:tgtEl>
+                    <p:sldTgt/>
+                  </p:tgtEl>
+                </p:cond>
+              </p:nextCondLst>
+            </p:seq>
+          </p:childTnLst>
+        </p:cTn>
+      </p:par>
+    </p:tnLst>
+    <p:bldLst>
+      <p:bldP spid="3" grpId="0"/>
+      <p:bldP spid="5" grpId="0"/>
+      <p:bldP spid="8" grpId="0"/>
+    </p:bldLst>
+  </p:timing>
+</p:sld>
+</file>
+
+<file path=ppt/slides/slide21.xml><?xml version="1.0" encoding="utf-8"?>
+<p:sld xmlns:a="http://schemas.openxmlformats.org/drawingml/2006/main" xmlns:r="http://schemas.openxmlformats.org/officeDocument/2006/relationships" xmlns:p="http://schemas.openxmlformats.org/presentationml/2006/main">
+  <p:cSld>
+    <p:bg>
+      <p:bgPr>
+        <a:solidFill>
+          <a:schemeClr val="bg2">
+            <a:alpha val="0"/>
+          </a:schemeClr>
+        </a:solidFill>
+        <a:effectLst/>
+      </p:bgPr>
+    </p:bg>
+    <p:spTree>
+      <p:nvGrpSpPr>
+        <p:cNvPr id="1" name=""/>
+        <p:cNvGrpSpPr/>
+        <p:nvPr/>
+      </p:nvGrpSpPr>
+      <p:grpSpPr>
+        <a:xfrm>
+          <a:off x="0" y="0"/>
+          <a:ext cx="0" cy="0"/>
+          <a:chOff x="0" y="0"/>
+          <a:chExt cx="0" cy="0"/>
+        </a:xfrm>
+      </p:grpSpPr>
+      <p:sp>
+        <p:nvSpPr>
+          <p:cNvPr id="2" name="Title 1">
+            <a:extLst>
+              <a:ext uri="{FF2B5EF4-FFF2-40B4-BE49-F238E27FC236}">
+                <a16:creationId xmlns:a16="http://schemas.microsoft.com/office/drawing/2014/main" id="{4662EDDE-6B1A-D0AC-F9F2-C67719C36532}"/>
+              </a:ext>
+            </a:extLst>
+          </p:cNvPr>
+          <p:cNvSpPr>
+            <a:spLocks noGrp="1"/>
+          </p:cNvSpPr>
+          <p:nvPr>
+            <p:ph type="title"/>
+          </p:nvPr>
+        </p:nvSpPr>
+        <p:spPr>
+          <a:xfrm>
+            <a:off x="1520662" y="252034"/>
+            <a:ext cx="9753890" cy="409176"/>
+          </a:xfrm>
+        </p:spPr>
+        <p:txBody>
+          <a:bodyPr>
+            <a:normAutofit fontScale="90000"/>
+          </a:bodyPr>
+          <a:lstStyle/>
+          <a:p>
+            <a:r>
+              <a:rPr lang="pt-PT" i="1" dirty="0"/>
+              <a:t>Primeira Abordagem - Resultados por classe</a:t>
+            </a:r>
+          </a:p>
+        </p:txBody>
+      </p:sp>
+      <p:sp>
+        <p:nvSpPr>
+          <p:cNvPr id="4" name="Slide Number Placeholder 3">
+            <a:extLst>
+              <a:ext uri="{FF2B5EF4-FFF2-40B4-BE49-F238E27FC236}">
+                <a16:creationId xmlns:a16="http://schemas.microsoft.com/office/drawing/2014/main" id="{527C964F-E2D5-D8E7-C513-C47A7E409DF3}"/>
+              </a:ext>
+            </a:extLst>
+          </p:cNvPr>
+          <p:cNvSpPr>
+            <a:spLocks noGrp="1"/>
+          </p:cNvSpPr>
+          <p:nvPr>
+            <p:ph type="sldNum" sz="quarter" idx="15"/>
+          </p:nvPr>
+        </p:nvSpPr>
+        <p:spPr/>
+        <p:txBody>
+          <a:bodyPr/>
+          <a:lstStyle/>
+          <a:p>
+            <a:fld id="{18D65601-5AE2-46FC-B138-694DDD2B510D}" type="slidenum">
+              <a:rPr lang="en-US" sz="1800" smtClean="0"/>
+              <a:pPr/>
+              <a:t>21</a:t>
+            </a:fld>
+            <a:endParaRPr lang="en-US" sz="1800" dirty="0"/>
+          </a:p>
+        </p:txBody>
+      </p:sp>
+      <p:sp>
+        <p:nvSpPr>
+          <p:cNvPr id="6" name="Footer Placeholder 4">
+            <a:extLst>
+              <a:ext uri="{FF2B5EF4-FFF2-40B4-BE49-F238E27FC236}">
+                <a16:creationId xmlns:a16="http://schemas.microsoft.com/office/drawing/2014/main" id="{0D821BC6-79CF-66F1-F00C-E2213C505826}"/>
+              </a:ext>
+            </a:extLst>
+          </p:cNvPr>
+          <p:cNvSpPr txBox="1">
+            <a:spLocks/>
+          </p:cNvSpPr>
+          <p:nvPr/>
+        </p:nvSpPr>
+        <p:spPr>
+          <a:xfrm>
+            <a:off x="4038600" y="6333565"/>
+            <a:ext cx="4114800" cy="365125"/>
+          </a:xfrm>
+          <a:prstGeom prst="rect">
+            <a:avLst/>
+          </a:prstGeom>
+        </p:spPr>
+        <p:txBody>
+          <a:bodyPr vert="horz" lIns="91440" tIns="45720" rIns="91440" bIns="45720" rtlCol="0" anchor="ctr"/>
+          <a:lstStyle>
+            <a:defPPr>
+              <a:defRPr lang="en-US"/>
+            </a:defPPr>
+            <a:lvl1pPr marL="0" algn="ctr" defTabSz="914400" rtl="0" eaLnBrk="1" latinLnBrk="0" hangingPunct="1">
+              <a:defRPr sz="900" b="0" kern="1200" cap="all" spc="150" baseline="0">
+                <a:solidFill>
+                  <a:schemeClr val="bg2">
+                    <a:lumMod val="50000"/>
+                  </a:schemeClr>
+                </a:solidFill>
+                <a:latin typeface="Univers Light" panose="020B0403020202020204" pitchFamily="34" charset="0"/>
+                <a:ea typeface="+mn-ea"/>
+                <a:cs typeface="+mn-cs"/>
+              </a:defRPr>
+            </a:lvl1pPr>
+            <a:lvl2pPr marL="457200" algn="l" defTabSz="914400" rtl="0" eaLnBrk="1" latinLnBrk="0" hangingPunct="1">
+              <a:defRPr sz="1800" kern="1200">
+                <a:solidFill>
+                  <a:schemeClr val="tx1"/>
+                </a:solidFill>
+                <a:latin typeface="+mn-lt"/>
+                <a:ea typeface="+mn-ea"/>
+                <a:cs typeface="+mn-cs"/>
+              </a:defRPr>
+            </a:lvl2pPr>
+            <a:lvl3pPr marL="914400" algn="l" defTabSz="914400" rtl="0" eaLnBrk="1" latinLnBrk="0" hangingPunct="1">
+              <a:defRPr sz="1800" kern="1200">
+                <a:solidFill>
+                  <a:schemeClr val="tx1"/>
+                </a:solidFill>
+                <a:latin typeface="+mn-lt"/>
+                <a:ea typeface="+mn-ea"/>
+                <a:cs typeface="+mn-cs"/>
+              </a:defRPr>
+            </a:lvl3pPr>
+            <a:lvl4pPr marL="1371600" algn="l" defTabSz="914400" rtl="0" eaLnBrk="1" latinLnBrk="0" hangingPunct="1">
+              <a:defRPr sz="1800" kern="1200">
+                <a:solidFill>
+                  <a:schemeClr val="tx1"/>
+                </a:solidFill>
+                <a:latin typeface="+mn-lt"/>
+                <a:ea typeface="+mn-ea"/>
+                <a:cs typeface="+mn-cs"/>
+              </a:defRPr>
+            </a:lvl4pPr>
+            <a:lvl5pPr marL="1828800" algn="l" defTabSz="914400" rtl="0" eaLnBrk="1" latinLnBrk="0" hangingPunct="1">
+              <a:defRPr sz="1800" kern="1200">
+                <a:solidFill>
+                  <a:schemeClr val="tx1"/>
+                </a:solidFill>
+                <a:latin typeface="+mn-lt"/>
+                <a:ea typeface="+mn-ea"/>
+                <a:cs typeface="+mn-cs"/>
+              </a:defRPr>
+            </a:lvl5pPr>
+            <a:lvl6pPr marL="2286000" algn="l" defTabSz="914400" rtl="0" eaLnBrk="1" latinLnBrk="0" hangingPunct="1">
+              <a:defRPr sz="1800" kern="1200">
+                <a:solidFill>
+                  <a:schemeClr val="tx1"/>
+                </a:solidFill>
+                <a:latin typeface="+mn-lt"/>
+                <a:ea typeface="+mn-ea"/>
+                <a:cs typeface="+mn-cs"/>
+              </a:defRPr>
+            </a:lvl6pPr>
+            <a:lvl7pPr marL="2743200" algn="l" defTabSz="914400" rtl="0" eaLnBrk="1" latinLnBrk="0" hangingPunct="1">
+              <a:defRPr sz="1800" kern="1200">
+                <a:solidFill>
+                  <a:schemeClr val="tx1"/>
+                </a:solidFill>
+                <a:latin typeface="+mn-lt"/>
+                <a:ea typeface="+mn-ea"/>
+                <a:cs typeface="+mn-cs"/>
+              </a:defRPr>
+            </a:lvl7pPr>
+            <a:lvl8pPr marL="3200400" algn="l" defTabSz="914400" rtl="0" eaLnBrk="1" latinLnBrk="0" hangingPunct="1">
+              <a:defRPr sz="1800" kern="1200">
+                <a:solidFill>
+                  <a:schemeClr val="tx1"/>
+                </a:solidFill>
+                <a:latin typeface="+mn-lt"/>
+                <a:ea typeface="+mn-ea"/>
+                <a:cs typeface="+mn-cs"/>
+              </a:defRPr>
+            </a:lvl8pPr>
+            <a:lvl9pPr marL="3657600" algn="l" defTabSz="914400" rtl="0" eaLnBrk="1" latinLnBrk="0" hangingPunct="1">
+              <a:defRPr sz="1800" kern="1200">
+                <a:solidFill>
+                  <a:schemeClr val="tx1"/>
+                </a:solidFill>
+                <a:latin typeface="+mn-lt"/>
+                <a:ea typeface="+mn-ea"/>
+                <a:cs typeface="+mn-cs"/>
+              </a:defRPr>
+            </a:lvl9pPr>
+          </a:lstStyle>
+          <a:p>
+            <a:pPr>
+              <a:lnSpc>
+                <a:spcPct val="150000"/>
+              </a:lnSpc>
+            </a:pPr>
+            <a:r>
+              <a:rPr lang="pt-PT" sz="800" dirty="0"/>
+              <a:t>Ai driving classification</a:t>
+            </a:r>
+          </a:p>
+          <a:p>
+            <a:pPr>
+              <a:lnSpc>
+                <a:spcPct val="150000"/>
+              </a:lnSpc>
+            </a:pPr>
+            <a:r>
+              <a:rPr lang="pt-PT" sz="800" dirty="0"/>
+              <a:t>Alberto pingo | joão castro</a:t>
+            </a:r>
+          </a:p>
+        </p:txBody>
+      </p:sp>
+      <p:pic>
+        <p:nvPicPr>
+          <p:cNvPr id="7" name="Picture 6" descr="A black background with a black square&#10;&#10;Description automatically generated with medium confidence">
+            <a:extLst>
+              <a:ext uri="{FF2B5EF4-FFF2-40B4-BE49-F238E27FC236}">
+                <a16:creationId xmlns:a16="http://schemas.microsoft.com/office/drawing/2014/main" id="{05200A96-EEA7-9B7D-506A-BF4FE113C176}"/>
+              </a:ext>
+            </a:extLst>
+          </p:cNvPr>
+          <p:cNvPicPr>
+            <a:picLocks noChangeAspect="1"/>
+          </p:cNvPicPr>
+          <p:nvPr/>
+        </p:nvPicPr>
+        <p:blipFill>
+          <a:blip r:embed="rId4">
+            <a:alphaModFix amt="70000"/>
+            <a:extLst>
+              <a:ext uri="{28A0092B-C50C-407E-A947-70E740481C1C}">
+                <a14:useLocalDpi xmlns:a14="http://schemas.microsoft.com/office/drawing/2010/main" val="0"/>
+              </a:ext>
+            </a:extLst>
+          </a:blip>
+          <a:stretch>
+            <a:fillRect/>
+          </a:stretch>
+        </p:blipFill>
+        <p:spPr>
+          <a:xfrm>
+            <a:off x="10582445" y="5985436"/>
+            <a:ext cx="1441915" cy="568239"/>
+          </a:xfrm>
+          <a:prstGeom prst="rect">
+            <a:avLst/>
+          </a:prstGeom>
+        </p:spPr>
+      </p:pic>
+      <p:sp>
+        <p:nvSpPr>
+          <p:cNvPr id="9" name="Title 6">
+            <a:extLst>
+              <a:ext uri="{FF2B5EF4-FFF2-40B4-BE49-F238E27FC236}">
+                <a16:creationId xmlns:a16="http://schemas.microsoft.com/office/drawing/2014/main" id="{A1D1F6E0-1A6C-232E-B6AD-263DD8949166}"/>
+              </a:ext>
+            </a:extLst>
+          </p:cNvPr>
+          <p:cNvSpPr txBox="1">
+            <a:spLocks/>
+          </p:cNvSpPr>
+          <p:nvPr/>
+        </p:nvSpPr>
+        <p:spPr>
+          <a:xfrm>
+            <a:off x="1743455" y="776531"/>
+            <a:ext cx="2199226" cy="504310"/>
+          </a:xfrm>
+          <a:prstGeom prst="rect">
+            <a:avLst/>
+          </a:prstGeom>
+        </p:spPr>
+        <p:txBody>
+          <a:bodyPr vert="horz" lIns="0" tIns="45720" rIns="91440" bIns="45720" rtlCol="0" anchor="ctr">
+            <a:noAutofit/>
+          </a:bodyPr>
+          <a:lstStyle>
+            <a:lvl1pPr algn="l" defTabSz="914400" rtl="0" eaLnBrk="1" latinLnBrk="0" hangingPunct="1">
+              <a:lnSpc>
+                <a:spcPct val="90000"/>
+              </a:lnSpc>
+              <a:spcBef>
+                <a:spcPct val="0"/>
+              </a:spcBef>
+              <a:buNone/>
+              <a:defRPr sz="3600" kern="1200">
+                <a:solidFill>
+                  <a:schemeClr val="tx1"/>
+                </a:solidFill>
+                <a:latin typeface="+mj-lt"/>
+                <a:ea typeface="+mj-ea"/>
+                <a:cs typeface="+mj-cs"/>
+              </a:defRPr>
+            </a:lvl1pPr>
+          </a:lstStyle>
+          <a:p>
+            <a:pPr algn="ctr"/>
+            <a:r>
+              <a:rPr lang="pt-PT" sz="2000" b="1" i="1" dirty="0">
+                <a:latin typeface="Univers Light (Body)"/>
+                <a:cs typeface="Arial" panose="020B0604020202020204" pitchFamily="34" charset="0"/>
+              </a:rPr>
+              <a:t>Stacked</a:t>
+            </a:r>
+            <a:r>
+              <a:rPr lang="pt-PT" sz="2000" b="1" dirty="0">
+                <a:latin typeface="Univers Light (Body)"/>
+                <a:cs typeface="Arial" panose="020B0604020202020204" pitchFamily="34" charset="0"/>
+              </a:rPr>
+              <a:t> LSTM</a:t>
+            </a:r>
+            <a:endParaRPr lang="en-US" sz="2000" b="1" dirty="0">
+              <a:latin typeface="Univers Light (Body)"/>
+              <a:cs typeface="Arial" panose="020B0604020202020204" pitchFamily="34" charset="0"/>
+            </a:endParaRPr>
+          </a:p>
+        </p:txBody>
+      </p:sp>
+      <p:sp>
+        <p:nvSpPr>
+          <p:cNvPr id="10" name="Title 6">
+            <a:extLst>
+              <a:ext uri="{FF2B5EF4-FFF2-40B4-BE49-F238E27FC236}">
+                <a16:creationId xmlns:a16="http://schemas.microsoft.com/office/drawing/2014/main" id="{B4BC2F03-7C1E-41FC-467C-30C492E35838}"/>
+              </a:ext>
+            </a:extLst>
+          </p:cNvPr>
+          <p:cNvSpPr txBox="1">
+            <a:spLocks/>
+          </p:cNvSpPr>
+          <p:nvPr/>
+        </p:nvSpPr>
+        <p:spPr>
+          <a:xfrm>
+            <a:off x="4945739" y="776531"/>
+            <a:ext cx="2300525" cy="504310"/>
+          </a:xfrm>
+          <a:prstGeom prst="rect">
+            <a:avLst/>
+          </a:prstGeom>
+        </p:spPr>
+        <p:txBody>
+          <a:bodyPr vert="horz" lIns="0" tIns="45720" rIns="91440" bIns="45720" rtlCol="0" anchor="ctr">
+            <a:noAutofit/>
+          </a:bodyPr>
+          <a:lstStyle>
+            <a:lvl1pPr algn="l" defTabSz="914400" rtl="0" eaLnBrk="1" latinLnBrk="0" hangingPunct="1">
+              <a:lnSpc>
+                <a:spcPct val="90000"/>
+              </a:lnSpc>
+              <a:spcBef>
+                <a:spcPct val="0"/>
+              </a:spcBef>
+              <a:buNone/>
+              <a:defRPr sz="3600" kern="1200">
+                <a:solidFill>
+                  <a:schemeClr val="tx1"/>
+                </a:solidFill>
+                <a:latin typeface="+mj-lt"/>
+                <a:ea typeface="+mj-ea"/>
+                <a:cs typeface="+mj-cs"/>
+              </a:defRPr>
+            </a:lvl1pPr>
+          </a:lstStyle>
+          <a:p>
+            <a:pPr algn="ctr"/>
+            <a:r>
+              <a:rPr lang="pt-PT" sz="2000" b="1" i="1" dirty="0">
+                <a:latin typeface="Univers Light (Body)"/>
+                <a:cs typeface="Arial" panose="020B0604020202020204" pitchFamily="34" charset="0"/>
+              </a:rPr>
+              <a:t>Bidirectional</a:t>
+            </a:r>
+            <a:r>
+              <a:rPr lang="pt-PT" sz="2000" b="1" dirty="0">
+                <a:latin typeface="Univers Light (Body)"/>
+                <a:cs typeface="Arial" panose="020B0604020202020204" pitchFamily="34" charset="0"/>
+              </a:rPr>
+              <a:t> LSTM</a:t>
+            </a:r>
+            <a:endParaRPr lang="en-US" sz="2000" b="1" dirty="0">
+              <a:latin typeface="Univers Light (Body)"/>
+              <a:cs typeface="Arial" panose="020B0604020202020204" pitchFamily="34" charset="0"/>
+            </a:endParaRPr>
+          </a:p>
+        </p:txBody>
+      </p:sp>
+      <p:pic>
+        <p:nvPicPr>
+          <p:cNvPr id="13" name="Picture 12" descr="A green squares with white text&#10;&#10;Description automatically generated">
+            <a:extLst>
+              <a:ext uri="{FF2B5EF4-FFF2-40B4-BE49-F238E27FC236}">
+                <a16:creationId xmlns:a16="http://schemas.microsoft.com/office/drawing/2014/main" id="{7D1DE065-CA9C-7CEF-662E-35D4D04E2DCD}"/>
+              </a:ext>
+            </a:extLst>
+          </p:cNvPr>
+          <p:cNvPicPr>
+            <a:picLocks noChangeAspect="1"/>
+          </p:cNvPicPr>
+          <p:nvPr/>
+        </p:nvPicPr>
+        <p:blipFill>
+          <a:blip r:embed="rId5"/>
+          <a:stretch>
+            <a:fillRect/>
+          </a:stretch>
+        </p:blipFill>
+        <p:spPr>
+          <a:xfrm>
+            <a:off x="4598318" y="1280841"/>
+            <a:ext cx="2995363" cy="2075439"/>
+          </a:xfrm>
+          <a:prstGeom prst="rect">
+            <a:avLst/>
+          </a:prstGeom>
+        </p:spPr>
+      </p:pic>
+      <p:pic>
+        <p:nvPicPr>
+          <p:cNvPr id="14" name="Picture 13" descr="A green and white chart&#10;&#10;Description automatically generated">
+            <a:extLst>
+              <a:ext uri="{FF2B5EF4-FFF2-40B4-BE49-F238E27FC236}">
+                <a16:creationId xmlns:a16="http://schemas.microsoft.com/office/drawing/2014/main" id="{37CA9CB9-74D5-6DD0-D0C0-9D91B1B31620}"/>
+              </a:ext>
+            </a:extLst>
+          </p:cNvPr>
+          <p:cNvPicPr>
+            <a:picLocks noChangeAspect="1"/>
+          </p:cNvPicPr>
+          <p:nvPr/>
+        </p:nvPicPr>
+        <p:blipFill>
+          <a:blip r:embed="rId6"/>
+          <a:stretch>
+            <a:fillRect/>
+          </a:stretch>
+        </p:blipFill>
+        <p:spPr>
+          <a:xfrm>
+            <a:off x="1345387" y="1280841"/>
+            <a:ext cx="2995363" cy="2148159"/>
+          </a:xfrm>
+          <a:prstGeom prst="rect">
+            <a:avLst/>
+          </a:prstGeom>
+        </p:spPr>
+      </p:pic>
+      <p:pic>
+        <p:nvPicPr>
+          <p:cNvPr id="16" name="Picture 15">
+            <a:extLst>
+              <a:ext uri="{FF2B5EF4-FFF2-40B4-BE49-F238E27FC236}">
+                <a16:creationId xmlns:a16="http://schemas.microsoft.com/office/drawing/2014/main" id="{A4090867-FC13-7AA9-63F7-0F30513A3E49}"/>
+              </a:ext>
+            </a:extLst>
+          </p:cNvPr>
+          <p:cNvPicPr>
+            <a:picLocks noChangeAspect="1"/>
+          </p:cNvPicPr>
+          <p:nvPr/>
+        </p:nvPicPr>
+        <p:blipFill>
+          <a:blip r:embed="rId7"/>
+          <a:stretch>
+            <a:fillRect/>
+          </a:stretch>
+        </p:blipFill>
+        <p:spPr>
+          <a:xfrm>
+            <a:off x="4598318" y="3654926"/>
+            <a:ext cx="2995363" cy="2357941"/>
+          </a:xfrm>
+          <a:prstGeom prst="rect">
+            <a:avLst/>
+          </a:prstGeom>
+        </p:spPr>
+      </p:pic>
+      <p:pic>
+        <p:nvPicPr>
+          <p:cNvPr id="18" name="Picture 17">
+            <a:extLst>
+              <a:ext uri="{FF2B5EF4-FFF2-40B4-BE49-F238E27FC236}">
+                <a16:creationId xmlns:a16="http://schemas.microsoft.com/office/drawing/2014/main" id="{516BB4F1-737F-1701-E8BF-D144A5DF8629}"/>
+              </a:ext>
+            </a:extLst>
+          </p:cNvPr>
+          <p:cNvPicPr>
+            <a:picLocks noChangeAspect="1"/>
+          </p:cNvPicPr>
+          <p:nvPr/>
+        </p:nvPicPr>
+        <p:blipFill>
+          <a:blip r:embed="rId8"/>
+          <a:stretch>
+            <a:fillRect/>
+          </a:stretch>
+        </p:blipFill>
+        <p:spPr>
+          <a:xfrm>
+            <a:off x="1350638" y="3654926"/>
+            <a:ext cx="2995363" cy="2357941"/>
+          </a:xfrm>
+          <a:prstGeom prst="rect">
+            <a:avLst/>
+          </a:prstGeom>
+        </p:spPr>
+      </p:pic>
+      <p:pic>
+        <p:nvPicPr>
+          <p:cNvPr id="24" name="Picture 23">
+            <a:extLst>
+              <a:ext uri="{FF2B5EF4-FFF2-40B4-BE49-F238E27FC236}">
+                <a16:creationId xmlns:a16="http://schemas.microsoft.com/office/drawing/2014/main" id="{098464E5-0BF0-EEB8-22B6-285BD33E50A3}"/>
+              </a:ext>
+            </a:extLst>
+          </p:cNvPr>
+          <p:cNvPicPr>
+            <a:picLocks noChangeAspect="1"/>
+          </p:cNvPicPr>
+          <p:nvPr/>
+        </p:nvPicPr>
+        <p:blipFill>
+          <a:blip r:embed="rId9"/>
+          <a:stretch>
+            <a:fillRect/>
+          </a:stretch>
+        </p:blipFill>
+        <p:spPr>
+          <a:xfrm>
+            <a:off x="7851249" y="1280841"/>
+            <a:ext cx="2990112" cy="2192377"/>
+          </a:xfrm>
+          <a:prstGeom prst="rect">
+            <a:avLst/>
+          </a:prstGeom>
+        </p:spPr>
+      </p:pic>
+      <p:sp>
+        <p:nvSpPr>
+          <p:cNvPr id="25" name="Title 6">
+            <a:extLst>
+              <a:ext uri="{FF2B5EF4-FFF2-40B4-BE49-F238E27FC236}">
+                <a16:creationId xmlns:a16="http://schemas.microsoft.com/office/drawing/2014/main" id="{C5E63A83-65CD-01EE-3C55-D453F19C5A97}"/>
+              </a:ext>
+            </a:extLst>
+          </p:cNvPr>
+          <p:cNvSpPr txBox="1">
+            <a:spLocks/>
+          </p:cNvSpPr>
+          <p:nvPr/>
+        </p:nvSpPr>
+        <p:spPr>
+          <a:xfrm>
+            <a:off x="8196042" y="776531"/>
+            <a:ext cx="2300525" cy="504310"/>
+          </a:xfrm>
+          <a:prstGeom prst="rect">
+            <a:avLst/>
+          </a:prstGeom>
+        </p:spPr>
+        <p:txBody>
+          <a:bodyPr vert="horz" lIns="0" tIns="45720" rIns="91440" bIns="45720" rtlCol="0" anchor="ctr">
+            <a:noAutofit/>
+          </a:bodyPr>
+          <a:lstStyle>
+            <a:lvl1pPr algn="l" defTabSz="914400" rtl="0" eaLnBrk="1" latinLnBrk="0" hangingPunct="1">
+              <a:lnSpc>
+                <a:spcPct val="90000"/>
+              </a:lnSpc>
+              <a:spcBef>
+                <a:spcPct val="0"/>
+              </a:spcBef>
+              <a:buNone/>
+              <a:defRPr sz="3600" kern="1200">
+                <a:solidFill>
+                  <a:schemeClr val="tx1"/>
+                </a:solidFill>
+                <a:latin typeface="+mj-lt"/>
+                <a:ea typeface="+mj-ea"/>
+                <a:cs typeface="+mj-cs"/>
+              </a:defRPr>
+            </a:lvl1pPr>
+          </a:lstStyle>
+          <a:p>
+            <a:pPr algn="ctr"/>
+            <a:r>
+              <a:rPr lang="pt-PT" sz="2000" b="1" i="1" dirty="0" err="1">
+                <a:latin typeface="Univers Light (Body)"/>
+                <a:cs typeface="Arial" panose="020B0604020202020204" pitchFamily="34" charset="0"/>
+              </a:rPr>
+              <a:t>Conv</a:t>
+            </a:r>
+            <a:r>
+              <a:rPr lang="pt-PT" sz="2000" b="1" dirty="0">
+                <a:latin typeface="Univers Light (Body)"/>
+                <a:cs typeface="Arial" panose="020B0604020202020204" pitchFamily="34" charset="0"/>
+              </a:rPr>
+              <a:t> LSTM</a:t>
+            </a:r>
+            <a:endParaRPr lang="en-US" sz="2000" b="1" dirty="0">
+              <a:latin typeface="Univers Light (Body)"/>
+              <a:cs typeface="Arial" panose="020B0604020202020204" pitchFamily="34" charset="0"/>
+            </a:endParaRPr>
+          </a:p>
+        </p:txBody>
+      </p:sp>
+      <p:pic>
+        <p:nvPicPr>
+          <p:cNvPr id="27" name="Picture 26">
+            <a:extLst>
+              <a:ext uri="{FF2B5EF4-FFF2-40B4-BE49-F238E27FC236}">
+                <a16:creationId xmlns:a16="http://schemas.microsoft.com/office/drawing/2014/main" id="{2267C447-47EA-C79C-468C-D8A47DEA8D72}"/>
+              </a:ext>
+            </a:extLst>
+          </p:cNvPr>
+          <p:cNvPicPr>
+            <a:picLocks noChangeAspect="1"/>
+          </p:cNvPicPr>
+          <p:nvPr/>
+        </p:nvPicPr>
+        <p:blipFill>
+          <a:blip r:embed="rId10"/>
+          <a:stretch>
+            <a:fillRect/>
+          </a:stretch>
+        </p:blipFill>
+        <p:spPr>
+          <a:xfrm>
+            <a:off x="7845997" y="3654925"/>
+            <a:ext cx="2995364" cy="2357942"/>
+          </a:xfrm>
+          <a:prstGeom prst="rect">
+            <a:avLst/>
+          </a:prstGeom>
+        </p:spPr>
+      </p:pic>
+    </p:spTree>
+    <p:extLst>
+      <p:ext uri="{BB962C8B-B14F-4D97-AF65-F5344CB8AC3E}">
+        <p14:creationId xmlns:p14="http://schemas.microsoft.com/office/powerpoint/2010/main" val="693936738"/>
+      </p:ext>
+    </p:extLst>
+  </p:cSld>
+  <p:clrMapOvr>
+    <a:overrideClrMapping bg1="lt1" tx1="dk1" bg2="lt2" tx2="dk2" accent1="accent1" accent2="accent2" accent3="accent3" accent4="accent4" accent5="accent5" accent6="accent6" hlink="hlink" folHlink="folHlink"/>
+  </p:clrMapOvr>
+  <p:timing>
+    <p:tnLst>
+      <p:par>
+        <p:cTn id="1" dur="indefinite" restart="never" nodeType="tmRoot">
+          <p:childTnLst>
+            <p:seq concurrent="1" nextAc="seek">
+              <p:cTn id="2" dur="indefinite" nodeType="mainSeq">
+                <p:childTnLst>
+                  <p:par>
+                    <p:cTn id="3" fill="hold">
+                      <p:stCondLst>
+                        <p:cond delay="indefinite"/>
+                      </p:stCondLst>
+                      <p:childTnLst>
+                        <p:par>
+                          <p:cTn id="4" fill="hold">
+                            <p:stCondLst>
+                              <p:cond delay="0"/>
+                            </p:stCondLst>
+                            <p:childTnLst>
+                              <p:par>
+                                <p:cTn id="5" presetID="1" presetClass="entr" presetSubtype="0" fill="hold" grpId="0" nodeType="clickEffect">
+                                  <p:stCondLst>
+                                    <p:cond delay="0"/>
+                                  </p:stCondLst>
+                                  <p:childTnLst>
+                                    <p:set>
+                                      <p:cBhvr>
+                                        <p:cTn id="6" dur="1" fill="hold">
+                                          <p:stCondLst>
+                                            <p:cond delay="0"/>
+                                          </p:stCondLst>
+                                        </p:cTn>
+                                        <p:tgtEl>
+                                          <p:spTgt spid="9"/>
+                                        </p:tgtEl>
+                                        <p:attrNameLst>
+                                          <p:attrName>style.visibility</p:attrName>
+                                        </p:attrNameLst>
+                                      </p:cBhvr>
+                                      <p:to>
+                                        <p:strVal val="visible"/>
+                                      </p:to>
+                                    </p:set>
+                                  </p:childTnLst>
+                                </p:cTn>
+                              </p:par>
+                              <p:par>
+                                <p:cTn id="7" presetID="1" presetClass="entr" presetSubtype="0" fill="hold" nodeType="withEffect">
+                                  <p:stCondLst>
+                                    <p:cond delay="0"/>
+                                  </p:stCondLst>
+                                  <p:childTnLst>
+                                    <p:set>
+                                      <p:cBhvr>
+                                        <p:cTn id="8" dur="1" fill="hold">
+                                          <p:stCondLst>
+                                            <p:cond delay="0"/>
+                                          </p:stCondLst>
+                                        </p:cTn>
+                                        <p:tgtEl>
+                                          <p:spTgt spid="14"/>
+                                        </p:tgtEl>
+                                        <p:attrNameLst>
+                                          <p:attrName>style.visibility</p:attrName>
+                                        </p:attrNameLst>
+                                      </p:cBhvr>
+                                      <p:to>
+                                        <p:strVal val="visible"/>
+                                      </p:to>
+                                    </p:set>
+                                  </p:childTnLst>
+                                </p:cTn>
+                              </p:par>
+                            </p:childTnLst>
+                          </p:cTn>
+                        </p:par>
+                      </p:childTnLst>
+                    </p:cTn>
+                  </p:par>
+                  <p:par>
+                    <p:cTn id="9" fill="hold">
+                      <p:stCondLst>
+                        <p:cond delay="indefinite"/>
+                      </p:stCondLst>
+                      <p:childTnLst>
+                        <p:par>
+                          <p:cTn id="10" fill="hold">
+                            <p:stCondLst>
+                              <p:cond delay="0"/>
+                            </p:stCondLst>
+                            <p:childTnLst>
+                              <p:par>
+                                <p:cTn id="11" presetID="1" presetClass="entr" presetSubtype="0" fill="hold" nodeType="clickEffect">
+                                  <p:stCondLst>
+                                    <p:cond delay="0"/>
+                                  </p:stCondLst>
+                                  <p:childTnLst>
+                                    <p:set>
+                                      <p:cBhvr>
+                                        <p:cTn id="12" dur="1" fill="hold">
+                                          <p:stCondLst>
+                                            <p:cond delay="0"/>
+                                          </p:stCondLst>
+                                        </p:cTn>
+                                        <p:tgtEl>
+                                          <p:spTgt spid="18"/>
+                                        </p:tgtEl>
+                                        <p:attrNameLst>
+                                          <p:attrName>style.visibility</p:attrName>
+                                        </p:attrNameLst>
+                                      </p:cBhvr>
+                                      <p:to>
+                                        <p:strVal val="visible"/>
+                                      </p:to>
+                                    </p:set>
+                                  </p:childTnLst>
+                                </p:cTn>
+                              </p:par>
+                            </p:childTnLst>
+                          </p:cTn>
+                        </p:par>
+                      </p:childTnLst>
+                    </p:cTn>
+                  </p:par>
+                  <p:par>
+                    <p:cTn id="13" fill="hold">
+                      <p:stCondLst>
+                        <p:cond delay="indefinite"/>
+                      </p:stCondLst>
+                      <p:childTnLst>
+                        <p:par>
+                          <p:cTn id="14" fill="hold">
+                            <p:stCondLst>
+                              <p:cond delay="0"/>
+                            </p:stCondLst>
+                            <p:childTnLst>
+                              <p:par>
+                                <p:cTn id="15" presetID="1" presetClass="entr" presetSubtype="0" fill="hold" grpId="0" nodeType="clickEffect">
+                                  <p:stCondLst>
+                                    <p:cond delay="0"/>
+                                  </p:stCondLst>
+                                  <p:childTnLst>
+                                    <p:set>
+                                      <p:cBhvr>
+                                        <p:cTn id="16" dur="1" fill="hold">
+                                          <p:stCondLst>
+                                            <p:cond delay="0"/>
+                                          </p:stCondLst>
+                                        </p:cTn>
+                                        <p:tgtEl>
+                                          <p:spTgt spid="10"/>
+                                        </p:tgtEl>
+                                        <p:attrNameLst>
+                                          <p:attrName>style.visibility</p:attrName>
+                                        </p:attrNameLst>
+                                      </p:cBhvr>
+                                      <p:to>
+                                        <p:strVal val="visible"/>
+                                      </p:to>
+                                    </p:set>
+                                  </p:childTnLst>
+                                </p:cTn>
+                              </p:par>
+                              <p:par>
+                                <p:cTn id="17" presetID="1" presetClass="entr" presetSubtype="0" fill="hold" nodeType="withEffect">
+                                  <p:stCondLst>
+                                    <p:cond delay="0"/>
+                                  </p:stCondLst>
+                                  <p:childTnLst>
+                                    <p:set>
+                                      <p:cBhvr>
+                                        <p:cTn id="18" dur="1" fill="hold">
+                                          <p:stCondLst>
+                                            <p:cond delay="0"/>
+                                          </p:stCondLst>
+                                        </p:cTn>
+                                        <p:tgtEl>
+                                          <p:spTgt spid="13"/>
+                                        </p:tgtEl>
+                                        <p:attrNameLst>
+                                          <p:attrName>style.visibility</p:attrName>
+                                        </p:attrNameLst>
+                                      </p:cBhvr>
+                                      <p:to>
+                                        <p:strVal val="visible"/>
+                                      </p:to>
+                                    </p:set>
+                                  </p:childTnLst>
+                                </p:cTn>
+                              </p:par>
+                            </p:childTnLst>
+                          </p:cTn>
+                        </p:par>
+                      </p:childTnLst>
+                    </p:cTn>
+                  </p:par>
+                  <p:par>
+                    <p:cTn id="19" fill="hold">
+                      <p:stCondLst>
+                        <p:cond delay="indefinite"/>
+                      </p:stCondLst>
+                      <p:childTnLst>
+                        <p:par>
+                          <p:cTn id="20" fill="hold">
+                            <p:stCondLst>
+                              <p:cond delay="0"/>
+                            </p:stCondLst>
+                            <p:childTnLst>
+                              <p:par>
+                                <p:cTn id="21" presetID="1" presetClass="entr" presetSubtype="0" fill="hold" nodeType="clickEffect">
+                                  <p:stCondLst>
+                                    <p:cond delay="0"/>
+                                  </p:stCondLst>
+                                  <p:childTnLst>
+                                    <p:set>
+                                      <p:cBhvr>
+                                        <p:cTn id="22" dur="1" fill="hold">
+                                          <p:stCondLst>
+                                            <p:cond delay="0"/>
+                                          </p:stCondLst>
+                                        </p:cTn>
+                                        <p:tgtEl>
+                                          <p:spTgt spid="16"/>
+                                        </p:tgtEl>
+                                        <p:attrNameLst>
+                                          <p:attrName>style.visibility</p:attrName>
+                                        </p:attrNameLst>
+                                      </p:cBhvr>
+                                      <p:to>
+                                        <p:strVal val="visible"/>
+                                      </p:to>
+                                    </p:set>
+                                  </p:childTnLst>
+                                </p:cTn>
+                              </p:par>
+                            </p:childTnLst>
+                          </p:cTn>
+                        </p:par>
+                      </p:childTnLst>
+                    </p:cTn>
+                  </p:par>
+                  <p:par>
+                    <p:cTn id="23" fill="hold">
+                      <p:stCondLst>
+                        <p:cond delay="indefinite"/>
+                      </p:stCondLst>
+                      <p:childTnLst>
+                        <p:par>
+                          <p:cTn id="24" fill="hold">
+                            <p:stCondLst>
+                              <p:cond delay="0"/>
+                            </p:stCondLst>
+                            <p:childTnLst>
+                              <p:par>
+                                <p:cTn id="25" presetID="1" presetClass="entr" presetSubtype="0" fill="hold" grpId="0" nodeType="clickEffect">
+                                  <p:stCondLst>
+                                    <p:cond delay="0"/>
+                                  </p:stCondLst>
+                                  <p:childTnLst>
+                                    <p:set>
+                                      <p:cBhvr>
+                                        <p:cTn id="26" dur="1" fill="hold">
+                                          <p:stCondLst>
+                                            <p:cond delay="0"/>
+                                          </p:stCondLst>
+                                        </p:cTn>
+                                        <p:tgtEl>
+                                          <p:spTgt spid="25"/>
+                                        </p:tgtEl>
+                                        <p:attrNameLst>
+                                          <p:attrName>style.visibility</p:attrName>
+                                        </p:attrNameLst>
+                                      </p:cBhvr>
+                                      <p:to>
+                                        <p:strVal val="visible"/>
+                                      </p:to>
+                                    </p:set>
+                                  </p:childTnLst>
+                                </p:cTn>
+                              </p:par>
+                              <p:par>
+                                <p:cTn id="27" presetID="1" presetClass="entr" presetSubtype="0" fill="hold" nodeType="withEffect">
+                                  <p:stCondLst>
+                                    <p:cond delay="0"/>
+                                  </p:stCondLst>
+                                  <p:childTnLst>
+                                    <p:set>
+                                      <p:cBhvr>
+                                        <p:cTn id="28" dur="1" fill="hold">
+                                          <p:stCondLst>
+                                            <p:cond delay="0"/>
+                                          </p:stCondLst>
+                                        </p:cTn>
+                                        <p:tgtEl>
+                                          <p:spTgt spid="24"/>
+                                        </p:tgtEl>
+                                        <p:attrNameLst>
+                                          <p:attrName>style.visibility</p:attrName>
+                                        </p:attrNameLst>
+                                      </p:cBhvr>
+                                      <p:to>
+                                        <p:strVal val="visible"/>
+                                      </p:to>
+                                    </p:set>
+                                  </p:childTnLst>
+                                </p:cTn>
+                              </p:par>
+                            </p:childTnLst>
+                          </p:cTn>
+                        </p:par>
+                      </p:childTnLst>
+                    </p:cTn>
+                  </p:par>
+                  <p:par>
+                    <p:cTn id="29" fill="hold">
+                      <p:stCondLst>
+                        <p:cond delay="indefinite"/>
+                      </p:stCondLst>
+                      <p:childTnLst>
+                        <p:par>
+                          <p:cTn id="30" fill="hold">
+                            <p:stCondLst>
+                              <p:cond delay="0"/>
+                            </p:stCondLst>
+                            <p:childTnLst>
+                              <p:par>
+                                <p:cTn id="31" presetID="1" presetClass="entr" presetSubtype="0" fill="hold" nodeType="clickEffect">
+                                  <p:stCondLst>
+                                    <p:cond delay="0"/>
+                                  </p:stCondLst>
+                                  <p:childTnLst>
+                                    <p:set>
+                                      <p:cBhvr>
+                                        <p:cTn id="32" dur="1" fill="hold">
+                                          <p:stCondLst>
+                                            <p:cond delay="0"/>
+                                          </p:stCondLst>
+                                        </p:cTn>
+                                        <p:tgtEl>
+                                          <p:spTgt spid="27"/>
+                                        </p:tgtEl>
+                                        <p:attrNameLst>
+                                          <p:attrName>style.visibility</p:attrName>
+                                        </p:attrNameLst>
+                                      </p:cBhvr>
+                                      <p:to>
+                                        <p:strVal val="visible"/>
+                                      </p:to>
+                                    </p:set>
+                                  </p:childTnLst>
+                                </p:cTn>
+                              </p:par>
+                            </p:childTnLst>
+                          </p:cTn>
+                        </p:par>
+                      </p:childTnLst>
+                    </p:cTn>
+                  </p:par>
+                </p:childTnLst>
+              </p:cTn>
+              <p:prevCondLst>
+                <p:cond evt="onPrev" delay="0">
+                  <p:tgtEl>
+                    <p:sldTgt/>
+                  </p:tgtEl>
+                </p:cond>
+              </p:prevCondLst>
+              <p:nextCondLst>
+                <p:cond evt="onNext" delay="0">
+                  <p:tgtEl>
+                    <p:sldTgt/>
+                  </p:tgtEl>
+                </p:cond>
+              </p:nextCondLst>
+            </p:seq>
+          </p:childTnLst>
+        </p:cTn>
+      </p:par>
+    </p:tnLst>
+    <p:bldLst>
+      <p:bldP spid="9" grpId="0"/>
+      <p:bldP spid="10" grpId="0"/>
+      <p:bldP spid="25" grpId="0"/>
+    </p:bldLst>
+  </p:timing>
+</p:sld>
+</file>
+
+<file path=ppt/slides/slide22.xml><?xml version="1.0" encoding="utf-8"?>
+<p:sld xmlns:a="http://schemas.openxmlformats.org/drawingml/2006/main" xmlns:r="http://schemas.openxmlformats.org/officeDocument/2006/relationships" xmlns:p="http://schemas.openxmlformats.org/presentationml/2006/main">
+  <p:cSld>
     <p:bg>
       <p:bgPr>
         <a:solidFill>
@@ -21529,7 +23572,7 @@
             <a:fld id="{18D65601-5AE2-46FC-B138-694DDD2B510D}" type="slidenum">
               <a:rPr lang="en-US" sz="1800" smtClean="0"/>
               <a:pPr/>
-              <a:t>20</a:t>
+              <a:t>22</a:t>
             </a:fld>
             <a:endParaRPr lang="en-US" sz="1800" dirty="0"/>
           </a:p>
@@ -21788,7 +23831,7 @@
 </p:sld>
 </file>
 
-<file path=ppt/slides/slide21.xml><?xml version="1.0" encoding="utf-8"?>
+<file path=ppt/slides/slide23.xml><?xml version="1.0" encoding="utf-8"?>
 <p:sld xmlns:a="http://schemas.openxmlformats.org/drawingml/2006/main" xmlns:r="http://schemas.openxmlformats.org/officeDocument/2006/relationships" xmlns:p="http://schemas.openxmlformats.org/presentationml/2006/main">
   <p:cSld>
     <p:spTree>
@@ -21880,7 +23923,7 @@
             <a:fld id="{18D65601-5AE2-46FC-B138-694DDD2B510D}" type="slidenum">
               <a:rPr lang="en-US" sz="1800" smtClean="0"/>
               <a:pPr/>
-              <a:t>21</a:t>
+              <a:t>23</a:t>
             </a:fld>
             <a:endParaRPr lang="en-US" sz="1800" dirty="0"/>
           </a:p>
@@ -23238,7 +25281,7 @@
             <a:pPr algn="ctr"/>
             <a:r>
               <a:rPr lang="pt-PT" sz="1000" dirty="0"/>
-              <a:t>Cenário de condução - Interseção</a:t>
+              <a:t>Cenário de condução – Interseção.</a:t>
             </a:r>
           </a:p>
         </p:txBody>
@@ -23691,7 +25734,7 @@
 </p:sld>
 </file>
 
-<file path=ppt/slides/slide22.xml><?xml version="1.0" encoding="utf-8"?>
+<file path=ppt/slides/slide24.xml><?xml version="1.0" encoding="utf-8"?>
 <p:sld xmlns:a="http://schemas.openxmlformats.org/drawingml/2006/main" xmlns:r="http://schemas.openxmlformats.org/officeDocument/2006/relationships" xmlns:p="http://schemas.openxmlformats.org/presentationml/2006/main">
   <p:cSld>
     <p:spTree>
@@ -23732,7 +25775,7 @@
             <a:fld id="{18D65601-5AE2-46FC-B138-694DDD2B510D}" type="slidenum">
               <a:rPr lang="en-US" sz="1800" smtClean="0"/>
               <a:pPr/>
-              <a:t>22</a:t>
+              <a:t>24</a:t>
             </a:fld>
             <a:endParaRPr lang="en-US" sz="1800" dirty="0"/>
           </a:p>
@@ -23985,6 +26028,42 @@
           </a:prstGeom>
         </p:spPr>
       </p:pic>
+      <p:sp>
+        <p:nvSpPr>
+          <p:cNvPr id="3" name="TextBox 2">
+            <a:extLst>
+              <a:ext uri="{FF2B5EF4-FFF2-40B4-BE49-F238E27FC236}">
+                <a16:creationId xmlns:a16="http://schemas.microsoft.com/office/drawing/2014/main" id="{C7EBC06D-5D05-95F4-EE10-B274F76B1724}"/>
+              </a:ext>
+            </a:extLst>
+          </p:cNvPr>
+          <p:cNvSpPr txBox="1"/>
+          <p:nvPr/>
+        </p:nvSpPr>
+        <p:spPr>
+          <a:xfrm>
+            <a:off x="3606826" y="5838654"/>
+            <a:ext cx="4978348" cy="246221"/>
+          </a:xfrm>
+          <a:prstGeom prst="rect">
+            <a:avLst/>
+          </a:prstGeom>
+          <a:noFill/>
+        </p:spPr>
+        <p:txBody>
+          <a:bodyPr wrap="square" rtlCol="0">
+            <a:spAutoFit/>
+          </a:bodyPr>
+          <a:lstStyle/>
+          <a:p>
+            <a:pPr algn="ctr"/>
+            <a:r>
+              <a:rPr lang="pt-PT" sz="1000" dirty="0"/>
+              <a:t>Etapas de processamento de dados da segunda abordagem.</a:t>
+            </a:r>
+          </a:p>
+        </p:txBody>
+      </p:sp>
     </p:spTree>
     <p:extLst>
       <p:ext uri="{BB962C8B-B14F-4D97-AF65-F5344CB8AC3E}">
@@ -23998,7 +26077,7 @@
 </p:sld>
 </file>
 
-<file path=ppt/slides/slide23.xml><?xml version="1.0" encoding="utf-8"?>
+<file path=ppt/slides/slide25.xml><?xml version="1.0" encoding="utf-8"?>
 <p:sld xmlns:a="http://schemas.openxmlformats.org/drawingml/2006/main" xmlns:r="http://schemas.openxmlformats.org/officeDocument/2006/relationships" xmlns:p="http://schemas.openxmlformats.org/presentationml/2006/main">
   <p:cSld>
     <p:spTree>
@@ -24039,7 +26118,7 @@
             <a:fld id="{18D65601-5AE2-46FC-B138-694DDD2B510D}" type="slidenum">
               <a:rPr lang="en-US" sz="1800" smtClean="0"/>
               <a:pPr/>
-              <a:t>23</a:t>
+              <a:t>25</a:t>
             </a:fld>
             <a:endParaRPr lang="en-US" sz="1800" dirty="0"/>
           </a:p>
@@ -24292,6 +26371,42 @@
           </a:prstGeom>
         </p:spPr>
       </p:pic>
+      <p:sp>
+        <p:nvSpPr>
+          <p:cNvPr id="3" name="TextBox 2">
+            <a:extLst>
+              <a:ext uri="{FF2B5EF4-FFF2-40B4-BE49-F238E27FC236}">
+                <a16:creationId xmlns:a16="http://schemas.microsoft.com/office/drawing/2014/main" id="{DB5F8290-A4BF-04D8-9A51-C12E3F9C244A}"/>
+              </a:ext>
+            </a:extLst>
+          </p:cNvPr>
+          <p:cNvSpPr txBox="1"/>
+          <p:nvPr/>
+        </p:nvSpPr>
+        <p:spPr>
+          <a:xfrm>
+            <a:off x="3606826" y="5838654"/>
+            <a:ext cx="4978348" cy="246221"/>
+          </a:xfrm>
+          <a:prstGeom prst="rect">
+            <a:avLst/>
+          </a:prstGeom>
+          <a:noFill/>
+        </p:spPr>
+        <p:txBody>
+          <a:bodyPr wrap="square" rtlCol="0">
+            <a:spAutoFit/>
+          </a:bodyPr>
+          <a:lstStyle/>
+          <a:p>
+            <a:pPr algn="ctr"/>
+            <a:r>
+              <a:rPr lang="pt-PT" sz="1000" dirty="0"/>
+              <a:t>Etapas de processamento de dados da segunda abordagem.</a:t>
+            </a:r>
+          </a:p>
+        </p:txBody>
+      </p:sp>
     </p:spTree>
     <p:extLst>
       <p:ext uri="{BB962C8B-B14F-4D97-AF65-F5344CB8AC3E}">
@@ -24305,7 +26420,7 @@
 </p:sld>
 </file>
 
-<file path=ppt/slides/slide24.xml><?xml version="1.0" encoding="utf-8"?>
+<file path=ppt/slides/slide26.xml><?xml version="1.0" encoding="utf-8"?>
 <p:sld xmlns:a="http://schemas.openxmlformats.org/drawingml/2006/main" xmlns:r="http://schemas.openxmlformats.org/officeDocument/2006/relationships" xmlns:p="http://schemas.openxmlformats.org/presentationml/2006/main">
   <p:cSld>
     <p:spTree>
@@ -24346,7 +26461,7 @@
             <a:fld id="{18D65601-5AE2-46FC-B138-694DDD2B510D}" type="slidenum">
               <a:rPr lang="en-US" sz="1800" smtClean="0"/>
               <a:pPr/>
-              <a:t>24</a:t>
+              <a:t>26</a:t>
             </a:fld>
             <a:endParaRPr lang="en-US" sz="1800" dirty="0"/>
           </a:p>
@@ -24802,6 +26917,94 @@
           </a:extLst>
         </p:spPr>
       </p:pic>
+      <p:sp>
+        <p:nvSpPr>
+          <p:cNvPr id="8" name="TextBox 7">
+            <a:extLst>
+              <a:ext uri="{FF2B5EF4-FFF2-40B4-BE49-F238E27FC236}">
+                <a16:creationId xmlns:a16="http://schemas.microsoft.com/office/drawing/2014/main" id="{33DBC52A-A0BD-6838-4D48-5B4BD44E9370}"/>
+              </a:ext>
+            </a:extLst>
+          </p:cNvPr>
+          <p:cNvSpPr txBox="1"/>
+          <p:nvPr/>
+        </p:nvSpPr>
+        <p:spPr>
+          <a:xfrm>
+            <a:off x="1520662" y="2677424"/>
+            <a:ext cx="8624365" cy="246221"/>
+          </a:xfrm>
+          <a:prstGeom prst="rect">
+            <a:avLst/>
+          </a:prstGeom>
+          <a:noFill/>
+        </p:spPr>
+        <p:txBody>
+          <a:bodyPr wrap="square" rtlCol="0">
+            <a:spAutoFit/>
+          </a:bodyPr>
+          <a:lstStyle/>
+          <a:p>
+            <a:pPr algn="ctr"/>
+            <a:r>
+              <a:rPr lang="pt-PT" sz="1000" dirty="0"/>
+              <a:t>Arquitetura </a:t>
+            </a:r>
+            <a:r>
+              <a:rPr lang="pt-PT" sz="1000" i="1" dirty="0"/>
+              <a:t>Stacked</a:t>
+            </a:r>
+            <a:r>
+              <a:rPr lang="pt-PT" sz="1000" dirty="0"/>
+              <a:t> LSTM da segunda abordagem.</a:t>
+            </a:r>
+          </a:p>
+        </p:txBody>
+      </p:sp>
+      <p:sp>
+        <p:nvSpPr>
+          <p:cNvPr id="9" name="TextBox 8">
+            <a:extLst>
+              <a:ext uri="{FF2B5EF4-FFF2-40B4-BE49-F238E27FC236}">
+                <a16:creationId xmlns:a16="http://schemas.microsoft.com/office/drawing/2014/main" id="{9D26A7CB-D4D2-964E-65A7-793B228B32C3}"/>
+              </a:ext>
+            </a:extLst>
+          </p:cNvPr>
+          <p:cNvSpPr txBox="1"/>
+          <p:nvPr/>
+        </p:nvSpPr>
+        <p:spPr>
+          <a:xfrm>
+            <a:off x="1520661" y="4685207"/>
+            <a:ext cx="8624365" cy="246221"/>
+          </a:xfrm>
+          <a:prstGeom prst="rect">
+            <a:avLst/>
+          </a:prstGeom>
+          <a:noFill/>
+        </p:spPr>
+        <p:txBody>
+          <a:bodyPr wrap="square" rtlCol="0">
+            <a:spAutoFit/>
+          </a:bodyPr>
+          <a:lstStyle/>
+          <a:p>
+            <a:pPr algn="ctr"/>
+            <a:r>
+              <a:rPr lang="pt-PT" sz="1000" dirty="0"/>
+              <a:t>Arquitetura </a:t>
+            </a:r>
+            <a:r>
+              <a:rPr lang="pt-PT" sz="1000" i="1" dirty="0"/>
+              <a:t>Bidirectional</a:t>
+            </a:r>
+            <a:r>
+              <a:rPr lang="pt-PT" sz="1000" dirty="0"/>
+              <a:t> LSTM da segunda abordagem.</a:t>
+            </a:r>
+          </a:p>
+        </p:txBody>
+      </p:sp>
     </p:spTree>
     <p:extLst>
       <p:ext uri="{BB962C8B-B14F-4D97-AF65-F5344CB8AC3E}">
@@ -24886,6 +27089,33 @@
                                   </p:childTnLst>
                                 </p:cTn>
                               </p:par>
+                              <p:par>
+                                <p:cTn id="9" presetID="1" presetClass="entr" presetSubtype="0" fill="hold" grpId="0" nodeType="withEffect">
+                                  <p:stCondLst>
+                                    <p:cond delay="0"/>
+                                  </p:stCondLst>
+                                  <p:childTnLst>
+                                    <p:set>
+                                      <p:cBhvr>
+                                        <p:cTn id="10" dur="1" fill="hold">
+                                          <p:stCondLst>
+                                            <p:cond delay="0"/>
+                                          </p:stCondLst>
+                                        </p:cTn>
+                                        <p:tgtEl>
+                                          <p:spTgt spid="8"/>
+                                        </p:tgtEl>
+                                        <p:attrNameLst>
+                                          <p:attrName>style.visibility</p:attrName>
+                                        </p:attrNameLst>
+                                      </p:cBhvr>
+                                      <p:to>
+                                        <p:strVal val="visible"/>
+                                      </p:to>
+                                    </p:set>
+                                  </p:childTnLst>
+                                </p:cTn>
+                              </p:par>
                             </p:childTnLst>
                           </p:cTn>
                         </p:par>
@@ -24893,26 +27123,26 @@
                     </p:cTn>
                   </p:par>
                   <p:par>
-                    <p:cTn id="9" fill="hold">
+                    <p:cTn id="11" fill="hold">
                       <p:stCondLst>
                         <p:cond delay="indefinite"/>
                       </p:stCondLst>
                       <p:childTnLst>
                         <p:par>
-                          <p:cTn id="10" fill="hold">
+                          <p:cTn id="12" fill="hold">
                             <p:stCondLst>
                               <p:cond delay="0"/>
                             </p:stCondLst>
                             <p:childTnLst>
                               <p:par>
-                                <p:cTn id="11" presetID="1" presetClass="entr" presetSubtype="0" fill="hold" grpId="0" nodeType="clickEffect">
+                                <p:cTn id="13" presetID="1" presetClass="entr" presetSubtype="0" fill="hold" grpId="0" nodeType="clickEffect">
                                   <p:stCondLst>
                                     <p:cond delay="0"/>
                                   </p:stCondLst>
                                   <p:childTnLst>
                                     <p:set>
                                       <p:cBhvr>
-                                        <p:cTn id="12" dur="1" fill="hold">
+                                        <p:cTn id="14" dur="1" fill="hold">
                                           <p:stCondLst>
                                             <p:cond delay="0"/>
                                           </p:stCondLst>
@@ -24932,20 +27162,47 @@
                                 </p:cTn>
                               </p:par>
                               <p:par>
-                                <p:cTn id="13" presetID="1" presetClass="entr" presetSubtype="0" fill="hold" nodeType="withEffect">
+                                <p:cTn id="15" presetID="1" presetClass="entr" presetSubtype="0" fill="hold" nodeType="withEffect">
                                   <p:stCondLst>
                                     <p:cond delay="0"/>
                                   </p:stCondLst>
                                   <p:childTnLst>
                                     <p:set>
                                       <p:cBhvr>
-                                        <p:cTn id="14" dur="1" fill="hold">
+                                        <p:cTn id="16" dur="1" fill="hold">
                                           <p:stCondLst>
                                             <p:cond delay="0"/>
                                           </p:stCondLst>
                                         </p:cTn>
                                         <p:tgtEl>
                                           <p:spTgt spid="2050"/>
+                                        </p:tgtEl>
+                                        <p:attrNameLst>
+                                          <p:attrName>style.visibility</p:attrName>
+                                        </p:attrNameLst>
+                                      </p:cBhvr>
+                                      <p:to>
+                                        <p:strVal val="visible"/>
+                                      </p:to>
+                                    </p:set>
+                                  </p:childTnLst>
+                                </p:cTn>
+                              </p:par>
+                              <p:par>
+                                <p:cTn id="17" presetID="1" presetClass="entr" presetSubtype="0" fill="hold" grpId="0" nodeType="withEffect">
+                                  <p:stCondLst>
+                                    <p:cond delay="0"/>
+                                  </p:stCondLst>
+                                  <p:childTnLst>
+                                    <p:set>
+                                      <p:cBhvr>
+                                        <p:cTn id="18" dur="1" fill="hold">
+                                          <p:stCondLst>
+                                            <p:cond delay="0"/>
+                                          </p:stCondLst>
+                                        </p:cTn>
+                                        <p:tgtEl>
+                                          <p:spTgt spid="9"/>
                                         </p:tgtEl>
                                         <p:attrNameLst>
                                           <p:attrName>style.visibility</p:attrName>
@@ -24988,12 +27245,14 @@
     <p:bldLst>
       <p:bldP spid="20" grpId="0"/>
       <p:bldP spid="21" grpId="0"/>
+      <p:bldP spid="8" grpId="0"/>
+      <p:bldP spid="9" grpId="0"/>
     </p:bldLst>
   </p:timing>
 </p:sld>
 </file>
 
-<file path=ppt/slides/slide25.xml><?xml version="1.0" encoding="utf-8"?>
+<file path=ppt/slides/slide27.xml><?xml version="1.0" encoding="utf-8"?>
 <p:sld xmlns:a="http://schemas.openxmlformats.org/drawingml/2006/main" xmlns:r="http://schemas.openxmlformats.org/officeDocument/2006/relationships" xmlns:p="http://schemas.openxmlformats.org/presentationml/2006/main">
   <p:cSld>
     <p:spTree>
@@ -25034,7 +27293,7 @@
             <a:fld id="{18D65601-5AE2-46FC-B138-694DDD2B510D}" type="slidenum">
               <a:rPr lang="en-US" sz="1800" smtClean="0"/>
               <a:pPr/>
-              <a:t>25</a:t>
+              <a:t>27</a:t>
             </a:fld>
             <a:endParaRPr lang="en-US" sz="1800" dirty="0"/>
           </a:p>
@@ -25991,6 +28250,42 @@
           </a:graphicData>
         </a:graphic>
       </p:graphicFrame>
+      <p:sp>
+        <p:nvSpPr>
+          <p:cNvPr id="5" name="TextBox 4">
+            <a:extLst>
+              <a:ext uri="{FF2B5EF4-FFF2-40B4-BE49-F238E27FC236}">
+                <a16:creationId xmlns:a16="http://schemas.microsoft.com/office/drawing/2014/main" id="{6C22F0B5-9F9F-11EA-7231-A50770C91136}"/>
+              </a:ext>
+            </a:extLst>
+          </p:cNvPr>
+          <p:cNvSpPr txBox="1"/>
+          <p:nvPr/>
+        </p:nvSpPr>
+        <p:spPr>
+          <a:xfrm>
+            <a:off x="2806041" y="5064612"/>
+            <a:ext cx="6579917" cy="246221"/>
+          </a:xfrm>
+          <a:prstGeom prst="rect">
+            <a:avLst/>
+          </a:prstGeom>
+          <a:noFill/>
+        </p:spPr>
+        <p:txBody>
+          <a:bodyPr wrap="square" rtlCol="0">
+            <a:spAutoFit/>
+          </a:bodyPr>
+          <a:lstStyle/>
+          <a:p>
+            <a:pPr algn="ctr"/>
+            <a:r>
+              <a:rPr lang="pt-PT" sz="1000" dirty="0"/>
+              <a:t>Comparação Geral de resultados da segunda abordagem.</a:t>
+            </a:r>
+          </a:p>
+        </p:txBody>
+      </p:sp>
     </p:spTree>
     <p:extLst>
       <p:ext uri="{BB962C8B-B14F-4D97-AF65-F5344CB8AC3E}">
@@ -26004,7 +28299,7 @@
 </p:sld>
 </file>
 
-<file path=ppt/slides/slide26.xml><?xml version="1.0" encoding="utf-8"?>
+<file path=ppt/slides/slide28.xml><?xml version="1.0" encoding="utf-8"?>
 <p:sld xmlns:a="http://schemas.openxmlformats.org/drawingml/2006/main" xmlns:r="http://schemas.openxmlformats.org/officeDocument/2006/relationships" xmlns:p="http://schemas.openxmlformats.org/presentationml/2006/main">
   <p:cSld>
     <p:spTree>
@@ -26045,7 +28340,7 @@
             <a:fld id="{18D65601-5AE2-46FC-B138-694DDD2B510D}" type="slidenum">
               <a:rPr lang="en-US" sz="1800" smtClean="0"/>
               <a:pPr/>
-              <a:t>26</a:t>
+              <a:t>28</a:t>
             </a:fld>
             <a:endParaRPr lang="en-US" sz="1800" dirty="0"/>
           </a:p>
@@ -26291,8 +28586,8 @@
         </p:blipFill>
         <p:spPr>
           <a:xfrm>
-            <a:off x="6689658" y="1217816"/>
-            <a:ext cx="3394170" cy="2170902"/>
+            <a:off x="2256064" y="3825076"/>
+            <a:ext cx="3241210" cy="2073069"/>
           </a:xfrm>
           <a:prstGeom prst="rect">
             <a:avLst/>
@@ -26322,7 +28617,7 @@
         <p:spPr>
           <a:xfrm>
             <a:off x="2402027" y="1217816"/>
-            <a:ext cx="3100317" cy="2170902"/>
+            <a:ext cx="2960599" cy="2073069"/>
           </a:xfrm>
           <a:prstGeom prst="rect">
             <a:avLst/>
@@ -26345,7 +28640,7 @@
         </p:nvSpPr>
         <p:spPr>
           <a:xfrm>
-            <a:off x="4926050" y="713506"/>
+            <a:off x="2777056" y="704295"/>
             <a:ext cx="2199226" cy="504310"/>
           </a:xfrm>
           <a:prstGeom prst="rect">
@@ -26414,7 +28709,7 @@
         </p:nvSpPr>
         <p:spPr>
           <a:xfrm>
-            <a:off x="4945737" y="3474467"/>
+            <a:off x="7299717" y="644956"/>
             <a:ext cx="2300525" cy="504310"/>
           </a:xfrm>
           <a:prstGeom prst="rect">
@@ -26489,8 +28784,8 @@
         </p:blipFill>
         <p:spPr>
           <a:xfrm>
-            <a:off x="6691462" y="3979081"/>
-            <a:ext cx="3392366" cy="2170902"/>
+            <a:off x="6829372" y="3825076"/>
+            <a:ext cx="3232838" cy="2068814"/>
           </a:xfrm>
           <a:prstGeom prst="rect">
             <a:avLst/>
@@ -26519,14 +28814,158 @@
         </p:blipFill>
         <p:spPr>
           <a:xfrm>
-            <a:off x="2406242" y="3978777"/>
-            <a:ext cx="3100316" cy="2171511"/>
+            <a:off x="6967889" y="1211758"/>
+            <a:ext cx="2940855" cy="2059822"/>
           </a:xfrm>
           <a:prstGeom prst="rect">
             <a:avLst/>
           </a:prstGeom>
         </p:spPr>
       </p:pic>
+      <p:sp>
+        <p:nvSpPr>
+          <p:cNvPr id="3" name="TextBox 2">
+            <a:extLst>
+              <a:ext uri="{FF2B5EF4-FFF2-40B4-BE49-F238E27FC236}">
+                <a16:creationId xmlns:a16="http://schemas.microsoft.com/office/drawing/2014/main" id="{29F46154-8B60-B578-9DD8-C56282DD38D3}"/>
+              </a:ext>
+            </a:extLst>
+          </p:cNvPr>
+          <p:cNvSpPr txBox="1"/>
+          <p:nvPr/>
+        </p:nvSpPr>
+        <p:spPr>
+          <a:xfrm>
+            <a:off x="2402026" y="3283521"/>
+            <a:ext cx="2960599" cy="246221"/>
+          </a:xfrm>
+          <a:prstGeom prst="rect">
+            <a:avLst/>
+          </a:prstGeom>
+          <a:noFill/>
+        </p:spPr>
+        <p:txBody>
+          <a:bodyPr wrap="square" rtlCol="0">
+            <a:spAutoFit/>
+          </a:bodyPr>
+          <a:lstStyle/>
+          <a:p>
+            <a:pPr algn="ctr"/>
+            <a:r>
+              <a:rPr lang="pt-PT" sz="1000" dirty="0"/>
+              <a:t>Erro por classe - Stacked LSTM (2A).</a:t>
+            </a:r>
+          </a:p>
+        </p:txBody>
+      </p:sp>
+      <p:sp>
+        <p:nvSpPr>
+          <p:cNvPr id="13" name="TextBox 12">
+            <a:extLst>
+              <a:ext uri="{FF2B5EF4-FFF2-40B4-BE49-F238E27FC236}">
+                <a16:creationId xmlns:a16="http://schemas.microsoft.com/office/drawing/2014/main" id="{70C28D36-EE7C-7DE3-0601-E829D8801C98}"/>
+              </a:ext>
+            </a:extLst>
+          </p:cNvPr>
+          <p:cNvSpPr txBox="1"/>
+          <p:nvPr/>
+        </p:nvSpPr>
+        <p:spPr>
+          <a:xfrm>
+            <a:off x="6980446" y="3283520"/>
+            <a:ext cx="2939065" cy="246221"/>
+          </a:xfrm>
+          <a:prstGeom prst="rect">
+            <a:avLst/>
+          </a:prstGeom>
+          <a:noFill/>
+        </p:spPr>
+        <p:txBody>
+          <a:bodyPr wrap="square" rtlCol="0">
+            <a:spAutoFit/>
+          </a:bodyPr>
+          <a:lstStyle/>
+          <a:p>
+            <a:pPr algn="ctr"/>
+            <a:r>
+              <a:rPr lang="pt-PT" sz="1000" dirty="0"/>
+              <a:t>Erro por classe – Bidirectional LSTM (2A).</a:t>
+            </a:r>
+          </a:p>
+        </p:txBody>
+      </p:sp>
+      <p:sp>
+        <p:nvSpPr>
+          <p:cNvPr id="14" name="TextBox 13">
+            <a:extLst>
+              <a:ext uri="{FF2B5EF4-FFF2-40B4-BE49-F238E27FC236}">
+                <a16:creationId xmlns:a16="http://schemas.microsoft.com/office/drawing/2014/main" id="{AA09B5F5-0DD5-20AA-DF81-69DB7067AEC1}"/>
+              </a:ext>
+            </a:extLst>
+          </p:cNvPr>
+          <p:cNvSpPr txBox="1"/>
+          <p:nvPr/>
+        </p:nvSpPr>
+        <p:spPr>
+          <a:xfrm>
+            <a:off x="2267727" y="5884320"/>
+            <a:ext cx="3241210" cy="246221"/>
+          </a:xfrm>
+          <a:prstGeom prst="rect">
+            <a:avLst/>
+          </a:prstGeom>
+          <a:noFill/>
+        </p:spPr>
+        <p:txBody>
+          <a:bodyPr wrap="square" rtlCol="0">
+            <a:spAutoFit/>
+          </a:bodyPr>
+          <a:lstStyle/>
+          <a:p>
+            <a:pPr algn="ctr"/>
+            <a:r>
+              <a:rPr lang="pt-PT" sz="1000" dirty="0"/>
+              <a:t>Matriz de Confusão - Stacked LSTM (2A).</a:t>
+            </a:r>
+          </a:p>
+        </p:txBody>
+      </p:sp>
+      <p:sp>
+        <p:nvSpPr>
+          <p:cNvPr id="15" name="TextBox 14">
+            <a:extLst>
+              <a:ext uri="{FF2B5EF4-FFF2-40B4-BE49-F238E27FC236}">
+                <a16:creationId xmlns:a16="http://schemas.microsoft.com/office/drawing/2014/main" id="{132D2033-145E-0203-1945-B4C5BB2FDFF7}"/>
+              </a:ext>
+            </a:extLst>
+          </p:cNvPr>
+          <p:cNvSpPr txBox="1"/>
+          <p:nvPr/>
+        </p:nvSpPr>
+        <p:spPr>
+          <a:xfrm>
+            <a:off x="6844326" y="5865069"/>
+            <a:ext cx="3217884" cy="246221"/>
+          </a:xfrm>
+          <a:prstGeom prst="rect">
+            <a:avLst/>
+          </a:prstGeom>
+          <a:noFill/>
+        </p:spPr>
+        <p:txBody>
+          <a:bodyPr wrap="square" rtlCol="0">
+            <a:spAutoFit/>
+          </a:bodyPr>
+          <a:lstStyle/>
+          <a:p>
+            <a:pPr algn="ctr"/>
+            <a:r>
+              <a:rPr lang="pt-PT" sz="1000" dirty="0"/>
+              <a:t>Matriz de Confusão - Bidirectional LSTM (2A).</a:t>
+            </a:r>
+          </a:p>
+        </p:txBody>
+      </p:sp>
     </p:spTree>
     <p:extLst>
       <p:ext uri="{BB962C8B-B14F-4D97-AF65-F5344CB8AC3E}">
@@ -26611,39 +29050,21 @@
                                   </p:childTnLst>
                                 </p:cTn>
                               </p:par>
-                            </p:childTnLst>
-                          </p:cTn>
-                        </p:par>
-                      </p:childTnLst>
-                    </p:cTn>
-                  </p:par>
-                  <p:par>
-                    <p:cTn id="9" fill="hold">
-                      <p:stCondLst>
-                        <p:cond delay="indefinite"/>
-                      </p:stCondLst>
-                      <p:childTnLst>
-                        <p:par>
-                          <p:cTn id="10" fill="hold">
-                            <p:stCondLst>
-                              <p:cond delay="0"/>
-                            </p:stCondLst>
-                            <p:childTnLst>
                               <p:par>
-                                <p:cTn id="11" presetID="1" presetClass="entr" presetSubtype="0" fill="hold" nodeType="clickEffect">
+                                <p:cTn id="9" presetID="1" presetClass="entr" presetSubtype="0" fill="hold" grpId="0" nodeType="withEffect">
                                   <p:stCondLst>
                                     <p:cond delay="0"/>
                                   </p:stCondLst>
                                   <p:childTnLst>
                                     <p:set>
                                       <p:cBhvr>
-                                        <p:cTn id="12" dur="1" fill="hold">
+                                        <p:cTn id="10" dur="1" fill="hold">
                                           <p:stCondLst>
                                             <p:cond delay="0"/>
                                           </p:stCondLst>
                                         </p:cTn>
                                         <p:tgtEl>
-                                          <p:spTgt spid="5"/>
+                                          <p:spTgt spid="3"/>
                                         </p:tgtEl>
                                         <p:attrNameLst>
                                           <p:attrName>style.visibility</p:attrName>
@@ -26663,19 +29084,46 @@
                     </p:cTn>
                   </p:par>
                   <p:par>
-                    <p:cTn id="13" fill="hold">
+                    <p:cTn id="11" fill="hold">
                       <p:stCondLst>
                         <p:cond delay="indefinite"/>
                       </p:stCondLst>
                       <p:childTnLst>
                         <p:par>
-                          <p:cTn id="14" fill="hold">
+                          <p:cTn id="12" fill="hold">
                             <p:stCondLst>
                               <p:cond delay="0"/>
                             </p:stCondLst>
                             <p:childTnLst>
                               <p:par>
-                                <p:cTn id="15" presetID="1" presetClass="entr" presetSubtype="0" fill="hold" grpId="0" nodeType="clickEffect">
+                                <p:cTn id="13" presetID="1" presetClass="entr" presetSubtype="0" fill="hold" nodeType="clickEffect">
+                                  <p:stCondLst>
+                                    <p:cond delay="0"/>
+                                  </p:stCondLst>
+                                  <p:childTnLst>
+                                    <p:set>
+                                      <p:cBhvr>
+                                        <p:cTn id="14" dur="1" fill="hold">
+                                          <p:stCondLst>
+                                            <p:cond delay="0"/>
+                                          </p:stCondLst>
+                                        </p:cTn>
+                                        <p:tgtEl>
+                                          <p:spTgt spid="5"/>
+                                        </p:tgtEl>
+                                        <p:attrNameLst>
+                                          <p:attrName>style.visibility</p:attrName>
+                                        </p:attrNameLst>
+                                      </p:cBhvr>
+                                      <p:to>
+                                        <p:strVal val="visible"/>
+                                      </p:to>
+                                    </p:set>
+                                  </p:childTnLst>
+                                </p:cTn>
+                              </p:par>
+                              <p:par>
+                                <p:cTn id="15" presetID="1" presetClass="entr" presetSubtype="0" fill="hold" grpId="0" nodeType="withEffect">
                                   <p:stCondLst>
                                     <p:cond delay="0"/>
                                   </p:stCondLst>
@@ -26683,6 +29131,51 @@
                                     <p:set>
                                       <p:cBhvr>
                                         <p:cTn id="16" dur="1" fill="hold">
+                                          <p:stCondLst>
+                                            <p:cond delay="0"/>
+                                          </p:stCondLst>
+                                        </p:cTn>
+                                        <p:tgtEl>
+                                          <p:spTgt spid="14"/>
+                                        </p:tgtEl>
+                                        <p:attrNameLst>
+                                          <p:attrName>style.visibility</p:attrName>
+                                        </p:attrNameLst>
+                                      </p:cBhvr>
+                                      <p:to>
+                                        <p:strVal val="visible"/>
+                                      </p:to>
+                                    </p:set>
+                                  </p:childTnLst>
+                                </p:cTn>
+                              </p:par>
+                            </p:childTnLst>
+                          </p:cTn>
+                        </p:par>
+                      </p:childTnLst>
+                    </p:cTn>
+                  </p:par>
+                  <p:par>
+                    <p:cTn id="17" fill="hold">
+                      <p:stCondLst>
+                        <p:cond delay="indefinite"/>
+                      </p:stCondLst>
+                      <p:childTnLst>
+                        <p:par>
+                          <p:cTn id="18" fill="hold">
+                            <p:stCondLst>
+                              <p:cond delay="0"/>
+                            </p:stCondLst>
+                            <p:childTnLst>
+                              <p:par>
+                                <p:cTn id="19" presetID="1" presetClass="entr" presetSubtype="0" fill="hold" grpId="0" nodeType="clickEffect">
+                                  <p:stCondLst>
+                                    <p:cond delay="0"/>
+                                  </p:stCondLst>
+                                  <p:childTnLst>
+                                    <p:set>
+                                      <p:cBhvr>
+                                        <p:cTn id="20" dur="1" fill="hold">
                                           <p:stCondLst>
                                             <p:cond delay="0"/>
                                           </p:stCondLst>
@@ -26702,20 +29195,47 @@
                                 </p:cTn>
                               </p:par>
                               <p:par>
-                                <p:cTn id="17" presetID="1" presetClass="entr" presetSubtype="0" fill="hold" nodeType="withEffect">
+                                <p:cTn id="21" presetID="1" presetClass="entr" presetSubtype="0" fill="hold" nodeType="withEffect">
                                   <p:stCondLst>
                                     <p:cond delay="0"/>
                                   </p:stCondLst>
                                   <p:childTnLst>
                                     <p:set>
                                       <p:cBhvr>
-                                        <p:cTn id="18" dur="1" fill="hold">
+                                        <p:cTn id="22" dur="1" fill="hold">
                                           <p:stCondLst>
                                             <p:cond delay="0"/>
                                           </p:stCondLst>
                                         </p:cTn>
                                         <p:tgtEl>
                                           <p:spTgt spid="12"/>
+                                        </p:tgtEl>
+                                        <p:attrNameLst>
+                                          <p:attrName>style.visibility</p:attrName>
+                                        </p:attrNameLst>
+                                      </p:cBhvr>
+                                      <p:to>
+                                        <p:strVal val="visible"/>
+                                      </p:to>
+                                    </p:set>
+                                  </p:childTnLst>
+                                </p:cTn>
+                              </p:par>
+                              <p:par>
+                                <p:cTn id="23" presetID="1" presetClass="entr" presetSubtype="0" fill="hold" grpId="0" nodeType="withEffect">
+                                  <p:stCondLst>
+                                    <p:cond delay="0"/>
+                                  </p:stCondLst>
+                                  <p:childTnLst>
+                                    <p:set>
+                                      <p:cBhvr>
+                                        <p:cTn id="24" dur="1" fill="hold">
+                                          <p:stCondLst>
+                                            <p:cond delay="0"/>
+                                          </p:stCondLst>
+                                        </p:cTn>
+                                        <p:tgtEl>
+                                          <p:spTgt spid="13"/>
                                         </p:tgtEl>
                                         <p:attrNameLst>
                                           <p:attrName>style.visibility</p:attrName>
@@ -26735,32 +29255,59 @@
                     </p:cTn>
                   </p:par>
                   <p:par>
-                    <p:cTn id="19" fill="hold">
+                    <p:cTn id="25" fill="hold">
                       <p:stCondLst>
                         <p:cond delay="indefinite"/>
                       </p:stCondLst>
                       <p:childTnLst>
                         <p:par>
-                          <p:cTn id="20" fill="hold">
+                          <p:cTn id="26" fill="hold">
                             <p:stCondLst>
                               <p:cond delay="0"/>
                             </p:stCondLst>
                             <p:childTnLst>
                               <p:par>
-                                <p:cTn id="21" presetID="1" presetClass="entr" presetSubtype="0" fill="hold" nodeType="clickEffect">
+                                <p:cTn id="27" presetID="1" presetClass="entr" presetSubtype="0" fill="hold" nodeType="clickEffect">
                                   <p:stCondLst>
                                     <p:cond delay="0"/>
                                   </p:stCondLst>
                                   <p:childTnLst>
                                     <p:set>
                                       <p:cBhvr>
-                                        <p:cTn id="22" dur="1" fill="hold">
+                                        <p:cTn id="28" dur="1" fill="hold">
                                           <p:stCondLst>
                                             <p:cond delay="0"/>
                                           </p:stCondLst>
                                         </p:cTn>
                                         <p:tgtEl>
                                           <p:spTgt spid="11"/>
+                                        </p:tgtEl>
+                                        <p:attrNameLst>
+                                          <p:attrName>style.visibility</p:attrName>
+                                        </p:attrNameLst>
+                                      </p:cBhvr>
+                                      <p:to>
+                                        <p:strVal val="visible"/>
+                                      </p:to>
+                                    </p:set>
+                                  </p:childTnLst>
+                                </p:cTn>
+                              </p:par>
+                              <p:par>
+                                <p:cTn id="29" presetID="1" presetClass="entr" presetSubtype="0" fill="hold" grpId="0" nodeType="withEffect">
+                                  <p:stCondLst>
+                                    <p:cond delay="0"/>
+                                  </p:stCondLst>
+                                  <p:childTnLst>
+                                    <p:set>
+                                      <p:cBhvr>
+                                        <p:cTn id="30" dur="1" fill="hold">
+                                          <p:stCondLst>
+                                            <p:cond delay="0"/>
+                                          </p:stCondLst>
+                                        </p:cTn>
+                                        <p:tgtEl>
+                                          <p:spTgt spid="15"/>
                                         </p:tgtEl>
                                         <p:attrNameLst>
                                           <p:attrName>style.visibility</p:attrName>
@@ -26803,12 +29350,16 @@
     <p:bldLst>
       <p:bldP spid="9" grpId="0"/>
       <p:bldP spid="10" grpId="0"/>
+      <p:bldP spid="3" grpId="0"/>
+      <p:bldP spid="13" grpId="0"/>
+      <p:bldP spid="14" grpId="0"/>
+      <p:bldP spid="15" grpId="0"/>
     </p:bldLst>
   </p:timing>
 </p:sld>
 </file>
 
-<file path=ppt/slides/slide27.xml><?xml version="1.0" encoding="utf-8"?>
+<file path=ppt/slides/slide29.xml><?xml version="1.0" encoding="utf-8"?>
 <p:sld xmlns:a="http://schemas.openxmlformats.org/drawingml/2006/main" xmlns:r="http://schemas.openxmlformats.org/officeDocument/2006/relationships" xmlns:p="http://schemas.openxmlformats.org/presentationml/2006/main">
   <p:cSld>
     <p:bg>
@@ -26859,7 +29410,7 @@
             <a:fld id="{18D65601-5AE2-46FC-B138-694DDD2B510D}" type="slidenum">
               <a:rPr lang="en-US" sz="1800" smtClean="0"/>
               <a:pPr/>
-              <a:t>27</a:t>
+              <a:t>29</a:t>
             </a:fld>
             <a:endParaRPr lang="en-US" sz="1800" dirty="0"/>
           </a:p>
@@ -27228,7 +29779,7 @@
 </p:sld>
 </file>
 
-<file path=ppt/slides/slide28.xml><?xml version="1.0" encoding="utf-8"?>
+<file path=ppt/slides/slide3.xml><?xml version="1.0" encoding="utf-8"?>
 <p:sld xmlns:a="http://schemas.openxmlformats.org/drawingml/2006/main" xmlns:r="http://schemas.openxmlformats.org/officeDocument/2006/relationships" xmlns:p="http://schemas.openxmlformats.org/presentationml/2006/main">
   <p:cSld>
     <p:bg>
@@ -27257,10 +29808,44 @@
       </p:grpSpPr>
       <p:sp>
         <p:nvSpPr>
+          <p:cNvPr id="2" name="Title 1">
+            <a:extLst>
+              <a:ext uri="{FF2B5EF4-FFF2-40B4-BE49-F238E27FC236}">
+                <a16:creationId xmlns:a16="http://schemas.microsoft.com/office/drawing/2014/main" id="{2CD97761-0B88-A5E8-0B78-C39173D05F4D}"/>
+              </a:ext>
+            </a:extLst>
+          </p:cNvPr>
+          <p:cNvSpPr>
+            <a:spLocks noGrp="1"/>
+          </p:cNvSpPr>
+          <p:nvPr>
+            <p:ph type="title"/>
+          </p:nvPr>
+        </p:nvSpPr>
+        <p:spPr>
+          <a:xfrm>
+            <a:off x="1381118" y="725454"/>
+            <a:ext cx="9464681" cy="5407091"/>
+          </a:xfrm>
+        </p:spPr>
+        <p:txBody>
+          <a:bodyPr/>
+          <a:lstStyle/>
+          <a:p>
+            <a:pPr algn="ctr"/>
+            <a:r>
+              <a:rPr lang="pt-PT" dirty="0"/>
+              <a:t>Introdução, Motivação e Objetivos</a:t>
+            </a:r>
+          </a:p>
+        </p:txBody>
+      </p:sp>
+      <p:sp>
+        <p:nvSpPr>
           <p:cNvPr id="4" name="Slide Number Placeholder 3">
             <a:extLst>
               <a:ext uri="{FF2B5EF4-FFF2-40B4-BE49-F238E27FC236}">
-                <a16:creationId xmlns:a16="http://schemas.microsoft.com/office/drawing/2014/main" id="{527C964F-E2D5-D8E7-C513-C47A7E409DF3}"/>
+                <a16:creationId xmlns:a16="http://schemas.microsoft.com/office/drawing/2014/main" id="{2CD4601E-33F5-5714-867D-A0B584DA7C11}"/>
               </a:ext>
             </a:extLst>
           </p:cNvPr>
@@ -27279,318 +29864,55 @@
             <a:fld id="{18D65601-5AE2-46FC-B138-694DDD2B510D}" type="slidenum">
               <a:rPr lang="en-US" sz="1800" smtClean="0"/>
               <a:pPr/>
-              <a:t>28</a:t>
+              <a:t>3</a:t>
             </a:fld>
             <a:endParaRPr lang="en-US" sz="1800" dirty="0"/>
           </a:p>
         </p:txBody>
       </p:sp>
-      <p:sp>
-        <p:nvSpPr>
-          <p:cNvPr id="2" name="TextBox 1">
+      <p:pic>
+        <p:nvPicPr>
+          <p:cNvPr id="6" name="Picture 5" descr="A black background with a black square&#10;&#10;Description automatically generated with medium confidence">
             <a:extLst>
               <a:ext uri="{FF2B5EF4-FFF2-40B4-BE49-F238E27FC236}">
-                <a16:creationId xmlns:a16="http://schemas.microsoft.com/office/drawing/2014/main" id="{E9D6F773-4776-5A5C-D648-2B60572D9D07}"/>
+                <a16:creationId xmlns:a16="http://schemas.microsoft.com/office/drawing/2014/main" id="{779FC2B3-C721-C342-061C-7454BADF9459}"/>
               </a:ext>
             </a:extLst>
           </p:cNvPr>
-          <p:cNvSpPr txBox="1"/>
+          <p:cNvPicPr>
+            <a:picLocks noChangeAspect="1"/>
+          </p:cNvPicPr>
           <p:nvPr/>
-        </p:nvSpPr>
+        </p:nvPicPr>
+        <p:blipFill>
+          <a:blip r:embed="rId3">
+            <a:alphaModFix amt="70000"/>
+            <a:extLst>
+              <a:ext uri="{28A0092B-C50C-407E-A947-70E740481C1C}">
+                <a14:useLocalDpi xmlns:a14="http://schemas.microsoft.com/office/drawing/2010/main" val="0"/>
+              </a:ext>
+            </a:extLst>
+          </a:blip>
+          <a:stretch>
+            <a:fillRect/>
+          </a:stretch>
+        </p:blipFill>
         <p:spPr>
           <a:xfrm>
-            <a:off x="6724644" y="2034329"/>
-            <a:ext cx="2152656" cy="515526"/>
+            <a:off x="10582445" y="5985436"/>
+            <a:ext cx="1441915" cy="568239"/>
           </a:xfrm>
           <a:prstGeom prst="rect">
             <a:avLst/>
           </a:prstGeom>
-          <a:noFill/>
         </p:spPr>
-        <p:txBody>
-          <a:bodyPr wrap="square">
-            <a:spAutoFit/>
-          </a:bodyPr>
-          <a:lstStyle/>
-          <a:p>
-            <a:pPr>
-              <a:lnSpc>
-                <a:spcPct val="150000"/>
-              </a:lnSpc>
-            </a:pPr>
-            <a:r>
-              <a:rPr lang="en-US" sz="2000" dirty="0" err="1">
-                <a:latin typeface="+mj-lt"/>
-              </a:rPr>
-              <a:t>Dificuldades</a:t>
-            </a:r>
-            <a:endParaRPr lang="en-GB" sz="2000" dirty="0">
-              <a:latin typeface="+mj-lt"/>
-              <a:cs typeface="Arial" panose="020B0604020202020204" pitchFamily="34" charset="0"/>
-            </a:endParaRPr>
-          </a:p>
-        </p:txBody>
-      </p:sp>
+      </p:pic>
       <p:sp>
         <p:nvSpPr>
-          <p:cNvPr id="3" name="TextBox 2">
+          <p:cNvPr id="44" name="Footer Placeholder 4">
             <a:extLst>
               <a:ext uri="{FF2B5EF4-FFF2-40B4-BE49-F238E27FC236}">
-                <a16:creationId xmlns:a16="http://schemas.microsoft.com/office/drawing/2014/main" id="{4BD2ED64-6EDC-5049-5F37-C014C000A3D9}"/>
-              </a:ext>
-            </a:extLst>
-          </p:cNvPr>
-          <p:cNvSpPr txBox="1"/>
-          <p:nvPr/>
-        </p:nvSpPr>
-        <p:spPr>
-          <a:xfrm>
-            <a:off x="1520662" y="2070819"/>
-            <a:ext cx="2870363" cy="515526"/>
-          </a:xfrm>
-          <a:prstGeom prst="rect">
-            <a:avLst/>
-          </a:prstGeom>
-          <a:noFill/>
-        </p:spPr>
-        <p:txBody>
-          <a:bodyPr wrap="square">
-            <a:spAutoFit/>
-          </a:bodyPr>
-          <a:lstStyle/>
-          <a:p>
-            <a:pPr>
-              <a:lnSpc>
-                <a:spcPct val="150000"/>
-              </a:lnSpc>
-            </a:pPr>
-            <a:r>
-              <a:rPr lang="en-US" sz="2000" dirty="0" err="1">
-                <a:latin typeface="+mj-lt"/>
-              </a:rPr>
-              <a:t>Desafios</a:t>
-            </a:r>
-            <a:endParaRPr lang="en-GB" sz="2000" dirty="0">
-              <a:latin typeface="+mj-lt"/>
-              <a:cs typeface="Arial" panose="020B0604020202020204" pitchFamily="34" charset="0"/>
-            </a:endParaRPr>
-          </a:p>
-        </p:txBody>
-      </p:sp>
-      <p:sp>
-        <p:nvSpPr>
-          <p:cNvPr id="6" name="TextBox 5">
-            <a:extLst>
-              <a:ext uri="{FF2B5EF4-FFF2-40B4-BE49-F238E27FC236}">
-                <a16:creationId xmlns:a16="http://schemas.microsoft.com/office/drawing/2014/main" id="{C3463C09-B451-2365-E9F9-5336814EF339}"/>
-              </a:ext>
-            </a:extLst>
-          </p:cNvPr>
-          <p:cNvSpPr txBox="1"/>
-          <p:nvPr/>
-        </p:nvSpPr>
-        <p:spPr>
-          <a:xfrm>
-            <a:off x="6724645" y="2724426"/>
-            <a:ext cx="4324356" cy="1458091"/>
-          </a:xfrm>
-          <a:prstGeom prst="rect">
-            <a:avLst/>
-          </a:prstGeom>
-          <a:noFill/>
-        </p:spPr>
-        <p:txBody>
-          <a:bodyPr wrap="square">
-            <a:spAutoFit/>
-          </a:bodyPr>
-          <a:lstStyle/>
-          <a:p>
-            <a:pPr marL="342900" lvl="0" indent="-342900">
-              <a:lnSpc>
-                <a:spcPct val="150000"/>
-              </a:lnSpc>
-              <a:spcAft>
-                <a:spcPts val="600"/>
-              </a:spcAft>
-              <a:buFont typeface="Symbol" panose="05050102010706020507" pitchFamily="18" charset="2"/>
-              <a:buChar char=""/>
-            </a:pPr>
-            <a:r>
-              <a:rPr lang="pt-PT" dirty="0">
-                <a:latin typeface="+mj-lt"/>
-                <a:cs typeface="Arial" panose="020B0604020202020204" pitchFamily="34" charset="0"/>
-              </a:rPr>
-              <a:t>Tratamento dos Dados</a:t>
-            </a:r>
-          </a:p>
-          <a:p>
-            <a:pPr marL="342900" lvl="0" indent="-342900">
-              <a:lnSpc>
-                <a:spcPct val="150000"/>
-              </a:lnSpc>
-              <a:spcAft>
-                <a:spcPts val="600"/>
-              </a:spcAft>
-              <a:buFont typeface="Symbol" panose="05050102010706020507" pitchFamily="18" charset="2"/>
-              <a:buChar char=""/>
-            </a:pPr>
-            <a:r>
-              <a:rPr lang="pt-PT" dirty="0">
-                <a:latin typeface="+mj-lt"/>
-                <a:cs typeface="Arial" panose="020B0604020202020204" pitchFamily="34" charset="0"/>
-              </a:rPr>
-              <a:t>Dataset </a:t>
-            </a:r>
-            <a:r>
-              <a:rPr lang="pt-PT" dirty="0" err="1">
-                <a:latin typeface="+mj-lt"/>
-                <a:cs typeface="Arial" panose="020B0604020202020204" pitchFamily="34" charset="0"/>
-              </a:rPr>
-              <a:t>desbalanceado</a:t>
-            </a:r>
-            <a:r>
-              <a:rPr lang="pt-PT" dirty="0">
-                <a:latin typeface="+mj-lt"/>
-                <a:cs typeface="Arial" panose="020B0604020202020204" pitchFamily="34" charset="0"/>
-              </a:rPr>
-              <a:t> </a:t>
-            </a:r>
-          </a:p>
-          <a:p>
-            <a:pPr marL="342900" lvl="0" indent="-342900">
-              <a:lnSpc>
-                <a:spcPct val="150000"/>
-              </a:lnSpc>
-              <a:spcAft>
-                <a:spcPts val="600"/>
-              </a:spcAft>
-              <a:buFont typeface="Symbol" panose="05050102010706020507" pitchFamily="18" charset="2"/>
-              <a:buChar char=""/>
-            </a:pPr>
-            <a:r>
-              <a:rPr lang="pt-PT" dirty="0">
-                <a:latin typeface="+mj-lt"/>
-                <a:cs typeface="Arial" panose="020B0604020202020204" pitchFamily="34" charset="0"/>
-              </a:rPr>
-              <a:t>Escolha entre modelos</a:t>
-            </a:r>
-            <a:endParaRPr lang="en-US" dirty="0">
-              <a:latin typeface="+mj-lt"/>
-              <a:cs typeface="Arial" panose="020B0604020202020204" pitchFamily="34" charset="0"/>
-            </a:endParaRPr>
-          </a:p>
-        </p:txBody>
-      </p:sp>
-      <p:sp>
-        <p:nvSpPr>
-          <p:cNvPr id="7" name="TextBox 6">
-            <a:extLst>
-              <a:ext uri="{FF2B5EF4-FFF2-40B4-BE49-F238E27FC236}">
-                <a16:creationId xmlns:a16="http://schemas.microsoft.com/office/drawing/2014/main" id="{CEA5FBB8-7582-CA7E-A74F-837139E14AB9}"/>
-              </a:ext>
-            </a:extLst>
-          </p:cNvPr>
-          <p:cNvSpPr txBox="1"/>
-          <p:nvPr/>
-        </p:nvSpPr>
-        <p:spPr>
-          <a:xfrm>
-            <a:off x="1520662" y="2689835"/>
-            <a:ext cx="4324356" cy="1458091"/>
-          </a:xfrm>
-          <a:prstGeom prst="rect">
-            <a:avLst/>
-          </a:prstGeom>
-          <a:noFill/>
-        </p:spPr>
-        <p:txBody>
-          <a:bodyPr wrap="square">
-            <a:spAutoFit/>
-          </a:bodyPr>
-          <a:lstStyle/>
-          <a:p>
-            <a:pPr marL="342900" indent="-342900">
-              <a:lnSpc>
-                <a:spcPct val="150000"/>
-              </a:lnSpc>
-              <a:spcAft>
-                <a:spcPts val="600"/>
-              </a:spcAft>
-              <a:buFont typeface="Symbol" panose="05050102010706020507" pitchFamily="18" charset="2"/>
-              <a:buChar char=""/>
-            </a:pPr>
-            <a:r>
-              <a:rPr lang="pt-PT" dirty="0" err="1">
-                <a:latin typeface="+mj-lt"/>
-                <a:cs typeface="Arial" panose="020B0604020202020204" pitchFamily="34" charset="0"/>
-              </a:rPr>
-              <a:t>Preprocessamento</a:t>
-            </a:r>
-            <a:r>
-              <a:rPr lang="pt-PT" dirty="0">
-                <a:latin typeface="+mj-lt"/>
-                <a:cs typeface="Arial" panose="020B0604020202020204" pitchFamily="34" charset="0"/>
-              </a:rPr>
-              <a:t> do dados</a:t>
-            </a:r>
-          </a:p>
-          <a:p>
-            <a:pPr marL="342900" indent="-342900">
-              <a:lnSpc>
-                <a:spcPct val="150000"/>
-              </a:lnSpc>
-              <a:spcAft>
-                <a:spcPts val="600"/>
-              </a:spcAft>
-              <a:buFont typeface="Symbol" panose="05050102010706020507" pitchFamily="18" charset="2"/>
-              <a:buChar char=""/>
-            </a:pPr>
-            <a:r>
-              <a:rPr lang="pt-PT" dirty="0" err="1">
-                <a:latin typeface="+mj-lt"/>
-                <a:cs typeface="Arial" panose="020B0604020202020204" pitchFamily="34" charset="0"/>
-              </a:rPr>
-              <a:t>Arquiterurar</a:t>
-            </a:r>
-            <a:r>
-              <a:rPr lang="pt-PT" dirty="0">
-                <a:latin typeface="+mj-lt"/>
-                <a:cs typeface="Arial" panose="020B0604020202020204" pitchFamily="34" charset="0"/>
-              </a:rPr>
-              <a:t> os modelos</a:t>
-            </a:r>
-          </a:p>
-          <a:p>
-            <a:pPr marL="342900" indent="-342900">
-              <a:lnSpc>
-                <a:spcPct val="150000"/>
-              </a:lnSpc>
-              <a:spcAft>
-                <a:spcPts val="600"/>
-              </a:spcAft>
-              <a:buFont typeface="Symbol" panose="05050102010706020507" pitchFamily="18" charset="2"/>
-              <a:buChar char=""/>
-            </a:pPr>
-            <a:r>
-              <a:rPr lang="pt-PT" dirty="0">
-                <a:latin typeface="+mj-lt"/>
-                <a:cs typeface="Arial" panose="020B0604020202020204" pitchFamily="34" charset="0"/>
-              </a:rPr>
-              <a:t>Avaliar a qualidade do estado da arte</a:t>
-            </a:r>
-            <a:endParaRPr lang="en-US" dirty="0">
-              <a:latin typeface="+mj-lt"/>
-              <a:cs typeface="Arial" panose="020B0604020202020204" pitchFamily="34" charset="0"/>
-            </a:endParaRPr>
-          </a:p>
-        </p:txBody>
-      </p:sp>
-      <p:sp>
-        <p:nvSpPr>
-          <p:cNvPr id="10" name="Footer Placeholder 4">
-            <a:extLst>
-              <a:ext uri="{FF2B5EF4-FFF2-40B4-BE49-F238E27FC236}">
-                <a16:creationId xmlns:a16="http://schemas.microsoft.com/office/drawing/2014/main" id="{2B6006BB-BC46-913F-77DC-5E1EDFAFAD9B}"/>
+                <a16:creationId xmlns:a16="http://schemas.microsoft.com/office/drawing/2014/main" id="{006595C8-F761-288A-AFC8-AF781970C9B0}"/>
               </a:ext>
             </a:extLst>
           </p:cNvPr>
@@ -27731,82 +30053,10 @@
           </a:p>
         </p:txBody>
       </p:sp>
-      <p:pic>
-        <p:nvPicPr>
-          <p:cNvPr id="11" name="Picture 10" descr="A black background with a black square&#10;&#10;Description automatically generated with medium confidence">
-            <a:extLst>
-              <a:ext uri="{FF2B5EF4-FFF2-40B4-BE49-F238E27FC236}">
-                <a16:creationId xmlns:a16="http://schemas.microsoft.com/office/drawing/2014/main" id="{9C1B1CA0-4F7A-68EE-7113-6EDF1270F684}"/>
-              </a:ext>
-            </a:extLst>
-          </p:cNvPr>
-          <p:cNvPicPr>
-            <a:picLocks noChangeAspect="1"/>
-          </p:cNvPicPr>
-          <p:nvPr/>
-        </p:nvPicPr>
-        <p:blipFill>
-          <a:blip r:embed="rId3">
-            <a:alphaModFix amt="70000"/>
-            <a:extLst>
-              <a:ext uri="{28A0092B-C50C-407E-A947-70E740481C1C}">
-                <a14:useLocalDpi xmlns:a14="http://schemas.microsoft.com/office/drawing/2010/main" val="0"/>
-              </a:ext>
-            </a:extLst>
-          </a:blip>
-          <a:stretch>
-            <a:fillRect/>
-          </a:stretch>
-        </p:blipFill>
-        <p:spPr>
-          <a:xfrm>
-            <a:off x="10582445" y="5985436"/>
-            <a:ext cx="1441915" cy="568239"/>
-          </a:xfrm>
-          <a:prstGeom prst="rect">
-            <a:avLst/>
-          </a:prstGeom>
-        </p:spPr>
-      </p:pic>
-      <p:sp>
-        <p:nvSpPr>
-          <p:cNvPr id="14" name="Title 1">
-            <a:extLst>
-              <a:ext uri="{FF2B5EF4-FFF2-40B4-BE49-F238E27FC236}">
-                <a16:creationId xmlns:a16="http://schemas.microsoft.com/office/drawing/2014/main" id="{2830C3EC-AB36-05CF-9E65-4C44854E9172}"/>
-              </a:ext>
-            </a:extLst>
-          </p:cNvPr>
-          <p:cNvSpPr>
-            <a:spLocks noGrp="1"/>
-          </p:cNvSpPr>
-          <p:nvPr>
-            <p:ph type="title"/>
-          </p:nvPr>
-        </p:nvSpPr>
-        <p:spPr>
-          <a:xfrm>
-            <a:off x="1520662" y="136525"/>
-            <a:ext cx="9150675" cy="1427585"/>
-          </a:xfrm>
-        </p:spPr>
-        <p:txBody>
-          <a:bodyPr>
-            <a:normAutofit/>
-          </a:bodyPr>
-          <a:lstStyle/>
-          <a:p>
-            <a:r>
-              <a:rPr lang="pt-PT" sz="4000" dirty="0"/>
-              <a:t>Desafios e Dificuldades</a:t>
-            </a:r>
-          </a:p>
-        </p:txBody>
-      </p:sp>
     </p:spTree>
     <p:extLst>
       <p:ext uri="{BB962C8B-B14F-4D97-AF65-F5344CB8AC3E}">
-        <p14:creationId xmlns:p14="http://schemas.microsoft.com/office/powerpoint/2010/main" val="590479766"/>
+        <p14:creationId xmlns:p14="http://schemas.microsoft.com/office/powerpoint/2010/main" val="544185471"/>
       </p:ext>
     </p:extLst>
   </p:cSld>
@@ -27816,7 +30066,7 @@
 </p:sld>
 </file>
 
-<file path=ppt/slides/slide29.xml><?xml version="1.0" encoding="utf-8"?>
+<file path=ppt/slides/slide30.xml><?xml version="1.0" encoding="utf-8"?>
 <p:sld xmlns:a="http://schemas.openxmlformats.org/drawingml/2006/main" xmlns:r="http://schemas.openxmlformats.org/officeDocument/2006/relationships" xmlns:p="http://schemas.openxmlformats.org/presentationml/2006/main">
   <p:cSld>
     <p:bg>
@@ -27867,7 +30117,7 @@
             <a:fld id="{18D65601-5AE2-46FC-B138-694DDD2B510D}" type="slidenum">
               <a:rPr lang="en-US" sz="1800" smtClean="0"/>
               <a:pPr/>
-              <a:t>29</a:t>
+              <a:t>30</a:t>
             </a:fld>
             <a:endParaRPr lang="en-US" sz="1800" dirty="0"/>
           </a:p>
@@ -27875,10 +30125,10 @@
       </p:sp>
       <p:sp>
         <p:nvSpPr>
-          <p:cNvPr id="9" name="TextBox 8">
+          <p:cNvPr id="2" name="TextBox 1">
             <a:extLst>
               <a:ext uri="{FF2B5EF4-FFF2-40B4-BE49-F238E27FC236}">
-                <a16:creationId xmlns:a16="http://schemas.microsoft.com/office/drawing/2014/main" id="{4838CFFE-CCBC-7643-9050-19D40AED96C5}"/>
+                <a16:creationId xmlns:a16="http://schemas.microsoft.com/office/drawing/2014/main" id="{E9D6F773-4776-5A5C-D648-2B60572D9D07}"/>
               </a:ext>
             </a:extLst>
           </p:cNvPr>
@@ -27887,7 +30137,7 @@
         </p:nvSpPr>
         <p:spPr>
           <a:xfrm>
-            <a:off x="6724644" y="1947043"/>
+            <a:off x="6724644" y="2034329"/>
             <a:ext cx="2152656" cy="515526"/>
           </a:xfrm>
           <a:prstGeom prst="rect">
@@ -27907,25 +30157,10 @@
               </a:lnSpc>
             </a:pPr>
             <a:r>
-              <a:rPr lang="en-GB" sz="2000" dirty="0" err="1">
+              <a:rPr lang="en-US" sz="2000" dirty="0" err="1">
                 <a:latin typeface="+mj-lt"/>
-                <a:cs typeface="Arial" panose="020B0604020202020204" pitchFamily="34" charset="0"/>
               </a:rPr>
-              <a:t>Trabalho</a:t>
-            </a:r>
-            <a:r>
-              <a:rPr lang="en-GB" sz="2000" dirty="0">
-                <a:latin typeface="+mj-lt"/>
-                <a:cs typeface="Arial" panose="020B0604020202020204" pitchFamily="34" charset="0"/>
-              </a:rPr>
-              <a:t> </a:t>
-            </a:r>
-            <a:r>
-              <a:rPr lang="en-GB" sz="2000" dirty="0" err="1">
-                <a:latin typeface="+mj-lt"/>
-                <a:cs typeface="Arial" panose="020B0604020202020204" pitchFamily="34" charset="0"/>
-              </a:rPr>
-              <a:t>Futuro</a:t>
+              <a:t>Dificuldades</a:t>
             </a:r>
             <a:endParaRPr lang="en-GB" sz="2000" dirty="0">
               <a:latin typeface="+mj-lt"/>
@@ -27936,10 +30171,10 @@
       </p:sp>
       <p:sp>
         <p:nvSpPr>
-          <p:cNvPr id="14" name="TextBox 13">
+          <p:cNvPr id="3" name="TextBox 2">
             <a:extLst>
               <a:ext uri="{FF2B5EF4-FFF2-40B4-BE49-F238E27FC236}">
-                <a16:creationId xmlns:a16="http://schemas.microsoft.com/office/drawing/2014/main" id="{4FACCAE5-F625-25B5-9CDD-2344AA1A50B6}"/>
+                <a16:creationId xmlns:a16="http://schemas.microsoft.com/office/drawing/2014/main" id="{4BD2ED64-6EDC-5049-5F37-C014C000A3D9}"/>
               </a:ext>
             </a:extLst>
           </p:cNvPr>
@@ -27948,7 +30183,7 @@
         </p:nvSpPr>
         <p:spPr>
           <a:xfrm>
-            <a:off x="1520662" y="1983533"/>
+            <a:off x="1520662" y="2070819"/>
             <a:ext cx="2870363" cy="515526"/>
           </a:xfrm>
           <a:prstGeom prst="rect">
@@ -27968,25 +30203,10 @@
               </a:lnSpc>
             </a:pPr>
             <a:r>
-              <a:rPr lang="en-GB" sz="2000" dirty="0" err="1">
+              <a:rPr lang="en-US" sz="2000" dirty="0" err="1">
                 <a:latin typeface="+mj-lt"/>
-                <a:cs typeface="Arial" panose="020B0604020202020204" pitchFamily="34" charset="0"/>
               </a:rPr>
-              <a:t>Objetivos</a:t>
-            </a:r>
-            <a:r>
-              <a:rPr lang="en-GB" sz="2000" dirty="0">
-                <a:latin typeface="+mj-lt"/>
-                <a:cs typeface="Arial" panose="020B0604020202020204" pitchFamily="34" charset="0"/>
-              </a:rPr>
-              <a:t> </a:t>
-            </a:r>
-            <a:r>
-              <a:rPr lang="en-GB" sz="2000" dirty="0" err="1">
-                <a:latin typeface="+mj-lt"/>
-                <a:cs typeface="Arial" panose="020B0604020202020204" pitchFamily="34" charset="0"/>
-              </a:rPr>
-              <a:t>Cumpridos</a:t>
+              <a:t>Desafios</a:t>
             </a:r>
             <a:endParaRPr lang="en-GB" sz="2000" dirty="0">
               <a:latin typeface="+mj-lt"/>
@@ -27997,10 +30217,10 @@
       </p:sp>
       <p:sp>
         <p:nvSpPr>
-          <p:cNvPr id="17" name="TextBox 16">
+          <p:cNvPr id="6" name="TextBox 5">
             <a:extLst>
               <a:ext uri="{FF2B5EF4-FFF2-40B4-BE49-F238E27FC236}">
-                <a16:creationId xmlns:a16="http://schemas.microsoft.com/office/drawing/2014/main" id="{C95C5D30-2DD7-C4B9-A6F8-C256BACD9280}"/>
+                <a16:creationId xmlns:a16="http://schemas.microsoft.com/office/drawing/2014/main" id="{C3463C09-B451-2365-E9F9-5336814EF339}"/>
               </a:ext>
             </a:extLst>
           </p:cNvPr>
@@ -28009,8 +30229,8 @@
         </p:nvSpPr>
         <p:spPr>
           <a:xfrm>
-            <a:off x="6724645" y="2637140"/>
-            <a:ext cx="4324356" cy="2781531"/>
+            <a:off x="6724645" y="2724426"/>
+            <a:ext cx="4324356" cy="1458091"/>
           </a:xfrm>
           <a:prstGeom prst="rect">
             <a:avLst/>
@@ -28038,7 +30258,7 @@
                 <a:latin typeface="+mj-lt"/>
                 <a:cs typeface="Arial" panose="020B0604020202020204" pitchFamily="34" charset="0"/>
               </a:rPr>
-              <a:t>Expansão do dataset</a:t>
+              <a:t>Tratamento dos Dados</a:t>
             </a:r>
           </a:p>
           <a:p>
@@ -28057,7 +30277,21 @@
                 <a:latin typeface="+mj-lt"/>
                 <a:cs typeface="Arial" panose="020B0604020202020204" pitchFamily="34" charset="0"/>
               </a:rPr>
-              <a:t>Integração com tecnologias de veículos autónomos</a:t>
+              <a:t>Dataset </a:t>
+            </a:r>
+            <a:r>
+              <a:rPr lang="pt-PT" dirty="0" err="1">
+                <a:latin typeface="+mj-lt"/>
+                <a:cs typeface="Arial" panose="020B0604020202020204" pitchFamily="34" charset="0"/>
+              </a:rPr>
+              <a:t>desbalanceado</a:t>
+            </a:r>
+            <a:r>
+              <a:rPr lang="pt-PT" dirty="0">
+                <a:latin typeface="+mj-lt"/>
+                <a:cs typeface="Arial" panose="020B0604020202020204" pitchFamily="34" charset="0"/>
+              </a:rPr>
+              <a:t> </a:t>
             </a:r>
           </a:p>
           <a:p>
@@ -28076,26 +30310,7 @@
                 <a:latin typeface="+mj-lt"/>
                 <a:cs typeface="Arial" panose="020B0604020202020204" pitchFamily="34" charset="0"/>
               </a:rPr>
-              <a:t>Estudos de impacto e usabilidade</a:t>
-            </a:r>
-          </a:p>
-          <a:p>
-            <a:pPr marL="342900" lvl="0" indent="-342900">
-              <a:lnSpc>
-                <a:spcPct val="150000"/>
-              </a:lnSpc>
-              <a:spcAft>
-                <a:spcPts val="600"/>
-              </a:spcAft>
-              <a:buFont typeface="Symbol" panose="05050102010706020507" pitchFamily="18" charset="2"/>
-              <a:buChar char=""/>
-            </a:pPr>
-            <a:r>
-              <a:rPr lang="pt-PT" dirty="0">
-                <a:latin typeface="+mj-lt"/>
-                <a:cs typeface="Arial" panose="020B0604020202020204" pitchFamily="34" charset="0"/>
-              </a:rPr>
-              <a:t>Aprimoramento dos modelos desenvolvidos</a:t>
+              <a:t>Escolha entre modelos</a:t>
             </a:r>
             <a:endParaRPr lang="en-US" dirty="0">
               <a:latin typeface="+mj-lt"/>
@@ -28106,10 +30321,10 @@
       </p:sp>
       <p:sp>
         <p:nvSpPr>
-          <p:cNvPr id="20" name="TextBox 19">
+          <p:cNvPr id="7" name="TextBox 6">
             <a:extLst>
               <a:ext uri="{FF2B5EF4-FFF2-40B4-BE49-F238E27FC236}">
-                <a16:creationId xmlns:a16="http://schemas.microsoft.com/office/drawing/2014/main" id="{92EBE188-305F-8BF5-78DE-432F6BA18A2D}"/>
+                <a16:creationId xmlns:a16="http://schemas.microsoft.com/office/drawing/2014/main" id="{CEA5FBB8-7582-CA7E-A74F-837139E14AB9}"/>
               </a:ext>
             </a:extLst>
           </p:cNvPr>
@@ -28118,8 +30333,8 @@
         </p:nvSpPr>
         <p:spPr>
           <a:xfrm>
-            <a:off x="1520662" y="2602549"/>
-            <a:ext cx="4324356" cy="3197029"/>
+            <a:off x="1520662" y="2689835"/>
+            <a:ext cx="4324356" cy="1458091"/>
           </a:xfrm>
           <a:prstGeom prst="rect">
             <a:avLst/>
@@ -28132,27 +30347,6 @@
           </a:bodyPr>
           <a:lstStyle/>
           <a:p>
-            <a:pPr marL="342900" lvl="0" indent="-342900">
-              <a:lnSpc>
-                <a:spcPct val="150000"/>
-              </a:lnSpc>
-              <a:spcAft>
-                <a:spcPts val="600"/>
-              </a:spcAft>
-              <a:buFont typeface="Symbol" panose="05050102010706020507" pitchFamily="18" charset="2"/>
-              <a:buChar char=""/>
-            </a:pPr>
-            <a:r>
-              <a:rPr lang="pt-PT" sz="1800" dirty="0">
-                <a:effectLst/>
-                <a:latin typeface="+mj-lt"/>
-                <a:ea typeface="Calibri" panose="020F0502020204030204" pitchFamily="34" charset="0"/>
-                <a:cs typeface="Arial" panose="020B0604020202020204" pitchFamily="34" charset="0"/>
-              </a:rPr>
-              <a:t>Criação de modelos LSTM </a:t>
-            </a:r>
-          </a:p>
-          <a:p>
             <a:pPr marL="342900" indent="-342900">
               <a:lnSpc>
                 <a:spcPct val="150000"/>
@@ -28164,63 +30358,19 @@
               <a:buChar char=""/>
             </a:pPr>
             <a:r>
-              <a:rPr lang="pt-PT" sz="1800" dirty="0">
-                <a:effectLst/>
+              <a:rPr lang="pt-PT" dirty="0" err="1">
                 <a:latin typeface="+mj-lt"/>
-                <a:ea typeface="Calibri" panose="020F0502020204030204" pitchFamily="34" charset="0"/>
                 <a:cs typeface="Arial" panose="020B0604020202020204" pitchFamily="34" charset="0"/>
               </a:rPr>
-              <a:t>Treino dos modelos com o dados </a:t>
-            </a:r>
-            <a:r>
-              <a:rPr lang="pt-PT" dirty="0" err="1">
+              <a:t>Preprocessamento</a:t>
+            </a:r>
+            <a:r>
+              <a:rPr lang="pt-PT" dirty="0">
                 <a:latin typeface="+mj-lt"/>
-                <a:ea typeface="Calibri" panose="020F0502020204030204" pitchFamily="34" charset="0"/>
                 <a:cs typeface="Arial" panose="020B0604020202020204" pitchFamily="34" charset="0"/>
               </a:rPr>
-              <a:t>p</a:t>
-            </a:r>
-            <a:r>
-              <a:rPr lang="pt-PT" sz="1800" dirty="0" err="1">
-                <a:effectLst/>
-                <a:latin typeface="+mj-lt"/>
-                <a:ea typeface="Calibri" panose="020F0502020204030204" pitchFamily="34" charset="0"/>
-                <a:cs typeface="Arial" panose="020B0604020202020204" pitchFamily="34" charset="0"/>
-              </a:rPr>
-              <a:t>re</a:t>
-            </a:r>
-            <a:r>
-              <a:rPr lang="pt-PT" dirty="0" err="1">
-                <a:latin typeface="+mj-lt"/>
-                <a:ea typeface="Calibri" panose="020F0502020204030204" pitchFamily="34" charset="0"/>
-                <a:cs typeface="Arial" panose="020B0604020202020204" pitchFamily="34" charset="0"/>
-              </a:rPr>
-              <a:t>p</a:t>
-            </a:r>
-            <a:r>
-              <a:rPr lang="pt-PT" sz="1800" dirty="0" err="1">
-                <a:effectLst/>
-                <a:latin typeface="+mj-lt"/>
-                <a:ea typeface="Calibri" panose="020F0502020204030204" pitchFamily="34" charset="0"/>
-                <a:cs typeface="Arial" panose="020B0604020202020204" pitchFamily="34" charset="0"/>
-              </a:rPr>
-              <a:t>rocessados</a:t>
-            </a:r>
-            <a:r>
-              <a:rPr lang="pt-PT" sz="1800" dirty="0">
-                <a:effectLst/>
-                <a:latin typeface="+mj-lt"/>
-                <a:ea typeface="Calibri" panose="020F0502020204030204" pitchFamily="34" charset="0"/>
-                <a:cs typeface="Arial" panose="020B0604020202020204" pitchFamily="34" charset="0"/>
-              </a:rPr>
-              <a:t> </a:t>
-            </a:r>
-            <a:endParaRPr lang="en-US" sz="1800" dirty="0">
-              <a:effectLst/>
-              <a:latin typeface="+mj-lt"/>
-              <a:ea typeface="Calibri" panose="020F0502020204030204" pitchFamily="34" charset="0"/>
-              <a:cs typeface="Arial" panose="020B0604020202020204" pitchFamily="34" charset="0"/>
-            </a:endParaRPr>
+              <a:t> do dados</a:t>
+            </a:r>
           </a:p>
           <a:p>
             <a:pPr marL="342900" indent="-342900">
@@ -28234,25 +30384,22 @@
               <a:buChar char=""/>
             </a:pPr>
             <a:r>
+              <a:rPr lang="pt-PT" dirty="0" err="1">
+                <a:latin typeface="+mj-lt"/>
+                <a:cs typeface="Arial" panose="020B0604020202020204" pitchFamily="34" charset="0"/>
+              </a:rPr>
+              <a:t>Arquiterurar</a:t>
+            </a:r>
+            <a:r>
               <a:rPr lang="pt-PT" dirty="0">
                 <a:latin typeface="+mj-lt"/>
-                <a:ea typeface="Calibri" panose="020F0502020204030204" pitchFamily="34" charset="0"/>
                 <a:cs typeface="Arial" panose="020B0604020202020204" pitchFamily="34" charset="0"/>
               </a:rPr>
-              <a:t>C</a:t>
-            </a:r>
-            <a:r>
-              <a:rPr lang="pt-PT" sz="1800" dirty="0">
-                <a:effectLst/>
-                <a:latin typeface="+mj-lt"/>
-                <a:ea typeface="Calibri" panose="020F0502020204030204" pitchFamily="34" charset="0"/>
-                <a:cs typeface="Arial" panose="020B0604020202020204" pitchFamily="34" charset="0"/>
-              </a:rPr>
-              <a:t>lassificar o comportamento do condutor com elevado grau de precisão</a:t>
-            </a:r>
-          </a:p>
-          <a:p>
-            <a:pPr marL="342900" indent="-342900" algn="just">
+              <a:t> os modelos</a:t>
+            </a:r>
+          </a:p>
+          <a:p>
+            <a:pPr marL="342900" indent="-342900">
               <a:lnSpc>
                 <a:spcPct val="150000"/>
               </a:lnSpc>
@@ -28263,18 +30410,14 @@
               <a:buChar char=""/>
             </a:pPr>
             <a:r>
-              <a:rPr lang="pt-PT" sz="1800" dirty="0">
-                <a:effectLst/>
+              <a:rPr lang="pt-PT" dirty="0">
                 <a:latin typeface="+mj-lt"/>
-                <a:ea typeface="Calibri" panose="020F0502020204030204" pitchFamily="34" charset="0"/>
                 <a:cs typeface="Arial" panose="020B0604020202020204" pitchFamily="34" charset="0"/>
               </a:rPr>
-              <a:t> Relatórios e análise</a:t>
-            </a:r>
-            <a:endParaRPr lang="en-US" sz="1800" dirty="0">
-              <a:effectLst/>
+              <a:t>Avaliar a qualidade do estado da arte</a:t>
+            </a:r>
+            <a:endParaRPr lang="en-US" dirty="0">
               <a:latin typeface="+mj-lt"/>
-              <a:ea typeface="Calibri" panose="020F0502020204030204" pitchFamily="34" charset="0"/>
               <a:cs typeface="Arial" panose="020B0604020202020204" pitchFamily="34" charset="0"/>
             </a:endParaRPr>
           </a:p>
@@ -28282,10 +30425,10 @@
       </p:sp>
       <p:sp>
         <p:nvSpPr>
-          <p:cNvPr id="6" name="Footer Placeholder 4">
+          <p:cNvPr id="10" name="Footer Placeholder 4">
             <a:extLst>
               <a:ext uri="{FF2B5EF4-FFF2-40B4-BE49-F238E27FC236}">
-                <a16:creationId xmlns:a16="http://schemas.microsoft.com/office/drawing/2014/main" id="{4A6B169C-5B01-043B-CECA-8815CA5F149E}"/>
+                <a16:creationId xmlns:a16="http://schemas.microsoft.com/office/drawing/2014/main" id="{2B6006BB-BC46-913F-77DC-5E1EDFAFAD9B}"/>
               </a:ext>
             </a:extLst>
           </p:cNvPr>
@@ -28428,10 +30571,10 @@
       </p:sp>
       <p:pic>
         <p:nvPicPr>
-          <p:cNvPr id="7" name="Picture 6" descr="A black background with a black square&#10;&#10;Description automatically generated with medium confidence">
+          <p:cNvPr id="11" name="Picture 10" descr="A black background with a black square&#10;&#10;Description automatically generated with medium confidence">
             <a:extLst>
               <a:ext uri="{FF2B5EF4-FFF2-40B4-BE49-F238E27FC236}">
-                <a16:creationId xmlns:a16="http://schemas.microsoft.com/office/drawing/2014/main" id="{29D66CAA-2642-0A88-3538-8283CE55ED76}"/>
+                <a16:creationId xmlns:a16="http://schemas.microsoft.com/office/drawing/2014/main" id="{9C1B1CA0-4F7A-68EE-7113-6EDF1270F684}"/>
               </a:ext>
             </a:extLst>
           </p:cNvPr>
@@ -28465,10 +30608,10 @@
       </p:pic>
       <p:sp>
         <p:nvSpPr>
-          <p:cNvPr id="8" name="Title 1">
+          <p:cNvPr id="14" name="Title 1">
             <a:extLst>
               <a:ext uri="{FF2B5EF4-FFF2-40B4-BE49-F238E27FC236}">
-                <a16:creationId xmlns:a16="http://schemas.microsoft.com/office/drawing/2014/main" id="{A3E0C31A-4570-94C6-18D6-9D610698F9B2}"/>
+                <a16:creationId xmlns:a16="http://schemas.microsoft.com/office/drawing/2014/main" id="{2830C3EC-AB36-05CF-9E65-4C44854E9172}"/>
               </a:ext>
             </a:extLst>
           </p:cNvPr>
@@ -28493,7 +30636,7 @@
           <a:p>
             <a:r>
               <a:rPr lang="pt-PT" sz="4000" dirty="0"/>
-              <a:t>Conclusões</a:t>
+              <a:t>Desafios e Dificuldades</a:t>
             </a:r>
           </a:p>
         </p:txBody>
@@ -28501,7 +30644,7 @@
     </p:spTree>
     <p:extLst>
       <p:ext uri="{BB962C8B-B14F-4D97-AF65-F5344CB8AC3E}">
-        <p14:creationId xmlns:p14="http://schemas.microsoft.com/office/powerpoint/2010/main" val="798452427"/>
+        <p14:creationId xmlns:p14="http://schemas.microsoft.com/office/powerpoint/2010/main" val="590479766"/>
       </p:ext>
     </p:extLst>
   </p:cSld>
@@ -28511,7 +30654,7 @@
 </p:sld>
 </file>
 
-<file path=ppt/slides/slide3.xml><?xml version="1.0" encoding="utf-8"?>
+<file path=ppt/slides/slide31.xml><?xml version="1.0" encoding="utf-8"?>
 <p:sld xmlns:a="http://schemas.openxmlformats.org/drawingml/2006/main" xmlns:r="http://schemas.openxmlformats.org/officeDocument/2006/relationships" xmlns:p="http://schemas.openxmlformats.org/presentationml/2006/main">
   <p:cSld>
     <p:bg>
@@ -28540,44 +30683,10 @@
       </p:grpSpPr>
       <p:sp>
         <p:nvSpPr>
-          <p:cNvPr id="2" name="Title 1">
+          <p:cNvPr id="4" name="Slide Number Placeholder 3">
             <a:extLst>
               <a:ext uri="{FF2B5EF4-FFF2-40B4-BE49-F238E27FC236}">
-                <a16:creationId xmlns:a16="http://schemas.microsoft.com/office/drawing/2014/main" id="{2CD97761-0B88-A5E8-0B78-C39173D05F4D}"/>
-              </a:ext>
-            </a:extLst>
-          </p:cNvPr>
-          <p:cNvSpPr>
-            <a:spLocks noGrp="1"/>
-          </p:cNvSpPr>
-          <p:nvPr>
-            <p:ph type="title"/>
-          </p:nvPr>
-        </p:nvSpPr>
-        <p:spPr>
-          <a:xfrm>
-            <a:off x="1381118" y="725454"/>
-            <a:ext cx="9464681" cy="5407091"/>
-          </a:xfrm>
-        </p:spPr>
-        <p:txBody>
-          <a:bodyPr/>
-          <a:lstStyle/>
-          <a:p>
-            <a:pPr algn="ctr"/>
-            <a:r>
-              <a:rPr lang="pt-PT" dirty="0"/>
-              <a:t>Introdução, Motivação e Objetivos</a:t>
-            </a:r>
-          </a:p>
-        </p:txBody>
-      </p:sp>
-      <p:sp>
-        <p:nvSpPr>
-          <p:cNvPr id="4" name="Slide Number Placeholder 3">
-            <a:extLst>
-              <a:ext uri="{FF2B5EF4-FFF2-40B4-BE49-F238E27FC236}">
-                <a16:creationId xmlns:a16="http://schemas.microsoft.com/office/drawing/2014/main" id="{2CD4601E-33F5-5714-867D-A0B584DA7C11}"/>
+                <a16:creationId xmlns:a16="http://schemas.microsoft.com/office/drawing/2014/main" id="{527C964F-E2D5-D8E7-C513-C47A7E409DF3}"/>
               </a:ext>
             </a:extLst>
           </p:cNvPr>
@@ -28596,55 +30705,425 @@
             <a:fld id="{18D65601-5AE2-46FC-B138-694DDD2B510D}" type="slidenum">
               <a:rPr lang="en-US" sz="1800" smtClean="0"/>
               <a:pPr/>
-              <a:t>3</a:t>
+              <a:t>31</a:t>
             </a:fld>
             <a:endParaRPr lang="en-US" sz="1800" dirty="0"/>
           </a:p>
         </p:txBody>
       </p:sp>
-      <p:pic>
-        <p:nvPicPr>
-          <p:cNvPr id="6" name="Picture 5" descr="A black background with a black square&#10;&#10;Description automatically generated with medium confidence">
+      <p:sp>
+        <p:nvSpPr>
+          <p:cNvPr id="9" name="TextBox 8">
             <a:extLst>
               <a:ext uri="{FF2B5EF4-FFF2-40B4-BE49-F238E27FC236}">
-                <a16:creationId xmlns:a16="http://schemas.microsoft.com/office/drawing/2014/main" id="{779FC2B3-C721-C342-061C-7454BADF9459}"/>
+                <a16:creationId xmlns:a16="http://schemas.microsoft.com/office/drawing/2014/main" id="{4838CFFE-CCBC-7643-9050-19D40AED96C5}"/>
               </a:ext>
             </a:extLst>
           </p:cNvPr>
-          <p:cNvPicPr>
-            <a:picLocks noChangeAspect="1"/>
-          </p:cNvPicPr>
+          <p:cNvSpPr txBox="1"/>
           <p:nvPr/>
-        </p:nvPicPr>
-        <p:blipFill>
-          <a:blip r:embed="rId3">
-            <a:alphaModFix amt="70000"/>
-            <a:extLst>
-              <a:ext uri="{28A0092B-C50C-407E-A947-70E740481C1C}">
-                <a14:useLocalDpi xmlns:a14="http://schemas.microsoft.com/office/drawing/2010/main" val="0"/>
-              </a:ext>
-            </a:extLst>
-          </a:blip>
-          <a:stretch>
-            <a:fillRect/>
-          </a:stretch>
-        </p:blipFill>
+        </p:nvSpPr>
         <p:spPr>
           <a:xfrm>
-            <a:off x="10582445" y="5985436"/>
-            <a:ext cx="1441915" cy="568239"/>
+            <a:off x="6724644" y="1947043"/>
+            <a:ext cx="2152656" cy="515526"/>
           </a:xfrm>
           <a:prstGeom prst="rect">
             <a:avLst/>
           </a:prstGeom>
+          <a:noFill/>
         </p:spPr>
-      </p:pic>
+        <p:txBody>
+          <a:bodyPr wrap="square">
+            <a:spAutoFit/>
+          </a:bodyPr>
+          <a:lstStyle/>
+          <a:p>
+            <a:pPr>
+              <a:lnSpc>
+                <a:spcPct val="150000"/>
+              </a:lnSpc>
+            </a:pPr>
+            <a:r>
+              <a:rPr lang="en-GB" sz="2000" dirty="0" err="1">
+                <a:latin typeface="+mj-lt"/>
+                <a:cs typeface="Arial" panose="020B0604020202020204" pitchFamily="34" charset="0"/>
+              </a:rPr>
+              <a:t>Trabalho</a:t>
+            </a:r>
+            <a:r>
+              <a:rPr lang="en-GB" sz="2000" dirty="0">
+                <a:latin typeface="+mj-lt"/>
+                <a:cs typeface="Arial" panose="020B0604020202020204" pitchFamily="34" charset="0"/>
+              </a:rPr>
+              <a:t> </a:t>
+            </a:r>
+            <a:r>
+              <a:rPr lang="en-GB" sz="2000" dirty="0" err="1">
+                <a:latin typeface="+mj-lt"/>
+                <a:cs typeface="Arial" panose="020B0604020202020204" pitchFamily="34" charset="0"/>
+              </a:rPr>
+              <a:t>Futuro</a:t>
+            </a:r>
+            <a:endParaRPr lang="en-GB" sz="2000" dirty="0">
+              <a:latin typeface="+mj-lt"/>
+              <a:cs typeface="Arial" panose="020B0604020202020204" pitchFamily="34" charset="0"/>
+            </a:endParaRPr>
+          </a:p>
+        </p:txBody>
+      </p:sp>
       <p:sp>
         <p:nvSpPr>
-          <p:cNvPr id="44" name="Footer Placeholder 4">
+          <p:cNvPr id="14" name="TextBox 13">
             <a:extLst>
               <a:ext uri="{FF2B5EF4-FFF2-40B4-BE49-F238E27FC236}">
-                <a16:creationId xmlns:a16="http://schemas.microsoft.com/office/drawing/2014/main" id="{006595C8-F761-288A-AFC8-AF781970C9B0}"/>
+                <a16:creationId xmlns:a16="http://schemas.microsoft.com/office/drawing/2014/main" id="{4FACCAE5-F625-25B5-9CDD-2344AA1A50B6}"/>
+              </a:ext>
+            </a:extLst>
+          </p:cNvPr>
+          <p:cNvSpPr txBox="1"/>
+          <p:nvPr/>
+        </p:nvSpPr>
+        <p:spPr>
+          <a:xfrm>
+            <a:off x="1520662" y="1983533"/>
+            <a:ext cx="2870363" cy="515526"/>
+          </a:xfrm>
+          <a:prstGeom prst="rect">
+            <a:avLst/>
+          </a:prstGeom>
+          <a:noFill/>
+        </p:spPr>
+        <p:txBody>
+          <a:bodyPr wrap="square">
+            <a:spAutoFit/>
+          </a:bodyPr>
+          <a:lstStyle/>
+          <a:p>
+            <a:pPr>
+              <a:lnSpc>
+                <a:spcPct val="150000"/>
+              </a:lnSpc>
+            </a:pPr>
+            <a:r>
+              <a:rPr lang="en-GB" sz="2000" dirty="0" err="1">
+                <a:latin typeface="+mj-lt"/>
+                <a:cs typeface="Arial" panose="020B0604020202020204" pitchFamily="34" charset="0"/>
+              </a:rPr>
+              <a:t>Objetivos</a:t>
+            </a:r>
+            <a:r>
+              <a:rPr lang="en-GB" sz="2000" dirty="0">
+                <a:latin typeface="+mj-lt"/>
+                <a:cs typeface="Arial" panose="020B0604020202020204" pitchFamily="34" charset="0"/>
+              </a:rPr>
+              <a:t> </a:t>
+            </a:r>
+            <a:r>
+              <a:rPr lang="en-GB" sz="2000" dirty="0" err="1">
+                <a:latin typeface="+mj-lt"/>
+                <a:cs typeface="Arial" panose="020B0604020202020204" pitchFamily="34" charset="0"/>
+              </a:rPr>
+              <a:t>Cumpridos</a:t>
+            </a:r>
+            <a:endParaRPr lang="en-GB" sz="2000" dirty="0">
+              <a:latin typeface="+mj-lt"/>
+              <a:cs typeface="Arial" panose="020B0604020202020204" pitchFamily="34" charset="0"/>
+            </a:endParaRPr>
+          </a:p>
+        </p:txBody>
+      </p:sp>
+      <p:sp>
+        <p:nvSpPr>
+          <p:cNvPr id="17" name="TextBox 16">
+            <a:extLst>
+              <a:ext uri="{FF2B5EF4-FFF2-40B4-BE49-F238E27FC236}">
+                <a16:creationId xmlns:a16="http://schemas.microsoft.com/office/drawing/2014/main" id="{C95C5D30-2DD7-C4B9-A6F8-C256BACD9280}"/>
+              </a:ext>
+            </a:extLst>
+          </p:cNvPr>
+          <p:cNvSpPr txBox="1"/>
+          <p:nvPr/>
+        </p:nvSpPr>
+        <p:spPr>
+          <a:xfrm>
+            <a:off x="6724645" y="2637140"/>
+            <a:ext cx="4324356" cy="2781531"/>
+          </a:xfrm>
+          <a:prstGeom prst="rect">
+            <a:avLst/>
+          </a:prstGeom>
+          <a:noFill/>
+        </p:spPr>
+        <p:txBody>
+          <a:bodyPr wrap="square">
+            <a:spAutoFit/>
+          </a:bodyPr>
+          <a:lstStyle/>
+          <a:p>
+            <a:pPr marL="342900" lvl="0" indent="-342900">
+              <a:lnSpc>
+                <a:spcPct val="150000"/>
+              </a:lnSpc>
+              <a:spcAft>
+                <a:spcPts val="600"/>
+              </a:spcAft>
+              <a:buFont typeface="Symbol" panose="05050102010706020507" pitchFamily="18" charset="2"/>
+              <a:buChar char=""/>
+            </a:pPr>
+            <a:r>
+              <a:rPr lang="pt-PT" dirty="0">
+                <a:latin typeface="+mj-lt"/>
+                <a:cs typeface="Arial" panose="020B0604020202020204" pitchFamily="34" charset="0"/>
+              </a:rPr>
+              <a:t>Expansão do dataset</a:t>
+            </a:r>
+          </a:p>
+          <a:p>
+            <a:pPr marL="342900" lvl="0" indent="-342900">
+              <a:lnSpc>
+                <a:spcPct val="150000"/>
+              </a:lnSpc>
+              <a:spcAft>
+                <a:spcPts val="600"/>
+              </a:spcAft>
+              <a:buFont typeface="Symbol" panose="05050102010706020507" pitchFamily="18" charset="2"/>
+              <a:buChar char=""/>
+            </a:pPr>
+            <a:r>
+              <a:rPr lang="pt-PT" dirty="0">
+                <a:latin typeface="+mj-lt"/>
+                <a:cs typeface="Arial" panose="020B0604020202020204" pitchFamily="34" charset="0"/>
+              </a:rPr>
+              <a:t>Integração com tecnologias de veículos autónomos</a:t>
+            </a:r>
+          </a:p>
+          <a:p>
+            <a:pPr marL="342900" lvl="0" indent="-342900">
+              <a:lnSpc>
+                <a:spcPct val="150000"/>
+              </a:lnSpc>
+              <a:spcAft>
+                <a:spcPts val="600"/>
+              </a:spcAft>
+              <a:buFont typeface="Symbol" panose="05050102010706020507" pitchFamily="18" charset="2"/>
+              <a:buChar char=""/>
+            </a:pPr>
+            <a:r>
+              <a:rPr lang="pt-PT" dirty="0">
+                <a:latin typeface="+mj-lt"/>
+                <a:cs typeface="Arial" panose="020B0604020202020204" pitchFamily="34" charset="0"/>
+              </a:rPr>
+              <a:t>Estudos de impacto e usabilidade</a:t>
+            </a:r>
+          </a:p>
+          <a:p>
+            <a:pPr marL="342900" lvl="0" indent="-342900">
+              <a:lnSpc>
+                <a:spcPct val="150000"/>
+              </a:lnSpc>
+              <a:spcAft>
+                <a:spcPts val="600"/>
+              </a:spcAft>
+              <a:buFont typeface="Symbol" panose="05050102010706020507" pitchFamily="18" charset="2"/>
+              <a:buChar char=""/>
+            </a:pPr>
+            <a:r>
+              <a:rPr lang="pt-PT" dirty="0">
+                <a:latin typeface="+mj-lt"/>
+                <a:cs typeface="Arial" panose="020B0604020202020204" pitchFamily="34" charset="0"/>
+              </a:rPr>
+              <a:t>Aprimoramento dos modelos desenvolvidos</a:t>
+            </a:r>
+            <a:endParaRPr lang="en-US" dirty="0">
+              <a:latin typeface="+mj-lt"/>
+              <a:cs typeface="Arial" panose="020B0604020202020204" pitchFamily="34" charset="0"/>
+            </a:endParaRPr>
+          </a:p>
+        </p:txBody>
+      </p:sp>
+      <p:sp>
+        <p:nvSpPr>
+          <p:cNvPr id="20" name="TextBox 19">
+            <a:extLst>
+              <a:ext uri="{FF2B5EF4-FFF2-40B4-BE49-F238E27FC236}">
+                <a16:creationId xmlns:a16="http://schemas.microsoft.com/office/drawing/2014/main" id="{92EBE188-305F-8BF5-78DE-432F6BA18A2D}"/>
+              </a:ext>
+            </a:extLst>
+          </p:cNvPr>
+          <p:cNvSpPr txBox="1"/>
+          <p:nvPr/>
+        </p:nvSpPr>
+        <p:spPr>
+          <a:xfrm>
+            <a:off x="1520662" y="2602549"/>
+            <a:ext cx="4324356" cy="3197029"/>
+          </a:xfrm>
+          <a:prstGeom prst="rect">
+            <a:avLst/>
+          </a:prstGeom>
+          <a:noFill/>
+        </p:spPr>
+        <p:txBody>
+          <a:bodyPr wrap="square">
+            <a:spAutoFit/>
+          </a:bodyPr>
+          <a:lstStyle/>
+          <a:p>
+            <a:pPr marL="342900" lvl="0" indent="-342900">
+              <a:lnSpc>
+                <a:spcPct val="150000"/>
+              </a:lnSpc>
+              <a:spcAft>
+                <a:spcPts val="600"/>
+              </a:spcAft>
+              <a:buFont typeface="Symbol" panose="05050102010706020507" pitchFamily="18" charset="2"/>
+              <a:buChar char=""/>
+            </a:pPr>
+            <a:r>
+              <a:rPr lang="pt-PT" sz="1800" dirty="0">
+                <a:effectLst/>
+                <a:latin typeface="+mj-lt"/>
+                <a:ea typeface="Calibri" panose="020F0502020204030204" pitchFamily="34" charset="0"/>
+                <a:cs typeface="Arial" panose="020B0604020202020204" pitchFamily="34" charset="0"/>
+              </a:rPr>
+              <a:t>Criação de modelos LSTM </a:t>
+            </a:r>
+          </a:p>
+          <a:p>
+            <a:pPr marL="342900" indent="-342900">
+              <a:lnSpc>
+                <a:spcPct val="150000"/>
+              </a:lnSpc>
+              <a:spcAft>
+                <a:spcPts val="600"/>
+              </a:spcAft>
+              <a:buFont typeface="Symbol" panose="05050102010706020507" pitchFamily="18" charset="2"/>
+              <a:buChar char=""/>
+            </a:pPr>
+            <a:r>
+              <a:rPr lang="pt-PT" sz="1800" dirty="0">
+                <a:effectLst/>
+                <a:latin typeface="+mj-lt"/>
+                <a:ea typeface="Calibri" panose="020F0502020204030204" pitchFamily="34" charset="0"/>
+                <a:cs typeface="Arial" panose="020B0604020202020204" pitchFamily="34" charset="0"/>
+              </a:rPr>
+              <a:t>Treino dos modelos com o dados </a:t>
+            </a:r>
+            <a:r>
+              <a:rPr lang="pt-PT" dirty="0" err="1">
+                <a:latin typeface="+mj-lt"/>
+                <a:ea typeface="Calibri" panose="020F0502020204030204" pitchFamily="34" charset="0"/>
+                <a:cs typeface="Arial" panose="020B0604020202020204" pitchFamily="34" charset="0"/>
+              </a:rPr>
+              <a:t>p</a:t>
+            </a:r>
+            <a:r>
+              <a:rPr lang="pt-PT" sz="1800" dirty="0" err="1">
+                <a:effectLst/>
+                <a:latin typeface="+mj-lt"/>
+                <a:ea typeface="Calibri" panose="020F0502020204030204" pitchFamily="34" charset="0"/>
+                <a:cs typeface="Arial" panose="020B0604020202020204" pitchFamily="34" charset="0"/>
+              </a:rPr>
+              <a:t>re</a:t>
+            </a:r>
+            <a:r>
+              <a:rPr lang="pt-PT" dirty="0" err="1">
+                <a:latin typeface="+mj-lt"/>
+                <a:ea typeface="Calibri" panose="020F0502020204030204" pitchFamily="34" charset="0"/>
+                <a:cs typeface="Arial" panose="020B0604020202020204" pitchFamily="34" charset="0"/>
+              </a:rPr>
+              <a:t>p</a:t>
+            </a:r>
+            <a:r>
+              <a:rPr lang="pt-PT" sz="1800" dirty="0" err="1">
+                <a:effectLst/>
+                <a:latin typeface="+mj-lt"/>
+                <a:ea typeface="Calibri" panose="020F0502020204030204" pitchFamily="34" charset="0"/>
+                <a:cs typeface="Arial" panose="020B0604020202020204" pitchFamily="34" charset="0"/>
+              </a:rPr>
+              <a:t>rocessados</a:t>
+            </a:r>
+            <a:r>
+              <a:rPr lang="pt-PT" sz="1800" dirty="0">
+                <a:effectLst/>
+                <a:latin typeface="+mj-lt"/>
+                <a:ea typeface="Calibri" panose="020F0502020204030204" pitchFamily="34" charset="0"/>
+                <a:cs typeface="Arial" panose="020B0604020202020204" pitchFamily="34" charset="0"/>
+              </a:rPr>
+              <a:t> </a:t>
+            </a:r>
+            <a:endParaRPr lang="en-US" sz="1800" dirty="0">
+              <a:effectLst/>
+              <a:latin typeface="+mj-lt"/>
+              <a:ea typeface="Calibri" panose="020F0502020204030204" pitchFamily="34" charset="0"/>
+              <a:cs typeface="Arial" panose="020B0604020202020204" pitchFamily="34" charset="0"/>
+            </a:endParaRPr>
+          </a:p>
+          <a:p>
+            <a:pPr marL="342900" indent="-342900">
+              <a:lnSpc>
+                <a:spcPct val="150000"/>
+              </a:lnSpc>
+              <a:spcAft>
+                <a:spcPts val="600"/>
+              </a:spcAft>
+              <a:buFont typeface="Symbol" panose="05050102010706020507" pitchFamily="18" charset="2"/>
+              <a:buChar char=""/>
+            </a:pPr>
+            <a:r>
+              <a:rPr lang="pt-PT" dirty="0">
+                <a:latin typeface="+mj-lt"/>
+                <a:ea typeface="Calibri" panose="020F0502020204030204" pitchFamily="34" charset="0"/>
+                <a:cs typeface="Arial" panose="020B0604020202020204" pitchFamily="34" charset="0"/>
+              </a:rPr>
+              <a:t>C</a:t>
+            </a:r>
+            <a:r>
+              <a:rPr lang="pt-PT" sz="1800" dirty="0">
+                <a:effectLst/>
+                <a:latin typeface="+mj-lt"/>
+                <a:ea typeface="Calibri" panose="020F0502020204030204" pitchFamily="34" charset="0"/>
+                <a:cs typeface="Arial" panose="020B0604020202020204" pitchFamily="34" charset="0"/>
+              </a:rPr>
+              <a:t>lassificar o comportamento do condutor com elevado grau de precisão</a:t>
+            </a:r>
+          </a:p>
+          <a:p>
+            <a:pPr marL="342900" indent="-342900" algn="just">
+              <a:lnSpc>
+                <a:spcPct val="150000"/>
+              </a:lnSpc>
+              <a:spcAft>
+                <a:spcPts val="600"/>
+              </a:spcAft>
+              <a:buFont typeface="Symbol" panose="05050102010706020507" pitchFamily="18" charset="2"/>
+              <a:buChar char=""/>
+            </a:pPr>
+            <a:r>
+              <a:rPr lang="pt-PT" sz="1800" dirty="0">
+                <a:effectLst/>
+                <a:latin typeface="+mj-lt"/>
+                <a:ea typeface="Calibri" panose="020F0502020204030204" pitchFamily="34" charset="0"/>
+                <a:cs typeface="Arial" panose="020B0604020202020204" pitchFamily="34" charset="0"/>
+              </a:rPr>
+              <a:t> Relatórios e análise</a:t>
+            </a:r>
+            <a:endParaRPr lang="en-US" sz="1800" dirty="0">
+              <a:effectLst/>
+              <a:latin typeface="+mj-lt"/>
+              <a:ea typeface="Calibri" panose="020F0502020204030204" pitchFamily="34" charset="0"/>
+              <a:cs typeface="Arial" panose="020B0604020202020204" pitchFamily="34" charset="0"/>
+            </a:endParaRPr>
+          </a:p>
+        </p:txBody>
+      </p:sp>
+      <p:sp>
+        <p:nvSpPr>
+          <p:cNvPr id="6" name="Footer Placeholder 4">
+            <a:extLst>
+              <a:ext uri="{FF2B5EF4-FFF2-40B4-BE49-F238E27FC236}">
+                <a16:creationId xmlns:a16="http://schemas.microsoft.com/office/drawing/2014/main" id="{4A6B169C-5B01-043B-CECA-8815CA5F149E}"/>
               </a:ext>
             </a:extLst>
           </p:cNvPr>
@@ -28785,10 +31264,82 @@
           </a:p>
         </p:txBody>
       </p:sp>
+      <p:pic>
+        <p:nvPicPr>
+          <p:cNvPr id="7" name="Picture 6" descr="A black background with a black square&#10;&#10;Description automatically generated with medium confidence">
+            <a:extLst>
+              <a:ext uri="{FF2B5EF4-FFF2-40B4-BE49-F238E27FC236}">
+                <a16:creationId xmlns:a16="http://schemas.microsoft.com/office/drawing/2014/main" id="{29D66CAA-2642-0A88-3538-8283CE55ED76}"/>
+              </a:ext>
+            </a:extLst>
+          </p:cNvPr>
+          <p:cNvPicPr>
+            <a:picLocks noChangeAspect="1"/>
+          </p:cNvPicPr>
+          <p:nvPr/>
+        </p:nvPicPr>
+        <p:blipFill>
+          <a:blip r:embed="rId3">
+            <a:alphaModFix amt="70000"/>
+            <a:extLst>
+              <a:ext uri="{28A0092B-C50C-407E-A947-70E740481C1C}">
+                <a14:useLocalDpi xmlns:a14="http://schemas.microsoft.com/office/drawing/2010/main" val="0"/>
+              </a:ext>
+            </a:extLst>
+          </a:blip>
+          <a:stretch>
+            <a:fillRect/>
+          </a:stretch>
+        </p:blipFill>
+        <p:spPr>
+          <a:xfrm>
+            <a:off x="10582445" y="5985436"/>
+            <a:ext cx="1441915" cy="568239"/>
+          </a:xfrm>
+          <a:prstGeom prst="rect">
+            <a:avLst/>
+          </a:prstGeom>
+        </p:spPr>
+      </p:pic>
+      <p:sp>
+        <p:nvSpPr>
+          <p:cNvPr id="8" name="Title 1">
+            <a:extLst>
+              <a:ext uri="{FF2B5EF4-FFF2-40B4-BE49-F238E27FC236}">
+                <a16:creationId xmlns:a16="http://schemas.microsoft.com/office/drawing/2014/main" id="{A3E0C31A-4570-94C6-18D6-9D610698F9B2}"/>
+              </a:ext>
+            </a:extLst>
+          </p:cNvPr>
+          <p:cNvSpPr>
+            <a:spLocks noGrp="1"/>
+          </p:cNvSpPr>
+          <p:nvPr>
+            <p:ph type="title"/>
+          </p:nvPr>
+        </p:nvSpPr>
+        <p:spPr>
+          <a:xfrm>
+            <a:off x="1520662" y="136525"/>
+            <a:ext cx="9150675" cy="1427585"/>
+          </a:xfrm>
+        </p:spPr>
+        <p:txBody>
+          <a:bodyPr>
+            <a:normAutofit/>
+          </a:bodyPr>
+          <a:lstStyle/>
+          <a:p>
+            <a:r>
+              <a:rPr lang="pt-PT" sz="4000" dirty="0"/>
+              <a:t>Conclusões</a:t>
+            </a:r>
+          </a:p>
+        </p:txBody>
+      </p:sp>
     </p:spTree>
     <p:extLst>
       <p:ext uri="{BB962C8B-B14F-4D97-AF65-F5344CB8AC3E}">
-        <p14:creationId xmlns:p14="http://schemas.microsoft.com/office/powerpoint/2010/main" val="544185471"/>
+        <p14:creationId xmlns:p14="http://schemas.microsoft.com/office/powerpoint/2010/main" val="798452427"/>
       </p:ext>
     </p:extLst>
   </p:cSld>
@@ -28798,7 +31349,7 @@
 </p:sld>
 </file>
 
-<file path=ppt/slides/slide30.xml><?xml version="1.0" encoding="utf-8"?>
+<file path=ppt/slides/slide32.xml><?xml version="1.0" encoding="utf-8"?>
 <p:sld xmlns:a="http://schemas.openxmlformats.org/drawingml/2006/main" xmlns:r="http://schemas.openxmlformats.org/officeDocument/2006/relationships" xmlns:p="http://schemas.openxmlformats.org/presentationml/2006/main">
   <p:cSld>
     <p:bg>
@@ -34380,6 +36931,15 @@
 </file>
 
 <file path=customXml/item1.xml><?xml version="1.0" encoding="utf-8"?>
+<p:properties xmlns:p="http://schemas.microsoft.com/office/2006/metadata/properties" xmlns:xsi="http://www.w3.org/2001/XMLSchema-instance" xmlns:pc="http://schemas.microsoft.com/office/infopath/2007/PartnerControls">
+  <documentManagement>
+    <MediaServiceKeyPoints xmlns="49ea7286-31dc-4857-8ba0-9dd5131121ba" xsi:nil="true"/>
+    <_activity xmlns="49ea7286-31dc-4857-8ba0-9dd5131121ba" xsi:nil="true"/>
+  </documentManagement>
+</p:properties>
+</file>
+
+<file path=customXml/item2.xml><?xml version="1.0" encoding="utf-8"?>
 <ct:contentTypeSchema xmlns:ct="http://schemas.microsoft.com/office/2006/metadata/contentType" xmlns:ma="http://schemas.microsoft.com/office/2006/metadata/properties/metaAttributes" ct:_="" ma:_="" ma:contentTypeName="Document" ma:contentTypeID="0x010100A73A92E9BB0D154D881191BAEDDE609C" ma:contentTypeVersion="15" ma:contentTypeDescription="Create a new document." ma:contentTypeScope="" ma:versionID="efb1cbc0b36a0d4d469bd0290935f8df">
   <xsd:schema xmlns:xsd="http://www.w3.org/2001/XMLSchema" xmlns:xs="http://www.w3.org/2001/XMLSchema" xmlns:p="http://schemas.microsoft.com/office/2006/metadata/properties" xmlns:ns3="49ea7286-31dc-4857-8ba0-9dd5131121ba" xmlns:ns4="490ae867-905f-461a-953e-c60010c4e0c9" targetNamespace="http://schemas.microsoft.com/office/2006/metadata/properties" ma:root="true" ma:fieldsID="f3e6108c9adebc81ed2cd74cc74f8ca6" ns3:_="" ns4:_="">
     <xsd:import namespace="49ea7286-31dc-4857-8ba0-9dd5131121ba"/>
@@ -34614,15 +37174,6 @@
 </ct:contentTypeSchema>
 </file>
 
-<file path=customXml/item2.xml><?xml version="1.0" encoding="utf-8"?>
-<p:properties xmlns:p="http://schemas.microsoft.com/office/2006/metadata/properties" xmlns:xsi="http://www.w3.org/2001/XMLSchema-instance" xmlns:pc="http://schemas.microsoft.com/office/infopath/2007/PartnerControls">
-  <documentManagement>
-    <MediaServiceKeyPoints xmlns="49ea7286-31dc-4857-8ba0-9dd5131121ba" xsi:nil="true"/>
-    <_activity xmlns="49ea7286-31dc-4857-8ba0-9dd5131121ba" xsi:nil="true"/>
-  </documentManagement>
-</p:properties>
-</file>
-
 <file path=customXml/item3.xml><?xml version="1.0" encoding="utf-8"?>
 <?mso-contentType ?>
 <FormTemplates xmlns="http://schemas.microsoft.com/sharepoint/v3/contenttype/forms">
@@ -34633,6 +37184,23 @@
 </file>
 
 <file path=customXml/itemProps1.xml><?xml version="1.0" encoding="utf-8"?>
+<ds:datastoreItem xmlns:ds="http://schemas.openxmlformats.org/officeDocument/2006/customXml" ds:itemID="{CBDD27D0-5B6E-4A0E-95B2-BB37F9D88615}">
+  <ds:schemaRefs>
+    <ds:schemaRef ds:uri="http://purl.org/dc/dcmitype/"/>
+    <ds:schemaRef ds:uri="http://www.w3.org/XML/1998/namespace"/>
+    <ds:schemaRef ds:uri="http://schemas.openxmlformats.org/package/2006/metadata/core-properties"/>
+    <ds:schemaRef ds:uri="http://schemas.microsoft.com/office/2006/metadata/properties"/>
+    <ds:schemaRef ds:uri="http://purl.org/dc/elements/1.1/"/>
+    <ds:schemaRef ds:uri="http://schemas.microsoft.com/office/2006/documentManagement/types"/>
+    <ds:schemaRef ds:uri="http://purl.org/dc/terms/"/>
+    <ds:schemaRef ds:uri="http://schemas.microsoft.com/office/infopath/2007/PartnerControls"/>
+    <ds:schemaRef ds:uri="490ae867-905f-461a-953e-c60010c4e0c9"/>
+    <ds:schemaRef ds:uri="49ea7286-31dc-4857-8ba0-9dd5131121ba"/>
+  </ds:schemaRefs>
+</ds:datastoreItem>
+</file>
+
+<file path=customXml/itemProps2.xml><?xml version="1.0" encoding="utf-8"?>
 <ds:datastoreItem xmlns:ds="http://schemas.openxmlformats.org/officeDocument/2006/customXml" ds:itemID="{2772B1AE-A3BA-4700-8DCD-4A25B8D329B2}">
   <ds:schemaRefs>
     <ds:schemaRef ds:uri="http://schemas.microsoft.com/office/2006/metadata/contentType"/>
@@ -34651,23 +37219,6 @@
 </ds:datastoreItem>
 </file>
 
-<file path=customXml/itemProps2.xml><?xml version="1.0" encoding="utf-8"?>
-<ds:datastoreItem xmlns:ds="http://schemas.openxmlformats.org/officeDocument/2006/customXml" ds:itemID="{CBDD27D0-5B6E-4A0E-95B2-BB37F9D88615}">
-  <ds:schemaRefs>
-    <ds:schemaRef ds:uri="http://purl.org/dc/dcmitype/"/>
-    <ds:schemaRef ds:uri="http://www.w3.org/XML/1998/namespace"/>
-    <ds:schemaRef ds:uri="http://schemas.openxmlformats.org/package/2006/metadata/core-properties"/>
-    <ds:schemaRef ds:uri="http://schemas.microsoft.com/office/2006/metadata/properties"/>
-    <ds:schemaRef ds:uri="http://purl.org/dc/elements/1.1/"/>
-    <ds:schemaRef ds:uri="http://schemas.microsoft.com/office/2006/documentManagement/types"/>
-    <ds:schemaRef ds:uri="http://purl.org/dc/terms/"/>
-    <ds:schemaRef ds:uri="http://schemas.microsoft.com/office/infopath/2007/PartnerControls"/>
-    <ds:schemaRef ds:uri="490ae867-905f-461a-953e-c60010c4e0c9"/>
-    <ds:schemaRef ds:uri="49ea7286-31dc-4857-8ba0-9dd5131121ba"/>
-  </ds:schemaRefs>
-</ds:datastoreItem>
-</file>
-
 <file path=customXml/itemProps3.xml><?xml version="1.0" encoding="utf-8"?>
 <ds:datastoreItem xmlns:ds="http://schemas.openxmlformats.org/officeDocument/2006/customXml" ds:itemID="{A98CD342-50C4-441F-B4A3-7D5ADB057132}">
   <ds:schemaRefs>

--- a/ProjInf_AI_Driving_Classification.pptx
+++ b/ProjInf_AI_Driving_Classification.pptx
@@ -13514,7 +13514,7 @@
         </p:nvSpPr>
         <p:spPr>
           <a:xfrm>
-            <a:off x="4857588" y="4700472"/>
+            <a:off x="4857588" y="4944312"/>
             <a:ext cx="890700" cy="890700"/>
           </a:xfrm>
           <a:prstGeom prst="ellipse">
@@ -13565,7 +13565,7 @@
         </p:nvSpPr>
         <p:spPr>
           <a:xfrm>
-            <a:off x="5054743" y="4867278"/>
+            <a:off x="5054743" y="5111118"/>
             <a:ext cx="511057" cy="511057"/>
           </a:xfrm>
           <a:prstGeom prst="rect">
@@ -13694,7 +13694,7 @@
         </p:nvSpPr>
         <p:spPr>
           <a:xfrm>
-            <a:off x="6443714" y="4701192"/>
+            <a:off x="6443714" y="4945032"/>
             <a:ext cx="889980" cy="889980"/>
           </a:xfrm>
           <a:prstGeom prst="ellipse">
@@ -13745,7 +13745,7 @@
         </p:nvSpPr>
         <p:spPr>
           <a:xfrm>
-            <a:off x="6633382" y="4888982"/>
+            <a:off x="6633382" y="5132822"/>
             <a:ext cx="510644" cy="510644"/>
           </a:xfrm>
           <a:prstGeom prst="rect">
@@ -13808,7 +13808,7 @@
         </p:nvGrpSpPr>
         <p:grpSpPr>
           <a:xfrm>
-            <a:off x="6159212" y="5640722"/>
+            <a:off x="6159212" y="5884562"/>
             <a:ext cx="1458984" cy="583593"/>
             <a:chOff x="2360576" y="1167802"/>
             <a:chExt cx="1458984" cy="583593"/>
@@ -14177,7 +14177,7 @@
         </p:nvGrpSpPr>
         <p:grpSpPr>
           <a:xfrm>
-            <a:off x="4530669" y="5640720"/>
+            <a:off x="4530669" y="5884560"/>
             <a:ext cx="1559203" cy="583593"/>
             <a:chOff x="2260357" y="1167802"/>
             <a:chExt cx="1559203" cy="583593"/>
@@ -14317,6 +14317,47 @@
           </p:txBody>
         </p:sp>
       </p:grpSp>
+      <p:sp>
+        <p:nvSpPr>
+          <p:cNvPr id="3" name="TextBox 2">
+            <a:extLst>
+              <a:ext uri="{FF2B5EF4-FFF2-40B4-BE49-F238E27FC236}">
+                <a16:creationId xmlns:a16="http://schemas.microsoft.com/office/drawing/2014/main" id="{809C5514-3644-1E14-EF10-9B06869F3C0A}"/>
+              </a:ext>
+            </a:extLst>
+          </p:cNvPr>
+          <p:cNvSpPr txBox="1"/>
+          <p:nvPr/>
+        </p:nvSpPr>
+        <p:spPr>
+          <a:xfrm>
+            <a:off x="4101811" y="4573028"/>
+            <a:ext cx="4114799" cy="246221"/>
+          </a:xfrm>
+          <a:prstGeom prst="rect">
+            <a:avLst/>
+          </a:prstGeom>
+          <a:noFill/>
+        </p:spPr>
+        <p:txBody>
+          <a:bodyPr wrap="square" rtlCol="0">
+            <a:spAutoFit/>
+          </a:bodyPr>
+          <a:lstStyle/>
+          <a:p>
+            <a:pPr algn="ctr"/>
+            <a:r>
+              <a:rPr lang="pt-PT" sz="1000" dirty="0"/>
+              <a:t>Gráfico de manobras do </a:t>
+            </a:r>
+            <a:r>
+              <a:rPr lang="pt-PT" sz="1000" dirty="0" err="1"/>
+              <a:t>dataset</a:t>
+            </a:r>
+            <a:endParaRPr lang="pt-PT" sz="1000" dirty="0"/>
+          </a:p>
+        </p:txBody>
+      </p:sp>
     </p:spTree>
     <p:extLst>
       <p:ext uri="{BB962C8B-B14F-4D97-AF65-F5344CB8AC3E}">
@@ -14563,6 +14604,33 @@
                                   </p:childTnLst>
                                 </p:cTn>
                               </p:par>
+                              <p:par>
+                                <p:cTn id="22" presetID="1" presetClass="entr" presetSubtype="0" fill="hold" grpId="0" nodeType="withEffect">
+                                  <p:stCondLst>
+                                    <p:cond delay="0"/>
+                                  </p:stCondLst>
+                                  <p:childTnLst>
+                                    <p:set>
+                                      <p:cBhvr>
+                                        <p:cTn id="23" dur="1" fill="hold">
+                                          <p:stCondLst>
+                                            <p:cond delay="0"/>
+                                          </p:stCondLst>
+                                        </p:cTn>
+                                        <p:tgtEl>
+                                          <p:spTgt spid="3"/>
+                                        </p:tgtEl>
+                                        <p:attrNameLst>
+                                          <p:attrName>style.visibility</p:attrName>
+                                        </p:attrNameLst>
+                                      </p:cBhvr>
+                                      <p:to>
+                                        <p:strVal val="visible"/>
+                                      </p:to>
+                                    </p:set>
+                                  </p:childTnLst>
+                                </p:cTn>
+                              </p:par>
                             </p:childTnLst>
                           </p:cTn>
                         </p:par>
@@ -14595,6 +14663,7 @@
       <p:bldP spid="19" grpId="0" animBg="1"/>
       <p:bldP spid="23" grpId="0" animBg="1"/>
       <p:bldP spid="24" grpId="0" animBg="1"/>
+      <p:bldP spid="3" grpId="0"/>
     </p:bldLst>
   </p:timing>
 </p:sld>
@@ -15479,7 +15548,7 @@
         </p:blipFill>
         <p:spPr>
           <a:xfrm>
-            <a:off x="3494529" y="1112198"/>
+            <a:off x="3494529" y="776436"/>
             <a:ext cx="5202941" cy="5015971"/>
           </a:xfrm>
           <a:prstGeom prst="rect">
@@ -15487,6 +15556,43 @@
           </a:prstGeom>
         </p:spPr>
       </p:pic>
+      <p:sp>
+        <p:nvSpPr>
+          <p:cNvPr id="2" name="TextBox 1">
+            <a:extLst>
+              <a:ext uri="{FF2B5EF4-FFF2-40B4-BE49-F238E27FC236}">
+                <a16:creationId xmlns:a16="http://schemas.microsoft.com/office/drawing/2014/main" id="{0678CC87-F6AE-2E42-A331-2EE201C7FE14}"/>
+              </a:ext>
+            </a:extLst>
+          </p:cNvPr>
+          <p:cNvSpPr txBox="1"/>
+          <p:nvPr/>
+        </p:nvSpPr>
+        <p:spPr>
+          <a:xfrm>
+            <a:off x="4101811" y="5792407"/>
+            <a:ext cx="4114799" cy="246221"/>
+          </a:xfrm>
+          <a:prstGeom prst="rect">
+            <a:avLst/>
+          </a:prstGeom>
+          <a:noFill/>
+        </p:spPr>
+        <p:txBody>
+          <a:bodyPr wrap="square" rtlCol="0">
+            <a:spAutoFit/>
+          </a:bodyPr>
+          <a:lstStyle/>
+          <a:p>
+            <a:pPr algn="ctr"/>
+            <a:r>
+              <a:rPr lang="pt-PT" sz="1000"/>
+              <a:t>Diagrama ilustrativo do tratamento dos dados.</a:t>
+            </a:r>
+            <a:endParaRPr lang="pt-PT" sz="1000" dirty="0"/>
+          </a:p>
+        </p:txBody>
+      </p:sp>
     </p:spTree>
     <p:extLst>
       <p:ext uri="{BB962C8B-B14F-4D97-AF65-F5344CB8AC3E}">
@@ -15497,6 +15603,87 @@
   <p:clrMapOvr>
     <a:masterClrMapping/>
   </p:clrMapOvr>
+  <p:timing>
+    <p:tnLst>
+      <p:par>
+        <p:cTn id="1" dur="indefinite" restart="never" nodeType="tmRoot">
+          <p:childTnLst>
+            <p:seq concurrent="1" nextAc="seek">
+              <p:cTn id="2" dur="indefinite" nodeType="mainSeq">
+                <p:childTnLst>
+                  <p:par>
+                    <p:cTn id="3" fill="hold">
+                      <p:stCondLst>
+                        <p:cond delay="indefinite"/>
+                        <p:cond evt="onBegin" delay="0">
+                          <p:tn val="2"/>
+                        </p:cond>
+                      </p:stCondLst>
+                      <p:childTnLst>
+                        <p:par>
+                          <p:cTn id="4" fill="hold">
+                            <p:stCondLst>
+                              <p:cond delay="0"/>
+                            </p:stCondLst>
+                            <p:childTnLst>
+                              <p:par>
+                                <p:cTn id="5" presetID="1" presetClass="entr" presetSubtype="0" fill="hold" grpId="0" nodeType="withEffect">
+                                  <p:stCondLst>
+                                    <p:cond delay="0"/>
+                                  </p:stCondLst>
+                                  <p:childTnLst>
+                                    <p:set>
+                                      <p:cBhvr>
+                                        <p:cTn id="6" dur="1" fill="hold">
+                                          <p:stCondLst>
+                                            <p:cond delay="0"/>
+                                          </p:stCondLst>
+                                        </p:cTn>
+                                        <p:tgtEl>
+                                          <p:spTgt spid="2"/>
+                                        </p:tgtEl>
+                                        <p:attrNameLst>
+                                          <p:attrName>style.visibility</p:attrName>
+                                        </p:attrNameLst>
+                                      </p:cBhvr>
+                                      <p:to>
+                                        <p:strVal val="visible"/>
+                                      </p:to>
+                                    </p:set>
+                                  </p:childTnLst>
+                                </p:cTn>
+                              </p:par>
+                            </p:childTnLst>
+                          </p:cTn>
+                        </p:par>
+                      </p:childTnLst>
+                    </p:cTn>
+                  </p:par>
+                </p:childTnLst>
+              </p:cTn>
+              <p:prevCondLst>
+                <p:cond evt="onPrev" delay="0">
+                  <p:tgtEl>
+                    <p:sldTgt/>
+                  </p:tgtEl>
+                </p:cond>
+              </p:prevCondLst>
+              <p:nextCondLst>
+                <p:cond evt="onNext" delay="0">
+                  <p:tgtEl>
+                    <p:sldTgt/>
+                  </p:tgtEl>
+                </p:cond>
+              </p:nextCondLst>
+            </p:seq>
+          </p:childTnLst>
+        </p:cTn>
+      </p:par>
+    </p:tnLst>
+    <p:bldLst>
+      <p:bldP spid="2" grpId="0"/>
+    </p:bldLst>
+  </p:timing>
 </p:sld>
 </file>
 
@@ -16387,6 +16574,42 @@
           </a:prstGeom>
         </p:spPr>
       </p:pic>
+      <p:sp>
+        <p:nvSpPr>
+          <p:cNvPr id="2" name="TextBox 1">
+            <a:extLst>
+              <a:ext uri="{FF2B5EF4-FFF2-40B4-BE49-F238E27FC236}">
+                <a16:creationId xmlns:a16="http://schemas.microsoft.com/office/drawing/2014/main" id="{FA7874B5-F4B3-3CF1-E84D-7A292EE0FED3}"/>
+              </a:ext>
+            </a:extLst>
+          </p:cNvPr>
+          <p:cNvSpPr txBox="1"/>
+          <p:nvPr/>
+        </p:nvSpPr>
+        <p:spPr>
+          <a:xfrm>
+            <a:off x="4101811" y="5792407"/>
+            <a:ext cx="4114799" cy="246221"/>
+          </a:xfrm>
+          <a:prstGeom prst="rect">
+            <a:avLst/>
+          </a:prstGeom>
+          <a:noFill/>
+        </p:spPr>
+        <p:txBody>
+          <a:bodyPr wrap="square" rtlCol="0">
+            <a:spAutoFit/>
+          </a:bodyPr>
+          <a:lstStyle/>
+          <a:p>
+            <a:pPr algn="ctr"/>
+            <a:r>
+              <a:rPr lang="pt-PT" sz="1000" dirty="0"/>
+              <a:t>Diagrama ilustrativo do tratamento dos dados.</a:t>
+            </a:r>
+          </a:p>
+        </p:txBody>
+      </p:sp>
     </p:spTree>
     <p:extLst>
       <p:ext uri="{BB962C8B-B14F-4D97-AF65-F5344CB8AC3E}">
@@ -16397,6 +16620,87 @@
   <p:clrMapOvr>
     <a:masterClrMapping/>
   </p:clrMapOvr>
+  <p:timing>
+    <p:tnLst>
+      <p:par>
+        <p:cTn id="1" dur="indefinite" restart="never" nodeType="tmRoot">
+          <p:childTnLst>
+            <p:seq concurrent="1" nextAc="seek">
+              <p:cTn id="2" dur="indefinite" nodeType="mainSeq">
+                <p:childTnLst>
+                  <p:par>
+                    <p:cTn id="3" fill="hold">
+                      <p:stCondLst>
+                        <p:cond delay="indefinite"/>
+                        <p:cond evt="onBegin" delay="0">
+                          <p:tn val="2"/>
+                        </p:cond>
+                      </p:stCondLst>
+                      <p:childTnLst>
+                        <p:par>
+                          <p:cTn id="4" fill="hold">
+                            <p:stCondLst>
+                              <p:cond delay="0"/>
+                            </p:stCondLst>
+                            <p:childTnLst>
+                              <p:par>
+                                <p:cTn id="5" presetID="1" presetClass="entr" presetSubtype="0" fill="hold" grpId="0" nodeType="withEffect">
+                                  <p:stCondLst>
+                                    <p:cond delay="0"/>
+                                  </p:stCondLst>
+                                  <p:childTnLst>
+                                    <p:set>
+                                      <p:cBhvr>
+                                        <p:cTn id="6" dur="1" fill="hold">
+                                          <p:stCondLst>
+                                            <p:cond delay="0"/>
+                                          </p:stCondLst>
+                                        </p:cTn>
+                                        <p:tgtEl>
+                                          <p:spTgt spid="2"/>
+                                        </p:tgtEl>
+                                        <p:attrNameLst>
+                                          <p:attrName>style.visibility</p:attrName>
+                                        </p:attrNameLst>
+                                      </p:cBhvr>
+                                      <p:to>
+                                        <p:strVal val="visible"/>
+                                      </p:to>
+                                    </p:set>
+                                  </p:childTnLst>
+                                </p:cTn>
+                              </p:par>
+                            </p:childTnLst>
+                          </p:cTn>
+                        </p:par>
+                      </p:childTnLst>
+                    </p:cTn>
+                  </p:par>
+                </p:childTnLst>
+              </p:cTn>
+              <p:prevCondLst>
+                <p:cond evt="onPrev" delay="0">
+                  <p:tgtEl>
+                    <p:sldTgt/>
+                  </p:tgtEl>
+                </p:cond>
+              </p:prevCondLst>
+              <p:nextCondLst>
+                <p:cond evt="onNext" delay="0">
+                  <p:tgtEl>
+                    <p:sldTgt/>
+                  </p:tgtEl>
+                </p:cond>
+              </p:nextCondLst>
+            </p:seq>
+          </p:childTnLst>
+        </p:cTn>
+      </p:par>
+    </p:tnLst>
+    <p:bldLst>
+      <p:bldP spid="2" grpId="0"/>
+    </p:bldLst>
+  </p:timing>
 </p:sld>
 </file>
 
@@ -17037,7 +17341,7 @@
         </p:nvSpPr>
         <p:spPr>
           <a:xfrm>
-            <a:off x="1520662" y="2120292"/>
+            <a:off x="1783817" y="2120292"/>
             <a:ext cx="8624365" cy="246221"/>
           </a:xfrm>
           <a:prstGeom prst="rect">
@@ -17081,7 +17385,7 @@
         </p:nvSpPr>
         <p:spPr>
           <a:xfrm>
-            <a:off x="1520662" y="3649232"/>
+            <a:off x="1742443" y="3649232"/>
             <a:ext cx="8624365" cy="246221"/>
           </a:xfrm>
           <a:prstGeom prst="rect">
@@ -17125,7 +17429,7 @@
         </p:nvSpPr>
         <p:spPr>
           <a:xfrm>
-            <a:off x="1381119" y="5350796"/>
+            <a:off x="1698981" y="5350796"/>
             <a:ext cx="8624365" cy="246221"/>
           </a:xfrm>
           <a:prstGeom prst="rect">
@@ -17932,14 +18236,74 @@
         </p:blipFill>
         <p:spPr>
           <a:xfrm>
-            <a:off x="2024062" y="823912"/>
-            <a:ext cx="8143875" cy="5210175"/>
+            <a:off x="2609426" y="694115"/>
+            <a:ext cx="7576362" cy="4847099"/>
           </a:xfrm>
           <a:prstGeom prst="rect">
             <a:avLst/>
           </a:prstGeom>
         </p:spPr>
       </p:pic>
+      <p:sp>
+        <p:nvSpPr>
+          <p:cNvPr id="5" name="TextBox 4">
+            <a:extLst>
+              <a:ext uri="{FF2B5EF4-FFF2-40B4-BE49-F238E27FC236}">
+                <a16:creationId xmlns:a16="http://schemas.microsoft.com/office/drawing/2014/main" id="{B77F9833-90BC-BB2A-63BB-72F04981840D}"/>
+              </a:ext>
+            </a:extLst>
+          </p:cNvPr>
+          <p:cNvSpPr txBox="1"/>
+          <p:nvPr/>
+        </p:nvSpPr>
+        <p:spPr>
+          <a:xfrm>
+            <a:off x="4917530" y="5663710"/>
+            <a:ext cx="4114799" cy="246221"/>
+          </a:xfrm>
+          <a:prstGeom prst="rect">
+            <a:avLst/>
+          </a:prstGeom>
+          <a:noFill/>
+        </p:spPr>
+        <p:txBody>
+          <a:bodyPr wrap="square" rtlCol="0">
+            <a:spAutoFit/>
+          </a:bodyPr>
+          <a:lstStyle/>
+          <a:p>
+            <a:pPr algn="ctr"/>
+            <a:r>
+              <a:rPr lang="pt-PT" sz="1000" dirty="0"/>
+              <a:t>Comparação da </a:t>
+            </a:r>
+            <a:r>
+              <a:rPr lang="pt-PT" sz="1000" dirty="0" err="1"/>
+              <a:t>loss</a:t>
+            </a:r>
+            <a:r>
+              <a:rPr lang="pt-PT" sz="1000" dirty="0"/>
+              <a:t> e </a:t>
+            </a:r>
+            <a:r>
+              <a:rPr lang="pt-PT" sz="1000" dirty="0" err="1"/>
+              <a:t>val_loss</a:t>
+            </a:r>
+            <a:r>
+              <a:rPr lang="pt-PT" sz="1000" dirty="0"/>
+              <a:t> para o modelo </a:t>
+            </a:r>
+            <a:r>
+              <a:rPr lang="pt-PT" sz="1000" dirty="0" err="1"/>
+              <a:t>Convolutional</a:t>
+            </a:r>
+            <a:r>
+              <a:rPr lang="pt-PT" sz="1000" dirty="0"/>
+              <a:t> LSTM </a:t>
+            </a:r>
+          </a:p>
+        </p:txBody>
+      </p:sp>
     </p:spTree>
     <p:extLst>
       <p:ext uri="{BB962C8B-B14F-4D97-AF65-F5344CB8AC3E}">
@@ -17950,6 +18314,87 @@
   <p:clrMapOvr>
     <a:masterClrMapping/>
   </p:clrMapOvr>
+  <p:timing>
+    <p:tnLst>
+      <p:par>
+        <p:cTn id="1" dur="indefinite" restart="never" nodeType="tmRoot">
+          <p:childTnLst>
+            <p:seq concurrent="1" nextAc="seek">
+              <p:cTn id="2" dur="indefinite" nodeType="mainSeq">
+                <p:childTnLst>
+                  <p:par>
+                    <p:cTn id="3" fill="hold">
+                      <p:stCondLst>
+                        <p:cond delay="indefinite"/>
+                        <p:cond evt="onBegin" delay="0">
+                          <p:tn val="2"/>
+                        </p:cond>
+                      </p:stCondLst>
+                      <p:childTnLst>
+                        <p:par>
+                          <p:cTn id="4" fill="hold">
+                            <p:stCondLst>
+                              <p:cond delay="0"/>
+                            </p:stCondLst>
+                            <p:childTnLst>
+                              <p:par>
+                                <p:cTn id="5" presetID="1" presetClass="entr" presetSubtype="0" fill="hold" grpId="0" nodeType="withEffect">
+                                  <p:stCondLst>
+                                    <p:cond delay="0"/>
+                                  </p:stCondLst>
+                                  <p:childTnLst>
+                                    <p:set>
+                                      <p:cBhvr>
+                                        <p:cTn id="6" dur="1" fill="hold">
+                                          <p:stCondLst>
+                                            <p:cond delay="0"/>
+                                          </p:stCondLst>
+                                        </p:cTn>
+                                        <p:tgtEl>
+                                          <p:spTgt spid="5"/>
+                                        </p:tgtEl>
+                                        <p:attrNameLst>
+                                          <p:attrName>style.visibility</p:attrName>
+                                        </p:attrNameLst>
+                                      </p:cBhvr>
+                                      <p:to>
+                                        <p:strVal val="visible"/>
+                                      </p:to>
+                                    </p:set>
+                                  </p:childTnLst>
+                                </p:cTn>
+                              </p:par>
+                            </p:childTnLst>
+                          </p:cTn>
+                        </p:par>
+                      </p:childTnLst>
+                    </p:cTn>
+                  </p:par>
+                </p:childTnLst>
+              </p:cTn>
+              <p:prevCondLst>
+                <p:cond evt="onPrev" delay="0">
+                  <p:tgtEl>
+                    <p:sldTgt/>
+                  </p:tgtEl>
+                </p:cond>
+              </p:prevCondLst>
+              <p:nextCondLst>
+                <p:cond evt="onNext" delay="0">
+                  <p:tgtEl>
+                    <p:sldTgt/>
+                  </p:tgtEl>
+                </p:cond>
+              </p:nextCondLst>
+            </p:seq>
+          </p:childTnLst>
+        </p:cTn>
+      </p:par>
+    </p:tnLst>
+    <p:bldLst>
+      <p:bldP spid="5" grpId="0"/>
+    </p:bldLst>
+  </p:timing>
 </p:sld>
 </file>
 
@@ -20833,7 +21278,7 @@
         </p:nvSpPr>
         <p:spPr>
           <a:xfrm>
-            <a:off x="6170465" y="1894379"/>
+            <a:off x="5928544" y="1894379"/>
             <a:ext cx="4449712" cy="4226506"/>
           </a:xfrm>
         </p:spPr>
@@ -20860,6 +21305,16 @@
             <a:r>
               <a:rPr lang="pt-PT" sz="2400" dirty="0"/>
               <a:t>Soluções Existentes</a:t>
+            </a:r>
+          </a:p>
+          <a:p>
+            <a:pPr marL="457200" indent="-457200">
+              <a:buFont typeface="+mj-lt"/>
+              <a:buAutoNum type="arabicPeriod"/>
+            </a:pPr>
+            <a:r>
+              <a:rPr lang="pt-PT" sz="2400" dirty="0"/>
+              <a:t>Tecnologias</a:t>
             </a:r>
           </a:p>
           <a:p>
@@ -21600,6 +22055,55 @@
                                           <p:spTgt spid="3">
                                             <p:txEl>
                                               <p:pRg st="8" end="8"/>
+                                            </p:txEl>
+                                          </p:spTgt>
+                                        </p:tgtEl>
+                                        <p:attrNameLst>
+                                          <p:attrName>style.visibility</p:attrName>
+                                        </p:attrNameLst>
+                                      </p:cBhvr>
+                                      <p:to>
+                                        <p:strVal val="visible"/>
+                                      </p:to>
+                                    </p:set>
+                                  </p:childTnLst>
+                                </p:cTn>
+                              </p:par>
+                            </p:childTnLst>
+                          </p:cTn>
+                        </p:par>
+                      </p:childTnLst>
+                    </p:cTn>
+                  </p:par>
+                  <p:par>
+                    <p:cTn id="39" fill="hold">
+                      <p:stCondLst>
+                        <p:cond delay="indefinite"/>
+                      </p:stCondLst>
+                      <p:childTnLst>
+                        <p:par>
+                          <p:cTn id="40" fill="hold">
+                            <p:stCondLst>
+                              <p:cond delay="0"/>
+                            </p:stCondLst>
+                            <p:childTnLst>
+                              <p:par>
+                                <p:cTn id="41" presetID="1" presetClass="entr" presetSubtype="0" fill="hold" grpId="0" nodeType="clickEffect">
+                                  <p:stCondLst>
+                                    <p:cond delay="0"/>
+                                  </p:stCondLst>
+                                  <p:childTnLst>
+                                    <p:set>
+                                      <p:cBhvr>
+                                        <p:cTn id="42" dur="1" fill="hold">
+                                          <p:stCondLst>
+                                            <p:cond delay="0"/>
+                                          </p:stCondLst>
+                                        </p:cTn>
+                                        <p:tgtEl>
+                                          <p:spTgt spid="3">
+                                            <p:txEl>
+                                              <p:pRg st="9" end="9"/>
                                             </p:txEl>
                                           </p:spTgt>
                                         </p:tgtEl>
@@ -33806,53 +34310,6 @@
           </a:prstGeom>
         </p:spPr>
       </p:pic>
-      <p:pic>
-        <p:nvPicPr>
-          <p:cNvPr id="1028" name="Picture 4" descr="Python Logo PNG Transparent &amp; SVG Vector - Freebie Supply">
-            <a:extLst>
-              <a:ext uri="{FF2B5EF4-FFF2-40B4-BE49-F238E27FC236}">
-                <a16:creationId xmlns:a16="http://schemas.microsoft.com/office/drawing/2014/main" id="{D5074A2D-5669-EA31-28FF-FA678B47F221}"/>
-              </a:ext>
-            </a:extLst>
-          </p:cNvPr>
-          <p:cNvPicPr>
-            <a:picLocks noChangeAspect="1" noChangeArrowheads="1"/>
-          </p:cNvPicPr>
-          <p:nvPr/>
-        </p:nvPicPr>
-        <p:blipFill>
-          <a:blip r:embed="rId4">
-            <a:extLst>
-              <a:ext uri="{28A0092B-C50C-407E-A947-70E740481C1C}">
-                <a14:useLocalDpi xmlns:a14="http://schemas.microsoft.com/office/drawing/2010/main" val="0"/>
-              </a:ext>
-            </a:extLst>
-          </a:blip>
-          <a:srcRect/>
-          <a:stretch>
-            <a:fillRect/>
-          </a:stretch>
-        </p:blipFill>
-        <p:spPr bwMode="auto">
-          <a:xfrm>
-            <a:off x="3132374" y="3285009"/>
-            <a:ext cx="1467239" cy="1460718"/>
-          </a:xfrm>
-          <a:prstGeom prst="rect">
-            <a:avLst/>
-          </a:prstGeom>
-          <a:noFill/>
-          <a:extLst>
-            <a:ext uri="{909E8E84-426E-40DD-AFC4-6F175D3DCCD1}">
-              <a14:hiddenFill xmlns:a14="http://schemas.microsoft.com/office/drawing/2010/main">
-                <a:solidFill>
-                  <a:srgbClr val="FFFFFF"/>
-                </a:solidFill>
-              </a14:hiddenFill>
-            </a:ext>
-          </a:extLst>
-        </p:spPr>
-      </p:pic>
       <p:sp>
         <p:nvSpPr>
           <p:cNvPr id="2" name="Title 1">
@@ -34094,6 +34551,97 @@
           </a:p>
         </p:txBody>
       </p:sp>
+      <p:pic>
+        <p:nvPicPr>
+          <p:cNvPr id="1026" name="Picture 2" descr="Python (programming language) - Wikipedia">
+            <a:extLst>
+              <a:ext uri="{FF2B5EF4-FFF2-40B4-BE49-F238E27FC236}">
+                <a16:creationId xmlns:a16="http://schemas.microsoft.com/office/drawing/2014/main" id="{F5BE94D6-36B6-200C-CC24-E15F9575B99E}"/>
+              </a:ext>
+            </a:extLst>
+          </p:cNvPr>
+          <p:cNvPicPr>
+            <a:picLocks noChangeAspect="1" noChangeArrowheads="1"/>
+          </p:cNvPicPr>
+          <p:nvPr/>
+        </p:nvPicPr>
+        <p:blipFill>
+          <a:blip r:embed="rId4">
+            <a:extLst>
+              <a:ext uri="{28A0092B-C50C-407E-A947-70E740481C1C}">
+                <a14:useLocalDpi xmlns:a14="http://schemas.microsoft.com/office/drawing/2010/main" val="0"/>
+              </a:ext>
+            </a:extLst>
+          </a:blip>
+          <a:srcRect/>
+          <a:stretch>
+            <a:fillRect/>
+          </a:stretch>
+        </p:blipFill>
+        <p:spPr bwMode="auto">
+          <a:xfrm>
+            <a:off x="3134849" y="2436563"/>
+            <a:ext cx="1807502" cy="1984874"/>
+          </a:xfrm>
+          <a:prstGeom prst="rect">
+            <a:avLst/>
+          </a:prstGeom>
+          <a:noFill/>
+          <a:extLst>
+            <a:ext uri="{909E8E84-426E-40DD-AFC4-6F175D3DCCD1}">
+              <a14:hiddenFill xmlns:a14="http://schemas.microsoft.com/office/drawing/2010/main">
+                <a:solidFill>
+                  <a:srgbClr val="FFFFFF"/>
+                </a:solidFill>
+              </a14:hiddenFill>
+            </a:ext>
+          </a:extLst>
+        </p:spPr>
+      </p:pic>
+      <p:sp>
+        <p:nvSpPr>
+          <p:cNvPr id="3" name="TextBox 2">
+            <a:extLst>
+              <a:ext uri="{FF2B5EF4-FFF2-40B4-BE49-F238E27FC236}">
+                <a16:creationId xmlns:a16="http://schemas.microsoft.com/office/drawing/2014/main" id="{8E13060E-2AFC-4A25-5264-4BD3EBF21244}"/>
+              </a:ext>
+            </a:extLst>
+          </p:cNvPr>
+          <p:cNvSpPr txBox="1"/>
+          <p:nvPr/>
+        </p:nvSpPr>
+        <p:spPr>
+          <a:xfrm>
+            <a:off x="1981200" y="4298326"/>
+            <a:ext cx="4114799" cy="246221"/>
+          </a:xfrm>
+          <a:prstGeom prst="rect">
+            <a:avLst/>
+          </a:prstGeom>
+          <a:noFill/>
+        </p:spPr>
+        <p:txBody>
+          <a:bodyPr wrap="square" rtlCol="0">
+            <a:spAutoFit/>
+          </a:bodyPr>
+          <a:lstStyle/>
+          <a:p>
+            <a:pPr algn="ctr"/>
+            <a:r>
+              <a:rPr lang="pt-PT" sz="1000" dirty="0"/>
+              <a:t>Logo da linguagem </a:t>
+            </a:r>
+            <a:r>
+              <a:rPr lang="pt-PT" sz="1000" dirty="0" err="1"/>
+              <a:t>python</a:t>
+            </a:r>
+            <a:r>
+              <a:rPr lang="pt-PT" sz="1000" dirty="0"/>
+              <a:t>, Fonte: Wikipédia</a:t>
+            </a:r>
+          </a:p>
+        </p:txBody>
+      </p:sp>
     </p:spTree>
     <p:extLst>
       <p:ext uri="{BB962C8B-B14F-4D97-AF65-F5344CB8AC3E}">
@@ -34104,6 +34652,87 @@
   <p:clrMapOvr>
     <a:masterClrMapping/>
   </p:clrMapOvr>
+  <p:timing>
+    <p:tnLst>
+      <p:par>
+        <p:cTn id="1" dur="indefinite" restart="never" nodeType="tmRoot">
+          <p:childTnLst>
+            <p:seq concurrent="1" nextAc="seek">
+              <p:cTn id="2" dur="indefinite" nodeType="mainSeq">
+                <p:childTnLst>
+                  <p:par>
+                    <p:cTn id="3" fill="hold">
+                      <p:stCondLst>
+                        <p:cond delay="indefinite"/>
+                        <p:cond evt="onBegin" delay="0">
+                          <p:tn val="2"/>
+                        </p:cond>
+                      </p:stCondLst>
+                      <p:childTnLst>
+                        <p:par>
+                          <p:cTn id="4" fill="hold">
+                            <p:stCondLst>
+                              <p:cond delay="0"/>
+                            </p:stCondLst>
+                            <p:childTnLst>
+                              <p:par>
+                                <p:cTn id="5" presetID="1" presetClass="entr" presetSubtype="0" fill="hold" grpId="0" nodeType="withEffect">
+                                  <p:stCondLst>
+                                    <p:cond delay="0"/>
+                                  </p:stCondLst>
+                                  <p:childTnLst>
+                                    <p:set>
+                                      <p:cBhvr>
+                                        <p:cTn id="6" dur="1" fill="hold">
+                                          <p:stCondLst>
+                                            <p:cond delay="0"/>
+                                          </p:stCondLst>
+                                        </p:cTn>
+                                        <p:tgtEl>
+                                          <p:spTgt spid="3"/>
+                                        </p:tgtEl>
+                                        <p:attrNameLst>
+                                          <p:attrName>style.visibility</p:attrName>
+                                        </p:attrNameLst>
+                                      </p:cBhvr>
+                                      <p:to>
+                                        <p:strVal val="visible"/>
+                                      </p:to>
+                                    </p:set>
+                                  </p:childTnLst>
+                                </p:cTn>
+                              </p:par>
+                            </p:childTnLst>
+                          </p:cTn>
+                        </p:par>
+                      </p:childTnLst>
+                    </p:cTn>
+                  </p:par>
+                </p:childTnLst>
+              </p:cTn>
+              <p:prevCondLst>
+                <p:cond evt="onPrev" delay="0">
+                  <p:tgtEl>
+                    <p:sldTgt/>
+                  </p:tgtEl>
+                </p:cond>
+              </p:prevCondLst>
+              <p:nextCondLst>
+                <p:cond evt="onNext" delay="0">
+                  <p:tgtEl>
+                    <p:sldTgt/>
+                  </p:tgtEl>
+                </p:cond>
+              </p:nextCondLst>
+            </p:seq>
+          </p:childTnLst>
+        </p:cTn>
+      </p:par>
+    </p:tnLst>
+    <p:bldLst>
+      <p:bldP spid="3" grpId="0"/>
+    </p:bldLst>
+  </p:timing>
 </p:sld>
 </file>
 
@@ -34423,6 +35052,42 @@
           </a:prstGeom>
         </p:spPr>
       </p:pic>
+      <p:sp>
+        <p:nvSpPr>
+          <p:cNvPr id="2" name="TextBox 1">
+            <a:extLst>
+              <a:ext uri="{FF2B5EF4-FFF2-40B4-BE49-F238E27FC236}">
+                <a16:creationId xmlns:a16="http://schemas.microsoft.com/office/drawing/2014/main" id="{20F39409-11BB-9EFA-60FD-C618A97FBFDB}"/>
+              </a:ext>
+            </a:extLst>
+          </p:cNvPr>
+          <p:cNvSpPr txBox="1"/>
+          <p:nvPr/>
+        </p:nvSpPr>
+        <p:spPr>
+          <a:xfrm>
+            <a:off x="5015076" y="5862325"/>
+            <a:ext cx="4114799" cy="246221"/>
+          </a:xfrm>
+          <a:prstGeom prst="rect">
+            <a:avLst/>
+          </a:prstGeom>
+          <a:noFill/>
+        </p:spPr>
+        <p:txBody>
+          <a:bodyPr wrap="square" rtlCol="0">
+            <a:spAutoFit/>
+          </a:bodyPr>
+          <a:lstStyle/>
+          <a:p>
+            <a:pPr algn="ctr"/>
+            <a:r>
+              <a:rPr lang="pt-PT" sz="1000" dirty="0"/>
+              <a:t>Arquitetura do protótipo.</a:t>
+            </a:r>
+          </a:p>
+        </p:txBody>
+      </p:sp>
     </p:spTree>
     <p:extLst>
       <p:ext uri="{BB962C8B-B14F-4D97-AF65-F5344CB8AC3E}">
@@ -34480,6 +35145,33 @@
                                   </p:childTnLst>
                                 </p:cTn>
                               </p:par>
+                              <p:par>
+                                <p:cTn id="7" presetID="1" presetClass="entr" presetSubtype="0" fill="hold" grpId="0" nodeType="withEffect">
+                                  <p:stCondLst>
+                                    <p:cond delay="0"/>
+                                  </p:stCondLst>
+                                  <p:childTnLst>
+                                    <p:set>
+                                      <p:cBhvr>
+                                        <p:cTn id="8" dur="1" fill="hold">
+                                          <p:stCondLst>
+                                            <p:cond delay="0"/>
+                                          </p:stCondLst>
+                                        </p:cTn>
+                                        <p:tgtEl>
+                                          <p:spTgt spid="2"/>
+                                        </p:tgtEl>
+                                        <p:attrNameLst>
+                                          <p:attrName>style.visibility</p:attrName>
+                                        </p:attrNameLst>
+                                      </p:cBhvr>
+                                      <p:to>
+                                        <p:strVal val="visible"/>
+                                      </p:to>
+                                    </p:set>
+                                  </p:childTnLst>
+                                </p:cTn>
+                              </p:par>
                             </p:childTnLst>
                           </p:cTn>
                         </p:par>
@@ -34507,6 +35199,9 @@
         </p:cTn>
       </p:par>
     </p:tnLst>
+    <p:bldLst>
+      <p:bldP spid="2" grpId="0"/>
+    </p:bldLst>
   </p:timing>
 </p:sld>
 </file>
@@ -36931,15 +37626,6 @@
 </file>
 
 <file path=customXml/item1.xml><?xml version="1.0" encoding="utf-8"?>
-<p:properties xmlns:p="http://schemas.microsoft.com/office/2006/metadata/properties" xmlns:xsi="http://www.w3.org/2001/XMLSchema-instance" xmlns:pc="http://schemas.microsoft.com/office/infopath/2007/PartnerControls">
-  <documentManagement>
-    <MediaServiceKeyPoints xmlns="49ea7286-31dc-4857-8ba0-9dd5131121ba" xsi:nil="true"/>
-    <_activity xmlns="49ea7286-31dc-4857-8ba0-9dd5131121ba" xsi:nil="true"/>
-  </documentManagement>
-</p:properties>
-</file>
-
-<file path=customXml/item2.xml><?xml version="1.0" encoding="utf-8"?>
 <ct:contentTypeSchema xmlns:ct="http://schemas.microsoft.com/office/2006/metadata/contentType" xmlns:ma="http://schemas.microsoft.com/office/2006/metadata/properties/metaAttributes" ct:_="" ma:_="" ma:contentTypeName="Document" ma:contentTypeID="0x010100A73A92E9BB0D154D881191BAEDDE609C" ma:contentTypeVersion="15" ma:contentTypeDescription="Create a new document." ma:contentTypeScope="" ma:versionID="efb1cbc0b36a0d4d469bd0290935f8df">
   <xsd:schema xmlns:xsd="http://www.w3.org/2001/XMLSchema" xmlns:xs="http://www.w3.org/2001/XMLSchema" xmlns:p="http://schemas.microsoft.com/office/2006/metadata/properties" xmlns:ns3="49ea7286-31dc-4857-8ba0-9dd5131121ba" xmlns:ns4="490ae867-905f-461a-953e-c60010c4e0c9" targetNamespace="http://schemas.microsoft.com/office/2006/metadata/properties" ma:root="true" ma:fieldsID="f3e6108c9adebc81ed2cd74cc74f8ca6" ns3:_="" ns4:_="">
     <xsd:import namespace="49ea7286-31dc-4857-8ba0-9dd5131121ba"/>
@@ -37174,6 +37860,15 @@
 </ct:contentTypeSchema>
 </file>
 
+<file path=customXml/item2.xml><?xml version="1.0" encoding="utf-8"?>
+<p:properties xmlns:p="http://schemas.microsoft.com/office/2006/metadata/properties" xmlns:xsi="http://www.w3.org/2001/XMLSchema-instance" xmlns:pc="http://schemas.microsoft.com/office/infopath/2007/PartnerControls">
+  <documentManagement>
+    <MediaServiceKeyPoints xmlns="49ea7286-31dc-4857-8ba0-9dd5131121ba" xsi:nil="true"/>
+    <_activity xmlns="49ea7286-31dc-4857-8ba0-9dd5131121ba" xsi:nil="true"/>
+  </documentManagement>
+</p:properties>
+</file>
+
 <file path=customXml/item3.xml><?xml version="1.0" encoding="utf-8"?>
 <?mso-contentType ?>
 <FormTemplates xmlns="http://schemas.microsoft.com/sharepoint/v3/contenttype/forms">
@@ -37184,23 +37879,6 @@
 </file>
 
 <file path=customXml/itemProps1.xml><?xml version="1.0" encoding="utf-8"?>
-<ds:datastoreItem xmlns:ds="http://schemas.openxmlformats.org/officeDocument/2006/customXml" ds:itemID="{CBDD27D0-5B6E-4A0E-95B2-BB37F9D88615}">
-  <ds:schemaRefs>
-    <ds:schemaRef ds:uri="http://purl.org/dc/dcmitype/"/>
-    <ds:schemaRef ds:uri="http://www.w3.org/XML/1998/namespace"/>
-    <ds:schemaRef ds:uri="http://schemas.openxmlformats.org/package/2006/metadata/core-properties"/>
-    <ds:schemaRef ds:uri="http://schemas.microsoft.com/office/2006/metadata/properties"/>
-    <ds:schemaRef ds:uri="http://purl.org/dc/elements/1.1/"/>
-    <ds:schemaRef ds:uri="http://schemas.microsoft.com/office/2006/documentManagement/types"/>
-    <ds:schemaRef ds:uri="http://purl.org/dc/terms/"/>
-    <ds:schemaRef ds:uri="http://schemas.microsoft.com/office/infopath/2007/PartnerControls"/>
-    <ds:schemaRef ds:uri="490ae867-905f-461a-953e-c60010c4e0c9"/>
-    <ds:schemaRef ds:uri="49ea7286-31dc-4857-8ba0-9dd5131121ba"/>
-  </ds:schemaRefs>
-</ds:datastoreItem>
-</file>
-
-<file path=customXml/itemProps2.xml><?xml version="1.0" encoding="utf-8"?>
 <ds:datastoreItem xmlns:ds="http://schemas.openxmlformats.org/officeDocument/2006/customXml" ds:itemID="{2772B1AE-A3BA-4700-8DCD-4A25B8D329B2}">
   <ds:schemaRefs>
     <ds:schemaRef ds:uri="http://schemas.microsoft.com/office/2006/metadata/contentType"/>
@@ -37219,6 +37897,23 @@
 </ds:datastoreItem>
 </file>
 
+<file path=customXml/itemProps2.xml><?xml version="1.0" encoding="utf-8"?>
+<ds:datastoreItem xmlns:ds="http://schemas.openxmlformats.org/officeDocument/2006/customXml" ds:itemID="{CBDD27D0-5B6E-4A0E-95B2-BB37F9D88615}">
+  <ds:schemaRefs>
+    <ds:schemaRef ds:uri="http://purl.org/dc/dcmitype/"/>
+    <ds:schemaRef ds:uri="http://www.w3.org/XML/1998/namespace"/>
+    <ds:schemaRef ds:uri="http://schemas.openxmlformats.org/package/2006/metadata/core-properties"/>
+    <ds:schemaRef ds:uri="http://schemas.microsoft.com/office/2006/metadata/properties"/>
+    <ds:schemaRef ds:uri="http://purl.org/dc/elements/1.1/"/>
+    <ds:schemaRef ds:uri="http://schemas.microsoft.com/office/2006/documentManagement/types"/>
+    <ds:schemaRef ds:uri="http://purl.org/dc/terms/"/>
+    <ds:schemaRef ds:uri="http://schemas.microsoft.com/office/infopath/2007/PartnerControls"/>
+    <ds:schemaRef ds:uri="490ae867-905f-461a-953e-c60010c4e0c9"/>
+    <ds:schemaRef ds:uri="49ea7286-31dc-4857-8ba0-9dd5131121ba"/>
+  </ds:schemaRefs>
+</ds:datastoreItem>
+</file>
+
 <file path=customXml/itemProps3.xml><?xml version="1.0" encoding="utf-8"?>
 <ds:datastoreItem xmlns:ds="http://schemas.openxmlformats.org/officeDocument/2006/customXml" ds:itemID="{A98CD342-50C4-441F-B4A3-7D5ADB057132}">
   <ds:schemaRefs>

--- a/ProjInf_AI_Driving_Classification.pptx
+++ b/ProjInf_AI_Driving_Classification.pptx
@@ -4976,7 +4976,10 @@
           <a:bodyPr/>
           <a:lstStyle/>
           <a:p>
-            <a:endParaRPr lang="pt-PT" dirty="0"/>
+            <a:r>
+              <a:rPr lang="pt-PT" dirty="0"/>
+              <a:t>Vou descrever o fluxo de dados desde a captura até ao treino e teste do modelo.</a:t>
+            </a:r>
           </a:p>
         </p:txBody>
       </p:sp>
@@ -12576,7 +12579,6 @@
           <a:schemeClr val="accent2">
             <a:lumMod val="20000"/>
             <a:lumOff val="80000"/>
-            <a:alpha val="80000"/>
           </a:schemeClr>
         </a:solidFill>
         <a:effectLst/>
@@ -12614,7 +12616,7 @@
         </p:nvSpPr>
         <p:spPr>
           <a:xfrm>
-            <a:off x="1860797" y="2841668"/>
+            <a:off x="1860797" y="2475907"/>
             <a:ext cx="8470406" cy="1023020"/>
           </a:xfrm>
         </p:spPr>
@@ -12884,6 +12886,69 @@
               </a:rPr>
               <a:t>Orientadores</a:t>
             </a:r>
+          </a:p>
+        </p:txBody>
+      </p:sp>
+      <p:sp>
+        <p:nvSpPr>
+          <p:cNvPr id="6" name="Title 1">
+            <a:extLst>
+              <a:ext uri="{FF2B5EF4-FFF2-40B4-BE49-F238E27FC236}">
+                <a16:creationId xmlns:a16="http://schemas.microsoft.com/office/drawing/2014/main" id="{9DF16CF6-D953-E1A4-7403-8826ECC1D428}"/>
+              </a:ext>
+            </a:extLst>
+          </p:cNvPr>
+          <p:cNvSpPr txBox="1">
+            <a:spLocks/>
+          </p:cNvSpPr>
+          <p:nvPr/>
+        </p:nvSpPr>
+        <p:spPr>
+          <a:xfrm>
+            <a:off x="5475117" y="3429000"/>
+            <a:ext cx="1241765" cy="692441"/>
+          </a:xfrm>
+          <a:prstGeom prst="rect">
+            <a:avLst/>
+          </a:prstGeom>
+        </p:spPr>
+        <p:txBody>
+          <a:bodyPr vert="horz" lIns="91440" tIns="45720" rIns="91440" bIns="45720" rtlCol="0" anchor="b">
+            <a:noAutofit/>
+          </a:bodyPr>
+          <a:lstStyle>
+            <a:lvl1pPr algn="l" defTabSz="914400" rtl="0" eaLnBrk="1" latinLnBrk="0" hangingPunct="1">
+              <a:lnSpc>
+                <a:spcPct val="90000"/>
+              </a:lnSpc>
+              <a:spcBef>
+                <a:spcPct val="0"/>
+              </a:spcBef>
+              <a:buNone/>
+              <a:defRPr sz="6000" kern="1200">
+                <a:solidFill>
+                  <a:schemeClr val="bg1"/>
+                </a:solidFill>
+                <a:latin typeface="+mj-lt"/>
+                <a:ea typeface="+mj-ea"/>
+                <a:cs typeface="+mj-cs"/>
+              </a:defRPr>
+            </a:lvl1pPr>
+          </a:lstStyle>
+          <a:p>
+            <a:r>
+              <a:rPr lang="en-US" sz="3200" dirty="0">
+                <a:solidFill>
+                  <a:schemeClr val="tx1"/>
+                </a:solidFill>
+              </a:rPr>
+              <a:t>LSTM</a:t>
+            </a:r>
+            <a:endParaRPr lang="pt-PT" sz="3200" dirty="0">
+              <a:solidFill>
+                <a:schemeClr val="tx1"/>
+              </a:solidFill>
+            </a:endParaRPr>
           </a:p>
         </p:txBody>
       </p:sp>
@@ -13195,6 +13260,51 @@
                       </p:childTnLst>
                     </p:cTn>
                   </p:par>
+                  <p:par>
+                    <p:cTn id="25" fill="hold">
+                      <p:stCondLst>
+                        <p:cond delay="indefinite"/>
+                      </p:stCondLst>
+                      <p:childTnLst>
+                        <p:par>
+                          <p:cTn id="26" fill="hold">
+                            <p:stCondLst>
+                              <p:cond delay="0"/>
+                            </p:stCondLst>
+                            <p:childTnLst>
+                              <p:par>
+                                <p:cTn id="27" presetID="1" presetClass="entr" presetSubtype="0" fill="hold" grpId="0" nodeType="clickEffect">
+                                  <p:stCondLst>
+                                    <p:cond delay="0"/>
+                                  </p:stCondLst>
+                                  <p:childTnLst>
+                                    <p:set>
+                                      <p:cBhvr>
+                                        <p:cTn id="28" dur="1" fill="hold">
+                                          <p:stCondLst>
+                                            <p:cond delay="0"/>
+                                          </p:stCondLst>
+                                        </p:cTn>
+                                        <p:tgtEl>
+                                          <p:spTgt spid="6"/>
+                                        </p:tgtEl>
+                                        <p:attrNameLst>
+                                          <p:attrName>style.visibility</p:attrName>
+                                        </p:attrNameLst>
+                                      </p:cBhvr>
+                                      <p:to>
+                                        <p:strVal val="visible"/>
+                                      </p:to>
+                                    </p:set>
+                                  </p:childTnLst>
+                                </p:cTn>
+                              </p:par>
+                            </p:childTnLst>
+                          </p:cTn>
+                        </p:par>
+                      </p:childTnLst>
+                    </p:cTn>
+                  </p:par>
                 </p:childTnLst>
               </p:cTn>
               <p:prevCondLst>
@@ -13220,6 +13330,7 @@
       <p:bldP spid="2" grpId="0"/>
       <p:bldP spid="4" grpId="0"/>
       <p:bldP spid="9" grpId="0"/>
+      <p:bldP spid="6" grpId="0"/>
     </p:bldLst>
   </p:timing>
 </p:sld>
@@ -14348,13 +14459,8 @@
             <a:pPr algn="ctr"/>
             <a:r>
               <a:rPr lang="pt-PT" sz="1000" dirty="0"/>
-              <a:t>Gráfico de manobras do </a:t>
-            </a:r>
-            <a:r>
-              <a:rPr lang="pt-PT" sz="1000" dirty="0" err="1"/>
-              <a:t>dataset</a:t>
-            </a:r>
-            <a:endParaRPr lang="pt-PT" sz="1000" dirty="0"/>
+              <a:t>Gráfico de manobras Abrantes-Leiria.</a:t>
+            </a:r>
           </a:p>
         </p:txBody>
       </p:sp>
@@ -14946,14 +15052,13 @@
         </p:nvPicPr>
         <p:blipFill>
           <a:blip r:embed="rId4"/>
-          <a:stretch>
-            <a:fillRect/>
-          </a:stretch>
+          <a:srcRect l="2514" t="4303" r="4562"/>
+          <a:stretch/>
         </p:blipFill>
         <p:spPr>
           <a:xfrm>
-            <a:off x="3252717" y="729001"/>
-            <a:ext cx="5686565" cy="5168352"/>
+            <a:off x="3253339" y="823197"/>
+            <a:ext cx="5284200" cy="4945908"/>
           </a:xfrm>
           <a:prstGeom prst="rect">
             <a:avLst/>
@@ -15106,6 +15211,42 @@
           </a:p>
         </p:txBody>
       </p:sp>
+      <p:sp>
+        <p:nvSpPr>
+          <p:cNvPr id="2" name="TextBox 1">
+            <a:extLst>
+              <a:ext uri="{FF2B5EF4-FFF2-40B4-BE49-F238E27FC236}">
+                <a16:creationId xmlns:a16="http://schemas.microsoft.com/office/drawing/2014/main" id="{766352C7-D3F9-0AD5-2EBB-AB95266C2446}"/>
+              </a:ext>
+            </a:extLst>
+          </p:cNvPr>
+          <p:cNvSpPr txBox="1"/>
+          <p:nvPr/>
+        </p:nvSpPr>
+        <p:spPr>
+          <a:xfrm>
+            <a:off x="4101811" y="5830907"/>
+            <a:ext cx="4114799" cy="246221"/>
+          </a:xfrm>
+          <a:prstGeom prst="rect">
+            <a:avLst/>
+          </a:prstGeom>
+          <a:noFill/>
+        </p:spPr>
+        <p:txBody>
+          <a:bodyPr wrap="square" rtlCol="0">
+            <a:spAutoFit/>
+          </a:bodyPr>
+          <a:lstStyle/>
+          <a:p>
+            <a:pPr algn="ctr"/>
+            <a:r>
+              <a:rPr lang="pt-PT" sz="1000" dirty="0"/>
+              <a:t>Diagrama ilustrativo do tratamento dos dados.</a:t>
+            </a:r>
+          </a:p>
+        </p:txBody>
+      </p:sp>
     </p:spTree>
     <p:extLst>
       <p:ext uri="{BB962C8B-B14F-4D97-AF65-F5344CB8AC3E}">
@@ -15116,6 +15257,87 @@
   <p:clrMapOvr>
     <a:masterClrMapping/>
   </p:clrMapOvr>
+  <p:timing>
+    <p:tnLst>
+      <p:par>
+        <p:cTn id="1" dur="indefinite" restart="never" nodeType="tmRoot">
+          <p:childTnLst>
+            <p:seq concurrent="1" nextAc="seek">
+              <p:cTn id="2" dur="indefinite" nodeType="mainSeq">
+                <p:childTnLst>
+                  <p:par>
+                    <p:cTn id="3" fill="hold">
+                      <p:stCondLst>
+                        <p:cond delay="indefinite"/>
+                        <p:cond evt="onBegin" delay="0">
+                          <p:tn val="2"/>
+                        </p:cond>
+                      </p:stCondLst>
+                      <p:childTnLst>
+                        <p:par>
+                          <p:cTn id="4" fill="hold">
+                            <p:stCondLst>
+                              <p:cond delay="0"/>
+                            </p:stCondLst>
+                            <p:childTnLst>
+                              <p:par>
+                                <p:cTn id="5" presetID="1" presetClass="entr" presetSubtype="0" fill="hold" grpId="0" nodeType="withEffect">
+                                  <p:stCondLst>
+                                    <p:cond delay="0"/>
+                                  </p:stCondLst>
+                                  <p:childTnLst>
+                                    <p:set>
+                                      <p:cBhvr>
+                                        <p:cTn id="6" dur="1" fill="hold">
+                                          <p:stCondLst>
+                                            <p:cond delay="0"/>
+                                          </p:stCondLst>
+                                        </p:cTn>
+                                        <p:tgtEl>
+                                          <p:spTgt spid="2"/>
+                                        </p:tgtEl>
+                                        <p:attrNameLst>
+                                          <p:attrName>style.visibility</p:attrName>
+                                        </p:attrNameLst>
+                                      </p:cBhvr>
+                                      <p:to>
+                                        <p:strVal val="visible"/>
+                                      </p:to>
+                                    </p:set>
+                                  </p:childTnLst>
+                                </p:cTn>
+                              </p:par>
+                            </p:childTnLst>
+                          </p:cTn>
+                        </p:par>
+                      </p:childTnLst>
+                    </p:cTn>
+                  </p:par>
+                </p:childTnLst>
+              </p:cTn>
+              <p:prevCondLst>
+                <p:cond evt="onPrev" delay="0">
+                  <p:tgtEl>
+                    <p:sldTgt/>
+                  </p:tgtEl>
+                </p:cond>
+              </p:prevCondLst>
+              <p:nextCondLst>
+                <p:cond evt="onNext" delay="0">
+                  <p:tgtEl>
+                    <p:sldTgt/>
+                  </p:tgtEl>
+                </p:cond>
+              </p:nextCondLst>
+            </p:seq>
+          </p:childTnLst>
+        </p:cTn>
+      </p:par>
+    </p:tnLst>
+    <p:bldLst>
+      <p:bldP spid="2" grpId="0"/>
+    </p:bldLst>
+  </p:timing>
 </p:sld>
 </file>
 
@@ -15570,7 +15792,7 @@
         </p:nvSpPr>
         <p:spPr>
           <a:xfrm>
-            <a:off x="4101811" y="5792407"/>
+            <a:off x="4101811" y="5830907"/>
             <a:ext cx="4114799" cy="246221"/>
           </a:xfrm>
           <a:prstGeom prst="rect">
@@ -15586,10 +15808,9 @@
           <a:p>
             <a:pPr algn="ctr"/>
             <a:r>
-              <a:rPr lang="pt-PT" sz="1000"/>
+              <a:rPr lang="pt-PT" sz="1000" dirty="0"/>
               <a:t>Diagrama ilustrativo do tratamento dos dados.</a:t>
             </a:r>
-            <a:endParaRPr lang="pt-PT" sz="1000" dirty="0"/>
           </a:p>
         </p:txBody>
       </p:sp>
@@ -16110,20 +16331,55 @@
         </p:nvPicPr>
         <p:blipFill>
           <a:blip r:embed="rId4"/>
-          <a:stretch>
-            <a:fillRect/>
-          </a:stretch>
+          <a:srcRect l="-3684" t="3665" r="2757"/>
+          <a:stretch/>
         </p:blipFill>
         <p:spPr>
           <a:xfrm>
-            <a:off x="3858400" y="793005"/>
-            <a:ext cx="4930653" cy="5150596"/>
+            <a:off x="3521241" y="819372"/>
+            <a:ext cx="4940765" cy="4926430"/>
           </a:xfrm>
           <a:prstGeom prst="rect">
             <a:avLst/>
           </a:prstGeom>
         </p:spPr>
       </p:pic>
+      <p:sp>
+        <p:nvSpPr>
+          <p:cNvPr id="2" name="TextBox 1">
+            <a:extLst>
+              <a:ext uri="{FF2B5EF4-FFF2-40B4-BE49-F238E27FC236}">
+                <a16:creationId xmlns:a16="http://schemas.microsoft.com/office/drawing/2014/main" id="{ACFA6DC6-7E9B-7EEC-2A82-C82D2D689436}"/>
+              </a:ext>
+            </a:extLst>
+          </p:cNvPr>
+          <p:cNvSpPr txBox="1"/>
+          <p:nvPr/>
+        </p:nvSpPr>
+        <p:spPr>
+          <a:xfrm>
+            <a:off x="4101811" y="5830907"/>
+            <a:ext cx="4114799" cy="246221"/>
+          </a:xfrm>
+          <a:prstGeom prst="rect">
+            <a:avLst/>
+          </a:prstGeom>
+          <a:noFill/>
+        </p:spPr>
+        <p:txBody>
+          <a:bodyPr wrap="square" rtlCol="0">
+            <a:spAutoFit/>
+          </a:bodyPr>
+          <a:lstStyle/>
+          <a:p>
+            <a:pPr algn="ctr"/>
+            <a:r>
+              <a:rPr lang="pt-PT" sz="1000" dirty="0"/>
+              <a:t>Diagrama ilustrativo do tratamento dos dados.</a:t>
+            </a:r>
+          </a:p>
+        </p:txBody>
+      </p:sp>
     </p:spTree>
     <p:extLst>
       <p:ext uri="{BB962C8B-B14F-4D97-AF65-F5344CB8AC3E}">
@@ -16134,6 +16390,87 @@
   <p:clrMapOvr>
     <a:masterClrMapping/>
   </p:clrMapOvr>
+  <p:timing>
+    <p:tnLst>
+      <p:par>
+        <p:cTn id="1" dur="indefinite" restart="never" nodeType="tmRoot">
+          <p:childTnLst>
+            <p:seq concurrent="1" nextAc="seek">
+              <p:cTn id="2" dur="indefinite" nodeType="mainSeq">
+                <p:childTnLst>
+                  <p:par>
+                    <p:cTn id="3" fill="hold">
+                      <p:stCondLst>
+                        <p:cond delay="indefinite"/>
+                        <p:cond evt="onBegin" delay="0">
+                          <p:tn val="2"/>
+                        </p:cond>
+                      </p:stCondLst>
+                      <p:childTnLst>
+                        <p:par>
+                          <p:cTn id="4" fill="hold">
+                            <p:stCondLst>
+                              <p:cond delay="0"/>
+                            </p:stCondLst>
+                            <p:childTnLst>
+                              <p:par>
+                                <p:cTn id="5" presetID="1" presetClass="entr" presetSubtype="0" fill="hold" grpId="0" nodeType="withEffect">
+                                  <p:stCondLst>
+                                    <p:cond delay="0"/>
+                                  </p:stCondLst>
+                                  <p:childTnLst>
+                                    <p:set>
+                                      <p:cBhvr>
+                                        <p:cTn id="6" dur="1" fill="hold">
+                                          <p:stCondLst>
+                                            <p:cond delay="0"/>
+                                          </p:stCondLst>
+                                        </p:cTn>
+                                        <p:tgtEl>
+                                          <p:spTgt spid="2"/>
+                                        </p:tgtEl>
+                                        <p:attrNameLst>
+                                          <p:attrName>style.visibility</p:attrName>
+                                        </p:attrNameLst>
+                                      </p:cBhvr>
+                                      <p:to>
+                                        <p:strVal val="visible"/>
+                                      </p:to>
+                                    </p:set>
+                                  </p:childTnLst>
+                                </p:cTn>
+                              </p:par>
+                            </p:childTnLst>
+                          </p:cTn>
+                        </p:par>
+                      </p:childTnLst>
+                    </p:cTn>
+                  </p:par>
+                </p:childTnLst>
+              </p:cTn>
+              <p:prevCondLst>
+                <p:cond evt="onPrev" delay="0">
+                  <p:tgtEl>
+                    <p:sldTgt/>
+                  </p:tgtEl>
+                </p:cond>
+              </p:prevCondLst>
+              <p:nextCondLst>
+                <p:cond evt="onNext" delay="0">
+                  <p:tgtEl>
+                    <p:sldTgt/>
+                  </p:tgtEl>
+                </p:cond>
+              </p:nextCondLst>
+            </p:seq>
+          </p:childTnLst>
+        </p:cTn>
+      </p:par>
+    </p:tnLst>
+    <p:bldLst>
+      <p:bldP spid="2" grpId="0"/>
+    </p:bldLst>
+  </p:timing>
 </p:sld>
 </file>
 
@@ -16560,14 +16897,13 @@
         </p:nvPicPr>
         <p:blipFill>
           <a:blip r:embed="rId4"/>
-          <a:stretch>
-            <a:fillRect/>
-          </a:stretch>
+          <a:srcRect l="2848" r="3850"/>
+          <a:stretch/>
         </p:blipFill>
         <p:spPr>
           <a:xfrm>
-            <a:off x="3377689" y="1007110"/>
-            <a:ext cx="5436621" cy="4843780"/>
+            <a:off x="3578993" y="917647"/>
+            <a:ext cx="5072514" cy="4843780"/>
           </a:xfrm>
           <a:prstGeom prst="rect">
             <a:avLst/>
@@ -16588,7 +16924,7 @@
         </p:nvSpPr>
         <p:spPr>
           <a:xfrm>
-            <a:off x="4101811" y="5792407"/>
+            <a:off x="4101811" y="5830907"/>
             <a:ext cx="4114799" cy="246221"/>
           </a:xfrm>
           <a:prstGeom prst="rect">
@@ -18278,7 +18614,7 @@
               <a:t>Comparação da </a:t>
             </a:r>
             <a:r>
-              <a:rPr lang="pt-PT" sz="1000" dirty="0" err="1"/>
+              <a:rPr lang="pt-PT" sz="1000" i="1" dirty="0" err="1"/>
               <a:t>loss</a:t>
             </a:r>
             <a:r>
@@ -18287,19 +18623,23 @@
             </a:r>
             <a:r>
               <a:rPr lang="pt-PT" sz="1000" dirty="0" err="1"/>
-              <a:t>val_loss</a:t>
+              <a:t>val_</a:t>
+            </a:r>
+            <a:r>
+              <a:rPr lang="pt-PT" sz="1000" i="1" dirty="0" err="1"/>
+              <a:t>loss</a:t>
             </a:r>
             <a:r>
               <a:rPr lang="pt-PT" sz="1000" dirty="0"/>
-              <a:t> para o modelo </a:t>
-            </a:r>
-            <a:r>
-              <a:rPr lang="pt-PT" sz="1000" dirty="0" err="1"/>
+              <a:t>  - </a:t>
+            </a:r>
+            <a:r>
+              <a:rPr lang="pt-PT" sz="1000" i="1" dirty="0" err="1"/>
               <a:t>Convolutional</a:t>
             </a:r>
             <a:r>
               <a:rPr lang="pt-PT" sz="1000" dirty="0"/>
-              <a:t> LSTM </a:t>
+              <a:t> LSTM.</a:t>
             </a:r>
           </a:p>
         </p:txBody>
@@ -20235,7 +20575,7 @@
         </p:nvSpPr>
         <p:spPr>
           <a:xfrm>
-            <a:off x="1520662" y="4902936"/>
+            <a:off x="1520662" y="4951061"/>
             <a:ext cx="4114799" cy="246221"/>
           </a:xfrm>
           <a:prstGeom prst="rect">
@@ -20271,7 +20611,7 @@
         </p:nvSpPr>
         <p:spPr>
           <a:xfrm>
-            <a:off x="6651414" y="4902935"/>
+            <a:off x="6651414" y="4951060"/>
             <a:ext cx="3744770" cy="246221"/>
           </a:xfrm>
           <a:prstGeom prst="rect">
@@ -20920,7 +21260,7 @@
         </p:nvSpPr>
         <p:spPr>
           <a:xfrm>
-            <a:off x="1520662" y="4902936"/>
+            <a:off x="1520662" y="4951061"/>
             <a:ext cx="4254496" cy="246221"/>
           </a:xfrm>
           <a:prstGeom prst="rect">
@@ -20956,7 +21296,7 @@
         </p:nvSpPr>
         <p:spPr>
           <a:xfrm>
-            <a:off x="6659302" y="4902935"/>
+            <a:off x="6659302" y="4951060"/>
             <a:ext cx="3736881" cy="246221"/>
           </a:xfrm>
           <a:prstGeom prst="rect">
@@ -22560,7 +22900,7 @@
         </p:nvSpPr>
         <p:spPr>
           <a:xfrm>
-            <a:off x="1520663" y="4902936"/>
+            <a:off x="1520663" y="4951061"/>
             <a:ext cx="4012038" cy="246221"/>
           </a:xfrm>
           <a:prstGeom prst="rect">
@@ -22604,7 +22944,7 @@
         </p:nvSpPr>
         <p:spPr>
           <a:xfrm>
-            <a:off x="6659300" y="4902935"/>
+            <a:off x="6659300" y="4951060"/>
             <a:ext cx="3736881" cy="246221"/>
           </a:xfrm>
           <a:prstGeom prst="rect">
@@ -26546,7 +26886,7 @@
         </p:nvSpPr>
         <p:spPr>
           <a:xfrm>
-            <a:off x="3606826" y="5838654"/>
+            <a:off x="3606826" y="5867529"/>
             <a:ext cx="4978348" cy="246221"/>
           </a:xfrm>
           <a:prstGeom prst="rect">
@@ -26889,7 +27229,7 @@
         </p:nvSpPr>
         <p:spPr>
           <a:xfrm>
-            <a:off x="3606826" y="5838654"/>
+            <a:off x="3606826" y="5867529"/>
             <a:ext cx="4978348" cy="246221"/>
           </a:xfrm>
           <a:prstGeom prst="rect">
@@ -29340,8 +29680,8 @@
         </p:nvSpPr>
         <p:spPr>
           <a:xfrm>
-            <a:off x="2402026" y="3283521"/>
-            <a:ext cx="2960599" cy="246221"/>
+            <a:off x="2256064" y="5906115"/>
+            <a:ext cx="3217884" cy="246221"/>
           </a:xfrm>
           <a:prstGeom prst="rect">
             <a:avLst/>
@@ -29376,8 +29716,8 @@
         </p:nvSpPr>
         <p:spPr>
           <a:xfrm>
-            <a:off x="6980446" y="3283520"/>
-            <a:ext cx="2939065" cy="246221"/>
+            <a:off x="6829372" y="5906114"/>
+            <a:ext cx="3217884" cy="246221"/>
           </a:xfrm>
           <a:prstGeom prst="rect">
             <a:avLst/>
@@ -29412,8 +29752,8 @@
         </p:nvSpPr>
         <p:spPr>
           <a:xfrm>
-            <a:off x="2267727" y="5884320"/>
-            <a:ext cx="3241210" cy="246221"/>
+            <a:off x="2402026" y="3311759"/>
+            <a:ext cx="2960600" cy="246221"/>
           </a:xfrm>
           <a:prstGeom prst="rect">
             <a:avLst/>
@@ -29448,8 +29788,8 @@
         </p:nvSpPr>
         <p:spPr>
           <a:xfrm>
-            <a:off x="6844326" y="5865069"/>
-            <a:ext cx="3217884" cy="246221"/>
+            <a:off x="6967888" y="3302106"/>
+            <a:ext cx="2940856" cy="246221"/>
           </a:xfrm>
           <a:prstGeom prst="rect">
             <a:avLst/>
@@ -34637,7 +34977,7 @@
             </a:r>
             <a:r>
               <a:rPr lang="pt-PT" sz="1000" dirty="0"/>
-              <a:t>, Fonte: Wikipédia</a:t>
+              <a:t>. Fonte: Wikipédia</a:t>
             </a:r>
           </a:p>
         </p:txBody>
@@ -34793,46 +35133,6 @@
           </a:p>
         </p:txBody>
       </p:sp>
-      <p:pic>
-        <p:nvPicPr>
-          <p:cNvPr id="6" name="Picture 5" descr="A diagram of a cell phone&#10;&#10;Description automatically generated">
-            <a:extLst>
-              <a:ext uri="{FF2B5EF4-FFF2-40B4-BE49-F238E27FC236}">
-                <a16:creationId xmlns:a16="http://schemas.microsoft.com/office/drawing/2014/main" id="{3561A150-CA01-A4B3-92B3-81DEAA07786E}"/>
-              </a:ext>
-            </a:extLst>
-          </p:cNvPr>
-          <p:cNvPicPr>
-            <a:picLocks noChangeAspect="1"/>
-          </p:cNvPicPr>
-          <p:nvPr/>
-        </p:nvPicPr>
-        <p:blipFill>
-          <a:blip r:embed="rId3" cstate="print">
-            <a:extLst>
-              <a:ext uri="{28A0092B-C50C-407E-A947-70E740481C1C}">
-                <a14:useLocalDpi xmlns:a14="http://schemas.microsoft.com/office/drawing/2010/main" val="0"/>
-              </a:ext>
-            </a:extLst>
-          </a:blip>
-          <a:stretch>
-            <a:fillRect/>
-          </a:stretch>
-        </p:blipFill>
-        <p:spPr bwMode="auto">
-          <a:xfrm>
-            <a:off x="3810164" y="751460"/>
-            <a:ext cx="6524625" cy="5355080"/>
-          </a:xfrm>
-          <a:prstGeom prst="rect">
-            <a:avLst/>
-          </a:prstGeom>
-          <a:noFill/>
-          <a:ln>
-            <a:noFill/>
-          </a:ln>
-        </p:spPr>
-      </p:pic>
       <p:sp>
         <p:nvSpPr>
           <p:cNvPr id="3" name="Title 1">
@@ -35030,7 +35330,7 @@
           <p:nvPr/>
         </p:nvPicPr>
         <p:blipFill>
-          <a:blip r:embed="rId4">
+          <a:blip r:embed="rId3">
             <a:alphaModFix amt="70000"/>
             <a:extLst>
               <a:ext uri="{28A0092B-C50C-407E-A947-70E740481C1C}">
@@ -35066,7 +35366,7 @@
         </p:nvSpPr>
         <p:spPr>
           <a:xfrm>
-            <a:off x="5015076" y="5862325"/>
+            <a:off x="4038599" y="5820490"/>
             <a:ext cx="4114799" cy="246221"/>
           </a:xfrm>
           <a:prstGeom prst="rect">
@@ -35088,6 +35388,36 @@
           </a:p>
         </p:txBody>
       </p:sp>
+      <p:pic>
+        <p:nvPicPr>
+          <p:cNvPr id="7" name="Picture 6">
+            <a:extLst>
+              <a:ext uri="{FF2B5EF4-FFF2-40B4-BE49-F238E27FC236}">
+                <a16:creationId xmlns:a16="http://schemas.microsoft.com/office/drawing/2014/main" id="{5D3C4DA9-5803-8C8C-916A-276B84E9DE91}"/>
+              </a:ext>
+            </a:extLst>
+          </p:cNvPr>
+          <p:cNvPicPr>
+            <a:picLocks noChangeAspect="1"/>
+          </p:cNvPicPr>
+          <p:nvPr/>
+        </p:nvPicPr>
+        <p:blipFill>
+          <a:blip r:embed="rId4"/>
+          <a:stretch>
+            <a:fillRect/>
+          </a:stretch>
+        </p:blipFill>
+        <p:spPr>
+          <a:xfrm>
+            <a:off x="3371848" y="1219915"/>
+            <a:ext cx="5448300" cy="4600575"/>
+          </a:xfrm>
+          <a:prstGeom prst="rect">
+            <a:avLst/>
+          </a:prstGeom>
+        </p:spPr>
+      </p:pic>
     </p:spTree>
     <p:extLst>
       <p:ext uri="{BB962C8B-B14F-4D97-AF65-F5344CB8AC3E}">
@@ -35110,6 +35440,9 @@
                     <p:cTn id="3" fill="hold">
                       <p:stCondLst>
                         <p:cond delay="indefinite"/>
+                        <p:cond evt="onBegin" delay="0">
+                          <p:tn val="2"/>
+                        </p:cond>
                       </p:stCondLst>
                       <p:childTnLst>
                         <p:par>
@@ -35119,7 +35452,7 @@
                             </p:stCondLst>
                             <p:childTnLst>
                               <p:par>
-                                <p:cTn id="5" presetID="1" presetClass="entr" presetSubtype="0" fill="hold" nodeType="clickEffect">
+                                <p:cTn id="5" presetID="1" presetClass="entr" presetSubtype="0" fill="hold" grpId="0" nodeType="withEffect">
                                   <p:stCondLst>
                                     <p:cond delay="0"/>
                                   </p:stCondLst>
@@ -35127,33 +35460,6 @@
                                     <p:set>
                                       <p:cBhvr>
                                         <p:cTn id="6" dur="1" fill="hold">
-                                          <p:stCondLst>
-                                            <p:cond delay="0"/>
-                                          </p:stCondLst>
-                                        </p:cTn>
-                                        <p:tgtEl>
-                                          <p:spTgt spid="6"/>
-                                        </p:tgtEl>
-                                        <p:attrNameLst>
-                                          <p:attrName>style.visibility</p:attrName>
-                                        </p:attrNameLst>
-                                      </p:cBhvr>
-                                      <p:to>
-                                        <p:strVal val="visible"/>
-                                      </p:to>
-                                    </p:set>
-                                  </p:childTnLst>
-                                </p:cTn>
-                              </p:par>
-                              <p:par>
-                                <p:cTn id="7" presetID="1" presetClass="entr" presetSubtype="0" fill="hold" grpId="0" nodeType="withEffect">
-                                  <p:stCondLst>
-                                    <p:cond delay="0"/>
-                                  </p:stCondLst>
-                                  <p:childTnLst>
-                                    <p:set>
-                                      <p:cBhvr>
-                                        <p:cTn id="8" dur="1" fill="hold">
                                           <p:stCondLst>
                                             <p:cond delay="0"/>
                                           </p:stCondLst>
@@ -37626,6 +37932,15 @@
 </file>
 
 <file path=customXml/item1.xml><?xml version="1.0" encoding="utf-8"?>
+<p:properties xmlns:p="http://schemas.microsoft.com/office/2006/metadata/properties" xmlns:xsi="http://www.w3.org/2001/XMLSchema-instance" xmlns:pc="http://schemas.microsoft.com/office/infopath/2007/PartnerControls">
+  <documentManagement>
+    <MediaServiceKeyPoints xmlns="49ea7286-31dc-4857-8ba0-9dd5131121ba" xsi:nil="true"/>
+    <_activity xmlns="49ea7286-31dc-4857-8ba0-9dd5131121ba" xsi:nil="true"/>
+  </documentManagement>
+</p:properties>
+</file>
+
+<file path=customXml/item2.xml><?xml version="1.0" encoding="utf-8"?>
 <ct:contentTypeSchema xmlns:ct="http://schemas.microsoft.com/office/2006/metadata/contentType" xmlns:ma="http://schemas.microsoft.com/office/2006/metadata/properties/metaAttributes" ct:_="" ma:_="" ma:contentTypeName="Document" ma:contentTypeID="0x010100A73A92E9BB0D154D881191BAEDDE609C" ma:contentTypeVersion="15" ma:contentTypeDescription="Create a new document." ma:contentTypeScope="" ma:versionID="efb1cbc0b36a0d4d469bd0290935f8df">
   <xsd:schema xmlns:xsd="http://www.w3.org/2001/XMLSchema" xmlns:xs="http://www.w3.org/2001/XMLSchema" xmlns:p="http://schemas.microsoft.com/office/2006/metadata/properties" xmlns:ns3="49ea7286-31dc-4857-8ba0-9dd5131121ba" xmlns:ns4="490ae867-905f-461a-953e-c60010c4e0c9" targetNamespace="http://schemas.microsoft.com/office/2006/metadata/properties" ma:root="true" ma:fieldsID="f3e6108c9adebc81ed2cd74cc74f8ca6" ns3:_="" ns4:_="">
     <xsd:import namespace="49ea7286-31dc-4857-8ba0-9dd5131121ba"/>
@@ -37860,15 +38175,6 @@
 </ct:contentTypeSchema>
 </file>
 
-<file path=customXml/item2.xml><?xml version="1.0" encoding="utf-8"?>
-<p:properties xmlns:p="http://schemas.microsoft.com/office/2006/metadata/properties" xmlns:xsi="http://www.w3.org/2001/XMLSchema-instance" xmlns:pc="http://schemas.microsoft.com/office/infopath/2007/PartnerControls">
-  <documentManagement>
-    <MediaServiceKeyPoints xmlns="49ea7286-31dc-4857-8ba0-9dd5131121ba" xsi:nil="true"/>
-    <_activity xmlns="49ea7286-31dc-4857-8ba0-9dd5131121ba" xsi:nil="true"/>
-  </documentManagement>
-</p:properties>
-</file>
-
 <file path=customXml/item3.xml><?xml version="1.0" encoding="utf-8"?>
 <?mso-contentType ?>
 <FormTemplates xmlns="http://schemas.microsoft.com/sharepoint/v3/contenttype/forms">
@@ -37879,6 +38185,23 @@
 </file>
 
 <file path=customXml/itemProps1.xml><?xml version="1.0" encoding="utf-8"?>
+<ds:datastoreItem xmlns:ds="http://schemas.openxmlformats.org/officeDocument/2006/customXml" ds:itemID="{CBDD27D0-5B6E-4A0E-95B2-BB37F9D88615}">
+  <ds:schemaRefs>
+    <ds:schemaRef ds:uri="http://purl.org/dc/dcmitype/"/>
+    <ds:schemaRef ds:uri="http://www.w3.org/XML/1998/namespace"/>
+    <ds:schemaRef ds:uri="http://schemas.openxmlformats.org/package/2006/metadata/core-properties"/>
+    <ds:schemaRef ds:uri="http://schemas.microsoft.com/office/2006/metadata/properties"/>
+    <ds:schemaRef ds:uri="http://purl.org/dc/elements/1.1/"/>
+    <ds:schemaRef ds:uri="http://schemas.microsoft.com/office/2006/documentManagement/types"/>
+    <ds:schemaRef ds:uri="http://purl.org/dc/terms/"/>
+    <ds:schemaRef ds:uri="http://schemas.microsoft.com/office/infopath/2007/PartnerControls"/>
+    <ds:schemaRef ds:uri="490ae867-905f-461a-953e-c60010c4e0c9"/>
+    <ds:schemaRef ds:uri="49ea7286-31dc-4857-8ba0-9dd5131121ba"/>
+  </ds:schemaRefs>
+</ds:datastoreItem>
+</file>
+
+<file path=customXml/itemProps2.xml><?xml version="1.0" encoding="utf-8"?>
 <ds:datastoreItem xmlns:ds="http://schemas.openxmlformats.org/officeDocument/2006/customXml" ds:itemID="{2772B1AE-A3BA-4700-8DCD-4A25B8D329B2}">
   <ds:schemaRefs>
     <ds:schemaRef ds:uri="http://schemas.microsoft.com/office/2006/metadata/contentType"/>
@@ -37897,23 +38220,6 @@
 </ds:datastoreItem>
 </file>
 
-<file path=customXml/itemProps2.xml><?xml version="1.0" encoding="utf-8"?>
-<ds:datastoreItem xmlns:ds="http://schemas.openxmlformats.org/officeDocument/2006/customXml" ds:itemID="{CBDD27D0-5B6E-4A0E-95B2-BB37F9D88615}">
-  <ds:schemaRefs>
-    <ds:schemaRef ds:uri="http://purl.org/dc/dcmitype/"/>
-    <ds:schemaRef ds:uri="http://www.w3.org/XML/1998/namespace"/>
-    <ds:schemaRef ds:uri="http://schemas.openxmlformats.org/package/2006/metadata/core-properties"/>
-    <ds:schemaRef ds:uri="http://schemas.microsoft.com/office/2006/metadata/properties"/>
-    <ds:schemaRef ds:uri="http://purl.org/dc/elements/1.1/"/>
-    <ds:schemaRef ds:uri="http://schemas.microsoft.com/office/2006/documentManagement/types"/>
-    <ds:schemaRef ds:uri="http://purl.org/dc/terms/"/>
-    <ds:schemaRef ds:uri="http://schemas.microsoft.com/office/infopath/2007/PartnerControls"/>
-    <ds:schemaRef ds:uri="490ae867-905f-461a-953e-c60010c4e0c9"/>
-    <ds:schemaRef ds:uri="49ea7286-31dc-4857-8ba0-9dd5131121ba"/>
-  </ds:schemaRefs>
-</ds:datastoreItem>
-</file>
-
 <file path=customXml/itemProps3.xml><?xml version="1.0" encoding="utf-8"?>
 <ds:datastoreItem xmlns:ds="http://schemas.openxmlformats.org/officeDocument/2006/customXml" ds:itemID="{A98CD342-50C4-441F-B4A3-7D5ADB057132}">
   <ds:schemaRefs>

--- a/ProjInf_AI_Driving_Classification.pptx
+++ b/ProjInf_AI_Driving_Classification.pptx
@@ -4388,7 +4388,130 @@
           <a:bodyPr/>
           <a:lstStyle/>
           <a:p>
-            <a:endParaRPr lang="pt-PT" dirty="0"/>
+            <a:r>
+              <a:rPr lang="en-US" b="0" i="0" dirty="0">
+                <a:solidFill>
+                  <a:srgbClr val="BFBFBF"/>
+                </a:solidFill>
+                <a:effectLst/>
+                <a:latin typeface="Arial" panose="020B0604020202020204" pitchFamily="34" charset="0"/>
+              </a:rPr>
+              <a:t>ROC - Receiver Operating characteristic Curve</a:t>
+            </a:r>
+          </a:p>
+          <a:p>
+            <a:r>
+              <a:rPr lang="en-US" b="0" i="0" dirty="0">
+                <a:solidFill>
+                  <a:srgbClr val="BFBFBF"/>
+                </a:solidFill>
+                <a:effectLst/>
+                <a:latin typeface="Arial" panose="020B0604020202020204" pitchFamily="34" charset="0"/>
+              </a:rPr>
+              <a:t>É</a:t>
+            </a:r>
+            <a:r>
+              <a:rPr lang="pt-PT" dirty="0"/>
+              <a:t> um gráfico que ilustra o desempenho de um modelo de classificação binária em diferentes </a:t>
+            </a:r>
+            <a:r>
+              <a:rPr lang="en-US" b="0" i="0" dirty="0">
+                <a:solidFill>
+                  <a:srgbClr val="BFBFBF"/>
+                </a:solidFill>
+                <a:effectLst/>
+                <a:latin typeface="Arial" panose="020B0604020202020204" pitchFamily="34" charset="0"/>
+              </a:rPr>
+              <a:t>thresholds.</a:t>
+            </a:r>
+          </a:p>
+          <a:p>
+            <a:endParaRPr lang="en-US" b="0" i="0" dirty="0">
+              <a:solidFill>
+                <a:srgbClr val="BFBFBF"/>
+              </a:solidFill>
+              <a:effectLst/>
+              <a:latin typeface="Arial" panose="020B0604020202020204" pitchFamily="34" charset="0"/>
+            </a:endParaRPr>
+          </a:p>
+          <a:p>
+            <a:br>
+              <a:rPr lang="en-US" b="0" i="0" dirty="0">
+                <a:solidFill>
+                  <a:srgbClr val="BFBFBF"/>
+                </a:solidFill>
+                <a:effectLst/>
+                <a:latin typeface="Arial" panose="020B0604020202020204" pitchFamily="34" charset="0"/>
+              </a:rPr>
+            </a:br>
+            <a:r>
+              <a:rPr lang="en-US" b="0" i="0" dirty="0">
+                <a:solidFill>
+                  <a:srgbClr val="BFBFBF"/>
+                </a:solidFill>
+                <a:effectLst/>
+                <a:latin typeface="Arial" panose="020B0604020202020204" pitchFamily="34" charset="0"/>
+              </a:rPr>
+              <a:t>AUC – Area sob a curva</a:t>
+            </a:r>
+          </a:p>
+          <a:p>
+            <a:r>
+              <a:rPr lang="pt-PT" b="0" i="0" dirty="0">
+                <a:solidFill>
+                  <a:srgbClr val="BFBFBF"/>
+                </a:solidFill>
+                <a:effectLst/>
+                <a:latin typeface="Arial" panose="020B0604020202020204" pitchFamily="34" charset="0"/>
+              </a:rPr>
+              <a:t>É</a:t>
+            </a:r>
+            <a:r>
+              <a:rPr lang="pt-PT" dirty="0"/>
+              <a:t> uma métrica que quantifica a capacidade do modelo em distinguir entre classes positivas e negativas</a:t>
+            </a:r>
+            <a:br>
+              <a:rPr lang="en-US" b="0" i="0" dirty="0">
+                <a:solidFill>
+                  <a:srgbClr val="BFBFBF"/>
+                </a:solidFill>
+                <a:effectLst/>
+                <a:latin typeface="Arial" panose="020B0604020202020204" pitchFamily="34" charset="0"/>
+              </a:rPr>
+            </a:br>
+            <a:br>
+              <a:rPr lang="en-US" b="0" i="0" dirty="0">
+                <a:solidFill>
+                  <a:srgbClr val="BFBFBF"/>
+                </a:solidFill>
+                <a:effectLst/>
+                <a:latin typeface="Arial" panose="020B0604020202020204" pitchFamily="34" charset="0"/>
+              </a:rPr>
+            </a:br>
+            <a:r>
+              <a:rPr lang="pt-PT" dirty="0"/>
+              <a:t>AUC varia 0 e 1</a:t>
+            </a:r>
+            <a:br>
+              <a:rPr lang="pt-PT" dirty="0"/>
+            </a:br>
+            <a:r>
+              <a:rPr lang="pt-PT" dirty="0"/>
+              <a:t>AUC de 0,5 	- modelo que não tem capacidade de discriminação (equivalente a uma classificação aleatória) </a:t>
+            </a:r>
+            <a:br>
+              <a:rPr lang="pt-PT" dirty="0"/>
+            </a:br>
+            <a:r>
+              <a:rPr lang="pt-PT" dirty="0"/>
+              <a:t>AUC de 1 	- indica uma classificação perfeita. </a:t>
+            </a:r>
+          </a:p>
+          <a:p>
+            <a:r>
+              <a:rPr lang="pt-PT" dirty="0"/>
+              <a:t>Quanto maior o AUC, melhor o desempenho do modelo.</a:t>
+            </a:r>
           </a:p>
         </p:txBody>
       </p:sp>
@@ -4472,7 +4595,130 @@
           <a:bodyPr/>
           <a:lstStyle/>
           <a:p>
-            <a:endParaRPr lang="pt-PT" dirty="0"/>
+            <a:r>
+              <a:rPr lang="en-US" b="0" i="0" dirty="0">
+                <a:solidFill>
+                  <a:srgbClr val="BFBFBF"/>
+                </a:solidFill>
+                <a:effectLst/>
+                <a:latin typeface="Arial" panose="020B0604020202020204" pitchFamily="34" charset="0"/>
+              </a:rPr>
+              <a:t>ROC - Receiver Operating characteristic Curve</a:t>
+            </a:r>
+          </a:p>
+          <a:p>
+            <a:r>
+              <a:rPr lang="en-US" b="0" i="0" dirty="0">
+                <a:solidFill>
+                  <a:srgbClr val="BFBFBF"/>
+                </a:solidFill>
+                <a:effectLst/>
+                <a:latin typeface="Arial" panose="020B0604020202020204" pitchFamily="34" charset="0"/>
+              </a:rPr>
+              <a:t>É</a:t>
+            </a:r>
+            <a:r>
+              <a:rPr lang="pt-PT" dirty="0"/>
+              <a:t> um gráfico que ilustra o desempenho de um modelo de classificação binária em diferentes </a:t>
+            </a:r>
+            <a:r>
+              <a:rPr lang="en-US" b="0" i="0" dirty="0">
+                <a:solidFill>
+                  <a:srgbClr val="BFBFBF"/>
+                </a:solidFill>
+                <a:effectLst/>
+                <a:latin typeface="Arial" panose="020B0604020202020204" pitchFamily="34" charset="0"/>
+              </a:rPr>
+              <a:t>thresholds.</a:t>
+            </a:r>
+          </a:p>
+          <a:p>
+            <a:endParaRPr lang="en-US" b="0" i="0" dirty="0">
+              <a:solidFill>
+                <a:srgbClr val="BFBFBF"/>
+              </a:solidFill>
+              <a:effectLst/>
+              <a:latin typeface="Arial" panose="020B0604020202020204" pitchFamily="34" charset="0"/>
+            </a:endParaRPr>
+          </a:p>
+          <a:p>
+            <a:br>
+              <a:rPr lang="en-US" b="0" i="0" dirty="0">
+                <a:solidFill>
+                  <a:srgbClr val="BFBFBF"/>
+                </a:solidFill>
+                <a:effectLst/>
+                <a:latin typeface="Arial" panose="020B0604020202020204" pitchFamily="34" charset="0"/>
+              </a:rPr>
+            </a:br>
+            <a:r>
+              <a:rPr lang="en-US" b="0" i="0" dirty="0">
+                <a:solidFill>
+                  <a:srgbClr val="BFBFBF"/>
+                </a:solidFill>
+                <a:effectLst/>
+                <a:latin typeface="Arial" panose="020B0604020202020204" pitchFamily="34" charset="0"/>
+              </a:rPr>
+              <a:t>AUC – Area sob a curva</a:t>
+            </a:r>
+          </a:p>
+          <a:p>
+            <a:r>
+              <a:rPr lang="pt-PT" b="0" i="0" dirty="0">
+                <a:solidFill>
+                  <a:srgbClr val="BFBFBF"/>
+                </a:solidFill>
+                <a:effectLst/>
+                <a:latin typeface="Arial" panose="020B0604020202020204" pitchFamily="34" charset="0"/>
+              </a:rPr>
+              <a:t>É</a:t>
+            </a:r>
+            <a:r>
+              <a:rPr lang="pt-PT" dirty="0"/>
+              <a:t> uma métrica que quantifica a capacidade do modelo em distinguir entre classes positivas e negativas</a:t>
+            </a:r>
+            <a:br>
+              <a:rPr lang="en-US" b="0" i="0" dirty="0">
+                <a:solidFill>
+                  <a:srgbClr val="BFBFBF"/>
+                </a:solidFill>
+                <a:effectLst/>
+                <a:latin typeface="Arial" panose="020B0604020202020204" pitchFamily="34" charset="0"/>
+              </a:rPr>
+            </a:br>
+            <a:br>
+              <a:rPr lang="en-US" b="0" i="0" dirty="0">
+                <a:solidFill>
+                  <a:srgbClr val="BFBFBF"/>
+                </a:solidFill>
+                <a:effectLst/>
+                <a:latin typeface="Arial" panose="020B0604020202020204" pitchFamily="34" charset="0"/>
+              </a:rPr>
+            </a:br>
+            <a:r>
+              <a:rPr lang="pt-PT" dirty="0"/>
+              <a:t>AUC varia 0 e 1</a:t>
+            </a:r>
+            <a:br>
+              <a:rPr lang="pt-PT" dirty="0"/>
+            </a:br>
+            <a:r>
+              <a:rPr lang="pt-PT" dirty="0"/>
+              <a:t>AUC de 0,5 	- modelo que não tem capacidade de discriminação (equivalente a uma classificação aleatória) </a:t>
+            </a:r>
+            <a:br>
+              <a:rPr lang="pt-PT" dirty="0"/>
+            </a:br>
+            <a:r>
+              <a:rPr lang="pt-PT" dirty="0"/>
+              <a:t>AUC de 1 	- indica uma classificação perfeita. </a:t>
+            </a:r>
+          </a:p>
+          <a:p>
+            <a:r>
+              <a:rPr lang="pt-PT" dirty="0"/>
+              <a:t>Quanto maior o AUC, melhor o desempenho do modelo.</a:t>
+            </a:r>
           </a:p>
         </p:txBody>
       </p:sp>
@@ -4556,7 +4802,130 @@
           <a:bodyPr/>
           <a:lstStyle/>
           <a:p>
-            <a:endParaRPr lang="pt-PT" dirty="0"/>
+            <a:r>
+              <a:rPr lang="en-US" b="0" i="0" dirty="0">
+                <a:solidFill>
+                  <a:srgbClr val="BFBFBF"/>
+                </a:solidFill>
+                <a:effectLst/>
+                <a:latin typeface="Arial" panose="020B0604020202020204" pitchFamily="34" charset="0"/>
+              </a:rPr>
+              <a:t>ROC - Receiver Operating characteristic Curve</a:t>
+            </a:r>
+          </a:p>
+          <a:p>
+            <a:r>
+              <a:rPr lang="en-US" b="0" i="0" dirty="0">
+                <a:solidFill>
+                  <a:srgbClr val="BFBFBF"/>
+                </a:solidFill>
+                <a:effectLst/>
+                <a:latin typeface="Arial" panose="020B0604020202020204" pitchFamily="34" charset="0"/>
+              </a:rPr>
+              <a:t>É</a:t>
+            </a:r>
+            <a:r>
+              <a:rPr lang="pt-PT" dirty="0"/>
+              <a:t> um gráfico que ilustra o desempenho de um modelo de classificação binária em diferentes </a:t>
+            </a:r>
+            <a:r>
+              <a:rPr lang="en-US" b="0" i="0" dirty="0">
+                <a:solidFill>
+                  <a:srgbClr val="BFBFBF"/>
+                </a:solidFill>
+                <a:effectLst/>
+                <a:latin typeface="Arial" panose="020B0604020202020204" pitchFamily="34" charset="0"/>
+              </a:rPr>
+              <a:t>thresholds.</a:t>
+            </a:r>
+          </a:p>
+          <a:p>
+            <a:endParaRPr lang="en-US" b="0" i="0" dirty="0">
+              <a:solidFill>
+                <a:srgbClr val="BFBFBF"/>
+              </a:solidFill>
+              <a:effectLst/>
+              <a:latin typeface="Arial" panose="020B0604020202020204" pitchFamily="34" charset="0"/>
+            </a:endParaRPr>
+          </a:p>
+          <a:p>
+            <a:br>
+              <a:rPr lang="en-US" b="0" i="0" dirty="0">
+                <a:solidFill>
+                  <a:srgbClr val="BFBFBF"/>
+                </a:solidFill>
+                <a:effectLst/>
+                <a:latin typeface="Arial" panose="020B0604020202020204" pitchFamily="34" charset="0"/>
+              </a:rPr>
+            </a:br>
+            <a:r>
+              <a:rPr lang="en-US" b="0" i="0" dirty="0">
+                <a:solidFill>
+                  <a:srgbClr val="BFBFBF"/>
+                </a:solidFill>
+                <a:effectLst/>
+                <a:latin typeface="Arial" panose="020B0604020202020204" pitchFamily="34" charset="0"/>
+              </a:rPr>
+              <a:t>AUC – Area sob a curva</a:t>
+            </a:r>
+          </a:p>
+          <a:p>
+            <a:r>
+              <a:rPr lang="pt-PT" b="0" i="0" dirty="0">
+                <a:solidFill>
+                  <a:srgbClr val="BFBFBF"/>
+                </a:solidFill>
+                <a:effectLst/>
+                <a:latin typeface="Arial" panose="020B0604020202020204" pitchFamily="34" charset="0"/>
+              </a:rPr>
+              <a:t>É</a:t>
+            </a:r>
+            <a:r>
+              <a:rPr lang="pt-PT" dirty="0"/>
+              <a:t> uma métrica que quantifica a capacidade do modelo em distinguir entre classes positivas e negativas</a:t>
+            </a:r>
+            <a:br>
+              <a:rPr lang="en-US" b="0" i="0" dirty="0">
+                <a:solidFill>
+                  <a:srgbClr val="BFBFBF"/>
+                </a:solidFill>
+                <a:effectLst/>
+                <a:latin typeface="Arial" panose="020B0604020202020204" pitchFamily="34" charset="0"/>
+              </a:rPr>
+            </a:br>
+            <a:br>
+              <a:rPr lang="en-US" b="0" i="0" dirty="0">
+                <a:solidFill>
+                  <a:srgbClr val="BFBFBF"/>
+                </a:solidFill>
+                <a:effectLst/>
+                <a:latin typeface="Arial" panose="020B0604020202020204" pitchFamily="34" charset="0"/>
+              </a:rPr>
+            </a:br>
+            <a:r>
+              <a:rPr lang="pt-PT" dirty="0"/>
+              <a:t>AUC varia 0 e 1</a:t>
+            </a:r>
+            <a:br>
+              <a:rPr lang="pt-PT" dirty="0"/>
+            </a:br>
+            <a:r>
+              <a:rPr lang="pt-PT" dirty="0"/>
+              <a:t>AUC de 0,5 	- modelo que não tem capacidade de discriminação (equivalente a uma classificação aleatória) </a:t>
+            </a:r>
+            <a:br>
+              <a:rPr lang="pt-PT" dirty="0"/>
+            </a:br>
+            <a:r>
+              <a:rPr lang="pt-PT" dirty="0"/>
+              <a:t>AUC de 1 	- indica uma classificação perfeita. </a:t>
+            </a:r>
+          </a:p>
+          <a:p>
+            <a:r>
+              <a:rPr lang="pt-PT" dirty="0"/>
+              <a:t>Quanto maior o AUC, melhor o desempenho do modelo.</a:t>
+            </a:r>
           </a:p>
         </p:txBody>
       </p:sp>
@@ -4724,6 +5093,132 @@
           <a:bodyPr/>
           <a:lstStyle/>
           <a:p>
+            <a:r>
+              <a:rPr lang="en-US" b="0" i="0" dirty="0">
+                <a:solidFill>
+                  <a:srgbClr val="BFBFBF"/>
+                </a:solidFill>
+                <a:effectLst/>
+                <a:latin typeface="Arial" panose="020B0604020202020204" pitchFamily="34" charset="0"/>
+              </a:rPr>
+              <a:t>ROC - Receiver Operating characteristic Curve</a:t>
+            </a:r>
+          </a:p>
+          <a:p>
+            <a:r>
+              <a:rPr lang="en-US" b="0" i="0" dirty="0">
+                <a:solidFill>
+                  <a:srgbClr val="BFBFBF"/>
+                </a:solidFill>
+                <a:effectLst/>
+                <a:latin typeface="Arial" panose="020B0604020202020204" pitchFamily="34" charset="0"/>
+              </a:rPr>
+              <a:t>É</a:t>
+            </a:r>
+            <a:r>
+              <a:rPr lang="pt-PT" dirty="0"/>
+              <a:t> um gráfico que ilustra o desempenho de um modelo de classificação binária em diferentes </a:t>
+            </a:r>
+            <a:r>
+              <a:rPr lang="en-US" b="0" i="0" dirty="0">
+                <a:solidFill>
+                  <a:srgbClr val="BFBFBF"/>
+                </a:solidFill>
+                <a:effectLst/>
+                <a:latin typeface="Arial" panose="020B0604020202020204" pitchFamily="34" charset="0"/>
+              </a:rPr>
+              <a:t>thresholds.</a:t>
+            </a:r>
+          </a:p>
+          <a:p>
+            <a:endParaRPr lang="en-US" b="0" i="0" dirty="0">
+              <a:solidFill>
+                <a:srgbClr val="BFBFBF"/>
+              </a:solidFill>
+              <a:effectLst/>
+              <a:latin typeface="Arial" panose="020B0604020202020204" pitchFamily="34" charset="0"/>
+            </a:endParaRPr>
+          </a:p>
+          <a:p>
+            <a:br>
+              <a:rPr lang="en-US" b="0" i="0" dirty="0">
+                <a:solidFill>
+                  <a:srgbClr val="BFBFBF"/>
+                </a:solidFill>
+                <a:effectLst/>
+                <a:latin typeface="Arial" panose="020B0604020202020204" pitchFamily="34" charset="0"/>
+              </a:rPr>
+            </a:br>
+            <a:r>
+              <a:rPr lang="en-US" b="0" i="0" dirty="0">
+                <a:solidFill>
+                  <a:srgbClr val="BFBFBF"/>
+                </a:solidFill>
+                <a:effectLst/>
+                <a:latin typeface="Arial" panose="020B0604020202020204" pitchFamily="34" charset="0"/>
+              </a:rPr>
+              <a:t>AUC – Area sob a curva</a:t>
+            </a:r>
+          </a:p>
+          <a:p>
+            <a:r>
+              <a:rPr lang="pt-PT" b="0" i="0" dirty="0">
+                <a:solidFill>
+                  <a:srgbClr val="BFBFBF"/>
+                </a:solidFill>
+                <a:effectLst/>
+                <a:latin typeface="Arial" panose="020B0604020202020204" pitchFamily="34" charset="0"/>
+              </a:rPr>
+              <a:t>É</a:t>
+            </a:r>
+            <a:r>
+              <a:rPr lang="pt-PT" dirty="0"/>
+              <a:t> uma métrica que quantifica a capacidade do modelo em distinguir entre classes positivas e negativas</a:t>
+            </a:r>
+            <a:br>
+              <a:rPr lang="en-US" b="0" i="0" dirty="0">
+                <a:solidFill>
+                  <a:srgbClr val="BFBFBF"/>
+                </a:solidFill>
+                <a:effectLst/>
+                <a:latin typeface="Arial" panose="020B0604020202020204" pitchFamily="34" charset="0"/>
+              </a:rPr>
+            </a:br>
+            <a:br>
+              <a:rPr lang="en-US" b="0" i="0" dirty="0">
+                <a:solidFill>
+                  <a:srgbClr val="BFBFBF"/>
+                </a:solidFill>
+                <a:effectLst/>
+                <a:latin typeface="Arial" panose="020B0604020202020204" pitchFamily="34" charset="0"/>
+              </a:rPr>
+            </a:br>
+            <a:r>
+              <a:rPr lang="pt-PT" dirty="0"/>
+              <a:t>AUC varia 0 e 1</a:t>
+            </a:r>
+            <a:br>
+              <a:rPr lang="pt-PT" dirty="0"/>
+            </a:br>
+            <a:r>
+              <a:rPr lang="pt-PT" dirty="0"/>
+              <a:t>AUC de 0,5 	- modelo que não tem capacidade de discriminação (equivalente a uma classificação aleatória) </a:t>
+            </a:r>
+            <a:br>
+              <a:rPr lang="pt-PT" dirty="0"/>
+            </a:br>
+            <a:r>
+              <a:rPr lang="pt-PT" dirty="0"/>
+              <a:t>AUC de 1 	- indica uma classificação perfeita. </a:t>
+            </a:r>
+          </a:p>
+          <a:p>
+            <a:r>
+              <a:rPr lang="pt-PT" dirty="0"/>
+              <a:t>Quanto maior o AUC, melhor o desempenho do modelo.</a:t>
+            </a:r>
+          </a:p>
+          <a:p>
             <a:endParaRPr lang="pt-PT" dirty="0"/>
           </a:p>
         </p:txBody>
@@ -4808,7 +5303,10 @@
           <a:bodyPr/>
           <a:lstStyle/>
           <a:p>
-            <a:endParaRPr lang="pt-PT" dirty="0"/>
+            <a:r>
+              <a:rPr lang="pt-PT" dirty="0"/>
+              <a:t>Na segunda abordagem usamos pequenos cenários de condução gravados e preclassificados</a:t>
+            </a:r>
           </a:p>
         </p:txBody>
       </p:sp>
@@ -4892,7 +5390,37 @@
           <a:bodyPr/>
           <a:lstStyle/>
           <a:p>
+            <a:r>
+              <a:rPr lang="pt-PT" dirty="0"/>
+              <a:t>Esses cenários são: </a:t>
+            </a:r>
+          </a:p>
+          <a:p>
+            <a:r>
+              <a:rPr lang="pt-PT" dirty="0"/>
+              <a:t>Cenários de Aceleração em linha reta</a:t>
+            </a:r>
+          </a:p>
+          <a:p>
+            <a:r>
+              <a:rPr lang="pt-PT" dirty="0"/>
+              <a:t>Travagem usando o pedal de travão </a:t>
+            </a:r>
+          </a:p>
+          <a:p>
+            <a:r>
+              <a:rPr lang="pt-PT" dirty="0"/>
+              <a:t>e Interseções.</a:t>
+            </a:r>
+          </a:p>
+          <a:p>
             <a:endParaRPr lang="pt-PT" dirty="0"/>
+          </a:p>
+          <a:p>
+            <a:r>
+              <a:rPr lang="pt-PT" dirty="0"/>
+              <a:t>Os cenários foram preclassificados como Lento, Normal e Agressivo.</a:t>
+            </a:r>
           </a:p>
         </p:txBody>
       </p:sp>
@@ -4981,6 +5509,51 @@
               <a:t>Vou descrever o fluxo de dados desde a captura até ao treino e teste do modelo.</a:t>
             </a:r>
           </a:p>
+          <a:p>
+            <a:endParaRPr lang="pt-PT" dirty="0"/>
+          </a:p>
+          <a:p>
+            <a:r>
+              <a:rPr lang="pt-PT" dirty="0"/>
+              <a:t>Depois da recolha dos diferentes cenários de condução seguimos para a importação e limpeza dos dados.</a:t>
+            </a:r>
+          </a:p>
+          <a:p>
+            <a:endParaRPr lang="pt-PT" dirty="0"/>
+          </a:p>
+          <a:p>
+            <a:r>
+              <a:rPr lang="pt-PT" dirty="0"/>
+              <a:t>Em seguida aplicamos uma </a:t>
+            </a:r>
+            <a:r>
+              <a:rPr lang="pt-PT" dirty="0" err="1"/>
+              <a:t>Rolling</a:t>
+            </a:r>
+            <a:r>
+              <a:rPr lang="pt-PT" dirty="0"/>
+              <a:t> </a:t>
+            </a:r>
+            <a:r>
+              <a:rPr lang="pt-PT" dirty="0" err="1"/>
+              <a:t>Window</a:t>
+            </a:r>
+            <a:r>
+              <a:rPr lang="pt-PT" dirty="0"/>
+              <a:t> centrada de tamanho 3, que calcula a média do próprio valor, o anterior e o seguinte para obter um novo valor. Com isto conseguimos reduzir </a:t>
+            </a:r>
+            <a:r>
+              <a:rPr lang="pt-PT" dirty="0" err="1"/>
+              <a:t>ruidos</a:t>
+            </a:r>
+            <a:r>
+              <a:rPr lang="pt-PT" dirty="0"/>
+              <a:t> e erros nos dados capturados.</a:t>
+            </a:r>
+          </a:p>
+          <a:p>
+            <a:endParaRPr lang="pt-PT" dirty="0"/>
+          </a:p>
         </p:txBody>
       </p:sp>
       <p:sp>
@@ -5063,7 +5636,31 @@
           <a:bodyPr/>
           <a:lstStyle/>
           <a:p>
+            <a:r>
+              <a:rPr lang="pt-PT" dirty="0"/>
+              <a:t>Procedemos à normalização dos dados e à segmentação dos dados brutos em janelas temporais de tamanho 16 e com 1 linha de deslocamento</a:t>
+            </a:r>
+          </a:p>
+          <a:p>
             <a:endParaRPr lang="pt-PT" dirty="0"/>
+          </a:p>
+          <a:p>
+            <a:r>
+              <a:rPr lang="pt-PT" dirty="0"/>
+              <a:t>De seguida dividimos os dados em conjuntos de treino, validação e teste. </a:t>
+            </a:r>
+          </a:p>
+          <a:p>
+            <a:r>
+              <a:rPr lang="pt-PT" dirty="0"/>
+              <a:t>O conjunto de treino e validação são usados para o treino do modelo</a:t>
+            </a:r>
+          </a:p>
+          <a:p>
+            <a:r>
+              <a:rPr lang="pt-PT" dirty="0"/>
+              <a:t>E o conjunto de teste é usado na avaliação do modelo</a:t>
+            </a:r>
           </a:p>
         </p:txBody>
       </p:sp>
@@ -5231,7 +5828,33 @@
           <a:bodyPr/>
           <a:lstStyle/>
           <a:p>
+            <a:r>
+              <a:rPr lang="pt-PT" dirty="0"/>
+              <a:t>Nesta tabela apresentamos os resultados gerais dos modelos desenvolvidos.</a:t>
+            </a:r>
+          </a:p>
+          <a:p>
             <a:endParaRPr lang="pt-PT" dirty="0"/>
+          </a:p>
+          <a:p>
+            <a:r>
+              <a:rPr lang="pt-PT" dirty="0"/>
+              <a:t>Os modelos têm resultados muito parecidos, o Bidirecional com uma accuracy e </a:t>
+            </a:r>
+            <a:r>
+              <a:rPr lang="pt-PT" dirty="0" err="1"/>
+              <a:t>loss</a:t>
+            </a:r>
+            <a:r>
+              <a:rPr lang="pt-PT" dirty="0"/>
+              <a:t>, ligeiramente, superior ao Stacked LSTM</a:t>
+            </a:r>
+          </a:p>
+          <a:p>
+            <a:r>
+              <a:rPr lang="pt-PT" dirty="0"/>
+              <a:t>E o Stacked LSTM sendo, ligeiramente, melhor no resto das métricas</a:t>
+            </a:r>
           </a:p>
         </p:txBody>
       </p:sp>
@@ -5315,7 +5938,48 @@
           <a:bodyPr/>
           <a:lstStyle/>
           <a:p>
+            <a:r>
+              <a:rPr lang="pt-PT" dirty="0"/>
+              <a:t>Nos resultados Por Classe conseguimos analisar qual ou quais as classes que modelo tem mais dificuldade em classificar</a:t>
+            </a:r>
+          </a:p>
+          <a:p>
             <a:endParaRPr lang="pt-PT" dirty="0"/>
+          </a:p>
+          <a:p>
+            <a:r>
+              <a:rPr lang="pt-PT" dirty="0"/>
+              <a:t>Na matriz de confusão do Stacked LSTM vemos que as linhas da classe “slow” têm a maior quantidade de falsos positivos e falsos negativos</a:t>
+            </a:r>
+          </a:p>
+          <a:p>
+            <a:r>
+              <a:rPr lang="pt-PT" dirty="0"/>
+              <a:t>No erro por classe conseguimos observar um comportamento semelhante, onde a classe “slow” tem um erro por classe significativamente superior.</a:t>
+            </a:r>
+          </a:p>
+          <a:p>
+            <a:endParaRPr lang="pt-PT" dirty="0"/>
+          </a:p>
+          <a:p>
+            <a:r>
+              <a:rPr lang="pt-PT" dirty="0"/>
+              <a:t>Já na </a:t>
+            </a:r>
+            <a:r>
+              <a:rPr lang="pt-PT" dirty="0" err="1"/>
+              <a:t>matrix</a:t>
+            </a:r>
+            <a:r>
+              <a:rPr lang="pt-PT" dirty="0"/>
+              <a:t> de confusão da Bidirectional LSTM conseguimos observar uma distribuição bastante mais uniforme com menos classificações erradas.</a:t>
+            </a:r>
+          </a:p>
+          <a:p>
+            <a:r>
+              <a:rPr lang="pt-PT" dirty="0"/>
+              <a:t>No entanto, quando observamos o erro por classe vemos que o modelo tem uma ligeira dificuldade na classe “normal”</a:t>
+            </a:r>
           </a:p>
         </p:txBody>
       </p:sp>
@@ -24387,7 +25051,7 @@
             </a:r>
             <a:r>
               <a:rPr lang="pt-PT" dirty="0"/>
-              <a:t> de cenários pré-gravados</a:t>
+              <a:t> de cenários gravados</a:t>
             </a:r>
           </a:p>
         </p:txBody>
@@ -37932,15 +38596,6 @@
 </file>
 
 <file path=customXml/item1.xml><?xml version="1.0" encoding="utf-8"?>
-<p:properties xmlns:p="http://schemas.microsoft.com/office/2006/metadata/properties" xmlns:xsi="http://www.w3.org/2001/XMLSchema-instance" xmlns:pc="http://schemas.microsoft.com/office/infopath/2007/PartnerControls">
-  <documentManagement>
-    <MediaServiceKeyPoints xmlns="49ea7286-31dc-4857-8ba0-9dd5131121ba" xsi:nil="true"/>
-    <_activity xmlns="49ea7286-31dc-4857-8ba0-9dd5131121ba" xsi:nil="true"/>
-  </documentManagement>
-</p:properties>
-</file>
-
-<file path=customXml/item2.xml><?xml version="1.0" encoding="utf-8"?>
 <ct:contentTypeSchema xmlns:ct="http://schemas.microsoft.com/office/2006/metadata/contentType" xmlns:ma="http://schemas.microsoft.com/office/2006/metadata/properties/metaAttributes" ct:_="" ma:_="" ma:contentTypeName="Document" ma:contentTypeID="0x010100A73A92E9BB0D154D881191BAEDDE609C" ma:contentTypeVersion="15" ma:contentTypeDescription="Create a new document." ma:contentTypeScope="" ma:versionID="efb1cbc0b36a0d4d469bd0290935f8df">
   <xsd:schema xmlns:xsd="http://www.w3.org/2001/XMLSchema" xmlns:xs="http://www.w3.org/2001/XMLSchema" xmlns:p="http://schemas.microsoft.com/office/2006/metadata/properties" xmlns:ns3="49ea7286-31dc-4857-8ba0-9dd5131121ba" xmlns:ns4="490ae867-905f-461a-953e-c60010c4e0c9" targetNamespace="http://schemas.microsoft.com/office/2006/metadata/properties" ma:root="true" ma:fieldsID="f3e6108c9adebc81ed2cd74cc74f8ca6" ns3:_="" ns4:_="">
     <xsd:import namespace="49ea7286-31dc-4857-8ba0-9dd5131121ba"/>
@@ -38175,6 +38830,15 @@
 </ct:contentTypeSchema>
 </file>
 
+<file path=customXml/item2.xml><?xml version="1.0" encoding="utf-8"?>
+<p:properties xmlns:p="http://schemas.microsoft.com/office/2006/metadata/properties" xmlns:xsi="http://www.w3.org/2001/XMLSchema-instance" xmlns:pc="http://schemas.microsoft.com/office/infopath/2007/PartnerControls">
+  <documentManagement>
+    <MediaServiceKeyPoints xmlns="49ea7286-31dc-4857-8ba0-9dd5131121ba" xsi:nil="true"/>
+    <_activity xmlns="49ea7286-31dc-4857-8ba0-9dd5131121ba" xsi:nil="true"/>
+  </documentManagement>
+</p:properties>
+</file>
+
 <file path=customXml/item3.xml><?xml version="1.0" encoding="utf-8"?>
 <?mso-contentType ?>
 <FormTemplates xmlns="http://schemas.microsoft.com/sharepoint/v3/contenttype/forms">
@@ -38185,23 +38849,6 @@
 </file>
 
 <file path=customXml/itemProps1.xml><?xml version="1.0" encoding="utf-8"?>
-<ds:datastoreItem xmlns:ds="http://schemas.openxmlformats.org/officeDocument/2006/customXml" ds:itemID="{CBDD27D0-5B6E-4A0E-95B2-BB37F9D88615}">
-  <ds:schemaRefs>
-    <ds:schemaRef ds:uri="http://purl.org/dc/dcmitype/"/>
-    <ds:schemaRef ds:uri="http://www.w3.org/XML/1998/namespace"/>
-    <ds:schemaRef ds:uri="http://schemas.openxmlformats.org/package/2006/metadata/core-properties"/>
-    <ds:schemaRef ds:uri="http://schemas.microsoft.com/office/2006/metadata/properties"/>
-    <ds:schemaRef ds:uri="http://purl.org/dc/elements/1.1/"/>
-    <ds:schemaRef ds:uri="http://schemas.microsoft.com/office/2006/documentManagement/types"/>
-    <ds:schemaRef ds:uri="http://purl.org/dc/terms/"/>
-    <ds:schemaRef ds:uri="http://schemas.microsoft.com/office/infopath/2007/PartnerControls"/>
-    <ds:schemaRef ds:uri="490ae867-905f-461a-953e-c60010c4e0c9"/>
-    <ds:schemaRef ds:uri="49ea7286-31dc-4857-8ba0-9dd5131121ba"/>
-  </ds:schemaRefs>
-</ds:datastoreItem>
-</file>
-
-<file path=customXml/itemProps2.xml><?xml version="1.0" encoding="utf-8"?>
 <ds:datastoreItem xmlns:ds="http://schemas.openxmlformats.org/officeDocument/2006/customXml" ds:itemID="{2772B1AE-A3BA-4700-8DCD-4A25B8D329B2}">
   <ds:schemaRefs>
     <ds:schemaRef ds:uri="http://schemas.microsoft.com/office/2006/metadata/contentType"/>
@@ -38220,6 +38867,23 @@
 </ds:datastoreItem>
 </file>
 
+<file path=customXml/itemProps2.xml><?xml version="1.0" encoding="utf-8"?>
+<ds:datastoreItem xmlns:ds="http://schemas.openxmlformats.org/officeDocument/2006/customXml" ds:itemID="{CBDD27D0-5B6E-4A0E-95B2-BB37F9D88615}">
+  <ds:schemaRefs>
+    <ds:schemaRef ds:uri="http://purl.org/dc/dcmitype/"/>
+    <ds:schemaRef ds:uri="http://www.w3.org/XML/1998/namespace"/>
+    <ds:schemaRef ds:uri="http://schemas.openxmlformats.org/package/2006/metadata/core-properties"/>
+    <ds:schemaRef ds:uri="http://schemas.microsoft.com/office/2006/metadata/properties"/>
+    <ds:schemaRef ds:uri="http://purl.org/dc/elements/1.1/"/>
+    <ds:schemaRef ds:uri="http://schemas.microsoft.com/office/2006/documentManagement/types"/>
+    <ds:schemaRef ds:uri="http://purl.org/dc/terms/"/>
+    <ds:schemaRef ds:uri="http://schemas.microsoft.com/office/infopath/2007/PartnerControls"/>
+    <ds:schemaRef ds:uri="490ae867-905f-461a-953e-c60010c4e0c9"/>
+    <ds:schemaRef ds:uri="49ea7286-31dc-4857-8ba0-9dd5131121ba"/>
+  </ds:schemaRefs>
+</ds:datastoreItem>
+</file>
+
 <file path=customXml/itemProps3.xml><?xml version="1.0" encoding="utf-8"?>
 <ds:datastoreItem xmlns:ds="http://schemas.openxmlformats.org/officeDocument/2006/customXml" ds:itemID="{A98CD342-50C4-441F-B4A3-7D5ADB057132}">
   <ds:schemaRefs>

--- a/ProjInf_AI_Driving_Classification.pptx
+++ b/ProjInf_AI_Driving_Classification.pptx
@@ -5,10 +5,10 @@
     <p:sldMasterId id="2147483648" r:id="rId4"/>
   </p:sldMasterIdLst>
   <p:notesMasterIdLst>
-    <p:notesMasterId r:id="rId37"/>
+    <p:notesMasterId r:id="rId36"/>
   </p:notesMasterIdLst>
   <p:handoutMasterIdLst>
-    <p:handoutMasterId r:id="rId38"/>
+    <p:handoutMasterId r:id="rId37"/>
   </p:handoutMasterIdLst>
   <p:sldIdLst>
     <p:sldId id="322" r:id="rId5"/>
@@ -31,18 +31,17 @@
     <p:sldId id="397" r:id="rId22"/>
     <p:sldId id="395" r:id="rId23"/>
     <p:sldId id="396" r:id="rId24"/>
-    <p:sldId id="385" r:id="rId25"/>
-    <p:sldId id="377" r:id="rId26"/>
-    <p:sldId id="374" r:id="rId27"/>
-    <p:sldId id="375" r:id="rId28"/>
-    <p:sldId id="378" r:id="rId29"/>
-    <p:sldId id="381" r:id="rId30"/>
-    <p:sldId id="380" r:id="rId31"/>
-    <p:sldId id="382" r:id="rId32"/>
-    <p:sldId id="368" r:id="rId33"/>
-    <p:sldId id="366" r:id="rId34"/>
-    <p:sldId id="364" r:id="rId35"/>
-    <p:sldId id="379" r:id="rId36"/>
+    <p:sldId id="377" r:id="rId25"/>
+    <p:sldId id="374" r:id="rId26"/>
+    <p:sldId id="375" r:id="rId27"/>
+    <p:sldId id="378" r:id="rId28"/>
+    <p:sldId id="381" r:id="rId29"/>
+    <p:sldId id="380" r:id="rId30"/>
+    <p:sldId id="382" r:id="rId31"/>
+    <p:sldId id="368" r:id="rId32"/>
+    <p:sldId id="366" r:id="rId33"/>
+    <p:sldId id="364" r:id="rId34"/>
+    <p:sldId id="379" r:id="rId35"/>
   </p:sldIdLst>
   <p:sldSz cx="12192000" cy="6858000"/>
   <p:notesSz cx="10234613" cy="7104063"/>
@@ -933,7 +932,7 @@
           </a:pPr>
           <a:r>
             <a:rPr lang="pt-PT" sz="2400" dirty="0"/>
-            <a:t>Qual é o problema central que este projeto procura resolver?</a:t>
+            <a:t>Classificar padrões de condução através de uma rede neuronal </a:t>
           </a:r>
           <a:endParaRPr lang="en-US" sz="2400" dirty="0"/>
         </a:p>
@@ -975,7 +974,7 @@
           </a:pPr>
           <a:r>
             <a:rPr lang="pt-PT" sz="2400" dirty="0"/>
-            <a:t>Qual é a necessidade desta solução?</a:t>
+            <a:t>Evolução da IA</a:t>
           </a:r>
           <a:endParaRPr lang="en-US" sz="2400" dirty="0"/>
         </a:p>
@@ -1387,7 +1386,7 @@
           </a:pPr>
           <a:r>
             <a:rPr lang="pt-PT" sz="2400" kern="1200" dirty="0"/>
-            <a:t>Qual é o problema central que este projeto procura resolver?</a:t>
+            <a:t>Classificar padrões de condução através de uma rede neuronal </a:t>
           </a:r>
           <a:endParaRPr lang="en-US" sz="2400" kern="1200" dirty="0"/>
         </a:p>
@@ -1538,7 +1537,7 @@
           </a:pPr>
           <a:r>
             <a:rPr lang="pt-PT" sz="2400" kern="1200" dirty="0"/>
-            <a:t>Qual é a necessidade desta solução?</a:t>
+            <a:t>Evolução da IA</a:t>
           </a:r>
           <a:endParaRPr lang="en-US" sz="2400" kern="1200" dirty="0"/>
         </a:p>
@@ -4033,6 +4032,66 @@
           <a:bodyPr/>
           <a:lstStyle/>
           <a:p>
+            <a:r>
+              <a:rPr lang="pt-PT" b="1" dirty="0" err="1"/>
+              <a:t>Stacked</a:t>
+            </a:r>
+            <a:r>
+              <a:rPr lang="pt-PT" b="1" dirty="0"/>
+              <a:t> LSTM</a:t>
+            </a:r>
+            <a:r>
+              <a:rPr lang="pt-PT" dirty="0"/>
+              <a:t>: Várias camadas LSTM empilhadas para aumentar a capacidade de aprender padrões complexos ao longo do tempo.</a:t>
+            </a:r>
+          </a:p>
+          <a:p>
+            <a:endParaRPr lang="pt-PT" dirty="0"/>
+          </a:p>
+          <a:p>
+            <a:r>
+              <a:rPr lang="pt-PT" b="1" dirty="0" err="1"/>
+              <a:t>Bidirectional</a:t>
+            </a:r>
+            <a:r>
+              <a:rPr lang="pt-PT" b="1" dirty="0"/>
+              <a:t> LSTM</a:t>
+            </a:r>
+            <a:r>
+              <a:rPr lang="pt-PT" dirty="0"/>
+              <a:t>: Permite que a rede aprenda sequências de dados em ambas as direções (frente e trás), melhorando a precisão.</a:t>
+            </a:r>
+          </a:p>
+          <a:p>
+            <a:endParaRPr lang="pt-PT" b="1" dirty="0"/>
+          </a:p>
+          <a:p>
+            <a:r>
+              <a:rPr lang="pt-PT" b="1" dirty="0" err="1"/>
+              <a:t>Convolutional</a:t>
+            </a:r>
+            <a:r>
+              <a:rPr lang="pt-PT" b="1" dirty="0"/>
+              <a:t> LSTM (</a:t>
+            </a:r>
+            <a:r>
+              <a:rPr lang="pt-PT" b="1" dirty="0" err="1"/>
+              <a:t>ConvLSTM</a:t>
+            </a:r>
+            <a:r>
+              <a:rPr lang="pt-PT" dirty="0"/>
+              <a:t>): Combina </a:t>
+            </a:r>
+            <a:r>
+              <a:rPr lang="pt-PT" dirty="0" err="1"/>
+              <a:t>CNNs</a:t>
+            </a:r>
+            <a:r>
+              <a:rPr lang="pt-PT" dirty="0"/>
+              <a:t> com LSTM, útil para captar tanto características temporais quanto espaciais nos dado</a:t>
+            </a:r>
+          </a:p>
+          <a:p>
             <a:endParaRPr lang="pt-PT" dirty="0"/>
           </a:p>
         </p:txBody>
@@ -5094,132 +5153,9 @@
           <a:lstStyle/>
           <a:p>
             <a:r>
-              <a:rPr lang="en-US" b="0" i="0" dirty="0">
-                <a:solidFill>
-                  <a:srgbClr val="BFBFBF"/>
-                </a:solidFill>
-                <a:effectLst/>
-                <a:latin typeface="Arial" panose="020B0604020202020204" pitchFamily="34" charset="0"/>
-              </a:rPr>
-              <a:t>ROC - Receiver Operating characteristic Curve</a:t>
-            </a:r>
-          </a:p>
-          <a:p>
-            <a:r>
-              <a:rPr lang="en-US" b="0" i="0" dirty="0">
-                <a:solidFill>
-                  <a:srgbClr val="BFBFBF"/>
-                </a:solidFill>
-                <a:effectLst/>
-                <a:latin typeface="Arial" panose="020B0604020202020204" pitchFamily="34" charset="0"/>
-              </a:rPr>
-              <a:t>É</a:t>
-            </a:r>
-            <a:r>
               <a:rPr lang="pt-PT" dirty="0"/>
-              <a:t> um gráfico que ilustra o desempenho de um modelo de classificação binária em diferentes </a:t>
-            </a:r>
-            <a:r>
-              <a:rPr lang="en-US" b="0" i="0" dirty="0">
-                <a:solidFill>
-                  <a:srgbClr val="BFBFBF"/>
-                </a:solidFill>
-                <a:effectLst/>
-                <a:latin typeface="Arial" panose="020B0604020202020204" pitchFamily="34" charset="0"/>
-              </a:rPr>
-              <a:t>thresholds.</a:t>
-            </a:r>
-          </a:p>
-          <a:p>
-            <a:endParaRPr lang="en-US" b="0" i="0" dirty="0">
-              <a:solidFill>
-                <a:srgbClr val="BFBFBF"/>
-              </a:solidFill>
-              <a:effectLst/>
-              <a:latin typeface="Arial" panose="020B0604020202020204" pitchFamily="34" charset="0"/>
-            </a:endParaRPr>
-          </a:p>
-          <a:p>
-            <a:br>
-              <a:rPr lang="en-US" b="0" i="0" dirty="0">
-                <a:solidFill>
-                  <a:srgbClr val="BFBFBF"/>
-                </a:solidFill>
-                <a:effectLst/>
-                <a:latin typeface="Arial" panose="020B0604020202020204" pitchFamily="34" charset="0"/>
-              </a:rPr>
-            </a:br>
-            <a:r>
-              <a:rPr lang="en-US" b="0" i="0" dirty="0">
-                <a:solidFill>
-                  <a:srgbClr val="BFBFBF"/>
-                </a:solidFill>
-                <a:effectLst/>
-                <a:latin typeface="Arial" panose="020B0604020202020204" pitchFamily="34" charset="0"/>
-              </a:rPr>
-              <a:t>AUC – Area sob a curva</a:t>
-            </a:r>
-          </a:p>
-          <a:p>
-            <a:r>
-              <a:rPr lang="pt-PT" b="0" i="0" dirty="0">
-                <a:solidFill>
-                  <a:srgbClr val="BFBFBF"/>
-                </a:solidFill>
-                <a:effectLst/>
-                <a:latin typeface="Arial" panose="020B0604020202020204" pitchFamily="34" charset="0"/>
-              </a:rPr>
-              <a:t>É</a:t>
-            </a:r>
-            <a:r>
-              <a:rPr lang="pt-PT" dirty="0"/>
-              <a:t> uma métrica que quantifica a capacidade do modelo em distinguir entre classes positivas e negativas</a:t>
-            </a:r>
-            <a:br>
-              <a:rPr lang="en-US" b="0" i="0" dirty="0">
-                <a:solidFill>
-                  <a:srgbClr val="BFBFBF"/>
-                </a:solidFill>
-                <a:effectLst/>
-                <a:latin typeface="Arial" panose="020B0604020202020204" pitchFamily="34" charset="0"/>
-              </a:rPr>
-            </a:br>
-            <a:br>
-              <a:rPr lang="en-US" b="0" i="0" dirty="0">
-                <a:solidFill>
-                  <a:srgbClr val="BFBFBF"/>
-                </a:solidFill>
-                <a:effectLst/>
-                <a:latin typeface="Arial" panose="020B0604020202020204" pitchFamily="34" charset="0"/>
-              </a:rPr>
-            </a:br>
-            <a:r>
-              <a:rPr lang="pt-PT" dirty="0"/>
-              <a:t>AUC varia 0 e 1</a:t>
-            </a:r>
-            <a:br>
-              <a:rPr lang="pt-PT" dirty="0"/>
-            </a:br>
-            <a:r>
-              <a:rPr lang="pt-PT" dirty="0"/>
-              <a:t>AUC de 0,5 	- modelo que não tem capacidade de discriminação (equivalente a uma classificação aleatória) </a:t>
-            </a:r>
-            <a:br>
-              <a:rPr lang="pt-PT" dirty="0"/>
-            </a:br>
-            <a:r>
-              <a:rPr lang="pt-PT" dirty="0"/>
-              <a:t>AUC de 1 	- indica uma classificação perfeita. </a:t>
-            </a:r>
-          </a:p>
-          <a:p>
-            <a:r>
-              <a:rPr lang="pt-PT" dirty="0"/>
-              <a:t>Quanto maior o AUC, melhor o desempenho do modelo.</a:t>
-            </a:r>
-          </a:p>
-          <a:p>
-            <a:endParaRPr lang="pt-PT" dirty="0"/>
+              <a:t>Na segunda abordagem usamos pequenos cenários de condução gravados e preclassificados</a:t>
+            </a:r>
           </a:p>
         </p:txBody>
       </p:sp>
@@ -5249,7 +5185,7 @@
     </p:spTree>
     <p:extLst>
       <p:ext uri="{BB962C8B-B14F-4D97-AF65-F5344CB8AC3E}">
-        <p14:creationId xmlns:p14="http://schemas.microsoft.com/office/powerpoint/2010/main" val="2757855334"/>
+        <p14:creationId xmlns:p14="http://schemas.microsoft.com/office/powerpoint/2010/main" val="1886646475"/>
       </p:ext>
     </p:extLst>
   </p:cSld>
@@ -5305,7 +5241,34 @@
           <a:p>
             <a:r>
               <a:rPr lang="pt-PT" dirty="0"/>
-              <a:t>Na segunda abordagem usamos pequenos cenários de condução gravados e preclassificados</a:t>
+              <a:t>Esses cenários são: </a:t>
+            </a:r>
+          </a:p>
+          <a:p>
+            <a:r>
+              <a:rPr lang="pt-PT" dirty="0"/>
+              <a:t>Cenários de Aceleração em linha reta</a:t>
+            </a:r>
+          </a:p>
+          <a:p>
+            <a:r>
+              <a:rPr lang="pt-PT" dirty="0"/>
+              <a:t>Travagem usando o pedal de travão </a:t>
+            </a:r>
+          </a:p>
+          <a:p>
+            <a:r>
+              <a:rPr lang="pt-PT" dirty="0"/>
+              <a:t>e Interseções.</a:t>
+            </a:r>
+          </a:p>
+          <a:p>
+            <a:endParaRPr lang="pt-PT" dirty="0"/>
+          </a:p>
+          <a:p>
+            <a:r>
+              <a:rPr lang="pt-PT" dirty="0"/>
+              <a:t>Os cenários foram preclassificados como Lento, Normal e Agressivo.</a:t>
             </a:r>
           </a:p>
         </p:txBody>
@@ -5336,7 +5299,7 @@
     </p:spTree>
     <p:extLst>
       <p:ext uri="{BB962C8B-B14F-4D97-AF65-F5344CB8AC3E}">
-        <p14:creationId xmlns:p14="http://schemas.microsoft.com/office/powerpoint/2010/main" val="1886646475"/>
+        <p14:creationId xmlns:p14="http://schemas.microsoft.com/office/powerpoint/2010/main" val="675078099"/>
       </p:ext>
     </p:extLst>
   </p:cSld>
@@ -5392,35 +5355,53 @@
           <a:p>
             <a:r>
               <a:rPr lang="pt-PT" dirty="0"/>
-              <a:t>Esses cenários são: </a:t>
-            </a:r>
+              <a:t>Vou descrever o fluxo de dados desde a captura até ao treino e teste do modelo.</a:t>
+            </a:r>
+          </a:p>
+          <a:p>
+            <a:endParaRPr lang="pt-PT" dirty="0"/>
           </a:p>
           <a:p>
             <a:r>
               <a:rPr lang="pt-PT" dirty="0"/>
-              <a:t>Cenários de Aceleração em linha reta</a:t>
-            </a:r>
+              <a:t>Depois da recolha dos diferentes cenários de condução seguimos para a importação e limpeza dos dados.</a:t>
+            </a:r>
+          </a:p>
+          <a:p>
+            <a:endParaRPr lang="pt-PT" dirty="0"/>
           </a:p>
           <a:p>
             <a:r>
               <a:rPr lang="pt-PT" dirty="0"/>
-              <a:t>Travagem usando o pedal de travão </a:t>
-            </a:r>
-          </a:p>
-          <a:p>
+              <a:t>Em seguida aplicamos uma </a:t>
+            </a:r>
+            <a:r>
+              <a:rPr lang="pt-PT" dirty="0" err="1"/>
+              <a:t>Rolling</a:t>
+            </a:r>
             <a:r>
               <a:rPr lang="pt-PT" dirty="0"/>
-              <a:t>e Interseções.</a:t>
+              <a:t> </a:t>
+            </a:r>
+            <a:r>
+              <a:rPr lang="pt-PT" dirty="0" err="1"/>
+              <a:t>Window</a:t>
+            </a:r>
+            <a:r>
+              <a:rPr lang="pt-PT" dirty="0"/>
+              <a:t> centrada de tamanho 3, que calcula a média do próprio valor, o anterior e o seguinte para obter um novo valor. Com isto conseguimos reduzir </a:t>
+            </a:r>
+            <a:r>
+              <a:rPr lang="pt-PT" dirty="0" err="1"/>
+              <a:t>ruidos</a:t>
+            </a:r>
+            <a:r>
+              <a:rPr lang="pt-PT" dirty="0"/>
+              <a:t> e erros nos dados capturados.</a:t>
             </a:r>
           </a:p>
           <a:p>
             <a:endParaRPr lang="pt-PT" dirty="0"/>
-          </a:p>
-          <a:p>
-            <a:r>
-              <a:rPr lang="pt-PT" dirty="0"/>
-              <a:t>Os cenários foram preclassificados como Lento, Normal e Agressivo.</a:t>
-            </a:r>
           </a:p>
         </p:txBody>
       </p:sp>
@@ -5450,7 +5431,7 @@
     </p:spTree>
     <p:extLst>
       <p:ext uri="{BB962C8B-B14F-4D97-AF65-F5344CB8AC3E}">
-        <p14:creationId xmlns:p14="http://schemas.microsoft.com/office/powerpoint/2010/main" val="675078099"/>
+        <p14:creationId xmlns:p14="http://schemas.microsoft.com/office/powerpoint/2010/main" val="4062580475"/>
       </p:ext>
     </p:extLst>
   </p:cSld>
@@ -5506,7 +5487,7 @@
           <a:p>
             <a:r>
               <a:rPr lang="pt-PT" dirty="0"/>
-              <a:t>Vou descrever o fluxo de dados desde a captura até ao treino e teste do modelo.</a:t>
+              <a:t>Procedemos à normalização dos dados e à segmentação dos dados brutos em janelas temporais de tamanho 16 e com 1 linha de deslocamento</a:t>
             </a:r>
           </a:p>
           <a:p>
@@ -5515,44 +5496,20 @@
           <a:p>
             <a:r>
               <a:rPr lang="pt-PT" dirty="0"/>
-              <a:t>Depois da recolha dos diferentes cenários de condução seguimos para a importação e limpeza dos dados.</a:t>
-            </a:r>
-          </a:p>
-          <a:p>
-            <a:endParaRPr lang="pt-PT" dirty="0"/>
+              <a:t>De seguida dividimos os dados em conjuntos de treino, validação e teste. </a:t>
+            </a:r>
           </a:p>
           <a:p>
             <a:r>
               <a:rPr lang="pt-PT" dirty="0"/>
-              <a:t>Em seguida aplicamos uma </a:t>
-            </a:r>
-            <a:r>
-              <a:rPr lang="pt-PT" dirty="0" err="1"/>
-              <a:t>Rolling</a:t>
-            </a:r>
+              <a:t>O conjunto de treino e validação são usados para o treino do modelo</a:t>
+            </a:r>
+          </a:p>
+          <a:p>
             <a:r>
               <a:rPr lang="pt-PT" dirty="0"/>
-              <a:t> </a:t>
-            </a:r>
-            <a:r>
-              <a:rPr lang="pt-PT" dirty="0" err="1"/>
-              <a:t>Window</a:t>
-            </a:r>
-            <a:r>
-              <a:rPr lang="pt-PT" dirty="0"/>
-              <a:t> centrada de tamanho 3, que calcula a média do próprio valor, o anterior e o seguinte para obter um novo valor. Com isto conseguimos reduzir </a:t>
-            </a:r>
-            <a:r>
-              <a:rPr lang="pt-PT" dirty="0" err="1"/>
-              <a:t>ruidos</a:t>
-            </a:r>
-            <a:r>
-              <a:rPr lang="pt-PT" dirty="0"/>
-              <a:t> e erros nos dados capturados.</a:t>
-            </a:r>
-          </a:p>
-          <a:p>
-            <a:endParaRPr lang="pt-PT" dirty="0"/>
+              <a:t>E o conjunto de teste é usado na avaliação do modelo</a:t>
+            </a:r>
           </a:p>
         </p:txBody>
       </p:sp>
@@ -5582,7 +5539,7 @@
     </p:spTree>
     <p:extLst>
       <p:ext uri="{BB962C8B-B14F-4D97-AF65-F5344CB8AC3E}">
-        <p14:creationId xmlns:p14="http://schemas.microsoft.com/office/powerpoint/2010/main" val="4062580475"/>
+        <p14:creationId xmlns:p14="http://schemas.microsoft.com/office/powerpoint/2010/main" val="1151261032"/>
       </p:ext>
     </p:extLst>
   </p:cSld>
@@ -5636,31 +5593,7 @@
           <a:bodyPr/>
           <a:lstStyle/>
           <a:p>
-            <a:r>
-              <a:rPr lang="pt-PT" dirty="0"/>
-              <a:t>Procedemos à normalização dos dados e à segmentação dos dados brutos em janelas temporais de tamanho 16 e com 1 linha de deslocamento</a:t>
-            </a:r>
-          </a:p>
-          <a:p>
             <a:endParaRPr lang="pt-PT" dirty="0"/>
-          </a:p>
-          <a:p>
-            <a:r>
-              <a:rPr lang="pt-PT" dirty="0"/>
-              <a:t>De seguida dividimos os dados em conjuntos de treino, validação e teste. </a:t>
-            </a:r>
-          </a:p>
-          <a:p>
-            <a:r>
-              <a:rPr lang="pt-PT" dirty="0"/>
-              <a:t>O conjunto de treino e validação são usados para o treino do modelo</a:t>
-            </a:r>
-          </a:p>
-          <a:p>
-            <a:r>
-              <a:rPr lang="pt-PT" dirty="0"/>
-              <a:t>E o conjunto de teste é usado na avaliação do modelo</a:t>
-            </a:r>
           </a:p>
         </p:txBody>
       </p:sp>
@@ -5690,7 +5623,7 @@
     </p:spTree>
     <p:extLst>
       <p:ext uri="{BB962C8B-B14F-4D97-AF65-F5344CB8AC3E}">
-        <p14:creationId xmlns:p14="http://schemas.microsoft.com/office/powerpoint/2010/main" val="1151261032"/>
+        <p14:creationId xmlns:p14="http://schemas.microsoft.com/office/powerpoint/2010/main" val="3529110111"/>
       </p:ext>
     </p:extLst>
   </p:cSld>
@@ -5744,7 +5677,33 @@
           <a:bodyPr/>
           <a:lstStyle/>
           <a:p>
+            <a:r>
+              <a:rPr lang="pt-PT" dirty="0"/>
+              <a:t>Nesta tabela apresentamos os resultados gerais dos modelos desenvolvidos.</a:t>
+            </a:r>
+          </a:p>
+          <a:p>
             <a:endParaRPr lang="pt-PT" dirty="0"/>
+          </a:p>
+          <a:p>
+            <a:r>
+              <a:rPr lang="pt-PT" dirty="0"/>
+              <a:t>Os modelos têm resultados muito parecidos, o Bidirecional com uma accuracy e </a:t>
+            </a:r>
+            <a:r>
+              <a:rPr lang="pt-PT" dirty="0" err="1"/>
+              <a:t>loss</a:t>
+            </a:r>
+            <a:r>
+              <a:rPr lang="pt-PT" dirty="0"/>
+              <a:t>, ligeiramente, superior ao Stacked LSTM</a:t>
+            </a:r>
+          </a:p>
+          <a:p>
+            <a:r>
+              <a:rPr lang="pt-PT" dirty="0"/>
+              <a:t>E o Stacked LSTM sendo, ligeiramente, melhor no resto das métricas</a:t>
+            </a:r>
           </a:p>
         </p:txBody>
       </p:sp>
@@ -5774,7 +5733,7 @@
     </p:spTree>
     <p:extLst>
       <p:ext uri="{BB962C8B-B14F-4D97-AF65-F5344CB8AC3E}">
-        <p14:creationId xmlns:p14="http://schemas.microsoft.com/office/powerpoint/2010/main" val="3529110111"/>
+        <p14:creationId xmlns:p14="http://schemas.microsoft.com/office/powerpoint/2010/main" val="991919543"/>
       </p:ext>
     </p:extLst>
   </p:cSld>
@@ -5830,7 +5789,7 @@
           <a:p>
             <a:r>
               <a:rPr lang="pt-PT" dirty="0"/>
-              <a:t>Nesta tabela apresentamos os resultados gerais dos modelos desenvolvidos.</a:t>
+              <a:t>Nos resultados Por Classe conseguimos analisar qual ou quais as classes que modelo tem mais dificuldade em classificar</a:t>
             </a:r>
           </a:p>
           <a:p>
@@ -5839,21 +5798,36 @@
           <a:p>
             <a:r>
               <a:rPr lang="pt-PT" dirty="0"/>
-              <a:t>Os modelos têm resultados muito parecidos, o Bidirecional com uma accuracy e </a:t>
+              <a:t>Na matriz de confusão do Stacked LSTM vemos que as linhas da classe “slow” têm a maior quantidade de falsos positivos e falsos negativos</a:t>
+            </a:r>
+          </a:p>
+          <a:p>
+            <a:r>
+              <a:rPr lang="pt-PT" dirty="0"/>
+              <a:t>No erro por classe conseguimos observar um comportamento semelhante, onde a classe “slow” tem um erro por classe significativamente superior.</a:t>
+            </a:r>
+          </a:p>
+          <a:p>
+            <a:endParaRPr lang="pt-PT" dirty="0"/>
+          </a:p>
+          <a:p>
+            <a:r>
+              <a:rPr lang="pt-PT" dirty="0"/>
+              <a:t>Já na </a:t>
             </a:r>
             <a:r>
               <a:rPr lang="pt-PT" dirty="0" err="1"/>
-              <a:t>loss</a:t>
+              <a:t>matrix</a:t>
             </a:r>
             <a:r>
               <a:rPr lang="pt-PT" dirty="0"/>
-              <a:t>, ligeiramente, superior ao Stacked LSTM</a:t>
+              <a:t> de confusão da Bidirectional LSTM conseguimos observar uma distribuição bastante mais uniforme com menos classificações erradas.</a:t>
             </a:r>
           </a:p>
           <a:p>
             <a:r>
               <a:rPr lang="pt-PT" dirty="0"/>
-              <a:t>E o Stacked LSTM sendo, ligeiramente, melhor no resto das métricas</a:t>
+              <a:t>No entanto, quando observamos o erro por classe vemos que o modelo tem uma ligeira dificuldade na classe “normal”</a:t>
             </a:r>
           </a:p>
         </p:txBody>
@@ -5884,7 +5858,7 @@
     </p:spTree>
     <p:extLst>
       <p:ext uri="{BB962C8B-B14F-4D97-AF65-F5344CB8AC3E}">
-        <p14:creationId xmlns:p14="http://schemas.microsoft.com/office/powerpoint/2010/main" val="991919543"/>
+        <p14:creationId xmlns:p14="http://schemas.microsoft.com/office/powerpoint/2010/main" val="12357622"/>
       </p:ext>
     </p:extLst>
   </p:cSld>
@@ -5938,48 +5912,7 @@
           <a:bodyPr/>
           <a:lstStyle/>
           <a:p>
-            <a:r>
-              <a:rPr lang="pt-PT" dirty="0"/>
-              <a:t>Nos resultados Por Classe conseguimos analisar qual ou quais as classes que modelo tem mais dificuldade em classificar</a:t>
-            </a:r>
-          </a:p>
-          <a:p>
             <a:endParaRPr lang="pt-PT" dirty="0"/>
-          </a:p>
-          <a:p>
-            <a:r>
-              <a:rPr lang="pt-PT" dirty="0"/>
-              <a:t>Na matriz de confusão do Stacked LSTM vemos que as linhas da classe “slow” têm a maior quantidade de falsos positivos e falsos negativos</a:t>
-            </a:r>
-          </a:p>
-          <a:p>
-            <a:r>
-              <a:rPr lang="pt-PT" dirty="0"/>
-              <a:t>No erro por classe conseguimos observar um comportamento semelhante, onde a classe “slow” tem um erro por classe significativamente superior.</a:t>
-            </a:r>
-          </a:p>
-          <a:p>
-            <a:endParaRPr lang="pt-PT" dirty="0"/>
-          </a:p>
-          <a:p>
-            <a:r>
-              <a:rPr lang="pt-PT" dirty="0"/>
-              <a:t>Já na </a:t>
-            </a:r>
-            <a:r>
-              <a:rPr lang="pt-PT" dirty="0" err="1"/>
-              <a:t>matrix</a:t>
-            </a:r>
-            <a:r>
-              <a:rPr lang="pt-PT" dirty="0"/>
-              <a:t> de confusão da Bidirectional LSTM conseguimos observar uma distribuição bastante mais uniforme com menos classificações erradas.</a:t>
-            </a:r>
-          </a:p>
-          <a:p>
-            <a:r>
-              <a:rPr lang="pt-PT" dirty="0"/>
-              <a:t>No entanto, quando observamos o erro por classe vemos que o modelo tem uma ligeira dificuldade na classe “normal”</a:t>
-            </a:r>
           </a:p>
         </p:txBody>
       </p:sp>
@@ -6009,7 +5942,7 @@
     </p:spTree>
     <p:extLst>
       <p:ext uri="{BB962C8B-B14F-4D97-AF65-F5344CB8AC3E}">
-        <p14:creationId xmlns:p14="http://schemas.microsoft.com/office/powerpoint/2010/main" val="12357622"/>
+        <p14:creationId xmlns:p14="http://schemas.microsoft.com/office/powerpoint/2010/main" val="4042850870"/>
       </p:ext>
     </p:extLst>
   </p:cSld>
@@ -6093,7 +6026,7 @@
     </p:spTree>
     <p:extLst>
       <p:ext uri="{BB962C8B-B14F-4D97-AF65-F5344CB8AC3E}">
-        <p14:creationId xmlns:p14="http://schemas.microsoft.com/office/powerpoint/2010/main" val="4042850870"/>
+        <p14:creationId xmlns:p14="http://schemas.microsoft.com/office/powerpoint/2010/main" val="1791866160"/>
       </p:ext>
     </p:extLst>
   </p:cSld>
@@ -6177,7 +6110,7 @@
     </p:spTree>
     <p:extLst>
       <p:ext uri="{BB962C8B-B14F-4D97-AF65-F5344CB8AC3E}">
-        <p14:creationId xmlns:p14="http://schemas.microsoft.com/office/powerpoint/2010/main" val="1791866160"/>
+        <p14:creationId xmlns:p14="http://schemas.microsoft.com/office/powerpoint/2010/main" val="4039535867"/>
       </p:ext>
     </p:extLst>
   </p:cSld>
@@ -6315,7 +6248,7 @@
           <a:bodyPr/>
           <a:lstStyle/>
           <a:p>
-            <a:endParaRPr lang="pt-PT" dirty="0"/>
+            <a:endParaRPr lang="pt-PT"/>
           </a:p>
         </p:txBody>
       </p:sp>
@@ -6337,90 +6270,6 @@
             <a:fld id="{C37D7554-D10C-4E29-B8E6-BB7111FA614F}" type="slidenum">
               <a:rPr lang="en-US" smtClean="0"/>
               <a:t>31</a:t>
-            </a:fld>
-            <a:endParaRPr lang="en-US" dirty="0"/>
-          </a:p>
-        </p:txBody>
-      </p:sp>
-    </p:spTree>
-    <p:extLst>
-      <p:ext uri="{BB962C8B-B14F-4D97-AF65-F5344CB8AC3E}">
-        <p14:creationId xmlns:p14="http://schemas.microsoft.com/office/powerpoint/2010/main" val="4039535867"/>
-      </p:ext>
-    </p:extLst>
-  </p:cSld>
-  <p:clrMapOvr>
-    <a:masterClrMapping/>
-  </p:clrMapOvr>
-</p:notes>
-</file>
-
-<file path=ppt/notesSlides/notesSlide31.xml><?xml version="1.0" encoding="utf-8"?>
-<p:notes xmlns:a="http://schemas.openxmlformats.org/drawingml/2006/main" xmlns:r="http://schemas.openxmlformats.org/officeDocument/2006/relationships" xmlns:p="http://schemas.openxmlformats.org/presentationml/2006/main">
-  <p:cSld>
-    <p:spTree>
-      <p:nvGrpSpPr>
-        <p:cNvPr id="1" name=""/>
-        <p:cNvGrpSpPr/>
-        <p:nvPr/>
-      </p:nvGrpSpPr>
-      <p:grpSpPr>
-        <a:xfrm>
-          <a:off x="0" y="0"/>
-          <a:ext cx="0" cy="0"/>
-          <a:chOff x="0" y="0"/>
-          <a:chExt cx="0" cy="0"/>
-        </a:xfrm>
-      </p:grpSpPr>
-      <p:sp>
-        <p:nvSpPr>
-          <p:cNvPr id="2" name="Slide Image Placeholder 1"/>
-          <p:cNvSpPr>
-            <a:spLocks noGrp="1" noRot="1" noChangeAspect="1"/>
-          </p:cNvSpPr>
-          <p:nvPr>
-            <p:ph type="sldImg"/>
-          </p:nvPr>
-        </p:nvSpPr>
-        <p:spPr/>
-      </p:sp>
-      <p:sp>
-        <p:nvSpPr>
-          <p:cNvPr id="3" name="Notes Placeholder 2"/>
-          <p:cNvSpPr>
-            <a:spLocks noGrp="1"/>
-          </p:cNvSpPr>
-          <p:nvPr>
-            <p:ph type="body" idx="1"/>
-          </p:nvPr>
-        </p:nvSpPr>
-        <p:spPr/>
-        <p:txBody>
-          <a:bodyPr/>
-          <a:lstStyle/>
-          <a:p>
-            <a:endParaRPr lang="pt-PT"/>
-          </a:p>
-        </p:txBody>
-      </p:sp>
-      <p:sp>
-        <p:nvSpPr>
-          <p:cNvPr id="4" name="Slide Number Placeholder 3"/>
-          <p:cNvSpPr>
-            <a:spLocks noGrp="1"/>
-          </p:cNvSpPr>
-          <p:nvPr>
-            <p:ph type="sldNum" sz="quarter" idx="5"/>
-          </p:nvPr>
-        </p:nvSpPr>
-        <p:spPr/>
-        <p:txBody>
-          <a:bodyPr/>
-          <a:lstStyle/>
-          <a:p>
-            <a:fld id="{C37D7554-D10C-4E29-B8E6-BB7111FA614F}" type="slidenum">
-              <a:rPr lang="en-US" smtClean="0"/>
-              <a:t>32</a:t>
             </a:fld>
             <a:endParaRPr lang="en-US" dirty="0"/>
           </a:p>
@@ -7262,6 +7111,37 @@
         <p:txBody>
           <a:bodyPr/>
           <a:lstStyle/>
+          <a:p>
+            <a:pPr marL="0" marR="0" lvl="0" indent="0" algn="l" defTabSz="914400" rtl="0" eaLnBrk="1" fontAlgn="auto" latinLnBrk="0" hangingPunct="1">
+              <a:lnSpc>
+                <a:spcPct val="100000"/>
+              </a:lnSpc>
+              <a:spcBef>
+                <a:spcPts val="0"/>
+              </a:spcBef>
+              <a:spcAft>
+                <a:spcPts val="0"/>
+              </a:spcAft>
+              <a:buClrTx/>
+              <a:buSzTx/>
+              <a:buFontTx/>
+              <a:buNone/>
+              <a:tabLst/>
+              <a:defRPr/>
+            </a:pPr>
+            <a:r>
+              <a:rPr lang="pt-PT" b="1" dirty="0" err="1"/>
+              <a:t>Labels</a:t>
+            </a:r>
+            <a:r>
+              <a:rPr lang="pt-PT" b="1" dirty="0"/>
+              <a:t> Usadas</a:t>
+            </a:r>
+            <a:r>
+              <a:rPr lang="pt-PT" dirty="0"/>
+              <a:t>: Agressivo e Não Agressivo (Classificação Binária)</a:t>
+            </a:r>
+          </a:p>
           <a:p>
             <a:endParaRPr lang="pt-PT" dirty="0"/>
           </a:p>
@@ -13613,6 +13493,141 @@
                 <a:schemeClr val="tx1"/>
               </a:solidFill>
             </a:endParaRPr>
+          </a:p>
+        </p:txBody>
+      </p:sp>
+      <p:sp>
+        <p:nvSpPr>
+          <p:cNvPr id="8" name="Footer Placeholder 4">
+            <a:extLst>
+              <a:ext uri="{FF2B5EF4-FFF2-40B4-BE49-F238E27FC236}">
+                <a16:creationId xmlns:a16="http://schemas.microsoft.com/office/drawing/2014/main" id="{BDB1FB36-F4FF-E832-4684-DB3898CE2A3D}"/>
+              </a:ext>
+            </a:extLst>
+          </p:cNvPr>
+          <p:cNvSpPr txBox="1">
+            <a:spLocks/>
+          </p:cNvSpPr>
+          <p:nvPr/>
+        </p:nvSpPr>
+        <p:spPr>
+          <a:xfrm>
+            <a:off x="10180722" y="285844"/>
+            <a:ext cx="1122680" cy="341555"/>
+          </a:xfrm>
+          <a:prstGeom prst="rect">
+            <a:avLst/>
+          </a:prstGeom>
+        </p:spPr>
+        <p:txBody>
+          <a:bodyPr vert="horz" lIns="91440" tIns="45720" rIns="91440" bIns="45720" rtlCol="0" anchor="ctr"/>
+          <a:lstStyle>
+            <a:defPPr>
+              <a:defRPr lang="en-US"/>
+            </a:defPPr>
+            <a:lvl1pPr marL="0" algn="ctr" defTabSz="914400" rtl="0" eaLnBrk="1" latinLnBrk="0" hangingPunct="1">
+              <a:defRPr sz="900" b="0" kern="1200" cap="all" spc="150" baseline="0">
+                <a:solidFill>
+                  <a:schemeClr val="bg2">
+                    <a:lumMod val="50000"/>
+                  </a:schemeClr>
+                </a:solidFill>
+                <a:latin typeface="Univers Light" panose="020B0403020202020204" pitchFamily="34" charset="0"/>
+                <a:ea typeface="+mn-ea"/>
+                <a:cs typeface="+mn-cs"/>
+              </a:defRPr>
+            </a:lvl1pPr>
+            <a:lvl2pPr marL="457200" algn="l" defTabSz="914400" rtl="0" eaLnBrk="1" latinLnBrk="0" hangingPunct="1">
+              <a:defRPr sz="1800" kern="1200">
+                <a:solidFill>
+                  <a:schemeClr val="tx1"/>
+                </a:solidFill>
+                <a:latin typeface="+mn-lt"/>
+                <a:ea typeface="+mn-ea"/>
+                <a:cs typeface="+mn-cs"/>
+              </a:defRPr>
+            </a:lvl2pPr>
+            <a:lvl3pPr marL="914400" algn="l" defTabSz="914400" rtl="0" eaLnBrk="1" latinLnBrk="0" hangingPunct="1">
+              <a:defRPr sz="1800" kern="1200">
+                <a:solidFill>
+                  <a:schemeClr val="tx1"/>
+                </a:solidFill>
+                <a:latin typeface="+mn-lt"/>
+                <a:ea typeface="+mn-ea"/>
+                <a:cs typeface="+mn-cs"/>
+              </a:defRPr>
+            </a:lvl3pPr>
+            <a:lvl4pPr marL="1371600" algn="l" defTabSz="914400" rtl="0" eaLnBrk="1" latinLnBrk="0" hangingPunct="1">
+              <a:defRPr sz="1800" kern="1200">
+                <a:solidFill>
+                  <a:schemeClr val="tx1"/>
+                </a:solidFill>
+                <a:latin typeface="+mn-lt"/>
+                <a:ea typeface="+mn-ea"/>
+                <a:cs typeface="+mn-cs"/>
+              </a:defRPr>
+            </a:lvl4pPr>
+            <a:lvl5pPr marL="1828800" algn="l" defTabSz="914400" rtl="0" eaLnBrk="1" latinLnBrk="0" hangingPunct="1">
+              <a:defRPr sz="1800" kern="1200">
+                <a:solidFill>
+                  <a:schemeClr val="tx1"/>
+                </a:solidFill>
+                <a:latin typeface="+mn-lt"/>
+                <a:ea typeface="+mn-ea"/>
+                <a:cs typeface="+mn-cs"/>
+              </a:defRPr>
+            </a:lvl5pPr>
+            <a:lvl6pPr marL="2286000" algn="l" defTabSz="914400" rtl="0" eaLnBrk="1" latinLnBrk="0" hangingPunct="1">
+              <a:defRPr sz="1800" kern="1200">
+                <a:solidFill>
+                  <a:schemeClr val="tx1"/>
+                </a:solidFill>
+                <a:latin typeface="+mn-lt"/>
+                <a:ea typeface="+mn-ea"/>
+                <a:cs typeface="+mn-cs"/>
+              </a:defRPr>
+            </a:lvl6pPr>
+            <a:lvl7pPr marL="2743200" algn="l" defTabSz="914400" rtl="0" eaLnBrk="1" latinLnBrk="0" hangingPunct="1">
+              <a:defRPr sz="1800" kern="1200">
+                <a:solidFill>
+                  <a:schemeClr val="tx1"/>
+                </a:solidFill>
+                <a:latin typeface="+mn-lt"/>
+                <a:ea typeface="+mn-ea"/>
+                <a:cs typeface="+mn-cs"/>
+              </a:defRPr>
+            </a:lvl7pPr>
+            <a:lvl8pPr marL="3200400" algn="l" defTabSz="914400" rtl="0" eaLnBrk="1" latinLnBrk="0" hangingPunct="1">
+              <a:defRPr sz="1800" kern="1200">
+                <a:solidFill>
+                  <a:schemeClr val="tx1"/>
+                </a:solidFill>
+                <a:latin typeface="+mn-lt"/>
+                <a:ea typeface="+mn-ea"/>
+                <a:cs typeface="+mn-cs"/>
+              </a:defRPr>
+            </a:lvl8pPr>
+            <a:lvl9pPr marL="3657600" algn="l" defTabSz="914400" rtl="0" eaLnBrk="1" latinLnBrk="0" hangingPunct="1">
+              <a:defRPr sz="1800" kern="1200">
+                <a:solidFill>
+                  <a:schemeClr val="tx1"/>
+                </a:solidFill>
+                <a:latin typeface="+mn-lt"/>
+                <a:ea typeface="+mn-ea"/>
+                <a:cs typeface="+mn-cs"/>
+              </a:defRPr>
+            </a:lvl9pPr>
+          </a:lstStyle>
+          <a:p>
+            <a:pPr algn="r">
+              <a:lnSpc>
+                <a:spcPct val="150000"/>
+              </a:lnSpc>
+            </a:pPr>
+            <a:r>
+              <a:rPr lang="pt-PT" sz="800" dirty="0"/>
+              <a:t>12/09/2024</a:t>
+            </a:r>
           </a:p>
         </p:txBody>
       </p:sp>
@@ -15128,6 +15143,141 @@
           </a:p>
         </p:txBody>
       </p:sp>
+      <p:sp>
+        <p:nvSpPr>
+          <p:cNvPr id="13" name="Footer Placeholder 4">
+            <a:extLst>
+              <a:ext uri="{FF2B5EF4-FFF2-40B4-BE49-F238E27FC236}">
+                <a16:creationId xmlns:a16="http://schemas.microsoft.com/office/drawing/2014/main" id="{616C6115-E5C7-FF69-A779-E86286C90BE2}"/>
+              </a:ext>
+            </a:extLst>
+          </p:cNvPr>
+          <p:cNvSpPr txBox="1">
+            <a:spLocks/>
+          </p:cNvSpPr>
+          <p:nvPr/>
+        </p:nvSpPr>
+        <p:spPr>
+          <a:xfrm>
+            <a:off x="10180722" y="285844"/>
+            <a:ext cx="1122680" cy="341555"/>
+          </a:xfrm>
+          <a:prstGeom prst="rect">
+            <a:avLst/>
+          </a:prstGeom>
+        </p:spPr>
+        <p:txBody>
+          <a:bodyPr vert="horz" lIns="91440" tIns="45720" rIns="91440" bIns="45720" rtlCol="0" anchor="ctr"/>
+          <a:lstStyle>
+            <a:defPPr>
+              <a:defRPr lang="en-US"/>
+            </a:defPPr>
+            <a:lvl1pPr marL="0" algn="ctr" defTabSz="914400" rtl="0" eaLnBrk="1" latinLnBrk="0" hangingPunct="1">
+              <a:defRPr sz="900" b="0" kern="1200" cap="all" spc="150" baseline="0">
+                <a:solidFill>
+                  <a:schemeClr val="bg2">
+                    <a:lumMod val="50000"/>
+                  </a:schemeClr>
+                </a:solidFill>
+                <a:latin typeface="Univers Light" panose="020B0403020202020204" pitchFamily="34" charset="0"/>
+                <a:ea typeface="+mn-ea"/>
+                <a:cs typeface="+mn-cs"/>
+              </a:defRPr>
+            </a:lvl1pPr>
+            <a:lvl2pPr marL="457200" algn="l" defTabSz="914400" rtl="0" eaLnBrk="1" latinLnBrk="0" hangingPunct="1">
+              <a:defRPr sz="1800" kern="1200">
+                <a:solidFill>
+                  <a:schemeClr val="tx1"/>
+                </a:solidFill>
+                <a:latin typeface="+mn-lt"/>
+                <a:ea typeface="+mn-ea"/>
+                <a:cs typeface="+mn-cs"/>
+              </a:defRPr>
+            </a:lvl2pPr>
+            <a:lvl3pPr marL="914400" algn="l" defTabSz="914400" rtl="0" eaLnBrk="1" latinLnBrk="0" hangingPunct="1">
+              <a:defRPr sz="1800" kern="1200">
+                <a:solidFill>
+                  <a:schemeClr val="tx1"/>
+                </a:solidFill>
+                <a:latin typeface="+mn-lt"/>
+                <a:ea typeface="+mn-ea"/>
+                <a:cs typeface="+mn-cs"/>
+              </a:defRPr>
+            </a:lvl3pPr>
+            <a:lvl4pPr marL="1371600" algn="l" defTabSz="914400" rtl="0" eaLnBrk="1" latinLnBrk="0" hangingPunct="1">
+              <a:defRPr sz="1800" kern="1200">
+                <a:solidFill>
+                  <a:schemeClr val="tx1"/>
+                </a:solidFill>
+                <a:latin typeface="+mn-lt"/>
+                <a:ea typeface="+mn-ea"/>
+                <a:cs typeface="+mn-cs"/>
+              </a:defRPr>
+            </a:lvl4pPr>
+            <a:lvl5pPr marL="1828800" algn="l" defTabSz="914400" rtl="0" eaLnBrk="1" latinLnBrk="0" hangingPunct="1">
+              <a:defRPr sz="1800" kern="1200">
+                <a:solidFill>
+                  <a:schemeClr val="tx1"/>
+                </a:solidFill>
+                <a:latin typeface="+mn-lt"/>
+                <a:ea typeface="+mn-ea"/>
+                <a:cs typeface="+mn-cs"/>
+              </a:defRPr>
+            </a:lvl5pPr>
+            <a:lvl6pPr marL="2286000" algn="l" defTabSz="914400" rtl="0" eaLnBrk="1" latinLnBrk="0" hangingPunct="1">
+              <a:defRPr sz="1800" kern="1200">
+                <a:solidFill>
+                  <a:schemeClr val="tx1"/>
+                </a:solidFill>
+                <a:latin typeface="+mn-lt"/>
+                <a:ea typeface="+mn-ea"/>
+                <a:cs typeface="+mn-cs"/>
+              </a:defRPr>
+            </a:lvl6pPr>
+            <a:lvl7pPr marL="2743200" algn="l" defTabSz="914400" rtl="0" eaLnBrk="1" latinLnBrk="0" hangingPunct="1">
+              <a:defRPr sz="1800" kern="1200">
+                <a:solidFill>
+                  <a:schemeClr val="tx1"/>
+                </a:solidFill>
+                <a:latin typeface="+mn-lt"/>
+                <a:ea typeface="+mn-ea"/>
+                <a:cs typeface="+mn-cs"/>
+              </a:defRPr>
+            </a:lvl7pPr>
+            <a:lvl8pPr marL="3200400" algn="l" defTabSz="914400" rtl="0" eaLnBrk="1" latinLnBrk="0" hangingPunct="1">
+              <a:defRPr sz="1800" kern="1200">
+                <a:solidFill>
+                  <a:schemeClr val="tx1"/>
+                </a:solidFill>
+                <a:latin typeface="+mn-lt"/>
+                <a:ea typeface="+mn-ea"/>
+                <a:cs typeface="+mn-cs"/>
+              </a:defRPr>
+            </a:lvl8pPr>
+            <a:lvl9pPr marL="3657600" algn="l" defTabSz="914400" rtl="0" eaLnBrk="1" latinLnBrk="0" hangingPunct="1">
+              <a:defRPr sz="1800" kern="1200">
+                <a:solidFill>
+                  <a:schemeClr val="tx1"/>
+                </a:solidFill>
+                <a:latin typeface="+mn-lt"/>
+                <a:ea typeface="+mn-ea"/>
+                <a:cs typeface="+mn-cs"/>
+              </a:defRPr>
+            </a:lvl9pPr>
+          </a:lstStyle>
+          <a:p>
+            <a:pPr algn="r">
+              <a:lnSpc>
+                <a:spcPct val="150000"/>
+              </a:lnSpc>
+            </a:pPr>
+            <a:r>
+              <a:rPr lang="pt-PT" sz="800" dirty="0"/>
+              <a:t>12/09/2024</a:t>
+            </a:r>
+          </a:p>
+        </p:txBody>
+      </p:sp>
     </p:spTree>
     <p:extLst>
       <p:ext uri="{BB962C8B-B14F-4D97-AF65-F5344CB8AC3E}">
@@ -15138,304 +15288,6 @@
   <p:clrMapOvr>
     <a:masterClrMapping/>
   </p:clrMapOvr>
-  <p:timing>
-    <p:tnLst>
-      <p:par>
-        <p:cTn id="1" dur="indefinite" restart="never" nodeType="tmRoot">
-          <p:childTnLst>
-            <p:seq concurrent="1" nextAc="seek">
-              <p:cTn id="2" dur="indefinite" nodeType="mainSeq">
-                <p:childTnLst>
-                  <p:par>
-                    <p:cTn id="3" fill="hold">
-                      <p:stCondLst>
-                        <p:cond delay="indefinite"/>
-                      </p:stCondLst>
-                      <p:childTnLst>
-                        <p:par>
-                          <p:cTn id="4" fill="hold">
-                            <p:stCondLst>
-                              <p:cond delay="0"/>
-                            </p:stCondLst>
-                            <p:childTnLst>
-                              <p:par>
-                                <p:cTn id="5" presetID="1" presetClass="entr" presetSubtype="0" fill="hold" grpId="0" nodeType="clickEffect">
-                                  <p:stCondLst>
-                                    <p:cond delay="0"/>
-                                  </p:stCondLst>
-                                  <p:childTnLst>
-                                    <p:set>
-                                      <p:cBhvr>
-                                        <p:cTn id="6" dur="1" fill="hold">
-                                          <p:stCondLst>
-                                            <p:cond delay="0"/>
-                                          </p:stCondLst>
-                                        </p:cTn>
-                                        <p:tgtEl>
-                                          <p:spTgt spid="18"/>
-                                        </p:tgtEl>
-                                        <p:attrNameLst>
-                                          <p:attrName>style.visibility</p:attrName>
-                                        </p:attrNameLst>
-                                      </p:cBhvr>
-                                      <p:to>
-                                        <p:strVal val="visible"/>
-                                      </p:to>
-                                    </p:set>
-                                  </p:childTnLst>
-                                </p:cTn>
-                              </p:par>
-                              <p:par>
-                                <p:cTn id="7" presetID="1" presetClass="entr" presetSubtype="0" fill="hold" grpId="0" nodeType="withEffect">
-                                  <p:stCondLst>
-                                    <p:cond delay="0"/>
-                                  </p:stCondLst>
-                                  <p:childTnLst>
-                                    <p:set>
-                                      <p:cBhvr>
-                                        <p:cTn id="8" dur="1" fill="hold">
-                                          <p:stCondLst>
-                                            <p:cond delay="0"/>
-                                          </p:stCondLst>
-                                        </p:cTn>
-                                        <p:tgtEl>
-                                          <p:spTgt spid="19"/>
-                                        </p:tgtEl>
-                                        <p:attrNameLst>
-                                          <p:attrName>style.visibility</p:attrName>
-                                        </p:attrNameLst>
-                                      </p:cBhvr>
-                                      <p:to>
-                                        <p:strVal val="visible"/>
-                                      </p:to>
-                                    </p:set>
-                                  </p:childTnLst>
-                                </p:cTn>
-                              </p:par>
-                            </p:childTnLst>
-                          </p:cTn>
-                        </p:par>
-                        <p:par>
-                          <p:cTn id="9" fill="hold">
-                            <p:stCondLst>
-                              <p:cond delay="0"/>
-                            </p:stCondLst>
-                            <p:childTnLst>
-                              <p:par>
-                                <p:cTn id="10" presetID="1" presetClass="entr" presetSubtype="0" fill="hold" grpId="0" nodeType="afterEffect">
-                                  <p:stCondLst>
-                                    <p:cond delay="500"/>
-                                  </p:stCondLst>
-                                  <p:childTnLst>
-                                    <p:set>
-                                      <p:cBhvr>
-                                        <p:cTn id="11" dur="1" fill="hold">
-                                          <p:stCondLst>
-                                            <p:cond delay="0"/>
-                                          </p:stCondLst>
-                                        </p:cTn>
-                                        <p:tgtEl>
-                                          <p:spTgt spid="23"/>
-                                        </p:tgtEl>
-                                        <p:attrNameLst>
-                                          <p:attrName>style.visibility</p:attrName>
-                                        </p:attrNameLst>
-                                      </p:cBhvr>
-                                      <p:to>
-                                        <p:strVal val="visible"/>
-                                      </p:to>
-                                    </p:set>
-                                  </p:childTnLst>
-                                </p:cTn>
-                              </p:par>
-                              <p:par>
-                                <p:cTn id="12" presetID="1" presetClass="entr" presetSubtype="0" fill="hold" grpId="0" nodeType="withEffect">
-                                  <p:stCondLst>
-                                    <p:cond delay="500"/>
-                                  </p:stCondLst>
-                                  <p:childTnLst>
-                                    <p:set>
-                                      <p:cBhvr>
-                                        <p:cTn id="13" dur="1" fill="hold">
-                                          <p:stCondLst>
-                                            <p:cond delay="0"/>
-                                          </p:stCondLst>
-                                        </p:cTn>
-                                        <p:tgtEl>
-                                          <p:spTgt spid="24"/>
-                                        </p:tgtEl>
-                                        <p:attrNameLst>
-                                          <p:attrName>style.visibility</p:attrName>
-                                        </p:attrNameLst>
-                                      </p:cBhvr>
-                                      <p:to>
-                                        <p:strVal val="visible"/>
-                                      </p:to>
-                                    </p:set>
-                                  </p:childTnLst>
-                                </p:cTn>
-                              </p:par>
-                              <p:par>
-                                <p:cTn id="14" presetID="1" presetClass="entr" presetSubtype="0" fill="hold" nodeType="withEffect">
-                                  <p:stCondLst>
-                                    <p:cond delay="500"/>
-                                  </p:stCondLst>
-                                  <p:childTnLst>
-                                    <p:set>
-                                      <p:cBhvr>
-                                        <p:cTn id="15" dur="1" fill="hold">
-                                          <p:stCondLst>
-                                            <p:cond delay="0"/>
-                                          </p:stCondLst>
-                                        </p:cTn>
-                                        <p:tgtEl>
-                                          <p:spTgt spid="25"/>
-                                        </p:tgtEl>
-                                        <p:attrNameLst>
-                                          <p:attrName>style.visibility</p:attrName>
-                                        </p:attrNameLst>
-                                      </p:cBhvr>
-                                      <p:to>
-                                        <p:strVal val="visible"/>
-                                      </p:to>
-                                    </p:set>
-                                  </p:childTnLst>
-                                </p:cTn>
-                              </p:par>
-                            </p:childTnLst>
-                          </p:cTn>
-                        </p:par>
-                      </p:childTnLst>
-                    </p:cTn>
-                  </p:par>
-                  <p:par>
-                    <p:cTn id="16" fill="hold">
-                      <p:stCondLst>
-                        <p:cond delay="indefinite"/>
-                      </p:stCondLst>
-                      <p:childTnLst>
-                        <p:par>
-                          <p:cTn id="17" fill="hold">
-                            <p:stCondLst>
-                              <p:cond delay="0"/>
-                            </p:stCondLst>
-                            <p:childTnLst>
-                              <p:par>
-                                <p:cTn id="18" presetID="1" presetClass="entr" presetSubtype="0" fill="hold" nodeType="clickEffect">
-                                  <p:stCondLst>
-                                    <p:cond delay="0"/>
-                                  </p:stCondLst>
-                                  <p:childTnLst>
-                                    <p:set>
-                                      <p:cBhvr>
-                                        <p:cTn id="19" dur="1" fill="hold">
-                                          <p:stCondLst>
-                                            <p:cond delay="0"/>
-                                          </p:stCondLst>
-                                        </p:cTn>
-                                        <p:tgtEl>
-                                          <p:spTgt spid="35"/>
-                                        </p:tgtEl>
-                                        <p:attrNameLst>
-                                          <p:attrName>style.visibility</p:attrName>
-                                        </p:attrNameLst>
-                                      </p:cBhvr>
-                                      <p:to>
-                                        <p:strVal val="visible"/>
-                                      </p:to>
-                                    </p:set>
-                                  </p:childTnLst>
-                                </p:cTn>
-                              </p:par>
-                              <p:par>
-                                <p:cTn id="20" presetID="1" presetClass="entr" presetSubtype="0" fill="hold" nodeType="withEffect">
-                                  <p:stCondLst>
-                                    <p:cond delay="500"/>
-                                  </p:stCondLst>
-                                  <p:childTnLst>
-                                    <p:set>
-                                      <p:cBhvr>
-                                        <p:cTn id="21" dur="1" fill="hold">
-                                          <p:stCondLst>
-                                            <p:cond delay="0"/>
-                                          </p:stCondLst>
-                                        </p:cTn>
-                                        <p:tgtEl>
-                                          <p:spTgt spid="5"/>
-                                        </p:tgtEl>
-                                        <p:attrNameLst>
-                                          <p:attrName>style.visibility</p:attrName>
-                                        </p:attrNameLst>
-                                      </p:cBhvr>
-                                      <p:to>
-                                        <p:strVal val="visible"/>
-                                      </p:to>
-                                    </p:set>
-                                  </p:childTnLst>
-                                </p:cTn>
-                              </p:par>
-                              <p:par>
-                                <p:cTn id="22" presetID="1" presetClass="entr" presetSubtype="0" fill="hold" grpId="0" nodeType="withEffect">
-                                  <p:stCondLst>
-                                    <p:cond delay="0"/>
-                                  </p:stCondLst>
-                                  <p:childTnLst>
-                                    <p:set>
-                                      <p:cBhvr>
-                                        <p:cTn id="23" dur="1" fill="hold">
-                                          <p:stCondLst>
-                                            <p:cond delay="0"/>
-                                          </p:stCondLst>
-                                        </p:cTn>
-                                        <p:tgtEl>
-                                          <p:spTgt spid="3"/>
-                                        </p:tgtEl>
-                                        <p:attrNameLst>
-                                          <p:attrName>style.visibility</p:attrName>
-                                        </p:attrNameLst>
-                                      </p:cBhvr>
-                                      <p:to>
-                                        <p:strVal val="visible"/>
-                                      </p:to>
-                                    </p:set>
-                                  </p:childTnLst>
-                                </p:cTn>
-                              </p:par>
-                            </p:childTnLst>
-                          </p:cTn>
-                        </p:par>
-                      </p:childTnLst>
-                    </p:cTn>
-                  </p:par>
-                </p:childTnLst>
-              </p:cTn>
-              <p:prevCondLst>
-                <p:cond evt="onPrev" delay="0">
-                  <p:tgtEl>
-                    <p:sldTgt/>
-                  </p:tgtEl>
-                </p:cond>
-              </p:prevCondLst>
-              <p:nextCondLst>
-                <p:cond evt="onNext" delay="0">
-                  <p:tgtEl>
-                    <p:sldTgt/>
-                  </p:tgtEl>
-                </p:cond>
-              </p:nextCondLst>
-            </p:seq>
-          </p:childTnLst>
-        </p:cTn>
-      </p:par>
-    </p:tnLst>
-    <p:bldLst>
-      <p:bldP spid="18" grpId="0" animBg="1"/>
-      <p:bldP spid="19" grpId="0" animBg="1"/>
-      <p:bldP spid="23" grpId="0" animBg="1"/>
-      <p:bldP spid="24" grpId="0" animBg="1"/>
-      <p:bldP spid="3" grpId="0"/>
-    </p:bldLst>
-  </p:timing>
 </p:sld>
 </file>
 
@@ -15907,6 +15759,141 @@
             <a:r>
               <a:rPr lang="pt-PT" sz="1000" dirty="0"/>
               <a:t>Diagrama ilustrativo do tratamento dos dados.</a:t>
+            </a:r>
+          </a:p>
+        </p:txBody>
+      </p:sp>
+      <p:sp>
+        <p:nvSpPr>
+          <p:cNvPr id="6" name="Footer Placeholder 4">
+            <a:extLst>
+              <a:ext uri="{FF2B5EF4-FFF2-40B4-BE49-F238E27FC236}">
+                <a16:creationId xmlns:a16="http://schemas.microsoft.com/office/drawing/2014/main" id="{AB67A9A7-362D-D4EB-2B4E-6FDEE4B2F3F7}"/>
+              </a:ext>
+            </a:extLst>
+          </p:cNvPr>
+          <p:cNvSpPr txBox="1">
+            <a:spLocks/>
+          </p:cNvSpPr>
+          <p:nvPr/>
+        </p:nvSpPr>
+        <p:spPr>
+          <a:xfrm>
+            <a:off x="10180722" y="285844"/>
+            <a:ext cx="1122680" cy="341555"/>
+          </a:xfrm>
+          <a:prstGeom prst="rect">
+            <a:avLst/>
+          </a:prstGeom>
+        </p:spPr>
+        <p:txBody>
+          <a:bodyPr vert="horz" lIns="91440" tIns="45720" rIns="91440" bIns="45720" rtlCol="0" anchor="ctr"/>
+          <a:lstStyle>
+            <a:defPPr>
+              <a:defRPr lang="en-US"/>
+            </a:defPPr>
+            <a:lvl1pPr marL="0" algn="ctr" defTabSz="914400" rtl="0" eaLnBrk="1" latinLnBrk="0" hangingPunct="1">
+              <a:defRPr sz="900" b="0" kern="1200" cap="all" spc="150" baseline="0">
+                <a:solidFill>
+                  <a:schemeClr val="bg2">
+                    <a:lumMod val="50000"/>
+                  </a:schemeClr>
+                </a:solidFill>
+                <a:latin typeface="Univers Light" panose="020B0403020202020204" pitchFamily="34" charset="0"/>
+                <a:ea typeface="+mn-ea"/>
+                <a:cs typeface="+mn-cs"/>
+              </a:defRPr>
+            </a:lvl1pPr>
+            <a:lvl2pPr marL="457200" algn="l" defTabSz="914400" rtl="0" eaLnBrk="1" latinLnBrk="0" hangingPunct="1">
+              <a:defRPr sz="1800" kern="1200">
+                <a:solidFill>
+                  <a:schemeClr val="tx1"/>
+                </a:solidFill>
+                <a:latin typeface="+mn-lt"/>
+                <a:ea typeface="+mn-ea"/>
+                <a:cs typeface="+mn-cs"/>
+              </a:defRPr>
+            </a:lvl2pPr>
+            <a:lvl3pPr marL="914400" algn="l" defTabSz="914400" rtl="0" eaLnBrk="1" latinLnBrk="0" hangingPunct="1">
+              <a:defRPr sz="1800" kern="1200">
+                <a:solidFill>
+                  <a:schemeClr val="tx1"/>
+                </a:solidFill>
+                <a:latin typeface="+mn-lt"/>
+                <a:ea typeface="+mn-ea"/>
+                <a:cs typeface="+mn-cs"/>
+              </a:defRPr>
+            </a:lvl3pPr>
+            <a:lvl4pPr marL="1371600" algn="l" defTabSz="914400" rtl="0" eaLnBrk="1" latinLnBrk="0" hangingPunct="1">
+              <a:defRPr sz="1800" kern="1200">
+                <a:solidFill>
+                  <a:schemeClr val="tx1"/>
+                </a:solidFill>
+                <a:latin typeface="+mn-lt"/>
+                <a:ea typeface="+mn-ea"/>
+                <a:cs typeface="+mn-cs"/>
+              </a:defRPr>
+            </a:lvl4pPr>
+            <a:lvl5pPr marL="1828800" algn="l" defTabSz="914400" rtl="0" eaLnBrk="1" latinLnBrk="0" hangingPunct="1">
+              <a:defRPr sz="1800" kern="1200">
+                <a:solidFill>
+                  <a:schemeClr val="tx1"/>
+                </a:solidFill>
+                <a:latin typeface="+mn-lt"/>
+                <a:ea typeface="+mn-ea"/>
+                <a:cs typeface="+mn-cs"/>
+              </a:defRPr>
+            </a:lvl5pPr>
+            <a:lvl6pPr marL="2286000" algn="l" defTabSz="914400" rtl="0" eaLnBrk="1" latinLnBrk="0" hangingPunct="1">
+              <a:defRPr sz="1800" kern="1200">
+                <a:solidFill>
+                  <a:schemeClr val="tx1"/>
+                </a:solidFill>
+                <a:latin typeface="+mn-lt"/>
+                <a:ea typeface="+mn-ea"/>
+                <a:cs typeface="+mn-cs"/>
+              </a:defRPr>
+            </a:lvl6pPr>
+            <a:lvl7pPr marL="2743200" algn="l" defTabSz="914400" rtl="0" eaLnBrk="1" latinLnBrk="0" hangingPunct="1">
+              <a:defRPr sz="1800" kern="1200">
+                <a:solidFill>
+                  <a:schemeClr val="tx1"/>
+                </a:solidFill>
+                <a:latin typeface="+mn-lt"/>
+                <a:ea typeface="+mn-ea"/>
+                <a:cs typeface="+mn-cs"/>
+              </a:defRPr>
+            </a:lvl7pPr>
+            <a:lvl8pPr marL="3200400" algn="l" defTabSz="914400" rtl="0" eaLnBrk="1" latinLnBrk="0" hangingPunct="1">
+              <a:defRPr sz="1800" kern="1200">
+                <a:solidFill>
+                  <a:schemeClr val="tx1"/>
+                </a:solidFill>
+                <a:latin typeface="+mn-lt"/>
+                <a:ea typeface="+mn-ea"/>
+                <a:cs typeface="+mn-cs"/>
+              </a:defRPr>
+            </a:lvl8pPr>
+            <a:lvl9pPr marL="3657600" algn="l" defTabSz="914400" rtl="0" eaLnBrk="1" latinLnBrk="0" hangingPunct="1">
+              <a:defRPr sz="1800" kern="1200">
+                <a:solidFill>
+                  <a:schemeClr val="tx1"/>
+                </a:solidFill>
+                <a:latin typeface="+mn-lt"/>
+                <a:ea typeface="+mn-ea"/>
+                <a:cs typeface="+mn-cs"/>
+              </a:defRPr>
+            </a:lvl9pPr>
+          </a:lstStyle>
+          <a:p>
+            <a:pPr algn="r">
+              <a:lnSpc>
+                <a:spcPct val="150000"/>
+              </a:lnSpc>
+            </a:pPr>
+            <a:r>
+              <a:rPr lang="pt-PT" sz="800" dirty="0"/>
+              <a:t>12/09/2024</a:t>
             </a:r>
           </a:p>
         </p:txBody>
@@ -16478,6 +16465,141 @@
           </a:p>
         </p:txBody>
       </p:sp>
+      <p:sp>
+        <p:nvSpPr>
+          <p:cNvPr id="7" name="Footer Placeholder 4">
+            <a:extLst>
+              <a:ext uri="{FF2B5EF4-FFF2-40B4-BE49-F238E27FC236}">
+                <a16:creationId xmlns:a16="http://schemas.microsoft.com/office/drawing/2014/main" id="{E0B7B29F-48E1-103C-0B42-964488DB2CF8}"/>
+              </a:ext>
+            </a:extLst>
+          </p:cNvPr>
+          <p:cNvSpPr txBox="1">
+            <a:spLocks/>
+          </p:cNvSpPr>
+          <p:nvPr/>
+        </p:nvSpPr>
+        <p:spPr>
+          <a:xfrm>
+            <a:off x="10180722" y="285844"/>
+            <a:ext cx="1122680" cy="341555"/>
+          </a:xfrm>
+          <a:prstGeom prst="rect">
+            <a:avLst/>
+          </a:prstGeom>
+        </p:spPr>
+        <p:txBody>
+          <a:bodyPr vert="horz" lIns="91440" tIns="45720" rIns="91440" bIns="45720" rtlCol="0" anchor="ctr"/>
+          <a:lstStyle>
+            <a:defPPr>
+              <a:defRPr lang="en-US"/>
+            </a:defPPr>
+            <a:lvl1pPr marL="0" algn="ctr" defTabSz="914400" rtl="0" eaLnBrk="1" latinLnBrk="0" hangingPunct="1">
+              <a:defRPr sz="900" b="0" kern="1200" cap="all" spc="150" baseline="0">
+                <a:solidFill>
+                  <a:schemeClr val="bg2">
+                    <a:lumMod val="50000"/>
+                  </a:schemeClr>
+                </a:solidFill>
+                <a:latin typeface="Univers Light" panose="020B0403020202020204" pitchFamily="34" charset="0"/>
+                <a:ea typeface="+mn-ea"/>
+                <a:cs typeface="+mn-cs"/>
+              </a:defRPr>
+            </a:lvl1pPr>
+            <a:lvl2pPr marL="457200" algn="l" defTabSz="914400" rtl="0" eaLnBrk="1" latinLnBrk="0" hangingPunct="1">
+              <a:defRPr sz="1800" kern="1200">
+                <a:solidFill>
+                  <a:schemeClr val="tx1"/>
+                </a:solidFill>
+                <a:latin typeface="+mn-lt"/>
+                <a:ea typeface="+mn-ea"/>
+                <a:cs typeface="+mn-cs"/>
+              </a:defRPr>
+            </a:lvl2pPr>
+            <a:lvl3pPr marL="914400" algn="l" defTabSz="914400" rtl="0" eaLnBrk="1" latinLnBrk="0" hangingPunct="1">
+              <a:defRPr sz="1800" kern="1200">
+                <a:solidFill>
+                  <a:schemeClr val="tx1"/>
+                </a:solidFill>
+                <a:latin typeface="+mn-lt"/>
+                <a:ea typeface="+mn-ea"/>
+                <a:cs typeface="+mn-cs"/>
+              </a:defRPr>
+            </a:lvl3pPr>
+            <a:lvl4pPr marL="1371600" algn="l" defTabSz="914400" rtl="0" eaLnBrk="1" latinLnBrk="0" hangingPunct="1">
+              <a:defRPr sz="1800" kern="1200">
+                <a:solidFill>
+                  <a:schemeClr val="tx1"/>
+                </a:solidFill>
+                <a:latin typeface="+mn-lt"/>
+                <a:ea typeface="+mn-ea"/>
+                <a:cs typeface="+mn-cs"/>
+              </a:defRPr>
+            </a:lvl4pPr>
+            <a:lvl5pPr marL="1828800" algn="l" defTabSz="914400" rtl="0" eaLnBrk="1" latinLnBrk="0" hangingPunct="1">
+              <a:defRPr sz="1800" kern="1200">
+                <a:solidFill>
+                  <a:schemeClr val="tx1"/>
+                </a:solidFill>
+                <a:latin typeface="+mn-lt"/>
+                <a:ea typeface="+mn-ea"/>
+                <a:cs typeface="+mn-cs"/>
+              </a:defRPr>
+            </a:lvl5pPr>
+            <a:lvl6pPr marL="2286000" algn="l" defTabSz="914400" rtl="0" eaLnBrk="1" latinLnBrk="0" hangingPunct="1">
+              <a:defRPr sz="1800" kern="1200">
+                <a:solidFill>
+                  <a:schemeClr val="tx1"/>
+                </a:solidFill>
+                <a:latin typeface="+mn-lt"/>
+                <a:ea typeface="+mn-ea"/>
+                <a:cs typeface="+mn-cs"/>
+              </a:defRPr>
+            </a:lvl6pPr>
+            <a:lvl7pPr marL="2743200" algn="l" defTabSz="914400" rtl="0" eaLnBrk="1" latinLnBrk="0" hangingPunct="1">
+              <a:defRPr sz="1800" kern="1200">
+                <a:solidFill>
+                  <a:schemeClr val="tx1"/>
+                </a:solidFill>
+                <a:latin typeface="+mn-lt"/>
+                <a:ea typeface="+mn-ea"/>
+                <a:cs typeface="+mn-cs"/>
+              </a:defRPr>
+            </a:lvl7pPr>
+            <a:lvl8pPr marL="3200400" algn="l" defTabSz="914400" rtl="0" eaLnBrk="1" latinLnBrk="0" hangingPunct="1">
+              <a:defRPr sz="1800" kern="1200">
+                <a:solidFill>
+                  <a:schemeClr val="tx1"/>
+                </a:solidFill>
+                <a:latin typeface="+mn-lt"/>
+                <a:ea typeface="+mn-ea"/>
+                <a:cs typeface="+mn-cs"/>
+              </a:defRPr>
+            </a:lvl8pPr>
+            <a:lvl9pPr marL="3657600" algn="l" defTabSz="914400" rtl="0" eaLnBrk="1" latinLnBrk="0" hangingPunct="1">
+              <a:defRPr sz="1800" kern="1200">
+                <a:solidFill>
+                  <a:schemeClr val="tx1"/>
+                </a:solidFill>
+                <a:latin typeface="+mn-lt"/>
+                <a:ea typeface="+mn-ea"/>
+                <a:cs typeface="+mn-cs"/>
+              </a:defRPr>
+            </a:lvl9pPr>
+          </a:lstStyle>
+          <a:p>
+            <a:pPr algn="r">
+              <a:lnSpc>
+                <a:spcPct val="150000"/>
+              </a:lnSpc>
+            </a:pPr>
+            <a:r>
+              <a:rPr lang="pt-PT" sz="800" dirty="0"/>
+              <a:t>12/09/2024</a:t>
+            </a:r>
+          </a:p>
+        </p:txBody>
+      </p:sp>
     </p:spTree>
     <p:extLst>
       <p:ext uri="{BB962C8B-B14F-4D97-AF65-F5344CB8AC3E}">
@@ -17040,6 +17162,141 @@
             <a:r>
               <a:rPr lang="pt-PT" sz="1000" dirty="0"/>
               <a:t>Diagrama ilustrativo do tratamento dos dados.</a:t>
+            </a:r>
+          </a:p>
+        </p:txBody>
+      </p:sp>
+      <p:sp>
+        <p:nvSpPr>
+          <p:cNvPr id="6" name="Footer Placeholder 4">
+            <a:extLst>
+              <a:ext uri="{FF2B5EF4-FFF2-40B4-BE49-F238E27FC236}">
+                <a16:creationId xmlns:a16="http://schemas.microsoft.com/office/drawing/2014/main" id="{62C29674-979C-9B88-10B9-AC1BE3A188FF}"/>
+              </a:ext>
+            </a:extLst>
+          </p:cNvPr>
+          <p:cNvSpPr txBox="1">
+            <a:spLocks/>
+          </p:cNvSpPr>
+          <p:nvPr/>
+        </p:nvSpPr>
+        <p:spPr>
+          <a:xfrm>
+            <a:off x="10180722" y="285844"/>
+            <a:ext cx="1122680" cy="341555"/>
+          </a:xfrm>
+          <a:prstGeom prst="rect">
+            <a:avLst/>
+          </a:prstGeom>
+        </p:spPr>
+        <p:txBody>
+          <a:bodyPr vert="horz" lIns="91440" tIns="45720" rIns="91440" bIns="45720" rtlCol="0" anchor="ctr"/>
+          <a:lstStyle>
+            <a:defPPr>
+              <a:defRPr lang="en-US"/>
+            </a:defPPr>
+            <a:lvl1pPr marL="0" algn="ctr" defTabSz="914400" rtl="0" eaLnBrk="1" latinLnBrk="0" hangingPunct="1">
+              <a:defRPr sz="900" b="0" kern="1200" cap="all" spc="150" baseline="0">
+                <a:solidFill>
+                  <a:schemeClr val="bg2">
+                    <a:lumMod val="50000"/>
+                  </a:schemeClr>
+                </a:solidFill>
+                <a:latin typeface="Univers Light" panose="020B0403020202020204" pitchFamily="34" charset="0"/>
+                <a:ea typeface="+mn-ea"/>
+                <a:cs typeface="+mn-cs"/>
+              </a:defRPr>
+            </a:lvl1pPr>
+            <a:lvl2pPr marL="457200" algn="l" defTabSz="914400" rtl="0" eaLnBrk="1" latinLnBrk="0" hangingPunct="1">
+              <a:defRPr sz="1800" kern="1200">
+                <a:solidFill>
+                  <a:schemeClr val="tx1"/>
+                </a:solidFill>
+                <a:latin typeface="+mn-lt"/>
+                <a:ea typeface="+mn-ea"/>
+                <a:cs typeface="+mn-cs"/>
+              </a:defRPr>
+            </a:lvl2pPr>
+            <a:lvl3pPr marL="914400" algn="l" defTabSz="914400" rtl="0" eaLnBrk="1" latinLnBrk="0" hangingPunct="1">
+              <a:defRPr sz="1800" kern="1200">
+                <a:solidFill>
+                  <a:schemeClr val="tx1"/>
+                </a:solidFill>
+                <a:latin typeface="+mn-lt"/>
+                <a:ea typeface="+mn-ea"/>
+                <a:cs typeface="+mn-cs"/>
+              </a:defRPr>
+            </a:lvl3pPr>
+            <a:lvl4pPr marL="1371600" algn="l" defTabSz="914400" rtl="0" eaLnBrk="1" latinLnBrk="0" hangingPunct="1">
+              <a:defRPr sz="1800" kern="1200">
+                <a:solidFill>
+                  <a:schemeClr val="tx1"/>
+                </a:solidFill>
+                <a:latin typeface="+mn-lt"/>
+                <a:ea typeface="+mn-ea"/>
+                <a:cs typeface="+mn-cs"/>
+              </a:defRPr>
+            </a:lvl4pPr>
+            <a:lvl5pPr marL="1828800" algn="l" defTabSz="914400" rtl="0" eaLnBrk="1" latinLnBrk="0" hangingPunct="1">
+              <a:defRPr sz="1800" kern="1200">
+                <a:solidFill>
+                  <a:schemeClr val="tx1"/>
+                </a:solidFill>
+                <a:latin typeface="+mn-lt"/>
+                <a:ea typeface="+mn-ea"/>
+                <a:cs typeface="+mn-cs"/>
+              </a:defRPr>
+            </a:lvl5pPr>
+            <a:lvl6pPr marL="2286000" algn="l" defTabSz="914400" rtl="0" eaLnBrk="1" latinLnBrk="0" hangingPunct="1">
+              <a:defRPr sz="1800" kern="1200">
+                <a:solidFill>
+                  <a:schemeClr val="tx1"/>
+                </a:solidFill>
+                <a:latin typeface="+mn-lt"/>
+                <a:ea typeface="+mn-ea"/>
+                <a:cs typeface="+mn-cs"/>
+              </a:defRPr>
+            </a:lvl6pPr>
+            <a:lvl7pPr marL="2743200" algn="l" defTabSz="914400" rtl="0" eaLnBrk="1" latinLnBrk="0" hangingPunct="1">
+              <a:defRPr sz="1800" kern="1200">
+                <a:solidFill>
+                  <a:schemeClr val="tx1"/>
+                </a:solidFill>
+                <a:latin typeface="+mn-lt"/>
+                <a:ea typeface="+mn-ea"/>
+                <a:cs typeface="+mn-cs"/>
+              </a:defRPr>
+            </a:lvl7pPr>
+            <a:lvl8pPr marL="3200400" algn="l" defTabSz="914400" rtl="0" eaLnBrk="1" latinLnBrk="0" hangingPunct="1">
+              <a:defRPr sz="1800" kern="1200">
+                <a:solidFill>
+                  <a:schemeClr val="tx1"/>
+                </a:solidFill>
+                <a:latin typeface="+mn-lt"/>
+                <a:ea typeface="+mn-ea"/>
+                <a:cs typeface="+mn-cs"/>
+              </a:defRPr>
+            </a:lvl8pPr>
+            <a:lvl9pPr marL="3657600" algn="l" defTabSz="914400" rtl="0" eaLnBrk="1" latinLnBrk="0" hangingPunct="1">
+              <a:defRPr sz="1800" kern="1200">
+                <a:solidFill>
+                  <a:schemeClr val="tx1"/>
+                </a:solidFill>
+                <a:latin typeface="+mn-lt"/>
+                <a:ea typeface="+mn-ea"/>
+                <a:cs typeface="+mn-cs"/>
+              </a:defRPr>
+            </a:lvl9pPr>
+          </a:lstStyle>
+          <a:p>
+            <a:pPr algn="r">
+              <a:lnSpc>
+                <a:spcPct val="150000"/>
+              </a:lnSpc>
+            </a:pPr>
+            <a:r>
+              <a:rPr lang="pt-PT" sz="800" dirty="0"/>
+              <a:t>12/09/2024</a:t>
             </a:r>
           </a:p>
         </p:txBody>
@@ -17610,6 +17867,141 @@
           </a:p>
         </p:txBody>
       </p:sp>
+      <p:sp>
+        <p:nvSpPr>
+          <p:cNvPr id="6" name="Footer Placeholder 4">
+            <a:extLst>
+              <a:ext uri="{FF2B5EF4-FFF2-40B4-BE49-F238E27FC236}">
+                <a16:creationId xmlns:a16="http://schemas.microsoft.com/office/drawing/2014/main" id="{9459A7B3-A6FA-E77D-CCDB-88C5B6836052}"/>
+              </a:ext>
+            </a:extLst>
+          </p:cNvPr>
+          <p:cNvSpPr txBox="1">
+            <a:spLocks/>
+          </p:cNvSpPr>
+          <p:nvPr/>
+        </p:nvSpPr>
+        <p:spPr>
+          <a:xfrm>
+            <a:off x="10180722" y="285844"/>
+            <a:ext cx="1122680" cy="341555"/>
+          </a:xfrm>
+          <a:prstGeom prst="rect">
+            <a:avLst/>
+          </a:prstGeom>
+        </p:spPr>
+        <p:txBody>
+          <a:bodyPr vert="horz" lIns="91440" tIns="45720" rIns="91440" bIns="45720" rtlCol="0" anchor="ctr"/>
+          <a:lstStyle>
+            <a:defPPr>
+              <a:defRPr lang="en-US"/>
+            </a:defPPr>
+            <a:lvl1pPr marL="0" algn="ctr" defTabSz="914400" rtl="0" eaLnBrk="1" latinLnBrk="0" hangingPunct="1">
+              <a:defRPr sz="900" b="0" kern="1200" cap="all" spc="150" baseline="0">
+                <a:solidFill>
+                  <a:schemeClr val="bg2">
+                    <a:lumMod val="50000"/>
+                  </a:schemeClr>
+                </a:solidFill>
+                <a:latin typeface="Univers Light" panose="020B0403020202020204" pitchFamily="34" charset="0"/>
+                <a:ea typeface="+mn-ea"/>
+                <a:cs typeface="+mn-cs"/>
+              </a:defRPr>
+            </a:lvl1pPr>
+            <a:lvl2pPr marL="457200" algn="l" defTabSz="914400" rtl="0" eaLnBrk="1" latinLnBrk="0" hangingPunct="1">
+              <a:defRPr sz="1800" kern="1200">
+                <a:solidFill>
+                  <a:schemeClr val="tx1"/>
+                </a:solidFill>
+                <a:latin typeface="+mn-lt"/>
+                <a:ea typeface="+mn-ea"/>
+                <a:cs typeface="+mn-cs"/>
+              </a:defRPr>
+            </a:lvl2pPr>
+            <a:lvl3pPr marL="914400" algn="l" defTabSz="914400" rtl="0" eaLnBrk="1" latinLnBrk="0" hangingPunct="1">
+              <a:defRPr sz="1800" kern="1200">
+                <a:solidFill>
+                  <a:schemeClr val="tx1"/>
+                </a:solidFill>
+                <a:latin typeface="+mn-lt"/>
+                <a:ea typeface="+mn-ea"/>
+                <a:cs typeface="+mn-cs"/>
+              </a:defRPr>
+            </a:lvl3pPr>
+            <a:lvl4pPr marL="1371600" algn="l" defTabSz="914400" rtl="0" eaLnBrk="1" latinLnBrk="0" hangingPunct="1">
+              <a:defRPr sz="1800" kern="1200">
+                <a:solidFill>
+                  <a:schemeClr val="tx1"/>
+                </a:solidFill>
+                <a:latin typeface="+mn-lt"/>
+                <a:ea typeface="+mn-ea"/>
+                <a:cs typeface="+mn-cs"/>
+              </a:defRPr>
+            </a:lvl4pPr>
+            <a:lvl5pPr marL="1828800" algn="l" defTabSz="914400" rtl="0" eaLnBrk="1" latinLnBrk="0" hangingPunct="1">
+              <a:defRPr sz="1800" kern="1200">
+                <a:solidFill>
+                  <a:schemeClr val="tx1"/>
+                </a:solidFill>
+                <a:latin typeface="+mn-lt"/>
+                <a:ea typeface="+mn-ea"/>
+                <a:cs typeface="+mn-cs"/>
+              </a:defRPr>
+            </a:lvl5pPr>
+            <a:lvl6pPr marL="2286000" algn="l" defTabSz="914400" rtl="0" eaLnBrk="1" latinLnBrk="0" hangingPunct="1">
+              <a:defRPr sz="1800" kern="1200">
+                <a:solidFill>
+                  <a:schemeClr val="tx1"/>
+                </a:solidFill>
+                <a:latin typeface="+mn-lt"/>
+                <a:ea typeface="+mn-ea"/>
+                <a:cs typeface="+mn-cs"/>
+              </a:defRPr>
+            </a:lvl6pPr>
+            <a:lvl7pPr marL="2743200" algn="l" defTabSz="914400" rtl="0" eaLnBrk="1" latinLnBrk="0" hangingPunct="1">
+              <a:defRPr sz="1800" kern="1200">
+                <a:solidFill>
+                  <a:schemeClr val="tx1"/>
+                </a:solidFill>
+                <a:latin typeface="+mn-lt"/>
+                <a:ea typeface="+mn-ea"/>
+                <a:cs typeface="+mn-cs"/>
+              </a:defRPr>
+            </a:lvl7pPr>
+            <a:lvl8pPr marL="3200400" algn="l" defTabSz="914400" rtl="0" eaLnBrk="1" latinLnBrk="0" hangingPunct="1">
+              <a:defRPr sz="1800" kern="1200">
+                <a:solidFill>
+                  <a:schemeClr val="tx1"/>
+                </a:solidFill>
+                <a:latin typeface="+mn-lt"/>
+                <a:ea typeface="+mn-ea"/>
+                <a:cs typeface="+mn-cs"/>
+              </a:defRPr>
+            </a:lvl8pPr>
+            <a:lvl9pPr marL="3657600" algn="l" defTabSz="914400" rtl="0" eaLnBrk="1" latinLnBrk="0" hangingPunct="1">
+              <a:defRPr sz="1800" kern="1200">
+                <a:solidFill>
+                  <a:schemeClr val="tx1"/>
+                </a:solidFill>
+                <a:latin typeface="+mn-lt"/>
+                <a:ea typeface="+mn-ea"/>
+                <a:cs typeface="+mn-cs"/>
+              </a:defRPr>
+            </a:lvl9pPr>
+          </a:lstStyle>
+          <a:p>
+            <a:pPr algn="r">
+              <a:lnSpc>
+                <a:spcPct val="150000"/>
+              </a:lnSpc>
+            </a:pPr>
+            <a:r>
+              <a:rPr lang="pt-PT" sz="800" dirty="0"/>
+              <a:t>12/09/2024</a:t>
+            </a:r>
+          </a:p>
+        </p:txBody>
+      </p:sp>
     </p:spTree>
     <p:extLst>
       <p:ext uri="{BB962C8B-B14F-4D97-AF65-F5344CB8AC3E}">
@@ -18455,6 +18847,141 @@
             <a:r>
               <a:rPr lang="pt-PT" sz="1000" dirty="0"/>
               <a:t> LSTM da primeira abordagem.</a:t>
+            </a:r>
+          </a:p>
+        </p:txBody>
+      </p:sp>
+      <p:sp>
+        <p:nvSpPr>
+          <p:cNvPr id="11" name="Footer Placeholder 4">
+            <a:extLst>
+              <a:ext uri="{FF2B5EF4-FFF2-40B4-BE49-F238E27FC236}">
+                <a16:creationId xmlns:a16="http://schemas.microsoft.com/office/drawing/2014/main" id="{A66CA712-ADAB-B2E3-E8A9-36ABB32AA117}"/>
+              </a:ext>
+            </a:extLst>
+          </p:cNvPr>
+          <p:cNvSpPr txBox="1">
+            <a:spLocks/>
+          </p:cNvSpPr>
+          <p:nvPr/>
+        </p:nvSpPr>
+        <p:spPr>
+          <a:xfrm>
+            <a:off x="10180722" y="285844"/>
+            <a:ext cx="1122680" cy="341555"/>
+          </a:xfrm>
+          <a:prstGeom prst="rect">
+            <a:avLst/>
+          </a:prstGeom>
+        </p:spPr>
+        <p:txBody>
+          <a:bodyPr vert="horz" lIns="91440" tIns="45720" rIns="91440" bIns="45720" rtlCol="0" anchor="ctr"/>
+          <a:lstStyle>
+            <a:defPPr>
+              <a:defRPr lang="en-US"/>
+            </a:defPPr>
+            <a:lvl1pPr marL="0" algn="ctr" defTabSz="914400" rtl="0" eaLnBrk="1" latinLnBrk="0" hangingPunct="1">
+              <a:defRPr sz="900" b="0" kern="1200" cap="all" spc="150" baseline="0">
+                <a:solidFill>
+                  <a:schemeClr val="bg2">
+                    <a:lumMod val="50000"/>
+                  </a:schemeClr>
+                </a:solidFill>
+                <a:latin typeface="Univers Light" panose="020B0403020202020204" pitchFamily="34" charset="0"/>
+                <a:ea typeface="+mn-ea"/>
+                <a:cs typeface="+mn-cs"/>
+              </a:defRPr>
+            </a:lvl1pPr>
+            <a:lvl2pPr marL="457200" algn="l" defTabSz="914400" rtl="0" eaLnBrk="1" latinLnBrk="0" hangingPunct="1">
+              <a:defRPr sz="1800" kern="1200">
+                <a:solidFill>
+                  <a:schemeClr val="tx1"/>
+                </a:solidFill>
+                <a:latin typeface="+mn-lt"/>
+                <a:ea typeface="+mn-ea"/>
+                <a:cs typeface="+mn-cs"/>
+              </a:defRPr>
+            </a:lvl2pPr>
+            <a:lvl3pPr marL="914400" algn="l" defTabSz="914400" rtl="0" eaLnBrk="1" latinLnBrk="0" hangingPunct="1">
+              <a:defRPr sz="1800" kern="1200">
+                <a:solidFill>
+                  <a:schemeClr val="tx1"/>
+                </a:solidFill>
+                <a:latin typeface="+mn-lt"/>
+                <a:ea typeface="+mn-ea"/>
+                <a:cs typeface="+mn-cs"/>
+              </a:defRPr>
+            </a:lvl3pPr>
+            <a:lvl4pPr marL="1371600" algn="l" defTabSz="914400" rtl="0" eaLnBrk="1" latinLnBrk="0" hangingPunct="1">
+              <a:defRPr sz="1800" kern="1200">
+                <a:solidFill>
+                  <a:schemeClr val="tx1"/>
+                </a:solidFill>
+                <a:latin typeface="+mn-lt"/>
+                <a:ea typeface="+mn-ea"/>
+                <a:cs typeface="+mn-cs"/>
+              </a:defRPr>
+            </a:lvl4pPr>
+            <a:lvl5pPr marL="1828800" algn="l" defTabSz="914400" rtl="0" eaLnBrk="1" latinLnBrk="0" hangingPunct="1">
+              <a:defRPr sz="1800" kern="1200">
+                <a:solidFill>
+                  <a:schemeClr val="tx1"/>
+                </a:solidFill>
+                <a:latin typeface="+mn-lt"/>
+                <a:ea typeface="+mn-ea"/>
+                <a:cs typeface="+mn-cs"/>
+              </a:defRPr>
+            </a:lvl5pPr>
+            <a:lvl6pPr marL="2286000" algn="l" defTabSz="914400" rtl="0" eaLnBrk="1" latinLnBrk="0" hangingPunct="1">
+              <a:defRPr sz="1800" kern="1200">
+                <a:solidFill>
+                  <a:schemeClr val="tx1"/>
+                </a:solidFill>
+                <a:latin typeface="+mn-lt"/>
+                <a:ea typeface="+mn-ea"/>
+                <a:cs typeface="+mn-cs"/>
+              </a:defRPr>
+            </a:lvl6pPr>
+            <a:lvl7pPr marL="2743200" algn="l" defTabSz="914400" rtl="0" eaLnBrk="1" latinLnBrk="0" hangingPunct="1">
+              <a:defRPr sz="1800" kern="1200">
+                <a:solidFill>
+                  <a:schemeClr val="tx1"/>
+                </a:solidFill>
+                <a:latin typeface="+mn-lt"/>
+                <a:ea typeface="+mn-ea"/>
+                <a:cs typeface="+mn-cs"/>
+              </a:defRPr>
+            </a:lvl7pPr>
+            <a:lvl8pPr marL="3200400" algn="l" defTabSz="914400" rtl="0" eaLnBrk="1" latinLnBrk="0" hangingPunct="1">
+              <a:defRPr sz="1800" kern="1200">
+                <a:solidFill>
+                  <a:schemeClr val="tx1"/>
+                </a:solidFill>
+                <a:latin typeface="+mn-lt"/>
+                <a:ea typeface="+mn-ea"/>
+                <a:cs typeface="+mn-cs"/>
+              </a:defRPr>
+            </a:lvl8pPr>
+            <a:lvl9pPr marL="3657600" algn="l" defTabSz="914400" rtl="0" eaLnBrk="1" latinLnBrk="0" hangingPunct="1">
+              <a:defRPr sz="1800" kern="1200">
+                <a:solidFill>
+                  <a:schemeClr val="tx1"/>
+                </a:solidFill>
+                <a:latin typeface="+mn-lt"/>
+                <a:ea typeface="+mn-ea"/>
+                <a:cs typeface="+mn-cs"/>
+              </a:defRPr>
+            </a:lvl9pPr>
+          </a:lstStyle>
+          <a:p>
+            <a:pPr algn="r">
+              <a:lnSpc>
+                <a:spcPct val="150000"/>
+              </a:lnSpc>
+            </a:pPr>
+            <a:r>
+              <a:rPr lang="pt-PT" sz="800" dirty="0"/>
+              <a:t>12/09/2024</a:t>
             </a:r>
           </a:p>
         </p:txBody>
@@ -19304,6 +19831,141 @@
             <a:r>
               <a:rPr lang="pt-PT" sz="1000" dirty="0"/>
               <a:t> LSTM.</a:t>
+            </a:r>
+          </a:p>
+        </p:txBody>
+      </p:sp>
+      <p:sp>
+        <p:nvSpPr>
+          <p:cNvPr id="6" name="Footer Placeholder 4">
+            <a:extLst>
+              <a:ext uri="{FF2B5EF4-FFF2-40B4-BE49-F238E27FC236}">
+                <a16:creationId xmlns:a16="http://schemas.microsoft.com/office/drawing/2014/main" id="{43C978E9-A82F-B0DD-CD62-0A304A58CA42}"/>
+              </a:ext>
+            </a:extLst>
+          </p:cNvPr>
+          <p:cNvSpPr txBox="1">
+            <a:spLocks/>
+          </p:cNvSpPr>
+          <p:nvPr/>
+        </p:nvSpPr>
+        <p:spPr>
+          <a:xfrm>
+            <a:off x="10180722" y="285844"/>
+            <a:ext cx="1122680" cy="341555"/>
+          </a:xfrm>
+          <a:prstGeom prst="rect">
+            <a:avLst/>
+          </a:prstGeom>
+        </p:spPr>
+        <p:txBody>
+          <a:bodyPr vert="horz" lIns="91440" tIns="45720" rIns="91440" bIns="45720" rtlCol="0" anchor="ctr"/>
+          <a:lstStyle>
+            <a:defPPr>
+              <a:defRPr lang="en-US"/>
+            </a:defPPr>
+            <a:lvl1pPr marL="0" algn="ctr" defTabSz="914400" rtl="0" eaLnBrk="1" latinLnBrk="0" hangingPunct="1">
+              <a:defRPr sz="900" b="0" kern="1200" cap="all" spc="150" baseline="0">
+                <a:solidFill>
+                  <a:schemeClr val="bg2">
+                    <a:lumMod val="50000"/>
+                  </a:schemeClr>
+                </a:solidFill>
+                <a:latin typeface="Univers Light" panose="020B0403020202020204" pitchFamily="34" charset="0"/>
+                <a:ea typeface="+mn-ea"/>
+                <a:cs typeface="+mn-cs"/>
+              </a:defRPr>
+            </a:lvl1pPr>
+            <a:lvl2pPr marL="457200" algn="l" defTabSz="914400" rtl="0" eaLnBrk="1" latinLnBrk="0" hangingPunct="1">
+              <a:defRPr sz="1800" kern="1200">
+                <a:solidFill>
+                  <a:schemeClr val="tx1"/>
+                </a:solidFill>
+                <a:latin typeface="+mn-lt"/>
+                <a:ea typeface="+mn-ea"/>
+                <a:cs typeface="+mn-cs"/>
+              </a:defRPr>
+            </a:lvl2pPr>
+            <a:lvl3pPr marL="914400" algn="l" defTabSz="914400" rtl="0" eaLnBrk="1" latinLnBrk="0" hangingPunct="1">
+              <a:defRPr sz="1800" kern="1200">
+                <a:solidFill>
+                  <a:schemeClr val="tx1"/>
+                </a:solidFill>
+                <a:latin typeface="+mn-lt"/>
+                <a:ea typeface="+mn-ea"/>
+                <a:cs typeface="+mn-cs"/>
+              </a:defRPr>
+            </a:lvl3pPr>
+            <a:lvl4pPr marL="1371600" algn="l" defTabSz="914400" rtl="0" eaLnBrk="1" latinLnBrk="0" hangingPunct="1">
+              <a:defRPr sz="1800" kern="1200">
+                <a:solidFill>
+                  <a:schemeClr val="tx1"/>
+                </a:solidFill>
+                <a:latin typeface="+mn-lt"/>
+                <a:ea typeface="+mn-ea"/>
+                <a:cs typeface="+mn-cs"/>
+              </a:defRPr>
+            </a:lvl4pPr>
+            <a:lvl5pPr marL="1828800" algn="l" defTabSz="914400" rtl="0" eaLnBrk="1" latinLnBrk="0" hangingPunct="1">
+              <a:defRPr sz="1800" kern="1200">
+                <a:solidFill>
+                  <a:schemeClr val="tx1"/>
+                </a:solidFill>
+                <a:latin typeface="+mn-lt"/>
+                <a:ea typeface="+mn-ea"/>
+                <a:cs typeface="+mn-cs"/>
+              </a:defRPr>
+            </a:lvl5pPr>
+            <a:lvl6pPr marL="2286000" algn="l" defTabSz="914400" rtl="0" eaLnBrk="1" latinLnBrk="0" hangingPunct="1">
+              <a:defRPr sz="1800" kern="1200">
+                <a:solidFill>
+                  <a:schemeClr val="tx1"/>
+                </a:solidFill>
+                <a:latin typeface="+mn-lt"/>
+                <a:ea typeface="+mn-ea"/>
+                <a:cs typeface="+mn-cs"/>
+              </a:defRPr>
+            </a:lvl6pPr>
+            <a:lvl7pPr marL="2743200" algn="l" defTabSz="914400" rtl="0" eaLnBrk="1" latinLnBrk="0" hangingPunct="1">
+              <a:defRPr sz="1800" kern="1200">
+                <a:solidFill>
+                  <a:schemeClr val="tx1"/>
+                </a:solidFill>
+                <a:latin typeface="+mn-lt"/>
+                <a:ea typeface="+mn-ea"/>
+                <a:cs typeface="+mn-cs"/>
+              </a:defRPr>
+            </a:lvl7pPr>
+            <a:lvl8pPr marL="3200400" algn="l" defTabSz="914400" rtl="0" eaLnBrk="1" latinLnBrk="0" hangingPunct="1">
+              <a:defRPr sz="1800" kern="1200">
+                <a:solidFill>
+                  <a:schemeClr val="tx1"/>
+                </a:solidFill>
+                <a:latin typeface="+mn-lt"/>
+                <a:ea typeface="+mn-ea"/>
+                <a:cs typeface="+mn-cs"/>
+              </a:defRPr>
+            </a:lvl8pPr>
+            <a:lvl9pPr marL="3657600" algn="l" defTabSz="914400" rtl="0" eaLnBrk="1" latinLnBrk="0" hangingPunct="1">
+              <a:defRPr sz="1800" kern="1200">
+                <a:solidFill>
+                  <a:schemeClr val="tx1"/>
+                </a:solidFill>
+                <a:latin typeface="+mn-lt"/>
+                <a:ea typeface="+mn-ea"/>
+                <a:cs typeface="+mn-cs"/>
+              </a:defRPr>
+            </a:lvl9pPr>
+          </a:lstStyle>
+          <a:p>
+            <a:pPr algn="r">
+              <a:lnSpc>
+                <a:spcPct val="150000"/>
+              </a:lnSpc>
+            </a:pPr>
+            <a:r>
+              <a:rPr lang="pt-PT" sz="800" dirty="0"/>
+              <a:t>12/09/2024</a:t>
             </a:r>
           </a:p>
         </p:txBody>
@@ -20818,6 +21480,141 @@
           </a:p>
         </p:txBody>
       </p:sp>
+      <p:sp>
+        <p:nvSpPr>
+          <p:cNvPr id="9" name="Footer Placeholder 4">
+            <a:extLst>
+              <a:ext uri="{FF2B5EF4-FFF2-40B4-BE49-F238E27FC236}">
+                <a16:creationId xmlns:a16="http://schemas.microsoft.com/office/drawing/2014/main" id="{3ED304C1-7035-556E-30D0-E1F86AC3A3BE}"/>
+              </a:ext>
+            </a:extLst>
+          </p:cNvPr>
+          <p:cNvSpPr txBox="1">
+            <a:spLocks/>
+          </p:cNvSpPr>
+          <p:nvPr/>
+        </p:nvSpPr>
+        <p:spPr>
+          <a:xfrm>
+            <a:off x="10180722" y="285844"/>
+            <a:ext cx="1122680" cy="341555"/>
+          </a:xfrm>
+          <a:prstGeom prst="rect">
+            <a:avLst/>
+          </a:prstGeom>
+        </p:spPr>
+        <p:txBody>
+          <a:bodyPr vert="horz" lIns="91440" tIns="45720" rIns="91440" bIns="45720" rtlCol="0" anchor="ctr"/>
+          <a:lstStyle>
+            <a:defPPr>
+              <a:defRPr lang="en-US"/>
+            </a:defPPr>
+            <a:lvl1pPr marL="0" algn="ctr" defTabSz="914400" rtl="0" eaLnBrk="1" latinLnBrk="0" hangingPunct="1">
+              <a:defRPr sz="900" b="0" kern="1200" cap="all" spc="150" baseline="0">
+                <a:solidFill>
+                  <a:schemeClr val="bg2">
+                    <a:lumMod val="50000"/>
+                  </a:schemeClr>
+                </a:solidFill>
+                <a:latin typeface="Univers Light" panose="020B0403020202020204" pitchFamily="34" charset="0"/>
+                <a:ea typeface="+mn-ea"/>
+                <a:cs typeface="+mn-cs"/>
+              </a:defRPr>
+            </a:lvl1pPr>
+            <a:lvl2pPr marL="457200" algn="l" defTabSz="914400" rtl="0" eaLnBrk="1" latinLnBrk="0" hangingPunct="1">
+              <a:defRPr sz="1800" kern="1200">
+                <a:solidFill>
+                  <a:schemeClr val="tx1"/>
+                </a:solidFill>
+                <a:latin typeface="+mn-lt"/>
+                <a:ea typeface="+mn-ea"/>
+                <a:cs typeface="+mn-cs"/>
+              </a:defRPr>
+            </a:lvl2pPr>
+            <a:lvl3pPr marL="914400" algn="l" defTabSz="914400" rtl="0" eaLnBrk="1" latinLnBrk="0" hangingPunct="1">
+              <a:defRPr sz="1800" kern="1200">
+                <a:solidFill>
+                  <a:schemeClr val="tx1"/>
+                </a:solidFill>
+                <a:latin typeface="+mn-lt"/>
+                <a:ea typeface="+mn-ea"/>
+                <a:cs typeface="+mn-cs"/>
+              </a:defRPr>
+            </a:lvl3pPr>
+            <a:lvl4pPr marL="1371600" algn="l" defTabSz="914400" rtl="0" eaLnBrk="1" latinLnBrk="0" hangingPunct="1">
+              <a:defRPr sz="1800" kern="1200">
+                <a:solidFill>
+                  <a:schemeClr val="tx1"/>
+                </a:solidFill>
+                <a:latin typeface="+mn-lt"/>
+                <a:ea typeface="+mn-ea"/>
+                <a:cs typeface="+mn-cs"/>
+              </a:defRPr>
+            </a:lvl4pPr>
+            <a:lvl5pPr marL="1828800" algn="l" defTabSz="914400" rtl="0" eaLnBrk="1" latinLnBrk="0" hangingPunct="1">
+              <a:defRPr sz="1800" kern="1200">
+                <a:solidFill>
+                  <a:schemeClr val="tx1"/>
+                </a:solidFill>
+                <a:latin typeface="+mn-lt"/>
+                <a:ea typeface="+mn-ea"/>
+                <a:cs typeface="+mn-cs"/>
+              </a:defRPr>
+            </a:lvl5pPr>
+            <a:lvl6pPr marL="2286000" algn="l" defTabSz="914400" rtl="0" eaLnBrk="1" latinLnBrk="0" hangingPunct="1">
+              <a:defRPr sz="1800" kern="1200">
+                <a:solidFill>
+                  <a:schemeClr val="tx1"/>
+                </a:solidFill>
+                <a:latin typeface="+mn-lt"/>
+                <a:ea typeface="+mn-ea"/>
+                <a:cs typeface="+mn-cs"/>
+              </a:defRPr>
+            </a:lvl6pPr>
+            <a:lvl7pPr marL="2743200" algn="l" defTabSz="914400" rtl="0" eaLnBrk="1" latinLnBrk="0" hangingPunct="1">
+              <a:defRPr sz="1800" kern="1200">
+                <a:solidFill>
+                  <a:schemeClr val="tx1"/>
+                </a:solidFill>
+                <a:latin typeface="+mn-lt"/>
+                <a:ea typeface="+mn-ea"/>
+                <a:cs typeface="+mn-cs"/>
+              </a:defRPr>
+            </a:lvl7pPr>
+            <a:lvl8pPr marL="3200400" algn="l" defTabSz="914400" rtl="0" eaLnBrk="1" latinLnBrk="0" hangingPunct="1">
+              <a:defRPr sz="1800" kern="1200">
+                <a:solidFill>
+                  <a:schemeClr val="tx1"/>
+                </a:solidFill>
+                <a:latin typeface="+mn-lt"/>
+                <a:ea typeface="+mn-ea"/>
+                <a:cs typeface="+mn-cs"/>
+              </a:defRPr>
+            </a:lvl8pPr>
+            <a:lvl9pPr marL="3657600" algn="l" defTabSz="914400" rtl="0" eaLnBrk="1" latinLnBrk="0" hangingPunct="1">
+              <a:defRPr sz="1800" kern="1200">
+                <a:solidFill>
+                  <a:schemeClr val="tx1"/>
+                </a:solidFill>
+                <a:latin typeface="+mn-lt"/>
+                <a:ea typeface="+mn-ea"/>
+                <a:cs typeface="+mn-cs"/>
+              </a:defRPr>
+            </a:lvl9pPr>
+          </a:lstStyle>
+          <a:p>
+            <a:pPr algn="r">
+              <a:lnSpc>
+                <a:spcPct val="150000"/>
+              </a:lnSpc>
+            </a:pPr>
+            <a:r>
+              <a:rPr lang="pt-PT" sz="800" dirty="0"/>
+              <a:t>12/09/2024</a:t>
+            </a:r>
+          </a:p>
+        </p:txBody>
+      </p:sp>
     </p:spTree>
     <p:extLst>
       <p:ext uri="{BB962C8B-B14F-4D97-AF65-F5344CB8AC3E}">
@@ -21293,6 +22090,141 @@
             <a:r>
               <a:rPr lang="pt-PT" sz="1000" dirty="0"/>
               <a:t>Curvas ROC - Stacked LSTM (1A).</a:t>
+            </a:r>
+          </a:p>
+        </p:txBody>
+      </p:sp>
+      <p:sp>
+        <p:nvSpPr>
+          <p:cNvPr id="5" name="Footer Placeholder 4">
+            <a:extLst>
+              <a:ext uri="{FF2B5EF4-FFF2-40B4-BE49-F238E27FC236}">
+                <a16:creationId xmlns:a16="http://schemas.microsoft.com/office/drawing/2014/main" id="{99921869-310A-5791-3A5E-1A3C4EB3B26C}"/>
+              </a:ext>
+            </a:extLst>
+          </p:cNvPr>
+          <p:cNvSpPr txBox="1">
+            <a:spLocks/>
+          </p:cNvSpPr>
+          <p:nvPr/>
+        </p:nvSpPr>
+        <p:spPr>
+          <a:xfrm>
+            <a:off x="10180722" y="285844"/>
+            <a:ext cx="1122680" cy="341555"/>
+          </a:xfrm>
+          <a:prstGeom prst="rect">
+            <a:avLst/>
+          </a:prstGeom>
+        </p:spPr>
+        <p:txBody>
+          <a:bodyPr vert="horz" lIns="91440" tIns="45720" rIns="91440" bIns="45720" rtlCol="0" anchor="ctr"/>
+          <a:lstStyle>
+            <a:defPPr>
+              <a:defRPr lang="en-US"/>
+            </a:defPPr>
+            <a:lvl1pPr marL="0" algn="ctr" defTabSz="914400" rtl="0" eaLnBrk="1" latinLnBrk="0" hangingPunct="1">
+              <a:defRPr sz="900" b="0" kern="1200" cap="all" spc="150" baseline="0">
+                <a:solidFill>
+                  <a:schemeClr val="bg2">
+                    <a:lumMod val="50000"/>
+                  </a:schemeClr>
+                </a:solidFill>
+                <a:latin typeface="Univers Light" panose="020B0403020202020204" pitchFamily="34" charset="0"/>
+                <a:ea typeface="+mn-ea"/>
+                <a:cs typeface="+mn-cs"/>
+              </a:defRPr>
+            </a:lvl1pPr>
+            <a:lvl2pPr marL="457200" algn="l" defTabSz="914400" rtl="0" eaLnBrk="1" latinLnBrk="0" hangingPunct="1">
+              <a:defRPr sz="1800" kern="1200">
+                <a:solidFill>
+                  <a:schemeClr val="tx1"/>
+                </a:solidFill>
+                <a:latin typeface="+mn-lt"/>
+                <a:ea typeface="+mn-ea"/>
+                <a:cs typeface="+mn-cs"/>
+              </a:defRPr>
+            </a:lvl2pPr>
+            <a:lvl3pPr marL="914400" algn="l" defTabSz="914400" rtl="0" eaLnBrk="1" latinLnBrk="0" hangingPunct="1">
+              <a:defRPr sz="1800" kern="1200">
+                <a:solidFill>
+                  <a:schemeClr val="tx1"/>
+                </a:solidFill>
+                <a:latin typeface="+mn-lt"/>
+                <a:ea typeface="+mn-ea"/>
+                <a:cs typeface="+mn-cs"/>
+              </a:defRPr>
+            </a:lvl3pPr>
+            <a:lvl4pPr marL="1371600" algn="l" defTabSz="914400" rtl="0" eaLnBrk="1" latinLnBrk="0" hangingPunct="1">
+              <a:defRPr sz="1800" kern="1200">
+                <a:solidFill>
+                  <a:schemeClr val="tx1"/>
+                </a:solidFill>
+                <a:latin typeface="+mn-lt"/>
+                <a:ea typeface="+mn-ea"/>
+                <a:cs typeface="+mn-cs"/>
+              </a:defRPr>
+            </a:lvl4pPr>
+            <a:lvl5pPr marL="1828800" algn="l" defTabSz="914400" rtl="0" eaLnBrk="1" latinLnBrk="0" hangingPunct="1">
+              <a:defRPr sz="1800" kern="1200">
+                <a:solidFill>
+                  <a:schemeClr val="tx1"/>
+                </a:solidFill>
+                <a:latin typeface="+mn-lt"/>
+                <a:ea typeface="+mn-ea"/>
+                <a:cs typeface="+mn-cs"/>
+              </a:defRPr>
+            </a:lvl5pPr>
+            <a:lvl6pPr marL="2286000" algn="l" defTabSz="914400" rtl="0" eaLnBrk="1" latinLnBrk="0" hangingPunct="1">
+              <a:defRPr sz="1800" kern="1200">
+                <a:solidFill>
+                  <a:schemeClr val="tx1"/>
+                </a:solidFill>
+                <a:latin typeface="+mn-lt"/>
+                <a:ea typeface="+mn-ea"/>
+                <a:cs typeface="+mn-cs"/>
+              </a:defRPr>
+            </a:lvl6pPr>
+            <a:lvl7pPr marL="2743200" algn="l" defTabSz="914400" rtl="0" eaLnBrk="1" latinLnBrk="0" hangingPunct="1">
+              <a:defRPr sz="1800" kern="1200">
+                <a:solidFill>
+                  <a:schemeClr val="tx1"/>
+                </a:solidFill>
+                <a:latin typeface="+mn-lt"/>
+                <a:ea typeface="+mn-ea"/>
+                <a:cs typeface="+mn-cs"/>
+              </a:defRPr>
+            </a:lvl7pPr>
+            <a:lvl8pPr marL="3200400" algn="l" defTabSz="914400" rtl="0" eaLnBrk="1" latinLnBrk="0" hangingPunct="1">
+              <a:defRPr sz="1800" kern="1200">
+                <a:solidFill>
+                  <a:schemeClr val="tx1"/>
+                </a:solidFill>
+                <a:latin typeface="+mn-lt"/>
+                <a:ea typeface="+mn-ea"/>
+                <a:cs typeface="+mn-cs"/>
+              </a:defRPr>
+            </a:lvl8pPr>
+            <a:lvl9pPr marL="3657600" algn="l" defTabSz="914400" rtl="0" eaLnBrk="1" latinLnBrk="0" hangingPunct="1">
+              <a:defRPr sz="1800" kern="1200">
+                <a:solidFill>
+                  <a:schemeClr val="tx1"/>
+                </a:solidFill>
+                <a:latin typeface="+mn-lt"/>
+                <a:ea typeface="+mn-ea"/>
+                <a:cs typeface="+mn-cs"/>
+              </a:defRPr>
+            </a:lvl9pPr>
+          </a:lstStyle>
+          <a:p>
+            <a:pPr algn="r">
+              <a:lnSpc>
+                <a:spcPct val="150000"/>
+              </a:lnSpc>
+            </a:pPr>
+            <a:r>
+              <a:rPr lang="pt-PT" sz="800" dirty="0"/>
+              <a:t>12/09/2024</a:t>
             </a:r>
           </a:p>
         </p:txBody>
@@ -21978,6 +22910,141 @@
             <a:r>
               <a:rPr lang="pt-PT" sz="1000" dirty="0"/>
               <a:t>Curvas ROC - Bidirectional LSTM (1A).</a:t>
+            </a:r>
+          </a:p>
+        </p:txBody>
+      </p:sp>
+      <p:sp>
+        <p:nvSpPr>
+          <p:cNvPr id="10" name="Footer Placeholder 4">
+            <a:extLst>
+              <a:ext uri="{FF2B5EF4-FFF2-40B4-BE49-F238E27FC236}">
+                <a16:creationId xmlns:a16="http://schemas.microsoft.com/office/drawing/2014/main" id="{8546B5B0-9D70-3082-9FE0-A476D49A7BD8}"/>
+              </a:ext>
+            </a:extLst>
+          </p:cNvPr>
+          <p:cNvSpPr txBox="1">
+            <a:spLocks/>
+          </p:cNvSpPr>
+          <p:nvPr/>
+        </p:nvSpPr>
+        <p:spPr>
+          <a:xfrm>
+            <a:off x="10180722" y="285844"/>
+            <a:ext cx="1122680" cy="341555"/>
+          </a:xfrm>
+          <a:prstGeom prst="rect">
+            <a:avLst/>
+          </a:prstGeom>
+        </p:spPr>
+        <p:txBody>
+          <a:bodyPr vert="horz" lIns="91440" tIns="45720" rIns="91440" bIns="45720" rtlCol="0" anchor="ctr"/>
+          <a:lstStyle>
+            <a:defPPr>
+              <a:defRPr lang="en-US"/>
+            </a:defPPr>
+            <a:lvl1pPr marL="0" algn="ctr" defTabSz="914400" rtl="0" eaLnBrk="1" latinLnBrk="0" hangingPunct="1">
+              <a:defRPr sz="900" b="0" kern="1200" cap="all" spc="150" baseline="0">
+                <a:solidFill>
+                  <a:schemeClr val="bg2">
+                    <a:lumMod val="50000"/>
+                  </a:schemeClr>
+                </a:solidFill>
+                <a:latin typeface="Univers Light" panose="020B0403020202020204" pitchFamily="34" charset="0"/>
+                <a:ea typeface="+mn-ea"/>
+                <a:cs typeface="+mn-cs"/>
+              </a:defRPr>
+            </a:lvl1pPr>
+            <a:lvl2pPr marL="457200" algn="l" defTabSz="914400" rtl="0" eaLnBrk="1" latinLnBrk="0" hangingPunct="1">
+              <a:defRPr sz="1800" kern="1200">
+                <a:solidFill>
+                  <a:schemeClr val="tx1"/>
+                </a:solidFill>
+                <a:latin typeface="+mn-lt"/>
+                <a:ea typeface="+mn-ea"/>
+                <a:cs typeface="+mn-cs"/>
+              </a:defRPr>
+            </a:lvl2pPr>
+            <a:lvl3pPr marL="914400" algn="l" defTabSz="914400" rtl="0" eaLnBrk="1" latinLnBrk="0" hangingPunct="1">
+              <a:defRPr sz="1800" kern="1200">
+                <a:solidFill>
+                  <a:schemeClr val="tx1"/>
+                </a:solidFill>
+                <a:latin typeface="+mn-lt"/>
+                <a:ea typeface="+mn-ea"/>
+                <a:cs typeface="+mn-cs"/>
+              </a:defRPr>
+            </a:lvl3pPr>
+            <a:lvl4pPr marL="1371600" algn="l" defTabSz="914400" rtl="0" eaLnBrk="1" latinLnBrk="0" hangingPunct="1">
+              <a:defRPr sz="1800" kern="1200">
+                <a:solidFill>
+                  <a:schemeClr val="tx1"/>
+                </a:solidFill>
+                <a:latin typeface="+mn-lt"/>
+                <a:ea typeface="+mn-ea"/>
+                <a:cs typeface="+mn-cs"/>
+              </a:defRPr>
+            </a:lvl4pPr>
+            <a:lvl5pPr marL="1828800" algn="l" defTabSz="914400" rtl="0" eaLnBrk="1" latinLnBrk="0" hangingPunct="1">
+              <a:defRPr sz="1800" kern="1200">
+                <a:solidFill>
+                  <a:schemeClr val="tx1"/>
+                </a:solidFill>
+                <a:latin typeface="+mn-lt"/>
+                <a:ea typeface="+mn-ea"/>
+                <a:cs typeface="+mn-cs"/>
+              </a:defRPr>
+            </a:lvl5pPr>
+            <a:lvl6pPr marL="2286000" algn="l" defTabSz="914400" rtl="0" eaLnBrk="1" latinLnBrk="0" hangingPunct="1">
+              <a:defRPr sz="1800" kern="1200">
+                <a:solidFill>
+                  <a:schemeClr val="tx1"/>
+                </a:solidFill>
+                <a:latin typeface="+mn-lt"/>
+                <a:ea typeface="+mn-ea"/>
+                <a:cs typeface="+mn-cs"/>
+              </a:defRPr>
+            </a:lvl6pPr>
+            <a:lvl7pPr marL="2743200" algn="l" defTabSz="914400" rtl="0" eaLnBrk="1" latinLnBrk="0" hangingPunct="1">
+              <a:defRPr sz="1800" kern="1200">
+                <a:solidFill>
+                  <a:schemeClr val="tx1"/>
+                </a:solidFill>
+                <a:latin typeface="+mn-lt"/>
+                <a:ea typeface="+mn-ea"/>
+                <a:cs typeface="+mn-cs"/>
+              </a:defRPr>
+            </a:lvl7pPr>
+            <a:lvl8pPr marL="3200400" algn="l" defTabSz="914400" rtl="0" eaLnBrk="1" latinLnBrk="0" hangingPunct="1">
+              <a:defRPr sz="1800" kern="1200">
+                <a:solidFill>
+                  <a:schemeClr val="tx1"/>
+                </a:solidFill>
+                <a:latin typeface="+mn-lt"/>
+                <a:ea typeface="+mn-ea"/>
+                <a:cs typeface="+mn-cs"/>
+              </a:defRPr>
+            </a:lvl8pPr>
+            <a:lvl9pPr marL="3657600" algn="l" defTabSz="914400" rtl="0" eaLnBrk="1" latinLnBrk="0" hangingPunct="1">
+              <a:defRPr sz="1800" kern="1200">
+                <a:solidFill>
+                  <a:schemeClr val="tx1"/>
+                </a:solidFill>
+                <a:latin typeface="+mn-lt"/>
+                <a:ea typeface="+mn-ea"/>
+                <a:cs typeface="+mn-cs"/>
+              </a:defRPr>
+            </a:lvl9pPr>
+          </a:lstStyle>
+          <a:p>
+            <a:pPr algn="r">
+              <a:lnSpc>
+                <a:spcPct val="150000"/>
+              </a:lnSpc>
+            </a:pPr>
+            <a:r>
+              <a:rPr lang="pt-PT" sz="800" dirty="0"/>
+              <a:t>12/09/2024</a:t>
             </a:r>
           </a:p>
         </p:txBody>
@@ -22620,6 +23687,141 @@
           </a:prstGeom>
         </p:spPr>
       </p:pic>
+      <p:sp>
+        <p:nvSpPr>
+          <p:cNvPr id="6" name="Footer Placeholder 4">
+            <a:extLst>
+              <a:ext uri="{FF2B5EF4-FFF2-40B4-BE49-F238E27FC236}">
+                <a16:creationId xmlns:a16="http://schemas.microsoft.com/office/drawing/2014/main" id="{379672AC-ACFB-287F-3BA6-1908861C25A5}"/>
+              </a:ext>
+            </a:extLst>
+          </p:cNvPr>
+          <p:cNvSpPr txBox="1">
+            <a:spLocks/>
+          </p:cNvSpPr>
+          <p:nvPr/>
+        </p:nvSpPr>
+        <p:spPr>
+          <a:xfrm>
+            <a:off x="10180722" y="285844"/>
+            <a:ext cx="1122680" cy="341555"/>
+          </a:xfrm>
+          <a:prstGeom prst="rect">
+            <a:avLst/>
+          </a:prstGeom>
+        </p:spPr>
+        <p:txBody>
+          <a:bodyPr vert="horz" lIns="91440" tIns="45720" rIns="91440" bIns="45720" rtlCol="0" anchor="ctr"/>
+          <a:lstStyle>
+            <a:defPPr>
+              <a:defRPr lang="en-US"/>
+            </a:defPPr>
+            <a:lvl1pPr marL="0" algn="ctr" defTabSz="914400" rtl="0" eaLnBrk="1" latinLnBrk="0" hangingPunct="1">
+              <a:defRPr sz="900" b="0" kern="1200" cap="all" spc="150" baseline="0">
+                <a:solidFill>
+                  <a:schemeClr val="bg2">
+                    <a:lumMod val="50000"/>
+                  </a:schemeClr>
+                </a:solidFill>
+                <a:latin typeface="Univers Light" panose="020B0403020202020204" pitchFamily="34" charset="0"/>
+                <a:ea typeface="+mn-ea"/>
+                <a:cs typeface="+mn-cs"/>
+              </a:defRPr>
+            </a:lvl1pPr>
+            <a:lvl2pPr marL="457200" algn="l" defTabSz="914400" rtl="0" eaLnBrk="1" latinLnBrk="0" hangingPunct="1">
+              <a:defRPr sz="1800" kern="1200">
+                <a:solidFill>
+                  <a:schemeClr val="tx1"/>
+                </a:solidFill>
+                <a:latin typeface="+mn-lt"/>
+                <a:ea typeface="+mn-ea"/>
+                <a:cs typeface="+mn-cs"/>
+              </a:defRPr>
+            </a:lvl2pPr>
+            <a:lvl3pPr marL="914400" algn="l" defTabSz="914400" rtl="0" eaLnBrk="1" latinLnBrk="0" hangingPunct="1">
+              <a:defRPr sz="1800" kern="1200">
+                <a:solidFill>
+                  <a:schemeClr val="tx1"/>
+                </a:solidFill>
+                <a:latin typeface="+mn-lt"/>
+                <a:ea typeface="+mn-ea"/>
+                <a:cs typeface="+mn-cs"/>
+              </a:defRPr>
+            </a:lvl3pPr>
+            <a:lvl4pPr marL="1371600" algn="l" defTabSz="914400" rtl="0" eaLnBrk="1" latinLnBrk="0" hangingPunct="1">
+              <a:defRPr sz="1800" kern="1200">
+                <a:solidFill>
+                  <a:schemeClr val="tx1"/>
+                </a:solidFill>
+                <a:latin typeface="+mn-lt"/>
+                <a:ea typeface="+mn-ea"/>
+                <a:cs typeface="+mn-cs"/>
+              </a:defRPr>
+            </a:lvl4pPr>
+            <a:lvl5pPr marL="1828800" algn="l" defTabSz="914400" rtl="0" eaLnBrk="1" latinLnBrk="0" hangingPunct="1">
+              <a:defRPr sz="1800" kern="1200">
+                <a:solidFill>
+                  <a:schemeClr val="tx1"/>
+                </a:solidFill>
+                <a:latin typeface="+mn-lt"/>
+                <a:ea typeface="+mn-ea"/>
+                <a:cs typeface="+mn-cs"/>
+              </a:defRPr>
+            </a:lvl5pPr>
+            <a:lvl6pPr marL="2286000" algn="l" defTabSz="914400" rtl="0" eaLnBrk="1" latinLnBrk="0" hangingPunct="1">
+              <a:defRPr sz="1800" kern="1200">
+                <a:solidFill>
+                  <a:schemeClr val="tx1"/>
+                </a:solidFill>
+                <a:latin typeface="+mn-lt"/>
+                <a:ea typeface="+mn-ea"/>
+                <a:cs typeface="+mn-cs"/>
+              </a:defRPr>
+            </a:lvl6pPr>
+            <a:lvl7pPr marL="2743200" algn="l" defTabSz="914400" rtl="0" eaLnBrk="1" latinLnBrk="0" hangingPunct="1">
+              <a:defRPr sz="1800" kern="1200">
+                <a:solidFill>
+                  <a:schemeClr val="tx1"/>
+                </a:solidFill>
+                <a:latin typeface="+mn-lt"/>
+                <a:ea typeface="+mn-ea"/>
+                <a:cs typeface="+mn-cs"/>
+              </a:defRPr>
+            </a:lvl7pPr>
+            <a:lvl8pPr marL="3200400" algn="l" defTabSz="914400" rtl="0" eaLnBrk="1" latinLnBrk="0" hangingPunct="1">
+              <a:defRPr sz="1800" kern="1200">
+                <a:solidFill>
+                  <a:schemeClr val="tx1"/>
+                </a:solidFill>
+                <a:latin typeface="+mn-lt"/>
+                <a:ea typeface="+mn-ea"/>
+                <a:cs typeface="+mn-cs"/>
+              </a:defRPr>
+            </a:lvl8pPr>
+            <a:lvl9pPr marL="3657600" algn="l" defTabSz="914400" rtl="0" eaLnBrk="1" latinLnBrk="0" hangingPunct="1">
+              <a:defRPr sz="1800" kern="1200">
+                <a:solidFill>
+                  <a:schemeClr val="tx1"/>
+                </a:solidFill>
+                <a:latin typeface="+mn-lt"/>
+                <a:ea typeface="+mn-ea"/>
+                <a:cs typeface="+mn-cs"/>
+              </a:defRPr>
+            </a:lvl9pPr>
+          </a:lstStyle>
+          <a:p>
+            <a:pPr algn="r">
+              <a:lnSpc>
+                <a:spcPct val="150000"/>
+              </a:lnSpc>
+            </a:pPr>
+            <a:r>
+              <a:rPr lang="pt-PT" sz="800" dirty="0"/>
+              <a:t>12/09/2024</a:t>
+            </a:r>
+          </a:p>
+        </p:txBody>
+      </p:sp>
     </p:spTree>
     <p:extLst>
       <p:ext uri="{BB962C8B-B14F-4D97-AF65-F5344CB8AC3E}">
@@ -23638,6 +24840,141 @@
           </a:p>
         </p:txBody>
       </p:sp>
+      <p:sp>
+        <p:nvSpPr>
+          <p:cNvPr id="10" name="Footer Placeholder 4">
+            <a:extLst>
+              <a:ext uri="{FF2B5EF4-FFF2-40B4-BE49-F238E27FC236}">
+                <a16:creationId xmlns:a16="http://schemas.microsoft.com/office/drawing/2014/main" id="{FEB7DF83-1A7A-0099-8FDC-1B4ED3A372CD}"/>
+              </a:ext>
+            </a:extLst>
+          </p:cNvPr>
+          <p:cNvSpPr txBox="1">
+            <a:spLocks/>
+          </p:cNvSpPr>
+          <p:nvPr/>
+        </p:nvSpPr>
+        <p:spPr>
+          <a:xfrm>
+            <a:off x="10180722" y="285844"/>
+            <a:ext cx="1122680" cy="341555"/>
+          </a:xfrm>
+          <a:prstGeom prst="rect">
+            <a:avLst/>
+          </a:prstGeom>
+        </p:spPr>
+        <p:txBody>
+          <a:bodyPr vert="horz" lIns="91440" tIns="45720" rIns="91440" bIns="45720" rtlCol="0" anchor="ctr"/>
+          <a:lstStyle>
+            <a:defPPr>
+              <a:defRPr lang="en-US"/>
+            </a:defPPr>
+            <a:lvl1pPr marL="0" algn="ctr" defTabSz="914400" rtl="0" eaLnBrk="1" latinLnBrk="0" hangingPunct="1">
+              <a:defRPr sz="900" b="0" kern="1200" cap="all" spc="150" baseline="0">
+                <a:solidFill>
+                  <a:schemeClr val="bg2">
+                    <a:lumMod val="50000"/>
+                  </a:schemeClr>
+                </a:solidFill>
+                <a:latin typeface="Univers Light" panose="020B0403020202020204" pitchFamily="34" charset="0"/>
+                <a:ea typeface="+mn-ea"/>
+                <a:cs typeface="+mn-cs"/>
+              </a:defRPr>
+            </a:lvl1pPr>
+            <a:lvl2pPr marL="457200" algn="l" defTabSz="914400" rtl="0" eaLnBrk="1" latinLnBrk="0" hangingPunct="1">
+              <a:defRPr sz="1800" kern="1200">
+                <a:solidFill>
+                  <a:schemeClr val="tx1"/>
+                </a:solidFill>
+                <a:latin typeface="+mn-lt"/>
+                <a:ea typeface="+mn-ea"/>
+                <a:cs typeface="+mn-cs"/>
+              </a:defRPr>
+            </a:lvl2pPr>
+            <a:lvl3pPr marL="914400" algn="l" defTabSz="914400" rtl="0" eaLnBrk="1" latinLnBrk="0" hangingPunct="1">
+              <a:defRPr sz="1800" kern="1200">
+                <a:solidFill>
+                  <a:schemeClr val="tx1"/>
+                </a:solidFill>
+                <a:latin typeface="+mn-lt"/>
+                <a:ea typeface="+mn-ea"/>
+                <a:cs typeface="+mn-cs"/>
+              </a:defRPr>
+            </a:lvl3pPr>
+            <a:lvl4pPr marL="1371600" algn="l" defTabSz="914400" rtl="0" eaLnBrk="1" latinLnBrk="0" hangingPunct="1">
+              <a:defRPr sz="1800" kern="1200">
+                <a:solidFill>
+                  <a:schemeClr val="tx1"/>
+                </a:solidFill>
+                <a:latin typeface="+mn-lt"/>
+                <a:ea typeface="+mn-ea"/>
+                <a:cs typeface="+mn-cs"/>
+              </a:defRPr>
+            </a:lvl4pPr>
+            <a:lvl5pPr marL="1828800" algn="l" defTabSz="914400" rtl="0" eaLnBrk="1" latinLnBrk="0" hangingPunct="1">
+              <a:defRPr sz="1800" kern="1200">
+                <a:solidFill>
+                  <a:schemeClr val="tx1"/>
+                </a:solidFill>
+                <a:latin typeface="+mn-lt"/>
+                <a:ea typeface="+mn-ea"/>
+                <a:cs typeface="+mn-cs"/>
+              </a:defRPr>
+            </a:lvl5pPr>
+            <a:lvl6pPr marL="2286000" algn="l" defTabSz="914400" rtl="0" eaLnBrk="1" latinLnBrk="0" hangingPunct="1">
+              <a:defRPr sz="1800" kern="1200">
+                <a:solidFill>
+                  <a:schemeClr val="tx1"/>
+                </a:solidFill>
+                <a:latin typeface="+mn-lt"/>
+                <a:ea typeface="+mn-ea"/>
+                <a:cs typeface="+mn-cs"/>
+              </a:defRPr>
+            </a:lvl6pPr>
+            <a:lvl7pPr marL="2743200" algn="l" defTabSz="914400" rtl="0" eaLnBrk="1" latinLnBrk="0" hangingPunct="1">
+              <a:defRPr sz="1800" kern="1200">
+                <a:solidFill>
+                  <a:schemeClr val="tx1"/>
+                </a:solidFill>
+                <a:latin typeface="+mn-lt"/>
+                <a:ea typeface="+mn-ea"/>
+                <a:cs typeface="+mn-cs"/>
+              </a:defRPr>
+            </a:lvl7pPr>
+            <a:lvl8pPr marL="3200400" algn="l" defTabSz="914400" rtl="0" eaLnBrk="1" latinLnBrk="0" hangingPunct="1">
+              <a:defRPr sz="1800" kern="1200">
+                <a:solidFill>
+                  <a:schemeClr val="tx1"/>
+                </a:solidFill>
+                <a:latin typeface="+mn-lt"/>
+                <a:ea typeface="+mn-ea"/>
+                <a:cs typeface="+mn-cs"/>
+              </a:defRPr>
+            </a:lvl8pPr>
+            <a:lvl9pPr marL="3657600" algn="l" defTabSz="914400" rtl="0" eaLnBrk="1" latinLnBrk="0" hangingPunct="1">
+              <a:defRPr sz="1800" kern="1200">
+                <a:solidFill>
+                  <a:schemeClr val="tx1"/>
+                </a:solidFill>
+                <a:latin typeface="+mn-lt"/>
+                <a:ea typeface="+mn-ea"/>
+                <a:cs typeface="+mn-cs"/>
+              </a:defRPr>
+            </a:lvl9pPr>
+          </a:lstStyle>
+          <a:p>
+            <a:pPr algn="r">
+              <a:lnSpc>
+                <a:spcPct val="150000"/>
+              </a:lnSpc>
+            </a:pPr>
+            <a:r>
+              <a:rPr lang="pt-PT" sz="800" dirty="0"/>
+              <a:t>12/09/2024</a:t>
+            </a:r>
+          </a:p>
+        </p:txBody>
+      </p:sp>
     </p:spTree>
     <p:extLst>
       <p:ext uri="{BB962C8B-B14F-4D97-AF65-F5344CB8AC3E}">
@@ -23863,1067 +25200,6 @@
     <p:bg>
       <p:bgPr>
         <a:solidFill>
-          <a:schemeClr val="bg2">
-            <a:alpha val="0"/>
-          </a:schemeClr>
-        </a:solidFill>
-        <a:effectLst/>
-      </p:bgPr>
-    </p:bg>
-    <p:spTree>
-      <p:nvGrpSpPr>
-        <p:cNvPr id="1" name=""/>
-        <p:cNvGrpSpPr/>
-        <p:nvPr/>
-      </p:nvGrpSpPr>
-      <p:grpSpPr>
-        <a:xfrm>
-          <a:off x="0" y="0"/>
-          <a:ext cx="0" cy="0"/>
-          <a:chOff x="0" y="0"/>
-          <a:chExt cx="0" cy="0"/>
-        </a:xfrm>
-      </p:grpSpPr>
-      <p:sp>
-        <p:nvSpPr>
-          <p:cNvPr id="2" name="Title 1">
-            <a:extLst>
-              <a:ext uri="{FF2B5EF4-FFF2-40B4-BE49-F238E27FC236}">
-                <a16:creationId xmlns:a16="http://schemas.microsoft.com/office/drawing/2014/main" id="{4662EDDE-6B1A-D0AC-F9F2-C67719C36532}"/>
-              </a:ext>
-            </a:extLst>
-          </p:cNvPr>
-          <p:cNvSpPr>
-            <a:spLocks noGrp="1"/>
-          </p:cNvSpPr>
-          <p:nvPr>
-            <p:ph type="title"/>
-          </p:nvPr>
-        </p:nvSpPr>
-        <p:spPr>
-          <a:xfrm>
-            <a:off x="1520662" y="252034"/>
-            <a:ext cx="9753890" cy="409176"/>
-          </a:xfrm>
-        </p:spPr>
-        <p:txBody>
-          <a:bodyPr>
-            <a:normAutofit fontScale="90000"/>
-          </a:bodyPr>
-          <a:lstStyle/>
-          <a:p>
-            <a:r>
-              <a:rPr lang="pt-PT" i="1" dirty="0"/>
-              <a:t>Primeira Abordagem - Resultados por classe</a:t>
-            </a:r>
-          </a:p>
-        </p:txBody>
-      </p:sp>
-      <p:sp>
-        <p:nvSpPr>
-          <p:cNvPr id="4" name="Slide Number Placeholder 3">
-            <a:extLst>
-              <a:ext uri="{FF2B5EF4-FFF2-40B4-BE49-F238E27FC236}">
-                <a16:creationId xmlns:a16="http://schemas.microsoft.com/office/drawing/2014/main" id="{527C964F-E2D5-D8E7-C513-C47A7E409DF3}"/>
-              </a:ext>
-            </a:extLst>
-          </p:cNvPr>
-          <p:cNvSpPr>
-            <a:spLocks noGrp="1"/>
-          </p:cNvSpPr>
-          <p:nvPr>
-            <p:ph type="sldNum" sz="quarter" idx="15"/>
-          </p:nvPr>
-        </p:nvSpPr>
-        <p:spPr/>
-        <p:txBody>
-          <a:bodyPr/>
-          <a:lstStyle/>
-          <a:p>
-            <a:fld id="{18D65601-5AE2-46FC-B138-694DDD2B510D}" type="slidenum">
-              <a:rPr lang="en-US" sz="1800" smtClean="0"/>
-              <a:pPr/>
-              <a:t>21</a:t>
-            </a:fld>
-            <a:endParaRPr lang="en-US" sz="1800" dirty="0"/>
-          </a:p>
-        </p:txBody>
-      </p:sp>
-      <p:sp>
-        <p:nvSpPr>
-          <p:cNvPr id="6" name="Footer Placeholder 4">
-            <a:extLst>
-              <a:ext uri="{FF2B5EF4-FFF2-40B4-BE49-F238E27FC236}">
-                <a16:creationId xmlns:a16="http://schemas.microsoft.com/office/drawing/2014/main" id="{0D821BC6-79CF-66F1-F00C-E2213C505826}"/>
-              </a:ext>
-            </a:extLst>
-          </p:cNvPr>
-          <p:cNvSpPr txBox="1">
-            <a:spLocks/>
-          </p:cNvSpPr>
-          <p:nvPr/>
-        </p:nvSpPr>
-        <p:spPr>
-          <a:xfrm>
-            <a:off x="4038600" y="6333565"/>
-            <a:ext cx="4114800" cy="365125"/>
-          </a:xfrm>
-          <a:prstGeom prst="rect">
-            <a:avLst/>
-          </a:prstGeom>
-        </p:spPr>
-        <p:txBody>
-          <a:bodyPr vert="horz" lIns="91440" tIns="45720" rIns="91440" bIns="45720" rtlCol="0" anchor="ctr"/>
-          <a:lstStyle>
-            <a:defPPr>
-              <a:defRPr lang="en-US"/>
-            </a:defPPr>
-            <a:lvl1pPr marL="0" algn="ctr" defTabSz="914400" rtl="0" eaLnBrk="1" latinLnBrk="0" hangingPunct="1">
-              <a:defRPr sz="900" b="0" kern="1200" cap="all" spc="150" baseline="0">
-                <a:solidFill>
-                  <a:schemeClr val="bg2">
-                    <a:lumMod val="50000"/>
-                  </a:schemeClr>
-                </a:solidFill>
-                <a:latin typeface="Univers Light" panose="020B0403020202020204" pitchFamily="34" charset="0"/>
-                <a:ea typeface="+mn-ea"/>
-                <a:cs typeface="+mn-cs"/>
-              </a:defRPr>
-            </a:lvl1pPr>
-            <a:lvl2pPr marL="457200" algn="l" defTabSz="914400" rtl="0" eaLnBrk="1" latinLnBrk="0" hangingPunct="1">
-              <a:defRPr sz="1800" kern="1200">
-                <a:solidFill>
-                  <a:schemeClr val="tx1"/>
-                </a:solidFill>
-                <a:latin typeface="+mn-lt"/>
-                <a:ea typeface="+mn-ea"/>
-                <a:cs typeface="+mn-cs"/>
-              </a:defRPr>
-            </a:lvl2pPr>
-            <a:lvl3pPr marL="914400" algn="l" defTabSz="914400" rtl="0" eaLnBrk="1" latinLnBrk="0" hangingPunct="1">
-              <a:defRPr sz="1800" kern="1200">
-                <a:solidFill>
-                  <a:schemeClr val="tx1"/>
-                </a:solidFill>
-                <a:latin typeface="+mn-lt"/>
-                <a:ea typeface="+mn-ea"/>
-                <a:cs typeface="+mn-cs"/>
-              </a:defRPr>
-            </a:lvl3pPr>
-            <a:lvl4pPr marL="1371600" algn="l" defTabSz="914400" rtl="0" eaLnBrk="1" latinLnBrk="0" hangingPunct="1">
-              <a:defRPr sz="1800" kern="1200">
-                <a:solidFill>
-                  <a:schemeClr val="tx1"/>
-                </a:solidFill>
-                <a:latin typeface="+mn-lt"/>
-                <a:ea typeface="+mn-ea"/>
-                <a:cs typeface="+mn-cs"/>
-              </a:defRPr>
-            </a:lvl4pPr>
-            <a:lvl5pPr marL="1828800" algn="l" defTabSz="914400" rtl="0" eaLnBrk="1" latinLnBrk="0" hangingPunct="1">
-              <a:defRPr sz="1800" kern="1200">
-                <a:solidFill>
-                  <a:schemeClr val="tx1"/>
-                </a:solidFill>
-                <a:latin typeface="+mn-lt"/>
-                <a:ea typeface="+mn-ea"/>
-                <a:cs typeface="+mn-cs"/>
-              </a:defRPr>
-            </a:lvl5pPr>
-            <a:lvl6pPr marL="2286000" algn="l" defTabSz="914400" rtl="0" eaLnBrk="1" latinLnBrk="0" hangingPunct="1">
-              <a:defRPr sz="1800" kern="1200">
-                <a:solidFill>
-                  <a:schemeClr val="tx1"/>
-                </a:solidFill>
-                <a:latin typeface="+mn-lt"/>
-                <a:ea typeface="+mn-ea"/>
-                <a:cs typeface="+mn-cs"/>
-              </a:defRPr>
-            </a:lvl6pPr>
-            <a:lvl7pPr marL="2743200" algn="l" defTabSz="914400" rtl="0" eaLnBrk="1" latinLnBrk="0" hangingPunct="1">
-              <a:defRPr sz="1800" kern="1200">
-                <a:solidFill>
-                  <a:schemeClr val="tx1"/>
-                </a:solidFill>
-                <a:latin typeface="+mn-lt"/>
-                <a:ea typeface="+mn-ea"/>
-                <a:cs typeface="+mn-cs"/>
-              </a:defRPr>
-            </a:lvl7pPr>
-            <a:lvl8pPr marL="3200400" algn="l" defTabSz="914400" rtl="0" eaLnBrk="1" latinLnBrk="0" hangingPunct="1">
-              <a:defRPr sz="1800" kern="1200">
-                <a:solidFill>
-                  <a:schemeClr val="tx1"/>
-                </a:solidFill>
-                <a:latin typeface="+mn-lt"/>
-                <a:ea typeface="+mn-ea"/>
-                <a:cs typeface="+mn-cs"/>
-              </a:defRPr>
-            </a:lvl8pPr>
-            <a:lvl9pPr marL="3657600" algn="l" defTabSz="914400" rtl="0" eaLnBrk="1" latinLnBrk="0" hangingPunct="1">
-              <a:defRPr sz="1800" kern="1200">
-                <a:solidFill>
-                  <a:schemeClr val="tx1"/>
-                </a:solidFill>
-                <a:latin typeface="+mn-lt"/>
-                <a:ea typeface="+mn-ea"/>
-                <a:cs typeface="+mn-cs"/>
-              </a:defRPr>
-            </a:lvl9pPr>
-          </a:lstStyle>
-          <a:p>
-            <a:pPr>
-              <a:lnSpc>
-                <a:spcPct val="150000"/>
-              </a:lnSpc>
-            </a:pPr>
-            <a:r>
-              <a:rPr lang="pt-PT" sz="800" dirty="0"/>
-              <a:t>Ai driving classification</a:t>
-            </a:r>
-          </a:p>
-          <a:p>
-            <a:pPr>
-              <a:lnSpc>
-                <a:spcPct val="150000"/>
-              </a:lnSpc>
-            </a:pPr>
-            <a:r>
-              <a:rPr lang="pt-PT" sz="800" dirty="0"/>
-              <a:t>Alberto pingo | joão castro</a:t>
-            </a:r>
-          </a:p>
-        </p:txBody>
-      </p:sp>
-      <p:pic>
-        <p:nvPicPr>
-          <p:cNvPr id="7" name="Picture 6" descr="A black background with a black square&#10;&#10;Description automatically generated with medium confidence">
-            <a:extLst>
-              <a:ext uri="{FF2B5EF4-FFF2-40B4-BE49-F238E27FC236}">
-                <a16:creationId xmlns:a16="http://schemas.microsoft.com/office/drawing/2014/main" id="{05200A96-EEA7-9B7D-506A-BF4FE113C176}"/>
-              </a:ext>
-            </a:extLst>
-          </p:cNvPr>
-          <p:cNvPicPr>
-            <a:picLocks noChangeAspect="1"/>
-          </p:cNvPicPr>
-          <p:nvPr/>
-        </p:nvPicPr>
-        <p:blipFill>
-          <a:blip r:embed="rId4">
-            <a:alphaModFix amt="70000"/>
-            <a:extLst>
-              <a:ext uri="{28A0092B-C50C-407E-A947-70E740481C1C}">
-                <a14:useLocalDpi xmlns:a14="http://schemas.microsoft.com/office/drawing/2010/main" val="0"/>
-              </a:ext>
-            </a:extLst>
-          </a:blip>
-          <a:stretch>
-            <a:fillRect/>
-          </a:stretch>
-        </p:blipFill>
-        <p:spPr>
-          <a:xfrm>
-            <a:off x="10582445" y="5985436"/>
-            <a:ext cx="1441915" cy="568239"/>
-          </a:xfrm>
-          <a:prstGeom prst="rect">
-            <a:avLst/>
-          </a:prstGeom>
-        </p:spPr>
-      </p:pic>
-      <p:sp>
-        <p:nvSpPr>
-          <p:cNvPr id="9" name="Title 6">
-            <a:extLst>
-              <a:ext uri="{FF2B5EF4-FFF2-40B4-BE49-F238E27FC236}">
-                <a16:creationId xmlns:a16="http://schemas.microsoft.com/office/drawing/2014/main" id="{A1D1F6E0-1A6C-232E-B6AD-263DD8949166}"/>
-              </a:ext>
-            </a:extLst>
-          </p:cNvPr>
-          <p:cNvSpPr txBox="1">
-            <a:spLocks/>
-          </p:cNvSpPr>
-          <p:nvPr/>
-        </p:nvSpPr>
-        <p:spPr>
-          <a:xfrm>
-            <a:off x="1743455" y="776531"/>
-            <a:ext cx="2199226" cy="504310"/>
-          </a:xfrm>
-          <a:prstGeom prst="rect">
-            <a:avLst/>
-          </a:prstGeom>
-        </p:spPr>
-        <p:txBody>
-          <a:bodyPr vert="horz" lIns="0" tIns="45720" rIns="91440" bIns="45720" rtlCol="0" anchor="ctr">
-            <a:noAutofit/>
-          </a:bodyPr>
-          <a:lstStyle>
-            <a:lvl1pPr algn="l" defTabSz="914400" rtl="0" eaLnBrk="1" latinLnBrk="0" hangingPunct="1">
-              <a:lnSpc>
-                <a:spcPct val="90000"/>
-              </a:lnSpc>
-              <a:spcBef>
-                <a:spcPct val="0"/>
-              </a:spcBef>
-              <a:buNone/>
-              <a:defRPr sz="3600" kern="1200">
-                <a:solidFill>
-                  <a:schemeClr val="tx1"/>
-                </a:solidFill>
-                <a:latin typeface="+mj-lt"/>
-                <a:ea typeface="+mj-ea"/>
-                <a:cs typeface="+mj-cs"/>
-              </a:defRPr>
-            </a:lvl1pPr>
-          </a:lstStyle>
-          <a:p>
-            <a:pPr algn="ctr"/>
-            <a:r>
-              <a:rPr lang="pt-PT" sz="2000" b="1" i="1" dirty="0">
-                <a:latin typeface="Univers Light (Body)"/>
-                <a:cs typeface="Arial" panose="020B0604020202020204" pitchFamily="34" charset="0"/>
-              </a:rPr>
-              <a:t>Stacked</a:t>
-            </a:r>
-            <a:r>
-              <a:rPr lang="pt-PT" sz="2000" b="1" dirty="0">
-                <a:latin typeface="Univers Light (Body)"/>
-                <a:cs typeface="Arial" panose="020B0604020202020204" pitchFamily="34" charset="0"/>
-              </a:rPr>
-              <a:t> LSTM</a:t>
-            </a:r>
-            <a:endParaRPr lang="en-US" sz="2000" b="1" dirty="0">
-              <a:latin typeface="Univers Light (Body)"/>
-              <a:cs typeface="Arial" panose="020B0604020202020204" pitchFamily="34" charset="0"/>
-            </a:endParaRPr>
-          </a:p>
-        </p:txBody>
-      </p:sp>
-      <p:sp>
-        <p:nvSpPr>
-          <p:cNvPr id="10" name="Title 6">
-            <a:extLst>
-              <a:ext uri="{FF2B5EF4-FFF2-40B4-BE49-F238E27FC236}">
-                <a16:creationId xmlns:a16="http://schemas.microsoft.com/office/drawing/2014/main" id="{B4BC2F03-7C1E-41FC-467C-30C492E35838}"/>
-              </a:ext>
-            </a:extLst>
-          </p:cNvPr>
-          <p:cNvSpPr txBox="1">
-            <a:spLocks/>
-          </p:cNvSpPr>
-          <p:nvPr/>
-        </p:nvSpPr>
-        <p:spPr>
-          <a:xfrm>
-            <a:off x="4945739" y="776531"/>
-            <a:ext cx="2300525" cy="504310"/>
-          </a:xfrm>
-          <a:prstGeom prst="rect">
-            <a:avLst/>
-          </a:prstGeom>
-        </p:spPr>
-        <p:txBody>
-          <a:bodyPr vert="horz" lIns="0" tIns="45720" rIns="91440" bIns="45720" rtlCol="0" anchor="ctr">
-            <a:noAutofit/>
-          </a:bodyPr>
-          <a:lstStyle>
-            <a:lvl1pPr algn="l" defTabSz="914400" rtl="0" eaLnBrk="1" latinLnBrk="0" hangingPunct="1">
-              <a:lnSpc>
-                <a:spcPct val="90000"/>
-              </a:lnSpc>
-              <a:spcBef>
-                <a:spcPct val="0"/>
-              </a:spcBef>
-              <a:buNone/>
-              <a:defRPr sz="3600" kern="1200">
-                <a:solidFill>
-                  <a:schemeClr val="tx1"/>
-                </a:solidFill>
-                <a:latin typeface="+mj-lt"/>
-                <a:ea typeface="+mj-ea"/>
-                <a:cs typeface="+mj-cs"/>
-              </a:defRPr>
-            </a:lvl1pPr>
-          </a:lstStyle>
-          <a:p>
-            <a:pPr algn="ctr"/>
-            <a:r>
-              <a:rPr lang="pt-PT" sz="2000" b="1" i="1" dirty="0">
-                <a:latin typeface="Univers Light (Body)"/>
-                <a:cs typeface="Arial" panose="020B0604020202020204" pitchFamily="34" charset="0"/>
-              </a:rPr>
-              <a:t>Bidirectional</a:t>
-            </a:r>
-            <a:r>
-              <a:rPr lang="pt-PT" sz="2000" b="1" dirty="0">
-                <a:latin typeface="Univers Light (Body)"/>
-                <a:cs typeface="Arial" panose="020B0604020202020204" pitchFamily="34" charset="0"/>
-              </a:rPr>
-              <a:t> LSTM</a:t>
-            </a:r>
-            <a:endParaRPr lang="en-US" sz="2000" b="1" dirty="0">
-              <a:latin typeface="Univers Light (Body)"/>
-              <a:cs typeface="Arial" panose="020B0604020202020204" pitchFamily="34" charset="0"/>
-            </a:endParaRPr>
-          </a:p>
-        </p:txBody>
-      </p:sp>
-      <p:pic>
-        <p:nvPicPr>
-          <p:cNvPr id="13" name="Picture 12" descr="A green squares with white text&#10;&#10;Description automatically generated">
-            <a:extLst>
-              <a:ext uri="{FF2B5EF4-FFF2-40B4-BE49-F238E27FC236}">
-                <a16:creationId xmlns:a16="http://schemas.microsoft.com/office/drawing/2014/main" id="{7D1DE065-CA9C-7CEF-662E-35D4D04E2DCD}"/>
-              </a:ext>
-            </a:extLst>
-          </p:cNvPr>
-          <p:cNvPicPr>
-            <a:picLocks noChangeAspect="1"/>
-          </p:cNvPicPr>
-          <p:nvPr/>
-        </p:nvPicPr>
-        <p:blipFill>
-          <a:blip r:embed="rId5"/>
-          <a:stretch>
-            <a:fillRect/>
-          </a:stretch>
-        </p:blipFill>
-        <p:spPr>
-          <a:xfrm>
-            <a:off x="4598318" y="1280841"/>
-            <a:ext cx="2995363" cy="2075439"/>
-          </a:xfrm>
-          <a:prstGeom prst="rect">
-            <a:avLst/>
-          </a:prstGeom>
-        </p:spPr>
-      </p:pic>
-      <p:pic>
-        <p:nvPicPr>
-          <p:cNvPr id="14" name="Picture 13" descr="A green and white chart&#10;&#10;Description automatically generated">
-            <a:extLst>
-              <a:ext uri="{FF2B5EF4-FFF2-40B4-BE49-F238E27FC236}">
-                <a16:creationId xmlns:a16="http://schemas.microsoft.com/office/drawing/2014/main" id="{37CA9CB9-74D5-6DD0-D0C0-9D91B1B31620}"/>
-              </a:ext>
-            </a:extLst>
-          </p:cNvPr>
-          <p:cNvPicPr>
-            <a:picLocks noChangeAspect="1"/>
-          </p:cNvPicPr>
-          <p:nvPr/>
-        </p:nvPicPr>
-        <p:blipFill>
-          <a:blip r:embed="rId6"/>
-          <a:stretch>
-            <a:fillRect/>
-          </a:stretch>
-        </p:blipFill>
-        <p:spPr>
-          <a:xfrm>
-            <a:off x="1345387" y="1280841"/>
-            <a:ext cx="2995363" cy="2148159"/>
-          </a:xfrm>
-          <a:prstGeom prst="rect">
-            <a:avLst/>
-          </a:prstGeom>
-        </p:spPr>
-      </p:pic>
-      <p:pic>
-        <p:nvPicPr>
-          <p:cNvPr id="16" name="Picture 15">
-            <a:extLst>
-              <a:ext uri="{FF2B5EF4-FFF2-40B4-BE49-F238E27FC236}">
-                <a16:creationId xmlns:a16="http://schemas.microsoft.com/office/drawing/2014/main" id="{A4090867-FC13-7AA9-63F7-0F30513A3E49}"/>
-              </a:ext>
-            </a:extLst>
-          </p:cNvPr>
-          <p:cNvPicPr>
-            <a:picLocks noChangeAspect="1"/>
-          </p:cNvPicPr>
-          <p:nvPr/>
-        </p:nvPicPr>
-        <p:blipFill>
-          <a:blip r:embed="rId7"/>
-          <a:stretch>
-            <a:fillRect/>
-          </a:stretch>
-        </p:blipFill>
-        <p:spPr>
-          <a:xfrm>
-            <a:off x="4598318" y="3654926"/>
-            <a:ext cx="2995363" cy="2357941"/>
-          </a:xfrm>
-          <a:prstGeom prst="rect">
-            <a:avLst/>
-          </a:prstGeom>
-        </p:spPr>
-      </p:pic>
-      <p:pic>
-        <p:nvPicPr>
-          <p:cNvPr id="18" name="Picture 17">
-            <a:extLst>
-              <a:ext uri="{FF2B5EF4-FFF2-40B4-BE49-F238E27FC236}">
-                <a16:creationId xmlns:a16="http://schemas.microsoft.com/office/drawing/2014/main" id="{516BB4F1-737F-1701-E8BF-D144A5DF8629}"/>
-              </a:ext>
-            </a:extLst>
-          </p:cNvPr>
-          <p:cNvPicPr>
-            <a:picLocks noChangeAspect="1"/>
-          </p:cNvPicPr>
-          <p:nvPr/>
-        </p:nvPicPr>
-        <p:blipFill>
-          <a:blip r:embed="rId8"/>
-          <a:stretch>
-            <a:fillRect/>
-          </a:stretch>
-        </p:blipFill>
-        <p:spPr>
-          <a:xfrm>
-            <a:off x="1350638" y="3654926"/>
-            <a:ext cx="2995363" cy="2357941"/>
-          </a:xfrm>
-          <a:prstGeom prst="rect">
-            <a:avLst/>
-          </a:prstGeom>
-        </p:spPr>
-      </p:pic>
-      <p:pic>
-        <p:nvPicPr>
-          <p:cNvPr id="24" name="Picture 23">
-            <a:extLst>
-              <a:ext uri="{FF2B5EF4-FFF2-40B4-BE49-F238E27FC236}">
-                <a16:creationId xmlns:a16="http://schemas.microsoft.com/office/drawing/2014/main" id="{098464E5-0BF0-EEB8-22B6-285BD33E50A3}"/>
-              </a:ext>
-            </a:extLst>
-          </p:cNvPr>
-          <p:cNvPicPr>
-            <a:picLocks noChangeAspect="1"/>
-          </p:cNvPicPr>
-          <p:nvPr/>
-        </p:nvPicPr>
-        <p:blipFill>
-          <a:blip r:embed="rId9"/>
-          <a:stretch>
-            <a:fillRect/>
-          </a:stretch>
-        </p:blipFill>
-        <p:spPr>
-          <a:xfrm>
-            <a:off x="7851249" y="1280841"/>
-            <a:ext cx="2990112" cy="2192377"/>
-          </a:xfrm>
-          <a:prstGeom prst="rect">
-            <a:avLst/>
-          </a:prstGeom>
-        </p:spPr>
-      </p:pic>
-      <p:sp>
-        <p:nvSpPr>
-          <p:cNvPr id="25" name="Title 6">
-            <a:extLst>
-              <a:ext uri="{FF2B5EF4-FFF2-40B4-BE49-F238E27FC236}">
-                <a16:creationId xmlns:a16="http://schemas.microsoft.com/office/drawing/2014/main" id="{C5E63A83-65CD-01EE-3C55-D453F19C5A97}"/>
-              </a:ext>
-            </a:extLst>
-          </p:cNvPr>
-          <p:cNvSpPr txBox="1">
-            <a:spLocks/>
-          </p:cNvSpPr>
-          <p:nvPr/>
-        </p:nvSpPr>
-        <p:spPr>
-          <a:xfrm>
-            <a:off x="8196042" y="776531"/>
-            <a:ext cx="2300525" cy="504310"/>
-          </a:xfrm>
-          <a:prstGeom prst="rect">
-            <a:avLst/>
-          </a:prstGeom>
-        </p:spPr>
-        <p:txBody>
-          <a:bodyPr vert="horz" lIns="0" tIns="45720" rIns="91440" bIns="45720" rtlCol="0" anchor="ctr">
-            <a:noAutofit/>
-          </a:bodyPr>
-          <a:lstStyle>
-            <a:lvl1pPr algn="l" defTabSz="914400" rtl="0" eaLnBrk="1" latinLnBrk="0" hangingPunct="1">
-              <a:lnSpc>
-                <a:spcPct val="90000"/>
-              </a:lnSpc>
-              <a:spcBef>
-                <a:spcPct val="0"/>
-              </a:spcBef>
-              <a:buNone/>
-              <a:defRPr sz="3600" kern="1200">
-                <a:solidFill>
-                  <a:schemeClr val="tx1"/>
-                </a:solidFill>
-                <a:latin typeface="+mj-lt"/>
-                <a:ea typeface="+mj-ea"/>
-                <a:cs typeface="+mj-cs"/>
-              </a:defRPr>
-            </a:lvl1pPr>
-          </a:lstStyle>
-          <a:p>
-            <a:pPr algn="ctr"/>
-            <a:r>
-              <a:rPr lang="pt-PT" sz="2000" b="1" i="1" dirty="0" err="1">
-                <a:latin typeface="Univers Light (Body)"/>
-                <a:cs typeface="Arial" panose="020B0604020202020204" pitchFamily="34" charset="0"/>
-              </a:rPr>
-              <a:t>Conv</a:t>
-            </a:r>
-            <a:r>
-              <a:rPr lang="pt-PT" sz="2000" b="1" dirty="0">
-                <a:latin typeface="Univers Light (Body)"/>
-                <a:cs typeface="Arial" panose="020B0604020202020204" pitchFamily="34" charset="0"/>
-              </a:rPr>
-              <a:t> LSTM</a:t>
-            </a:r>
-            <a:endParaRPr lang="en-US" sz="2000" b="1" dirty="0">
-              <a:latin typeface="Univers Light (Body)"/>
-              <a:cs typeface="Arial" panose="020B0604020202020204" pitchFamily="34" charset="0"/>
-            </a:endParaRPr>
-          </a:p>
-        </p:txBody>
-      </p:sp>
-      <p:pic>
-        <p:nvPicPr>
-          <p:cNvPr id="27" name="Picture 26">
-            <a:extLst>
-              <a:ext uri="{FF2B5EF4-FFF2-40B4-BE49-F238E27FC236}">
-                <a16:creationId xmlns:a16="http://schemas.microsoft.com/office/drawing/2014/main" id="{2267C447-47EA-C79C-468C-D8A47DEA8D72}"/>
-              </a:ext>
-            </a:extLst>
-          </p:cNvPr>
-          <p:cNvPicPr>
-            <a:picLocks noChangeAspect="1"/>
-          </p:cNvPicPr>
-          <p:nvPr/>
-        </p:nvPicPr>
-        <p:blipFill>
-          <a:blip r:embed="rId10"/>
-          <a:stretch>
-            <a:fillRect/>
-          </a:stretch>
-        </p:blipFill>
-        <p:spPr>
-          <a:xfrm>
-            <a:off x="7845997" y="3654925"/>
-            <a:ext cx="2995364" cy="2357942"/>
-          </a:xfrm>
-          <a:prstGeom prst="rect">
-            <a:avLst/>
-          </a:prstGeom>
-        </p:spPr>
-      </p:pic>
-    </p:spTree>
-    <p:extLst>
-      <p:ext uri="{BB962C8B-B14F-4D97-AF65-F5344CB8AC3E}">
-        <p14:creationId xmlns:p14="http://schemas.microsoft.com/office/powerpoint/2010/main" val="693936738"/>
-      </p:ext>
-    </p:extLst>
-  </p:cSld>
-  <p:clrMapOvr>
-    <a:overrideClrMapping bg1="lt1" tx1="dk1" bg2="lt2" tx2="dk2" accent1="accent1" accent2="accent2" accent3="accent3" accent4="accent4" accent5="accent5" accent6="accent6" hlink="hlink" folHlink="folHlink"/>
-  </p:clrMapOvr>
-  <p:timing>
-    <p:tnLst>
-      <p:par>
-        <p:cTn id="1" dur="indefinite" restart="never" nodeType="tmRoot">
-          <p:childTnLst>
-            <p:seq concurrent="1" nextAc="seek">
-              <p:cTn id="2" dur="indefinite" nodeType="mainSeq">
-                <p:childTnLst>
-                  <p:par>
-                    <p:cTn id="3" fill="hold">
-                      <p:stCondLst>
-                        <p:cond delay="indefinite"/>
-                      </p:stCondLst>
-                      <p:childTnLst>
-                        <p:par>
-                          <p:cTn id="4" fill="hold">
-                            <p:stCondLst>
-                              <p:cond delay="0"/>
-                            </p:stCondLst>
-                            <p:childTnLst>
-                              <p:par>
-                                <p:cTn id="5" presetID="1" presetClass="entr" presetSubtype="0" fill="hold" grpId="0" nodeType="clickEffect">
-                                  <p:stCondLst>
-                                    <p:cond delay="0"/>
-                                  </p:stCondLst>
-                                  <p:childTnLst>
-                                    <p:set>
-                                      <p:cBhvr>
-                                        <p:cTn id="6" dur="1" fill="hold">
-                                          <p:stCondLst>
-                                            <p:cond delay="0"/>
-                                          </p:stCondLst>
-                                        </p:cTn>
-                                        <p:tgtEl>
-                                          <p:spTgt spid="9"/>
-                                        </p:tgtEl>
-                                        <p:attrNameLst>
-                                          <p:attrName>style.visibility</p:attrName>
-                                        </p:attrNameLst>
-                                      </p:cBhvr>
-                                      <p:to>
-                                        <p:strVal val="visible"/>
-                                      </p:to>
-                                    </p:set>
-                                  </p:childTnLst>
-                                </p:cTn>
-                              </p:par>
-                              <p:par>
-                                <p:cTn id="7" presetID="1" presetClass="entr" presetSubtype="0" fill="hold" nodeType="withEffect">
-                                  <p:stCondLst>
-                                    <p:cond delay="0"/>
-                                  </p:stCondLst>
-                                  <p:childTnLst>
-                                    <p:set>
-                                      <p:cBhvr>
-                                        <p:cTn id="8" dur="1" fill="hold">
-                                          <p:stCondLst>
-                                            <p:cond delay="0"/>
-                                          </p:stCondLst>
-                                        </p:cTn>
-                                        <p:tgtEl>
-                                          <p:spTgt spid="14"/>
-                                        </p:tgtEl>
-                                        <p:attrNameLst>
-                                          <p:attrName>style.visibility</p:attrName>
-                                        </p:attrNameLst>
-                                      </p:cBhvr>
-                                      <p:to>
-                                        <p:strVal val="visible"/>
-                                      </p:to>
-                                    </p:set>
-                                  </p:childTnLst>
-                                </p:cTn>
-                              </p:par>
-                            </p:childTnLst>
-                          </p:cTn>
-                        </p:par>
-                      </p:childTnLst>
-                    </p:cTn>
-                  </p:par>
-                  <p:par>
-                    <p:cTn id="9" fill="hold">
-                      <p:stCondLst>
-                        <p:cond delay="indefinite"/>
-                      </p:stCondLst>
-                      <p:childTnLst>
-                        <p:par>
-                          <p:cTn id="10" fill="hold">
-                            <p:stCondLst>
-                              <p:cond delay="0"/>
-                            </p:stCondLst>
-                            <p:childTnLst>
-                              <p:par>
-                                <p:cTn id="11" presetID="1" presetClass="entr" presetSubtype="0" fill="hold" nodeType="clickEffect">
-                                  <p:stCondLst>
-                                    <p:cond delay="0"/>
-                                  </p:stCondLst>
-                                  <p:childTnLst>
-                                    <p:set>
-                                      <p:cBhvr>
-                                        <p:cTn id="12" dur="1" fill="hold">
-                                          <p:stCondLst>
-                                            <p:cond delay="0"/>
-                                          </p:stCondLst>
-                                        </p:cTn>
-                                        <p:tgtEl>
-                                          <p:spTgt spid="18"/>
-                                        </p:tgtEl>
-                                        <p:attrNameLst>
-                                          <p:attrName>style.visibility</p:attrName>
-                                        </p:attrNameLst>
-                                      </p:cBhvr>
-                                      <p:to>
-                                        <p:strVal val="visible"/>
-                                      </p:to>
-                                    </p:set>
-                                  </p:childTnLst>
-                                </p:cTn>
-                              </p:par>
-                            </p:childTnLst>
-                          </p:cTn>
-                        </p:par>
-                      </p:childTnLst>
-                    </p:cTn>
-                  </p:par>
-                  <p:par>
-                    <p:cTn id="13" fill="hold">
-                      <p:stCondLst>
-                        <p:cond delay="indefinite"/>
-                      </p:stCondLst>
-                      <p:childTnLst>
-                        <p:par>
-                          <p:cTn id="14" fill="hold">
-                            <p:stCondLst>
-                              <p:cond delay="0"/>
-                            </p:stCondLst>
-                            <p:childTnLst>
-                              <p:par>
-                                <p:cTn id="15" presetID="1" presetClass="entr" presetSubtype="0" fill="hold" grpId="0" nodeType="clickEffect">
-                                  <p:stCondLst>
-                                    <p:cond delay="0"/>
-                                  </p:stCondLst>
-                                  <p:childTnLst>
-                                    <p:set>
-                                      <p:cBhvr>
-                                        <p:cTn id="16" dur="1" fill="hold">
-                                          <p:stCondLst>
-                                            <p:cond delay="0"/>
-                                          </p:stCondLst>
-                                        </p:cTn>
-                                        <p:tgtEl>
-                                          <p:spTgt spid="10"/>
-                                        </p:tgtEl>
-                                        <p:attrNameLst>
-                                          <p:attrName>style.visibility</p:attrName>
-                                        </p:attrNameLst>
-                                      </p:cBhvr>
-                                      <p:to>
-                                        <p:strVal val="visible"/>
-                                      </p:to>
-                                    </p:set>
-                                  </p:childTnLst>
-                                </p:cTn>
-                              </p:par>
-                              <p:par>
-                                <p:cTn id="17" presetID="1" presetClass="entr" presetSubtype="0" fill="hold" nodeType="withEffect">
-                                  <p:stCondLst>
-                                    <p:cond delay="0"/>
-                                  </p:stCondLst>
-                                  <p:childTnLst>
-                                    <p:set>
-                                      <p:cBhvr>
-                                        <p:cTn id="18" dur="1" fill="hold">
-                                          <p:stCondLst>
-                                            <p:cond delay="0"/>
-                                          </p:stCondLst>
-                                        </p:cTn>
-                                        <p:tgtEl>
-                                          <p:spTgt spid="13"/>
-                                        </p:tgtEl>
-                                        <p:attrNameLst>
-                                          <p:attrName>style.visibility</p:attrName>
-                                        </p:attrNameLst>
-                                      </p:cBhvr>
-                                      <p:to>
-                                        <p:strVal val="visible"/>
-                                      </p:to>
-                                    </p:set>
-                                  </p:childTnLst>
-                                </p:cTn>
-                              </p:par>
-                            </p:childTnLst>
-                          </p:cTn>
-                        </p:par>
-                      </p:childTnLst>
-                    </p:cTn>
-                  </p:par>
-                  <p:par>
-                    <p:cTn id="19" fill="hold">
-                      <p:stCondLst>
-                        <p:cond delay="indefinite"/>
-                      </p:stCondLst>
-                      <p:childTnLst>
-                        <p:par>
-                          <p:cTn id="20" fill="hold">
-                            <p:stCondLst>
-                              <p:cond delay="0"/>
-                            </p:stCondLst>
-                            <p:childTnLst>
-                              <p:par>
-                                <p:cTn id="21" presetID="1" presetClass="entr" presetSubtype="0" fill="hold" nodeType="clickEffect">
-                                  <p:stCondLst>
-                                    <p:cond delay="0"/>
-                                  </p:stCondLst>
-                                  <p:childTnLst>
-                                    <p:set>
-                                      <p:cBhvr>
-                                        <p:cTn id="22" dur="1" fill="hold">
-                                          <p:stCondLst>
-                                            <p:cond delay="0"/>
-                                          </p:stCondLst>
-                                        </p:cTn>
-                                        <p:tgtEl>
-                                          <p:spTgt spid="16"/>
-                                        </p:tgtEl>
-                                        <p:attrNameLst>
-                                          <p:attrName>style.visibility</p:attrName>
-                                        </p:attrNameLst>
-                                      </p:cBhvr>
-                                      <p:to>
-                                        <p:strVal val="visible"/>
-                                      </p:to>
-                                    </p:set>
-                                  </p:childTnLst>
-                                </p:cTn>
-                              </p:par>
-                            </p:childTnLst>
-                          </p:cTn>
-                        </p:par>
-                      </p:childTnLst>
-                    </p:cTn>
-                  </p:par>
-                  <p:par>
-                    <p:cTn id="23" fill="hold">
-                      <p:stCondLst>
-                        <p:cond delay="indefinite"/>
-                      </p:stCondLst>
-                      <p:childTnLst>
-                        <p:par>
-                          <p:cTn id="24" fill="hold">
-                            <p:stCondLst>
-                              <p:cond delay="0"/>
-                            </p:stCondLst>
-                            <p:childTnLst>
-                              <p:par>
-                                <p:cTn id="25" presetID="1" presetClass="entr" presetSubtype="0" fill="hold" grpId="0" nodeType="clickEffect">
-                                  <p:stCondLst>
-                                    <p:cond delay="0"/>
-                                  </p:stCondLst>
-                                  <p:childTnLst>
-                                    <p:set>
-                                      <p:cBhvr>
-                                        <p:cTn id="26" dur="1" fill="hold">
-                                          <p:stCondLst>
-                                            <p:cond delay="0"/>
-                                          </p:stCondLst>
-                                        </p:cTn>
-                                        <p:tgtEl>
-                                          <p:spTgt spid="25"/>
-                                        </p:tgtEl>
-                                        <p:attrNameLst>
-                                          <p:attrName>style.visibility</p:attrName>
-                                        </p:attrNameLst>
-                                      </p:cBhvr>
-                                      <p:to>
-                                        <p:strVal val="visible"/>
-                                      </p:to>
-                                    </p:set>
-                                  </p:childTnLst>
-                                </p:cTn>
-                              </p:par>
-                              <p:par>
-                                <p:cTn id="27" presetID="1" presetClass="entr" presetSubtype="0" fill="hold" nodeType="withEffect">
-                                  <p:stCondLst>
-                                    <p:cond delay="0"/>
-                                  </p:stCondLst>
-                                  <p:childTnLst>
-                                    <p:set>
-                                      <p:cBhvr>
-                                        <p:cTn id="28" dur="1" fill="hold">
-                                          <p:stCondLst>
-                                            <p:cond delay="0"/>
-                                          </p:stCondLst>
-                                        </p:cTn>
-                                        <p:tgtEl>
-                                          <p:spTgt spid="24"/>
-                                        </p:tgtEl>
-                                        <p:attrNameLst>
-                                          <p:attrName>style.visibility</p:attrName>
-                                        </p:attrNameLst>
-                                      </p:cBhvr>
-                                      <p:to>
-                                        <p:strVal val="visible"/>
-                                      </p:to>
-                                    </p:set>
-                                  </p:childTnLst>
-                                </p:cTn>
-                              </p:par>
-                            </p:childTnLst>
-                          </p:cTn>
-                        </p:par>
-                      </p:childTnLst>
-                    </p:cTn>
-                  </p:par>
-                  <p:par>
-                    <p:cTn id="29" fill="hold">
-                      <p:stCondLst>
-                        <p:cond delay="indefinite"/>
-                      </p:stCondLst>
-                      <p:childTnLst>
-                        <p:par>
-                          <p:cTn id="30" fill="hold">
-                            <p:stCondLst>
-                              <p:cond delay="0"/>
-                            </p:stCondLst>
-                            <p:childTnLst>
-                              <p:par>
-                                <p:cTn id="31" presetID="1" presetClass="entr" presetSubtype="0" fill="hold" nodeType="clickEffect">
-                                  <p:stCondLst>
-                                    <p:cond delay="0"/>
-                                  </p:stCondLst>
-                                  <p:childTnLst>
-                                    <p:set>
-                                      <p:cBhvr>
-                                        <p:cTn id="32" dur="1" fill="hold">
-                                          <p:stCondLst>
-                                            <p:cond delay="0"/>
-                                          </p:stCondLst>
-                                        </p:cTn>
-                                        <p:tgtEl>
-                                          <p:spTgt spid="27"/>
-                                        </p:tgtEl>
-                                        <p:attrNameLst>
-                                          <p:attrName>style.visibility</p:attrName>
-                                        </p:attrNameLst>
-                                      </p:cBhvr>
-                                      <p:to>
-                                        <p:strVal val="visible"/>
-                                      </p:to>
-                                    </p:set>
-                                  </p:childTnLst>
-                                </p:cTn>
-                              </p:par>
-                            </p:childTnLst>
-                          </p:cTn>
-                        </p:par>
-                      </p:childTnLst>
-                    </p:cTn>
-                  </p:par>
-                </p:childTnLst>
-              </p:cTn>
-              <p:prevCondLst>
-                <p:cond evt="onPrev" delay="0">
-                  <p:tgtEl>
-                    <p:sldTgt/>
-                  </p:tgtEl>
-                </p:cond>
-              </p:prevCondLst>
-              <p:nextCondLst>
-                <p:cond evt="onNext" delay="0">
-                  <p:tgtEl>
-                    <p:sldTgt/>
-                  </p:tgtEl>
-                </p:cond>
-              </p:nextCondLst>
-            </p:seq>
-          </p:childTnLst>
-        </p:cTn>
-      </p:par>
-    </p:tnLst>
-    <p:bldLst>
-      <p:bldP spid="9" grpId="0"/>
-      <p:bldP spid="10" grpId="0"/>
-      <p:bldP spid="25" grpId="0"/>
-    </p:bldLst>
-  </p:timing>
-</p:sld>
-</file>
-
-<file path=ppt/slides/slide22.xml><?xml version="1.0" encoding="utf-8"?>
-<p:sld xmlns:a="http://schemas.openxmlformats.org/drawingml/2006/main" xmlns:r="http://schemas.openxmlformats.org/officeDocument/2006/relationships" xmlns:p="http://schemas.openxmlformats.org/presentationml/2006/main">
-  <p:cSld>
-    <p:bg>
-      <p:bgPr>
-        <a:solidFill>
           <a:schemeClr val="accent2">
             <a:lumMod val="50000"/>
           </a:schemeClr>
@@ -25080,7 +25356,7 @@
             <a:fld id="{18D65601-5AE2-46FC-B138-694DDD2B510D}" type="slidenum">
               <a:rPr lang="en-US" sz="1800" smtClean="0"/>
               <a:pPr/>
-              <a:t>22</a:t>
+              <a:t>21</a:t>
             </a:fld>
             <a:endParaRPr lang="en-US" sz="1800" dirty="0"/>
           </a:p>
@@ -25240,6 +25516,145 @@
                 </a:solidFill>
               </a:rPr>
               <a:t>Alberto pingo | joão castro</a:t>
+            </a:r>
+          </a:p>
+        </p:txBody>
+      </p:sp>
+      <p:sp>
+        <p:nvSpPr>
+          <p:cNvPr id="6" name="Footer Placeholder 4">
+            <a:extLst>
+              <a:ext uri="{FF2B5EF4-FFF2-40B4-BE49-F238E27FC236}">
+                <a16:creationId xmlns:a16="http://schemas.microsoft.com/office/drawing/2014/main" id="{E80C9162-1DCE-0985-50AC-9FCD17F205DF}"/>
+              </a:ext>
+            </a:extLst>
+          </p:cNvPr>
+          <p:cNvSpPr txBox="1">
+            <a:spLocks/>
+          </p:cNvSpPr>
+          <p:nvPr/>
+        </p:nvSpPr>
+        <p:spPr>
+          <a:xfrm>
+            <a:off x="10180722" y="285844"/>
+            <a:ext cx="1122680" cy="341555"/>
+          </a:xfrm>
+          <a:prstGeom prst="rect">
+            <a:avLst/>
+          </a:prstGeom>
+        </p:spPr>
+        <p:txBody>
+          <a:bodyPr vert="horz" lIns="91440" tIns="45720" rIns="91440" bIns="45720" rtlCol="0" anchor="ctr"/>
+          <a:lstStyle>
+            <a:defPPr>
+              <a:defRPr lang="en-US"/>
+            </a:defPPr>
+            <a:lvl1pPr marL="0" algn="ctr" defTabSz="914400" rtl="0" eaLnBrk="1" latinLnBrk="0" hangingPunct="1">
+              <a:defRPr sz="900" b="0" kern="1200" cap="all" spc="150" baseline="0">
+                <a:solidFill>
+                  <a:schemeClr val="bg2">
+                    <a:lumMod val="50000"/>
+                  </a:schemeClr>
+                </a:solidFill>
+                <a:latin typeface="Univers Light" panose="020B0403020202020204" pitchFamily="34" charset="0"/>
+                <a:ea typeface="+mn-ea"/>
+                <a:cs typeface="+mn-cs"/>
+              </a:defRPr>
+            </a:lvl1pPr>
+            <a:lvl2pPr marL="457200" algn="l" defTabSz="914400" rtl="0" eaLnBrk="1" latinLnBrk="0" hangingPunct="1">
+              <a:defRPr sz="1800" kern="1200">
+                <a:solidFill>
+                  <a:schemeClr val="tx1"/>
+                </a:solidFill>
+                <a:latin typeface="+mn-lt"/>
+                <a:ea typeface="+mn-ea"/>
+                <a:cs typeface="+mn-cs"/>
+              </a:defRPr>
+            </a:lvl2pPr>
+            <a:lvl3pPr marL="914400" algn="l" defTabSz="914400" rtl="0" eaLnBrk="1" latinLnBrk="0" hangingPunct="1">
+              <a:defRPr sz="1800" kern="1200">
+                <a:solidFill>
+                  <a:schemeClr val="tx1"/>
+                </a:solidFill>
+                <a:latin typeface="+mn-lt"/>
+                <a:ea typeface="+mn-ea"/>
+                <a:cs typeface="+mn-cs"/>
+              </a:defRPr>
+            </a:lvl3pPr>
+            <a:lvl4pPr marL="1371600" algn="l" defTabSz="914400" rtl="0" eaLnBrk="1" latinLnBrk="0" hangingPunct="1">
+              <a:defRPr sz="1800" kern="1200">
+                <a:solidFill>
+                  <a:schemeClr val="tx1"/>
+                </a:solidFill>
+                <a:latin typeface="+mn-lt"/>
+                <a:ea typeface="+mn-ea"/>
+                <a:cs typeface="+mn-cs"/>
+              </a:defRPr>
+            </a:lvl4pPr>
+            <a:lvl5pPr marL="1828800" algn="l" defTabSz="914400" rtl="0" eaLnBrk="1" latinLnBrk="0" hangingPunct="1">
+              <a:defRPr sz="1800" kern="1200">
+                <a:solidFill>
+                  <a:schemeClr val="tx1"/>
+                </a:solidFill>
+                <a:latin typeface="+mn-lt"/>
+                <a:ea typeface="+mn-ea"/>
+                <a:cs typeface="+mn-cs"/>
+              </a:defRPr>
+            </a:lvl5pPr>
+            <a:lvl6pPr marL="2286000" algn="l" defTabSz="914400" rtl="0" eaLnBrk="1" latinLnBrk="0" hangingPunct="1">
+              <a:defRPr sz="1800" kern="1200">
+                <a:solidFill>
+                  <a:schemeClr val="tx1"/>
+                </a:solidFill>
+                <a:latin typeface="+mn-lt"/>
+                <a:ea typeface="+mn-ea"/>
+                <a:cs typeface="+mn-cs"/>
+              </a:defRPr>
+            </a:lvl6pPr>
+            <a:lvl7pPr marL="2743200" algn="l" defTabSz="914400" rtl="0" eaLnBrk="1" latinLnBrk="0" hangingPunct="1">
+              <a:defRPr sz="1800" kern="1200">
+                <a:solidFill>
+                  <a:schemeClr val="tx1"/>
+                </a:solidFill>
+                <a:latin typeface="+mn-lt"/>
+                <a:ea typeface="+mn-ea"/>
+                <a:cs typeface="+mn-cs"/>
+              </a:defRPr>
+            </a:lvl7pPr>
+            <a:lvl8pPr marL="3200400" algn="l" defTabSz="914400" rtl="0" eaLnBrk="1" latinLnBrk="0" hangingPunct="1">
+              <a:defRPr sz="1800" kern="1200">
+                <a:solidFill>
+                  <a:schemeClr val="tx1"/>
+                </a:solidFill>
+                <a:latin typeface="+mn-lt"/>
+                <a:ea typeface="+mn-ea"/>
+                <a:cs typeface="+mn-cs"/>
+              </a:defRPr>
+            </a:lvl8pPr>
+            <a:lvl9pPr marL="3657600" algn="l" defTabSz="914400" rtl="0" eaLnBrk="1" latinLnBrk="0" hangingPunct="1">
+              <a:defRPr sz="1800" kern="1200">
+                <a:solidFill>
+                  <a:schemeClr val="tx1"/>
+                </a:solidFill>
+                <a:latin typeface="+mn-lt"/>
+                <a:ea typeface="+mn-ea"/>
+                <a:cs typeface="+mn-cs"/>
+              </a:defRPr>
+            </a:lvl9pPr>
+          </a:lstStyle>
+          <a:p>
+            <a:pPr algn="r">
+              <a:lnSpc>
+                <a:spcPct val="150000"/>
+              </a:lnSpc>
+            </a:pPr>
+            <a:r>
+              <a:rPr lang="pt-PT" sz="800" dirty="0">
+                <a:solidFill>
+                  <a:schemeClr val="bg1"/>
+                </a:solidFill>
+              </a:rPr>
+              <a:t>12/09/2024</a:t>
             </a:r>
           </a:p>
         </p:txBody>
@@ -25339,7 +25754,7 @@
 </p:sld>
 </file>
 
-<file path=ppt/slides/slide23.xml><?xml version="1.0" encoding="utf-8"?>
+<file path=ppt/slides/slide22.xml><?xml version="1.0" encoding="utf-8"?>
 <p:sld xmlns:a="http://schemas.openxmlformats.org/drawingml/2006/main" xmlns:r="http://schemas.openxmlformats.org/officeDocument/2006/relationships" xmlns:p="http://schemas.openxmlformats.org/presentationml/2006/main">
   <p:cSld>
     <p:spTree>
@@ -25431,7 +25846,7 @@
             <a:fld id="{18D65601-5AE2-46FC-B138-694DDD2B510D}" type="slidenum">
               <a:rPr lang="en-US" sz="1800" smtClean="0"/>
               <a:pPr/>
-              <a:t>23</a:t>
+              <a:t>22</a:t>
             </a:fld>
             <a:endParaRPr lang="en-US" sz="1800" dirty="0"/>
           </a:p>
@@ -26790,6 +27205,141 @@
             <a:r>
               <a:rPr lang="pt-PT" sz="1000" dirty="0"/>
               <a:t>Cenário de condução – Interseção.</a:t>
+            </a:r>
+          </a:p>
+        </p:txBody>
+      </p:sp>
+      <p:sp>
+        <p:nvSpPr>
+          <p:cNvPr id="3" name="Footer Placeholder 4">
+            <a:extLst>
+              <a:ext uri="{FF2B5EF4-FFF2-40B4-BE49-F238E27FC236}">
+                <a16:creationId xmlns:a16="http://schemas.microsoft.com/office/drawing/2014/main" id="{10A04A17-3C27-20D8-8F7B-CE04B13BD114}"/>
+              </a:ext>
+            </a:extLst>
+          </p:cNvPr>
+          <p:cNvSpPr txBox="1">
+            <a:spLocks/>
+          </p:cNvSpPr>
+          <p:nvPr/>
+        </p:nvSpPr>
+        <p:spPr>
+          <a:xfrm>
+            <a:off x="10180722" y="285844"/>
+            <a:ext cx="1122680" cy="341555"/>
+          </a:xfrm>
+          <a:prstGeom prst="rect">
+            <a:avLst/>
+          </a:prstGeom>
+        </p:spPr>
+        <p:txBody>
+          <a:bodyPr vert="horz" lIns="91440" tIns="45720" rIns="91440" bIns="45720" rtlCol="0" anchor="ctr"/>
+          <a:lstStyle>
+            <a:defPPr>
+              <a:defRPr lang="en-US"/>
+            </a:defPPr>
+            <a:lvl1pPr marL="0" algn="ctr" defTabSz="914400" rtl="0" eaLnBrk="1" latinLnBrk="0" hangingPunct="1">
+              <a:defRPr sz="900" b="0" kern="1200" cap="all" spc="150" baseline="0">
+                <a:solidFill>
+                  <a:schemeClr val="bg2">
+                    <a:lumMod val="50000"/>
+                  </a:schemeClr>
+                </a:solidFill>
+                <a:latin typeface="Univers Light" panose="020B0403020202020204" pitchFamily="34" charset="0"/>
+                <a:ea typeface="+mn-ea"/>
+                <a:cs typeface="+mn-cs"/>
+              </a:defRPr>
+            </a:lvl1pPr>
+            <a:lvl2pPr marL="457200" algn="l" defTabSz="914400" rtl="0" eaLnBrk="1" latinLnBrk="0" hangingPunct="1">
+              <a:defRPr sz="1800" kern="1200">
+                <a:solidFill>
+                  <a:schemeClr val="tx1"/>
+                </a:solidFill>
+                <a:latin typeface="+mn-lt"/>
+                <a:ea typeface="+mn-ea"/>
+                <a:cs typeface="+mn-cs"/>
+              </a:defRPr>
+            </a:lvl2pPr>
+            <a:lvl3pPr marL="914400" algn="l" defTabSz="914400" rtl="0" eaLnBrk="1" latinLnBrk="0" hangingPunct="1">
+              <a:defRPr sz="1800" kern="1200">
+                <a:solidFill>
+                  <a:schemeClr val="tx1"/>
+                </a:solidFill>
+                <a:latin typeface="+mn-lt"/>
+                <a:ea typeface="+mn-ea"/>
+                <a:cs typeface="+mn-cs"/>
+              </a:defRPr>
+            </a:lvl3pPr>
+            <a:lvl4pPr marL="1371600" algn="l" defTabSz="914400" rtl="0" eaLnBrk="1" latinLnBrk="0" hangingPunct="1">
+              <a:defRPr sz="1800" kern="1200">
+                <a:solidFill>
+                  <a:schemeClr val="tx1"/>
+                </a:solidFill>
+                <a:latin typeface="+mn-lt"/>
+                <a:ea typeface="+mn-ea"/>
+                <a:cs typeface="+mn-cs"/>
+              </a:defRPr>
+            </a:lvl4pPr>
+            <a:lvl5pPr marL="1828800" algn="l" defTabSz="914400" rtl="0" eaLnBrk="1" latinLnBrk="0" hangingPunct="1">
+              <a:defRPr sz="1800" kern="1200">
+                <a:solidFill>
+                  <a:schemeClr val="tx1"/>
+                </a:solidFill>
+                <a:latin typeface="+mn-lt"/>
+                <a:ea typeface="+mn-ea"/>
+                <a:cs typeface="+mn-cs"/>
+              </a:defRPr>
+            </a:lvl5pPr>
+            <a:lvl6pPr marL="2286000" algn="l" defTabSz="914400" rtl="0" eaLnBrk="1" latinLnBrk="0" hangingPunct="1">
+              <a:defRPr sz="1800" kern="1200">
+                <a:solidFill>
+                  <a:schemeClr val="tx1"/>
+                </a:solidFill>
+                <a:latin typeface="+mn-lt"/>
+                <a:ea typeface="+mn-ea"/>
+                <a:cs typeface="+mn-cs"/>
+              </a:defRPr>
+            </a:lvl6pPr>
+            <a:lvl7pPr marL="2743200" algn="l" defTabSz="914400" rtl="0" eaLnBrk="1" latinLnBrk="0" hangingPunct="1">
+              <a:defRPr sz="1800" kern="1200">
+                <a:solidFill>
+                  <a:schemeClr val="tx1"/>
+                </a:solidFill>
+                <a:latin typeface="+mn-lt"/>
+                <a:ea typeface="+mn-ea"/>
+                <a:cs typeface="+mn-cs"/>
+              </a:defRPr>
+            </a:lvl7pPr>
+            <a:lvl8pPr marL="3200400" algn="l" defTabSz="914400" rtl="0" eaLnBrk="1" latinLnBrk="0" hangingPunct="1">
+              <a:defRPr sz="1800" kern="1200">
+                <a:solidFill>
+                  <a:schemeClr val="tx1"/>
+                </a:solidFill>
+                <a:latin typeface="+mn-lt"/>
+                <a:ea typeface="+mn-ea"/>
+                <a:cs typeface="+mn-cs"/>
+              </a:defRPr>
+            </a:lvl8pPr>
+            <a:lvl9pPr marL="3657600" algn="l" defTabSz="914400" rtl="0" eaLnBrk="1" latinLnBrk="0" hangingPunct="1">
+              <a:defRPr sz="1800" kern="1200">
+                <a:solidFill>
+                  <a:schemeClr val="tx1"/>
+                </a:solidFill>
+                <a:latin typeface="+mn-lt"/>
+                <a:ea typeface="+mn-ea"/>
+                <a:cs typeface="+mn-cs"/>
+              </a:defRPr>
+            </a:lvl9pPr>
+          </a:lstStyle>
+          <a:p>
+            <a:pPr algn="r">
+              <a:lnSpc>
+                <a:spcPct val="150000"/>
+              </a:lnSpc>
+            </a:pPr>
+            <a:r>
+              <a:rPr lang="pt-PT" sz="800" dirty="0"/>
+              <a:t>12/09/2024</a:t>
             </a:r>
           </a:p>
         </p:txBody>
@@ -27242,7 +27792,7 @@
 </p:sld>
 </file>
 
-<file path=ppt/slides/slide24.xml><?xml version="1.0" encoding="utf-8"?>
+<file path=ppt/slides/slide23.xml><?xml version="1.0" encoding="utf-8"?>
 <p:sld xmlns:a="http://schemas.openxmlformats.org/drawingml/2006/main" xmlns:r="http://schemas.openxmlformats.org/officeDocument/2006/relationships" xmlns:p="http://schemas.openxmlformats.org/presentationml/2006/main">
   <p:cSld>
     <p:spTree>
@@ -27283,7 +27833,7 @@
             <a:fld id="{18D65601-5AE2-46FC-B138-694DDD2B510D}" type="slidenum">
               <a:rPr lang="en-US" sz="1800" smtClean="0"/>
               <a:pPr/>
-              <a:t>24</a:t>
+              <a:t>23</a:t>
             </a:fld>
             <a:endParaRPr lang="en-US" sz="1800" dirty="0"/>
           </a:p>
@@ -27572,10 +28122,623 @@
           </a:p>
         </p:txBody>
       </p:sp>
+      <p:sp>
+        <p:nvSpPr>
+          <p:cNvPr id="8" name="Footer Placeholder 4">
+            <a:extLst>
+              <a:ext uri="{FF2B5EF4-FFF2-40B4-BE49-F238E27FC236}">
+                <a16:creationId xmlns:a16="http://schemas.microsoft.com/office/drawing/2014/main" id="{73EC9E76-B75B-718C-134C-E4D2380B7BC1}"/>
+              </a:ext>
+            </a:extLst>
+          </p:cNvPr>
+          <p:cNvSpPr txBox="1">
+            <a:spLocks/>
+          </p:cNvSpPr>
+          <p:nvPr/>
+        </p:nvSpPr>
+        <p:spPr>
+          <a:xfrm>
+            <a:off x="10180722" y="285844"/>
+            <a:ext cx="1122680" cy="341555"/>
+          </a:xfrm>
+          <a:prstGeom prst="rect">
+            <a:avLst/>
+          </a:prstGeom>
+        </p:spPr>
+        <p:txBody>
+          <a:bodyPr vert="horz" lIns="91440" tIns="45720" rIns="91440" bIns="45720" rtlCol="0" anchor="ctr"/>
+          <a:lstStyle>
+            <a:defPPr>
+              <a:defRPr lang="en-US"/>
+            </a:defPPr>
+            <a:lvl1pPr marL="0" algn="ctr" defTabSz="914400" rtl="0" eaLnBrk="1" latinLnBrk="0" hangingPunct="1">
+              <a:defRPr sz="900" b="0" kern="1200" cap="all" spc="150" baseline="0">
+                <a:solidFill>
+                  <a:schemeClr val="bg2">
+                    <a:lumMod val="50000"/>
+                  </a:schemeClr>
+                </a:solidFill>
+                <a:latin typeface="Univers Light" panose="020B0403020202020204" pitchFamily="34" charset="0"/>
+                <a:ea typeface="+mn-ea"/>
+                <a:cs typeface="+mn-cs"/>
+              </a:defRPr>
+            </a:lvl1pPr>
+            <a:lvl2pPr marL="457200" algn="l" defTabSz="914400" rtl="0" eaLnBrk="1" latinLnBrk="0" hangingPunct="1">
+              <a:defRPr sz="1800" kern="1200">
+                <a:solidFill>
+                  <a:schemeClr val="tx1"/>
+                </a:solidFill>
+                <a:latin typeface="+mn-lt"/>
+                <a:ea typeface="+mn-ea"/>
+                <a:cs typeface="+mn-cs"/>
+              </a:defRPr>
+            </a:lvl2pPr>
+            <a:lvl3pPr marL="914400" algn="l" defTabSz="914400" rtl="0" eaLnBrk="1" latinLnBrk="0" hangingPunct="1">
+              <a:defRPr sz="1800" kern="1200">
+                <a:solidFill>
+                  <a:schemeClr val="tx1"/>
+                </a:solidFill>
+                <a:latin typeface="+mn-lt"/>
+                <a:ea typeface="+mn-ea"/>
+                <a:cs typeface="+mn-cs"/>
+              </a:defRPr>
+            </a:lvl3pPr>
+            <a:lvl4pPr marL="1371600" algn="l" defTabSz="914400" rtl="0" eaLnBrk="1" latinLnBrk="0" hangingPunct="1">
+              <a:defRPr sz="1800" kern="1200">
+                <a:solidFill>
+                  <a:schemeClr val="tx1"/>
+                </a:solidFill>
+                <a:latin typeface="+mn-lt"/>
+                <a:ea typeface="+mn-ea"/>
+                <a:cs typeface="+mn-cs"/>
+              </a:defRPr>
+            </a:lvl4pPr>
+            <a:lvl5pPr marL="1828800" algn="l" defTabSz="914400" rtl="0" eaLnBrk="1" latinLnBrk="0" hangingPunct="1">
+              <a:defRPr sz="1800" kern="1200">
+                <a:solidFill>
+                  <a:schemeClr val="tx1"/>
+                </a:solidFill>
+                <a:latin typeface="+mn-lt"/>
+                <a:ea typeface="+mn-ea"/>
+                <a:cs typeface="+mn-cs"/>
+              </a:defRPr>
+            </a:lvl5pPr>
+            <a:lvl6pPr marL="2286000" algn="l" defTabSz="914400" rtl="0" eaLnBrk="1" latinLnBrk="0" hangingPunct="1">
+              <a:defRPr sz="1800" kern="1200">
+                <a:solidFill>
+                  <a:schemeClr val="tx1"/>
+                </a:solidFill>
+                <a:latin typeface="+mn-lt"/>
+                <a:ea typeface="+mn-ea"/>
+                <a:cs typeface="+mn-cs"/>
+              </a:defRPr>
+            </a:lvl6pPr>
+            <a:lvl7pPr marL="2743200" algn="l" defTabSz="914400" rtl="0" eaLnBrk="1" latinLnBrk="0" hangingPunct="1">
+              <a:defRPr sz="1800" kern="1200">
+                <a:solidFill>
+                  <a:schemeClr val="tx1"/>
+                </a:solidFill>
+                <a:latin typeface="+mn-lt"/>
+                <a:ea typeface="+mn-ea"/>
+                <a:cs typeface="+mn-cs"/>
+              </a:defRPr>
+            </a:lvl7pPr>
+            <a:lvl8pPr marL="3200400" algn="l" defTabSz="914400" rtl="0" eaLnBrk="1" latinLnBrk="0" hangingPunct="1">
+              <a:defRPr sz="1800" kern="1200">
+                <a:solidFill>
+                  <a:schemeClr val="tx1"/>
+                </a:solidFill>
+                <a:latin typeface="+mn-lt"/>
+                <a:ea typeface="+mn-ea"/>
+                <a:cs typeface="+mn-cs"/>
+              </a:defRPr>
+            </a:lvl8pPr>
+            <a:lvl9pPr marL="3657600" algn="l" defTabSz="914400" rtl="0" eaLnBrk="1" latinLnBrk="0" hangingPunct="1">
+              <a:defRPr sz="1800" kern="1200">
+                <a:solidFill>
+                  <a:schemeClr val="tx1"/>
+                </a:solidFill>
+                <a:latin typeface="+mn-lt"/>
+                <a:ea typeface="+mn-ea"/>
+                <a:cs typeface="+mn-cs"/>
+              </a:defRPr>
+            </a:lvl9pPr>
+          </a:lstStyle>
+          <a:p>
+            <a:pPr algn="r">
+              <a:lnSpc>
+                <a:spcPct val="150000"/>
+              </a:lnSpc>
+            </a:pPr>
+            <a:r>
+              <a:rPr lang="pt-PT" sz="800" dirty="0"/>
+              <a:t>12/09/2024</a:t>
+            </a:r>
+          </a:p>
+        </p:txBody>
+      </p:sp>
     </p:spTree>
     <p:extLst>
       <p:ext uri="{BB962C8B-B14F-4D97-AF65-F5344CB8AC3E}">
         <p14:creationId xmlns:p14="http://schemas.microsoft.com/office/powerpoint/2010/main" val="725260203"/>
+      </p:ext>
+    </p:extLst>
+  </p:cSld>
+  <p:clrMapOvr>
+    <a:masterClrMapping/>
+  </p:clrMapOvr>
+</p:sld>
+</file>
+
+<file path=ppt/slides/slide24.xml><?xml version="1.0" encoding="utf-8"?>
+<p:sld xmlns:a="http://schemas.openxmlformats.org/drawingml/2006/main" xmlns:r="http://schemas.openxmlformats.org/officeDocument/2006/relationships" xmlns:p="http://schemas.openxmlformats.org/presentationml/2006/main">
+  <p:cSld>
+    <p:spTree>
+      <p:nvGrpSpPr>
+        <p:cNvPr id="1" name=""/>
+        <p:cNvGrpSpPr/>
+        <p:nvPr/>
+      </p:nvGrpSpPr>
+      <p:grpSpPr>
+        <a:xfrm>
+          <a:off x="0" y="0"/>
+          <a:ext cx="0" cy="0"/>
+          <a:chOff x="0" y="0"/>
+          <a:chExt cx="0" cy="0"/>
+        </a:xfrm>
+      </p:grpSpPr>
+      <p:sp>
+        <p:nvSpPr>
+          <p:cNvPr id="4" name="Slide Number Placeholder 3">
+            <a:extLst>
+              <a:ext uri="{FF2B5EF4-FFF2-40B4-BE49-F238E27FC236}">
+                <a16:creationId xmlns:a16="http://schemas.microsoft.com/office/drawing/2014/main" id="{527C964F-E2D5-D8E7-C513-C47A7E409DF3}"/>
+              </a:ext>
+            </a:extLst>
+          </p:cNvPr>
+          <p:cNvSpPr>
+            <a:spLocks noGrp="1"/>
+          </p:cNvSpPr>
+          <p:nvPr>
+            <p:ph type="sldNum" sz="quarter" idx="15"/>
+          </p:nvPr>
+        </p:nvSpPr>
+        <p:spPr/>
+        <p:txBody>
+          <a:bodyPr/>
+          <a:lstStyle/>
+          <a:p>
+            <a:fld id="{18D65601-5AE2-46FC-B138-694DDD2B510D}" type="slidenum">
+              <a:rPr lang="en-US" sz="1800" smtClean="0"/>
+              <a:pPr/>
+              <a:t>24</a:t>
+            </a:fld>
+            <a:endParaRPr lang="en-US" sz="1800" dirty="0"/>
+          </a:p>
+        </p:txBody>
+      </p:sp>
+      <p:sp>
+        <p:nvSpPr>
+          <p:cNvPr id="6" name="Footer Placeholder 4">
+            <a:extLst>
+              <a:ext uri="{FF2B5EF4-FFF2-40B4-BE49-F238E27FC236}">
+                <a16:creationId xmlns:a16="http://schemas.microsoft.com/office/drawing/2014/main" id="{0D821BC6-79CF-66F1-F00C-E2213C505826}"/>
+              </a:ext>
+            </a:extLst>
+          </p:cNvPr>
+          <p:cNvSpPr txBox="1">
+            <a:spLocks/>
+          </p:cNvSpPr>
+          <p:nvPr/>
+        </p:nvSpPr>
+        <p:spPr>
+          <a:xfrm>
+            <a:off x="4038600" y="6333565"/>
+            <a:ext cx="4114800" cy="365125"/>
+          </a:xfrm>
+          <a:prstGeom prst="rect">
+            <a:avLst/>
+          </a:prstGeom>
+        </p:spPr>
+        <p:txBody>
+          <a:bodyPr vert="horz" lIns="91440" tIns="45720" rIns="91440" bIns="45720" rtlCol="0" anchor="ctr"/>
+          <a:lstStyle>
+            <a:defPPr>
+              <a:defRPr lang="en-US"/>
+            </a:defPPr>
+            <a:lvl1pPr marL="0" algn="ctr" defTabSz="914400" rtl="0" eaLnBrk="1" latinLnBrk="0" hangingPunct="1">
+              <a:defRPr sz="900" b="0" kern="1200" cap="all" spc="150" baseline="0">
+                <a:solidFill>
+                  <a:schemeClr val="bg2">
+                    <a:lumMod val="50000"/>
+                  </a:schemeClr>
+                </a:solidFill>
+                <a:latin typeface="Univers Light" panose="020B0403020202020204" pitchFamily="34" charset="0"/>
+                <a:ea typeface="+mn-ea"/>
+                <a:cs typeface="+mn-cs"/>
+              </a:defRPr>
+            </a:lvl1pPr>
+            <a:lvl2pPr marL="457200" algn="l" defTabSz="914400" rtl="0" eaLnBrk="1" latinLnBrk="0" hangingPunct="1">
+              <a:defRPr sz="1800" kern="1200">
+                <a:solidFill>
+                  <a:schemeClr val="tx1"/>
+                </a:solidFill>
+                <a:latin typeface="+mn-lt"/>
+                <a:ea typeface="+mn-ea"/>
+                <a:cs typeface="+mn-cs"/>
+              </a:defRPr>
+            </a:lvl2pPr>
+            <a:lvl3pPr marL="914400" algn="l" defTabSz="914400" rtl="0" eaLnBrk="1" latinLnBrk="0" hangingPunct="1">
+              <a:defRPr sz="1800" kern="1200">
+                <a:solidFill>
+                  <a:schemeClr val="tx1"/>
+                </a:solidFill>
+                <a:latin typeface="+mn-lt"/>
+                <a:ea typeface="+mn-ea"/>
+                <a:cs typeface="+mn-cs"/>
+              </a:defRPr>
+            </a:lvl3pPr>
+            <a:lvl4pPr marL="1371600" algn="l" defTabSz="914400" rtl="0" eaLnBrk="1" latinLnBrk="0" hangingPunct="1">
+              <a:defRPr sz="1800" kern="1200">
+                <a:solidFill>
+                  <a:schemeClr val="tx1"/>
+                </a:solidFill>
+                <a:latin typeface="+mn-lt"/>
+                <a:ea typeface="+mn-ea"/>
+                <a:cs typeface="+mn-cs"/>
+              </a:defRPr>
+            </a:lvl4pPr>
+            <a:lvl5pPr marL="1828800" algn="l" defTabSz="914400" rtl="0" eaLnBrk="1" latinLnBrk="0" hangingPunct="1">
+              <a:defRPr sz="1800" kern="1200">
+                <a:solidFill>
+                  <a:schemeClr val="tx1"/>
+                </a:solidFill>
+                <a:latin typeface="+mn-lt"/>
+                <a:ea typeface="+mn-ea"/>
+                <a:cs typeface="+mn-cs"/>
+              </a:defRPr>
+            </a:lvl5pPr>
+            <a:lvl6pPr marL="2286000" algn="l" defTabSz="914400" rtl="0" eaLnBrk="1" latinLnBrk="0" hangingPunct="1">
+              <a:defRPr sz="1800" kern="1200">
+                <a:solidFill>
+                  <a:schemeClr val="tx1"/>
+                </a:solidFill>
+                <a:latin typeface="+mn-lt"/>
+                <a:ea typeface="+mn-ea"/>
+                <a:cs typeface="+mn-cs"/>
+              </a:defRPr>
+            </a:lvl6pPr>
+            <a:lvl7pPr marL="2743200" algn="l" defTabSz="914400" rtl="0" eaLnBrk="1" latinLnBrk="0" hangingPunct="1">
+              <a:defRPr sz="1800" kern="1200">
+                <a:solidFill>
+                  <a:schemeClr val="tx1"/>
+                </a:solidFill>
+                <a:latin typeface="+mn-lt"/>
+                <a:ea typeface="+mn-ea"/>
+                <a:cs typeface="+mn-cs"/>
+              </a:defRPr>
+            </a:lvl7pPr>
+            <a:lvl8pPr marL="3200400" algn="l" defTabSz="914400" rtl="0" eaLnBrk="1" latinLnBrk="0" hangingPunct="1">
+              <a:defRPr sz="1800" kern="1200">
+                <a:solidFill>
+                  <a:schemeClr val="tx1"/>
+                </a:solidFill>
+                <a:latin typeface="+mn-lt"/>
+                <a:ea typeface="+mn-ea"/>
+                <a:cs typeface="+mn-cs"/>
+              </a:defRPr>
+            </a:lvl8pPr>
+            <a:lvl9pPr marL="3657600" algn="l" defTabSz="914400" rtl="0" eaLnBrk="1" latinLnBrk="0" hangingPunct="1">
+              <a:defRPr sz="1800" kern="1200">
+                <a:solidFill>
+                  <a:schemeClr val="tx1"/>
+                </a:solidFill>
+                <a:latin typeface="+mn-lt"/>
+                <a:ea typeface="+mn-ea"/>
+                <a:cs typeface="+mn-cs"/>
+              </a:defRPr>
+            </a:lvl9pPr>
+          </a:lstStyle>
+          <a:p>
+            <a:pPr>
+              <a:lnSpc>
+                <a:spcPct val="150000"/>
+              </a:lnSpc>
+            </a:pPr>
+            <a:r>
+              <a:rPr lang="pt-PT" sz="800" dirty="0"/>
+              <a:t>Ai driving classification</a:t>
+            </a:r>
+          </a:p>
+          <a:p>
+            <a:pPr>
+              <a:lnSpc>
+                <a:spcPct val="150000"/>
+              </a:lnSpc>
+            </a:pPr>
+            <a:r>
+              <a:rPr lang="pt-PT" sz="800" dirty="0"/>
+              <a:t>Alberto pingo | joão castro</a:t>
+            </a:r>
+          </a:p>
+        </p:txBody>
+      </p:sp>
+      <p:pic>
+        <p:nvPicPr>
+          <p:cNvPr id="7" name="Picture 6" descr="A black background with a black square&#10;&#10;Description automatically generated with medium confidence">
+            <a:extLst>
+              <a:ext uri="{FF2B5EF4-FFF2-40B4-BE49-F238E27FC236}">
+                <a16:creationId xmlns:a16="http://schemas.microsoft.com/office/drawing/2014/main" id="{05200A96-EEA7-9B7D-506A-BF4FE113C176}"/>
+              </a:ext>
+            </a:extLst>
+          </p:cNvPr>
+          <p:cNvPicPr>
+            <a:picLocks noChangeAspect="1"/>
+          </p:cNvPicPr>
+          <p:nvPr/>
+        </p:nvPicPr>
+        <p:blipFill>
+          <a:blip r:embed="rId3">
+            <a:alphaModFix amt="70000"/>
+            <a:extLst>
+              <a:ext uri="{28A0092B-C50C-407E-A947-70E740481C1C}">
+                <a14:useLocalDpi xmlns:a14="http://schemas.microsoft.com/office/drawing/2010/main" val="0"/>
+              </a:ext>
+            </a:extLst>
+          </a:blip>
+          <a:stretch>
+            <a:fillRect/>
+          </a:stretch>
+        </p:blipFill>
+        <p:spPr>
+          <a:xfrm>
+            <a:off x="10582445" y="5985436"/>
+            <a:ext cx="1441915" cy="568239"/>
+          </a:xfrm>
+          <a:prstGeom prst="rect">
+            <a:avLst/>
+          </a:prstGeom>
+        </p:spPr>
+      </p:pic>
+      <p:sp>
+        <p:nvSpPr>
+          <p:cNvPr id="2" name="Title 1">
+            <a:extLst>
+              <a:ext uri="{FF2B5EF4-FFF2-40B4-BE49-F238E27FC236}">
+                <a16:creationId xmlns:a16="http://schemas.microsoft.com/office/drawing/2014/main" id="{4662EDDE-6B1A-D0AC-F9F2-C67719C36532}"/>
+              </a:ext>
+            </a:extLst>
+          </p:cNvPr>
+          <p:cNvSpPr>
+            <a:spLocks noGrp="1"/>
+          </p:cNvSpPr>
+          <p:nvPr>
+            <p:ph type="title"/>
+          </p:nvPr>
+        </p:nvSpPr>
+        <p:spPr>
+          <a:xfrm>
+            <a:off x="1520662" y="252034"/>
+            <a:ext cx="9753890" cy="409176"/>
+          </a:xfrm>
+        </p:spPr>
+        <p:txBody>
+          <a:bodyPr>
+            <a:normAutofit fontScale="90000"/>
+          </a:bodyPr>
+          <a:lstStyle/>
+          <a:p>
+            <a:r>
+              <a:rPr lang="pt-PT" i="1" dirty="0"/>
+              <a:t>Segunda Abordagem - Processamento de dados</a:t>
+            </a:r>
+          </a:p>
+        </p:txBody>
+      </p:sp>
+      <p:pic>
+        <p:nvPicPr>
+          <p:cNvPr id="12" name="Picture 11" descr="A diagram of a company&#10;&#10;Description automatically generated">
+            <a:extLst>
+              <a:ext uri="{FF2B5EF4-FFF2-40B4-BE49-F238E27FC236}">
+                <a16:creationId xmlns:a16="http://schemas.microsoft.com/office/drawing/2014/main" id="{B7EA3BDE-D73D-4709-FEC7-62AC412636BA}"/>
+              </a:ext>
+            </a:extLst>
+          </p:cNvPr>
+          <p:cNvPicPr>
+            <a:picLocks noChangeAspect="1"/>
+          </p:cNvPicPr>
+          <p:nvPr/>
+        </p:nvPicPr>
+        <p:blipFill>
+          <a:blip r:embed="rId4"/>
+          <a:srcRect t="50422"/>
+          <a:stretch/>
+        </p:blipFill>
+        <p:spPr>
+          <a:xfrm>
+            <a:off x="3561063" y="1022116"/>
+            <a:ext cx="5069874" cy="4813768"/>
+          </a:xfrm>
+          <a:prstGeom prst="rect">
+            <a:avLst/>
+          </a:prstGeom>
+        </p:spPr>
+      </p:pic>
+      <p:sp>
+        <p:nvSpPr>
+          <p:cNvPr id="3" name="TextBox 2">
+            <a:extLst>
+              <a:ext uri="{FF2B5EF4-FFF2-40B4-BE49-F238E27FC236}">
+                <a16:creationId xmlns:a16="http://schemas.microsoft.com/office/drawing/2014/main" id="{DB5F8290-A4BF-04D8-9A51-C12E3F9C244A}"/>
+              </a:ext>
+            </a:extLst>
+          </p:cNvPr>
+          <p:cNvSpPr txBox="1"/>
+          <p:nvPr/>
+        </p:nvSpPr>
+        <p:spPr>
+          <a:xfrm>
+            <a:off x="3606826" y="5867529"/>
+            <a:ext cx="4978348" cy="246221"/>
+          </a:xfrm>
+          <a:prstGeom prst="rect">
+            <a:avLst/>
+          </a:prstGeom>
+          <a:noFill/>
+        </p:spPr>
+        <p:txBody>
+          <a:bodyPr wrap="square" rtlCol="0">
+            <a:spAutoFit/>
+          </a:bodyPr>
+          <a:lstStyle/>
+          <a:p>
+            <a:pPr algn="ctr"/>
+            <a:r>
+              <a:rPr lang="pt-PT" sz="1000" dirty="0"/>
+              <a:t>Etapas de processamento de dados da segunda abordagem.</a:t>
+            </a:r>
+          </a:p>
+        </p:txBody>
+      </p:sp>
+      <p:sp>
+        <p:nvSpPr>
+          <p:cNvPr id="8" name="Footer Placeholder 4">
+            <a:extLst>
+              <a:ext uri="{FF2B5EF4-FFF2-40B4-BE49-F238E27FC236}">
+                <a16:creationId xmlns:a16="http://schemas.microsoft.com/office/drawing/2014/main" id="{27CB7CF8-DF47-56A5-1859-5953A3CE016F}"/>
+              </a:ext>
+            </a:extLst>
+          </p:cNvPr>
+          <p:cNvSpPr txBox="1">
+            <a:spLocks/>
+          </p:cNvSpPr>
+          <p:nvPr/>
+        </p:nvSpPr>
+        <p:spPr>
+          <a:xfrm>
+            <a:off x="10180722" y="285844"/>
+            <a:ext cx="1122680" cy="341555"/>
+          </a:xfrm>
+          <a:prstGeom prst="rect">
+            <a:avLst/>
+          </a:prstGeom>
+        </p:spPr>
+        <p:txBody>
+          <a:bodyPr vert="horz" lIns="91440" tIns="45720" rIns="91440" bIns="45720" rtlCol="0" anchor="ctr"/>
+          <a:lstStyle>
+            <a:defPPr>
+              <a:defRPr lang="en-US"/>
+            </a:defPPr>
+            <a:lvl1pPr marL="0" algn="ctr" defTabSz="914400" rtl="0" eaLnBrk="1" latinLnBrk="0" hangingPunct="1">
+              <a:defRPr sz="900" b="0" kern="1200" cap="all" spc="150" baseline="0">
+                <a:solidFill>
+                  <a:schemeClr val="bg2">
+                    <a:lumMod val="50000"/>
+                  </a:schemeClr>
+                </a:solidFill>
+                <a:latin typeface="Univers Light" panose="020B0403020202020204" pitchFamily="34" charset="0"/>
+                <a:ea typeface="+mn-ea"/>
+                <a:cs typeface="+mn-cs"/>
+              </a:defRPr>
+            </a:lvl1pPr>
+            <a:lvl2pPr marL="457200" algn="l" defTabSz="914400" rtl="0" eaLnBrk="1" latinLnBrk="0" hangingPunct="1">
+              <a:defRPr sz="1800" kern="1200">
+                <a:solidFill>
+                  <a:schemeClr val="tx1"/>
+                </a:solidFill>
+                <a:latin typeface="+mn-lt"/>
+                <a:ea typeface="+mn-ea"/>
+                <a:cs typeface="+mn-cs"/>
+              </a:defRPr>
+            </a:lvl2pPr>
+            <a:lvl3pPr marL="914400" algn="l" defTabSz="914400" rtl="0" eaLnBrk="1" latinLnBrk="0" hangingPunct="1">
+              <a:defRPr sz="1800" kern="1200">
+                <a:solidFill>
+                  <a:schemeClr val="tx1"/>
+                </a:solidFill>
+                <a:latin typeface="+mn-lt"/>
+                <a:ea typeface="+mn-ea"/>
+                <a:cs typeface="+mn-cs"/>
+              </a:defRPr>
+            </a:lvl3pPr>
+            <a:lvl4pPr marL="1371600" algn="l" defTabSz="914400" rtl="0" eaLnBrk="1" latinLnBrk="0" hangingPunct="1">
+              <a:defRPr sz="1800" kern="1200">
+                <a:solidFill>
+                  <a:schemeClr val="tx1"/>
+                </a:solidFill>
+                <a:latin typeface="+mn-lt"/>
+                <a:ea typeface="+mn-ea"/>
+                <a:cs typeface="+mn-cs"/>
+              </a:defRPr>
+            </a:lvl4pPr>
+            <a:lvl5pPr marL="1828800" algn="l" defTabSz="914400" rtl="0" eaLnBrk="1" latinLnBrk="0" hangingPunct="1">
+              <a:defRPr sz="1800" kern="1200">
+                <a:solidFill>
+                  <a:schemeClr val="tx1"/>
+                </a:solidFill>
+                <a:latin typeface="+mn-lt"/>
+                <a:ea typeface="+mn-ea"/>
+                <a:cs typeface="+mn-cs"/>
+              </a:defRPr>
+            </a:lvl5pPr>
+            <a:lvl6pPr marL="2286000" algn="l" defTabSz="914400" rtl="0" eaLnBrk="1" latinLnBrk="0" hangingPunct="1">
+              <a:defRPr sz="1800" kern="1200">
+                <a:solidFill>
+                  <a:schemeClr val="tx1"/>
+                </a:solidFill>
+                <a:latin typeface="+mn-lt"/>
+                <a:ea typeface="+mn-ea"/>
+                <a:cs typeface="+mn-cs"/>
+              </a:defRPr>
+            </a:lvl6pPr>
+            <a:lvl7pPr marL="2743200" algn="l" defTabSz="914400" rtl="0" eaLnBrk="1" latinLnBrk="0" hangingPunct="1">
+              <a:defRPr sz="1800" kern="1200">
+                <a:solidFill>
+                  <a:schemeClr val="tx1"/>
+                </a:solidFill>
+                <a:latin typeface="+mn-lt"/>
+                <a:ea typeface="+mn-ea"/>
+                <a:cs typeface="+mn-cs"/>
+              </a:defRPr>
+            </a:lvl7pPr>
+            <a:lvl8pPr marL="3200400" algn="l" defTabSz="914400" rtl="0" eaLnBrk="1" latinLnBrk="0" hangingPunct="1">
+              <a:defRPr sz="1800" kern="1200">
+                <a:solidFill>
+                  <a:schemeClr val="tx1"/>
+                </a:solidFill>
+                <a:latin typeface="+mn-lt"/>
+                <a:ea typeface="+mn-ea"/>
+                <a:cs typeface="+mn-cs"/>
+              </a:defRPr>
+            </a:lvl8pPr>
+            <a:lvl9pPr marL="3657600" algn="l" defTabSz="914400" rtl="0" eaLnBrk="1" latinLnBrk="0" hangingPunct="1">
+              <a:defRPr sz="1800" kern="1200">
+                <a:solidFill>
+                  <a:schemeClr val="tx1"/>
+                </a:solidFill>
+                <a:latin typeface="+mn-lt"/>
+                <a:ea typeface="+mn-ea"/>
+                <a:cs typeface="+mn-cs"/>
+              </a:defRPr>
+            </a:lvl9pPr>
+          </a:lstStyle>
+          <a:p>
+            <a:pPr algn="r">
+              <a:lnSpc>
+                <a:spcPct val="150000"/>
+              </a:lnSpc>
+            </a:pPr>
+            <a:r>
+              <a:rPr lang="pt-PT" sz="800" dirty="0"/>
+              <a:t>12/09/2024</a:t>
+            </a:r>
+          </a:p>
+        </p:txBody>
+      </p:sp>
+    </p:spTree>
+    <p:extLst>
+      <p:ext uri="{BB962C8B-B14F-4D97-AF65-F5344CB8AC3E}">
+        <p14:creationId xmlns:p14="http://schemas.microsoft.com/office/powerpoint/2010/main" val="868537791"/>
       </p:ext>
     </p:extLst>
   </p:cSld>
@@ -27845,349 +29008,6 @@
           <a:p>
             <a:r>
               <a:rPr lang="pt-PT" i="1" dirty="0"/>
-              <a:t>Segunda Abordagem - Processamento de dados</a:t>
-            </a:r>
-          </a:p>
-        </p:txBody>
-      </p:sp>
-      <p:pic>
-        <p:nvPicPr>
-          <p:cNvPr id="12" name="Picture 11" descr="A diagram of a company&#10;&#10;Description automatically generated">
-            <a:extLst>
-              <a:ext uri="{FF2B5EF4-FFF2-40B4-BE49-F238E27FC236}">
-                <a16:creationId xmlns:a16="http://schemas.microsoft.com/office/drawing/2014/main" id="{B7EA3BDE-D73D-4709-FEC7-62AC412636BA}"/>
-              </a:ext>
-            </a:extLst>
-          </p:cNvPr>
-          <p:cNvPicPr>
-            <a:picLocks noChangeAspect="1"/>
-          </p:cNvPicPr>
-          <p:nvPr/>
-        </p:nvPicPr>
-        <p:blipFill>
-          <a:blip r:embed="rId4"/>
-          <a:srcRect t="50422"/>
-          <a:stretch/>
-        </p:blipFill>
-        <p:spPr>
-          <a:xfrm>
-            <a:off x="3561063" y="1022116"/>
-            <a:ext cx="5069874" cy="4813768"/>
-          </a:xfrm>
-          <a:prstGeom prst="rect">
-            <a:avLst/>
-          </a:prstGeom>
-        </p:spPr>
-      </p:pic>
-      <p:sp>
-        <p:nvSpPr>
-          <p:cNvPr id="3" name="TextBox 2">
-            <a:extLst>
-              <a:ext uri="{FF2B5EF4-FFF2-40B4-BE49-F238E27FC236}">
-                <a16:creationId xmlns:a16="http://schemas.microsoft.com/office/drawing/2014/main" id="{DB5F8290-A4BF-04D8-9A51-C12E3F9C244A}"/>
-              </a:ext>
-            </a:extLst>
-          </p:cNvPr>
-          <p:cNvSpPr txBox="1"/>
-          <p:nvPr/>
-        </p:nvSpPr>
-        <p:spPr>
-          <a:xfrm>
-            <a:off x="3606826" y="5867529"/>
-            <a:ext cx="4978348" cy="246221"/>
-          </a:xfrm>
-          <a:prstGeom prst="rect">
-            <a:avLst/>
-          </a:prstGeom>
-          <a:noFill/>
-        </p:spPr>
-        <p:txBody>
-          <a:bodyPr wrap="square" rtlCol="0">
-            <a:spAutoFit/>
-          </a:bodyPr>
-          <a:lstStyle/>
-          <a:p>
-            <a:pPr algn="ctr"/>
-            <a:r>
-              <a:rPr lang="pt-PT" sz="1000" dirty="0"/>
-              <a:t>Etapas de processamento de dados da segunda abordagem.</a:t>
-            </a:r>
-          </a:p>
-        </p:txBody>
-      </p:sp>
-    </p:spTree>
-    <p:extLst>
-      <p:ext uri="{BB962C8B-B14F-4D97-AF65-F5344CB8AC3E}">
-        <p14:creationId xmlns:p14="http://schemas.microsoft.com/office/powerpoint/2010/main" val="868537791"/>
-      </p:ext>
-    </p:extLst>
-  </p:cSld>
-  <p:clrMapOvr>
-    <a:masterClrMapping/>
-  </p:clrMapOvr>
-</p:sld>
-</file>
-
-<file path=ppt/slides/slide26.xml><?xml version="1.0" encoding="utf-8"?>
-<p:sld xmlns:a="http://schemas.openxmlformats.org/drawingml/2006/main" xmlns:r="http://schemas.openxmlformats.org/officeDocument/2006/relationships" xmlns:p="http://schemas.openxmlformats.org/presentationml/2006/main">
-  <p:cSld>
-    <p:spTree>
-      <p:nvGrpSpPr>
-        <p:cNvPr id="1" name=""/>
-        <p:cNvGrpSpPr/>
-        <p:nvPr/>
-      </p:nvGrpSpPr>
-      <p:grpSpPr>
-        <a:xfrm>
-          <a:off x="0" y="0"/>
-          <a:ext cx="0" cy="0"/>
-          <a:chOff x="0" y="0"/>
-          <a:chExt cx="0" cy="0"/>
-        </a:xfrm>
-      </p:grpSpPr>
-      <p:sp>
-        <p:nvSpPr>
-          <p:cNvPr id="4" name="Slide Number Placeholder 3">
-            <a:extLst>
-              <a:ext uri="{FF2B5EF4-FFF2-40B4-BE49-F238E27FC236}">
-                <a16:creationId xmlns:a16="http://schemas.microsoft.com/office/drawing/2014/main" id="{527C964F-E2D5-D8E7-C513-C47A7E409DF3}"/>
-              </a:ext>
-            </a:extLst>
-          </p:cNvPr>
-          <p:cNvSpPr>
-            <a:spLocks noGrp="1"/>
-          </p:cNvSpPr>
-          <p:nvPr>
-            <p:ph type="sldNum" sz="quarter" idx="15"/>
-          </p:nvPr>
-        </p:nvSpPr>
-        <p:spPr/>
-        <p:txBody>
-          <a:bodyPr/>
-          <a:lstStyle/>
-          <a:p>
-            <a:fld id="{18D65601-5AE2-46FC-B138-694DDD2B510D}" type="slidenum">
-              <a:rPr lang="en-US" sz="1800" smtClean="0"/>
-              <a:pPr/>
-              <a:t>26</a:t>
-            </a:fld>
-            <a:endParaRPr lang="en-US" sz="1800" dirty="0"/>
-          </a:p>
-        </p:txBody>
-      </p:sp>
-      <p:sp>
-        <p:nvSpPr>
-          <p:cNvPr id="6" name="Footer Placeholder 4">
-            <a:extLst>
-              <a:ext uri="{FF2B5EF4-FFF2-40B4-BE49-F238E27FC236}">
-                <a16:creationId xmlns:a16="http://schemas.microsoft.com/office/drawing/2014/main" id="{0D821BC6-79CF-66F1-F00C-E2213C505826}"/>
-              </a:ext>
-            </a:extLst>
-          </p:cNvPr>
-          <p:cNvSpPr txBox="1">
-            <a:spLocks/>
-          </p:cNvSpPr>
-          <p:nvPr/>
-        </p:nvSpPr>
-        <p:spPr>
-          <a:xfrm>
-            <a:off x="4038600" y="6333565"/>
-            <a:ext cx="4114800" cy="365125"/>
-          </a:xfrm>
-          <a:prstGeom prst="rect">
-            <a:avLst/>
-          </a:prstGeom>
-        </p:spPr>
-        <p:txBody>
-          <a:bodyPr vert="horz" lIns="91440" tIns="45720" rIns="91440" bIns="45720" rtlCol="0" anchor="ctr"/>
-          <a:lstStyle>
-            <a:defPPr>
-              <a:defRPr lang="en-US"/>
-            </a:defPPr>
-            <a:lvl1pPr marL="0" algn="ctr" defTabSz="914400" rtl="0" eaLnBrk="1" latinLnBrk="0" hangingPunct="1">
-              <a:defRPr sz="900" b="0" kern="1200" cap="all" spc="150" baseline="0">
-                <a:solidFill>
-                  <a:schemeClr val="bg2">
-                    <a:lumMod val="50000"/>
-                  </a:schemeClr>
-                </a:solidFill>
-                <a:latin typeface="Univers Light" panose="020B0403020202020204" pitchFamily="34" charset="0"/>
-                <a:ea typeface="+mn-ea"/>
-                <a:cs typeface="+mn-cs"/>
-              </a:defRPr>
-            </a:lvl1pPr>
-            <a:lvl2pPr marL="457200" algn="l" defTabSz="914400" rtl="0" eaLnBrk="1" latinLnBrk="0" hangingPunct="1">
-              <a:defRPr sz="1800" kern="1200">
-                <a:solidFill>
-                  <a:schemeClr val="tx1"/>
-                </a:solidFill>
-                <a:latin typeface="+mn-lt"/>
-                <a:ea typeface="+mn-ea"/>
-                <a:cs typeface="+mn-cs"/>
-              </a:defRPr>
-            </a:lvl2pPr>
-            <a:lvl3pPr marL="914400" algn="l" defTabSz="914400" rtl="0" eaLnBrk="1" latinLnBrk="0" hangingPunct="1">
-              <a:defRPr sz="1800" kern="1200">
-                <a:solidFill>
-                  <a:schemeClr val="tx1"/>
-                </a:solidFill>
-                <a:latin typeface="+mn-lt"/>
-                <a:ea typeface="+mn-ea"/>
-                <a:cs typeface="+mn-cs"/>
-              </a:defRPr>
-            </a:lvl3pPr>
-            <a:lvl4pPr marL="1371600" algn="l" defTabSz="914400" rtl="0" eaLnBrk="1" latinLnBrk="0" hangingPunct="1">
-              <a:defRPr sz="1800" kern="1200">
-                <a:solidFill>
-                  <a:schemeClr val="tx1"/>
-                </a:solidFill>
-                <a:latin typeface="+mn-lt"/>
-                <a:ea typeface="+mn-ea"/>
-                <a:cs typeface="+mn-cs"/>
-              </a:defRPr>
-            </a:lvl4pPr>
-            <a:lvl5pPr marL="1828800" algn="l" defTabSz="914400" rtl="0" eaLnBrk="1" latinLnBrk="0" hangingPunct="1">
-              <a:defRPr sz="1800" kern="1200">
-                <a:solidFill>
-                  <a:schemeClr val="tx1"/>
-                </a:solidFill>
-                <a:latin typeface="+mn-lt"/>
-                <a:ea typeface="+mn-ea"/>
-                <a:cs typeface="+mn-cs"/>
-              </a:defRPr>
-            </a:lvl5pPr>
-            <a:lvl6pPr marL="2286000" algn="l" defTabSz="914400" rtl="0" eaLnBrk="1" latinLnBrk="0" hangingPunct="1">
-              <a:defRPr sz="1800" kern="1200">
-                <a:solidFill>
-                  <a:schemeClr val="tx1"/>
-                </a:solidFill>
-                <a:latin typeface="+mn-lt"/>
-                <a:ea typeface="+mn-ea"/>
-                <a:cs typeface="+mn-cs"/>
-              </a:defRPr>
-            </a:lvl6pPr>
-            <a:lvl7pPr marL="2743200" algn="l" defTabSz="914400" rtl="0" eaLnBrk="1" latinLnBrk="0" hangingPunct="1">
-              <a:defRPr sz="1800" kern="1200">
-                <a:solidFill>
-                  <a:schemeClr val="tx1"/>
-                </a:solidFill>
-                <a:latin typeface="+mn-lt"/>
-                <a:ea typeface="+mn-ea"/>
-                <a:cs typeface="+mn-cs"/>
-              </a:defRPr>
-            </a:lvl7pPr>
-            <a:lvl8pPr marL="3200400" algn="l" defTabSz="914400" rtl="0" eaLnBrk="1" latinLnBrk="0" hangingPunct="1">
-              <a:defRPr sz="1800" kern="1200">
-                <a:solidFill>
-                  <a:schemeClr val="tx1"/>
-                </a:solidFill>
-                <a:latin typeface="+mn-lt"/>
-                <a:ea typeface="+mn-ea"/>
-                <a:cs typeface="+mn-cs"/>
-              </a:defRPr>
-            </a:lvl8pPr>
-            <a:lvl9pPr marL="3657600" algn="l" defTabSz="914400" rtl="0" eaLnBrk="1" latinLnBrk="0" hangingPunct="1">
-              <a:defRPr sz="1800" kern="1200">
-                <a:solidFill>
-                  <a:schemeClr val="tx1"/>
-                </a:solidFill>
-                <a:latin typeface="+mn-lt"/>
-                <a:ea typeface="+mn-ea"/>
-                <a:cs typeface="+mn-cs"/>
-              </a:defRPr>
-            </a:lvl9pPr>
-          </a:lstStyle>
-          <a:p>
-            <a:pPr>
-              <a:lnSpc>
-                <a:spcPct val="150000"/>
-              </a:lnSpc>
-            </a:pPr>
-            <a:r>
-              <a:rPr lang="pt-PT" sz="800" dirty="0"/>
-              <a:t>Ai driving classification</a:t>
-            </a:r>
-          </a:p>
-          <a:p>
-            <a:pPr>
-              <a:lnSpc>
-                <a:spcPct val="150000"/>
-              </a:lnSpc>
-            </a:pPr>
-            <a:r>
-              <a:rPr lang="pt-PT" sz="800" dirty="0"/>
-              <a:t>Alberto pingo | joão castro</a:t>
-            </a:r>
-          </a:p>
-        </p:txBody>
-      </p:sp>
-      <p:pic>
-        <p:nvPicPr>
-          <p:cNvPr id="7" name="Picture 6" descr="A black background with a black square&#10;&#10;Description automatically generated with medium confidence">
-            <a:extLst>
-              <a:ext uri="{FF2B5EF4-FFF2-40B4-BE49-F238E27FC236}">
-                <a16:creationId xmlns:a16="http://schemas.microsoft.com/office/drawing/2014/main" id="{05200A96-EEA7-9B7D-506A-BF4FE113C176}"/>
-              </a:ext>
-            </a:extLst>
-          </p:cNvPr>
-          <p:cNvPicPr>
-            <a:picLocks noChangeAspect="1"/>
-          </p:cNvPicPr>
-          <p:nvPr/>
-        </p:nvPicPr>
-        <p:blipFill>
-          <a:blip r:embed="rId3">
-            <a:alphaModFix amt="70000"/>
-            <a:extLst>
-              <a:ext uri="{28A0092B-C50C-407E-A947-70E740481C1C}">
-                <a14:useLocalDpi xmlns:a14="http://schemas.microsoft.com/office/drawing/2010/main" val="0"/>
-              </a:ext>
-            </a:extLst>
-          </a:blip>
-          <a:stretch>
-            <a:fillRect/>
-          </a:stretch>
-        </p:blipFill>
-        <p:spPr>
-          <a:xfrm>
-            <a:off x="10582445" y="5985436"/>
-            <a:ext cx="1441915" cy="568239"/>
-          </a:xfrm>
-          <a:prstGeom prst="rect">
-            <a:avLst/>
-          </a:prstGeom>
-        </p:spPr>
-      </p:pic>
-      <p:sp>
-        <p:nvSpPr>
-          <p:cNvPr id="2" name="Title 1">
-            <a:extLst>
-              <a:ext uri="{FF2B5EF4-FFF2-40B4-BE49-F238E27FC236}">
-                <a16:creationId xmlns:a16="http://schemas.microsoft.com/office/drawing/2014/main" id="{4662EDDE-6B1A-D0AC-F9F2-C67719C36532}"/>
-              </a:ext>
-            </a:extLst>
-          </p:cNvPr>
-          <p:cNvSpPr>
-            <a:spLocks noGrp="1"/>
-          </p:cNvSpPr>
-          <p:nvPr>
-            <p:ph type="title"/>
-          </p:nvPr>
-        </p:nvSpPr>
-        <p:spPr>
-          <a:xfrm>
-            <a:off x="1520662" y="252034"/>
-            <a:ext cx="9753890" cy="409176"/>
-          </a:xfrm>
-        </p:spPr>
-        <p:txBody>
-          <a:bodyPr>
-            <a:normAutofit fontScale="90000"/>
-          </a:bodyPr>
-          <a:lstStyle/>
-          <a:p>
-            <a:r>
-              <a:rPr lang="pt-PT" i="1" dirty="0"/>
               <a:t>Segunda Abordagem - Modelos</a:t>
             </a:r>
           </a:p>
@@ -28509,6 +29329,141 @@
             <a:r>
               <a:rPr lang="pt-PT" sz="1000" dirty="0"/>
               <a:t> LSTM da segunda abordagem.</a:t>
+            </a:r>
+          </a:p>
+        </p:txBody>
+      </p:sp>
+      <p:sp>
+        <p:nvSpPr>
+          <p:cNvPr id="5" name="Footer Placeholder 4">
+            <a:extLst>
+              <a:ext uri="{FF2B5EF4-FFF2-40B4-BE49-F238E27FC236}">
+                <a16:creationId xmlns:a16="http://schemas.microsoft.com/office/drawing/2014/main" id="{E865994C-4E80-AA1E-2C72-C0D25DC87902}"/>
+              </a:ext>
+            </a:extLst>
+          </p:cNvPr>
+          <p:cNvSpPr txBox="1">
+            <a:spLocks/>
+          </p:cNvSpPr>
+          <p:nvPr/>
+        </p:nvSpPr>
+        <p:spPr>
+          <a:xfrm>
+            <a:off x="10180722" y="285844"/>
+            <a:ext cx="1122680" cy="341555"/>
+          </a:xfrm>
+          <a:prstGeom prst="rect">
+            <a:avLst/>
+          </a:prstGeom>
+        </p:spPr>
+        <p:txBody>
+          <a:bodyPr vert="horz" lIns="91440" tIns="45720" rIns="91440" bIns="45720" rtlCol="0" anchor="ctr"/>
+          <a:lstStyle>
+            <a:defPPr>
+              <a:defRPr lang="en-US"/>
+            </a:defPPr>
+            <a:lvl1pPr marL="0" algn="ctr" defTabSz="914400" rtl="0" eaLnBrk="1" latinLnBrk="0" hangingPunct="1">
+              <a:defRPr sz="900" b="0" kern="1200" cap="all" spc="150" baseline="0">
+                <a:solidFill>
+                  <a:schemeClr val="bg2">
+                    <a:lumMod val="50000"/>
+                  </a:schemeClr>
+                </a:solidFill>
+                <a:latin typeface="Univers Light" panose="020B0403020202020204" pitchFamily="34" charset="0"/>
+                <a:ea typeface="+mn-ea"/>
+                <a:cs typeface="+mn-cs"/>
+              </a:defRPr>
+            </a:lvl1pPr>
+            <a:lvl2pPr marL="457200" algn="l" defTabSz="914400" rtl="0" eaLnBrk="1" latinLnBrk="0" hangingPunct="1">
+              <a:defRPr sz="1800" kern="1200">
+                <a:solidFill>
+                  <a:schemeClr val="tx1"/>
+                </a:solidFill>
+                <a:latin typeface="+mn-lt"/>
+                <a:ea typeface="+mn-ea"/>
+                <a:cs typeface="+mn-cs"/>
+              </a:defRPr>
+            </a:lvl2pPr>
+            <a:lvl3pPr marL="914400" algn="l" defTabSz="914400" rtl="0" eaLnBrk="1" latinLnBrk="0" hangingPunct="1">
+              <a:defRPr sz="1800" kern="1200">
+                <a:solidFill>
+                  <a:schemeClr val="tx1"/>
+                </a:solidFill>
+                <a:latin typeface="+mn-lt"/>
+                <a:ea typeface="+mn-ea"/>
+                <a:cs typeface="+mn-cs"/>
+              </a:defRPr>
+            </a:lvl3pPr>
+            <a:lvl4pPr marL="1371600" algn="l" defTabSz="914400" rtl="0" eaLnBrk="1" latinLnBrk="0" hangingPunct="1">
+              <a:defRPr sz="1800" kern="1200">
+                <a:solidFill>
+                  <a:schemeClr val="tx1"/>
+                </a:solidFill>
+                <a:latin typeface="+mn-lt"/>
+                <a:ea typeface="+mn-ea"/>
+                <a:cs typeface="+mn-cs"/>
+              </a:defRPr>
+            </a:lvl4pPr>
+            <a:lvl5pPr marL="1828800" algn="l" defTabSz="914400" rtl="0" eaLnBrk="1" latinLnBrk="0" hangingPunct="1">
+              <a:defRPr sz="1800" kern="1200">
+                <a:solidFill>
+                  <a:schemeClr val="tx1"/>
+                </a:solidFill>
+                <a:latin typeface="+mn-lt"/>
+                <a:ea typeface="+mn-ea"/>
+                <a:cs typeface="+mn-cs"/>
+              </a:defRPr>
+            </a:lvl5pPr>
+            <a:lvl6pPr marL="2286000" algn="l" defTabSz="914400" rtl="0" eaLnBrk="1" latinLnBrk="0" hangingPunct="1">
+              <a:defRPr sz="1800" kern="1200">
+                <a:solidFill>
+                  <a:schemeClr val="tx1"/>
+                </a:solidFill>
+                <a:latin typeface="+mn-lt"/>
+                <a:ea typeface="+mn-ea"/>
+                <a:cs typeface="+mn-cs"/>
+              </a:defRPr>
+            </a:lvl6pPr>
+            <a:lvl7pPr marL="2743200" algn="l" defTabSz="914400" rtl="0" eaLnBrk="1" latinLnBrk="0" hangingPunct="1">
+              <a:defRPr sz="1800" kern="1200">
+                <a:solidFill>
+                  <a:schemeClr val="tx1"/>
+                </a:solidFill>
+                <a:latin typeface="+mn-lt"/>
+                <a:ea typeface="+mn-ea"/>
+                <a:cs typeface="+mn-cs"/>
+              </a:defRPr>
+            </a:lvl7pPr>
+            <a:lvl8pPr marL="3200400" algn="l" defTabSz="914400" rtl="0" eaLnBrk="1" latinLnBrk="0" hangingPunct="1">
+              <a:defRPr sz="1800" kern="1200">
+                <a:solidFill>
+                  <a:schemeClr val="tx1"/>
+                </a:solidFill>
+                <a:latin typeface="+mn-lt"/>
+                <a:ea typeface="+mn-ea"/>
+                <a:cs typeface="+mn-cs"/>
+              </a:defRPr>
+            </a:lvl8pPr>
+            <a:lvl9pPr marL="3657600" algn="l" defTabSz="914400" rtl="0" eaLnBrk="1" latinLnBrk="0" hangingPunct="1">
+              <a:defRPr sz="1800" kern="1200">
+                <a:solidFill>
+                  <a:schemeClr val="tx1"/>
+                </a:solidFill>
+                <a:latin typeface="+mn-lt"/>
+                <a:ea typeface="+mn-ea"/>
+                <a:cs typeface="+mn-cs"/>
+              </a:defRPr>
+            </a:lvl9pPr>
+          </a:lstStyle>
+          <a:p>
+            <a:pPr algn="r">
+              <a:lnSpc>
+                <a:spcPct val="150000"/>
+              </a:lnSpc>
+            </a:pPr>
+            <a:r>
+              <a:rPr lang="pt-PT" sz="800" dirty="0"/>
+              <a:t>12/09/2024</a:t>
             </a:r>
           </a:p>
         </p:txBody>
@@ -28760,7 +29715,7 @@
 </p:sld>
 </file>
 
-<file path=ppt/slides/slide27.xml><?xml version="1.0" encoding="utf-8"?>
+<file path=ppt/slides/slide26.xml><?xml version="1.0" encoding="utf-8"?>
 <p:sld xmlns:a="http://schemas.openxmlformats.org/drawingml/2006/main" xmlns:r="http://schemas.openxmlformats.org/officeDocument/2006/relationships" xmlns:p="http://schemas.openxmlformats.org/presentationml/2006/main">
   <p:cSld>
     <p:spTree>
@@ -28801,7 +29756,7 @@
             <a:fld id="{18D65601-5AE2-46FC-B138-694DDD2B510D}" type="slidenum">
               <a:rPr lang="en-US" sz="1800" smtClean="0"/>
               <a:pPr/>
-              <a:t>27</a:t>
+              <a:t>26</a:t>
             </a:fld>
             <a:endParaRPr lang="en-US" sz="1800" dirty="0"/>
           </a:p>
@@ -29794,6 +30749,141 @@
           </a:p>
         </p:txBody>
       </p:sp>
+      <p:sp>
+        <p:nvSpPr>
+          <p:cNvPr id="12" name="Footer Placeholder 4">
+            <a:extLst>
+              <a:ext uri="{FF2B5EF4-FFF2-40B4-BE49-F238E27FC236}">
+                <a16:creationId xmlns:a16="http://schemas.microsoft.com/office/drawing/2014/main" id="{E9A2CF27-0ED8-1D33-0372-3A0D7D71D097}"/>
+              </a:ext>
+            </a:extLst>
+          </p:cNvPr>
+          <p:cNvSpPr txBox="1">
+            <a:spLocks/>
+          </p:cNvSpPr>
+          <p:nvPr/>
+        </p:nvSpPr>
+        <p:spPr>
+          <a:xfrm>
+            <a:off x="10180722" y="285844"/>
+            <a:ext cx="1122680" cy="341555"/>
+          </a:xfrm>
+          <a:prstGeom prst="rect">
+            <a:avLst/>
+          </a:prstGeom>
+        </p:spPr>
+        <p:txBody>
+          <a:bodyPr vert="horz" lIns="91440" tIns="45720" rIns="91440" bIns="45720" rtlCol="0" anchor="ctr"/>
+          <a:lstStyle>
+            <a:defPPr>
+              <a:defRPr lang="en-US"/>
+            </a:defPPr>
+            <a:lvl1pPr marL="0" algn="ctr" defTabSz="914400" rtl="0" eaLnBrk="1" latinLnBrk="0" hangingPunct="1">
+              <a:defRPr sz="900" b="0" kern="1200" cap="all" spc="150" baseline="0">
+                <a:solidFill>
+                  <a:schemeClr val="bg2">
+                    <a:lumMod val="50000"/>
+                  </a:schemeClr>
+                </a:solidFill>
+                <a:latin typeface="Univers Light" panose="020B0403020202020204" pitchFamily="34" charset="0"/>
+                <a:ea typeface="+mn-ea"/>
+                <a:cs typeface="+mn-cs"/>
+              </a:defRPr>
+            </a:lvl1pPr>
+            <a:lvl2pPr marL="457200" algn="l" defTabSz="914400" rtl="0" eaLnBrk="1" latinLnBrk="0" hangingPunct="1">
+              <a:defRPr sz="1800" kern="1200">
+                <a:solidFill>
+                  <a:schemeClr val="tx1"/>
+                </a:solidFill>
+                <a:latin typeface="+mn-lt"/>
+                <a:ea typeface="+mn-ea"/>
+                <a:cs typeface="+mn-cs"/>
+              </a:defRPr>
+            </a:lvl2pPr>
+            <a:lvl3pPr marL="914400" algn="l" defTabSz="914400" rtl="0" eaLnBrk="1" latinLnBrk="0" hangingPunct="1">
+              <a:defRPr sz="1800" kern="1200">
+                <a:solidFill>
+                  <a:schemeClr val="tx1"/>
+                </a:solidFill>
+                <a:latin typeface="+mn-lt"/>
+                <a:ea typeface="+mn-ea"/>
+                <a:cs typeface="+mn-cs"/>
+              </a:defRPr>
+            </a:lvl3pPr>
+            <a:lvl4pPr marL="1371600" algn="l" defTabSz="914400" rtl="0" eaLnBrk="1" latinLnBrk="0" hangingPunct="1">
+              <a:defRPr sz="1800" kern="1200">
+                <a:solidFill>
+                  <a:schemeClr val="tx1"/>
+                </a:solidFill>
+                <a:latin typeface="+mn-lt"/>
+                <a:ea typeface="+mn-ea"/>
+                <a:cs typeface="+mn-cs"/>
+              </a:defRPr>
+            </a:lvl4pPr>
+            <a:lvl5pPr marL="1828800" algn="l" defTabSz="914400" rtl="0" eaLnBrk="1" latinLnBrk="0" hangingPunct="1">
+              <a:defRPr sz="1800" kern="1200">
+                <a:solidFill>
+                  <a:schemeClr val="tx1"/>
+                </a:solidFill>
+                <a:latin typeface="+mn-lt"/>
+                <a:ea typeface="+mn-ea"/>
+                <a:cs typeface="+mn-cs"/>
+              </a:defRPr>
+            </a:lvl5pPr>
+            <a:lvl6pPr marL="2286000" algn="l" defTabSz="914400" rtl="0" eaLnBrk="1" latinLnBrk="0" hangingPunct="1">
+              <a:defRPr sz="1800" kern="1200">
+                <a:solidFill>
+                  <a:schemeClr val="tx1"/>
+                </a:solidFill>
+                <a:latin typeface="+mn-lt"/>
+                <a:ea typeface="+mn-ea"/>
+                <a:cs typeface="+mn-cs"/>
+              </a:defRPr>
+            </a:lvl6pPr>
+            <a:lvl7pPr marL="2743200" algn="l" defTabSz="914400" rtl="0" eaLnBrk="1" latinLnBrk="0" hangingPunct="1">
+              <a:defRPr sz="1800" kern="1200">
+                <a:solidFill>
+                  <a:schemeClr val="tx1"/>
+                </a:solidFill>
+                <a:latin typeface="+mn-lt"/>
+                <a:ea typeface="+mn-ea"/>
+                <a:cs typeface="+mn-cs"/>
+              </a:defRPr>
+            </a:lvl7pPr>
+            <a:lvl8pPr marL="3200400" algn="l" defTabSz="914400" rtl="0" eaLnBrk="1" latinLnBrk="0" hangingPunct="1">
+              <a:defRPr sz="1800" kern="1200">
+                <a:solidFill>
+                  <a:schemeClr val="tx1"/>
+                </a:solidFill>
+                <a:latin typeface="+mn-lt"/>
+                <a:ea typeface="+mn-ea"/>
+                <a:cs typeface="+mn-cs"/>
+              </a:defRPr>
+            </a:lvl8pPr>
+            <a:lvl9pPr marL="3657600" algn="l" defTabSz="914400" rtl="0" eaLnBrk="1" latinLnBrk="0" hangingPunct="1">
+              <a:defRPr sz="1800" kern="1200">
+                <a:solidFill>
+                  <a:schemeClr val="tx1"/>
+                </a:solidFill>
+                <a:latin typeface="+mn-lt"/>
+                <a:ea typeface="+mn-ea"/>
+                <a:cs typeface="+mn-cs"/>
+              </a:defRPr>
+            </a:lvl9pPr>
+          </a:lstStyle>
+          <a:p>
+            <a:pPr algn="r">
+              <a:lnSpc>
+                <a:spcPct val="150000"/>
+              </a:lnSpc>
+            </a:pPr>
+            <a:r>
+              <a:rPr lang="pt-PT" sz="800" dirty="0"/>
+              <a:t>12/09/2024</a:t>
+            </a:r>
+          </a:p>
+        </p:txBody>
+      </p:sp>
     </p:spTree>
     <p:extLst>
       <p:ext uri="{BB962C8B-B14F-4D97-AF65-F5344CB8AC3E}">
@@ -29807,7 +30897,7 @@
 </p:sld>
 </file>
 
-<file path=ppt/slides/slide28.xml><?xml version="1.0" encoding="utf-8"?>
+<file path=ppt/slides/slide27.xml><?xml version="1.0" encoding="utf-8"?>
 <p:sld xmlns:a="http://schemas.openxmlformats.org/drawingml/2006/main" xmlns:r="http://schemas.openxmlformats.org/officeDocument/2006/relationships" xmlns:p="http://schemas.openxmlformats.org/presentationml/2006/main">
   <p:cSld>
     <p:spTree>
@@ -29848,7 +30938,7 @@
             <a:fld id="{18D65601-5AE2-46FC-B138-694DDD2B510D}" type="slidenum">
               <a:rPr lang="en-US" sz="1800" smtClean="0"/>
               <a:pPr/>
-              <a:t>28</a:t>
+              <a:t>27</a:t>
             </a:fld>
             <a:endParaRPr lang="en-US" sz="1800" dirty="0"/>
           </a:p>
@@ -30470,6 +31560,141 @@
             <a:r>
               <a:rPr lang="pt-PT" sz="1000" dirty="0"/>
               <a:t>Matriz de Confusão - Bidirectional LSTM (2A).</a:t>
+            </a:r>
+          </a:p>
+        </p:txBody>
+      </p:sp>
+      <p:sp>
+        <p:nvSpPr>
+          <p:cNvPr id="17" name="Footer Placeholder 4">
+            <a:extLst>
+              <a:ext uri="{FF2B5EF4-FFF2-40B4-BE49-F238E27FC236}">
+                <a16:creationId xmlns:a16="http://schemas.microsoft.com/office/drawing/2014/main" id="{C0E6786A-1B30-2E9D-A7A3-62407AF3589A}"/>
+              </a:ext>
+            </a:extLst>
+          </p:cNvPr>
+          <p:cNvSpPr txBox="1">
+            <a:spLocks/>
+          </p:cNvSpPr>
+          <p:nvPr/>
+        </p:nvSpPr>
+        <p:spPr>
+          <a:xfrm>
+            <a:off x="10180722" y="285844"/>
+            <a:ext cx="1122680" cy="341555"/>
+          </a:xfrm>
+          <a:prstGeom prst="rect">
+            <a:avLst/>
+          </a:prstGeom>
+        </p:spPr>
+        <p:txBody>
+          <a:bodyPr vert="horz" lIns="91440" tIns="45720" rIns="91440" bIns="45720" rtlCol="0" anchor="ctr"/>
+          <a:lstStyle>
+            <a:defPPr>
+              <a:defRPr lang="en-US"/>
+            </a:defPPr>
+            <a:lvl1pPr marL="0" algn="ctr" defTabSz="914400" rtl="0" eaLnBrk="1" latinLnBrk="0" hangingPunct="1">
+              <a:defRPr sz="900" b="0" kern="1200" cap="all" spc="150" baseline="0">
+                <a:solidFill>
+                  <a:schemeClr val="bg2">
+                    <a:lumMod val="50000"/>
+                  </a:schemeClr>
+                </a:solidFill>
+                <a:latin typeface="Univers Light" panose="020B0403020202020204" pitchFamily="34" charset="0"/>
+                <a:ea typeface="+mn-ea"/>
+                <a:cs typeface="+mn-cs"/>
+              </a:defRPr>
+            </a:lvl1pPr>
+            <a:lvl2pPr marL="457200" algn="l" defTabSz="914400" rtl="0" eaLnBrk="1" latinLnBrk="0" hangingPunct="1">
+              <a:defRPr sz="1800" kern="1200">
+                <a:solidFill>
+                  <a:schemeClr val="tx1"/>
+                </a:solidFill>
+                <a:latin typeface="+mn-lt"/>
+                <a:ea typeface="+mn-ea"/>
+                <a:cs typeface="+mn-cs"/>
+              </a:defRPr>
+            </a:lvl2pPr>
+            <a:lvl3pPr marL="914400" algn="l" defTabSz="914400" rtl="0" eaLnBrk="1" latinLnBrk="0" hangingPunct="1">
+              <a:defRPr sz="1800" kern="1200">
+                <a:solidFill>
+                  <a:schemeClr val="tx1"/>
+                </a:solidFill>
+                <a:latin typeface="+mn-lt"/>
+                <a:ea typeface="+mn-ea"/>
+                <a:cs typeface="+mn-cs"/>
+              </a:defRPr>
+            </a:lvl3pPr>
+            <a:lvl4pPr marL="1371600" algn="l" defTabSz="914400" rtl="0" eaLnBrk="1" latinLnBrk="0" hangingPunct="1">
+              <a:defRPr sz="1800" kern="1200">
+                <a:solidFill>
+                  <a:schemeClr val="tx1"/>
+                </a:solidFill>
+                <a:latin typeface="+mn-lt"/>
+                <a:ea typeface="+mn-ea"/>
+                <a:cs typeface="+mn-cs"/>
+              </a:defRPr>
+            </a:lvl4pPr>
+            <a:lvl5pPr marL="1828800" algn="l" defTabSz="914400" rtl="0" eaLnBrk="1" latinLnBrk="0" hangingPunct="1">
+              <a:defRPr sz="1800" kern="1200">
+                <a:solidFill>
+                  <a:schemeClr val="tx1"/>
+                </a:solidFill>
+                <a:latin typeface="+mn-lt"/>
+                <a:ea typeface="+mn-ea"/>
+                <a:cs typeface="+mn-cs"/>
+              </a:defRPr>
+            </a:lvl5pPr>
+            <a:lvl6pPr marL="2286000" algn="l" defTabSz="914400" rtl="0" eaLnBrk="1" latinLnBrk="0" hangingPunct="1">
+              <a:defRPr sz="1800" kern="1200">
+                <a:solidFill>
+                  <a:schemeClr val="tx1"/>
+                </a:solidFill>
+                <a:latin typeface="+mn-lt"/>
+                <a:ea typeface="+mn-ea"/>
+                <a:cs typeface="+mn-cs"/>
+              </a:defRPr>
+            </a:lvl6pPr>
+            <a:lvl7pPr marL="2743200" algn="l" defTabSz="914400" rtl="0" eaLnBrk="1" latinLnBrk="0" hangingPunct="1">
+              <a:defRPr sz="1800" kern="1200">
+                <a:solidFill>
+                  <a:schemeClr val="tx1"/>
+                </a:solidFill>
+                <a:latin typeface="+mn-lt"/>
+                <a:ea typeface="+mn-ea"/>
+                <a:cs typeface="+mn-cs"/>
+              </a:defRPr>
+            </a:lvl7pPr>
+            <a:lvl8pPr marL="3200400" algn="l" defTabSz="914400" rtl="0" eaLnBrk="1" latinLnBrk="0" hangingPunct="1">
+              <a:defRPr sz="1800" kern="1200">
+                <a:solidFill>
+                  <a:schemeClr val="tx1"/>
+                </a:solidFill>
+                <a:latin typeface="+mn-lt"/>
+                <a:ea typeface="+mn-ea"/>
+                <a:cs typeface="+mn-cs"/>
+              </a:defRPr>
+            </a:lvl8pPr>
+            <a:lvl9pPr marL="3657600" algn="l" defTabSz="914400" rtl="0" eaLnBrk="1" latinLnBrk="0" hangingPunct="1">
+              <a:defRPr sz="1800" kern="1200">
+                <a:solidFill>
+                  <a:schemeClr val="tx1"/>
+                </a:solidFill>
+                <a:latin typeface="+mn-lt"/>
+                <a:ea typeface="+mn-ea"/>
+                <a:cs typeface="+mn-cs"/>
+              </a:defRPr>
+            </a:lvl9pPr>
+          </a:lstStyle>
+          <a:p>
+            <a:pPr algn="r">
+              <a:lnSpc>
+                <a:spcPct val="150000"/>
+              </a:lnSpc>
+            </a:pPr>
+            <a:r>
+              <a:rPr lang="pt-PT" sz="800" dirty="0"/>
+              <a:t>12/09/2024</a:t>
             </a:r>
           </a:p>
         </p:txBody>
@@ -30867,7 +32092,7 @@
 </p:sld>
 </file>
 
-<file path=ppt/slides/slide29.xml><?xml version="1.0" encoding="utf-8"?>
+<file path=ppt/slides/slide28.xml><?xml version="1.0" encoding="utf-8"?>
 <p:sld xmlns:a="http://schemas.openxmlformats.org/drawingml/2006/main" xmlns:r="http://schemas.openxmlformats.org/officeDocument/2006/relationships" xmlns:p="http://schemas.openxmlformats.org/presentationml/2006/main">
   <p:cSld>
     <p:bg>
@@ -30918,7 +32143,7 @@
             <a:fld id="{18D65601-5AE2-46FC-B138-694DDD2B510D}" type="slidenum">
               <a:rPr lang="en-US" sz="1800" smtClean="0"/>
               <a:pPr/>
-              <a:t>29</a:t>
+              <a:t>28</a:t>
             </a:fld>
             <a:endParaRPr lang="en-US" sz="1800" dirty="0"/>
           </a:p>
@@ -31192,6 +32417,141 @@
             <a:r>
               <a:rPr lang="pt-PT" sz="4000" dirty="0"/>
               <a:t>Artigo</a:t>
+            </a:r>
+          </a:p>
+        </p:txBody>
+      </p:sp>
+      <p:sp>
+        <p:nvSpPr>
+          <p:cNvPr id="5" name="Footer Placeholder 4">
+            <a:extLst>
+              <a:ext uri="{FF2B5EF4-FFF2-40B4-BE49-F238E27FC236}">
+                <a16:creationId xmlns:a16="http://schemas.microsoft.com/office/drawing/2014/main" id="{126BD6F3-A318-6EDA-D0B6-58FD1DBE44F1}"/>
+              </a:ext>
+            </a:extLst>
+          </p:cNvPr>
+          <p:cNvSpPr txBox="1">
+            <a:spLocks/>
+          </p:cNvSpPr>
+          <p:nvPr/>
+        </p:nvSpPr>
+        <p:spPr>
+          <a:xfrm>
+            <a:off x="10180722" y="285844"/>
+            <a:ext cx="1122680" cy="341555"/>
+          </a:xfrm>
+          <a:prstGeom prst="rect">
+            <a:avLst/>
+          </a:prstGeom>
+        </p:spPr>
+        <p:txBody>
+          <a:bodyPr vert="horz" lIns="91440" tIns="45720" rIns="91440" bIns="45720" rtlCol="0" anchor="ctr"/>
+          <a:lstStyle>
+            <a:defPPr>
+              <a:defRPr lang="en-US"/>
+            </a:defPPr>
+            <a:lvl1pPr marL="0" algn="ctr" defTabSz="914400" rtl="0" eaLnBrk="1" latinLnBrk="0" hangingPunct="1">
+              <a:defRPr sz="900" b="0" kern="1200" cap="all" spc="150" baseline="0">
+                <a:solidFill>
+                  <a:schemeClr val="bg2">
+                    <a:lumMod val="50000"/>
+                  </a:schemeClr>
+                </a:solidFill>
+                <a:latin typeface="Univers Light" panose="020B0403020202020204" pitchFamily="34" charset="0"/>
+                <a:ea typeface="+mn-ea"/>
+                <a:cs typeface="+mn-cs"/>
+              </a:defRPr>
+            </a:lvl1pPr>
+            <a:lvl2pPr marL="457200" algn="l" defTabSz="914400" rtl="0" eaLnBrk="1" latinLnBrk="0" hangingPunct="1">
+              <a:defRPr sz="1800" kern="1200">
+                <a:solidFill>
+                  <a:schemeClr val="tx1"/>
+                </a:solidFill>
+                <a:latin typeface="+mn-lt"/>
+                <a:ea typeface="+mn-ea"/>
+                <a:cs typeface="+mn-cs"/>
+              </a:defRPr>
+            </a:lvl2pPr>
+            <a:lvl3pPr marL="914400" algn="l" defTabSz="914400" rtl="0" eaLnBrk="1" latinLnBrk="0" hangingPunct="1">
+              <a:defRPr sz="1800" kern="1200">
+                <a:solidFill>
+                  <a:schemeClr val="tx1"/>
+                </a:solidFill>
+                <a:latin typeface="+mn-lt"/>
+                <a:ea typeface="+mn-ea"/>
+                <a:cs typeface="+mn-cs"/>
+              </a:defRPr>
+            </a:lvl3pPr>
+            <a:lvl4pPr marL="1371600" algn="l" defTabSz="914400" rtl="0" eaLnBrk="1" latinLnBrk="0" hangingPunct="1">
+              <a:defRPr sz="1800" kern="1200">
+                <a:solidFill>
+                  <a:schemeClr val="tx1"/>
+                </a:solidFill>
+                <a:latin typeface="+mn-lt"/>
+                <a:ea typeface="+mn-ea"/>
+                <a:cs typeface="+mn-cs"/>
+              </a:defRPr>
+            </a:lvl4pPr>
+            <a:lvl5pPr marL="1828800" algn="l" defTabSz="914400" rtl="0" eaLnBrk="1" latinLnBrk="0" hangingPunct="1">
+              <a:defRPr sz="1800" kern="1200">
+                <a:solidFill>
+                  <a:schemeClr val="tx1"/>
+                </a:solidFill>
+                <a:latin typeface="+mn-lt"/>
+                <a:ea typeface="+mn-ea"/>
+                <a:cs typeface="+mn-cs"/>
+              </a:defRPr>
+            </a:lvl5pPr>
+            <a:lvl6pPr marL="2286000" algn="l" defTabSz="914400" rtl="0" eaLnBrk="1" latinLnBrk="0" hangingPunct="1">
+              <a:defRPr sz="1800" kern="1200">
+                <a:solidFill>
+                  <a:schemeClr val="tx1"/>
+                </a:solidFill>
+                <a:latin typeface="+mn-lt"/>
+                <a:ea typeface="+mn-ea"/>
+                <a:cs typeface="+mn-cs"/>
+              </a:defRPr>
+            </a:lvl6pPr>
+            <a:lvl7pPr marL="2743200" algn="l" defTabSz="914400" rtl="0" eaLnBrk="1" latinLnBrk="0" hangingPunct="1">
+              <a:defRPr sz="1800" kern="1200">
+                <a:solidFill>
+                  <a:schemeClr val="tx1"/>
+                </a:solidFill>
+                <a:latin typeface="+mn-lt"/>
+                <a:ea typeface="+mn-ea"/>
+                <a:cs typeface="+mn-cs"/>
+              </a:defRPr>
+            </a:lvl7pPr>
+            <a:lvl8pPr marL="3200400" algn="l" defTabSz="914400" rtl="0" eaLnBrk="1" latinLnBrk="0" hangingPunct="1">
+              <a:defRPr sz="1800" kern="1200">
+                <a:solidFill>
+                  <a:schemeClr val="tx1"/>
+                </a:solidFill>
+                <a:latin typeface="+mn-lt"/>
+                <a:ea typeface="+mn-ea"/>
+                <a:cs typeface="+mn-cs"/>
+              </a:defRPr>
+            </a:lvl8pPr>
+            <a:lvl9pPr marL="3657600" algn="l" defTabSz="914400" rtl="0" eaLnBrk="1" latinLnBrk="0" hangingPunct="1">
+              <a:defRPr sz="1800" kern="1200">
+                <a:solidFill>
+                  <a:schemeClr val="tx1"/>
+                </a:solidFill>
+                <a:latin typeface="+mn-lt"/>
+                <a:ea typeface="+mn-ea"/>
+                <a:cs typeface="+mn-cs"/>
+              </a:defRPr>
+            </a:lvl9pPr>
+          </a:lstStyle>
+          <a:p>
+            <a:pPr algn="r">
+              <a:lnSpc>
+                <a:spcPct val="150000"/>
+              </a:lnSpc>
+            </a:pPr>
+            <a:r>
+              <a:rPr lang="pt-PT" sz="800" dirty="0"/>
+              <a:t>12/09/2024</a:t>
             </a:r>
           </a:p>
         </p:txBody>
@@ -31287,6 +32647,729 @@
 </p:sld>
 </file>
 
+<file path=ppt/slides/slide29.xml><?xml version="1.0" encoding="utf-8"?>
+<p:sld xmlns:a="http://schemas.openxmlformats.org/drawingml/2006/main" xmlns:r="http://schemas.openxmlformats.org/officeDocument/2006/relationships" xmlns:p="http://schemas.openxmlformats.org/presentationml/2006/main">
+  <p:cSld>
+    <p:bg>
+      <p:bgPr>
+        <a:solidFill>
+          <a:schemeClr val="bg2">
+            <a:alpha val="0"/>
+          </a:schemeClr>
+        </a:solidFill>
+        <a:effectLst/>
+      </p:bgPr>
+    </p:bg>
+    <p:spTree>
+      <p:nvGrpSpPr>
+        <p:cNvPr id="1" name=""/>
+        <p:cNvGrpSpPr/>
+        <p:nvPr/>
+      </p:nvGrpSpPr>
+      <p:grpSpPr>
+        <a:xfrm>
+          <a:off x="0" y="0"/>
+          <a:ext cx="0" cy="0"/>
+          <a:chOff x="0" y="0"/>
+          <a:chExt cx="0" cy="0"/>
+        </a:xfrm>
+      </p:grpSpPr>
+      <p:sp>
+        <p:nvSpPr>
+          <p:cNvPr id="4" name="Slide Number Placeholder 3">
+            <a:extLst>
+              <a:ext uri="{FF2B5EF4-FFF2-40B4-BE49-F238E27FC236}">
+                <a16:creationId xmlns:a16="http://schemas.microsoft.com/office/drawing/2014/main" id="{527C964F-E2D5-D8E7-C513-C47A7E409DF3}"/>
+              </a:ext>
+            </a:extLst>
+          </p:cNvPr>
+          <p:cNvSpPr>
+            <a:spLocks noGrp="1"/>
+          </p:cNvSpPr>
+          <p:nvPr>
+            <p:ph type="sldNum" sz="quarter" idx="15"/>
+          </p:nvPr>
+        </p:nvSpPr>
+        <p:spPr/>
+        <p:txBody>
+          <a:bodyPr/>
+          <a:lstStyle/>
+          <a:p>
+            <a:fld id="{18D65601-5AE2-46FC-B138-694DDD2B510D}" type="slidenum">
+              <a:rPr lang="en-US" sz="1800" smtClean="0"/>
+              <a:pPr/>
+              <a:t>29</a:t>
+            </a:fld>
+            <a:endParaRPr lang="en-US" sz="1800" dirty="0"/>
+          </a:p>
+        </p:txBody>
+      </p:sp>
+      <p:sp>
+        <p:nvSpPr>
+          <p:cNvPr id="2" name="TextBox 1">
+            <a:extLst>
+              <a:ext uri="{FF2B5EF4-FFF2-40B4-BE49-F238E27FC236}">
+                <a16:creationId xmlns:a16="http://schemas.microsoft.com/office/drawing/2014/main" id="{E9D6F773-4776-5A5C-D648-2B60572D9D07}"/>
+              </a:ext>
+            </a:extLst>
+          </p:cNvPr>
+          <p:cNvSpPr txBox="1"/>
+          <p:nvPr/>
+        </p:nvSpPr>
+        <p:spPr>
+          <a:xfrm>
+            <a:off x="6724644" y="2034329"/>
+            <a:ext cx="2152656" cy="515526"/>
+          </a:xfrm>
+          <a:prstGeom prst="rect">
+            <a:avLst/>
+          </a:prstGeom>
+          <a:noFill/>
+        </p:spPr>
+        <p:txBody>
+          <a:bodyPr wrap="square">
+            <a:spAutoFit/>
+          </a:bodyPr>
+          <a:lstStyle/>
+          <a:p>
+            <a:pPr>
+              <a:lnSpc>
+                <a:spcPct val="150000"/>
+              </a:lnSpc>
+            </a:pPr>
+            <a:r>
+              <a:rPr lang="en-US" sz="2000" dirty="0" err="1">
+                <a:latin typeface="+mj-lt"/>
+              </a:rPr>
+              <a:t>Dificuldades</a:t>
+            </a:r>
+            <a:endParaRPr lang="en-GB" sz="2000" dirty="0">
+              <a:latin typeface="+mj-lt"/>
+              <a:cs typeface="Arial" panose="020B0604020202020204" pitchFamily="34" charset="0"/>
+            </a:endParaRPr>
+          </a:p>
+        </p:txBody>
+      </p:sp>
+      <p:sp>
+        <p:nvSpPr>
+          <p:cNvPr id="3" name="TextBox 2">
+            <a:extLst>
+              <a:ext uri="{FF2B5EF4-FFF2-40B4-BE49-F238E27FC236}">
+                <a16:creationId xmlns:a16="http://schemas.microsoft.com/office/drawing/2014/main" id="{4BD2ED64-6EDC-5049-5F37-C014C000A3D9}"/>
+              </a:ext>
+            </a:extLst>
+          </p:cNvPr>
+          <p:cNvSpPr txBox="1"/>
+          <p:nvPr/>
+        </p:nvSpPr>
+        <p:spPr>
+          <a:xfrm>
+            <a:off x="1520662" y="2070819"/>
+            <a:ext cx="2870363" cy="515526"/>
+          </a:xfrm>
+          <a:prstGeom prst="rect">
+            <a:avLst/>
+          </a:prstGeom>
+          <a:noFill/>
+        </p:spPr>
+        <p:txBody>
+          <a:bodyPr wrap="square">
+            <a:spAutoFit/>
+          </a:bodyPr>
+          <a:lstStyle/>
+          <a:p>
+            <a:pPr>
+              <a:lnSpc>
+                <a:spcPct val="150000"/>
+              </a:lnSpc>
+            </a:pPr>
+            <a:r>
+              <a:rPr lang="en-US" sz="2000" dirty="0" err="1">
+                <a:latin typeface="+mj-lt"/>
+              </a:rPr>
+              <a:t>Desafios</a:t>
+            </a:r>
+            <a:endParaRPr lang="en-GB" sz="2000" dirty="0">
+              <a:latin typeface="+mj-lt"/>
+              <a:cs typeface="Arial" panose="020B0604020202020204" pitchFamily="34" charset="0"/>
+            </a:endParaRPr>
+          </a:p>
+        </p:txBody>
+      </p:sp>
+      <p:sp>
+        <p:nvSpPr>
+          <p:cNvPr id="6" name="TextBox 5">
+            <a:extLst>
+              <a:ext uri="{FF2B5EF4-FFF2-40B4-BE49-F238E27FC236}">
+                <a16:creationId xmlns:a16="http://schemas.microsoft.com/office/drawing/2014/main" id="{C3463C09-B451-2365-E9F9-5336814EF339}"/>
+              </a:ext>
+            </a:extLst>
+          </p:cNvPr>
+          <p:cNvSpPr txBox="1"/>
+          <p:nvPr/>
+        </p:nvSpPr>
+        <p:spPr>
+          <a:xfrm>
+            <a:off x="6724645" y="2724426"/>
+            <a:ext cx="4324356" cy="1458091"/>
+          </a:xfrm>
+          <a:prstGeom prst="rect">
+            <a:avLst/>
+          </a:prstGeom>
+          <a:noFill/>
+        </p:spPr>
+        <p:txBody>
+          <a:bodyPr wrap="square">
+            <a:spAutoFit/>
+          </a:bodyPr>
+          <a:lstStyle/>
+          <a:p>
+            <a:pPr marL="342900" lvl="0" indent="-342900">
+              <a:lnSpc>
+                <a:spcPct val="150000"/>
+              </a:lnSpc>
+              <a:spcAft>
+                <a:spcPts val="600"/>
+              </a:spcAft>
+              <a:buFont typeface="Symbol" panose="05050102010706020507" pitchFamily="18" charset="2"/>
+              <a:buChar char=""/>
+            </a:pPr>
+            <a:r>
+              <a:rPr lang="pt-PT" dirty="0">
+                <a:latin typeface="+mj-lt"/>
+                <a:cs typeface="Arial" panose="020B0604020202020204" pitchFamily="34" charset="0"/>
+              </a:rPr>
+              <a:t>Tratamento dos Dados</a:t>
+            </a:r>
+          </a:p>
+          <a:p>
+            <a:pPr marL="342900" lvl="0" indent="-342900">
+              <a:lnSpc>
+                <a:spcPct val="150000"/>
+              </a:lnSpc>
+              <a:spcAft>
+                <a:spcPts val="600"/>
+              </a:spcAft>
+              <a:buFont typeface="Symbol" panose="05050102010706020507" pitchFamily="18" charset="2"/>
+              <a:buChar char=""/>
+            </a:pPr>
+            <a:r>
+              <a:rPr lang="pt-PT" dirty="0">
+                <a:latin typeface="+mj-lt"/>
+                <a:cs typeface="Arial" panose="020B0604020202020204" pitchFamily="34" charset="0"/>
+              </a:rPr>
+              <a:t>Dataset </a:t>
+            </a:r>
+            <a:r>
+              <a:rPr lang="pt-PT" dirty="0" err="1">
+                <a:latin typeface="+mj-lt"/>
+                <a:cs typeface="Arial" panose="020B0604020202020204" pitchFamily="34" charset="0"/>
+              </a:rPr>
+              <a:t>desbalanceado</a:t>
+            </a:r>
+            <a:r>
+              <a:rPr lang="pt-PT" dirty="0">
+                <a:latin typeface="+mj-lt"/>
+                <a:cs typeface="Arial" panose="020B0604020202020204" pitchFamily="34" charset="0"/>
+              </a:rPr>
+              <a:t> </a:t>
+            </a:r>
+          </a:p>
+          <a:p>
+            <a:pPr marL="342900" lvl="0" indent="-342900">
+              <a:lnSpc>
+                <a:spcPct val="150000"/>
+              </a:lnSpc>
+              <a:spcAft>
+                <a:spcPts val="600"/>
+              </a:spcAft>
+              <a:buFont typeface="Symbol" panose="05050102010706020507" pitchFamily="18" charset="2"/>
+              <a:buChar char=""/>
+            </a:pPr>
+            <a:r>
+              <a:rPr lang="pt-PT" dirty="0">
+                <a:latin typeface="+mj-lt"/>
+                <a:cs typeface="Arial" panose="020B0604020202020204" pitchFamily="34" charset="0"/>
+              </a:rPr>
+              <a:t>Escolha entre modelos</a:t>
+            </a:r>
+            <a:endParaRPr lang="en-US" dirty="0">
+              <a:latin typeface="+mj-lt"/>
+              <a:cs typeface="Arial" panose="020B0604020202020204" pitchFamily="34" charset="0"/>
+            </a:endParaRPr>
+          </a:p>
+        </p:txBody>
+      </p:sp>
+      <p:sp>
+        <p:nvSpPr>
+          <p:cNvPr id="7" name="TextBox 6">
+            <a:extLst>
+              <a:ext uri="{FF2B5EF4-FFF2-40B4-BE49-F238E27FC236}">
+                <a16:creationId xmlns:a16="http://schemas.microsoft.com/office/drawing/2014/main" id="{CEA5FBB8-7582-CA7E-A74F-837139E14AB9}"/>
+              </a:ext>
+            </a:extLst>
+          </p:cNvPr>
+          <p:cNvSpPr txBox="1"/>
+          <p:nvPr/>
+        </p:nvSpPr>
+        <p:spPr>
+          <a:xfrm>
+            <a:off x="1520662" y="2689835"/>
+            <a:ext cx="4324356" cy="1458091"/>
+          </a:xfrm>
+          <a:prstGeom prst="rect">
+            <a:avLst/>
+          </a:prstGeom>
+          <a:noFill/>
+        </p:spPr>
+        <p:txBody>
+          <a:bodyPr wrap="square">
+            <a:spAutoFit/>
+          </a:bodyPr>
+          <a:lstStyle/>
+          <a:p>
+            <a:pPr marL="342900" indent="-342900">
+              <a:lnSpc>
+                <a:spcPct val="150000"/>
+              </a:lnSpc>
+              <a:spcAft>
+                <a:spcPts val="600"/>
+              </a:spcAft>
+              <a:buFont typeface="Symbol" panose="05050102010706020507" pitchFamily="18" charset="2"/>
+              <a:buChar char=""/>
+            </a:pPr>
+            <a:r>
+              <a:rPr lang="pt-PT" dirty="0" err="1">
+                <a:latin typeface="+mj-lt"/>
+                <a:cs typeface="Arial" panose="020B0604020202020204" pitchFamily="34" charset="0"/>
+              </a:rPr>
+              <a:t>Preprocessamento</a:t>
+            </a:r>
+            <a:r>
+              <a:rPr lang="pt-PT" dirty="0">
+                <a:latin typeface="+mj-lt"/>
+                <a:cs typeface="Arial" panose="020B0604020202020204" pitchFamily="34" charset="0"/>
+              </a:rPr>
+              <a:t> do dados</a:t>
+            </a:r>
+          </a:p>
+          <a:p>
+            <a:pPr marL="342900" indent="-342900">
+              <a:lnSpc>
+                <a:spcPct val="150000"/>
+              </a:lnSpc>
+              <a:spcAft>
+                <a:spcPts val="600"/>
+              </a:spcAft>
+              <a:buFont typeface="Symbol" panose="05050102010706020507" pitchFamily="18" charset="2"/>
+              <a:buChar char=""/>
+            </a:pPr>
+            <a:r>
+              <a:rPr lang="pt-PT" dirty="0" err="1">
+                <a:latin typeface="+mj-lt"/>
+                <a:cs typeface="Arial" panose="020B0604020202020204" pitchFamily="34" charset="0"/>
+              </a:rPr>
+              <a:t>Arquiterurar</a:t>
+            </a:r>
+            <a:r>
+              <a:rPr lang="pt-PT" dirty="0">
+                <a:latin typeface="+mj-lt"/>
+                <a:cs typeface="Arial" panose="020B0604020202020204" pitchFamily="34" charset="0"/>
+              </a:rPr>
+              <a:t> os modelos</a:t>
+            </a:r>
+          </a:p>
+          <a:p>
+            <a:pPr marL="342900" indent="-342900">
+              <a:lnSpc>
+                <a:spcPct val="150000"/>
+              </a:lnSpc>
+              <a:spcAft>
+                <a:spcPts val="600"/>
+              </a:spcAft>
+              <a:buFont typeface="Symbol" panose="05050102010706020507" pitchFamily="18" charset="2"/>
+              <a:buChar char=""/>
+            </a:pPr>
+            <a:r>
+              <a:rPr lang="pt-PT" dirty="0">
+                <a:latin typeface="+mj-lt"/>
+                <a:cs typeface="Arial" panose="020B0604020202020204" pitchFamily="34" charset="0"/>
+              </a:rPr>
+              <a:t>Avaliar a qualidade do estado da arte</a:t>
+            </a:r>
+            <a:endParaRPr lang="en-US" dirty="0">
+              <a:latin typeface="+mj-lt"/>
+              <a:cs typeface="Arial" panose="020B0604020202020204" pitchFamily="34" charset="0"/>
+            </a:endParaRPr>
+          </a:p>
+        </p:txBody>
+      </p:sp>
+      <p:sp>
+        <p:nvSpPr>
+          <p:cNvPr id="10" name="Footer Placeholder 4">
+            <a:extLst>
+              <a:ext uri="{FF2B5EF4-FFF2-40B4-BE49-F238E27FC236}">
+                <a16:creationId xmlns:a16="http://schemas.microsoft.com/office/drawing/2014/main" id="{2B6006BB-BC46-913F-77DC-5E1EDFAFAD9B}"/>
+              </a:ext>
+            </a:extLst>
+          </p:cNvPr>
+          <p:cNvSpPr txBox="1">
+            <a:spLocks/>
+          </p:cNvSpPr>
+          <p:nvPr/>
+        </p:nvSpPr>
+        <p:spPr>
+          <a:xfrm>
+            <a:off x="4038600" y="6333565"/>
+            <a:ext cx="4114800" cy="365125"/>
+          </a:xfrm>
+          <a:prstGeom prst="rect">
+            <a:avLst/>
+          </a:prstGeom>
+        </p:spPr>
+        <p:txBody>
+          <a:bodyPr vert="horz" lIns="91440" tIns="45720" rIns="91440" bIns="45720" rtlCol="0" anchor="ctr"/>
+          <a:lstStyle>
+            <a:defPPr>
+              <a:defRPr lang="en-US"/>
+            </a:defPPr>
+            <a:lvl1pPr marL="0" algn="ctr" defTabSz="914400" rtl="0" eaLnBrk="1" latinLnBrk="0" hangingPunct="1">
+              <a:defRPr sz="900" b="0" kern="1200" cap="all" spc="150" baseline="0">
+                <a:solidFill>
+                  <a:schemeClr val="bg2">
+                    <a:lumMod val="50000"/>
+                  </a:schemeClr>
+                </a:solidFill>
+                <a:latin typeface="Univers Light" panose="020B0403020202020204" pitchFamily="34" charset="0"/>
+                <a:ea typeface="+mn-ea"/>
+                <a:cs typeface="+mn-cs"/>
+              </a:defRPr>
+            </a:lvl1pPr>
+            <a:lvl2pPr marL="457200" algn="l" defTabSz="914400" rtl="0" eaLnBrk="1" latinLnBrk="0" hangingPunct="1">
+              <a:defRPr sz="1800" kern="1200">
+                <a:solidFill>
+                  <a:schemeClr val="tx1"/>
+                </a:solidFill>
+                <a:latin typeface="+mn-lt"/>
+                <a:ea typeface="+mn-ea"/>
+                <a:cs typeface="+mn-cs"/>
+              </a:defRPr>
+            </a:lvl2pPr>
+            <a:lvl3pPr marL="914400" algn="l" defTabSz="914400" rtl="0" eaLnBrk="1" latinLnBrk="0" hangingPunct="1">
+              <a:defRPr sz="1800" kern="1200">
+                <a:solidFill>
+                  <a:schemeClr val="tx1"/>
+                </a:solidFill>
+                <a:latin typeface="+mn-lt"/>
+                <a:ea typeface="+mn-ea"/>
+                <a:cs typeface="+mn-cs"/>
+              </a:defRPr>
+            </a:lvl3pPr>
+            <a:lvl4pPr marL="1371600" algn="l" defTabSz="914400" rtl="0" eaLnBrk="1" latinLnBrk="0" hangingPunct="1">
+              <a:defRPr sz="1800" kern="1200">
+                <a:solidFill>
+                  <a:schemeClr val="tx1"/>
+                </a:solidFill>
+                <a:latin typeface="+mn-lt"/>
+                <a:ea typeface="+mn-ea"/>
+                <a:cs typeface="+mn-cs"/>
+              </a:defRPr>
+            </a:lvl4pPr>
+            <a:lvl5pPr marL="1828800" algn="l" defTabSz="914400" rtl="0" eaLnBrk="1" latinLnBrk="0" hangingPunct="1">
+              <a:defRPr sz="1800" kern="1200">
+                <a:solidFill>
+                  <a:schemeClr val="tx1"/>
+                </a:solidFill>
+                <a:latin typeface="+mn-lt"/>
+                <a:ea typeface="+mn-ea"/>
+                <a:cs typeface="+mn-cs"/>
+              </a:defRPr>
+            </a:lvl5pPr>
+            <a:lvl6pPr marL="2286000" algn="l" defTabSz="914400" rtl="0" eaLnBrk="1" latinLnBrk="0" hangingPunct="1">
+              <a:defRPr sz="1800" kern="1200">
+                <a:solidFill>
+                  <a:schemeClr val="tx1"/>
+                </a:solidFill>
+                <a:latin typeface="+mn-lt"/>
+                <a:ea typeface="+mn-ea"/>
+                <a:cs typeface="+mn-cs"/>
+              </a:defRPr>
+            </a:lvl6pPr>
+            <a:lvl7pPr marL="2743200" algn="l" defTabSz="914400" rtl="0" eaLnBrk="1" latinLnBrk="0" hangingPunct="1">
+              <a:defRPr sz="1800" kern="1200">
+                <a:solidFill>
+                  <a:schemeClr val="tx1"/>
+                </a:solidFill>
+                <a:latin typeface="+mn-lt"/>
+                <a:ea typeface="+mn-ea"/>
+                <a:cs typeface="+mn-cs"/>
+              </a:defRPr>
+            </a:lvl7pPr>
+            <a:lvl8pPr marL="3200400" algn="l" defTabSz="914400" rtl="0" eaLnBrk="1" latinLnBrk="0" hangingPunct="1">
+              <a:defRPr sz="1800" kern="1200">
+                <a:solidFill>
+                  <a:schemeClr val="tx1"/>
+                </a:solidFill>
+                <a:latin typeface="+mn-lt"/>
+                <a:ea typeface="+mn-ea"/>
+                <a:cs typeface="+mn-cs"/>
+              </a:defRPr>
+            </a:lvl8pPr>
+            <a:lvl9pPr marL="3657600" algn="l" defTabSz="914400" rtl="0" eaLnBrk="1" latinLnBrk="0" hangingPunct="1">
+              <a:defRPr sz="1800" kern="1200">
+                <a:solidFill>
+                  <a:schemeClr val="tx1"/>
+                </a:solidFill>
+                <a:latin typeface="+mn-lt"/>
+                <a:ea typeface="+mn-ea"/>
+                <a:cs typeface="+mn-cs"/>
+              </a:defRPr>
+            </a:lvl9pPr>
+          </a:lstStyle>
+          <a:p>
+            <a:pPr>
+              <a:lnSpc>
+                <a:spcPct val="150000"/>
+              </a:lnSpc>
+            </a:pPr>
+            <a:r>
+              <a:rPr lang="pt-PT" sz="800" dirty="0"/>
+              <a:t>Ai driving classification</a:t>
+            </a:r>
+          </a:p>
+          <a:p>
+            <a:pPr>
+              <a:lnSpc>
+                <a:spcPct val="150000"/>
+              </a:lnSpc>
+            </a:pPr>
+            <a:r>
+              <a:rPr lang="pt-PT" sz="800" dirty="0"/>
+              <a:t>Alberto pingo | joão castro</a:t>
+            </a:r>
+          </a:p>
+        </p:txBody>
+      </p:sp>
+      <p:pic>
+        <p:nvPicPr>
+          <p:cNvPr id="11" name="Picture 10" descr="A black background with a black square&#10;&#10;Description automatically generated with medium confidence">
+            <a:extLst>
+              <a:ext uri="{FF2B5EF4-FFF2-40B4-BE49-F238E27FC236}">
+                <a16:creationId xmlns:a16="http://schemas.microsoft.com/office/drawing/2014/main" id="{9C1B1CA0-4F7A-68EE-7113-6EDF1270F684}"/>
+              </a:ext>
+            </a:extLst>
+          </p:cNvPr>
+          <p:cNvPicPr>
+            <a:picLocks noChangeAspect="1"/>
+          </p:cNvPicPr>
+          <p:nvPr/>
+        </p:nvPicPr>
+        <p:blipFill>
+          <a:blip r:embed="rId3">
+            <a:alphaModFix amt="70000"/>
+            <a:extLst>
+              <a:ext uri="{28A0092B-C50C-407E-A947-70E740481C1C}">
+                <a14:useLocalDpi xmlns:a14="http://schemas.microsoft.com/office/drawing/2010/main" val="0"/>
+              </a:ext>
+            </a:extLst>
+          </a:blip>
+          <a:stretch>
+            <a:fillRect/>
+          </a:stretch>
+        </p:blipFill>
+        <p:spPr>
+          <a:xfrm>
+            <a:off x="10582445" y="5985436"/>
+            <a:ext cx="1441915" cy="568239"/>
+          </a:xfrm>
+          <a:prstGeom prst="rect">
+            <a:avLst/>
+          </a:prstGeom>
+        </p:spPr>
+      </p:pic>
+      <p:sp>
+        <p:nvSpPr>
+          <p:cNvPr id="14" name="Title 1">
+            <a:extLst>
+              <a:ext uri="{FF2B5EF4-FFF2-40B4-BE49-F238E27FC236}">
+                <a16:creationId xmlns:a16="http://schemas.microsoft.com/office/drawing/2014/main" id="{2830C3EC-AB36-05CF-9E65-4C44854E9172}"/>
+              </a:ext>
+            </a:extLst>
+          </p:cNvPr>
+          <p:cNvSpPr>
+            <a:spLocks noGrp="1"/>
+          </p:cNvSpPr>
+          <p:nvPr>
+            <p:ph type="title"/>
+          </p:nvPr>
+        </p:nvSpPr>
+        <p:spPr>
+          <a:xfrm>
+            <a:off x="1520662" y="136525"/>
+            <a:ext cx="9150675" cy="1427585"/>
+          </a:xfrm>
+        </p:spPr>
+        <p:txBody>
+          <a:bodyPr>
+            <a:normAutofit/>
+          </a:bodyPr>
+          <a:lstStyle/>
+          <a:p>
+            <a:r>
+              <a:rPr lang="pt-PT" sz="4000" dirty="0"/>
+              <a:t>Desafios e Dificuldades</a:t>
+            </a:r>
+          </a:p>
+        </p:txBody>
+      </p:sp>
+      <p:sp>
+        <p:nvSpPr>
+          <p:cNvPr id="8" name="Footer Placeholder 4">
+            <a:extLst>
+              <a:ext uri="{FF2B5EF4-FFF2-40B4-BE49-F238E27FC236}">
+                <a16:creationId xmlns:a16="http://schemas.microsoft.com/office/drawing/2014/main" id="{1615F10C-12EF-7704-809F-FCDA895F77B9}"/>
+              </a:ext>
+            </a:extLst>
+          </p:cNvPr>
+          <p:cNvSpPr txBox="1">
+            <a:spLocks/>
+          </p:cNvSpPr>
+          <p:nvPr/>
+        </p:nvSpPr>
+        <p:spPr>
+          <a:xfrm>
+            <a:off x="10180722" y="285844"/>
+            <a:ext cx="1122680" cy="341555"/>
+          </a:xfrm>
+          <a:prstGeom prst="rect">
+            <a:avLst/>
+          </a:prstGeom>
+        </p:spPr>
+        <p:txBody>
+          <a:bodyPr vert="horz" lIns="91440" tIns="45720" rIns="91440" bIns="45720" rtlCol="0" anchor="ctr"/>
+          <a:lstStyle>
+            <a:defPPr>
+              <a:defRPr lang="en-US"/>
+            </a:defPPr>
+            <a:lvl1pPr marL="0" algn="ctr" defTabSz="914400" rtl="0" eaLnBrk="1" latinLnBrk="0" hangingPunct="1">
+              <a:defRPr sz="900" b="0" kern="1200" cap="all" spc="150" baseline="0">
+                <a:solidFill>
+                  <a:schemeClr val="bg2">
+                    <a:lumMod val="50000"/>
+                  </a:schemeClr>
+                </a:solidFill>
+                <a:latin typeface="Univers Light" panose="020B0403020202020204" pitchFamily="34" charset="0"/>
+                <a:ea typeface="+mn-ea"/>
+                <a:cs typeface="+mn-cs"/>
+              </a:defRPr>
+            </a:lvl1pPr>
+            <a:lvl2pPr marL="457200" algn="l" defTabSz="914400" rtl="0" eaLnBrk="1" latinLnBrk="0" hangingPunct="1">
+              <a:defRPr sz="1800" kern="1200">
+                <a:solidFill>
+                  <a:schemeClr val="tx1"/>
+                </a:solidFill>
+                <a:latin typeface="+mn-lt"/>
+                <a:ea typeface="+mn-ea"/>
+                <a:cs typeface="+mn-cs"/>
+              </a:defRPr>
+            </a:lvl2pPr>
+            <a:lvl3pPr marL="914400" algn="l" defTabSz="914400" rtl="0" eaLnBrk="1" latinLnBrk="0" hangingPunct="1">
+              <a:defRPr sz="1800" kern="1200">
+                <a:solidFill>
+                  <a:schemeClr val="tx1"/>
+                </a:solidFill>
+                <a:latin typeface="+mn-lt"/>
+                <a:ea typeface="+mn-ea"/>
+                <a:cs typeface="+mn-cs"/>
+              </a:defRPr>
+            </a:lvl3pPr>
+            <a:lvl4pPr marL="1371600" algn="l" defTabSz="914400" rtl="0" eaLnBrk="1" latinLnBrk="0" hangingPunct="1">
+              <a:defRPr sz="1800" kern="1200">
+                <a:solidFill>
+                  <a:schemeClr val="tx1"/>
+                </a:solidFill>
+                <a:latin typeface="+mn-lt"/>
+                <a:ea typeface="+mn-ea"/>
+                <a:cs typeface="+mn-cs"/>
+              </a:defRPr>
+            </a:lvl4pPr>
+            <a:lvl5pPr marL="1828800" algn="l" defTabSz="914400" rtl="0" eaLnBrk="1" latinLnBrk="0" hangingPunct="1">
+              <a:defRPr sz="1800" kern="1200">
+                <a:solidFill>
+                  <a:schemeClr val="tx1"/>
+                </a:solidFill>
+                <a:latin typeface="+mn-lt"/>
+                <a:ea typeface="+mn-ea"/>
+                <a:cs typeface="+mn-cs"/>
+              </a:defRPr>
+            </a:lvl5pPr>
+            <a:lvl6pPr marL="2286000" algn="l" defTabSz="914400" rtl="0" eaLnBrk="1" latinLnBrk="0" hangingPunct="1">
+              <a:defRPr sz="1800" kern="1200">
+                <a:solidFill>
+                  <a:schemeClr val="tx1"/>
+                </a:solidFill>
+                <a:latin typeface="+mn-lt"/>
+                <a:ea typeface="+mn-ea"/>
+                <a:cs typeface="+mn-cs"/>
+              </a:defRPr>
+            </a:lvl6pPr>
+            <a:lvl7pPr marL="2743200" algn="l" defTabSz="914400" rtl="0" eaLnBrk="1" latinLnBrk="0" hangingPunct="1">
+              <a:defRPr sz="1800" kern="1200">
+                <a:solidFill>
+                  <a:schemeClr val="tx1"/>
+                </a:solidFill>
+                <a:latin typeface="+mn-lt"/>
+                <a:ea typeface="+mn-ea"/>
+                <a:cs typeface="+mn-cs"/>
+              </a:defRPr>
+            </a:lvl7pPr>
+            <a:lvl8pPr marL="3200400" algn="l" defTabSz="914400" rtl="0" eaLnBrk="1" latinLnBrk="0" hangingPunct="1">
+              <a:defRPr sz="1800" kern="1200">
+                <a:solidFill>
+                  <a:schemeClr val="tx1"/>
+                </a:solidFill>
+                <a:latin typeface="+mn-lt"/>
+                <a:ea typeface="+mn-ea"/>
+                <a:cs typeface="+mn-cs"/>
+              </a:defRPr>
+            </a:lvl8pPr>
+            <a:lvl9pPr marL="3657600" algn="l" defTabSz="914400" rtl="0" eaLnBrk="1" latinLnBrk="0" hangingPunct="1">
+              <a:defRPr sz="1800" kern="1200">
+                <a:solidFill>
+                  <a:schemeClr val="tx1"/>
+                </a:solidFill>
+                <a:latin typeface="+mn-lt"/>
+                <a:ea typeface="+mn-ea"/>
+                <a:cs typeface="+mn-cs"/>
+              </a:defRPr>
+            </a:lvl9pPr>
+          </a:lstStyle>
+          <a:p>
+            <a:pPr algn="r">
+              <a:lnSpc>
+                <a:spcPct val="150000"/>
+              </a:lnSpc>
+            </a:pPr>
+            <a:r>
+              <a:rPr lang="pt-PT" sz="800" dirty="0"/>
+              <a:t>12/09/2024</a:t>
+            </a:r>
+          </a:p>
+        </p:txBody>
+      </p:sp>
+    </p:spTree>
+    <p:extLst>
+      <p:ext uri="{BB962C8B-B14F-4D97-AF65-F5344CB8AC3E}">
+        <p14:creationId xmlns:p14="http://schemas.microsoft.com/office/powerpoint/2010/main" val="590479766"/>
+      </p:ext>
+    </p:extLst>
+  </p:cSld>
+  <p:clrMapOvr>
+    <a:masterClrMapping/>
+  </p:clrMapOvr>
+</p:sld>
+</file>
+
 <file path=ppt/slides/slide3.xml><?xml version="1.0" encoding="utf-8"?>
 <p:sld xmlns:a="http://schemas.openxmlformats.org/drawingml/2006/main" xmlns:r="http://schemas.openxmlformats.org/officeDocument/2006/relationships" xmlns:p="http://schemas.openxmlformats.org/presentationml/2006/main">
   <p:cSld>
@@ -31557,6 +33640,141 @@
             <a:r>
               <a:rPr lang="pt-PT" sz="800" dirty="0"/>
               <a:t>Alberto pingo | joão castro</a:t>
+            </a:r>
+          </a:p>
+        </p:txBody>
+      </p:sp>
+      <p:sp>
+        <p:nvSpPr>
+          <p:cNvPr id="5" name="Footer Placeholder 4">
+            <a:extLst>
+              <a:ext uri="{FF2B5EF4-FFF2-40B4-BE49-F238E27FC236}">
+                <a16:creationId xmlns:a16="http://schemas.microsoft.com/office/drawing/2014/main" id="{4A80572A-39EF-3302-6D21-F00A19AFCC62}"/>
+              </a:ext>
+            </a:extLst>
+          </p:cNvPr>
+          <p:cNvSpPr txBox="1">
+            <a:spLocks/>
+          </p:cNvSpPr>
+          <p:nvPr/>
+        </p:nvSpPr>
+        <p:spPr>
+          <a:xfrm>
+            <a:off x="10180722" y="285844"/>
+            <a:ext cx="1122680" cy="341555"/>
+          </a:xfrm>
+          <a:prstGeom prst="rect">
+            <a:avLst/>
+          </a:prstGeom>
+        </p:spPr>
+        <p:txBody>
+          <a:bodyPr vert="horz" lIns="91440" tIns="45720" rIns="91440" bIns="45720" rtlCol="0" anchor="ctr"/>
+          <a:lstStyle>
+            <a:defPPr>
+              <a:defRPr lang="en-US"/>
+            </a:defPPr>
+            <a:lvl1pPr marL="0" algn="ctr" defTabSz="914400" rtl="0" eaLnBrk="1" latinLnBrk="0" hangingPunct="1">
+              <a:defRPr sz="900" b="0" kern="1200" cap="all" spc="150" baseline="0">
+                <a:solidFill>
+                  <a:schemeClr val="bg2">
+                    <a:lumMod val="50000"/>
+                  </a:schemeClr>
+                </a:solidFill>
+                <a:latin typeface="Univers Light" panose="020B0403020202020204" pitchFamily="34" charset="0"/>
+                <a:ea typeface="+mn-ea"/>
+                <a:cs typeface="+mn-cs"/>
+              </a:defRPr>
+            </a:lvl1pPr>
+            <a:lvl2pPr marL="457200" algn="l" defTabSz="914400" rtl="0" eaLnBrk="1" latinLnBrk="0" hangingPunct="1">
+              <a:defRPr sz="1800" kern="1200">
+                <a:solidFill>
+                  <a:schemeClr val="tx1"/>
+                </a:solidFill>
+                <a:latin typeface="+mn-lt"/>
+                <a:ea typeface="+mn-ea"/>
+                <a:cs typeface="+mn-cs"/>
+              </a:defRPr>
+            </a:lvl2pPr>
+            <a:lvl3pPr marL="914400" algn="l" defTabSz="914400" rtl="0" eaLnBrk="1" latinLnBrk="0" hangingPunct="1">
+              <a:defRPr sz="1800" kern="1200">
+                <a:solidFill>
+                  <a:schemeClr val="tx1"/>
+                </a:solidFill>
+                <a:latin typeface="+mn-lt"/>
+                <a:ea typeface="+mn-ea"/>
+                <a:cs typeface="+mn-cs"/>
+              </a:defRPr>
+            </a:lvl3pPr>
+            <a:lvl4pPr marL="1371600" algn="l" defTabSz="914400" rtl="0" eaLnBrk="1" latinLnBrk="0" hangingPunct="1">
+              <a:defRPr sz="1800" kern="1200">
+                <a:solidFill>
+                  <a:schemeClr val="tx1"/>
+                </a:solidFill>
+                <a:latin typeface="+mn-lt"/>
+                <a:ea typeface="+mn-ea"/>
+                <a:cs typeface="+mn-cs"/>
+              </a:defRPr>
+            </a:lvl4pPr>
+            <a:lvl5pPr marL="1828800" algn="l" defTabSz="914400" rtl="0" eaLnBrk="1" latinLnBrk="0" hangingPunct="1">
+              <a:defRPr sz="1800" kern="1200">
+                <a:solidFill>
+                  <a:schemeClr val="tx1"/>
+                </a:solidFill>
+                <a:latin typeface="+mn-lt"/>
+                <a:ea typeface="+mn-ea"/>
+                <a:cs typeface="+mn-cs"/>
+              </a:defRPr>
+            </a:lvl5pPr>
+            <a:lvl6pPr marL="2286000" algn="l" defTabSz="914400" rtl="0" eaLnBrk="1" latinLnBrk="0" hangingPunct="1">
+              <a:defRPr sz="1800" kern="1200">
+                <a:solidFill>
+                  <a:schemeClr val="tx1"/>
+                </a:solidFill>
+                <a:latin typeface="+mn-lt"/>
+                <a:ea typeface="+mn-ea"/>
+                <a:cs typeface="+mn-cs"/>
+              </a:defRPr>
+            </a:lvl6pPr>
+            <a:lvl7pPr marL="2743200" algn="l" defTabSz="914400" rtl="0" eaLnBrk="1" latinLnBrk="0" hangingPunct="1">
+              <a:defRPr sz="1800" kern="1200">
+                <a:solidFill>
+                  <a:schemeClr val="tx1"/>
+                </a:solidFill>
+                <a:latin typeface="+mn-lt"/>
+                <a:ea typeface="+mn-ea"/>
+                <a:cs typeface="+mn-cs"/>
+              </a:defRPr>
+            </a:lvl7pPr>
+            <a:lvl8pPr marL="3200400" algn="l" defTabSz="914400" rtl="0" eaLnBrk="1" latinLnBrk="0" hangingPunct="1">
+              <a:defRPr sz="1800" kern="1200">
+                <a:solidFill>
+                  <a:schemeClr val="tx1"/>
+                </a:solidFill>
+                <a:latin typeface="+mn-lt"/>
+                <a:ea typeface="+mn-ea"/>
+                <a:cs typeface="+mn-cs"/>
+              </a:defRPr>
+            </a:lvl8pPr>
+            <a:lvl9pPr marL="3657600" algn="l" defTabSz="914400" rtl="0" eaLnBrk="1" latinLnBrk="0" hangingPunct="1">
+              <a:defRPr sz="1800" kern="1200">
+                <a:solidFill>
+                  <a:schemeClr val="tx1"/>
+                </a:solidFill>
+                <a:latin typeface="+mn-lt"/>
+                <a:ea typeface="+mn-ea"/>
+                <a:cs typeface="+mn-cs"/>
+              </a:defRPr>
+            </a:lvl9pPr>
+          </a:lstStyle>
+          <a:p>
+            <a:pPr algn="r">
+              <a:lnSpc>
+                <a:spcPct val="150000"/>
+              </a:lnSpc>
+            </a:pPr>
+            <a:r>
+              <a:rPr lang="pt-PT" sz="800" dirty="0"/>
+              <a:t>12/09/2024</a:t>
             </a:r>
           </a:p>
         </p:txBody>
@@ -31633,10 +33851,10 @@
       </p:sp>
       <p:sp>
         <p:nvSpPr>
-          <p:cNvPr id="2" name="TextBox 1">
+          <p:cNvPr id="9" name="TextBox 8">
             <a:extLst>
               <a:ext uri="{FF2B5EF4-FFF2-40B4-BE49-F238E27FC236}">
-                <a16:creationId xmlns:a16="http://schemas.microsoft.com/office/drawing/2014/main" id="{E9D6F773-4776-5A5C-D648-2B60572D9D07}"/>
+                <a16:creationId xmlns:a16="http://schemas.microsoft.com/office/drawing/2014/main" id="{4838CFFE-CCBC-7643-9050-19D40AED96C5}"/>
               </a:ext>
             </a:extLst>
           </p:cNvPr>
@@ -31645,7 +33863,7 @@
         </p:nvSpPr>
         <p:spPr>
           <a:xfrm>
-            <a:off x="6724644" y="2034329"/>
+            <a:off x="6724644" y="1947043"/>
             <a:ext cx="2152656" cy="515526"/>
           </a:xfrm>
           <a:prstGeom prst="rect">
@@ -31665,10 +33883,25 @@
               </a:lnSpc>
             </a:pPr>
             <a:r>
-              <a:rPr lang="en-US" sz="2000" dirty="0" err="1">
+              <a:rPr lang="en-GB" sz="2000" dirty="0" err="1">
                 <a:latin typeface="+mj-lt"/>
+                <a:cs typeface="Arial" panose="020B0604020202020204" pitchFamily="34" charset="0"/>
               </a:rPr>
-              <a:t>Dificuldades</a:t>
+              <a:t>Trabalho</a:t>
+            </a:r>
+            <a:r>
+              <a:rPr lang="en-GB" sz="2000" dirty="0">
+                <a:latin typeface="+mj-lt"/>
+                <a:cs typeface="Arial" panose="020B0604020202020204" pitchFamily="34" charset="0"/>
+              </a:rPr>
+              <a:t> </a:t>
+            </a:r>
+            <a:r>
+              <a:rPr lang="en-GB" sz="2000" dirty="0" err="1">
+                <a:latin typeface="+mj-lt"/>
+                <a:cs typeface="Arial" panose="020B0604020202020204" pitchFamily="34" charset="0"/>
+              </a:rPr>
+              <a:t>Futuro</a:t>
             </a:r>
             <a:endParaRPr lang="en-GB" sz="2000" dirty="0">
               <a:latin typeface="+mj-lt"/>
@@ -31679,10 +33912,10 @@
       </p:sp>
       <p:sp>
         <p:nvSpPr>
-          <p:cNvPr id="3" name="TextBox 2">
+          <p:cNvPr id="14" name="TextBox 13">
             <a:extLst>
               <a:ext uri="{FF2B5EF4-FFF2-40B4-BE49-F238E27FC236}">
-                <a16:creationId xmlns:a16="http://schemas.microsoft.com/office/drawing/2014/main" id="{4BD2ED64-6EDC-5049-5F37-C014C000A3D9}"/>
+                <a16:creationId xmlns:a16="http://schemas.microsoft.com/office/drawing/2014/main" id="{4FACCAE5-F625-25B5-9CDD-2344AA1A50B6}"/>
               </a:ext>
             </a:extLst>
           </p:cNvPr>
@@ -31691,7 +33924,7 @@
         </p:nvSpPr>
         <p:spPr>
           <a:xfrm>
-            <a:off x="1520662" y="2070819"/>
+            <a:off x="1520662" y="1983533"/>
             <a:ext cx="2870363" cy="515526"/>
           </a:xfrm>
           <a:prstGeom prst="rect">
@@ -31711,10 +33944,25 @@
               </a:lnSpc>
             </a:pPr>
             <a:r>
-              <a:rPr lang="en-US" sz="2000" dirty="0" err="1">
+              <a:rPr lang="en-GB" sz="2000" dirty="0" err="1">
                 <a:latin typeface="+mj-lt"/>
+                <a:cs typeface="Arial" panose="020B0604020202020204" pitchFamily="34" charset="0"/>
               </a:rPr>
-              <a:t>Desafios</a:t>
+              <a:t>Objetivos</a:t>
+            </a:r>
+            <a:r>
+              <a:rPr lang="en-GB" sz="2000" dirty="0">
+                <a:latin typeface="+mj-lt"/>
+                <a:cs typeface="Arial" panose="020B0604020202020204" pitchFamily="34" charset="0"/>
+              </a:rPr>
+              <a:t> </a:t>
+            </a:r>
+            <a:r>
+              <a:rPr lang="en-GB" sz="2000" dirty="0" err="1">
+                <a:latin typeface="+mj-lt"/>
+                <a:cs typeface="Arial" panose="020B0604020202020204" pitchFamily="34" charset="0"/>
+              </a:rPr>
+              <a:t>Cumpridos</a:t>
             </a:r>
             <a:endParaRPr lang="en-GB" sz="2000" dirty="0">
               <a:latin typeface="+mj-lt"/>
@@ -31725,10 +33973,10 @@
       </p:sp>
       <p:sp>
         <p:nvSpPr>
-          <p:cNvPr id="6" name="TextBox 5">
+          <p:cNvPr id="17" name="TextBox 16">
             <a:extLst>
               <a:ext uri="{FF2B5EF4-FFF2-40B4-BE49-F238E27FC236}">
-                <a16:creationId xmlns:a16="http://schemas.microsoft.com/office/drawing/2014/main" id="{C3463C09-B451-2365-E9F9-5336814EF339}"/>
+                <a16:creationId xmlns:a16="http://schemas.microsoft.com/office/drawing/2014/main" id="{C95C5D30-2DD7-C4B9-A6F8-C256BACD9280}"/>
               </a:ext>
             </a:extLst>
           </p:cNvPr>
@@ -31737,8 +33985,8 @@
         </p:nvSpPr>
         <p:spPr>
           <a:xfrm>
-            <a:off x="6724645" y="2724426"/>
-            <a:ext cx="4324356" cy="1458091"/>
+            <a:off x="6724645" y="2637140"/>
+            <a:ext cx="4324356" cy="2781531"/>
           </a:xfrm>
           <a:prstGeom prst="rect">
             <a:avLst/>
@@ -31766,7 +34014,7 @@
                 <a:latin typeface="+mj-lt"/>
                 <a:cs typeface="Arial" panose="020B0604020202020204" pitchFamily="34" charset="0"/>
               </a:rPr>
-              <a:t>Tratamento dos Dados</a:t>
+              <a:t>Expansão do dataset</a:t>
             </a:r>
           </a:p>
           <a:p>
@@ -31785,21 +34033,7 @@
                 <a:latin typeface="+mj-lt"/>
                 <a:cs typeface="Arial" panose="020B0604020202020204" pitchFamily="34" charset="0"/>
               </a:rPr>
-              <a:t>Dataset </a:t>
-            </a:r>
-            <a:r>
-              <a:rPr lang="pt-PT" dirty="0" err="1">
-                <a:latin typeface="+mj-lt"/>
-                <a:cs typeface="Arial" panose="020B0604020202020204" pitchFamily="34" charset="0"/>
-              </a:rPr>
-              <a:t>desbalanceado</a:t>
-            </a:r>
-            <a:r>
-              <a:rPr lang="pt-PT" dirty="0">
-                <a:latin typeface="+mj-lt"/>
-                <a:cs typeface="Arial" panose="020B0604020202020204" pitchFamily="34" charset="0"/>
-              </a:rPr>
-              <a:t> </a:t>
+              <a:t>Integração com tecnologias de veículos autónomos</a:t>
             </a:r>
           </a:p>
           <a:p>
@@ -31818,7 +34052,26 @@
                 <a:latin typeface="+mj-lt"/>
                 <a:cs typeface="Arial" panose="020B0604020202020204" pitchFamily="34" charset="0"/>
               </a:rPr>
-              <a:t>Escolha entre modelos</a:t>
+              <a:t>Estudos de impacto e usabilidade</a:t>
+            </a:r>
+          </a:p>
+          <a:p>
+            <a:pPr marL="342900" lvl="0" indent="-342900">
+              <a:lnSpc>
+                <a:spcPct val="150000"/>
+              </a:lnSpc>
+              <a:spcAft>
+                <a:spcPts val="600"/>
+              </a:spcAft>
+              <a:buFont typeface="Symbol" panose="05050102010706020507" pitchFamily="18" charset="2"/>
+              <a:buChar char=""/>
+            </a:pPr>
+            <a:r>
+              <a:rPr lang="pt-PT" dirty="0">
+                <a:latin typeface="+mj-lt"/>
+                <a:cs typeface="Arial" panose="020B0604020202020204" pitchFamily="34" charset="0"/>
+              </a:rPr>
+              <a:t>Aprimoramento dos modelos desenvolvidos</a:t>
             </a:r>
             <a:endParaRPr lang="en-US" dirty="0">
               <a:latin typeface="+mj-lt"/>
@@ -31829,10 +34082,10 @@
       </p:sp>
       <p:sp>
         <p:nvSpPr>
-          <p:cNvPr id="7" name="TextBox 6">
+          <p:cNvPr id="20" name="TextBox 19">
             <a:extLst>
               <a:ext uri="{FF2B5EF4-FFF2-40B4-BE49-F238E27FC236}">
-                <a16:creationId xmlns:a16="http://schemas.microsoft.com/office/drawing/2014/main" id="{CEA5FBB8-7582-CA7E-A74F-837139E14AB9}"/>
+                <a16:creationId xmlns:a16="http://schemas.microsoft.com/office/drawing/2014/main" id="{92EBE188-305F-8BF5-78DE-432F6BA18A2D}"/>
               </a:ext>
             </a:extLst>
           </p:cNvPr>
@@ -31841,8 +34094,8 @@
         </p:nvSpPr>
         <p:spPr>
           <a:xfrm>
-            <a:off x="1520662" y="2689835"/>
-            <a:ext cx="4324356" cy="1458091"/>
+            <a:off x="1520662" y="2602549"/>
+            <a:ext cx="4324356" cy="3197029"/>
           </a:xfrm>
           <a:prstGeom prst="rect">
             <a:avLst/>
@@ -31855,6 +34108,27 @@
           </a:bodyPr>
           <a:lstStyle/>
           <a:p>
+            <a:pPr marL="342900" lvl="0" indent="-342900">
+              <a:lnSpc>
+                <a:spcPct val="150000"/>
+              </a:lnSpc>
+              <a:spcAft>
+                <a:spcPts val="600"/>
+              </a:spcAft>
+              <a:buFont typeface="Symbol" panose="05050102010706020507" pitchFamily="18" charset="2"/>
+              <a:buChar char=""/>
+            </a:pPr>
+            <a:r>
+              <a:rPr lang="pt-PT" sz="1800" dirty="0">
+                <a:effectLst/>
+                <a:latin typeface="+mj-lt"/>
+                <a:ea typeface="Calibri" panose="020F0502020204030204" pitchFamily="34" charset="0"/>
+                <a:cs typeface="Arial" panose="020B0604020202020204" pitchFamily="34" charset="0"/>
+              </a:rPr>
+              <a:t>Criação de modelos LSTM </a:t>
+            </a:r>
+          </a:p>
+          <a:p>
             <a:pPr marL="342900" indent="-342900">
               <a:lnSpc>
                 <a:spcPct val="150000"/>
@@ -31866,19 +34140,63 @@
               <a:buChar char=""/>
             </a:pPr>
             <a:r>
+              <a:rPr lang="pt-PT" sz="1800" dirty="0">
+                <a:effectLst/>
+                <a:latin typeface="+mj-lt"/>
+                <a:ea typeface="Calibri" panose="020F0502020204030204" pitchFamily="34" charset="0"/>
+                <a:cs typeface="Arial" panose="020B0604020202020204" pitchFamily="34" charset="0"/>
+              </a:rPr>
+              <a:t>Treino dos modelos com o dados </a:t>
+            </a:r>
+            <a:r>
               <a:rPr lang="pt-PT" dirty="0" err="1">
                 <a:latin typeface="+mj-lt"/>
+                <a:ea typeface="Calibri" panose="020F0502020204030204" pitchFamily="34" charset="0"/>
                 <a:cs typeface="Arial" panose="020B0604020202020204" pitchFamily="34" charset="0"/>
               </a:rPr>
-              <a:t>Preprocessamento</a:t>
-            </a:r>
-            <a:r>
-              <a:rPr lang="pt-PT" dirty="0">
+              <a:t>p</a:t>
+            </a:r>
+            <a:r>
+              <a:rPr lang="pt-PT" sz="1800" dirty="0" err="1">
+                <a:effectLst/>
                 <a:latin typeface="+mj-lt"/>
+                <a:ea typeface="Calibri" panose="020F0502020204030204" pitchFamily="34" charset="0"/>
                 <a:cs typeface="Arial" panose="020B0604020202020204" pitchFamily="34" charset="0"/>
               </a:rPr>
-              <a:t> do dados</a:t>
-            </a:r>
+              <a:t>re</a:t>
+            </a:r>
+            <a:r>
+              <a:rPr lang="pt-PT" dirty="0" err="1">
+                <a:latin typeface="+mj-lt"/>
+                <a:ea typeface="Calibri" panose="020F0502020204030204" pitchFamily="34" charset="0"/>
+                <a:cs typeface="Arial" panose="020B0604020202020204" pitchFamily="34" charset="0"/>
+              </a:rPr>
+              <a:t>p</a:t>
+            </a:r>
+            <a:r>
+              <a:rPr lang="pt-PT" sz="1800" dirty="0" err="1">
+                <a:effectLst/>
+                <a:latin typeface="+mj-lt"/>
+                <a:ea typeface="Calibri" panose="020F0502020204030204" pitchFamily="34" charset="0"/>
+                <a:cs typeface="Arial" panose="020B0604020202020204" pitchFamily="34" charset="0"/>
+              </a:rPr>
+              <a:t>rocessados</a:t>
+            </a:r>
+            <a:r>
+              <a:rPr lang="pt-PT" sz="1800" dirty="0">
+                <a:effectLst/>
+                <a:latin typeface="+mj-lt"/>
+                <a:ea typeface="Calibri" panose="020F0502020204030204" pitchFamily="34" charset="0"/>
+                <a:cs typeface="Arial" panose="020B0604020202020204" pitchFamily="34" charset="0"/>
+              </a:rPr>
+              <a:t> </a:t>
+            </a:r>
+            <a:endParaRPr lang="en-US" sz="1800" dirty="0">
+              <a:effectLst/>
+              <a:latin typeface="+mj-lt"/>
+              <a:ea typeface="Calibri" panose="020F0502020204030204" pitchFamily="34" charset="0"/>
+              <a:cs typeface="Arial" panose="020B0604020202020204" pitchFamily="34" charset="0"/>
+            </a:endParaRPr>
           </a:p>
           <a:p>
             <a:pPr marL="342900" indent="-342900">
@@ -31892,22 +34210,25 @@
               <a:buChar char=""/>
             </a:pPr>
             <a:r>
-              <a:rPr lang="pt-PT" dirty="0" err="1">
+              <a:rPr lang="pt-PT" dirty="0">
                 <a:latin typeface="+mj-lt"/>
+                <a:ea typeface="Calibri" panose="020F0502020204030204" pitchFamily="34" charset="0"/>
                 <a:cs typeface="Arial" panose="020B0604020202020204" pitchFamily="34" charset="0"/>
               </a:rPr>
-              <a:t>Arquiterurar</a:t>
-            </a:r>
-            <a:r>
-              <a:rPr lang="pt-PT" dirty="0">
+              <a:t>C</a:t>
+            </a:r>
+            <a:r>
+              <a:rPr lang="pt-PT" sz="1800" dirty="0">
+                <a:effectLst/>
                 <a:latin typeface="+mj-lt"/>
+                <a:ea typeface="Calibri" panose="020F0502020204030204" pitchFamily="34" charset="0"/>
                 <a:cs typeface="Arial" panose="020B0604020202020204" pitchFamily="34" charset="0"/>
               </a:rPr>
-              <a:t> os modelos</a:t>
-            </a:r>
-          </a:p>
-          <a:p>
-            <a:pPr marL="342900" indent="-342900">
+              <a:t>lassificar o comportamento do condutor com elevado grau de precisão</a:t>
+            </a:r>
+          </a:p>
+          <a:p>
+            <a:pPr marL="342900" indent="-342900" algn="just">
               <a:lnSpc>
                 <a:spcPct val="150000"/>
               </a:lnSpc>
@@ -31918,14 +34239,18 @@
               <a:buChar char=""/>
             </a:pPr>
             <a:r>
-              <a:rPr lang="pt-PT" dirty="0">
+              <a:rPr lang="pt-PT" sz="1800" dirty="0">
+                <a:effectLst/>
                 <a:latin typeface="+mj-lt"/>
+                <a:ea typeface="Calibri" panose="020F0502020204030204" pitchFamily="34" charset="0"/>
                 <a:cs typeface="Arial" panose="020B0604020202020204" pitchFamily="34" charset="0"/>
               </a:rPr>
-              <a:t>Avaliar a qualidade do estado da arte</a:t>
-            </a:r>
-            <a:endParaRPr lang="en-US" dirty="0">
+              <a:t> Relatórios e análise</a:t>
+            </a:r>
+            <a:endParaRPr lang="en-US" sz="1800" dirty="0">
+              <a:effectLst/>
               <a:latin typeface="+mj-lt"/>
+              <a:ea typeface="Calibri" panose="020F0502020204030204" pitchFamily="34" charset="0"/>
               <a:cs typeface="Arial" panose="020B0604020202020204" pitchFamily="34" charset="0"/>
             </a:endParaRPr>
           </a:p>
@@ -31933,10 +34258,10 @@
       </p:sp>
       <p:sp>
         <p:nvSpPr>
-          <p:cNvPr id="10" name="Footer Placeholder 4">
+          <p:cNvPr id="6" name="Footer Placeholder 4">
             <a:extLst>
               <a:ext uri="{FF2B5EF4-FFF2-40B4-BE49-F238E27FC236}">
-                <a16:creationId xmlns:a16="http://schemas.microsoft.com/office/drawing/2014/main" id="{2B6006BB-BC46-913F-77DC-5E1EDFAFAD9B}"/>
+                <a16:creationId xmlns:a16="http://schemas.microsoft.com/office/drawing/2014/main" id="{4A6B169C-5B01-043B-CECA-8815CA5F149E}"/>
               </a:ext>
             </a:extLst>
           </p:cNvPr>
@@ -32079,10 +34404,10 @@
       </p:sp>
       <p:pic>
         <p:nvPicPr>
-          <p:cNvPr id="11" name="Picture 10" descr="A black background with a black square&#10;&#10;Description automatically generated with medium confidence">
+          <p:cNvPr id="7" name="Picture 6" descr="A black background with a black square&#10;&#10;Description automatically generated with medium confidence">
             <a:extLst>
               <a:ext uri="{FF2B5EF4-FFF2-40B4-BE49-F238E27FC236}">
-                <a16:creationId xmlns:a16="http://schemas.microsoft.com/office/drawing/2014/main" id="{9C1B1CA0-4F7A-68EE-7113-6EDF1270F684}"/>
+                <a16:creationId xmlns:a16="http://schemas.microsoft.com/office/drawing/2014/main" id="{29D66CAA-2642-0A88-3538-8283CE55ED76}"/>
               </a:ext>
             </a:extLst>
           </p:cNvPr>
@@ -32116,10 +34441,10 @@
       </p:pic>
       <p:sp>
         <p:nvSpPr>
-          <p:cNvPr id="14" name="Title 1">
+          <p:cNvPr id="8" name="Title 1">
             <a:extLst>
               <a:ext uri="{FF2B5EF4-FFF2-40B4-BE49-F238E27FC236}">
-                <a16:creationId xmlns:a16="http://schemas.microsoft.com/office/drawing/2014/main" id="{2830C3EC-AB36-05CF-9E65-4C44854E9172}"/>
+                <a16:creationId xmlns:a16="http://schemas.microsoft.com/office/drawing/2014/main" id="{A3E0C31A-4570-94C6-18D6-9D610698F9B2}"/>
               </a:ext>
             </a:extLst>
           </p:cNvPr>
@@ -32144,494 +34469,17 @@
           <a:p>
             <a:r>
               <a:rPr lang="pt-PT" sz="4000" dirty="0"/>
-              <a:t>Desafios e Dificuldades</a:t>
-            </a:r>
-          </a:p>
-        </p:txBody>
-      </p:sp>
-    </p:spTree>
-    <p:extLst>
-      <p:ext uri="{BB962C8B-B14F-4D97-AF65-F5344CB8AC3E}">
-        <p14:creationId xmlns:p14="http://schemas.microsoft.com/office/powerpoint/2010/main" val="590479766"/>
-      </p:ext>
-    </p:extLst>
-  </p:cSld>
-  <p:clrMapOvr>
-    <a:masterClrMapping/>
-  </p:clrMapOvr>
-</p:sld>
-</file>
-
-<file path=ppt/slides/slide31.xml><?xml version="1.0" encoding="utf-8"?>
-<p:sld xmlns:a="http://schemas.openxmlformats.org/drawingml/2006/main" xmlns:r="http://schemas.openxmlformats.org/officeDocument/2006/relationships" xmlns:p="http://schemas.openxmlformats.org/presentationml/2006/main">
-  <p:cSld>
-    <p:bg>
-      <p:bgPr>
-        <a:solidFill>
-          <a:schemeClr val="bg2">
-            <a:alpha val="0"/>
-          </a:schemeClr>
-        </a:solidFill>
-        <a:effectLst/>
-      </p:bgPr>
-    </p:bg>
-    <p:spTree>
-      <p:nvGrpSpPr>
-        <p:cNvPr id="1" name=""/>
-        <p:cNvGrpSpPr/>
-        <p:nvPr/>
-      </p:nvGrpSpPr>
-      <p:grpSpPr>
-        <a:xfrm>
-          <a:off x="0" y="0"/>
-          <a:ext cx="0" cy="0"/>
-          <a:chOff x="0" y="0"/>
-          <a:chExt cx="0" cy="0"/>
-        </a:xfrm>
-      </p:grpSpPr>
-      <p:sp>
-        <p:nvSpPr>
-          <p:cNvPr id="4" name="Slide Number Placeholder 3">
-            <a:extLst>
-              <a:ext uri="{FF2B5EF4-FFF2-40B4-BE49-F238E27FC236}">
-                <a16:creationId xmlns:a16="http://schemas.microsoft.com/office/drawing/2014/main" id="{527C964F-E2D5-D8E7-C513-C47A7E409DF3}"/>
-              </a:ext>
-            </a:extLst>
-          </p:cNvPr>
-          <p:cNvSpPr>
-            <a:spLocks noGrp="1"/>
-          </p:cNvSpPr>
-          <p:nvPr>
-            <p:ph type="sldNum" sz="quarter" idx="15"/>
-          </p:nvPr>
-        </p:nvSpPr>
-        <p:spPr/>
-        <p:txBody>
-          <a:bodyPr/>
-          <a:lstStyle/>
-          <a:p>
-            <a:fld id="{18D65601-5AE2-46FC-B138-694DDD2B510D}" type="slidenum">
-              <a:rPr lang="en-US" sz="1800" smtClean="0"/>
-              <a:pPr/>
-              <a:t>31</a:t>
-            </a:fld>
-            <a:endParaRPr lang="en-US" sz="1800" dirty="0"/>
+              <a:t>Conclusões</a:t>
+            </a:r>
           </a:p>
         </p:txBody>
       </p:sp>
       <p:sp>
         <p:nvSpPr>
-          <p:cNvPr id="9" name="TextBox 8">
+          <p:cNvPr id="3" name="Footer Placeholder 4">
             <a:extLst>
               <a:ext uri="{FF2B5EF4-FFF2-40B4-BE49-F238E27FC236}">
-                <a16:creationId xmlns:a16="http://schemas.microsoft.com/office/drawing/2014/main" id="{4838CFFE-CCBC-7643-9050-19D40AED96C5}"/>
-              </a:ext>
-            </a:extLst>
-          </p:cNvPr>
-          <p:cNvSpPr txBox="1"/>
-          <p:nvPr/>
-        </p:nvSpPr>
-        <p:spPr>
-          <a:xfrm>
-            <a:off x="6724644" y="1947043"/>
-            <a:ext cx="2152656" cy="515526"/>
-          </a:xfrm>
-          <a:prstGeom prst="rect">
-            <a:avLst/>
-          </a:prstGeom>
-          <a:noFill/>
-        </p:spPr>
-        <p:txBody>
-          <a:bodyPr wrap="square">
-            <a:spAutoFit/>
-          </a:bodyPr>
-          <a:lstStyle/>
-          <a:p>
-            <a:pPr>
-              <a:lnSpc>
-                <a:spcPct val="150000"/>
-              </a:lnSpc>
-            </a:pPr>
-            <a:r>
-              <a:rPr lang="en-GB" sz="2000" dirty="0" err="1">
-                <a:latin typeface="+mj-lt"/>
-                <a:cs typeface="Arial" panose="020B0604020202020204" pitchFamily="34" charset="0"/>
-              </a:rPr>
-              <a:t>Trabalho</a:t>
-            </a:r>
-            <a:r>
-              <a:rPr lang="en-GB" sz="2000" dirty="0">
-                <a:latin typeface="+mj-lt"/>
-                <a:cs typeface="Arial" panose="020B0604020202020204" pitchFamily="34" charset="0"/>
-              </a:rPr>
-              <a:t> </a:t>
-            </a:r>
-            <a:r>
-              <a:rPr lang="en-GB" sz="2000" dirty="0" err="1">
-                <a:latin typeface="+mj-lt"/>
-                <a:cs typeface="Arial" panose="020B0604020202020204" pitchFamily="34" charset="0"/>
-              </a:rPr>
-              <a:t>Futuro</a:t>
-            </a:r>
-            <a:endParaRPr lang="en-GB" sz="2000" dirty="0">
-              <a:latin typeface="+mj-lt"/>
-              <a:cs typeface="Arial" panose="020B0604020202020204" pitchFamily="34" charset="0"/>
-            </a:endParaRPr>
-          </a:p>
-        </p:txBody>
-      </p:sp>
-      <p:sp>
-        <p:nvSpPr>
-          <p:cNvPr id="14" name="TextBox 13">
-            <a:extLst>
-              <a:ext uri="{FF2B5EF4-FFF2-40B4-BE49-F238E27FC236}">
-                <a16:creationId xmlns:a16="http://schemas.microsoft.com/office/drawing/2014/main" id="{4FACCAE5-F625-25B5-9CDD-2344AA1A50B6}"/>
-              </a:ext>
-            </a:extLst>
-          </p:cNvPr>
-          <p:cNvSpPr txBox="1"/>
-          <p:nvPr/>
-        </p:nvSpPr>
-        <p:spPr>
-          <a:xfrm>
-            <a:off x="1520662" y="1983533"/>
-            <a:ext cx="2870363" cy="515526"/>
-          </a:xfrm>
-          <a:prstGeom prst="rect">
-            <a:avLst/>
-          </a:prstGeom>
-          <a:noFill/>
-        </p:spPr>
-        <p:txBody>
-          <a:bodyPr wrap="square">
-            <a:spAutoFit/>
-          </a:bodyPr>
-          <a:lstStyle/>
-          <a:p>
-            <a:pPr>
-              <a:lnSpc>
-                <a:spcPct val="150000"/>
-              </a:lnSpc>
-            </a:pPr>
-            <a:r>
-              <a:rPr lang="en-GB" sz="2000" dirty="0" err="1">
-                <a:latin typeface="+mj-lt"/>
-                <a:cs typeface="Arial" panose="020B0604020202020204" pitchFamily="34" charset="0"/>
-              </a:rPr>
-              <a:t>Objetivos</a:t>
-            </a:r>
-            <a:r>
-              <a:rPr lang="en-GB" sz="2000" dirty="0">
-                <a:latin typeface="+mj-lt"/>
-                <a:cs typeface="Arial" panose="020B0604020202020204" pitchFamily="34" charset="0"/>
-              </a:rPr>
-              <a:t> </a:t>
-            </a:r>
-            <a:r>
-              <a:rPr lang="en-GB" sz="2000" dirty="0" err="1">
-                <a:latin typeface="+mj-lt"/>
-                <a:cs typeface="Arial" panose="020B0604020202020204" pitchFamily="34" charset="0"/>
-              </a:rPr>
-              <a:t>Cumpridos</a:t>
-            </a:r>
-            <a:endParaRPr lang="en-GB" sz="2000" dirty="0">
-              <a:latin typeface="+mj-lt"/>
-              <a:cs typeface="Arial" panose="020B0604020202020204" pitchFamily="34" charset="0"/>
-            </a:endParaRPr>
-          </a:p>
-        </p:txBody>
-      </p:sp>
-      <p:sp>
-        <p:nvSpPr>
-          <p:cNvPr id="17" name="TextBox 16">
-            <a:extLst>
-              <a:ext uri="{FF2B5EF4-FFF2-40B4-BE49-F238E27FC236}">
-                <a16:creationId xmlns:a16="http://schemas.microsoft.com/office/drawing/2014/main" id="{C95C5D30-2DD7-C4B9-A6F8-C256BACD9280}"/>
-              </a:ext>
-            </a:extLst>
-          </p:cNvPr>
-          <p:cNvSpPr txBox="1"/>
-          <p:nvPr/>
-        </p:nvSpPr>
-        <p:spPr>
-          <a:xfrm>
-            <a:off x="6724645" y="2637140"/>
-            <a:ext cx="4324356" cy="2781531"/>
-          </a:xfrm>
-          <a:prstGeom prst="rect">
-            <a:avLst/>
-          </a:prstGeom>
-          <a:noFill/>
-        </p:spPr>
-        <p:txBody>
-          <a:bodyPr wrap="square">
-            <a:spAutoFit/>
-          </a:bodyPr>
-          <a:lstStyle/>
-          <a:p>
-            <a:pPr marL="342900" lvl="0" indent="-342900">
-              <a:lnSpc>
-                <a:spcPct val="150000"/>
-              </a:lnSpc>
-              <a:spcAft>
-                <a:spcPts val="600"/>
-              </a:spcAft>
-              <a:buFont typeface="Symbol" panose="05050102010706020507" pitchFamily="18" charset="2"/>
-              <a:buChar char=""/>
-            </a:pPr>
-            <a:r>
-              <a:rPr lang="pt-PT" dirty="0">
-                <a:latin typeface="+mj-lt"/>
-                <a:cs typeface="Arial" panose="020B0604020202020204" pitchFamily="34" charset="0"/>
-              </a:rPr>
-              <a:t>Expansão do dataset</a:t>
-            </a:r>
-          </a:p>
-          <a:p>
-            <a:pPr marL="342900" lvl="0" indent="-342900">
-              <a:lnSpc>
-                <a:spcPct val="150000"/>
-              </a:lnSpc>
-              <a:spcAft>
-                <a:spcPts val="600"/>
-              </a:spcAft>
-              <a:buFont typeface="Symbol" panose="05050102010706020507" pitchFamily="18" charset="2"/>
-              <a:buChar char=""/>
-            </a:pPr>
-            <a:r>
-              <a:rPr lang="pt-PT" dirty="0">
-                <a:latin typeface="+mj-lt"/>
-                <a:cs typeface="Arial" panose="020B0604020202020204" pitchFamily="34" charset="0"/>
-              </a:rPr>
-              <a:t>Integração com tecnologias de veículos autónomos</a:t>
-            </a:r>
-          </a:p>
-          <a:p>
-            <a:pPr marL="342900" lvl="0" indent="-342900">
-              <a:lnSpc>
-                <a:spcPct val="150000"/>
-              </a:lnSpc>
-              <a:spcAft>
-                <a:spcPts val="600"/>
-              </a:spcAft>
-              <a:buFont typeface="Symbol" panose="05050102010706020507" pitchFamily="18" charset="2"/>
-              <a:buChar char=""/>
-            </a:pPr>
-            <a:r>
-              <a:rPr lang="pt-PT" dirty="0">
-                <a:latin typeface="+mj-lt"/>
-                <a:cs typeface="Arial" panose="020B0604020202020204" pitchFamily="34" charset="0"/>
-              </a:rPr>
-              <a:t>Estudos de impacto e usabilidade</a:t>
-            </a:r>
-          </a:p>
-          <a:p>
-            <a:pPr marL="342900" lvl="0" indent="-342900">
-              <a:lnSpc>
-                <a:spcPct val="150000"/>
-              </a:lnSpc>
-              <a:spcAft>
-                <a:spcPts val="600"/>
-              </a:spcAft>
-              <a:buFont typeface="Symbol" panose="05050102010706020507" pitchFamily="18" charset="2"/>
-              <a:buChar char=""/>
-            </a:pPr>
-            <a:r>
-              <a:rPr lang="pt-PT" dirty="0">
-                <a:latin typeface="+mj-lt"/>
-                <a:cs typeface="Arial" panose="020B0604020202020204" pitchFamily="34" charset="0"/>
-              </a:rPr>
-              <a:t>Aprimoramento dos modelos desenvolvidos</a:t>
-            </a:r>
-            <a:endParaRPr lang="en-US" dirty="0">
-              <a:latin typeface="+mj-lt"/>
-              <a:cs typeface="Arial" panose="020B0604020202020204" pitchFamily="34" charset="0"/>
-            </a:endParaRPr>
-          </a:p>
-        </p:txBody>
-      </p:sp>
-      <p:sp>
-        <p:nvSpPr>
-          <p:cNvPr id="20" name="TextBox 19">
-            <a:extLst>
-              <a:ext uri="{FF2B5EF4-FFF2-40B4-BE49-F238E27FC236}">
-                <a16:creationId xmlns:a16="http://schemas.microsoft.com/office/drawing/2014/main" id="{92EBE188-305F-8BF5-78DE-432F6BA18A2D}"/>
-              </a:ext>
-            </a:extLst>
-          </p:cNvPr>
-          <p:cNvSpPr txBox="1"/>
-          <p:nvPr/>
-        </p:nvSpPr>
-        <p:spPr>
-          <a:xfrm>
-            <a:off x="1520662" y="2602549"/>
-            <a:ext cx="4324356" cy="3197029"/>
-          </a:xfrm>
-          <a:prstGeom prst="rect">
-            <a:avLst/>
-          </a:prstGeom>
-          <a:noFill/>
-        </p:spPr>
-        <p:txBody>
-          <a:bodyPr wrap="square">
-            <a:spAutoFit/>
-          </a:bodyPr>
-          <a:lstStyle/>
-          <a:p>
-            <a:pPr marL="342900" lvl="0" indent="-342900">
-              <a:lnSpc>
-                <a:spcPct val="150000"/>
-              </a:lnSpc>
-              <a:spcAft>
-                <a:spcPts val="600"/>
-              </a:spcAft>
-              <a:buFont typeface="Symbol" panose="05050102010706020507" pitchFamily="18" charset="2"/>
-              <a:buChar char=""/>
-            </a:pPr>
-            <a:r>
-              <a:rPr lang="pt-PT" sz="1800" dirty="0">
-                <a:effectLst/>
-                <a:latin typeface="+mj-lt"/>
-                <a:ea typeface="Calibri" panose="020F0502020204030204" pitchFamily="34" charset="0"/>
-                <a:cs typeface="Arial" panose="020B0604020202020204" pitchFamily="34" charset="0"/>
-              </a:rPr>
-              <a:t>Criação de modelos LSTM </a:t>
-            </a:r>
-          </a:p>
-          <a:p>
-            <a:pPr marL="342900" indent="-342900">
-              <a:lnSpc>
-                <a:spcPct val="150000"/>
-              </a:lnSpc>
-              <a:spcAft>
-                <a:spcPts val="600"/>
-              </a:spcAft>
-              <a:buFont typeface="Symbol" panose="05050102010706020507" pitchFamily="18" charset="2"/>
-              <a:buChar char=""/>
-            </a:pPr>
-            <a:r>
-              <a:rPr lang="pt-PT" sz="1800" dirty="0">
-                <a:effectLst/>
-                <a:latin typeface="+mj-lt"/>
-                <a:ea typeface="Calibri" panose="020F0502020204030204" pitchFamily="34" charset="0"/>
-                <a:cs typeface="Arial" panose="020B0604020202020204" pitchFamily="34" charset="0"/>
-              </a:rPr>
-              <a:t>Treino dos modelos com o dados </a:t>
-            </a:r>
-            <a:r>
-              <a:rPr lang="pt-PT" dirty="0" err="1">
-                <a:latin typeface="+mj-lt"/>
-                <a:ea typeface="Calibri" panose="020F0502020204030204" pitchFamily="34" charset="0"/>
-                <a:cs typeface="Arial" panose="020B0604020202020204" pitchFamily="34" charset="0"/>
-              </a:rPr>
-              <a:t>p</a:t>
-            </a:r>
-            <a:r>
-              <a:rPr lang="pt-PT" sz="1800" dirty="0" err="1">
-                <a:effectLst/>
-                <a:latin typeface="+mj-lt"/>
-                <a:ea typeface="Calibri" panose="020F0502020204030204" pitchFamily="34" charset="0"/>
-                <a:cs typeface="Arial" panose="020B0604020202020204" pitchFamily="34" charset="0"/>
-              </a:rPr>
-              <a:t>re</a:t>
-            </a:r>
-            <a:r>
-              <a:rPr lang="pt-PT" dirty="0" err="1">
-                <a:latin typeface="+mj-lt"/>
-                <a:ea typeface="Calibri" panose="020F0502020204030204" pitchFamily="34" charset="0"/>
-                <a:cs typeface="Arial" panose="020B0604020202020204" pitchFamily="34" charset="0"/>
-              </a:rPr>
-              <a:t>p</a:t>
-            </a:r>
-            <a:r>
-              <a:rPr lang="pt-PT" sz="1800" dirty="0" err="1">
-                <a:effectLst/>
-                <a:latin typeface="+mj-lt"/>
-                <a:ea typeface="Calibri" panose="020F0502020204030204" pitchFamily="34" charset="0"/>
-                <a:cs typeface="Arial" panose="020B0604020202020204" pitchFamily="34" charset="0"/>
-              </a:rPr>
-              <a:t>rocessados</a:t>
-            </a:r>
-            <a:r>
-              <a:rPr lang="pt-PT" sz="1800" dirty="0">
-                <a:effectLst/>
-                <a:latin typeface="+mj-lt"/>
-                <a:ea typeface="Calibri" panose="020F0502020204030204" pitchFamily="34" charset="0"/>
-                <a:cs typeface="Arial" panose="020B0604020202020204" pitchFamily="34" charset="0"/>
-              </a:rPr>
-              <a:t> </a:t>
-            </a:r>
-            <a:endParaRPr lang="en-US" sz="1800" dirty="0">
-              <a:effectLst/>
-              <a:latin typeface="+mj-lt"/>
-              <a:ea typeface="Calibri" panose="020F0502020204030204" pitchFamily="34" charset="0"/>
-              <a:cs typeface="Arial" panose="020B0604020202020204" pitchFamily="34" charset="0"/>
-            </a:endParaRPr>
-          </a:p>
-          <a:p>
-            <a:pPr marL="342900" indent="-342900">
-              <a:lnSpc>
-                <a:spcPct val="150000"/>
-              </a:lnSpc>
-              <a:spcAft>
-                <a:spcPts val="600"/>
-              </a:spcAft>
-              <a:buFont typeface="Symbol" panose="05050102010706020507" pitchFamily="18" charset="2"/>
-              <a:buChar char=""/>
-            </a:pPr>
-            <a:r>
-              <a:rPr lang="pt-PT" dirty="0">
-                <a:latin typeface="+mj-lt"/>
-                <a:ea typeface="Calibri" panose="020F0502020204030204" pitchFamily="34" charset="0"/>
-                <a:cs typeface="Arial" panose="020B0604020202020204" pitchFamily="34" charset="0"/>
-              </a:rPr>
-              <a:t>C</a:t>
-            </a:r>
-            <a:r>
-              <a:rPr lang="pt-PT" sz="1800" dirty="0">
-                <a:effectLst/>
-                <a:latin typeface="+mj-lt"/>
-                <a:ea typeface="Calibri" panose="020F0502020204030204" pitchFamily="34" charset="0"/>
-                <a:cs typeface="Arial" panose="020B0604020202020204" pitchFamily="34" charset="0"/>
-              </a:rPr>
-              <a:t>lassificar o comportamento do condutor com elevado grau de precisão</a:t>
-            </a:r>
-          </a:p>
-          <a:p>
-            <a:pPr marL="342900" indent="-342900" algn="just">
-              <a:lnSpc>
-                <a:spcPct val="150000"/>
-              </a:lnSpc>
-              <a:spcAft>
-                <a:spcPts val="600"/>
-              </a:spcAft>
-              <a:buFont typeface="Symbol" panose="05050102010706020507" pitchFamily="18" charset="2"/>
-              <a:buChar char=""/>
-            </a:pPr>
-            <a:r>
-              <a:rPr lang="pt-PT" sz="1800" dirty="0">
-                <a:effectLst/>
-                <a:latin typeface="+mj-lt"/>
-                <a:ea typeface="Calibri" panose="020F0502020204030204" pitchFamily="34" charset="0"/>
-                <a:cs typeface="Arial" panose="020B0604020202020204" pitchFamily="34" charset="0"/>
-              </a:rPr>
-              <a:t> Relatórios e análise</a:t>
-            </a:r>
-            <a:endParaRPr lang="en-US" sz="1800" dirty="0">
-              <a:effectLst/>
-              <a:latin typeface="+mj-lt"/>
-              <a:ea typeface="Calibri" panose="020F0502020204030204" pitchFamily="34" charset="0"/>
-              <a:cs typeface="Arial" panose="020B0604020202020204" pitchFamily="34" charset="0"/>
-            </a:endParaRPr>
-          </a:p>
-        </p:txBody>
-      </p:sp>
-      <p:sp>
-        <p:nvSpPr>
-          <p:cNvPr id="6" name="Footer Placeholder 4">
-            <a:extLst>
-              <a:ext uri="{FF2B5EF4-FFF2-40B4-BE49-F238E27FC236}">
-                <a16:creationId xmlns:a16="http://schemas.microsoft.com/office/drawing/2014/main" id="{4A6B169C-5B01-043B-CECA-8815CA5F149E}"/>
+                <a16:creationId xmlns:a16="http://schemas.microsoft.com/office/drawing/2014/main" id="{3AF82661-68DA-FC24-C1EB-53F2535E88D9}"/>
               </a:ext>
             </a:extLst>
           </p:cNvPr>
@@ -32642,8 +34490,8 @@
         </p:nvSpPr>
         <p:spPr>
           <a:xfrm>
-            <a:off x="4038600" y="6333565"/>
-            <a:ext cx="4114800" cy="365125"/>
+            <a:off x="10180722" y="285844"/>
+            <a:ext cx="1122680" cy="341555"/>
           </a:xfrm>
           <a:prstGeom prst="rect">
             <a:avLst/>
@@ -32749,97 +34597,14 @@
             </a:lvl9pPr>
           </a:lstStyle>
           <a:p>
-            <a:pPr>
+            <a:pPr algn="r">
               <a:lnSpc>
                 <a:spcPct val="150000"/>
               </a:lnSpc>
             </a:pPr>
             <a:r>
               <a:rPr lang="pt-PT" sz="800" dirty="0"/>
-              <a:t>Ai driving classification</a:t>
-            </a:r>
-          </a:p>
-          <a:p>
-            <a:pPr>
-              <a:lnSpc>
-                <a:spcPct val="150000"/>
-              </a:lnSpc>
-            </a:pPr>
-            <a:r>
-              <a:rPr lang="pt-PT" sz="800" dirty="0"/>
-              <a:t>Alberto pingo | joão castro</a:t>
-            </a:r>
-          </a:p>
-        </p:txBody>
-      </p:sp>
-      <p:pic>
-        <p:nvPicPr>
-          <p:cNvPr id="7" name="Picture 6" descr="A black background with a black square&#10;&#10;Description automatically generated with medium confidence">
-            <a:extLst>
-              <a:ext uri="{FF2B5EF4-FFF2-40B4-BE49-F238E27FC236}">
-                <a16:creationId xmlns:a16="http://schemas.microsoft.com/office/drawing/2014/main" id="{29D66CAA-2642-0A88-3538-8283CE55ED76}"/>
-              </a:ext>
-            </a:extLst>
-          </p:cNvPr>
-          <p:cNvPicPr>
-            <a:picLocks noChangeAspect="1"/>
-          </p:cNvPicPr>
-          <p:nvPr/>
-        </p:nvPicPr>
-        <p:blipFill>
-          <a:blip r:embed="rId3">
-            <a:alphaModFix amt="70000"/>
-            <a:extLst>
-              <a:ext uri="{28A0092B-C50C-407E-A947-70E740481C1C}">
-                <a14:useLocalDpi xmlns:a14="http://schemas.microsoft.com/office/drawing/2010/main" val="0"/>
-              </a:ext>
-            </a:extLst>
-          </a:blip>
-          <a:stretch>
-            <a:fillRect/>
-          </a:stretch>
-        </p:blipFill>
-        <p:spPr>
-          <a:xfrm>
-            <a:off x="10582445" y="5985436"/>
-            <a:ext cx="1441915" cy="568239"/>
-          </a:xfrm>
-          <a:prstGeom prst="rect">
-            <a:avLst/>
-          </a:prstGeom>
-        </p:spPr>
-      </p:pic>
-      <p:sp>
-        <p:nvSpPr>
-          <p:cNvPr id="8" name="Title 1">
-            <a:extLst>
-              <a:ext uri="{FF2B5EF4-FFF2-40B4-BE49-F238E27FC236}">
-                <a16:creationId xmlns:a16="http://schemas.microsoft.com/office/drawing/2014/main" id="{A3E0C31A-4570-94C6-18D6-9D610698F9B2}"/>
-              </a:ext>
-            </a:extLst>
-          </p:cNvPr>
-          <p:cNvSpPr>
-            <a:spLocks noGrp="1"/>
-          </p:cNvSpPr>
-          <p:nvPr>
-            <p:ph type="title"/>
-          </p:nvPr>
-        </p:nvSpPr>
-        <p:spPr>
-          <a:xfrm>
-            <a:off x="1520662" y="136525"/>
-            <a:ext cx="9150675" cy="1427585"/>
-          </a:xfrm>
-        </p:spPr>
-        <p:txBody>
-          <a:bodyPr>
-            <a:normAutofit/>
-          </a:bodyPr>
-          <a:lstStyle/>
-          <a:p>
-            <a:r>
-              <a:rPr lang="pt-PT" sz="4000" dirty="0"/>
-              <a:t>Conclusões</a:t>
+              <a:t>12/09/2024</a:t>
             </a:r>
           </a:p>
         </p:txBody>
@@ -32857,7 +34622,7 @@
 </p:sld>
 </file>
 
-<file path=ppt/slides/slide32.xml><?xml version="1.0" encoding="utf-8"?>
+<file path=ppt/slides/slide31.xml><?xml version="1.0" encoding="utf-8"?>
 <p:sld xmlns:a="http://schemas.openxmlformats.org/drawingml/2006/main" xmlns:r="http://schemas.openxmlformats.org/officeDocument/2006/relationships" xmlns:p="http://schemas.openxmlformats.org/presentationml/2006/main">
   <p:cSld>
     <p:bg>
@@ -33404,6 +35169,145 @@
           </a:prstGeom>
         </p:spPr>
       </p:pic>
+      <p:sp>
+        <p:nvSpPr>
+          <p:cNvPr id="5" name="Footer Placeholder 4">
+            <a:extLst>
+              <a:ext uri="{FF2B5EF4-FFF2-40B4-BE49-F238E27FC236}">
+                <a16:creationId xmlns:a16="http://schemas.microsoft.com/office/drawing/2014/main" id="{71D7BC47-FE20-82FB-C30C-84934A673ED8}"/>
+              </a:ext>
+            </a:extLst>
+          </p:cNvPr>
+          <p:cNvSpPr txBox="1">
+            <a:spLocks/>
+          </p:cNvSpPr>
+          <p:nvPr/>
+        </p:nvSpPr>
+        <p:spPr>
+          <a:xfrm>
+            <a:off x="10180722" y="285844"/>
+            <a:ext cx="1122680" cy="341555"/>
+          </a:xfrm>
+          <a:prstGeom prst="rect">
+            <a:avLst/>
+          </a:prstGeom>
+        </p:spPr>
+        <p:txBody>
+          <a:bodyPr vert="horz" lIns="91440" tIns="45720" rIns="91440" bIns="45720" rtlCol="0" anchor="ctr"/>
+          <a:lstStyle>
+            <a:defPPr>
+              <a:defRPr lang="en-US"/>
+            </a:defPPr>
+            <a:lvl1pPr marL="0" algn="ctr" defTabSz="914400" rtl="0" eaLnBrk="1" latinLnBrk="0" hangingPunct="1">
+              <a:defRPr sz="900" b="0" kern="1200" cap="all" spc="150" baseline="0">
+                <a:solidFill>
+                  <a:schemeClr val="bg2">
+                    <a:lumMod val="50000"/>
+                  </a:schemeClr>
+                </a:solidFill>
+                <a:latin typeface="Univers Light" panose="020B0403020202020204" pitchFamily="34" charset="0"/>
+                <a:ea typeface="+mn-ea"/>
+                <a:cs typeface="+mn-cs"/>
+              </a:defRPr>
+            </a:lvl1pPr>
+            <a:lvl2pPr marL="457200" algn="l" defTabSz="914400" rtl="0" eaLnBrk="1" latinLnBrk="0" hangingPunct="1">
+              <a:defRPr sz="1800" kern="1200">
+                <a:solidFill>
+                  <a:schemeClr val="tx1"/>
+                </a:solidFill>
+                <a:latin typeface="+mn-lt"/>
+                <a:ea typeface="+mn-ea"/>
+                <a:cs typeface="+mn-cs"/>
+              </a:defRPr>
+            </a:lvl2pPr>
+            <a:lvl3pPr marL="914400" algn="l" defTabSz="914400" rtl="0" eaLnBrk="1" latinLnBrk="0" hangingPunct="1">
+              <a:defRPr sz="1800" kern="1200">
+                <a:solidFill>
+                  <a:schemeClr val="tx1"/>
+                </a:solidFill>
+                <a:latin typeface="+mn-lt"/>
+                <a:ea typeface="+mn-ea"/>
+                <a:cs typeface="+mn-cs"/>
+              </a:defRPr>
+            </a:lvl3pPr>
+            <a:lvl4pPr marL="1371600" algn="l" defTabSz="914400" rtl="0" eaLnBrk="1" latinLnBrk="0" hangingPunct="1">
+              <a:defRPr sz="1800" kern="1200">
+                <a:solidFill>
+                  <a:schemeClr val="tx1"/>
+                </a:solidFill>
+                <a:latin typeface="+mn-lt"/>
+                <a:ea typeface="+mn-ea"/>
+                <a:cs typeface="+mn-cs"/>
+              </a:defRPr>
+            </a:lvl4pPr>
+            <a:lvl5pPr marL="1828800" algn="l" defTabSz="914400" rtl="0" eaLnBrk="1" latinLnBrk="0" hangingPunct="1">
+              <a:defRPr sz="1800" kern="1200">
+                <a:solidFill>
+                  <a:schemeClr val="tx1"/>
+                </a:solidFill>
+                <a:latin typeface="+mn-lt"/>
+                <a:ea typeface="+mn-ea"/>
+                <a:cs typeface="+mn-cs"/>
+              </a:defRPr>
+            </a:lvl5pPr>
+            <a:lvl6pPr marL="2286000" algn="l" defTabSz="914400" rtl="0" eaLnBrk="1" latinLnBrk="0" hangingPunct="1">
+              <a:defRPr sz="1800" kern="1200">
+                <a:solidFill>
+                  <a:schemeClr val="tx1"/>
+                </a:solidFill>
+                <a:latin typeface="+mn-lt"/>
+                <a:ea typeface="+mn-ea"/>
+                <a:cs typeface="+mn-cs"/>
+              </a:defRPr>
+            </a:lvl6pPr>
+            <a:lvl7pPr marL="2743200" algn="l" defTabSz="914400" rtl="0" eaLnBrk="1" latinLnBrk="0" hangingPunct="1">
+              <a:defRPr sz="1800" kern="1200">
+                <a:solidFill>
+                  <a:schemeClr val="tx1"/>
+                </a:solidFill>
+                <a:latin typeface="+mn-lt"/>
+                <a:ea typeface="+mn-ea"/>
+                <a:cs typeface="+mn-cs"/>
+              </a:defRPr>
+            </a:lvl7pPr>
+            <a:lvl8pPr marL="3200400" algn="l" defTabSz="914400" rtl="0" eaLnBrk="1" latinLnBrk="0" hangingPunct="1">
+              <a:defRPr sz="1800" kern="1200">
+                <a:solidFill>
+                  <a:schemeClr val="tx1"/>
+                </a:solidFill>
+                <a:latin typeface="+mn-lt"/>
+                <a:ea typeface="+mn-ea"/>
+                <a:cs typeface="+mn-cs"/>
+              </a:defRPr>
+            </a:lvl8pPr>
+            <a:lvl9pPr marL="3657600" algn="l" defTabSz="914400" rtl="0" eaLnBrk="1" latinLnBrk="0" hangingPunct="1">
+              <a:defRPr sz="1800" kern="1200">
+                <a:solidFill>
+                  <a:schemeClr val="tx1"/>
+                </a:solidFill>
+                <a:latin typeface="+mn-lt"/>
+                <a:ea typeface="+mn-ea"/>
+                <a:cs typeface="+mn-cs"/>
+              </a:defRPr>
+            </a:lvl9pPr>
+          </a:lstStyle>
+          <a:p>
+            <a:pPr algn="r">
+              <a:lnSpc>
+                <a:spcPct val="150000"/>
+              </a:lnSpc>
+            </a:pPr>
+            <a:r>
+              <a:rPr lang="pt-PT" sz="800" dirty="0">
+                <a:solidFill>
+                  <a:schemeClr val="bg1"/>
+                </a:solidFill>
+              </a:rPr>
+              <a:t>12/09/2024</a:t>
+            </a:r>
+          </a:p>
+        </p:txBody>
+      </p:sp>
     </p:spTree>
     <p:extLst>
       <p:ext uri="{BB962C8B-B14F-4D97-AF65-F5344CB8AC3E}">
@@ -33815,7 +35719,7 @@
           <p:nvPr>
             <p:extLst>
               <p:ext uri="{D42A27DB-BD31-4B8C-83A1-F6EECF244321}">
-                <p14:modId xmlns:p14="http://schemas.microsoft.com/office/powerpoint/2010/main" val="1154290888"/>
+                <p14:modId xmlns:p14="http://schemas.microsoft.com/office/powerpoint/2010/main" val="2991096224"/>
               </p:ext>
             </p:extLst>
           </p:nvPr>
@@ -34048,6 +35952,141 @@
           </a:prstGeom>
         </p:spPr>
       </p:pic>
+      <p:sp>
+        <p:nvSpPr>
+          <p:cNvPr id="3" name="Footer Placeholder 4">
+            <a:extLst>
+              <a:ext uri="{FF2B5EF4-FFF2-40B4-BE49-F238E27FC236}">
+                <a16:creationId xmlns:a16="http://schemas.microsoft.com/office/drawing/2014/main" id="{F54B3D46-773D-34BE-76AE-9503740A3B25}"/>
+              </a:ext>
+            </a:extLst>
+          </p:cNvPr>
+          <p:cNvSpPr txBox="1">
+            <a:spLocks/>
+          </p:cNvSpPr>
+          <p:nvPr/>
+        </p:nvSpPr>
+        <p:spPr>
+          <a:xfrm>
+            <a:off x="10180722" y="285844"/>
+            <a:ext cx="1122680" cy="341555"/>
+          </a:xfrm>
+          <a:prstGeom prst="rect">
+            <a:avLst/>
+          </a:prstGeom>
+        </p:spPr>
+        <p:txBody>
+          <a:bodyPr vert="horz" lIns="91440" tIns="45720" rIns="91440" bIns="45720" rtlCol="0" anchor="ctr"/>
+          <a:lstStyle>
+            <a:defPPr>
+              <a:defRPr lang="en-US"/>
+            </a:defPPr>
+            <a:lvl1pPr marL="0" algn="ctr" defTabSz="914400" rtl="0" eaLnBrk="1" latinLnBrk="0" hangingPunct="1">
+              <a:defRPr sz="900" b="0" kern="1200" cap="all" spc="150" baseline="0">
+                <a:solidFill>
+                  <a:schemeClr val="bg2">
+                    <a:lumMod val="50000"/>
+                  </a:schemeClr>
+                </a:solidFill>
+                <a:latin typeface="Univers Light" panose="020B0403020202020204" pitchFamily="34" charset="0"/>
+                <a:ea typeface="+mn-ea"/>
+                <a:cs typeface="+mn-cs"/>
+              </a:defRPr>
+            </a:lvl1pPr>
+            <a:lvl2pPr marL="457200" algn="l" defTabSz="914400" rtl="0" eaLnBrk="1" latinLnBrk="0" hangingPunct="1">
+              <a:defRPr sz="1800" kern="1200">
+                <a:solidFill>
+                  <a:schemeClr val="tx1"/>
+                </a:solidFill>
+                <a:latin typeface="+mn-lt"/>
+                <a:ea typeface="+mn-ea"/>
+                <a:cs typeface="+mn-cs"/>
+              </a:defRPr>
+            </a:lvl2pPr>
+            <a:lvl3pPr marL="914400" algn="l" defTabSz="914400" rtl="0" eaLnBrk="1" latinLnBrk="0" hangingPunct="1">
+              <a:defRPr sz="1800" kern="1200">
+                <a:solidFill>
+                  <a:schemeClr val="tx1"/>
+                </a:solidFill>
+                <a:latin typeface="+mn-lt"/>
+                <a:ea typeface="+mn-ea"/>
+                <a:cs typeface="+mn-cs"/>
+              </a:defRPr>
+            </a:lvl3pPr>
+            <a:lvl4pPr marL="1371600" algn="l" defTabSz="914400" rtl="0" eaLnBrk="1" latinLnBrk="0" hangingPunct="1">
+              <a:defRPr sz="1800" kern="1200">
+                <a:solidFill>
+                  <a:schemeClr val="tx1"/>
+                </a:solidFill>
+                <a:latin typeface="+mn-lt"/>
+                <a:ea typeface="+mn-ea"/>
+                <a:cs typeface="+mn-cs"/>
+              </a:defRPr>
+            </a:lvl4pPr>
+            <a:lvl5pPr marL="1828800" algn="l" defTabSz="914400" rtl="0" eaLnBrk="1" latinLnBrk="0" hangingPunct="1">
+              <a:defRPr sz="1800" kern="1200">
+                <a:solidFill>
+                  <a:schemeClr val="tx1"/>
+                </a:solidFill>
+                <a:latin typeface="+mn-lt"/>
+                <a:ea typeface="+mn-ea"/>
+                <a:cs typeface="+mn-cs"/>
+              </a:defRPr>
+            </a:lvl5pPr>
+            <a:lvl6pPr marL="2286000" algn="l" defTabSz="914400" rtl="0" eaLnBrk="1" latinLnBrk="0" hangingPunct="1">
+              <a:defRPr sz="1800" kern="1200">
+                <a:solidFill>
+                  <a:schemeClr val="tx1"/>
+                </a:solidFill>
+                <a:latin typeface="+mn-lt"/>
+                <a:ea typeface="+mn-ea"/>
+                <a:cs typeface="+mn-cs"/>
+              </a:defRPr>
+            </a:lvl6pPr>
+            <a:lvl7pPr marL="2743200" algn="l" defTabSz="914400" rtl="0" eaLnBrk="1" latinLnBrk="0" hangingPunct="1">
+              <a:defRPr sz="1800" kern="1200">
+                <a:solidFill>
+                  <a:schemeClr val="tx1"/>
+                </a:solidFill>
+                <a:latin typeface="+mn-lt"/>
+                <a:ea typeface="+mn-ea"/>
+                <a:cs typeface="+mn-cs"/>
+              </a:defRPr>
+            </a:lvl7pPr>
+            <a:lvl8pPr marL="3200400" algn="l" defTabSz="914400" rtl="0" eaLnBrk="1" latinLnBrk="0" hangingPunct="1">
+              <a:defRPr sz="1800" kern="1200">
+                <a:solidFill>
+                  <a:schemeClr val="tx1"/>
+                </a:solidFill>
+                <a:latin typeface="+mn-lt"/>
+                <a:ea typeface="+mn-ea"/>
+                <a:cs typeface="+mn-cs"/>
+              </a:defRPr>
+            </a:lvl8pPr>
+            <a:lvl9pPr marL="3657600" algn="l" defTabSz="914400" rtl="0" eaLnBrk="1" latinLnBrk="0" hangingPunct="1">
+              <a:defRPr sz="1800" kern="1200">
+                <a:solidFill>
+                  <a:schemeClr val="tx1"/>
+                </a:solidFill>
+                <a:latin typeface="+mn-lt"/>
+                <a:ea typeface="+mn-ea"/>
+                <a:cs typeface="+mn-cs"/>
+              </a:defRPr>
+            </a:lvl9pPr>
+          </a:lstStyle>
+          <a:p>
+            <a:pPr algn="r">
+              <a:lnSpc>
+                <a:spcPct val="150000"/>
+              </a:lnSpc>
+            </a:pPr>
+            <a:r>
+              <a:rPr lang="pt-PT" sz="800" dirty="0"/>
+              <a:t>12/09/2024</a:t>
+            </a:r>
+          </a:p>
+        </p:txBody>
+      </p:sp>
     </p:spTree>
     <p:extLst>
       <p:ext uri="{BB962C8B-B14F-4D97-AF65-F5344CB8AC3E}">
@@ -34853,6 +36892,141 @@
           </a:prstGeom>
         </p:spPr>
       </p:pic>
+      <p:sp>
+        <p:nvSpPr>
+          <p:cNvPr id="3" name="Footer Placeholder 4">
+            <a:extLst>
+              <a:ext uri="{FF2B5EF4-FFF2-40B4-BE49-F238E27FC236}">
+                <a16:creationId xmlns:a16="http://schemas.microsoft.com/office/drawing/2014/main" id="{316ED260-60FA-E66F-7458-C5E877F6A85F}"/>
+              </a:ext>
+            </a:extLst>
+          </p:cNvPr>
+          <p:cNvSpPr txBox="1">
+            <a:spLocks/>
+          </p:cNvSpPr>
+          <p:nvPr/>
+        </p:nvSpPr>
+        <p:spPr>
+          <a:xfrm>
+            <a:off x="10180722" y="285844"/>
+            <a:ext cx="1122680" cy="341555"/>
+          </a:xfrm>
+          <a:prstGeom prst="rect">
+            <a:avLst/>
+          </a:prstGeom>
+        </p:spPr>
+        <p:txBody>
+          <a:bodyPr vert="horz" lIns="91440" tIns="45720" rIns="91440" bIns="45720" rtlCol="0" anchor="ctr"/>
+          <a:lstStyle>
+            <a:defPPr>
+              <a:defRPr lang="en-US"/>
+            </a:defPPr>
+            <a:lvl1pPr marL="0" algn="ctr" defTabSz="914400" rtl="0" eaLnBrk="1" latinLnBrk="0" hangingPunct="1">
+              <a:defRPr sz="900" b="0" kern="1200" cap="all" spc="150" baseline="0">
+                <a:solidFill>
+                  <a:schemeClr val="bg2">
+                    <a:lumMod val="50000"/>
+                  </a:schemeClr>
+                </a:solidFill>
+                <a:latin typeface="Univers Light" panose="020B0403020202020204" pitchFamily="34" charset="0"/>
+                <a:ea typeface="+mn-ea"/>
+                <a:cs typeface="+mn-cs"/>
+              </a:defRPr>
+            </a:lvl1pPr>
+            <a:lvl2pPr marL="457200" algn="l" defTabSz="914400" rtl="0" eaLnBrk="1" latinLnBrk="0" hangingPunct="1">
+              <a:defRPr sz="1800" kern="1200">
+                <a:solidFill>
+                  <a:schemeClr val="tx1"/>
+                </a:solidFill>
+                <a:latin typeface="+mn-lt"/>
+                <a:ea typeface="+mn-ea"/>
+                <a:cs typeface="+mn-cs"/>
+              </a:defRPr>
+            </a:lvl2pPr>
+            <a:lvl3pPr marL="914400" algn="l" defTabSz="914400" rtl="0" eaLnBrk="1" latinLnBrk="0" hangingPunct="1">
+              <a:defRPr sz="1800" kern="1200">
+                <a:solidFill>
+                  <a:schemeClr val="tx1"/>
+                </a:solidFill>
+                <a:latin typeface="+mn-lt"/>
+                <a:ea typeface="+mn-ea"/>
+                <a:cs typeface="+mn-cs"/>
+              </a:defRPr>
+            </a:lvl3pPr>
+            <a:lvl4pPr marL="1371600" algn="l" defTabSz="914400" rtl="0" eaLnBrk="1" latinLnBrk="0" hangingPunct="1">
+              <a:defRPr sz="1800" kern="1200">
+                <a:solidFill>
+                  <a:schemeClr val="tx1"/>
+                </a:solidFill>
+                <a:latin typeface="+mn-lt"/>
+                <a:ea typeface="+mn-ea"/>
+                <a:cs typeface="+mn-cs"/>
+              </a:defRPr>
+            </a:lvl4pPr>
+            <a:lvl5pPr marL="1828800" algn="l" defTabSz="914400" rtl="0" eaLnBrk="1" latinLnBrk="0" hangingPunct="1">
+              <a:defRPr sz="1800" kern="1200">
+                <a:solidFill>
+                  <a:schemeClr val="tx1"/>
+                </a:solidFill>
+                <a:latin typeface="+mn-lt"/>
+                <a:ea typeface="+mn-ea"/>
+                <a:cs typeface="+mn-cs"/>
+              </a:defRPr>
+            </a:lvl5pPr>
+            <a:lvl6pPr marL="2286000" algn="l" defTabSz="914400" rtl="0" eaLnBrk="1" latinLnBrk="0" hangingPunct="1">
+              <a:defRPr sz="1800" kern="1200">
+                <a:solidFill>
+                  <a:schemeClr val="tx1"/>
+                </a:solidFill>
+                <a:latin typeface="+mn-lt"/>
+                <a:ea typeface="+mn-ea"/>
+                <a:cs typeface="+mn-cs"/>
+              </a:defRPr>
+            </a:lvl6pPr>
+            <a:lvl7pPr marL="2743200" algn="l" defTabSz="914400" rtl="0" eaLnBrk="1" latinLnBrk="0" hangingPunct="1">
+              <a:defRPr sz="1800" kern="1200">
+                <a:solidFill>
+                  <a:schemeClr val="tx1"/>
+                </a:solidFill>
+                <a:latin typeface="+mn-lt"/>
+                <a:ea typeface="+mn-ea"/>
+                <a:cs typeface="+mn-cs"/>
+              </a:defRPr>
+            </a:lvl7pPr>
+            <a:lvl8pPr marL="3200400" algn="l" defTabSz="914400" rtl="0" eaLnBrk="1" latinLnBrk="0" hangingPunct="1">
+              <a:defRPr sz="1800" kern="1200">
+                <a:solidFill>
+                  <a:schemeClr val="tx1"/>
+                </a:solidFill>
+                <a:latin typeface="+mn-lt"/>
+                <a:ea typeface="+mn-ea"/>
+                <a:cs typeface="+mn-cs"/>
+              </a:defRPr>
+            </a:lvl8pPr>
+            <a:lvl9pPr marL="3657600" algn="l" defTabSz="914400" rtl="0" eaLnBrk="1" latinLnBrk="0" hangingPunct="1">
+              <a:defRPr sz="1800" kern="1200">
+                <a:solidFill>
+                  <a:schemeClr val="tx1"/>
+                </a:solidFill>
+                <a:latin typeface="+mn-lt"/>
+                <a:ea typeface="+mn-ea"/>
+                <a:cs typeface="+mn-cs"/>
+              </a:defRPr>
+            </a:lvl9pPr>
+          </a:lstStyle>
+          <a:p>
+            <a:pPr algn="r">
+              <a:lnSpc>
+                <a:spcPct val="150000"/>
+              </a:lnSpc>
+            </a:pPr>
+            <a:r>
+              <a:rPr lang="pt-PT" sz="800" dirty="0"/>
+              <a:t>12/09/2024</a:t>
+            </a:r>
+          </a:p>
+        </p:txBody>
+      </p:sp>
     </p:spTree>
     <p:extLst>
       <p:ext uri="{BB962C8B-B14F-4D97-AF65-F5344CB8AC3E}">
@@ -35646,6 +37820,141 @@
           </a:p>
         </p:txBody>
       </p:sp>
+      <p:sp>
+        <p:nvSpPr>
+          <p:cNvPr id="8" name="Footer Placeholder 4">
+            <a:extLst>
+              <a:ext uri="{FF2B5EF4-FFF2-40B4-BE49-F238E27FC236}">
+                <a16:creationId xmlns:a16="http://schemas.microsoft.com/office/drawing/2014/main" id="{BEFCE727-E9CD-E71D-85CD-A9EA90D2DA0D}"/>
+              </a:ext>
+            </a:extLst>
+          </p:cNvPr>
+          <p:cNvSpPr txBox="1">
+            <a:spLocks/>
+          </p:cNvSpPr>
+          <p:nvPr/>
+        </p:nvSpPr>
+        <p:spPr>
+          <a:xfrm>
+            <a:off x="10180722" y="285844"/>
+            <a:ext cx="1122680" cy="341555"/>
+          </a:xfrm>
+          <a:prstGeom prst="rect">
+            <a:avLst/>
+          </a:prstGeom>
+        </p:spPr>
+        <p:txBody>
+          <a:bodyPr vert="horz" lIns="91440" tIns="45720" rIns="91440" bIns="45720" rtlCol="0" anchor="ctr"/>
+          <a:lstStyle>
+            <a:defPPr>
+              <a:defRPr lang="en-US"/>
+            </a:defPPr>
+            <a:lvl1pPr marL="0" algn="ctr" defTabSz="914400" rtl="0" eaLnBrk="1" latinLnBrk="0" hangingPunct="1">
+              <a:defRPr sz="900" b="0" kern="1200" cap="all" spc="150" baseline="0">
+                <a:solidFill>
+                  <a:schemeClr val="bg2">
+                    <a:lumMod val="50000"/>
+                  </a:schemeClr>
+                </a:solidFill>
+                <a:latin typeface="Univers Light" panose="020B0403020202020204" pitchFamily="34" charset="0"/>
+                <a:ea typeface="+mn-ea"/>
+                <a:cs typeface="+mn-cs"/>
+              </a:defRPr>
+            </a:lvl1pPr>
+            <a:lvl2pPr marL="457200" algn="l" defTabSz="914400" rtl="0" eaLnBrk="1" latinLnBrk="0" hangingPunct="1">
+              <a:defRPr sz="1800" kern="1200">
+                <a:solidFill>
+                  <a:schemeClr val="tx1"/>
+                </a:solidFill>
+                <a:latin typeface="+mn-lt"/>
+                <a:ea typeface="+mn-ea"/>
+                <a:cs typeface="+mn-cs"/>
+              </a:defRPr>
+            </a:lvl2pPr>
+            <a:lvl3pPr marL="914400" algn="l" defTabSz="914400" rtl="0" eaLnBrk="1" latinLnBrk="0" hangingPunct="1">
+              <a:defRPr sz="1800" kern="1200">
+                <a:solidFill>
+                  <a:schemeClr val="tx1"/>
+                </a:solidFill>
+                <a:latin typeface="+mn-lt"/>
+                <a:ea typeface="+mn-ea"/>
+                <a:cs typeface="+mn-cs"/>
+              </a:defRPr>
+            </a:lvl3pPr>
+            <a:lvl4pPr marL="1371600" algn="l" defTabSz="914400" rtl="0" eaLnBrk="1" latinLnBrk="0" hangingPunct="1">
+              <a:defRPr sz="1800" kern="1200">
+                <a:solidFill>
+                  <a:schemeClr val="tx1"/>
+                </a:solidFill>
+                <a:latin typeface="+mn-lt"/>
+                <a:ea typeface="+mn-ea"/>
+                <a:cs typeface="+mn-cs"/>
+              </a:defRPr>
+            </a:lvl4pPr>
+            <a:lvl5pPr marL="1828800" algn="l" defTabSz="914400" rtl="0" eaLnBrk="1" latinLnBrk="0" hangingPunct="1">
+              <a:defRPr sz="1800" kern="1200">
+                <a:solidFill>
+                  <a:schemeClr val="tx1"/>
+                </a:solidFill>
+                <a:latin typeface="+mn-lt"/>
+                <a:ea typeface="+mn-ea"/>
+                <a:cs typeface="+mn-cs"/>
+              </a:defRPr>
+            </a:lvl5pPr>
+            <a:lvl6pPr marL="2286000" algn="l" defTabSz="914400" rtl="0" eaLnBrk="1" latinLnBrk="0" hangingPunct="1">
+              <a:defRPr sz="1800" kern="1200">
+                <a:solidFill>
+                  <a:schemeClr val="tx1"/>
+                </a:solidFill>
+                <a:latin typeface="+mn-lt"/>
+                <a:ea typeface="+mn-ea"/>
+                <a:cs typeface="+mn-cs"/>
+              </a:defRPr>
+            </a:lvl6pPr>
+            <a:lvl7pPr marL="2743200" algn="l" defTabSz="914400" rtl="0" eaLnBrk="1" latinLnBrk="0" hangingPunct="1">
+              <a:defRPr sz="1800" kern="1200">
+                <a:solidFill>
+                  <a:schemeClr val="tx1"/>
+                </a:solidFill>
+                <a:latin typeface="+mn-lt"/>
+                <a:ea typeface="+mn-ea"/>
+                <a:cs typeface="+mn-cs"/>
+              </a:defRPr>
+            </a:lvl7pPr>
+            <a:lvl8pPr marL="3200400" algn="l" defTabSz="914400" rtl="0" eaLnBrk="1" latinLnBrk="0" hangingPunct="1">
+              <a:defRPr sz="1800" kern="1200">
+                <a:solidFill>
+                  <a:schemeClr val="tx1"/>
+                </a:solidFill>
+                <a:latin typeface="+mn-lt"/>
+                <a:ea typeface="+mn-ea"/>
+                <a:cs typeface="+mn-cs"/>
+              </a:defRPr>
+            </a:lvl8pPr>
+            <a:lvl9pPr marL="3657600" algn="l" defTabSz="914400" rtl="0" eaLnBrk="1" latinLnBrk="0" hangingPunct="1">
+              <a:defRPr sz="1800" kern="1200">
+                <a:solidFill>
+                  <a:schemeClr val="tx1"/>
+                </a:solidFill>
+                <a:latin typeface="+mn-lt"/>
+                <a:ea typeface="+mn-ea"/>
+                <a:cs typeface="+mn-cs"/>
+              </a:defRPr>
+            </a:lvl9pPr>
+          </a:lstStyle>
+          <a:p>
+            <a:pPr algn="r">
+              <a:lnSpc>
+                <a:spcPct val="150000"/>
+              </a:lnSpc>
+            </a:pPr>
+            <a:r>
+              <a:rPr lang="pt-PT" sz="800" dirty="0"/>
+              <a:t>12/09/2024</a:t>
+            </a:r>
+          </a:p>
+        </p:txBody>
+      </p:sp>
     </p:spTree>
     <p:extLst>
       <p:ext uri="{BB962C8B-B14F-4D97-AF65-F5344CB8AC3E}">
@@ -36082,6 +38391,141 @@
           </a:prstGeom>
         </p:spPr>
       </p:pic>
+      <p:sp>
+        <p:nvSpPr>
+          <p:cNvPr id="6" name="Footer Placeholder 4">
+            <a:extLst>
+              <a:ext uri="{FF2B5EF4-FFF2-40B4-BE49-F238E27FC236}">
+                <a16:creationId xmlns:a16="http://schemas.microsoft.com/office/drawing/2014/main" id="{74BED5D8-89F3-63F4-7546-1921FF45C886}"/>
+              </a:ext>
+            </a:extLst>
+          </p:cNvPr>
+          <p:cNvSpPr txBox="1">
+            <a:spLocks/>
+          </p:cNvSpPr>
+          <p:nvPr/>
+        </p:nvSpPr>
+        <p:spPr>
+          <a:xfrm>
+            <a:off x="10180722" y="285844"/>
+            <a:ext cx="1122680" cy="341555"/>
+          </a:xfrm>
+          <a:prstGeom prst="rect">
+            <a:avLst/>
+          </a:prstGeom>
+        </p:spPr>
+        <p:txBody>
+          <a:bodyPr vert="horz" lIns="91440" tIns="45720" rIns="91440" bIns="45720" rtlCol="0" anchor="ctr"/>
+          <a:lstStyle>
+            <a:defPPr>
+              <a:defRPr lang="en-US"/>
+            </a:defPPr>
+            <a:lvl1pPr marL="0" algn="ctr" defTabSz="914400" rtl="0" eaLnBrk="1" latinLnBrk="0" hangingPunct="1">
+              <a:defRPr sz="900" b="0" kern="1200" cap="all" spc="150" baseline="0">
+                <a:solidFill>
+                  <a:schemeClr val="bg2">
+                    <a:lumMod val="50000"/>
+                  </a:schemeClr>
+                </a:solidFill>
+                <a:latin typeface="Univers Light" panose="020B0403020202020204" pitchFamily="34" charset="0"/>
+                <a:ea typeface="+mn-ea"/>
+                <a:cs typeface="+mn-cs"/>
+              </a:defRPr>
+            </a:lvl1pPr>
+            <a:lvl2pPr marL="457200" algn="l" defTabSz="914400" rtl="0" eaLnBrk="1" latinLnBrk="0" hangingPunct="1">
+              <a:defRPr sz="1800" kern="1200">
+                <a:solidFill>
+                  <a:schemeClr val="tx1"/>
+                </a:solidFill>
+                <a:latin typeface="+mn-lt"/>
+                <a:ea typeface="+mn-ea"/>
+                <a:cs typeface="+mn-cs"/>
+              </a:defRPr>
+            </a:lvl2pPr>
+            <a:lvl3pPr marL="914400" algn="l" defTabSz="914400" rtl="0" eaLnBrk="1" latinLnBrk="0" hangingPunct="1">
+              <a:defRPr sz="1800" kern="1200">
+                <a:solidFill>
+                  <a:schemeClr val="tx1"/>
+                </a:solidFill>
+                <a:latin typeface="+mn-lt"/>
+                <a:ea typeface="+mn-ea"/>
+                <a:cs typeface="+mn-cs"/>
+              </a:defRPr>
+            </a:lvl3pPr>
+            <a:lvl4pPr marL="1371600" algn="l" defTabSz="914400" rtl="0" eaLnBrk="1" latinLnBrk="0" hangingPunct="1">
+              <a:defRPr sz="1800" kern="1200">
+                <a:solidFill>
+                  <a:schemeClr val="tx1"/>
+                </a:solidFill>
+                <a:latin typeface="+mn-lt"/>
+                <a:ea typeface="+mn-ea"/>
+                <a:cs typeface="+mn-cs"/>
+              </a:defRPr>
+            </a:lvl4pPr>
+            <a:lvl5pPr marL="1828800" algn="l" defTabSz="914400" rtl="0" eaLnBrk="1" latinLnBrk="0" hangingPunct="1">
+              <a:defRPr sz="1800" kern="1200">
+                <a:solidFill>
+                  <a:schemeClr val="tx1"/>
+                </a:solidFill>
+                <a:latin typeface="+mn-lt"/>
+                <a:ea typeface="+mn-ea"/>
+                <a:cs typeface="+mn-cs"/>
+              </a:defRPr>
+            </a:lvl5pPr>
+            <a:lvl6pPr marL="2286000" algn="l" defTabSz="914400" rtl="0" eaLnBrk="1" latinLnBrk="0" hangingPunct="1">
+              <a:defRPr sz="1800" kern="1200">
+                <a:solidFill>
+                  <a:schemeClr val="tx1"/>
+                </a:solidFill>
+                <a:latin typeface="+mn-lt"/>
+                <a:ea typeface="+mn-ea"/>
+                <a:cs typeface="+mn-cs"/>
+              </a:defRPr>
+            </a:lvl6pPr>
+            <a:lvl7pPr marL="2743200" algn="l" defTabSz="914400" rtl="0" eaLnBrk="1" latinLnBrk="0" hangingPunct="1">
+              <a:defRPr sz="1800" kern="1200">
+                <a:solidFill>
+                  <a:schemeClr val="tx1"/>
+                </a:solidFill>
+                <a:latin typeface="+mn-lt"/>
+                <a:ea typeface="+mn-ea"/>
+                <a:cs typeface="+mn-cs"/>
+              </a:defRPr>
+            </a:lvl7pPr>
+            <a:lvl8pPr marL="3200400" algn="l" defTabSz="914400" rtl="0" eaLnBrk="1" latinLnBrk="0" hangingPunct="1">
+              <a:defRPr sz="1800" kern="1200">
+                <a:solidFill>
+                  <a:schemeClr val="tx1"/>
+                </a:solidFill>
+                <a:latin typeface="+mn-lt"/>
+                <a:ea typeface="+mn-ea"/>
+                <a:cs typeface="+mn-cs"/>
+              </a:defRPr>
+            </a:lvl8pPr>
+            <a:lvl9pPr marL="3657600" algn="l" defTabSz="914400" rtl="0" eaLnBrk="1" latinLnBrk="0" hangingPunct="1">
+              <a:defRPr sz="1800" kern="1200">
+                <a:solidFill>
+                  <a:schemeClr val="tx1"/>
+                </a:solidFill>
+                <a:latin typeface="+mn-lt"/>
+                <a:ea typeface="+mn-ea"/>
+                <a:cs typeface="+mn-cs"/>
+              </a:defRPr>
+            </a:lvl9pPr>
+          </a:lstStyle>
+          <a:p>
+            <a:pPr algn="r">
+              <a:lnSpc>
+                <a:spcPct val="150000"/>
+              </a:lnSpc>
+            </a:pPr>
+            <a:r>
+              <a:rPr lang="pt-PT" sz="800" dirty="0"/>
+              <a:t>12/09/2024</a:t>
+            </a:r>
+          </a:p>
+        </p:txBody>
+      </p:sp>
     </p:spTree>
     <p:extLst>
       <p:ext uri="{BB962C8B-B14F-4D97-AF65-F5344CB8AC3E}">
@@ -36789,6 +39233,141 @@
           </a:prstGeom>
         </p:spPr>
       </p:pic>
+      <p:sp>
+        <p:nvSpPr>
+          <p:cNvPr id="10" name="Footer Placeholder 4">
+            <a:extLst>
+              <a:ext uri="{FF2B5EF4-FFF2-40B4-BE49-F238E27FC236}">
+                <a16:creationId xmlns:a16="http://schemas.microsoft.com/office/drawing/2014/main" id="{157B9CF4-AE80-21C7-2934-B3343FBA0D73}"/>
+              </a:ext>
+            </a:extLst>
+          </p:cNvPr>
+          <p:cNvSpPr txBox="1">
+            <a:spLocks/>
+          </p:cNvSpPr>
+          <p:nvPr/>
+        </p:nvSpPr>
+        <p:spPr>
+          <a:xfrm>
+            <a:off x="10180722" y="285844"/>
+            <a:ext cx="1122680" cy="341555"/>
+          </a:xfrm>
+          <a:prstGeom prst="rect">
+            <a:avLst/>
+          </a:prstGeom>
+        </p:spPr>
+        <p:txBody>
+          <a:bodyPr vert="horz" lIns="91440" tIns="45720" rIns="91440" bIns="45720" rtlCol="0" anchor="ctr"/>
+          <a:lstStyle>
+            <a:defPPr>
+              <a:defRPr lang="en-US"/>
+            </a:defPPr>
+            <a:lvl1pPr marL="0" algn="ctr" defTabSz="914400" rtl="0" eaLnBrk="1" latinLnBrk="0" hangingPunct="1">
+              <a:defRPr sz="900" b="0" kern="1200" cap="all" spc="150" baseline="0">
+                <a:solidFill>
+                  <a:schemeClr val="bg2">
+                    <a:lumMod val="50000"/>
+                  </a:schemeClr>
+                </a:solidFill>
+                <a:latin typeface="Univers Light" panose="020B0403020202020204" pitchFamily="34" charset="0"/>
+                <a:ea typeface="+mn-ea"/>
+                <a:cs typeface="+mn-cs"/>
+              </a:defRPr>
+            </a:lvl1pPr>
+            <a:lvl2pPr marL="457200" algn="l" defTabSz="914400" rtl="0" eaLnBrk="1" latinLnBrk="0" hangingPunct="1">
+              <a:defRPr sz="1800" kern="1200">
+                <a:solidFill>
+                  <a:schemeClr val="tx1"/>
+                </a:solidFill>
+                <a:latin typeface="+mn-lt"/>
+                <a:ea typeface="+mn-ea"/>
+                <a:cs typeface="+mn-cs"/>
+              </a:defRPr>
+            </a:lvl2pPr>
+            <a:lvl3pPr marL="914400" algn="l" defTabSz="914400" rtl="0" eaLnBrk="1" latinLnBrk="0" hangingPunct="1">
+              <a:defRPr sz="1800" kern="1200">
+                <a:solidFill>
+                  <a:schemeClr val="tx1"/>
+                </a:solidFill>
+                <a:latin typeface="+mn-lt"/>
+                <a:ea typeface="+mn-ea"/>
+                <a:cs typeface="+mn-cs"/>
+              </a:defRPr>
+            </a:lvl3pPr>
+            <a:lvl4pPr marL="1371600" algn="l" defTabSz="914400" rtl="0" eaLnBrk="1" latinLnBrk="0" hangingPunct="1">
+              <a:defRPr sz="1800" kern="1200">
+                <a:solidFill>
+                  <a:schemeClr val="tx1"/>
+                </a:solidFill>
+                <a:latin typeface="+mn-lt"/>
+                <a:ea typeface="+mn-ea"/>
+                <a:cs typeface="+mn-cs"/>
+              </a:defRPr>
+            </a:lvl4pPr>
+            <a:lvl5pPr marL="1828800" algn="l" defTabSz="914400" rtl="0" eaLnBrk="1" latinLnBrk="0" hangingPunct="1">
+              <a:defRPr sz="1800" kern="1200">
+                <a:solidFill>
+                  <a:schemeClr val="tx1"/>
+                </a:solidFill>
+                <a:latin typeface="+mn-lt"/>
+                <a:ea typeface="+mn-ea"/>
+                <a:cs typeface="+mn-cs"/>
+              </a:defRPr>
+            </a:lvl5pPr>
+            <a:lvl6pPr marL="2286000" algn="l" defTabSz="914400" rtl="0" eaLnBrk="1" latinLnBrk="0" hangingPunct="1">
+              <a:defRPr sz="1800" kern="1200">
+                <a:solidFill>
+                  <a:schemeClr val="tx1"/>
+                </a:solidFill>
+                <a:latin typeface="+mn-lt"/>
+                <a:ea typeface="+mn-ea"/>
+                <a:cs typeface="+mn-cs"/>
+              </a:defRPr>
+            </a:lvl6pPr>
+            <a:lvl7pPr marL="2743200" algn="l" defTabSz="914400" rtl="0" eaLnBrk="1" latinLnBrk="0" hangingPunct="1">
+              <a:defRPr sz="1800" kern="1200">
+                <a:solidFill>
+                  <a:schemeClr val="tx1"/>
+                </a:solidFill>
+                <a:latin typeface="+mn-lt"/>
+                <a:ea typeface="+mn-ea"/>
+                <a:cs typeface="+mn-cs"/>
+              </a:defRPr>
+            </a:lvl7pPr>
+            <a:lvl8pPr marL="3200400" algn="l" defTabSz="914400" rtl="0" eaLnBrk="1" latinLnBrk="0" hangingPunct="1">
+              <a:defRPr sz="1800" kern="1200">
+                <a:solidFill>
+                  <a:schemeClr val="tx1"/>
+                </a:solidFill>
+                <a:latin typeface="+mn-lt"/>
+                <a:ea typeface="+mn-ea"/>
+                <a:cs typeface="+mn-cs"/>
+              </a:defRPr>
+            </a:lvl8pPr>
+            <a:lvl9pPr marL="3657600" algn="l" defTabSz="914400" rtl="0" eaLnBrk="1" latinLnBrk="0" hangingPunct="1">
+              <a:defRPr sz="1800" kern="1200">
+                <a:solidFill>
+                  <a:schemeClr val="tx1"/>
+                </a:solidFill>
+                <a:latin typeface="+mn-lt"/>
+                <a:ea typeface="+mn-ea"/>
+                <a:cs typeface="+mn-cs"/>
+              </a:defRPr>
+            </a:lvl9pPr>
+          </a:lstStyle>
+          <a:p>
+            <a:pPr algn="r">
+              <a:lnSpc>
+                <a:spcPct val="150000"/>
+              </a:lnSpc>
+            </a:pPr>
+            <a:r>
+              <a:rPr lang="pt-PT" sz="800" dirty="0"/>
+              <a:t>12/09/2024</a:t>
+            </a:r>
+          </a:p>
+        </p:txBody>
+      </p:sp>
     </p:spTree>
     <p:extLst>
       <p:ext uri="{BB962C8B-B14F-4D97-AF65-F5344CB8AC3E}">
@@ -37551,6 +40130,145 @@
           </a:extLst>
         </p:spPr>
       </p:pic>
+      <p:sp>
+        <p:nvSpPr>
+          <p:cNvPr id="9" name="Footer Placeholder 4">
+            <a:extLst>
+              <a:ext uri="{FF2B5EF4-FFF2-40B4-BE49-F238E27FC236}">
+                <a16:creationId xmlns:a16="http://schemas.microsoft.com/office/drawing/2014/main" id="{F0CFDB5E-C1AF-9850-9EDA-C339D6943633}"/>
+              </a:ext>
+            </a:extLst>
+          </p:cNvPr>
+          <p:cNvSpPr txBox="1">
+            <a:spLocks/>
+          </p:cNvSpPr>
+          <p:nvPr/>
+        </p:nvSpPr>
+        <p:spPr>
+          <a:xfrm>
+            <a:off x="10180722" y="285844"/>
+            <a:ext cx="1122680" cy="341555"/>
+          </a:xfrm>
+          <a:prstGeom prst="rect">
+            <a:avLst/>
+          </a:prstGeom>
+        </p:spPr>
+        <p:txBody>
+          <a:bodyPr vert="horz" lIns="91440" tIns="45720" rIns="91440" bIns="45720" rtlCol="0" anchor="ctr"/>
+          <a:lstStyle>
+            <a:defPPr>
+              <a:defRPr lang="en-US"/>
+            </a:defPPr>
+            <a:lvl1pPr marL="0" algn="ctr" defTabSz="914400" rtl="0" eaLnBrk="1" latinLnBrk="0" hangingPunct="1">
+              <a:defRPr sz="900" b="0" kern="1200" cap="all" spc="150" baseline="0">
+                <a:solidFill>
+                  <a:schemeClr val="bg2">
+                    <a:lumMod val="50000"/>
+                  </a:schemeClr>
+                </a:solidFill>
+                <a:latin typeface="Univers Light" panose="020B0403020202020204" pitchFamily="34" charset="0"/>
+                <a:ea typeface="+mn-ea"/>
+                <a:cs typeface="+mn-cs"/>
+              </a:defRPr>
+            </a:lvl1pPr>
+            <a:lvl2pPr marL="457200" algn="l" defTabSz="914400" rtl="0" eaLnBrk="1" latinLnBrk="0" hangingPunct="1">
+              <a:defRPr sz="1800" kern="1200">
+                <a:solidFill>
+                  <a:schemeClr val="tx1"/>
+                </a:solidFill>
+                <a:latin typeface="+mn-lt"/>
+                <a:ea typeface="+mn-ea"/>
+                <a:cs typeface="+mn-cs"/>
+              </a:defRPr>
+            </a:lvl2pPr>
+            <a:lvl3pPr marL="914400" algn="l" defTabSz="914400" rtl="0" eaLnBrk="1" latinLnBrk="0" hangingPunct="1">
+              <a:defRPr sz="1800" kern="1200">
+                <a:solidFill>
+                  <a:schemeClr val="tx1"/>
+                </a:solidFill>
+                <a:latin typeface="+mn-lt"/>
+                <a:ea typeface="+mn-ea"/>
+                <a:cs typeface="+mn-cs"/>
+              </a:defRPr>
+            </a:lvl3pPr>
+            <a:lvl4pPr marL="1371600" algn="l" defTabSz="914400" rtl="0" eaLnBrk="1" latinLnBrk="0" hangingPunct="1">
+              <a:defRPr sz="1800" kern="1200">
+                <a:solidFill>
+                  <a:schemeClr val="tx1"/>
+                </a:solidFill>
+                <a:latin typeface="+mn-lt"/>
+                <a:ea typeface="+mn-ea"/>
+                <a:cs typeface="+mn-cs"/>
+              </a:defRPr>
+            </a:lvl4pPr>
+            <a:lvl5pPr marL="1828800" algn="l" defTabSz="914400" rtl="0" eaLnBrk="1" latinLnBrk="0" hangingPunct="1">
+              <a:defRPr sz="1800" kern="1200">
+                <a:solidFill>
+                  <a:schemeClr val="tx1"/>
+                </a:solidFill>
+                <a:latin typeface="+mn-lt"/>
+                <a:ea typeface="+mn-ea"/>
+                <a:cs typeface="+mn-cs"/>
+              </a:defRPr>
+            </a:lvl5pPr>
+            <a:lvl6pPr marL="2286000" algn="l" defTabSz="914400" rtl="0" eaLnBrk="1" latinLnBrk="0" hangingPunct="1">
+              <a:defRPr sz="1800" kern="1200">
+                <a:solidFill>
+                  <a:schemeClr val="tx1"/>
+                </a:solidFill>
+                <a:latin typeface="+mn-lt"/>
+                <a:ea typeface="+mn-ea"/>
+                <a:cs typeface="+mn-cs"/>
+              </a:defRPr>
+            </a:lvl6pPr>
+            <a:lvl7pPr marL="2743200" algn="l" defTabSz="914400" rtl="0" eaLnBrk="1" latinLnBrk="0" hangingPunct="1">
+              <a:defRPr sz="1800" kern="1200">
+                <a:solidFill>
+                  <a:schemeClr val="tx1"/>
+                </a:solidFill>
+                <a:latin typeface="+mn-lt"/>
+                <a:ea typeface="+mn-ea"/>
+                <a:cs typeface="+mn-cs"/>
+              </a:defRPr>
+            </a:lvl7pPr>
+            <a:lvl8pPr marL="3200400" algn="l" defTabSz="914400" rtl="0" eaLnBrk="1" latinLnBrk="0" hangingPunct="1">
+              <a:defRPr sz="1800" kern="1200">
+                <a:solidFill>
+                  <a:schemeClr val="tx1"/>
+                </a:solidFill>
+                <a:latin typeface="+mn-lt"/>
+                <a:ea typeface="+mn-ea"/>
+                <a:cs typeface="+mn-cs"/>
+              </a:defRPr>
+            </a:lvl8pPr>
+            <a:lvl9pPr marL="3657600" algn="l" defTabSz="914400" rtl="0" eaLnBrk="1" latinLnBrk="0" hangingPunct="1">
+              <a:defRPr sz="1800" kern="1200">
+                <a:solidFill>
+                  <a:schemeClr val="tx1"/>
+                </a:solidFill>
+                <a:latin typeface="+mn-lt"/>
+                <a:ea typeface="+mn-ea"/>
+                <a:cs typeface="+mn-cs"/>
+              </a:defRPr>
+            </a:lvl9pPr>
+          </a:lstStyle>
+          <a:p>
+            <a:pPr algn="r">
+              <a:lnSpc>
+                <a:spcPct val="150000"/>
+              </a:lnSpc>
+            </a:pPr>
+            <a:r>
+              <a:rPr lang="pt-PT" sz="800" dirty="0">
+                <a:solidFill>
+                  <a:schemeClr val="bg1"/>
+                </a:solidFill>
+              </a:rPr>
+              <a:t>12/09/2024</a:t>
+            </a:r>
+          </a:p>
+        </p:txBody>
+      </p:sp>
     </p:spTree>
     <p:extLst>
       <p:ext uri="{BB962C8B-B14F-4D97-AF65-F5344CB8AC3E}">
@@ -38552,50 +41270,25 @@
 </a:themeOverride>
 </file>
 
-<file path=ppt/theme/themeOverride3.xml><?xml version="1.0" encoding="utf-8"?>
-<a:themeOverride xmlns:a="http://schemas.openxmlformats.org/drawingml/2006/main">
-  <a:clrScheme name="Custom 23">
-    <a:dk1>
-      <a:sysClr val="windowText" lastClr="000000"/>
-    </a:dk1>
-    <a:lt1>
-      <a:sysClr val="window" lastClr="FFFFFF"/>
-    </a:lt1>
-    <a:dk2>
-      <a:srgbClr val="44546A"/>
-    </a:dk2>
-    <a:lt2>
-      <a:srgbClr val="E7E6E6"/>
-    </a:lt2>
-    <a:accent1>
-      <a:srgbClr val="58696B"/>
-    </a:accent1>
-    <a:accent2>
-      <a:srgbClr val="95B8BF"/>
-    </a:accent2>
-    <a:accent3>
-      <a:srgbClr val="BFD4D9"/>
-    </a:accent3>
-    <a:accent4>
-      <a:srgbClr val="5B4839"/>
-    </a:accent4>
-    <a:accent5>
-      <a:srgbClr val="C3A398"/>
-    </a:accent5>
-    <a:accent6>
-      <a:srgbClr val="CA553E"/>
-    </a:accent6>
-    <a:hlink>
-      <a:srgbClr val="0563C1"/>
-    </a:hlink>
-    <a:folHlink>
-      <a:srgbClr val="954F72"/>
-    </a:folHlink>
-  </a:clrScheme>
-</a:themeOverride>
+<file path=customXml/item1.xml><?xml version="1.0" encoding="utf-8"?>
+<?mso-contentType ?>
+<FormTemplates xmlns="http://schemas.microsoft.com/sharepoint/v3/contenttype/forms">
+  <Display>DocumentLibraryForm</Display>
+  <Edit>DocumentLibraryForm</Edit>
+  <New>DocumentLibraryForm</New>
+</FormTemplates>
 </file>
 
-<file path=customXml/item1.xml><?xml version="1.0" encoding="utf-8"?>
+<file path=customXml/item2.xml><?xml version="1.0" encoding="utf-8"?>
+<p:properties xmlns:p="http://schemas.microsoft.com/office/2006/metadata/properties" xmlns:xsi="http://www.w3.org/2001/XMLSchema-instance" xmlns:pc="http://schemas.microsoft.com/office/infopath/2007/PartnerControls">
+  <documentManagement>
+    <MediaServiceKeyPoints xmlns="49ea7286-31dc-4857-8ba0-9dd5131121ba" xsi:nil="true"/>
+    <_activity xmlns="49ea7286-31dc-4857-8ba0-9dd5131121ba" xsi:nil="true"/>
+  </documentManagement>
+</p:properties>
+</file>
+
+<file path=customXml/item3.xml><?xml version="1.0" encoding="utf-8"?>
 <ct:contentTypeSchema xmlns:ct="http://schemas.microsoft.com/office/2006/metadata/contentType" xmlns:ma="http://schemas.microsoft.com/office/2006/metadata/properties/metaAttributes" ct:_="" ma:_="" ma:contentTypeName="Document" ma:contentTypeID="0x010100A73A92E9BB0D154D881191BAEDDE609C" ma:contentTypeVersion="15" ma:contentTypeDescription="Create a new document." ma:contentTypeScope="" ma:versionID="efb1cbc0b36a0d4d469bd0290935f8df">
   <xsd:schema xmlns:xsd="http://www.w3.org/2001/XMLSchema" xmlns:xs="http://www.w3.org/2001/XMLSchema" xmlns:p="http://schemas.microsoft.com/office/2006/metadata/properties" xmlns:ns3="49ea7286-31dc-4857-8ba0-9dd5131121ba" xmlns:ns4="490ae867-905f-461a-953e-c60010c4e0c9" targetNamespace="http://schemas.microsoft.com/office/2006/metadata/properties" ma:root="true" ma:fieldsID="f3e6108c9adebc81ed2cd74cc74f8ca6" ns3:_="" ns4:_="">
     <xsd:import namespace="49ea7286-31dc-4857-8ba0-9dd5131121ba"/>
@@ -38830,39 +41523,10 @@
 </ct:contentTypeSchema>
 </file>
 
-<file path=customXml/item2.xml><?xml version="1.0" encoding="utf-8"?>
-<p:properties xmlns:p="http://schemas.microsoft.com/office/2006/metadata/properties" xmlns:xsi="http://www.w3.org/2001/XMLSchema-instance" xmlns:pc="http://schemas.microsoft.com/office/infopath/2007/PartnerControls">
-  <documentManagement>
-    <MediaServiceKeyPoints xmlns="49ea7286-31dc-4857-8ba0-9dd5131121ba" xsi:nil="true"/>
-    <_activity xmlns="49ea7286-31dc-4857-8ba0-9dd5131121ba" xsi:nil="true"/>
-  </documentManagement>
-</p:properties>
-</file>
-
-<file path=customXml/item3.xml><?xml version="1.0" encoding="utf-8"?>
-<?mso-contentType ?>
-<FormTemplates xmlns="http://schemas.microsoft.com/sharepoint/v3/contenttype/forms">
-  <Display>DocumentLibraryForm</Display>
-  <Edit>DocumentLibraryForm</Edit>
-  <New>DocumentLibraryForm</New>
-</FormTemplates>
-</file>
-
 <file path=customXml/itemProps1.xml><?xml version="1.0" encoding="utf-8"?>
-<ds:datastoreItem xmlns:ds="http://schemas.openxmlformats.org/officeDocument/2006/customXml" ds:itemID="{2772B1AE-A3BA-4700-8DCD-4A25B8D329B2}">
+<ds:datastoreItem xmlns:ds="http://schemas.openxmlformats.org/officeDocument/2006/customXml" ds:itemID="{A98CD342-50C4-441F-B4A3-7D5ADB057132}">
   <ds:schemaRefs>
-    <ds:schemaRef ds:uri="http://schemas.microsoft.com/office/2006/metadata/contentType"/>
-    <ds:schemaRef ds:uri="http://schemas.microsoft.com/office/2006/metadata/properties/metaAttributes"/>
-    <ds:schemaRef ds:uri="http://www.w3.org/2001/XMLSchema"/>
-    <ds:schemaRef ds:uri="http://schemas.microsoft.com/office/2006/metadata/properties"/>
-    <ds:schemaRef ds:uri="49ea7286-31dc-4857-8ba0-9dd5131121ba"/>
-    <ds:schemaRef ds:uri="490ae867-905f-461a-953e-c60010c4e0c9"/>
-    <ds:schemaRef ds:uri="http://schemas.microsoft.com/office/2006/documentManagement/types"/>
-    <ds:schemaRef ds:uri="http://schemas.microsoft.com/office/infopath/2007/PartnerControls"/>
-    <ds:schemaRef ds:uri="http://schemas.openxmlformats.org/package/2006/metadata/core-properties"/>
-    <ds:schemaRef ds:uri="http://purl.org/dc/elements/1.1/"/>
-    <ds:schemaRef ds:uri="http://purl.org/dc/terms/"/>
-    <ds:schemaRef ds:uri="http://schemas.microsoft.com/internal/obd"/>
+    <ds:schemaRef ds:uri="http://schemas.microsoft.com/sharepoint/v3/contenttype/forms"/>
   </ds:schemaRefs>
 </ds:datastoreItem>
 </file>
@@ -38885,9 +41549,20 @@
 </file>
 
 <file path=customXml/itemProps3.xml><?xml version="1.0" encoding="utf-8"?>
-<ds:datastoreItem xmlns:ds="http://schemas.openxmlformats.org/officeDocument/2006/customXml" ds:itemID="{A98CD342-50C4-441F-B4A3-7D5ADB057132}">
+<ds:datastoreItem xmlns:ds="http://schemas.openxmlformats.org/officeDocument/2006/customXml" ds:itemID="{2772B1AE-A3BA-4700-8DCD-4A25B8D329B2}">
   <ds:schemaRefs>
-    <ds:schemaRef ds:uri="http://schemas.microsoft.com/sharepoint/v3/contenttype/forms"/>
+    <ds:schemaRef ds:uri="http://schemas.microsoft.com/office/2006/metadata/contentType"/>
+    <ds:schemaRef ds:uri="http://schemas.microsoft.com/office/2006/metadata/properties/metaAttributes"/>
+    <ds:schemaRef ds:uri="http://www.w3.org/2001/XMLSchema"/>
+    <ds:schemaRef ds:uri="http://schemas.microsoft.com/office/2006/metadata/properties"/>
+    <ds:schemaRef ds:uri="49ea7286-31dc-4857-8ba0-9dd5131121ba"/>
+    <ds:schemaRef ds:uri="490ae867-905f-461a-953e-c60010c4e0c9"/>
+    <ds:schemaRef ds:uri="http://schemas.microsoft.com/office/2006/documentManagement/types"/>
+    <ds:schemaRef ds:uri="http://schemas.microsoft.com/office/infopath/2007/PartnerControls"/>
+    <ds:schemaRef ds:uri="http://schemas.openxmlformats.org/package/2006/metadata/core-properties"/>
+    <ds:schemaRef ds:uri="http://purl.org/dc/elements/1.1/"/>
+    <ds:schemaRef ds:uri="http://purl.org/dc/terms/"/>
+    <ds:schemaRef ds:uri="http://schemas.microsoft.com/internal/obd"/>
   </ds:schemaRefs>
 </ds:datastoreItem>
 </file>
